--- a/Prezentacja_29.04.pptx
+++ b/Prezentacja_29.04.pptx
@@ -7,34 +7,36 @@
   <p:sldIdLst>
     <p:sldId id="256" r:id="rId2"/>
     <p:sldId id="258" r:id="rId3"/>
-    <p:sldId id="275" r:id="rId4"/>
-    <p:sldId id="276" r:id="rId5"/>
-    <p:sldId id="257" r:id="rId6"/>
-    <p:sldId id="259" r:id="rId7"/>
-    <p:sldId id="260" r:id="rId8"/>
-    <p:sldId id="261" r:id="rId9"/>
-    <p:sldId id="262" r:id="rId10"/>
-    <p:sldId id="263" r:id="rId11"/>
-    <p:sldId id="264" r:id="rId12"/>
-    <p:sldId id="267" r:id="rId13"/>
-    <p:sldId id="269" r:id="rId14"/>
-    <p:sldId id="270" r:id="rId15"/>
-    <p:sldId id="266" r:id="rId16"/>
-    <p:sldId id="271" r:id="rId17"/>
-    <p:sldId id="272" r:id="rId18"/>
-    <p:sldId id="273" r:id="rId19"/>
-    <p:sldId id="274" r:id="rId20"/>
-    <p:sldId id="277" r:id="rId21"/>
-    <p:sldId id="278" r:id="rId22"/>
-    <p:sldId id="279" r:id="rId23"/>
-    <p:sldId id="280" r:id="rId24"/>
-    <p:sldId id="281" r:id="rId25"/>
-    <p:sldId id="282" r:id="rId26"/>
-    <p:sldId id="283" r:id="rId27"/>
-    <p:sldId id="284" r:id="rId28"/>
-    <p:sldId id="285" r:id="rId29"/>
-    <p:sldId id="286" r:id="rId30"/>
-    <p:sldId id="287" r:id="rId31"/>
+    <p:sldId id="288" r:id="rId4"/>
+    <p:sldId id="289" r:id="rId5"/>
+    <p:sldId id="275" r:id="rId6"/>
+    <p:sldId id="276" r:id="rId7"/>
+    <p:sldId id="257" r:id="rId8"/>
+    <p:sldId id="259" r:id="rId9"/>
+    <p:sldId id="260" r:id="rId10"/>
+    <p:sldId id="261" r:id="rId11"/>
+    <p:sldId id="262" r:id="rId12"/>
+    <p:sldId id="263" r:id="rId13"/>
+    <p:sldId id="264" r:id="rId14"/>
+    <p:sldId id="267" r:id="rId15"/>
+    <p:sldId id="269" r:id="rId16"/>
+    <p:sldId id="270" r:id="rId17"/>
+    <p:sldId id="266" r:id="rId18"/>
+    <p:sldId id="271" r:id="rId19"/>
+    <p:sldId id="272" r:id="rId20"/>
+    <p:sldId id="273" r:id="rId21"/>
+    <p:sldId id="274" r:id="rId22"/>
+    <p:sldId id="277" r:id="rId23"/>
+    <p:sldId id="278" r:id="rId24"/>
+    <p:sldId id="279" r:id="rId25"/>
+    <p:sldId id="280" r:id="rId26"/>
+    <p:sldId id="281" r:id="rId27"/>
+    <p:sldId id="282" r:id="rId28"/>
+    <p:sldId id="283" r:id="rId29"/>
+    <p:sldId id="284" r:id="rId30"/>
+    <p:sldId id="285" r:id="rId31"/>
+    <p:sldId id="286" r:id="rId32"/>
+    <p:sldId id="287" r:id="rId33"/>
   </p:sldIdLst>
   <p:sldSz cx="12192000" cy="6858000"/>
   <p:notesSz cx="6858000" cy="9144000"/>
@@ -144,8 +146,7 @@
 <file path=ppt/revisionInfo.xml><?xml version="1.0" encoding="utf-8"?>
 <p1510:revInfo xmlns:a="http://schemas.openxmlformats.org/drawingml/2006/main" xmlns:r="http://schemas.openxmlformats.org/officeDocument/2006/relationships" xmlns:p1510="http://schemas.microsoft.com/office/powerpoint/2015/10/main">
   <p1510:revLst>
-    <p1510:client id="{C900D725-2AA0-49DC-B631-139C5D10CA41}" v="2" dt="2021-04-13T19:47:23.647"/>
-    <p1510:client id="{EBD94B68-F2D6-4FBB-935A-C838932B453A}" v="587" dt="2021-04-01T07:44:18.826"/>
+    <p1510:client id="{717E9E4F-AA6D-4C42-960B-762624E6208B}" v="2" dt="2021-04-28T12:55:18.924"/>
   </p1510:revLst>
 </p1510:revInfo>
 </file>
@@ -13516,6 +13517,193 @@
           <p:cNvPr id="2" name="Tytuł 1">
             <a:extLst>
               <a:ext uri="{FF2B5EF4-FFF2-40B4-BE49-F238E27FC236}">
+                <a16:creationId xmlns:a16="http://schemas.microsoft.com/office/drawing/2014/main" id="{276E0BDA-CFCE-4FCC-9462-7ABD12218273}"/>
+              </a:ext>
+            </a:extLst>
+          </p:cNvPr>
+          <p:cNvSpPr>
+            <a:spLocks noGrp="1"/>
+          </p:cNvSpPr>
+          <p:nvPr>
+            <p:ph type="title"/>
+          </p:nvPr>
+        </p:nvSpPr>
+        <p:spPr/>
+        <p:txBody>
+          <a:bodyPr/>
+          <a:lstStyle/>
+          <a:p>
+            <a:r>
+              <a:rPr lang="pl-PL"/>
+              <a:t>Mapa myśli</a:t>
+            </a:r>
+          </a:p>
+        </p:txBody>
+      </p:sp>
+      <p:graphicFrame>
+        <p:nvGraphicFramePr>
+          <p:cNvPr id="4" name="Symbol zastępczy zawartości 3">
+            <a:extLst>
+              <a:ext uri="{FF2B5EF4-FFF2-40B4-BE49-F238E27FC236}">
+                <a16:creationId xmlns:a16="http://schemas.microsoft.com/office/drawing/2014/main" id="{13A4F842-1CB8-436D-952D-AC3D8A2DFCA5}"/>
+              </a:ext>
+            </a:extLst>
+          </p:cNvPr>
+          <p:cNvGraphicFramePr>
+            <a:graphicFrameLocks noGrp="1"/>
+          </p:cNvGraphicFramePr>
+          <p:nvPr>
+            <p:ph idx="1"/>
+            <p:extLst>
+              <p:ext uri="{D42A27DB-BD31-4B8C-83A1-F6EECF244321}">
+                <p14:modId xmlns:p14="http://schemas.microsoft.com/office/powerpoint/2010/main" val="1244398296"/>
+              </p:ext>
+            </p:extLst>
+          </p:nvPr>
+        </p:nvGraphicFramePr>
+        <p:xfrm>
+          <a:off x="0" y="855677"/>
+          <a:ext cx="10427516" cy="5855516"/>
+        </p:xfrm>
+        <a:graphic>
+          <a:graphicData uri="http://schemas.openxmlformats.org/drawingml/2006/diagram">
+            <dgm:relIds xmlns:dgm="http://schemas.openxmlformats.org/drawingml/2006/diagram" xmlns:r="http://schemas.openxmlformats.org/officeDocument/2006/relationships" r:dm="rId2" r:lo="rId3" r:qs="rId4" r:cs="rId5"/>
+          </a:graphicData>
+        </a:graphic>
+      </p:graphicFrame>
+    </p:spTree>
+    <p:extLst>
+      <p:ext uri="{BB962C8B-B14F-4D97-AF65-F5344CB8AC3E}">
+        <p14:creationId xmlns:p14="http://schemas.microsoft.com/office/powerpoint/2010/main" val="2644152362"/>
+      </p:ext>
+    </p:extLst>
+  </p:cSld>
+  <p:clrMapOvr>
+    <a:masterClrMapping/>
+  </p:clrMapOvr>
+</p:sld>
+</file>
+
+<file path=ppt/slides/slide11.xml><?xml version="1.0" encoding="utf-8"?>
+<p:sld xmlns:a="http://schemas.openxmlformats.org/drawingml/2006/main" xmlns:r="http://schemas.openxmlformats.org/officeDocument/2006/relationships" xmlns:p="http://schemas.openxmlformats.org/presentationml/2006/main">
+  <p:cSld>
+    <p:spTree>
+      <p:nvGrpSpPr>
+        <p:cNvPr id="1" name=""/>
+        <p:cNvGrpSpPr/>
+        <p:nvPr/>
+      </p:nvGrpSpPr>
+      <p:grpSpPr>
+        <a:xfrm>
+          <a:off x="0" y="0"/>
+          <a:ext cx="0" cy="0"/>
+          <a:chOff x="0" y="0"/>
+          <a:chExt cx="0" cy="0"/>
+        </a:xfrm>
+      </p:grpSpPr>
+      <p:sp>
+        <p:nvSpPr>
+          <p:cNvPr id="2" name="Tytuł 1">
+            <a:extLst>
+              <a:ext uri="{FF2B5EF4-FFF2-40B4-BE49-F238E27FC236}">
+                <a16:creationId xmlns:a16="http://schemas.microsoft.com/office/drawing/2014/main" id="{05FE9B8C-BCC8-491A-9A40-09796781C6C5}"/>
+              </a:ext>
+            </a:extLst>
+          </p:cNvPr>
+          <p:cNvSpPr>
+            <a:spLocks noGrp="1"/>
+          </p:cNvSpPr>
+          <p:nvPr>
+            <p:ph type="title"/>
+          </p:nvPr>
+        </p:nvSpPr>
+        <p:spPr/>
+        <p:txBody>
+          <a:bodyPr/>
+          <a:lstStyle/>
+          <a:p>
+            <a:r>
+              <a:rPr lang="pl-PL"/>
+              <a:t>Serwisowanie</a:t>
+            </a:r>
+          </a:p>
+        </p:txBody>
+      </p:sp>
+      <p:sp>
+        <p:nvSpPr>
+          <p:cNvPr id="3" name="Symbol zastępczy zawartości 2">
+            <a:extLst>
+              <a:ext uri="{FF2B5EF4-FFF2-40B4-BE49-F238E27FC236}">
+                <a16:creationId xmlns:a16="http://schemas.microsoft.com/office/drawing/2014/main" id="{390CC1DD-0AF3-4FE1-8E9E-B299C34769A8}"/>
+              </a:ext>
+            </a:extLst>
+          </p:cNvPr>
+          <p:cNvSpPr>
+            <a:spLocks noGrp="1"/>
+          </p:cNvSpPr>
+          <p:nvPr>
+            <p:ph idx="1"/>
+          </p:nvPr>
+        </p:nvSpPr>
+        <p:spPr/>
+        <p:txBody>
+          <a:bodyPr/>
+          <a:lstStyle/>
+          <a:p>
+            <a:pPr algn="just"/>
+            <a:r>
+              <a:rPr lang="pl-PL" dirty="0"/>
+              <a:t>Eksploatacja prowadzona jest według planowanej profilaktyki. Obsługa (przegląd) profilaktyczny maszyn wykonywany jest przez zewnętrzną firmę, okresowe i bieżące przeglądy wykonywane są w naszym przedsiębiorstwie. Obsługa bieżąca – raz w tygodniu, okresowa – raz na trzy miesiące, przegląd profilaktyczny – raz na rok.</a:t>
+            </a:r>
+          </a:p>
+          <a:p>
+            <a:pPr algn="just"/>
+            <a:endParaRPr lang="pl-PL" dirty="0"/>
+          </a:p>
+          <a:p>
+            <a:pPr algn="just"/>
+            <a:r>
+              <a:rPr lang="pl-PL" dirty="0"/>
+              <a:t>Dodanie odniesienia w jaki sposób jest prowadzone serwisowanie</a:t>
+            </a:r>
+          </a:p>
+        </p:txBody>
+      </p:sp>
+    </p:spTree>
+    <p:extLst>
+      <p:ext uri="{BB962C8B-B14F-4D97-AF65-F5344CB8AC3E}">
+        <p14:creationId xmlns:p14="http://schemas.microsoft.com/office/powerpoint/2010/main" val="4285159381"/>
+      </p:ext>
+    </p:extLst>
+  </p:cSld>
+  <p:clrMapOvr>
+    <a:masterClrMapping/>
+  </p:clrMapOvr>
+</p:sld>
+</file>
+
+<file path=ppt/slides/slide12.xml><?xml version="1.0" encoding="utf-8"?>
+<p:sld xmlns:a="http://schemas.openxmlformats.org/drawingml/2006/main" xmlns:r="http://schemas.openxmlformats.org/officeDocument/2006/relationships" xmlns:p="http://schemas.openxmlformats.org/presentationml/2006/main" show="0">
+  <p:cSld>
+    <p:spTree>
+      <p:nvGrpSpPr>
+        <p:cNvPr id="1" name=""/>
+        <p:cNvGrpSpPr/>
+        <p:nvPr/>
+      </p:nvGrpSpPr>
+      <p:grpSpPr>
+        <a:xfrm>
+          <a:off x="0" y="0"/>
+          <a:ext cx="0" cy="0"/>
+          <a:chOff x="0" y="0"/>
+          <a:chExt cx="0" cy="0"/>
+        </a:xfrm>
+      </p:grpSpPr>
+      <p:sp>
+        <p:nvSpPr>
+          <p:cNvPr id="2" name="Tytuł 1">
+            <a:extLst>
+              <a:ext uri="{FF2B5EF4-FFF2-40B4-BE49-F238E27FC236}">
                 <a16:creationId xmlns:a16="http://schemas.microsoft.com/office/drawing/2014/main" id="{9668A663-06A6-400A-AD15-383579BDB3DE}"/>
               </a:ext>
             </a:extLst>
@@ -13583,7 +13771,7 @@
 </p:sld>
 </file>
 
-<file path=ppt/slides/slide11.xml><?xml version="1.0" encoding="utf-8"?>
+<file path=ppt/slides/slide13.xml><?xml version="1.0" encoding="utf-8"?>
 <p:sld xmlns:a="http://schemas.openxmlformats.org/drawingml/2006/main" xmlns:r="http://schemas.openxmlformats.org/officeDocument/2006/relationships" xmlns:p="http://schemas.openxmlformats.org/presentationml/2006/main" show="0">
   <p:cSld>
     <p:spTree>
@@ -15033,7 +15221,7 @@
 </p:sld>
 </file>
 
-<file path=ppt/slides/slide12.xml><?xml version="1.0" encoding="utf-8"?>
+<file path=ppt/slides/slide14.xml><?xml version="1.0" encoding="utf-8"?>
 <p:sld xmlns:a="http://schemas.openxmlformats.org/drawingml/2006/main" xmlns:r="http://schemas.openxmlformats.org/officeDocument/2006/relationships" xmlns:p="http://schemas.openxmlformats.org/presentationml/2006/main" show="0">
   <p:cSld>
     <p:spTree>
@@ -15486,7 +15674,7 @@
 </p:sld>
 </file>
 
-<file path=ppt/slides/slide13.xml><?xml version="1.0" encoding="utf-8"?>
+<file path=ppt/slides/slide15.xml><?xml version="1.0" encoding="utf-8"?>
 <p:sld xmlns:a="http://schemas.openxmlformats.org/drawingml/2006/main" xmlns:r="http://schemas.openxmlformats.org/officeDocument/2006/relationships" xmlns:p="http://schemas.openxmlformats.org/presentationml/2006/main" show="0">
   <p:cSld>
     <p:spTree>
@@ -16060,7 +16248,7 @@
 </p:sld>
 </file>
 
-<file path=ppt/slides/slide14.xml><?xml version="1.0" encoding="utf-8"?>
+<file path=ppt/slides/slide16.xml><?xml version="1.0" encoding="utf-8"?>
 <p:sld xmlns:a="http://schemas.openxmlformats.org/drawingml/2006/main" xmlns:r="http://schemas.openxmlformats.org/officeDocument/2006/relationships" xmlns:p="http://schemas.openxmlformats.org/presentationml/2006/main" show="0">
   <p:cSld>
     <p:spTree>
@@ -16549,7 +16737,7 @@
 </p:sld>
 </file>
 
-<file path=ppt/slides/slide15.xml><?xml version="1.0" encoding="utf-8"?>
+<file path=ppt/slides/slide17.xml><?xml version="1.0" encoding="utf-8"?>
 <p:sld xmlns:a="http://schemas.openxmlformats.org/drawingml/2006/main" xmlns:r="http://schemas.openxmlformats.org/officeDocument/2006/relationships" xmlns:p="http://schemas.openxmlformats.org/presentationml/2006/main">
   <p:cSld>
     <p:spTree>
@@ -16616,12 +16804,3186 @@
           <a:lstStyle/>
           <a:p>
             <a:r>
-              <a:rPr lang="pl-PL"/>
+              <a:rPr lang="pl-PL" dirty="0"/>
               <a:t>W naszym projekcie wykorzystujemy architekturę dwuwarstwową klient-serwer.</a:t>
             </a:r>
+          </a:p>
+          <a:p>
+            <a:endParaRPr lang="pl-PL" dirty="0"/>
+          </a:p>
+          <a:p>
+            <a:endParaRPr lang="pl-PL" dirty="0"/>
           </a:p>
         </p:txBody>
       </p:sp>
+      <p:grpSp>
+        <p:nvGrpSpPr>
+          <p:cNvPr id="4" name="Grupa 3">
+            <a:extLst>
+              <a:ext uri="{FF2B5EF4-FFF2-40B4-BE49-F238E27FC236}">
+                <a16:creationId xmlns:a16="http://schemas.microsoft.com/office/drawing/2014/main" id="{E0E238D8-DCAD-4F3B-B3C0-6B7B5BE131A3}"/>
+              </a:ext>
+            </a:extLst>
+          </p:cNvPr>
+          <p:cNvGrpSpPr/>
+          <p:nvPr/>
+        </p:nvGrpSpPr>
+        <p:grpSpPr>
+          <a:xfrm>
+            <a:off x="3608113" y="3573989"/>
+            <a:ext cx="4191001" cy="2362200"/>
+            <a:chOff x="2339752" y="3760537"/>
+            <a:chExt cx="4191001" cy="2362200"/>
+          </a:xfrm>
+        </p:grpSpPr>
+        <p:grpSp>
+          <p:nvGrpSpPr>
+            <p:cNvPr id="5" name="Group 11">
+              <a:extLst>
+                <a:ext uri="{FF2B5EF4-FFF2-40B4-BE49-F238E27FC236}">
+                  <a16:creationId xmlns:a16="http://schemas.microsoft.com/office/drawing/2014/main" id="{20881B34-37DC-4743-A8AD-38313C1453E5}"/>
+                </a:ext>
+              </a:extLst>
+            </p:cNvPr>
+            <p:cNvGrpSpPr>
+              <a:grpSpLocks/>
+            </p:cNvGrpSpPr>
+            <p:nvPr/>
+          </p:nvGrpSpPr>
+          <p:grpSpPr bwMode="auto">
+            <a:xfrm>
+              <a:off x="2339752" y="3760537"/>
+              <a:ext cx="4191001" cy="2362200"/>
+              <a:chOff x="336" y="1248"/>
+              <a:chExt cx="5124" cy="2394"/>
+            </a:xfrm>
+          </p:grpSpPr>
+          <p:sp>
+            <p:nvSpPr>
+              <p:cNvPr id="7" name="laptop">
+                <a:extLst>
+                  <a:ext uri="{FF2B5EF4-FFF2-40B4-BE49-F238E27FC236}">
+                    <a16:creationId xmlns:a16="http://schemas.microsoft.com/office/drawing/2014/main" id="{0B749EE0-B7FF-4E3D-AAE3-3991A3DF7A3D}"/>
+                  </a:ext>
+                </a:extLst>
+              </p:cNvPr>
+              <p:cNvSpPr>
+                <a:spLocks noEditPoints="1" noChangeArrowheads="1"/>
+              </p:cNvSpPr>
+              <p:nvPr/>
+            </p:nvSpPr>
+            <p:spPr bwMode="auto">
+              <a:xfrm>
+                <a:off x="336" y="1344"/>
+                <a:ext cx="1140" cy="858"/>
+              </a:xfrm>
+              <a:custGeom>
+                <a:avLst/>
+                <a:gdLst>
+                  <a:gd name="T0" fmla="*/ 3362 w 21600"/>
+                  <a:gd name="T1" fmla="*/ 0 h 21600"/>
+                  <a:gd name="T2" fmla="*/ 3362 w 21600"/>
+                  <a:gd name="T3" fmla="*/ 7173 h 21600"/>
+                  <a:gd name="T4" fmla="*/ 18327 w 21600"/>
+                  <a:gd name="T5" fmla="*/ 0 h 21600"/>
+                  <a:gd name="T6" fmla="*/ 18327 w 21600"/>
+                  <a:gd name="T7" fmla="*/ 7173 h 21600"/>
+                  <a:gd name="T8" fmla="*/ 10800 w 21600"/>
+                  <a:gd name="T9" fmla="*/ 0 h 21600"/>
+                  <a:gd name="T10" fmla="*/ 10800 w 21600"/>
+                  <a:gd name="T11" fmla="*/ 21600 h 21600"/>
+                  <a:gd name="T12" fmla="*/ 0 w 21600"/>
+                  <a:gd name="T13" fmla="*/ 21600 h 21600"/>
+                  <a:gd name="T14" fmla="*/ 21600 w 21600"/>
+                  <a:gd name="T15" fmla="*/ 21600 h 21600"/>
+                  <a:gd name="T16" fmla="*/ 4445 w 21600"/>
+                  <a:gd name="T17" fmla="*/ 1858 h 21600"/>
+                  <a:gd name="T18" fmla="*/ 17311 w 21600"/>
+                  <a:gd name="T19" fmla="*/ 12323 h 21600"/>
+                </a:gdLst>
+                <a:ahLst/>
+                <a:cxnLst>
+                  <a:cxn ang="0">
+                    <a:pos x="T0" y="T1"/>
+                  </a:cxn>
+                  <a:cxn ang="0">
+                    <a:pos x="T2" y="T3"/>
+                  </a:cxn>
+                  <a:cxn ang="0">
+                    <a:pos x="T4" y="T5"/>
+                  </a:cxn>
+                  <a:cxn ang="0">
+                    <a:pos x="T6" y="T7"/>
+                  </a:cxn>
+                  <a:cxn ang="0">
+                    <a:pos x="T8" y="T9"/>
+                  </a:cxn>
+                  <a:cxn ang="0">
+                    <a:pos x="T10" y="T11"/>
+                  </a:cxn>
+                  <a:cxn ang="0">
+                    <a:pos x="T12" y="T13"/>
+                  </a:cxn>
+                  <a:cxn ang="0">
+                    <a:pos x="T14" y="T15"/>
+                  </a:cxn>
+                </a:cxnLst>
+                <a:rect l="T16" t="T17" r="T18" b="T19"/>
+                <a:pathLst>
+                  <a:path w="21600" h="21600" extrusionOk="0">
+                    <a:moveTo>
+                      <a:pt x="3362" y="0"/>
+                    </a:moveTo>
+                    <a:lnTo>
+                      <a:pt x="18327" y="0"/>
+                    </a:lnTo>
+                    <a:lnTo>
+                      <a:pt x="18327" y="14347"/>
+                    </a:lnTo>
+                    <a:lnTo>
+                      <a:pt x="3362" y="14347"/>
+                    </a:lnTo>
+                    <a:lnTo>
+                      <a:pt x="3362" y="0"/>
+                    </a:lnTo>
+                    <a:close/>
+                  </a:path>
+                  <a:path w="21600" h="21600" extrusionOk="0">
+                    <a:moveTo>
+                      <a:pt x="3340" y="15068"/>
+                    </a:moveTo>
+                    <a:lnTo>
+                      <a:pt x="0" y="19877"/>
+                    </a:lnTo>
+                    <a:lnTo>
+                      <a:pt x="21600" y="19877"/>
+                    </a:lnTo>
+                    <a:lnTo>
+                      <a:pt x="18327" y="15068"/>
+                    </a:lnTo>
+                    <a:lnTo>
+                      <a:pt x="3340" y="15068"/>
+                    </a:lnTo>
+                    <a:close/>
+                  </a:path>
+                  <a:path w="21600" h="21600" extrusionOk="0">
+                    <a:moveTo>
+                      <a:pt x="0" y="19877"/>
+                    </a:moveTo>
+                    <a:lnTo>
+                      <a:pt x="0" y="21600"/>
+                    </a:lnTo>
+                    <a:lnTo>
+                      <a:pt x="21600" y="21600"/>
+                    </a:lnTo>
+                    <a:lnTo>
+                      <a:pt x="21600" y="19877"/>
+                    </a:lnTo>
+                    <a:lnTo>
+                      <a:pt x="0" y="19877"/>
+                    </a:lnTo>
+                    <a:close/>
+                  </a:path>
+                  <a:path w="21600" h="21600" extrusionOk="0">
+                    <a:moveTo>
+                      <a:pt x="4186" y="1523"/>
+                    </a:moveTo>
+                    <a:lnTo>
+                      <a:pt x="17547" y="1523"/>
+                    </a:lnTo>
+                    <a:lnTo>
+                      <a:pt x="17547" y="12744"/>
+                    </a:lnTo>
+                    <a:lnTo>
+                      <a:pt x="4186" y="12744"/>
+                    </a:lnTo>
+                    <a:lnTo>
+                      <a:pt x="4186" y="1523"/>
+                    </a:lnTo>
+                    <a:close/>
+                  </a:path>
+                  <a:path w="21600" h="21600" extrusionOk="0">
+                    <a:moveTo>
+                      <a:pt x="3318" y="15549"/>
+                    </a:moveTo>
+                    <a:lnTo>
+                      <a:pt x="2917" y="16110"/>
+                    </a:lnTo>
+                    <a:lnTo>
+                      <a:pt x="18727" y="16110"/>
+                    </a:lnTo>
+                    <a:lnTo>
+                      <a:pt x="18327" y="15549"/>
+                    </a:lnTo>
+                    <a:lnTo>
+                      <a:pt x="3318" y="15549"/>
+                    </a:lnTo>
+                    <a:close/>
+                  </a:path>
+                  <a:path w="21600" h="21600" extrusionOk="0">
+                    <a:moveTo>
+                      <a:pt x="6213" y="18314"/>
+                    </a:moveTo>
+                    <a:lnTo>
+                      <a:pt x="5946" y="18875"/>
+                    </a:lnTo>
+                    <a:lnTo>
+                      <a:pt x="15766" y="18875"/>
+                    </a:lnTo>
+                    <a:lnTo>
+                      <a:pt x="15499" y="18314"/>
+                    </a:lnTo>
+                    <a:lnTo>
+                      <a:pt x="6213" y="18314"/>
+                    </a:lnTo>
+                    <a:close/>
+                  </a:path>
+                  <a:path w="21600" h="21600" extrusionOk="0">
+                    <a:moveTo>
+                      <a:pt x="2828" y="16471"/>
+                    </a:moveTo>
+                    <a:lnTo>
+                      <a:pt x="2405" y="17072"/>
+                    </a:lnTo>
+                    <a:lnTo>
+                      <a:pt x="19284" y="17072"/>
+                    </a:lnTo>
+                    <a:lnTo>
+                      <a:pt x="18839" y="16471"/>
+                    </a:lnTo>
+                    <a:lnTo>
+                      <a:pt x="2828" y="16471"/>
+                    </a:lnTo>
+                    <a:close/>
+                  </a:path>
+                  <a:path w="21600" h="21600" extrusionOk="0">
+                    <a:moveTo>
+                      <a:pt x="2316" y="17352"/>
+                    </a:moveTo>
+                    <a:lnTo>
+                      <a:pt x="1871" y="17953"/>
+                    </a:lnTo>
+                    <a:lnTo>
+                      <a:pt x="19863" y="17953"/>
+                    </a:lnTo>
+                    <a:lnTo>
+                      <a:pt x="19395" y="17352"/>
+                    </a:lnTo>
+                    <a:lnTo>
+                      <a:pt x="2316" y="17352"/>
+                    </a:lnTo>
+                    <a:close/>
+                  </a:path>
+                </a:pathLst>
+              </a:custGeom>
+              <a:solidFill>
+                <a:srgbClr val="C0C0C0"/>
+              </a:solidFill>
+              <a:ln w="9525">
+                <a:solidFill>
+                  <a:srgbClr val="000000"/>
+                </a:solidFill>
+                <a:miter lim="800000"/>
+                <a:headEnd/>
+                <a:tailEnd/>
+              </a:ln>
+            </p:spPr>
+            <p:txBody>
+              <a:bodyPr/>
+              <a:lstStyle>
+                <a:defPPr>
+                  <a:defRPr lang="pl-PL"/>
+                </a:defPPr>
+                <a:lvl1pPr algn="l" rtl="0" fontAlgn="base">
+                  <a:spcBef>
+                    <a:spcPct val="0"/>
+                  </a:spcBef>
+                  <a:spcAft>
+                    <a:spcPct val="0"/>
+                  </a:spcAft>
+                  <a:defRPr sz="2400" kern="1200">
+                    <a:solidFill>
+                      <a:schemeClr val="tx1"/>
+                    </a:solidFill>
+                    <a:latin typeface="Times New Roman" pitchFamily="18" charset="0"/>
+                    <a:ea typeface="+mn-ea"/>
+                    <a:cs typeface="+mn-cs"/>
+                  </a:defRPr>
+                </a:lvl1pPr>
+                <a:lvl2pPr marL="457200" algn="l" rtl="0" fontAlgn="base">
+                  <a:spcBef>
+                    <a:spcPct val="0"/>
+                  </a:spcBef>
+                  <a:spcAft>
+                    <a:spcPct val="0"/>
+                  </a:spcAft>
+                  <a:defRPr sz="2400" kern="1200">
+                    <a:solidFill>
+                      <a:schemeClr val="tx1"/>
+                    </a:solidFill>
+                    <a:latin typeface="Times New Roman" pitchFamily="18" charset="0"/>
+                    <a:ea typeface="+mn-ea"/>
+                    <a:cs typeface="+mn-cs"/>
+                  </a:defRPr>
+                </a:lvl2pPr>
+                <a:lvl3pPr marL="914400" algn="l" rtl="0" fontAlgn="base">
+                  <a:spcBef>
+                    <a:spcPct val="0"/>
+                  </a:spcBef>
+                  <a:spcAft>
+                    <a:spcPct val="0"/>
+                  </a:spcAft>
+                  <a:defRPr sz="2400" kern="1200">
+                    <a:solidFill>
+                      <a:schemeClr val="tx1"/>
+                    </a:solidFill>
+                    <a:latin typeface="Times New Roman" pitchFamily="18" charset="0"/>
+                    <a:ea typeface="+mn-ea"/>
+                    <a:cs typeface="+mn-cs"/>
+                  </a:defRPr>
+                </a:lvl3pPr>
+                <a:lvl4pPr marL="1371600" algn="l" rtl="0" fontAlgn="base">
+                  <a:spcBef>
+                    <a:spcPct val="0"/>
+                  </a:spcBef>
+                  <a:spcAft>
+                    <a:spcPct val="0"/>
+                  </a:spcAft>
+                  <a:defRPr sz="2400" kern="1200">
+                    <a:solidFill>
+                      <a:schemeClr val="tx1"/>
+                    </a:solidFill>
+                    <a:latin typeface="Times New Roman" pitchFamily="18" charset="0"/>
+                    <a:ea typeface="+mn-ea"/>
+                    <a:cs typeface="+mn-cs"/>
+                  </a:defRPr>
+                </a:lvl4pPr>
+                <a:lvl5pPr marL="1828800" algn="l" rtl="0" fontAlgn="base">
+                  <a:spcBef>
+                    <a:spcPct val="0"/>
+                  </a:spcBef>
+                  <a:spcAft>
+                    <a:spcPct val="0"/>
+                  </a:spcAft>
+                  <a:defRPr sz="2400" kern="1200">
+                    <a:solidFill>
+                      <a:schemeClr val="tx1"/>
+                    </a:solidFill>
+                    <a:latin typeface="Times New Roman" pitchFamily="18" charset="0"/>
+                    <a:ea typeface="+mn-ea"/>
+                    <a:cs typeface="+mn-cs"/>
+                  </a:defRPr>
+                </a:lvl5pPr>
+                <a:lvl6pPr marL="2286000" algn="l" defTabSz="914400" rtl="0" eaLnBrk="1" latinLnBrk="0" hangingPunct="1">
+                  <a:defRPr sz="2400" kern="1200">
+                    <a:solidFill>
+                      <a:schemeClr val="tx1"/>
+                    </a:solidFill>
+                    <a:latin typeface="Times New Roman" pitchFamily="18" charset="0"/>
+                    <a:ea typeface="+mn-ea"/>
+                    <a:cs typeface="+mn-cs"/>
+                  </a:defRPr>
+                </a:lvl6pPr>
+                <a:lvl7pPr marL="2743200" algn="l" defTabSz="914400" rtl="0" eaLnBrk="1" latinLnBrk="0" hangingPunct="1">
+                  <a:defRPr sz="2400" kern="1200">
+                    <a:solidFill>
+                      <a:schemeClr val="tx1"/>
+                    </a:solidFill>
+                    <a:latin typeface="Times New Roman" pitchFamily="18" charset="0"/>
+                    <a:ea typeface="+mn-ea"/>
+                    <a:cs typeface="+mn-cs"/>
+                  </a:defRPr>
+                </a:lvl7pPr>
+                <a:lvl8pPr marL="3200400" algn="l" defTabSz="914400" rtl="0" eaLnBrk="1" latinLnBrk="0" hangingPunct="1">
+                  <a:defRPr sz="2400" kern="1200">
+                    <a:solidFill>
+                      <a:schemeClr val="tx1"/>
+                    </a:solidFill>
+                    <a:latin typeface="Times New Roman" pitchFamily="18" charset="0"/>
+                    <a:ea typeface="+mn-ea"/>
+                    <a:cs typeface="+mn-cs"/>
+                  </a:defRPr>
+                </a:lvl8pPr>
+                <a:lvl9pPr marL="3657600" algn="l" defTabSz="914400" rtl="0" eaLnBrk="1" latinLnBrk="0" hangingPunct="1">
+                  <a:defRPr sz="2400" kern="1200">
+                    <a:solidFill>
+                      <a:schemeClr val="tx1"/>
+                    </a:solidFill>
+                    <a:latin typeface="Times New Roman" pitchFamily="18" charset="0"/>
+                    <a:ea typeface="+mn-ea"/>
+                    <a:cs typeface="+mn-cs"/>
+                  </a:defRPr>
+                </a:lvl9pPr>
+              </a:lstStyle>
+              <a:p>
+                <a:endParaRPr lang="pl-PL"/>
+              </a:p>
+            </p:txBody>
+          </p:sp>
+          <p:sp>
+            <p:nvSpPr>
+              <p:cNvPr id="8" name="laptop">
+                <a:extLst>
+                  <a:ext uri="{FF2B5EF4-FFF2-40B4-BE49-F238E27FC236}">
+                    <a16:creationId xmlns:a16="http://schemas.microsoft.com/office/drawing/2014/main" id="{9E1E1E66-6A7B-402D-98A9-7C76B45A6512}"/>
+                  </a:ext>
+                </a:extLst>
+              </p:cNvPr>
+              <p:cNvSpPr>
+                <a:spLocks noEditPoints="1" noChangeArrowheads="1"/>
+              </p:cNvSpPr>
+              <p:nvPr/>
+            </p:nvSpPr>
+            <p:spPr bwMode="auto">
+              <a:xfrm>
+                <a:off x="336" y="2688"/>
+                <a:ext cx="1140" cy="858"/>
+              </a:xfrm>
+              <a:custGeom>
+                <a:avLst/>
+                <a:gdLst>
+                  <a:gd name="T0" fmla="*/ 3362 w 21600"/>
+                  <a:gd name="T1" fmla="*/ 0 h 21600"/>
+                  <a:gd name="T2" fmla="*/ 3362 w 21600"/>
+                  <a:gd name="T3" fmla="*/ 7173 h 21600"/>
+                  <a:gd name="T4" fmla="*/ 18327 w 21600"/>
+                  <a:gd name="T5" fmla="*/ 0 h 21600"/>
+                  <a:gd name="T6" fmla="*/ 18327 w 21600"/>
+                  <a:gd name="T7" fmla="*/ 7173 h 21600"/>
+                  <a:gd name="T8" fmla="*/ 10800 w 21600"/>
+                  <a:gd name="T9" fmla="*/ 0 h 21600"/>
+                  <a:gd name="T10" fmla="*/ 10800 w 21600"/>
+                  <a:gd name="T11" fmla="*/ 21600 h 21600"/>
+                  <a:gd name="T12" fmla="*/ 0 w 21600"/>
+                  <a:gd name="T13" fmla="*/ 21600 h 21600"/>
+                  <a:gd name="T14" fmla="*/ 21600 w 21600"/>
+                  <a:gd name="T15" fmla="*/ 21600 h 21600"/>
+                  <a:gd name="T16" fmla="*/ 4445 w 21600"/>
+                  <a:gd name="T17" fmla="*/ 1858 h 21600"/>
+                  <a:gd name="T18" fmla="*/ 17311 w 21600"/>
+                  <a:gd name="T19" fmla="*/ 12323 h 21600"/>
+                </a:gdLst>
+                <a:ahLst/>
+                <a:cxnLst>
+                  <a:cxn ang="0">
+                    <a:pos x="T0" y="T1"/>
+                  </a:cxn>
+                  <a:cxn ang="0">
+                    <a:pos x="T2" y="T3"/>
+                  </a:cxn>
+                  <a:cxn ang="0">
+                    <a:pos x="T4" y="T5"/>
+                  </a:cxn>
+                  <a:cxn ang="0">
+                    <a:pos x="T6" y="T7"/>
+                  </a:cxn>
+                  <a:cxn ang="0">
+                    <a:pos x="T8" y="T9"/>
+                  </a:cxn>
+                  <a:cxn ang="0">
+                    <a:pos x="T10" y="T11"/>
+                  </a:cxn>
+                  <a:cxn ang="0">
+                    <a:pos x="T12" y="T13"/>
+                  </a:cxn>
+                  <a:cxn ang="0">
+                    <a:pos x="T14" y="T15"/>
+                  </a:cxn>
+                </a:cxnLst>
+                <a:rect l="T16" t="T17" r="T18" b="T19"/>
+                <a:pathLst>
+                  <a:path w="21600" h="21600" extrusionOk="0">
+                    <a:moveTo>
+                      <a:pt x="3362" y="0"/>
+                    </a:moveTo>
+                    <a:lnTo>
+                      <a:pt x="18327" y="0"/>
+                    </a:lnTo>
+                    <a:lnTo>
+                      <a:pt x="18327" y="14347"/>
+                    </a:lnTo>
+                    <a:lnTo>
+                      <a:pt x="3362" y="14347"/>
+                    </a:lnTo>
+                    <a:lnTo>
+                      <a:pt x="3362" y="0"/>
+                    </a:lnTo>
+                    <a:close/>
+                  </a:path>
+                  <a:path w="21600" h="21600" extrusionOk="0">
+                    <a:moveTo>
+                      <a:pt x="3340" y="15068"/>
+                    </a:moveTo>
+                    <a:lnTo>
+                      <a:pt x="0" y="19877"/>
+                    </a:lnTo>
+                    <a:lnTo>
+                      <a:pt x="21600" y="19877"/>
+                    </a:lnTo>
+                    <a:lnTo>
+                      <a:pt x="18327" y="15068"/>
+                    </a:lnTo>
+                    <a:lnTo>
+                      <a:pt x="3340" y="15068"/>
+                    </a:lnTo>
+                    <a:close/>
+                  </a:path>
+                  <a:path w="21600" h="21600" extrusionOk="0">
+                    <a:moveTo>
+                      <a:pt x="0" y="19877"/>
+                    </a:moveTo>
+                    <a:lnTo>
+                      <a:pt x="0" y="21600"/>
+                    </a:lnTo>
+                    <a:lnTo>
+                      <a:pt x="21600" y="21600"/>
+                    </a:lnTo>
+                    <a:lnTo>
+                      <a:pt x="21600" y="19877"/>
+                    </a:lnTo>
+                    <a:lnTo>
+                      <a:pt x="0" y="19877"/>
+                    </a:lnTo>
+                    <a:close/>
+                  </a:path>
+                  <a:path w="21600" h="21600" extrusionOk="0">
+                    <a:moveTo>
+                      <a:pt x="4186" y="1523"/>
+                    </a:moveTo>
+                    <a:lnTo>
+                      <a:pt x="17547" y="1523"/>
+                    </a:lnTo>
+                    <a:lnTo>
+                      <a:pt x="17547" y="12744"/>
+                    </a:lnTo>
+                    <a:lnTo>
+                      <a:pt x="4186" y="12744"/>
+                    </a:lnTo>
+                    <a:lnTo>
+                      <a:pt x="4186" y="1523"/>
+                    </a:lnTo>
+                    <a:close/>
+                  </a:path>
+                  <a:path w="21600" h="21600" extrusionOk="0">
+                    <a:moveTo>
+                      <a:pt x="3318" y="15549"/>
+                    </a:moveTo>
+                    <a:lnTo>
+                      <a:pt x="2917" y="16110"/>
+                    </a:lnTo>
+                    <a:lnTo>
+                      <a:pt x="18727" y="16110"/>
+                    </a:lnTo>
+                    <a:lnTo>
+                      <a:pt x="18327" y="15549"/>
+                    </a:lnTo>
+                    <a:lnTo>
+                      <a:pt x="3318" y="15549"/>
+                    </a:lnTo>
+                    <a:close/>
+                  </a:path>
+                  <a:path w="21600" h="21600" extrusionOk="0">
+                    <a:moveTo>
+                      <a:pt x="6213" y="18314"/>
+                    </a:moveTo>
+                    <a:lnTo>
+                      <a:pt x="5946" y="18875"/>
+                    </a:lnTo>
+                    <a:lnTo>
+                      <a:pt x="15766" y="18875"/>
+                    </a:lnTo>
+                    <a:lnTo>
+                      <a:pt x="15499" y="18314"/>
+                    </a:lnTo>
+                    <a:lnTo>
+                      <a:pt x="6213" y="18314"/>
+                    </a:lnTo>
+                    <a:close/>
+                  </a:path>
+                  <a:path w="21600" h="21600" extrusionOk="0">
+                    <a:moveTo>
+                      <a:pt x="2828" y="16471"/>
+                    </a:moveTo>
+                    <a:lnTo>
+                      <a:pt x="2405" y="17072"/>
+                    </a:lnTo>
+                    <a:lnTo>
+                      <a:pt x="19284" y="17072"/>
+                    </a:lnTo>
+                    <a:lnTo>
+                      <a:pt x="18839" y="16471"/>
+                    </a:lnTo>
+                    <a:lnTo>
+                      <a:pt x="2828" y="16471"/>
+                    </a:lnTo>
+                    <a:close/>
+                  </a:path>
+                  <a:path w="21600" h="21600" extrusionOk="0">
+                    <a:moveTo>
+                      <a:pt x="2316" y="17352"/>
+                    </a:moveTo>
+                    <a:lnTo>
+                      <a:pt x="1871" y="17953"/>
+                    </a:lnTo>
+                    <a:lnTo>
+                      <a:pt x="19863" y="17953"/>
+                    </a:lnTo>
+                    <a:lnTo>
+                      <a:pt x="19395" y="17352"/>
+                    </a:lnTo>
+                    <a:lnTo>
+                      <a:pt x="2316" y="17352"/>
+                    </a:lnTo>
+                    <a:close/>
+                  </a:path>
+                </a:pathLst>
+              </a:custGeom>
+              <a:solidFill>
+                <a:srgbClr val="C0C0C0"/>
+              </a:solidFill>
+              <a:ln w="9525">
+                <a:solidFill>
+                  <a:srgbClr val="000000"/>
+                </a:solidFill>
+                <a:miter lim="800000"/>
+                <a:headEnd/>
+                <a:tailEnd/>
+              </a:ln>
+            </p:spPr>
+            <p:txBody>
+              <a:bodyPr/>
+              <a:lstStyle>
+                <a:defPPr>
+                  <a:defRPr lang="pl-PL"/>
+                </a:defPPr>
+                <a:lvl1pPr algn="l" rtl="0" fontAlgn="base">
+                  <a:spcBef>
+                    <a:spcPct val="0"/>
+                  </a:spcBef>
+                  <a:spcAft>
+                    <a:spcPct val="0"/>
+                  </a:spcAft>
+                  <a:defRPr sz="2400" kern="1200">
+                    <a:solidFill>
+                      <a:schemeClr val="tx1"/>
+                    </a:solidFill>
+                    <a:latin typeface="Times New Roman" pitchFamily="18" charset="0"/>
+                    <a:ea typeface="+mn-ea"/>
+                    <a:cs typeface="+mn-cs"/>
+                  </a:defRPr>
+                </a:lvl1pPr>
+                <a:lvl2pPr marL="457200" algn="l" rtl="0" fontAlgn="base">
+                  <a:spcBef>
+                    <a:spcPct val="0"/>
+                  </a:spcBef>
+                  <a:spcAft>
+                    <a:spcPct val="0"/>
+                  </a:spcAft>
+                  <a:defRPr sz="2400" kern="1200">
+                    <a:solidFill>
+                      <a:schemeClr val="tx1"/>
+                    </a:solidFill>
+                    <a:latin typeface="Times New Roman" pitchFamily="18" charset="0"/>
+                    <a:ea typeface="+mn-ea"/>
+                    <a:cs typeface="+mn-cs"/>
+                  </a:defRPr>
+                </a:lvl2pPr>
+                <a:lvl3pPr marL="914400" algn="l" rtl="0" fontAlgn="base">
+                  <a:spcBef>
+                    <a:spcPct val="0"/>
+                  </a:spcBef>
+                  <a:spcAft>
+                    <a:spcPct val="0"/>
+                  </a:spcAft>
+                  <a:defRPr sz="2400" kern="1200">
+                    <a:solidFill>
+                      <a:schemeClr val="tx1"/>
+                    </a:solidFill>
+                    <a:latin typeface="Times New Roman" pitchFamily="18" charset="0"/>
+                    <a:ea typeface="+mn-ea"/>
+                    <a:cs typeface="+mn-cs"/>
+                  </a:defRPr>
+                </a:lvl3pPr>
+                <a:lvl4pPr marL="1371600" algn="l" rtl="0" fontAlgn="base">
+                  <a:spcBef>
+                    <a:spcPct val="0"/>
+                  </a:spcBef>
+                  <a:spcAft>
+                    <a:spcPct val="0"/>
+                  </a:spcAft>
+                  <a:defRPr sz="2400" kern="1200">
+                    <a:solidFill>
+                      <a:schemeClr val="tx1"/>
+                    </a:solidFill>
+                    <a:latin typeface="Times New Roman" pitchFamily="18" charset="0"/>
+                    <a:ea typeface="+mn-ea"/>
+                    <a:cs typeface="+mn-cs"/>
+                  </a:defRPr>
+                </a:lvl4pPr>
+                <a:lvl5pPr marL="1828800" algn="l" rtl="0" fontAlgn="base">
+                  <a:spcBef>
+                    <a:spcPct val="0"/>
+                  </a:spcBef>
+                  <a:spcAft>
+                    <a:spcPct val="0"/>
+                  </a:spcAft>
+                  <a:defRPr sz="2400" kern="1200">
+                    <a:solidFill>
+                      <a:schemeClr val="tx1"/>
+                    </a:solidFill>
+                    <a:latin typeface="Times New Roman" pitchFamily="18" charset="0"/>
+                    <a:ea typeface="+mn-ea"/>
+                    <a:cs typeface="+mn-cs"/>
+                  </a:defRPr>
+                </a:lvl5pPr>
+                <a:lvl6pPr marL="2286000" algn="l" defTabSz="914400" rtl="0" eaLnBrk="1" latinLnBrk="0" hangingPunct="1">
+                  <a:defRPr sz="2400" kern="1200">
+                    <a:solidFill>
+                      <a:schemeClr val="tx1"/>
+                    </a:solidFill>
+                    <a:latin typeface="Times New Roman" pitchFamily="18" charset="0"/>
+                    <a:ea typeface="+mn-ea"/>
+                    <a:cs typeface="+mn-cs"/>
+                  </a:defRPr>
+                </a:lvl6pPr>
+                <a:lvl7pPr marL="2743200" algn="l" defTabSz="914400" rtl="0" eaLnBrk="1" latinLnBrk="0" hangingPunct="1">
+                  <a:defRPr sz="2400" kern="1200">
+                    <a:solidFill>
+                      <a:schemeClr val="tx1"/>
+                    </a:solidFill>
+                    <a:latin typeface="Times New Roman" pitchFamily="18" charset="0"/>
+                    <a:ea typeface="+mn-ea"/>
+                    <a:cs typeface="+mn-cs"/>
+                  </a:defRPr>
+                </a:lvl7pPr>
+                <a:lvl8pPr marL="3200400" algn="l" defTabSz="914400" rtl="0" eaLnBrk="1" latinLnBrk="0" hangingPunct="1">
+                  <a:defRPr sz="2400" kern="1200">
+                    <a:solidFill>
+                      <a:schemeClr val="tx1"/>
+                    </a:solidFill>
+                    <a:latin typeface="Times New Roman" pitchFamily="18" charset="0"/>
+                    <a:ea typeface="+mn-ea"/>
+                    <a:cs typeface="+mn-cs"/>
+                  </a:defRPr>
+                </a:lvl8pPr>
+                <a:lvl9pPr marL="3657600" algn="l" defTabSz="914400" rtl="0" eaLnBrk="1" latinLnBrk="0" hangingPunct="1">
+                  <a:defRPr sz="2400" kern="1200">
+                    <a:solidFill>
+                      <a:schemeClr val="tx1"/>
+                    </a:solidFill>
+                    <a:latin typeface="Times New Roman" pitchFamily="18" charset="0"/>
+                    <a:ea typeface="+mn-ea"/>
+                    <a:cs typeface="+mn-cs"/>
+                  </a:defRPr>
+                </a:lvl9pPr>
+              </a:lstStyle>
+              <a:p>
+                <a:endParaRPr lang="pl-PL"/>
+              </a:p>
+            </p:txBody>
+          </p:sp>
+          <p:sp>
+            <p:nvSpPr>
+              <p:cNvPr id="9" name="laptop">
+                <a:extLst>
+                  <a:ext uri="{FF2B5EF4-FFF2-40B4-BE49-F238E27FC236}">
+                    <a16:creationId xmlns:a16="http://schemas.microsoft.com/office/drawing/2014/main" id="{26FFBFEC-5675-4E05-8739-EC3A33FB5AE3}"/>
+                  </a:ext>
+                </a:extLst>
+              </p:cNvPr>
+              <p:cNvSpPr>
+                <a:spLocks noEditPoints="1" noChangeArrowheads="1"/>
+              </p:cNvSpPr>
+              <p:nvPr/>
+            </p:nvSpPr>
+            <p:spPr bwMode="auto">
+              <a:xfrm>
+                <a:off x="4320" y="1248"/>
+                <a:ext cx="1140" cy="858"/>
+              </a:xfrm>
+              <a:custGeom>
+                <a:avLst/>
+                <a:gdLst>
+                  <a:gd name="T0" fmla="*/ 3362 w 21600"/>
+                  <a:gd name="T1" fmla="*/ 0 h 21600"/>
+                  <a:gd name="T2" fmla="*/ 3362 w 21600"/>
+                  <a:gd name="T3" fmla="*/ 7173 h 21600"/>
+                  <a:gd name="T4" fmla="*/ 18327 w 21600"/>
+                  <a:gd name="T5" fmla="*/ 0 h 21600"/>
+                  <a:gd name="T6" fmla="*/ 18327 w 21600"/>
+                  <a:gd name="T7" fmla="*/ 7173 h 21600"/>
+                  <a:gd name="T8" fmla="*/ 10800 w 21600"/>
+                  <a:gd name="T9" fmla="*/ 0 h 21600"/>
+                  <a:gd name="T10" fmla="*/ 10800 w 21600"/>
+                  <a:gd name="T11" fmla="*/ 21600 h 21600"/>
+                  <a:gd name="T12" fmla="*/ 0 w 21600"/>
+                  <a:gd name="T13" fmla="*/ 21600 h 21600"/>
+                  <a:gd name="T14" fmla="*/ 21600 w 21600"/>
+                  <a:gd name="T15" fmla="*/ 21600 h 21600"/>
+                  <a:gd name="T16" fmla="*/ 4445 w 21600"/>
+                  <a:gd name="T17" fmla="*/ 1858 h 21600"/>
+                  <a:gd name="T18" fmla="*/ 17311 w 21600"/>
+                  <a:gd name="T19" fmla="*/ 12323 h 21600"/>
+                </a:gdLst>
+                <a:ahLst/>
+                <a:cxnLst>
+                  <a:cxn ang="0">
+                    <a:pos x="T0" y="T1"/>
+                  </a:cxn>
+                  <a:cxn ang="0">
+                    <a:pos x="T2" y="T3"/>
+                  </a:cxn>
+                  <a:cxn ang="0">
+                    <a:pos x="T4" y="T5"/>
+                  </a:cxn>
+                  <a:cxn ang="0">
+                    <a:pos x="T6" y="T7"/>
+                  </a:cxn>
+                  <a:cxn ang="0">
+                    <a:pos x="T8" y="T9"/>
+                  </a:cxn>
+                  <a:cxn ang="0">
+                    <a:pos x="T10" y="T11"/>
+                  </a:cxn>
+                  <a:cxn ang="0">
+                    <a:pos x="T12" y="T13"/>
+                  </a:cxn>
+                  <a:cxn ang="0">
+                    <a:pos x="T14" y="T15"/>
+                  </a:cxn>
+                </a:cxnLst>
+                <a:rect l="T16" t="T17" r="T18" b="T19"/>
+                <a:pathLst>
+                  <a:path w="21600" h="21600" extrusionOk="0">
+                    <a:moveTo>
+                      <a:pt x="3362" y="0"/>
+                    </a:moveTo>
+                    <a:lnTo>
+                      <a:pt x="18327" y="0"/>
+                    </a:lnTo>
+                    <a:lnTo>
+                      <a:pt x="18327" y="14347"/>
+                    </a:lnTo>
+                    <a:lnTo>
+                      <a:pt x="3362" y="14347"/>
+                    </a:lnTo>
+                    <a:lnTo>
+                      <a:pt x="3362" y="0"/>
+                    </a:lnTo>
+                    <a:close/>
+                  </a:path>
+                  <a:path w="21600" h="21600" extrusionOk="0">
+                    <a:moveTo>
+                      <a:pt x="3340" y="15068"/>
+                    </a:moveTo>
+                    <a:lnTo>
+                      <a:pt x="0" y="19877"/>
+                    </a:lnTo>
+                    <a:lnTo>
+                      <a:pt x="21600" y="19877"/>
+                    </a:lnTo>
+                    <a:lnTo>
+                      <a:pt x="18327" y="15068"/>
+                    </a:lnTo>
+                    <a:lnTo>
+                      <a:pt x="3340" y="15068"/>
+                    </a:lnTo>
+                    <a:close/>
+                  </a:path>
+                  <a:path w="21600" h="21600" extrusionOk="0">
+                    <a:moveTo>
+                      <a:pt x="0" y="19877"/>
+                    </a:moveTo>
+                    <a:lnTo>
+                      <a:pt x="0" y="21600"/>
+                    </a:lnTo>
+                    <a:lnTo>
+                      <a:pt x="21600" y="21600"/>
+                    </a:lnTo>
+                    <a:lnTo>
+                      <a:pt x="21600" y="19877"/>
+                    </a:lnTo>
+                    <a:lnTo>
+                      <a:pt x="0" y="19877"/>
+                    </a:lnTo>
+                    <a:close/>
+                  </a:path>
+                  <a:path w="21600" h="21600" extrusionOk="0">
+                    <a:moveTo>
+                      <a:pt x="4186" y="1523"/>
+                    </a:moveTo>
+                    <a:lnTo>
+                      <a:pt x="17547" y="1523"/>
+                    </a:lnTo>
+                    <a:lnTo>
+                      <a:pt x="17547" y="12744"/>
+                    </a:lnTo>
+                    <a:lnTo>
+                      <a:pt x="4186" y="12744"/>
+                    </a:lnTo>
+                    <a:lnTo>
+                      <a:pt x="4186" y="1523"/>
+                    </a:lnTo>
+                    <a:close/>
+                  </a:path>
+                  <a:path w="21600" h="21600" extrusionOk="0">
+                    <a:moveTo>
+                      <a:pt x="3318" y="15549"/>
+                    </a:moveTo>
+                    <a:lnTo>
+                      <a:pt x="2917" y="16110"/>
+                    </a:lnTo>
+                    <a:lnTo>
+                      <a:pt x="18727" y="16110"/>
+                    </a:lnTo>
+                    <a:lnTo>
+                      <a:pt x="18327" y="15549"/>
+                    </a:lnTo>
+                    <a:lnTo>
+                      <a:pt x="3318" y="15549"/>
+                    </a:lnTo>
+                    <a:close/>
+                  </a:path>
+                  <a:path w="21600" h="21600" extrusionOk="0">
+                    <a:moveTo>
+                      <a:pt x="6213" y="18314"/>
+                    </a:moveTo>
+                    <a:lnTo>
+                      <a:pt x="5946" y="18875"/>
+                    </a:lnTo>
+                    <a:lnTo>
+                      <a:pt x="15766" y="18875"/>
+                    </a:lnTo>
+                    <a:lnTo>
+                      <a:pt x="15499" y="18314"/>
+                    </a:lnTo>
+                    <a:lnTo>
+                      <a:pt x="6213" y="18314"/>
+                    </a:lnTo>
+                    <a:close/>
+                  </a:path>
+                  <a:path w="21600" h="21600" extrusionOk="0">
+                    <a:moveTo>
+                      <a:pt x="2828" y="16471"/>
+                    </a:moveTo>
+                    <a:lnTo>
+                      <a:pt x="2405" y="17072"/>
+                    </a:lnTo>
+                    <a:lnTo>
+                      <a:pt x="19284" y="17072"/>
+                    </a:lnTo>
+                    <a:lnTo>
+                      <a:pt x="18839" y="16471"/>
+                    </a:lnTo>
+                    <a:lnTo>
+                      <a:pt x="2828" y="16471"/>
+                    </a:lnTo>
+                    <a:close/>
+                  </a:path>
+                  <a:path w="21600" h="21600" extrusionOk="0">
+                    <a:moveTo>
+                      <a:pt x="2316" y="17352"/>
+                    </a:moveTo>
+                    <a:lnTo>
+                      <a:pt x="1871" y="17953"/>
+                    </a:lnTo>
+                    <a:lnTo>
+                      <a:pt x="19863" y="17953"/>
+                    </a:lnTo>
+                    <a:lnTo>
+                      <a:pt x="19395" y="17352"/>
+                    </a:lnTo>
+                    <a:lnTo>
+                      <a:pt x="2316" y="17352"/>
+                    </a:lnTo>
+                    <a:close/>
+                  </a:path>
+                </a:pathLst>
+              </a:custGeom>
+              <a:solidFill>
+                <a:srgbClr val="C0C0C0"/>
+              </a:solidFill>
+              <a:ln w="9525">
+                <a:solidFill>
+                  <a:srgbClr val="000000"/>
+                </a:solidFill>
+                <a:miter lim="800000"/>
+                <a:headEnd/>
+                <a:tailEnd/>
+              </a:ln>
+            </p:spPr>
+            <p:txBody>
+              <a:bodyPr/>
+              <a:lstStyle>
+                <a:defPPr>
+                  <a:defRPr lang="pl-PL"/>
+                </a:defPPr>
+                <a:lvl1pPr algn="l" rtl="0" fontAlgn="base">
+                  <a:spcBef>
+                    <a:spcPct val="0"/>
+                  </a:spcBef>
+                  <a:spcAft>
+                    <a:spcPct val="0"/>
+                  </a:spcAft>
+                  <a:defRPr sz="2400" kern="1200">
+                    <a:solidFill>
+                      <a:schemeClr val="tx1"/>
+                    </a:solidFill>
+                    <a:latin typeface="Times New Roman" pitchFamily="18" charset="0"/>
+                    <a:ea typeface="+mn-ea"/>
+                    <a:cs typeface="+mn-cs"/>
+                  </a:defRPr>
+                </a:lvl1pPr>
+                <a:lvl2pPr marL="457200" algn="l" rtl="0" fontAlgn="base">
+                  <a:spcBef>
+                    <a:spcPct val="0"/>
+                  </a:spcBef>
+                  <a:spcAft>
+                    <a:spcPct val="0"/>
+                  </a:spcAft>
+                  <a:defRPr sz="2400" kern="1200">
+                    <a:solidFill>
+                      <a:schemeClr val="tx1"/>
+                    </a:solidFill>
+                    <a:latin typeface="Times New Roman" pitchFamily="18" charset="0"/>
+                    <a:ea typeface="+mn-ea"/>
+                    <a:cs typeface="+mn-cs"/>
+                  </a:defRPr>
+                </a:lvl2pPr>
+                <a:lvl3pPr marL="914400" algn="l" rtl="0" fontAlgn="base">
+                  <a:spcBef>
+                    <a:spcPct val="0"/>
+                  </a:spcBef>
+                  <a:spcAft>
+                    <a:spcPct val="0"/>
+                  </a:spcAft>
+                  <a:defRPr sz="2400" kern="1200">
+                    <a:solidFill>
+                      <a:schemeClr val="tx1"/>
+                    </a:solidFill>
+                    <a:latin typeface="Times New Roman" pitchFamily="18" charset="0"/>
+                    <a:ea typeface="+mn-ea"/>
+                    <a:cs typeface="+mn-cs"/>
+                  </a:defRPr>
+                </a:lvl3pPr>
+                <a:lvl4pPr marL="1371600" algn="l" rtl="0" fontAlgn="base">
+                  <a:spcBef>
+                    <a:spcPct val="0"/>
+                  </a:spcBef>
+                  <a:spcAft>
+                    <a:spcPct val="0"/>
+                  </a:spcAft>
+                  <a:defRPr sz="2400" kern="1200">
+                    <a:solidFill>
+                      <a:schemeClr val="tx1"/>
+                    </a:solidFill>
+                    <a:latin typeface="Times New Roman" pitchFamily="18" charset="0"/>
+                    <a:ea typeface="+mn-ea"/>
+                    <a:cs typeface="+mn-cs"/>
+                  </a:defRPr>
+                </a:lvl4pPr>
+                <a:lvl5pPr marL="1828800" algn="l" rtl="0" fontAlgn="base">
+                  <a:spcBef>
+                    <a:spcPct val="0"/>
+                  </a:spcBef>
+                  <a:spcAft>
+                    <a:spcPct val="0"/>
+                  </a:spcAft>
+                  <a:defRPr sz="2400" kern="1200">
+                    <a:solidFill>
+                      <a:schemeClr val="tx1"/>
+                    </a:solidFill>
+                    <a:latin typeface="Times New Roman" pitchFamily="18" charset="0"/>
+                    <a:ea typeface="+mn-ea"/>
+                    <a:cs typeface="+mn-cs"/>
+                  </a:defRPr>
+                </a:lvl5pPr>
+                <a:lvl6pPr marL="2286000" algn="l" defTabSz="914400" rtl="0" eaLnBrk="1" latinLnBrk="0" hangingPunct="1">
+                  <a:defRPr sz="2400" kern="1200">
+                    <a:solidFill>
+                      <a:schemeClr val="tx1"/>
+                    </a:solidFill>
+                    <a:latin typeface="Times New Roman" pitchFamily="18" charset="0"/>
+                    <a:ea typeface="+mn-ea"/>
+                    <a:cs typeface="+mn-cs"/>
+                  </a:defRPr>
+                </a:lvl6pPr>
+                <a:lvl7pPr marL="2743200" algn="l" defTabSz="914400" rtl="0" eaLnBrk="1" latinLnBrk="0" hangingPunct="1">
+                  <a:defRPr sz="2400" kern="1200">
+                    <a:solidFill>
+                      <a:schemeClr val="tx1"/>
+                    </a:solidFill>
+                    <a:latin typeface="Times New Roman" pitchFamily="18" charset="0"/>
+                    <a:ea typeface="+mn-ea"/>
+                    <a:cs typeface="+mn-cs"/>
+                  </a:defRPr>
+                </a:lvl7pPr>
+                <a:lvl8pPr marL="3200400" algn="l" defTabSz="914400" rtl="0" eaLnBrk="1" latinLnBrk="0" hangingPunct="1">
+                  <a:defRPr sz="2400" kern="1200">
+                    <a:solidFill>
+                      <a:schemeClr val="tx1"/>
+                    </a:solidFill>
+                    <a:latin typeface="Times New Roman" pitchFamily="18" charset="0"/>
+                    <a:ea typeface="+mn-ea"/>
+                    <a:cs typeface="+mn-cs"/>
+                  </a:defRPr>
+                </a:lvl8pPr>
+                <a:lvl9pPr marL="3657600" algn="l" defTabSz="914400" rtl="0" eaLnBrk="1" latinLnBrk="0" hangingPunct="1">
+                  <a:defRPr sz="2400" kern="1200">
+                    <a:solidFill>
+                      <a:schemeClr val="tx1"/>
+                    </a:solidFill>
+                    <a:latin typeface="Times New Roman" pitchFamily="18" charset="0"/>
+                    <a:ea typeface="+mn-ea"/>
+                    <a:cs typeface="+mn-cs"/>
+                  </a:defRPr>
+                </a:lvl9pPr>
+              </a:lstStyle>
+              <a:p>
+                <a:endParaRPr lang="pl-PL"/>
+              </a:p>
+            </p:txBody>
+          </p:sp>
+          <p:sp>
+            <p:nvSpPr>
+              <p:cNvPr id="10" name="laptop">
+                <a:extLst>
+                  <a:ext uri="{FF2B5EF4-FFF2-40B4-BE49-F238E27FC236}">
+                    <a16:creationId xmlns:a16="http://schemas.microsoft.com/office/drawing/2014/main" id="{F60DF7DA-35D6-4013-A46C-916549FFF265}"/>
+                  </a:ext>
+                </a:extLst>
+              </p:cNvPr>
+              <p:cNvSpPr>
+                <a:spLocks noEditPoints="1" noChangeArrowheads="1"/>
+              </p:cNvSpPr>
+              <p:nvPr/>
+            </p:nvSpPr>
+            <p:spPr bwMode="auto">
+              <a:xfrm>
+                <a:off x="4224" y="2784"/>
+                <a:ext cx="1140" cy="858"/>
+              </a:xfrm>
+              <a:custGeom>
+                <a:avLst/>
+                <a:gdLst>
+                  <a:gd name="T0" fmla="*/ 3362 w 21600"/>
+                  <a:gd name="T1" fmla="*/ 0 h 21600"/>
+                  <a:gd name="T2" fmla="*/ 3362 w 21600"/>
+                  <a:gd name="T3" fmla="*/ 7173 h 21600"/>
+                  <a:gd name="T4" fmla="*/ 18327 w 21600"/>
+                  <a:gd name="T5" fmla="*/ 0 h 21600"/>
+                  <a:gd name="T6" fmla="*/ 18327 w 21600"/>
+                  <a:gd name="T7" fmla="*/ 7173 h 21600"/>
+                  <a:gd name="T8" fmla="*/ 10800 w 21600"/>
+                  <a:gd name="T9" fmla="*/ 0 h 21600"/>
+                  <a:gd name="T10" fmla="*/ 10800 w 21600"/>
+                  <a:gd name="T11" fmla="*/ 21600 h 21600"/>
+                  <a:gd name="T12" fmla="*/ 0 w 21600"/>
+                  <a:gd name="T13" fmla="*/ 21600 h 21600"/>
+                  <a:gd name="T14" fmla="*/ 21600 w 21600"/>
+                  <a:gd name="T15" fmla="*/ 21600 h 21600"/>
+                  <a:gd name="T16" fmla="*/ 4445 w 21600"/>
+                  <a:gd name="T17" fmla="*/ 1858 h 21600"/>
+                  <a:gd name="T18" fmla="*/ 17311 w 21600"/>
+                  <a:gd name="T19" fmla="*/ 12323 h 21600"/>
+                </a:gdLst>
+                <a:ahLst/>
+                <a:cxnLst>
+                  <a:cxn ang="0">
+                    <a:pos x="T0" y="T1"/>
+                  </a:cxn>
+                  <a:cxn ang="0">
+                    <a:pos x="T2" y="T3"/>
+                  </a:cxn>
+                  <a:cxn ang="0">
+                    <a:pos x="T4" y="T5"/>
+                  </a:cxn>
+                  <a:cxn ang="0">
+                    <a:pos x="T6" y="T7"/>
+                  </a:cxn>
+                  <a:cxn ang="0">
+                    <a:pos x="T8" y="T9"/>
+                  </a:cxn>
+                  <a:cxn ang="0">
+                    <a:pos x="T10" y="T11"/>
+                  </a:cxn>
+                  <a:cxn ang="0">
+                    <a:pos x="T12" y="T13"/>
+                  </a:cxn>
+                  <a:cxn ang="0">
+                    <a:pos x="T14" y="T15"/>
+                  </a:cxn>
+                </a:cxnLst>
+                <a:rect l="T16" t="T17" r="T18" b="T19"/>
+                <a:pathLst>
+                  <a:path w="21600" h="21600" extrusionOk="0">
+                    <a:moveTo>
+                      <a:pt x="3362" y="0"/>
+                    </a:moveTo>
+                    <a:lnTo>
+                      <a:pt x="18327" y="0"/>
+                    </a:lnTo>
+                    <a:lnTo>
+                      <a:pt x="18327" y="14347"/>
+                    </a:lnTo>
+                    <a:lnTo>
+                      <a:pt x="3362" y="14347"/>
+                    </a:lnTo>
+                    <a:lnTo>
+                      <a:pt x="3362" y="0"/>
+                    </a:lnTo>
+                    <a:close/>
+                  </a:path>
+                  <a:path w="21600" h="21600" extrusionOk="0">
+                    <a:moveTo>
+                      <a:pt x="3340" y="15068"/>
+                    </a:moveTo>
+                    <a:lnTo>
+                      <a:pt x="0" y="19877"/>
+                    </a:lnTo>
+                    <a:lnTo>
+                      <a:pt x="21600" y="19877"/>
+                    </a:lnTo>
+                    <a:lnTo>
+                      <a:pt x="18327" y="15068"/>
+                    </a:lnTo>
+                    <a:lnTo>
+                      <a:pt x="3340" y="15068"/>
+                    </a:lnTo>
+                    <a:close/>
+                  </a:path>
+                  <a:path w="21600" h="21600" extrusionOk="0">
+                    <a:moveTo>
+                      <a:pt x="0" y="19877"/>
+                    </a:moveTo>
+                    <a:lnTo>
+                      <a:pt x="0" y="21600"/>
+                    </a:lnTo>
+                    <a:lnTo>
+                      <a:pt x="21600" y="21600"/>
+                    </a:lnTo>
+                    <a:lnTo>
+                      <a:pt x="21600" y="19877"/>
+                    </a:lnTo>
+                    <a:lnTo>
+                      <a:pt x="0" y="19877"/>
+                    </a:lnTo>
+                    <a:close/>
+                  </a:path>
+                  <a:path w="21600" h="21600" extrusionOk="0">
+                    <a:moveTo>
+                      <a:pt x="4186" y="1523"/>
+                    </a:moveTo>
+                    <a:lnTo>
+                      <a:pt x="17547" y="1523"/>
+                    </a:lnTo>
+                    <a:lnTo>
+                      <a:pt x="17547" y="12744"/>
+                    </a:lnTo>
+                    <a:lnTo>
+                      <a:pt x="4186" y="12744"/>
+                    </a:lnTo>
+                    <a:lnTo>
+                      <a:pt x="4186" y="1523"/>
+                    </a:lnTo>
+                    <a:close/>
+                  </a:path>
+                  <a:path w="21600" h="21600" extrusionOk="0">
+                    <a:moveTo>
+                      <a:pt x="3318" y="15549"/>
+                    </a:moveTo>
+                    <a:lnTo>
+                      <a:pt x="2917" y="16110"/>
+                    </a:lnTo>
+                    <a:lnTo>
+                      <a:pt x="18727" y="16110"/>
+                    </a:lnTo>
+                    <a:lnTo>
+                      <a:pt x="18327" y="15549"/>
+                    </a:lnTo>
+                    <a:lnTo>
+                      <a:pt x="3318" y="15549"/>
+                    </a:lnTo>
+                    <a:close/>
+                  </a:path>
+                  <a:path w="21600" h="21600" extrusionOk="0">
+                    <a:moveTo>
+                      <a:pt x="6213" y="18314"/>
+                    </a:moveTo>
+                    <a:lnTo>
+                      <a:pt x="5946" y="18875"/>
+                    </a:lnTo>
+                    <a:lnTo>
+                      <a:pt x="15766" y="18875"/>
+                    </a:lnTo>
+                    <a:lnTo>
+                      <a:pt x="15499" y="18314"/>
+                    </a:lnTo>
+                    <a:lnTo>
+                      <a:pt x="6213" y="18314"/>
+                    </a:lnTo>
+                    <a:close/>
+                  </a:path>
+                  <a:path w="21600" h="21600" extrusionOk="0">
+                    <a:moveTo>
+                      <a:pt x="2828" y="16471"/>
+                    </a:moveTo>
+                    <a:lnTo>
+                      <a:pt x="2405" y="17072"/>
+                    </a:lnTo>
+                    <a:lnTo>
+                      <a:pt x="19284" y="17072"/>
+                    </a:lnTo>
+                    <a:lnTo>
+                      <a:pt x="18839" y="16471"/>
+                    </a:lnTo>
+                    <a:lnTo>
+                      <a:pt x="2828" y="16471"/>
+                    </a:lnTo>
+                    <a:close/>
+                  </a:path>
+                  <a:path w="21600" h="21600" extrusionOk="0">
+                    <a:moveTo>
+                      <a:pt x="2316" y="17352"/>
+                    </a:moveTo>
+                    <a:lnTo>
+                      <a:pt x="1871" y="17953"/>
+                    </a:lnTo>
+                    <a:lnTo>
+                      <a:pt x="19863" y="17953"/>
+                    </a:lnTo>
+                    <a:lnTo>
+                      <a:pt x="19395" y="17352"/>
+                    </a:lnTo>
+                    <a:lnTo>
+                      <a:pt x="2316" y="17352"/>
+                    </a:lnTo>
+                    <a:close/>
+                  </a:path>
+                </a:pathLst>
+              </a:custGeom>
+              <a:solidFill>
+                <a:srgbClr val="C0C0C0"/>
+              </a:solidFill>
+              <a:ln w="9525">
+                <a:solidFill>
+                  <a:srgbClr val="000000"/>
+                </a:solidFill>
+                <a:miter lim="800000"/>
+                <a:headEnd/>
+                <a:tailEnd/>
+              </a:ln>
+            </p:spPr>
+            <p:txBody>
+              <a:bodyPr/>
+              <a:lstStyle>
+                <a:defPPr>
+                  <a:defRPr lang="pl-PL"/>
+                </a:defPPr>
+                <a:lvl1pPr algn="l" rtl="0" fontAlgn="base">
+                  <a:spcBef>
+                    <a:spcPct val="0"/>
+                  </a:spcBef>
+                  <a:spcAft>
+                    <a:spcPct val="0"/>
+                  </a:spcAft>
+                  <a:defRPr sz="2400" kern="1200">
+                    <a:solidFill>
+                      <a:schemeClr val="tx1"/>
+                    </a:solidFill>
+                    <a:latin typeface="Times New Roman" pitchFamily="18" charset="0"/>
+                    <a:ea typeface="+mn-ea"/>
+                    <a:cs typeface="+mn-cs"/>
+                  </a:defRPr>
+                </a:lvl1pPr>
+                <a:lvl2pPr marL="457200" algn="l" rtl="0" fontAlgn="base">
+                  <a:spcBef>
+                    <a:spcPct val="0"/>
+                  </a:spcBef>
+                  <a:spcAft>
+                    <a:spcPct val="0"/>
+                  </a:spcAft>
+                  <a:defRPr sz="2400" kern="1200">
+                    <a:solidFill>
+                      <a:schemeClr val="tx1"/>
+                    </a:solidFill>
+                    <a:latin typeface="Times New Roman" pitchFamily="18" charset="0"/>
+                    <a:ea typeface="+mn-ea"/>
+                    <a:cs typeface="+mn-cs"/>
+                  </a:defRPr>
+                </a:lvl2pPr>
+                <a:lvl3pPr marL="914400" algn="l" rtl="0" fontAlgn="base">
+                  <a:spcBef>
+                    <a:spcPct val="0"/>
+                  </a:spcBef>
+                  <a:spcAft>
+                    <a:spcPct val="0"/>
+                  </a:spcAft>
+                  <a:defRPr sz="2400" kern="1200">
+                    <a:solidFill>
+                      <a:schemeClr val="tx1"/>
+                    </a:solidFill>
+                    <a:latin typeface="Times New Roman" pitchFamily="18" charset="0"/>
+                    <a:ea typeface="+mn-ea"/>
+                    <a:cs typeface="+mn-cs"/>
+                  </a:defRPr>
+                </a:lvl3pPr>
+                <a:lvl4pPr marL="1371600" algn="l" rtl="0" fontAlgn="base">
+                  <a:spcBef>
+                    <a:spcPct val="0"/>
+                  </a:spcBef>
+                  <a:spcAft>
+                    <a:spcPct val="0"/>
+                  </a:spcAft>
+                  <a:defRPr sz="2400" kern="1200">
+                    <a:solidFill>
+                      <a:schemeClr val="tx1"/>
+                    </a:solidFill>
+                    <a:latin typeface="Times New Roman" pitchFamily="18" charset="0"/>
+                    <a:ea typeface="+mn-ea"/>
+                    <a:cs typeface="+mn-cs"/>
+                  </a:defRPr>
+                </a:lvl4pPr>
+                <a:lvl5pPr marL="1828800" algn="l" rtl="0" fontAlgn="base">
+                  <a:spcBef>
+                    <a:spcPct val="0"/>
+                  </a:spcBef>
+                  <a:spcAft>
+                    <a:spcPct val="0"/>
+                  </a:spcAft>
+                  <a:defRPr sz="2400" kern="1200">
+                    <a:solidFill>
+                      <a:schemeClr val="tx1"/>
+                    </a:solidFill>
+                    <a:latin typeface="Times New Roman" pitchFamily="18" charset="0"/>
+                    <a:ea typeface="+mn-ea"/>
+                    <a:cs typeface="+mn-cs"/>
+                  </a:defRPr>
+                </a:lvl5pPr>
+                <a:lvl6pPr marL="2286000" algn="l" defTabSz="914400" rtl="0" eaLnBrk="1" latinLnBrk="0" hangingPunct="1">
+                  <a:defRPr sz="2400" kern="1200">
+                    <a:solidFill>
+                      <a:schemeClr val="tx1"/>
+                    </a:solidFill>
+                    <a:latin typeface="Times New Roman" pitchFamily="18" charset="0"/>
+                    <a:ea typeface="+mn-ea"/>
+                    <a:cs typeface="+mn-cs"/>
+                  </a:defRPr>
+                </a:lvl6pPr>
+                <a:lvl7pPr marL="2743200" algn="l" defTabSz="914400" rtl="0" eaLnBrk="1" latinLnBrk="0" hangingPunct="1">
+                  <a:defRPr sz="2400" kern="1200">
+                    <a:solidFill>
+                      <a:schemeClr val="tx1"/>
+                    </a:solidFill>
+                    <a:latin typeface="Times New Roman" pitchFamily="18" charset="0"/>
+                    <a:ea typeface="+mn-ea"/>
+                    <a:cs typeface="+mn-cs"/>
+                  </a:defRPr>
+                </a:lvl7pPr>
+                <a:lvl8pPr marL="3200400" algn="l" defTabSz="914400" rtl="0" eaLnBrk="1" latinLnBrk="0" hangingPunct="1">
+                  <a:defRPr sz="2400" kern="1200">
+                    <a:solidFill>
+                      <a:schemeClr val="tx1"/>
+                    </a:solidFill>
+                    <a:latin typeface="Times New Roman" pitchFamily="18" charset="0"/>
+                    <a:ea typeface="+mn-ea"/>
+                    <a:cs typeface="+mn-cs"/>
+                  </a:defRPr>
+                </a:lvl8pPr>
+                <a:lvl9pPr marL="3657600" algn="l" defTabSz="914400" rtl="0" eaLnBrk="1" latinLnBrk="0" hangingPunct="1">
+                  <a:defRPr sz="2400" kern="1200">
+                    <a:solidFill>
+                      <a:schemeClr val="tx1"/>
+                    </a:solidFill>
+                    <a:latin typeface="Times New Roman" pitchFamily="18" charset="0"/>
+                    <a:ea typeface="+mn-ea"/>
+                    <a:cs typeface="+mn-cs"/>
+                  </a:defRPr>
+                </a:lvl9pPr>
+              </a:lstStyle>
+              <a:p>
+                <a:endParaRPr lang="pl-PL"/>
+              </a:p>
+            </p:txBody>
+          </p:sp>
+          <p:sp>
+            <p:nvSpPr>
+              <p:cNvPr id="11" name="Line 16">
+                <a:extLst>
+                  <a:ext uri="{FF2B5EF4-FFF2-40B4-BE49-F238E27FC236}">
+                    <a16:creationId xmlns:a16="http://schemas.microsoft.com/office/drawing/2014/main" id="{B847FA97-3F8C-432C-8A9D-00B969D21D55}"/>
+                  </a:ext>
+                </a:extLst>
+              </p:cNvPr>
+              <p:cNvSpPr>
+                <a:spLocks noChangeShapeType="1"/>
+              </p:cNvSpPr>
+              <p:nvPr/>
+            </p:nvSpPr>
+            <p:spPr bwMode="auto">
+              <a:xfrm>
+                <a:off x="1488" y="1680"/>
+                <a:ext cx="768" cy="576"/>
+              </a:xfrm>
+              <a:prstGeom prst="line">
+                <a:avLst/>
+              </a:prstGeom>
+              <a:noFill/>
+              <a:ln w="38100">
+                <a:solidFill>
+                  <a:schemeClr val="tx1"/>
+                </a:solidFill>
+                <a:round/>
+                <a:headEnd type="triangle" w="med" len="med"/>
+                <a:tailEnd type="triangle" w="med" len="med"/>
+              </a:ln>
+              <a:effectLst/>
+              <a:extLst>
+                <a:ext uri="{909E8E84-426E-40DD-AFC4-6F175D3DCCD1}">
+                  <a14:hiddenFill xmlns:a14="http://schemas.microsoft.com/office/drawing/2010/main">
+                    <a:noFill/>
+                  </a14:hiddenFill>
+                </a:ext>
+                <a:ext uri="{AF507438-7753-43E0-B8FC-AC1667EBCBE1}">
+                  <a14:hiddenEffects xmlns:a14="http://schemas.microsoft.com/office/drawing/2010/main">
+                    <a:effectLst>
+                      <a:outerShdw dist="35921" dir="2700000" algn="ctr" rotWithShape="0">
+                        <a:schemeClr val="bg2"/>
+                      </a:outerShdw>
+                    </a:effectLst>
+                  </a14:hiddenEffects>
+                </a:ext>
+              </a:extLst>
+            </p:spPr>
+            <p:txBody>
+              <a:bodyPr/>
+              <a:lstStyle>
+                <a:defPPr>
+                  <a:defRPr lang="pl-PL"/>
+                </a:defPPr>
+                <a:lvl1pPr algn="l" rtl="0" fontAlgn="base">
+                  <a:spcBef>
+                    <a:spcPct val="0"/>
+                  </a:spcBef>
+                  <a:spcAft>
+                    <a:spcPct val="0"/>
+                  </a:spcAft>
+                  <a:defRPr sz="2400" kern="1200">
+                    <a:solidFill>
+                      <a:schemeClr val="tx1"/>
+                    </a:solidFill>
+                    <a:latin typeface="Times New Roman" pitchFamily="18" charset="0"/>
+                    <a:ea typeface="+mn-ea"/>
+                    <a:cs typeface="+mn-cs"/>
+                  </a:defRPr>
+                </a:lvl1pPr>
+                <a:lvl2pPr marL="457200" algn="l" rtl="0" fontAlgn="base">
+                  <a:spcBef>
+                    <a:spcPct val="0"/>
+                  </a:spcBef>
+                  <a:spcAft>
+                    <a:spcPct val="0"/>
+                  </a:spcAft>
+                  <a:defRPr sz="2400" kern="1200">
+                    <a:solidFill>
+                      <a:schemeClr val="tx1"/>
+                    </a:solidFill>
+                    <a:latin typeface="Times New Roman" pitchFamily="18" charset="0"/>
+                    <a:ea typeface="+mn-ea"/>
+                    <a:cs typeface="+mn-cs"/>
+                  </a:defRPr>
+                </a:lvl2pPr>
+                <a:lvl3pPr marL="914400" algn="l" rtl="0" fontAlgn="base">
+                  <a:spcBef>
+                    <a:spcPct val="0"/>
+                  </a:spcBef>
+                  <a:spcAft>
+                    <a:spcPct val="0"/>
+                  </a:spcAft>
+                  <a:defRPr sz="2400" kern="1200">
+                    <a:solidFill>
+                      <a:schemeClr val="tx1"/>
+                    </a:solidFill>
+                    <a:latin typeface="Times New Roman" pitchFamily="18" charset="0"/>
+                    <a:ea typeface="+mn-ea"/>
+                    <a:cs typeface="+mn-cs"/>
+                  </a:defRPr>
+                </a:lvl3pPr>
+                <a:lvl4pPr marL="1371600" algn="l" rtl="0" fontAlgn="base">
+                  <a:spcBef>
+                    <a:spcPct val="0"/>
+                  </a:spcBef>
+                  <a:spcAft>
+                    <a:spcPct val="0"/>
+                  </a:spcAft>
+                  <a:defRPr sz="2400" kern="1200">
+                    <a:solidFill>
+                      <a:schemeClr val="tx1"/>
+                    </a:solidFill>
+                    <a:latin typeface="Times New Roman" pitchFamily="18" charset="0"/>
+                    <a:ea typeface="+mn-ea"/>
+                    <a:cs typeface="+mn-cs"/>
+                  </a:defRPr>
+                </a:lvl4pPr>
+                <a:lvl5pPr marL="1828800" algn="l" rtl="0" fontAlgn="base">
+                  <a:spcBef>
+                    <a:spcPct val="0"/>
+                  </a:spcBef>
+                  <a:spcAft>
+                    <a:spcPct val="0"/>
+                  </a:spcAft>
+                  <a:defRPr sz="2400" kern="1200">
+                    <a:solidFill>
+                      <a:schemeClr val="tx1"/>
+                    </a:solidFill>
+                    <a:latin typeface="Times New Roman" pitchFamily="18" charset="0"/>
+                    <a:ea typeface="+mn-ea"/>
+                    <a:cs typeface="+mn-cs"/>
+                  </a:defRPr>
+                </a:lvl5pPr>
+                <a:lvl6pPr marL="2286000" algn="l" defTabSz="914400" rtl="0" eaLnBrk="1" latinLnBrk="0" hangingPunct="1">
+                  <a:defRPr sz="2400" kern="1200">
+                    <a:solidFill>
+                      <a:schemeClr val="tx1"/>
+                    </a:solidFill>
+                    <a:latin typeface="Times New Roman" pitchFamily="18" charset="0"/>
+                    <a:ea typeface="+mn-ea"/>
+                    <a:cs typeface="+mn-cs"/>
+                  </a:defRPr>
+                </a:lvl6pPr>
+                <a:lvl7pPr marL="2743200" algn="l" defTabSz="914400" rtl="0" eaLnBrk="1" latinLnBrk="0" hangingPunct="1">
+                  <a:defRPr sz="2400" kern="1200">
+                    <a:solidFill>
+                      <a:schemeClr val="tx1"/>
+                    </a:solidFill>
+                    <a:latin typeface="Times New Roman" pitchFamily="18" charset="0"/>
+                    <a:ea typeface="+mn-ea"/>
+                    <a:cs typeface="+mn-cs"/>
+                  </a:defRPr>
+                </a:lvl7pPr>
+                <a:lvl8pPr marL="3200400" algn="l" defTabSz="914400" rtl="0" eaLnBrk="1" latinLnBrk="0" hangingPunct="1">
+                  <a:defRPr sz="2400" kern="1200">
+                    <a:solidFill>
+                      <a:schemeClr val="tx1"/>
+                    </a:solidFill>
+                    <a:latin typeface="Times New Roman" pitchFamily="18" charset="0"/>
+                    <a:ea typeface="+mn-ea"/>
+                    <a:cs typeface="+mn-cs"/>
+                  </a:defRPr>
+                </a:lvl8pPr>
+                <a:lvl9pPr marL="3657600" algn="l" defTabSz="914400" rtl="0" eaLnBrk="1" latinLnBrk="0" hangingPunct="1">
+                  <a:defRPr sz="2400" kern="1200">
+                    <a:solidFill>
+                      <a:schemeClr val="tx1"/>
+                    </a:solidFill>
+                    <a:latin typeface="Times New Roman" pitchFamily="18" charset="0"/>
+                    <a:ea typeface="+mn-ea"/>
+                    <a:cs typeface="+mn-cs"/>
+                  </a:defRPr>
+                </a:lvl9pPr>
+              </a:lstStyle>
+              <a:p>
+                <a:endParaRPr lang="pl-PL"/>
+              </a:p>
+            </p:txBody>
+          </p:sp>
+          <p:sp>
+            <p:nvSpPr>
+              <p:cNvPr id="12" name="Line 17">
+                <a:extLst>
+                  <a:ext uri="{FF2B5EF4-FFF2-40B4-BE49-F238E27FC236}">
+                    <a16:creationId xmlns:a16="http://schemas.microsoft.com/office/drawing/2014/main" id="{FF77A56C-333D-4E41-B3A7-1C746AA7BB98}"/>
+                  </a:ext>
+                </a:extLst>
+              </p:cNvPr>
+              <p:cNvSpPr>
+                <a:spLocks noChangeShapeType="1"/>
+              </p:cNvSpPr>
+              <p:nvPr/>
+            </p:nvSpPr>
+            <p:spPr bwMode="auto">
+              <a:xfrm flipV="1">
+                <a:off x="1392" y="2544"/>
+                <a:ext cx="816" cy="624"/>
+              </a:xfrm>
+              <a:prstGeom prst="line">
+                <a:avLst/>
+              </a:prstGeom>
+              <a:noFill/>
+              <a:ln w="38100">
+                <a:solidFill>
+                  <a:schemeClr val="tx1"/>
+                </a:solidFill>
+                <a:round/>
+                <a:headEnd type="triangle" w="med" len="med"/>
+                <a:tailEnd type="triangle" w="med" len="med"/>
+              </a:ln>
+              <a:effectLst/>
+              <a:extLst>
+                <a:ext uri="{909E8E84-426E-40DD-AFC4-6F175D3DCCD1}">
+                  <a14:hiddenFill xmlns:a14="http://schemas.microsoft.com/office/drawing/2010/main">
+                    <a:noFill/>
+                  </a14:hiddenFill>
+                </a:ext>
+                <a:ext uri="{AF507438-7753-43E0-B8FC-AC1667EBCBE1}">
+                  <a14:hiddenEffects xmlns:a14="http://schemas.microsoft.com/office/drawing/2010/main">
+                    <a:effectLst>
+                      <a:outerShdw dist="35921" dir="2700000" algn="ctr" rotWithShape="0">
+                        <a:schemeClr val="bg2"/>
+                      </a:outerShdw>
+                    </a:effectLst>
+                  </a14:hiddenEffects>
+                </a:ext>
+              </a:extLst>
+            </p:spPr>
+            <p:txBody>
+              <a:bodyPr/>
+              <a:lstStyle>
+                <a:defPPr>
+                  <a:defRPr lang="pl-PL"/>
+                </a:defPPr>
+                <a:lvl1pPr algn="l" rtl="0" fontAlgn="base">
+                  <a:spcBef>
+                    <a:spcPct val="0"/>
+                  </a:spcBef>
+                  <a:spcAft>
+                    <a:spcPct val="0"/>
+                  </a:spcAft>
+                  <a:defRPr sz="2400" kern="1200">
+                    <a:solidFill>
+                      <a:schemeClr val="tx1"/>
+                    </a:solidFill>
+                    <a:latin typeface="Times New Roman" pitchFamily="18" charset="0"/>
+                    <a:ea typeface="+mn-ea"/>
+                    <a:cs typeface="+mn-cs"/>
+                  </a:defRPr>
+                </a:lvl1pPr>
+                <a:lvl2pPr marL="457200" algn="l" rtl="0" fontAlgn="base">
+                  <a:spcBef>
+                    <a:spcPct val="0"/>
+                  </a:spcBef>
+                  <a:spcAft>
+                    <a:spcPct val="0"/>
+                  </a:spcAft>
+                  <a:defRPr sz="2400" kern="1200">
+                    <a:solidFill>
+                      <a:schemeClr val="tx1"/>
+                    </a:solidFill>
+                    <a:latin typeface="Times New Roman" pitchFamily="18" charset="0"/>
+                    <a:ea typeface="+mn-ea"/>
+                    <a:cs typeface="+mn-cs"/>
+                  </a:defRPr>
+                </a:lvl2pPr>
+                <a:lvl3pPr marL="914400" algn="l" rtl="0" fontAlgn="base">
+                  <a:spcBef>
+                    <a:spcPct val="0"/>
+                  </a:spcBef>
+                  <a:spcAft>
+                    <a:spcPct val="0"/>
+                  </a:spcAft>
+                  <a:defRPr sz="2400" kern="1200">
+                    <a:solidFill>
+                      <a:schemeClr val="tx1"/>
+                    </a:solidFill>
+                    <a:latin typeface="Times New Roman" pitchFamily="18" charset="0"/>
+                    <a:ea typeface="+mn-ea"/>
+                    <a:cs typeface="+mn-cs"/>
+                  </a:defRPr>
+                </a:lvl3pPr>
+                <a:lvl4pPr marL="1371600" algn="l" rtl="0" fontAlgn="base">
+                  <a:spcBef>
+                    <a:spcPct val="0"/>
+                  </a:spcBef>
+                  <a:spcAft>
+                    <a:spcPct val="0"/>
+                  </a:spcAft>
+                  <a:defRPr sz="2400" kern="1200">
+                    <a:solidFill>
+                      <a:schemeClr val="tx1"/>
+                    </a:solidFill>
+                    <a:latin typeface="Times New Roman" pitchFamily="18" charset="0"/>
+                    <a:ea typeface="+mn-ea"/>
+                    <a:cs typeface="+mn-cs"/>
+                  </a:defRPr>
+                </a:lvl4pPr>
+                <a:lvl5pPr marL="1828800" algn="l" rtl="0" fontAlgn="base">
+                  <a:spcBef>
+                    <a:spcPct val="0"/>
+                  </a:spcBef>
+                  <a:spcAft>
+                    <a:spcPct val="0"/>
+                  </a:spcAft>
+                  <a:defRPr sz="2400" kern="1200">
+                    <a:solidFill>
+                      <a:schemeClr val="tx1"/>
+                    </a:solidFill>
+                    <a:latin typeface="Times New Roman" pitchFamily="18" charset="0"/>
+                    <a:ea typeface="+mn-ea"/>
+                    <a:cs typeface="+mn-cs"/>
+                  </a:defRPr>
+                </a:lvl5pPr>
+                <a:lvl6pPr marL="2286000" algn="l" defTabSz="914400" rtl="0" eaLnBrk="1" latinLnBrk="0" hangingPunct="1">
+                  <a:defRPr sz="2400" kern="1200">
+                    <a:solidFill>
+                      <a:schemeClr val="tx1"/>
+                    </a:solidFill>
+                    <a:latin typeface="Times New Roman" pitchFamily="18" charset="0"/>
+                    <a:ea typeface="+mn-ea"/>
+                    <a:cs typeface="+mn-cs"/>
+                  </a:defRPr>
+                </a:lvl6pPr>
+                <a:lvl7pPr marL="2743200" algn="l" defTabSz="914400" rtl="0" eaLnBrk="1" latinLnBrk="0" hangingPunct="1">
+                  <a:defRPr sz="2400" kern="1200">
+                    <a:solidFill>
+                      <a:schemeClr val="tx1"/>
+                    </a:solidFill>
+                    <a:latin typeface="Times New Roman" pitchFamily="18" charset="0"/>
+                    <a:ea typeface="+mn-ea"/>
+                    <a:cs typeface="+mn-cs"/>
+                  </a:defRPr>
+                </a:lvl7pPr>
+                <a:lvl8pPr marL="3200400" algn="l" defTabSz="914400" rtl="0" eaLnBrk="1" latinLnBrk="0" hangingPunct="1">
+                  <a:defRPr sz="2400" kern="1200">
+                    <a:solidFill>
+                      <a:schemeClr val="tx1"/>
+                    </a:solidFill>
+                    <a:latin typeface="Times New Roman" pitchFamily="18" charset="0"/>
+                    <a:ea typeface="+mn-ea"/>
+                    <a:cs typeface="+mn-cs"/>
+                  </a:defRPr>
+                </a:lvl8pPr>
+                <a:lvl9pPr marL="3657600" algn="l" defTabSz="914400" rtl="0" eaLnBrk="1" latinLnBrk="0" hangingPunct="1">
+                  <a:defRPr sz="2400" kern="1200">
+                    <a:solidFill>
+                      <a:schemeClr val="tx1"/>
+                    </a:solidFill>
+                    <a:latin typeface="Times New Roman" pitchFamily="18" charset="0"/>
+                    <a:ea typeface="+mn-ea"/>
+                    <a:cs typeface="+mn-cs"/>
+                  </a:defRPr>
+                </a:lvl9pPr>
+              </a:lstStyle>
+              <a:p>
+                <a:endParaRPr lang="pl-PL"/>
+              </a:p>
+            </p:txBody>
+          </p:sp>
+          <p:sp>
+            <p:nvSpPr>
+              <p:cNvPr id="13" name="Line 18">
+                <a:extLst>
+                  <a:ext uri="{FF2B5EF4-FFF2-40B4-BE49-F238E27FC236}">
+                    <a16:creationId xmlns:a16="http://schemas.microsoft.com/office/drawing/2014/main" id="{88C9B22A-962D-467D-A185-8879356A6B27}"/>
+                  </a:ext>
+                </a:extLst>
+              </p:cNvPr>
+              <p:cNvSpPr>
+                <a:spLocks noChangeShapeType="1"/>
+              </p:cNvSpPr>
+              <p:nvPr/>
+            </p:nvSpPr>
+            <p:spPr bwMode="auto">
+              <a:xfrm>
+                <a:off x="3552" y="2544"/>
+                <a:ext cx="768" cy="576"/>
+              </a:xfrm>
+              <a:prstGeom prst="line">
+                <a:avLst/>
+              </a:prstGeom>
+              <a:noFill/>
+              <a:ln w="38100">
+                <a:solidFill>
+                  <a:schemeClr val="tx1"/>
+                </a:solidFill>
+                <a:round/>
+                <a:headEnd type="triangle" w="med" len="med"/>
+                <a:tailEnd type="triangle" w="med" len="med"/>
+              </a:ln>
+              <a:effectLst/>
+              <a:extLst>
+                <a:ext uri="{909E8E84-426E-40DD-AFC4-6F175D3DCCD1}">
+                  <a14:hiddenFill xmlns:a14="http://schemas.microsoft.com/office/drawing/2010/main">
+                    <a:noFill/>
+                  </a14:hiddenFill>
+                </a:ext>
+                <a:ext uri="{AF507438-7753-43E0-B8FC-AC1667EBCBE1}">
+                  <a14:hiddenEffects xmlns:a14="http://schemas.microsoft.com/office/drawing/2010/main">
+                    <a:effectLst>
+                      <a:outerShdw dist="35921" dir="2700000" algn="ctr" rotWithShape="0">
+                        <a:schemeClr val="bg2"/>
+                      </a:outerShdw>
+                    </a:effectLst>
+                  </a14:hiddenEffects>
+                </a:ext>
+              </a:extLst>
+            </p:spPr>
+            <p:txBody>
+              <a:bodyPr/>
+              <a:lstStyle>
+                <a:defPPr>
+                  <a:defRPr lang="pl-PL"/>
+                </a:defPPr>
+                <a:lvl1pPr algn="l" rtl="0" fontAlgn="base">
+                  <a:spcBef>
+                    <a:spcPct val="0"/>
+                  </a:spcBef>
+                  <a:spcAft>
+                    <a:spcPct val="0"/>
+                  </a:spcAft>
+                  <a:defRPr sz="2400" kern="1200">
+                    <a:solidFill>
+                      <a:schemeClr val="tx1"/>
+                    </a:solidFill>
+                    <a:latin typeface="Times New Roman" pitchFamily="18" charset="0"/>
+                    <a:ea typeface="+mn-ea"/>
+                    <a:cs typeface="+mn-cs"/>
+                  </a:defRPr>
+                </a:lvl1pPr>
+                <a:lvl2pPr marL="457200" algn="l" rtl="0" fontAlgn="base">
+                  <a:spcBef>
+                    <a:spcPct val="0"/>
+                  </a:spcBef>
+                  <a:spcAft>
+                    <a:spcPct val="0"/>
+                  </a:spcAft>
+                  <a:defRPr sz="2400" kern="1200">
+                    <a:solidFill>
+                      <a:schemeClr val="tx1"/>
+                    </a:solidFill>
+                    <a:latin typeface="Times New Roman" pitchFamily="18" charset="0"/>
+                    <a:ea typeface="+mn-ea"/>
+                    <a:cs typeface="+mn-cs"/>
+                  </a:defRPr>
+                </a:lvl2pPr>
+                <a:lvl3pPr marL="914400" algn="l" rtl="0" fontAlgn="base">
+                  <a:spcBef>
+                    <a:spcPct val="0"/>
+                  </a:spcBef>
+                  <a:spcAft>
+                    <a:spcPct val="0"/>
+                  </a:spcAft>
+                  <a:defRPr sz="2400" kern="1200">
+                    <a:solidFill>
+                      <a:schemeClr val="tx1"/>
+                    </a:solidFill>
+                    <a:latin typeface="Times New Roman" pitchFamily="18" charset="0"/>
+                    <a:ea typeface="+mn-ea"/>
+                    <a:cs typeface="+mn-cs"/>
+                  </a:defRPr>
+                </a:lvl3pPr>
+                <a:lvl4pPr marL="1371600" algn="l" rtl="0" fontAlgn="base">
+                  <a:spcBef>
+                    <a:spcPct val="0"/>
+                  </a:spcBef>
+                  <a:spcAft>
+                    <a:spcPct val="0"/>
+                  </a:spcAft>
+                  <a:defRPr sz="2400" kern="1200">
+                    <a:solidFill>
+                      <a:schemeClr val="tx1"/>
+                    </a:solidFill>
+                    <a:latin typeface="Times New Roman" pitchFamily="18" charset="0"/>
+                    <a:ea typeface="+mn-ea"/>
+                    <a:cs typeface="+mn-cs"/>
+                  </a:defRPr>
+                </a:lvl4pPr>
+                <a:lvl5pPr marL="1828800" algn="l" rtl="0" fontAlgn="base">
+                  <a:spcBef>
+                    <a:spcPct val="0"/>
+                  </a:spcBef>
+                  <a:spcAft>
+                    <a:spcPct val="0"/>
+                  </a:spcAft>
+                  <a:defRPr sz="2400" kern="1200">
+                    <a:solidFill>
+                      <a:schemeClr val="tx1"/>
+                    </a:solidFill>
+                    <a:latin typeface="Times New Roman" pitchFamily="18" charset="0"/>
+                    <a:ea typeface="+mn-ea"/>
+                    <a:cs typeface="+mn-cs"/>
+                  </a:defRPr>
+                </a:lvl5pPr>
+                <a:lvl6pPr marL="2286000" algn="l" defTabSz="914400" rtl="0" eaLnBrk="1" latinLnBrk="0" hangingPunct="1">
+                  <a:defRPr sz="2400" kern="1200">
+                    <a:solidFill>
+                      <a:schemeClr val="tx1"/>
+                    </a:solidFill>
+                    <a:latin typeface="Times New Roman" pitchFamily="18" charset="0"/>
+                    <a:ea typeface="+mn-ea"/>
+                    <a:cs typeface="+mn-cs"/>
+                  </a:defRPr>
+                </a:lvl6pPr>
+                <a:lvl7pPr marL="2743200" algn="l" defTabSz="914400" rtl="0" eaLnBrk="1" latinLnBrk="0" hangingPunct="1">
+                  <a:defRPr sz="2400" kern="1200">
+                    <a:solidFill>
+                      <a:schemeClr val="tx1"/>
+                    </a:solidFill>
+                    <a:latin typeface="Times New Roman" pitchFamily="18" charset="0"/>
+                    <a:ea typeface="+mn-ea"/>
+                    <a:cs typeface="+mn-cs"/>
+                  </a:defRPr>
+                </a:lvl7pPr>
+                <a:lvl8pPr marL="3200400" algn="l" defTabSz="914400" rtl="0" eaLnBrk="1" latinLnBrk="0" hangingPunct="1">
+                  <a:defRPr sz="2400" kern="1200">
+                    <a:solidFill>
+                      <a:schemeClr val="tx1"/>
+                    </a:solidFill>
+                    <a:latin typeface="Times New Roman" pitchFamily="18" charset="0"/>
+                    <a:ea typeface="+mn-ea"/>
+                    <a:cs typeface="+mn-cs"/>
+                  </a:defRPr>
+                </a:lvl8pPr>
+                <a:lvl9pPr marL="3657600" algn="l" defTabSz="914400" rtl="0" eaLnBrk="1" latinLnBrk="0" hangingPunct="1">
+                  <a:defRPr sz="2400" kern="1200">
+                    <a:solidFill>
+                      <a:schemeClr val="tx1"/>
+                    </a:solidFill>
+                    <a:latin typeface="Times New Roman" pitchFamily="18" charset="0"/>
+                    <a:ea typeface="+mn-ea"/>
+                    <a:cs typeface="+mn-cs"/>
+                  </a:defRPr>
+                </a:lvl9pPr>
+              </a:lstStyle>
+              <a:p>
+                <a:endParaRPr lang="pl-PL"/>
+              </a:p>
+            </p:txBody>
+          </p:sp>
+          <p:sp>
+            <p:nvSpPr>
+              <p:cNvPr id="14" name="Line 19">
+                <a:extLst>
+                  <a:ext uri="{FF2B5EF4-FFF2-40B4-BE49-F238E27FC236}">
+                    <a16:creationId xmlns:a16="http://schemas.microsoft.com/office/drawing/2014/main" id="{EDE5FEC0-EE8D-43B0-9958-BCC6BEF1908E}"/>
+                  </a:ext>
+                </a:extLst>
+              </p:cNvPr>
+              <p:cNvSpPr>
+                <a:spLocks noChangeShapeType="1"/>
+              </p:cNvSpPr>
+              <p:nvPr/>
+            </p:nvSpPr>
+            <p:spPr bwMode="auto">
+              <a:xfrm flipV="1">
+                <a:off x="3552" y="1632"/>
+                <a:ext cx="816" cy="624"/>
+              </a:xfrm>
+              <a:prstGeom prst="line">
+                <a:avLst/>
+              </a:prstGeom>
+              <a:noFill/>
+              <a:ln w="38100">
+                <a:solidFill>
+                  <a:schemeClr val="tx1"/>
+                </a:solidFill>
+                <a:round/>
+                <a:headEnd type="triangle" w="med" len="med"/>
+                <a:tailEnd type="triangle" w="med" len="med"/>
+              </a:ln>
+              <a:effectLst/>
+              <a:extLst>
+                <a:ext uri="{909E8E84-426E-40DD-AFC4-6F175D3DCCD1}">
+                  <a14:hiddenFill xmlns:a14="http://schemas.microsoft.com/office/drawing/2010/main">
+                    <a:noFill/>
+                  </a14:hiddenFill>
+                </a:ext>
+                <a:ext uri="{AF507438-7753-43E0-B8FC-AC1667EBCBE1}">
+                  <a14:hiddenEffects xmlns:a14="http://schemas.microsoft.com/office/drawing/2010/main">
+                    <a:effectLst>
+                      <a:outerShdw dist="35921" dir="2700000" algn="ctr" rotWithShape="0">
+                        <a:schemeClr val="bg2"/>
+                      </a:outerShdw>
+                    </a:effectLst>
+                  </a14:hiddenEffects>
+                </a:ext>
+              </a:extLst>
+            </p:spPr>
+            <p:txBody>
+              <a:bodyPr/>
+              <a:lstStyle>
+                <a:defPPr>
+                  <a:defRPr lang="pl-PL"/>
+                </a:defPPr>
+                <a:lvl1pPr algn="l" rtl="0" fontAlgn="base">
+                  <a:spcBef>
+                    <a:spcPct val="0"/>
+                  </a:spcBef>
+                  <a:spcAft>
+                    <a:spcPct val="0"/>
+                  </a:spcAft>
+                  <a:defRPr sz="2400" kern="1200">
+                    <a:solidFill>
+                      <a:schemeClr val="tx1"/>
+                    </a:solidFill>
+                    <a:latin typeface="Times New Roman" pitchFamily="18" charset="0"/>
+                    <a:ea typeface="+mn-ea"/>
+                    <a:cs typeface="+mn-cs"/>
+                  </a:defRPr>
+                </a:lvl1pPr>
+                <a:lvl2pPr marL="457200" algn="l" rtl="0" fontAlgn="base">
+                  <a:spcBef>
+                    <a:spcPct val="0"/>
+                  </a:spcBef>
+                  <a:spcAft>
+                    <a:spcPct val="0"/>
+                  </a:spcAft>
+                  <a:defRPr sz="2400" kern="1200">
+                    <a:solidFill>
+                      <a:schemeClr val="tx1"/>
+                    </a:solidFill>
+                    <a:latin typeface="Times New Roman" pitchFamily="18" charset="0"/>
+                    <a:ea typeface="+mn-ea"/>
+                    <a:cs typeface="+mn-cs"/>
+                  </a:defRPr>
+                </a:lvl2pPr>
+                <a:lvl3pPr marL="914400" algn="l" rtl="0" fontAlgn="base">
+                  <a:spcBef>
+                    <a:spcPct val="0"/>
+                  </a:spcBef>
+                  <a:spcAft>
+                    <a:spcPct val="0"/>
+                  </a:spcAft>
+                  <a:defRPr sz="2400" kern="1200">
+                    <a:solidFill>
+                      <a:schemeClr val="tx1"/>
+                    </a:solidFill>
+                    <a:latin typeface="Times New Roman" pitchFamily="18" charset="0"/>
+                    <a:ea typeface="+mn-ea"/>
+                    <a:cs typeface="+mn-cs"/>
+                  </a:defRPr>
+                </a:lvl3pPr>
+                <a:lvl4pPr marL="1371600" algn="l" rtl="0" fontAlgn="base">
+                  <a:spcBef>
+                    <a:spcPct val="0"/>
+                  </a:spcBef>
+                  <a:spcAft>
+                    <a:spcPct val="0"/>
+                  </a:spcAft>
+                  <a:defRPr sz="2400" kern="1200">
+                    <a:solidFill>
+                      <a:schemeClr val="tx1"/>
+                    </a:solidFill>
+                    <a:latin typeface="Times New Roman" pitchFamily="18" charset="0"/>
+                    <a:ea typeface="+mn-ea"/>
+                    <a:cs typeface="+mn-cs"/>
+                  </a:defRPr>
+                </a:lvl4pPr>
+                <a:lvl5pPr marL="1828800" algn="l" rtl="0" fontAlgn="base">
+                  <a:spcBef>
+                    <a:spcPct val="0"/>
+                  </a:spcBef>
+                  <a:spcAft>
+                    <a:spcPct val="0"/>
+                  </a:spcAft>
+                  <a:defRPr sz="2400" kern="1200">
+                    <a:solidFill>
+                      <a:schemeClr val="tx1"/>
+                    </a:solidFill>
+                    <a:latin typeface="Times New Roman" pitchFamily="18" charset="0"/>
+                    <a:ea typeface="+mn-ea"/>
+                    <a:cs typeface="+mn-cs"/>
+                  </a:defRPr>
+                </a:lvl5pPr>
+                <a:lvl6pPr marL="2286000" algn="l" defTabSz="914400" rtl="0" eaLnBrk="1" latinLnBrk="0" hangingPunct="1">
+                  <a:defRPr sz="2400" kern="1200">
+                    <a:solidFill>
+                      <a:schemeClr val="tx1"/>
+                    </a:solidFill>
+                    <a:latin typeface="Times New Roman" pitchFamily="18" charset="0"/>
+                    <a:ea typeface="+mn-ea"/>
+                    <a:cs typeface="+mn-cs"/>
+                  </a:defRPr>
+                </a:lvl6pPr>
+                <a:lvl7pPr marL="2743200" algn="l" defTabSz="914400" rtl="0" eaLnBrk="1" latinLnBrk="0" hangingPunct="1">
+                  <a:defRPr sz="2400" kern="1200">
+                    <a:solidFill>
+                      <a:schemeClr val="tx1"/>
+                    </a:solidFill>
+                    <a:latin typeface="Times New Roman" pitchFamily="18" charset="0"/>
+                    <a:ea typeface="+mn-ea"/>
+                    <a:cs typeface="+mn-cs"/>
+                  </a:defRPr>
+                </a:lvl7pPr>
+                <a:lvl8pPr marL="3200400" algn="l" defTabSz="914400" rtl="0" eaLnBrk="1" latinLnBrk="0" hangingPunct="1">
+                  <a:defRPr sz="2400" kern="1200">
+                    <a:solidFill>
+                      <a:schemeClr val="tx1"/>
+                    </a:solidFill>
+                    <a:latin typeface="Times New Roman" pitchFamily="18" charset="0"/>
+                    <a:ea typeface="+mn-ea"/>
+                    <a:cs typeface="+mn-cs"/>
+                  </a:defRPr>
+                </a:lvl8pPr>
+                <a:lvl9pPr marL="3657600" algn="l" defTabSz="914400" rtl="0" eaLnBrk="1" latinLnBrk="0" hangingPunct="1">
+                  <a:defRPr sz="2400" kern="1200">
+                    <a:solidFill>
+                      <a:schemeClr val="tx1"/>
+                    </a:solidFill>
+                    <a:latin typeface="Times New Roman" pitchFamily="18" charset="0"/>
+                    <a:ea typeface="+mn-ea"/>
+                    <a:cs typeface="+mn-cs"/>
+                  </a:defRPr>
+                </a:lvl9pPr>
+              </a:lstStyle>
+              <a:p>
+                <a:endParaRPr lang="pl-PL"/>
+              </a:p>
+            </p:txBody>
+          </p:sp>
+        </p:grpSp>
+        <p:sp>
+          <p:nvSpPr>
+            <p:cNvPr id="6" name="mainfrm">
+              <a:extLst>
+                <a:ext uri="{FF2B5EF4-FFF2-40B4-BE49-F238E27FC236}">
+                  <a16:creationId xmlns:a16="http://schemas.microsoft.com/office/drawing/2014/main" id="{9E8BDA0C-F6FD-4BBD-A9DD-871D67BBAA96}"/>
+                </a:ext>
+              </a:extLst>
+            </p:cNvPr>
+            <p:cNvSpPr>
+              <a:spLocks noEditPoints="1" noChangeArrowheads="1"/>
+            </p:cNvSpPr>
+            <p:nvPr/>
+          </p:nvSpPr>
+          <p:spPr bwMode="auto">
+            <a:xfrm>
+              <a:off x="3952135" y="4269038"/>
+              <a:ext cx="990600" cy="1295400"/>
+            </a:xfrm>
+            <a:custGeom>
+              <a:avLst/>
+              <a:gdLst>
+                <a:gd name="T0" fmla="*/ 0 w 21600"/>
+                <a:gd name="T1" fmla="*/ 0 h 21600"/>
+                <a:gd name="T2" fmla="*/ 10800 w 21600"/>
+                <a:gd name="T3" fmla="*/ 0 h 21600"/>
+                <a:gd name="T4" fmla="*/ 21600 w 21600"/>
+                <a:gd name="T5" fmla="*/ 0 h 21600"/>
+                <a:gd name="T6" fmla="*/ 21600 w 21600"/>
+                <a:gd name="T7" fmla="*/ 10800 h 21600"/>
+                <a:gd name="T8" fmla="*/ 20603 w 21600"/>
+                <a:gd name="T9" fmla="*/ 21600 h 21600"/>
+                <a:gd name="T10" fmla="*/ 10800 w 21600"/>
+                <a:gd name="T11" fmla="*/ 21600 h 21600"/>
+                <a:gd name="T12" fmla="*/ 1163 w 21600"/>
+                <a:gd name="T13" fmla="*/ 21600 h 21600"/>
+                <a:gd name="T14" fmla="*/ 0 w 21600"/>
+                <a:gd name="T15" fmla="*/ 10800 h 21600"/>
+                <a:gd name="T16" fmla="*/ 332 w 21600"/>
+                <a:gd name="T17" fmla="*/ 22174 h 21600"/>
+                <a:gd name="T18" fmla="*/ 21579 w 21600"/>
+                <a:gd name="T19" fmla="*/ 27914 h 21600"/>
+              </a:gdLst>
+              <a:ahLst/>
+              <a:cxnLst>
+                <a:cxn ang="0">
+                  <a:pos x="T0" y="T1"/>
+                </a:cxn>
+                <a:cxn ang="0">
+                  <a:pos x="T2" y="T3"/>
+                </a:cxn>
+                <a:cxn ang="0">
+                  <a:pos x="T4" y="T5"/>
+                </a:cxn>
+                <a:cxn ang="0">
+                  <a:pos x="T6" y="T7"/>
+                </a:cxn>
+                <a:cxn ang="0">
+                  <a:pos x="T8" y="T9"/>
+                </a:cxn>
+                <a:cxn ang="0">
+                  <a:pos x="T10" y="T11"/>
+                </a:cxn>
+                <a:cxn ang="0">
+                  <a:pos x="T12" y="T13"/>
+                </a:cxn>
+                <a:cxn ang="0">
+                  <a:pos x="T14" y="T15"/>
+                </a:cxn>
+              </a:cxnLst>
+              <a:rect l="T16" t="T17" r="T18" b="T19"/>
+              <a:pathLst>
+                <a:path w="21600" h="21600" extrusionOk="0">
+                  <a:moveTo>
+                    <a:pt x="21600" y="10885"/>
+                  </a:moveTo>
+                  <a:lnTo>
+                    <a:pt x="21600" y="0"/>
+                  </a:lnTo>
+                  <a:lnTo>
+                    <a:pt x="10634" y="0"/>
+                  </a:lnTo>
+                  <a:lnTo>
+                    <a:pt x="0" y="0"/>
+                  </a:lnTo>
+                  <a:lnTo>
+                    <a:pt x="0" y="10885"/>
+                  </a:lnTo>
+                  <a:lnTo>
+                    <a:pt x="0" y="19729"/>
+                  </a:lnTo>
+                  <a:lnTo>
+                    <a:pt x="1163" y="19729"/>
+                  </a:lnTo>
+                  <a:lnTo>
+                    <a:pt x="1163" y="21600"/>
+                  </a:lnTo>
+                  <a:lnTo>
+                    <a:pt x="10800" y="21600"/>
+                  </a:lnTo>
+                  <a:lnTo>
+                    <a:pt x="20603" y="21600"/>
+                  </a:lnTo>
+                  <a:lnTo>
+                    <a:pt x="20603" y="19729"/>
+                  </a:lnTo>
+                  <a:lnTo>
+                    <a:pt x="21600" y="19729"/>
+                  </a:lnTo>
+                  <a:lnTo>
+                    <a:pt x="21600" y="10885"/>
+                  </a:lnTo>
+                  <a:close/>
+                </a:path>
+                <a:path w="21600" h="21600" extrusionOk="0">
+                  <a:moveTo>
+                    <a:pt x="1163" y="19729"/>
+                  </a:moveTo>
+                  <a:lnTo>
+                    <a:pt x="4320" y="19729"/>
+                  </a:lnTo>
+                  <a:lnTo>
+                    <a:pt x="16449" y="19729"/>
+                  </a:lnTo>
+                  <a:lnTo>
+                    <a:pt x="20603" y="19729"/>
+                  </a:lnTo>
+                  <a:lnTo>
+                    <a:pt x="1163" y="19729"/>
+                  </a:lnTo>
+                  <a:moveTo>
+                    <a:pt x="1495" y="2381"/>
+                  </a:moveTo>
+                  <a:lnTo>
+                    <a:pt x="2160" y="2381"/>
+                  </a:lnTo>
+                  <a:lnTo>
+                    <a:pt x="4985" y="2381"/>
+                  </a:lnTo>
+                  <a:lnTo>
+                    <a:pt x="5982" y="2381"/>
+                  </a:lnTo>
+                  <a:lnTo>
+                    <a:pt x="1495" y="2381"/>
+                  </a:lnTo>
+                  <a:lnTo>
+                    <a:pt x="1495" y="3402"/>
+                  </a:lnTo>
+                  <a:lnTo>
+                    <a:pt x="2160" y="3402"/>
+                  </a:lnTo>
+                  <a:lnTo>
+                    <a:pt x="4985" y="3402"/>
+                  </a:lnTo>
+                  <a:lnTo>
+                    <a:pt x="5982" y="3402"/>
+                  </a:lnTo>
+                  <a:lnTo>
+                    <a:pt x="1495" y="3402"/>
+                  </a:lnTo>
+                  <a:lnTo>
+                    <a:pt x="1495" y="4422"/>
+                  </a:lnTo>
+                  <a:lnTo>
+                    <a:pt x="2160" y="4422"/>
+                  </a:lnTo>
+                  <a:lnTo>
+                    <a:pt x="4985" y="4422"/>
+                  </a:lnTo>
+                  <a:lnTo>
+                    <a:pt x="5982" y="4422"/>
+                  </a:lnTo>
+                  <a:lnTo>
+                    <a:pt x="1495" y="4422"/>
+                  </a:lnTo>
+                  <a:lnTo>
+                    <a:pt x="1495" y="5443"/>
+                  </a:lnTo>
+                  <a:lnTo>
+                    <a:pt x="2160" y="5443"/>
+                  </a:lnTo>
+                  <a:lnTo>
+                    <a:pt x="4985" y="5443"/>
+                  </a:lnTo>
+                  <a:lnTo>
+                    <a:pt x="5982" y="5443"/>
+                  </a:lnTo>
+                  <a:lnTo>
+                    <a:pt x="1495" y="5443"/>
+                  </a:lnTo>
+                  <a:lnTo>
+                    <a:pt x="1495" y="6463"/>
+                  </a:lnTo>
+                  <a:lnTo>
+                    <a:pt x="2160" y="6463"/>
+                  </a:lnTo>
+                  <a:lnTo>
+                    <a:pt x="4985" y="6463"/>
+                  </a:lnTo>
+                  <a:lnTo>
+                    <a:pt x="5982" y="6463"/>
+                  </a:lnTo>
+                  <a:lnTo>
+                    <a:pt x="1495" y="6463"/>
+                  </a:lnTo>
+                  <a:lnTo>
+                    <a:pt x="1495" y="7483"/>
+                  </a:lnTo>
+                  <a:lnTo>
+                    <a:pt x="2160" y="7483"/>
+                  </a:lnTo>
+                  <a:lnTo>
+                    <a:pt x="4985" y="7483"/>
+                  </a:lnTo>
+                  <a:lnTo>
+                    <a:pt x="5982" y="7483"/>
+                  </a:lnTo>
+                  <a:lnTo>
+                    <a:pt x="1495" y="7483"/>
+                  </a:lnTo>
+                  <a:lnTo>
+                    <a:pt x="1495" y="8504"/>
+                  </a:lnTo>
+                  <a:lnTo>
+                    <a:pt x="2160" y="8504"/>
+                  </a:lnTo>
+                  <a:lnTo>
+                    <a:pt x="4985" y="8504"/>
+                  </a:lnTo>
+                  <a:lnTo>
+                    <a:pt x="5982" y="8504"/>
+                  </a:lnTo>
+                  <a:lnTo>
+                    <a:pt x="1495" y="8504"/>
+                  </a:lnTo>
+                  <a:lnTo>
+                    <a:pt x="1495" y="9524"/>
+                  </a:lnTo>
+                  <a:lnTo>
+                    <a:pt x="2160" y="9524"/>
+                  </a:lnTo>
+                  <a:lnTo>
+                    <a:pt x="4985" y="9524"/>
+                  </a:lnTo>
+                  <a:lnTo>
+                    <a:pt x="5982" y="9524"/>
+                  </a:lnTo>
+                  <a:lnTo>
+                    <a:pt x="1495" y="9524"/>
+                  </a:lnTo>
+                  <a:lnTo>
+                    <a:pt x="1495" y="10545"/>
+                  </a:lnTo>
+                  <a:lnTo>
+                    <a:pt x="2160" y="10545"/>
+                  </a:lnTo>
+                  <a:lnTo>
+                    <a:pt x="4985" y="10545"/>
+                  </a:lnTo>
+                  <a:lnTo>
+                    <a:pt x="5982" y="10545"/>
+                  </a:lnTo>
+                  <a:lnTo>
+                    <a:pt x="1495" y="10545"/>
+                  </a:lnTo>
+                  <a:lnTo>
+                    <a:pt x="1495" y="11565"/>
+                  </a:lnTo>
+                  <a:lnTo>
+                    <a:pt x="2160" y="11565"/>
+                  </a:lnTo>
+                  <a:lnTo>
+                    <a:pt x="4985" y="11565"/>
+                  </a:lnTo>
+                  <a:lnTo>
+                    <a:pt x="5982" y="11565"/>
+                  </a:lnTo>
+                  <a:lnTo>
+                    <a:pt x="1495" y="11565"/>
+                  </a:lnTo>
+                  <a:lnTo>
+                    <a:pt x="1495" y="12586"/>
+                  </a:lnTo>
+                  <a:lnTo>
+                    <a:pt x="2160" y="12586"/>
+                  </a:lnTo>
+                  <a:lnTo>
+                    <a:pt x="4985" y="12586"/>
+                  </a:lnTo>
+                  <a:lnTo>
+                    <a:pt x="5982" y="12586"/>
+                  </a:lnTo>
+                  <a:lnTo>
+                    <a:pt x="1495" y="12586"/>
+                  </a:lnTo>
+                  <a:lnTo>
+                    <a:pt x="1495" y="13606"/>
+                  </a:lnTo>
+                  <a:lnTo>
+                    <a:pt x="2160" y="13606"/>
+                  </a:lnTo>
+                  <a:lnTo>
+                    <a:pt x="4985" y="13606"/>
+                  </a:lnTo>
+                  <a:lnTo>
+                    <a:pt x="5982" y="13606"/>
+                  </a:lnTo>
+                  <a:lnTo>
+                    <a:pt x="1495" y="13606"/>
+                  </a:lnTo>
+                  <a:lnTo>
+                    <a:pt x="1495" y="14627"/>
+                  </a:lnTo>
+                  <a:lnTo>
+                    <a:pt x="2160" y="14627"/>
+                  </a:lnTo>
+                  <a:lnTo>
+                    <a:pt x="4985" y="14627"/>
+                  </a:lnTo>
+                  <a:lnTo>
+                    <a:pt x="5982" y="14627"/>
+                  </a:lnTo>
+                  <a:lnTo>
+                    <a:pt x="1495" y="14627"/>
+                  </a:lnTo>
+                  <a:lnTo>
+                    <a:pt x="1495" y="15647"/>
+                  </a:lnTo>
+                  <a:lnTo>
+                    <a:pt x="2160" y="15647"/>
+                  </a:lnTo>
+                  <a:lnTo>
+                    <a:pt x="4985" y="15647"/>
+                  </a:lnTo>
+                  <a:lnTo>
+                    <a:pt x="5982" y="15647"/>
+                  </a:lnTo>
+                  <a:lnTo>
+                    <a:pt x="1495" y="15647"/>
+                  </a:lnTo>
+                  <a:lnTo>
+                    <a:pt x="1495" y="16668"/>
+                  </a:lnTo>
+                  <a:lnTo>
+                    <a:pt x="2160" y="16668"/>
+                  </a:lnTo>
+                  <a:lnTo>
+                    <a:pt x="4985" y="16668"/>
+                  </a:lnTo>
+                  <a:lnTo>
+                    <a:pt x="5982" y="16668"/>
+                  </a:lnTo>
+                  <a:lnTo>
+                    <a:pt x="1495" y="16668"/>
+                  </a:lnTo>
+                  <a:lnTo>
+                    <a:pt x="1495" y="17688"/>
+                  </a:lnTo>
+                  <a:lnTo>
+                    <a:pt x="2160" y="17688"/>
+                  </a:lnTo>
+                  <a:lnTo>
+                    <a:pt x="4985" y="17688"/>
+                  </a:lnTo>
+                  <a:lnTo>
+                    <a:pt x="5982" y="17688"/>
+                  </a:lnTo>
+                  <a:lnTo>
+                    <a:pt x="1495" y="17688"/>
+                  </a:lnTo>
+                  <a:moveTo>
+                    <a:pt x="1994" y="19729"/>
+                  </a:moveTo>
+                  <a:lnTo>
+                    <a:pt x="1994" y="20069"/>
+                  </a:lnTo>
+                  <a:lnTo>
+                    <a:pt x="1994" y="21260"/>
+                  </a:lnTo>
+                  <a:lnTo>
+                    <a:pt x="1994" y="21600"/>
+                  </a:lnTo>
+                  <a:lnTo>
+                    <a:pt x="1994" y="19729"/>
+                  </a:lnTo>
+                  <a:lnTo>
+                    <a:pt x="2658" y="19729"/>
+                  </a:lnTo>
+                  <a:lnTo>
+                    <a:pt x="2658" y="20069"/>
+                  </a:lnTo>
+                  <a:lnTo>
+                    <a:pt x="2658" y="21260"/>
+                  </a:lnTo>
+                  <a:lnTo>
+                    <a:pt x="2658" y="21600"/>
+                  </a:lnTo>
+                  <a:lnTo>
+                    <a:pt x="2658" y="19729"/>
+                  </a:lnTo>
+                  <a:lnTo>
+                    <a:pt x="3489" y="19729"/>
+                  </a:lnTo>
+                  <a:lnTo>
+                    <a:pt x="3489" y="20069"/>
+                  </a:lnTo>
+                  <a:lnTo>
+                    <a:pt x="3489" y="21260"/>
+                  </a:lnTo>
+                  <a:lnTo>
+                    <a:pt x="3489" y="21600"/>
+                  </a:lnTo>
+                  <a:lnTo>
+                    <a:pt x="3489" y="19729"/>
+                  </a:lnTo>
+                  <a:lnTo>
+                    <a:pt x="4320" y="19729"/>
+                  </a:lnTo>
+                  <a:lnTo>
+                    <a:pt x="4320" y="20069"/>
+                  </a:lnTo>
+                  <a:lnTo>
+                    <a:pt x="4320" y="21260"/>
+                  </a:lnTo>
+                  <a:lnTo>
+                    <a:pt x="4320" y="21600"/>
+                  </a:lnTo>
+                  <a:lnTo>
+                    <a:pt x="4320" y="19729"/>
+                  </a:lnTo>
+                  <a:lnTo>
+                    <a:pt x="5151" y="19729"/>
+                  </a:lnTo>
+                  <a:lnTo>
+                    <a:pt x="5151" y="20069"/>
+                  </a:lnTo>
+                  <a:lnTo>
+                    <a:pt x="5151" y="21260"/>
+                  </a:lnTo>
+                  <a:lnTo>
+                    <a:pt x="5151" y="21600"/>
+                  </a:lnTo>
+                  <a:lnTo>
+                    <a:pt x="5151" y="19729"/>
+                  </a:lnTo>
+                  <a:lnTo>
+                    <a:pt x="5982" y="19729"/>
+                  </a:lnTo>
+                  <a:lnTo>
+                    <a:pt x="5982" y="20069"/>
+                  </a:lnTo>
+                  <a:lnTo>
+                    <a:pt x="5982" y="21260"/>
+                  </a:lnTo>
+                  <a:lnTo>
+                    <a:pt x="5982" y="21600"/>
+                  </a:lnTo>
+                  <a:lnTo>
+                    <a:pt x="5982" y="19729"/>
+                  </a:lnTo>
+                  <a:lnTo>
+                    <a:pt x="6812" y="19729"/>
+                  </a:lnTo>
+                  <a:lnTo>
+                    <a:pt x="6812" y="20069"/>
+                  </a:lnTo>
+                  <a:lnTo>
+                    <a:pt x="6812" y="21260"/>
+                  </a:lnTo>
+                  <a:lnTo>
+                    <a:pt x="6812" y="21600"/>
+                  </a:lnTo>
+                  <a:lnTo>
+                    <a:pt x="6812" y="19729"/>
+                  </a:lnTo>
+                  <a:lnTo>
+                    <a:pt x="7643" y="19729"/>
+                  </a:lnTo>
+                  <a:lnTo>
+                    <a:pt x="7643" y="20069"/>
+                  </a:lnTo>
+                  <a:lnTo>
+                    <a:pt x="7643" y="21260"/>
+                  </a:lnTo>
+                  <a:lnTo>
+                    <a:pt x="7643" y="21600"/>
+                  </a:lnTo>
+                  <a:lnTo>
+                    <a:pt x="7643" y="19729"/>
+                  </a:lnTo>
+                  <a:lnTo>
+                    <a:pt x="8474" y="19729"/>
+                  </a:lnTo>
+                  <a:lnTo>
+                    <a:pt x="8474" y="20069"/>
+                  </a:lnTo>
+                  <a:lnTo>
+                    <a:pt x="8474" y="21260"/>
+                  </a:lnTo>
+                  <a:lnTo>
+                    <a:pt x="8474" y="21600"/>
+                  </a:lnTo>
+                  <a:lnTo>
+                    <a:pt x="8474" y="19729"/>
+                  </a:lnTo>
+                  <a:lnTo>
+                    <a:pt x="9305" y="19729"/>
+                  </a:lnTo>
+                  <a:lnTo>
+                    <a:pt x="9305" y="20069"/>
+                  </a:lnTo>
+                  <a:lnTo>
+                    <a:pt x="9305" y="21260"/>
+                  </a:lnTo>
+                  <a:lnTo>
+                    <a:pt x="9305" y="21600"/>
+                  </a:lnTo>
+                  <a:lnTo>
+                    <a:pt x="9305" y="19729"/>
+                  </a:lnTo>
+                  <a:lnTo>
+                    <a:pt x="10135" y="19729"/>
+                  </a:lnTo>
+                  <a:lnTo>
+                    <a:pt x="10135" y="20069"/>
+                  </a:lnTo>
+                  <a:lnTo>
+                    <a:pt x="10135" y="21260"/>
+                  </a:lnTo>
+                  <a:lnTo>
+                    <a:pt x="10135" y="21600"/>
+                  </a:lnTo>
+                  <a:lnTo>
+                    <a:pt x="10135" y="19729"/>
+                  </a:lnTo>
+                  <a:lnTo>
+                    <a:pt x="10966" y="19729"/>
+                  </a:lnTo>
+                  <a:lnTo>
+                    <a:pt x="10966" y="20069"/>
+                  </a:lnTo>
+                  <a:lnTo>
+                    <a:pt x="10966" y="21260"/>
+                  </a:lnTo>
+                  <a:lnTo>
+                    <a:pt x="10966" y="21600"/>
+                  </a:lnTo>
+                  <a:lnTo>
+                    <a:pt x="10966" y="19729"/>
+                  </a:lnTo>
+                  <a:lnTo>
+                    <a:pt x="11797" y="19729"/>
+                  </a:lnTo>
+                  <a:lnTo>
+                    <a:pt x="11797" y="20069"/>
+                  </a:lnTo>
+                  <a:lnTo>
+                    <a:pt x="11797" y="21260"/>
+                  </a:lnTo>
+                  <a:lnTo>
+                    <a:pt x="11797" y="21600"/>
+                  </a:lnTo>
+                  <a:lnTo>
+                    <a:pt x="11797" y="19729"/>
+                  </a:lnTo>
+                  <a:lnTo>
+                    <a:pt x="12462" y="19729"/>
+                  </a:lnTo>
+                  <a:lnTo>
+                    <a:pt x="12462" y="20069"/>
+                  </a:lnTo>
+                  <a:lnTo>
+                    <a:pt x="12462" y="21260"/>
+                  </a:lnTo>
+                  <a:lnTo>
+                    <a:pt x="12462" y="21600"/>
+                  </a:lnTo>
+                  <a:lnTo>
+                    <a:pt x="12462" y="19729"/>
+                  </a:lnTo>
+                  <a:lnTo>
+                    <a:pt x="13292" y="19729"/>
+                  </a:lnTo>
+                  <a:lnTo>
+                    <a:pt x="13292" y="20069"/>
+                  </a:lnTo>
+                  <a:lnTo>
+                    <a:pt x="13292" y="21260"/>
+                  </a:lnTo>
+                  <a:lnTo>
+                    <a:pt x="13292" y="21600"/>
+                  </a:lnTo>
+                  <a:lnTo>
+                    <a:pt x="13292" y="19729"/>
+                  </a:lnTo>
+                  <a:lnTo>
+                    <a:pt x="14123" y="19729"/>
+                  </a:lnTo>
+                  <a:lnTo>
+                    <a:pt x="14123" y="20069"/>
+                  </a:lnTo>
+                  <a:lnTo>
+                    <a:pt x="14123" y="21260"/>
+                  </a:lnTo>
+                  <a:lnTo>
+                    <a:pt x="14123" y="21600"/>
+                  </a:lnTo>
+                  <a:lnTo>
+                    <a:pt x="14123" y="19729"/>
+                  </a:lnTo>
+                  <a:lnTo>
+                    <a:pt x="14954" y="19729"/>
+                  </a:lnTo>
+                  <a:lnTo>
+                    <a:pt x="14954" y="20069"/>
+                  </a:lnTo>
+                  <a:lnTo>
+                    <a:pt x="14954" y="21260"/>
+                  </a:lnTo>
+                  <a:lnTo>
+                    <a:pt x="14954" y="21600"/>
+                  </a:lnTo>
+                  <a:lnTo>
+                    <a:pt x="14954" y="19729"/>
+                  </a:lnTo>
+                  <a:lnTo>
+                    <a:pt x="15785" y="19729"/>
+                  </a:lnTo>
+                  <a:lnTo>
+                    <a:pt x="15785" y="20069"/>
+                  </a:lnTo>
+                  <a:lnTo>
+                    <a:pt x="15785" y="21260"/>
+                  </a:lnTo>
+                  <a:lnTo>
+                    <a:pt x="15785" y="21600"/>
+                  </a:lnTo>
+                  <a:lnTo>
+                    <a:pt x="15785" y="19729"/>
+                  </a:lnTo>
+                  <a:lnTo>
+                    <a:pt x="16615" y="19729"/>
+                  </a:lnTo>
+                  <a:lnTo>
+                    <a:pt x="16615" y="20069"/>
+                  </a:lnTo>
+                  <a:lnTo>
+                    <a:pt x="16615" y="21260"/>
+                  </a:lnTo>
+                  <a:lnTo>
+                    <a:pt x="16615" y="21600"/>
+                  </a:lnTo>
+                  <a:lnTo>
+                    <a:pt x="16615" y="19729"/>
+                  </a:lnTo>
+                  <a:lnTo>
+                    <a:pt x="17446" y="19729"/>
+                  </a:lnTo>
+                  <a:lnTo>
+                    <a:pt x="17446" y="20069"/>
+                  </a:lnTo>
+                  <a:lnTo>
+                    <a:pt x="17446" y="21260"/>
+                  </a:lnTo>
+                  <a:lnTo>
+                    <a:pt x="17446" y="21600"/>
+                  </a:lnTo>
+                  <a:lnTo>
+                    <a:pt x="17446" y="19729"/>
+                  </a:lnTo>
+                  <a:lnTo>
+                    <a:pt x="18277" y="19729"/>
+                  </a:lnTo>
+                  <a:lnTo>
+                    <a:pt x="18277" y="20069"/>
+                  </a:lnTo>
+                  <a:lnTo>
+                    <a:pt x="18277" y="21260"/>
+                  </a:lnTo>
+                  <a:lnTo>
+                    <a:pt x="18277" y="21600"/>
+                  </a:lnTo>
+                  <a:lnTo>
+                    <a:pt x="18277" y="19729"/>
+                  </a:lnTo>
+                  <a:lnTo>
+                    <a:pt x="19108" y="19729"/>
+                  </a:lnTo>
+                  <a:lnTo>
+                    <a:pt x="19108" y="20069"/>
+                  </a:lnTo>
+                  <a:lnTo>
+                    <a:pt x="19108" y="21260"/>
+                  </a:lnTo>
+                  <a:lnTo>
+                    <a:pt x="19108" y="21600"/>
+                  </a:lnTo>
+                  <a:lnTo>
+                    <a:pt x="19108" y="19729"/>
+                  </a:lnTo>
+                  <a:lnTo>
+                    <a:pt x="19938" y="19729"/>
+                  </a:lnTo>
+                  <a:lnTo>
+                    <a:pt x="19938" y="20069"/>
+                  </a:lnTo>
+                  <a:lnTo>
+                    <a:pt x="19938" y="21260"/>
+                  </a:lnTo>
+                  <a:lnTo>
+                    <a:pt x="19938" y="21600"/>
+                  </a:lnTo>
+                  <a:lnTo>
+                    <a:pt x="19938" y="19729"/>
+                  </a:lnTo>
+                  <a:moveTo>
+                    <a:pt x="1495" y="1531"/>
+                  </a:moveTo>
+                  <a:lnTo>
+                    <a:pt x="5982" y="1531"/>
+                  </a:lnTo>
+                  <a:lnTo>
+                    <a:pt x="5982" y="18539"/>
+                  </a:lnTo>
+                  <a:lnTo>
+                    <a:pt x="1495" y="18539"/>
+                  </a:lnTo>
+                  <a:lnTo>
+                    <a:pt x="1495" y="1531"/>
+                  </a:lnTo>
+                  <a:moveTo>
+                    <a:pt x="7311" y="1531"/>
+                  </a:moveTo>
+                  <a:lnTo>
+                    <a:pt x="7975" y="1531"/>
+                  </a:lnTo>
+                  <a:lnTo>
+                    <a:pt x="7975" y="8334"/>
+                  </a:lnTo>
+                  <a:lnTo>
+                    <a:pt x="7311" y="8334"/>
+                  </a:lnTo>
+                  <a:lnTo>
+                    <a:pt x="7311" y="1531"/>
+                  </a:lnTo>
+                  <a:moveTo>
+                    <a:pt x="7145" y="9865"/>
+                  </a:moveTo>
+                  <a:lnTo>
+                    <a:pt x="8142" y="9865"/>
+                  </a:lnTo>
+                  <a:lnTo>
+                    <a:pt x="8142" y="10715"/>
+                  </a:lnTo>
+                  <a:lnTo>
+                    <a:pt x="7145" y="10715"/>
+                  </a:lnTo>
+                  <a:lnTo>
+                    <a:pt x="7145" y="9865"/>
+                  </a:lnTo>
+                  <a:moveTo>
+                    <a:pt x="8972" y="1531"/>
+                  </a:moveTo>
+                  <a:lnTo>
+                    <a:pt x="12462" y="1531"/>
+                  </a:lnTo>
+                  <a:lnTo>
+                    <a:pt x="12462" y="5443"/>
+                  </a:lnTo>
+                  <a:lnTo>
+                    <a:pt x="8972" y="5443"/>
+                  </a:lnTo>
+                  <a:lnTo>
+                    <a:pt x="8972" y="1531"/>
+                  </a:lnTo>
+                  <a:moveTo>
+                    <a:pt x="13625" y="1531"/>
+                  </a:moveTo>
+                  <a:lnTo>
+                    <a:pt x="20271" y="1531"/>
+                  </a:lnTo>
+                  <a:lnTo>
+                    <a:pt x="20271" y="5443"/>
+                  </a:lnTo>
+                  <a:lnTo>
+                    <a:pt x="13625" y="5443"/>
+                  </a:lnTo>
+                  <a:lnTo>
+                    <a:pt x="13625" y="1531"/>
+                  </a:lnTo>
+                  <a:moveTo>
+                    <a:pt x="18609" y="6463"/>
+                  </a:moveTo>
+                  <a:lnTo>
+                    <a:pt x="20437" y="6463"/>
+                  </a:lnTo>
+                  <a:lnTo>
+                    <a:pt x="20437" y="10885"/>
+                  </a:lnTo>
+                  <a:lnTo>
+                    <a:pt x="18609" y="10885"/>
+                  </a:lnTo>
+                  <a:lnTo>
+                    <a:pt x="18609" y="6463"/>
+                  </a:lnTo>
+                </a:path>
+              </a:pathLst>
+            </a:custGeom>
+            <a:solidFill>
+              <a:srgbClr val="C0C0C0"/>
+            </a:solidFill>
+            <a:ln w="9525">
+              <a:solidFill>
+                <a:srgbClr val="000000"/>
+              </a:solidFill>
+              <a:miter lim="800000"/>
+              <a:headEnd/>
+              <a:tailEnd/>
+            </a:ln>
+          </p:spPr>
+          <p:txBody>
+            <a:bodyPr/>
+            <a:lstStyle>
+              <a:defPPr>
+                <a:defRPr lang="pl-PL"/>
+              </a:defPPr>
+              <a:lvl1pPr algn="l" rtl="0" fontAlgn="base">
+                <a:spcBef>
+                  <a:spcPct val="0"/>
+                </a:spcBef>
+                <a:spcAft>
+                  <a:spcPct val="0"/>
+                </a:spcAft>
+                <a:defRPr sz="2400" kern="1200">
+                  <a:solidFill>
+                    <a:schemeClr val="tx1"/>
+                  </a:solidFill>
+                  <a:latin typeface="Times New Roman" pitchFamily="18" charset="0"/>
+                  <a:ea typeface="+mn-ea"/>
+                  <a:cs typeface="+mn-cs"/>
+                </a:defRPr>
+              </a:lvl1pPr>
+              <a:lvl2pPr marL="457200" algn="l" rtl="0" fontAlgn="base">
+                <a:spcBef>
+                  <a:spcPct val="0"/>
+                </a:spcBef>
+                <a:spcAft>
+                  <a:spcPct val="0"/>
+                </a:spcAft>
+                <a:defRPr sz="2400" kern="1200">
+                  <a:solidFill>
+                    <a:schemeClr val="tx1"/>
+                  </a:solidFill>
+                  <a:latin typeface="Times New Roman" pitchFamily="18" charset="0"/>
+                  <a:ea typeface="+mn-ea"/>
+                  <a:cs typeface="+mn-cs"/>
+                </a:defRPr>
+              </a:lvl2pPr>
+              <a:lvl3pPr marL="914400" algn="l" rtl="0" fontAlgn="base">
+                <a:spcBef>
+                  <a:spcPct val="0"/>
+                </a:spcBef>
+                <a:spcAft>
+                  <a:spcPct val="0"/>
+                </a:spcAft>
+                <a:defRPr sz="2400" kern="1200">
+                  <a:solidFill>
+                    <a:schemeClr val="tx1"/>
+                  </a:solidFill>
+                  <a:latin typeface="Times New Roman" pitchFamily="18" charset="0"/>
+                  <a:ea typeface="+mn-ea"/>
+                  <a:cs typeface="+mn-cs"/>
+                </a:defRPr>
+              </a:lvl3pPr>
+              <a:lvl4pPr marL="1371600" algn="l" rtl="0" fontAlgn="base">
+                <a:spcBef>
+                  <a:spcPct val="0"/>
+                </a:spcBef>
+                <a:spcAft>
+                  <a:spcPct val="0"/>
+                </a:spcAft>
+                <a:defRPr sz="2400" kern="1200">
+                  <a:solidFill>
+                    <a:schemeClr val="tx1"/>
+                  </a:solidFill>
+                  <a:latin typeface="Times New Roman" pitchFamily="18" charset="0"/>
+                  <a:ea typeface="+mn-ea"/>
+                  <a:cs typeface="+mn-cs"/>
+                </a:defRPr>
+              </a:lvl4pPr>
+              <a:lvl5pPr marL="1828800" algn="l" rtl="0" fontAlgn="base">
+                <a:spcBef>
+                  <a:spcPct val="0"/>
+                </a:spcBef>
+                <a:spcAft>
+                  <a:spcPct val="0"/>
+                </a:spcAft>
+                <a:defRPr sz="2400" kern="1200">
+                  <a:solidFill>
+                    <a:schemeClr val="tx1"/>
+                  </a:solidFill>
+                  <a:latin typeface="Times New Roman" pitchFamily="18" charset="0"/>
+                  <a:ea typeface="+mn-ea"/>
+                  <a:cs typeface="+mn-cs"/>
+                </a:defRPr>
+              </a:lvl5pPr>
+              <a:lvl6pPr marL="2286000" algn="l" defTabSz="914400" rtl="0" eaLnBrk="1" latinLnBrk="0" hangingPunct="1">
+                <a:defRPr sz="2400" kern="1200">
+                  <a:solidFill>
+                    <a:schemeClr val="tx1"/>
+                  </a:solidFill>
+                  <a:latin typeface="Times New Roman" pitchFamily="18" charset="0"/>
+                  <a:ea typeface="+mn-ea"/>
+                  <a:cs typeface="+mn-cs"/>
+                </a:defRPr>
+              </a:lvl6pPr>
+              <a:lvl7pPr marL="2743200" algn="l" defTabSz="914400" rtl="0" eaLnBrk="1" latinLnBrk="0" hangingPunct="1">
+                <a:defRPr sz="2400" kern="1200">
+                  <a:solidFill>
+                    <a:schemeClr val="tx1"/>
+                  </a:solidFill>
+                  <a:latin typeface="Times New Roman" pitchFamily="18" charset="0"/>
+                  <a:ea typeface="+mn-ea"/>
+                  <a:cs typeface="+mn-cs"/>
+                </a:defRPr>
+              </a:lvl7pPr>
+              <a:lvl8pPr marL="3200400" algn="l" defTabSz="914400" rtl="0" eaLnBrk="1" latinLnBrk="0" hangingPunct="1">
+                <a:defRPr sz="2400" kern="1200">
+                  <a:solidFill>
+                    <a:schemeClr val="tx1"/>
+                  </a:solidFill>
+                  <a:latin typeface="Times New Roman" pitchFamily="18" charset="0"/>
+                  <a:ea typeface="+mn-ea"/>
+                  <a:cs typeface="+mn-cs"/>
+                </a:defRPr>
+              </a:lvl8pPr>
+              <a:lvl9pPr marL="3657600" algn="l" defTabSz="914400" rtl="0" eaLnBrk="1" latinLnBrk="0" hangingPunct="1">
+                <a:defRPr sz="2400" kern="1200">
+                  <a:solidFill>
+                    <a:schemeClr val="tx1"/>
+                  </a:solidFill>
+                  <a:latin typeface="Times New Roman" pitchFamily="18" charset="0"/>
+                  <a:ea typeface="+mn-ea"/>
+                  <a:cs typeface="+mn-cs"/>
+                </a:defRPr>
+              </a:lvl9pPr>
+            </a:lstStyle>
+            <a:p>
+              <a:endParaRPr lang="pl-PL"/>
+            </a:p>
+          </p:txBody>
+        </p:sp>
+      </p:grpSp>
     </p:spTree>
     <p:extLst>
       <p:ext uri="{BB962C8B-B14F-4D97-AF65-F5344CB8AC3E}">
@@ -16632,10 +19994,79 @@
   <p:clrMapOvr>
     <a:masterClrMapping/>
   </p:clrMapOvr>
+  <p:timing>
+    <p:tnLst>
+      <p:par>
+        <p:cTn id="1" dur="indefinite" restart="never" nodeType="tmRoot">
+          <p:childTnLst>
+            <p:seq concurrent="1" nextAc="seek">
+              <p:cTn id="2" dur="indefinite" nodeType="mainSeq">
+                <p:childTnLst>
+                  <p:par>
+                    <p:cTn id="3" fill="hold">
+                      <p:stCondLst>
+                        <p:cond delay="indefinite"/>
+                      </p:stCondLst>
+                      <p:childTnLst>
+                        <p:par>
+                          <p:cTn id="4" fill="hold">
+                            <p:stCondLst>
+                              <p:cond delay="0"/>
+                            </p:stCondLst>
+                            <p:childTnLst>
+                              <p:par>
+                                <p:cTn id="5" presetID="42" presetClass="path" presetSubtype="0" accel="50000" decel="50000" fill="hold" nodeType="clickEffect">
+                                  <p:stCondLst>
+                                    <p:cond delay="0"/>
+                                  </p:stCondLst>
+                                  <p:childTnLst>
+                                    <p:animMotion origin="layout" path="M 0 0 L 0 0.25 E" pathEditMode="relative" ptsTypes="">
+                                      <p:cBhvr>
+                                        <p:cTn id="6" dur="2000" fill="hold"/>
+                                        <p:tgtEl>
+                                          <p:spTgt spid="4"/>
+                                        </p:tgtEl>
+                                        <p:attrNameLst>
+                                          <p:attrName>ppt_x</p:attrName>
+                                          <p:attrName>ppt_y</p:attrName>
+                                        </p:attrNameLst>
+                                      </p:cBhvr>
+                                    </p:animMotion>
+                                  </p:childTnLst>
+                                </p:cTn>
+                              </p:par>
+                            </p:childTnLst>
+                          </p:cTn>
+                        </p:par>
+                      </p:childTnLst>
+                    </p:cTn>
+                  </p:par>
+                </p:childTnLst>
+              </p:cTn>
+              <p:prevCondLst>
+                <p:cond evt="onPrev" delay="0">
+                  <p:tgtEl>
+                    <p:sldTgt/>
+                  </p:tgtEl>
+                </p:cond>
+              </p:prevCondLst>
+              <p:nextCondLst>
+                <p:cond evt="onNext" delay="0">
+                  <p:tgtEl>
+                    <p:sldTgt/>
+                  </p:tgtEl>
+                </p:cond>
+              </p:nextCondLst>
+            </p:seq>
+          </p:childTnLst>
+        </p:cTn>
+      </p:par>
+    </p:tnLst>
+  </p:timing>
 </p:sld>
 </file>
 
-<file path=ppt/slides/slide16.xml><?xml version="1.0" encoding="utf-8"?>
+<file path=ppt/slides/slide18.xml><?xml version="1.0" encoding="utf-8"?>
 <p:sld xmlns:a="http://schemas.openxmlformats.org/drawingml/2006/main" xmlns:r="http://schemas.openxmlformats.org/officeDocument/2006/relationships" xmlns:p="http://schemas.openxmlformats.org/presentationml/2006/main" show="0">
   <p:cSld>
     <p:spTree>
@@ -16736,7 +20167,7 @@
 </p:sld>
 </file>
 
-<file path=ppt/slides/slide17.xml><?xml version="1.0" encoding="utf-8"?>
+<file path=ppt/slides/slide19.xml><?xml version="1.0" encoding="utf-8"?>
 <p:sld xmlns:a="http://schemas.openxmlformats.org/drawingml/2006/main" xmlns:r="http://schemas.openxmlformats.org/officeDocument/2006/relationships" xmlns:p="http://schemas.openxmlformats.org/presentationml/2006/main" show="0">
   <p:cSld>
     <p:spTree>
@@ -16843,7 +20274,119 @@
 </p:sld>
 </file>
 
-<file path=ppt/slides/slide18.xml><?xml version="1.0" encoding="utf-8"?>
+<file path=ppt/slides/slide2.xml><?xml version="1.0" encoding="utf-8"?>
+<p:sld xmlns:a="http://schemas.openxmlformats.org/drawingml/2006/main" xmlns:r="http://schemas.openxmlformats.org/officeDocument/2006/relationships" xmlns:p="http://schemas.openxmlformats.org/presentationml/2006/main">
+  <p:cSld>
+    <p:spTree>
+      <p:nvGrpSpPr>
+        <p:cNvPr id="1" name=""/>
+        <p:cNvGrpSpPr/>
+        <p:nvPr/>
+      </p:nvGrpSpPr>
+      <p:grpSpPr>
+        <a:xfrm>
+          <a:off x="0" y="0"/>
+          <a:ext cx="0" cy="0"/>
+          <a:chOff x="0" y="0"/>
+          <a:chExt cx="0" cy="0"/>
+        </a:xfrm>
+      </p:grpSpPr>
+      <p:sp>
+        <p:nvSpPr>
+          <p:cNvPr id="2" name="Tytuł 1">
+            <a:extLst>
+              <a:ext uri="{FF2B5EF4-FFF2-40B4-BE49-F238E27FC236}">
+                <a16:creationId xmlns:a16="http://schemas.microsoft.com/office/drawing/2014/main" id="{38FE2930-C9F9-42F1-BC5A-B5D8CC8FE5FB}"/>
+              </a:ext>
+            </a:extLst>
+          </p:cNvPr>
+          <p:cNvSpPr>
+            <a:spLocks noGrp="1"/>
+          </p:cNvSpPr>
+          <p:nvPr>
+            <p:ph type="title"/>
+          </p:nvPr>
+        </p:nvSpPr>
+        <p:spPr/>
+        <p:txBody>
+          <a:bodyPr/>
+          <a:lstStyle/>
+          <a:p>
+            <a:pPr algn="ctr"/>
+            <a:r>
+              <a:rPr lang="pl-PL"/>
+              <a:t>Firma</a:t>
+            </a:r>
+          </a:p>
+        </p:txBody>
+      </p:sp>
+      <p:sp>
+        <p:nvSpPr>
+          <p:cNvPr id="3" name="Symbol zastępczy zawartości 2">
+            <a:extLst>
+              <a:ext uri="{FF2B5EF4-FFF2-40B4-BE49-F238E27FC236}">
+                <a16:creationId xmlns:a16="http://schemas.microsoft.com/office/drawing/2014/main" id="{8426D2BE-ED27-420C-AF5A-CBE400D5329A}"/>
+              </a:ext>
+            </a:extLst>
+          </p:cNvPr>
+          <p:cNvSpPr>
+            <a:spLocks noGrp="1"/>
+          </p:cNvSpPr>
+          <p:nvPr>
+            <p:ph idx="1"/>
+          </p:nvPr>
+        </p:nvSpPr>
+        <p:spPr>
+          <a:xfrm>
+            <a:off x="680321" y="2635847"/>
+            <a:ext cx="10131425" cy="2387988"/>
+          </a:xfrm>
+        </p:spPr>
+        <p:txBody>
+          <a:bodyPr>
+            <a:normAutofit lnSpcReduction="10000"/>
+          </a:bodyPr>
+          <a:lstStyle/>
+          <a:p>
+            <a:pPr marL="0" indent="0">
+              <a:buNone/>
+            </a:pPr>
+            <a:r>
+              <a:rPr lang="pl-PL" dirty="0"/>
+              <a:t>System wspomagający zarządzanie zaprojektowano dla firmy, której działalnością jest produkcja elementów przy wykorzystaniu technologii addytywnych. Firma pracuje od poniedziałku do piątku w trybie jednozmianowym od 8:00 do 16:00.</a:t>
+            </a:r>
+          </a:p>
+          <a:p>
+            <a:pPr marL="0" indent="0">
+              <a:buNone/>
+            </a:pPr>
+            <a:endParaRPr lang="pl-PL" sz="2800" dirty="0"/>
+          </a:p>
+          <a:p>
+            <a:pPr marL="0" indent="0">
+              <a:buNone/>
+            </a:pPr>
+            <a:r>
+              <a:rPr lang="pl-PL" sz="2800" dirty="0"/>
+              <a:t>Rodzaj przedsiębiorstwa, model biznesowy</a:t>
+            </a:r>
+          </a:p>
+        </p:txBody>
+      </p:sp>
+    </p:spTree>
+    <p:extLst>
+      <p:ext uri="{BB962C8B-B14F-4D97-AF65-F5344CB8AC3E}">
+        <p14:creationId xmlns:p14="http://schemas.microsoft.com/office/powerpoint/2010/main" val="3558708667"/>
+      </p:ext>
+    </p:extLst>
+  </p:cSld>
+  <p:clrMapOvr>
+    <a:masterClrMapping/>
+  </p:clrMapOvr>
+</p:sld>
+</file>
+
+<file path=ppt/slides/slide20.xml><?xml version="1.0" encoding="utf-8"?>
 <p:sld xmlns:a="http://schemas.openxmlformats.org/drawingml/2006/main" xmlns:r="http://schemas.openxmlformats.org/officeDocument/2006/relationships" xmlns:p="http://schemas.openxmlformats.org/presentationml/2006/main">
   <p:cSld>
     <p:spTree>
@@ -16904,7 +20447,12 @@
             <p:ph idx="1"/>
           </p:nvPr>
         </p:nvSpPr>
-        <p:spPr/>
+        <p:spPr>
+          <a:xfrm>
+            <a:off x="680321" y="2336873"/>
+            <a:ext cx="10675937" cy="3599316"/>
+          </a:xfrm>
+        </p:spPr>
         <p:txBody>
           <a:bodyPr/>
           <a:lstStyle/>
@@ -16913,8 +20461,31 @@
               <a:buNone/>
             </a:pPr>
             <a:r>
-              <a:rPr lang="pl-PL" dirty="0"/>
-              <a:t>SQL : Microsoft SQL Server 2019</a:t>
+              <a:rPr lang="pl-PL" b="0" i="1" dirty="0" err="1">
+                <a:effectLst/>
+                <a:latin typeface="+mj-lt"/>
+              </a:rPr>
+              <a:t>Structured</a:t>
+            </a:r>
+            <a:r>
+              <a:rPr lang="pl-PL" b="0" i="1" dirty="0">
+                <a:effectLst/>
+                <a:latin typeface="+mj-lt"/>
+              </a:rPr>
+              <a:t> Query Language</a:t>
+            </a:r>
+            <a:r>
+              <a:rPr lang="pl-PL" b="0" i="0" dirty="0">
+                <a:effectLst/>
+                <a:latin typeface="+mj-lt"/>
+              </a:rPr>
+              <a:t> (SQL)</a:t>
+            </a:r>
+            <a:r>
+              <a:rPr lang="pl-PL" dirty="0">
+                <a:latin typeface="+mj-lt"/>
+              </a:rPr>
+              <a:t> : Microsoft SQL Server 2018</a:t>
             </a:r>
           </a:p>
           <a:p>
@@ -16922,13 +20493,45 @@
               <a:buNone/>
             </a:pPr>
             <a:r>
-              <a:rPr lang="pl-PL" dirty="0"/>
-              <a:t>IDE : Visual Studio 2019 </a:t>
-            </a:r>
-            <a:r>
-              <a:rPr lang="pl-PL" dirty="0" err="1"/>
+              <a:rPr lang="pl-PL" b="0" i="0" dirty="0" err="1">
+                <a:effectLst/>
+                <a:latin typeface="+mj-lt"/>
+              </a:rPr>
+              <a:t>Integrated</a:t>
+            </a:r>
+            <a:r>
+              <a:rPr lang="pl-PL" b="0" i="0" dirty="0">
+                <a:effectLst/>
+                <a:latin typeface="+mj-lt"/>
+              </a:rPr>
+              <a:t> Development Environment(</a:t>
+            </a:r>
+            <a:r>
+              <a:rPr lang="pl-PL" dirty="0">
+                <a:latin typeface="+mj-lt"/>
+              </a:rPr>
+              <a:t>IDE) : Visual Studio 2019 </a:t>
+            </a:r>
+            <a:r>
+              <a:rPr lang="pl-PL" dirty="0" err="1">
+                <a:latin typeface="+mj-lt"/>
+              </a:rPr>
               <a:t>Community</a:t>
             </a:r>
+            <a:endParaRPr lang="pl-PL" dirty="0">
+              <a:latin typeface="+mj-lt"/>
+            </a:endParaRPr>
+          </a:p>
+          <a:p>
+            <a:pPr marL="0" indent="0">
+              <a:buNone/>
+            </a:pPr>
+            <a:endParaRPr lang="pl-PL" dirty="0"/>
+          </a:p>
+          <a:p>
+            <a:pPr marL="0" indent="0">
+              <a:buNone/>
+            </a:pPr>
             <a:endParaRPr lang="pl-PL" dirty="0"/>
           </a:p>
           <a:p>
@@ -16936,6 +20539,78 @@
           </a:p>
         </p:txBody>
       </p:sp>
+      <p:pic>
+        <p:nvPicPr>
+          <p:cNvPr id="5" name="Obraz 4">
+            <a:extLst>
+              <a:ext uri="{FF2B5EF4-FFF2-40B4-BE49-F238E27FC236}">
+                <a16:creationId xmlns:a16="http://schemas.microsoft.com/office/drawing/2014/main" id="{09AAA038-A8AA-49C4-99FF-FE068BCC18B0}"/>
+              </a:ext>
+            </a:extLst>
+          </p:cNvPr>
+          <p:cNvPicPr>
+            <a:picLocks noChangeAspect="1"/>
+          </p:cNvPicPr>
+          <p:nvPr/>
+        </p:nvPicPr>
+        <p:blipFill>
+          <a:blip r:embed="rId2">
+            <a:extLst>
+              <a:ext uri="{28A0092B-C50C-407E-A947-70E740481C1C}">
+                <a14:useLocalDpi xmlns:a14="http://schemas.microsoft.com/office/drawing/2010/main" val="0"/>
+              </a:ext>
+            </a:extLst>
+          </a:blip>
+          <a:stretch>
+            <a:fillRect/>
+          </a:stretch>
+        </p:blipFill>
+        <p:spPr>
+          <a:xfrm>
+            <a:off x="1897818" y="3353643"/>
+            <a:ext cx="3291455" cy="3291455"/>
+          </a:xfrm>
+          <a:prstGeom prst="rect">
+            <a:avLst/>
+          </a:prstGeom>
+        </p:spPr>
+      </p:pic>
+      <p:pic>
+        <p:nvPicPr>
+          <p:cNvPr id="7" name="Obraz 6">
+            <a:extLst>
+              <a:ext uri="{FF2B5EF4-FFF2-40B4-BE49-F238E27FC236}">
+                <a16:creationId xmlns:a16="http://schemas.microsoft.com/office/drawing/2014/main" id="{51415B09-5FB9-41AE-BEEE-90547C065D98}"/>
+              </a:ext>
+            </a:extLst>
+          </p:cNvPr>
+          <p:cNvPicPr>
+            <a:picLocks noChangeAspect="1"/>
+          </p:cNvPicPr>
+          <p:nvPr/>
+        </p:nvPicPr>
+        <p:blipFill>
+          <a:blip r:embed="rId3">
+            <a:extLst>
+              <a:ext uri="{28A0092B-C50C-407E-A947-70E740481C1C}">
+                <a14:useLocalDpi xmlns:a14="http://schemas.microsoft.com/office/drawing/2010/main" val="0"/>
+              </a:ext>
+            </a:extLst>
+          </a:blip>
+          <a:stretch>
+            <a:fillRect/>
+          </a:stretch>
+        </p:blipFill>
+        <p:spPr>
+          <a:xfrm>
+            <a:off x="6991912" y="3429000"/>
+            <a:ext cx="3034640" cy="3034640"/>
+          </a:xfrm>
+          <a:prstGeom prst="rect">
+            <a:avLst/>
+          </a:prstGeom>
+        </p:spPr>
+      </p:pic>
     </p:spTree>
     <p:extLst>
       <p:ext uri="{BB962C8B-B14F-4D97-AF65-F5344CB8AC3E}">
@@ -16949,8 +20624,8 @@
 </p:sld>
 </file>
 
-<file path=ppt/slides/slide19.xml><?xml version="1.0" encoding="utf-8"?>
-<p:sld xmlns:a="http://schemas.openxmlformats.org/drawingml/2006/main" xmlns:r="http://schemas.openxmlformats.org/officeDocument/2006/relationships" xmlns:p="http://schemas.openxmlformats.org/presentationml/2006/main">
+<file path=ppt/slides/slide21.xml><?xml version="1.0" encoding="utf-8"?>
+<p:sld xmlns:a="http://schemas.openxmlformats.org/drawingml/2006/main" xmlns:r="http://schemas.openxmlformats.org/officeDocument/2006/relationships" xmlns:p="http://schemas.openxmlformats.org/presentationml/2006/main" show="0">
   <p:cSld>
     <p:spTree>
       <p:nvGrpSpPr>
@@ -17057,6 +20732,15 @@
               <a:t>/s</a:t>
             </a:r>
           </a:p>
+          <a:p>
+            <a:endParaRPr lang="pl-PL" dirty="0"/>
+          </a:p>
+          <a:p>
+            <a:r>
+              <a:rPr lang="pl-PL" dirty="0"/>
+              <a:t>Niepotrzebne</a:t>
+            </a:r>
+          </a:p>
         </p:txBody>
       </p:sp>
     </p:spTree>
@@ -17072,105 +20756,7 @@
 </p:sld>
 </file>
 
-<file path=ppt/slides/slide2.xml><?xml version="1.0" encoding="utf-8"?>
-<p:sld xmlns:a="http://schemas.openxmlformats.org/drawingml/2006/main" xmlns:r="http://schemas.openxmlformats.org/officeDocument/2006/relationships" xmlns:p="http://schemas.openxmlformats.org/presentationml/2006/main" show="0">
-  <p:cSld>
-    <p:spTree>
-      <p:nvGrpSpPr>
-        <p:cNvPr id="1" name=""/>
-        <p:cNvGrpSpPr/>
-        <p:nvPr/>
-      </p:nvGrpSpPr>
-      <p:grpSpPr>
-        <a:xfrm>
-          <a:off x="0" y="0"/>
-          <a:ext cx="0" cy="0"/>
-          <a:chOff x="0" y="0"/>
-          <a:chExt cx="0" cy="0"/>
-        </a:xfrm>
-      </p:grpSpPr>
-      <p:sp>
-        <p:nvSpPr>
-          <p:cNvPr id="2" name="Tytuł 1">
-            <a:extLst>
-              <a:ext uri="{FF2B5EF4-FFF2-40B4-BE49-F238E27FC236}">
-                <a16:creationId xmlns:a16="http://schemas.microsoft.com/office/drawing/2014/main" id="{38FE2930-C9F9-42F1-BC5A-B5D8CC8FE5FB}"/>
-              </a:ext>
-            </a:extLst>
-          </p:cNvPr>
-          <p:cNvSpPr>
-            <a:spLocks noGrp="1"/>
-          </p:cNvSpPr>
-          <p:nvPr>
-            <p:ph type="title"/>
-          </p:nvPr>
-        </p:nvSpPr>
-        <p:spPr/>
-        <p:txBody>
-          <a:bodyPr/>
-          <a:lstStyle/>
-          <a:p>
-            <a:pPr algn="ctr"/>
-            <a:r>
-              <a:rPr lang="pl-PL"/>
-              <a:t>Firma</a:t>
-            </a:r>
-          </a:p>
-        </p:txBody>
-      </p:sp>
-      <p:sp>
-        <p:nvSpPr>
-          <p:cNvPr id="3" name="Symbol zastępczy zawartości 2">
-            <a:extLst>
-              <a:ext uri="{FF2B5EF4-FFF2-40B4-BE49-F238E27FC236}">
-                <a16:creationId xmlns:a16="http://schemas.microsoft.com/office/drawing/2014/main" id="{8426D2BE-ED27-420C-AF5A-CBE400D5329A}"/>
-              </a:ext>
-            </a:extLst>
-          </p:cNvPr>
-          <p:cNvSpPr>
-            <a:spLocks noGrp="1"/>
-          </p:cNvSpPr>
-          <p:nvPr>
-            <p:ph idx="1"/>
-          </p:nvPr>
-        </p:nvSpPr>
-        <p:spPr>
-          <a:xfrm>
-            <a:off x="680321" y="2635847"/>
-            <a:ext cx="10131425" cy="2387988"/>
-          </a:xfrm>
-        </p:spPr>
-        <p:txBody>
-          <a:bodyPr>
-            <a:normAutofit/>
-          </a:bodyPr>
-          <a:lstStyle/>
-          <a:p>
-            <a:pPr marL="0" indent="0">
-              <a:buNone/>
-            </a:pPr>
-            <a:r>
-              <a:rPr lang="pl-PL"/>
-              <a:t>System wspomagający zarządzanie zaprojektowano dla firmy, której działalnością jest produkcja elementów przy wykorzystaniu technologii addytywnych. Firma pracuje od poniedziałku do piątku w trybie jednozmianowym od 8:00 do 16:00.</a:t>
-            </a:r>
-            <a:endParaRPr lang="pl-PL" sz="2800"/>
-          </a:p>
-        </p:txBody>
-      </p:sp>
-    </p:spTree>
-    <p:extLst>
-      <p:ext uri="{BB962C8B-B14F-4D97-AF65-F5344CB8AC3E}">
-        <p14:creationId xmlns:p14="http://schemas.microsoft.com/office/powerpoint/2010/main" val="3558708667"/>
-      </p:ext>
-    </p:extLst>
-  </p:cSld>
-  <p:clrMapOvr>
-    <a:masterClrMapping/>
-  </p:clrMapOvr>
-</p:sld>
-</file>
-
-<file path=ppt/slides/slide20.xml><?xml version="1.0" encoding="utf-8"?>
+<file path=ppt/slides/slide22.xml><?xml version="1.0" encoding="utf-8"?>
 <p:sld xmlns:a="http://schemas.openxmlformats.org/drawingml/2006/main" xmlns:r="http://schemas.openxmlformats.org/officeDocument/2006/relationships" xmlns:p="http://schemas.openxmlformats.org/presentationml/2006/main">
   <p:cSld>
     <p:spTree>
@@ -17299,7 +20885,7 @@
 </p:sld>
 </file>
 
-<file path=ppt/slides/slide21.xml><?xml version="1.0" encoding="utf-8"?>
+<file path=ppt/slides/slide23.xml><?xml version="1.0" encoding="utf-8"?>
 <p:sld xmlns:a="http://schemas.openxmlformats.org/drawingml/2006/main" xmlns:r="http://schemas.openxmlformats.org/officeDocument/2006/relationships" xmlns:p="http://schemas.openxmlformats.org/presentationml/2006/main">
   <p:cSld>
     <p:spTree>
@@ -17487,7 +21073,7 @@
 </p:sld>
 </file>
 
-<file path=ppt/slides/slide22.xml><?xml version="1.0" encoding="utf-8"?>
+<file path=ppt/slides/slide24.xml><?xml version="1.0" encoding="utf-8"?>
 <p:sld xmlns:a="http://schemas.openxmlformats.org/drawingml/2006/main" xmlns:r="http://schemas.openxmlformats.org/officeDocument/2006/relationships" xmlns:p="http://schemas.openxmlformats.org/presentationml/2006/main">
   <p:cSld>
     <p:spTree>
@@ -17616,7 +21202,7 @@
 </p:sld>
 </file>
 
-<file path=ppt/slides/slide23.xml><?xml version="1.0" encoding="utf-8"?>
+<file path=ppt/slides/slide25.xml><?xml version="1.0" encoding="utf-8"?>
 <p:sld xmlns:a="http://schemas.openxmlformats.org/drawingml/2006/main" xmlns:r="http://schemas.openxmlformats.org/officeDocument/2006/relationships" xmlns:p="http://schemas.openxmlformats.org/presentationml/2006/main">
   <p:cSld>
     <p:spTree>
@@ -17804,7 +21390,7 @@
 </p:sld>
 </file>
 
-<file path=ppt/slides/slide24.xml><?xml version="1.0" encoding="utf-8"?>
+<file path=ppt/slides/slide26.xml><?xml version="1.0" encoding="utf-8"?>
 <p:sld xmlns:a="http://schemas.openxmlformats.org/drawingml/2006/main" xmlns:r="http://schemas.openxmlformats.org/officeDocument/2006/relationships" xmlns:p="http://schemas.openxmlformats.org/presentationml/2006/main">
   <p:cSld>
     <p:spTree>
@@ -17892,7 +21478,7 @@
 </p:sld>
 </file>
 
-<file path=ppt/slides/slide25.xml><?xml version="1.0" encoding="utf-8"?>
+<file path=ppt/slides/slide27.xml><?xml version="1.0" encoding="utf-8"?>
 <p:sld xmlns:a="http://schemas.openxmlformats.org/drawingml/2006/main" xmlns:r="http://schemas.openxmlformats.org/officeDocument/2006/relationships" xmlns:p="http://schemas.openxmlformats.org/presentationml/2006/main">
   <p:cSld>
     <p:spTree>
@@ -17980,7 +21566,7 @@
 </p:sld>
 </file>
 
-<file path=ppt/slides/slide26.xml><?xml version="1.0" encoding="utf-8"?>
+<file path=ppt/slides/slide28.xml><?xml version="1.0" encoding="utf-8"?>
 <p:sld xmlns:a="http://schemas.openxmlformats.org/drawingml/2006/main" xmlns:r="http://schemas.openxmlformats.org/officeDocument/2006/relationships" xmlns:p="http://schemas.openxmlformats.org/presentationml/2006/main">
   <p:cSld>
     <p:spTree>
@@ -18068,7 +21654,7 @@
 </p:sld>
 </file>
 
-<file path=ppt/slides/slide27.xml><?xml version="1.0" encoding="utf-8"?>
+<file path=ppt/slides/slide29.xml><?xml version="1.0" encoding="utf-8"?>
 <p:sld xmlns:a="http://schemas.openxmlformats.org/drawingml/2006/main" xmlns:r="http://schemas.openxmlformats.org/officeDocument/2006/relationships" xmlns:p="http://schemas.openxmlformats.org/presentationml/2006/main">
   <p:cSld>
     <p:spTree>
@@ -18156,7 +21742,110 @@
 </p:sld>
 </file>
 
-<file path=ppt/slides/slide28.xml><?xml version="1.0" encoding="utf-8"?>
+<file path=ppt/slides/slide3.xml><?xml version="1.0" encoding="utf-8"?>
+<p:sld xmlns:a="http://schemas.openxmlformats.org/drawingml/2006/main" xmlns:r="http://schemas.openxmlformats.org/officeDocument/2006/relationships" xmlns:p="http://schemas.openxmlformats.org/presentationml/2006/main">
+  <p:cSld>
+    <p:spTree>
+      <p:nvGrpSpPr>
+        <p:cNvPr id="1" name=""/>
+        <p:cNvGrpSpPr/>
+        <p:nvPr/>
+      </p:nvGrpSpPr>
+      <p:grpSpPr>
+        <a:xfrm>
+          <a:off x="0" y="0"/>
+          <a:ext cx="0" cy="0"/>
+          <a:chOff x="0" y="0"/>
+          <a:chExt cx="0" cy="0"/>
+        </a:xfrm>
+      </p:grpSpPr>
+      <p:sp>
+        <p:nvSpPr>
+          <p:cNvPr id="2" name="Tytuł 1">
+            <a:extLst>
+              <a:ext uri="{FF2B5EF4-FFF2-40B4-BE49-F238E27FC236}">
+                <a16:creationId xmlns:a16="http://schemas.microsoft.com/office/drawing/2014/main" id="{38FE2930-C9F9-42F1-BC5A-B5D8CC8FE5FB}"/>
+              </a:ext>
+            </a:extLst>
+          </p:cNvPr>
+          <p:cNvSpPr>
+            <a:spLocks noGrp="1"/>
+          </p:cNvSpPr>
+          <p:nvPr>
+            <p:ph type="title"/>
+          </p:nvPr>
+        </p:nvSpPr>
+        <p:spPr/>
+        <p:txBody>
+          <a:bodyPr/>
+          <a:lstStyle/>
+          <a:p>
+            <a:pPr algn="ctr"/>
+            <a:r>
+              <a:rPr lang="pl-PL" dirty="0"/>
+              <a:t>Forma prawna przedsiębiorstwa</a:t>
+            </a:r>
+          </a:p>
+        </p:txBody>
+      </p:sp>
+      <p:sp>
+        <p:nvSpPr>
+          <p:cNvPr id="3" name="Symbol zastępczy zawartości 2">
+            <a:extLst>
+              <a:ext uri="{FF2B5EF4-FFF2-40B4-BE49-F238E27FC236}">
+                <a16:creationId xmlns:a16="http://schemas.microsoft.com/office/drawing/2014/main" id="{8426D2BE-ED27-420C-AF5A-CBE400D5329A}"/>
+              </a:ext>
+            </a:extLst>
+          </p:cNvPr>
+          <p:cNvSpPr>
+            <a:spLocks noGrp="1"/>
+          </p:cNvSpPr>
+          <p:nvPr>
+            <p:ph idx="1"/>
+          </p:nvPr>
+        </p:nvSpPr>
+        <p:spPr>
+          <a:xfrm>
+            <a:off x="680321" y="2635847"/>
+            <a:ext cx="10131425" cy="2387988"/>
+          </a:xfrm>
+        </p:spPr>
+        <p:txBody>
+          <a:bodyPr>
+            <a:normAutofit/>
+          </a:bodyPr>
+          <a:lstStyle/>
+          <a:p>
+            <a:pPr marL="0" indent="0">
+              <a:buNone/>
+            </a:pPr>
+            <a:r>
+              <a:rPr lang="pl-PL" dirty="0"/>
+              <a:t>Nasze przedsiębiorstwo jest spółką z ograniczoną odpowiedzialnością. Wybrana została ze względu na ograniczoną odpowiedzialność majątkową wspólników oraz możliwość prowadzenia spółki na dużą skalę.</a:t>
+            </a:r>
+          </a:p>
+          <a:p>
+            <a:pPr marL="0" indent="0">
+              <a:buNone/>
+            </a:pPr>
+            <a:endParaRPr lang="pl-PL" sz="2800" dirty="0"/>
+          </a:p>
+        </p:txBody>
+      </p:sp>
+    </p:spTree>
+    <p:extLst>
+      <p:ext uri="{BB962C8B-B14F-4D97-AF65-F5344CB8AC3E}">
+        <p14:creationId xmlns:p14="http://schemas.microsoft.com/office/powerpoint/2010/main" val="3480498017"/>
+      </p:ext>
+    </p:extLst>
+  </p:cSld>
+  <p:clrMapOvr>
+    <a:masterClrMapping/>
+  </p:clrMapOvr>
+</p:sld>
+</file>
+
+<file path=ppt/slides/slide30.xml><?xml version="1.0" encoding="utf-8"?>
 <p:sld xmlns:a="http://schemas.openxmlformats.org/drawingml/2006/main" xmlns:r="http://schemas.openxmlformats.org/officeDocument/2006/relationships" xmlns:p="http://schemas.openxmlformats.org/presentationml/2006/main">
   <p:cSld>
     <p:spTree>
@@ -18244,7 +21933,7 @@
 </p:sld>
 </file>
 
-<file path=ppt/slides/slide29.xml><?xml version="1.0" encoding="utf-8"?>
+<file path=ppt/slides/slide31.xml><?xml version="1.0" encoding="utf-8"?>
 <p:sld xmlns:a="http://schemas.openxmlformats.org/drawingml/2006/main" xmlns:r="http://schemas.openxmlformats.org/officeDocument/2006/relationships" xmlns:p="http://schemas.openxmlformats.org/presentationml/2006/main">
   <p:cSld>
     <p:spTree>
@@ -18332,131 +22021,7 @@
 </p:sld>
 </file>
 
-<file path=ppt/slides/slide3.xml><?xml version="1.0" encoding="utf-8"?>
-<p:sld xmlns:a="http://schemas.openxmlformats.org/drawingml/2006/main" xmlns:r="http://schemas.openxmlformats.org/officeDocument/2006/relationships" xmlns:p="http://schemas.openxmlformats.org/presentationml/2006/main" show="0">
-  <p:cSld>
-    <p:spTree>
-      <p:nvGrpSpPr>
-        <p:cNvPr id="1" name=""/>
-        <p:cNvGrpSpPr/>
-        <p:nvPr/>
-      </p:nvGrpSpPr>
-      <p:grpSpPr>
-        <a:xfrm>
-          <a:off x="0" y="0"/>
-          <a:ext cx="0" cy="0"/>
-          <a:chOff x="0" y="0"/>
-          <a:chExt cx="0" cy="0"/>
-        </a:xfrm>
-      </p:grpSpPr>
-      <p:sp>
-        <p:nvSpPr>
-          <p:cNvPr id="2" name="Tytuł 1">
-            <a:extLst>
-              <a:ext uri="{FF2B5EF4-FFF2-40B4-BE49-F238E27FC236}">
-                <a16:creationId xmlns:a16="http://schemas.microsoft.com/office/drawing/2014/main" id="{D5B77372-D8E3-48EE-A895-C7FED7C0C32C}"/>
-              </a:ext>
-            </a:extLst>
-          </p:cNvPr>
-          <p:cNvSpPr>
-            <a:spLocks noGrp="1"/>
-          </p:cNvSpPr>
-          <p:nvPr>
-            <p:ph type="title"/>
-          </p:nvPr>
-        </p:nvSpPr>
-        <p:spPr/>
-        <p:txBody>
-          <a:bodyPr/>
-          <a:lstStyle/>
-          <a:p>
-            <a:r>
-              <a:rPr lang="pl-PL" dirty="0"/>
-              <a:t>Cele przedsiębiorstwa :</a:t>
-            </a:r>
-          </a:p>
-        </p:txBody>
-      </p:sp>
-      <p:sp>
-        <p:nvSpPr>
-          <p:cNvPr id="3" name="Symbol zastępczy zawartości 2">
-            <a:extLst>
-              <a:ext uri="{FF2B5EF4-FFF2-40B4-BE49-F238E27FC236}">
-                <a16:creationId xmlns:a16="http://schemas.microsoft.com/office/drawing/2014/main" id="{25D05DB1-613F-4888-892D-647FB35E7E3A}"/>
-              </a:ext>
-            </a:extLst>
-          </p:cNvPr>
-          <p:cNvSpPr>
-            <a:spLocks noGrp="1"/>
-          </p:cNvSpPr>
-          <p:nvPr>
-            <p:ph idx="1"/>
-          </p:nvPr>
-        </p:nvSpPr>
-        <p:spPr>
-          <a:xfrm>
-            <a:off x="1074821" y="2248782"/>
-            <a:ext cx="9613861" cy="3599316"/>
-          </a:xfrm>
-        </p:spPr>
-        <p:txBody>
-          <a:bodyPr/>
-          <a:lstStyle/>
-          <a:p>
-            <a:r>
-              <a:rPr lang="pl-PL" dirty="0"/>
-              <a:t>Maksymalizacja zysków przedsiębiorstwa.</a:t>
-            </a:r>
-          </a:p>
-          <a:p>
-            <a:r>
-              <a:rPr lang="pl-PL" dirty="0"/>
-              <a:t>Maksymalizacja sprzedaży.</a:t>
-            </a:r>
-          </a:p>
-          <a:p>
-            <a:r>
-              <a:rPr lang="pl-PL" dirty="0"/>
-              <a:t>Zwiększenie stanu materialnego pracowników.</a:t>
-            </a:r>
-          </a:p>
-          <a:p>
-            <a:r>
-              <a:rPr lang="pl-PL" dirty="0"/>
-              <a:t>Dostarczenie produktu zgodnego z wymaganiami.</a:t>
-            </a:r>
-          </a:p>
-          <a:p>
-            <a:r>
-              <a:rPr lang="pl-PL" dirty="0"/>
-              <a:t>Zwiększenie konkurencyjności na rynku.</a:t>
-            </a:r>
-          </a:p>
-          <a:p>
-            <a:r>
-              <a:rPr lang="pl-PL" dirty="0"/>
-              <a:t>Przygotowanie funkcjonalnego systemu wspomagania zarządzania.</a:t>
-            </a:r>
-          </a:p>
-          <a:p>
-            <a:endParaRPr lang="pl-PL" dirty="0"/>
-          </a:p>
-        </p:txBody>
-      </p:sp>
-    </p:spTree>
-    <p:extLst>
-      <p:ext uri="{BB962C8B-B14F-4D97-AF65-F5344CB8AC3E}">
-        <p14:creationId xmlns:p14="http://schemas.microsoft.com/office/powerpoint/2010/main" val="1577202253"/>
-      </p:ext>
-    </p:extLst>
-  </p:cSld>
-  <p:clrMapOvr>
-    <a:masterClrMapping/>
-  </p:clrMapOvr>
-</p:sld>
-</file>
-
-<file path=ppt/slides/slide30.xml><?xml version="1.0" encoding="utf-8"?>
+<file path=ppt/slides/slide32.xml><?xml version="1.0" encoding="utf-8"?>
 <p:sld xmlns:a="http://schemas.openxmlformats.org/drawingml/2006/main" xmlns:r="http://schemas.openxmlformats.org/officeDocument/2006/relationships" xmlns:p="http://schemas.openxmlformats.org/presentationml/2006/main">
   <p:cSld>
     <p:spTree>
@@ -18566,6 +22131,213 @@
           <p:cNvPr id="2" name="Tytuł 1">
             <a:extLst>
               <a:ext uri="{FF2B5EF4-FFF2-40B4-BE49-F238E27FC236}">
+                <a16:creationId xmlns:a16="http://schemas.microsoft.com/office/drawing/2014/main" id="{68FE2211-33EF-4D43-8DD9-8F3BD2037BC8}"/>
+              </a:ext>
+            </a:extLst>
+          </p:cNvPr>
+          <p:cNvSpPr>
+            <a:spLocks noGrp="1"/>
+          </p:cNvSpPr>
+          <p:nvPr>
+            <p:ph type="title"/>
+          </p:nvPr>
+        </p:nvSpPr>
+        <p:spPr/>
+        <p:txBody>
+          <a:bodyPr/>
+          <a:lstStyle/>
+          <a:p>
+            <a:r>
+              <a:rPr lang="pl-PL" dirty="0"/>
+              <a:t>Model biznesowy przedsiębiorstwa</a:t>
+            </a:r>
+          </a:p>
+        </p:txBody>
+      </p:sp>
+      <p:sp>
+        <p:nvSpPr>
+          <p:cNvPr id="3" name="Symbol zastępczy zawartości 2">
+            <a:extLst>
+              <a:ext uri="{FF2B5EF4-FFF2-40B4-BE49-F238E27FC236}">
+                <a16:creationId xmlns:a16="http://schemas.microsoft.com/office/drawing/2014/main" id="{A871191D-3757-4DCB-9C0A-DF51E8DBFB7B}"/>
+              </a:ext>
+            </a:extLst>
+          </p:cNvPr>
+          <p:cNvSpPr>
+            <a:spLocks noGrp="1"/>
+          </p:cNvSpPr>
+          <p:nvPr>
+            <p:ph idx="1"/>
+          </p:nvPr>
+        </p:nvSpPr>
+        <p:spPr/>
+        <p:txBody>
+          <a:bodyPr/>
+          <a:lstStyle/>
+          <a:p>
+            <a:endParaRPr lang="pl-PL"/>
+          </a:p>
+        </p:txBody>
+      </p:sp>
+    </p:spTree>
+    <p:extLst>
+      <p:ext uri="{BB962C8B-B14F-4D97-AF65-F5344CB8AC3E}">
+        <p14:creationId xmlns:p14="http://schemas.microsoft.com/office/powerpoint/2010/main" val="449364182"/>
+      </p:ext>
+    </p:extLst>
+  </p:cSld>
+  <p:clrMapOvr>
+    <a:masterClrMapping/>
+  </p:clrMapOvr>
+</p:sld>
+</file>
+
+<file path=ppt/slides/slide5.xml><?xml version="1.0" encoding="utf-8"?>
+<p:sld xmlns:a="http://schemas.openxmlformats.org/drawingml/2006/main" xmlns:r="http://schemas.openxmlformats.org/officeDocument/2006/relationships" xmlns:p="http://schemas.openxmlformats.org/presentationml/2006/main" show="0">
+  <p:cSld>
+    <p:spTree>
+      <p:nvGrpSpPr>
+        <p:cNvPr id="1" name=""/>
+        <p:cNvGrpSpPr/>
+        <p:nvPr/>
+      </p:nvGrpSpPr>
+      <p:grpSpPr>
+        <a:xfrm>
+          <a:off x="0" y="0"/>
+          <a:ext cx="0" cy="0"/>
+          <a:chOff x="0" y="0"/>
+          <a:chExt cx="0" cy="0"/>
+        </a:xfrm>
+      </p:grpSpPr>
+      <p:sp>
+        <p:nvSpPr>
+          <p:cNvPr id="2" name="Tytuł 1">
+            <a:extLst>
+              <a:ext uri="{FF2B5EF4-FFF2-40B4-BE49-F238E27FC236}">
+                <a16:creationId xmlns:a16="http://schemas.microsoft.com/office/drawing/2014/main" id="{D5B77372-D8E3-48EE-A895-C7FED7C0C32C}"/>
+              </a:ext>
+            </a:extLst>
+          </p:cNvPr>
+          <p:cNvSpPr>
+            <a:spLocks noGrp="1"/>
+          </p:cNvSpPr>
+          <p:nvPr>
+            <p:ph type="title"/>
+          </p:nvPr>
+        </p:nvSpPr>
+        <p:spPr/>
+        <p:txBody>
+          <a:bodyPr/>
+          <a:lstStyle/>
+          <a:p>
+            <a:r>
+              <a:rPr lang="pl-PL" dirty="0"/>
+              <a:t>Cele przedsiębiorstwa :</a:t>
+            </a:r>
+          </a:p>
+        </p:txBody>
+      </p:sp>
+      <p:sp>
+        <p:nvSpPr>
+          <p:cNvPr id="3" name="Symbol zastępczy zawartości 2">
+            <a:extLst>
+              <a:ext uri="{FF2B5EF4-FFF2-40B4-BE49-F238E27FC236}">
+                <a16:creationId xmlns:a16="http://schemas.microsoft.com/office/drawing/2014/main" id="{25D05DB1-613F-4888-892D-647FB35E7E3A}"/>
+              </a:ext>
+            </a:extLst>
+          </p:cNvPr>
+          <p:cNvSpPr>
+            <a:spLocks noGrp="1"/>
+          </p:cNvSpPr>
+          <p:nvPr>
+            <p:ph idx="1"/>
+          </p:nvPr>
+        </p:nvSpPr>
+        <p:spPr>
+          <a:xfrm>
+            <a:off x="1074821" y="2248782"/>
+            <a:ext cx="9613861" cy="3599316"/>
+          </a:xfrm>
+        </p:spPr>
+        <p:txBody>
+          <a:bodyPr/>
+          <a:lstStyle/>
+          <a:p>
+            <a:r>
+              <a:rPr lang="pl-PL" dirty="0"/>
+              <a:t>Maksymalizacja zysków przedsiębiorstwa.</a:t>
+            </a:r>
+          </a:p>
+          <a:p>
+            <a:r>
+              <a:rPr lang="pl-PL" dirty="0"/>
+              <a:t>Maksymalizacja sprzedaży.</a:t>
+            </a:r>
+          </a:p>
+          <a:p>
+            <a:r>
+              <a:rPr lang="pl-PL" dirty="0"/>
+              <a:t>Zwiększenie stanu materialnego pracowników.</a:t>
+            </a:r>
+          </a:p>
+          <a:p>
+            <a:r>
+              <a:rPr lang="pl-PL" dirty="0"/>
+              <a:t>Dostarczenie produktu zgodnego z wymaganiami.</a:t>
+            </a:r>
+          </a:p>
+          <a:p>
+            <a:r>
+              <a:rPr lang="pl-PL" dirty="0"/>
+              <a:t>Zwiększenie konkurencyjności na rynku.</a:t>
+            </a:r>
+          </a:p>
+          <a:p>
+            <a:r>
+              <a:rPr lang="pl-PL" dirty="0"/>
+              <a:t>Przygotowanie funkcjonalnego systemu wspomagania zarządzania.</a:t>
+            </a:r>
+          </a:p>
+          <a:p>
+            <a:endParaRPr lang="pl-PL" dirty="0"/>
+          </a:p>
+        </p:txBody>
+      </p:sp>
+    </p:spTree>
+    <p:extLst>
+      <p:ext uri="{BB962C8B-B14F-4D97-AF65-F5344CB8AC3E}">
+        <p14:creationId xmlns:p14="http://schemas.microsoft.com/office/powerpoint/2010/main" val="1577202253"/>
+      </p:ext>
+    </p:extLst>
+  </p:cSld>
+  <p:clrMapOvr>
+    <a:masterClrMapping/>
+  </p:clrMapOvr>
+</p:sld>
+</file>
+
+<file path=ppt/slides/slide6.xml><?xml version="1.0" encoding="utf-8"?>
+<p:sld xmlns:a="http://schemas.openxmlformats.org/drawingml/2006/main" xmlns:r="http://schemas.openxmlformats.org/officeDocument/2006/relationships" xmlns:p="http://schemas.openxmlformats.org/presentationml/2006/main">
+  <p:cSld>
+    <p:spTree>
+      <p:nvGrpSpPr>
+        <p:cNvPr id="1" name=""/>
+        <p:cNvGrpSpPr/>
+        <p:nvPr/>
+      </p:nvGrpSpPr>
+      <p:grpSpPr>
+        <a:xfrm>
+          <a:off x="0" y="0"/>
+          <a:ext cx="0" cy="0"/>
+          <a:chOff x="0" y="0"/>
+          <a:chExt cx="0" cy="0"/>
+        </a:xfrm>
+      </p:grpSpPr>
+      <p:sp>
+        <p:nvSpPr>
+          <p:cNvPr id="2" name="Tytuł 1">
+            <a:extLst>
+              <a:ext uri="{FF2B5EF4-FFF2-40B4-BE49-F238E27FC236}">
                 <a16:creationId xmlns:a16="http://schemas.microsoft.com/office/drawing/2014/main" id="{2514308B-F515-419E-A803-A1A27A9DBDF1}"/>
               </a:ext>
             </a:extLst>
@@ -18688,7 +22460,7 @@
 </p:sld>
 </file>
 
-<file path=ppt/slides/slide5.xml><?xml version="1.0" encoding="utf-8"?>
+<file path=ppt/slides/slide7.xml><?xml version="1.0" encoding="utf-8"?>
 <p:sld xmlns:a="http://schemas.openxmlformats.org/drawingml/2006/main" xmlns:r="http://schemas.openxmlformats.org/officeDocument/2006/relationships" xmlns:p="http://schemas.openxmlformats.org/presentationml/2006/main">
   <p:cSld>
     <p:spTree>
@@ -18837,7 +22609,7 @@
 </p:sld>
 </file>
 
-<file path=ppt/slides/slide6.xml><?xml version="1.0" encoding="utf-8"?>
+<file path=ppt/slides/slide8.xml><?xml version="1.0" encoding="utf-8"?>
 <p:sld xmlns:a="http://schemas.openxmlformats.org/drawingml/2006/main" xmlns:r="http://schemas.openxmlformats.org/officeDocument/2006/relationships" xmlns:p="http://schemas.openxmlformats.org/presentationml/2006/main" show="0">
   <p:cSld>
     <p:spTree>
@@ -19710,7 +23482,7 @@
 </p:sld>
 </file>
 
-<file path=ppt/slides/slide7.xml><?xml version="1.0" encoding="utf-8"?>
+<file path=ppt/slides/slide9.xml><?xml version="1.0" encoding="utf-8"?>
 <p:sld xmlns:a="http://schemas.openxmlformats.org/drawingml/2006/main" xmlns:r="http://schemas.openxmlformats.org/officeDocument/2006/relationships" xmlns:p="http://schemas.openxmlformats.org/presentationml/2006/main">
   <p:cSld>
     <p:spTree>
@@ -19784,8 +23556,23 @@
           <a:p>
             <a:pPr algn="just"/>
             <a:r>
-              <a:rPr lang="pl-PL"/>
+              <a:rPr lang="pl-PL" dirty="0"/>
               <a:t>W przedsiębiorstwie wykonywane są elementy druku 3D, zamówienia składane są przez klientów, następnie przeprowadzany jest proces produkcji.</a:t>
+            </a:r>
+          </a:p>
+          <a:p>
+            <a:pPr algn="just"/>
+            <a:endParaRPr lang="pl-PL" dirty="0"/>
+          </a:p>
+          <a:p>
+            <a:pPr algn="just"/>
+            <a:endParaRPr lang="pl-PL" dirty="0"/>
+          </a:p>
+          <a:p>
+            <a:pPr algn="just"/>
+            <a:r>
+              <a:rPr lang="pl-PL" dirty="0"/>
+              <a:t>Jak wygląda proces technologiczny</a:t>
             </a:r>
           </a:p>
         </p:txBody>
@@ -19794,182 +23581,6 @@
     <p:extLst>
       <p:ext uri="{BB962C8B-B14F-4D97-AF65-F5344CB8AC3E}">
         <p14:creationId xmlns:p14="http://schemas.microsoft.com/office/powerpoint/2010/main" val="3268905368"/>
-      </p:ext>
-    </p:extLst>
-  </p:cSld>
-  <p:clrMapOvr>
-    <a:masterClrMapping/>
-  </p:clrMapOvr>
-</p:sld>
-</file>
-
-<file path=ppt/slides/slide8.xml><?xml version="1.0" encoding="utf-8"?>
-<p:sld xmlns:a="http://schemas.openxmlformats.org/drawingml/2006/main" xmlns:r="http://schemas.openxmlformats.org/officeDocument/2006/relationships" xmlns:p="http://schemas.openxmlformats.org/presentationml/2006/main" show="0">
-  <p:cSld>
-    <p:spTree>
-      <p:nvGrpSpPr>
-        <p:cNvPr id="1" name=""/>
-        <p:cNvGrpSpPr/>
-        <p:nvPr/>
-      </p:nvGrpSpPr>
-      <p:grpSpPr>
-        <a:xfrm>
-          <a:off x="0" y="0"/>
-          <a:ext cx="0" cy="0"/>
-          <a:chOff x="0" y="0"/>
-          <a:chExt cx="0" cy="0"/>
-        </a:xfrm>
-      </p:grpSpPr>
-      <p:sp>
-        <p:nvSpPr>
-          <p:cNvPr id="2" name="Tytuł 1">
-            <a:extLst>
-              <a:ext uri="{FF2B5EF4-FFF2-40B4-BE49-F238E27FC236}">
-                <a16:creationId xmlns:a16="http://schemas.microsoft.com/office/drawing/2014/main" id="{276E0BDA-CFCE-4FCC-9462-7ABD12218273}"/>
-              </a:ext>
-            </a:extLst>
-          </p:cNvPr>
-          <p:cNvSpPr>
-            <a:spLocks noGrp="1"/>
-          </p:cNvSpPr>
-          <p:nvPr>
-            <p:ph type="title"/>
-          </p:nvPr>
-        </p:nvSpPr>
-        <p:spPr/>
-        <p:txBody>
-          <a:bodyPr/>
-          <a:lstStyle/>
-          <a:p>
-            <a:r>
-              <a:rPr lang="pl-PL"/>
-              <a:t>Mapa myśli</a:t>
-            </a:r>
-          </a:p>
-        </p:txBody>
-      </p:sp>
-      <p:graphicFrame>
-        <p:nvGraphicFramePr>
-          <p:cNvPr id="4" name="Symbol zastępczy zawartości 3">
-            <a:extLst>
-              <a:ext uri="{FF2B5EF4-FFF2-40B4-BE49-F238E27FC236}">
-                <a16:creationId xmlns:a16="http://schemas.microsoft.com/office/drawing/2014/main" id="{13A4F842-1CB8-436D-952D-AC3D8A2DFCA5}"/>
-              </a:ext>
-            </a:extLst>
-          </p:cNvPr>
-          <p:cNvGraphicFramePr>
-            <a:graphicFrameLocks noGrp="1"/>
-          </p:cNvGraphicFramePr>
-          <p:nvPr>
-            <p:ph idx="1"/>
-            <p:extLst>
-              <p:ext uri="{D42A27DB-BD31-4B8C-83A1-F6EECF244321}">
-                <p14:modId xmlns:p14="http://schemas.microsoft.com/office/powerpoint/2010/main" val="1244398296"/>
-              </p:ext>
-            </p:extLst>
-          </p:nvPr>
-        </p:nvGraphicFramePr>
-        <p:xfrm>
-          <a:off x="0" y="855677"/>
-          <a:ext cx="10427516" cy="5855516"/>
-        </p:xfrm>
-        <a:graphic>
-          <a:graphicData uri="http://schemas.openxmlformats.org/drawingml/2006/diagram">
-            <dgm:relIds xmlns:dgm="http://schemas.openxmlformats.org/drawingml/2006/diagram" xmlns:r="http://schemas.openxmlformats.org/officeDocument/2006/relationships" r:dm="rId2" r:lo="rId3" r:qs="rId4" r:cs="rId5"/>
-          </a:graphicData>
-        </a:graphic>
-      </p:graphicFrame>
-    </p:spTree>
-    <p:extLst>
-      <p:ext uri="{BB962C8B-B14F-4D97-AF65-F5344CB8AC3E}">
-        <p14:creationId xmlns:p14="http://schemas.microsoft.com/office/powerpoint/2010/main" val="2644152362"/>
-      </p:ext>
-    </p:extLst>
-  </p:cSld>
-  <p:clrMapOvr>
-    <a:masterClrMapping/>
-  </p:clrMapOvr>
-</p:sld>
-</file>
-
-<file path=ppt/slides/slide9.xml><?xml version="1.0" encoding="utf-8"?>
-<p:sld xmlns:a="http://schemas.openxmlformats.org/drawingml/2006/main" xmlns:r="http://schemas.openxmlformats.org/officeDocument/2006/relationships" xmlns:p="http://schemas.openxmlformats.org/presentationml/2006/main">
-  <p:cSld>
-    <p:spTree>
-      <p:nvGrpSpPr>
-        <p:cNvPr id="1" name=""/>
-        <p:cNvGrpSpPr/>
-        <p:nvPr/>
-      </p:nvGrpSpPr>
-      <p:grpSpPr>
-        <a:xfrm>
-          <a:off x="0" y="0"/>
-          <a:ext cx="0" cy="0"/>
-          <a:chOff x="0" y="0"/>
-          <a:chExt cx="0" cy="0"/>
-        </a:xfrm>
-      </p:grpSpPr>
-      <p:sp>
-        <p:nvSpPr>
-          <p:cNvPr id="2" name="Tytuł 1">
-            <a:extLst>
-              <a:ext uri="{FF2B5EF4-FFF2-40B4-BE49-F238E27FC236}">
-                <a16:creationId xmlns:a16="http://schemas.microsoft.com/office/drawing/2014/main" id="{05FE9B8C-BCC8-491A-9A40-09796781C6C5}"/>
-              </a:ext>
-            </a:extLst>
-          </p:cNvPr>
-          <p:cNvSpPr>
-            <a:spLocks noGrp="1"/>
-          </p:cNvSpPr>
-          <p:nvPr>
-            <p:ph type="title"/>
-          </p:nvPr>
-        </p:nvSpPr>
-        <p:spPr/>
-        <p:txBody>
-          <a:bodyPr/>
-          <a:lstStyle/>
-          <a:p>
-            <a:r>
-              <a:rPr lang="pl-PL"/>
-              <a:t>Serwisowanie</a:t>
-            </a:r>
-          </a:p>
-        </p:txBody>
-      </p:sp>
-      <p:sp>
-        <p:nvSpPr>
-          <p:cNvPr id="3" name="Symbol zastępczy zawartości 2">
-            <a:extLst>
-              <a:ext uri="{FF2B5EF4-FFF2-40B4-BE49-F238E27FC236}">
-                <a16:creationId xmlns:a16="http://schemas.microsoft.com/office/drawing/2014/main" id="{390CC1DD-0AF3-4FE1-8E9E-B299C34769A8}"/>
-              </a:ext>
-            </a:extLst>
-          </p:cNvPr>
-          <p:cNvSpPr>
-            <a:spLocks noGrp="1"/>
-          </p:cNvSpPr>
-          <p:nvPr>
-            <p:ph idx="1"/>
-          </p:nvPr>
-        </p:nvSpPr>
-        <p:spPr/>
-        <p:txBody>
-          <a:bodyPr/>
-          <a:lstStyle/>
-          <a:p>
-            <a:pPr algn="just"/>
-            <a:r>
-              <a:rPr lang="pl-PL" dirty="0"/>
-              <a:t>Eksploatacja prowadzona jest według planowanej profilaktyki. Obsługa (przegląd) profilaktyczny maszyn wykonywany jest przez zewnętrzną firmę, okresowe i bieżące przeglądy wykonywane są w naszym przedsiębiorstwie. Obsługa bieżąca – raz w tygodniu, okresowa – raz na trzy miesiące, przegląd profilaktyczny – raz na rok.</a:t>
-            </a:r>
-          </a:p>
-        </p:txBody>
-      </p:sp>
-    </p:spTree>
-    <p:extLst>
-      <p:ext uri="{BB962C8B-B14F-4D97-AF65-F5344CB8AC3E}">
-        <p14:creationId xmlns:p14="http://schemas.microsoft.com/office/powerpoint/2010/main" val="4285159381"/>
       </p:ext>
     </p:extLst>
   </p:cSld>

--- a/Prezentacja_29.04.pptx
+++ b/Prezentacja_29.04.pptx
@@ -5845,7 +5845,7 @@
           <a:p>
             <a:fld id="{844F4C65-81A9-4BCE-8E42-0A35E075B4F9}" type="datetimeFigureOut">
               <a:rPr lang="pl-PL" smtClean="0"/>
-              <a:t>28.04.2021</a:t>
+              <a:t>28-04-2021</a:t>
             </a:fld>
             <a:endParaRPr lang="pl-PL"/>
           </a:p>
@@ -6259,7 +6259,7 @@
           <a:p>
             <a:fld id="{844F4C65-81A9-4BCE-8E42-0A35E075B4F9}" type="datetimeFigureOut">
               <a:rPr lang="pl-PL" smtClean="0"/>
-              <a:t>28.04.2021</a:t>
+              <a:t>28-04-2021</a:t>
             </a:fld>
             <a:endParaRPr lang="pl-PL"/>
           </a:p>
@@ -6595,7 +6595,7 @@
           <a:p>
             <a:fld id="{844F4C65-81A9-4BCE-8E42-0A35E075B4F9}" type="datetimeFigureOut">
               <a:rPr lang="pl-PL" smtClean="0"/>
-              <a:t>28.04.2021</a:t>
+              <a:t>28-04-2021</a:t>
             </a:fld>
             <a:endParaRPr lang="pl-PL"/>
           </a:p>
@@ -7000,7 +7000,7 @@
           <a:p>
             <a:fld id="{844F4C65-81A9-4BCE-8E42-0A35E075B4F9}" type="datetimeFigureOut">
               <a:rPr lang="pl-PL" smtClean="0"/>
-              <a:t>28.04.2021</a:t>
+              <a:t>28-04-2021</a:t>
             </a:fld>
             <a:endParaRPr lang="pl-PL"/>
           </a:p>
@@ -7568,7 +7568,7 @@
           <a:p>
             <a:fld id="{844F4C65-81A9-4BCE-8E42-0A35E075B4F9}" type="datetimeFigureOut">
               <a:rPr lang="pl-PL" smtClean="0"/>
-              <a:t>28.04.2021</a:t>
+              <a:t>28-04-2021</a:t>
             </a:fld>
             <a:endParaRPr lang="pl-PL"/>
           </a:p>
@@ -8249,7 +8249,7 @@
           <a:p>
             <a:fld id="{844F4C65-81A9-4BCE-8E42-0A35E075B4F9}" type="datetimeFigureOut">
               <a:rPr lang="pl-PL" smtClean="0"/>
-              <a:t>28.04.2021</a:t>
+              <a:t>28-04-2021</a:t>
             </a:fld>
             <a:endParaRPr lang="pl-PL"/>
           </a:p>
@@ -9162,7 +9162,7 @@
           <a:p>
             <a:fld id="{844F4C65-81A9-4BCE-8E42-0A35E075B4F9}" type="datetimeFigureOut">
               <a:rPr lang="pl-PL" smtClean="0"/>
-              <a:t>28.04.2021</a:t>
+              <a:t>28-04-2021</a:t>
             </a:fld>
             <a:endParaRPr lang="pl-PL"/>
           </a:p>
@@ -9475,7 +9475,7 @@
           <a:p>
             <a:fld id="{844F4C65-81A9-4BCE-8E42-0A35E075B4F9}" type="datetimeFigureOut">
               <a:rPr lang="pl-PL" smtClean="0"/>
-              <a:t>28.04.2021</a:t>
+              <a:t>28-04-2021</a:t>
             </a:fld>
             <a:endParaRPr lang="pl-PL"/>
           </a:p>
@@ -9739,7 +9739,7 @@
           <a:p>
             <a:fld id="{844F4C65-81A9-4BCE-8E42-0A35E075B4F9}" type="datetimeFigureOut">
               <a:rPr lang="pl-PL" smtClean="0"/>
-              <a:t>28.04.2021</a:t>
+              <a:t>28-04-2021</a:t>
             </a:fld>
             <a:endParaRPr lang="pl-PL"/>
           </a:p>
@@ -10062,7 +10062,7 @@
           <a:p>
             <a:fld id="{844F4C65-81A9-4BCE-8E42-0A35E075B4F9}" type="datetimeFigureOut">
               <a:rPr lang="pl-PL" smtClean="0"/>
-              <a:t>28.04.2021</a:t>
+              <a:t>28-04-2021</a:t>
             </a:fld>
             <a:endParaRPr lang="pl-PL"/>
           </a:p>
@@ -10451,7 +10451,7 @@
           <a:p>
             <a:fld id="{844F4C65-81A9-4BCE-8E42-0A35E075B4F9}" type="datetimeFigureOut">
               <a:rPr lang="pl-PL" smtClean="0"/>
-              <a:t>28.04.2021</a:t>
+              <a:t>28-04-2021</a:t>
             </a:fld>
             <a:endParaRPr lang="pl-PL"/>
           </a:p>
@@ -10827,7 +10827,7 @@
           <a:p>
             <a:fld id="{844F4C65-81A9-4BCE-8E42-0A35E075B4F9}" type="datetimeFigureOut">
               <a:rPr lang="pl-PL" smtClean="0"/>
-              <a:t>28.04.2021</a:t>
+              <a:t>28-04-2021</a:t>
             </a:fld>
             <a:endParaRPr lang="pl-PL"/>
           </a:p>
@@ -11333,7 +11333,7 @@
           <a:p>
             <a:fld id="{844F4C65-81A9-4BCE-8E42-0A35E075B4F9}" type="datetimeFigureOut">
               <a:rPr lang="pl-PL" smtClean="0"/>
-              <a:t>28.04.2021</a:t>
+              <a:t>28-04-2021</a:t>
             </a:fld>
             <a:endParaRPr lang="pl-PL"/>
           </a:p>
@@ -11590,7 +11590,7 @@
           <a:p>
             <a:fld id="{844F4C65-81A9-4BCE-8E42-0A35E075B4F9}" type="datetimeFigureOut">
               <a:rPr lang="pl-PL" smtClean="0"/>
-              <a:t>28.04.2021</a:t>
+              <a:t>28-04-2021</a:t>
             </a:fld>
             <a:endParaRPr lang="pl-PL"/>
           </a:p>
@@ -11753,7 +11753,7 @@
           <a:p>
             <a:fld id="{844F4C65-81A9-4BCE-8E42-0A35E075B4F9}" type="datetimeFigureOut">
               <a:rPr lang="pl-PL" smtClean="0"/>
-              <a:t>28.04.2021</a:t>
+              <a:t>28-04-2021</a:t>
             </a:fld>
             <a:endParaRPr lang="pl-PL"/>
           </a:p>
@@ -12143,7 +12143,7 @@
           <a:p>
             <a:fld id="{844F4C65-81A9-4BCE-8E42-0A35E075B4F9}" type="datetimeFigureOut">
               <a:rPr lang="pl-PL" smtClean="0"/>
-              <a:t>28.04.2021</a:t>
+              <a:t>28-04-2021</a:t>
             </a:fld>
             <a:endParaRPr lang="pl-PL"/>
           </a:p>
@@ -12552,7 +12552,7 @@
           <a:p>
             <a:fld id="{844F4C65-81A9-4BCE-8E42-0A35E075B4F9}" type="datetimeFigureOut">
               <a:rPr lang="pl-PL" smtClean="0"/>
-              <a:t>28.04.2021</a:t>
+              <a:t>28-04-2021</a:t>
             </a:fld>
             <a:endParaRPr lang="pl-PL"/>
           </a:p>
@@ -12796,7 +12796,7 @@
           <a:p>
             <a:fld id="{844F4C65-81A9-4BCE-8E42-0A35E075B4F9}" type="datetimeFigureOut">
               <a:rPr lang="pl-PL" smtClean="0"/>
-              <a:t>28.04.2021</a:t>
+              <a:t>28-04-2021</a:t>
             </a:fld>
             <a:endParaRPr lang="pl-PL"/>
           </a:p>
@@ -21437,32 +21437,49 @@
       </p:sp>
       <p:pic>
         <p:nvPicPr>
-          <p:cNvPr id="4" name="Obraz 3">
+          <p:cNvPr id="5" name="Picture 4">
             <a:extLst>
               <a:ext uri="{FF2B5EF4-FFF2-40B4-BE49-F238E27FC236}">
-                <a16:creationId xmlns:a16="http://schemas.microsoft.com/office/drawing/2014/main" id="{8509ED13-FAE5-4112-8309-0970D0FB449B}"/>
+                <a16:creationId xmlns:a16="http://schemas.microsoft.com/office/drawing/2014/main" id="{93AB3998-B5E2-4498-93F1-4A4A7C2E94B6}"/>
               </a:ext>
             </a:extLst>
           </p:cNvPr>
           <p:cNvPicPr>
-            <a:picLocks noChangeAspect="1"/>
+            <a:picLocks noChangeAspect="1" noChangeArrowheads="1"/>
           </p:cNvPicPr>
           <p:nvPr/>
         </p:nvPicPr>
         <p:blipFill>
-          <a:blip r:embed="rId2"/>
+          <a:blip r:embed="rId2">
+            <a:extLst>
+              <a:ext uri="{28A0092B-C50C-407E-A947-70E740481C1C}">
+                <a14:useLocalDpi xmlns:a14="http://schemas.microsoft.com/office/drawing/2010/main" val="0"/>
+              </a:ext>
+            </a:extLst>
+          </a:blip>
+          <a:srcRect/>
           <a:stretch>
             <a:fillRect/>
           </a:stretch>
         </p:blipFill>
-        <p:spPr>
+        <p:spPr bwMode="auto">
           <a:xfrm>
-            <a:off x="4831750" y="0"/>
-            <a:ext cx="7360250" cy="6858000"/>
+            <a:off x="5026025" y="0"/>
+            <a:ext cx="7165975" cy="6858000"/>
           </a:xfrm>
           <a:prstGeom prst="rect">
             <a:avLst/>
           </a:prstGeom>
+          <a:noFill/>
+          <a:extLst>
+            <a:ext uri="{909E8E84-426E-40DD-AFC4-6F175D3DCCD1}">
+              <a14:hiddenFill xmlns:a14="http://schemas.microsoft.com/office/drawing/2010/main">
+                <a:solidFill>
+                  <a:srgbClr val="FFFFFF"/>
+                </a:solidFill>
+              </a14:hiddenFill>
+            </a:ext>
+          </a:extLst>
         </p:spPr>
       </p:pic>
     </p:spTree>
@@ -21525,10 +21542,10 @@
       </p:sp>
       <p:pic>
         <p:nvPicPr>
-          <p:cNvPr id="4" name="Obraz 3">
+          <p:cNvPr id="5" name="Obraz 4">
             <a:extLst>
               <a:ext uri="{FF2B5EF4-FFF2-40B4-BE49-F238E27FC236}">
-                <a16:creationId xmlns:a16="http://schemas.microsoft.com/office/drawing/2014/main" id="{14D4A556-F700-4B18-B05F-CC473388AA33}"/>
+                <a16:creationId xmlns:a16="http://schemas.microsoft.com/office/drawing/2014/main" id="{FFB6D84D-2949-4A41-8A3B-E54CCF58D652}"/>
               </a:ext>
             </a:extLst>
           </p:cNvPr>
@@ -21545,8 +21562,8 @@
         </p:blipFill>
         <p:spPr>
           <a:xfrm>
-            <a:off x="4756079" y="0"/>
-            <a:ext cx="7435921" cy="6858000"/>
+            <a:off x="7070103" y="0"/>
+            <a:ext cx="5121897" cy="6866165"/>
           </a:xfrm>
           <a:prstGeom prst="rect">
             <a:avLst/>
@@ -21613,32 +21630,49 @@
       </p:sp>
       <p:pic>
         <p:nvPicPr>
-          <p:cNvPr id="7" name="Obraz 6">
+          <p:cNvPr id="4" name="Picture 2">
             <a:extLst>
               <a:ext uri="{FF2B5EF4-FFF2-40B4-BE49-F238E27FC236}">
-                <a16:creationId xmlns:a16="http://schemas.microsoft.com/office/drawing/2014/main" id="{939B5A5B-8AA5-4A86-81E7-E31717C7B186}"/>
+                <a16:creationId xmlns:a16="http://schemas.microsoft.com/office/drawing/2014/main" id="{B68C47E7-04EA-46F7-A378-7D099F24DA55}"/>
               </a:ext>
             </a:extLst>
           </p:cNvPr>
           <p:cNvPicPr>
-            <a:picLocks noChangeAspect="1"/>
+            <a:picLocks noChangeAspect="1" noChangeArrowheads="1"/>
           </p:cNvPicPr>
           <p:nvPr/>
         </p:nvPicPr>
         <p:blipFill>
-          <a:blip r:embed="rId2"/>
+          <a:blip r:embed="rId2">
+            <a:extLst>
+              <a:ext uri="{28A0092B-C50C-407E-A947-70E740481C1C}">
+                <a14:useLocalDpi xmlns:a14="http://schemas.microsoft.com/office/drawing/2010/main" val="0"/>
+              </a:ext>
+            </a:extLst>
+          </a:blip>
+          <a:srcRect/>
           <a:stretch>
             <a:fillRect/>
           </a:stretch>
         </p:blipFill>
-        <p:spPr>
+        <p:spPr bwMode="auto">
           <a:xfrm>
-            <a:off x="4877831" y="0"/>
-            <a:ext cx="7314169" cy="6858000"/>
+            <a:off x="4909595" y="0"/>
+            <a:ext cx="7282405" cy="6858000"/>
           </a:xfrm>
           <a:prstGeom prst="rect">
             <a:avLst/>
           </a:prstGeom>
+          <a:noFill/>
+          <a:extLst>
+            <a:ext uri="{909E8E84-426E-40DD-AFC4-6F175D3DCCD1}">
+              <a14:hiddenFill xmlns:a14="http://schemas.microsoft.com/office/drawing/2010/main">
+                <a:solidFill>
+                  <a:srgbClr val="FFFFFF"/>
+                </a:solidFill>
+              </a14:hiddenFill>
+            </a:ext>
+          </a:extLst>
         </p:spPr>
       </p:pic>
     </p:spTree>
@@ -21701,32 +21735,49 @@
       </p:sp>
       <p:pic>
         <p:nvPicPr>
-          <p:cNvPr id="4" name="Obraz 3">
+          <p:cNvPr id="5" name="Picture 2">
             <a:extLst>
               <a:ext uri="{FF2B5EF4-FFF2-40B4-BE49-F238E27FC236}">
-                <a16:creationId xmlns:a16="http://schemas.microsoft.com/office/drawing/2014/main" id="{254452A8-7EC6-4D0B-87AF-D3B884F1213A}"/>
+                <a16:creationId xmlns:a16="http://schemas.microsoft.com/office/drawing/2014/main" id="{DD01B04B-917C-4BC0-81BA-99FAD2C0A742}"/>
               </a:ext>
             </a:extLst>
           </p:cNvPr>
           <p:cNvPicPr>
-            <a:picLocks noChangeAspect="1"/>
+            <a:picLocks noChangeAspect="1" noChangeArrowheads="1"/>
           </p:cNvPicPr>
           <p:nvPr/>
         </p:nvPicPr>
         <p:blipFill>
-          <a:blip r:embed="rId2"/>
+          <a:blip r:embed="rId2">
+            <a:extLst>
+              <a:ext uri="{28A0092B-C50C-407E-A947-70E740481C1C}">
+                <a14:useLocalDpi xmlns:a14="http://schemas.microsoft.com/office/drawing/2010/main" val="0"/>
+              </a:ext>
+            </a:extLst>
+          </a:blip>
+          <a:srcRect/>
           <a:stretch>
             <a:fillRect/>
           </a:stretch>
         </p:blipFill>
-        <p:spPr>
+        <p:spPr bwMode="auto">
           <a:xfrm>
-            <a:off x="5896790" y="0"/>
-            <a:ext cx="6295210" cy="6858000"/>
+            <a:off x="4498566" y="612742"/>
+            <a:ext cx="7693434" cy="6245258"/>
           </a:xfrm>
           <a:prstGeom prst="rect">
             <a:avLst/>
           </a:prstGeom>
+          <a:noFill/>
+          <a:extLst>
+            <a:ext uri="{909E8E84-426E-40DD-AFC4-6F175D3DCCD1}">
+              <a14:hiddenFill xmlns:a14="http://schemas.microsoft.com/office/drawing/2010/main">
+                <a:solidFill>
+                  <a:srgbClr val="FFFFFF"/>
+                </a:solidFill>
+              </a14:hiddenFill>
+            </a:ext>
+          </a:extLst>
         </p:spPr>
       </p:pic>
     </p:spTree>

--- a/Prezentacja_29.04.pptx
+++ b/Prezentacja_29.04.pptx
@@ -1,9 +1,12 @@
 
 <file path=ppt/presentation.xml><?xml version="1.0" encoding="utf-8"?>
-<p:presentation xmlns:a="http://schemas.openxmlformats.org/drawingml/2006/main" xmlns:r="http://schemas.openxmlformats.org/officeDocument/2006/relationships" xmlns:p="http://schemas.openxmlformats.org/presentationml/2006/main" saveSubsetFonts="1">
+<p:presentation xmlns:a="http://schemas.openxmlformats.org/drawingml/2006/main" xmlns:r="http://schemas.openxmlformats.org/officeDocument/2006/relationships" xmlns:p="http://schemas.openxmlformats.org/presentationml/2006/main" showSpecialPlsOnTitleSld="0" saveSubsetFonts="1">
   <p:sldMasterIdLst>
     <p:sldMasterId id="2147483726" r:id="rId1"/>
   </p:sldMasterIdLst>
+  <p:notesMasterIdLst>
+    <p:notesMasterId r:id="rId34"/>
+  </p:notesMasterIdLst>
   <p:sldIdLst>
     <p:sldId id="256" r:id="rId2"/>
     <p:sldId id="258" r:id="rId3"/>
@@ -5571,6 +5574,355 @@
 </dgm:styleDef>
 </file>
 
+<file path=ppt/notesMasters/notesMaster1.xml><?xml version="1.0" encoding="utf-8"?>
+<p:notesMaster xmlns:a="http://schemas.openxmlformats.org/drawingml/2006/main" xmlns:r="http://schemas.openxmlformats.org/officeDocument/2006/relationships" xmlns:p="http://schemas.openxmlformats.org/presentationml/2006/main">
+  <p:cSld>
+    <p:bg>
+      <p:bgRef idx="1001">
+        <a:schemeClr val="bg1"/>
+      </p:bgRef>
+    </p:bg>
+    <p:spTree>
+      <p:nvGrpSpPr>
+        <p:cNvPr id="1" name=""/>
+        <p:cNvGrpSpPr/>
+        <p:nvPr/>
+      </p:nvGrpSpPr>
+      <p:grpSpPr>
+        <a:xfrm>
+          <a:off x="0" y="0"/>
+          <a:ext cx="0" cy="0"/>
+          <a:chOff x="0" y="0"/>
+          <a:chExt cx="0" cy="0"/>
+        </a:xfrm>
+      </p:grpSpPr>
+      <p:sp>
+        <p:nvSpPr>
+          <p:cNvPr id="2" name="Symbol zastępczy nagłówka 1"/>
+          <p:cNvSpPr>
+            <a:spLocks noGrp="1"/>
+          </p:cNvSpPr>
+          <p:nvPr>
+            <p:ph type="hdr" sz="quarter"/>
+          </p:nvPr>
+        </p:nvSpPr>
+        <p:spPr>
+          <a:xfrm>
+            <a:off x="0" y="0"/>
+            <a:ext cx="2971800" cy="458788"/>
+          </a:xfrm>
+          <a:prstGeom prst="rect">
+            <a:avLst/>
+          </a:prstGeom>
+        </p:spPr>
+        <p:txBody>
+          <a:bodyPr vert="horz" lIns="91440" tIns="45720" rIns="91440" bIns="45720" rtlCol="0"/>
+          <a:lstStyle>
+            <a:lvl1pPr algn="l">
+              <a:defRPr sz="1200"/>
+            </a:lvl1pPr>
+          </a:lstStyle>
+          <a:p>
+            <a:endParaRPr lang="pl-PL"/>
+          </a:p>
+        </p:txBody>
+      </p:sp>
+      <p:sp>
+        <p:nvSpPr>
+          <p:cNvPr id="3" name="Symbol zastępczy daty 2"/>
+          <p:cNvSpPr>
+            <a:spLocks noGrp="1"/>
+          </p:cNvSpPr>
+          <p:nvPr>
+            <p:ph type="dt" idx="1"/>
+          </p:nvPr>
+        </p:nvSpPr>
+        <p:spPr>
+          <a:xfrm>
+            <a:off x="3884613" y="0"/>
+            <a:ext cx="2971800" cy="458788"/>
+          </a:xfrm>
+          <a:prstGeom prst="rect">
+            <a:avLst/>
+          </a:prstGeom>
+        </p:spPr>
+        <p:txBody>
+          <a:bodyPr vert="horz" lIns="91440" tIns="45720" rIns="91440" bIns="45720" rtlCol="0"/>
+          <a:lstStyle>
+            <a:lvl1pPr algn="r">
+              <a:defRPr sz="1200"/>
+            </a:lvl1pPr>
+          </a:lstStyle>
+          <a:p>
+            <a:fld id="{77C7207A-6BEF-41EC-85B3-243D736B3C1C}" type="datetimeFigureOut">
+              <a:rPr lang="pl-PL" smtClean="0"/>
+              <a:t>28-04-2021</a:t>
+            </a:fld>
+            <a:endParaRPr lang="pl-PL"/>
+          </a:p>
+        </p:txBody>
+      </p:sp>
+      <p:sp>
+        <p:nvSpPr>
+          <p:cNvPr id="4" name="Symbol zastępczy obrazu slajdu 3"/>
+          <p:cNvSpPr>
+            <a:spLocks noGrp="1" noRot="1" noChangeAspect="1"/>
+          </p:cNvSpPr>
+          <p:nvPr>
+            <p:ph type="sldImg" idx="2"/>
+          </p:nvPr>
+        </p:nvSpPr>
+        <p:spPr>
+          <a:xfrm>
+            <a:off x="685800" y="1143000"/>
+            <a:ext cx="5486400" cy="3086100"/>
+          </a:xfrm>
+          <a:prstGeom prst="rect">
+            <a:avLst/>
+          </a:prstGeom>
+          <a:noFill/>
+          <a:ln w="12700">
+            <a:solidFill>
+              <a:prstClr val="black"/>
+            </a:solidFill>
+          </a:ln>
+        </p:spPr>
+        <p:txBody>
+          <a:bodyPr vert="horz" lIns="91440" tIns="45720" rIns="91440" bIns="45720" rtlCol="0" anchor="ctr"/>
+          <a:lstStyle/>
+          <a:p>
+            <a:endParaRPr lang="pl-PL"/>
+          </a:p>
+        </p:txBody>
+      </p:sp>
+      <p:sp>
+        <p:nvSpPr>
+          <p:cNvPr id="5" name="Symbol zastępczy notatek 4"/>
+          <p:cNvSpPr>
+            <a:spLocks noGrp="1"/>
+          </p:cNvSpPr>
+          <p:nvPr>
+            <p:ph type="body" sz="quarter" idx="3"/>
+          </p:nvPr>
+        </p:nvSpPr>
+        <p:spPr>
+          <a:xfrm>
+            <a:off x="685800" y="4400550"/>
+            <a:ext cx="5486400" cy="3600450"/>
+          </a:xfrm>
+          <a:prstGeom prst="rect">
+            <a:avLst/>
+          </a:prstGeom>
+        </p:spPr>
+        <p:txBody>
+          <a:bodyPr vert="horz" lIns="91440" tIns="45720" rIns="91440" bIns="45720" rtlCol="0"/>
+          <a:lstStyle/>
+          <a:p>
+            <a:pPr lvl="0"/>
+            <a:r>
+              <a:rPr lang="pl-PL"/>
+              <a:t>Kliknij, aby edytować style wzorca tekstu</a:t>
+            </a:r>
+          </a:p>
+          <a:p>
+            <a:pPr lvl="1"/>
+            <a:r>
+              <a:rPr lang="pl-PL"/>
+              <a:t>Drugi poziom</a:t>
+            </a:r>
+          </a:p>
+          <a:p>
+            <a:pPr lvl="2"/>
+            <a:r>
+              <a:rPr lang="pl-PL"/>
+              <a:t>Trzeci poziom</a:t>
+            </a:r>
+          </a:p>
+          <a:p>
+            <a:pPr lvl="3"/>
+            <a:r>
+              <a:rPr lang="pl-PL"/>
+              <a:t>Czwarty poziom</a:t>
+            </a:r>
+          </a:p>
+          <a:p>
+            <a:pPr lvl="4"/>
+            <a:r>
+              <a:rPr lang="pl-PL"/>
+              <a:t>Piąty poziom</a:t>
+            </a:r>
+          </a:p>
+        </p:txBody>
+      </p:sp>
+      <p:sp>
+        <p:nvSpPr>
+          <p:cNvPr id="6" name="Symbol zastępczy stopki 5"/>
+          <p:cNvSpPr>
+            <a:spLocks noGrp="1"/>
+          </p:cNvSpPr>
+          <p:nvPr>
+            <p:ph type="ftr" sz="quarter" idx="4"/>
+          </p:nvPr>
+        </p:nvSpPr>
+        <p:spPr>
+          <a:xfrm>
+            <a:off x="0" y="8685213"/>
+            <a:ext cx="2971800" cy="458787"/>
+          </a:xfrm>
+          <a:prstGeom prst="rect">
+            <a:avLst/>
+          </a:prstGeom>
+        </p:spPr>
+        <p:txBody>
+          <a:bodyPr vert="horz" lIns="91440" tIns="45720" rIns="91440" bIns="45720" rtlCol="0" anchor="b"/>
+          <a:lstStyle>
+            <a:lvl1pPr algn="l">
+              <a:defRPr sz="1200"/>
+            </a:lvl1pPr>
+          </a:lstStyle>
+          <a:p>
+            <a:endParaRPr lang="pl-PL"/>
+          </a:p>
+        </p:txBody>
+      </p:sp>
+      <p:sp>
+        <p:nvSpPr>
+          <p:cNvPr id="7" name="Symbol zastępczy numeru slajdu 6"/>
+          <p:cNvSpPr>
+            <a:spLocks noGrp="1"/>
+          </p:cNvSpPr>
+          <p:nvPr>
+            <p:ph type="sldNum" sz="quarter" idx="5"/>
+          </p:nvPr>
+        </p:nvSpPr>
+        <p:spPr>
+          <a:xfrm>
+            <a:off x="3884613" y="8685213"/>
+            <a:ext cx="2971800" cy="458787"/>
+          </a:xfrm>
+          <a:prstGeom prst="rect">
+            <a:avLst/>
+          </a:prstGeom>
+        </p:spPr>
+        <p:txBody>
+          <a:bodyPr vert="horz" lIns="91440" tIns="45720" rIns="91440" bIns="45720" rtlCol="0" anchor="b"/>
+          <a:lstStyle>
+            <a:lvl1pPr algn="r">
+              <a:defRPr sz="1200"/>
+            </a:lvl1pPr>
+          </a:lstStyle>
+          <a:p>
+            <a:fld id="{F32D3CED-99AD-4449-9E58-493ADB35E32C}" type="slidenum">
+              <a:rPr lang="pl-PL" smtClean="0"/>
+              <a:t>‹#›</a:t>
+            </a:fld>
+            <a:endParaRPr lang="pl-PL"/>
+          </a:p>
+        </p:txBody>
+      </p:sp>
+    </p:spTree>
+    <p:extLst>
+      <p:ext uri="{BB962C8B-B14F-4D97-AF65-F5344CB8AC3E}">
+        <p14:creationId xmlns:p14="http://schemas.microsoft.com/office/powerpoint/2010/main" val="3190205424"/>
+      </p:ext>
+    </p:extLst>
+  </p:cSld>
+  <p:clrMap bg1="lt1" tx1="dk1" bg2="lt2" tx2="dk2" accent1="accent1" accent2="accent2" accent3="accent3" accent4="accent4" accent5="accent5" accent6="accent6" hlink="hlink" folHlink="folHlink"/>
+  <p:notesStyle>
+    <a:lvl1pPr marL="0" algn="l" defTabSz="914400" rtl="0" eaLnBrk="1" latinLnBrk="0" hangingPunct="1">
+      <a:defRPr sz="1200" kern="1200">
+        <a:solidFill>
+          <a:schemeClr val="tx1"/>
+        </a:solidFill>
+        <a:latin typeface="+mn-lt"/>
+        <a:ea typeface="+mn-ea"/>
+        <a:cs typeface="+mn-cs"/>
+      </a:defRPr>
+    </a:lvl1pPr>
+    <a:lvl2pPr marL="457200" algn="l" defTabSz="914400" rtl="0" eaLnBrk="1" latinLnBrk="0" hangingPunct="1">
+      <a:defRPr sz="1200" kern="1200">
+        <a:solidFill>
+          <a:schemeClr val="tx1"/>
+        </a:solidFill>
+        <a:latin typeface="+mn-lt"/>
+        <a:ea typeface="+mn-ea"/>
+        <a:cs typeface="+mn-cs"/>
+      </a:defRPr>
+    </a:lvl2pPr>
+    <a:lvl3pPr marL="914400" algn="l" defTabSz="914400" rtl="0" eaLnBrk="1" latinLnBrk="0" hangingPunct="1">
+      <a:defRPr sz="1200" kern="1200">
+        <a:solidFill>
+          <a:schemeClr val="tx1"/>
+        </a:solidFill>
+        <a:latin typeface="+mn-lt"/>
+        <a:ea typeface="+mn-ea"/>
+        <a:cs typeface="+mn-cs"/>
+      </a:defRPr>
+    </a:lvl3pPr>
+    <a:lvl4pPr marL="1371600" algn="l" defTabSz="914400" rtl="0" eaLnBrk="1" latinLnBrk="0" hangingPunct="1">
+      <a:defRPr sz="1200" kern="1200">
+        <a:solidFill>
+          <a:schemeClr val="tx1"/>
+        </a:solidFill>
+        <a:latin typeface="+mn-lt"/>
+        <a:ea typeface="+mn-ea"/>
+        <a:cs typeface="+mn-cs"/>
+      </a:defRPr>
+    </a:lvl4pPr>
+    <a:lvl5pPr marL="1828800" algn="l" defTabSz="914400" rtl="0" eaLnBrk="1" latinLnBrk="0" hangingPunct="1">
+      <a:defRPr sz="1200" kern="1200">
+        <a:solidFill>
+          <a:schemeClr val="tx1"/>
+        </a:solidFill>
+        <a:latin typeface="+mn-lt"/>
+        <a:ea typeface="+mn-ea"/>
+        <a:cs typeface="+mn-cs"/>
+      </a:defRPr>
+    </a:lvl5pPr>
+    <a:lvl6pPr marL="2286000" algn="l" defTabSz="914400" rtl="0" eaLnBrk="1" latinLnBrk="0" hangingPunct="1">
+      <a:defRPr sz="1200" kern="1200">
+        <a:solidFill>
+          <a:schemeClr val="tx1"/>
+        </a:solidFill>
+        <a:latin typeface="+mn-lt"/>
+        <a:ea typeface="+mn-ea"/>
+        <a:cs typeface="+mn-cs"/>
+      </a:defRPr>
+    </a:lvl6pPr>
+    <a:lvl7pPr marL="2743200" algn="l" defTabSz="914400" rtl="0" eaLnBrk="1" latinLnBrk="0" hangingPunct="1">
+      <a:defRPr sz="1200" kern="1200">
+        <a:solidFill>
+          <a:schemeClr val="tx1"/>
+        </a:solidFill>
+        <a:latin typeface="+mn-lt"/>
+        <a:ea typeface="+mn-ea"/>
+        <a:cs typeface="+mn-cs"/>
+      </a:defRPr>
+    </a:lvl7pPr>
+    <a:lvl8pPr marL="3200400" algn="l" defTabSz="914400" rtl="0" eaLnBrk="1" latinLnBrk="0" hangingPunct="1">
+      <a:defRPr sz="1200" kern="1200">
+        <a:solidFill>
+          <a:schemeClr val="tx1"/>
+        </a:solidFill>
+        <a:latin typeface="+mn-lt"/>
+        <a:ea typeface="+mn-ea"/>
+        <a:cs typeface="+mn-cs"/>
+      </a:defRPr>
+    </a:lvl8pPr>
+    <a:lvl9pPr marL="3657600" algn="l" defTabSz="914400" rtl="0" eaLnBrk="1" latinLnBrk="0" hangingPunct="1">
+      <a:defRPr sz="1200" kern="1200">
+        <a:solidFill>
+          <a:schemeClr val="tx1"/>
+        </a:solidFill>
+        <a:latin typeface="+mn-lt"/>
+        <a:ea typeface="+mn-ea"/>
+        <a:cs typeface="+mn-cs"/>
+      </a:defRPr>
+    </a:lvl9pPr>
+  </p:notesStyle>
+</p:notesMaster>
+</file>
+
 <file path=ppt/slideLayouts/slideLayout1.xml><?xml version="1.0" encoding="utf-8"?>
 <p:sldLayout xmlns:a="http://schemas.openxmlformats.org/drawingml/2006/main" xmlns:r="http://schemas.openxmlformats.org/officeDocument/2006/relationships" xmlns:p="http://schemas.openxmlformats.org/presentationml/2006/main" type="title" preserve="1">
   <p:cSld name="Slajd tytułowy">
@@ -5843,7 +6195,7 @@
           <a:bodyPr/>
           <a:lstStyle/>
           <a:p>
-            <a:fld id="{844F4C65-81A9-4BCE-8E42-0A35E075B4F9}" type="datetimeFigureOut">
+            <a:fld id="{906E2E1F-15FB-4A85-A0E2-DD17BB6BDEE2}" type="datetime1">
               <a:rPr lang="pl-PL" smtClean="0"/>
               <a:t>28-04-2021</a:t>
             </a:fld>
@@ -6257,7 +6609,7 @@
           <a:bodyPr/>
           <a:lstStyle/>
           <a:p>
-            <a:fld id="{844F4C65-81A9-4BCE-8E42-0A35E075B4F9}" type="datetimeFigureOut">
+            <a:fld id="{04BF9A06-73F2-4084-A96B-CDBA4804ABA9}" type="datetime1">
               <a:rPr lang="pl-PL" smtClean="0"/>
               <a:t>28-04-2021</a:t>
             </a:fld>
@@ -6593,7 +6945,7 @@
           <a:bodyPr/>
           <a:lstStyle/>
           <a:p>
-            <a:fld id="{844F4C65-81A9-4BCE-8E42-0A35E075B4F9}" type="datetimeFigureOut">
+            <a:fld id="{94657371-091B-4329-9E46-EE3FD16C2124}" type="datetime1">
               <a:rPr lang="pl-PL" smtClean="0"/>
               <a:t>28-04-2021</a:t>
             </a:fld>
@@ -6998,7 +7350,7 @@
           <a:bodyPr/>
           <a:lstStyle/>
           <a:p>
-            <a:fld id="{844F4C65-81A9-4BCE-8E42-0A35E075B4F9}" type="datetimeFigureOut">
+            <a:fld id="{2EEBA26D-7DBA-4D05-BE08-49D6D89E11A6}" type="datetime1">
               <a:rPr lang="pl-PL" smtClean="0"/>
               <a:t>28-04-2021</a:t>
             </a:fld>
@@ -7566,7 +7918,7 @@
           <a:bodyPr/>
           <a:lstStyle/>
           <a:p>
-            <a:fld id="{844F4C65-81A9-4BCE-8E42-0A35E075B4F9}" type="datetimeFigureOut">
+            <a:fld id="{7DA14E7E-32E5-4B7E-9FBF-59259785A34C}" type="datetime1">
               <a:rPr lang="pl-PL" smtClean="0"/>
               <a:t>28-04-2021</a:t>
             </a:fld>
@@ -8247,7 +8599,7 @@
           <a:bodyPr/>
           <a:lstStyle/>
           <a:p>
-            <a:fld id="{844F4C65-81A9-4BCE-8E42-0A35E075B4F9}" type="datetimeFigureOut">
+            <a:fld id="{DC6D9029-CF85-4195-89A6-D4D813FE0520}" type="datetime1">
               <a:rPr lang="pl-PL" smtClean="0"/>
               <a:t>28-04-2021</a:t>
             </a:fld>
@@ -9160,7 +9512,7 @@
           <a:bodyPr/>
           <a:lstStyle/>
           <a:p>
-            <a:fld id="{844F4C65-81A9-4BCE-8E42-0A35E075B4F9}" type="datetimeFigureOut">
+            <a:fld id="{ABBD1CC0-C232-4B06-9DC1-160FE11F4035}" type="datetime1">
               <a:rPr lang="pl-PL" smtClean="0"/>
               <a:t>28-04-2021</a:t>
             </a:fld>
@@ -9473,7 +9825,7 @@
           <a:bodyPr/>
           <a:lstStyle/>
           <a:p>
-            <a:fld id="{844F4C65-81A9-4BCE-8E42-0A35E075B4F9}" type="datetimeFigureOut">
+            <a:fld id="{81E484B1-DFFE-4276-B192-1B9A6DF5EC0E}" type="datetime1">
               <a:rPr lang="pl-PL" smtClean="0"/>
               <a:t>28-04-2021</a:t>
             </a:fld>
@@ -9737,7 +10089,7 @@
           <a:bodyPr/>
           <a:lstStyle/>
           <a:p>
-            <a:fld id="{844F4C65-81A9-4BCE-8E42-0A35E075B4F9}" type="datetimeFigureOut">
+            <a:fld id="{33BAEE17-A6F7-44BA-9EC0-76AF5746B1EC}" type="datetime1">
               <a:rPr lang="pl-PL" smtClean="0"/>
               <a:t>28-04-2021</a:t>
             </a:fld>
@@ -10060,7 +10412,7 @@
           <a:bodyPr/>
           <a:lstStyle/>
           <a:p>
-            <a:fld id="{844F4C65-81A9-4BCE-8E42-0A35E075B4F9}" type="datetimeFigureOut">
+            <a:fld id="{00EA0D49-4272-43DC-939C-32B7EDDCEC36}" type="datetime1">
               <a:rPr lang="pl-PL" smtClean="0"/>
               <a:t>28-04-2021</a:t>
             </a:fld>
@@ -10449,7 +10801,7 @@
           <a:bodyPr/>
           <a:lstStyle/>
           <a:p>
-            <a:fld id="{844F4C65-81A9-4BCE-8E42-0A35E075B4F9}" type="datetimeFigureOut">
+            <a:fld id="{656722D7-39BE-489F-9F01-09A9E3FDDD2F}" type="datetime1">
               <a:rPr lang="pl-PL" smtClean="0"/>
               <a:t>28-04-2021</a:t>
             </a:fld>
@@ -10825,7 +11177,7 @@
           <a:bodyPr/>
           <a:lstStyle/>
           <a:p>
-            <a:fld id="{844F4C65-81A9-4BCE-8E42-0A35E075B4F9}" type="datetimeFigureOut">
+            <a:fld id="{F5CF2885-881F-4D9E-AF34-74178AC3655B}" type="datetime1">
               <a:rPr lang="pl-PL" smtClean="0"/>
               <a:t>28-04-2021</a:t>
             </a:fld>
@@ -11331,7 +11683,7 @@
           <a:bodyPr/>
           <a:lstStyle/>
           <a:p>
-            <a:fld id="{844F4C65-81A9-4BCE-8E42-0A35E075B4F9}" type="datetimeFigureOut">
+            <a:fld id="{FB3149CE-D561-44B8-8BBE-5242EF0871FB}" type="datetime1">
               <a:rPr lang="pl-PL" smtClean="0"/>
               <a:t>28-04-2021</a:t>
             </a:fld>
@@ -11588,7 +11940,7 @@
           <a:bodyPr/>
           <a:lstStyle/>
           <a:p>
-            <a:fld id="{844F4C65-81A9-4BCE-8E42-0A35E075B4F9}" type="datetimeFigureOut">
+            <a:fld id="{0E1B7B2A-DE0F-42E2-A5FB-41E57F01A0B7}" type="datetime1">
               <a:rPr lang="pl-PL" smtClean="0"/>
               <a:t>28-04-2021</a:t>
             </a:fld>
@@ -11751,7 +12103,7 @@
           <a:bodyPr/>
           <a:lstStyle/>
           <a:p>
-            <a:fld id="{844F4C65-81A9-4BCE-8E42-0A35E075B4F9}" type="datetimeFigureOut">
+            <a:fld id="{20E46B1F-0039-4D18-A22A-3894F85ECBDD}" type="datetime1">
               <a:rPr lang="pl-PL" smtClean="0"/>
               <a:t>28-04-2021</a:t>
             </a:fld>
@@ -12141,7 +12493,7 @@
           <a:bodyPr/>
           <a:lstStyle/>
           <a:p>
-            <a:fld id="{844F4C65-81A9-4BCE-8E42-0A35E075B4F9}" type="datetimeFigureOut">
+            <a:fld id="{6D85D433-2300-4442-89E4-6FA629B02900}" type="datetime1">
               <a:rPr lang="pl-PL" smtClean="0"/>
               <a:t>28-04-2021</a:t>
             </a:fld>
@@ -12550,7 +12902,7 @@
           <a:bodyPr/>
           <a:lstStyle/>
           <a:p>
-            <a:fld id="{844F4C65-81A9-4BCE-8E42-0A35E075B4F9}" type="datetimeFigureOut">
+            <a:fld id="{B17B109A-54FF-4910-950B-A924814B2F81}" type="datetime1">
               <a:rPr lang="pl-PL" smtClean="0"/>
               <a:t>28-04-2021</a:t>
             </a:fld>
@@ -12794,7 +13146,7 @@
             </a:lvl1pPr>
           </a:lstStyle>
           <a:p>
-            <a:fld id="{844F4C65-81A9-4BCE-8E42-0A35E075B4F9}" type="datetimeFigureOut">
+            <a:fld id="{9ADAB105-627B-4324-A3EB-EA360819ED9B}" type="datetime1">
               <a:rPr lang="pl-PL" smtClean="0"/>
               <a:t>28-04-2021</a:t>
             </a:fld>
@@ -12907,6 +13259,7 @@
     <p:sldLayoutId id="2147483742" r:id="rId16"/>
     <p:sldLayoutId id="2147483743" r:id="rId17"/>
   </p:sldLayoutIdLst>
+  <p:hf hdr="0" ftr="0" dt="0"/>
   <p:txStyles>
     <p:titleStyle>
       <a:lvl1pPr algn="l" defTabSz="914400" rtl="0" eaLnBrk="1" latinLnBrk="0" hangingPunct="1">
@@ -13571,6 +13924,35 @@
           </a:graphicData>
         </a:graphic>
       </p:graphicFrame>
+      <p:sp>
+        <p:nvSpPr>
+          <p:cNvPr id="3" name="Symbol zastępczy numeru slajdu 2">
+            <a:extLst>
+              <a:ext uri="{FF2B5EF4-FFF2-40B4-BE49-F238E27FC236}">
+                <a16:creationId xmlns:a16="http://schemas.microsoft.com/office/drawing/2014/main" id="{8C763D9C-54D5-464D-BAC9-79350394A979}"/>
+              </a:ext>
+            </a:extLst>
+          </p:cNvPr>
+          <p:cNvSpPr>
+            <a:spLocks noGrp="1"/>
+          </p:cNvSpPr>
+          <p:nvPr>
+            <p:ph type="sldNum" sz="quarter" idx="12"/>
+          </p:nvPr>
+        </p:nvSpPr>
+        <p:spPr/>
+        <p:txBody>
+          <a:bodyPr/>
+          <a:lstStyle/>
+          <a:p>
+            <a:fld id="{73EBA5C1-EA0D-4D38-B474-3131B775EA3E}" type="slidenum">
+              <a:rPr lang="pl-PL" smtClean="0"/>
+              <a:t>10</a:t>
+            </a:fld>
+            <a:endParaRPr lang="pl-PL"/>
+          </a:p>
+        </p:txBody>
+      </p:sp>
     </p:spTree>
     <p:extLst>
       <p:ext uri="{BB962C8B-B14F-4D97-AF65-F5344CB8AC3E}">
@@ -13666,6 +14048,35 @@
               <a:rPr lang="pl-PL" dirty="0"/>
               <a:t>Dodanie odniesienia w jaki sposób jest prowadzone serwisowanie</a:t>
             </a:r>
+          </a:p>
+        </p:txBody>
+      </p:sp>
+      <p:sp>
+        <p:nvSpPr>
+          <p:cNvPr id="4" name="Symbol zastępczy numeru slajdu 3">
+            <a:extLst>
+              <a:ext uri="{FF2B5EF4-FFF2-40B4-BE49-F238E27FC236}">
+                <a16:creationId xmlns:a16="http://schemas.microsoft.com/office/drawing/2014/main" id="{5247EC12-22CF-42D5-B413-D4BFB5A256F7}"/>
+              </a:ext>
+            </a:extLst>
+          </p:cNvPr>
+          <p:cNvSpPr>
+            <a:spLocks noGrp="1"/>
+          </p:cNvSpPr>
+          <p:nvPr>
+            <p:ph type="sldNum" sz="quarter" idx="12"/>
+          </p:nvPr>
+        </p:nvSpPr>
+        <p:spPr/>
+        <p:txBody>
+          <a:bodyPr/>
+          <a:lstStyle/>
+          <a:p>
+            <a:fld id="{73EBA5C1-EA0D-4D38-B474-3131B775EA3E}" type="slidenum">
+              <a:rPr lang="pl-PL" smtClean="0"/>
+              <a:t>11</a:t>
+            </a:fld>
+            <a:endParaRPr lang="pl-PL"/>
           </a:p>
         </p:txBody>
       </p:sp>
@@ -13755,6 +14166,35 @@
               <a:rPr lang="pl-PL"/>
               <a:t>Wybór drukarek dokonywany jest na podstawie specyfikacji technicznej drukarki 3D, założono, że drukarki będą pochodziły od 3 różnych producentów. Znacznie zmniejszy to prawdopodobieństwo wystąpienia usterek związanych z ich eksploatacją w tym samym momencie. Spowoduje to także zwiększenie możliwości produkcyjnych ze względu na różne parametry oraz dokładności wykonania.</a:t>
             </a:r>
+          </a:p>
+        </p:txBody>
+      </p:sp>
+      <p:sp>
+        <p:nvSpPr>
+          <p:cNvPr id="4" name="Symbol zastępczy numeru slajdu 3">
+            <a:extLst>
+              <a:ext uri="{FF2B5EF4-FFF2-40B4-BE49-F238E27FC236}">
+                <a16:creationId xmlns:a16="http://schemas.microsoft.com/office/drawing/2014/main" id="{9B29F278-DF45-4ADF-91B5-4C9F8E96A390}"/>
+              </a:ext>
+            </a:extLst>
+          </p:cNvPr>
+          <p:cNvSpPr>
+            <a:spLocks noGrp="1"/>
+          </p:cNvSpPr>
+          <p:nvPr>
+            <p:ph type="sldNum" sz="quarter" idx="12"/>
+          </p:nvPr>
+        </p:nvSpPr>
+        <p:spPr/>
+        <p:txBody>
+          <a:bodyPr/>
+          <a:lstStyle/>
+          <a:p>
+            <a:fld id="{73EBA5C1-EA0D-4D38-B474-3131B775EA3E}" type="slidenum">
+              <a:rPr lang="pl-PL" smtClean="0"/>
+              <a:t>12</a:t>
+            </a:fld>
+            <a:endParaRPr lang="pl-PL"/>
           </a:p>
         </p:txBody>
       </p:sp>
@@ -15208,6 +15648,35 @@
           </a:p>
         </p:txBody>
       </p:sp>
+      <p:sp>
+        <p:nvSpPr>
+          <p:cNvPr id="2" name="Symbol zastępczy numeru slajdu 1">
+            <a:extLst>
+              <a:ext uri="{FF2B5EF4-FFF2-40B4-BE49-F238E27FC236}">
+                <a16:creationId xmlns:a16="http://schemas.microsoft.com/office/drawing/2014/main" id="{C9177F07-5235-4A2C-8DBF-7B0FFB93482A}"/>
+              </a:ext>
+            </a:extLst>
+          </p:cNvPr>
+          <p:cNvSpPr>
+            <a:spLocks noGrp="1"/>
+          </p:cNvSpPr>
+          <p:nvPr>
+            <p:ph type="sldNum" sz="quarter" idx="12"/>
+          </p:nvPr>
+        </p:nvSpPr>
+        <p:spPr/>
+        <p:txBody>
+          <a:bodyPr/>
+          <a:lstStyle/>
+          <a:p>
+            <a:fld id="{73EBA5C1-EA0D-4D38-B474-3131B775EA3E}" type="slidenum">
+              <a:rPr lang="pl-PL" smtClean="0"/>
+              <a:t>13</a:t>
+            </a:fld>
+            <a:endParaRPr lang="pl-PL"/>
+          </a:p>
+        </p:txBody>
+      </p:sp>
     </p:spTree>
     <p:extLst>
       <p:ext uri="{BB962C8B-B14F-4D97-AF65-F5344CB8AC3E}">
@@ -15661,6 +16130,35 @@
           </a:prstGeom>
         </p:spPr>
       </p:pic>
+      <p:sp>
+        <p:nvSpPr>
+          <p:cNvPr id="3" name="Symbol zastępczy numeru slajdu 2">
+            <a:extLst>
+              <a:ext uri="{FF2B5EF4-FFF2-40B4-BE49-F238E27FC236}">
+                <a16:creationId xmlns:a16="http://schemas.microsoft.com/office/drawing/2014/main" id="{9CB29960-B054-4CDD-A58C-0192AA2EB813}"/>
+              </a:ext>
+            </a:extLst>
+          </p:cNvPr>
+          <p:cNvSpPr>
+            <a:spLocks noGrp="1"/>
+          </p:cNvSpPr>
+          <p:nvPr>
+            <p:ph type="sldNum" sz="quarter" idx="12"/>
+          </p:nvPr>
+        </p:nvSpPr>
+        <p:spPr/>
+        <p:txBody>
+          <a:bodyPr/>
+          <a:lstStyle/>
+          <a:p>
+            <a:fld id="{73EBA5C1-EA0D-4D38-B474-3131B775EA3E}" type="slidenum">
+              <a:rPr lang="pl-PL" smtClean="0"/>
+              <a:t>14</a:t>
+            </a:fld>
+            <a:endParaRPr lang="pl-PL"/>
+          </a:p>
+        </p:txBody>
+      </p:sp>
     </p:spTree>
     <p:extLst>
       <p:ext uri="{BB962C8B-B14F-4D97-AF65-F5344CB8AC3E}">
@@ -16235,6 +16733,35 @@
           </a:prstGeom>
         </p:spPr>
       </p:pic>
+      <p:sp>
+        <p:nvSpPr>
+          <p:cNvPr id="3" name="Symbol zastępczy numeru slajdu 2">
+            <a:extLst>
+              <a:ext uri="{FF2B5EF4-FFF2-40B4-BE49-F238E27FC236}">
+                <a16:creationId xmlns:a16="http://schemas.microsoft.com/office/drawing/2014/main" id="{94BDA4CD-8E0F-4029-9F4D-B5ACBDA044FA}"/>
+              </a:ext>
+            </a:extLst>
+          </p:cNvPr>
+          <p:cNvSpPr>
+            <a:spLocks noGrp="1"/>
+          </p:cNvSpPr>
+          <p:nvPr>
+            <p:ph type="sldNum" sz="quarter" idx="12"/>
+          </p:nvPr>
+        </p:nvSpPr>
+        <p:spPr/>
+        <p:txBody>
+          <a:bodyPr/>
+          <a:lstStyle/>
+          <a:p>
+            <a:fld id="{73EBA5C1-EA0D-4D38-B474-3131B775EA3E}" type="slidenum">
+              <a:rPr lang="pl-PL" smtClean="0"/>
+              <a:t>15</a:t>
+            </a:fld>
+            <a:endParaRPr lang="pl-PL"/>
+          </a:p>
+        </p:txBody>
+      </p:sp>
     </p:spTree>
     <p:extLst>
       <p:ext uri="{BB962C8B-B14F-4D97-AF65-F5344CB8AC3E}">
@@ -16724,6 +17251,35 @@
           </a:prstGeom>
         </p:spPr>
       </p:pic>
+      <p:sp>
+        <p:nvSpPr>
+          <p:cNvPr id="3" name="Symbol zastępczy numeru slajdu 2">
+            <a:extLst>
+              <a:ext uri="{FF2B5EF4-FFF2-40B4-BE49-F238E27FC236}">
+                <a16:creationId xmlns:a16="http://schemas.microsoft.com/office/drawing/2014/main" id="{674D7E57-42EA-49CA-A3EF-92CF6922D270}"/>
+              </a:ext>
+            </a:extLst>
+          </p:cNvPr>
+          <p:cNvSpPr>
+            <a:spLocks noGrp="1"/>
+          </p:cNvSpPr>
+          <p:nvPr>
+            <p:ph type="sldNum" sz="quarter" idx="12"/>
+          </p:nvPr>
+        </p:nvSpPr>
+        <p:spPr/>
+        <p:txBody>
+          <a:bodyPr/>
+          <a:lstStyle/>
+          <a:p>
+            <a:fld id="{73EBA5C1-EA0D-4D38-B474-3131B775EA3E}" type="slidenum">
+              <a:rPr lang="pl-PL" smtClean="0"/>
+              <a:t>16</a:t>
+            </a:fld>
+            <a:endParaRPr lang="pl-PL"/>
+          </a:p>
+        </p:txBody>
+      </p:sp>
     </p:spTree>
     <p:extLst>
       <p:ext uri="{BB962C8B-B14F-4D97-AF65-F5344CB8AC3E}">
@@ -19984,6 +20540,35 @@
           </p:txBody>
         </p:sp>
       </p:grpSp>
+      <p:sp>
+        <p:nvSpPr>
+          <p:cNvPr id="15" name="Symbol zastępczy numeru slajdu 14">
+            <a:extLst>
+              <a:ext uri="{FF2B5EF4-FFF2-40B4-BE49-F238E27FC236}">
+                <a16:creationId xmlns:a16="http://schemas.microsoft.com/office/drawing/2014/main" id="{A6B64C63-D560-4398-85F7-EA040D05173C}"/>
+              </a:ext>
+            </a:extLst>
+          </p:cNvPr>
+          <p:cNvSpPr>
+            <a:spLocks noGrp="1"/>
+          </p:cNvSpPr>
+          <p:nvPr>
+            <p:ph type="sldNum" sz="quarter" idx="12"/>
+          </p:nvPr>
+        </p:nvSpPr>
+        <p:spPr/>
+        <p:txBody>
+          <a:bodyPr/>
+          <a:lstStyle/>
+          <a:p>
+            <a:fld id="{73EBA5C1-EA0D-4D38-B474-3131B775EA3E}" type="slidenum">
+              <a:rPr lang="pl-PL" smtClean="0"/>
+              <a:t>17</a:t>
+            </a:fld>
+            <a:endParaRPr lang="pl-PL"/>
+          </a:p>
+        </p:txBody>
+      </p:sp>
     </p:spTree>
     <p:extLst>
       <p:ext uri="{BB962C8B-B14F-4D97-AF65-F5344CB8AC3E}">
@@ -20154,6 +20739,35 @@
           </a:p>
         </p:txBody>
       </p:sp>
+      <p:sp>
+        <p:nvSpPr>
+          <p:cNvPr id="4" name="Symbol zastępczy numeru slajdu 3">
+            <a:extLst>
+              <a:ext uri="{FF2B5EF4-FFF2-40B4-BE49-F238E27FC236}">
+                <a16:creationId xmlns:a16="http://schemas.microsoft.com/office/drawing/2014/main" id="{B41A1BD0-BC74-4D15-8223-67C73F7E7205}"/>
+              </a:ext>
+            </a:extLst>
+          </p:cNvPr>
+          <p:cNvSpPr>
+            <a:spLocks noGrp="1"/>
+          </p:cNvSpPr>
+          <p:nvPr>
+            <p:ph type="sldNum" sz="quarter" idx="12"/>
+          </p:nvPr>
+        </p:nvSpPr>
+        <p:spPr/>
+        <p:txBody>
+          <a:bodyPr/>
+          <a:lstStyle/>
+          <a:p>
+            <a:fld id="{73EBA5C1-EA0D-4D38-B474-3131B775EA3E}" type="slidenum">
+              <a:rPr lang="pl-PL" smtClean="0"/>
+              <a:t>18</a:t>
+            </a:fld>
+            <a:endParaRPr lang="pl-PL"/>
+          </a:p>
+        </p:txBody>
+      </p:sp>
     </p:spTree>
     <p:extLst>
       <p:ext uri="{BB962C8B-B14F-4D97-AF65-F5344CB8AC3E}">
@@ -20257,6 +20871,35 @@
             </a:r>
           </a:p>
           <a:p>
+            <a:endParaRPr lang="pl-PL"/>
+          </a:p>
+        </p:txBody>
+      </p:sp>
+      <p:sp>
+        <p:nvSpPr>
+          <p:cNvPr id="4" name="Symbol zastępczy numeru slajdu 3">
+            <a:extLst>
+              <a:ext uri="{FF2B5EF4-FFF2-40B4-BE49-F238E27FC236}">
+                <a16:creationId xmlns:a16="http://schemas.microsoft.com/office/drawing/2014/main" id="{14236B15-6776-43FA-AF69-C6412FF03696}"/>
+              </a:ext>
+            </a:extLst>
+          </p:cNvPr>
+          <p:cNvSpPr>
+            <a:spLocks noGrp="1"/>
+          </p:cNvSpPr>
+          <p:nvPr>
+            <p:ph type="sldNum" sz="quarter" idx="12"/>
+          </p:nvPr>
+        </p:nvSpPr>
+        <p:spPr/>
+        <p:txBody>
+          <a:bodyPr/>
+          <a:lstStyle/>
+          <a:p>
+            <a:fld id="{73EBA5C1-EA0D-4D38-B474-3131B775EA3E}" type="slidenum">
+              <a:rPr lang="pl-PL" smtClean="0"/>
+              <a:t>19</a:t>
+            </a:fld>
             <a:endParaRPr lang="pl-PL"/>
           </a:p>
         </p:txBody>
@@ -20370,6 +21013,35 @@
               <a:rPr lang="pl-PL" sz="2800" dirty="0"/>
               <a:t>Rodzaj przedsiębiorstwa, model biznesowy</a:t>
             </a:r>
+          </a:p>
+        </p:txBody>
+      </p:sp>
+      <p:sp>
+        <p:nvSpPr>
+          <p:cNvPr id="4" name="Symbol zastępczy numeru slajdu 3">
+            <a:extLst>
+              <a:ext uri="{FF2B5EF4-FFF2-40B4-BE49-F238E27FC236}">
+                <a16:creationId xmlns:a16="http://schemas.microsoft.com/office/drawing/2014/main" id="{71B7EC5F-3A4F-420A-871E-FD88567599DB}"/>
+              </a:ext>
+            </a:extLst>
+          </p:cNvPr>
+          <p:cNvSpPr>
+            <a:spLocks noGrp="1"/>
+          </p:cNvSpPr>
+          <p:nvPr>
+            <p:ph type="sldNum" sz="quarter" idx="12"/>
+          </p:nvPr>
+        </p:nvSpPr>
+        <p:spPr/>
+        <p:txBody>
+          <a:bodyPr/>
+          <a:lstStyle/>
+          <a:p>
+            <a:fld id="{73EBA5C1-EA0D-4D38-B474-3131B775EA3E}" type="slidenum">
+              <a:rPr lang="pl-PL" smtClean="0"/>
+              <a:t>2</a:t>
+            </a:fld>
+            <a:endParaRPr lang="pl-PL"/>
           </a:p>
         </p:txBody>
       </p:sp>
@@ -20611,6 +21283,35 @@
           </a:prstGeom>
         </p:spPr>
       </p:pic>
+      <p:sp>
+        <p:nvSpPr>
+          <p:cNvPr id="4" name="Symbol zastępczy numeru slajdu 3">
+            <a:extLst>
+              <a:ext uri="{FF2B5EF4-FFF2-40B4-BE49-F238E27FC236}">
+                <a16:creationId xmlns:a16="http://schemas.microsoft.com/office/drawing/2014/main" id="{1563E65D-130E-498C-A631-7AA7E34875E8}"/>
+              </a:ext>
+            </a:extLst>
+          </p:cNvPr>
+          <p:cNvSpPr>
+            <a:spLocks noGrp="1"/>
+          </p:cNvSpPr>
+          <p:nvPr>
+            <p:ph type="sldNum" sz="quarter" idx="12"/>
+          </p:nvPr>
+        </p:nvSpPr>
+        <p:spPr/>
+        <p:txBody>
+          <a:bodyPr/>
+          <a:lstStyle/>
+          <a:p>
+            <a:fld id="{73EBA5C1-EA0D-4D38-B474-3131B775EA3E}" type="slidenum">
+              <a:rPr lang="pl-PL" smtClean="0"/>
+              <a:t>20</a:t>
+            </a:fld>
+            <a:endParaRPr lang="pl-PL"/>
+          </a:p>
+        </p:txBody>
+      </p:sp>
     </p:spTree>
     <p:extLst>
       <p:ext uri="{BB962C8B-B14F-4D97-AF65-F5344CB8AC3E}">
@@ -20740,6 +21441,35 @@
               <a:rPr lang="pl-PL" dirty="0"/>
               <a:t>Niepotrzebne</a:t>
             </a:r>
+          </a:p>
+        </p:txBody>
+      </p:sp>
+      <p:sp>
+        <p:nvSpPr>
+          <p:cNvPr id="4" name="Symbol zastępczy numeru slajdu 3">
+            <a:extLst>
+              <a:ext uri="{FF2B5EF4-FFF2-40B4-BE49-F238E27FC236}">
+                <a16:creationId xmlns:a16="http://schemas.microsoft.com/office/drawing/2014/main" id="{F907E672-5836-4D0C-A536-DAFC918F59C6}"/>
+              </a:ext>
+            </a:extLst>
+          </p:cNvPr>
+          <p:cNvSpPr>
+            <a:spLocks noGrp="1"/>
+          </p:cNvSpPr>
+          <p:nvPr>
+            <p:ph type="sldNum" sz="quarter" idx="12"/>
+          </p:nvPr>
+        </p:nvSpPr>
+        <p:spPr/>
+        <p:txBody>
+          <a:bodyPr/>
+          <a:lstStyle/>
+          <a:p>
+            <a:fld id="{73EBA5C1-EA0D-4D38-B474-3131B775EA3E}" type="slidenum">
+              <a:rPr lang="pl-PL" smtClean="0"/>
+              <a:t>21</a:t>
+            </a:fld>
+            <a:endParaRPr lang="pl-PL"/>
           </a:p>
         </p:txBody>
       </p:sp>
@@ -20872,6 +21602,35 @@
           </a:prstGeom>
         </p:spPr>
       </p:pic>
+      <p:sp>
+        <p:nvSpPr>
+          <p:cNvPr id="3" name="Symbol zastępczy numeru slajdu 2">
+            <a:extLst>
+              <a:ext uri="{FF2B5EF4-FFF2-40B4-BE49-F238E27FC236}">
+                <a16:creationId xmlns:a16="http://schemas.microsoft.com/office/drawing/2014/main" id="{8C2C7C42-C3C8-4B0F-9B70-6967BEC940F4}"/>
+              </a:ext>
+            </a:extLst>
+          </p:cNvPr>
+          <p:cNvSpPr>
+            <a:spLocks noGrp="1"/>
+          </p:cNvSpPr>
+          <p:nvPr>
+            <p:ph type="sldNum" sz="quarter" idx="12"/>
+          </p:nvPr>
+        </p:nvSpPr>
+        <p:spPr/>
+        <p:txBody>
+          <a:bodyPr/>
+          <a:lstStyle/>
+          <a:p>
+            <a:fld id="{73EBA5C1-EA0D-4D38-B474-3131B775EA3E}" type="slidenum">
+              <a:rPr lang="pl-PL" smtClean="0"/>
+              <a:t>22</a:t>
+            </a:fld>
+            <a:endParaRPr lang="pl-PL"/>
+          </a:p>
+        </p:txBody>
+      </p:sp>
     </p:spTree>
     <p:extLst>
       <p:ext uri="{BB962C8B-B14F-4D97-AF65-F5344CB8AC3E}">
@@ -21060,6 +21819,35 @@
           </a:p>
         </p:txBody>
       </p:sp>
+      <p:sp>
+        <p:nvSpPr>
+          <p:cNvPr id="3" name="Symbol zastępczy numeru slajdu 2">
+            <a:extLst>
+              <a:ext uri="{FF2B5EF4-FFF2-40B4-BE49-F238E27FC236}">
+                <a16:creationId xmlns:a16="http://schemas.microsoft.com/office/drawing/2014/main" id="{B6A6ACAD-FF9C-4C72-AEE1-752968C4CA28}"/>
+              </a:ext>
+            </a:extLst>
+          </p:cNvPr>
+          <p:cNvSpPr>
+            <a:spLocks noGrp="1"/>
+          </p:cNvSpPr>
+          <p:nvPr>
+            <p:ph type="sldNum" sz="quarter" idx="12"/>
+          </p:nvPr>
+        </p:nvSpPr>
+        <p:spPr/>
+        <p:txBody>
+          <a:bodyPr/>
+          <a:lstStyle/>
+          <a:p>
+            <a:fld id="{73EBA5C1-EA0D-4D38-B474-3131B775EA3E}" type="slidenum">
+              <a:rPr lang="pl-PL" smtClean="0"/>
+              <a:t>23</a:t>
+            </a:fld>
+            <a:endParaRPr lang="pl-PL"/>
+          </a:p>
+        </p:txBody>
+      </p:sp>
     </p:spTree>
     <p:extLst>
       <p:ext uri="{BB962C8B-B14F-4D97-AF65-F5344CB8AC3E}">
@@ -21189,6 +21977,35 @@
           </a:prstGeom>
         </p:spPr>
       </p:pic>
+      <p:sp>
+        <p:nvSpPr>
+          <p:cNvPr id="3" name="Symbol zastępczy numeru slajdu 2">
+            <a:extLst>
+              <a:ext uri="{FF2B5EF4-FFF2-40B4-BE49-F238E27FC236}">
+                <a16:creationId xmlns:a16="http://schemas.microsoft.com/office/drawing/2014/main" id="{7485CBDF-47FC-4483-AD93-93C47AAB5FAF}"/>
+              </a:ext>
+            </a:extLst>
+          </p:cNvPr>
+          <p:cNvSpPr>
+            <a:spLocks noGrp="1"/>
+          </p:cNvSpPr>
+          <p:nvPr>
+            <p:ph type="sldNum" sz="quarter" idx="12"/>
+          </p:nvPr>
+        </p:nvSpPr>
+        <p:spPr/>
+        <p:txBody>
+          <a:bodyPr/>
+          <a:lstStyle/>
+          <a:p>
+            <a:fld id="{73EBA5C1-EA0D-4D38-B474-3131B775EA3E}" type="slidenum">
+              <a:rPr lang="pl-PL" smtClean="0"/>
+              <a:t>24</a:t>
+            </a:fld>
+            <a:endParaRPr lang="pl-PL"/>
+          </a:p>
+        </p:txBody>
+      </p:sp>
     </p:spTree>
     <p:extLst>
       <p:ext uri="{BB962C8B-B14F-4D97-AF65-F5344CB8AC3E}">
@@ -21377,6 +22194,35 @@
           </a:p>
         </p:txBody>
       </p:sp>
+      <p:sp>
+        <p:nvSpPr>
+          <p:cNvPr id="3" name="Symbol zastępczy numeru slajdu 2">
+            <a:extLst>
+              <a:ext uri="{FF2B5EF4-FFF2-40B4-BE49-F238E27FC236}">
+                <a16:creationId xmlns:a16="http://schemas.microsoft.com/office/drawing/2014/main" id="{B731BB93-7431-4D42-B6EB-C9A1D6E4B8A2}"/>
+              </a:ext>
+            </a:extLst>
+          </p:cNvPr>
+          <p:cNvSpPr>
+            <a:spLocks noGrp="1"/>
+          </p:cNvSpPr>
+          <p:nvPr>
+            <p:ph type="sldNum" sz="quarter" idx="12"/>
+          </p:nvPr>
+        </p:nvSpPr>
+        <p:spPr/>
+        <p:txBody>
+          <a:bodyPr/>
+          <a:lstStyle/>
+          <a:p>
+            <a:fld id="{73EBA5C1-EA0D-4D38-B474-3131B775EA3E}" type="slidenum">
+              <a:rPr lang="pl-PL" smtClean="0"/>
+              <a:t>25</a:t>
+            </a:fld>
+            <a:endParaRPr lang="pl-PL"/>
+          </a:p>
+        </p:txBody>
+      </p:sp>
     </p:spTree>
     <p:extLst>
       <p:ext uri="{BB962C8B-B14F-4D97-AF65-F5344CB8AC3E}">
@@ -21464,8 +22310,8 @@
         </p:blipFill>
         <p:spPr bwMode="auto">
           <a:xfrm>
-            <a:off x="5026025" y="0"/>
-            <a:ext cx="7165975" cy="6858000"/>
+            <a:off x="4554685" y="612742"/>
+            <a:ext cx="5890214" cy="6245257"/>
           </a:xfrm>
           <a:prstGeom prst="rect">
             <a:avLst/>
@@ -21482,6 +22328,35 @@
           </a:extLst>
         </p:spPr>
       </p:pic>
+      <p:sp>
+        <p:nvSpPr>
+          <p:cNvPr id="3" name="Symbol zastępczy numeru slajdu 2">
+            <a:extLst>
+              <a:ext uri="{FF2B5EF4-FFF2-40B4-BE49-F238E27FC236}">
+                <a16:creationId xmlns:a16="http://schemas.microsoft.com/office/drawing/2014/main" id="{E2E58A61-4D6C-4842-B21E-D1F4E52A61A8}"/>
+              </a:ext>
+            </a:extLst>
+          </p:cNvPr>
+          <p:cNvSpPr>
+            <a:spLocks noGrp="1"/>
+          </p:cNvSpPr>
+          <p:nvPr>
+            <p:ph type="sldNum" sz="quarter" idx="12"/>
+          </p:nvPr>
+        </p:nvSpPr>
+        <p:spPr/>
+        <p:txBody>
+          <a:bodyPr/>
+          <a:lstStyle/>
+          <a:p>
+            <a:fld id="{73EBA5C1-EA0D-4D38-B474-3131B775EA3E}" type="slidenum">
+              <a:rPr lang="pl-PL" smtClean="0"/>
+              <a:t>26</a:t>
+            </a:fld>
+            <a:endParaRPr lang="pl-PL"/>
+          </a:p>
+        </p:txBody>
+      </p:sp>
     </p:spTree>
     <p:extLst>
       <p:ext uri="{BB962C8B-B14F-4D97-AF65-F5344CB8AC3E}">
@@ -21562,7 +22437,7 @@
         </p:blipFill>
         <p:spPr>
           <a:xfrm>
-            <a:off x="7070103" y="0"/>
+            <a:off x="5316717" y="0"/>
             <a:ext cx="5121897" cy="6866165"/>
           </a:xfrm>
           <a:prstGeom prst="rect">
@@ -21570,6 +22445,35 @@
           </a:prstGeom>
         </p:spPr>
       </p:pic>
+      <p:sp>
+        <p:nvSpPr>
+          <p:cNvPr id="3" name="Symbol zastępczy numeru slajdu 2">
+            <a:extLst>
+              <a:ext uri="{FF2B5EF4-FFF2-40B4-BE49-F238E27FC236}">
+                <a16:creationId xmlns:a16="http://schemas.microsoft.com/office/drawing/2014/main" id="{CE7AD045-BE5B-4573-88F7-306DABEE216F}"/>
+              </a:ext>
+            </a:extLst>
+          </p:cNvPr>
+          <p:cNvSpPr>
+            <a:spLocks noGrp="1"/>
+          </p:cNvSpPr>
+          <p:nvPr>
+            <p:ph type="sldNum" sz="quarter" idx="12"/>
+          </p:nvPr>
+        </p:nvSpPr>
+        <p:spPr/>
+        <p:txBody>
+          <a:bodyPr/>
+          <a:lstStyle/>
+          <a:p>
+            <a:fld id="{73EBA5C1-EA0D-4D38-B474-3131B775EA3E}" type="slidenum">
+              <a:rPr lang="pl-PL" smtClean="0"/>
+              <a:t>27</a:t>
+            </a:fld>
+            <a:endParaRPr lang="pl-PL"/>
+          </a:p>
+        </p:txBody>
+      </p:sp>
     </p:spTree>
     <p:extLst>
       <p:ext uri="{BB962C8B-B14F-4D97-AF65-F5344CB8AC3E}">
@@ -21628,51 +22532,63 @@
           </a:p>
         </p:txBody>
       </p:sp>
+      <p:sp>
+        <p:nvSpPr>
+          <p:cNvPr id="3" name="Symbol zastępczy numeru slajdu 2">
+            <a:extLst>
+              <a:ext uri="{FF2B5EF4-FFF2-40B4-BE49-F238E27FC236}">
+                <a16:creationId xmlns:a16="http://schemas.microsoft.com/office/drawing/2014/main" id="{59A3BE92-0BF7-41DD-BDA8-C8E38AD38D2E}"/>
+              </a:ext>
+            </a:extLst>
+          </p:cNvPr>
+          <p:cNvSpPr>
+            <a:spLocks noGrp="1"/>
+          </p:cNvSpPr>
+          <p:nvPr>
+            <p:ph type="sldNum" sz="quarter" idx="12"/>
+          </p:nvPr>
+        </p:nvSpPr>
+        <p:spPr/>
+        <p:txBody>
+          <a:bodyPr/>
+          <a:lstStyle/>
+          <a:p>
+            <a:fld id="{73EBA5C1-EA0D-4D38-B474-3131B775EA3E}" type="slidenum">
+              <a:rPr lang="pl-PL" smtClean="0"/>
+              <a:t>28</a:t>
+            </a:fld>
+            <a:endParaRPr lang="pl-PL"/>
+          </a:p>
+        </p:txBody>
+      </p:sp>
       <p:pic>
         <p:nvPicPr>
-          <p:cNvPr id="4" name="Picture 2">
+          <p:cNvPr id="6" name="Obraz 5">
             <a:extLst>
               <a:ext uri="{FF2B5EF4-FFF2-40B4-BE49-F238E27FC236}">
-                <a16:creationId xmlns:a16="http://schemas.microsoft.com/office/drawing/2014/main" id="{B68C47E7-04EA-46F7-A378-7D099F24DA55}"/>
+                <a16:creationId xmlns:a16="http://schemas.microsoft.com/office/drawing/2014/main" id="{711336D5-D52B-4DA0-83B9-D287D71A4022}"/>
               </a:ext>
             </a:extLst>
           </p:cNvPr>
           <p:cNvPicPr>
-            <a:picLocks noChangeAspect="1" noChangeArrowheads="1"/>
+            <a:picLocks noChangeAspect="1"/>
           </p:cNvPicPr>
           <p:nvPr/>
         </p:nvPicPr>
         <p:blipFill>
-          <a:blip r:embed="rId2">
-            <a:extLst>
-              <a:ext uri="{28A0092B-C50C-407E-A947-70E740481C1C}">
-                <a14:useLocalDpi xmlns:a14="http://schemas.microsoft.com/office/drawing/2010/main" val="0"/>
-              </a:ext>
-            </a:extLst>
-          </a:blip>
-          <a:srcRect/>
+          <a:blip r:embed="rId2"/>
           <a:stretch>
             <a:fillRect/>
           </a:stretch>
         </p:blipFill>
-        <p:spPr bwMode="auto">
+        <p:spPr>
           <a:xfrm>
-            <a:off x="4909595" y="0"/>
-            <a:ext cx="7282405" cy="6858000"/>
+            <a:off x="4230867" y="603315"/>
+            <a:ext cx="6204779" cy="6254685"/>
           </a:xfrm>
           <a:prstGeom prst="rect">
             <a:avLst/>
           </a:prstGeom>
-          <a:noFill/>
-          <a:extLst>
-            <a:ext uri="{909E8E84-426E-40DD-AFC4-6F175D3DCCD1}">
-              <a14:hiddenFill xmlns:a14="http://schemas.microsoft.com/office/drawing/2010/main">
-                <a:solidFill>
-                  <a:srgbClr val="FFFFFF"/>
-                </a:solidFill>
-              </a14:hiddenFill>
-            </a:ext>
-          </a:extLst>
         </p:spPr>
       </p:pic>
     </p:spTree>
@@ -21762,7 +22678,7 @@
         </p:blipFill>
         <p:spPr bwMode="auto">
           <a:xfrm>
-            <a:off x="4498566" y="612742"/>
+            <a:off x="2745181" y="612742"/>
             <a:ext cx="7693434" cy="6245258"/>
           </a:xfrm>
           <a:prstGeom prst="rect">
@@ -21780,6 +22696,35 @@
           </a:extLst>
         </p:spPr>
       </p:pic>
+      <p:sp>
+        <p:nvSpPr>
+          <p:cNvPr id="3" name="Symbol zastępczy numeru slajdu 2">
+            <a:extLst>
+              <a:ext uri="{FF2B5EF4-FFF2-40B4-BE49-F238E27FC236}">
+                <a16:creationId xmlns:a16="http://schemas.microsoft.com/office/drawing/2014/main" id="{EECA07A0-4F22-44BB-935D-0F857413D751}"/>
+              </a:ext>
+            </a:extLst>
+          </p:cNvPr>
+          <p:cNvSpPr>
+            <a:spLocks noGrp="1"/>
+          </p:cNvSpPr>
+          <p:nvPr>
+            <p:ph type="sldNum" sz="quarter" idx="12"/>
+          </p:nvPr>
+        </p:nvSpPr>
+        <p:spPr/>
+        <p:txBody>
+          <a:bodyPr/>
+          <a:lstStyle/>
+          <a:p>
+            <a:fld id="{73EBA5C1-EA0D-4D38-B474-3131B775EA3E}" type="slidenum">
+              <a:rPr lang="pl-PL" smtClean="0"/>
+              <a:t>29</a:t>
+            </a:fld>
+            <a:endParaRPr lang="pl-PL"/>
+          </a:p>
+        </p:txBody>
+      </p:sp>
     </p:spTree>
     <p:extLst>
       <p:ext uri="{BB962C8B-B14F-4D97-AF65-F5344CB8AC3E}">
@@ -21880,6 +22825,35 @@
               <a:buNone/>
             </a:pPr>
             <a:endParaRPr lang="pl-PL" sz="2800" dirty="0"/>
+          </a:p>
+        </p:txBody>
+      </p:sp>
+      <p:sp>
+        <p:nvSpPr>
+          <p:cNvPr id="4" name="Symbol zastępczy numeru slajdu 3">
+            <a:extLst>
+              <a:ext uri="{FF2B5EF4-FFF2-40B4-BE49-F238E27FC236}">
+                <a16:creationId xmlns:a16="http://schemas.microsoft.com/office/drawing/2014/main" id="{AA90D194-CA73-4DBC-9151-3061B8C84339}"/>
+              </a:ext>
+            </a:extLst>
+          </p:cNvPr>
+          <p:cNvSpPr>
+            <a:spLocks noGrp="1"/>
+          </p:cNvSpPr>
+          <p:nvPr>
+            <p:ph type="sldNum" sz="quarter" idx="12"/>
+          </p:nvPr>
+        </p:nvSpPr>
+        <p:spPr/>
+        <p:txBody>
+          <a:bodyPr/>
+          <a:lstStyle/>
+          <a:p>
+            <a:fld id="{73EBA5C1-EA0D-4D38-B474-3131B775EA3E}" type="slidenum">
+              <a:rPr lang="pl-PL" smtClean="0"/>
+              <a:t>3</a:t>
+            </a:fld>
+            <a:endParaRPr lang="pl-PL"/>
           </a:p>
         </p:txBody>
       </p:sp>
@@ -21963,7 +22937,7 @@
         </p:blipFill>
         <p:spPr>
           <a:xfrm>
-            <a:off x="6338468" y="1970202"/>
+            <a:off x="4585082" y="1970202"/>
             <a:ext cx="5853532" cy="4887798"/>
           </a:xfrm>
           <a:prstGeom prst="rect">
@@ -21971,6 +22945,35 @@
           </a:prstGeom>
         </p:spPr>
       </p:pic>
+      <p:sp>
+        <p:nvSpPr>
+          <p:cNvPr id="3" name="Symbol zastępczy numeru slajdu 2">
+            <a:extLst>
+              <a:ext uri="{FF2B5EF4-FFF2-40B4-BE49-F238E27FC236}">
+                <a16:creationId xmlns:a16="http://schemas.microsoft.com/office/drawing/2014/main" id="{58498F4A-5208-4983-90A0-3F6DDE5D2EA1}"/>
+              </a:ext>
+            </a:extLst>
+          </p:cNvPr>
+          <p:cNvSpPr>
+            <a:spLocks noGrp="1"/>
+          </p:cNvSpPr>
+          <p:nvPr>
+            <p:ph type="sldNum" sz="quarter" idx="12"/>
+          </p:nvPr>
+        </p:nvSpPr>
+        <p:spPr/>
+        <p:txBody>
+          <a:bodyPr/>
+          <a:lstStyle/>
+          <a:p>
+            <a:fld id="{73EBA5C1-EA0D-4D38-B474-3131B775EA3E}" type="slidenum">
+              <a:rPr lang="pl-PL" smtClean="0"/>
+              <a:t>30</a:t>
+            </a:fld>
+            <a:endParaRPr lang="pl-PL"/>
+          </a:p>
+        </p:txBody>
+      </p:sp>
     </p:spTree>
     <p:extLst>
       <p:ext uri="{BB962C8B-B14F-4D97-AF65-F5344CB8AC3E}">
@@ -22051,7 +23054,7 @@
         </p:blipFill>
         <p:spPr>
           <a:xfrm>
-            <a:off x="1463591" y="1979629"/>
+            <a:off x="1046" y="1979629"/>
             <a:ext cx="10728409" cy="4878371"/>
           </a:xfrm>
           <a:prstGeom prst="rect">
@@ -22059,6 +23062,35 @@
           </a:prstGeom>
         </p:spPr>
       </p:pic>
+      <p:sp>
+        <p:nvSpPr>
+          <p:cNvPr id="3" name="Symbol zastępczy numeru slajdu 2">
+            <a:extLst>
+              <a:ext uri="{FF2B5EF4-FFF2-40B4-BE49-F238E27FC236}">
+                <a16:creationId xmlns:a16="http://schemas.microsoft.com/office/drawing/2014/main" id="{2E8532CB-E7B8-4F37-95A9-BD07BA8C7965}"/>
+              </a:ext>
+            </a:extLst>
+          </p:cNvPr>
+          <p:cNvSpPr>
+            <a:spLocks noGrp="1"/>
+          </p:cNvSpPr>
+          <p:nvPr>
+            <p:ph type="sldNum" sz="quarter" idx="12"/>
+          </p:nvPr>
+        </p:nvSpPr>
+        <p:spPr/>
+        <p:txBody>
+          <a:bodyPr/>
+          <a:lstStyle/>
+          <a:p>
+            <a:fld id="{73EBA5C1-EA0D-4D38-B474-3131B775EA3E}" type="slidenum">
+              <a:rPr lang="pl-PL" smtClean="0"/>
+              <a:t>31</a:t>
+            </a:fld>
+            <a:endParaRPr lang="pl-PL"/>
+          </a:p>
+        </p:txBody>
+      </p:sp>
     </p:spTree>
     <p:extLst>
       <p:ext uri="{BB962C8B-B14F-4D97-AF65-F5344CB8AC3E}">
@@ -22139,7 +23171,7 @@
         </p:blipFill>
         <p:spPr>
           <a:xfrm>
-            <a:off x="7692272" y="622169"/>
+            <a:off x="5938887" y="622169"/>
             <a:ext cx="4499728" cy="6235831"/>
           </a:xfrm>
           <a:prstGeom prst="rect">
@@ -22147,6 +23179,35 @@
           </a:prstGeom>
         </p:spPr>
       </p:pic>
+      <p:sp>
+        <p:nvSpPr>
+          <p:cNvPr id="3" name="Symbol zastępczy numeru slajdu 2">
+            <a:extLst>
+              <a:ext uri="{FF2B5EF4-FFF2-40B4-BE49-F238E27FC236}">
+                <a16:creationId xmlns:a16="http://schemas.microsoft.com/office/drawing/2014/main" id="{F96FB45D-B546-4536-A467-43CC7AC9705E}"/>
+              </a:ext>
+            </a:extLst>
+          </p:cNvPr>
+          <p:cNvSpPr>
+            <a:spLocks noGrp="1"/>
+          </p:cNvSpPr>
+          <p:nvPr>
+            <p:ph type="sldNum" sz="quarter" idx="12"/>
+          </p:nvPr>
+        </p:nvSpPr>
+        <p:spPr/>
+        <p:txBody>
+          <a:bodyPr/>
+          <a:lstStyle/>
+          <a:p>
+            <a:fld id="{73EBA5C1-EA0D-4D38-B474-3131B775EA3E}" type="slidenum">
+              <a:rPr lang="pl-PL" smtClean="0"/>
+              <a:t>32</a:t>
+            </a:fld>
+            <a:endParaRPr lang="pl-PL"/>
+          </a:p>
+        </p:txBody>
+      </p:sp>
     </p:spTree>
     <p:extLst>
       <p:ext uri="{BB962C8B-B14F-4D97-AF65-F5344CB8AC3E}">
@@ -22226,6 +23287,35 @@
           <a:bodyPr/>
           <a:lstStyle/>
           <a:p>
+            <a:endParaRPr lang="pl-PL"/>
+          </a:p>
+        </p:txBody>
+      </p:sp>
+      <p:sp>
+        <p:nvSpPr>
+          <p:cNvPr id="4" name="Symbol zastępczy numeru slajdu 3">
+            <a:extLst>
+              <a:ext uri="{FF2B5EF4-FFF2-40B4-BE49-F238E27FC236}">
+                <a16:creationId xmlns:a16="http://schemas.microsoft.com/office/drawing/2014/main" id="{1C471969-669B-4FB9-AEFD-D87FC3F6FB05}"/>
+              </a:ext>
+            </a:extLst>
+          </p:cNvPr>
+          <p:cNvSpPr>
+            <a:spLocks noGrp="1"/>
+          </p:cNvSpPr>
+          <p:nvPr>
+            <p:ph type="sldNum" sz="quarter" idx="12"/>
+          </p:nvPr>
+        </p:nvSpPr>
+        <p:spPr/>
+        <p:txBody>
+          <a:bodyPr/>
+          <a:lstStyle/>
+          <a:p>
+            <a:fld id="{73EBA5C1-EA0D-4D38-B474-3131B775EA3E}" type="slidenum">
+              <a:rPr lang="pl-PL" smtClean="0"/>
+              <a:t>4</a:t>
+            </a:fld>
             <a:endParaRPr lang="pl-PL"/>
           </a:p>
         </p:txBody>
@@ -22354,6 +23444,35 @@
           </a:p>
         </p:txBody>
       </p:sp>
+      <p:sp>
+        <p:nvSpPr>
+          <p:cNvPr id="4" name="Symbol zastępczy numeru slajdu 3">
+            <a:extLst>
+              <a:ext uri="{FF2B5EF4-FFF2-40B4-BE49-F238E27FC236}">
+                <a16:creationId xmlns:a16="http://schemas.microsoft.com/office/drawing/2014/main" id="{244BB4B3-6997-49CF-A7F5-104C35974D08}"/>
+              </a:ext>
+            </a:extLst>
+          </p:cNvPr>
+          <p:cNvSpPr>
+            <a:spLocks noGrp="1"/>
+          </p:cNvSpPr>
+          <p:nvPr>
+            <p:ph type="sldNum" sz="quarter" idx="12"/>
+          </p:nvPr>
+        </p:nvSpPr>
+        <p:spPr/>
+        <p:txBody>
+          <a:bodyPr/>
+          <a:lstStyle/>
+          <a:p>
+            <a:fld id="{73EBA5C1-EA0D-4D38-B474-3131B775EA3E}" type="slidenum">
+              <a:rPr lang="pl-PL" smtClean="0"/>
+              <a:t>5</a:t>
+            </a:fld>
+            <a:endParaRPr lang="pl-PL"/>
+          </a:p>
+        </p:txBody>
+      </p:sp>
     </p:spTree>
     <p:extLst>
       <p:ext uri="{BB962C8B-B14F-4D97-AF65-F5344CB8AC3E}">
@@ -22495,6 +23614,35 @@
           </a:p>
           <a:p>
             <a:endParaRPr lang="pl-PL" dirty="0"/>
+          </a:p>
+        </p:txBody>
+      </p:sp>
+      <p:sp>
+        <p:nvSpPr>
+          <p:cNvPr id="4" name="Symbol zastępczy numeru slajdu 3">
+            <a:extLst>
+              <a:ext uri="{FF2B5EF4-FFF2-40B4-BE49-F238E27FC236}">
+                <a16:creationId xmlns:a16="http://schemas.microsoft.com/office/drawing/2014/main" id="{C29CC204-4BC1-4B25-9EE8-FCD638E96FCF}"/>
+              </a:ext>
+            </a:extLst>
+          </p:cNvPr>
+          <p:cNvSpPr>
+            <a:spLocks noGrp="1"/>
+          </p:cNvSpPr>
+          <p:nvPr>
+            <p:ph type="sldNum" sz="quarter" idx="12"/>
+          </p:nvPr>
+        </p:nvSpPr>
+        <p:spPr/>
+        <p:txBody>
+          <a:bodyPr/>
+          <a:lstStyle/>
+          <a:p>
+            <a:fld id="{73EBA5C1-EA0D-4D38-B474-3131B775EA3E}" type="slidenum">
+              <a:rPr lang="pl-PL" smtClean="0"/>
+              <a:t>6</a:t>
+            </a:fld>
+            <a:endParaRPr lang="pl-PL"/>
           </a:p>
         </p:txBody>
       </p:sp>
@@ -22643,6 +23791,35 @@
             <a:endParaRPr lang="pl-PL"/>
           </a:p>
           <a:p>
+            <a:endParaRPr lang="pl-PL"/>
+          </a:p>
+        </p:txBody>
+      </p:sp>
+      <p:sp>
+        <p:nvSpPr>
+          <p:cNvPr id="4" name="Symbol zastępczy numeru slajdu 3">
+            <a:extLst>
+              <a:ext uri="{FF2B5EF4-FFF2-40B4-BE49-F238E27FC236}">
+                <a16:creationId xmlns:a16="http://schemas.microsoft.com/office/drawing/2014/main" id="{0F515478-A8EF-42DB-BFDE-350D93C75097}"/>
+              </a:ext>
+            </a:extLst>
+          </p:cNvPr>
+          <p:cNvSpPr>
+            <a:spLocks noGrp="1"/>
+          </p:cNvSpPr>
+          <p:nvPr>
+            <p:ph type="sldNum" sz="quarter" idx="12"/>
+          </p:nvPr>
+        </p:nvSpPr>
+        <p:spPr/>
+        <p:txBody>
+          <a:bodyPr/>
+          <a:lstStyle/>
+          <a:p>
+            <a:fld id="{73EBA5C1-EA0D-4D38-B474-3131B775EA3E}" type="slidenum">
+              <a:rPr lang="pl-PL" smtClean="0"/>
+              <a:t>7</a:t>
+            </a:fld>
             <a:endParaRPr lang="pl-PL"/>
           </a:p>
         </p:txBody>
@@ -23520,6 +24697,35 @@
           </a:fontRef>
         </p:style>
       </p:cxnSp>
+      <p:sp>
+        <p:nvSpPr>
+          <p:cNvPr id="5" name="Symbol zastępczy numeru slajdu 4">
+            <a:extLst>
+              <a:ext uri="{FF2B5EF4-FFF2-40B4-BE49-F238E27FC236}">
+                <a16:creationId xmlns:a16="http://schemas.microsoft.com/office/drawing/2014/main" id="{AB0B9E51-E718-4C6A-B704-D7A75025D73A}"/>
+              </a:ext>
+            </a:extLst>
+          </p:cNvPr>
+          <p:cNvSpPr>
+            <a:spLocks noGrp="1"/>
+          </p:cNvSpPr>
+          <p:nvPr>
+            <p:ph type="sldNum" sz="quarter" idx="12"/>
+          </p:nvPr>
+        </p:nvSpPr>
+        <p:spPr/>
+        <p:txBody>
+          <a:bodyPr/>
+          <a:lstStyle/>
+          <a:p>
+            <a:fld id="{73EBA5C1-EA0D-4D38-B474-3131B775EA3E}" type="slidenum">
+              <a:rPr lang="pl-PL" smtClean="0"/>
+              <a:t>8</a:t>
+            </a:fld>
+            <a:endParaRPr lang="pl-PL"/>
+          </a:p>
+        </p:txBody>
+      </p:sp>
     </p:spTree>
     <p:extLst>
       <p:ext uri="{BB962C8B-B14F-4D97-AF65-F5344CB8AC3E}">
@@ -23625,6 +24831,35 @@
               <a:rPr lang="pl-PL" dirty="0"/>
               <a:t>Jak wygląda proces technologiczny</a:t>
             </a:r>
+          </a:p>
+        </p:txBody>
+      </p:sp>
+      <p:sp>
+        <p:nvSpPr>
+          <p:cNvPr id="4" name="Symbol zastępczy numeru slajdu 3">
+            <a:extLst>
+              <a:ext uri="{FF2B5EF4-FFF2-40B4-BE49-F238E27FC236}">
+                <a16:creationId xmlns:a16="http://schemas.microsoft.com/office/drawing/2014/main" id="{74B87E44-A774-4B1B-BD56-BB8D2E3FBB5F}"/>
+              </a:ext>
+            </a:extLst>
+          </p:cNvPr>
+          <p:cNvSpPr>
+            <a:spLocks noGrp="1"/>
+          </p:cNvSpPr>
+          <p:nvPr>
+            <p:ph type="sldNum" sz="quarter" idx="12"/>
+          </p:nvPr>
+        </p:nvSpPr>
+        <p:spPr/>
+        <p:txBody>
+          <a:bodyPr/>
+          <a:lstStyle/>
+          <a:p>
+            <a:fld id="{73EBA5C1-EA0D-4D38-B474-3131B775EA3E}" type="slidenum">
+              <a:rPr lang="pl-PL" smtClean="0"/>
+              <a:t>9</a:t>
+            </a:fld>
+            <a:endParaRPr lang="pl-PL"/>
           </a:p>
         </p:txBody>
       </p:sp>
@@ -23893,4 +25128,299 @@
     </a:ext>
   </a:extLst>
 </a:theme>
+</file>
+
+<file path=ppt/theme/theme2.xml><?xml version="1.0" encoding="utf-8"?>
+<a:theme xmlns:a="http://schemas.openxmlformats.org/drawingml/2006/main" name="Motyw pakietu Office">
+  <a:themeElements>
+    <a:clrScheme name="Pakiet Office">
+      <a:dk1>
+        <a:sysClr val="windowText" lastClr="000000"/>
+      </a:dk1>
+      <a:lt1>
+        <a:sysClr val="window" lastClr="FFFFFF"/>
+      </a:lt1>
+      <a:dk2>
+        <a:srgbClr val="44546A"/>
+      </a:dk2>
+      <a:lt2>
+        <a:srgbClr val="E7E6E6"/>
+      </a:lt2>
+      <a:accent1>
+        <a:srgbClr val="4472C4"/>
+      </a:accent1>
+      <a:accent2>
+        <a:srgbClr val="ED7D31"/>
+      </a:accent2>
+      <a:accent3>
+        <a:srgbClr val="A5A5A5"/>
+      </a:accent3>
+      <a:accent4>
+        <a:srgbClr val="FFC000"/>
+      </a:accent4>
+      <a:accent5>
+        <a:srgbClr val="5B9BD5"/>
+      </a:accent5>
+      <a:accent6>
+        <a:srgbClr val="70AD47"/>
+      </a:accent6>
+      <a:hlink>
+        <a:srgbClr val="0563C1"/>
+      </a:hlink>
+      <a:folHlink>
+        <a:srgbClr val="954F72"/>
+      </a:folHlink>
+    </a:clrScheme>
+    <a:fontScheme name="Pakiet Office">
+      <a:majorFont>
+        <a:latin typeface="Calibri Light" panose="020F0302020204030204"/>
+        <a:ea typeface=""/>
+        <a:cs typeface=""/>
+        <a:font script="Jpan" typeface="游ゴシック Light"/>
+        <a:font script="Hang" typeface="맑은 고딕"/>
+        <a:font script="Hans" typeface="等线 Light"/>
+        <a:font script="Hant" typeface="新細明體"/>
+        <a:font script="Arab" typeface="Times New Roman"/>
+        <a:font script="Hebr" typeface="Times New Roman"/>
+        <a:font script="Thai" typeface="Angsana New"/>
+        <a:font script="Ethi" typeface="Nyala"/>
+        <a:font script="Beng" typeface="Vrinda"/>
+        <a:font script="Gujr" typeface="Shruti"/>
+        <a:font script="Khmr" typeface="MoolBoran"/>
+        <a:font script="Knda" typeface="Tunga"/>
+        <a:font script="Guru" typeface="Raavi"/>
+        <a:font script="Cans" typeface="Euphemia"/>
+        <a:font script="Cher" typeface="Plantagenet Cherokee"/>
+        <a:font script="Yiii" typeface="Microsoft Yi Baiti"/>
+        <a:font script="Tibt" typeface="Microsoft Himalaya"/>
+        <a:font script="Thaa" typeface="MV Boli"/>
+        <a:font script="Deva" typeface="Mangal"/>
+        <a:font script="Telu" typeface="Gautami"/>
+        <a:font script="Taml" typeface="Latha"/>
+        <a:font script="Syrc" typeface="Estrangelo Edessa"/>
+        <a:font script="Orya" typeface="Kalinga"/>
+        <a:font script="Mlym" typeface="Kartika"/>
+        <a:font script="Laoo" typeface="DokChampa"/>
+        <a:font script="Sinh" typeface="Iskoola Pota"/>
+        <a:font script="Mong" typeface="Mongolian Baiti"/>
+        <a:font script="Viet" typeface="Times New Roman"/>
+        <a:font script="Uigh" typeface="Microsoft Uighur"/>
+        <a:font script="Geor" typeface="Sylfaen"/>
+        <a:font script="Armn" typeface="Arial"/>
+        <a:font script="Bugi" typeface="Leelawadee UI"/>
+        <a:font script="Bopo" typeface="Microsoft JhengHei"/>
+        <a:font script="Java" typeface="Javanese Text"/>
+        <a:font script="Lisu" typeface="Segoe UI"/>
+        <a:font script="Mymr" typeface="Myanmar Text"/>
+        <a:font script="Nkoo" typeface="Ebrima"/>
+        <a:font script="Olck" typeface="Nirmala UI"/>
+        <a:font script="Osma" typeface="Ebrima"/>
+        <a:font script="Phag" typeface="Phagspa"/>
+        <a:font script="Syrn" typeface="Estrangelo Edessa"/>
+        <a:font script="Syrj" typeface="Estrangelo Edessa"/>
+        <a:font script="Syre" typeface="Estrangelo Edessa"/>
+        <a:font script="Sora" typeface="Nirmala UI"/>
+        <a:font script="Tale" typeface="Microsoft Tai Le"/>
+        <a:font script="Talu" typeface="Microsoft New Tai Lue"/>
+        <a:font script="Tfng" typeface="Ebrima"/>
+      </a:majorFont>
+      <a:minorFont>
+        <a:latin typeface="Calibri" panose="020F0502020204030204"/>
+        <a:ea typeface=""/>
+        <a:cs typeface=""/>
+        <a:font script="Jpan" typeface="游ゴシック"/>
+        <a:font script="Hang" typeface="맑은 고딕"/>
+        <a:font script="Hans" typeface="等线"/>
+        <a:font script="Hant" typeface="新細明體"/>
+        <a:font script="Arab" typeface="Arial"/>
+        <a:font script="Hebr" typeface="Arial"/>
+        <a:font script="Thai" typeface="Cordia New"/>
+        <a:font script="Ethi" typeface="Nyala"/>
+        <a:font script="Beng" typeface="Vrinda"/>
+        <a:font script="Gujr" typeface="Shruti"/>
+        <a:font script="Khmr" typeface="DaunPenh"/>
+        <a:font script="Knda" typeface="Tunga"/>
+        <a:font script="Guru" typeface="Raavi"/>
+        <a:font script="Cans" typeface="Euphemia"/>
+        <a:font script="Cher" typeface="Plantagenet Cherokee"/>
+        <a:font script="Yiii" typeface="Microsoft Yi Baiti"/>
+        <a:font script="Tibt" typeface="Microsoft Himalaya"/>
+        <a:font script="Thaa" typeface="MV Boli"/>
+        <a:font script="Deva" typeface="Mangal"/>
+        <a:font script="Telu" typeface="Gautami"/>
+        <a:font script="Taml" typeface="Latha"/>
+        <a:font script="Syrc" typeface="Estrangelo Edessa"/>
+        <a:font script="Orya" typeface="Kalinga"/>
+        <a:font script="Mlym" typeface="Kartika"/>
+        <a:font script="Laoo" typeface="DokChampa"/>
+        <a:font script="Sinh" typeface="Iskoola Pota"/>
+        <a:font script="Mong" typeface="Mongolian Baiti"/>
+        <a:font script="Viet" typeface="Arial"/>
+        <a:font script="Uigh" typeface="Microsoft Uighur"/>
+        <a:font script="Geor" typeface="Sylfaen"/>
+        <a:font script="Armn" typeface="Arial"/>
+        <a:font script="Bugi" typeface="Leelawadee UI"/>
+        <a:font script="Bopo" typeface="Microsoft JhengHei"/>
+        <a:font script="Java" typeface="Javanese Text"/>
+        <a:font script="Lisu" typeface="Segoe UI"/>
+        <a:font script="Mymr" typeface="Myanmar Text"/>
+        <a:font script="Nkoo" typeface="Ebrima"/>
+        <a:font script="Olck" typeface="Nirmala UI"/>
+        <a:font script="Osma" typeface="Ebrima"/>
+        <a:font script="Phag" typeface="Phagspa"/>
+        <a:font script="Syrn" typeface="Estrangelo Edessa"/>
+        <a:font script="Syrj" typeface="Estrangelo Edessa"/>
+        <a:font script="Syre" typeface="Estrangelo Edessa"/>
+        <a:font script="Sora" typeface="Nirmala UI"/>
+        <a:font script="Tale" typeface="Microsoft Tai Le"/>
+        <a:font script="Talu" typeface="Microsoft New Tai Lue"/>
+        <a:font script="Tfng" typeface="Ebrima"/>
+      </a:minorFont>
+    </a:fontScheme>
+    <a:fmtScheme name="Pakiet Office">
+      <a:fillStyleLst>
+        <a:solidFill>
+          <a:schemeClr val="phClr"/>
+        </a:solidFill>
+        <a:gradFill rotWithShape="1">
+          <a:gsLst>
+            <a:gs pos="0">
+              <a:schemeClr val="phClr">
+                <a:lumMod val="110000"/>
+                <a:satMod val="105000"/>
+                <a:tint val="67000"/>
+              </a:schemeClr>
+            </a:gs>
+            <a:gs pos="50000">
+              <a:schemeClr val="phClr">
+                <a:lumMod val="105000"/>
+                <a:satMod val="103000"/>
+                <a:tint val="73000"/>
+              </a:schemeClr>
+            </a:gs>
+            <a:gs pos="100000">
+              <a:schemeClr val="phClr">
+                <a:lumMod val="105000"/>
+                <a:satMod val="109000"/>
+                <a:tint val="81000"/>
+              </a:schemeClr>
+            </a:gs>
+          </a:gsLst>
+          <a:lin ang="5400000" scaled="0"/>
+        </a:gradFill>
+        <a:gradFill rotWithShape="1">
+          <a:gsLst>
+            <a:gs pos="0">
+              <a:schemeClr val="phClr">
+                <a:satMod val="103000"/>
+                <a:lumMod val="102000"/>
+                <a:tint val="94000"/>
+              </a:schemeClr>
+            </a:gs>
+            <a:gs pos="50000">
+              <a:schemeClr val="phClr">
+                <a:satMod val="110000"/>
+                <a:lumMod val="100000"/>
+                <a:shade val="100000"/>
+              </a:schemeClr>
+            </a:gs>
+            <a:gs pos="100000">
+              <a:schemeClr val="phClr">
+                <a:lumMod val="99000"/>
+                <a:satMod val="120000"/>
+                <a:shade val="78000"/>
+              </a:schemeClr>
+            </a:gs>
+          </a:gsLst>
+          <a:lin ang="5400000" scaled="0"/>
+        </a:gradFill>
+      </a:fillStyleLst>
+      <a:lnStyleLst>
+        <a:ln w="6350" cap="flat" cmpd="sng" algn="ctr">
+          <a:solidFill>
+            <a:schemeClr val="phClr"/>
+          </a:solidFill>
+          <a:prstDash val="solid"/>
+          <a:miter lim="800000"/>
+        </a:ln>
+        <a:ln w="12700" cap="flat" cmpd="sng" algn="ctr">
+          <a:solidFill>
+            <a:schemeClr val="phClr"/>
+          </a:solidFill>
+          <a:prstDash val="solid"/>
+          <a:miter lim="800000"/>
+        </a:ln>
+        <a:ln w="19050" cap="flat" cmpd="sng" algn="ctr">
+          <a:solidFill>
+            <a:schemeClr val="phClr"/>
+          </a:solidFill>
+          <a:prstDash val="solid"/>
+          <a:miter lim="800000"/>
+        </a:ln>
+      </a:lnStyleLst>
+      <a:effectStyleLst>
+        <a:effectStyle>
+          <a:effectLst/>
+        </a:effectStyle>
+        <a:effectStyle>
+          <a:effectLst/>
+        </a:effectStyle>
+        <a:effectStyle>
+          <a:effectLst>
+            <a:outerShdw blurRad="57150" dist="19050" dir="5400000" algn="ctr" rotWithShape="0">
+              <a:srgbClr val="000000">
+                <a:alpha val="63000"/>
+              </a:srgbClr>
+            </a:outerShdw>
+          </a:effectLst>
+        </a:effectStyle>
+      </a:effectStyleLst>
+      <a:bgFillStyleLst>
+        <a:solidFill>
+          <a:schemeClr val="phClr"/>
+        </a:solidFill>
+        <a:solidFill>
+          <a:schemeClr val="phClr">
+            <a:tint val="95000"/>
+            <a:satMod val="170000"/>
+          </a:schemeClr>
+        </a:solidFill>
+        <a:gradFill rotWithShape="1">
+          <a:gsLst>
+            <a:gs pos="0">
+              <a:schemeClr val="phClr">
+                <a:tint val="93000"/>
+                <a:satMod val="150000"/>
+                <a:shade val="98000"/>
+                <a:lumMod val="102000"/>
+              </a:schemeClr>
+            </a:gs>
+            <a:gs pos="50000">
+              <a:schemeClr val="phClr">
+                <a:tint val="98000"/>
+                <a:satMod val="130000"/>
+                <a:shade val="90000"/>
+                <a:lumMod val="103000"/>
+              </a:schemeClr>
+            </a:gs>
+            <a:gs pos="100000">
+              <a:schemeClr val="phClr">
+                <a:shade val="63000"/>
+                <a:satMod val="120000"/>
+              </a:schemeClr>
+            </a:gs>
+          </a:gsLst>
+          <a:lin ang="5400000" scaled="0"/>
+        </a:gradFill>
+      </a:bgFillStyleLst>
+    </a:fmtScheme>
+  </a:themeElements>
+  <a:objectDefaults/>
+  <a:extraClrSchemeLst/>
+  <a:extLst>
+    <a:ext uri="{05A4C25C-085E-4340-85A3-A5531E510DB2}">
+      <thm15:themeFamily xmlns:thm15="http://schemas.microsoft.com/office/thememl/2012/main" name="Office Theme" id="{62F939B6-93AF-4DB8-9C6B-D6C7DFDC589F}" vid="{4A3C46E8-61CC-4603-A589-7422A47A8E4A}"/>
+    </a:ext>
+  </a:extLst>
+</a:theme>
 </file>
--- a/Prezentacja_29.04.pptx
+++ b/Prezentacja_29.04.pptx
@@ -5,44 +5,45 @@
     <p:sldMasterId id="2147483726" r:id="rId1"/>
   </p:sldMasterIdLst>
   <p:notesMasterIdLst>
-    <p:notesMasterId r:id="rId37"/>
+    <p:notesMasterId r:id="rId38"/>
   </p:notesMasterIdLst>
   <p:sldIdLst>
     <p:sldId id="256" r:id="rId2"/>
     <p:sldId id="258" r:id="rId3"/>
     <p:sldId id="288" r:id="rId4"/>
     <p:sldId id="290" r:id="rId5"/>
-    <p:sldId id="289" r:id="rId6"/>
-    <p:sldId id="291" r:id="rId7"/>
-    <p:sldId id="275" r:id="rId8"/>
-    <p:sldId id="276" r:id="rId9"/>
-    <p:sldId id="257" r:id="rId10"/>
-    <p:sldId id="259" r:id="rId11"/>
-    <p:sldId id="260" r:id="rId12"/>
+    <p:sldId id="291" r:id="rId6"/>
+    <p:sldId id="275" r:id="rId7"/>
+    <p:sldId id="276" r:id="rId8"/>
+    <p:sldId id="257" r:id="rId9"/>
+    <p:sldId id="259" r:id="rId10"/>
+    <p:sldId id="260" r:id="rId11"/>
+    <p:sldId id="294" r:id="rId12"/>
     <p:sldId id="261" r:id="rId13"/>
     <p:sldId id="262" r:id="rId14"/>
-    <p:sldId id="263" r:id="rId15"/>
-    <p:sldId id="264" r:id="rId16"/>
-    <p:sldId id="267" r:id="rId17"/>
-    <p:sldId id="269" r:id="rId18"/>
-    <p:sldId id="270" r:id="rId19"/>
-    <p:sldId id="266" r:id="rId20"/>
-    <p:sldId id="271" r:id="rId21"/>
-    <p:sldId id="272" r:id="rId22"/>
-    <p:sldId id="273" r:id="rId23"/>
-    <p:sldId id="274" r:id="rId24"/>
-    <p:sldId id="277" r:id="rId25"/>
-    <p:sldId id="278" r:id="rId26"/>
-    <p:sldId id="279" r:id="rId27"/>
-    <p:sldId id="280" r:id="rId28"/>
-    <p:sldId id="281" r:id="rId29"/>
-    <p:sldId id="282" r:id="rId30"/>
-    <p:sldId id="283" r:id="rId31"/>
-    <p:sldId id="284" r:id="rId32"/>
-    <p:sldId id="285" r:id="rId33"/>
-    <p:sldId id="286" r:id="rId34"/>
-    <p:sldId id="287" r:id="rId35"/>
-    <p:sldId id="292" r:id="rId36"/>
+    <p:sldId id="293" r:id="rId15"/>
+    <p:sldId id="263" r:id="rId16"/>
+    <p:sldId id="264" r:id="rId17"/>
+    <p:sldId id="267" r:id="rId18"/>
+    <p:sldId id="269" r:id="rId19"/>
+    <p:sldId id="270" r:id="rId20"/>
+    <p:sldId id="266" r:id="rId21"/>
+    <p:sldId id="271" r:id="rId22"/>
+    <p:sldId id="272" r:id="rId23"/>
+    <p:sldId id="273" r:id="rId24"/>
+    <p:sldId id="274" r:id="rId25"/>
+    <p:sldId id="277" r:id="rId26"/>
+    <p:sldId id="278" r:id="rId27"/>
+    <p:sldId id="279" r:id="rId28"/>
+    <p:sldId id="280" r:id="rId29"/>
+    <p:sldId id="281" r:id="rId30"/>
+    <p:sldId id="282" r:id="rId31"/>
+    <p:sldId id="283" r:id="rId32"/>
+    <p:sldId id="284" r:id="rId33"/>
+    <p:sldId id="285" r:id="rId34"/>
+    <p:sldId id="286" r:id="rId35"/>
+    <p:sldId id="287" r:id="rId36"/>
+    <p:sldId id="292" r:id="rId37"/>
   </p:sldIdLst>
   <p:sldSz cx="12192000" cy="6858000"/>
   <p:notesSz cx="6858000" cy="9144000"/>
@@ -5659,7 +5660,7 @@
           <a:p>
             <a:fld id="{77C7207A-6BEF-41EC-85B3-243D736B3C1C}" type="datetimeFigureOut">
               <a:rPr lang="pl-PL" smtClean="0"/>
-              <a:t>28-04-2021</a:t>
+              <a:t>28.04.2021</a:t>
             </a:fld>
             <a:endParaRPr lang="pl-PL"/>
           </a:p>
@@ -6200,7 +6201,7 @@
           <a:p>
             <a:fld id="{906E2E1F-15FB-4A85-A0E2-DD17BB6BDEE2}" type="datetime1">
               <a:rPr lang="pl-PL" smtClean="0"/>
-              <a:t>28-04-2021</a:t>
+              <a:t>28.04.2021</a:t>
             </a:fld>
             <a:endParaRPr lang="pl-PL"/>
           </a:p>
@@ -6614,7 +6615,7 @@
           <a:p>
             <a:fld id="{04BF9A06-73F2-4084-A96B-CDBA4804ABA9}" type="datetime1">
               <a:rPr lang="pl-PL" smtClean="0"/>
-              <a:t>28-04-2021</a:t>
+              <a:t>28.04.2021</a:t>
             </a:fld>
             <a:endParaRPr lang="pl-PL"/>
           </a:p>
@@ -6950,7 +6951,7 @@
           <a:p>
             <a:fld id="{94657371-091B-4329-9E46-EE3FD16C2124}" type="datetime1">
               <a:rPr lang="pl-PL" smtClean="0"/>
-              <a:t>28-04-2021</a:t>
+              <a:t>28.04.2021</a:t>
             </a:fld>
             <a:endParaRPr lang="pl-PL"/>
           </a:p>
@@ -7355,7 +7356,7 @@
           <a:p>
             <a:fld id="{2EEBA26D-7DBA-4D05-BE08-49D6D89E11A6}" type="datetime1">
               <a:rPr lang="pl-PL" smtClean="0"/>
-              <a:t>28-04-2021</a:t>
+              <a:t>28.04.2021</a:t>
             </a:fld>
             <a:endParaRPr lang="pl-PL"/>
           </a:p>
@@ -7923,7 +7924,7 @@
           <a:p>
             <a:fld id="{7DA14E7E-32E5-4B7E-9FBF-59259785A34C}" type="datetime1">
               <a:rPr lang="pl-PL" smtClean="0"/>
-              <a:t>28-04-2021</a:t>
+              <a:t>28.04.2021</a:t>
             </a:fld>
             <a:endParaRPr lang="pl-PL"/>
           </a:p>
@@ -8604,7 +8605,7 @@
           <a:p>
             <a:fld id="{DC6D9029-CF85-4195-89A6-D4D813FE0520}" type="datetime1">
               <a:rPr lang="pl-PL" smtClean="0"/>
-              <a:t>28-04-2021</a:t>
+              <a:t>28.04.2021</a:t>
             </a:fld>
             <a:endParaRPr lang="pl-PL"/>
           </a:p>
@@ -9517,7 +9518,7 @@
           <a:p>
             <a:fld id="{ABBD1CC0-C232-4B06-9DC1-160FE11F4035}" type="datetime1">
               <a:rPr lang="pl-PL" smtClean="0"/>
-              <a:t>28-04-2021</a:t>
+              <a:t>28.04.2021</a:t>
             </a:fld>
             <a:endParaRPr lang="pl-PL"/>
           </a:p>
@@ -9830,7 +9831,7 @@
           <a:p>
             <a:fld id="{81E484B1-DFFE-4276-B192-1B9A6DF5EC0E}" type="datetime1">
               <a:rPr lang="pl-PL" smtClean="0"/>
-              <a:t>28-04-2021</a:t>
+              <a:t>28.04.2021</a:t>
             </a:fld>
             <a:endParaRPr lang="pl-PL"/>
           </a:p>
@@ -10094,7 +10095,7 @@
           <a:p>
             <a:fld id="{33BAEE17-A6F7-44BA-9EC0-76AF5746B1EC}" type="datetime1">
               <a:rPr lang="pl-PL" smtClean="0"/>
-              <a:t>28-04-2021</a:t>
+              <a:t>28.04.2021</a:t>
             </a:fld>
             <a:endParaRPr lang="pl-PL"/>
           </a:p>
@@ -10417,7 +10418,7 @@
           <a:p>
             <a:fld id="{00EA0D49-4272-43DC-939C-32B7EDDCEC36}" type="datetime1">
               <a:rPr lang="pl-PL" smtClean="0"/>
-              <a:t>28-04-2021</a:t>
+              <a:t>28.04.2021</a:t>
             </a:fld>
             <a:endParaRPr lang="pl-PL"/>
           </a:p>
@@ -10806,7 +10807,7 @@
           <a:p>
             <a:fld id="{656722D7-39BE-489F-9F01-09A9E3FDDD2F}" type="datetime1">
               <a:rPr lang="pl-PL" smtClean="0"/>
-              <a:t>28-04-2021</a:t>
+              <a:t>28.04.2021</a:t>
             </a:fld>
             <a:endParaRPr lang="pl-PL"/>
           </a:p>
@@ -11182,7 +11183,7 @@
           <a:p>
             <a:fld id="{F5CF2885-881F-4D9E-AF34-74178AC3655B}" type="datetime1">
               <a:rPr lang="pl-PL" smtClean="0"/>
-              <a:t>28-04-2021</a:t>
+              <a:t>28.04.2021</a:t>
             </a:fld>
             <a:endParaRPr lang="pl-PL"/>
           </a:p>
@@ -11688,7 +11689,7 @@
           <a:p>
             <a:fld id="{FB3149CE-D561-44B8-8BBE-5242EF0871FB}" type="datetime1">
               <a:rPr lang="pl-PL" smtClean="0"/>
-              <a:t>28-04-2021</a:t>
+              <a:t>28.04.2021</a:t>
             </a:fld>
             <a:endParaRPr lang="pl-PL"/>
           </a:p>
@@ -11945,7 +11946,7 @@
           <a:p>
             <a:fld id="{0E1B7B2A-DE0F-42E2-A5FB-41E57F01A0B7}" type="datetime1">
               <a:rPr lang="pl-PL" smtClean="0"/>
-              <a:t>28-04-2021</a:t>
+              <a:t>28.04.2021</a:t>
             </a:fld>
             <a:endParaRPr lang="pl-PL"/>
           </a:p>
@@ -12108,7 +12109,7 @@
           <a:p>
             <a:fld id="{20E46B1F-0039-4D18-A22A-3894F85ECBDD}" type="datetime1">
               <a:rPr lang="pl-PL" smtClean="0"/>
-              <a:t>28-04-2021</a:t>
+              <a:t>28.04.2021</a:t>
             </a:fld>
             <a:endParaRPr lang="pl-PL"/>
           </a:p>
@@ -12498,7 +12499,7 @@
           <a:p>
             <a:fld id="{6D85D433-2300-4442-89E4-6FA629B02900}" type="datetime1">
               <a:rPr lang="pl-PL" smtClean="0"/>
-              <a:t>28-04-2021</a:t>
+              <a:t>28.04.2021</a:t>
             </a:fld>
             <a:endParaRPr lang="pl-PL"/>
           </a:p>
@@ -12907,7 +12908,7 @@
           <a:p>
             <a:fld id="{B17B109A-54FF-4910-950B-A924814B2F81}" type="datetime1">
               <a:rPr lang="pl-PL" smtClean="0"/>
-              <a:t>28-04-2021</a:t>
+              <a:t>28.04.2021</a:t>
             </a:fld>
             <a:endParaRPr lang="pl-PL"/>
           </a:p>
@@ -13151,7 +13152,7 @@
           <a:p>
             <a:fld id="{9ADAB105-627B-4324-A3EB-EA360819ED9B}" type="datetime1">
               <a:rPr lang="pl-PL" smtClean="0"/>
-              <a:t>28-04-2021</a:t>
+              <a:t>28.04.2021</a:t>
             </a:fld>
             <a:endParaRPr lang="pl-PL"/>
           </a:p>
@@ -13852,908 +13853,6 @@
 </file>
 
 <file path=ppt/slides/slide10.xml><?xml version="1.0" encoding="utf-8"?>
-<p:sld xmlns:a="http://schemas.openxmlformats.org/drawingml/2006/main" xmlns:r="http://schemas.openxmlformats.org/officeDocument/2006/relationships" xmlns:p="http://schemas.openxmlformats.org/presentationml/2006/main" show="0">
-  <p:cSld>
-    <p:spTree>
-      <p:nvGrpSpPr>
-        <p:cNvPr id="1" name=""/>
-        <p:cNvGrpSpPr/>
-        <p:nvPr/>
-      </p:nvGrpSpPr>
-      <p:grpSpPr>
-        <a:xfrm>
-          <a:off x="0" y="0"/>
-          <a:ext cx="0" cy="0"/>
-          <a:chOff x="0" y="0"/>
-          <a:chExt cx="0" cy="0"/>
-        </a:xfrm>
-      </p:grpSpPr>
-      <p:sp>
-        <p:nvSpPr>
-          <p:cNvPr id="2" name="Tytuł 1">
-            <a:extLst>
-              <a:ext uri="{FF2B5EF4-FFF2-40B4-BE49-F238E27FC236}">
-                <a16:creationId xmlns:a16="http://schemas.microsoft.com/office/drawing/2014/main" id="{38FE2930-C9F9-42F1-BC5A-B5D8CC8FE5FB}"/>
-              </a:ext>
-            </a:extLst>
-          </p:cNvPr>
-          <p:cNvSpPr>
-            <a:spLocks noGrp="1"/>
-          </p:cNvSpPr>
-          <p:nvPr>
-            <p:ph type="title"/>
-          </p:nvPr>
-        </p:nvSpPr>
-        <p:spPr/>
-        <p:txBody>
-          <a:bodyPr/>
-          <a:lstStyle/>
-          <a:p>
-            <a:pPr algn="ctr"/>
-            <a:r>
-              <a:rPr lang="pl-PL"/>
-              <a:t>Struktura organizacyjna</a:t>
-            </a:r>
-          </a:p>
-        </p:txBody>
-      </p:sp>
-      <p:sp>
-        <p:nvSpPr>
-          <p:cNvPr id="3" name="Symbol zastępczy zawartości 2">
-            <a:extLst>
-              <a:ext uri="{FF2B5EF4-FFF2-40B4-BE49-F238E27FC236}">
-                <a16:creationId xmlns:a16="http://schemas.microsoft.com/office/drawing/2014/main" id="{8426D2BE-ED27-420C-AF5A-CBE400D5329A}"/>
-              </a:ext>
-            </a:extLst>
-          </p:cNvPr>
-          <p:cNvSpPr>
-            <a:spLocks noGrp="1"/>
-          </p:cNvSpPr>
-          <p:nvPr>
-            <p:ph idx="1"/>
-          </p:nvPr>
-        </p:nvSpPr>
-        <p:spPr/>
-        <p:txBody>
-          <a:bodyPr/>
-          <a:lstStyle/>
-          <a:p>
-            <a:r>
-              <a:rPr lang="pl-PL"/>
-              <a:t>Model liniowy:</a:t>
-            </a:r>
-          </a:p>
-          <a:p>
-            <a:endParaRPr lang="pl-PL"/>
-          </a:p>
-          <a:p>
-            <a:endParaRPr lang="pl-PL"/>
-          </a:p>
-          <a:p>
-            <a:endParaRPr lang="pl-PL"/>
-          </a:p>
-          <a:p>
-            <a:endParaRPr lang="pl-PL"/>
-          </a:p>
-          <a:p>
-            <a:endParaRPr lang="pl-PL"/>
-          </a:p>
-          <a:p>
-            <a:endParaRPr lang="pl-PL"/>
-          </a:p>
-          <a:p>
-            <a:endParaRPr lang="pl-PL"/>
-          </a:p>
-          <a:p>
-            <a:endParaRPr lang="pl-PL"/>
-          </a:p>
-        </p:txBody>
-      </p:sp>
-      <p:sp>
-        <p:nvSpPr>
-          <p:cNvPr id="4" name="Trójkąt równoramienny 3">
-            <a:extLst>
-              <a:ext uri="{FF2B5EF4-FFF2-40B4-BE49-F238E27FC236}">
-                <a16:creationId xmlns:a16="http://schemas.microsoft.com/office/drawing/2014/main" id="{ED998ED4-5B6B-4A53-9651-D307A71B1BF9}"/>
-              </a:ext>
-            </a:extLst>
-          </p:cNvPr>
-          <p:cNvSpPr/>
-          <p:nvPr/>
-        </p:nvSpPr>
-        <p:spPr>
-          <a:xfrm>
-            <a:off x="5043181" y="2516129"/>
-            <a:ext cx="973122" cy="713725"/>
-          </a:xfrm>
-          <a:prstGeom prst="triangle">
-            <a:avLst/>
-          </a:prstGeom>
-        </p:spPr>
-        <p:style>
-          <a:lnRef idx="2">
-            <a:schemeClr val="accent1">
-              <a:shade val="50000"/>
-            </a:schemeClr>
-          </a:lnRef>
-          <a:fillRef idx="1">
-            <a:schemeClr val="accent1"/>
-          </a:fillRef>
-          <a:effectRef idx="0">
-            <a:schemeClr val="accent1"/>
-          </a:effectRef>
-          <a:fontRef idx="minor">
-            <a:schemeClr val="lt1"/>
-          </a:fontRef>
-        </p:style>
-        <p:txBody>
-          <a:bodyPr rtlCol="0" anchor="ctr"/>
-          <a:lstStyle/>
-          <a:p>
-            <a:pPr algn="ctr"/>
-            <a:r>
-              <a:rPr lang="pl-PL"/>
-              <a:t>K</a:t>
-            </a:r>
-          </a:p>
-        </p:txBody>
-      </p:sp>
-      <p:sp>
-        <p:nvSpPr>
-          <p:cNvPr id="7" name="Trójkąt równoramienny 6">
-            <a:extLst>
-              <a:ext uri="{FF2B5EF4-FFF2-40B4-BE49-F238E27FC236}">
-                <a16:creationId xmlns:a16="http://schemas.microsoft.com/office/drawing/2014/main" id="{47EC9E1C-88BC-4DA6-852A-92D985FB3E0A}"/>
-              </a:ext>
-            </a:extLst>
-          </p:cNvPr>
-          <p:cNvSpPr/>
-          <p:nvPr/>
-        </p:nvSpPr>
-        <p:spPr>
-          <a:xfrm>
-            <a:off x="2873928" y="3820173"/>
-            <a:ext cx="973123" cy="713725"/>
-          </a:xfrm>
-          <a:prstGeom prst="triangle">
-            <a:avLst/>
-          </a:prstGeom>
-        </p:spPr>
-        <p:style>
-          <a:lnRef idx="2">
-            <a:schemeClr val="accent1">
-              <a:shade val="50000"/>
-            </a:schemeClr>
-          </a:lnRef>
-          <a:fillRef idx="1">
-            <a:schemeClr val="accent1"/>
-          </a:fillRef>
-          <a:effectRef idx="0">
-            <a:schemeClr val="accent1"/>
-          </a:effectRef>
-          <a:fontRef idx="minor">
-            <a:schemeClr val="lt1"/>
-          </a:fontRef>
-        </p:style>
-        <p:txBody>
-          <a:bodyPr rtlCol="0" anchor="ctr"/>
-          <a:lstStyle/>
-          <a:p>
-            <a:pPr algn="ctr"/>
-            <a:r>
-              <a:rPr lang="pl-PL"/>
-              <a:t>K</a:t>
-            </a:r>
-          </a:p>
-        </p:txBody>
-      </p:sp>
-      <p:sp>
-        <p:nvSpPr>
-          <p:cNvPr id="8" name="Trójkąt równoramienny 7">
-            <a:extLst>
-              <a:ext uri="{FF2B5EF4-FFF2-40B4-BE49-F238E27FC236}">
-                <a16:creationId xmlns:a16="http://schemas.microsoft.com/office/drawing/2014/main" id="{B75C3823-0E67-4F8F-B295-5B5C9D3B40F7}"/>
-              </a:ext>
-            </a:extLst>
-          </p:cNvPr>
-          <p:cNvSpPr/>
-          <p:nvPr/>
-        </p:nvSpPr>
-        <p:spPr>
-          <a:xfrm>
-            <a:off x="5043181" y="3899853"/>
-            <a:ext cx="973122" cy="713725"/>
-          </a:xfrm>
-          <a:prstGeom prst="triangle">
-            <a:avLst/>
-          </a:prstGeom>
-        </p:spPr>
-        <p:style>
-          <a:lnRef idx="2">
-            <a:schemeClr val="accent1">
-              <a:shade val="50000"/>
-            </a:schemeClr>
-          </a:lnRef>
-          <a:fillRef idx="1">
-            <a:schemeClr val="accent1"/>
-          </a:fillRef>
-          <a:effectRef idx="0">
-            <a:schemeClr val="accent1"/>
-          </a:effectRef>
-          <a:fontRef idx="minor">
-            <a:schemeClr val="lt1"/>
-          </a:fontRef>
-        </p:style>
-        <p:txBody>
-          <a:bodyPr rtlCol="0" anchor="ctr"/>
-          <a:lstStyle/>
-          <a:p>
-            <a:pPr algn="ctr"/>
-            <a:r>
-              <a:rPr lang="pl-PL"/>
-              <a:t>K</a:t>
-            </a:r>
-          </a:p>
-        </p:txBody>
-      </p:sp>
-      <p:sp>
-        <p:nvSpPr>
-          <p:cNvPr id="9" name="Trójkąt równoramienny 8">
-            <a:extLst>
-              <a:ext uri="{FF2B5EF4-FFF2-40B4-BE49-F238E27FC236}">
-                <a16:creationId xmlns:a16="http://schemas.microsoft.com/office/drawing/2014/main" id="{C3ECFCEF-B9AD-4959-BCCF-5139420B60A1}"/>
-              </a:ext>
-            </a:extLst>
-          </p:cNvPr>
-          <p:cNvSpPr/>
-          <p:nvPr/>
-        </p:nvSpPr>
-        <p:spPr>
-          <a:xfrm>
-            <a:off x="7972339" y="3779668"/>
-            <a:ext cx="973123" cy="713725"/>
-          </a:xfrm>
-          <a:prstGeom prst="triangle">
-            <a:avLst/>
-          </a:prstGeom>
-        </p:spPr>
-        <p:style>
-          <a:lnRef idx="2">
-            <a:schemeClr val="accent1">
-              <a:shade val="50000"/>
-            </a:schemeClr>
-          </a:lnRef>
-          <a:fillRef idx="1">
-            <a:schemeClr val="accent1"/>
-          </a:fillRef>
-          <a:effectRef idx="0">
-            <a:schemeClr val="accent1"/>
-          </a:effectRef>
-          <a:fontRef idx="minor">
-            <a:schemeClr val="lt1"/>
-          </a:fontRef>
-        </p:style>
-        <p:txBody>
-          <a:bodyPr rtlCol="0" anchor="ctr"/>
-          <a:lstStyle/>
-          <a:p>
-            <a:pPr algn="ctr"/>
-            <a:r>
-              <a:rPr lang="pl-PL"/>
-              <a:t>K</a:t>
-            </a:r>
-          </a:p>
-        </p:txBody>
-      </p:sp>
-      <p:sp>
-        <p:nvSpPr>
-          <p:cNvPr id="10" name="Prostokąt 9">
-            <a:extLst>
-              <a:ext uri="{FF2B5EF4-FFF2-40B4-BE49-F238E27FC236}">
-                <a16:creationId xmlns:a16="http://schemas.microsoft.com/office/drawing/2014/main" id="{A8C628A7-3CB4-4339-B883-DE0AD13C400A}"/>
-              </a:ext>
-            </a:extLst>
-          </p:cNvPr>
-          <p:cNvSpPr/>
-          <p:nvPr/>
-        </p:nvSpPr>
-        <p:spPr>
-          <a:xfrm>
-            <a:off x="2164359" y="5221794"/>
-            <a:ext cx="973123" cy="629174"/>
-          </a:xfrm>
-          <a:prstGeom prst="rect">
-            <a:avLst/>
-          </a:prstGeom>
-        </p:spPr>
-        <p:style>
-          <a:lnRef idx="2">
-            <a:schemeClr val="accent1">
-              <a:shade val="50000"/>
-            </a:schemeClr>
-          </a:lnRef>
-          <a:fillRef idx="1">
-            <a:schemeClr val="accent1"/>
-          </a:fillRef>
-          <a:effectRef idx="0">
-            <a:schemeClr val="accent1"/>
-          </a:effectRef>
-          <a:fontRef idx="minor">
-            <a:schemeClr val="lt1"/>
-          </a:fontRef>
-        </p:style>
-        <p:txBody>
-          <a:bodyPr rtlCol="0" anchor="ctr"/>
-          <a:lstStyle/>
-          <a:p>
-            <a:pPr algn="ctr"/>
-            <a:r>
-              <a:rPr lang="pl-PL"/>
-              <a:t>W</a:t>
-            </a:r>
-          </a:p>
-        </p:txBody>
-      </p:sp>
-      <p:sp>
-        <p:nvSpPr>
-          <p:cNvPr id="11" name="Prostokąt 10">
-            <a:extLst>
-              <a:ext uri="{FF2B5EF4-FFF2-40B4-BE49-F238E27FC236}">
-                <a16:creationId xmlns:a16="http://schemas.microsoft.com/office/drawing/2014/main" id="{2B6631D3-5BE5-482A-B90B-5986A756A62F}"/>
-              </a:ext>
-            </a:extLst>
-          </p:cNvPr>
-          <p:cNvSpPr/>
-          <p:nvPr/>
-        </p:nvSpPr>
-        <p:spPr>
-          <a:xfrm>
-            <a:off x="3642917" y="5221794"/>
-            <a:ext cx="973123" cy="629174"/>
-          </a:xfrm>
-          <a:prstGeom prst="rect">
-            <a:avLst/>
-          </a:prstGeom>
-        </p:spPr>
-        <p:style>
-          <a:lnRef idx="2">
-            <a:schemeClr val="accent1">
-              <a:shade val="50000"/>
-            </a:schemeClr>
-          </a:lnRef>
-          <a:fillRef idx="1">
-            <a:schemeClr val="accent1"/>
-          </a:fillRef>
-          <a:effectRef idx="0">
-            <a:schemeClr val="accent1"/>
-          </a:effectRef>
-          <a:fontRef idx="minor">
-            <a:schemeClr val="lt1"/>
-          </a:fontRef>
-        </p:style>
-        <p:txBody>
-          <a:bodyPr rtlCol="0" anchor="ctr"/>
-          <a:lstStyle/>
-          <a:p>
-            <a:pPr algn="ctr"/>
-            <a:r>
-              <a:rPr lang="pl-PL"/>
-              <a:t>W</a:t>
-            </a:r>
-          </a:p>
-        </p:txBody>
-      </p:sp>
-      <p:sp>
-        <p:nvSpPr>
-          <p:cNvPr id="12" name="Prostokąt 11">
-            <a:extLst>
-              <a:ext uri="{FF2B5EF4-FFF2-40B4-BE49-F238E27FC236}">
-                <a16:creationId xmlns:a16="http://schemas.microsoft.com/office/drawing/2014/main" id="{6CE13F6D-6FBE-40A0-A878-D524F98BF10F}"/>
-              </a:ext>
-            </a:extLst>
-          </p:cNvPr>
-          <p:cNvSpPr/>
-          <p:nvPr/>
-        </p:nvSpPr>
-        <p:spPr>
-          <a:xfrm>
-            <a:off x="5043181" y="5221794"/>
-            <a:ext cx="973123" cy="629174"/>
-          </a:xfrm>
-          <a:prstGeom prst="rect">
-            <a:avLst/>
-          </a:prstGeom>
-        </p:spPr>
-        <p:style>
-          <a:lnRef idx="2">
-            <a:schemeClr val="accent1">
-              <a:shade val="50000"/>
-            </a:schemeClr>
-          </a:lnRef>
-          <a:fillRef idx="1">
-            <a:schemeClr val="accent1"/>
-          </a:fillRef>
-          <a:effectRef idx="0">
-            <a:schemeClr val="accent1"/>
-          </a:effectRef>
-          <a:fontRef idx="minor">
-            <a:schemeClr val="lt1"/>
-          </a:fontRef>
-        </p:style>
-        <p:txBody>
-          <a:bodyPr rtlCol="0" anchor="ctr"/>
-          <a:lstStyle/>
-          <a:p>
-            <a:pPr algn="ctr"/>
-            <a:r>
-              <a:rPr lang="pl-PL"/>
-              <a:t>W</a:t>
-            </a:r>
-          </a:p>
-        </p:txBody>
-      </p:sp>
-      <p:sp>
-        <p:nvSpPr>
-          <p:cNvPr id="13" name="Prostokąt 12">
-            <a:extLst>
-              <a:ext uri="{FF2B5EF4-FFF2-40B4-BE49-F238E27FC236}">
-                <a16:creationId xmlns:a16="http://schemas.microsoft.com/office/drawing/2014/main" id="{F0E4D3FC-C31A-419B-941F-58E608D7774B}"/>
-              </a:ext>
-            </a:extLst>
-          </p:cNvPr>
-          <p:cNvSpPr/>
-          <p:nvPr/>
-        </p:nvSpPr>
-        <p:spPr>
-          <a:xfrm>
-            <a:off x="6429460" y="5221794"/>
-            <a:ext cx="973123" cy="629174"/>
-          </a:xfrm>
-          <a:prstGeom prst="rect">
-            <a:avLst/>
-          </a:prstGeom>
-        </p:spPr>
-        <p:style>
-          <a:lnRef idx="2">
-            <a:schemeClr val="accent1">
-              <a:shade val="50000"/>
-            </a:schemeClr>
-          </a:lnRef>
-          <a:fillRef idx="1">
-            <a:schemeClr val="accent1"/>
-          </a:fillRef>
-          <a:effectRef idx="0">
-            <a:schemeClr val="accent1"/>
-          </a:effectRef>
-          <a:fontRef idx="minor">
-            <a:schemeClr val="lt1"/>
-          </a:fontRef>
-        </p:style>
-        <p:txBody>
-          <a:bodyPr rtlCol="0" anchor="ctr"/>
-          <a:lstStyle/>
-          <a:p>
-            <a:pPr algn="ctr"/>
-            <a:r>
-              <a:rPr lang="pl-PL"/>
-              <a:t>W</a:t>
-            </a:r>
-          </a:p>
-        </p:txBody>
-      </p:sp>
-      <p:sp>
-        <p:nvSpPr>
-          <p:cNvPr id="14" name="Prostokąt 13">
-            <a:extLst>
-              <a:ext uri="{FF2B5EF4-FFF2-40B4-BE49-F238E27FC236}">
-                <a16:creationId xmlns:a16="http://schemas.microsoft.com/office/drawing/2014/main" id="{BBB77C32-C1E3-473E-BADB-05F49A83B250}"/>
-              </a:ext>
-            </a:extLst>
-          </p:cNvPr>
-          <p:cNvSpPr/>
-          <p:nvPr/>
-        </p:nvSpPr>
-        <p:spPr>
-          <a:xfrm>
-            <a:off x="7972340" y="5221794"/>
-            <a:ext cx="973123" cy="629174"/>
-          </a:xfrm>
-          <a:prstGeom prst="rect">
-            <a:avLst/>
-          </a:prstGeom>
-        </p:spPr>
-        <p:style>
-          <a:lnRef idx="2">
-            <a:schemeClr val="accent1">
-              <a:shade val="50000"/>
-            </a:schemeClr>
-          </a:lnRef>
-          <a:fillRef idx="1">
-            <a:schemeClr val="accent1"/>
-          </a:fillRef>
-          <a:effectRef idx="0">
-            <a:schemeClr val="accent1"/>
-          </a:effectRef>
-          <a:fontRef idx="minor">
-            <a:schemeClr val="lt1"/>
-          </a:fontRef>
-        </p:style>
-        <p:txBody>
-          <a:bodyPr rtlCol="0" anchor="ctr"/>
-          <a:lstStyle/>
-          <a:p>
-            <a:pPr algn="ctr"/>
-            <a:r>
-              <a:rPr lang="pl-PL"/>
-              <a:t>W</a:t>
-            </a:r>
-          </a:p>
-        </p:txBody>
-      </p:sp>
-      <p:cxnSp>
-        <p:nvCxnSpPr>
-          <p:cNvPr id="18" name="Łącznik: łamany 17">
-            <a:extLst>
-              <a:ext uri="{FF2B5EF4-FFF2-40B4-BE49-F238E27FC236}">
-                <a16:creationId xmlns:a16="http://schemas.microsoft.com/office/drawing/2014/main" id="{0C309B08-C7E8-456E-A746-CB709E87FA4B}"/>
-              </a:ext>
-            </a:extLst>
-          </p:cNvPr>
-          <p:cNvCxnSpPr>
-            <a:stCxn id="10" idx="0"/>
-            <a:endCxn id="7" idx="3"/>
-          </p:cNvCxnSpPr>
-          <p:nvPr/>
-        </p:nvCxnSpPr>
-        <p:spPr>
-          <a:xfrm rot="5400000" flipH="1" flipV="1">
-            <a:off x="2661757" y="4523062"/>
-            <a:ext cx="687896" cy="709569"/>
-          </a:xfrm>
-          <a:prstGeom prst="bentConnector3">
-            <a:avLst/>
-          </a:prstGeom>
-          <a:ln w="38100"/>
-        </p:spPr>
-        <p:style>
-          <a:lnRef idx="3">
-            <a:schemeClr val="dk1"/>
-          </a:lnRef>
-          <a:fillRef idx="0">
-            <a:schemeClr val="dk1"/>
-          </a:fillRef>
-          <a:effectRef idx="2">
-            <a:schemeClr val="dk1"/>
-          </a:effectRef>
-          <a:fontRef idx="minor">
-            <a:schemeClr val="tx1"/>
-          </a:fontRef>
-        </p:style>
-      </p:cxnSp>
-      <p:cxnSp>
-        <p:nvCxnSpPr>
-          <p:cNvPr id="20" name="Łącznik: łamany 19">
-            <a:extLst>
-              <a:ext uri="{FF2B5EF4-FFF2-40B4-BE49-F238E27FC236}">
-                <a16:creationId xmlns:a16="http://schemas.microsoft.com/office/drawing/2014/main" id="{FC7E2FDA-E99D-4509-A7D5-947421DFA550}"/>
-              </a:ext>
-            </a:extLst>
-          </p:cNvPr>
-          <p:cNvCxnSpPr>
-            <a:stCxn id="11" idx="0"/>
-            <a:endCxn id="7" idx="3"/>
-          </p:cNvCxnSpPr>
-          <p:nvPr/>
-        </p:nvCxnSpPr>
-        <p:spPr>
-          <a:xfrm rot="16200000" flipV="1">
-            <a:off x="3401037" y="4493351"/>
-            <a:ext cx="687896" cy="768989"/>
-          </a:xfrm>
-          <a:prstGeom prst="bentConnector3">
-            <a:avLst/>
-          </a:prstGeom>
-          <a:ln w="38100"/>
-        </p:spPr>
-        <p:style>
-          <a:lnRef idx="3">
-            <a:schemeClr val="dk1"/>
-          </a:lnRef>
-          <a:fillRef idx="0">
-            <a:schemeClr val="dk1"/>
-          </a:fillRef>
-          <a:effectRef idx="2">
-            <a:schemeClr val="dk1"/>
-          </a:effectRef>
-          <a:fontRef idx="minor">
-            <a:schemeClr val="tx1"/>
-          </a:fontRef>
-        </p:style>
-      </p:cxnSp>
-      <p:cxnSp>
-        <p:nvCxnSpPr>
-          <p:cNvPr id="22" name="Łącznik: łamany 21">
-            <a:extLst>
-              <a:ext uri="{FF2B5EF4-FFF2-40B4-BE49-F238E27FC236}">
-                <a16:creationId xmlns:a16="http://schemas.microsoft.com/office/drawing/2014/main" id="{FBB71F96-471C-4B4A-9EFE-3930D849934A}"/>
-              </a:ext>
-            </a:extLst>
-          </p:cNvPr>
-          <p:cNvCxnSpPr>
-            <a:stCxn id="12" idx="0"/>
-            <a:endCxn id="8" idx="3"/>
-          </p:cNvCxnSpPr>
-          <p:nvPr/>
-        </p:nvCxnSpPr>
-        <p:spPr>
-          <a:xfrm rot="16200000" flipV="1">
-            <a:off x="5225635" y="4917685"/>
-            <a:ext cx="608216" cy="1"/>
-          </a:xfrm>
-          <a:prstGeom prst="bentConnector3">
-            <a:avLst/>
-          </a:prstGeom>
-          <a:ln w="38100"/>
-        </p:spPr>
-        <p:style>
-          <a:lnRef idx="3">
-            <a:schemeClr val="dk1"/>
-          </a:lnRef>
-          <a:fillRef idx="0">
-            <a:schemeClr val="dk1"/>
-          </a:fillRef>
-          <a:effectRef idx="2">
-            <a:schemeClr val="dk1"/>
-          </a:effectRef>
-          <a:fontRef idx="minor">
-            <a:schemeClr val="tx1"/>
-          </a:fontRef>
-        </p:style>
-      </p:cxnSp>
-      <p:cxnSp>
-        <p:nvCxnSpPr>
-          <p:cNvPr id="24" name="Łącznik: łamany 23">
-            <a:extLst>
-              <a:ext uri="{FF2B5EF4-FFF2-40B4-BE49-F238E27FC236}">
-                <a16:creationId xmlns:a16="http://schemas.microsoft.com/office/drawing/2014/main" id="{5A045460-007D-4D32-BE20-48D0C3A46EB0}"/>
-              </a:ext>
-            </a:extLst>
-          </p:cNvPr>
-          <p:cNvCxnSpPr>
-            <a:stCxn id="8" idx="3"/>
-            <a:endCxn id="13" idx="0"/>
-          </p:cNvCxnSpPr>
-          <p:nvPr/>
-        </p:nvCxnSpPr>
-        <p:spPr>
-          <a:xfrm rot="16200000" flipH="1">
-            <a:off x="5918774" y="4224546"/>
-            <a:ext cx="608216" cy="1386280"/>
-          </a:xfrm>
-          <a:prstGeom prst="bentConnector3">
-            <a:avLst/>
-          </a:prstGeom>
-          <a:ln w="38100"/>
-        </p:spPr>
-        <p:style>
-          <a:lnRef idx="3">
-            <a:schemeClr val="dk1"/>
-          </a:lnRef>
-          <a:fillRef idx="0">
-            <a:schemeClr val="dk1"/>
-          </a:fillRef>
-          <a:effectRef idx="2">
-            <a:schemeClr val="dk1"/>
-          </a:effectRef>
-          <a:fontRef idx="minor">
-            <a:schemeClr val="tx1"/>
-          </a:fontRef>
-        </p:style>
-      </p:cxnSp>
-      <p:cxnSp>
-        <p:nvCxnSpPr>
-          <p:cNvPr id="26" name="Łącznik: łamany 25">
-            <a:extLst>
-              <a:ext uri="{FF2B5EF4-FFF2-40B4-BE49-F238E27FC236}">
-                <a16:creationId xmlns:a16="http://schemas.microsoft.com/office/drawing/2014/main" id="{9D5E2D6A-09CE-4B78-9CA5-05F5B4438118}"/>
-              </a:ext>
-            </a:extLst>
-          </p:cNvPr>
-          <p:cNvCxnSpPr>
-            <a:stCxn id="9" idx="3"/>
-            <a:endCxn id="14" idx="0"/>
-          </p:cNvCxnSpPr>
-          <p:nvPr/>
-        </p:nvCxnSpPr>
-        <p:spPr>
-          <a:xfrm rot="16200000" flipH="1">
-            <a:off x="8094701" y="4857592"/>
-            <a:ext cx="728401" cy="1"/>
-          </a:xfrm>
-          <a:prstGeom prst="bentConnector3">
-            <a:avLst>
-              <a:gd name="adj1" fmla="val 50000"/>
-            </a:avLst>
-          </a:prstGeom>
-          <a:ln w="38100"/>
-        </p:spPr>
-        <p:style>
-          <a:lnRef idx="3">
-            <a:schemeClr val="dk1"/>
-          </a:lnRef>
-          <a:fillRef idx="0">
-            <a:schemeClr val="dk1"/>
-          </a:fillRef>
-          <a:effectRef idx="2">
-            <a:schemeClr val="dk1"/>
-          </a:effectRef>
-          <a:fontRef idx="minor">
-            <a:schemeClr val="tx1"/>
-          </a:fontRef>
-        </p:style>
-      </p:cxnSp>
-      <p:cxnSp>
-        <p:nvCxnSpPr>
-          <p:cNvPr id="29" name="Łącznik: łamany 28">
-            <a:extLst>
-              <a:ext uri="{FF2B5EF4-FFF2-40B4-BE49-F238E27FC236}">
-                <a16:creationId xmlns:a16="http://schemas.microsoft.com/office/drawing/2014/main" id="{58C19AFC-B502-41F7-BDCB-CAA60EF310F0}"/>
-              </a:ext>
-            </a:extLst>
-          </p:cNvPr>
-          <p:cNvCxnSpPr>
-            <a:stCxn id="7" idx="0"/>
-            <a:endCxn id="4" idx="3"/>
-          </p:cNvCxnSpPr>
-          <p:nvPr/>
-        </p:nvCxnSpPr>
-        <p:spPr>
-          <a:xfrm rot="5400000" flipH="1" flipV="1">
-            <a:off x="4149957" y="2440388"/>
-            <a:ext cx="590319" cy="2169252"/>
-          </a:xfrm>
-          <a:prstGeom prst="bentConnector3">
-            <a:avLst/>
-          </a:prstGeom>
-          <a:ln w="38100"/>
-        </p:spPr>
-        <p:style>
-          <a:lnRef idx="3">
-            <a:schemeClr val="dk1"/>
-          </a:lnRef>
-          <a:fillRef idx="0">
-            <a:schemeClr val="dk1"/>
-          </a:fillRef>
-          <a:effectRef idx="2">
-            <a:schemeClr val="dk1"/>
-          </a:effectRef>
-          <a:fontRef idx="minor">
-            <a:schemeClr val="tx1"/>
-          </a:fontRef>
-        </p:style>
-      </p:cxnSp>
-      <p:cxnSp>
-        <p:nvCxnSpPr>
-          <p:cNvPr id="31" name="Łącznik prosty 30">
-            <a:extLst>
-              <a:ext uri="{FF2B5EF4-FFF2-40B4-BE49-F238E27FC236}">
-                <a16:creationId xmlns:a16="http://schemas.microsoft.com/office/drawing/2014/main" id="{649B726E-CE76-4D3F-A10E-6FBED59EE4CF}"/>
-              </a:ext>
-            </a:extLst>
-          </p:cNvPr>
-          <p:cNvCxnSpPr>
-            <a:stCxn id="4" idx="3"/>
-            <a:endCxn id="8" idx="0"/>
-          </p:cNvCxnSpPr>
-          <p:nvPr/>
-        </p:nvCxnSpPr>
-        <p:spPr>
-          <a:xfrm>
-            <a:off x="5529742" y="3229854"/>
-            <a:ext cx="0" cy="669999"/>
-          </a:xfrm>
-          <a:prstGeom prst="line">
-            <a:avLst/>
-          </a:prstGeom>
-          <a:ln w="38100"/>
-        </p:spPr>
-        <p:style>
-          <a:lnRef idx="3">
-            <a:schemeClr val="dk1"/>
-          </a:lnRef>
-          <a:fillRef idx="0">
-            <a:schemeClr val="dk1"/>
-          </a:fillRef>
-          <a:effectRef idx="2">
-            <a:schemeClr val="dk1"/>
-          </a:effectRef>
-          <a:fontRef idx="minor">
-            <a:schemeClr val="tx1"/>
-          </a:fontRef>
-        </p:style>
-      </p:cxnSp>
-      <p:cxnSp>
-        <p:nvCxnSpPr>
-          <p:cNvPr id="33" name="Łącznik: łamany 32">
-            <a:extLst>
-              <a:ext uri="{FF2B5EF4-FFF2-40B4-BE49-F238E27FC236}">
-                <a16:creationId xmlns:a16="http://schemas.microsoft.com/office/drawing/2014/main" id="{DCC4A69B-C08E-46DE-A6EA-E6E0C1C8DD53}"/>
-              </a:ext>
-            </a:extLst>
-          </p:cNvPr>
-          <p:cNvCxnSpPr>
-            <a:cxnSpLocks/>
-          </p:cNvCxnSpPr>
-          <p:nvPr/>
-        </p:nvCxnSpPr>
-        <p:spPr>
-          <a:xfrm rot="16200000" flipH="1">
-            <a:off x="6719414" y="2060435"/>
-            <a:ext cx="549814" cy="2929159"/>
-          </a:xfrm>
-          <a:prstGeom prst="bentConnector3">
-            <a:avLst/>
-          </a:prstGeom>
-          <a:ln w="38100"/>
-        </p:spPr>
-        <p:style>
-          <a:lnRef idx="3">
-            <a:schemeClr val="dk1"/>
-          </a:lnRef>
-          <a:fillRef idx="0">
-            <a:schemeClr val="dk1"/>
-          </a:fillRef>
-          <a:effectRef idx="2">
-            <a:schemeClr val="dk1"/>
-          </a:effectRef>
-          <a:fontRef idx="minor">
-            <a:schemeClr val="tx1"/>
-          </a:fontRef>
-        </p:style>
-      </p:cxnSp>
-      <p:sp>
-        <p:nvSpPr>
-          <p:cNvPr id="5" name="Symbol zastępczy numeru slajdu 4">
-            <a:extLst>
-              <a:ext uri="{FF2B5EF4-FFF2-40B4-BE49-F238E27FC236}">
-                <a16:creationId xmlns:a16="http://schemas.microsoft.com/office/drawing/2014/main" id="{AB0B9E51-E718-4C6A-B704-D7A75025D73A}"/>
-              </a:ext>
-            </a:extLst>
-          </p:cNvPr>
-          <p:cNvSpPr>
-            <a:spLocks noGrp="1"/>
-          </p:cNvSpPr>
-          <p:nvPr>
-            <p:ph type="sldNum" sz="quarter" idx="12"/>
-          </p:nvPr>
-        </p:nvSpPr>
-        <p:spPr/>
-        <p:txBody>
-          <a:bodyPr/>
-          <a:lstStyle/>
-          <a:p>
-            <a:fld id="{73EBA5C1-EA0D-4D38-B474-3131B775EA3E}" type="slidenum">
-              <a:rPr lang="pl-PL" smtClean="0"/>
-              <a:t>10</a:t>
-            </a:fld>
-            <a:endParaRPr lang="pl-PL"/>
-          </a:p>
-        </p:txBody>
-      </p:sp>
-    </p:spTree>
-    <p:extLst>
-      <p:ext uri="{BB962C8B-B14F-4D97-AF65-F5344CB8AC3E}">
-        <p14:creationId xmlns:p14="http://schemas.microsoft.com/office/powerpoint/2010/main" val="578991729"/>
-      </p:ext>
-    </p:extLst>
-  </p:cSld>
-  <p:clrMapOvr>
-    <a:masterClrMapping/>
-  </p:clrMapOvr>
-</p:sld>
-</file>
-
-<file path=ppt/slides/slide11.xml><?xml version="1.0" encoding="utf-8"?>
 <p:sld xmlns:a="http://schemas.openxmlformats.org/drawingml/2006/main" xmlns:r="http://schemas.openxmlformats.org/officeDocument/2006/relationships" xmlns:p="http://schemas.openxmlformats.org/presentationml/2006/main">
   <p:cSld>
     <p:spTree>
@@ -14832,19 +13931,10 @@
             </a:r>
           </a:p>
           <a:p>
-            <a:pPr algn="just"/>
+            <a:pPr marL="0" indent="0" algn="just">
+              <a:buNone/>
+            </a:pPr>
             <a:endParaRPr lang="pl-PL" dirty="0"/>
-          </a:p>
-          <a:p>
-            <a:pPr algn="just"/>
-            <a:endParaRPr lang="pl-PL" dirty="0"/>
-          </a:p>
-          <a:p>
-            <a:pPr algn="just"/>
-            <a:r>
-              <a:rPr lang="pl-PL" dirty="0"/>
-              <a:t>Jak wygląda proces technologiczny</a:t>
-            </a:r>
           </a:p>
         </p:txBody>
       </p:sp>
@@ -14871,7 +13961,7 @@
           <a:p>
             <a:fld id="{73EBA5C1-EA0D-4D38-B474-3131B775EA3E}" type="slidenum">
               <a:rPr lang="pl-PL" smtClean="0"/>
-              <a:t>11</a:t>
+              <a:t>10</a:t>
             </a:fld>
             <a:endParaRPr lang="pl-PL"/>
           </a:p>
@@ -14881,6 +13971,121 @@
     <p:extLst>
       <p:ext uri="{BB962C8B-B14F-4D97-AF65-F5344CB8AC3E}">
         <p14:creationId xmlns:p14="http://schemas.microsoft.com/office/powerpoint/2010/main" val="3268905368"/>
+      </p:ext>
+    </p:extLst>
+  </p:cSld>
+  <p:clrMapOvr>
+    <a:masterClrMapping/>
+  </p:clrMapOvr>
+</p:sld>
+</file>
+
+<file path=ppt/slides/slide11.xml><?xml version="1.0" encoding="utf-8"?>
+<p:sld xmlns:a="http://schemas.openxmlformats.org/drawingml/2006/main" xmlns:r="http://schemas.openxmlformats.org/officeDocument/2006/relationships" xmlns:p="http://schemas.openxmlformats.org/presentationml/2006/main" show="0">
+  <p:cSld>
+    <p:spTree>
+      <p:nvGrpSpPr>
+        <p:cNvPr id="1" name=""/>
+        <p:cNvGrpSpPr/>
+        <p:nvPr/>
+      </p:nvGrpSpPr>
+      <p:grpSpPr>
+        <a:xfrm>
+          <a:off x="0" y="0"/>
+          <a:ext cx="0" cy="0"/>
+          <a:chOff x="0" y="0"/>
+          <a:chExt cx="0" cy="0"/>
+        </a:xfrm>
+      </p:grpSpPr>
+      <p:sp>
+        <p:nvSpPr>
+          <p:cNvPr id="2" name="Tytuł 1">
+            <a:extLst>
+              <a:ext uri="{FF2B5EF4-FFF2-40B4-BE49-F238E27FC236}">
+                <a16:creationId xmlns:a16="http://schemas.microsoft.com/office/drawing/2014/main" id="{6E717ABD-4CC0-4242-B293-2BCA9F8B4788}"/>
+              </a:ext>
+            </a:extLst>
+          </p:cNvPr>
+          <p:cNvSpPr>
+            <a:spLocks noGrp="1"/>
+          </p:cNvSpPr>
+          <p:nvPr>
+            <p:ph type="title"/>
+          </p:nvPr>
+        </p:nvSpPr>
+        <p:spPr/>
+        <p:txBody>
+          <a:bodyPr/>
+          <a:lstStyle/>
+          <a:p>
+            <a:endParaRPr lang="pl-PL"/>
+          </a:p>
+        </p:txBody>
+      </p:sp>
+      <p:sp>
+        <p:nvSpPr>
+          <p:cNvPr id="3" name="Symbol zastępczy zawartości 2">
+            <a:extLst>
+              <a:ext uri="{FF2B5EF4-FFF2-40B4-BE49-F238E27FC236}">
+                <a16:creationId xmlns:a16="http://schemas.microsoft.com/office/drawing/2014/main" id="{2CF231D0-BAA0-4A67-9433-AD7D6ACB54AA}"/>
+              </a:ext>
+            </a:extLst>
+          </p:cNvPr>
+          <p:cNvSpPr>
+            <a:spLocks noGrp="1"/>
+          </p:cNvSpPr>
+          <p:nvPr>
+            <p:ph idx="1"/>
+          </p:nvPr>
+        </p:nvSpPr>
+        <p:spPr/>
+        <p:txBody>
+          <a:bodyPr/>
+          <a:lstStyle/>
+          <a:p>
+            <a:r>
+              <a:rPr lang="pl-PL" dirty="0"/>
+              <a:t>Tego jeszcze nie ma : Jak wygląda proces technologiczny</a:t>
+            </a:r>
+          </a:p>
+          <a:p>
+            <a:endParaRPr lang="pl-PL" dirty="0"/>
+          </a:p>
+        </p:txBody>
+      </p:sp>
+      <p:sp>
+        <p:nvSpPr>
+          <p:cNvPr id="4" name="Symbol zastępczy numeru slajdu 3">
+            <a:extLst>
+              <a:ext uri="{FF2B5EF4-FFF2-40B4-BE49-F238E27FC236}">
+                <a16:creationId xmlns:a16="http://schemas.microsoft.com/office/drawing/2014/main" id="{AB2F11D1-2B61-4CD2-BE55-D547065BF2E0}"/>
+              </a:ext>
+            </a:extLst>
+          </p:cNvPr>
+          <p:cNvSpPr>
+            <a:spLocks noGrp="1"/>
+          </p:cNvSpPr>
+          <p:nvPr>
+            <p:ph type="sldNum" sz="quarter" idx="12"/>
+          </p:nvPr>
+        </p:nvSpPr>
+        <p:spPr/>
+        <p:txBody>
+          <a:bodyPr/>
+          <a:lstStyle/>
+          <a:p>
+            <a:fld id="{73EBA5C1-EA0D-4D38-B474-3131B775EA3E}" type="slidenum">
+              <a:rPr lang="pl-PL" smtClean="0"/>
+              <a:t>11</a:t>
+            </a:fld>
+            <a:endParaRPr lang="pl-PL"/>
+          </a:p>
+        </p:txBody>
+      </p:sp>
+    </p:spTree>
+    <p:extLst>
+      <p:ext uri="{BB962C8B-B14F-4D97-AF65-F5344CB8AC3E}">
+        <p14:creationId xmlns:p14="http://schemas.microsoft.com/office/powerpoint/2010/main" val="3680105015"/>
       </p:ext>
     </p:extLst>
   </p:cSld>
@@ -15081,15 +14286,10 @@
             </a:r>
           </a:p>
           <a:p>
-            <a:pPr algn="just"/>
+            <a:pPr marL="0" indent="0" algn="just">
+              <a:buNone/>
+            </a:pPr>
             <a:endParaRPr lang="pl-PL" dirty="0"/>
-          </a:p>
-          <a:p>
-            <a:pPr algn="just"/>
-            <a:r>
-              <a:rPr lang="pl-PL" dirty="0"/>
-              <a:t>Dodanie odniesienia w jaki sposób jest prowadzone serwisowanie</a:t>
-            </a:r>
           </a:p>
         </p:txBody>
       </p:sp>
@@ -15157,7 +14357,7 @@
           <p:cNvPr id="2" name="Tytuł 1">
             <a:extLst>
               <a:ext uri="{FF2B5EF4-FFF2-40B4-BE49-F238E27FC236}">
-                <a16:creationId xmlns:a16="http://schemas.microsoft.com/office/drawing/2014/main" id="{9668A663-06A6-400A-AD15-383579BDB3DE}"/>
+                <a16:creationId xmlns:a16="http://schemas.microsoft.com/office/drawing/2014/main" id="{11D1976F-53C9-4E83-8D7B-E3DA51D6B795}"/>
               </a:ext>
             </a:extLst>
           </p:cNvPr>
@@ -15173,10 +14373,7 @@
           <a:bodyPr/>
           <a:lstStyle/>
           <a:p>
-            <a:r>
-              <a:rPr lang="pl-PL"/>
-              <a:t>Drukarki 3D</a:t>
-            </a:r>
+            <a:endParaRPr lang="pl-PL"/>
           </a:p>
         </p:txBody>
       </p:sp>
@@ -15185,7 +14382,7 @@
           <p:cNvPr id="3" name="Symbol zastępczy zawartości 2">
             <a:extLst>
               <a:ext uri="{FF2B5EF4-FFF2-40B4-BE49-F238E27FC236}">
-                <a16:creationId xmlns:a16="http://schemas.microsoft.com/office/drawing/2014/main" id="{BD021063-4791-4C94-B251-D43362BEC1BC}"/>
+                <a16:creationId xmlns:a16="http://schemas.microsoft.com/office/drawing/2014/main" id="{D7972A32-45E5-4A82-900F-A1A285AECD97}"/>
               </a:ext>
             </a:extLst>
           </p:cNvPr>
@@ -15201,13 +14398,13 @@
           <a:bodyPr/>
           <a:lstStyle/>
           <a:p>
-            <a:pPr marL="0" indent="0" algn="just">
-              <a:buNone/>
-            </a:pPr>
-            <a:r>
-              <a:rPr lang="pl-PL"/>
-              <a:t>Wybór drukarek dokonywany jest na podstawie specyfikacji technicznej drukarki 3D, założono, że drukarki będą pochodziły od 3 różnych producentów. Znacznie zmniejszy to prawdopodobieństwo wystąpienia usterek związanych z ich eksploatacją w tym samym momencie. Spowoduje to także zwiększenie możliwości produkcyjnych ze względu na różne parametry oraz dokładności wykonania.</a:t>
-            </a:r>
+            <a:r>
+              <a:rPr lang="pl-PL" dirty="0"/>
+              <a:t>Tego jeszcze nie ma : Dodanie odniesienia w jaki sposób jest prowadzone serwisowanie</a:t>
+            </a:r>
+          </a:p>
+          <a:p>
+            <a:endParaRPr lang="pl-PL" dirty="0"/>
           </a:p>
         </p:txBody>
       </p:sp>
@@ -15216,7 +14413,7 @@
           <p:cNvPr id="4" name="Symbol zastępczy numeru slajdu 3">
             <a:extLst>
               <a:ext uri="{FF2B5EF4-FFF2-40B4-BE49-F238E27FC236}">
-                <a16:creationId xmlns:a16="http://schemas.microsoft.com/office/drawing/2014/main" id="{9B29F278-DF45-4ADF-91B5-4C9F8E96A390}"/>
+                <a16:creationId xmlns:a16="http://schemas.microsoft.com/office/drawing/2014/main" id="{0773F594-73F8-4E73-BDA3-05E79D866853}"/>
               </a:ext>
             </a:extLst>
           </p:cNvPr>
@@ -15235,6 +14432,124 @@
             <a:fld id="{73EBA5C1-EA0D-4D38-B474-3131B775EA3E}" type="slidenum">
               <a:rPr lang="pl-PL" smtClean="0"/>
               <a:t>14</a:t>
+            </a:fld>
+            <a:endParaRPr lang="pl-PL"/>
+          </a:p>
+        </p:txBody>
+      </p:sp>
+    </p:spTree>
+    <p:extLst>
+      <p:ext uri="{BB962C8B-B14F-4D97-AF65-F5344CB8AC3E}">
+        <p14:creationId xmlns:p14="http://schemas.microsoft.com/office/powerpoint/2010/main" val="2824165260"/>
+      </p:ext>
+    </p:extLst>
+  </p:cSld>
+  <p:clrMapOvr>
+    <a:masterClrMapping/>
+  </p:clrMapOvr>
+</p:sld>
+</file>
+
+<file path=ppt/slides/slide15.xml><?xml version="1.0" encoding="utf-8"?>
+<p:sld xmlns:a="http://schemas.openxmlformats.org/drawingml/2006/main" xmlns:r="http://schemas.openxmlformats.org/officeDocument/2006/relationships" xmlns:p="http://schemas.openxmlformats.org/presentationml/2006/main" show="0">
+  <p:cSld>
+    <p:spTree>
+      <p:nvGrpSpPr>
+        <p:cNvPr id="1" name=""/>
+        <p:cNvGrpSpPr/>
+        <p:nvPr/>
+      </p:nvGrpSpPr>
+      <p:grpSpPr>
+        <a:xfrm>
+          <a:off x="0" y="0"/>
+          <a:ext cx="0" cy="0"/>
+          <a:chOff x="0" y="0"/>
+          <a:chExt cx="0" cy="0"/>
+        </a:xfrm>
+      </p:grpSpPr>
+      <p:sp>
+        <p:nvSpPr>
+          <p:cNvPr id="2" name="Tytuł 1">
+            <a:extLst>
+              <a:ext uri="{FF2B5EF4-FFF2-40B4-BE49-F238E27FC236}">
+                <a16:creationId xmlns:a16="http://schemas.microsoft.com/office/drawing/2014/main" id="{9668A663-06A6-400A-AD15-383579BDB3DE}"/>
+              </a:ext>
+            </a:extLst>
+          </p:cNvPr>
+          <p:cNvSpPr>
+            <a:spLocks noGrp="1"/>
+          </p:cNvSpPr>
+          <p:nvPr>
+            <p:ph type="title"/>
+          </p:nvPr>
+        </p:nvSpPr>
+        <p:spPr/>
+        <p:txBody>
+          <a:bodyPr/>
+          <a:lstStyle/>
+          <a:p>
+            <a:r>
+              <a:rPr lang="pl-PL"/>
+              <a:t>Drukarki 3D</a:t>
+            </a:r>
+          </a:p>
+        </p:txBody>
+      </p:sp>
+      <p:sp>
+        <p:nvSpPr>
+          <p:cNvPr id="3" name="Symbol zastępczy zawartości 2">
+            <a:extLst>
+              <a:ext uri="{FF2B5EF4-FFF2-40B4-BE49-F238E27FC236}">
+                <a16:creationId xmlns:a16="http://schemas.microsoft.com/office/drawing/2014/main" id="{BD021063-4791-4C94-B251-D43362BEC1BC}"/>
+              </a:ext>
+            </a:extLst>
+          </p:cNvPr>
+          <p:cNvSpPr>
+            <a:spLocks noGrp="1"/>
+          </p:cNvSpPr>
+          <p:nvPr>
+            <p:ph idx="1"/>
+          </p:nvPr>
+        </p:nvSpPr>
+        <p:spPr/>
+        <p:txBody>
+          <a:bodyPr/>
+          <a:lstStyle/>
+          <a:p>
+            <a:pPr marL="0" indent="0" algn="just">
+              <a:buNone/>
+            </a:pPr>
+            <a:r>
+              <a:rPr lang="pl-PL"/>
+              <a:t>Wybór drukarek dokonywany jest na podstawie specyfikacji technicznej drukarki 3D, założono, że drukarki będą pochodziły od 3 różnych producentów. Znacznie zmniejszy to prawdopodobieństwo wystąpienia usterek związanych z ich eksploatacją w tym samym momencie. Spowoduje to także zwiększenie możliwości produkcyjnych ze względu na różne parametry oraz dokładności wykonania.</a:t>
+            </a:r>
+          </a:p>
+        </p:txBody>
+      </p:sp>
+      <p:sp>
+        <p:nvSpPr>
+          <p:cNvPr id="4" name="Symbol zastępczy numeru slajdu 3">
+            <a:extLst>
+              <a:ext uri="{FF2B5EF4-FFF2-40B4-BE49-F238E27FC236}">
+                <a16:creationId xmlns:a16="http://schemas.microsoft.com/office/drawing/2014/main" id="{9B29F278-DF45-4ADF-91B5-4C9F8E96A390}"/>
+              </a:ext>
+            </a:extLst>
+          </p:cNvPr>
+          <p:cNvSpPr>
+            <a:spLocks noGrp="1"/>
+          </p:cNvSpPr>
+          <p:nvPr>
+            <p:ph type="sldNum" sz="quarter" idx="12"/>
+          </p:nvPr>
+        </p:nvSpPr>
+        <p:spPr/>
+        <p:txBody>
+          <a:bodyPr/>
+          <a:lstStyle/>
+          <a:p>
+            <a:fld id="{73EBA5C1-EA0D-4D38-B474-3131B775EA3E}" type="slidenum">
+              <a:rPr lang="pl-PL" smtClean="0"/>
+              <a:t>15</a:t>
             </a:fld>
             <a:endParaRPr lang="pl-PL"/>
           </a:p>
@@ -15253,7 +14568,7 @@
 </p:sld>
 </file>
 
-<file path=ppt/slides/slide15.xml><?xml version="1.0" encoding="utf-8"?>
+<file path=ppt/slides/slide16.xml><?xml version="1.0" encoding="utf-8"?>
 <p:sld xmlns:a="http://schemas.openxmlformats.org/drawingml/2006/main" xmlns:r="http://schemas.openxmlformats.org/officeDocument/2006/relationships" xmlns:p="http://schemas.openxmlformats.org/presentationml/2006/main" show="0">
   <p:cSld>
     <p:spTree>
@@ -16713,7 +16028,7 @@
           <a:p>
             <a:fld id="{73EBA5C1-EA0D-4D38-B474-3131B775EA3E}" type="slidenum">
               <a:rPr lang="pl-PL" smtClean="0"/>
-              <a:t>15</a:t>
+              <a:t>16</a:t>
             </a:fld>
             <a:endParaRPr lang="pl-PL"/>
           </a:p>
@@ -16732,7 +16047,7 @@
 </p:sld>
 </file>
 
-<file path=ppt/slides/slide16.xml><?xml version="1.0" encoding="utf-8"?>
+<file path=ppt/slides/slide17.xml><?xml version="1.0" encoding="utf-8"?>
 <p:sld xmlns:a="http://schemas.openxmlformats.org/drawingml/2006/main" xmlns:r="http://schemas.openxmlformats.org/officeDocument/2006/relationships" xmlns:p="http://schemas.openxmlformats.org/presentationml/2006/main" show="0">
   <p:cSld>
     <p:spTree>
@@ -17195,7 +16510,7 @@
           <a:p>
             <a:fld id="{73EBA5C1-EA0D-4D38-B474-3131B775EA3E}" type="slidenum">
               <a:rPr lang="pl-PL" smtClean="0"/>
-              <a:t>16</a:t>
+              <a:t>17</a:t>
             </a:fld>
             <a:endParaRPr lang="pl-PL"/>
           </a:p>
@@ -17214,7 +16529,7 @@
 </p:sld>
 </file>
 
-<file path=ppt/slides/slide17.xml><?xml version="1.0" encoding="utf-8"?>
+<file path=ppt/slides/slide18.xml><?xml version="1.0" encoding="utf-8"?>
 <p:sld xmlns:a="http://schemas.openxmlformats.org/drawingml/2006/main" xmlns:r="http://schemas.openxmlformats.org/officeDocument/2006/relationships" xmlns:p="http://schemas.openxmlformats.org/presentationml/2006/main" show="0">
   <p:cSld>
     <p:spTree>
@@ -17798,7 +17113,7 @@
           <a:p>
             <a:fld id="{73EBA5C1-EA0D-4D38-B474-3131B775EA3E}" type="slidenum">
               <a:rPr lang="pl-PL" smtClean="0"/>
-              <a:t>17</a:t>
+              <a:t>18</a:t>
             </a:fld>
             <a:endParaRPr lang="pl-PL"/>
           </a:p>
@@ -17817,7 +17132,7 @@
 </p:sld>
 </file>
 
-<file path=ppt/slides/slide18.xml><?xml version="1.0" encoding="utf-8"?>
+<file path=ppt/slides/slide19.xml><?xml version="1.0" encoding="utf-8"?>
 <p:sld xmlns:a="http://schemas.openxmlformats.org/drawingml/2006/main" xmlns:r="http://schemas.openxmlformats.org/officeDocument/2006/relationships" xmlns:p="http://schemas.openxmlformats.org/presentationml/2006/main" show="0">
   <p:cSld>
     <p:spTree>
@@ -18316,7 +17631,7 @@
           <a:p>
             <a:fld id="{73EBA5C1-EA0D-4D38-B474-3131B775EA3E}" type="slidenum">
               <a:rPr lang="pl-PL" smtClean="0"/>
-              <a:t>18</a:t>
+              <a:t>19</a:t>
             </a:fld>
             <a:endParaRPr lang="pl-PL"/>
           </a:p>
@@ -18335,7 +17650,148 @@
 </p:sld>
 </file>
 
-<file path=ppt/slides/slide19.xml><?xml version="1.0" encoding="utf-8"?>
+<file path=ppt/slides/slide2.xml><?xml version="1.0" encoding="utf-8"?>
+<p:sld xmlns:a="http://schemas.openxmlformats.org/drawingml/2006/main" xmlns:r="http://schemas.openxmlformats.org/officeDocument/2006/relationships" xmlns:p="http://schemas.openxmlformats.org/presentationml/2006/main">
+  <p:cSld>
+    <p:spTree>
+      <p:nvGrpSpPr>
+        <p:cNvPr id="1" name=""/>
+        <p:cNvGrpSpPr/>
+        <p:nvPr/>
+      </p:nvGrpSpPr>
+      <p:grpSpPr>
+        <a:xfrm>
+          <a:off x="0" y="0"/>
+          <a:ext cx="0" cy="0"/>
+          <a:chOff x="0" y="0"/>
+          <a:chExt cx="0" cy="0"/>
+        </a:xfrm>
+      </p:grpSpPr>
+      <p:sp>
+        <p:nvSpPr>
+          <p:cNvPr id="2" name="Tytuł 1">
+            <a:extLst>
+              <a:ext uri="{FF2B5EF4-FFF2-40B4-BE49-F238E27FC236}">
+                <a16:creationId xmlns:a16="http://schemas.microsoft.com/office/drawing/2014/main" id="{38FE2930-C9F9-42F1-BC5A-B5D8CC8FE5FB}"/>
+              </a:ext>
+            </a:extLst>
+          </p:cNvPr>
+          <p:cNvSpPr>
+            <a:spLocks noGrp="1"/>
+          </p:cNvSpPr>
+          <p:nvPr>
+            <p:ph type="title"/>
+          </p:nvPr>
+        </p:nvSpPr>
+        <p:spPr/>
+        <p:txBody>
+          <a:bodyPr/>
+          <a:lstStyle/>
+          <a:p>
+            <a:pPr algn="ctr"/>
+            <a:r>
+              <a:rPr lang="pl-PL"/>
+              <a:t>Firma</a:t>
+            </a:r>
+          </a:p>
+        </p:txBody>
+      </p:sp>
+      <p:sp>
+        <p:nvSpPr>
+          <p:cNvPr id="3" name="Symbol zastępczy zawartości 2">
+            <a:extLst>
+              <a:ext uri="{FF2B5EF4-FFF2-40B4-BE49-F238E27FC236}">
+                <a16:creationId xmlns:a16="http://schemas.microsoft.com/office/drawing/2014/main" id="{8426D2BE-ED27-420C-AF5A-CBE400D5329A}"/>
+              </a:ext>
+            </a:extLst>
+          </p:cNvPr>
+          <p:cNvSpPr>
+            <a:spLocks noGrp="1"/>
+          </p:cNvSpPr>
+          <p:nvPr>
+            <p:ph idx="1"/>
+          </p:nvPr>
+        </p:nvSpPr>
+        <p:spPr>
+          <a:xfrm>
+            <a:off x="680321" y="2635847"/>
+            <a:ext cx="10131425" cy="2387988"/>
+          </a:xfrm>
+        </p:spPr>
+        <p:txBody>
+          <a:bodyPr>
+            <a:normAutofit lnSpcReduction="10000"/>
+          </a:bodyPr>
+          <a:lstStyle/>
+          <a:p>
+            <a:pPr marL="0" indent="0">
+              <a:buNone/>
+            </a:pPr>
+            <a:r>
+              <a:rPr lang="pl-PL" dirty="0"/>
+              <a:t>System wspomagający zarządzanie zaprojektowano dla firmy, której działalnością jest produkcja elementów przy wykorzystaniu technologii addytywnych. Firma pracuje od poniedziałku do piątku w trybie jednozmianowym od 8:00 do 16:00.</a:t>
+            </a:r>
+          </a:p>
+          <a:p>
+            <a:pPr marL="0" indent="0">
+              <a:buNone/>
+            </a:pPr>
+            <a:endParaRPr lang="pl-PL" sz="2800" dirty="0"/>
+          </a:p>
+          <a:p>
+            <a:pPr marL="0" indent="0">
+              <a:buNone/>
+            </a:pPr>
+            <a:r>
+              <a:rPr lang="pl-PL" sz="2800" dirty="0"/>
+              <a:t>Rodzaj przedsiębiorstwa, model biznesowy</a:t>
+            </a:r>
+          </a:p>
+        </p:txBody>
+      </p:sp>
+      <p:sp>
+        <p:nvSpPr>
+          <p:cNvPr id="4" name="Symbol zastępczy numeru slajdu 3">
+            <a:extLst>
+              <a:ext uri="{FF2B5EF4-FFF2-40B4-BE49-F238E27FC236}">
+                <a16:creationId xmlns:a16="http://schemas.microsoft.com/office/drawing/2014/main" id="{71B7EC5F-3A4F-420A-871E-FD88567599DB}"/>
+              </a:ext>
+            </a:extLst>
+          </p:cNvPr>
+          <p:cNvSpPr>
+            <a:spLocks noGrp="1"/>
+          </p:cNvSpPr>
+          <p:nvPr>
+            <p:ph type="sldNum" sz="quarter" idx="12"/>
+          </p:nvPr>
+        </p:nvSpPr>
+        <p:spPr/>
+        <p:txBody>
+          <a:bodyPr/>
+          <a:lstStyle/>
+          <a:p>
+            <a:fld id="{73EBA5C1-EA0D-4D38-B474-3131B775EA3E}" type="slidenum">
+              <a:rPr lang="pl-PL" smtClean="0"/>
+              <a:t>2</a:t>
+            </a:fld>
+            <a:endParaRPr lang="pl-PL"/>
+          </a:p>
+        </p:txBody>
+      </p:sp>
+    </p:spTree>
+    <p:extLst>
+      <p:ext uri="{BB962C8B-B14F-4D97-AF65-F5344CB8AC3E}">
+        <p14:creationId xmlns:p14="http://schemas.microsoft.com/office/powerpoint/2010/main" val="3558708667"/>
+      </p:ext>
+    </p:extLst>
+  </p:cSld>
+  <p:clrMapOvr>
+    <a:masterClrMapping/>
+  </p:clrMapOvr>
+</p:sld>
+</file>
+
+<file path=ppt/slides/slide20.xml><?xml version="1.0" encoding="utf-8"?>
 <p:sld xmlns:a="http://schemas.openxmlformats.org/drawingml/2006/main" xmlns:r="http://schemas.openxmlformats.org/officeDocument/2006/relationships" xmlns:p="http://schemas.openxmlformats.org/presentationml/2006/main">
   <p:cSld>
     <p:spTree>
@@ -21605,7 +21061,7 @@
           <a:p>
             <a:fld id="{73EBA5C1-EA0D-4D38-B474-3131B775EA3E}" type="slidenum">
               <a:rPr lang="pl-PL" smtClean="0"/>
-              <a:t>19</a:t>
+              <a:t>20</a:t>
             </a:fld>
             <a:endParaRPr lang="pl-PL"/>
           </a:p>
@@ -21693,148 +21149,7 @@
 </p:sld>
 </file>
 
-<file path=ppt/slides/slide2.xml><?xml version="1.0" encoding="utf-8"?>
-<p:sld xmlns:a="http://schemas.openxmlformats.org/drawingml/2006/main" xmlns:r="http://schemas.openxmlformats.org/officeDocument/2006/relationships" xmlns:p="http://schemas.openxmlformats.org/presentationml/2006/main">
-  <p:cSld>
-    <p:spTree>
-      <p:nvGrpSpPr>
-        <p:cNvPr id="1" name=""/>
-        <p:cNvGrpSpPr/>
-        <p:nvPr/>
-      </p:nvGrpSpPr>
-      <p:grpSpPr>
-        <a:xfrm>
-          <a:off x="0" y="0"/>
-          <a:ext cx="0" cy="0"/>
-          <a:chOff x="0" y="0"/>
-          <a:chExt cx="0" cy="0"/>
-        </a:xfrm>
-      </p:grpSpPr>
-      <p:sp>
-        <p:nvSpPr>
-          <p:cNvPr id="2" name="Tytuł 1">
-            <a:extLst>
-              <a:ext uri="{FF2B5EF4-FFF2-40B4-BE49-F238E27FC236}">
-                <a16:creationId xmlns:a16="http://schemas.microsoft.com/office/drawing/2014/main" id="{38FE2930-C9F9-42F1-BC5A-B5D8CC8FE5FB}"/>
-              </a:ext>
-            </a:extLst>
-          </p:cNvPr>
-          <p:cNvSpPr>
-            <a:spLocks noGrp="1"/>
-          </p:cNvSpPr>
-          <p:nvPr>
-            <p:ph type="title"/>
-          </p:nvPr>
-        </p:nvSpPr>
-        <p:spPr/>
-        <p:txBody>
-          <a:bodyPr/>
-          <a:lstStyle/>
-          <a:p>
-            <a:pPr algn="ctr"/>
-            <a:r>
-              <a:rPr lang="pl-PL"/>
-              <a:t>Firma</a:t>
-            </a:r>
-          </a:p>
-        </p:txBody>
-      </p:sp>
-      <p:sp>
-        <p:nvSpPr>
-          <p:cNvPr id="3" name="Symbol zastępczy zawartości 2">
-            <a:extLst>
-              <a:ext uri="{FF2B5EF4-FFF2-40B4-BE49-F238E27FC236}">
-                <a16:creationId xmlns:a16="http://schemas.microsoft.com/office/drawing/2014/main" id="{8426D2BE-ED27-420C-AF5A-CBE400D5329A}"/>
-              </a:ext>
-            </a:extLst>
-          </p:cNvPr>
-          <p:cNvSpPr>
-            <a:spLocks noGrp="1"/>
-          </p:cNvSpPr>
-          <p:nvPr>
-            <p:ph idx="1"/>
-          </p:nvPr>
-        </p:nvSpPr>
-        <p:spPr>
-          <a:xfrm>
-            <a:off x="680321" y="2635847"/>
-            <a:ext cx="10131425" cy="2387988"/>
-          </a:xfrm>
-        </p:spPr>
-        <p:txBody>
-          <a:bodyPr>
-            <a:normAutofit lnSpcReduction="10000"/>
-          </a:bodyPr>
-          <a:lstStyle/>
-          <a:p>
-            <a:pPr marL="0" indent="0">
-              <a:buNone/>
-            </a:pPr>
-            <a:r>
-              <a:rPr lang="pl-PL" dirty="0"/>
-              <a:t>System wspomagający zarządzanie zaprojektowano dla firmy, której działalnością jest produkcja elementów przy wykorzystaniu technologii addytywnych. Firma pracuje od poniedziałku do piątku w trybie jednozmianowym od 8:00 do 16:00.</a:t>
-            </a:r>
-          </a:p>
-          <a:p>
-            <a:pPr marL="0" indent="0">
-              <a:buNone/>
-            </a:pPr>
-            <a:endParaRPr lang="pl-PL" sz="2800" dirty="0"/>
-          </a:p>
-          <a:p>
-            <a:pPr marL="0" indent="0">
-              <a:buNone/>
-            </a:pPr>
-            <a:r>
-              <a:rPr lang="pl-PL" sz="2800" dirty="0"/>
-              <a:t>Rodzaj przedsiębiorstwa, model biznesowy</a:t>
-            </a:r>
-          </a:p>
-        </p:txBody>
-      </p:sp>
-      <p:sp>
-        <p:nvSpPr>
-          <p:cNvPr id="4" name="Symbol zastępczy numeru slajdu 3">
-            <a:extLst>
-              <a:ext uri="{FF2B5EF4-FFF2-40B4-BE49-F238E27FC236}">
-                <a16:creationId xmlns:a16="http://schemas.microsoft.com/office/drawing/2014/main" id="{71B7EC5F-3A4F-420A-871E-FD88567599DB}"/>
-              </a:ext>
-            </a:extLst>
-          </p:cNvPr>
-          <p:cNvSpPr>
-            <a:spLocks noGrp="1"/>
-          </p:cNvSpPr>
-          <p:nvPr>
-            <p:ph type="sldNum" sz="quarter" idx="12"/>
-          </p:nvPr>
-        </p:nvSpPr>
-        <p:spPr/>
-        <p:txBody>
-          <a:bodyPr/>
-          <a:lstStyle/>
-          <a:p>
-            <a:fld id="{73EBA5C1-EA0D-4D38-B474-3131B775EA3E}" type="slidenum">
-              <a:rPr lang="pl-PL" smtClean="0"/>
-              <a:t>2</a:t>
-            </a:fld>
-            <a:endParaRPr lang="pl-PL"/>
-          </a:p>
-        </p:txBody>
-      </p:sp>
-    </p:spTree>
-    <p:extLst>
-      <p:ext uri="{BB962C8B-B14F-4D97-AF65-F5344CB8AC3E}">
-        <p14:creationId xmlns:p14="http://schemas.microsoft.com/office/powerpoint/2010/main" val="3558708667"/>
-      </p:ext>
-    </p:extLst>
-  </p:cSld>
-  <p:clrMapOvr>
-    <a:masterClrMapping/>
-  </p:clrMapOvr>
-</p:sld>
-</file>
-
-<file path=ppt/slides/slide20.xml><?xml version="1.0" encoding="utf-8"?>
+<file path=ppt/slides/slide21.xml><?xml version="1.0" encoding="utf-8"?>
 <p:sld xmlns:a="http://schemas.openxmlformats.org/drawingml/2006/main" xmlns:r="http://schemas.openxmlformats.org/officeDocument/2006/relationships" xmlns:p="http://schemas.openxmlformats.org/presentationml/2006/main" show="0">
   <p:cSld>
     <p:spTree>
@@ -21945,7 +21260,7 @@
           <a:p>
             <a:fld id="{73EBA5C1-EA0D-4D38-B474-3131B775EA3E}" type="slidenum">
               <a:rPr lang="pl-PL" smtClean="0"/>
-              <a:t>20</a:t>
+              <a:t>21</a:t>
             </a:fld>
             <a:endParaRPr lang="pl-PL"/>
           </a:p>
@@ -21964,7 +21279,7 @@
 </p:sld>
 </file>
 
-<file path=ppt/slides/slide21.xml><?xml version="1.0" encoding="utf-8"?>
+<file path=ppt/slides/slide22.xml><?xml version="1.0" encoding="utf-8"?>
 <p:sld xmlns:a="http://schemas.openxmlformats.org/drawingml/2006/main" xmlns:r="http://schemas.openxmlformats.org/officeDocument/2006/relationships" xmlns:p="http://schemas.openxmlformats.org/presentationml/2006/main" show="0">
   <p:cSld>
     <p:spTree>
@@ -22081,7 +21396,7 @@
           <a:p>
             <a:fld id="{73EBA5C1-EA0D-4D38-B474-3131B775EA3E}" type="slidenum">
               <a:rPr lang="pl-PL" smtClean="0"/>
-              <a:t>21</a:t>
+              <a:t>22</a:t>
             </a:fld>
             <a:endParaRPr lang="pl-PL"/>
           </a:p>
@@ -22100,7 +21415,7 @@
 </p:sld>
 </file>
 
-<file path=ppt/slides/slide22.xml><?xml version="1.0" encoding="utf-8"?>
+<file path=ppt/slides/slide23.xml><?xml version="1.0" encoding="utf-8"?>
 <p:sld xmlns:a="http://schemas.openxmlformats.org/drawingml/2006/main" xmlns:r="http://schemas.openxmlformats.org/officeDocument/2006/relationships" xmlns:p="http://schemas.openxmlformats.org/presentationml/2006/main">
   <p:cSld>
     <p:spTree>
@@ -22163,7 +21478,7 @@
         </p:nvSpPr>
         <p:spPr>
           <a:xfrm>
-            <a:off x="680321" y="2336873"/>
+            <a:off x="680321" y="2346705"/>
             <a:ext cx="10675937" cy="3599316"/>
           </a:xfrm>
         </p:spPr>
@@ -22193,13 +21508,34 @@
                 <a:effectLst/>
                 <a:latin typeface="+mj-lt"/>
               </a:rPr>
-              <a:t> (SQL)</a:t>
+              <a:t> (</a:t>
+            </a:r>
+            <a:r>
+              <a:rPr lang="pl-PL" b="0" i="0" dirty="0">
+                <a:effectLst/>
+                <a:latin typeface="Arial" panose="020B0604020202020204" pitchFamily="34" charset="0"/>
+              </a:rPr>
+              <a:t>strukturalny </a:t>
+            </a:r>
+            <a:r>
+              <a:rPr lang="pl-PL" b="0" i="0" u="none" strike="noStrike" dirty="0">
+                <a:effectLst/>
+                <a:latin typeface="Arial" panose="020B0604020202020204" pitchFamily="34" charset="0"/>
+              </a:rPr>
+              <a:t>język zapytań</a:t>
+            </a:r>
+            <a:r>
+              <a:rPr lang="pl-PL" b="0" i="0" dirty="0">
+                <a:effectLst/>
+                <a:latin typeface="+mj-lt"/>
+              </a:rPr>
+              <a:t>)</a:t>
             </a:r>
             <a:r>
               <a:rPr lang="pl-PL" dirty="0">
                 <a:latin typeface="+mj-lt"/>
               </a:rPr>
-              <a:t> : Microsoft SQL Server 2018</a:t>
+              <a:t> : Microsoft SQL Server 2019</a:t>
             </a:r>
           </a:p>
           <a:p>
@@ -22221,10 +21557,17 @@
               <a:t> Development Environment(</a:t>
             </a:r>
             <a:r>
+              <a:rPr lang="pl-PL" b="0" i="0" u="none" strike="noStrike" dirty="0">
+                <a:effectLst/>
+                <a:latin typeface="Arial" panose="020B0604020202020204" pitchFamily="34" charset="0"/>
+              </a:rPr>
+              <a:t>zintegrowane środowisko programistyczne</a:t>
+            </a:r>
+            <a:r>
               <a:rPr lang="pl-PL" dirty="0">
                 <a:latin typeface="+mj-lt"/>
               </a:rPr>
-              <a:t>IDE) : Visual Studio 2019 </a:t>
+              <a:t>) : Visual Studio 2019 </a:t>
             </a:r>
             <a:r>
               <a:rPr lang="pl-PL" dirty="0" err="1">
@@ -22281,8 +21624,8 @@
         </p:blipFill>
         <p:spPr>
           <a:xfrm>
-            <a:off x="1897818" y="3353643"/>
-            <a:ext cx="3291455" cy="3291455"/>
+            <a:off x="1956813" y="4038494"/>
+            <a:ext cx="2684014" cy="2684014"/>
           </a:xfrm>
           <a:prstGeom prst="rect">
             <a:avLst/>
@@ -22317,8 +21660,8 @@
         </p:blipFill>
         <p:spPr>
           <a:xfrm>
-            <a:off x="6991912" y="3429000"/>
-            <a:ext cx="3034640" cy="3034640"/>
+            <a:off x="7551175" y="4166418"/>
+            <a:ext cx="2154663" cy="2154663"/>
           </a:xfrm>
           <a:prstGeom prst="rect">
             <a:avLst/>
@@ -22348,7 +21691,7 @@
           <a:p>
             <a:fld id="{73EBA5C1-EA0D-4D38-B474-3131B775EA3E}" type="slidenum">
               <a:rPr lang="pl-PL" smtClean="0"/>
-              <a:t>22</a:t>
+              <a:t>23</a:t>
             </a:fld>
             <a:endParaRPr lang="pl-PL"/>
           </a:p>
@@ -22367,7 +21710,7 @@
 </p:sld>
 </file>
 
-<file path=ppt/slides/slide23.xml><?xml version="1.0" encoding="utf-8"?>
+<file path=ppt/slides/slide24.xml><?xml version="1.0" encoding="utf-8"?>
 <p:sld xmlns:a="http://schemas.openxmlformats.org/drawingml/2006/main" xmlns:r="http://schemas.openxmlformats.org/officeDocument/2006/relationships" xmlns:p="http://schemas.openxmlformats.org/presentationml/2006/main" show="0">
   <p:cSld>
     <p:spTree>
@@ -22509,7 +21852,7 @@
           <a:p>
             <a:fld id="{73EBA5C1-EA0D-4D38-B474-3131B775EA3E}" type="slidenum">
               <a:rPr lang="pl-PL" smtClean="0"/>
-              <a:t>23</a:t>
+              <a:t>24</a:t>
             </a:fld>
             <a:endParaRPr lang="pl-PL"/>
           </a:p>
@@ -22519,164 +21862,6 @@
     <p:extLst>
       <p:ext uri="{BB962C8B-B14F-4D97-AF65-F5344CB8AC3E}">
         <p14:creationId xmlns:p14="http://schemas.microsoft.com/office/powerpoint/2010/main" val="2098505598"/>
-      </p:ext>
-    </p:extLst>
-  </p:cSld>
-  <p:clrMapOvr>
-    <a:masterClrMapping/>
-  </p:clrMapOvr>
-</p:sld>
-</file>
-
-<file path=ppt/slides/slide24.xml><?xml version="1.0" encoding="utf-8"?>
-<p:sld xmlns:a="http://schemas.openxmlformats.org/drawingml/2006/main" xmlns:r="http://schemas.openxmlformats.org/officeDocument/2006/relationships" xmlns:p="http://schemas.openxmlformats.org/presentationml/2006/main">
-  <p:cSld>
-    <p:spTree>
-      <p:nvGrpSpPr>
-        <p:cNvPr id="1" name=""/>
-        <p:cNvGrpSpPr/>
-        <p:nvPr/>
-      </p:nvGrpSpPr>
-      <p:grpSpPr>
-        <a:xfrm>
-          <a:off x="0" y="0"/>
-          <a:ext cx="0" cy="0"/>
-          <a:chOff x="0" y="0"/>
-          <a:chExt cx="0" cy="0"/>
-        </a:xfrm>
-      </p:grpSpPr>
-      <p:sp>
-        <p:nvSpPr>
-          <p:cNvPr id="2" name="Tytuł 1">
-            <a:extLst>
-              <a:ext uri="{FF2B5EF4-FFF2-40B4-BE49-F238E27FC236}">
-                <a16:creationId xmlns:a16="http://schemas.microsoft.com/office/drawing/2014/main" id="{F08C4F8C-0CCE-4438-BC0A-1EA68054DF91}"/>
-              </a:ext>
-            </a:extLst>
-          </p:cNvPr>
-          <p:cNvSpPr>
-            <a:spLocks noGrp="1"/>
-          </p:cNvSpPr>
-          <p:nvPr>
-            <p:ph type="title"/>
-          </p:nvPr>
-        </p:nvSpPr>
-        <p:spPr/>
-        <p:txBody>
-          <a:bodyPr/>
-          <a:lstStyle/>
-          <a:p>
-            <a:r>
-              <a:rPr lang="pl-PL" dirty="0"/>
-              <a:t>Koszt maszyn i materiału (ofertowy)</a:t>
-            </a:r>
-          </a:p>
-        </p:txBody>
-      </p:sp>
-      <p:pic>
-        <p:nvPicPr>
-          <p:cNvPr id="11" name="Symbol zastępczy zawartości 10">
-            <a:extLst>
-              <a:ext uri="{FF2B5EF4-FFF2-40B4-BE49-F238E27FC236}">
-                <a16:creationId xmlns:a16="http://schemas.microsoft.com/office/drawing/2014/main" id="{59C5ECD3-8411-4A88-8AC1-DD99EBBB8956}"/>
-              </a:ext>
-            </a:extLst>
-          </p:cNvPr>
-          <p:cNvPicPr>
-            <a:picLocks noGrp="1" noChangeAspect="1"/>
-          </p:cNvPicPr>
-          <p:nvPr>
-            <p:ph idx="1"/>
-          </p:nvPr>
-        </p:nvPicPr>
-        <p:blipFill>
-          <a:blip r:embed="rId2">
-            <a:extLst>
-              <a:ext uri="{28A0092B-C50C-407E-A947-70E740481C1C}">
-                <a14:useLocalDpi xmlns:a14="http://schemas.microsoft.com/office/drawing/2010/main" val="0"/>
-              </a:ext>
-            </a:extLst>
-          </a:blip>
-          <a:stretch>
-            <a:fillRect/>
-          </a:stretch>
-        </p:blipFill>
-        <p:spPr>
-          <a:xfrm>
-            <a:off x="297164" y="2150187"/>
-            <a:ext cx="4730731" cy="4577184"/>
-          </a:xfrm>
-        </p:spPr>
-      </p:pic>
-      <p:pic>
-        <p:nvPicPr>
-          <p:cNvPr id="13" name="Obraz 12">
-            <a:extLst>
-              <a:ext uri="{FF2B5EF4-FFF2-40B4-BE49-F238E27FC236}">
-                <a16:creationId xmlns:a16="http://schemas.microsoft.com/office/drawing/2014/main" id="{471B58F1-0D07-4B88-B366-9C15C75AF018}"/>
-              </a:ext>
-            </a:extLst>
-          </p:cNvPr>
-          <p:cNvPicPr>
-            <a:picLocks noChangeAspect="1"/>
-          </p:cNvPicPr>
-          <p:nvPr/>
-        </p:nvPicPr>
-        <p:blipFill>
-          <a:blip r:embed="rId3">
-            <a:extLst>
-              <a:ext uri="{28A0092B-C50C-407E-A947-70E740481C1C}">
-                <a14:useLocalDpi xmlns:a14="http://schemas.microsoft.com/office/drawing/2010/main" val="0"/>
-              </a:ext>
-            </a:extLst>
-          </a:blip>
-          <a:stretch>
-            <a:fillRect/>
-          </a:stretch>
-        </p:blipFill>
-        <p:spPr>
-          <a:xfrm>
-            <a:off x="5880553" y="2084872"/>
-            <a:ext cx="4730731" cy="4707813"/>
-          </a:xfrm>
-          <a:prstGeom prst="rect">
-            <a:avLst/>
-          </a:prstGeom>
-        </p:spPr>
-      </p:pic>
-      <p:sp>
-        <p:nvSpPr>
-          <p:cNvPr id="3" name="Symbol zastępczy numeru slajdu 2">
-            <a:extLst>
-              <a:ext uri="{FF2B5EF4-FFF2-40B4-BE49-F238E27FC236}">
-                <a16:creationId xmlns:a16="http://schemas.microsoft.com/office/drawing/2014/main" id="{8C2C7C42-C3C8-4B0F-9B70-6967BEC940F4}"/>
-              </a:ext>
-            </a:extLst>
-          </p:cNvPr>
-          <p:cNvSpPr>
-            <a:spLocks noGrp="1"/>
-          </p:cNvSpPr>
-          <p:nvPr>
-            <p:ph type="sldNum" sz="quarter" idx="12"/>
-          </p:nvPr>
-        </p:nvSpPr>
-        <p:spPr/>
-        <p:txBody>
-          <a:bodyPr/>
-          <a:lstStyle/>
-          <a:p>
-            <a:fld id="{73EBA5C1-EA0D-4D38-B474-3131B775EA3E}" type="slidenum">
-              <a:rPr lang="pl-PL" smtClean="0"/>
-              <a:t>24</a:t>
-            </a:fld>
-            <a:endParaRPr lang="pl-PL"/>
-          </a:p>
-        </p:txBody>
-      </p:sp>
-    </p:spTree>
-    <p:extLst>
-      <p:ext uri="{BB962C8B-B14F-4D97-AF65-F5344CB8AC3E}">
-        <p14:creationId xmlns:p14="http://schemas.microsoft.com/office/powerpoint/2010/main" val="86218617"/>
       </p:ext>
     </p:extLst>
   </p:cSld>
@@ -22708,7 +21893,7 @@
           <p:cNvPr id="2" name="Tytuł 1">
             <a:extLst>
               <a:ext uri="{FF2B5EF4-FFF2-40B4-BE49-F238E27FC236}">
-                <a16:creationId xmlns:a16="http://schemas.microsoft.com/office/drawing/2014/main" id="{5FCAE84B-26D9-4F60-A2DA-5426E980D0E4}"/>
+                <a16:creationId xmlns:a16="http://schemas.microsoft.com/office/drawing/2014/main" id="{F08C4F8C-0CCE-4438-BC0A-1EA68054DF91}"/>
               </a:ext>
             </a:extLst>
           </p:cNvPr>
@@ -22719,29 +21904,24 @@
             <p:ph type="title"/>
           </p:nvPr>
         </p:nvSpPr>
-        <p:spPr>
-          <a:xfrm>
-            <a:off x="680321" y="753228"/>
-            <a:ext cx="4087621" cy="1080938"/>
-          </a:xfrm>
-        </p:spPr>
+        <p:spPr/>
         <p:txBody>
           <a:bodyPr/>
           <a:lstStyle/>
           <a:p>
             <a:r>
               <a:rPr lang="pl-PL" dirty="0"/>
-              <a:t>Koszt pracownika</a:t>
+              <a:t>Koszt maszyn i materiału (ofertowy)</a:t>
             </a:r>
           </a:p>
         </p:txBody>
       </p:sp>
       <p:pic>
         <p:nvPicPr>
-          <p:cNvPr id="5" name="Symbol zastępczy zawartości 4">
+          <p:cNvPr id="11" name="Symbol zastępczy zawartości 10">
             <a:extLst>
               <a:ext uri="{FF2B5EF4-FFF2-40B4-BE49-F238E27FC236}">
-                <a16:creationId xmlns:a16="http://schemas.microsoft.com/office/drawing/2014/main" id="{F2F28879-F122-4D8D-AA50-A01600A174CE}"/>
+                <a16:creationId xmlns:a16="http://schemas.microsoft.com/office/drawing/2014/main" id="{59C5ECD3-8411-4A88-8AC1-DD99EBBB8956}"/>
               </a:ext>
             </a:extLst>
           </p:cNvPr>
@@ -22766,17 +21946,17 @@
         </p:blipFill>
         <p:spPr>
           <a:xfrm>
-            <a:off x="554831" y="2187510"/>
-            <a:ext cx="4213111" cy="4496288"/>
+            <a:off x="297164" y="2150187"/>
+            <a:ext cx="4730731" cy="4577184"/>
           </a:xfrm>
         </p:spPr>
       </p:pic>
       <p:pic>
         <p:nvPicPr>
-          <p:cNvPr id="7" name="Obraz 6">
+          <p:cNvPr id="13" name="Obraz 12">
             <a:extLst>
               <a:ext uri="{FF2B5EF4-FFF2-40B4-BE49-F238E27FC236}">
-                <a16:creationId xmlns:a16="http://schemas.microsoft.com/office/drawing/2014/main" id="{88640276-1F32-49E2-8217-5D661E013302}"/>
+                <a16:creationId xmlns:a16="http://schemas.microsoft.com/office/drawing/2014/main" id="{471B58F1-0D07-4B88-B366-9C15C75AF018}"/>
               </a:ext>
             </a:extLst>
           </p:cNvPr>
@@ -22799,8 +21979,8 @@
         </p:blipFill>
         <p:spPr>
           <a:xfrm>
-            <a:off x="6307493" y="2052735"/>
-            <a:ext cx="3660117" cy="4631063"/>
+            <a:off x="5880553" y="2084872"/>
+            <a:ext cx="4730731" cy="4707813"/>
           </a:xfrm>
           <a:prstGeom prst="rect">
             <a:avLst/>
@@ -22809,64 +21989,10 @@
       </p:pic>
       <p:sp>
         <p:nvSpPr>
-          <p:cNvPr id="8" name="Tytuł 1">
-            <a:extLst>
-              <a:ext uri="{FF2B5EF4-FFF2-40B4-BE49-F238E27FC236}">
-                <a16:creationId xmlns:a16="http://schemas.microsoft.com/office/drawing/2014/main" id="{D038107F-B050-40A6-AB56-7EF2B505D9F7}"/>
-              </a:ext>
-            </a:extLst>
-          </p:cNvPr>
-          <p:cNvSpPr txBox="1">
-            <a:spLocks/>
-          </p:cNvSpPr>
-          <p:nvPr/>
-        </p:nvSpPr>
-        <p:spPr>
-          <a:xfrm>
-            <a:off x="6216485" y="753228"/>
-            <a:ext cx="4087621" cy="1080938"/>
-          </a:xfrm>
-          <a:prstGeom prst="rect">
-            <a:avLst/>
-          </a:prstGeom>
-        </p:spPr>
-        <p:txBody>
-          <a:bodyPr vert="horz" lIns="91440" tIns="45720" rIns="91440" bIns="45720" rtlCol="0" anchor="ctr">
-            <a:normAutofit/>
-          </a:bodyPr>
-          <a:lstStyle>
-            <a:lvl1pPr algn="l" defTabSz="914400" rtl="0" eaLnBrk="1" latinLnBrk="0" hangingPunct="1">
-              <a:lnSpc>
-                <a:spcPct val="90000"/>
-              </a:lnSpc>
-              <a:spcBef>
-                <a:spcPct val="0"/>
-              </a:spcBef>
-              <a:buNone/>
-              <a:defRPr sz="3600" kern="1200">
-                <a:solidFill>
-                  <a:schemeClr val="tx1"/>
-                </a:solidFill>
-                <a:latin typeface="+mj-lt"/>
-                <a:ea typeface="+mj-ea"/>
-                <a:cs typeface="+mj-cs"/>
-              </a:defRPr>
-            </a:lvl1pPr>
-          </a:lstStyle>
-          <a:p>
-            <a:r>
-              <a:rPr lang="pl-PL" dirty="0"/>
-              <a:t>Kosztorys ofertowy</a:t>
-            </a:r>
-          </a:p>
-        </p:txBody>
-      </p:sp>
-      <p:sp>
-        <p:nvSpPr>
           <p:cNvPr id="3" name="Symbol zastępczy numeru slajdu 2">
             <a:extLst>
               <a:ext uri="{FF2B5EF4-FFF2-40B4-BE49-F238E27FC236}">
-                <a16:creationId xmlns:a16="http://schemas.microsoft.com/office/drawing/2014/main" id="{B6A6ACAD-FF9C-4C72-AEE1-752968C4CA28}"/>
+                <a16:creationId xmlns:a16="http://schemas.microsoft.com/office/drawing/2014/main" id="{8C2C7C42-C3C8-4B0F-9B70-6967BEC940F4}"/>
               </a:ext>
             </a:extLst>
           </p:cNvPr>
@@ -22893,7 +22019,7 @@
     </p:spTree>
     <p:extLst>
       <p:ext uri="{BB962C8B-B14F-4D97-AF65-F5344CB8AC3E}">
-        <p14:creationId xmlns:p14="http://schemas.microsoft.com/office/powerpoint/2010/main" val="1076711829"/>
+        <p14:creationId xmlns:p14="http://schemas.microsoft.com/office/powerpoint/2010/main" val="86218617"/>
       </p:ext>
     </p:extLst>
   </p:cSld>
@@ -22925,7 +22051,7 @@
           <p:cNvPr id="2" name="Tytuł 1">
             <a:extLst>
               <a:ext uri="{FF2B5EF4-FFF2-40B4-BE49-F238E27FC236}">
-                <a16:creationId xmlns:a16="http://schemas.microsoft.com/office/drawing/2014/main" id="{B5A9FDC3-8BB5-4F7D-B15D-D49036E8B298}"/>
+                <a16:creationId xmlns:a16="http://schemas.microsoft.com/office/drawing/2014/main" id="{5FCAE84B-26D9-4F60-A2DA-5426E980D0E4}"/>
               </a:ext>
             </a:extLst>
           </p:cNvPr>
@@ -22936,14 +22062,19 @@
             <p:ph type="title"/>
           </p:nvPr>
         </p:nvSpPr>
-        <p:spPr/>
+        <p:spPr>
+          <a:xfrm>
+            <a:off x="680321" y="753228"/>
+            <a:ext cx="4087621" cy="1080938"/>
+          </a:xfrm>
+        </p:spPr>
         <p:txBody>
           <a:bodyPr/>
           <a:lstStyle/>
           <a:p>
             <a:r>
               <a:rPr lang="pl-PL" dirty="0"/>
-              <a:t>Koszt maszyn i materiału (powykonawczy)</a:t>
+              <a:t>Koszt pracownika</a:t>
             </a:r>
           </a:p>
         </p:txBody>
@@ -22953,7 +22084,7 @@
           <p:cNvPr id="5" name="Symbol zastępczy zawartości 4">
             <a:extLst>
               <a:ext uri="{FF2B5EF4-FFF2-40B4-BE49-F238E27FC236}">
-                <a16:creationId xmlns:a16="http://schemas.microsoft.com/office/drawing/2014/main" id="{1C05DDA2-2D60-4718-BD46-5E5C01EF7770}"/>
+                <a16:creationId xmlns:a16="http://schemas.microsoft.com/office/drawing/2014/main" id="{F2F28879-F122-4D8D-AA50-A01600A174CE}"/>
               </a:ext>
             </a:extLst>
           </p:cNvPr>
@@ -22978,8 +22109,8 @@
         </p:blipFill>
         <p:spPr>
           <a:xfrm>
-            <a:off x="680321" y="2196840"/>
-            <a:ext cx="4603481" cy="4319230"/>
+            <a:off x="554831" y="2187510"/>
+            <a:ext cx="4213111" cy="4496288"/>
           </a:xfrm>
         </p:spPr>
       </p:pic>
@@ -22988,7 +22119,7 @@
           <p:cNvPr id="7" name="Obraz 6">
             <a:extLst>
               <a:ext uri="{FF2B5EF4-FFF2-40B4-BE49-F238E27FC236}">
-                <a16:creationId xmlns:a16="http://schemas.microsoft.com/office/drawing/2014/main" id="{47CF0CC5-D76A-433C-B476-27DF65305C80}"/>
+                <a16:creationId xmlns:a16="http://schemas.microsoft.com/office/drawing/2014/main" id="{88640276-1F32-49E2-8217-5D661E013302}"/>
               </a:ext>
             </a:extLst>
           </p:cNvPr>
@@ -23011,8 +22142,8 @@
         </p:blipFill>
         <p:spPr>
           <a:xfrm>
-            <a:off x="6217817" y="2093817"/>
-            <a:ext cx="4243216" cy="4603290"/>
+            <a:off x="6307493" y="2052735"/>
+            <a:ext cx="3660117" cy="4631063"/>
           </a:xfrm>
           <a:prstGeom prst="rect">
             <a:avLst/>
@@ -23021,10 +22152,64 @@
       </p:pic>
       <p:sp>
         <p:nvSpPr>
+          <p:cNvPr id="8" name="Tytuł 1">
+            <a:extLst>
+              <a:ext uri="{FF2B5EF4-FFF2-40B4-BE49-F238E27FC236}">
+                <a16:creationId xmlns:a16="http://schemas.microsoft.com/office/drawing/2014/main" id="{D038107F-B050-40A6-AB56-7EF2B505D9F7}"/>
+              </a:ext>
+            </a:extLst>
+          </p:cNvPr>
+          <p:cNvSpPr txBox="1">
+            <a:spLocks/>
+          </p:cNvSpPr>
+          <p:nvPr/>
+        </p:nvSpPr>
+        <p:spPr>
+          <a:xfrm>
+            <a:off x="6216485" y="753228"/>
+            <a:ext cx="4087621" cy="1080938"/>
+          </a:xfrm>
+          <a:prstGeom prst="rect">
+            <a:avLst/>
+          </a:prstGeom>
+        </p:spPr>
+        <p:txBody>
+          <a:bodyPr vert="horz" lIns="91440" tIns="45720" rIns="91440" bIns="45720" rtlCol="0" anchor="ctr">
+            <a:normAutofit/>
+          </a:bodyPr>
+          <a:lstStyle>
+            <a:lvl1pPr algn="l" defTabSz="914400" rtl="0" eaLnBrk="1" latinLnBrk="0" hangingPunct="1">
+              <a:lnSpc>
+                <a:spcPct val="90000"/>
+              </a:lnSpc>
+              <a:spcBef>
+                <a:spcPct val="0"/>
+              </a:spcBef>
+              <a:buNone/>
+              <a:defRPr sz="3600" kern="1200">
+                <a:solidFill>
+                  <a:schemeClr val="tx1"/>
+                </a:solidFill>
+                <a:latin typeface="+mj-lt"/>
+                <a:ea typeface="+mj-ea"/>
+                <a:cs typeface="+mj-cs"/>
+              </a:defRPr>
+            </a:lvl1pPr>
+          </a:lstStyle>
+          <a:p>
+            <a:r>
+              <a:rPr lang="pl-PL" dirty="0"/>
+              <a:t>Kosztorys ofertowy</a:t>
+            </a:r>
+          </a:p>
+        </p:txBody>
+      </p:sp>
+      <p:sp>
+        <p:nvSpPr>
           <p:cNvPr id="3" name="Symbol zastępczy numeru slajdu 2">
             <a:extLst>
               <a:ext uri="{FF2B5EF4-FFF2-40B4-BE49-F238E27FC236}">
-                <a16:creationId xmlns:a16="http://schemas.microsoft.com/office/drawing/2014/main" id="{7485CBDF-47FC-4483-AD93-93C47AAB5FAF}"/>
+                <a16:creationId xmlns:a16="http://schemas.microsoft.com/office/drawing/2014/main" id="{B6A6ACAD-FF9C-4C72-AEE1-752968C4CA28}"/>
               </a:ext>
             </a:extLst>
           </p:cNvPr>
@@ -23051,7 +22236,7 @@
     </p:spTree>
     <p:extLst>
       <p:ext uri="{BB962C8B-B14F-4D97-AF65-F5344CB8AC3E}">
-        <p14:creationId xmlns:p14="http://schemas.microsoft.com/office/powerpoint/2010/main" val="1422059949"/>
+        <p14:creationId xmlns:p14="http://schemas.microsoft.com/office/powerpoint/2010/main" val="1076711829"/>
       </p:ext>
     </p:extLst>
   </p:cSld>
@@ -23083,6 +22268,164 @@
           <p:cNvPr id="2" name="Tytuł 1">
             <a:extLst>
               <a:ext uri="{FF2B5EF4-FFF2-40B4-BE49-F238E27FC236}">
+                <a16:creationId xmlns:a16="http://schemas.microsoft.com/office/drawing/2014/main" id="{B5A9FDC3-8BB5-4F7D-B15D-D49036E8B298}"/>
+              </a:ext>
+            </a:extLst>
+          </p:cNvPr>
+          <p:cNvSpPr>
+            <a:spLocks noGrp="1"/>
+          </p:cNvSpPr>
+          <p:nvPr>
+            <p:ph type="title"/>
+          </p:nvPr>
+        </p:nvSpPr>
+        <p:spPr/>
+        <p:txBody>
+          <a:bodyPr/>
+          <a:lstStyle/>
+          <a:p>
+            <a:r>
+              <a:rPr lang="pl-PL" dirty="0"/>
+              <a:t>Koszt maszyn i materiału (powykonawczy)</a:t>
+            </a:r>
+          </a:p>
+        </p:txBody>
+      </p:sp>
+      <p:pic>
+        <p:nvPicPr>
+          <p:cNvPr id="5" name="Symbol zastępczy zawartości 4">
+            <a:extLst>
+              <a:ext uri="{FF2B5EF4-FFF2-40B4-BE49-F238E27FC236}">
+                <a16:creationId xmlns:a16="http://schemas.microsoft.com/office/drawing/2014/main" id="{1C05DDA2-2D60-4718-BD46-5E5C01EF7770}"/>
+              </a:ext>
+            </a:extLst>
+          </p:cNvPr>
+          <p:cNvPicPr>
+            <a:picLocks noGrp="1" noChangeAspect="1"/>
+          </p:cNvPicPr>
+          <p:nvPr>
+            <p:ph idx="1"/>
+          </p:nvPr>
+        </p:nvPicPr>
+        <p:blipFill>
+          <a:blip r:embed="rId2">
+            <a:extLst>
+              <a:ext uri="{28A0092B-C50C-407E-A947-70E740481C1C}">
+                <a14:useLocalDpi xmlns:a14="http://schemas.microsoft.com/office/drawing/2010/main" val="0"/>
+              </a:ext>
+            </a:extLst>
+          </a:blip>
+          <a:stretch>
+            <a:fillRect/>
+          </a:stretch>
+        </p:blipFill>
+        <p:spPr>
+          <a:xfrm>
+            <a:off x="680321" y="2196840"/>
+            <a:ext cx="4603481" cy="4319230"/>
+          </a:xfrm>
+        </p:spPr>
+      </p:pic>
+      <p:pic>
+        <p:nvPicPr>
+          <p:cNvPr id="7" name="Obraz 6">
+            <a:extLst>
+              <a:ext uri="{FF2B5EF4-FFF2-40B4-BE49-F238E27FC236}">
+                <a16:creationId xmlns:a16="http://schemas.microsoft.com/office/drawing/2014/main" id="{47CF0CC5-D76A-433C-B476-27DF65305C80}"/>
+              </a:ext>
+            </a:extLst>
+          </p:cNvPr>
+          <p:cNvPicPr>
+            <a:picLocks noChangeAspect="1"/>
+          </p:cNvPicPr>
+          <p:nvPr/>
+        </p:nvPicPr>
+        <p:blipFill>
+          <a:blip r:embed="rId3">
+            <a:extLst>
+              <a:ext uri="{28A0092B-C50C-407E-A947-70E740481C1C}">
+                <a14:useLocalDpi xmlns:a14="http://schemas.microsoft.com/office/drawing/2010/main" val="0"/>
+              </a:ext>
+            </a:extLst>
+          </a:blip>
+          <a:stretch>
+            <a:fillRect/>
+          </a:stretch>
+        </p:blipFill>
+        <p:spPr>
+          <a:xfrm>
+            <a:off x="6217817" y="2093817"/>
+            <a:ext cx="4243216" cy="4603290"/>
+          </a:xfrm>
+          <a:prstGeom prst="rect">
+            <a:avLst/>
+          </a:prstGeom>
+        </p:spPr>
+      </p:pic>
+      <p:sp>
+        <p:nvSpPr>
+          <p:cNvPr id="3" name="Symbol zastępczy numeru slajdu 2">
+            <a:extLst>
+              <a:ext uri="{FF2B5EF4-FFF2-40B4-BE49-F238E27FC236}">
+                <a16:creationId xmlns:a16="http://schemas.microsoft.com/office/drawing/2014/main" id="{7485CBDF-47FC-4483-AD93-93C47AAB5FAF}"/>
+              </a:ext>
+            </a:extLst>
+          </p:cNvPr>
+          <p:cNvSpPr>
+            <a:spLocks noGrp="1"/>
+          </p:cNvSpPr>
+          <p:nvPr>
+            <p:ph type="sldNum" sz="quarter" idx="12"/>
+          </p:nvPr>
+        </p:nvSpPr>
+        <p:spPr/>
+        <p:txBody>
+          <a:bodyPr/>
+          <a:lstStyle/>
+          <a:p>
+            <a:fld id="{73EBA5C1-EA0D-4D38-B474-3131B775EA3E}" type="slidenum">
+              <a:rPr lang="pl-PL" smtClean="0"/>
+              <a:t>27</a:t>
+            </a:fld>
+            <a:endParaRPr lang="pl-PL"/>
+          </a:p>
+        </p:txBody>
+      </p:sp>
+    </p:spTree>
+    <p:extLst>
+      <p:ext uri="{BB962C8B-B14F-4D97-AF65-F5344CB8AC3E}">
+        <p14:creationId xmlns:p14="http://schemas.microsoft.com/office/powerpoint/2010/main" val="1422059949"/>
+      </p:ext>
+    </p:extLst>
+  </p:cSld>
+  <p:clrMapOvr>
+    <a:masterClrMapping/>
+  </p:clrMapOvr>
+</p:sld>
+</file>
+
+<file path=ppt/slides/slide28.xml><?xml version="1.0" encoding="utf-8"?>
+<p:sld xmlns:a="http://schemas.openxmlformats.org/drawingml/2006/main" xmlns:r="http://schemas.openxmlformats.org/officeDocument/2006/relationships" xmlns:p="http://schemas.openxmlformats.org/presentationml/2006/main">
+  <p:cSld>
+    <p:spTree>
+      <p:nvGrpSpPr>
+        <p:cNvPr id="1" name=""/>
+        <p:cNvGrpSpPr/>
+        <p:nvPr/>
+      </p:nvGrpSpPr>
+      <p:grpSpPr>
+        <a:xfrm>
+          <a:off x="0" y="0"/>
+          <a:ext cx="0" cy="0"/>
+          <a:chOff x="0" y="0"/>
+          <a:chExt cx="0" cy="0"/>
+        </a:xfrm>
+      </p:grpSpPr>
+      <p:sp>
+        <p:nvSpPr>
+          <p:cNvPr id="2" name="Tytuł 1">
+            <a:extLst>
+              <a:ext uri="{FF2B5EF4-FFF2-40B4-BE49-F238E27FC236}">
                 <a16:creationId xmlns:a16="http://schemas.microsoft.com/office/drawing/2014/main" id="{8DE451F8-69C1-4603-AAD5-C9DFBEFE01BE}"/>
               </a:ext>
             </a:extLst>
@@ -23259,7 +22602,7 @@
           <a:p>
             <a:fld id="{73EBA5C1-EA0D-4D38-B474-3131B775EA3E}" type="slidenum">
               <a:rPr lang="pl-PL" smtClean="0"/>
-              <a:t>27</a:t>
+              <a:t>28</a:t>
             </a:fld>
             <a:endParaRPr lang="pl-PL"/>
           </a:p>
@@ -23269,745 +22612,6 @@
     <p:extLst>
       <p:ext uri="{BB962C8B-B14F-4D97-AF65-F5344CB8AC3E}">
         <p14:creationId xmlns:p14="http://schemas.microsoft.com/office/powerpoint/2010/main" val="1240617030"/>
-      </p:ext>
-    </p:extLst>
-  </p:cSld>
-  <p:clrMapOvr>
-    <a:masterClrMapping/>
-  </p:clrMapOvr>
-</p:sld>
-</file>
-
-<file path=ppt/slides/slide28.xml><?xml version="1.0" encoding="utf-8"?>
-<p:sld xmlns:a="http://schemas.openxmlformats.org/drawingml/2006/main" xmlns:r="http://schemas.openxmlformats.org/officeDocument/2006/relationships" xmlns:p="http://schemas.openxmlformats.org/presentationml/2006/main">
-  <p:cSld>
-    <p:bg>
-      <p:bgPr>
-        <a:gradFill rotWithShape="1">
-          <a:gsLst>
-            <a:gs pos="0">
-              <a:schemeClr val="bg2">
-                <a:tint val="96000"/>
-                <a:shade val="100000"/>
-                <a:hueMod val="270000"/>
-                <a:satMod val="200000"/>
-                <a:lumMod val="128000"/>
-              </a:schemeClr>
-            </a:gs>
-            <a:gs pos="50000">
-              <a:schemeClr val="bg2">
-                <a:shade val="100000"/>
-                <a:hueMod val="100000"/>
-                <a:satMod val="110000"/>
-                <a:lumMod val="130000"/>
-              </a:schemeClr>
-            </a:gs>
-            <a:gs pos="100000">
-              <a:schemeClr val="bg2">
-                <a:shade val="78000"/>
-                <a:hueMod val="44000"/>
-                <a:satMod val="200000"/>
-                <a:lumMod val="69000"/>
-              </a:schemeClr>
-            </a:gs>
-          </a:gsLst>
-          <a:lin ang="2520000" scaled="0"/>
-        </a:gradFill>
-        <a:effectLst/>
-      </p:bgPr>
-    </p:bg>
-    <p:spTree>
-      <p:nvGrpSpPr>
-        <p:cNvPr id="1" name=""/>
-        <p:cNvGrpSpPr/>
-        <p:nvPr/>
-      </p:nvGrpSpPr>
-      <p:grpSpPr>
-        <a:xfrm>
-          <a:off x="0" y="0"/>
-          <a:ext cx="0" cy="0"/>
-          <a:chOff x="0" y="0"/>
-          <a:chExt cx="0" cy="0"/>
-        </a:xfrm>
-      </p:grpSpPr>
-      <p:pic>
-        <p:nvPicPr>
-          <p:cNvPr id="11" name="Picture 10">
-            <a:extLst>
-              <a:ext uri="{FF2B5EF4-FFF2-40B4-BE49-F238E27FC236}">
-                <a16:creationId xmlns:a16="http://schemas.microsoft.com/office/drawing/2014/main" id="{5321D838-2C7E-4177-9DD3-DAC78324A2B2}"/>
-              </a:ext>
-              <a:ext uri="{C183D7F6-B498-43B3-948B-1728B52AA6E4}">
-                <adec:decorative xmlns:adec="http://schemas.microsoft.com/office/drawing/2017/decorative" val="1"/>
-              </a:ext>
-            </a:extLst>
-          </p:cNvPr>
-          <p:cNvPicPr>
-            <a:picLocks noGrp="1" noRot="1" noChangeAspect="1" noMove="1" noResize="1" noEditPoints="1" noAdjustHandles="1" noChangeArrowheads="1" noChangeShapeType="1" noCrop="1"/>
-          </p:cNvPicPr>
-          <p:nvPr>
-            <p:extLst>
-              <p:ext uri="{386F3935-93C4-4BCD-93E2-E3B085C9AB24}">
-                <p16:designElem xmlns:p16="http://schemas.microsoft.com/office/powerpoint/2015/main" val="1"/>
-              </p:ext>
-            </p:extLst>
-          </p:nvPr>
-        </p:nvPicPr>
-        <p:blipFill>
-          <a:blip r:embed="rId2">
-            <a:alphaModFix amt="10000"/>
-            <a:extLst>
-              <a:ext uri="{28A0092B-C50C-407E-A947-70E740481C1C}">
-                <a14:useLocalDpi xmlns:a14="http://schemas.microsoft.com/office/drawing/2010/main" val="0"/>
-              </a:ext>
-            </a:extLst>
-          </a:blip>
-          <a:stretch>
-            <a:fillRect/>
-          </a:stretch>
-        </p:blipFill>
-        <p:spPr>
-          <a:xfrm>
-            <a:off x="0" y="0"/>
-            <a:ext cx="12192000" cy="6858000"/>
-          </a:xfrm>
-          <a:prstGeom prst="rect">
-            <a:avLst/>
-          </a:prstGeom>
-        </p:spPr>
-      </p:pic>
-      <p:pic>
-        <p:nvPicPr>
-          <p:cNvPr id="13" name="Picture 12">
-            <a:extLst>
-              <a:ext uri="{FF2B5EF4-FFF2-40B4-BE49-F238E27FC236}">
-                <a16:creationId xmlns:a16="http://schemas.microsoft.com/office/drawing/2014/main" id="{0146E45C-1450-4186-B501-74F221F897A8}"/>
-              </a:ext>
-              <a:ext uri="{C183D7F6-B498-43B3-948B-1728B52AA6E4}">
-                <adec:decorative xmlns:adec="http://schemas.microsoft.com/office/drawing/2017/decorative" val="1"/>
-              </a:ext>
-            </a:extLst>
-          </p:cNvPr>
-          <p:cNvPicPr>
-            <a:picLocks noGrp="1" noRot="1" noChangeAspect="1" noMove="1" noResize="1" noEditPoints="1" noAdjustHandles="1" noChangeArrowheads="1" noChangeShapeType="1" noCrop="1"/>
-          </p:cNvPicPr>
-          <p:nvPr>
-            <p:extLst>
-              <p:ext uri="{386F3935-93C4-4BCD-93E2-E3B085C9AB24}">
-                <p16:designElem xmlns:p16="http://schemas.microsoft.com/office/powerpoint/2015/main" val="1"/>
-              </p:ext>
-            </p:extLst>
-          </p:nvPr>
-        </p:nvPicPr>
-        <p:blipFill>
-          <a:blip r:embed="rId3">
-            <a:extLst>
-              <a:ext uri="{28A0092B-C50C-407E-A947-70E740481C1C}">
-                <a14:useLocalDpi xmlns:a14="http://schemas.microsoft.com/office/drawing/2010/main" val="0"/>
-              </a:ext>
-            </a:extLst>
-          </a:blip>
-          <a:stretch>
-            <a:fillRect/>
-          </a:stretch>
-        </p:blipFill>
-        <p:spPr>
-          <a:xfrm>
-            <a:off x="1" y="4242851"/>
-            <a:ext cx="8968084" cy="275942"/>
-          </a:xfrm>
-          <a:prstGeom prst="rect">
-            <a:avLst/>
-          </a:prstGeom>
-        </p:spPr>
-      </p:pic>
-      <p:pic>
-        <p:nvPicPr>
-          <p:cNvPr id="15" name="Picture 14">
-            <a:extLst>
-              <a:ext uri="{FF2B5EF4-FFF2-40B4-BE49-F238E27FC236}">
-                <a16:creationId xmlns:a16="http://schemas.microsoft.com/office/drawing/2014/main" id="{EEDDA48B-BC04-4915-ADA3-A1A9522EB0D1}"/>
-              </a:ext>
-              <a:ext uri="{C183D7F6-B498-43B3-948B-1728B52AA6E4}">
-                <adec:decorative xmlns:adec="http://schemas.microsoft.com/office/drawing/2017/decorative" val="1"/>
-              </a:ext>
-            </a:extLst>
-          </p:cNvPr>
-          <p:cNvPicPr>
-            <a:picLocks noGrp="1" noRot="1" noChangeAspect="1" noMove="1" noResize="1" noEditPoints="1" noAdjustHandles="1" noChangeArrowheads="1" noChangeShapeType="1" noCrop="1"/>
-          </p:cNvPicPr>
-          <p:nvPr>
-            <p:extLst>
-              <p:ext uri="{386F3935-93C4-4BCD-93E2-E3B085C9AB24}">
-                <p16:designElem xmlns:p16="http://schemas.microsoft.com/office/powerpoint/2015/main" val="1"/>
-              </p:ext>
-            </p:extLst>
-          </p:nvPr>
-        </p:nvPicPr>
-        <p:blipFill>
-          <a:blip r:embed="rId4">
-            <a:extLst>
-              <a:ext uri="{28A0092B-C50C-407E-A947-70E740481C1C}">
-                <a14:useLocalDpi xmlns:a14="http://schemas.microsoft.com/office/drawing/2010/main" val="0"/>
-              </a:ext>
-            </a:extLst>
-          </a:blip>
-          <a:stretch>
-            <a:fillRect/>
-          </a:stretch>
-        </p:blipFill>
-        <p:spPr>
-          <a:xfrm>
-            <a:off x="9111716" y="4243845"/>
-            <a:ext cx="3077108" cy="276940"/>
-          </a:xfrm>
-          <a:prstGeom prst="rect">
-            <a:avLst/>
-          </a:prstGeom>
-        </p:spPr>
-      </p:pic>
-      <p:sp>
-        <p:nvSpPr>
-          <p:cNvPr id="17" name="Rectangle 16">
-            <a:extLst>
-              <a:ext uri="{FF2B5EF4-FFF2-40B4-BE49-F238E27FC236}">
-                <a16:creationId xmlns:a16="http://schemas.microsoft.com/office/drawing/2014/main" id="{78C9D07A-5A22-4E55-B18A-47CF07E5080D}"/>
-              </a:ext>
-              <a:ext uri="{C183D7F6-B498-43B3-948B-1728B52AA6E4}">
-                <adec:decorative xmlns:adec="http://schemas.microsoft.com/office/drawing/2017/decorative" val="1"/>
-              </a:ext>
-            </a:extLst>
-          </p:cNvPr>
-          <p:cNvSpPr>
-            <a:spLocks noGrp="1" noRot="1" noChangeAspect="1" noMove="1" noResize="1" noEditPoints="1" noAdjustHandles="1" noChangeArrowheads="1" noChangeShapeType="1" noTextEdit="1"/>
-          </p:cNvSpPr>
-          <p:nvPr>
-            <p:extLst>
-              <p:ext uri="{386F3935-93C4-4BCD-93E2-E3B085C9AB24}">
-                <p16:designElem xmlns:p16="http://schemas.microsoft.com/office/powerpoint/2015/main" val="1"/>
-              </p:ext>
-            </p:extLst>
-          </p:nvPr>
-        </p:nvSpPr>
-        <p:spPr>
-          <a:xfrm>
-            <a:off x="0" y="2590078"/>
-            <a:ext cx="8968085" cy="1660332"/>
-          </a:xfrm>
-          <a:prstGeom prst="rect">
-            <a:avLst/>
-          </a:prstGeom>
-          <a:solidFill>
-            <a:schemeClr val="bg1">
-              <a:lumMod val="85000"/>
-              <a:lumOff val="15000"/>
-            </a:schemeClr>
-          </a:solidFill>
-          <a:ln>
-            <a:noFill/>
-          </a:ln>
-        </p:spPr>
-        <p:style>
-          <a:lnRef idx="2">
-            <a:schemeClr val="accent1">
-              <a:shade val="50000"/>
-            </a:schemeClr>
-          </a:lnRef>
-          <a:fillRef idx="1">
-            <a:schemeClr val="accent1"/>
-          </a:fillRef>
-          <a:effectRef idx="0">
-            <a:schemeClr val="accent1"/>
-          </a:effectRef>
-          <a:fontRef idx="minor">
-            <a:schemeClr val="lt1"/>
-          </a:fontRef>
-        </p:style>
-      </p:sp>
-      <p:sp>
-        <p:nvSpPr>
-          <p:cNvPr id="19" name="Rectangle 18">
-            <a:extLst>
-              <a:ext uri="{FF2B5EF4-FFF2-40B4-BE49-F238E27FC236}">
-                <a16:creationId xmlns:a16="http://schemas.microsoft.com/office/drawing/2014/main" id="{3D71E629-0739-4A59-972B-A9E9A4500E31}"/>
-              </a:ext>
-              <a:ext uri="{C183D7F6-B498-43B3-948B-1728B52AA6E4}">
-                <adec:decorative xmlns:adec="http://schemas.microsoft.com/office/drawing/2017/decorative" val="1"/>
-              </a:ext>
-            </a:extLst>
-          </p:cNvPr>
-          <p:cNvSpPr>
-            <a:spLocks noGrp="1" noRot="1" noChangeAspect="1" noMove="1" noResize="1" noEditPoints="1" noAdjustHandles="1" noChangeArrowheads="1" noChangeShapeType="1" noTextEdit="1"/>
-          </p:cNvSpPr>
-          <p:nvPr>
-            <p:extLst>
-              <p:ext uri="{386F3935-93C4-4BCD-93E2-E3B085C9AB24}">
-                <p16:designElem xmlns:p16="http://schemas.microsoft.com/office/powerpoint/2015/main" val="1"/>
-              </p:ext>
-            </p:extLst>
-          </p:nvPr>
-        </p:nvSpPr>
-        <p:spPr>
-          <a:xfrm>
-            <a:off x="9111715" y="2590078"/>
-            <a:ext cx="3077109" cy="1660332"/>
-          </a:xfrm>
-          <a:prstGeom prst="rect">
-            <a:avLst/>
-          </a:prstGeom>
-          <a:solidFill>
-            <a:schemeClr val="accent1"/>
-          </a:solidFill>
-          <a:ln>
-            <a:noFill/>
-          </a:ln>
-        </p:spPr>
-        <p:style>
-          <a:lnRef idx="2">
-            <a:schemeClr val="accent1">
-              <a:shade val="50000"/>
-            </a:schemeClr>
-          </a:lnRef>
-          <a:fillRef idx="1">
-            <a:schemeClr val="accent1"/>
-          </a:fillRef>
-          <a:effectRef idx="0">
-            <a:schemeClr val="accent1"/>
-          </a:effectRef>
-          <a:fontRef idx="minor">
-            <a:schemeClr val="lt1"/>
-          </a:fontRef>
-        </p:style>
-      </p:sp>
-      <p:sp useBgFill="1">
-        <p:nvSpPr>
-          <p:cNvPr id="21" name="Rectangle 20">
-            <a:extLst>
-              <a:ext uri="{FF2B5EF4-FFF2-40B4-BE49-F238E27FC236}">
-                <a16:creationId xmlns:a16="http://schemas.microsoft.com/office/drawing/2014/main" id="{00573A24-AD84-4562-A993-7D04E1D18209}"/>
-              </a:ext>
-              <a:ext uri="{C183D7F6-B498-43B3-948B-1728B52AA6E4}">
-                <adec:decorative xmlns:adec="http://schemas.microsoft.com/office/drawing/2017/decorative" val="1"/>
-              </a:ext>
-            </a:extLst>
-          </p:cNvPr>
-          <p:cNvSpPr>
-            <a:spLocks noGrp="1" noRot="1" noChangeAspect="1" noMove="1" noResize="1" noEditPoints="1" noAdjustHandles="1" noChangeArrowheads="1" noChangeShapeType="1" noTextEdit="1"/>
-          </p:cNvSpPr>
-          <p:nvPr>
-            <p:extLst>
-              <p:ext uri="{386F3935-93C4-4BCD-93E2-E3B085C9AB24}">
-                <p16:designElem xmlns:p16="http://schemas.microsoft.com/office/powerpoint/2015/main" val="1"/>
-              </p:ext>
-            </p:extLst>
-          </p:nvPr>
-        </p:nvSpPr>
-        <p:spPr>
-          <a:xfrm>
-            <a:off x="0" y="0"/>
-            <a:ext cx="12188824" cy="6858000"/>
-          </a:xfrm>
-          <a:prstGeom prst="rect">
-            <a:avLst/>
-          </a:prstGeom>
-          <a:ln>
-            <a:noFill/>
-          </a:ln>
-        </p:spPr>
-        <p:style>
-          <a:lnRef idx="2">
-            <a:schemeClr val="accent1">
-              <a:shade val="50000"/>
-            </a:schemeClr>
-          </a:lnRef>
-          <a:fillRef idx="1">
-            <a:schemeClr val="accent1"/>
-          </a:fillRef>
-          <a:effectRef idx="0">
-            <a:schemeClr val="accent1"/>
-          </a:effectRef>
-          <a:fontRef idx="minor">
-            <a:schemeClr val="lt1"/>
-          </a:fontRef>
-        </p:style>
-        <p:txBody>
-          <a:bodyPr rtlCol="0" anchor="ctr"/>
-          <a:lstStyle/>
-          <a:p>
-            <a:pPr algn="ctr"/>
-            <a:endParaRPr lang="en-US"/>
-          </a:p>
-        </p:txBody>
-      </p:sp>
-      <p:pic>
-        <p:nvPicPr>
-          <p:cNvPr id="23" name="Picture 22">
-            <a:extLst>
-              <a:ext uri="{FF2B5EF4-FFF2-40B4-BE49-F238E27FC236}">
-                <a16:creationId xmlns:a16="http://schemas.microsoft.com/office/drawing/2014/main" id="{B3C087F8-F09C-4C07-B55F-6081689A2413}"/>
-              </a:ext>
-              <a:ext uri="{C183D7F6-B498-43B3-948B-1728B52AA6E4}">
-                <adec:decorative xmlns:adec="http://schemas.microsoft.com/office/drawing/2017/decorative" val="1"/>
-              </a:ext>
-            </a:extLst>
-          </p:cNvPr>
-          <p:cNvPicPr>
-            <a:picLocks noGrp="1" noRot="1" noChangeAspect="1" noMove="1" noResize="1" noEditPoints="1" noAdjustHandles="1" noChangeArrowheads="1" noChangeShapeType="1" noCrop="1"/>
-          </p:cNvPicPr>
-          <p:nvPr>
-            <p:extLst>
-              <p:ext uri="{386F3935-93C4-4BCD-93E2-E3B085C9AB24}">
-                <p16:designElem xmlns:p16="http://schemas.microsoft.com/office/powerpoint/2015/main" val="1"/>
-              </p:ext>
-            </p:extLst>
-          </p:nvPr>
-        </p:nvPicPr>
-        <p:blipFill>
-          <a:blip r:embed="rId2">
-            <a:alphaModFix amt="10000"/>
-            <a:extLst>
-              <a:ext uri="{28A0092B-C50C-407E-A947-70E740481C1C}">
-                <a14:useLocalDpi xmlns:a14="http://schemas.microsoft.com/office/drawing/2010/main" val="0"/>
-              </a:ext>
-            </a:extLst>
-          </a:blip>
-          <a:stretch>
-            <a:fillRect/>
-          </a:stretch>
-        </p:blipFill>
-        <p:spPr>
-          <a:xfrm>
-            <a:off x="0" y="0"/>
-            <a:ext cx="12192000" cy="6858000"/>
-          </a:xfrm>
-          <a:prstGeom prst="rect">
-            <a:avLst/>
-          </a:prstGeom>
-        </p:spPr>
-      </p:pic>
-      <p:sp>
-        <p:nvSpPr>
-          <p:cNvPr id="25" name="Rectangle 24">
-            <a:extLst>
-              <a:ext uri="{FF2B5EF4-FFF2-40B4-BE49-F238E27FC236}">
-                <a16:creationId xmlns:a16="http://schemas.microsoft.com/office/drawing/2014/main" id="{FC49D257-5737-4C0D-89EA-9C311AF2B8B5}"/>
-              </a:ext>
-              <a:ext uri="{C183D7F6-B498-43B3-948B-1728B52AA6E4}">
-                <adec:decorative xmlns:adec="http://schemas.microsoft.com/office/drawing/2017/decorative" val="1"/>
-              </a:ext>
-            </a:extLst>
-          </p:cNvPr>
-          <p:cNvSpPr>
-            <a:spLocks noGrp="1" noRot="1" noChangeAspect="1" noMove="1" noResize="1" noEditPoints="1" noAdjustHandles="1" noChangeArrowheads="1" noChangeShapeType="1" noTextEdit="1"/>
-          </p:cNvSpPr>
-          <p:nvPr>
-            <p:extLst>
-              <p:ext uri="{386F3935-93C4-4BCD-93E2-E3B085C9AB24}">
-                <p16:designElem xmlns:p16="http://schemas.microsoft.com/office/powerpoint/2015/main" val="1"/>
-              </p:ext>
-            </p:extLst>
-          </p:nvPr>
-        </p:nvSpPr>
-        <p:spPr>
-          <a:xfrm>
-            <a:off x="6099176" y="0"/>
-            <a:ext cx="6092824" cy="6858001"/>
-          </a:xfrm>
-          <a:prstGeom prst="rect">
-            <a:avLst/>
-          </a:prstGeom>
-          <a:ln>
-            <a:noFill/>
-          </a:ln>
-        </p:spPr>
-        <p:style>
-          <a:lnRef idx="2">
-            <a:schemeClr val="accent1">
-              <a:shade val="50000"/>
-            </a:schemeClr>
-          </a:lnRef>
-          <a:fillRef idx="1">
-            <a:schemeClr val="accent1"/>
-          </a:fillRef>
-          <a:effectRef idx="0">
-            <a:schemeClr val="accent1"/>
-          </a:effectRef>
-          <a:fontRef idx="minor">
-            <a:schemeClr val="lt1"/>
-          </a:fontRef>
-        </p:style>
-        <p:txBody>
-          <a:bodyPr rtlCol="0" anchor="ctr"/>
-          <a:lstStyle/>
-          <a:p>
-            <a:pPr algn="ctr"/>
-            <a:endParaRPr lang="en-US"/>
-          </a:p>
-        </p:txBody>
-      </p:sp>
-      <p:pic>
-        <p:nvPicPr>
-          <p:cNvPr id="27" name="Picture 26">
-            <a:extLst>
-              <a:ext uri="{FF2B5EF4-FFF2-40B4-BE49-F238E27FC236}">
-                <a16:creationId xmlns:a16="http://schemas.microsoft.com/office/drawing/2014/main" id="{E13D267A-94F5-488A-94C6-5D7156D9AF8C}"/>
-              </a:ext>
-              <a:ext uri="{C183D7F6-B498-43B3-948B-1728B52AA6E4}">
-                <adec:decorative xmlns:adec="http://schemas.microsoft.com/office/drawing/2017/decorative" val="1"/>
-              </a:ext>
-            </a:extLst>
-          </p:cNvPr>
-          <p:cNvPicPr>
-            <a:picLocks noGrp="1" noRot="1" noChangeAspect="1" noMove="1" noResize="1" noEditPoints="1" noAdjustHandles="1" noChangeArrowheads="1" noChangeShapeType="1" noCrop="1"/>
-          </p:cNvPicPr>
-          <p:nvPr>
-            <p:extLst>
-              <p:ext uri="{386F3935-93C4-4BCD-93E2-E3B085C9AB24}">
-                <p16:designElem xmlns:p16="http://schemas.microsoft.com/office/powerpoint/2015/main" val="1"/>
-              </p:ext>
-            </p:extLst>
-          </p:nvPr>
-        </p:nvPicPr>
-        <p:blipFill>
-          <a:blip r:embed="rId3">
-            <a:extLst>
-              <a:ext uri="{28A0092B-C50C-407E-A947-70E740481C1C}">
-                <a14:useLocalDpi xmlns:a14="http://schemas.microsoft.com/office/drawing/2010/main" val="0"/>
-              </a:ext>
-            </a:extLst>
-          </a:blip>
-          <a:stretch>
-            <a:fillRect/>
-          </a:stretch>
-        </p:blipFill>
-        <p:spPr>
-          <a:xfrm>
-            <a:off x="1" y="4688333"/>
-            <a:ext cx="6400800" cy="185701"/>
-          </a:xfrm>
-          <a:prstGeom prst="rect">
-            <a:avLst/>
-          </a:prstGeom>
-        </p:spPr>
-      </p:pic>
-      <p:sp>
-        <p:nvSpPr>
-          <p:cNvPr id="29" name="Rectangle 28">
-            <a:extLst>
-              <a:ext uri="{FF2B5EF4-FFF2-40B4-BE49-F238E27FC236}">
-                <a16:creationId xmlns:a16="http://schemas.microsoft.com/office/drawing/2014/main" id="{46CE3EB2-91DF-4F5D-8874-744AAAE311E1}"/>
-              </a:ext>
-              <a:ext uri="{C183D7F6-B498-43B3-948B-1728B52AA6E4}">
-                <adec:decorative xmlns:adec="http://schemas.microsoft.com/office/drawing/2017/decorative" val="1"/>
-              </a:ext>
-            </a:extLst>
-          </p:cNvPr>
-          <p:cNvSpPr>
-            <a:spLocks noGrp="1" noRot="1" noChangeAspect="1" noMove="1" noResize="1" noEditPoints="1" noAdjustHandles="1" noChangeArrowheads="1" noChangeShapeType="1" noTextEdit="1"/>
-          </p:cNvSpPr>
-          <p:nvPr>
-            <p:extLst>
-              <p:ext uri="{386F3935-93C4-4BCD-93E2-E3B085C9AB24}">
-                <p16:designElem xmlns:p16="http://schemas.microsoft.com/office/powerpoint/2015/main" val="1"/>
-              </p:ext>
-            </p:extLst>
-          </p:nvPr>
-        </p:nvSpPr>
-        <p:spPr>
-          <a:xfrm>
-            <a:off x="-1" y="2162908"/>
-            <a:ext cx="6411743" cy="2532185"/>
-          </a:xfrm>
-          <a:prstGeom prst="rect">
-            <a:avLst/>
-          </a:prstGeom>
-          <a:solidFill>
-            <a:schemeClr val="bg1">
-              <a:lumMod val="85000"/>
-              <a:lumOff val="15000"/>
-            </a:schemeClr>
-          </a:solidFill>
-          <a:ln>
-            <a:noFill/>
-          </a:ln>
-        </p:spPr>
-        <p:style>
-          <a:lnRef idx="2">
-            <a:schemeClr val="accent1">
-              <a:shade val="50000"/>
-            </a:schemeClr>
-          </a:lnRef>
-          <a:fillRef idx="1">
-            <a:schemeClr val="accent1"/>
-          </a:fillRef>
-          <a:effectRef idx="0">
-            <a:schemeClr val="accent1"/>
-          </a:effectRef>
-          <a:fontRef idx="minor">
-            <a:schemeClr val="lt1"/>
-          </a:fontRef>
-        </p:style>
-      </p:sp>
-      <p:sp>
-        <p:nvSpPr>
-          <p:cNvPr id="2" name="Tytuł 1">
-            <a:extLst>
-              <a:ext uri="{FF2B5EF4-FFF2-40B4-BE49-F238E27FC236}">
-                <a16:creationId xmlns:a16="http://schemas.microsoft.com/office/drawing/2014/main" id="{19DA3A90-709B-45A7-A9D0-9ABDD69621A6}"/>
-              </a:ext>
-            </a:extLst>
-          </p:cNvPr>
-          <p:cNvSpPr>
-            <a:spLocks noGrp="1"/>
-          </p:cNvSpPr>
-          <p:nvPr>
-            <p:ph type="title"/>
-          </p:nvPr>
-        </p:nvSpPr>
-        <p:spPr>
-          <a:xfrm>
-            <a:off x="153989" y="2353444"/>
-            <a:ext cx="6092824" cy="2133600"/>
-          </a:xfrm>
-        </p:spPr>
-        <p:txBody>
-          <a:bodyPr vert="horz" lIns="91440" tIns="45720" rIns="91440" bIns="45720" rtlCol="0" anchor="ctr">
-            <a:normAutofit/>
-          </a:bodyPr>
-          <a:lstStyle/>
-          <a:p>
-            <a:pPr algn="r"/>
-            <a:r>
-              <a:rPr lang="en-US" sz="5400" dirty="0" err="1"/>
-              <a:t>Oferta</a:t>
-            </a:r>
-            <a:r>
-              <a:rPr lang="en-US" sz="5400" dirty="0"/>
-              <a:t> </a:t>
-            </a:r>
-            <a:r>
-              <a:rPr lang="en-US" sz="5400" dirty="0" err="1"/>
-              <a:t>dla</a:t>
-            </a:r>
-            <a:r>
-              <a:rPr lang="en-US" sz="5400" dirty="0"/>
-              <a:t> </a:t>
-            </a:r>
-            <a:r>
-              <a:rPr lang="en-US" sz="5400" dirty="0" err="1"/>
-              <a:t>klienta</a:t>
-            </a:r>
-            <a:endParaRPr lang="en-US" sz="5400" dirty="0"/>
-          </a:p>
-        </p:txBody>
-      </p:sp>
-      <p:pic>
-        <p:nvPicPr>
-          <p:cNvPr id="6" name="Grafika 5">
-            <a:extLst>
-              <a:ext uri="{FF2B5EF4-FFF2-40B4-BE49-F238E27FC236}">
-                <a16:creationId xmlns:a16="http://schemas.microsoft.com/office/drawing/2014/main" id="{9D52F2D7-8BE2-47E9-A38D-0154EE4E9BF4}"/>
-              </a:ext>
-            </a:extLst>
-          </p:cNvPr>
-          <p:cNvPicPr>
-            <a:picLocks noChangeAspect="1"/>
-          </p:cNvPicPr>
-          <p:nvPr/>
-        </p:nvPicPr>
-        <p:blipFill>
-          <a:blip r:embed="rId5">
-            <a:extLst>
-              <a:ext uri="{28A0092B-C50C-407E-A947-70E740481C1C}">
-                <a14:useLocalDpi xmlns:a14="http://schemas.microsoft.com/office/drawing/2010/main" val="0"/>
-              </a:ext>
-              <a:ext uri="{96DAC541-7B7A-43D3-8B79-37D633B846F1}">
-                <asvg:svgBlip xmlns:asvg="http://schemas.microsoft.com/office/drawing/2016/SVG/main" r:embed="rId6"/>
-              </a:ext>
-            </a:extLst>
-          </a:blip>
-          <a:stretch>
-            <a:fillRect/>
-          </a:stretch>
-        </p:blipFill>
-        <p:spPr>
-          <a:xfrm>
-            <a:off x="6411742" y="641987"/>
-            <a:ext cx="5682703" cy="5539517"/>
-          </a:xfrm>
-          <a:prstGeom prst="rect">
-            <a:avLst/>
-          </a:prstGeom>
-          <a:ln>
-            <a:noFill/>
-          </a:ln>
-          <a:effectLst>
-            <a:outerShdw blurRad="76200" dist="63500" dir="5040000" algn="tl" rotWithShape="0">
-              <a:srgbClr val="000000">
-                <a:alpha val="41000"/>
-              </a:srgbClr>
-            </a:outerShdw>
-          </a:effectLst>
-        </p:spPr>
-      </p:pic>
-      <p:sp>
-        <p:nvSpPr>
-          <p:cNvPr id="3" name="Symbol zastępczy numeru slajdu 2">
-            <a:extLst>
-              <a:ext uri="{FF2B5EF4-FFF2-40B4-BE49-F238E27FC236}">
-                <a16:creationId xmlns:a16="http://schemas.microsoft.com/office/drawing/2014/main" id="{E2E58A61-4D6C-4842-B21E-D1F4E52A61A8}"/>
-              </a:ext>
-            </a:extLst>
-          </p:cNvPr>
-          <p:cNvSpPr>
-            <a:spLocks noGrp="1"/>
-          </p:cNvSpPr>
-          <p:nvPr>
-            <p:ph type="sldNum" sz="quarter" idx="12"/>
-          </p:nvPr>
-        </p:nvSpPr>
-        <p:spPr>
-          <a:xfrm>
-            <a:off x="11281776" y="6336872"/>
-            <a:ext cx="722655" cy="365760"/>
-          </a:xfrm>
-        </p:spPr>
-        <p:txBody>
-          <a:bodyPr vert="horz" lIns="91440" tIns="45720" rIns="91440" bIns="45720" rtlCol="0" anchor="ctr">
-            <a:normAutofit/>
-          </a:bodyPr>
-          <a:lstStyle/>
-          <a:p>
-            <a:pPr defTabSz="914400">
-              <a:spcAft>
-                <a:spcPts val="600"/>
-              </a:spcAft>
-            </a:pPr>
-            <a:fld id="{73EBA5C1-EA0D-4D38-B474-3131B775EA3E}" type="slidenum">
-              <a:rPr lang="en-US" sz="1400">
-                <a:solidFill>
-                  <a:srgbClr val="FFFFFF"/>
-                </a:solidFill>
-              </a:rPr>
-              <a:pPr defTabSz="914400">
-                <a:spcAft>
-                  <a:spcPts val="600"/>
-                </a:spcAft>
-              </a:pPr>
-              <a:t>28</a:t>
-            </a:fld>
-            <a:endParaRPr lang="en-US" sz="1400">
-              <a:solidFill>
-                <a:srgbClr val="FFFFFF"/>
-              </a:solidFill>
-            </a:endParaRPr>
-          </a:p>
-        </p:txBody>
-      </p:sp>
-    </p:spTree>
-    <p:extLst>
-      <p:ext uri="{BB962C8B-B14F-4D97-AF65-F5344CB8AC3E}">
-        <p14:creationId xmlns:p14="http://schemas.microsoft.com/office/powerpoint/2010/main" val="832810156"/>
       </p:ext>
     </p:extLst>
   </p:cSld>
@@ -24592,7 +23196,7 @@
           <p:cNvPr id="2" name="Tytuł 1">
             <a:extLst>
               <a:ext uri="{FF2B5EF4-FFF2-40B4-BE49-F238E27FC236}">
-                <a16:creationId xmlns:a16="http://schemas.microsoft.com/office/drawing/2014/main" id="{9A9CFD2E-1CB9-4BE0-A19F-39F50F06787F}"/>
+                <a16:creationId xmlns:a16="http://schemas.microsoft.com/office/drawing/2014/main" id="{19DA3A90-709B-45A7-A9D0-9ABDD69621A6}"/>
               </a:ext>
             </a:extLst>
           </p:cNvPr>
@@ -24605,8 +23209,8 @@
         </p:nvSpPr>
         <p:spPr>
           <a:xfrm>
-            <a:off x="680322" y="2403231"/>
-            <a:ext cx="5192940" cy="2133600"/>
+            <a:off x="153989" y="2353444"/>
+            <a:ext cx="6092824" cy="2133600"/>
           </a:xfrm>
         </p:spPr>
         <p:txBody>
@@ -24617,9 +23221,26 @@
           <a:p>
             <a:pPr algn="r"/>
             <a:r>
-              <a:rPr lang="en-US" sz="5400"/>
-              <a:t>Wypłata</a:t>
-            </a:r>
+              <a:rPr lang="en-US" sz="5400" dirty="0" err="1"/>
+              <a:t>Oferta</a:t>
+            </a:r>
+            <a:r>
+              <a:rPr lang="en-US" sz="5400" dirty="0"/>
+              <a:t> </a:t>
+            </a:r>
+            <a:r>
+              <a:rPr lang="en-US" sz="5400" dirty="0" err="1"/>
+              <a:t>dla</a:t>
+            </a:r>
+            <a:r>
+              <a:rPr lang="en-US" sz="5400" dirty="0"/>
+              <a:t> </a:t>
+            </a:r>
+            <a:r>
+              <a:rPr lang="en-US" sz="5400" dirty="0" err="1"/>
+              <a:t>klienta</a:t>
+            </a:r>
+            <a:endParaRPr lang="en-US" sz="5400" dirty="0"/>
           </a:p>
         </p:txBody>
       </p:sp>
@@ -24628,7 +23249,7 @@
           <p:cNvPr id="6" name="Grafika 5">
             <a:extLst>
               <a:ext uri="{FF2B5EF4-FFF2-40B4-BE49-F238E27FC236}">
-                <a16:creationId xmlns:a16="http://schemas.microsoft.com/office/drawing/2014/main" id="{85F13346-7A7E-42F0-9E19-DD3D04A713B3}"/>
+                <a16:creationId xmlns:a16="http://schemas.microsoft.com/office/drawing/2014/main" id="{9D52F2D7-8BE2-47E9-A38D-0154EE4E9BF4}"/>
               </a:ext>
             </a:extLst>
           </p:cNvPr>
@@ -24654,8 +23275,8 @@
         </p:blipFill>
         <p:spPr>
           <a:xfrm>
-            <a:off x="6748892" y="363396"/>
-            <a:ext cx="4585511" cy="6213269"/>
+            <a:off x="6411742" y="641987"/>
+            <a:ext cx="5682703" cy="5539517"/>
           </a:xfrm>
           <a:prstGeom prst="rect">
             <a:avLst/>
@@ -24677,7 +23298,7 @@
           <p:cNvPr id="3" name="Symbol zastępczy numeru slajdu 2">
             <a:extLst>
               <a:ext uri="{FF2B5EF4-FFF2-40B4-BE49-F238E27FC236}">
-                <a16:creationId xmlns:a16="http://schemas.microsoft.com/office/drawing/2014/main" id="{CE7AD045-BE5B-4573-88F7-306DABEE216F}"/>
+                <a16:creationId xmlns:a16="http://schemas.microsoft.com/office/drawing/2014/main" id="{E2E58A61-4D6C-4842-B21E-D1F4E52A61A8}"/>
               </a:ext>
             </a:extLst>
           </p:cNvPr>
@@ -24729,7 +23350,7 @@
     </p:spTree>
     <p:extLst>
       <p:ext uri="{BB962C8B-B14F-4D97-AF65-F5344CB8AC3E}">
-        <p14:creationId xmlns:p14="http://schemas.microsoft.com/office/powerpoint/2010/main" val="1920037621"/>
+        <p14:creationId xmlns:p14="http://schemas.microsoft.com/office/powerpoint/2010/main" val="832810156"/>
       </p:ext>
     </p:extLst>
   </p:cSld>
@@ -24925,7 +23546,7 @@
       </p:grpSpPr>
       <p:pic>
         <p:nvPicPr>
-          <p:cNvPr id="59" name="Picture 58">
+          <p:cNvPr id="11" name="Picture 10">
             <a:extLst>
               <a:ext uri="{FF2B5EF4-FFF2-40B4-BE49-F238E27FC236}">
                 <a16:creationId xmlns:a16="http://schemas.microsoft.com/office/drawing/2014/main" id="{5321D838-2C7E-4177-9DD3-DAC78324A2B2}"/>
@@ -24971,7 +23592,7 @@
       </p:pic>
       <p:pic>
         <p:nvPicPr>
-          <p:cNvPr id="61" name="Picture 60">
+          <p:cNvPr id="13" name="Picture 12">
             <a:extLst>
               <a:ext uri="{FF2B5EF4-FFF2-40B4-BE49-F238E27FC236}">
                 <a16:creationId xmlns:a16="http://schemas.microsoft.com/office/drawing/2014/main" id="{0146E45C-1450-4186-B501-74F221F897A8}"/>
@@ -25016,7 +23637,7 @@
       </p:pic>
       <p:pic>
         <p:nvPicPr>
-          <p:cNvPr id="63" name="Picture 62">
+          <p:cNvPr id="15" name="Picture 14">
             <a:extLst>
               <a:ext uri="{FF2B5EF4-FFF2-40B4-BE49-F238E27FC236}">
                 <a16:creationId xmlns:a16="http://schemas.microsoft.com/office/drawing/2014/main" id="{EEDDA48B-BC04-4915-ADA3-A1A9522EB0D1}"/>
@@ -25061,7 +23682,7 @@
       </p:pic>
       <p:sp>
         <p:nvSpPr>
-          <p:cNvPr id="65" name="Rectangle 64">
+          <p:cNvPr id="17" name="Rectangle 16">
             <a:extLst>
               <a:ext uri="{FF2B5EF4-FFF2-40B4-BE49-F238E27FC236}">
                 <a16:creationId xmlns:a16="http://schemas.microsoft.com/office/drawing/2014/main" id="{78C9D07A-5A22-4E55-B18A-47CF07E5080D}"/>
@@ -25119,7 +23740,7 @@
       </p:sp>
       <p:sp>
         <p:nvSpPr>
-          <p:cNvPr id="67" name="Rectangle 66">
+          <p:cNvPr id="19" name="Rectangle 18">
             <a:extLst>
               <a:ext uri="{FF2B5EF4-FFF2-40B4-BE49-F238E27FC236}">
                 <a16:creationId xmlns:a16="http://schemas.microsoft.com/office/drawing/2014/main" id="{3D71E629-0739-4A59-972B-A9E9A4500E31}"/>
@@ -25174,10 +23795,10 @@
       </p:sp>
       <p:sp useBgFill="1">
         <p:nvSpPr>
-          <p:cNvPr id="69" name="Rectangle 68">
+          <p:cNvPr id="21" name="Rectangle 20">
             <a:extLst>
               <a:ext uri="{FF2B5EF4-FFF2-40B4-BE49-F238E27FC236}">
-                <a16:creationId xmlns:a16="http://schemas.microsoft.com/office/drawing/2014/main" id="{2F84762E-7FCC-4EAF-B9E7-CE7214491E0D}"/>
+                <a16:creationId xmlns:a16="http://schemas.microsoft.com/office/drawing/2014/main" id="{00573A24-AD84-4562-A993-7D04E1D18209}"/>
               </a:ext>
               <a:ext uri="{C183D7F6-B498-43B3-948B-1728B52AA6E4}">
                 <adec:decorative xmlns:adec="http://schemas.microsoft.com/office/drawing/2017/decorative" val="1"/>
@@ -25234,10 +23855,10 @@
       </p:sp>
       <p:pic>
         <p:nvPicPr>
-          <p:cNvPr id="71" name="Picture 70">
+          <p:cNvPr id="23" name="Picture 22">
             <a:extLst>
               <a:ext uri="{FF2B5EF4-FFF2-40B4-BE49-F238E27FC236}">
-                <a16:creationId xmlns:a16="http://schemas.microsoft.com/office/drawing/2014/main" id="{927A1389-2A5D-4886-AD82-F213767E673F}"/>
+                <a16:creationId xmlns:a16="http://schemas.microsoft.com/office/drawing/2014/main" id="{B3C087F8-F09C-4C07-B55F-6081689A2413}"/>
               </a:ext>
               <a:ext uri="{C183D7F6-B498-43B3-948B-1728B52AA6E4}">
                 <adec:decorative xmlns:adec="http://schemas.microsoft.com/office/drawing/2017/decorative" val="1"/>
@@ -25270,7 +23891,7 @@
         </p:blipFill>
         <p:spPr>
           <a:xfrm>
-            <a:off x="0" y="-8207"/>
+            <a:off x="0" y="0"/>
             <a:ext cx="12192000" cy="6858000"/>
           </a:xfrm>
           <a:prstGeom prst="rect">
@@ -25280,10 +23901,10 @@
       </p:pic>
       <p:sp>
         <p:nvSpPr>
-          <p:cNvPr id="73" name="Rectangle 72">
+          <p:cNvPr id="25" name="Rectangle 24">
             <a:extLst>
               <a:ext uri="{FF2B5EF4-FFF2-40B4-BE49-F238E27FC236}">
-                <a16:creationId xmlns:a16="http://schemas.microsoft.com/office/drawing/2014/main" id="{A1038667-0C3F-4764-A24D-DA9D9B474851}"/>
+                <a16:creationId xmlns:a16="http://schemas.microsoft.com/office/drawing/2014/main" id="{FC49D257-5737-4C0D-89EA-9C311AF2B8B5}"/>
               </a:ext>
               <a:ext uri="{C183D7F6-B498-43B3-948B-1728B52AA6E4}">
                 <adec:decorative xmlns:adec="http://schemas.microsoft.com/office/drawing/2017/decorative" val="1"/>
@@ -25303,8 +23924,8 @@
         </p:nvSpPr>
         <p:spPr>
           <a:xfrm>
-            <a:off x="4644527" y="0"/>
-            <a:ext cx="7552944" cy="6858001"/>
+            <a:off x="6099176" y="0"/>
+            <a:ext cx="6092824" cy="6858001"/>
           </a:xfrm>
           <a:prstGeom prst="rect">
             <a:avLst/>
@@ -25340,10 +23961,10 @@
       </p:sp>
       <p:pic>
         <p:nvPicPr>
-          <p:cNvPr id="75" name="Picture 74">
+          <p:cNvPr id="27" name="Picture 26">
             <a:extLst>
               <a:ext uri="{FF2B5EF4-FFF2-40B4-BE49-F238E27FC236}">
-                <a16:creationId xmlns:a16="http://schemas.microsoft.com/office/drawing/2014/main" id="{6AC2195B-895A-4535-8ECD-9F5B669C5CA5}"/>
+                <a16:creationId xmlns:a16="http://schemas.microsoft.com/office/drawing/2014/main" id="{E13D267A-94F5-488A-94C6-5D7156D9AF8C}"/>
               </a:ext>
               <a:ext uri="{C183D7F6-B498-43B3-948B-1728B52AA6E4}">
                 <adec:decorative xmlns:adec="http://schemas.microsoft.com/office/drawing/2017/decorative" val="1"/>
@@ -25362,7 +23983,7 @@
           </p:nvPr>
         </p:nvPicPr>
         <p:blipFill>
-          <a:blip r:embed="rId5" cstate="print">
+          <a:blip r:embed="rId3">
             <a:extLst>
               <a:ext uri="{28A0092B-C50C-407E-A947-70E740481C1C}">
                 <a14:useLocalDpi xmlns:a14="http://schemas.microsoft.com/office/drawing/2010/main" val="0"/>
@@ -25375,8 +23996,8 @@
         </p:blipFill>
         <p:spPr>
           <a:xfrm>
-            <a:off x="1" y="5006045"/>
-            <a:ext cx="4965192" cy="144049"/>
+            <a:off x="1" y="4688333"/>
+            <a:ext cx="6400800" cy="185701"/>
           </a:xfrm>
           <a:prstGeom prst="rect">
             <a:avLst/>
@@ -25385,10 +24006,10 @@
       </p:pic>
       <p:sp>
         <p:nvSpPr>
-          <p:cNvPr id="77" name="Rectangle 76">
+          <p:cNvPr id="29" name="Rectangle 28">
             <a:extLst>
               <a:ext uri="{FF2B5EF4-FFF2-40B4-BE49-F238E27FC236}">
-                <a16:creationId xmlns:a16="http://schemas.microsoft.com/office/drawing/2014/main" id="{571EEFCA-9235-4BC2-85C3-A4EC6EE57AC4}"/>
+                <a16:creationId xmlns:a16="http://schemas.microsoft.com/office/drawing/2014/main" id="{46CE3EB2-91DF-4F5D-8874-744AAAE311E1}"/>
               </a:ext>
               <a:ext uri="{C183D7F6-B498-43B3-948B-1728B52AA6E4}">
                 <adec:decorative xmlns:adec="http://schemas.microsoft.com/office/drawing/2017/decorative" val="1"/>
@@ -25408,8 +24029,8 @@
         </p:nvSpPr>
         <p:spPr>
           <a:xfrm>
-            <a:off x="-1" y="1838764"/>
-            <a:ext cx="4964567" cy="3180473"/>
+            <a:off x="-1" y="2162908"/>
+            <a:ext cx="6411743" cy="2532185"/>
           </a:xfrm>
           <a:prstGeom prst="rect">
             <a:avLst/>
@@ -25446,7 +24067,7 @@
           <p:cNvPr id="2" name="Tytuł 1">
             <a:extLst>
               <a:ext uri="{FF2B5EF4-FFF2-40B4-BE49-F238E27FC236}">
-                <a16:creationId xmlns:a16="http://schemas.microsoft.com/office/drawing/2014/main" id="{E1F8C03E-5A14-439F-B27D-CDD677731858}"/>
+                <a16:creationId xmlns:a16="http://schemas.microsoft.com/office/drawing/2014/main" id="{9A9CFD2E-1CB9-4BE0-A19F-39F50F06787F}"/>
               </a:ext>
             </a:extLst>
           </p:cNvPr>
@@ -25459,8 +24080,8 @@
         </p:nvSpPr>
         <p:spPr>
           <a:xfrm>
-            <a:off x="680322" y="2063262"/>
-            <a:ext cx="3739278" cy="2661138"/>
+            <a:off x="680322" y="2403231"/>
+            <a:ext cx="5192940" cy="2133600"/>
           </a:xfrm>
         </p:spPr>
         <p:txBody>
@@ -25472,26 +24093,17 @@
             <a:pPr algn="r"/>
             <a:r>
               <a:rPr lang="en-US" sz="5400"/>
-              <a:t>Wydanie</a:t>
-            </a:r>
-            <a:r>
-              <a:rPr lang="en-US" sz="5400" dirty="0"/>
-              <a:t> </a:t>
-            </a:r>
-            <a:r>
-              <a:rPr lang="en-US" sz="5400"/>
-              <a:t>faktury</a:t>
-            </a:r>
-            <a:endParaRPr lang="en-US" sz="5400" dirty="0"/>
+              <a:t>Wypłata</a:t>
+            </a:r>
           </a:p>
         </p:txBody>
       </p:sp>
       <p:pic>
         <p:nvPicPr>
-          <p:cNvPr id="8" name="Grafika 7">
+          <p:cNvPr id="6" name="Grafika 5">
             <a:extLst>
               <a:ext uri="{FF2B5EF4-FFF2-40B4-BE49-F238E27FC236}">
-                <a16:creationId xmlns:a16="http://schemas.microsoft.com/office/drawing/2014/main" id="{B5B8E344-7EF3-4110-8517-BC070B32CE01}"/>
+                <a16:creationId xmlns:a16="http://schemas.microsoft.com/office/drawing/2014/main" id="{85F13346-7A7E-42F0-9E19-DD3D04A713B3}"/>
               </a:ext>
             </a:extLst>
           </p:cNvPr>
@@ -25501,13 +24113,13 @@
           <p:nvPr/>
         </p:nvPicPr>
         <p:blipFill>
-          <a:blip r:embed="rId6">
+          <a:blip r:embed="rId5">
             <a:extLst>
               <a:ext uri="{28A0092B-C50C-407E-A947-70E740481C1C}">
                 <a14:useLocalDpi xmlns:a14="http://schemas.microsoft.com/office/drawing/2010/main" val="0"/>
               </a:ext>
               <a:ext uri="{96DAC541-7B7A-43D3-8B79-37D633B846F1}">
-                <asvg:svgBlip xmlns:asvg="http://schemas.microsoft.com/office/drawing/2016/SVG/main" r:embed="rId7"/>
+                <asvg:svgBlip xmlns:asvg="http://schemas.microsoft.com/office/drawing/2016/SVG/main" r:embed="rId6"/>
               </a:ext>
             </a:extLst>
           </a:blip>
@@ -25517,8 +24129,8 @@
         </p:blipFill>
         <p:spPr>
           <a:xfrm>
-            <a:off x="5189493" y="243191"/>
-            <a:ext cx="6597241" cy="6233613"/>
+            <a:off x="6748892" y="363396"/>
+            <a:ext cx="4585511" cy="6213269"/>
           </a:xfrm>
           <a:prstGeom prst="rect">
             <a:avLst/>
@@ -25540,7 +24152,7 @@
           <p:cNvPr id="3" name="Symbol zastępczy numeru slajdu 2">
             <a:extLst>
               <a:ext uri="{FF2B5EF4-FFF2-40B4-BE49-F238E27FC236}">
-                <a16:creationId xmlns:a16="http://schemas.microsoft.com/office/drawing/2014/main" id="{59A3BE92-0BF7-41DD-BDA8-C8E38AD38D2E}"/>
+                <a16:creationId xmlns:a16="http://schemas.microsoft.com/office/drawing/2014/main" id="{CE7AD045-BE5B-4573-88F7-306DABEE216F}"/>
               </a:ext>
             </a:extLst>
           </p:cNvPr>
@@ -25592,7 +24204,7 @@
     </p:spTree>
     <p:extLst>
       <p:ext uri="{BB962C8B-B14F-4D97-AF65-F5344CB8AC3E}">
-        <p14:creationId xmlns:p14="http://schemas.microsoft.com/office/powerpoint/2010/main" val="3936350770"/>
+        <p14:creationId xmlns:p14="http://schemas.microsoft.com/office/powerpoint/2010/main" val="1920037621"/>
       </p:ext>
     </p:extLst>
   </p:cSld>
@@ -25656,7 +24268,7 @@
       </p:grpSpPr>
       <p:pic>
         <p:nvPicPr>
-          <p:cNvPr id="11" name="Picture 10">
+          <p:cNvPr id="59" name="Picture 58">
             <a:extLst>
               <a:ext uri="{FF2B5EF4-FFF2-40B4-BE49-F238E27FC236}">
                 <a16:creationId xmlns:a16="http://schemas.microsoft.com/office/drawing/2014/main" id="{5321D838-2C7E-4177-9DD3-DAC78324A2B2}"/>
@@ -25702,7 +24314,7 @@
       </p:pic>
       <p:pic>
         <p:nvPicPr>
-          <p:cNvPr id="13" name="Picture 12">
+          <p:cNvPr id="61" name="Picture 60">
             <a:extLst>
               <a:ext uri="{FF2B5EF4-FFF2-40B4-BE49-F238E27FC236}">
                 <a16:creationId xmlns:a16="http://schemas.microsoft.com/office/drawing/2014/main" id="{0146E45C-1450-4186-B501-74F221F897A8}"/>
@@ -25747,7 +24359,7 @@
       </p:pic>
       <p:pic>
         <p:nvPicPr>
-          <p:cNvPr id="15" name="Picture 14">
+          <p:cNvPr id="63" name="Picture 62">
             <a:extLst>
               <a:ext uri="{FF2B5EF4-FFF2-40B4-BE49-F238E27FC236}">
                 <a16:creationId xmlns:a16="http://schemas.microsoft.com/office/drawing/2014/main" id="{EEDDA48B-BC04-4915-ADA3-A1A9522EB0D1}"/>
@@ -25792,7 +24404,7 @@
       </p:pic>
       <p:sp>
         <p:nvSpPr>
-          <p:cNvPr id="17" name="Rectangle 16">
+          <p:cNvPr id="65" name="Rectangle 64">
             <a:extLst>
               <a:ext uri="{FF2B5EF4-FFF2-40B4-BE49-F238E27FC236}">
                 <a16:creationId xmlns:a16="http://schemas.microsoft.com/office/drawing/2014/main" id="{78C9D07A-5A22-4E55-B18A-47CF07E5080D}"/>
@@ -25850,7 +24462,7 @@
       </p:sp>
       <p:sp>
         <p:nvSpPr>
-          <p:cNvPr id="19" name="Rectangle 18">
+          <p:cNvPr id="67" name="Rectangle 66">
             <a:extLst>
               <a:ext uri="{FF2B5EF4-FFF2-40B4-BE49-F238E27FC236}">
                 <a16:creationId xmlns:a16="http://schemas.microsoft.com/office/drawing/2014/main" id="{3D71E629-0739-4A59-972B-A9E9A4500E31}"/>
@@ -25905,10 +24517,10 @@
       </p:sp>
       <p:sp useBgFill="1">
         <p:nvSpPr>
-          <p:cNvPr id="21" name="Rectangle 20">
+          <p:cNvPr id="69" name="Rectangle 68">
             <a:extLst>
               <a:ext uri="{FF2B5EF4-FFF2-40B4-BE49-F238E27FC236}">
-                <a16:creationId xmlns:a16="http://schemas.microsoft.com/office/drawing/2014/main" id="{00573A24-AD84-4562-A993-7D04E1D18209}"/>
+                <a16:creationId xmlns:a16="http://schemas.microsoft.com/office/drawing/2014/main" id="{2F84762E-7FCC-4EAF-B9E7-CE7214491E0D}"/>
               </a:ext>
               <a:ext uri="{C183D7F6-B498-43B3-948B-1728B52AA6E4}">
                 <adec:decorative xmlns:adec="http://schemas.microsoft.com/office/drawing/2017/decorative" val="1"/>
@@ -25965,10 +24577,10 @@
       </p:sp>
       <p:pic>
         <p:nvPicPr>
-          <p:cNvPr id="23" name="Picture 22">
+          <p:cNvPr id="71" name="Picture 70">
             <a:extLst>
               <a:ext uri="{FF2B5EF4-FFF2-40B4-BE49-F238E27FC236}">
-                <a16:creationId xmlns:a16="http://schemas.microsoft.com/office/drawing/2014/main" id="{B3C087F8-F09C-4C07-B55F-6081689A2413}"/>
+                <a16:creationId xmlns:a16="http://schemas.microsoft.com/office/drawing/2014/main" id="{927A1389-2A5D-4886-AD82-F213767E673F}"/>
               </a:ext>
               <a:ext uri="{C183D7F6-B498-43B3-948B-1728B52AA6E4}">
                 <adec:decorative xmlns:adec="http://schemas.microsoft.com/office/drawing/2017/decorative" val="1"/>
@@ -26001,7 +24613,7 @@
         </p:blipFill>
         <p:spPr>
           <a:xfrm>
-            <a:off x="0" y="0"/>
+            <a:off x="0" y="-8207"/>
             <a:ext cx="12192000" cy="6858000"/>
           </a:xfrm>
           <a:prstGeom prst="rect">
@@ -26011,10 +24623,10 @@
       </p:pic>
       <p:sp>
         <p:nvSpPr>
-          <p:cNvPr id="25" name="Rectangle 24">
+          <p:cNvPr id="73" name="Rectangle 72">
             <a:extLst>
               <a:ext uri="{FF2B5EF4-FFF2-40B4-BE49-F238E27FC236}">
-                <a16:creationId xmlns:a16="http://schemas.microsoft.com/office/drawing/2014/main" id="{FC49D257-5737-4C0D-89EA-9C311AF2B8B5}"/>
+                <a16:creationId xmlns:a16="http://schemas.microsoft.com/office/drawing/2014/main" id="{A1038667-0C3F-4764-A24D-DA9D9B474851}"/>
               </a:ext>
               <a:ext uri="{C183D7F6-B498-43B3-948B-1728B52AA6E4}">
                 <adec:decorative xmlns:adec="http://schemas.microsoft.com/office/drawing/2017/decorative" val="1"/>
@@ -26034,8 +24646,8 @@
         </p:nvSpPr>
         <p:spPr>
           <a:xfrm>
-            <a:off x="6099176" y="0"/>
-            <a:ext cx="6092824" cy="6858001"/>
+            <a:off x="4644527" y="0"/>
+            <a:ext cx="7552944" cy="6858001"/>
           </a:xfrm>
           <a:prstGeom prst="rect">
             <a:avLst/>
@@ -26071,10 +24683,10 @@
       </p:sp>
       <p:pic>
         <p:nvPicPr>
-          <p:cNvPr id="27" name="Picture 26">
+          <p:cNvPr id="75" name="Picture 74">
             <a:extLst>
               <a:ext uri="{FF2B5EF4-FFF2-40B4-BE49-F238E27FC236}">
-                <a16:creationId xmlns:a16="http://schemas.microsoft.com/office/drawing/2014/main" id="{E13D267A-94F5-488A-94C6-5D7156D9AF8C}"/>
+                <a16:creationId xmlns:a16="http://schemas.microsoft.com/office/drawing/2014/main" id="{6AC2195B-895A-4535-8ECD-9F5B669C5CA5}"/>
               </a:ext>
               <a:ext uri="{C183D7F6-B498-43B3-948B-1728B52AA6E4}">
                 <adec:decorative xmlns:adec="http://schemas.microsoft.com/office/drawing/2017/decorative" val="1"/>
@@ -26093,7 +24705,7 @@
           </p:nvPr>
         </p:nvPicPr>
         <p:blipFill>
-          <a:blip r:embed="rId3">
+          <a:blip r:embed="rId5" cstate="print">
             <a:extLst>
               <a:ext uri="{28A0092B-C50C-407E-A947-70E740481C1C}">
                 <a14:useLocalDpi xmlns:a14="http://schemas.microsoft.com/office/drawing/2010/main" val="0"/>
@@ -26106,8 +24718,8 @@
         </p:blipFill>
         <p:spPr>
           <a:xfrm>
-            <a:off x="1" y="4688333"/>
-            <a:ext cx="6400800" cy="185701"/>
+            <a:off x="1" y="5006045"/>
+            <a:ext cx="4965192" cy="144049"/>
           </a:xfrm>
           <a:prstGeom prst="rect">
             <a:avLst/>
@@ -26116,10 +24728,10 @@
       </p:pic>
       <p:sp>
         <p:nvSpPr>
-          <p:cNvPr id="29" name="Rectangle 28">
+          <p:cNvPr id="77" name="Rectangle 76">
             <a:extLst>
               <a:ext uri="{FF2B5EF4-FFF2-40B4-BE49-F238E27FC236}">
-                <a16:creationId xmlns:a16="http://schemas.microsoft.com/office/drawing/2014/main" id="{46CE3EB2-91DF-4F5D-8874-744AAAE311E1}"/>
+                <a16:creationId xmlns:a16="http://schemas.microsoft.com/office/drawing/2014/main" id="{571EEFCA-9235-4BC2-85C3-A4EC6EE57AC4}"/>
               </a:ext>
               <a:ext uri="{C183D7F6-B498-43B3-948B-1728B52AA6E4}">
                 <adec:decorative xmlns:adec="http://schemas.microsoft.com/office/drawing/2017/decorative" val="1"/>
@@ -26139,8 +24751,8 @@
         </p:nvSpPr>
         <p:spPr>
           <a:xfrm>
-            <a:off x="-1" y="2162908"/>
-            <a:ext cx="6411743" cy="2532185"/>
+            <a:off x="-1" y="1838764"/>
+            <a:ext cx="4964567" cy="3180473"/>
           </a:xfrm>
           <a:prstGeom prst="rect">
             <a:avLst/>
@@ -26177,7 +24789,7 @@
           <p:cNvPr id="2" name="Tytuł 1">
             <a:extLst>
               <a:ext uri="{FF2B5EF4-FFF2-40B4-BE49-F238E27FC236}">
-                <a16:creationId xmlns:a16="http://schemas.microsoft.com/office/drawing/2014/main" id="{FADA5054-ACC2-481A-94EC-C1483A2C0ACB}"/>
+                <a16:creationId xmlns:a16="http://schemas.microsoft.com/office/drawing/2014/main" id="{E1F8C03E-5A14-439F-B27D-CDD677731858}"/>
               </a:ext>
             </a:extLst>
           </p:cNvPr>
@@ -26190,8 +24802,8 @@
         </p:nvSpPr>
         <p:spPr>
           <a:xfrm>
-            <a:off x="680322" y="2403231"/>
-            <a:ext cx="5192940" cy="2133600"/>
+            <a:off x="680322" y="2063262"/>
+            <a:ext cx="3739278" cy="2661138"/>
           </a:xfrm>
         </p:spPr>
         <p:txBody>
@@ -26203,17 +24815,26 @@
             <a:pPr algn="r"/>
             <a:r>
               <a:rPr lang="en-US" sz="5400"/>
-              <a:t>Wpływy</a:t>
-            </a:r>
+              <a:t>Wydanie</a:t>
+            </a:r>
+            <a:r>
+              <a:rPr lang="en-US" sz="5400" dirty="0"/>
+              <a:t> </a:t>
+            </a:r>
+            <a:r>
+              <a:rPr lang="en-US" sz="5400"/>
+              <a:t>faktury</a:t>
+            </a:r>
+            <a:endParaRPr lang="en-US" sz="5400" dirty="0"/>
           </a:p>
         </p:txBody>
       </p:sp>
       <p:pic>
         <p:nvPicPr>
-          <p:cNvPr id="6" name="Grafika 5">
+          <p:cNvPr id="8" name="Grafika 7">
             <a:extLst>
               <a:ext uri="{FF2B5EF4-FFF2-40B4-BE49-F238E27FC236}">
-                <a16:creationId xmlns:a16="http://schemas.microsoft.com/office/drawing/2014/main" id="{5ED646B7-DFC7-4216-89FF-22CCBBD3AAD1}"/>
+                <a16:creationId xmlns:a16="http://schemas.microsoft.com/office/drawing/2014/main" id="{B5B8E344-7EF3-4110-8517-BC070B32CE01}"/>
               </a:ext>
             </a:extLst>
           </p:cNvPr>
@@ -26223,13 +24844,13 @@
           <p:nvPr/>
         </p:nvPicPr>
         <p:blipFill>
-          <a:blip r:embed="rId5">
+          <a:blip r:embed="rId6">
             <a:extLst>
               <a:ext uri="{28A0092B-C50C-407E-A947-70E740481C1C}">
                 <a14:useLocalDpi xmlns:a14="http://schemas.microsoft.com/office/drawing/2010/main" val="0"/>
               </a:ext>
               <a:ext uri="{96DAC541-7B7A-43D3-8B79-37D633B846F1}">
-                <asvg:svgBlip xmlns:asvg="http://schemas.microsoft.com/office/drawing/2016/SVG/main" r:embed="rId6"/>
+                <asvg:svgBlip xmlns:asvg="http://schemas.microsoft.com/office/drawing/2016/SVG/main" r:embed="rId7"/>
               </a:ext>
             </a:extLst>
           </a:blip>
@@ -26239,8 +24860,8 @@
         </p:blipFill>
         <p:spPr>
           <a:xfrm>
-            <a:off x="6397382" y="1001948"/>
-            <a:ext cx="5575055" cy="4557781"/>
+            <a:off x="5189493" y="243191"/>
+            <a:ext cx="6597241" cy="6233613"/>
           </a:xfrm>
           <a:prstGeom prst="rect">
             <a:avLst/>
@@ -26262,7 +24883,7 @@
           <p:cNvPr id="3" name="Symbol zastępczy numeru slajdu 2">
             <a:extLst>
               <a:ext uri="{FF2B5EF4-FFF2-40B4-BE49-F238E27FC236}">
-                <a16:creationId xmlns:a16="http://schemas.microsoft.com/office/drawing/2014/main" id="{EECA07A0-4F22-44BB-935D-0F857413D751}"/>
+                <a16:creationId xmlns:a16="http://schemas.microsoft.com/office/drawing/2014/main" id="{59A3BE92-0BF7-41DD-BDA8-C8E38AD38D2E}"/>
               </a:ext>
             </a:extLst>
           </p:cNvPr>
@@ -26314,7 +24935,7 @@
     </p:spTree>
     <p:extLst>
       <p:ext uri="{BB962C8B-B14F-4D97-AF65-F5344CB8AC3E}">
-        <p14:creationId xmlns:p14="http://schemas.microsoft.com/office/powerpoint/2010/main" val="2035800844"/>
+        <p14:creationId xmlns:p14="http://schemas.microsoft.com/office/powerpoint/2010/main" val="3936350770"/>
       </p:ext>
     </p:extLst>
   </p:cSld>
@@ -26378,6 +24999,728 @@
       </p:grpSpPr>
       <p:pic>
         <p:nvPicPr>
+          <p:cNvPr id="11" name="Picture 10">
+            <a:extLst>
+              <a:ext uri="{FF2B5EF4-FFF2-40B4-BE49-F238E27FC236}">
+                <a16:creationId xmlns:a16="http://schemas.microsoft.com/office/drawing/2014/main" id="{5321D838-2C7E-4177-9DD3-DAC78324A2B2}"/>
+              </a:ext>
+              <a:ext uri="{C183D7F6-B498-43B3-948B-1728B52AA6E4}">
+                <adec:decorative xmlns:adec="http://schemas.microsoft.com/office/drawing/2017/decorative" val="1"/>
+              </a:ext>
+            </a:extLst>
+          </p:cNvPr>
+          <p:cNvPicPr>
+            <a:picLocks noGrp="1" noRot="1" noChangeAspect="1" noMove="1" noResize="1" noEditPoints="1" noAdjustHandles="1" noChangeArrowheads="1" noChangeShapeType="1" noCrop="1"/>
+          </p:cNvPicPr>
+          <p:nvPr>
+            <p:extLst>
+              <p:ext uri="{386F3935-93C4-4BCD-93E2-E3B085C9AB24}">
+                <p16:designElem xmlns:p16="http://schemas.microsoft.com/office/powerpoint/2015/main" val="1"/>
+              </p:ext>
+            </p:extLst>
+          </p:nvPr>
+        </p:nvPicPr>
+        <p:blipFill>
+          <a:blip r:embed="rId2">
+            <a:alphaModFix amt="10000"/>
+            <a:extLst>
+              <a:ext uri="{28A0092B-C50C-407E-A947-70E740481C1C}">
+                <a14:useLocalDpi xmlns:a14="http://schemas.microsoft.com/office/drawing/2010/main" val="0"/>
+              </a:ext>
+            </a:extLst>
+          </a:blip>
+          <a:stretch>
+            <a:fillRect/>
+          </a:stretch>
+        </p:blipFill>
+        <p:spPr>
+          <a:xfrm>
+            <a:off x="0" y="0"/>
+            <a:ext cx="12192000" cy="6858000"/>
+          </a:xfrm>
+          <a:prstGeom prst="rect">
+            <a:avLst/>
+          </a:prstGeom>
+        </p:spPr>
+      </p:pic>
+      <p:pic>
+        <p:nvPicPr>
+          <p:cNvPr id="13" name="Picture 12">
+            <a:extLst>
+              <a:ext uri="{FF2B5EF4-FFF2-40B4-BE49-F238E27FC236}">
+                <a16:creationId xmlns:a16="http://schemas.microsoft.com/office/drawing/2014/main" id="{0146E45C-1450-4186-B501-74F221F897A8}"/>
+              </a:ext>
+              <a:ext uri="{C183D7F6-B498-43B3-948B-1728B52AA6E4}">
+                <adec:decorative xmlns:adec="http://schemas.microsoft.com/office/drawing/2017/decorative" val="1"/>
+              </a:ext>
+            </a:extLst>
+          </p:cNvPr>
+          <p:cNvPicPr>
+            <a:picLocks noGrp="1" noRot="1" noChangeAspect="1" noMove="1" noResize="1" noEditPoints="1" noAdjustHandles="1" noChangeArrowheads="1" noChangeShapeType="1" noCrop="1"/>
+          </p:cNvPicPr>
+          <p:nvPr>
+            <p:extLst>
+              <p:ext uri="{386F3935-93C4-4BCD-93E2-E3B085C9AB24}">
+                <p16:designElem xmlns:p16="http://schemas.microsoft.com/office/powerpoint/2015/main" val="1"/>
+              </p:ext>
+            </p:extLst>
+          </p:nvPr>
+        </p:nvPicPr>
+        <p:blipFill>
+          <a:blip r:embed="rId3">
+            <a:extLst>
+              <a:ext uri="{28A0092B-C50C-407E-A947-70E740481C1C}">
+                <a14:useLocalDpi xmlns:a14="http://schemas.microsoft.com/office/drawing/2010/main" val="0"/>
+              </a:ext>
+            </a:extLst>
+          </a:blip>
+          <a:stretch>
+            <a:fillRect/>
+          </a:stretch>
+        </p:blipFill>
+        <p:spPr>
+          <a:xfrm>
+            <a:off x="1" y="4242851"/>
+            <a:ext cx="8968084" cy="275942"/>
+          </a:xfrm>
+          <a:prstGeom prst="rect">
+            <a:avLst/>
+          </a:prstGeom>
+        </p:spPr>
+      </p:pic>
+      <p:pic>
+        <p:nvPicPr>
+          <p:cNvPr id="15" name="Picture 14">
+            <a:extLst>
+              <a:ext uri="{FF2B5EF4-FFF2-40B4-BE49-F238E27FC236}">
+                <a16:creationId xmlns:a16="http://schemas.microsoft.com/office/drawing/2014/main" id="{EEDDA48B-BC04-4915-ADA3-A1A9522EB0D1}"/>
+              </a:ext>
+              <a:ext uri="{C183D7F6-B498-43B3-948B-1728B52AA6E4}">
+                <adec:decorative xmlns:adec="http://schemas.microsoft.com/office/drawing/2017/decorative" val="1"/>
+              </a:ext>
+            </a:extLst>
+          </p:cNvPr>
+          <p:cNvPicPr>
+            <a:picLocks noGrp="1" noRot="1" noChangeAspect="1" noMove="1" noResize="1" noEditPoints="1" noAdjustHandles="1" noChangeArrowheads="1" noChangeShapeType="1" noCrop="1"/>
+          </p:cNvPicPr>
+          <p:nvPr>
+            <p:extLst>
+              <p:ext uri="{386F3935-93C4-4BCD-93E2-E3B085C9AB24}">
+                <p16:designElem xmlns:p16="http://schemas.microsoft.com/office/powerpoint/2015/main" val="1"/>
+              </p:ext>
+            </p:extLst>
+          </p:nvPr>
+        </p:nvPicPr>
+        <p:blipFill>
+          <a:blip r:embed="rId4">
+            <a:extLst>
+              <a:ext uri="{28A0092B-C50C-407E-A947-70E740481C1C}">
+                <a14:useLocalDpi xmlns:a14="http://schemas.microsoft.com/office/drawing/2010/main" val="0"/>
+              </a:ext>
+            </a:extLst>
+          </a:blip>
+          <a:stretch>
+            <a:fillRect/>
+          </a:stretch>
+        </p:blipFill>
+        <p:spPr>
+          <a:xfrm>
+            <a:off x="9111716" y="4243845"/>
+            <a:ext cx="3077108" cy="276940"/>
+          </a:xfrm>
+          <a:prstGeom prst="rect">
+            <a:avLst/>
+          </a:prstGeom>
+        </p:spPr>
+      </p:pic>
+      <p:sp>
+        <p:nvSpPr>
+          <p:cNvPr id="17" name="Rectangle 16">
+            <a:extLst>
+              <a:ext uri="{FF2B5EF4-FFF2-40B4-BE49-F238E27FC236}">
+                <a16:creationId xmlns:a16="http://schemas.microsoft.com/office/drawing/2014/main" id="{78C9D07A-5A22-4E55-B18A-47CF07E5080D}"/>
+              </a:ext>
+              <a:ext uri="{C183D7F6-B498-43B3-948B-1728B52AA6E4}">
+                <adec:decorative xmlns:adec="http://schemas.microsoft.com/office/drawing/2017/decorative" val="1"/>
+              </a:ext>
+            </a:extLst>
+          </p:cNvPr>
+          <p:cNvSpPr>
+            <a:spLocks noGrp="1" noRot="1" noChangeAspect="1" noMove="1" noResize="1" noEditPoints="1" noAdjustHandles="1" noChangeArrowheads="1" noChangeShapeType="1" noTextEdit="1"/>
+          </p:cNvSpPr>
+          <p:nvPr>
+            <p:extLst>
+              <p:ext uri="{386F3935-93C4-4BCD-93E2-E3B085C9AB24}">
+                <p16:designElem xmlns:p16="http://schemas.microsoft.com/office/powerpoint/2015/main" val="1"/>
+              </p:ext>
+            </p:extLst>
+          </p:nvPr>
+        </p:nvSpPr>
+        <p:spPr>
+          <a:xfrm>
+            <a:off x="0" y="2590078"/>
+            <a:ext cx="8968085" cy="1660332"/>
+          </a:xfrm>
+          <a:prstGeom prst="rect">
+            <a:avLst/>
+          </a:prstGeom>
+          <a:solidFill>
+            <a:schemeClr val="bg1">
+              <a:lumMod val="85000"/>
+              <a:lumOff val="15000"/>
+            </a:schemeClr>
+          </a:solidFill>
+          <a:ln>
+            <a:noFill/>
+          </a:ln>
+        </p:spPr>
+        <p:style>
+          <a:lnRef idx="2">
+            <a:schemeClr val="accent1">
+              <a:shade val="50000"/>
+            </a:schemeClr>
+          </a:lnRef>
+          <a:fillRef idx="1">
+            <a:schemeClr val="accent1"/>
+          </a:fillRef>
+          <a:effectRef idx="0">
+            <a:schemeClr val="accent1"/>
+          </a:effectRef>
+          <a:fontRef idx="minor">
+            <a:schemeClr val="lt1"/>
+          </a:fontRef>
+        </p:style>
+      </p:sp>
+      <p:sp>
+        <p:nvSpPr>
+          <p:cNvPr id="19" name="Rectangle 18">
+            <a:extLst>
+              <a:ext uri="{FF2B5EF4-FFF2-40B4-BE49-F238E27FC236}">
+                <a16:creationId xmlns:a16="http://schemas.microsoft.com/office/drawing/2014/main" id="{3D71E629-0739-4A59-972B-A9E9A4500E31}"/>
+              </a:ext>
+              <a:ext uri="{C183D7F6-B498-43B3-948B-1728B52AA6E4}">
+                <adec:decorative xmlns:adec="http://schemas.microsoft.com/office/drawing/2017/decorative" val="1"/>
+              </a:ext>
+            </a:extLst>
+          </p:cNvPr>
+          <p:cNvSpPr>
+            <a:spLocks noGrp="1" noRot="1" noChangeAspect="1" noMove="1" noResize="1" noEditPoints="1" noAdjustHandles="1" noChangeArrowheads="1" noChangeShapeType="1" noTextEdit="1"/>
+          </p:cNvSpPr>
+          <p:nvPr>
+            <p:extLst>
+              <p:ext uri="{386F3935-93C4-4BCD-93E2-E3B085C9AB24}">
+                <p16:designElem xmlns:p16="http://schemas.microsoft.com/office/powerpoint/2015/main" val="1"/>
+              </p:ext>
+            </p:extLst>
+          </p:nvPr>
+        </p:nvSpPr>
+        <p:spPr>
+          <a:xfrm>
+            <a:off x="9111715" y="2590078"/>
+            <a:ext cx="3077109" cy="1660332"/>
+          </a:xfrm>
+          <a:prstGeom prst="rect">
+            <a:avLst/>
+          </a:prstGeom>
+          <a:solidFill>
+            <a:schemeClr val="accent1"/>
+          </a:solidFill>
+          <a:ln>
+            <a:noFill/>
+          </a:ln>
+        </p:spPr>
+        <p:style>
+          <a:lnRef idx="2">
+            <a:schemeClr val="accent1">
+              <a:shade val="50000"/>
+            </a:schemeClr>
+          </a:lnRef>
+          <a:fillRef idx="1">
+            <a:schemeClr val="accent1"/>
+          </a:fillRef>
+          <a:effectRef idx="0">
+            <a:schemeClr val="accent1"/>
+          </a:effectRef>
+          <a:fontRef idx="minor">
+            <a:schemeClr val="lt1"/>
+          </a:fontRef>
+        </p:style>
+      </p:sp>
+      <p:sp useBgFill="1">
+        <p:nvSpPr>
+          <p:cNvPr id="21" name="Rectangle 20">
+            <a:extLst>
+              <a:ext uri="{FF2B5EF4-FFF2-40B4-BE49-F238E27FC236}">
+                <a16:creationId xmlns:a16="http://schemas.microsoft.com/office/drawing/2014/main" id="{00573A24-AD84-4562-A993-7D04E1D18209}"/>
+              </a:ext>
+              <a:ext uri="{C183D7F6-B498-43B3-948B-1728B52AA6E4}">
+                <adec:decorative xmlns:adec="http://schemas.microsoft.com/office/drawing/2017/decorative" val="1"/>
+              </a:ext>
+            </a:extLst>
+          </p:cNvPr>
+          <p:cNvSpPr>
+            <a:spLocks noGrp="1" noRot="1" noChangeAspect="1" noMove="1" noResize="1" noEditPoints="1" noAdjustHandles="1" noChangeArrowheads="1" noChangeShapeType="1" noTextEdit="1"/>
+          </p:cNvSpPr>
+          <p:nvPr>
+            <p:extLst>
+              <p:ext uri="{386F3935-93C4-4BCD-93E2-E3B085C9AB24}">
+                <p16:designElem xmlns:p16="http://schemas.microsoft.com/office/powerpoint/2015/main" val="1"/>
+              </p:ext>
+            </p:extLst>
+          </p:nvPr>
+        </p:nvSpPr>
+        <p:spPr>
+          <a:xfrm>
+            <a:off x="0" y="0"/>
+            <a:ext cx="12188824" cy="6858000"/>
+          </a:xfrm>
+          <a:prstGeom prst="rect">
+            <a:avLst/>
+          </a:prstGeom>
+          <a:ln>
+            <a:noFill/>
+          </a:ln>
+        </p:spPr>
+        <p:style>
+          <a:lnRef idx="2">
+            <a:schemeClr val="accent1">
+              <a:shade val="50000"/>
+            </a:schemeClr>
+          </a:lnRef>
+          <a:fillRef idx="1">
+            <a:schemeClr val="accent1"/>
+          </a:fillRef>
+          <a:effectRef idx="0">
+            <a:schemeClr val="accent1"/>
+          </a:effectRef>
+          <a:fontRef idx="minor">
+            <a:schemeClr val="lt1"/>
+          </a:fontRef>
+        </p:style>
+        <p:txBody>
+          <a:bodyPr rtlCol="0" anchor="ctr"/>
+          <a:lstStyle/>
+          <a:p>
+            <a:pPr algn="ctr"/>
+            <a:endParaRPr lang="en-US"/>
+          </a:p>
+        </p:txBody>
+      </p:sp>
+      <p:pic>
+        <p:nvPicPr>
+          <p:cNvPr id="23" name="Picture 22">
+            <a:extLst>
+              <a:ext uri="{FF2B5EF4-FFF2-40B4-BE49-F238E27FC236}">
+                <a16:creationId xmlns:a16="http://schemas.microsoft.com/office/drawing/2014/main" id="{B3C087F8-F09C-4C07-B55F-6081689A2413}"/>
+              </a:ext>
+              <a:ext uri="{C183D7F6-B498-43B3-948B-1728B52AA6E4}">
+                <adec:decorative xmlns:adec="http://schemas.microsoft.com/office/drawing/2017/decorative" val="1"/>
+              </a:ext>
+            </a:extLst>
+          </p:cNvPr>
+          <p:cNvPicPr>
+            <a:picLocks noGrp="1" noRot="1" noChangeAspect="1" noMove="1" noResize="1" noEditPoints="1" noAdjustHandles="1" noChangeArrowheads="1" noChangeShapeType="1" noCrop="1"/>
+          </p:cNvPicPr>
+          <p:nvPr>
+            <p:extLst>
+              <p:ext uri="{386F3935-93C4-4BCD-93E2-E3B085C9AB24}">
+                <p16:designElem xmlns:p16="http://schemas.microsoft.com/office/powerpoint/2015/main" val="1"/>
+              </p:ext>
+            </p:extLst>
+          </p:nvPr>
+        </p:nvPicPr>
+        <p:blipFill>
+          <a:blip r:embed="rId2">
+            <a:alphaModFix amt="10000"/>
+            <a:extLst>
+              <a:ext uri="{28A0092B-C50C-407E-A947-70E740481C1C}">
+                <a14:useLocalDpi xmlns:a14="http://schemas.microsoft.com/office/drawing/2010/main" val="0"/>
+              </a:ext>
+            </a:extLst>
+          </a:blip>
+          <a:stretch>
+            <a:fillRect/>
+          </a:stretch>
+        </p:blipFill>
+        <p:spPr>
+          <a:xfrm>
+            <a:off x="0" y="0"/>
+            <a:ext cx="12192000" cy="6858000"/>
+          </a:xfrm>
+          <a:prstGeom prst="rect">
+            <a:avLst/>
+          </a:prstGeom>
+        </p:spPr>
+      </p:pic>
+      <p:sp>
+        <p:nvSpPr>
+          <p:cNvPr id="25" name="Rectangle 24">
+            <a:extLst>
+              <a:ext uri="{FF2B5EF4-FFF2-40B4-BE49-F238E27FC236}">
+                <a16:creationId xmlns:a16="http://schemas.microsoft.com/office/drawing/2014/main" id="{FC49D257-5737-4C0D-89EA-9C311AF2B8B5}"/>
+              </a:ext>
+              <a:ext uri="{C183D7F6-B498-43B3-948B-1728B52AA6E4}">
+                <adec:decorative xmlns:adec="http://schemas.microsoft.com/office/drawing/2017/decorative" val="1"/>
+              </a:ext>
+            </a:extLst>
+          </p:cNvPr>
+          <p:cNvSpPr>
+            <a:spLocks noGrp="1" noRot="1" noChangeAspect="1" noMove="1" noResize="1" noEditPoints="1" noAdjustHandles="1" noChangeArrowheads="1" noChangeShapeType="1" noTextEdit="1"/>
+          </p:cNvSpPr>
+          <p:nvPr>
+            <p:extLst>
+              <p:ext uri="{386F3935-93C4-4BCD-93E2-E3B085C9AB24}">
+                <p16:designElem xmlns:p16="http://schemas.microsoft.com/office/powerpoint/2015/main" val="1"/>
+              </p:ext>
+            </p:extLst>
+          </p:nvPr>
+        </p:nvSpPr>
+        <p:spPr>
+          <a:xfrm>
+            <a:off x="6099176" y="0"/>
+            <a:ext cx="6092824" cy="6858001"/>
+          </a:xfrm>
+          <a:prstGeom prst="rect">
+            <a:avLst/>
+          </a:prstGeom>
+          <a:ln>
+            <a:noFill/>
+          </a:ln>
+        </p:spPr>
+        <p:style>
+          <a:lnRef idx="2">
+            <a:schemeClr val="accent1">
+              <a:shade val="50000"/>
+            </a:schemeClr>
+          </a:lnRef>
+          <a:fillRef idx="1">
+            <a:schemeClr val="accent1"/>
+          </a:fillRef>
+          <a:effectRef idx="0">
+            <a:schemeClr val="accent1"/>
+          </a:effectRef>
+          <a:fontRef idx="minor">
+            <a:schemeClr val="lt1"/>
+          </a:fontRef>
+        </p:style>
+        <p:txBody>
+          <a:bodyPr rtlCol="0" anchor="ctr"/>
+          <a:lstStyle/>
+          <a:p>
+            <a:pPr algn="ctr"/>
+            <a:endParaRPr lang="en-US"/>
+          </a:p>
+        </p:txBody>
+      </p:sp>
+      <p:pic>
+        <p:nvPicPr>
+          <p:cNvPr id="27" name="Picture 26">
+            <a:extLst>
+              <a:ext uri="{FF2B5EF4-FFF2-40B4-BE49-F238E27FC236}">
+                <a16:creationId xmlns:a16="http://schemas.microsoft.com/office/drawing/2014/main" id="{E13D267A-94F5-488A-94C6-5D7156D9AF8C}"/>
+              </a:ext>
+              <a:ext uri="{C183D7F6-B498-43B3-948B-1728B52AA6E4}">
+                <adec:decorative xmlns:adec="http://schemas.microsoft.com/office/drawing/2017/decorative" val="1"/>
+              </a:ext>
+            </a:extLst>
+          </p:cNvPr>
+          <p:cNvPicPr>
+            <a:picLocks noGrp="1" noRot="1" noChangeAspect="1" noMove="1" noResize="1" noEditPoints="1" noAdjustHandles="1" noChangeArrowheads="1" noChangeShapeType="1" noCrop="1"/>
+          </p:cNvPicPr>
+          <p:nvPr>
+            <p:extLst>
+              <p:ext uri="{386F3935-93C4-4BCD-93E2-E3B085C9AB24}">
+                <p16:designElem xmlns:p16="http://schemas.microsoft.com/office/powerpoint/2015/main" val="1"/>
+              </p:ext>
+            </p:extLst>
+          </p:nvPr>
+        </p:nvPicPr>
+        <p:blipFill>
+          <a:blip r:embed="rId3">
+            <a:extLst>
+              <a:ext uri="{28A0092B-C50C-407E-A947-70E740481C1C}">
+                <a14:useLocalDpi xmlns:a14="http://schemas.microsoft.com/office/drawing/2010/main" val="0"/>
+              </a:ext>
+            </a:extLst>
+          </a:blip>
+          <a:stretch>
+            <a:fillRect/>
+          </a:stretch>
+        </p:blipFill>
+        <p:spPr>
+          <a:xfrm>
+            <a:off x="1" y="4688333"/>
+            <a:ext cx="6400800" cy="185701"/>
+          </a:xfrm>
+          <a:prstGeom prst="rect">
+            <a:avLst/>
+          </a:prstGeom>
+        </p:spPr>
+      </p:pic>
+      <p:sp>
+        <p:nvSpPr>
+          <p:cNvPr id="29" name="Rectangle 28">
+            <a:extLst>
+              <a:ext uri="{FF2B5EF4-FFF2-40B4-BE49-F238E27FC236}">
+                <a16:creationId xmlns:a16="http://schemas.microsoft.com/office/drawing/2014/main" id="{46CE3EB2-91DF-4F5D-8874-744AAAE311E1}"/>
+              </a:ext>
+              <a:ext uri="{C183D7F6-B498-43B3-948B-1728B52AA6E4}">
+                <adec:decorative xmlns:adec="http://schemas.microsoft.com/office/drawing/2017/decorative" val="1"/>
+              </a:ext>
+            </a:extLst>
+          </p:cNvPr>
+          <p:cNvSpPr>
+            <a:spLocks noGrp="1" noRot="1" noChangeAspect="1" noMove="1" noResize="1" noEditPoints="1" noAdjustHandles="1" noChangeArrowheads="1" noChangeShapeType="1" noTextEdit="1"/>
+          </p:cNvSpPr>
+          <p:nvPr>
+            <p:extLst>
+              <p:ext uri="{386F3935-93C4-4BCD-93E2-E3B085C9AB24}">
+                <p16:designElem xmlns:p16="http://schemas.microsoft.com/office/powerpoint/2015/main" val="1"/>
+              </p:ext>
+            </p:extLst>
+          </p:nvPr>
+        </p:nvSpPr>
+        <p:spPr>
+          <a:xfrm>
+            <a:off x="-1" y="2162908"/>
+            <a:ext cx="6411743" cy="2532185"/>
+          </a:xfrm>
+          <a:prstGeom prst="rect">
+            <a:avLst/>
+          </a:prstGeom>
+          <a:solidFill>
+            <a:schemeClr val="bg1">
+              <a:lumMod val="85000"/>
+              <a:lumOff val="15000"/>
+            </a:schemeClr>
+          </a:solidFill>
+          <a:ln>
+            <a:noFill/>
+          </a:ln>
+        </p:spPr>
+        <p:style>
+          <a:lnRef idx="2">
+            <a:schemeClr val="accent1">
+              <a:shade val="50000"/>
+            </a:schemeClr>
+          </a:lnRef>
+          <a:fillRef idx="1">
+            <a:schemeClr val="accent1"/>
+          </a:fillRef>
+          <a:effectRef idx="0">
+            <a:schemeClr val="accent1"/>
+          </a:effectRef>
+          <a:fontRef idx="minor">
+            <a:schemeClr val="lt1"/>
+          </a:fontRef>
+        </p:style>
+      </p:sp>
+      <p:sp>
+        <p:nvSpPr>
+          <p:cNvPr id="2" name="Tytuł 1">
+            <a:extLst>
+              <a:ext uri="{FF2B5EF4-FFF2-40B4-BE49-F238E27FC236}">
+                <a16:creationId xmlns:a16="http://schemas.microsoft.com/office/drawing/2014/main" id="{FADA5054-ACC2-481A-94EC-C1483A2C0ACB}"/>
+              </a:ext>
+            </a:extLst>
+          </p:cNvPr>
+          <p:cNvSpPr>
+            <a:spLocks noGrp="1"/>
+          </p:cNvSpPr>
+          <p:nvPr>
+            <p:ph type="title"/>
+          </p:nvPr>
+        </p:nvSpPr>
+        <p:spPr>
+          <a:xfrm>
+            <a:off x="680322" y="2403231"/>
+            <a:ext cx="5192940" cy="2133600"/>
+          </a:xfrm>
+        </p:spPr>
+        <p:txBody>
+          <a:bodyPr vert="horz" lIns="91440" tIns="45720" rIns="91440" bIns="45720" rtlCol="0" anchor="ctr">
+            <a:normAutofit/>
+          </a:bodyPr>
+          <a:lstStyle/>
+          <a:p>
+            <a:pPr algn="r"/>
+            <a:r>
+              <a:rPr lang="en-US" sz="5400"/>
+              <a:t>Wpływy</a:t>
+            </a:r>
+          </a:p>
+        </p:txBody>
+      </p:sp>
+      <p:pic>
+        <p:nvPicPr>
+          <p:cNvPr id="6" name="Grafika 5">
+            <a:extLst>
+              <a:ext uri="{FF2B5EF4-FFF2-40B4-BE49-F238E27FC236}">
+                <a16:creationId xmlns:a16="http://schemas.microsoft.com/office/drawing/2014/main" id="{5ED646B7-DFC7-4216-89FF-22CCBBD3AAD1}"/>
+              </a:ext>
+            </a:extLst>
+          </p:cNvPr>
+          <p:cNvPicPr>
+            <a:picLocks noChangeAspect="1"/>
+          </p:cNvPicPr>
+          <p:nvPr/>
+        </p:nvPicPr>
+        <p:blipFill>
+          <a:blip r:embed="rId5">
+            <a:extLst>
+              <a:ext uri="{28A0092B-C50C-407E-A947-70E740481C1C}">
+                <a14:useLocalDpi xmlns:a14="http://schemas.microsoft.com/office/drawing/2010/main" val="0"/>
+              </a:ext>
+              <a:ext uri="{96DAC541-7B7A-43D3-8B79-37D633B846F1}">
+                <asvg:svgBlip xmlns:asvg="http://schemas.microsoft.com/office/drawing/2016/SVG/main" r:embed="rId6"/>
+              </a:ext>
+            </a:extLst>
+          </a:blip>
+          <a:stretch>
+            <a:fillRect/>
+          </a:stretch>
+        </p:blipFill>
+        <p:spPr>
+          <a:xfrm>
+            <a:off x="6397382" y="1001948"/>
+            <a:ext cx="5575055" cy="4557781"/>
+          </a:xfrm>
+          <a:prstGeom prst="rect">
+            <a:avLst/>
+          </a:prstGeom>
+          <a:ln>
+            <a:noFill/>
+          </a:ln>
+          <a:effectLst>
+            <a:outerShdw blurRad="76200" dist="63500" dir="5040000" algn="tl" rotWithShape="0">
+              <a:srgbClr val="000000">
+                <a:alpha val="41000"/>
+              </a:srgbClr>
+            </a:outerShdw>
+          </a:effectLst>
+        </p:spPr>
+      </p:pic>
+      <p:sp>
+        <p:nvSpPr>
+          <p:cNvPr id="3" name="Symbol zastępczy numeru slajdu 2">
+            <a:extLst>
+              <a:ext uri="{FF2B5EF4-FFF2-40B4-BE49-F238E27FC236}">
+                <a16:creationId xmlns:a16="http://schemas.microsoft.com/office/drawing/2014/main" id="{EECA07A0-4F22-44BB-935D-0F857413D751}"/>
+              </a:ext>
+            </a:extLst>
+          </p:cNvPr>
+          <p:cNvSpPr>
+            <a:spLocks noGrp="1"/>
+          </p:cNvSpPr>
+          <p:nvPr>
+            <p:ph type="sldNum" sz="quarter" idx="12"/>
+          </p:nvPr>
+        </p:nvSpPr>
+        <p:spPr>
+          <a:xfrm>
+            <a:off x="11281776" y="6336872"/>
+            <a:ext cx="722655" cy="365760"/>
+          </a:xfrm>
+        </p:spPr>
+        <p:txBody>
+          <a:bodyPr vert="horz" lIns="91440" tIns="45720" rIns="91440" bIns="45720" rtlCol="0" anchor="ctr">
+            <a:normAutofit/>
+          </a:bodyPr>
+          <a:lstStyle/>
+          <a:p>
+            <a:pPr defTabSz="914400">
+              <a:spcAft>
+                <a:spcPts val="600"/>
+              </a:spcAft>
+            </a:pPr>
+            <a:fld id="{73EBA5C1-EA0D-4D38-B474-3131B775EA3E}" type="slidenum">
+              <a:rPr lang="en-US" sz="1400">
+                <a:solidFill>
+                  <a:srgbClr val="FFFFFF"/>
+                </a:solidFill>
+              </a:rPr>
+              <a:pPr defTabSz="914400">
+                <a:spcAft>
+                  <a:spcPts val="600"/>
+                </a:spcAft>
+              </a:pPr>
+              <a:t>32</a:t>
+            </a:fld>
+            <a:endParaRPr lang="en-US" sz="1400">
+              <a:solidFill>
+                <a:srgbClr val="FFFFFF"/>
+              </a:solidFill>
+            </a:endParaRPr>
+          </a:p>
+        </p:txBody>
+      </p:sp>
+    </p:spTree>
+    <p:extLst>
+      <p:ext uri="{BB962C8B-B14F-4D97-AF65-F5344CB8AC3E}">
+        <p14:creationId xmlns:p14="http://schemas.microsoft.com/office/powerpoint/2010/main" val="2035800844"/>
+      </p:ext>
+    </p:extLst>
+  </p:cSld>
+  <p:clrMapOvr>
+    <a:masterClrMapping/>
+  </p:clrMapOvr>
+</p:sld>
+</file>
+
+<file path=ppt/slides/slide33.xml><?xml version="1.0" encoding="utf-8"?>
+<p:sld xmlns:a="http://schemas.openxmlformats.org/drawingml/2006/main" xmlns:r="http://schemas.openxmlformats.org/officeDocument/2006/relationships" xmlns:p="http://schemas.openxmlformats.org/presentationml/2006/main">
+  <p:cSld>
+    <p:bg>
+      <p:bgPr>
+        <a:gradFill rotWithShape="1">
+          <a:gsLst>
+            <a:gs pos="0">
+              <a:schemeClr val="bg2">
+                <a:tint val="96000"/>
+                <a:shade val="100000"/>
+                <a:hueMod val="270000"/>
+                <a:satMod val="200000"/>
+                <a:lumMod val="128000"/>
+              </a:schemeClr>
+            </a:gs>
+            <a:gs pos="50000">
+              <a:schemeClr val="bg2">
+                <a:shade val="100000"/>
+                <a:hueMod val="100000"/>
+                <a:satMod val="110000"/>
+                <a:lumMod val="130000"/>
+              </a:schemeClr>
+            </a:gs>
+            <a:gs pos="100000">
+              <a:schemeClr val="bg2">
+                <a:shade val="78000"/>
+                <a:hueMod val="44000"/>
+                <a:satMod val="200000"/>
+                <a:lumMod val="69000"/>
+              </a:schemeClr>
+            </a:gs>
+          </a:gsLst>
+          <a:lin ang="2520000" scaled="0"/>
+        </a:gradFill>
+        <a:effectLst/>
+      </p:bgPr>
+    </p:bg>
+    <p:spTree>
+      <p:nvGrpSpPr>
+        <p:cNvPr id="1" name=""/>
+        <p:cNvGrpSpPr/>
+        <p:nvPr/>
+      </p:nvGrpSpPr>
+      <p:grpSpPr>
+        <a:xfrm>
+          <a:off x="0" y="0"/>
+          <a:ext cx="0" cy="0"/>
+          <a:chOff x="0" y="0"/>
+          <a:chExt cx="0" cy="0"/>
+        </a:xfrm>
+      </p:grpSpPr>
+      <p:pic>
+        <p:nvPicPr>
           <p:cNvPr id="10" name="Picture 9">
             <a:extLst>
               <a:ext uri="{FF2B5EF4-FFF2-40B4-BE49-F238E27FC236}">
@@ -27023,7 +26366,7 @@
                   <a:spcPts val="600"/>
                 </a:spcAft>
               </a:pPr>
-              <a:t>32</a:t>
+              <a:t>33</a:t>
             </a:fld>
             <a:endParaRPr lang="en-US" sz="1400">
               <a:solidFill>
@@ -27046,7 +26389,7 @@
 </p:sld>
 </file>
 
-<file path=ppt/slides/slide33.xml><?xml version="1.0" encoding="utf-8"?>
+<file path=ppt/slides/slide34.xml><?xml version="1.0" encoding="utf-8"?>
 <p:sld xmlns:a="http://schemas.openxmlformats.org/drawingml/2006/main" xmlns:r="http://schemas.openxmlformats.org/officeDocument/2006/relationships" xmlns:p="http://schemas.openxmlformats.org/presentationml/2006/main">
   <p:cSld>
     <p:spTree>
@@ -27115,7 +26458,7 @@
           <a:p>
             <a:fld id="{73EBA5C1-EA0D-4D38-B474-3131B775EA3E}" type="slidenum">
               <a:rPr lang="pl-PL" smtClean="0"/>
-              <a:t>33</a:t>
+              <a:t>34</a:t>
             </a:fld>
             <a:endParaRPr lang="pl-PL"/>
           </a:p>
@@ -27164,728 +26507,6 @@
     <p:extLst>
       <p:ext uri="{BB962C8B-B14F-4D97-AF65-F5344CB8AC3E}">
         <p14:creationId xmlns:p14="http://schemas.microsoft.com/office/powerpoint/2010/main" val="166801903"/>
-      </p:ext>
-    </p:extLst>
-  </p:cSld>
-  <p:clrMapOvr>
-    <a:masterClrMapping/>
-  </p:clrMapOvr>
-</p:sld>
-</file>
-
-<file path=ppt/slides/slide34.xml><?xml version="1.0" encoding="utf-8"?>
-<p:sld xmlns:a="http://schemas.openxmlformats.org/drawingml/2006/main" xmlns:r="http://schemas.openxmlformats.org/officeDocument/2006/relationships" xmlns:p="http://schemas.openxmlformats.org/presentationml/2006/main">
-  <p:cSld>
-    <p:bg>
-      <p:bgPr>
-        <a:gradFill rotWithShape="1">
-          <a:gsLst>
-            <a:gs pos="0">
-              <a:schemeClr val="bg2">
-                <a:tint val="96000"/>
-                <a:shade val="100000"/>
-                <a:hueMod val="270000"/>
-                <a:satMod val="200000"/>
-                <a:lumMod val="128000"/>
-              </a:schemeClr>
-            </a:gs>
-            <a:gs pos="50000">
-              <a:schemeClr val="bg2">
-                <a:shade val="100000"/>
-                <a:hueMod val="100000"/>
-                <a:satMod val="110000"/>
-                <a:lumMod val="130000"/>
-              </a:schemeClr>
-            </a:gs>
-            <a:gs pos="100000">
-              <a:schemeClr val="bg2">
-                <a:shade val="78000"/>
-                <a:hueMod val="44000"/>
-                <a:satMod val="200000"/>
-                <a:lumMod val="69000"/>
-              </a:schemeClr>
-            </a:gs>
-          </a:gsLst>
-          <a:lin ang="2520000" scaled="0"/>
-        </a:gradFill>
-        <a:effectLst/>
-      </p:bgPr>
-    </p:bg>
-    <p:spTree>
-      <p:nvGrpSpPr>
-        <p:cNvPr id="1" name=""/>
-        <p:cNvGrpSpPr/>
-        <p:nvPr/>
-      </p:nvGrpSpPr>
-      <p:grpSpPr>
-        <a:xfrm>
-          <a:off x="0" y="0"/>
-          <a:ext cx="0" cy="0"/>
-          <a:chOff x="0" y="0"/>
-          <a:chExt cx="0" cy="0"/>
-        </a:xfrm>
-      </p:grpSpPr>
-      <p:pic>
-        <p:nvPicPr>
-          <p:cNvPr id="30" name="Picture 9">
-            <a:extLst>
-              <a:ext uri="{FF2B5EF4-FFF2-40B4-BE49-F238E27FC236}">
-                <a16:creationId xmlns:a16="http://schemas.microsoft.com/office/drawing/2014/main" id="{5321D838-2C7E-4177-9DD3-DAC78324A2B2}"/>
-              </a:ext>
-              <a:ext uri="{C183D7F6-B498-43B3-948B-1728B52AA6E4}">
-                <adec:decorative xmlns:adec="http://schemas.microsoft.com/office/drawing/2017/decorative" val="1"/>
-              </a:ext>
-            </a:extLst>
-          </p:cNvPr>
-          <p:cNvPicPr>
-            <a:picLocks noGrp="1" noRot="1" noChangeAspect="1" noMove="1" noResize="1" noEditPoints="1" noAdjustHandles="1" noChangeArrowheads="1" noChangeShapeType="1" noCrop="1"/>
-          </p:cNvPicPr>
-          <p:nvPr>
-            <p:extLst>
-              <p:ext uri="{386F3935-93C4-4BCD-93E2-E3B085C9AB24}">
-                <p16:designElem xmlns:p16="http://schemas.microsoft.com/office/powerpoint/2015/main" val="1"/>
-              </p:ext>
-            </p:extLst>
-          </p:nvPr>
-        </p:nvPicPr>
-        <p:blipFill>
-          <a:blip r:embed="rId2">
-            <a:alphaModFix amt="10000"/>
-            <a:extLst>
-              <a:ext uri="{28A0092B-C50C-407E-A947-70E740481C1C}">
-                <a14:useLocalDpi xmlns:a14="http://schemas.microsoft.com/office/drawing/2010/main" val="0"/>
-              </a:ext>
-            </a:extLst>
-          </a:blip>
-          <a:stretch>
-            <a:fillRect/>
-          </a:stretch>
-        </p:blipFill>
-        <p:spPr>
-          <a:xfrm>
-            <a:off x="0" y="0"/>
-            <a:ext cx="12192000" cy="6858000"/>
-          </a:xfrm>
-          <a:prstGeom prst="rect">
-            <a:avLst/>
-          </a:prstGeom>
-        </p:spPr>
-      </p:pic>
-      <p:pic>
-        <p:nvPicPr>
-          <p:cNvPr id="31" name="Picture 11">
-            <a:extLst>
-              <a:ext uri="{FF2B5EF4-FFF2-40B4-BE49-F238E27FC236}">
-                <a16:creationId xmlns:a16="http://schemas.microsoft.com/office/drawing/2014/main" id="{0146E45C-1450-4186-B501-74F221F897A8}"/>
-              </a:ext>
-              <a:ext uri="{C183D7F6-B498-43B3-948B-1728B52AA6E4}">
-                <adec:decorative xmlns:adec="http://schemas.microsoft.com/office/drawing/2017/decorative" val="1"/>
-              </a:ext>
-            </a:extLst>
-          </p:cNvPr>
-          <p:cNvPicPr>
-            <a:picLocks noGrp="1" noRot="1" noChangeAspect="1" noMove="1" noResize="1" noEditPoints="1" noAdjustHandles="1" noChangeArrowheads="1" noChangeShapeType="1" noCrop="1"/>
-          </p:cNvPicPr>
-          <p:nvPr>
-            <p:extLst>
-              <p:ext uri="{386F3935-93C4-4BCD-93E2-E3B085C9AB24}">
-                <p16:designElem xmlns:p16="http://schemas.microsoft.com/office/powerpoint/2015/main" val="1"/>
-              </p:ext>
-            </p:extLst>
-          </p:nvPr>
-        </p:nvPicPr>
-        <p:blipFill>
-          <a:blip r:embed="rId3">
-            <a:extLst>
-              <a:ext uri="{28A0092B-C50C-407E-A947-70E740481C1C}">
-                <a14:useLocalDpi xmlns:a14="http://schemas.microsoft.com/office/drawing/2010/main" val="0"/>
-              </a:ext>
-            </a:extLst>
-          </a:blip>
-          <a:stretch>
-            <a:fillRect/>
-          </a:stretch>
-        </p:blipFill>
-        <p:spPr>
-          <a:xfrm>
-            <a:off x="1" y="4242851"/>
-            <a:ext cx="8968084" cy="275942"/>
-          </a:xfrm>
-          <a:prstGeom prst="rect">
-            <a:avLst/>
-          </a:prstGeom>
-        </p:spPr>
-      </p:pic>
-      <p:pic>
-        <p:nvPicPr>
-          <p:cNvPr id="32" name="Picture 13">
-            <a:extLst>
-              <a:ext uri="{FF2B5EF4-FFF2-40B4-BE49-F238E27FC236}">
-                <a16:creationId xmlns:a16="http://schemas.microsoft.com/office/drawing/2014/main" id="{EEDDA48B-BC04-4915-ADA3-A1A9522EB0D1}"/>
-              </a:ext>
-              <a:ext uri="{C183D7F6-B498-43B3-948B-1728B52AA6E4}">
-                <adec:decorative xmlns:adec="http://schemas.microsoft.com/office/drawing/2017/decorative" val="1"/>
-              </a:ext>
-            </a:extLst>
-          </p:cNvPr>
-          <p:cNvPicPr>
-            <a:picLocks noGrp="1" noRot="1" noChangeAspect="1" noMove="1" noResize="1" noEditPoints="1" noAdjustHandles="1" noChangeArrowheads="1" noChangeShapeType="1" noCrop="1"/>
-          </p:cNvPicPr>
-          <p:nvPr>
-            <p:extLst>
-              <p:ext uri="{386F3935-93C4-4BCD-93E2-E3B085C9AB24}">
-                <p16:designElem xmlns:p16="http://schemas.microsoft.com/office/powerpoint/2015/main" val="1"/>
-              </p:ext>
-            </p:extLst>
-          </p:nvPr>
-        </p:nvPicPr>
-        <p:blipFill>
-          <a:blip r:embed="rId4">
-            <a:extLst>
-              <a:ext uri="{28A0092B-C50C-407E-A947-70E740481C1C}">
-                <a14:useLocalDpi xmlns:a14="http://schemas.microsoft.com/office/drawing/2010/main" val="0"/>
-              </a:ext>
-            </a:extLst>
-          </a:blip>
-          <a:stretch>
-            <a:fillRect/>
-          </a:stretch>
-        </p:blipFill>
-        <p:spPr>
-          <a:xfrm>
-            <a:off x="9111716" y="4243845"/>
-            <a:ext cx="3077108" cy="276940"/>
-          </a:xfrm>
-          <a:prstGeom prst="rect">
-            <a:avLst/>
-          </a:prstGeom>
-        </p:spPr>
-      </p:pic>
-      <p:sp>
-        <p:nvSpPr>
-          <p:cNvPr id="33" name="Rectangle 15">
-            <a:extLst>
-              <a:ext uri="{FF2B5EF4-FFF2-40B4-BE49-F238E27FC236}">
-                <a16:creationId xmlns:a16="http://schemas.microsoft.com/office/drawing/2014/main" id="{78C9D07A-5A22-4E55-B18A-47CF07E5080D}"/>
-              </a:ext>
-              <a:ext uri="{C183D7F6-B498-43B3-948B-1728B52AA6E4}">
-                <adec:decorative xmlns:adec="http://schemas.microsoft.com/office/drawing/2017/decorative" val="1"/>
-              </a:ext>
-            </a:extLst>
-          </p:cNvPr>
-          <p:cNvSpPr>
-            <a:spLocks noGrp="1" noRot="1" noChangeAspect="1" noMove="1" noResize="1" noEditPoints="1" noAdjustHandles="1" noChangeArrowheads="1" noChangeShapeType="1" noTextEdit="1"/>
-          </p:cNvSpPr>
-          <p:nvPr>
-            <p:extLst>
-              <p:ext uri="{386F3935-93C4-4BCD-93E2-E3B085C9AB24}">
-                <p16:designElem xmlns:p16="http://schemas.microsoft.com/office/powerpoint/2015/main" val="1"/>
-              </p:ext>
-            </p:extLst>
-          </p:nvPr>
-        </p:nvSpPr>
-        <p:spPr>
-          <a:xfrm>
-            <a:off x="0" y="2590078"/>
-            <a:ext cx="8968085" cy="1660332"/>
-          </a:xfrm>
-          <a:prstGeom prst="rect">
-            <a:avLst/>
-          </a:prstGeom>
-          <a:solidFill>
-            <a:schemeClr val="bg1">
-              <a:lumMod val="85000"/>
-              <a:lumOff val="15000"/>
-            </a:schemeClr>
-          </a:solidFill>
-          <a:ln>
-            <a:noFill/>
-          </a:ln>
-        </p:spPr>
-        <p:style>
-          <a:lnRef idx="2">
-            <a:schemeClr val="accent1">
-              <a:shade val="50000"/>
-            </a:schemeClr>
-          </a:lnRef>
-          <a:fillRef idx="1">
-            <a:schemeClr val="accent1"/>
-          </a:fillRef>
-          <a:effectRef idx="0">
-            <a:schemeClr val="accent1"/>
-          </a:effectRef>
-          <a:fontRef idx="minor">
-            <a:schemeClr val="lt1"/>
-          </a:fontRef>
-        </p:style>
-      </p:sp>
-      <p:sp>
-        <p:nvSpPr>
-          <p:cNvPr id="34" name="Rectangle 17">
-            <a:extLst>
-              <a:ext uri="{FF2B5EF4-FFF2-40B4-BE49-F238E27FC236}">
-                <a16:creationId xmlns:a16="http://schemas.microsoft.com/office/drawing/2014/main" id="{3D71E629-0739-4A59-972B-A9E9A4500E31}"/>
-              </a:ext>
-              <a:ext uri="{C183D7F6-B498-43B3-948B-1728B52AA6E4}">
-                <adec:decorative xmlns:adec="http://schemas.microsoft.com/office/drawing/2017/decorative" val="1"/>
-              </a:ext>
-            </a:extLst>
-          </p:cNvPr>
-          <p:cNvSpPr>
-            <a:spLocks noGrp="1" noRot="1" noChangeAspect="1" noMove="1" noResize="1" noEditPoints="1" noAdjustHandles="1" noChangeArrowheads="1" noChangeShapeType="1" noTextEdit="1"/>
-          </p:cNvSpPr>
-          <p:nvPr>
-            <p:extLst>
-              <p:ext uri="{386F3935-93C4-4BCD-93E2-E3B085C9AB24}">
-                <p16:designElem xmlns:p16="http://schemas.microsoft.com/office/powerpoint/2015/main" val="1"/>
-              </p:ext>
-            </p:extLst>
-          </p:nvPr>
-        </p:nvSpPr>
-        <p:spPr>
-          <a:xfrm>
-            <a:off x="9111715" y="2590078"/>
-            <a:ext cx="3077109" cy="1660332"/>
-          </a:xfrm>
-          <a:prstGeom prst="rect">
-            <a:avLst/>
-          </a:prstGeom>
-          <a:solidFill>
-            <a:schemeClr val="accent1"/>
-          </a:solidFill>
-          <a:ln>
-            <a:noFill/>
-          </a:ln>
-        </p:spPr>
-        <p:style>
-          <a:lnRef idx="2">
-            <a:schemeClr val="accent1">
-              <a:shade val="50000"/>
-            </a:schemeClr>
-          </a:lnRef>
-          <a:fillRef idx="1">
-            <a:schemeClr val="accent1"/>
-          </a:fillRef>
-          <a:effectRef idx="0">
-            <a:schemeClr val="accent1"/>
-          </a:effectRef>
-          <a:fontRef idx="minor">
-            <a:schemeClr val="lt1"/>
-          </a:fontRef>
-        </p:style>
-      </p:sp>
-      <p:sp useBgFill="1">
-        <p:nvSpPr>
-          <p:cNvPr id="35" name="Rectangle 19">
-            <a:extLst>
-              <a:ext uri="{FF2B5EF4-FFF2-40B4-BE49-F238E27FC236}">
-                <a16:creationId xmlns:a16="http://schemas.microsoft.com/office/drawing/2014/main" id="{00573A24-AD84-4562-A993-7D04E1D18209}"/>
-              </a:ext>
-              <a:ext uri="{C183D7F6-B498-43B3-948B-1728B52AA6E4}">
-                <adec:decorative xmlns:adec="http://schemas.microsoft.com/office/drawing/2017/decorative" val="1"/>
-              </a:ext>
-            </a:extLst>
-          </p:cNvPr>
-          <p:cNvSpPr>
-            <a:spLocks noGrp="1" noRot="1" noChangeAspect="1" noMove="1" noResize="1" noEditPoints="1" noAdjustHandles="1" noChangeArrowheads="1" noChangeShapeType="1" noTextEdit="1"/>
-          </p:cNvSpPr>
-          <p:nvPr>
-            <p:extLst>
-              <p:ext uri="{386F3935-93C4-4BCD-93E2-E3B085C9AB24}">
-                <p16:designElem xmlns:p16="http://schemas.microsoft.com/office/powerpoint/2015/main" val="1"/>
-              </p:ext>
-            </p:extLst>
-          </p:nvPr>
-        </p:nvSpPr>
-        <p:spPr>
-          <a:xfrm>
-            <a:off x="0" y="0"/>
-            <a:ext cx="12188824" cy="6858000"/>
-          </a:xfrm>
-          <a:prstGeom prst="rect">
-            <a:avLst/>
-          </a:prstGeom>
-          <a:ln>
-            <a:noFill/>
-          </a:ln>
-        </p:spPr>
-        <p:style>
-          <a:lnRef idx="2">
-            <a:schemeClr val="accent1">
-              <a:shade val="50000"/>
-            </a:schemeClr>
-          </a:lnRef>
-          <a:fillRef idx="1">
-            <a:schemeClr val="accent1"/>
-          </a:fillRef>
-          <a:effectRef idx="0">
-            <a:schemeClr val="accent1"/>
-          </a:effectRef>
-          <a:fontRef idx="minor">
-            <a:schemeClr val="lt1"/>
-          </a:fontRef>
-        </p:style>
-        <p:txBody>
-          <a:bodyPr rtlCol="0" anchor="ctr"/>
-          <a:lstStyle/>
-          <a:p>
-            <a:pPr algn="ctr"/>
-            <a:endParaRPr lang="en-US"/>
-          </a:p>
-        </p:txBody>
-      </p:sp>
-      <p:pic>
-        <p:nvPicPr>
-          <p:cNvPr id="36" name="Picture 21">
-            <a:extLst>
-              <a:ext uri="{FF2B5EF4-FFF2-40B4-BE49-F238E27FC236}">
-                <a16:creationId xmlns:a16="http://schemas.microsoft.com/office/drawing/2014/main" id="{B3C087F8-F09C-4C07-B55F-6081689A2413}"/>
-              </a:ext>
-              <a:ext uri="{C183D7F6-B498-43B3-948B-1728B52AA6E4}">
-                <adec:decorative xmlns:adec="http://schemas.microsoft.com/office/drawing/2017/decorative" val="1"/>
-              </a:ext>
-            </a:extLst>
-          </p:cNvPr>
-          <p:cNvPicPr>
-            <a:picLocks noGrp="1" noRot="1" noChangeAspect="1" noMove="1" noResize="1" noEditPoints="1" noAdjustHandles="1" noChangeArrowheads="1" noChangeShapeType="1" noCrop="1"/>
-          </p:cNvPicPr>
-          <p:nvPr>
-            <p:extLst>
-              <p:ext uri="{386F3935-93C4-4BCD-93E2-E3B085C9AB24}">
-                <p16:designElem xmlns:p16="http://schemas.microsoft.com/office/powerpoint/2015/main" val="1"/>
-              </p:ext>
-            </p:extLst>
-          </p:nvPr>
-        </p:nvPicPr>
-        <p:blipFill>
-          <a:blip r:embed="rId2">
-            <a:alphaModFix amt="10000"/>
-            <a:extLst>
-              <a:ext uri="{28A0092B-C50C-407E-A947-70E740481C1C}">
-                <a14:useLocalDpi xmlns:a14="http://schemas.microsoft.com/office/drawing/2010/main" val="0"/>
-              </a:ext>
-            </a:extLst>
-          </a:blip>
-          <a:stretch>
-            <a:fillRect/>
-          </a:stretch>
-        </p:blipFill>
-        <p:spPr>
-          <a:xfrm>
-            <a:off x="0" y="0"/>
-            <a:ext cx="12192000" cy="6858000"/>
-          </a:xfrm>
-          <a:prstGeom prst="rect">
-            <a:avLst/>
-          </a:prstGeom>
-        </p:spPr>
-      </p:pic>
-      <p:sp>
-        <p:nvSpPr>
-          <p:cNvPr id="37" name="Rectangle 23">
-            <a:extLst>
-              <a:ext uri="{FF2B5EF4-FFF2-40B4-BE49-F238E27FC236}">
-                <a16:creationId xmlns:a16="http://schemas.microsoft.com/office/drawing/2014/main" id="{FC49D257-5737-4C0D-89EA-9C311AF2B8B5}"/>
-              </a:ext>
-              <a:ext uri="{C183D7F6-B498-43B3-948B-1728B52AA6E4}">
-                <adec:decorative xmlns:adec="http://schemas.microsoft.com/office/drawing/2017/decorative" val="1"/>
-              </a:ext>
-            </a:extLst>
-          </p:cNvPr>
-          <p:cNvSpPr>
-            <a:spLocks noGrp="1" noRot="1" noChangeAspect="1" noMove="1" noResize="1" noEditPoints="1" noAdjustHandles="1" noChangeArrowheads="1" noChangeShapeType="1" noTextEdit="1"/>
-          </p:cNvSpPr>
-          <p:nvPr>
-            <p:extLst>
-              <p:ext uri="{386F3935-93C4-4BCD-93E2-E3B085C9AB24}">
-                <p16:designElem xmlns:p16="http://schemas.microsoft.com/office/powerpoint/2015/main" val="1"/>
-              </p:ext>
-            </p:extLst>
-          </p:nvPr>
-        </p:nvSpPr>
-        <p:spPr>
-          <a:xfrm>
-            <a:off x="6099176" y="0"/>
-            <a:ext cx="6092824" cy="6858001"/>
-          </a:xfrm>
-          <a:prstGeom prst="rect">
-            <a:avLst/>
-          </a:prstGeom>
-          <a:ln>
-            <a:noFill/>
-          </a:ln>
-        </p:spPr>
-        <p:style>
-          <a:lnRef idx="2">
-            <a:schemeClr val="accent1">
-              <a:shade val="50000"/>
-            </a:schemeClr>
-          </a:lnRef>
-          <a:fillRef idx="1">
-            <a:schemeClr val="accent1"/>
-          </a:fillRef>
-          <a:effectRef idx="0">
-            <a:schemeClr val="accent1"/>
-          </a:effectRef>
-          <a:fontRef idx="minor">
-            <a:schemeClr val="lt1"/>
-          </a:fontRef>
-        </p:style>
-        <p:txBody>
-          <a:bodyPr rtlCol="0" anchor="ctr"/>
-          <a:lstStyle/>
-          <a:p>
-            <a:pPr algn="ctr"/>
-            <a:endParaRPr lang="en-US"/>
-          </a:p>
-        </p:txBody>
-      </p:sp>
-      <p:pic>
-        <p:nvPicPr>
-          <p:cNvPr id="38" name="Picture 25">
-            <a:extLst>
-              <a:ext uri="{FF2B5EF4-FFF2-40B4-BE49-F238E27FC236}">
-                <a16:creationId xmlns:a16="http://schemas.microsoft.com/office/drawing/2014/main" id="{E13D267A-94F5-488A-94C6-5D7156D9AF8C}"/>
-              </a:ext>
-              <a:ext uri="{C183D7F6-B498-43B3-948B-1728B52AA6E4}">
-                <adec:decorative xmlns:adec="http://schemas.microsoft.com/office/drawing/2017/decorative" val="1"/>
-              </a:ext>
-            </a:extLst>
-          </p:cNvPr>
-          <p:cNvPicPr>
-            <a:picLocks noGrp="1" noRot="1" noChangeAspect="1" noMove="1" noResize="1" noEditPoints="1" noAdjustHandles="1" noChangeArrowheads="1" noChangeShapeType="1" noCrop="1"/>
-          </p:cNvPicPr>
-          <p:nvPr>
-            <p:extLst>
-              <p:ext uri="{386F3935-93C4-4BCD-93E2-E3B085C9AB24}">
-                <p16:designElem xmlns:p16="http://schemas.microsoft.com/office/powerpoint/2015/main" val="1"/>
-              </p:ext>
-            </p:extLst>
-          </p:nvPr>
-        </p:nvPicPr>
-        <p:blipFill>
-          <a:blip r:embed="rId3">
-            <a:extLst>
-              <a:ext uri="{28A0092B-C50C-407E-A947-70E740481C1C}">
-                <a14:useLocalDpi xmlns:a14="http://schemas.microsoft.com/office/drawing/2010/main" val="0"/>
-              </a:ext>
-            </a:extLst>
-          </a:blip>
-          <a:stretch>
-            <a:fillRect/>
-          </a:stretch>
-        </p:blipFill>
-        <p:spPr>
-          <a:xfrm>
-            <a:off x="1" y="4688333"/>
-            <a:ext cx="6400800" cy="185701"/>
-          </a:xfrm>
-          <a:prstGeom prst="rect">
-            <a:avLst/>
-          </a:prstGeom>
-        </p:spPr>
-      </p:pic>
-      <p:sp>
-        <p:nvSpPr>
-          <p:cNvPr id="39" name="Rectangle 27">
-            <a:extLst>
-              <a:ext uri="{FF2B5EF4-FFF2-40B4-BE49-F238E27FC236}">
-                <a16:creationId xmlns:a16="http://schemas.microsoft.com/office/drawing/2014/main" id="{46CE3EB2-91DF-4F5D-8874-744AAAE311E1}"/>
-              </a:ext>
-              <a:ext uri="{C183D7F6-B498-43B3-948B-1728B52AA6E4}">
-                <adec:decorative xmlns:adec="http://schemas.microsoft.com/office/drawing/2017/decorative" val="1"/>
-              </a:ext>
-            </a:extLst>
-          </p:cNvPr>
-          <p:cNvSpPr>
-            <a:spLocks noGrp="1" noRot="1" noChangeAspect="1" noMove="1" noResize="1" noEditPoints="1" noAdjustHandles="1" noChangeArrowheads="1" noChangeShapeType="1" noTextEdit="1"/>
-          </p:cNvSpPr>
-          <p:nvPr>
-            <p:extLst>
-              <p:ext uri="{386F3935-93C4-4BCD-93E2-E3B085C9AB24}">
-                <p16:designElem xmlns:p16="http://schemas.microsoft.com/office/powerpoint/2015/main" val="1"/>
-              </p:ext>
-            </p:extLst>
-          </p:nvPr>
-        </p:nvSpPr>
-        <p:spPr>
-          <a:xfrm>
-            <a:off x="-1" y="2162908"/>
-            <a:ext cx="6411743" cy="2532185"/>
-          </a:xfrm>
-          <a:prstGeom prst="rect">
-            <a:avLst/>
-          </a:prstGeom>
-          <a:solidFill>
-            <a:schemeClr val="bg1">
-              <a:lumMod val="85000"/>
-              <a:lumOff val="15000"/>
-            </a:schemeClr>
-          </a:solidFill>
-          <a:ln>
-            <a:noFill/>
-          </a:ln>
-        </p:spPr>
-        <p:style>
-          <a:lnRef idx="2">
-            <a:schemeClr val="accent1">
-              <a:shade val="50000"/>
-            </a:schemeClr>
-          </a:lnRef>
-          <a:fillRef idx="1">
-            <a:schemeClr val="accent1"/>
-          </a:fillRef>
-          <a:effectRef idx="0">
-            <a:schemeClr val="accent1"/>
-          </a:effectRef>
-          <a:fontRef idx="minor">
-            <a:schemeClr val="lt1"/>
-          </a:fontRef>
-        </p:style>
-      </p:sp>
-      <p:sp>
-        <p:nvSpPr>
-          <p:cNvPr id="2" name="Tytuł 1">
-            <a:extLst>
-              <a:ext uri="{FF2B5EF4-FFF2-40B4-BE49-F238E27FC236}">
-                <a16:creationId xmlns:a16="http://schemas.microsoft.com/office/drawing/2014/main" id="{EC002D38-331E-4C43-851E-7B2A0C90C1DA}"/>
-              </a:ext>
-            </a:extLst>
-          </p:cNvPr>
-          <p:cNvSpPr>
-            <a:spLocks noGrp="1"/>
-          </p:cNvSpPr>
-          <p:nvPr>
-            <p:ph type="title"/>
-          </p:nvPr>
-        </p:nvSpPr>
-        <p:spPr>
-          <a:xfrm>
-            <a:off x="680322" y="2403231"/>
-            <a:ext cx="5192940" cy="2133600"/>
-          </a:xfrm>
-        </p:spPr>
-        <p:txBody>
-          <a:bodyPr vert="horz" lIns="91440" tIns="45720" rIns="91440" bIns="45720" rtlCol="0" anchor="ctr">
-            <a:normAutofit/>
-          </a:bodyPr>
-          <a:lstStyle/>
-          <a:p>
-            <a:pPr algn="r"/>
-            <a:r>
-              <a:rPr lang="en-US" sz="5400"/>
-              <a:t>Bilans miesięczny</a:t>
-            </a:r>
-          </a:p>
-        </p:txBody>
-      </p:sp>
-      <p:pic>
-        <p:nvPicPr>
-          <p:cNvPr id="5" name="Grafika 4">
-            <a:extLst>
-              <a:ext uri="{FF2B5EF4-FFF2-40B4-BE49-F238E27FC236}">
-                <a16:creationId xmlns:a16="http://schemas.microsoft.com/office/drawing/2014/main" id="{2F61A690-F5F3-4AA6-B68E-5A767D06FED7}"/>
-              </a:ext>
-            </a:extLst>
-          </p:cNvPr>
-          <p:cNvPicPr>
-            <a:picLocks noChangeAspect="1"/>
-          </p:cNvPicPr>
-          <p:nvPr/>
-        </p:nvPicPr>
-        <p:blipFill>
-          <a:blip r:embed="rId5">
-            <a:extLst>
-              <a:ext uri="{28A0092B-C50C-407E-A947-70E740481C1C}">
-                <a14:useLocalDpi xmlns:a14="http://schemas.microsoft.com/office/drawing/2010/main" val="0"/>
-              </a:ext>
-              <a:ext uri="{96DAC541-7B7A-43D3-8B79-37D633B846F1}">
-                <asvg:svgBlip xmlns:asvg="http://schemas.microsoft.com/office/drawing/2016/SVG/main" r:embed="rId6"/>
-              </a:ext>
-            </a:extLst>
-          </a:blip>
-          <a:stretch>
-            <a:fillRect/>
-          </a:stretch>
-        </p:blipFill>
-        <p:spPr>
-          <a:xfrm>
-            <a:off x="6945550" y="107485"/>
-            <a:ext cx="4566128" cy="6397045"/>
-          </a:xfrm>
-          <a:prstGeom prst="rect">
-            <a:avLst/>
-          </a:prstGeom>
-          <a:ln>
-            <a:noFill/>
-          </a:ln>
-          <a:effectLst>
-            <a:outerShdw blurRad="76200" dist="63500" dir="5040000" algn="tl" rotWithShape="0">
-              <a:srgbClr val="000000">
-                <a:alpha val="41000"/>
-              </a:srgbClr>
-            </a:outerShdw>
-          </a:effectLst>
-        </p:spPr>
-      </p:pic>
-      <p:sp>
-        <p:nvSpPr>
-          <p:cNvPr id="3" name="Symbol zastępczy numeru slajdu 2">
-            <a:extLst>
-              <a:ext uri="{FF2B5EF4-FFF2-40B4-BE49-F238E27FC236}">
-                <a16:creationId xmlns:a16="http://schemas.microsoft.com/office/drawing/2014/main" id="{F96FB45D-B546-4536-A467-43CC7AC9705E}"/>
-              </a:ext>
-            </a:extLst>
-          </p:cNvPr>
-          <p:cNvSpPr>
-            <a:spLocks noGrp="1"/>
-          </p:cNvSpPr>
-          <p:nvPr>
-            <p:ph type="sldNum" sz="quarter" idx="12"/>
-          </p:nvPr>
-        </p:nvSpPr>
-        <p:spPr>
-          <a:xfrm>
-            <a:off x="11281776" y="6336872"/>
-            <a:ext cx="722655" cy="365760"/>
-          </a:xfrm>
-        </p:spPr>
-        <p:txBody>
-          <a:bodyPr vert="horz" lIns="91440" tIns="45720" rIns="91440" bIns="45720" rtlCol="0" anchor="ctr">
-            <a:normAutofit/>
-          </a:bodyPr>
-          <a:lstStyle/>
-          <a:p>
-            <a:pPr defTabSz="914400">
-              <a:spcAft>
-                <a:spcPts val="600"/>
-              </a:spcAft>
-            </a:pPr>
-            <a:fld id="{73EBA5C1-EA0D-4D38-B474-3131B775EA3E}" type="slidenum">
-              <a:rPr lang="en-US" sz="1400">
-                <a:solidFill>
-                  <a:srgbClr val="FFFFFF"/>
-                </a:solidFill>
-              </a:rPr>
-              <a:pPr defTabSz="914400">
-                <a:spcAft>
-                  <a:spcPts val="600"/>
-                </a:spcAft>
-              </a:pPr>
-              <a:t>34</a:t>
-            </a:fld>
-            <a:endParaRPr lang="en-US" sz="1400">
-              <a:solidFill>
-                <a:srgbClr val="FFFFFF"/>
-              </a:solidFill>
-            </a:endParaRPr>
-          </a:p>
-        </p:txBody>
-      </p:sp>
-    </p:spTree>
-    <p:extLst>
-      <p:ext uri="{BB962C8B-B14F-4D97-AF65-F5344CB8AC3E}">
-        <p14:creationId xmlns:p14="http://schemas.microsoft.com/office/powerpoint/2010/main" val="318629951"/>
       </p:ext>
     </p:extLst>
   </p:cSld>
@@ -27949,6 +26570,728 @@
       </p:grpSpPr>
       <p:pic>
         <p:nvPicPr>
+          <p:cNvPr id="30" name="Picture 9">
+            <a:extLst>
+              <a:ext uri="{FF2B5EF4-FFF2-40B4-BE49-F238E27FC236}">
+                <a16:creationId xmlns:a16="http://schemas.microsoft.com/office/drawing/2014/main" id="{5321D838-2C7E-4177-9DD3-DAC78324A2B2}"/>
+              </a:ext>
+              <a:ext uri="{C183D7F6-B498-43B3-948B-1728B52AA6E4}">
+                <adec:decorative xmlns:adec="http://schemas.microsoft.com/office/drawing/2017/decorative" val="1"/>
+              </a:ext>
+            </a:extLst>
+          </p:cNvPr>
+          <p:cNvPicPr>
+            <a:picLocks noGrp="1" noRot="1" noChangeAspect="1" noMove="1" noResize="1" noEditPoints="1" noAdjustHandles="1" noChangeArrowheads="1" noChangeShapeType="1" noCrop="1"/>
+          </p:cNvPicPr>
+          <p:nvPr>
+            <p:extLst>
+              <p:ext uri="{386F3935-93C4-4BCD-93E2-E3B085C9AB24}">
+                <p16:designElem xmlns:p16="http://schemas.microsoft.com/office/powerpoint/2015/main" val="1"/>
+              </p:ext>
+            </p:extLst>
+          </p:nvPr>
+        </p:nvPicPr>
+        <p:blipFill>
+          <a:blip r:embed="rId2">
+            <a:alphaModFix amt="10000"/>
+            <a:extLst>
+              <a:ext uri="{28A0092B-C50C-407E-A947-70E740481C1C}">
+                <a14:useLocalDpi xmlns:a14="http://schemas.microsoft.com/office/drawing/2010/main" val="0"/>
+              </a:ext>
+            </a:extLst>
+          </a:blip>
+          <a:stretch>
+            <a:fillRect/>
+          </a:stretch>
+        </p:blipFill>
+        <p:spPr>
+          <a:xfrm>
+            <a:off x="0" y="0"/>
+            <a:ext cx="12192000" cy="6858000"/>
+          </a:xfrm>
+          <a:prstGeom prst="rect">
+            <a:avLst/>
+          </a:prstGeom>
+        </p:spPr>
+      </p:pic>
+      <p:pic>
+        <p:nvPicPr>
+          <p:cNvPr id="31" name="Picture 11">
+            <a:extLst>
+              <a:ext uri="{FF2B5EF4-FFF2-40B4-BE49-F238E27FC236}">
+                <a16:creationId xmlns:a16="http://schemas.microsoft.com/office/drawing/2014/main" id="{0146E45C-1450-4186-B501-74F221F897A8}"/>
+              </a:ext>
+              <a:ext uri="{C183D7F6-B498-43B3-948B-1728B52AA6E4}">
+                <adec:decorative xmlns:adec="http://schemas.microsoft.com/office/drawing/2017/decorative" val="1"/>
+              </a:ext>
+            </a:extLst>
+          </p:cNvPr>
+          <p:cNvPicPr>
+            <a:picLocks noGrp="1" noRot="1" noChangeAspect="1" noMove="1" noResize="1" noEditPoints="1" noAdjustHandles="1" noChangeArrowheads="1" noChangeShapeType="1" noCrop="1"/>
+          </p:cNvPicPr>
+          <p:nvPr>
+            <p:extLst>
+              <p:ext uri="{386F3935-93C4-4BCD-93E2-E3B085C9AB24}">
+                <p16:designElem xmlns:p16="http://schemas.microsoft.com/office/powerpoint/2015/main" val="1"/>
+              </p:ext>
+            </p:extLst>
+          </p:nvPr>
+        </p:nvPicPr>
+        <p:blipFill>
+          <a:blip r:embed="rId3">
+            <a:extLst>
+              <a:ext uri="{28A0092B-C50C-407E-A947-70E740481C1C}">
+                <a14:useLocalDpi xmlns:a14="http://schemas.microsoft.com/office/drawing/2010/main" val="0"/>
+              </a:ext>
+            </a:extLst>
+          </a:blip>
+          <a:stretch>
+            <a:fillRect/>
+          </a:stretch>
+        </p:blipFill>
+        <p:spPr>
+          <a:xfrm>
+            <a:off x="1" y="4242851"/>
+            <a:ext cx="8968084" cy="275942"/>
+          </a:xfrm>
+          <a:prstGeom prst="rect">
+            <a:avLst/>
+          </a:prstGeom>
+        </p:spPr>
+      </p:pic>
+      <p:pic>
+        <p:nvPicPr>
+          <p:cNvPr id="32" name="Picture 13">
+            <a:extLst>
+              <a:ext uri="{FF2B5EF4-FFF2-40B4-BE49-F238E27FC236}">
+                <a16:creationId xmlns:a16="http://schemas.microsoft.com/office/drawing/2014/main" id="{EEDDA48B-BC04-4915-ADA3-A1A9522EB0D1}"/>
+              </a:ext>
+              <a:ext uri="{C183D7F6-B498-43B3-948B-1728B52AA6E4}">
+                <adec:decorative xmlns:adec="http://schemas.microsoft.com/office/drawing/2017/decorative" val="1"/>
+              </a:ext>
+            </a:extLst>
+          </p:cNvPr>
+          <p:cNvPicPr>
+            <a:picLocks noGrp="1" noRot="1" noChangeAspect="1" noMove="1" noResize="1" noEditPoints="1" noAdjustHandles="1" noChangeArrowheads="1" noChangeShapeType="1" noCrop="1"/>
+          </p:cNvPicPr>
+          <p:nvPr>
+            <p:extLst>
+              <p:ext uri="{386F3935-93C4-4BCD-93E2-E3B085C9AB24}">
+                <p16:designElem xmlns:p16="http://schemas.microsoft.com/office/powerpoint/2015/main" val="1"/>
+              </p:ext>
+            </p:extLst>
+          </p:nvPr>
+        </p:nvPicPr>
+        <p:blipFill>
+          <a:blip r:embed="rId4">
+            <a:extLst>
+              <a:ext uri="{28A0092B-C50C-407E-A947-70E740481C1C}">
+                <a14:useLocalDpi xmlns:a14="http://schemas.microsoft.com/office/drawing/2010/main" val="0"/>
+              </a:ext>
+            </a:extLst>
+          </a:blip>
+          <a:stretch>
+            <a:fillRect/>
+          </a:stretch>
+        </p:blipFill>
+        <p:spPr>
+          <a:xfrm>
+            <a:off x="9111716" y="4243845"/>
+            <a:ext cx="3077108" cy="276940"/>
+          </a:xfrm>
+          <a:prstGeom prst="rect">
+            <a:avLst/>
+          </a:prstGeom>
+        </p:spPr>
+      </p:pic>
+      <p:sp>
+        <p:nvSpPr>
+          <p:cNvPr id="33" name="Rectangle 15">
+            <a:extLst>
+              <a:ext uri="{FF2B5EF4-FFF2-40B4-BE49-F238E27FC236}">
+                <a16:creationId xmlns:a16="http://schemas.microsoft.com/office/drawing/2014/main" id="{78C9D07A-5A22-4E55-B18A-47CF07E5080D}"/>
+              </a:ext>
+              <a:ext uri="{C183D7F6-B498-43B3-948B-1728B52AA6E4}">
+                <adec:decorative xmlns:adec="http://schemas.microsoft.com/office/drawing/2017/decorative" val="1"/>
+              </a:ext>
+            </a:extLst>
+          </p:cNvPr>
+          <p:cNvSpPr>
+            <a:spLocks noGrp="1" noRot="1" noChangeAspect="1" noMove="1" noResize="1" noEditPoints="1" noAdjustHandles="1" noChangeArrowheads="1" noChangeShapeType="1" noTextEdit="1"/>
+          </p:cNvSpPr>
+          <p:nvPr>
+            <p:extLst>
+              <p:ext uri="{386F3935-93C4-4BCD-93E2-E3B085C9AB24}">
+                <p16:designElem xmlns:p16="http://schemas.microsoft.com/office/powerpoint/2015/main" val="1"/>
+              </p:ext>
+            </p:extLst>
+          </p:nvPr>
+        </p:nvSpPr>
+        <p:spPr>
+          <a:xfrm>
+            <a:off x="0" y="2590078"/>
+            <a:ext cx="8968085" cy="1660332"/>
+          </a:xfrm>
+          <a:prstGeom prst="rect">
+            <a:avLst/>
+          </a:prstGeom>
+          <a:solidFill>
+            <a:schemeClr val="bg1">
+              <a:lumMod val="85000"/>
+              <a:lumOff val="15000"/>
+            </a:schemeClr>
+          </a:solidFill>
+          <a:ln>
+            <a:noFill/>
+          </a:ln>
+        </p:spPr>
+        <p:style>
+          <a:lnRef idx="2">
+            <a:schemeClr val="accent1">
+              <a:shade val="50000"/>
+            </a:schemeClr>
+          </a:lnRef>
+          <a:fillRef idx="1">
+            <a:schemeClr val="accent1"/>
+          </a:fillRef>
+          <a:effectRef idx="0">
+            <a:schemeClr val="accent1"/>
+          </a:effectRef>
+          <a:fontRef idx="minor">
+            <a:schemeClr val="lt1"/>
+          </a:fontRef>
+        </p:style>
+      </p:sp>
+      <p:sp>
+        <p:nvSpPr>
+          <p:cNvPr id="34" name="Rectangle 17">
+            <a:extLst>
+              <a:ext uri="{FF2B5EF4-FFF2-40B4-BE49-F238E27FC236}">
+                <a16:creationId xmlns:a16="http://schemas.microsoft.com/office/drawing/2014/main" id="{3D71E629-0739-4A59-972B-A9E9A4500E31}"/>
+              </a:ext>
+              <a:ext uri="{C183D7F6-B498-43B3-948B-1728B52AA6E4}">
+                <adec:decorative xmlns:adec="http://schemas.microsoft.com/office/drawing/2017/decorative" val="1"/>
+              </a:ext>
+            </a:extLst>
+          </p:cNvPr>
+          <p:cNvSpPr>
+            <a:spLocks noGrp="1" noRot="1" noChangeAspect="1" noMove="1" noResize="1" noEditPoints="1" noAdjustHandles="1" noChangeArrowheads="1" noChangeShapeType="1" noTextEdit="1"/>
+          </p:cNvSpPr>
+          <p:nvPr>
+            <p:extLst>
+              <p:ext uri="{386F3935-93C4-4BCD-93E2-E3B085C9AB24}">
+                <p16:designElem xmlns:p16="http://schemas.microsoft.com/office/powerpoint/2015/main" val="1"/>
+              </p:ext>
+            </p:extLst>
+          </p:nvPr>
+        </p:nvSpPr>
+        <p:spPr>
+          <a:xfrm>
+            <a:off x="9111715" y="2590078"/>
+            <a:ext cx="3077109" cy="1660332"/>
+          </a:xfrm>
+          <a:prstGeom prst="rect">
+            <a:avLst/>
+          </a:prstGeom>
+          <a:solidFill>
+            <a:schemeClr val="accent1"/>
+          </a:solidFill>
+          <a:ln>
+            <a:noFill/>
+          </a:ln>
+        </p:spPr>
+        <p:style>
+          <a:lnRef idx="2">
+            <a:schemeClr val="accent1">
+              <a:shade val="50000"/>
+            </a:schemeClr>
+          </a:lnRef>
+          <a:fillRef idx="1">
+            <a:schemeClr val="accent1"/>
+          </a:fillRef>
+          <a:effectRef idx="0">
+            <a:schemeClr val="accent1"/>
+          </a:effectRef>
+          <a:fontRef idx="minor">
+            <a:schemeClr val="lt1"/>
+          </a:fontRef>
+        </p:style>
+      </p:sp>
+      <p:sp useBgFill="1">
+        <p:nvSpPr>
+          <p:cNvPr id="35" name="Rectangle 19">
+            <a:extLst>
+              <a:ext uri="{FF2B5EF4-FFF2-40B4-BE49-F238E27FC236}">
+                <a16:creationId xmlns:a16="http://schemas.microsoft.com/office/drawing/2014/main" id="{00573A24-AD84-4562-A993-7D04E1D18209}"/>
+              </a:ext>
+              <a:ext uri="{C183D7F6-B498-43B3-948B-1728B52AA6E4}">
+                <adec:decorative xmlns:adec="http://schemas.microsoft.com/office/drawing/2017/decorative" val="1"/>
+              </a:ext>
+            </a:extLst>
+          </p:cNvPr>
+          <p:cNvSpPr>
+            <a:spLocks noGrp="1" noRot="1" noChangeAspect="1" noMove="1" noResize="1" noEditPoints="1" noAdjustHandles="1" noChangeArrowheads="1" noChangeShapeType="1" noTextEdit="1"/>
+          </p:cNvSpPr>
+          <p:nvPr>
+            <p:extLst>
+              <p:ext uri="{386F3935-93C4-4BCD-93E2-E3B085C9AB24}">
+                <p16:designElem xmlns:p16="http://schemas.microsoft.com/office/powerpoint/2015/main" val="1"/>
+              </p:ext>
+            </p:extLst>
+          </p:nvPr>
+        </p:nvSpPr>
+        <p:spPr>
+          <a:xfrm>
+            <a:off x="0" y="0"/>
+            <a:ext cx="12188824" cy="6858000"/>
+          </a:xfrm>
+          <a:prstGeom prst="rect">
+            <a:avLst/>
+          </a:prstGeom>
+          <a:ln>
+            <a:noFill/>
+          </a:ln>
+        </p:spPr>
+        <p:style>
+          <a:lnRef idx="2">
+            <a:schemeClr val="accent1">
+              <a:shade val="50000"/>
+            </a:schemeClr>
+          </a:lnRef>
+          <a:fillRef idx="1">
+            <a:schemeClr val="accent1"/>
+          </a:fillRef>
+          <a:effectRef idx="0">
+            <a:schemeClr val="accent1"/>
+          </a:effectRef>
+          <a:fontRef idx="minor">
+            <a:schemeClr val="lt1"/>
+          </a:fontRef>
+        </p:style>
+        <p:txBody>
+          <a:bodyPr rtlCol="0" anchor="ctr"/>
+          <a:lstStyle/>
+          <a:p>
+            <a:pPr algn="ctr"/>
+            <a:endParaRPr lang="en-US"/>
+          </a:p>
+        </p:txBody>
+      </p:sp>
+      <p:pic>
+        <p:nvPicPr>
+          <p:cNvPr id="36" name="Picture 21">
+            <a:extLst>
+              <a:ext uri="{FF2B5EF4-FFF2-40B4-BE49-F238E27FC236}">
+                <a16:creationId xmlns:a16="http://schemas.microsoft.com/office/drawing/2014/main" id="{B3C087F8-F09C-4C07-B55F-6081689A2413}"/>
+              </a:ext>
+              <a:ext uri="{C183D7F6-B498-43B3-948B-1728B52AA6E4}">
+                <adec:decorative xmlns:adec="http://schemas.microsoft.com/office/drawing/2017/decorative" val="1"/>
+              </a:ext>
+            </a:extLst>
+          </p:cNvPr>
+          <p:cNvPicPr>
+            <a:picLocks noGrp="1" noRot="1" noChangeAspect="1" noMove="1" noResize="1" noEditPoints="1" noAdjustHandles="1" noChangeArrowheads="1" noChangeShapeType="1" noCrop="1"/>
+          </p:cNvPicPr>
+          <p:nvPr>
+            <p:extLst>
+              <p:ext uri="{386F3935-93C4-4BCD-93E2-E3B085C9AB24}">
+                <p16:designElem xmlns:p16="http://schemas.microsoft.com/office/powerpoint/2015/main" val="1"/>
+              </p:ext>
+            </p:extLst>
+          </p:nvPr>
+        </p:nvPicPr>
+        <p:blipFill>
+          <a:blip r:embed="rId2">
+            <a:alphaModFix amt="10000"/>
+            <a:extLst>
+              <a:ext uri="{28A0092B-C50C-407E-A947-70E740481C1C}">
+                <a14:useLocalDpi xmlns:a14="http://schemas.microsoft.com/office/drawing/2010/main" val="0"/>
+              </a:ext>
+            </a:extLst>
+          </a:blip>
+          <a:stretch>
+            <a:fillRect/>
+          </a:stretch>
+        </p:blipFill>
+        <p:spPr>
+          <a:xfrm>
+            <a:off x="0" y="0"/>
+            <a:ext cx="12192000" cy="6858000"/>
+          </a:xfrm>
+          <a:prstGeom prst="rect">
+            <a:avLst/>
+          </a:prstGeom>
+        </p:spPr>
+      </p:pic>
+      <p:sp>
+        <p:nvSpPr>
+          <p:cNvPr id="37" name="Rectangle 23">
+            <a:extLst>
+              <a:ext uri="{FF2B5EF4-FFF2-40B4-BE49-F238E27FC236}">
+                <a16:creationId xmlns:a16="http://schemas.microsoft.com/office/drawing/2014/main" id="{FC49D257-5737-4C0D-89EA-9C311AF2B8B5}"/>
+              </a:ext>
+              <a:ext uri="{C183D7F6-B498-43B3-948B-1728B52AA6E4}">
+                <adec:decorative xmlns:adec="http://schemas.microsoft.com/office/drawing/2017/decorative" val="1"/>
+              </a:ext>
+            </a:extLst>
+          </p:cNvPr>
+          <p:cNvSpPr>
+            <a:spLocks noGrp="1" noRot="1" noChangeAspect="1" noMove="1" noResize="1" noEditPoints="1" noAdjustHandles="1" noChangeArrowheads="1" noChangeShapeType="1" noTextEdit="1"/>
+          </p:cNvSpPr>
+          <p:nvPr>
+            <p:extLst>
+              <p:ext uri="{386F3935-93C4-4BCD-93E2-E3B085C9AB24}">
+                <p16:designElem xmlns:p16="http://schemas.microsoft.com/office/powerpoint/2015/main" val="1"/>
+              </p:ext>
+            </p:extLst>
+          </p:nvPr>
+        </p:nvSpPr>
+        <p:spPr>
+          <a:xfrm>
+            <a:off x="6099176" y="0"/>
+            <a:ext cx="6092824" cy="6858001"/>
+          </a:xfrm>
+          <a:prstGeom prst="rect">
+            <a:avLst/>
+          </a:prstGeom>
+          <a:ln>
+            <a:noFill/>
+          </a:ln>
+        </p:spPr>
+        <p:style>
+          <a:lnRef idx="2">
+            <a:schemeClr val="accent1">
+              <a:shade val="50000"/>
+            </a:schemeClr>
+          </a:lnRef>
+          <a:fillRef idx="1">
+            <a:schemeClr val="accent1"/>
+          </a:fillRef>
+          <a:effectRef idx="0">
+            <a:schemeClr val="accent1"/>
+          </a:effectRef>
+          <a:fontRef idx="minor">
+            <a:schemeClr val="lt1"/>
+          </a:fontRef>
+        </p:style>
+        <p:txBody>
+          <a:bodyPr rtlCol="0" anchor="ctr"/>
+          <a:lstStyle/>
+          <a:p>
+            <a:pPr algn="ctr"/>
+            <a:endParaRPr lang="en-US"/>
+          </a:p>
+        </p:txBody>
+      </p:sp>
+      <p:pic>
+        <p:nvPicPr>
+          <p:cNvPr id="38" name="Picture 25">
+            <a:extLst>
+              <a:ext uri="{FF2B5EF4-FFF2-40B4-BE49-F238E27FC236}">
+                <a16:creationId xmlns:a16="http://schemas.microsoft.com/office/drawing/2014/main" id="{E13D267A-94F5-488A-94C6-5D7156D9AF8C}"/>
+              </a:ext>
+              <a:ext uri="{C183D7F6-B498-43B3-948B-1728B52AA6E4}">
+                <adec:decorative xmlns:adec="http://schemas.microsoft.com/office/drawing/2017/decorative" val="1"/>
+              </a:ext>
+            </a:extLst>
+          </p:cNvPr>
+          <p:cNvPicPr>
+            <a:picLocks noGrp="1" noRot="1" noChangeAspect="1" noMove="1" noResize="1" noEditPoints="1" noAdjustHandles="1" noChangeArrowheads="1" noChangeShapeType="1" noCrop="1"/>
+          </p:cNvPicPr>
+          <p:nvPr>
+            <p:extLst>
+              <p:ext uri="{386F3935-93C4-4BCD-93E2-E3B085C9AB24}">
+                <p16:designElem xmlns:p16="http://schemas.microsoft.com/office/powerpoint/2015/main" val="1"/>
+              </p:ext>
+            </p:extLst>
+          </p:nvPr>
+        </p:nvPicPr>
+        <p:blipFill>
+          <a:blip r:embed="rId3">
+            <a:extLst>
+              <a:ext uri="{28A0092B-C50C-407E-A947-70E740481C1C}">
+                <a14:useLocalDpi xmlns:a14="http://schemas.microsoft.com/office/drawing/2010/main" val="0"/>
+              </a:ext>
+            </a:extLst>
+          </a:blip>
+          <a:stretch>
+            <a:fillRect/>
+          </a:stretch>
+        </p:blipFill>
+        <p:spPr>
+          <a:xfrm>
+            <a:off x="1" y="4688333"/>
+            <a:ext cx="6400800" cy="185701"/>
+          </a:xfrm>
+          <a:prstGeom prst="rect">
+            <a:avLst/>
+          </a:prstGeom>
+        </p:spPr>
+      </p:pic>
+      <p:sp>
+        <p:nvSpPr>
+          <p:cNvPr id="39" name="Rectangle 27">
+            <a:extLst>
+              <a:ext uri="{FF2B5EF4-FFF2-40B4-BE49-F238E27FC236}">
+                <a16:creationId xmlns:a16="http://schemas.microsoft.com/office/drawing/2014/main" id="{46CE3EB2-91DF-4F5D-8874-744AAAE311E1}"/>
+              </a:ext>
+              <a:ext uri="{C183D7F6-B498-43B3-948B-1728B52AA6E4}">
+                <adec:decorative xmlns:adec="http://schemas.microsoft.com/office/drawing/2017/decorative" val="1"/>
+              </a:ext>
+            </a:extLst>
+          </p:cNvPr>
+          <p:cNvSpPr>
+            <a:spLocks noGrp="1" noRot="1" noChangeAspect="1" noMove="1" noResize="1" noEditPoints="1" noAdjustHandles="1" noChangeArrowheads="1" noChangeShapeType="1" noTextEdit="1"/>
+          </p:cNvSpPr>
+          <p:nvPr>
+            <p:extLst>
+              <p:ext uri="{386F3935-93C4-4BCD-93E2-E3B085C9AB24}">
+                <p16:designElem xmlns:p16="http://schemas.microsoft.com/office/powerpoint/2015/main" val="1"/>
+              </p:ext>
+            </p:extLst>
+          </p:nvPr>
+        </p:nvSpPr>
+        <p:spPr>
+          <a:xfrm>
+            <a:off x="-1" y="2162908"/>
+            <a:ext cx="6411743" cy="2532185"/>
+          </a:xfrm>
+          <a:prstGeom prst="rect">
+            <a:avLst/>
+          </a:prstGeom>
+          <a:solidFill>
+            <a:schemeClr val="bg1">
+              <a:lumMod val="85000"/>
+              <a:lumOff val="15000"/>
+            </a:schemeClr>
+          </a:solidFill>
+          <a:ln>
+            <a:noFill/>
+          </a:ln>
+        </p:spPr>
+        <p:style>
+          <a:lnRef idx="2">
+            <a:schemeClr val="accent1">
+              <a:shade val="50000"/>
+            </a:schemeClr>
+          </a:lnRef>
+          <a:fillRef idx="1">
+            <a:schemeClr val="accent1"/>
+          </a:fillRef>
+          <a:effectRef idx="0">
+            <a:schemeClr val="accent1"/>
+          </a:effectRef>
+          <a:fontRef idx="minor">
+            <a:schemeClr val="lt1"/>
+          </a:fontRef>
+        </p:style>
+      </p:sp>
+      <p:sp>
+        <p:nvSpPr>
+          <p:cNvPr id="2" name="Tytuł 1">
+            <a:extLst>
+              <a:ext uri="{FF2B5EF4-FFF2-40B4-BE49-F238E27FC236}">
+                <a16:creationId xmlns:a16="http://schemas.microsoft.com/office/drawing/2014/main" id="{EC002D38-331E-4C43-851E-7B2A0C90C1DA}"/>
+              </a:ext>
+            </a:extLst>
+          </p:cNvPr>
+          <p:cNvSpPr>
+            <a:spLocks noGrp="1"/>
+          </p:cNvSpPr>
+          <p:nvPr>
+            <p:ph type="title"/>
+          </p:nvPr>
+        </p:nvSpPr>
+        <p:spPr>
+          <a:xfrm>
+            <a:off x="680322" y="2403231"/>
+            <a:ext cx="5192940" cy="2133600"/>
+          </a:xfrm>
+        </p:spPr>
+        <p:txBody>
+          <a:bodyPr vert="horz" lIns="91440" tIns="45720" rIns="91440" bIns="45720" rtlCol="0" anchor="ctr">
+            <a:normAutofit/>
+          </a:bodyPr>
+          <a:lstStyle/>
+          <a:p>
+            <a:pPr algn="r"/>
+            <a:r>
+              <a:rPr lang="en-US" sz="5400"/>
+              <a:t>Bilans miesięczny</a:t>
+            </a:r>
+          </a:p>
+        </p:txBody>
+      </p:sp>
+      <p:pic>
+        <p:nvPicPr>
+          <p:cNvPr id="5" name="Grafika 4">
+            <a:extLst>
+              <a:ext uri="{FF2B5EF4-FFF2-40B4-BE49-F238E27FC236}">
+                <a16:creationId xmlns:a16="http://schemas.microsoft.com/office/drawing/2014/main" id="{2F61A690-F5F3-4AA6-B68E-5A767D06FED7}"/>
+              </a:ext>
+            </a:extLst>
+          </p:cNvPr>
+          <p:cNvPicPr>
+            <a:picLocks noChangeAspect="1"/>
+          </p:cNvPicPr>
+          <p:nvPr/>
+        </p:nvPicPr>
+        <p:blipFill>
+          <a:blip r:embed="rId5">
+            <a:extLst>
+              <a:ext uri="{28A0092B-C50C-407E-A947-70E740481C1C}">
+                <a14:useLocalDpi xmlns:a14="http://schemas.microsoft.com/office/drawing/2010/main" val="0"/>
+              </a:ext>
+              <a:ext uri="{96DAC541-7B7A-43D3-8B79-37D633B846F1}">
+                <asvg:svgBlip xmlns:asvg="http://schemas.microsoft.com/office/drawing/2016/SVG/main" r:embed="rId6"/>
+              </a:ext>
+            </a:extLst>
+          </a:blip>
+          <a:stretch>
+            <a:fillRect/>
+          </a:stretch>
+        </p:blipFill>
+        <p:spPr>
+          <a:xfrm>
+            <a:off x="6945550" y="107485"/>
+            <a:ext cx="4566128" cy="6397045"/>
+          </a:xfrm>
+          <a:prstGeom prst="rect">
+            <a:avLst/>
+          </a:prstGeom>
+          <a:ln>
+            <a:noFill/>
+          </a:ln>
+          <a:effectLst>
+            <a:outerShdw blurRad="76200" dist="63500" dir="5040000" algn="tl" rotWithShape="0">
+              <a:srgbClr val="000000">
+                <a:alpha val="41000"/>
+              </a:srgbClr>
+            </a:outerShdw>
+          </a:effectLst>
+        </p:spPr>
+      </p:pic>
+      <p:sp>
+        <p:nvSpPr>
+          <p:cNvPr id="3" name="Symbol zastępczy numeru slajdu 2">
+            <a:extLst>
+              <a:ext uri="{FF2B5EF4-FFF2-40B4-BE49-F238E27FC236}">
+                <a16:creationId xmlns:a16="http://schemas.microsoft.com/office/drawing/2014/main" id="{F96FB45D-B546-4536-A467-43CC7AC9705E}"/>
+              </a:ext>
+            </a:extLst>
+          </p:cNvPr>
+          <p:cNvSpPr>
+            <a:spLocks noGrp="1"/>
+          </p:cNvSpPr>
+          <p:nvPr>
+            <p:ph type="sldNum" sz="quarter" idx="12"/>
+          </p:nvPr>
+        </p:nvSpPr>
+        <p:spPr>
+          <a:xfrm>
+            <a:off x="11281776" y="6336872"/>
+            <a:ext cx="722655" cy="365760"/>
+          </a:xfrm>
+        </p:spPr>
+        <p:txBody>
+          <a:bodyPr vert="horz" lIns="91440" tIns="45720" rIns="91440" bIns="45720" rtlCol="0" anchor="ctr">
+            <a:normAutofit/>
+          </a:bodyPr>
+          <a:lstStyle/>
+          <a:p>
+            <a:pPr defTabSz="914400">
+              <a:spcAft>
+                <a:spcPts val="600"/>
+              </a:spcAft>
+            </a:pPr>
+            <a:fld id="{73EBA5C1-EA0D-4D38-B474-3131B775EA3E}" type="slidenum">
+              <a:rPr lang="en-US" sz="1400">
+                <a:solidFill>
+                  <a:srgbClr val="FFFFFF"/>
+                </a:solidFill>
+              </a:rPr>
+              <a:pPr defTabSz="914400">
+                <a:spcAft>
+                  <a:spcPts val="600"/>
+                </a:spcAft>
+              </a:pPr>
+              <a:t>35</a:t>
+            </a:fld>
+            <a:endParaRPr lang="en-US" sz="1400">
+              <a:solidFill>
+                <a:srgbClr val="FFFFFF"/>
+              </a:solidFill>
+            </a:endParaRPr>
+          </a:p>
+        </p:txBody>
+      </p:sp>
+    </p:spTree>
+    <p:extLst>
+      <p:ext uri="{BB962C8B-B14F-4D97-AF65-F5344CB8AC3E}">
+        <p14:creationId xmlns:p14="http://schemas.microsoft.com/office/powerpoint/2010/main" val="318629951"/>
+      </p:ext>
+    </p:extLst>
+  </p:cSld>
+  <p:clrMapOvr>
+    <a:masterClrMapping/>
+  </p:clrMapOvr>
+</p:sld>
+</file>
+
+<file path=ppt/slides/slide36.xml><?xml version="1.0" encoding="utf-8"?>
+<p:sld xmlns:a="http://schemas.openxmlformats.org/drawingml/2006/main" xmlns:r="http://schemas.openxmlformats.org/officeDocument/2006/relationships" xmlns:p="http://schemas.openxmlformats.org/presentationml/2006/main">
+  <p:cSld>
+    <p:bg>
+      <p:bgPr>
+        <a:gradFill rotWithShape="1">
+          <a:gsLst>
+            <a:gs pos="0">
+              <a:schemeClr val="bg2">
+                <a:tint val="96000"/>
+                <a:shade val="100000"/>
+                <a:hueMod val="270000"/>
+                <a:satMod val="200000"/>
+                <a:lumMod val="128000"/>
+              </a:schemeClr>
+            </a:gs>
+            <a:gs pos="50000">
+              <a:schemeClr val="bg2">
+                <a:shade val="100000"/>
+                <a:hueMod val="100000"/>
+                <a:satMod val="110000"/>
+                <a:lumMod val="130000"/>
+              </a:schemeClr>
+            </a:gs>
+            <a:gs pos="100000">
+              <a:schemeClr val="bg2">
+                <a:shade val="78000"/>
+                <a:hueMod val="44000"/>
+                <a:satMod val="200000"/>
+                <a:lumMod val="69000"/>
+              </a:schemeClr>
+            </a:gs>
+          </a:gsLst>
+          <a:lin ang="2520000" scaled="0"/>
+        </a:gradFill>
+        <a:effectLst/>
+      </p:bgPr>
+    </p:bg>
+    <p:spTree>
+      <p:nvGrpSpPr>
+        <p:cNvPr id="1" name=""/>
+        <p:cNvGrpSpPr/>
+        <p:nvPr/>
+      </p:nvGrpSpPr>
+      <p:grpSpPr>
+        <a:xfrm>
+          <a:off x="0" y="0"/>
+          <a:ext cx="0" cy="0"/>
+          <a:chOff x="0" y="0"/>
+          <a:chExt cx="0" cy="0"/>
+        </a:xfrm>
+      </p:grpSpPr>
+      <p:pic>
+        <p:nvPicPr>
           <p:cNvPr id="83" name="Picture 82">
             <a:extLst>
               <a:ext uri="{FF2B5EF4-FFF2-40B4-BE49-F238E27FC236}">
@@ -28601,7 +27944,7 @@
                   <a:spcPts val="600"/>
                 </a:spcAft>
               </a:pPr>
-              <a:t>35</a:t>
+              <a:t>36</a:t>
             </a:fld>
             <a:endParaRPr lang="en-US" sz="1400">
               <a:solidFill>
@@ -28815,118 +28158,6 @@
           <p:cNvPr id="2" name="Tytuł 1">
             <a:extLst>
               <a:ext uri="{FF2B5EF4-FFF2-40B4-BE49-F238E27FC236}">
-                <a16:creationId xmlns:a16="http://schemas.microsoft.com/office/drawing/2014/main" id="{68FE2211-33EF-4D43-8DD9-8F3BD2037BC8}"/>
-              </a:ext>
-            </a:extLst>
-          </p:cNvPr>
-          <p:cNvSpPr>
-            <a:spLocks noGrp="1"/>
-          </p:cNvSpPr>
-          <p:nvPr>
-            <p:ph type="title"/>
-          </p:nvPr>
-        </p:nvSpPr>
-        <p:spPr/>
-        <p:txBody>
-          <a:bodyPr/>
-          <a:lstStyle/>
-          <a:p>
-            <a:r>
-              <a:rPr lang="pl-PL" dirty="0"/>
-              <a:t>Model biznesowy przedsiębiorstwa</a:t>
-            </a:r>
-          </a:p>
-        </p:txBody>
-      </p:sp>
-      <p:sp>
-        <p:nvSpPr>
-          <p:cNvPr id="3" name="Symbol zastępczy zawartości 2">
-            <a:extLst>
-              <a:ext uri="{FF2B5EF4-FFF2-40B4-BE49-F238E27FC236}">
-                <a16:creationId xmlns:a16="http://schemas.microsoft.com/office/drawing/2014/main" id="{A871191D-3757-4DCB-9C0A-DF51E8DBFB7B}"/>
-              </a:ext>
-            </a:extLst>
-          </p:cNvPr>
-          <p:cNvSpPr>
-            <a:spLocks noGrp="1"/>
-          </p:cNvSpPr>
-          <p:nvPr>
-            <p:ph idx="1"/>
-          </p:nvPr>
-        </p:nvSpPr>
-        <p:spPr/>
-        <p:txBody>
-          <a:bodyPr/>
-          <a:lstStyle/>
-          <a:p>
-            <a:endParaRPr lang="pl-PL"/>
-          </a:p>
-        </p:txBody>
-      </p:sp>
-      <p:sp>
-        <p:nvSpPr>
-          <p:cNvPr id="4" name="Symbol zastępczy numeru slajdu 3">
-            <a:extLst>
-              <a:ext uri="{FF2B5EF4-FFF2-40B4-BE49-F238E27FC236}">
-                <a16:creationId xmlns:a16="http://schemas.microsoft.com/office/drawing/2014/main" id="{1C471969-669B-4FB9-AEFD-D87FC3F6FB05}"/>
-              </a:ext>
-            </a:extLst>
-          </p:cNvPr>
-          <p:cNvSpPr>
-            <a:spLocks noGrp="1"/>
-          </p:cNvSpPr>
-          <p:nvPr>
-            <p:ph type="sldNum" sz="quarter" idx="12"/>
-          </p:nvPr>
-        </p:nvSpPr>
-        <p:spPr/>
-        <p:txBody>
-          <a:bodyPr/>
-          <a:lstStyle/>
-          <a:p>
-            <a:fld id="{73EBA5C1-EA0D-4D38-B474-3131B775EA3E}" type="slidenum">
-              <a:rPr lang="pl-PL" smtClean="0"/>
-              <a:t>5</a:t>
-            </a:fld>
-            <a:endParaRPr lang="pl-PL"/>
-          </a:p>
-        </p:txBody>
-      </p:sp>
-    </p:spTree>
-    <p:extLst>
-      <p:ext uri="{BB962C8B-B14F-4D97-AF65-F5344CB8AC3E}">
-        <p14:creationId xmlns:p14="http://schemas.microsoft.com/office/powerpoint/2010/main" val="449364182"/>
-      </p:ext>
-    </p:extLst>
-  </p:cSld>
-  <p:clrMapOvr>
-    <a:masterClrMapping/>
-  </p:clrMapOvr>
-</p:sld>
-</file>
-
-<file path=ppt/slides/slide6.xml><?xml version="1.0" encoding="utf-8"?>
-<p:sld xmlns:a="http://schemas.openxmlformats.org/drawingml/2006/main" xmlns:r="http://schemas.openxmlformats.org/officeDocument/2006/relationships" xmlns:p="http://schemas.openxmlformats.org/presentationml/2006/main">
-  <p:cSld>
-    <p:spTree>
-      <p:nvGrpSpPr>
-        <p:cNvPr id="1" name=""/>
-        <p:cNvGrpSpPr/>
-        <p:nvPr/>
-      </p:nvGrpSpPr>
-      <p:grpSpPr>
-        <a:xfrm>
-          <a:off x="0" y="0"/>
-          <a:ext cx="0" cy="0"/>
-          <a:chOff x="0" y="0"/>
-          <a:chExt cx="0" cy="0"/>
-        </a:xfrm>
-      </p:grpSpPr>
-      <p:sp>
-        <p:nvSpPr>
-          <p:cNvPr id="2" name="Tytuł 1">
-            <a:extLst>
-              <a:ext uri="{FF2B5EF4-FFF2-40B4-BE49-F238E27FC236}">
                 <a16:creationId xmlns:a16="http://schemas.microsoft.com/office/drawing/2014/main" id="{A2AD81B5-68C5-4754-BD42-AFDA89A7D14A}"/>
               </a:ext>
             </a:extLst>
@@ -29011,7 +28242,7 @@
           <a:p>
             <a:fld id="{73EBA5C1-EA0D-4D38-B474-3131B775EA3E}" type="slidenum">
               <a:rPr lang="pl-PL" smtClean="0"/>
-              <a:t>6</a:t>
+              <a:t>5</a:t>
             </a:fld>
             <a:endParaRPr lang="pl-PL"/>
           </a:p>
@@ -29030,7 +28261,7 @@
 </p:sld>
 </file>
 
-<file path=ppt/slides/slide7.xml><?xml version="1.0" encoding="utf-8"?>
+<file path=ppt/slides/slide6.xml><?xml version="1.0" encoding="utf-8"?>
 <p:sld xmlns:a="http://schemas.openxmlformats.org/drawingml/2006/main" xmlns:r="http://schemas.openxmlformats.org/officeDocument/2006/relationships" xmlns:p="http://schemas.openxmlformats.org/presentationml/2006/main" show="0">
   <p:cSld>
     <p:spTree>
@@ -29164,7 +28395,7 @@
           <a:p>
             <a:fld id="{73EBA5C1-EA0D-4D38-B474-3131B775EA3E}" type="slidenum">
               <a:rPr lang="pl-PL" smtClean="0"/>
-              <a:t>7</a:t>
+              <a:t>6</a:t>
             </a:fld>
             <a:endParaRPr lang="pl-PL"/>
           </a:p>
@@ -29174,6 +28405,179 @@
     <p:extLst>
       <p:ext uri="{BB962C8B-B14F-4D97-AF65-F5344CB8AC3E}">
         <p14:creationId xmlns:p14="http://schemas.microsoft.com/office/powerpoint/2010/main" val="1577202253"/>
+      </p:ext>
+    </p:extLst>
+  </p:cSld>
+  <p:clrMapOvr>
+    <a:masterClrMapping/>
+  </p:clrMapOvr>
+</p:sld>
+</file>
+
+<file path=ppt/slides/slide7.xml><?xml version="1.0" encoding="utf-8"?>
+<p:sld xmlns:a="http://schemas.openxmlformats.org/drawingml/2006/main" xmlns:r="http://schemas.openxmlformats.org/officeDocument/2006/relationships" xmlns:p="http://schemas.openxmlformats.org/presentationml/2006/main">
+  <p:cSld>
+    <p:spTree>
+      <p:nvGrpSpPr>
+        <p:cNvPr id="1" name=""/>
+        <p:cNvGrpSpPr/>
+        <p:nvPr/>
+      </p:nvGrpSpPr>
+      <p:grpSpPr>
+        <a:xfrm>
+          <a:off x="0" y="0"/>
+          <a:ext cx="0" cy="0"/>
+          <a:chOff x="0" y="0"/>
+          <a:chExt cx="0" cy="0"/>
+        </a:xfrm>
+      </p:grpSpPr>
+      <p:sp>
+        <p:nvSpPr>
+          <p:cNvPr id="2" name="Tytuł 1">
+            <a:extLst>
+              <a:ext uri="{FF2B5EF4-FFF2-40B4-BE49-F238E27FC236}">
+                <a16:creationId xmlns:a16="http://schemas.microsoft.com/office/drawing/2014/main" id="{2514308B-F515-419E-A803-A1A27A9DBDF1}"/>
+              </a:ext>
+            </a:extLst>
+          </p:cNvPr>
+          <p:cNvSpPr>
+            <a:spLocks noGrp="1"/>
+          </p:cNvSpPr>
+          <p:nvPr>
+            <p:ph type="title"/>
+          </p:nvPr>
+        </p:nvSpPr>
+        <p:spPr/>
+        <p:txBody>
+          <a:bodyPr/>
+          <a:lstStyle/>
+          <a:p>
+            <a:r>
+              <a:rPr lang="pl-PL" dirty="0"/>
+              <a:t>Wymagania:</a:t>
+            </a:r>
+          </a:p>
+        </p:txBody>
+      </p:sp>
+      <p:sp>
+        <p:nvSpPr>
+          <p:cNvPr id="3" name="Symbol zastępczy zawartości 2">
+            <a:extLst>
+              <a:ext uri="{FF2B5EF4-FFF2-40B4-BE49-F238E27FC236}">
+                <a16:creationId xmlns:a16="http://schemas.microsoft.com/office/drawing/2014/main" id="{08E662B7-D3BC-4B7D-95C8-AF96E22323C7}"/>
+              </a:ext>
+            </a:extLst>
+          </p:cNvPr>
+          <p:cNvSpPr>
+            <a:spLocks noGrp="1"/>
+          </p:cNvSpPr>
+          <p:nvPr>
+            <p:ph idx="1"/>
+          </p:nvPr>
+        </p:nvSpPr>
+        <p:spPr>
+          <a:xfrm>
+            <a:off x="680321" y="2336873"/>
+            <a:ext cx="9613861" cy="4256432"/>
+          </a:xfrm>
+        </p:spPr>
+        <p:txBody>
+          <a:bodyPr>
+            <a:normAutofit/>
+          </a:bodyPr>
+          <a:lstStyle/>
+          <a:p>
+            <a:r>
+              <a:rPr lang="pl-PL" dirty="0"/>
+              <a:t>Przygotowanie formularza zamówienia od klienta.</a:t>
+            </a:r>
+          </a:p>
+          <a:p>
+            <a:r>
+              <a:rPr lang="pl-PL" dirty="0"/>
+              <a:t>Opracowanie procesu technologicznego produktu.</a:t>
+            </a:r>
+          </a:p>
+          <a:p>
+            <a:r>
+              <a:rPr lang="pl-PL" dirty="0"/>
+              <a:t>Przedstawienie kosztorysu wykonawczego.</a:t>
+            </a:r>
+          </a:p>
+          <a:p>
+            <a:r>
+              <a:rPr lang="pl-PL" dirty="0"/>
+              <a:t>Rejestracja stanu magazynowego.</a:t>
+            </a:r>
+          </a:p>
+          <a:p>
+            <a:r>
+              <a:rPr lang="pl-PL" dirty="0"/>
+              <a:t>Możliwość wydania produktu klientowi.</a:t>
+            </a:r>
+          </a:p>
+          <a:p>
+            <a:r>
+              <a:rPr lang="pl-PL" dirty="0"/>
+              <a:t>Przygotowanie kosztorysu powykonawczego.</a:t>
+            </a:r>
+          </a:p>
+          <a:p>
+            <a:r>
+              <a:rPr lang="pl-PL" dirty="0"/>
+              <a:t>Możliwość wystawienia faktury sprzedaży.</a:t>
+            </a:r>
+          </a:p>
+          <a:p>
+            <a:r>
+              <a:rPr lang="pl-PL" dirty="0"/>
+              <a:t>Wypłacenie pensji pracownikom.</a:t>
+            </a:r>
+          </a:p>
+          <a:p>
+            <a:r>
+              <a:rPr lang="pl-PL" dirty="0"/>
+              <a:t>Wygenerowanie raportu w postaci bilansu miesięcznego.</a:t>
+            </a:r>
+          </a:p>
+          <a:p>
+            <a:endParaRPr lang="pl-PL" dirty="0"/>
+          </a:p>
+        </p:txBody>
+      </p:sp>
+      <p:sp>
+        <p:nvSpPr>
+          <p:cNvPr id="4" name="Symbol zastępczy numeru slajdu 3">
+            <a:extLst>
+              <a:ext uri="{FF2B5EF4-FFF2-40B4-BE49-F238E27FC236}">
+                <a16:creationId xmlns:a16="http://schemas.microsoft.com/office/drawing/2014/main" id="{C29CC204-4BC1-4B25-9EE8-FCD638E96FCF}"/>
+              </a:ext>
+            </a:extLst>
+          </p:cNvPr>
+          <p:cNvSpPr>
+            <a:spLocks noGrp="1"/>
+          </p:cNvSpPr>
+          <p:nvPr>
+            <p:ph type="sldNum" sz="quarter" idx="12"/>
+          </p:nvPr>
+        </p:nvSpPr>
+        <p:spPr/>
+        <p:txBody>
+          <a:bodyPr/>
+          <a:lstStyle/>
+          <a:p>
+            <a:fld id="{73EBA5C1-EA0D-4D38-B474-3131B775EA3E}" type="slidenum">
+              <a:rPr lang="pl-PL" smtClean="0"/>
+              <a:t>7</a:t>
+            </a:fld>
+            <a:endParaRPr lang="pl-PL"/>
+          </a:p>
+        </p:txBody>
+      </p:sp>
+    </p:spTree>
+    <p:extLst>
+      <p:ext uri="{BB962C8B-B14F-4D97-AF65-F5344CB8AC3E}">
+        <p14:creationId xmlns:p14="http://schemas.microsoft.com/office/powerpoint/2010/main" val="2817403782"/>
       </p:ext>
     </p:extLst>
   </p:cSld>
@@ -29205,7 +28609,7 @@
           <p:cNvPr id="2" name="Tytuł 1">
             <a:extLst>
               <a:ext uri="{FF2B5EF4-FFF2-40B4-BE49-F238E27FC236}">
-                <a16:creationId xmlns:a16="http://schemas.microsoft.com/office/drawing/2014/main" id="{2514308B-F515-419E-A803-A1A27A9DBDF1}"/>
+                <a16:creationId xmlns:a16="http://schemas.microsoft.com/office/drawing/2014/main" id="{38FE2930-C9F9-42F1-BC5A-B5D8CC8FE5FB}"/>
               </a:ext>
             </a:extLst>
           </p:cNvPr>
@@ -29221,9 +28625,10 @@
           <a:bodyPr/>
           <a:lstStyle/>
           <a:p>
-            <a:r>
-              <a:rPr lang="pl-PL" dirty="0"/>
-              <a:t>Wymagania:</a:t>
+            <a:pPr algn="ctr"/>
+            <a:r>
+              <a:rPr lang="pl-PL"/>
+              <a:t>Moduły</a:t>
             </a:r>
           </a:p>
         </p:txBody>
@@ -29233,7 +28638,7 @@
           <p:cNvPr id="3" name="Symbol zastępczy zawartości 2">
             <a:extLst>
               <a:ext uri="{FF2B5EF4-FFF2-40B4-BE49-F238E27FC236}">
-                <a16:creationId xmlns:a16="http://schemas.microsoft.com/office/drawing/2014/main" id="{08E662B7-D3BC-4B7D-95C8-AF96E22323C7}"/>
+                <a16:creationId xmlns:a16="http://schemas.microsoft.com/office/drawing/2014/main" id="{8426D2BE-ED27-420C-AF5A-CBE400D5329A}"/>
               </a:ext>
             </a:extLst>
           </p:cNvPr>
@@ -29244,73 +28649,77 @@
             <p:ph idx="1"/>
           </p:nvPr>
         </p:nvSpPr>
-        <p:spPr>
-          <a:xfrm>
-            <a:off x="680321" y="2336873"/>
-            <a:ext cx="9613861" cy="4256432"/>
-          </a:xfrm>
-        </p:spPr>
+        <p:spPr/>
         <p:txBody>
-          <a:bodyPr>
-            <a:normAutofit/>
-          </a:bodyPr>
+          <a:bodyPr/>
           <a:lstStyle/>
           <a:p>
             <a:r>
-              <a:rPr lang="pl-PL" dirty="0"/>
-              <a:t>Przygotowanie formularza zamówienia od klienta.</a:t>
-            </a:r>
-          </a:p>
-          <a:p>
-            <a:r>
-              <a:rPr lang="pl-PL" dirty="0"/>
-              <a:t>Opracowanie procesu technologicznego produktu.</a:t>
-            </a:r>
-          </a:p>
-          <a:p>
-            <a:r>
-              <a:rPr lang="pl-PL" dirty="0"/>
-              <a:t>Przedstawienie kosztorysu wykonawczego.</a:t>
-            </a:r>
-          </a:p>
-          <a:p>
-            <a:r>
-              <a:rPr lang="pl-PL" dirty="0"/>
-              <a:t>Rejestracja stanu magazynowego.</a:t>
-            </a:r>
-          </a:p>
-          <a:p>
-            <a:r>
-              <a:rPr lang="pl-PL" dirty="0"/>
-              <a:t>Możliwość wydania produktu klientowi.</a:t>
-            </a:r>
-          </a:p>
-          <a:p>
-            <a:r>
-              <a:rPr lang="pl-PL" dirty="0"/>
-              <a:t>Przygotowanie kosztorysu powykonawczego.</a:t>
-            </a:r>
-          </a:p>
-          <a:p>
-            <a:r>
-              <a:rPr lang="pl-PL" dirty="0"/>
-              <a:t>Możliwość wystawienia faktury sprzedaży.</a:t>
-            </a:r>
-          </a:p>
-          <a:p>
-            <a:r>
-              <a:rPr lang="pl-PL" dirty="0"/>
-              <a:t>Wypłacenie pensji pracownikom.</a:t>
-            </a:r>
-          </a:p>
-          <a:p>
-            <a:r>
-              <a:rPr lang="pl-PL" dirty="0"/>
-              <a:t>Wygenerowanie raportu w postaci bilansu miesięcznego.</a:t>
-            </a:r>
-          </a:p>
-          <a:p>
-            <a:endParaRPr lang="pl-PL" dirty="0"/>
+              <a:rPr lang="pl-PL"/>
+              <a:t>1. Moduł zarządzania:</a:t>
+            </a:r>
+          </a:p>
+          <a:p>
+            <a:pPr lvl="1"/>
+            <a:r>
+              <a:rPr lang="pl-PL"/>
+              <a:t>Kierownik podgrupy: inż. Bartosz Gębicki </a:t>
+            </a:r>
+          </a:p>
+          <a:p>
+            <a:pPr lvl="1"/>
+            <a:r>
+              <a:rPr lang="pl-PL"/>
+              <a:t>Skład podgrupy: inż. Julia Dobrowolska, inż. Konrad Grzyb </a:t>
+            </a:r>
+          </a:p>
+          <a:p>
+            <a:r>
+              <a:rPr lang="pl-PL"/>
+              <a:t>2. Moduł produkcji:</a:t>
+            </a:r>
+          </a:p>
+          <a:p>
+            <a:pPr lvl="1"/>
+            <a:r>
+              <a:rPr lang="pl-PL"/>
+              <a:t>Kierownik podgrupy: inż. Magdalena Zieńczuk</a:t>
+            </a:r>
+          </a:p>
+          <a:p>
+            <a:pPr lvl="1"/>
+            <a:r>
+              <a:rPr lang="pl-PL"/>
+              <a:t>Skład podgrupy: inż. Karol Brzeziński, inż. Anna Banaczek</a:t>
+            </a:r>
+          </a:p>
+          <a:p>
+            <a:r>
+              <a:rPr lang="pl-PL"/>
+              <a:t>3. Moduł magazynowy:</a:t>
+            </a:r>
+          </a:p>
+          <a:p>
+            <a:pPr lvl="1"/>
+            <a:r>
+              <a:rPr lang="pl-PL"/>
+              <a:t>Kierownik podgrupy: inż. Jakub Wagner</a:t>
+            </a:r>
+          </a:p>
+          <a:p>
+            <a:pPr lvl="1"/>
+            <a:r>
+              <a:rPr lang="pl-PL"/>
+              <a:t>Skład podgrupy: inż. Paweł </a:t>
+            </a:r>
+            <a:r>
+              <a:rPr lang="pl-PL" err="1"/>
+              <a:t>Styczewski</a:t>
+            </a:r>
+            <a:endParaRPr lang="pl-PL"/>
+          </a:p>
+          <a:p>
+            <a:endParaRPr lang="pl-PL"/>
           </a:p>
         </p:txBody>
       </p:sp>
@@ -29319,7 +28728,7 @@
           <p:cNvPr id="4" name="Symbol zastępczy numeru slajdu 3">
             <a:extLst>
               <a:ext uri="{FF2B5EF4-FFF2-40B4-BE49-F238E27FC236}">
-                <a16:creationId xmlns:a16="http://schemas.microsoft.com/office/drawing/2014/main" id="{C29CC204-4BC1-4B25-9EE8-FCD638E96FCF}"/>
+                <a16:creationId xmlns:a16="http://schemas.microsoft.com/office/drawing/2014/main" id="{0F515478-A8EF-42DB-BFDE-350D93C75097}"/>
               </a:ext>
             </a:extLst>
           </p:cNvPr>
@@ -29346,7 +28755,7 @@
     </p:spTree>
     <p:extLst>
       <p:ext uri="{BB962C8B-B14F-4D97-AF65-F5344CB8AC3E}">
-        <p14:creationId xmlns:p14="http://schemas.microsoft.com/office/powerpoint/2010/main" val="2817403782"/>
+        <p14:creationId xmlns:p14="http://schemas.microsoft.com/office/powerpoint/2010/main" val="1973433068"/>
       </p:ext>
     </p:extLst>
   </p:cSld>
@@ -29357,7 +28766,7 @@
 </file>
 
 <file path=ppt/slides/slide9.xml><?xml version="1.0" encoding="utf-8"?>
-<p:sld xmlns:a="http://schemas.openxmlformats.org/drawingml/2006/main" xmlns:r="http://schemas.openxmlformats.org/officeDocument/2006/relationships" xmlns:p="http://schemas.openxmlformats.org/presentationml/2006/main">
+<p:sld xmlns:a="http://schemas.openxmlformats.org/drawingml/2006/main" xmlns:r="http://schemas.openxmlformats.org/officeDocument/2006/relationships" xmlns:p="http://schemas.openxmlformats.org/presentationml/2006/main" show="0">
   <p:cSld>
     <p:spTree>
       <p:nvGrpSpPr>
@@ -29397,7 +28806,7 @@
             <a:pPr algn="ctr"/>
             <a:r>
               <a:rPr lang="pl-PL"/>
-              <a:t>Moduły</a:t>
+              <a:t>Struktura organizacyjna</a:t>
             </a:r>
           </a:p>
         </p:txBody>
@@ -29425,66 +28834,28 @@
           <a:p>
             <a:r>
               <a:rPr lang="pl-PL"/>
-              <a:t>1. Moduł zarządzania:</a:t>
-            </a:r>
-          </a:p>
-          <a:p>
-            <a:pPr lvl="1"/>
-            <a:r>
-              <a:rPr lang="pl-PL"/>
-              <a:t>Kierownik podgrupy: inż. Bartosz Gębicki </a:t>
-            </a:r>
-          </a:p>
-          <a:p>
-            <a:pPr lvl="1"/>
-            <a:r>
-              <a:rPr lang="pl-PL"/>
-              <a:t>Skład podgrupy: inż. Julia Dobrowolska, inż. Konrad Grzyb </a:t>
-            </a:r>
-          </a:p>
-          <a:p>
-            <a:r>
-              <a:rPr lang="pl-PL"/>
-              <a:t>2. Moduł produkcji:</a:t>
-            </a:r>
-          </a:p>
-          <a:p>
-            <a:pPr lvl="1"/>
-            <a:r>
-              <a:rPr lang="pl-PL"/>
-              <a:t>Kierownik podgrupy: inż. Magdalena Zieńczuk</a:t>
-            </a:r>
-          </a:p>
-          <a:p>
-            <a:pPr lvl="1"/>
-            <a:r>
-              <a:rPr lang="pl-PL"/>
-              <a:t>Skład podgrupy: inż. Karol Brzeziński, inż. Anna Banaczek</a:t>
-            </a:r>
-          </a:p>
-          <a:p>
-            <a:r>
-              <a:rPr lang="pl-PL"/>
-              <a:t>3. Moduł magazynowy:</a:t>
-            </a:r>
-          </a:p>
-          <a:p>
-            <a:pPr lvl="1"/>
-            <a:r>
-              <a:rPr lang="pl-PL"/>
-              <a:t>Kierownik podgrupy: inż. Jakub Wagner</a:t>
-            </a:r>
-          </a:p>
-          <a:p>
-            <a:pPr lvl="1"/>
-            <a:r>
-              <a:rPr lang="pl-PL"/>
-              <a:t>Skład podgrupy: inż. Paweł </a:t>
-            </a:r>
-            <a:r>
-              <a:rPr lang="pl-PL" err="1"/>
-              <a:t>Styczewski</a:t>
-            </a:r>
+              <a:t>Model liniowy:</a:t>
+            </a:r>
+          </a:p>
+          <a:p>
+            <a:endParaRPr lang="pl-PL"/>
+          </a:p>
+          <a:p>
+            <a:endParaRPr lang="pl-PL"/>
+          </a:p>
+          <a:p>
+            <a:endParaRPr lang="pl-PL"/>
+          </a:p>
+          <a:p>
+            <a:endParaRPr lang="pl-PL"/>
+          </a:p>
+          <a:p>
+            <a:endParaRPr lang="pl-PL"/>
+          </a:p>
+          <a:p>
+            <a:endParaRPr lang="pl-PL"/>
+          </a:p>
+          <a:p>
             <a:endParaRPr lang="pl-PL"/>
           </a:p>
           <a:p>
@@ -29494,10 +28865,772 @@
       </p:sp>
       <p:sp>
         <p:nvSpPr>
-          <p:cNvPr id="4" name="Symbol zastępczy numeru slajdu 3">
+          <p:cNvPr id="4" name="Trójkąt równoramienny 3">
             <a:extLst>
               <a:ext uri="{FF2B5EF4-FFF2-40B4-BE49-F238E27FC236}">
-                <a16:creationId xmlns:a16="http://schemas.microsoft.com/office/drawing/2014/main" id="{0F515478-A8EF-42DB-BFDE-350D93C75097}"/>
+                <a16:creationId xmlns:a16="http://schemas.microsoft.com/office/drawing/2014/main" id="{ED998ED4-5B6B-4A53-9651-D307A71B1BF9}"/>
+              </a:ext>
+            </a:extLst>
+          </p:cNvPr>
+          <p:cNvSpPr/>
+          <p:nvPr/>
+        </p:nvSpPr>
+        <p:spPr>
+          <a:xfrm>
+            <a:off x="5043181" y="2516129"/>
+            <a:ext cx="973122" cy="713725"/>
+          </a:xfrm>
+          <a:prstGeom prst="triangle">
+            <a:avLst/>
+          </a:prstGeom>
+        </p:spPr>
+        <p:style>
+          <a:lnRef idx="2">
+            <a:schemeClr val="accent1">
+              <a:shade val="50000"/>
+            </a:schemeClr>
+          </a:lnRef>
+          <a:fillRef idx="1">
+            <a:schemeClr val="accent1"/>
+          </a:fillRef>
+          <a:effectRef idx="0">
+            <a:schemeClr val="accent1"/>
+          </a:effectRef>
+          <a:fontRef idx="minor">
+            <a:schemeClr val="lt1"/>
+          </a:fontRef>
+        </p:style>
+        <p:txBody>
+          <a:bodyPr rtlCol="0" anchor="ctr"/>
+          <a:lstStyle/>
+          <a:p>
+            <a:pPr algn="ctr"/>
+            <a:r>
+              <a:rPr lang="pl-PL"/>
+              <a:t>K</a:t>
+            </a:r>
+          </a:p>
+        </p:txBody>
+      </p:sp>
+      <p:sp>
+        <p:nvSpPr>
+          <p:cNvPr id="7" name="Trójkąt równoramienny 6">
+            <a:extLst>
+              <a:ext uri="{FF2B5EF4-FFF2-40B4-BE49-F238E27FC236}">
+                <a16:creationId xmlns:a16="http://schemas.microsoft.com/office/drawing/2014/main" id="{47EC9E1C-88BC-4DA6-852A-92D985FB3E0A}"/>
+              </a:ext>
+            </a:extLst>
+          </p:cNvPr>
+          <p:cNvSpPr/>
+          <p:nvPr/>
+        </p:nvSpPr>
+        <p:spPr>
+          <a:xfrm>
+            <a:off x="2873928" y="3820173"/>
+            <a:ext cx="973123" cy="713725"/>
+          </a:xfrm>
+          <a:prstGeom prst="triangle">
+            <a:avLst/>
+          </a:prstGeom>
+        </p:spPr>
+        <p:style>
+          <a:lnRef idx="2">
+            <a:schemeClr val="accent1">
+              <a:shade val="50000"/>
+            </a:schemeClr>
+          </a:lnRef>
+          <a:fillRef idx="1">
+            <a:schemeClr val="accent1"/>
+          </a:fillRef>
+          <a:effectRef idx="0">
+            <a:schemeClr val="accent1"/>
+          </a:effectRef>
+          <a:fontRef idx="minor">
+            <a:schemeClr val="lt1"/>
+          </a:fontRef>
+        </p:style>
+        <p:txBody>
+          <a:bodyPr rtlCol="0" anchor="ctr"/>
+          <a:lstStyle/>
+          <a:p>
+            <a:pPr algn="ctr"/>
+            <a:r>
+              <a:rPr lang="pl-PL"/>
+              <a:t>K</a:t>
+            </a:r>
+          </a:p>
+        </p:txBody>
+      </p:sp>
+      <p:sp>
+        <p:nvSpPr>
+          <p:cNvPr id="8" name="Trójkąt równoramienny 7">
+            <a:extLst>
+              <a:ext uri="{FF2B5EF4-FFF2-40B4-BE49-F238E27FC236}">
+                <a16:creationId xmlns:a16="http://schemas.microsoft.com/office/drawing/2014/main" id="{B75C3823-0E67-4F8F-B295-5B5C9D3B40F7}"/>
+              </a:ext>
+            </a:extLst>
+          </p:cNvPr>
+          <p:cNvSpPr/>
+          <p:nvPr/>
+        </p:nvSpPr>
+        <p:spPr>
+          <a:xfrm>
+            <a:off x="5043181" y="3899853"/>
+            <a:ext cx="973122" cy="713725"/>
+          </a:xfrm>
+          <a:prstGeom prst="triangle">
+            <a:avLst/>
+          </a:prstGeom>
+        </p:spPr>
+        <p:style>
+          <a:lnRef idx="2">
+            <a:schemeClr val="accent1">
+              <a:shade val="50000"/>
+            </a:schemeClr>
+          </a:lnRef>
+          <a:fillRef idx="1">
+            <a:schemeClr val="accent1"/>
+          </a:fillRef>
+          <a:effectRef idx="0">
+            <a:schemeClr val="accent1"/>
+          </a:effectRef>
+          <a:fontRef idx="minor">
+            <a:schemeClr val="lt1"/>
+          </a:fontRef>
+        </p:style>
+        <p:txBody>
+          <a:bodyPr rtlCol="0" anchor="ctr"/>
+          <a:lstStyle/>
+          <a:p>
+            <a:pPr algn="ctr"/>
+            <a:r>
+              <a:rPr lang="pl-PL"/>
+              <a:t>K</a:t>
+            </a:r>
+          </a:p>
+        </p:txBody>
+      </p:sp>
+      <p:sp>
+        <p:nvSpPr>
+          <p:cNvPr id="9" name="Trójkąt równoramienny 8">
+            <a:extLst>
+              <a:ext uri="{FF2B5EF4-FFF2-40B4-BE49-F238E27FC236}">
+                <a16:creationId xmlns:a16="http://schemas.microsoft.com/office/drawing/2014/main" id="{C3ECFCEF-B9AD-4959-BCCF-5139420B60A1}"/>
+              </a:ext>
+            </a:extLst>
+          </p:cNvPr>
+          <p:cNvSpPr/>
+          <p:nvPr/>
+        </p:nvSpPr>
+        <p:spPr>
+          <a:xfrm>
+            <a:off x="7972339" y="3779668"/>
+            <a:ext cx="973123" cy="713725"/>
+          </a:xfrm>
+          <a:prstGeom prst="triangle">
+            <a:avLst/>
+          </a:prstGeom>
+        </p:spPr>
+        <p:style>
+          <a:lnRef idx="2">
+            <a:schemeClr val="accent1">
+              <a:shade val="50000"/>
+            </a:schemeClr>
+          </a:lnRef>
+          <a:fillRef idx="1">
+            <a:schemeClr val="accent1"/>
+          </a:fillRef>
+          <a:effectRef idx="0">
+            <a:schemeClr val="accent1"/>
+          </a:effectRef>
+          <a:fontRef idx="minor">
+            <a:schemeClr val="lt1"/>
+          </a:fontRef>
+        </p:style>
+        <p:txBody>
+          <a:bodyPr rtlCol="0" anchor="ctr"/>
+          <a:lstStyle/>
+          <a:p>
+            <a:pPr algn="ctr"/>
+            <a:r>
+              <a:rPr lang="pl-PL"/>
+              <a:t>K</a:t>
+            </a:r>
+          </a:p>
+        </p:txBody>
+      </p:sp>
+      <p:sp>
+        <p:nvSpPr>
+          <p:cNvPr id="10" name="Prostokąt 9">
+            <a:extLst>
+              <a:ext uri="{FF2B5EF4-FFF2-40B4-BE49-F238E27FC236}">
+                <a16:creationId xmlns:a16="http://schemas.microsoft.com/office/drawing/2014/main" id="{A8C628A7-3CB4-4339-B883-DE0AD13C400A}"/>
+              </a:ext>
+            </a:extLst>
+          </p:cNvPr>
+          <p:cNvSpPr/>
+          <p:nvPr/>
+        </p:nvSpPr>
+        <p:spPr>
+          <a:xfrm>
+            <a:off x="2164359" y="5221794"/>
+            <a:ext cx="973123" cy="629174"/>
+          </a:xfrm>
+          <a:prstGeom prst="rect">
+            <a:avLst/>
+          </a:prstGeom>
+        </p:spPr>
+        <p:style>
+          <a:lnRef idx="2">
+            <a:schemeClr val="accent1">
+              <a:shade val="50000"/>
+            </a:schemeClr>
+          </a:lnRef>
+          <a:fillRef idx="1">
+            <a:schemeClr val="accent1"/>
+          </a:fillRef>
+          <a:effectRef idx="0">
+            <a:schemeClr val="accent1"/>
+          </a:effectRef>
+          <a:fontRef idx="minor">
+            <a:schemeClr val="lt1"/>
+          </a:fontRef>
+        </p:style>
+        <p:txBody>
+          <a:bodyPr rtlCol="0" anchor="ctr"/>
+          <a:lstStyle/>
+          <a:p>
+            <a:pPr algn="ctr"/>
+            <a:r>
+              <a:rPr lang="pl-PL"/>
+              <a:t>W</a:t>
+            </a:r>
+          </a:p>
+        </p:txBody>
+      </p:sp>
+      <p:sp>
+        <p:nvSpPr>
+          <p:cNvPr id="11" name="Prostokąt 10">
+            <a:extLst>
+              <a:ext uri="{FF2B5EF4-FFF2-40B4-BE49-F238E27FC236}">
+                <a16:creationId xmlns:a16="http://schemas.microsoft.com/office/drawing/2014/main" id="{2B6631D3-5BE5-482A-B90B-5986A756A62F}"/>
+              </a:ext>
+            </a:extLst>
+          </p:cNvPr>
+          <p:cNvSpPr/>
+          <p:nvPr/>
+        </p:nvSpPr>
+        <p:spPr>
+          <a:xfrm>
+            <a:off x="3642917" y="5221794"/>
+            <a:ext cx="973123" cy="629174"/>
+          </a:xfrm>
+          <a:prstGeom prst="rect">
+            <a:avLst/>
+          </a:prstGeom>
+        </p:spPr>
+        <p:style>
+          <a:lnRef idx="2">
+            <a:schemeClr val="accent1">
+              <a:shade val="50000"/>
+            </a:schemeClr>
+          </a:lnRef>
+          <a:fillRef idx="1">
+            <a:schemeClr val="accent1"/>
+          </a:fillRef>
+          <a:effectRef idx="0">
+            <a:schemeClr val="accent1"/>
+          </a:effectRef>
+          <a:fontRef idx="minor">
+            <a:schemeClr val="lt1"/>
+          </a:fontRef>
+        </p:style>
+        <p:txBody>
+          <a:bodyPr rtlCol="0" anchor="ctr"/>
+          <a:lstStyle/>
+          <a:p>
+            <a:pPr algn="ctr"/>
+            <a:r>
+              <a:rPr lang="pl-PL"/>
+              <a:t>W</a:t>
+            </a:r>
+          </a:p>
+        </p:txBody>
+      </p:sp>
+      <p:sp>
+        <p:nvSpPr>
+          <p:cNvPr id="12" name="Prostokąt 11">
+            <a:extLst>
+              <a:ext uri="{FF2B5EF4-FFF2-40B4-BE49-F238E27FC236}">
+                <a16:creationId xmlns:a16="http://schemas.microsoft.com/office/drawing/2014/main" id="{6CE13F6D-6FBE-40A0-A878-D524F98BF10F}"/>
+              </a:ext>
+            </a:extLst>
+          </p:cNvPr>
+          <p:cNvSpPr/>
+          <p:nvPr/>
+        </p:nvSpPr>
+        <p:spPr>
+          <a:xfrm>
+            <a:off x="5043181" y="5221794"/>
+            <a:ext cx="973123" cy="629174"/>
+          </a:xfrm>
+          <a:prstGeom prst="rect">
+            <a:avLst/>
+          </a:prstGeom>
+        </p:spPr>
+        <p:style>
+          <a:lnRef idx="2">
+            <a:schemeClr val="accent1">
+              <a:shade val="50000"/>
+            </a:schemeClr>
+          </a:lnRef>
+          <a:fillRef idx="1">
+            <a:schemeClr val="accent1"/>
+          </a:fillRef>
+          <a:effectRef idx="0">
+            <a:schemeClr val="accent1"/>
+          </a:effectRef>
+          <a:fontRef idx="minor">
+            <a:schemeClr val="lt1"/>
+          </a:fontRef>
+        </p:style>
+        <p:txBody>
+          <a:bodyPr rtlCol="0" anchor="ctr"/>
+          <a:lstStyle/>
+          <a:p>
+            <a:pPr algn="ctr"/>
+            <a:r>
+              <a:rPr lang="pl-PL"/>
+              <a:t>W</a:t>
+            </a:r>
+          </a:p>
+        </p:txBody>
+      </p:sp>
+      <p:sp>
+        <p:nvSpPr>
+          <p:cNvPr id="13" name="Prostokąt 12">
+            <a:extLst>
+              <a:ext uri="{FF2B5EF4-FFF2-40B4-BE49-F238E27FC236}">
+                <a16:creationId xmlns:a16="http://schemas.microsoft.com/office/drawing/2014/main" id="{F0E4D3FC-C31A-419B-941F-58E608D7774B}"/>
+              </a:ext>
+            </a:extLst>
+          </p:cNvPr>
+          <p:cNvSpPr/>
+          <p:nvPr/>
+        </p:nvSpPr>
+        <p:spPr>
+          <a:xfrm>
+            <a:off x="6429460" y="5221794"/>
+            <a:ext cx="973123" cy="629174"/>
+          </a:xfrm>
+          <a:prstGeom prst="rect">
+            <a:avLst/>
+          </a:prstGeom>
+        </p:spPr>
+        <p:style>
+          <a:lnRef idx="2">
+            <a:schemeClr val="accent1">
+              <a:shade val="50000"/>
+            </a:schemeClr>
+          </a:lnRef>
+          <a:fillRef idx="1">
+            <a:schemeClr val="accent1"/>
+          </a:fillRef>
+          <a:effectRef idx="0">
+            <a:schemeClr val="accent1"/>
+          </a:effectRef>
+          <a:fontRef idx="minor">
+            <a:schemeClr val="lt1"/>
+          </a:fontRef>
+        </p:style>
+        <p:txBody>
+          <a:bodyPr rtlCol="0" anchor="ctr"/>
+          <a:lstStyle/>
+          <a:p>
+            <a:pPr algn="ctr"/>
+            <a:r>
+              <a:rPr lang="pl-PL"/>
+              <a:t>W</a:t>
+            </a:r>
+          </a:p>
+        </p:txBody>
+      </p:sp>
+      <p:sp>
+        <p:nvSpPr>
+          <p:cNvPr id="14" name="Prostokąt 13">
+            <a:extLst>
+              <a:ext uri="{FF2B5EF4-FFF2-40B4-BE49-F238E27FC236}">
+                <a16:creationId xmlns:a16="http://schemas.microsoft.com/office/drawing/2014/main" id="{BBB77C32-C1E3-473E-BADB-05F49A83B250}"/>
+              </a:ext>
+            </a:extLst>
+          </p:cNvPr>
+          <p:cNvSpPr/>
+          <p:nvPr/>
+        </p:nvSpPr>
+        <p:spPr>
+          <a:xfrm>
+            <a:off x="7972340" y="5221794"/>
+            <a:ext cx="973123" cy="629174"/>
+          </a:xfrm>
+          <a:prstGeom prst="rect">
+            <a:avLst/>
+          </a:prstGeom>
+        </p:spPr>
+        <p:style>
+          <a:lnRef idx="2">
+            <a:schemeClr val="accent1">
+              <a:shade val="50000"/>
+            </a:schemeClr>
+          </a:lnRef>
+          <a:fillRef idx="1">
+            <a:schemeClr val="accent1"/>
+          </a:fillRef>
+          <a:effectRef idx="0">
+            <a:schemeClr val="accent1"/>
+          </a:effectRef>
+          <a:fontRef idx="minor">
+            <a:schemeClr val="lt1"/>
+          </a:fontRef>
+        </p:style>
+        <p:txBody>
+          <a:bodyPr rtlCol="0" anchor="ctr"/>
+          <a:lstStyle/>
+          <a:p>
+            <a:pPr algn="ctr"/>
+            <a:r>
+              <a:rPr lang="pl-PL"/>
+              <a:t>W</a:t>
+            </a:r>
+          </a:p>
+        </p:txBody>
+      </p:sp>
+      <p:cxnSp>
+        <p:nvCxnSpPr>
+          <p:cNvPr id="18" name="Łącznik: łamany 17">
+            <a:extLst>
+              <a:ext uri="{FF2B5EF4-FFF2-40B4-BE49-F238E27FC236}">
+                <a16:creationId xmlns:a16="http://schemas.microsoft.com/office/drawing/2014/main" id="{0C309B08-C7E8-456E-A746-CB709E87FA4B}"/>
+              </a:ext>
+            </a:extLst>
+          </p:cNvPr>
+          <p:cNvCxnSpPr>
+            <a:stCxn id="10" idx="0"/>
+            <a:endCxn id="7" idx="3"/>
+          </p:cNvCxnSpPr>
+          <p:nvPr/>
+        </p:nvCxnSpPr>
+        <p:spPr>
+          <a:xfrm rot="5400000" flipH="1" flipV="1">
+            <a:off x="2661757" y="4523062"/>
+            <a:ext cx="687896" cy="709569"/>
+          </a:xfrm>
+          <a:prstGeom prst="bentConnector3">
+            <a:avLst/>
+          </a:prstGeom>
+          <a:ln w="38100"/>
+        </p:spPr>
+        <p:style>
+          <a:lnRef idx="3">
+            <a:schemeClr val="dk1"/>
+          </a:lnRef>
+          <a:fillRef idx="0">
+            <a:schemeClr val="dk1"/>
+          </a:fillRef>
+          <a:effectRef idx="2">
+            <a:schemeClr val="dk1"/>
+          </a:effectRef>
+          <a:fontRef idx="minor">
+            <a:schemeClr val="tx1"/>
+          </a:fontRef>
+        </p:style>
+      </p:cxnSp>
+      <p:cxnSp>
+        <p:nvCxnSpPr>
+          <p:cNvPr id="20" name="Łącznik: łamany 19">
+            <a:extLst>
+              <a:ext uri="{FF2B5EF4-FFF2-40B4-BE49-F238E27FC236}">
+                <a16:creationId xmlns:a16="http://schemas.microsoft.com/office/drawing/2014/main" id="{FC7E2FDA-E99D-4509-A7D5-947421DFA550}"/>
+              </a:ext>
+            </a:extLst>
+          </p:cNvPr>
+          <p:cNvCxnSpPr>
+            <a:stCxn id="11" idx="0"/>
+            <a:endCxn id="7" idx="3"/>
+          </p:cNvCxnSpPr>
+          <p:nvPr/>
+        </p:nvCxnSpPr>
+        <p:spPr>
+          <a:xfrm rot="16200000" flipV="1">
+            <a:off x="3401037" y="4493351"/>
+            <a:ext cx="687896" cy="768989"/>
+          </a:xfrm>
+          <a:prstGeom prst="bentConnector3">
+            <a:avLst/>
+          </a:prstGeom>
+          <a:ln w="38100"/>
+        </p:spPr>
+        <p:style>
+          <a:lnRef idx="3">
+            <a:schemeClr val="dk1"/>
+          </a:lnRef>
+          <a:fillRef idx="0">
+            <a:schemeClr val="dk1"/>
+          </a:fillRef>
+          <a:effectRef idx="2">
+            <a:schemeClr val="dk1"/>
+          </a:effectRef>
+          <a:fontRef idx="minor">
+            <a:schemeClr val="tx1"/>
+          </a:fontRef>
+        </p:style>
+      </p:cxnSp>
+      <p:cxnSp>
+        <p:nvCxnSpPr>
+          <p:cNvPr id="22" name="Łącznik: łamany 21">
+            <a:extLst>
+              <a:ext uri="{FF2B5EF4-FFF2-40B4-BE49-F238E27FC236}">
+                <a16:creationId xmlns:a16="http://schemas.microsoft.com/office/drawing/2014/main" id="{FBB71F96-471C-4B4A-9EFE-3930D849934A}"/>
+              </a:ext>
+            </a:extLst>
+          </p:cNvPr>
+          <p:cNvCxnSpPr>
+            <a:stCxn id="12" idx="0"/>
+            <a:endCxn id="8" idx="3"/>
+          </p:cNvCxnSpPr>
+          <p:nvPr/>
+        </p:nvCxnSpPr>
+        <p:spPr>
+          <a:xfrm rot="16200000" flipV="1">
+            <a:off x="5225635" y="4917685"/>
+            <a:ext cx="608216" cy="1"/>
+          </a:xfrm>
+          <a:prstGeom prst="bentConnector3">
+            <a:avLst/>
+          </a:prstGeom>
+          <a:ln w="38100"/>
+        </p:spPr>
+        <p:style>
+          <a:lnRef idx="3">
+            <a:schemeClr val="dk1"/>
+          </a:lnRef>
+          <a:fillRef idx="0">
+            <a:schemeClr val="dk1"/>
+          </a:fillRef>
+          <a:effectRef idx="2">
+            <a:schemeClr val="dk1"/>
+          </a:effectRef>
+          <a:fontRef idx="minor">
+            <a:schemeClr val="tx1"/>
+          </a:fontRef>
+        </p:style>
+      </p:cxnSp>
+      <p:cxnSp>
+        <p:nvCxnSpPr>
+          <p:cNvPr id="24" name="Łącznik: łamany 23">
+            <a:extLst>
+              <a:ext uri="{FF2B5EF4-FFF2-40B4-BE49-F238E27FC236}">
+                <a16:creationId xmlns:a16="http://schemas.microsoft.com/office/drawing/2014/main" id="{5A045460-007D-4D32-BE20-48D0C3A46EB0}"/>
+              </a:ext>
+            </a:extLst>
+          </p:cNvPr>
+          <p:cNvCxnSpPr>
+            <a:stCxn id="8" idx="3"/>
+            <a:endCxn id="13" idx="0"/>
+          </p:cNvCxnSpPr>
+          <p:nvPr/>
+        </p:nvCxnSpPr>
+        <p:spPr>
+          <a:xfrm rot="16200000" flipH="1">
+            <a:off x="5918774" y="4224546"/>
+            <a:ext cx="608216" cy="1386280"/>
+          </a:xfrm>
+          <a:prstGeom prst="bentConnector3">
+            <a:avLst/>
+          </a:prstGeom>
+          <a:ln w="38100"/>
+        </p:spPr>
+        <p:style>
+          <a:lnRef idx="3">
+            <a:schemeClr val="dk1"/>
+          </a:lnRef>
+          <a:fillRef idx="0">
+            <a:schemeClr val="dk1"/>
+          </a:fillRef>
+          <a:effectRef idx="2">
+            <a:schemeClr val="dk1"/>
+          </a:effectRef>
+          <a:fontRef idx="minor">
+            <a:schemeClr val="tx1"/>
+          </a:fontRef>
+        </p:style>
+      </p:cxnSp>
+      <p:cxnSp>
+        <p:nvCxnSpPr>
+          <p:cNvPr id="26" name="Łącznik: łamany 25">
+            <a:extLst>
+              <a:ext uri="{FF2B5EF4-FFF2-40B4-BE49-F238E27FC236}">
+                <a16:creationId xmlns:a16="http://schemas.microsoft.com/office/drawing/2014/main" id="{9D5E2D6A-09CE-4B78-9CA5-05F5B4438118}"/>
+              </a:ext>
+            </a:extLst>
+          </p:cNvPr>
+          <p:cNvCxnSpPr>
+            <a:stCxn id="9" idx="3"/>
+            <a:endCxn id="14" idx="0"/>
+          </p:cNvCxnSpPr>
+          <p:nvPr/>
+        </p:nvCxnSpPr>
+        <p:spPr>
+          <a:xfrm rot="16200000" flipH="1">
+            <a:off x="8094701" y="4857592"/>
+            <a:ext cx="728401" cy="1"/>
+          </a:xfrm>
+          <a:prstGeom prst="bentConnector3">
+            <a:avLst>
+              <a:gd name="adj1" fmla="val 50000"/>
+            </a:avLst>
+          </a:prstGeom>
+          <a:ln w="38100"/>
+        </p:spPr>
+        <p:style>
+          <a:lnRef idx="3">
+            <a:schemeClr val="dk1"/>
+          </a:lnRef>
+          <a:fillRef idx="0">
+            <a:schemeClr val="dk1"/>
+          </a:fillRef>
+          <a:effectRef idx="2">
+            <a:schemeClr val="dk1"/>
+          </a:effectRef>
+          <a:fontRef idx="minor">
+            <a:schemeClr val="tx1"/>
+          </a:fontRef>
+        </p:style>
+      </p:cxnSp>
+      <p:cxnSp>
+        <p:nvCxnSpPr>
+          <p:cNvPr id="29" name="Łącznik: łamany 28">
+            <a:extLst>
+              <a:ext uri="{FF2B5EF4-FFF2-40B4-BE49-F238E27FC236}">
+                <a16:creationId xmlns:a16="http://schemas.microsoft.com/office/drawing/2014/main" id="{58C19AFC-B502-41F7-BDCB-CAA60EF310F0}"/>
+              </a:ext>
+            </a:extLst>
+          </p:cNvPr>
+          <p:cNvCxnSpPr>
+            <a:stCxn id="7" idx="0"/>
+            <a:endCxn id="4" idx="3"/>
+          </p:cNvCxnSpPr>
+          <p:nvPr/>
+        </p:nvCxnSpPr>
+        <p:spPr>
+          <a:xfrm rot="5400000" flipH="1" flipV="1">
+            <a:off x="4149957" y="2440388"/>
+            <a:ext cx="590319" cy="2169252"/>
+          </a:xfrm>
+          <a:prstGeom prst="bentConnector3">
+            <a:avLst/>
+          </a:prstGeom>
+          <a:ln w="38100"/>
+        </p:spPr>
+        <p:style>
+          <a:lnRef idx="3">
+            <a:schemeClr val="dk1"/>
+          </a:lnRef>
+          <a:fillRef idx="0">
+            <a:schemeClr val="dk1"/>
+          </a:fillRef>
+          <a:effectRef idx="2">
+            <a:schemeClr val="dk1"/>
+          </a:effectRef>
+          <a:fontRef idx="minor">
+            <a:schemeClr val="tx1"/>
+          </a:fontRef>
+        </p:style>
+      </p:cxnSp>
+      <p:cxnSp>
+        <p:nvCxnSpPr>
+          <p:cNvPr id="31" name="Łącznik prosty 30">
+            <a:extLst>
+              <a:ext uri="{FF2B5EF4-FFF2-40B4-BE49-F238E27FC236}">
+                <a16:creationId xmlns:a16="http://schemas.microsoft.com/office/drawing/2014/main" id="{649B726E-CE76-4D3F-A10E-6FBED59EE4CF}"/>
+              </a:ext>
+            </a:extLst>
+          </p:cNvPr>
+          <p:cNvCxnSpPr>
+            <a:stCxn id="4" idx="3"/>
+            <a:endCxn id="8" idx="0"/>
+          </p:cNvCxnSpPr>
+          <p:nvPr/>
+        </p:nvCxnSpPr>
+        <p:spPr>
+          <a:xfrm>
+            <a:off x="5529742" y="3229854"/>
+            <a:ext cx="0" cy="669999"/>
+          </a:xfrm>
+          <a:prstGeom prst="line">
+            <a:avLst/>
+          </a:prstGeom>
+          <a:ln w="38100"/>
+        </p:spPr>
+        <p:style>
+          <a:lnRef idx="3">
+            <a:schemeClr val="dk1"/>
+          </a:lnRef>
+          <a:fillRef idx="0">
+            <a:schemeClr val="dk1"/>
+          </a:fillRef>
+          <a:effectRef idx="2">
+            <a:schemeClr val="dk1"/>
+          </a:effectRef>
+          <a:fontRef idx="minor">
+            <a:schemeClr val="tx1"/>
+          </a:fontRef>
+        </p:style>
+      </p:cxnSp>
+      <p:cxnSp>
+        <p:nvCxnSpPr>
+          <p:cNvPr id="33" name="Łącznik: łamany 32">
+            <a:extLst>
+              <a:ext uri="{FF2B5EF4-FFF2-40B4-BE49-F238E27FC236}">
+                <a16:creationId xmlns:a16="http://schemas.microsoft.com/office/drawing/2014/main" id="{DCC4A69B-C08E-46DE-A6EA-E6E0C1C8DD53}"/>
+              </a:ext>
+            </a:extLst>
+          </p:cNvPr>
+          <p:cNvCxnSpPr>
+            <a:cxnSpLocks/>
+          </p:cNvCxnSpPr>
+          <p:nvPr/>
+        </p:nvCxnSpPr>
+        <p:spPr>
+          <a:xfrm rot="16200000" flipH="1">
+            <a:off x="6719414" y="2060435"/>
+            <a:ext cx="549814" cy="2929159"/>
+          </a:xfrm>
+          <a:prstGeom prst="bentConnector3">
+            <a:avLst/>
+          </a:prstGeom>
+          <a:ln w="38100"/>
+        </p:spPr>
+        <p:style>
+          <a:lnRef idx="3">
+            <a:schemeClr val="dk1"/>
+          </a:lnRef>
+          <a:fillRef idx="0">
+            <a:schemeClr val="dk1"/>
+          </a:fillRef>
+          <a:effectRef idx="2">
+            <a:schemeClr val="dk1"/>
+          </a:effectRef>
+          <a:fontRef idx="minor">
+            <a:schemeClr val="tx1"/>
+          </a:fontRef>
+        </p:style>
+      </p:cxnSp>
+      <p:sp>
+        <p:nvSpPr>
+          <p:cNvPr id="5" name="Symbol zastępczy numeru slajdu 4">
+            <a:extLst>
+              <a:ext uri="{FF2B5EF4-FFF2-40B4-BE49-F238E27FC236}">
+                <a16:creationId xmlns:a16="http://schemas.microsoft.com/office/drawing/2014/main" id="{AB0B9E51-E718-4C6A-B704-D7A75025D73A}"/>
               </a:ext>
             </a:extLst>
           </p:cNvPr>
@@ -29524,7 +29657,7 @@
     </p:spTree>
     <p:extLst>
       <p:ext uri="{BB962C8B-B14F-4D97-AF65-F5344CB8AC3E}">
-        <p14:creationId xmlns:p14="http://schemas.microsoft.com/office/powerpoint/2010/main" val="1973433068"/>
+        <p14:creationId xmlns:p14="http://schemas.microsoft.com/office/powerpoint/2010/main" val="578991729"/>
       </p:ext>
     </p:extLst>
   </p:cSld>

--- a/Prezentacja_29.04.pptx
+++ b/Prezentacja_29.04.pptx
@@ -27872,8 +27872,8 @@
         </p:blipFill>
         <p:spPr bwMode="auto">
           <a:xfrm>
-            <a:off x="6390689" y="707899"/>
-            <a:ext cx="5581748" cy="5442202"/>
+            <a:off x="6318739" y="197718"/>
+            <a:ext cx="6181237" cy="6531645"/>
           </a:xfrm>
           <a:prstGeom prst="rect">
             <a:avLst/>

--- a/Prezentacja_29.04.pptx
+++ b/Prezentacja_29.04.pptx
@@ -27872,8 +27872,8 @@
         </p:blipFill>
         <p:spPr bwMode="auto">
           <a:xfrm>
-            <a:off x="6318739" y="197718"/>
-            <a:ext cx="6181237" cy="6531645"/>
+            <a:off x="6390689" y="707899"/>
+            <a:ext cx="5581748" cy="5442202"/>
           </a:xfrm>
           <a:prstGeom prst="rect">
             <a:avLst/>

--- a/Prezentacja_29.04.pptx
+++ b/Prezentacja_29.04.pptx
@@ -5,45 +5,46 @@
     <p:sldMasterId id="2147483726" r:id="rId1"/>
   </p:sldMasterIdLst>
   <p:notesMasterIdLst>
-    <p:notesMasterId r:id="rId38"/>
+    <p:notesMasterId r:id="rId39"/>
   </p:notesMasterIdLst>
   <p:sldIdLst>
     <p:sldId id="256" r:id="rId2"/>
     <p:sldId id="258" r:id="rId3"/>
-    <p:sldId id="288" r:id="rId4"/>
-    <p:sldId id="290" r:id="rId5"/>
-    <p:sldId id="291" r:id="rId6"/>
-    <p:sldId id="275" r:id="rId7"/>
-    <p:sldId id="276" r:id="rId8"/>
-    <p:sldId id="257" r:id="rId9"/>
-    <p:sldId id="259" r:id="rId10"/>
-    <p:sldId id="260" r:id="rId11"/>
-    <p:sldId id="294" r:id="rId12"/>
-    <p:sldId id="261" r:id="rId13"/>
-    <p:sldId id="262" r:id="rId14"/>
-    <p:sldId id="293" r:id="rId15"/>
-    <p:sldId id="263" r:id="rId16"/>
-    <p:sldId id="264" r:id="rId17"/>
-    <p:sldId id="267" r:id="rId18"/>
-    <p:sldId id="269" r:id="rId19"/>
-    <p:sldId id="270" r:id="rId20"/>
-    <p:sldId id="266" r:id="rId21"/>
-    <p:sldId id="271" r:id="rId22"/>
-    <p:sldId id="272" r:id="rId23"/>
-    <p:sldId id="273" r:id="rId24"/>
-    <p:sldId id="274" r:id="rId25"/>
-    <p:sldId id="277" r:id="rId26"/>
-    <p:sldId id="278" r:id="rId27"/>
-    <p:sldId id="279" r:id="rId28"/>
-    <p:sldId id="280" r:id="rId29"/>
-    <p:sldId id="281" r:id="rId30"/>
-    <p:sldId id="282" r:id="rId31"/>
-    <p:sldId id="283" r:id="rId32"/>
-    <p:sldId id="284" r:id="rId33"/>
-    <p:sldId id="285" r:id="rId34"/>
-    <p:sldId id="286" r:id="rId35"/>
-    <p:sldId id="287" r:id="rId36"/>
-    <p:sldId id="292" r:id="rId37"/>
+    <p:sldId id="295" r:id="rId4"/>
+    <p:sldId id="288" r:id="rId5"/>
+    <p:sldId id="290" r:id="rId6"/>
+    <p:sldId id="291" r:id="rId7"/>
+    <p:sldId id="275" r:id="rId8"/>
+    <p:sldId id="276" r:id="rId9"/>
+    <p:sldId id="257" r:id="rId10"/>
+    <p:sldId id="259" r:id="rId11"/>
+    <p:sldId id="260" r:id="rId12"/>
+    <p:sldId id="294" r:id="rId13"/>
+    <p:sldId id="261" r:id="rId14"/>
+    <p:sldId id="262" r:id="rId15"/>
+    <p:sldId id="293" r:id="rId16"/>
+    <p:sldId id="263" r:id="rId17"/>
+    <p:sldId id="264" r:id="rId18"/>
+    <p:sldId id="267" r:id="rId19"/>
+    <p:sldId id="269" r:id="rId20"/>
+    <p:sldId id="270" r:id="rId21"/>
+    <p:sldId id="266" r:id="rId22"/>
+    <p:sldId id="271" r:id="rId23"/>
+    <p:sldId id="272" r:id="rId24"/>
+    <p:sldId id="273" r:id="rId25"/>
+    <p:sldId id="274" r:id="rId26"/>
+    <p:sldId id="277" r:id="rId27"/>
+    <p:sldId id="278" r:id="rId28"/>
+    <p:sldId id="279" r:id="rId29"/>
+    <p:sldId id="280" r:id="rId30"/>
+    <p:sldId id="281" r:id="rId31"/>
+    <p:sldId id="282" r:id="rId32"/>
+    <p:sldId id="283" r:id="rId33"/>
+    <p:sldId id="284" r:id="rId34"/>
+    <p:sldId id="285" r:id="rId35"/>
+    <p:sldId id="286" r:id="rId36"/>
+    <p:sldId id="287" r:id="rId37"/>
+    <p:sldId id="292" r:id="rId38"/>
   </p:sldIdLst>
   <p:sldSz cx="12192000" cy="6858000"/>
   <p:notesSz cx="6858000" cy="9144000"/>
@@ -13853,6 +13854,908 @@
 </file>
 
 <file path=ppt/slides/slide10.xml><?xml version="1.0" encoding="utf-8"?>
+<p:sld xmlns:a="http://schemas.openxmlformats.org/drawingml/2006/main" xmlns:r="http://schemas.openxmlformats.org/officeDocument/2006/relationships" xmlns:p="http://schemas.openxmlformats.org/presentationml/2006/main" show="0">
+  <p:cSld>
+    <p:spTree>
+      <p:nvGrpSpPr>
+        <p:cNvPr id="1" name=""/>
+        <p:cNvGrpSpPr/>
+        <p:nvPr/>
+      </p:nvGrpSpPr>
+      <p:grpSpPr>
+        <a:xfrm>
+          <a:off x="0" y="0"/>
+          <a:ext cx="0" cy="0"/>
+          <a:chOff x="0" y="0"/>
+          <a:chExt cx="0" cy="0"/>
+        </a:xfrm>
+      </p:grpSpPr>
+      <p:sp>
+        <p:nvSpPr>
+          <p:cNvPr id="2" name="Tytuł 1">
+            <a:extLst>
+              <a:ext uri="{FF2B5EF4-FFF2-40B4-BE49-F238E27FC236}">
+                <a16:creationId xmlns:a16="http://schemas.microsoft.com/office/drawing/2014/main" id="{38FE2930-C9F9-42F1-BC5A-B5D8CC8FE5FB}"/>
+              </a:ext>
+            </a:extLst>
+          </p:cNvPr>
+          <p:cNvSpPr>
+            <a:spLocks noGrp="1"/>
+          </p:cNvSpPr>
+          <p:nvPr>
+            <p:ph type="title"/>
+          </p:nvPr>
+        </p:nvSpPr>
+        <p:spPr/>
+        <p:txBody>
+          <a:bodyPr/>
+          <a:lstStyle/>
+          <a:p>
+            <a:pPr algn="ctr"/>
+            <a:r>
+              <a:rPr lang="pl-PL"/>
+              <a:t>Struktura organizacyjna</a:t>
+            </a:r>
+          </a:p>
+        </p:txBody>
+      </p:sp>
+      <p:sp>
+        <p:nvSpPr>
+          <p:cNvPr id="3" name="Symbol zastępczy zawartości 2">
+            <a:extLst>
+              <a:ext uri="{FF2B5EF4-FFF2-40B4-BE49-F238E27FC236}">
+                <a16:creationId xmlns:a16="http://schemas.microsoft.com/office/drawing/2014/main" id="{8426D2BE-ED27-420C-AF5A-CBE400D5329A}"/>
+              </a:ext>
+            </a:extLst>
+          </p:cNvPr>
+          <p:cNvSpPr>
+            <a:spLocks noGrp="1"/>
+          </p:cNvSpPr>
+          <p:nvPr>
+            <p:ph idx="1"/>
+          </p:nvPr>
+        </p:nvSpPr>
+        <p:spPr/>
+        <p:txBody>
+          <a:bodyPr/>
+          <a:lstStyle/>
+          <a:p>
+            <a:r>
+              <a:rPr lang="pl-PL"/>
+              <a:t>Model liniowy:</a:t>
+            </a:r>
+          </a:p>
+          <a:p>
+            <a:endParaRPr lang="pl-PL"/>
+          </a:p>
+          <a:p>
+            <a:endParaRPr lang="pl-PL"/>
+          </a:p>
+          <a:p>
+            <a:endParaRPr lang="pl-PL"/>
+          </a:p>
+          <a:p>
+            <a:endParaRPr lang="pl-PL"/>
+          </a:p>
+          <a:p>
+            <a:endParaRPr lang="pl-PL"/>
+          </a:p>
+          <a:p>
+            <a:endParaRPr lang="pl-PL"/>
+          </a:p>
+          <a:p>
+            <a:endParaRPr lang="pl-PL"/>
+          </a:p>
+          <a:p>
+            <a:endParaRPr lang="pl-PL"/>
+          </a:p>
+        </p:txBody>
+      </p:sp>
+      <p:sp>
+        <p:nvSpPr>
+          <p:cNvPr id="4" name="Trójkąt równoramienny 3">
+            <a:extLst>
+              <a:ext uri="{FF2B5EF4-FFF2-40B4-BE49-F238E27FC236}">
+                <a16:creationId xmlns:a16="http://schemas.microsoft.com/office/drawing/2014/main" id="{ED998ED4-5B6B-4A53-9651-D307A71B1BF9}"/>
+              </a:ext>
+            </a:extLst>
+          </p:cNvPr>
+          <p:cNvSpPr/>
+          <p:nvPr/>
+        </p:nvSpPr>
+        <p:spPr>
+          <a:xfrm>
+            <a:off x="5043181" y="2516129"/>
+            <a:ext cx="973122" cy="713725"/>
+          </a:xfrm>
+          <a:prstGeom prst="triangle">
+            <a:avLst/>
+          </a:prstGeom>
+        </p:spPr>
+        <p:style>
+          <a:lnRef idx="2">
+            <a:schemeClr val="accent1">
+              <a:shade val="50000"/>
+            </a:schemeClr>
+          </a:lnRef>
+          <a:fillRef idx="1">
+            <a:schemeClr val="accent1"/>
+          </a:fillRef>
+          <a:effectRef idx="0">
+            <a:schemeClr val="accent1"/>
+          </a:effectRef>
+          <a:fontRef idx="minor">
+            <a:schemeClr val="lt1"/>
+          </a:fontRef>
+        </p:style>
+        <p:txBody>
+          <a:bodyPr rtlCol="0" anchor="ctr"/>
+          <a:lstStyle/>
+          <a:p>
+            <a:pPr algn="ctr"/>
+            <a:r>
+              <a:rPr lang="pl-PL"/>
+              <a:t>K</a:t>
+            </a:r>
+          </a:p>
+        </p:txBody>
+      </p:sp>
+      <p:sp>
+        <p:nvSpPr>
+          <p:cNvPr id="7" name="Trójkąt równoramienny 6">
+            <a:extLst>
+              <a:ext uri="{FF2B5EF4-FFF2-40B4-BE49-F238E27FC236}">
+                <a16:creationId xmlns:a16="http://schemas.microsoft.com/office/drawing/2014/main" id="{47EC9E1C-88BC-4DA6-852A-92D985FB3E0A}"/>
+              </a:ext>
+            </a:extLst>
+          </p:cNvPr>
+          <p:cNvSpPr/>
+          <p:nvPr/>
+        </p:nvSpPr>
+        <p:spPr>
+          <a:xfrm>
+            <a:off x="2873928" y="3820173"/>
+            <a:ext cx="973123" cy="713725"/>
+          </a:xfrm>
+          <a:prstGeom prst="triangle">
+            <a:avLst/>
+          </a:prstGeom>
+        </p:spPr>
+        <p:style>
+          <a:lnRef idx="2">
+            <a:schemeClr val="accent1">
+              <a:shade val="50000"/>
+            </a:schemeClr>
+          </a:lnRef>
+          <a:fillRef idx="1">
+            <a:schemeClr val="accent1"/>
+          </a:fillRef>
+          <a:effectRef idx="0">
+            <a:schemeClr val="accent1"/>
+          </a:effectRef>
+          <a:fontRef idx="minor">
+            <a:schemeClr val="lt1"/>
+          </a:fontRef>
+        </p:style>
+        <p:txBody>
+          <a:bodyPr rtlCol="0" anchor="ctr"/>
+          <a:lstStyle/>
+          <a:p>
+            <a:pPr algn="ctr"/>
+            <a:r>
+              <a:rPr lang="pl-PL"/>
+              <a:t>K</a:t>
+            </a:r>
+          </a:p>
+        </p:txBody>
+      </p:sp>
+      <p:sp>
+        <p:nvSpPr>
+          <p:cNvPr id="8" name="Trójkąt równoramienny 7">
+            <a:extLst>
+              <a:ext uri="{FF2B5EF4-FFF2-40B4-BE49-F238E27FC236}">
+                <a16:creationId xmlns:a16="http://schemas.microsoft.com/office/drawing/2014/main" id="{B75C3823-0E67-4F8F-B295-5B5C9D3B40F7}"/>
+              </a:ext>
+            </a:extLst>
+          </p:cNvPr>
+          <p:cNvSpPr/>
+          <p:nvPr/>
+        </p:nvSpPr>
+        <p:spPr>
+          <a:xfrm>
+            <a:off x="5043181" y="3899853"/>
+            <a:ext cx="973122" cy="713725"/>
+          </a:xfrm>
+          <a:prstGeom prst="triangle">
+            <a:avLst/>
+          </a:prstGeom>
+        </p:spPr>
+        <p:style>
+          <a:lnRef idx="2">
+            <a:schemeClr val="accent1">
+              <a:shade val="50000"/>
+            </a:schemeClr>
+          </a:lnRef>
+          <a:fillRef idx="1">
+            <a:schemeClr val="accent1"/>
+          </a:fillRef>
+          <a:effectRef idx="0">
+            <a:schemeClr val="accent1"/>
+          </a:effectRef>
+          <a:fontRef idx="minor">
+            <a:schemeClr val="lt1"/>
+          </a:fontRef>
+        </p:style>
+        <p:txBody>
+          <a:bodyPr rtlCol="0" anchor="ctr"/>
+          <a:lstStyle/>
+          <a:p>
+            <a:pPr algn="ctr"/>
+            <a:r>
+              <a:rPr lang="pl-PL"/>
+              <a:t>K</a:t>
+            </a:r>
+          </a:p>
+        </p:txBody>
+      </p:sp>
+      <p:sp>
+        <p:nvSpPr>
+          <p:cNvPr id="9" name="Trójkąt równoramienny 8">
+            <a:extLst>
+              <a:ext uri="{FF2B5EF4-FFF2-40B4-BE49-F238E27FC236}">
+                <a16:creationId xmlns:a16="http://schemas.microsoft.com/office/drawing/2014/main" id="{C3ECFCEF-B9AD-4959-BCCF-5139420B60A1}"/>
+              </a:ext>
+            </a:extLst>
+          </p:cNvPr>
+          <p:cNvSpPr/>
+          <p:nvPr/>
+        </p:nvSpPr>
+        <p:spPr>
+          <a:xfrm>
+            <a:off x="7972339" y="3779668"/>
+            <a:ext cx="973123" cy="713725"/>
+          </a:xfrm>
+          <a:prstGeom prst="triangle">
+            <a:avLst/>
+          </a:prstGeom>
+        </p:spPr>
+        <p:style>
+          <a:lnRef idx="2">
+            <a:schemeClr val="accent1">
+              <a:shade val="50000"/>
+            </a:schemeClr>
+          </a:lnRef>
+          <a:fillRef idx="1">
+            <a:schemeClr val="accent1"/>
+          </a:fillRef>
+          <a:effectRef idx="0">
+            <a:schemeClr val="accent1"/>
+          </a:effectRef>
+          <a:fontRef idx="minor">
+            <a:schemeClr val="lt1"/>
+          </a:fontRef>
+        </p:style>
+        <p:txBody>
+          <a:bodyPr rtlCol="0" anchor="ctr"/>
+          <a:lstStyle/>
+          <a:p>
+            <a:pPr algn="ctr"/>
+            <a:r>
+              <a:rPr lang="pl-PL"/>
+              <a:t>K</a:t>
+            </a:r>
+          </a:p>
+        </p:txBody>
+      </p:sp>
+      <p:sp>
+        <p:nvSpPr>
+          <p:cNvPr id="10" name="Prostokąt 9">
+            <a:extLst>
+              <a:ext uri="{FF2B5EF4-FFF2-40B4-BE49-F238E27FC236}">
+                <a16:creationId xmlns:a16="http://schemas.microsoft.com/office/drawing/2014/main" id="{A8C628A7-3CB4-4339-B883-DE0AD13C400A}"/>
+              </a:ext>
+            </a:extLst>
+          </p:cNvPr>
+          <p:cNvSpPr/>
+          <p:nvPr/>
+        </p:nvSpPr>
+        <p:spPr>
+          <a:xfrm>
+            <a:off x="2164359" y="5221794"/>
+            <a:ext cx="973123" cy="629174"/>
+          </a:xfrm>
+          <a:prstGeom prst="rect">
+            <a:avLst/>
+          </a:prstGeom>
+        </p:spPr>
+        <p:style>
+          <a:lnRef idx="2">
+            <a:schemeClr val="accent1">
+              <a:shade val="50000"/>
+            </a:schemeClr>
+          </a:lnRef>
+          <a:fillRef idx="1">
+            <a:schemeClr val="accent1"/>
+          </a:fillRef>
+          <a:effectRef idx="0">
+            <a:schemeClr val="accent1"/>
+          </a:effectRef>
+          <a:fontRef idx="minor">
+            <a:schemeClr val="lt1"/>
+          </a:fontRef>
+        </p:style>
+        <p:txBody>
+          <a:bodyPr rtlCol="0" anchor="ctr"/>
+          <a:lstStyle/>
+          <a:p>
+            <a:pPr algn="ctr"/>
+            <a:r>
+              <a:rPr lang="pl-PL"/>
+              <a:t>W</a:t>
+            </a:r>
+          </a:p>
+        </p:txBody>
+      </p:sp>
+      <p:sp>
+        <p:nvSpPr>
+          <p:cNvPr id="11" name="Prostokąt 10">
+            <a:extLst>
+              <a:ext uri="{FF2B5EF4-FFF2-40B4-BE49-F238E27FC236}">
+                <a16:creationId xmlns:a16="http://schemas.microsoft.com/office/drawing/2014/main" id="{2B6631D3-5BE5-482A-B90B-5986A756A62F}"/>
+              </a:ext>
+            </a:extLst>
+          </p:cNvPr>
+          <p:cNvSpPr/>
+          <p:nvPr/>
+        </p:nvSpPr>
+        <p:spPr>
+          <a:xfrm>
+            <a:off x="3642917" y="5221794"/>
+            <a:ext cx="973123" cy="629174"/>
+          </a:xfrm>
+          <a:prstGeom prst="rect">
+            <a:avLst/>
+          </a:prstGeom>
+        </p:spPr>
+        <p:style>
+          <a:lnRef idx="2">
+            <a:schemeClr val="accent1">
+              <a:shade val="50000"/>
+            </a:schemeClr>
+          </a:lnRef>
+          <a:fillRef idx="1">
+            <a:schemeClr val="accent1"/>
+          </a:fillRef>
+          <a:effectRef idx="0">
+            <a:schemeClr val="accent1"/>
+          </a:effectRef>
+          <a:fontRef idx="minor">
+            <a:schemeClr val="lt1"/>
+          </a:fontRef>
+        </p:style>
+        <p:txBody>
+          <a:bodyPr rtlCol="0" anchor="ctr"/>
+          <a:lstStyle/>
+          <a:p>
+            <a:pPr algn="ctr"/>
+            <a:r>
+              <a:rPr lang="pl-PL"/>
+              <a:t>W</a:t>
+            </a:r>
+          </a:p>
+        </p:txBody>
+      </p:sp>
+      <p:sp>
+        <p:nvSpPr>
+          <p:cNvPr id="12" name="Prostokąt 11">
+            <a:extLst>
+              <a:ext uri="{FF2B5EF4-FFF2-40B4-BE49-F238E27FC236}">
+                <a16:creationId xmlns:a16="http://schemas.microsoft.com/office/drawing/2014/main" id="{6CE13F6D-6FBE-40A0-A878-D524F98BF10F}"/>
+              </a:ext>
+            </a:extLst>
+          </p:cNvPr>
+          <p:cNvSpPr/>
+          <p:nvPr/>
+        </p:nvSpPr>
+        <p:spPr>
+          <a:xfrm>
+            <a:off x="5043181" y="5221794"/>
+            <a:ext cx="973123" cy="629174"/>
+          </a:xfrm>
+          <a:prstGeom prst="rect">
+            <a:avLst/>
+          </a:prstGeom>
+        </p:spPr>
+        <p:style>
+          <a:lnRef idx="2">
+            <a:schemeClr val="accent1">
+              <a:shade val="50000"/>
+            </a:schemeClr>
+          </a:lnRef>
+          <a:fillRef idx="1">
+            <a:schemeClr val="accent1"/>
+          </a:fillRef>
+          <a:effectRef idx="0">
+            <a:schemeClr val="accent1"/>
+          </a:effectRef>
+          <a:fontRef idx="minor">
+            <a:schemeClr val="lt1"/>
+          </a:fontRef>
+        </p:style>
+        <p:txBody>
+          <a:bodyPr rtlCol="0" anchor="ctr"/>
+          <a:lstStyle/>
+          <a:p>
+            <a:pPr algn="ctr"/>
+            <a:r>
+              <a:rPr lang="pl-PL"/>
+              <a:t>W</a:t>
+            </a:r>
+          </a:p>
+        </p:txBody>
+      </p:sp>
+      <p:sp>
+        <p:nvSpPr>
+          <p:cNvPr id="13" name="Prostokąt 12">
+            <a:extLst>
+              <a:ext uri="{FF2B5EF4-FFF2-40B4-BE49-F238E27FC236}">
+                <a16:creationId xmlns:a16="http://schemas.microsoft.com/office/drawing/2014/main" id="{F0E4D3FC-C31A-419B-941F-58E608D7774B}"/>
+              </a:ext>
+            </a:extLst>
+          </p:cNvPr>
+          <p:cNvSpPr/>
+          <p:nvPr/>
+        </p:nvSpPr>
+        <p:spPr>
+          <a:xfrm>
+            <a:off x="6429460" y="5221794"/>
+            <a:ext cx="973123" cy="629174"/>
+          </a:xfrm>
+          <a:prstGeom prst="rect">
+            <a:avLst/>
+          </a:prstGeom>
+        </p:spPr>
+        <p:style>
+          <a:lnRef idx="2">
+            <a:schemeClr val="accent1">
+              <a:shade val="50000"/>
+            </a:schemeClr>
+          </a:lnRef>
+          <a:fillRef idx="1">
+            <a:schemeClr val="accent1"/>
+          </a:fillRef>
+          <a:effectRef idx="0">
+            <a:schemeClr val="accent1"/>
+          </a:effectRef>
+          <a:fontRef idx="minor">
+            <a:schemeClr val="lt1"/>
+          </a:fontRef>
+        </p:style>
+        <p:txBody>
+          <a:bodyPr rtlCol="0" anchor="ctr"/>
+          <a:lstStyle/>
+          <a:p>
+            <a:pPr algn="ctr"/>
+            <a:r>
+              <a:rPr lang="pl-PL"/>
+              <a:t>W</a:t>
+            </a:r>
+          </a:p>
+        </p:txBody>
+      </p:sp>
+      <p:sp>
+        <p:nvSpPr>
+          <p:cNvPr id="14" name="Prostokąt 13">
+            <a:extLst>
+              <a:ext uri="{FF2B5EF4-FFF2-40B4-BE49-F238E27FC236}">
+                <a16:creationId xmlns:a16="http://schemas.microsoft.com/office/drawing/2014/main" id="{BBB77C32-C1E3-473E-BADB-05F49A83B250}"/>
+              </a:ext>
+            </a:extLst>
+          </p:cNvPr>
+          <p:cNvSpPr/>
+          <p:nvPr/>
+        </p:nvSpPr>
+        <p:spPr>
+          <a:xfrm>
+            <a:off x="7972340" y="5221794"/>
+            <a:ext cx="973123" cy="629174"/>
+          </a:xfrm>
+          <a:prstGeom prst="rect">
+            <a:avLst/>
+          </a:prstGeom>
+        </p:spPr>
+        <p:style>
+          <a:lnRef idx="2">
+            <a:schemeClr val="accent1">
+              <a:shade val="50000"/>
+            </a:schemeClr>
+          </a:lnRef>
+          <a:fillRef idx="1">
+            <a:schemeClr val="accent1"/>
+          </a:fillRef>
+          <a:effectRef idx="0">
+            <a:schemeClr val="accent1"/>
+          </a:effectRef>
+          <a:fontRef idx="minor">
+            <a:schemeClr val="lt1"/>
+          </a:fontRef>
+        </p:style>
+        <p:txBody>
+          <a:bodyPr rtlCol="0" anchor="ctr"/>
+          <a:lstStyle/>
+          <a:p>
+            <a:pPr algn="ctr"/>
+            <a:r>
+              <a:rPr lang="pl-PL"/>
+              <a:t>W</a:t>
+            </a:r>
+          </a:p>
+        </p:txBody>
+      </p:sp>
+      <p:cxnSp>
+        <p:nvCxnSpPr>
+          <p:cNvPr id="18" name="Łącznik: łamany 17">
+            <a:extLst>
+              <a:ext uri="{FF2B5EF4-FFF2-40B4-BE49-F238E27FC236}">
+                <a16:creationId xmlns:a16="http://schemas.microsoft.com/office/drawing/2014/main" id="{0C309B08-C7E8-456E-A746-CB709E87FA4B}"/>
+              </a:ext>
+            </a:extLst>
+          </p:cNvPr>
+          <p:cNvCxnSpPr>
+            <a:stCxn id="10" idx="0"/>
+            <a:endCxn id="7" idx="3"/>
+          </p:cNvCxnSpPr>
+          <p:nvPr/>
+        </p:nvCxnSpPr>
+        <p:spPr>
+          <a:xfrm rot="5400000" flipH="1" flipV="1">
+            <a:off x="2661757" y="4523062"/>
+            <a:ext cx="687896" cy="709569"/>
+          </a:xfrm>
+          <a:prstGeom prst="bentConnector3">
+            <a:avLst/>
+          </a:prstGeom>
+          <a:ln w="38100"/>
+        </p:spPr>
+        <p:style>
+          <a:lnRef idx="3">
+            <a:schemeClr val="dk1"/>
+          </a:lnRef>
+          <a:fillRef idx="0">
+            <a:schemeClr val="dk1"/>
+          </a:fillRef>
+          <a:effectRef idx="2">
+            <a:schemeClr val="dk1"/>
+          </a:effectRef>
+          <a:fontRef idx="minor">
+            <a:schemeClr val="tx1"/>
+          </a:fontRef>
+        </p:style>
+      </p:cxnSp>
+      <p:cxnSp>
+        <p:nvCxnSpPr>
+          <p:cNvPr id="20" name="Łącznik: łamany 19">
+            <a:extLst>
+              <a:ext uri="{FF2B5EF4-FFF2-40B4-BE49-F238E27FC236}">
+                <a16:creationId xmlns:a16="http://schemas.microsoft.com/office/drawing/2014/main" id="{FC7E2FDA-E99D-4509-A7D5-947421DFA550}"/>
+              </a:ext>
+            </a:extLst>
+          </p:cNvPr>
+          <p:cNvCxnSpPr>
+            <a:stCxn id="11" idx="0"/>
+            <a:endCxn id="7" idx="3"/>
+          </p:cNvCxnSpPr>
+          <p:nvPr/>
+        </p:nvCxnSpPr>
+        <p:spPr>
+          <a:xfrm rot="16200000" flipV="1">
+            <a:off x="3401037" y="4493351"/>
+            <a:ext cx="687896" cy="768989"/>
+          </a:xfrm>
+          <a:prstGeom prst="bentConnector3">
+            <a:avLst/>
+          </a:prstGeom>
+          <a:ln w="38100"/>
+        </p:spPr>
+        <p:style>
+          <a:lnRef idx="3">
+            <a:schemeClr val="dk1"/>
+          </a:lnRef>
+          <a:fillRef idx="0">
+            <a:schemeClr val="dk1"/>
+          </a:fillRef>
+          <a:effectRef idx="2">
+            <a:schemeClr val="dk1"/>
+          </a:effectRef>
+          <a:fontRef idx="minor">
+            <a:schemeClr val="tx1"/>
+          </a:fontRef>
+        </p:style>
+      </p:cxnSp>
+      <p:cxnSp>
+        <p:nvCxnSpPr>
+          <p:cNvPr id="22" name="Łącznik: łamany 21">
+            <a:extLst>
+              <a:ext uri="{FF2B5EF4-FFF2-40B4-BE49-F238E27FC236}">
+                <a16:creationId xmlns:a16="http://schemas.microsoft.com/office/drawing/2014/main" id="{FBB71F96-471C-4B4A-9EFE-3930D849934A}"/>
+              </a:ext>
+            </a:extLst>
+          </p:cNvPr>
+          <p:cNvCxnSpPr>
+            <a:stCxn id="12" idx="0"/>
+            <a:endCxn id="8" idx="3"/>
+          </p:cNvCxnSpPr>
+          <p:nvPr/>
+        </p:nvCxnSpPr>
+        <p:spPr>
+          <a:xfrm rot="16200000" flipV="1">
+            <a:off x="5225635" y="4917685"/>
+            <a:ext cx="608216" cy="1"/>
+          </a:xfrm>
+          <a:prstGeom prst="bentConnector3">
+            <a:avLst/>
+          </a:prstGeom>
+          <a:ln w="38100"/>
+        </p:spPr>
+        <p:style>
+          <a:lnRef idx="3">
+            <a:schemeClr val="dk1"/>
+          </a:lnRef>
+          <a:fillRef idx="0">
+            <a:schemeClr val="dk1"/>
+          </a:fillRef>
+          <a:effectRef idx="2">
+            <a:schemeClr val="dk1"/>
+          </a:effectRef>
+          <a:fontRef idx="minor">
+            <a:schemeClr val="tx1"/>
+          </a:fontRef>
+        </p:style>
+      </p:cxnSp>
+      <p:cxnSp>
+        <p:nvCxnSpPr>
+          <p:cNvPr id="24" name="Łącznik: łamany 23">
+            <a:extLst>
+              <a:ext uri="{FF2B5EF4-FFF2-40B4-BE49-F238E27FC236}">
+                <a16:creationId xmlns:a16="http://schemas.microsoft.com/office/drawing/2014/main" id="{5A045460-007D-4D32-BE20-48D0C3A46EB0}"/>
+              </a:ext>
+            </a:extLst>
+          </p:cNvPr>
+          <p:cNvCxnSpPr>
+            <a:stCxn id="8" idx="3"/>
+            <a:endCxn id="13" idx="0"/>
+          </p:cNvCxnSpPr>
+          <p:nvPr/>
+        </p:nvCxnSpPr>
+        <p:spPr>
+          <a:xfrm rot="16200000" flipH="1">
+            <a:off x="5918774" y="4224546"/>
+            <a:ext cx="608216" cy="1386280"/>
+          </a:xfrm>
+          <a:prstGeom prst="bentConnector3">
+            <a:avLst/>
+          </a:prstGeom>
+          <a:ln w="38100"/>
+        </p:spPr>
+        <p:style>
+          <a:lnRef idx="3">
+            <a:schemeClr val="dk1"/>
+          </a:lnRef>
+          <a:fillRef idx="0">
+            <a:schemeClr val="dk1"/>
+          </a:fillRef>
+          <a:effectRef idx="2">
+            <a:schemeClr val="dk1"/>
+          </a:effectRef>
+          <a:fontRef idx="minor">
+            <a:schemeClr val="tx1"/>
+          </a:fontRef>
+        </p:style>
+      </p:cxnSp>
+      <p:cxnSp>
+        <p:nvCxnSpPr>
+          <p:cNvPr id="26" name="Łącznik: łamany 25">
+            <a:extLst>
+              <a:ext uri="{FF2B5EF4-FFF2-40B4-BE49-F238E27FC236}">
+                <a16:creationId xmlns:a16="http://schemas.microsoft.com/office/drawing/2014/main" id="{9D5E2D6A-09CE-4B78-9CA5-05F5B4438118}"/>
+              </a:ext>
+            </a:extLst>
+          </p:cNvPr>
+          <p:cNvCxnSpPr>
+            <a:stCxn id="9" idx="3"/>
+            <a:endCxn id="14" idx="0"/>
+          </p:cNvCxnSpPr>
+          <p:nvPr/>
+        </p:nvCxnSpPr>
+        <p:spPr>
+          <a:xfrm rot="16200000" flipH="1">
+            <a:off x="8094701" y="4857592"/>
+            <a:ext cx="728401" cy="1"/>
+          </a:xfrm>
+          <a:prstGeom prst="bentConnector3">
+            <a:avLst>
+              <a:gd name="adj1" fmla="val 50000"/>
+            </a:avLst>
+          </a:prstGeom>
+          <a:ln w="38100"/>
+        </p:spPr>
+        <p:style>
+          <a:lnRef idx="3">
+            <a:schemeClr val="dk1"/>
+          </a:lnRef>
+          <a:fillRef idx="0">
+            <a:schemeClr val="dk1"/>
+          </a:fillRef>
+          <a:effectRef idx="2">
+            <a:schemeClr val="dk1"/>
+          </a:effectRef>
+          <a:fontRef idx="minor">
+            <a:schemeClr val="tx1"/>
+          </a:fontRef>
+        </p:style>
+      </p:cxnSp>
+      <p:cxnSp>
+        <p:nvCxnSpPr>
+          <p:cNvPr id="29" name="Łącznik: łamany 28">
+            <a:extLst>
+              <a:ext uri="{FF2B5EF4-FFF2-40B4-BE49-F238E27FC236}">
+                <a16:creationId xmlns:a16="http://schemas.microsoft.com/office/drawing/2014/main" id="{58C19AFC-B502-41F7-BDCB-CAA60EF310F0}"/>
+              </a:ext>
+            </a:extLst>
+          </p:cNvPr>
+          <p:cNvCxnSpPr>
+            <a:stCxn id="7" idx="0"/>
+            <a:endCxn id="4" idx="3"/>
+          </p:cNvCxnSpPr>
+          <p:nvPr/>
+        </p:nvCxnSpPr>
+        <p:spPr>
+          <a:xfrm rot="5400000" flipH="1" flipV="1">
+            <a:off x="4149957" y="2440388"/>
+            <a:ext cx="590319" cy="2169252"/>
+          </a:xfrm>
+          <a:prstGeom prst="bentConnector3">
+            <a:avLst/>
+          </a:prstGeom>
+          <a:ln w="38100"/>
+        </p:spPr>
+        <p:style>
+          <a:lnRef idx="3">
+            <a:schemeClr val="dk1"/>
+          </a:lnRef>
+          <a:fillRef idx="0">
+            <a:schemeClr val="dk1"/>
+          </a:fillRef>
+          <a:effectRef idx="2">
+            <a:schemeClr val="dk1"/>
+          </a:effectRef>
+          <a:fontRef idx="minor">
+            <a:schemeClr val="tx1"/>
+          </a:fontRef>
+        </p:style>
+      </p:cxnSp>
+      <p:cxnSp>
+        <p:nvCxnSpPr>
+          <p:cNvPr id="31" name="Łącznik prosty 30">
+            <a:extLst>
+              <a:ext uri="{FF2B5EF4-FFF2-40B4-BE49-F238E27FC236}">
+                <a16:creationId xmlns:a16="http://schemas.microsoft.com/office/drawing/2014/main" id="{649B726E-CE76-4D3F-A10E-6FBED59EE4CF}"/>
+              </a:ext>
+            </a:extLst>
+          </p:cNvPr>
+          <p:cNvCxnSpPr>
+            <a:stCxn id="4" idx="3"/>
+            <a:endCxn id="8" idx="0"/>
+          </p:cNvCxnSpPr>
+          <p:nvPr/>
+        </p:nvCxnSpPr>
+        <p:spPr>
+          <a:xfrm>
+            <a:off x="5529742" y="3229854"/>
+            <a:ext cx="0" cy="669999"/>
+          </a:xfrm>
+          <a:prstGeom prst="line">
+            <a:avLst/>
+          </a:prstGeom>
+          <a:ln w="38100"/>
+        </p:spPr>
+        <p:style>
+          <a:lnRef idx="3">
+            <a:schemeClr val="dk1"/>
+          </a:lnRef>
+          <a:fillRef idx="0">
+            <a:schemeClr val="dk1"/>
+          </a:fillRef>
+          <a:effectRef idx="2">
+            <a:schemeClr val="dk1"/>
+          </a:effectRef>
+          <a:fontRef idx="minor">
+            <a:schemeClr val="tx1"/>
+          </a:fontRef>
+        </p:style>
+      </p:cxnSp>
+      <p:cxnSp>
+        <p:nvCxnSpPr>
+          <p:cNvPr id="33" name="Łącznik: łamany 32">
+            <a:extLst>
+              <a:ext uri="{FF2B5EF4-FFF2-40B4-BE49-F238E27FC236}">
+                <a16:creationId xmlns:a16="http://schemas.microsoft.com/office/drawing/2014/main" id="{DCC4A69B-C08E-46DE-A6EA-E6E0C1C8DD53}"/>
+              </a:ext>
+            </a:extLst>
+          </p:cNvPr>
+          <p:cNvCxnSpPr>
+            <a:cxnSpLocks/>
+          </p:cNvCxnSpPr>
+          <p:nvPr/>
+        </p:nvCxnSpPr>
+        <p:spPr>
+          <a:xfrm rot="16200000" flipH="1">
+            <a:off x="6719414" y="2060435"/>
+            <a:ext cx="549814" cy="2929159"/>
+          </a:xfrm>
+          <a:prstGeom prst="bentConnector3">
+            <a:avLst/>
+          </a:prstGeom>
+          <a:ln w="38100"/>
+        </p:spPr>
+        <p:style>
+          <a:lnRef idx="3">
+            <a:schemeClr val="dk1"/>
+          </a:lnRef>
+          <a:fillRef idx="0">
+            <a:schemeClr val="dk1"/>
+          </a:fillRef>
+          <a:effectRef idx="2">
+            <a:schemeClr val="dk1"/>
+          </a:effectRef>
+          <a:fontRef idx="minor">
+            <a:schemeClr val="tx1"/>
+          </a:fontRef>
+        </p:style>
+      </p:cxnSp>
+      <p:sp>
+        <p:nvSpPr>
+          <p:cNvPr id="5" name="Symbol zastępczy numeru slajdu 4">
+            <a:extLst>
+              <a:ext uri="{FF2B5EF4-FFF2-40B4-BE49-F238E27FC236}">
+                <a16:creationId xmlns:a16="http://schemas.microsoft.com/office/drawing/2014/main" id="{AB0B9E51-E718-4C6A-B704-D7A75025D73A}"/>
+              </a:ext>
+            </a:extLst>
+          </p:cNvPr>
+          <p:cNvSpPr>
+            <a:spLocks noGrp="1"/>
+          </p:cNvSpPr>
+          <p:nvPr>
+            <p:ph type="sldNum" sz="quarter" idx="12"/>
+          </p:nvPr>
+        </p:nvSpPr>
+        <p:spPr/>
+        <p:txBody>
+          <a:bodyPr/>
+          <a:lstStyle/>
+          <a:p>
+            <a:fld id="{73EBA5C1-EA0D-4D38-B474-3131B775EA3E}" type="slidenum">
+              <a:rPr lang="pl-PL" smtClean="0"/>
+              <a:t>10</a:t>
+            </a:fld>
+            <a:endParaRPr lang="pl-PL"/>
+          </a:p>
+        </p:txBody>
+      </p:sp>
+    </p:spTree>
+    <p:extLst>
+      <p:ext uri="{BB962C8B-B14F-4D97-AF65-F5344CB8AC3E}">
+        <p14:creationId xmlns:p14="http://schemas.microsoft.com/office/powerpoint/2010/main" val="578991729"/>
+      </p:ext>
+    </p:extLst>
+  </p:cSld>
+  <p:clrMapOvr>
+    <a:masterClrMapping/>
+  </p:clrMapOvr>
+</p:sld>
+</file>
+
+<file path=ppt/slides/slide11.xml><?xml version="1.0" encoding="utf-8"?>
 <p:sld xmlns:a="http://schemas.openxmlformats.org/drawingml/2006/main" xmlns:r="http://schemas.openxmlformats.org/officeDocument/2006/relationships" xmlns:p="http://schemas.openxmlformats.org/presentationml/2006/main">
   <p:cSld>
     <p:spTree>
@@ -13961,7 +14864,7 @@
           <a:p>
             <a:fld id="{73EBA5C1-EA0D-4D38-B474-3131B775EA3E}" type="slidenum">
               <a:rPr lang="pl-PL" smtClean="0"/>
-              <a:t>10</a:t>
+              <a:t>11</a:t>
             </a:fld>
             <a:endParaRPr lang="pl-PL"/>
           </a:p>
@@ -13971,121 +14874,6 @@
     <p:extLst>
       <p:ext uri="{BB962C8B-B14F-4D97-AF65-F5344CB8AC3E}">
         <p14:creationId xmlns:p14="http://schemas.microsoft.com/office/powerpoint/2010/main" val="3268905368"/>
-      </p:ext>
-    </p:extLst>
-  </p:cSld>
-  <p:clrMapOvr>
-    <a:masterClrMapping/>
-  </p:clrMapOvr>
-</p:sld>
-</file>
-
-<file path=ppt/slides/slide11.xml><?xml version="1.0" encoding="utf-8"?>
-<p:sld xmlns:a="http://schemas.openxmlformats.org/drawingml/2006/main" xmlns:r="http://schemas.openxmlformats.org/officeDocument/2006/relationships" xmlns:p="http://schemas.openxmlformats.org/presentationml/2006/main" show="0">
-  <p:cSld>
-    <p:spTree>
-      <p:nvGrpSpPr>
-        <p:cNvPr id="1" name=""/>
-        <p:cNvGrpSpPr/>
-        <p:nvPr/>
-      </p:nvGrpSpPr>
-      <p:grpSpPr>
-        <a:xfrm>
-          <a:off x="0" y="0"/>
-          <a:ext cx="0" cy="0"/>
-          <a:chOff x="0" y="0"/>
-          <a:chExt cx="0" cy="0"/>
-        </a:xfrm>
-      </p:grpSpPr>
-      <p:sp>
-        <p:nvSpPr>
-          <p:cNvPr id="2" name="Tytuł 1">
-            <a:extLst>
-              <a:ext uri="{FF2B5EF4-FFF2-40B4-BE49-F238E27FC236}">
-                <a16:creationId xmlns:a16="http://schemas.microsoft.com/office/drawing/2014/main" id="{6E717ABD-4CC0-4242-B293-2BCA9F8B4788}"/>
-              </a:ext>
-            </a:extLst>
-          </p:cNvPr>
-          <p:cNvSpPr>
-            <a:spLocks noGrp="1"/>
-          </p:cNvSpPr>
-          <p:nvPr>
-            <p:ph type="title"/>
-          </p:nvPr>
-        </p:nvSpPr>
-        <p:spPr/>
-        <p:txBody>
-          <a:bodyPr/>
-          <a:lstStyle/>
-          <a:p>
-            <a:endParaRPr lang="pl-PL"/>
-          </a:p>
-        </p:txBody>
-      </p:sp>
-      <p:sp>
-        <p:nvSpPr>
-          <p:cNvPr id="3" name="Symbol zastępczy zawartości 2">
-            <a:extLst>
-              <a:ext uri="{FF2B5EF4-FFF2-40B4-BE49-F238E27FC236}">
-                <a16:creationId xmlns:a16="http://schemas.microsoft.com/office/drawing/2014/main" id="{2CF231D0-BAA0-4A67-9433-AD7D6ACB54AA}"/>
-              </a:ext>
-            </a:extLst>
-          </p:cNvPr>
-          <p:cNvSpPr>
-            <a:spLocks noGrp="1"/>
-          </p:cNvSpPr>
-          <p:nvPr>
-            <p:ph idx="1"/>
-          </p:nvPr>
-        </p:nvSpPr>
-        <p:spPr/>
-        <p:txBody>
-          <a:bodyPr/>
-          <a:lstStyle/>
-          <a:p>
-            <a:r>
-              <a:rPr lang="pl-PL" dirty="0"/>
-              <a:t>Tego jeszcze nie ma : Jak wygląda proces technologiczny</a:t>
-            </a:r>
-          </a:p>
-          <a:p>
-            <a:endParaRPr lang="pl-PL" dirty="0"/>
-          </a:p>
-        </p:txBody>
-      </p:sp>
-      <p:sp>
-        <p:nvSpPr>
-          <p:cNvPr id="4" name="Symbol zastępczy numeru slajdu 3">
-            <a:extLst>
-              <a:ext uri="{FF2B5EF4-FFF2-40B4-BE49-F238E27FC236}">
-                <a16:creationId xmlns:a16="http://schemas.microsoft.com/office/drawing/2014/main" id="{AB2F11D1-2B61-4CD2-BE55-D547065BF2E0}"/>
-              </a:ext>
-            </a:extLst>
-          </p:cNvPr>
-          <p:cNvSpPr>
-            <a:spLocks noGrp="1"/>
-          </p:cNvSpPr>
-          <p:nvPr>
-            <p:ph type="sldNum" sz="quarter" idx="12"/>
-          </p:nvPr>
-        </p:nvSpPr>
-        <p:spPr/>
-        <p:txBody>
-          <a:bodyPr/>
-          <a:lstStyle/>
-          <a:p>
-            <a:fld id="{73EBA5C1-EA0D-4D38-B474-3131B775EA3E}" type="slidenum">
-              <a:rPr lang="pl-PL" smtClean="0"/>
-              <a:t>11</a:t>
-            </a:fld>
-            <a:endParaRPr lang="pl-PL"/>
-          </a:p>
-        </p:txBody>
-      </p:sp>
-    </p:spTree>
-    <p:extLst>
-      <p:ext uri="{BB962C8B-B14F-4D97-AF65-F5344CB8AC3E}">
-        <p14:creationId xmlns:p14="http://schemas.microsoft.com/office/powerpoint/2010/main" val="3680105015"/>
       </p:ext>
     </p:extLst>
   </p:cSld>
@@ -14117,6 +14905,121 @@
           <p:cNvPr id="2" name="Tytuł 1">
             <a:extLst>
               <a:ext uri="{FF2B5EF4-FFF2-40B4-BE49-F238E27FC236}">
+                <a16:creationId xmlns:a16="http://schemas.microsoft.com/office/drawing/2014/main" id="{6E717ABD-4CC0-4242-B293-2BCA9F8B4788}"/>
+              </a:ext>
+            </a:extLst>
+          </p:cNvPr>
+          <p:cNvSpPr>
+            <a:spLocks noGrp="1"/>
+          </p:cNvSpPr>
+          <p:nvPr>
+            <p:ph type="title"/>
+          </p:nvPr>
+        </p:nvSpPr>
+        <p:spPr/>
+        <p:txBody>
+          <a:bodyPr/>
+          <a:lstStyle/>
+          <a:p>
+            <a:endParaRPr lang="pl-PL"/>
+          </a:p>
+        </p:txBody>
+      </p:sp>
+      <p:sp>
+        <p:nvSpPr>
+          <p:cNvPr id="3" name="Symbol zastępczy zawartości 2">
+            <a:extLst>
+              <a:ext uri="{FF2B5EF4-FFF2-40B4-BE49-F238E27FC236}">
+                <a16:creationId xmlns:a16="http://schemas.microsoft.com/office/drawing/2014/main" id="{2CF231D0-BAA0-4A67-9433-AD7D6ACB54AA}"/>
+              </a:ext>
+            </a:extLst>
+          </p:cNvPr>
+          <p:cNvSpPr>
+            <a:spLocks noGrp="1"/>
+          </p:cNvSpPr>
+          <p:nvPr>
+            <p:ph idx="1"/>
+          </p:nvPr>
+        </p:nvSpPr>
+        <p:spPr/>
+        <p:txBody>
+          <a:bodyPr/>
+          <a:lstStyle/>
+          <a:p>
+            <a:r>
+              <a:rPr lang="pl-PL" dirty="0"/>
+              <a:t>Tego jeszcze nie ma : Jak wygląda proces technologiczny</a:t>
+            </a:r>
+          </a:p>
+          <a:p>
+            <a:endParaRPr lang="pl-PL" dirty="0"/>
+          </a:p>
+        </p:txBody>
+      </p:sp>
+      <p:sp>
+        <p:nvSpPr>
+          <p:cNvPr id="4" name="Symbol zastępczy numeru slajdu 3">
+            <a:extLst>
+              <a:ext uri="{FF2B5EF4-FFF2-40B4-BE49-F238E27FC236}">
+                <a16:creationId xmlns:a16="http://schemas.microsoft.com/office/drawing/2014/main" id="{AB2F11D1-2B61-4CD2-BE55-D547065BF2E0}"/>
+              </a:ext>
+            </a:extLst>
+          </p:cNvPr>
+          <p:cNvSpPr>
+            <a:spLocks noGrp="1"/>
+          </p:cNvSpPr>
+          <p:nvPr>
+            <p:ph type="sldNum" sz="quarter" idx="12"/>
+          </p:nvPr>
+        </p:nvSpPr>
+        <p:spPr/>
+        <p:txBody>
+          <a:bodyPr/>
+          <a:lstStyle/>
+          <a:p>
+            <a:fld id="{73EBA5C1-EA0D-4D38-B474-3131B775EA3E}" type="slidenum">
+              <a:rPr lang="pl-PL" smtClean="0"/>
+              <a:t>12</a:t>
+            </a:fld>
+            <a:endParaRPr lang="pl-PL"/>
+          </a:p>
+        </p:txBody>
+      </p:sp>
+    </p:spTree>
+    <p:extLst>
+      <p:ext uri="{BB962C8B-B14F-4D97-AF65-F5344CB8AC3E}">
+        <p14:creationId xmlns:p14="http://schemas.microsoft.com/office/powerpoint/2010/main" val="3680105015"/>
+      </p:ext>
+    </p:extLst>
+  </p:cSld>
+  <p:clrMapOvr>
+    <a:masterClrMapping/>
+  </p:clrMapOvr>
+</p:sld>
+</file>
+
+<file path=ppt/slides/slide13.xml><?xml version="1.0" encoding="utf-8"?>
+<p:sld xmlns:a="http://schemas.openxmlformats.org/drawingml/2006/main" xmlns:r="http://schemas.openxmlformats.org/officeDocument/2006/relationships" xmlns:p="http://schemas.openxmlformats.org/presentationml/2006/main" show="0">
+  <p:cSld>
+    <p:spTree>
+      <p:nvGrpSpPr>
+        <p:cNvPr id="1" name=""/>
+        <p:cNvGrpSpPr/>
+        <p:nvPr/>
+      </p:nvGrpSpPr>
+      <p:grpSpPr>
+        <a:xfrm>
+          <a:off x="0" y="0"/>
+          <a:ext cx="0" cy="0"/>
+          <a:chOff x="0" y="0"/>
+          <a:chExt cx="0" cy="0"/>
+        </a:xfrm>
+      </p:grpSpPr>
+      <p:sp>
+        <p:nvSpPr>
+          <p:cNvPr id="2" name="Tytuł 1">
+            <a:extLst>
+              <a:ext uri="{FF2B5EF4-FFF2-40B4-BE49-F238E27FC236}">
                 <a16:creationId xmlns:a16="http://schemas.microsoft.com/office/drawing/2014/main" id="{276E0BDA-CFCE-4FCC-9462-7ABD12218273}"/>
               </a:ext>
             </a:extLst>
@@ -14194,7 +15097,7 @@
           <a:p>
             <a:fld id="{73EBA5C1-EA0D-4D38-B474-3131B775EA3E}" type="slidenum">
               <a:rPr lang="pl-PL" smtClean="0"/>
-              <a:t>12</a:t>
+              <a:t>13</a:t>
             </a:fld>
             <a:endParaRPr lang="pl-PL"/>
           </a:p>
@@ -14213,7 +15116,7 @@
 </p:sld>
 </file>
 
-<file path=ppt/slides/slide13.xml><?xml version="1.0" encoding="utf-8"?>
+<file path=ppt/slides/slide14.xml><?xml version="1.0" encoding="utf-8"?>
 <p:sld xmlns:a="http://schemas.openxmlformats.org/drawingml/2006/main" xmlns:r="http://schemas.openxmlformats.org/officeDocument/2006/relationships" xmlns:p="http://schemas.openxmlformats.org/presentationml/2006/main">
   <p:cSld>
     <p:spTree>
@@ -14316,7 +15219,7 @@
           <a:p>
             <a:fld id="{73EBA5C1-EA0D-4D38-B474-3131B775EA3E}" type="slidenum">
               <a:rPr lang="pl-PL" smtClean="0"/>
-              <a:t>13</a:t>
+              <a:t>14</a:t>
             </a:fld>
             <a:endParaRPr lang="pl-PL"/>
           </a:p>
@@ -14326,121 +15229,6 @@
     <p:extLst>
       <p:ext uri="{BB962C8B-B14F-4D97-AF65-F5344CB8AC3E}">
         <p14:creationId xmlns:p14="http://schemas.microsoft.com/office/powerpoint/2010/main" val="4285159381"/>
-      </p:ext>
-    </p:extLst>
-  </p:cSld>
-  <p:clrMapOvr>
-    <a:masterClrMapping/>
-  </p:clrMapOvr>
-</p:sld>
-</file>
-
-<file path=ppt/slides/slide14.xml><?xml version="1.0" encoding="utf-8"?>
-<p:sld xmlns:a="http://schemas.openxmlformats.org/drawingml/2006/main" xmlns:r="http://schemas.openxmlformats.org/officeDocument/2006/relationships" xmlns:p="http://schemas.openxmlformats.org/presentationml/2006/main" show="0">
-  <p:cSld>
-    <p:spTree>
-      <p:nvGrpSpPr>
-        <p:cNvPr id="1" name=""/>
-        <p:cNvGrpSpPr/>
-        <p:nvPr/>
-      </p:nvGrpSpPr>
-      <p:grpSpPr>
-        <a:xfrm>
-          <a:off x="0" y="0"/>
-          <a:ext cx="0" cy="0"/>
-          <a:chOff x="0" y="0"/>
-          <a:chExt cx="0" cy="0"/>
-        </a:xfrm>
-      </p:grpSpPr>
-      <p:sp>
-        <p:nvSpPr>
-          <p:cNvPr id="2" name="Tytuł 1">
-            <a:extLst>
-              <a:ext uri="{FF2B5EF4-FFF2-40B4-BE49-F238E27FC236}">
-                <a16:creationId xmlns:a16="http://schemas.microsoft.com/office/drawing/2014/main" id="{11D1976F-53C9-4E83-8D7B-E3DA51D6B795}"/>
-              </a:ext>
-            </a:extLst>
-          </p:cNvPr>
-          <p:cNvSpPr>
-            <a:spLocks noGrp="1"/>
-          </p:cNvSpPr>
-          <p:nvPr>
-            <p:ph type="title"/>
-          </p:nvPr>
-        </p:nvSpPr>
-        <p:spPr/>
-        <p:txBody>
-          <a:bodyPr/>
-          <a:lstStyle/>
-          <a:p>
-            <a:endParaRPr lang="pl-PL"/>
-          </a:p>
-        </p:txBody>
-      </p:sp>
-      <p:sp>
-        <p:nvSpPr>
-          <p:cNvPr id="3" name="Symbol zastępczy zawartości 2">
-            <a:extLst>
-              <a:ext uri="{FF2B5EF4-FFF2-40B4-BE49-F238E27FC236}">
-                <a16:creationId xmlns:a16="http://schemas.microsoft.com/office/drawing/2014/main" id="{D7972A32-45E5-4A82-900F-A1A285AECD97}"/>
-              </a:ext>
-            </a:extLst>
-          </p:cNvPr>
-          <p:cNvSpPr>
-            <a:spLocks noGrp="1"/>
-          </p:cNvSpPr>
-          <p:nvPr>
-            <p:ph idx="1"/>
-          </p:nvPr>
-        </p:nvSpPr>
-        <p:spPr/>
-        <p:txBody>
-          <a:bodyPr/>
-          <a:lstStyle/>
-          <a:p>
-            <a:r>
-              <a:rPr lang="pl-PL" dirty="0"/>
-              <a:t>Tego jeszcze nie ma : Dodanie odniesienia w jaki sposób jest prowadzone serwisowanie</a:t>
-            </a:r>
-          </a:p>
-          <a:p>
-            <a:endParaRPr lang="pl-PL" dirty="0"/>
-          </a:p>
-        </p:txBody>
-      </p:sp>
-      <p:sp>
-        <p:nvSpPr>
-          <p:cNvPr id="4" name="Symbol zastępczy numeru slajdu 3">
-            <a:extLst>
-              <a:ext uri="{FF2B5EF4-FFF2-40B4-BE49-F238E27FC236}">
-                <a16:creationId xmlns:a16="http://schemas.microsoft.com/office/drawing/2014/main" id="{0773F594-73F8-4E73-BDA3-05E79D866853}"/>
-              </a:ext>
-            </a:extLst>
-          </p:cNvPr>
-          <p:cNvSpPr>
-            <a:spLocks noGrp="1"/>
-          </p:cNvSpPr>
-          <p:nvPr>
-            <p:ph type="sldNum" sz="quarter" idx="12"/>
-          </p:nvPr>
-        </p:nvSpPr>
-        <p:spPr/>
-        <p:txBody>
-          <a:bodyPr/>
-          <a:lstStyle/>
-          <a:p>
-            <a:fld id="{73EBA5C1-EA0D-4D38-B474-3131B775EA3E}" type="slidenum">
-              <a:rPr lang="pl-PL" smtClean="0"/>
-              <a:t>14</a:t>
-            </a:fld>
-            <a:endParaRPr lang="pl-PL"/>
-          </a:p>
-        </p:txBody>
-      </p:sp>
-    </p:spTree>
-    <p:extLst>
-      <p:ext uri="{BB962C8B-B14F-4D97-AF65-F5344CB8AC3E}">
-        <p14:creationId xmlns:p14="http://schemas.microsoft.com/office/powerpoint/2010/main" val="2824165260"/>
       </p:ext>
     </p:extLst>
   </p:cSld>
@@ -14472,7 +15260,7 @@
           <p:cNvPr id="2" name="Tytuł 1">
             <a:extLst>
               <a:ext uri="{FF2B5EF4-FFF2-40B4-BE49-F238E27FC236}">
-                <a16:creationId xmlns:a16="http://schemas.microsoft.com/office/drawing/2014/main" id="{9668A663-06A6-400A-AD15-383579BDB3DE}"/>
+                <a16:creationId xmlns:a16="http://schemas.microsoft.com/office/drawing/2014/main" id="{11D1976F-53C9-4E83-8D7B-E3DA51D6B795}"/>
               </a:ext>
             </a:extLst>
           </p:cNvPr>
@@ -14488,10 +15276,7 @@
           <a:bodyPr/>
           <a:lstStyle/>
           <a:p>
-            <a:r>
-              <a:rPr lang="pl-PL"/>
-              <a:t>Drukarki 3D</a:t>
-            </a:r>
+            <a:endParaRPr lang="pl-PL"/>
           </a:p>
         </p:txBody>
       </p:sp>
@@ -14500,7 +15285,7 @@
           <p:cNvPr id="3" name="Symbol zastępczy zawartości 2">
             <a:extLst>
               <a:ext uri="{FF2B5EF4-FFF2-40B4-BE49-F238E27FC236}">
-                <a16:creationId xmlns:a16="http://schemas.microsoft.com/office/drawing/2014/main" id="{BD021063-4791-4C94-B251-D43362BEC1BC}"/>
+                <a16:creationId xmlns:a16="http://schemas.microsoft.com/office/drawing/2014/main" id="{D7972A32-45E5-4A82-900F-A1A285AECD97}"/>
               </a:ext>
             </a:extLst>
           </p:cNvPr>
@@ -14516,13 +15301,13 @@
           <a:bodyPr/>
           <a:lstStyle/>
           <a:p>
-            <a:pPr marL="0" indent="0" algn="just">
-              <a:buNone/>
-            </a:pPr>
-            <a:r>
-              <a:rPr lang="pl-PL"/>
-              <a:t>Wybór drukarek dokonywany jest na podstawie specyfikacji technicznej drukarki 3D, założono, że drukarki będą pochodziły od 3 różnych producentów. Znacznie zmniejszy to prawdopodobieństwo wystąpienia usterek związanych z ich eksploatacją w tym samym momencie. Spowoduje to także zwiększenie możliwości produkcyjnych ze względu na różne parametry oraz dokładności wykonania.</a:t>
-            </a:r>
+            <a:r>
+              <a:rPr lang="pl-PL" dirty="0"/>
+              <a:t>Tego jeszcze nie ma : Dodanie odniesienia w jaki sposób jest prowadzone serwisowanie</a:t>
+            </a:r>
+          </a:p>
+          <a:p>
+            <a:endParaRPr lang="pl-PL" dirty="0"/>
           </a:p>
         </p:txBody>
       </p:sp>
@@ -14531,7 +15316,7 @@
           <p:cNvPr id="4" name="Symbol zastępczy numeru slajdu 3">
             <a:extLst>
               <a:ext uri="{FF2B5EF4-FFF2-40B4-BE49-F238E27FC236}">
-                <a16:creationId xmlns:a16="http://schemas.microsoft.com/office/drawing/2014/main" id="{9B29F278-DF45-4ADF-91B5-4C9F8E96A390}"/>
+                <a16:creationId xmlns:a16="http://schemas.microsoft.com/office/drawing/2014/main" id="{0773F594-73F8-4E73-BDA3-05E79D866853}"/>
               </a:ext>
             </a:extLst>
           </p:cNvPr>
@@ -14550,6 +15335,124 @@
             <a:fld id="{73EBA5C1-EA0D-4D38-B474-3131B775EA3E}" type="slidenum">
               <a:rPr lang="pl-PL" smtClean="0"/>
               <a:t>15</a:t>
+            </a:fld>
+            <a:endParaRPr lang="pl-PL"/>
+          </a:p>
+        </p:txBody>
+      </p:sp>
+    </p:spTree>
+    <p:extLst>
+      <p:ext uri="{BB962C8B-B14F-4D97-AF65-F5344CB8AC3E}">
+        <p14:creationId xmlns:p14="http://schemas.microsoft.com/office/powerpoint/2010/main" val="2824165260"/>
+      </p:ext>
+    </p:extLst>
+  </p:cSld>
+  <p:clrMapOvr>
+    <a:masterClrMapping/>
+  </p:clrMapOvr>
+</p:sld>
+</file>
+
+<file path=ppt/slides/slide16.xml><?xml version="1.0" encoding="utf-8"?>
+<p:sld xmlns:a="http://schemas.openxmlformats.org/drawingml/2006/main" xmlns:r="http://schemas.openxmlformats.org/officeDocument/2006/relationships" xmlns:p="http://schemas.openxmlformats.org/presentationml/2006/main" show="0">
+  <p:cSld>
+    <p:spTree>
+      <p:nvGrpSpPr>
+        <p:cNvPr id="1" name=""/>
+        <p:cNvGrpSpPr/>
+        <p:nvPr/>
+      </p:nvGrpSpPr>
+      <p:grpSpPr>
+        <a:xfrm>
+          <a:off x="0" y="0"/>
+          <a:ext cx="0" cy="0"/>
+          <a:chOff x="0" y="0"/>
+          <a:chExt cx="0" cy="0"/>
+        </a:xfrm>
+      </p:grpSpPr>
+      <p:sp>
+        <p:nvSpPr>
+          <p:cNvPr id="2" name="Tytuł 1">
+            <a:extLst>
+              <a:ext uri="{FF2B5EF4-FFF2-40B4-BE49-F238E27FC236}">
+                <a16:creationId xmlns:a16="http://schemas.microsoft.com/office/drawing/2014/main" id="{9668A663-06A6-400A-AD15-383579BDB3DE}"/>
+              </a:ext>
+            </a:extLst>
+          </p:cNvPr>
+          <p:cNvSpPr>
+            <a:spLocks noGrp="1"/>
+          </p:cNvSpPr>
+          <p:nvPr>
+            <p:ph type="title"/>
+          </p:nvPr>
+        </p:nvSpPr>
+        <p:spPr/>
+        <p:txBody>
+          <a:bodyPr/>
+          <a:lstStyle/>
+          <a:p>
+            <a:r>
+              <a:rPr lang="pl-PL"/>
+              <a:t>Drukarki 3D</a:t>
+            </a:r>
+          </a:p>
+        </p:txBody>
+      </p:sp>
+      <p:sp>
+        <p:nvSpPr>
+          <p:cNvPr id="3" name="Symbol zastępczy zawartości 2">
+            <a:extLst>
+              <a:ext uri="{FF2B5EF4-FFF2-40B4-BE49-F238E27FC236}">
+                <a16:creationId xmlns:a16="http://schemas.microsoft.com/office/drawing/2014/main" id="{BD021063-4791-4C94-B251-D43362BEC1BC}"/>
+              </a:ext>
+            </a:extLst>
+          </p:cNvPr>
+          <p:cNvSpPr>
+            <a:spLocks noGrp="1"/>
+          </p:cNvSpPr>
+          <p:nvPr>
+            <p:ph idx="1"/>
+          </p:nvPr>
+        </p:nvSpPr>
+        <p:spPr/>
+        <p:txBody>
+          <a:bodyPr/>
+          <a:lstStyle/>
+          <a:p>
+            <a:pPr marL="0" indent="0" algn="just">
+              <a:buNone/>
+            </a:pPr>
+            <a:r>
+              <a:rPr lang="pl-PL"/>
+              <a:t>Wybór drukarek dokonywany jest na podstawie specyfikacji technicznej drukarki 3D, założono, że drukarki będą pochodziły od 3 różnych producentów. Znacznie zmniejszy to prawdopodobieństwo wystąpienia usterek związanych z ich eksploatacją w tym samym momencie. Spowoduje to także zwiększenie możliwości produkcyjnych ze względu na różne parametry oraz dokładności wykonania.</a:t>
+            </a:r>
+          </a:p>
+        </p:txBody>
+      </p:sp>
+      <p:sp>
+        <p:nvSpPr>
+          <p:cNvPr id="4" name="Symbol zastępczy numeru slajdu 3">
+            <a:extLst>
+              <a:ext uri="{FF2B5EF4-FFF2-40B4-BE49-F238E27FC236}">
+                <a16:creationId xmlns:a16="http://schemas.microsoft.com/office/drawing/2014/main" id="{9B29F278-DF45-4ADF-91B5-4C9F8E96A390}"/>
+              </a:ext>
+            </a:extLst>
+          </p:cNvPr>
+          <p:cNvSpPr>
+            <a:spLocks noGrp="1"/>
+          </p:cNvSpPr>
+          <p:nvPr>
+            <p:ph type="sldNum" sz="quarter" idx="12"/>
+          </p:nvPr>
+        </p:nvSpPr>
+        <p:spPr/>
+        <p:txBody>
+          <a:bodyPr/>
+          <a:lstStyle/>
+          <a:p>
+            <a:fld id="{73EBA5C1-EA0D-4D38-B474-3131B775EA3E}" type="slidenum">
+              <a:rPr lang="pl-PL" smtClean="0"/>
+              <a:t>16</a:t>
             </a:fld>
             <a:endParaRPr lang="pl-PL"/>
           </a:p>
@@ -14568,7 +15471,7 @@
 </p:sld>
 </file>
 
-<file path=ppt/slides/slide16.xml><?xml version="1.0" encoding="utf-8"?>
+<file path=ppt/slides/slide17.xml><?xml version="1.0" encoding="utf-8"?>
 <p:sld xmlns:a="http://schemas.openxmlformats.org/drawingml/2006/main" xmlns:r="http://schemas.openxmlformats.org/officeDocument/2006/relationships" xmlns:p="http://schemas.openxmlformats.org/presentationml/2006/main" show="0">
   <p:cSld>
     <p:spTree>
@@ -16028,7 +16931,7 @@
           <a:p>
             <a:fld id="{73EBA5C1-EA0D-4D38-B474-3131B775EA3E}" type="slidenum">
               <a:rPr lang="pl-PL" smtClean="0"/>
-              <a:t>16</a:t>
+              <a:t>17</a:t>
             </a:fld>
             <a:endParaRPr lang="pl-PL"/>
           </a:p>
@@ -16047,7 +16950,7 @@
 </p:sld>
 </file>
 
-<file path=ppt/slides/slide17.xml><?xml version="1.0" encoding="utf-8"?>
+<file path=ppt/slides/slide18.xml><?xml version="1.0" encoding="utf-8"?>
 <p:sld xmlns:a="http://schemas.openxmlformats.org/drawingml/2006/main" xmlns:r="http://schemas.openxmlformats.org/officeDocument/2006/relationships" xmlns:p="http://schemas.openxmlformats.org/presentationml/2006/main" show="0">
   <p:cSld>
     <p:spTree>
@@ -16510,7 +17413,7 @@
           <a:p>
             <a:fld id="{73EBA5C1-EA0D-4D38-B474-3131B775EA3E}" type="slidenum">
               <a:rPr lang="pl-PL" smtClean="0"/>
-              <a:t>17</a:t>
+              <a:t>18</a:t>
             </a:fld>
             <a:endParaRPr lang="pl-PL"/>
           </a:p>
@@ -16529,7 +17432,7 @@
 </p:sld>
 </file>
 
-<file path=ppt/slides/slide18.xml><?xml version="1.0" encoding="utf-8"?>
+<file path=ppt/slides/slide19.xml><?xml version="1.0" encoding="utf-8"?>
 <p:sld xmlns:a="http://schemas.openxmlformats.org/drawingml/2006/main" xmlns:r="http://schemas.openxmlformats.org/officeDocument/2006/relationships" xmlns:p="http://schemas.openxmlformats.org/presentationml/2006/main" show="0">
   <p:cSld>
     <p:spTree>
@@ -17113,7 +18016,7 @@
           <a:p>
             <a:fld id="{73EBA5C1-EA0D-4D38-B474-3131B775EA3E}" type="slidenum">
               <a:rPr lang="pl-PL" smtClean="0"/>
-              <a:t>18</a:t>
+              <a:t>19</a:t>
             </a:fld>
             <a:endParaRPr lang="pl-PL"/>
           </a:p>
@@ -17132,7 +18035,139 @@
 </p:sld>
 </file>
 
-<file path=ppt/slides/slide19.xml><?xml version="1.0" encoding="utf-8"?>
+<file path=ppt/slides/slide2.xml><?xml version="1.0" encoding="utf-8"?>
+<p:sld xmlns:a="http://schemas.openxmlformats.org/drawingml/2006/main" xmlns:r="http://schemas.openxmlformats.org/officeDocument/2006/relationships" xmlns:p="http://schemas.openxmlformats.org/presentationml/2006/main">
+  <p:cSld>
+    <p:spTree>
+      <p:nvGrpSpPr>
+        <p:cNvPr id="1" name=""/>
+        <p:cNvGrpSpPr/>
+        <p:nvPr/>
+      </p:nvGrpSpPr>
+      <p:grpSpPr>
+        <a:xfrm>
+          <a:off x="0" y="0"/>
+          <a:ext cx="0" cy="0"/>
+          <a:chOff x="0" y="0"/>
+          <a:chExt cx="0" cy="0"/>
+        </a:xfrm>
+      </p:grpSpPr>
+      <p:sp>
+        <p:nvSpPr>
+          <p:cNvPr id="2" name="Tytuł 1">
+            <a:extLst>
+              <a:ext uri="{FF2B5EF4-FFF2-40B4-BE49-F238E27FC236}">
+                <a16:creationId xmlns:a16="http://schemas.microsoft.com/office/drawing/2014/main" id="{38FE2930-C9F9-42F1-BC5A-B5D8CC8FE5FB}"/>
+              </a:ext>
+            </a:extLst>
+          </p:cNvPr>
+          <p:cNvSpPr>
+            <a:spLocks noGrp="1"/>
+          </p:cNvSpPr>
+          <p:nvPr>
+            <p:ph type="title"/>
+          </p:nvPr>
+        </p:nvSpPr>
+        <p:spPr/>
+        <p:txBody>
+          <a:bodyPr/>
+          <a:lstStyle/>
+          <a:p>
+            <a:pPr algn="ctr"/>
+            <a:r>
+              <a:rPr lang="pl-PL"/>
+              <a:t>Firma</a:t>
+            </a:r>
+          </a:p>
+        </p:txBody>
+      </p:sp>
+      <p:sp>
+        <p:nvSpPr>
+          <p:cNvPr id="3" name="Symbol zastępczy zawartości 2">
+            <a:extLst>
+              <a:ext uri="{FF2B5EF4-FFF2-40B4-BE49-F238E27FC236}">
+                <a16:creationId xmlns:a16="http://schemas.microsoft.com/office/drawing/2014/main" id="{8426D2BE-ED27-420C-AF5A-CBE400D5329A}"/>
+              </a:ext>
+            </a:extLst>
+          </p:cNvPr>
+          <p:cNvSpPr>
+            <a:spLocks noGrp="1"/>
+          </p:cNvSpPr>
+          <p:nvPr>
+            <p:ph idx="1"/>
+          </p:nvPr>
+        </p:nvSpPr>
+        <p:spPr>
+          <a:xfrm>
+            <a:off x="680321" y="2635847"/>
+            <a:ext cx="10131425" cy="2387988"/>
+          </a:xfrm>
+        </p:spPr>
+        <p:txBody>
+          <a:bodyPr>
+            <a:normAutofit/>
+          </a:bodyPr>
+          <a:lstStyle/>
+          <a:p>
+            <a:pPr marL="0" indent="0">
+              <a:buNone/>
+            </a:pPr>
+            <a:r>
+              <a:rPr lang="pl-PL" dirty="0"/>
+              <a:t>System wspomagający zarządzanie zaprojektowano dla firmy, której działalnością jest produkcja elementów przy wykorzystaniu technologii addytywnych. Firma pracuje od poniedziałku do piątku w trybie jednozmianowym od 8:00 do 16:00.</a:t>
+            </a:r>
+          </a:p>
+          <a:p>
+            <a:pPr marL="0" indent="0">
+              <a:buNone/>
+            </a:pPr>
+            <a:endParaRPr lang="pl-PL" sz="2800" dirty="0"/>
+          </a:p>
+        </p:txBody>
+      </p:sp>
+      <p:sp>
+        <p:nvSpPr>
+          <p:cNvPr id="4" name="Symbol zastępczy numeru slajdu 3">
+            <a:extLst>
+              <a:ext uri="{FF2B5EF4-FFF2-40B4-BE49-F238E27FC236}">
+                <a16:creationId xmlns:a16="http://schemas.microsoft.com/office/drawing/2014/main" id="{71B7EC5F-3A4F-420A-871E-FD88567599DB}"/>
+              </a:ext>
+            </a:extLst>
+          </p:cNvPr>
+          <p:cNvSpPr>
+            <a:spLocks noGrp="1"/>
+          </p:cNvSpPr>
+          <p:nvPr>
+            <p:ph type="sldNum" sz="quarter" idx="12"/>
+          </p:nvPr>
+        </p:nvSpPr>
+        <p:spPr/>
+        <p:txBody>
+          <a:bodyPr/>
+          <a:lstStyle/>
+          <a:p>
+            <a:fld id="{73EBA5C1-EA0D-4D38-B474-3131B775EA3E}" type="slidenum">
+              <a:rPr lang="pl-PL" smtClean="0"/>
+              <a:t>2</a:t>
+            </a:fld>
+            <a:endParaRPr lang="pl-PL"/>
+          </a:p>
+        </p:txBody>
+      </p:sp>
+    </p:spTree>
+    <p:extLst>
+      <p:ext uri="{BB962C8B-B14F-4D97-AF65-F5344CB8AC3E}">
+        <p14:creationId xmlns:p14="http://schemas.microsoft.com/office/powerpoint/2010/main" val="3558708667"/>
+      </p:ext>
+    </p:extLst>
+  </p:cSld>
+  <p:clrMapOvr>
+    <a:masterClrMapping/>
+  </p:clrMapOvr>
+</p:sld>
+</file>
+
+<file path=ppt/slides/slide20.xml><?xml version="1.0" encoding="utf-8"?>
 <p:sld xmlns:a="http://schemas.openxmlformats.org/drawingml/2006/main" xmlns:r="http://schemas.openxmlformats.org/officeDocument/2006/relationships" xmlns:p="http://schemas.openxmlformats.org/presentationml/2006/main" show="0">
   <p:cSld>
     <p:spTree>
@@ -17631,7 +18666,7 @@
           <a:p>
             <a:fld id="{73EBA5C1-EA0D-4D38-B474-3131B775EA3E}" type="slidenum">
               <a:rPr lang="pl-PL" smtClean="0"/>
-              <a:t>19</a:t>
+              <a:t>20</a:t>
             </a:fld>
             <a:endParaRPr lang="pl-PL"/>
           </a:p>
@@ -17650,148 +18685,7 @@
 </p:sld>
 </file>
 
-<file path=ppt/slides/slide2.xml><?xml version="1.0" encoding="utf-8"?>
-<p:sld xmlns:a="http://schemas.openxmlformats.org/drawingml/2006/main" xmlns:r="http://schemas.openxmlformats.org/officeDocument/2006/relationships" xmlns:p="http://schemas.openxmlformats.org/presentationml/2006/main">
-  <p:cSld>
-    <p:spTree>
-      <p:nvGrpSpPr>
-        <p:cNvPr id="1" name=""/>
-        <p:cNvGrpSpPr/>
-        <p:nvPr/>
-      </p:nvGrpSpPr>
-      <p:grpSpPr>
-        <a:xfrm>
-          <a:off x="0" y="0"/>
-          <a:ext cx="0" cy="0"/>
-          <a:chOff x="0" y="0"/>
-          <a:chExt cx="0" cy="0"/>
-        </a:xfrm>
-      </p:grpSpPr>
-      <p:sp>
-        <p:nvSpPr>
-          <p:cNvPr id="2" name="Tytuł 1">
-            <a:extLst>
-              <a:ext uri="{FF2B5EF4-FFF2-40B4-BE49-F238E27FC236}">
-                <a16:creationId xmlns:a16="http://schemas.microsoft.com/office/drawing/2014/main" id="{38FE2930-C9F9-42F1-BC5A-B5D8CC8FE5FB}"/>
-              </a:ext>
-            </a:extLst>
-          </p:cNvPr>
-          <p:cNvSpPr>
-            <a:spLocks noGrp="1"/>
-          </p:cNvSpPr>
-          <p:nvPr>
-            <p:ph type="title"/>
-          </p:nvPr>
-        </p:nvSpPr>
-        <p:spPr/>
-        <p:txBody>
-          <a:bodyPr/>
-          <a:lstStyle/>
-          <a:p>
-            <a:pPr algn="ctr"/>
-            <a:r>
-              <a:rPr lang="pl-PL"/>
-              <a:t>Firma</a:t>
-            </a:r>
-          </a:p>
-        </p:txBody>
-      </p:sp>
-      <p:sp>
-        <p:nvSpPr>
-          <p:cNvPr id="3" name="Symbol zastępczy zawartości 2">
-            <a:extLst>
-              <a:ext uri="{FF2B5EF4-FFF2-40B4-BE49-F238E27FC236}">
-                <a16:creationId xmlns:a16="http://schemas.microsoft.com/office/drawing/2014/main" id="{8426D2BE-ED27-420C-AF5A-CBE400D5329A}"/>
-              </a:ext>
-            </a:extLst>
-          </p:cNvPr>
-          <p:cNvSpPr>
-            <a:spLocks noGrp="1"/>
-          </p:cNvSpPr>
-          <p:nvPr>
-            <p:ph idx="1"/>
-          </p:nvPr>
-        </p:nvSpPr>
-        <p:spPr>
-          <a:xfrm>
-            <a:off x="680321" y="2635847"/>
-            <a:ext cx="10131425" cy="2387988"/>
-          </a:xfrm>
-        </p:spPr>
-        <p:txBody>
-          <a:bodyPr>
-            <a:normAutofit lnSpcReduction="10000"/>
-          </a:bodyPr>
-          <a:lstStyle/>
-          <a:p>
-            <a:pPr marL="0" indent="0">
-              <a:buNone/>
-            </a:pPr>
-            <a:r>
-              <a:rPr lang="pl-PL" dirty="0"/>
-              <a:t>System wspomagający zarządzanie zaprojektowano dla firmy, której działalnością jest produkcja elementów przy wykorzystaniu technologii addytywnych. Firma pracuje od poniedziałku do piątku w trybie jednozmianowym od 8:00 do 16:00.</a:t>
-            </a:r>
-          </a:p>
-          <a:p>
-            <a:pPr marL="0" indent="0">
-              <a:buNone/>
-            </a:pPr>
-            <a:endParaRPr lang="pl-PL" sz="2800" dirty="0"/>
-          </a:p>
-          <a:p>
-            <a:pPr marL="0" indent="0">
-              <a:buNone/>
-            </a:pPr>
-            <a:r>
-              <a:rPr lang="pl-PL" sz="2800" dirty="0"/>
-              <a:t>Rodzaj przedsiębiorstwa, model biznesowy</a:t>
-            </a:r>
-          </a:p>
-        </p:txBody>
-      </p:sp>
-      <p:sp>
-        <p:nvSpPr>
-          <p:cNvPr id="4" name="Symbol zastępczy numeru slajdu 3">
-            <a:extLst>
-              <a:ext uri="{FF2B5EF4-FFF2-40B4-BE49-F238E27FC236}">
-                <a16:creationId xmlns:a16="http://schemas.microsoft.com/office/drawing/2014/main" id="{71B7EC5F-3A4F-420A-871E-FD88567599DB}"/>
-              </a:ext>
-            </a:extLst>
-          </p:cNvPr>
-          <p:cNvSpPr>
-            <a:spLocks noGrp="1"/>
-          </p:cNvSpPr>
-          <p:nvPr>
-            <p:ph type="sldNum" sz="quarter" idx="12"/>
-          </p:nvPr>
-        </p:nvSpPr>
-        <p:spPr/>
-        <p:txBody>
-          <a:bodyPr/>
-          <a:lstStyle/>
-          <a:p>
-            <a:fld id="{73EBA5C1-EA0D-4D38-B474-3131B775EA3E}" type="slidenum">
-              <a:rPr lang="pl-PL" smtClean="0"/>
-              <a:t>2</a:t>
-            </a:fld>
-            <a:endParaRPr lang="pl-PL"/>
-          </a:p>
-        </p:txBody>
-      </p:sp>
-    </p:spTree>
-    <p:extLst>
-      <p:ext uri="{BB962C8B-B14F-4D97-AF65-F5344CB8AC3E}">
-        <p14:creationId xmlns:p14="http://schemas.microsoft.com/office/powerpoint/2010/main" val="3558708667"/>
-      </p:ext>
-    </p:extLst>
-  </p:cSld>
-  <p:clrMapOvr>
-    <a:masterClrMapping/>
-  </p:clrMapOvr>
-</p:sld>
-</file>
-
-<file path=ppt/slides/slide20.xml><?xml version="1.0" encoding="utf-8"?>
+<file path=ppt/slides/slide21.xml><?xml version="1.0" encoding="utf-8"?>
 <p:sld xmlns:a="http://schemas.openxmlformats.org/drawingml/2006/main" xmlns:r="http://schemas.openxmlformats.org/officeDocument/2006/relationships" xmlns:p="http://schemas.openxmlformats.org/presentationml/2006/main">
   <p:cSld>
     <p:spTree>
@@ -21061,7 +21955,7 @@
           <a:p>
             <a:fld id="{73EBA5C1-EA0D-4D38-B474-3131B775EA3E}" type="slidenum">
               <a:rPr lang="pl-PL" smtClean="0"/>
-              <a:t>20</a:t>
+              <a:t>21</a:t>
             </a:fld>
             <a:endParaRPr lang="pl-PL"/>
           </a:p>
@@ -21149,7 +22043,7 @@
 </p:sld>
 </file>
 
-<file path=ppt/slides/slide21.xml><?xml version="1.0" encoding="utf-8"?>
+<file path=ppt/slides/slide22.xml><?xml version="1.0" encoding="utf-8"?>
 <p:sld xmlns:a="http://schemas.openxmlformats.org/drawingml/2006/main" xmlns:r="http://schemas.openxmlformats.org/officeDocument/2006/relationships" xmlns:p="http://schemas.openxmlformats.org/presentationml/2006/main" show="0">
   <p:cSld>
     <p:spTree>
@@ -21260,7 +22154,7 @@
           <a:p>
             <a:fld id="{73EBA5C1-EA0D-4D38-B474-3131B775EA3E}" type="slidenum">
               <a:rPr lang="pl-PL" smtClean="0"/>
-              <a:t>21</a:t>
+              <a:t>22</a:t>
             </a:fld>
             <a:endParaRPr lang="pl-PL"/>
           </a:p>
@@ -21279,7 +22173,7 @@
 </p:sld>
 </file>
 
-<file path=ppt/slides/slide22.xml><?xml version="1.0" encoding="utf-8"?>
+<file path=ppt/slides/slide23.xml><?xml version="1.0" encoding="utf-8"?>
 <p:sld xmlns:a="http://schemas.openxmlformats.org/drawingml/2006/main" xmlns:r="http://schemas.openxmlformats.org/officeDocument/2006/relationships" xmlns:p="http://schemas.openxmlformats.org/presentationml/2006/main" show="0">
   <p:cSld>
     <p:spTree>
@@ -21396,7 +22290,7 @@
           <a:p>
             <a:fld id="{73EBA5C1-EA0D-4D38-B474-3131B775EA3E}" type="slidenum">
               <a:rPr lang="pl-PL" smtClean="0"/>
-              <a:t>22</a:t>
+              <a:t>23</a:t>
             </a:fld>
             <a:endParaRPr lang="pl-PL"/>
           </a:p>
@@ -21415,7 +22309,7 @@
 </p:sld>
 </file>
 
-<file path=ppt/slides/slide23.xml><?xml version="1.0" encoding="utf-8"?>
+<file path=ppt/slides/slide24.xml><?xml version="1.0" encoding="utf-8"?>
 <p:sld xmlns:a="http://schemas.openxmlformats.org/drawingml/2006/main" xmlns:r="http://schemas.openxmlformats.org/officeDocument/2006/relationships" xmlns:p="http://schemas.openxmlformats.org/presentationml/2006/main">
   <p:cSld>
     <p:spTree>
@@ -21691,7 +22585,7 @@
           <a:p>
             <a:fld id="{73EBA5C1-EA0D-4D38-B474-3131B775EA3E}" type="slidenum">
               <a:rPr lang="pl-PL" smtClean="0"/>
-              <a:t>23</a:t>
+              <a:t>24</a:t>
             </a:fld>
             <a:endParaRPr lang="pl-PL"/>
           </a:p>
@@ -21710,7 +22604,7 @@
 </p:sld>
 </file>
 
-<file path=ppt/slides/slide24.xml><?xml version="1.0" encoding="utf-8"?>
+<file path=ppt/slides/slide25.xml><?xml version="1.0" encoding="utf-8"?>
 <p:sld xmlns:a="http://schemas.openxmlformats.org/drawingml/2006/main" xmlns:r="http://schemas.openxmlformats.org/officeDocument/2006/relationships" xmlns:p="http://schemas.openxmlformats.org/presentationml/2006/main" show="0">
   <p:cSld>
     <p:spTree>
@@ -21852,7 +22746,7 @@
           <a:p>
             <a:fld id="{73EBA5C1-EA0D-4D38-B474-3131B775EA3E}" type="slidenum">
               <a:rPr lang="pl-PL" smtClean="0"/>
-              <a:t>24</a:t>
+              <a:t>25</a:t>
             </a:fld>
             <a:endParaRPr lang="pl-PL"/>
           </a:p>
@@ -21862,164 +22756,6 @@
     <p:extLst>
       <p:ext uri="{BB962C8B-B14F-4D97-AF65-F5344CB8AC3E}">
         <p14:creationId xmlns:p14="http://schemas.microsoft.com/office/powerpoint/2010/main" val="2098505598"/>
-      </p:ext>
-    </p:extLst>
-  </p:cSld>
-  <p:clrMapOvr>
-    <a:masterClrMapping/>
-  </p:clrMapOvr>
-</p:sld>
-</file>
-
-<file path=ppt/slides/slide25.xml><?xml version="1.0" encoding="utf-8"?>
-<p:sld xmlns:a="http://schemas.openxmlformats.org/drawingml/2006/main" xmlns:r="http://schemas.openxmlformats.org/officeDocument/2006/relationships" xmlns:p="http://schemas.openxmlformats.org/presentationml/2006/main">
-  <p:cSld>
-    <p:spTree>
-      <p:nvGrpSpPr>
-        <p:cNvPr id="1" name=""/>
-        <p:cNvGrpSpPr/>
-        <p:nvPr/>
-      </p:nvGrpSpPr>
-      <p:grpSpPr>
-        <a:xfrm>
-          <a:off x="0" y="0"/>
-          <a:ext cx="0" cy="0"/>
-          <a:chOff x="0" y="0"/>
-          <a:chExt cx="0" cy="0"/>
-        </a:xfrm>
-      </p:grpSpPr>
-      <p:sp>
-        <p:nvSpPr>
-          <p:cNvPr id="2" name="Tytuł 1">
-            <a:extLst>
-              <a:ext uri="{FF2B5EF4-FFF2-40B4-BE49-F238E27FC236}">
-                <a16:creationId xmlns:a16="http://schemas.microsoft.com/office/drawing/2014/main" id="{F08C4F8C-0CCE-4438-BC0A-1EA68054DF91}"/>
-              </a:ext>
-            </a:extLst>
-          </p:cNvPr>
-          <p:cNvSpPr>
-            <a:spLocks noGrp="1"/>
-          </p:cNvSpPr>
-          <p:nvPr>
-            <p:ph type="title"/>
-          </p:nvPr>
-        </p:nvSpPr>
-        <p:spPr/>
-        <p:txBody>
-          <a:bodyPr/>
-          <a:lstStyle/>
-          <a:p>
-            <a:r>
-              <a:rPr lang="pl-PL" dirty="0"/>
-              <a:t>Koszt maszyn i materiału (ofertowy)</a:t>
-            </a:r>
-          </a:p>
-        </p:txBody>
-      </p:sp>
-      <p:pic>
-        <p:nvPicPr>
-          <p:cNvPr id="11" name="Symbol zastępczy zawartości 10">
-            <a:extLst>
-              <a:ext uri="{FF2B5EF4-FFF2-40B4-BE49-F238E27FC236}">
-                <a16:creationId xmlns:a16="http://schemas.microsoft.com/office/drawing/2014/main" id="{59C5ECD3-8411-4A88-8AC1-DD99EBBB8956}"/>
-              </a:ext>
-            </a:extLst>
-          </p:cNvPr>
-          <p:cNvPicPr>
-            <a:picLocks noGrp="1" noChangeAspect="1"/>
-          </p:cNvPicPr>
-          <p:nvPr>
-            <p:ph idx="1"/>
-          </p:nvPr>
-        </p:nvPicPr>
-        <p:blipFill>
-          <a:blip r:embed="rId2">
-            <a:extLst>
-              <a:ext uri="{28A0092B-C50C-407E-A947-70E740481C1C}">
-                <a14:useLocalDpi xmlns:a14="http://schemas.microsoft.com/office/drawing/2010/main" val="0"/>
-              </a:ext>
-            </a:extLst>
-          </a:blip>
-          <a:stretch>
-            <a:fillRect/>
-          </a:stretch>
-        </p:blipFill>
-        <p:spPr>
-          <a:xfrm>
-            <a:off x="297164" y="2150187"/>
-            <a:ext cx="4730731" cy="4577184"/>
-          </a:xfrm>
-        </p:spPr>
-      </p:pic>
-      <p:pic>
-        <p:nvPicPr>
-          <p:cNvPr id="13" name="Obraz 12">
-            <a:extLst>
-              <a:ext uri="{FF2B5EF4-FFF2-40B4-BE49-F238E27FC236}">
-                <a16:creationId xmlns:a16="http://schemas.microsoft.com/office/drawing/2014/main" id="{471B58F1-0D07-4B88-B366-9C15C75AF018}"/>
-              </a:ext>
-            </a:extLst>
-          </p:cNvPr>
-          <p:cNvPicPr>
-            <a:picLocks noChangeAspect="1"/>
-          </p:cNvPicPr>
-          <p:nvPr/>
-        </p:nvPicPr>
-        <p:blipFill>
-          <a:blip r:embed="rId3">
-            <a:extLst>
-              <a:ext uri="{28A0092B-C50C-407E-A947-70E740481C1C}">
-                <a14:useLocalDpi xmlns:a14="http://schemas.microsoft.com/office/drawing/2010/main" val="0"/>
-              </a:ext>
-            </a:extLst>
-          </a:blip>
-          <a:stretch>
-            <a:fillRect/>
-          </a:stretch>
-        </p:blipFill>
-        <p:spPr>
-          <a:xfrm>
-            <a:off x="5880553" y="2084872"/>
-            <a:ext cx="4730731" cy="4707813"/>
-          </a:xfrm>
-          <a:prstGeom prst="rect">
-            <a:avLst/>
-          </a:prstGeom>
-        </p:spPr>
-      </p:pic>
-      <p:sp>
-        <p:nvSpPr>
-          <p:cNvPr id="3" name="Symbol zastępczy numeru slajdu 2">
-            <a:extLst>
-              <a:ext uri="{FF2B5EF4-FFF2-40B4-BE49-F238E27FC236}">
-                <a16:creationId xmlns:a16="http://schemas.microsoft.com/office/drawing/2014/main" id="{8C2C7C42-C3C8-4B0F-9B70-6967BEC940F4}"/>
-              </a:ext>
-            </a:extLst>
-          </p:cNvPr>
-          <p:cNvSpPr>
-            <a:spLocks noGrp="1"/>
-          </p:cNvSpPr>
-          <p:nvPr>
-            <p:ph type="sldNum" sz="quarter" idx="12"/>
-          </p:nvPr>
-        </p:nvSpPr>
-        <p:spPr/>
-        <p:txBody>
-          <a:bodyPr/>
-          <a:lstStyle/>
-          <a:p>
-            <a:fld id="{73EBA5C1-EA0D-4D38-B474-3131B775EA3E}" type="slidenum">
-              <a:rPr lang="pl-PL" smtClean="0"/>
-              <a:t>25</a:t>
-            </a:fld>
-            <a:endParaRPr lang="pl-PL"/>
-          </a:p>
-        </p:txBody>
-      </p:sp>
-    </p:spTree>
-    <p:extLst>
-      <p:ext uri="{BB962C8B-B14F-4D97-AF65-F5344CB8AC3E}">
-        <p14:creationId xmlns:p14="http://schemas.microsoft.com/office/powerpoint/2010/main" val="86218617"/>
       </p:ext>
     </p:extLst>
   </p:cSld>
@@ -22051,7 +22787,7 @@
           <p:cNvPr id="2" name="Tytuł 1">
             <a:extLst>
               <a:ext uri="{FF2B5EF4-FFF2-40B4-BE49-F238E27FC236}">
-                <a16:creationId xmlns:a16="http://schemas.microsoft.com/office/drawing/2014/main" id="{5FCAE84B-26D9-4F60-A2DA-5426E980D0E4}"/>
+                <a16:creationId xmlns:a16="http://schemas.microsoft.com/office/drawing/2014/main" id="{F08C4F8C-0CCE-4438-BC0A-1EA68054DF91}"/>
               </a:ext>
             </a:extLst>
           </p:cNvPr>
@@ -22062,29 +22798,24 @@
             <p:ph type="title"/>
           </p:nvPr>
         </p:nvSpPr>
-        <p:spPr>
-          <a:xfrm>
-            <a:off x="680321" y="753228"/>
-            <a:ext cx="4087621" cy="1080938"/>
-          </a:xfrm>
-        </p:spPr>
+        <p:spPr/>
         <p:txBody>
           <a:bodyPr/>
           <a:lstStyle/>
           <a:p>
             <a:r>
               <a:rPr lang="pl-PL" dirty="0"/>
-              <a:t>Koszt pracownika</a:t>
+              <a:t>Koszt maszyn i materiału (ofertowy)</a:t>
             </a:r>
           </a:p>
         </p:txBody>
       </p:sp>
       <p:pic>
         <p:nvPicPr>
-          <p:cNvPr id="5" name="Symbol zastępczy zawartości 4">
+          <p:cNvPr id="11" name="Symbol zastępczy zawartości 10">
             <a:extLst>
               <a:ext uri="{FF2B5EF4-FFF2-40B4-BE49-F238E27FC236}">
-                <a16:creationId xmlns:a16="http://schemas.microsoft.com/office/drawing/2014/main" id="{F2F28879-F122-4D8D-AA50-A01600A174CE}"/>
+                <a16:creationId xmlns:a16="http://schemas.microsoft.com/office/drawing/2014/main" id="{59C5ECD3-8411-4A88-8AC1-DD99EBBB8956}"/>
               </a:ext>
             </a:extLst>
           </p:cNvPr>
@@ -22109,17 +22840,17 @@
         </p:blipFill>
         <p:spPr>
           <a:xfrm>
-            <a:off x="554831" y="2187510"/>
-            <a:ext cx="4213111" cy="4496288"/>
+            <a:off x="297164" y="2150187"/>
+            <a:ext cx="4730731" cy="4577184"/>
           </a:xfrm>
         </p:spPr>
       </p:pic>
       <p:pic>
         <p:nvPicPr>
-          <p:cNvPr id="7" name="Obraz 6">
+          <p:cNvPr id="13" name="Obraz 12">
             <a:extLst>
               <a:ext uri="{FF2B5EF4-FFF2-40B4-BE49-F238E27FC236}">
-                <a16:creationId xmlns:a16="http://schemas.microsoft.com/office/drawing/2014/main" id="{88640276-1F32-49E2-8217-5D661E013302}"/>
+                <a16:creationId xmlns:a16="http://schemas.microsoft.com/office/drawing/2014/main" id="{471B58F1-0D07-4B88-B366-9C15C75AF018}"/>
               </a:ext>
             </a:extLst>
           </p:cNvPr>
@@ -22142,8 +22873,8 @@
         </p:blipFill>
         <p:spPr>
           <a:xfrm>
-            <a:off x="6307493" y="2052735"/>
-            <a:ext cx="3660117" cy="4631063"/>
+            <a:off x="5880553" y="2084872"/>
+            <a:ext cx="4730731" cy="4707813"/>
           </a:xfrm>
           <a:prstGeom prst="rect">
             <a:avLst/>
@@ -22152,64 +22883,10 @@
       </p:pic>
       <p:sp>
         <p:nvSpPr>
-          <p:cNvPr id="8" name="Tytuł 1">
-            <a:extLst>
-              <a:ext uri="{FF2B5EF4-FFF2-40B4-BE49-F238E27FC236}">
-                <a16:creationId xmlns:a16="http://schemas.microsoft.com/office/drawing/2014/main" id="{D038107F-B050-40A6-AB56-7EF2B505D9F7}"/>
-              </a:ext>
-            </a:extLst>
-          </p:cNvPr>
-          <p:cNvSpPr txBox="1">
-            <a:spLocks/>
-          </p:cNvSpPr>
-          <p:nvPr/>
-        </p:nvSpPr>
-        <p:spPr>
-          <a:xfrm>
-            <a:off x="6216485" y="753228"/>
-            <a:ext cx="4087621" cy="1080938"/>
-          </a:xfrm>
-          <a:prstGeom prst="rect">
-            <a:avLst/>
-          </a:prstGeom>
-        </p:spPr>
-        <p:txBody>
-          <a:bodyPr vert="horz" lIns="91440" tIns="45720" rIns="91440" bIns="45720" rtlCol="0" anchor="ctr">
-            <a:normAutofit/>
-          </a:bodyPr>
-          <a:lstStyle>
-            <a:lvl1pPr algn="l" defTabSz="914400" rtl="0" eaLnBrk="1" latinLnBrk="0" hangingPunct="1">
-              <a:lnSpc>
-                <a:spcPct val="90000"/>
-              </a:lnSpc>
-              <a:spcBef>
-                <a:spcPct val="0"/>
-              </a:spcBef>
-              <a:buNone/>
-              <a:defRPr sz="3600" kern="1200">
-                <a:solidFill>
-                  <a:schemeClr val="tx1"/>
-                </a:solidFill>
-                <a:latin typeface="+mj-lt"/>
-                <a:ea typeface="+mj-ea"/>
-                <a:cs typeface="+mj-cs"/>
-              </a:defRPr>
-            </a:lvl1pPr>
-          </a:lstStyle>
-          <a:p>
-            <a:r>
-              <a:rPr lang="pl-PL" dirty="0"/>
-              <a:t>Kosztorys ofertowy</a:t>
-            </a:r>
-          </a:p>
-        </p:txBody>
-      </p:sp>
-      <p:sp>
-        <p:nvSpPr>
           <p:cNvPr id="3" name="Symbol zastępczy numeru slajdu 2">
             <a:extLst>
               <a:ext uri="{FF2B5EF4-FFF2-40B4-BE49-F238E27FC236}">
-                <a16:creationId xmlns:a16="http://schemas.microsoft.com/office/drawing/2014/main" id="{B6A6ACAD-FF9C-4C72-AEE1-752968C4CA28}"/>
+                <a16:creationId xmlns:a16="http://schemas.microsoft.com/office/drawing/2014/main" id="{8C2C7C42-C3C8-4B0F-9B70-6967BEC940F4}"/>
               </a:ext>
             </a:extLst>
           </p:cNvPr>
@@ -22236,7 +22913,7 @@
     </p:spTree>
     <p:extLst>
       <p:ext uri="{BB962C8B-B14F-4D97-AF65-F5344CB8AC3E}">
-        <p14:creationId xmlns:p14="http://schemas.microsoft.com/office/powerpoint/2010/main" val="1076711829"/>
+        <p14:creationId xmlns:p14="http://schemas.microsoft.com/office/powerpoint/2010/main" val="86218617"/>
       </p:ext>
     </p:extLst>
   </p:cSld>
@@ -22268,7 +22945,7 @@
           <p:cNvPr id="2" name="Tytuł 1">
             <a:extLst>
               <a:ext uri="{FF2B5EF4-FFF2-40B4-BE49-F238E27FC236}">
-                <a16:creationId xmlns:a16="http://schemas.microsoft.com/office/drawing/2014/main" id="{B5A9FDC3-8BB5-4F7D-B15D-D49036E8B298}"/>
+                <a16:creationId xmlns:a16="http://schemas.microsoft.com/office/drawing/2014/main" id="{5FCAE84B-26D9-4F60-A2DA-5426E980D0E4}"/>
               </a:ext>
             </a:extLst>
           </p:cNvPr>
@@ -22279,14 +22956,19 @@
             <p:ph type="title"/>
           </p:nvPr>
         </p:nvSpPr>
-        <p:spPr/>
+        <p:spPr>
+          <a:xfrm>
+            <a:off x="680321" y="753228"/>
+            <a:ext cx="4087621" cy="1080938"/>
+          </a:xfrm>
+        </p:spPr>
         <p:txBody>
           <a:bodyPr/>
           <a:lstStyle/>
           <a:p>
             <a:r>
               <a:rPr lang="pl-PL" dirty="0"/>
-              <a:t>Koszt maszyn i materiału (powykonawczy)</a:t>
+              <a:t>Koszt pracownika</a:t>
             </a:r>
           </a:p>
         </p:txBody>
@@ -22296,7 +22978,7 @@
           <p:cNvPr id="5" name="Symbol zastępczy zawartości 4">
             <a:extLst>
               <a:ext uri="{FF2B5EF4-FFF2-40B4-BE49-F238E27FC236}">
-                <a16:creationId xmlns:a16="http://schemas.microsoft.com/office/drawing/2014/main" id="{1C05DDA2-2D60-4718-BD46-5E5C01EF7770}"/>
+                <a16:creationId xmlns:a16="http://schemas.microsoft.com/office/drawing/2014/main" id="{F2F28879-F122-4D8D-AA50-A01600A174CE}"/>
               </a:ext>
             </a:extLst>
           </p:cNvPr>
@@ -22321,8 +23003,8 @@
         </p:blipFill>
         <p:spPr>
           <a:xfrm>
-            <a:off x="680321" y="2196840"/>
-            <a:ext cx="4603481" cy="4319230"/>
+            <a:off x="554831" y="2187510"/>
+            <a:ext cx="4213111" cy="4496288"/>
           </a:xfrm>
         </p:spPr>
       </p:pic>
@@ -22331,7 +23013,7 @@
           <p:cNvPr id="7" name="Obraz 6">
             <a:extLst>
               <a:ext uri="{FF2B5EF4-FFF2-40B4-BE49-F238E27FC236}">
-                <a16:creationId xmlns:a16="http://schemas.microsoft.com/office/drawing/2014/main" id="{47CF0CC5-D76A-433C-B476-27DF65305C80}"/>
+                <a16:creationId xmlns:a16="http://schemas.microsoft.com/office/drawing/2014/main" id="{88640276-1F32-49E2-8217-5D661E013302}"/>
               </a:ext>
             </a:extLst>
           </p:cNvPr>
@@ -22354,8 +23036,8 @@
         </p:blipFill>
         <p:spPr>
           <a:xfrm>
-            <a:off x="6217817" y="2093817"/>
-            <a:ext cx="4243216" cy="4603290"/>
+            <a:off x="6307493" y="2052735"/>
+            <a:ext cx="3660117" cy="4631063"/>
           </a:xfrm>
           <a:prstGeom prst="rect">
             <a:avLst/>
@@ -22364,10 +23046,64 @@
       </p:pic>
       <p:sp>
         <p:nvSpPr>
+          <p:cNvPr id="8" name="Tytuł 1">
+            <a:extLst>
+              <a:ext uri="{FF2B5EF4-FFF2-40B4-BE49-F238E27FC236}">
+                <a16:creationId xmlns:a16="http://schemas.microsoft.com/office/drawing/2014/main" id="{D038107F-B050-40A6-AB56-7EF2B505D9F7}"/>
+              </a:ext>
+            </a:extLst>
+          </p:cNvPr>
+          <p:cNvSpPr txBox="1">
+            <a:spLocks/>
+          </p:cNvSpPr>
+          <p:nvPr/>
+        </p:nvSpPr>
+        <p:spPr>
+          <a:xfrm>
+            <a:off x="6216485" y="753228"/>
+            <a:ext cx="4087621" cy="1080938"/>
+          </a:xfrm>
+          <a:prstGeom prst="rect">
+            <a:avLst/>
+          </a:prstGeom>
+        </p:spPr>
+        <p:txBody>
+          <a:bodyPr vert="horz" lIns="91440" tIns="45720" rIns="91440" bIns="45720" rtlCol="0" anchor="ctr">
+            <a:normAutofit/>
+          </a:bodyPr>
+          <a:lstStyle>
+            <a:lvl1pPr algn="l" defTabSz="914400" rtl="0" eaLnBrk="1" latinLnBrk="0" hangingPunct="1">
+              <a:lnSpc>
+                <a:spcPct val="90000"/>
+              </a:lnSpc>
+              <a:spcBef>
+                <a:spcPct val="0"/>
+              </a:spcBef>
+              <a:buNone/>
+              <a:defRPr sz="3600" kern="1200">
+                <a:solidFill>
+                  <a:schemeClr val="tx1"/>
+                </a:solidFill>
+                <a:latin typeface="+mj-lt"/>
+                <a:ea typeface="+mj-ea"/>
+                <a:cs typeface="+mj-cs"/>
+              </a:defRPr>
+            </a:lvl1pPr>
+          </a:lstStyle>
+          <a:p>
+            <a:r>
+              <a:rPr lang="pl-PL" dirty="0"/>
+              <a:t>Kosztorys ofertowy</a:t>
+            </a:r>
+          </a:p>
+        </p:txBody>
+      </p:sp>
+      <p:sp>
+        <p:nvSpPr>
           <p:cNvPr id="3" name="Symbol zastępczy numeru slajdu 2">
             <a:extLst>
               <a:ext uri="{FF2B5EF4-FFF2-40B4-BE49-F238E27FC236}">
-                <a16:creationId xmlns:a16="http://schemas.microsoft.com/office/drawing/2014/main" id="{7485CBDF-47FC-4483-AD93-93C47AAB5FAF}"/>
+                <a16:creationId xmlns:a16="http://schemas.microsoft.com/office/drawing/2014/main" id="{B6A6ACAD-FF9C-4C72-AEE1-752968C4CA28}"/>
               </a:ext>
             </a:extLst>
           </p:cNvPr>
@@ -22394,7 +23130,7 @@
     </p:spTree>
     <p:extLst>
       <p:ext uri="{BB962C8B-B14F-4D97-AF65-F5344CB8AC3E}">
-        <p14:creationId xmlns:p14="http://schemas.microsoft.com/office/powerpoint/2010/main" val="1422059949"/>
+        <p14:creationId xmlns:p14="http://schemas.microsoft.com/office/powerpoint/2010/main" val="1076711829"/>
       </p:ext>
     </p:extLst>
   </p:cSld>
@@ -22426,6 +23162,164 @@
           <p:cNvPr id="2" name="Tytuł 1">
             <a:extLst>
               <a:ext uri="{FF2B5EF4-FFF2-40B4-BE49-F238E27FC236}">
+                <a16:creationId xmlns:a16="http://schemas.microsoft.com/office/drawing/2014/main" id="{B5A9FDC3-8BB5-4F7D-B15D-D49036E8B298}"/>
+              </a:ext>
+            </a:extLst>
+          </p:cNvPr>
+          <p:cNvSpPr>
+            <a:spLocks noGrp="1"/>
+          </p:cNvSpPr>
+          <p:nvPr>
+            <p:ph type="title"/>
+          </p:nvPr>
+        </p:nvSpPr>
+        <p:spPr/>
+        <p:txBody>
+          <a:bodyPr/>
+          <a:lstStyle/>
+          <a:p>
+            <a:r>
+              <a:rPr lang="pl-PL" dirty="0"/>
+              <a:t>Koszt maszyn i materiału (powykonawczy)</a:t>
+            </a:r>
+          </a:p>
+        </p:txBody>
+      </p:sp>
+      <p:pic>
+        <p:nvPicPr>
+          <p:cNvPr id="5" name="Symbol zastępczy zawartości 4">
+            <a:extLst>
+              <a:ext uri="{FF2B5EF4-FFF2-40B4-BE49-F238E27FC236}">
+                <a16:creationId xmlns:a16="http://schemas.microsoft.com/office/drawing/2014/main" id="{1C05DDA2-2D60-4718-BD46-5E5C01EF7770}"/>
+              </a:ext>
+            </a:extLst>
+          </p:cNvPr>
+          <p:cNvPicPr>
+            <a:picLocks noGrp="1" noChangeAspect="1"/>
+          </p:cNvPicPr>
+          <p:nvPr>
+            <p:ph idx="1"/>
+          </p:nvPr>
+        </p:nvPicPr>
+        <p:blipFill>
+          <a:blip r:embed="rId2">
+            <a:extLst>
+              <a:ext uri="{28A0092B-C50C-407E-A947-70E740481C1C}">
+                <a14:useLocalDpi xmlns:a14="http://schemas.microsoft.com/office/drawing/2010/main" val="0"/>
+              </a:ext>
+            </a:extLst>
+          </a:blip>
+          <a:stretch>
+            <a:fillRect/>
+          </a:stretch>
+        </p:blipFill>
+        <p:spPr>
+          <a:xfrm>
+            <a:off x="680321" y="2196840"/>
+            <a:ext cx="4603481" cy="4319230"/>
+          </a:xfrm>
+        </p:spPr>
+      </p:pic>
+      <p:pic>
+        <p:nvPicPr>
+          <p:cNvPr id="7" name="Obraz 6">
+            <a:extLst>
+              <a:ext uri="{FF2B5EF4-FFF2-40B4-BE49-F238E27FC236}">
+                <a16:creationId xmlns:a16="http://schemas.microsoft.com/office/drawing/2014/main" id="{47CF0CC5-D76A-433C-B476-27DF65305C80}"/>
+              </a:ext>
+            </a:extLst>
+          </p:cNvPr>
+          <p:cNvPicPr>
+            <a:picLocks noChangeAspect="1"/>
+          </p:cNvPicPr>
+          <p:nvPr/>
+        </p:nvPicPr>
+        <p:blipFill>
+          <a:blip r:embed="rId3">
+            <a:extLst>
+              <a:ext uri="{28A0092B-C50C-407E-A947-70E740481C1C}">
+                <a14:useLocalDpi xmlns:a14="http://schemas.microsoft.com/office/drawing/2010/main" val="0"/>
+              </a:ext>
+            </a:extLst>
+          </a:blip>
+          <a:stretch>
+            <a:fillRect/>
+          </a:stretch>
+        </p:blipFill>
+        <p:spPr>
+          <a:xfrm>
+            <a:off x="6217817" y="2093817"/>
+            <a:ext cx="4243216" cy="4603290"/>
+          </a:xfrm>
+          <a:prstGeom prst="rect">
+            <a:avLst/>
+          </a:prstGeom>
+        </p:spPr>
+      </p:pic>
+      <p:sp>
+        <p:nvSpPr>
+          <p:cNvPr id="3" name="Symbol zastępczy numeru slajdu 2">
+            <a:extLst>
+              <a:ext uri="{FF2B5EF4-FFF2-40B4-BE49-F238E27FC236}">
+                <a16:creationId xmlns:a16="http://schemas.microsoft.com/office/drawing/2014/main" id="{7485CBDF-47FC-4483-AD93-93C47AAB5FAF}"/>
+              </a:ext>
+            </a:extLst>
+          </p:cNvPr>
+          <p:cNvSpPr>
+            <a:spLocks noGrp="1"/>
+          </p:cNvSpPr>
+          <p:nvPr>
+            <p:ph type="sldNum" sz="quarter" idx="12"/>
+          </p:nvPr>
+        </p:nvSpPr>
+        <p:spPr/>
+        <p:txBody>
+          <a:bodyPr/>
+          <a:lstStyle/>
+          <a:p>
+            <a:fld id="{73EBA5C1-EA0D-4D38-B474-3131B775EA3E}" type="slidenum">
+              <a:rPr lang="pl-PL" smtClean="0"/>
+              <a:t>28</a:t>
+            </a:fld>
+            <a:endParaRPr lang="pl-PL"/>
+          </a:p>
+        </p:txBody>
+      </p:sp>
+    </p:spTree>
+    <p:extLst>
+      <p:ext uri="{BB962C8B-B14F-4D97-AF65-F5344CB8AC3E}">
+        <p14:creationId xmlns:p14="http://schemas.microsoft.com/office/powerpoint/2010/main" val="1422059949"/>
+      </p:ext>
+    </p:extLst>
+  </p:cSld>
+  <p:clrMapOvr>
+    <a:masterClrMapping/>
+  </p:clrMapOvr>
+</p:sld>
+</file>
+
+<file path=ppt/slides/slide29.xml><?xml version="1.0" encoding="utf-8"?>
+<p:sld xmlns:a="http://schemas.openxmlformats.org/drawingml/2006/main" xmlns:r="http://schemas.openxmlformats.org/officeDocument/2006/relationships" xmlns:p="http://schemas.openxmlformats.org/presentationml/2006/main">
+  <p:cSld>
+    <p:spTree>
+      <p:nvGrpSpPr>
+        <p:cNvPr id="1" name=""/>
+        <p:cNvGrpSpPr/>
+        <p:nvPr/>
+      </p:nvGrpSpPr>
+      <p:grpSpPr>
+        <a:xfrm>
+          <a:off x="0" y="0"/>
+          <a:ext cx="0" cy="0"/>
+          <a:chOff x="0" y="0"/>
+          <a:chExt cx="0" cy="0"/>
+        </a:xfrm>
+      </p:grpSpPr>
+      <p:sp>
+        <p:nvSpPr>
+          <p:cNvPr id="2" name="Tytuł 1">
+            <a:extLst>
+              <a:ext uri="{FF2B5EF4-FFF2-40B4-BE49-F238E27FC236}">
                 <a16:creationId xmlns:a16="http://schemas.microsoft.com/office/drawing/2014/main" id="{8DE451F8-69C1-4603-AAD5-C9DFBEFE01BE}"/>
               </a:ext>
             </a:extLst>
@@ -22602,7 +23496,7 @@
           <a:p>
             <a:fld id="{73EBA5C1-EA0D-4D38-B474-3131B775EA3E}" type="slidenum">
               <a:rPr lang="pl-PL" smtClean="0"/>
-              <a:t>28</a:t>
+              <a:t>29</a:t>
             </a:fld>
             <a:endParaRPr lang="pl-PL"/>
           </a:p>
@@ -22621,747 +23515,8 @@
 </p:sld>
 </file>
 
-<file path=ppt/slides/slide29.xml><?xml version="1.0" encoding="utf-8"?>
-<p:sld xmlns:a="http://schemas.openxmlformats.org/drawingml/2006/main" xmlns:r="http://schemas.openxmlformats.org/officeDocument/2006/relationships" xmlns:p="http://schemas.openxmlformats.org/presentationml/2006/main">
-  <p:cSld>
-    <p:bg>
-      <p:bgPr>
-        <a:gradFill rotWithShape="1">
-          <a:gsLst>
-            <a:gs pos="0">
-              <a:schemeClr val="bg2">
-                <a:tint val="96000"/>
-                <a:shade val="100000"/>
-                <a:hueMod val="270000"/>
-                <a:satMod val="200000"/>
-                <a:lumMod val="128000"/>
-              </a:schemeClr>
-            </a:gs>
-            <a:gs pos="50000">
-              <a:schemeClr val="bg2">
-                <a:shade val="100000"/>
-                <a:hueMod val="100000"/>
-                <a:satMod val="110000"/>
-                <a:lumMod val="130000"/>
-              </a:schemeClr>
-            </a:gs>
-            <a:gs pos="100000">
-              <a:schemeClr val="bg2">
-                <a:shade val="78000"/>
-                <a:hueMod val="44000"/>
-                <a:satMod val="200000"/>
-                <a:lumMod val="69000"/>
-              </a:schemeClr>
-            </a:gs>
-          </a:gsLst>
-          <a:lin ang="2520000" scaled="0"/>
-        </a:gradFill>
-        <a:effectLst/>
-      </p:bgPr>
-    </p:bg>
-    <p:spTree>
-      <p:nvGrpSpPr>
-        <p:cNvPr id="1" name=""/>
-        <p:cNvGrpSpPr/>
-        <p:nvPr/>
-      </p:nvGrpSpPr>
-      <p:grpSpPr>
-        <a:xfrm>
-          <a:off x="0" y="0"/>
-          <a:ext cx="0" cy="0"/>
-          <a:chOff x="0" y="0"/>
-          <a:chExt cx="0" cy="0"/>
-        </a:xfrm>
-      </p:grpSpPr>
-      <p:pic>
-        <p:nvPicPr>
-          <p:cNvPr id="11" name="Picture 10">
-            <a:extLst>
-              <a:ext uri="{FF2B5EF4-FFF2-40B4-BE49-F238E27FC236}">
-                <a16:creationId xmlns:a16="http://schemas.microsoft.com/office/drawing/2014/main" id="{5321D838-2C7E-4177-9DD3-DAC78324A2B2}"/>
-              </a:ext>
-              <a:ext uri="{C183D7F6-B498-43B3-948B-1728B52AA6E4}">
-                <adec:decorative xmlns:adec="http://schemas.microsoft.com/office/drawing/2017/decorative" val="1"/>
-              </a:ext>
-            </a:extLst>
-          </p:cNvPr>
-          <p:cNvPicPr>
-            <a:picLocks noGrp="1" noRot="1" noChangeAspect="1" noMove="1" noResize="1" noEditPoints="1" noAdjustHandles="1" noChangeArrowheads="1" noChangeShapeType="1" noCrop="1"/>
-          </p:cNvPicPr>
-          <p:nvPr>
-            <p:extLst>
-              <p:ext uri="{386F3935-93C4-4BCD-93E2-E3B085C9AB24}">
-                <p16:designElem xmlns:p16="http://schemas.microsoft.com/office/powerpoint/2015/main" val="1"/>
-              </p:ext>
-            </p:extLst>
-          </p:nvPr>
-        </p:nvPicPr>
-        <p:blipFill>
-          <a:blip r:embed="rId2">
-            <a:alphaModFix amt="10000"/>
-            <a:extLst>
-              <a:ext uri="{28A0092B-C50C-407E-A947-70E740481C1C}">
-                <a14:useLocalDpi xmlns:a14="http://schemas.microsoft.com/office/drawing/2010/main" val="0"/>
-              </a:ext>
-            </a:extLst>
-          </a:blip>
-          <a:stretch>
-            <a:fillRect/>
-          </a:stretch>
-        </p:blipFill>
-        <p:spPr>
-          <a:xfrm>
-            <a:off x="0" y="0"/>
-            <a:ext cx="12192000" cy="6858000"/>
-          </a:xfrm>
-          <a:prstGeom prst="rect">
-            <a:avLst/>
-          </a:prstGeom>
-        </p:spPr>
-      </p:pic>
-      <p:pic>
-        <p:nvPicPr>
-          <p:cNvPr id="13" name="Picture 12">
-            <a:extLst>
-              <a:ext uri="{FF2B5EF4-FFF2-40B4-BE49-F238E27FC236}">
-                <a16:creationId xmlns:a16="http://schemas.microsoft.com/office/drawing/2014/main" id="{0146E45C-1450-4186-B501-74F221F897A8}"/>
-              </a:ext>
-              <a:ext uri="{C183D7F6-B498-43B3-948B-1728B52AA6E4}">
-                <adec:decorative xmlns:adec="http://schemas.microsoft.com/office/drawing/2017/decorative" val="1"/>
-              </a:ext>
-            </a:extLst>
-          </p:cNvPr>
-          <p:cNvPicPr>
-            <a:picLocks noGrp="1" noRot="1" noChangeAspect="1" noMove="1" noResize="1" noEditPoints="1" noAdjustHandles="1" noChangeArrowheads="1" noChangeShapeType="1" noCrop="1"/>
-          </p:cNvPicPr>
-          <p:nvPr>
-            <p:extLst>
-              <p:ext uri="{386F3935-93C4-4BCD-93E2-E3B085C9AB24}">
-                <p16:designElem xmlns:p16="http://schemas.microsoft.com/office/powerpoint/2015/main" val="1"/>
-              </p:ext>
-            </p:extLst>
-          </p:nvPr>
-        </p:nvPicPr>
-        <p:blipFill>
-          <a:blip r:embed="rId3">
-            <a:extLst>
-              <a:ext uri="{28A0092B-C50C-407E-A947-70E740481C1C}">
-                <a14:useLocalDpi xmlns:a14="http://schemas.microsoft.com/office/drawing/2010/main" val="0"/>
-              </a:ext>
-            </a:extLst>
-          </a:blip>
-          <a:stretch>
-            <a:fillRect/>
-          </a:stretch>
-        </p:blipFill>
-        <p:spPr>
-          <a:xfrm>
-            <a:off x="1" y="4242851"/>
-            <a:ext cx="8968084" cy="275942"/>
-          </a:xfrm>
-          <a:prstGeom prst="rect">
-            <a:avLst/>
-          </a:prstGeom>
-        </p:spPr>
-      </p:pic>
-      <p:pic>
-        <p:nvPicPr>
-          <p:cNvPr id="15" name="Picture 14">
-            <a:extLst>
-              <a:ext uri="{FF2B5EF4-FFF2-40B4-BE49-F238E27FC236}">
-                <a16:creationId xmlns:a16="http://schemas.microsoft.com/office/drawing/2014/main" id="{EEDDA48B-BC04-4915-ADA3-A1A9522EB0D1}"/>
-              </a:ext>
-              <a:ext uri="{C183D7F6-B498-43B3-948B-1728B52AA6E4}">
-                <adec:decorative xmlns:adec="http://schemas.microsoft.com/office/drawing/2017/decorative" val="1"/>
-              </a:ext>
-            </a:extLst>
-          </p:cNvPr>
-          <p:cNvPicPr>
-            <a:picLocks noGrp="1" noRot="1" noChangeAspect="1" noMove="1" noResize="1" noEditPoints="1" noAdjustHandles="1" noChangeArrowheads="1" noChangeShapeType="1" noCrop="1"/>
-          </p:cNvPicPr>
-          <p:nvPr>
-            <p:extLst>
-              <p:ext uri="{386F3935-93C4-4BCD-93E2-E3B085C9AB24}">
-                <p16:designElem xmlns:p16="http://schemas.microsoft.com/office/powerpoint/2015/main" val="1"/>
-              </p:ext>
-            </p:extLst>
-          </p:nvPr>
-        </p:nvPicPr>
-        <p:blipFill>
-          <a:blip r:embed="rId4">
-            <a:extLst>
-              <a:ext uri="{28A0092B-C50C-407E-A947-70E740481C1C}">
-                <a14:useLocalDpi xmlns:a14="http://schemas.microsoft.com/office/drawing/2010/main" val="0"/>
-              </a:ext>
-            </a:extLst>
-          </a:blip>
-          <a:stretch>
-            <a:fillRect/>
-          </a:stretch>
-        </p:blipFill>
-        <p:spPr>
-          <a:xfrm>
-            <a:off x="9111716" y="4243845"/>
-            <a:ext cx="3077108" cy="276940"/>
-          </a:xfrm>
-          <a:prstGeom prst="rect">
-            <a:avLst/>
-          </a:prstGeom>
-        </p:spPr>
-      </p:pic>
-      <p:sp>
-        <p:nvSpPr>
-          <p:cNvPr id="17" name="Rectangle 16">
-            <a:extLst>
-              <a:ext uri="{FF2B5EF4-FFF2-40B4-BE49-F238E27FC236}">
-                <a16:creationId xmlns:a16="http://schemas.microsoft.com/office/drawing/2014/main" id="{78C9D07A-5A22-4E55-B18A-47CF07E5080D}"/>
-              </a:ext>
-              <a:ext uri="{C183D7F6-B498-43B3-948B-1728B52AA6E4}">
-                <adec:decorative xmlns:adec="http://schemas.microsoft.com/office/drawing/2017/decorative" val="1"/>
-              </a:ext>
-            </a:extLst>
-          </p:cNvPr>
-          <p:cNvSpPr>
-            <a:spLocks noGrp="1" noRot="1" noChangeAspect="1" noMove="1" noResize="1" noEditPoints="1" noAdjustHandles="1" noChangeArrowheads="1" noChangeShapeType="1" noTextEdit="1"/>
-          </p:cNvSpPr>
-          <p:nvPr>
-            <p:extLst>
-              <p:ext uri="{386F3935-93C4-4BCD-93E2-E3B085C9AB24}">
-                <p16:designElem xmlns:p16="http://schemas.microsoft.com/office/powerpoint/2015/main" val="1"/>
-              </p:ext>
-            </p:extLst>
-          </p:nvPr>
-        </p:nvSpPr>
-        <p:spPr>
-          <a:xfrm>
-            <a:off x="0" y="2590078"/>
-            <a:ext cx="8968085" cy="1660332"/>
-          </a:xfrm>
-          <a:prstGeom prst="rect">
-            <a:avLst/>
-          </a:prstGeom>
-          <a:solidFill>
-            <a:schemeClr val="bg1">
-              <a:lumMod val="85000"/>
-              <a:lumOff val="15000"/>
-            </a:schemeClr>
-          </a:solidFill>
-          <a:ln>
-            <a:noFill/>
-          </a:ln>
-        </p:spPr>
-        <p:style>
-          <a:lnRef idx="2">
-            <a:schemeClr val="accent1">
-              <a:shade val="50000"/>
-            </a:schemeClr>
-          </a:lnRef>
-          <a:fillRef idx="1">
-            <a:schemeClr val="accent1"/>
-          </a:fillRef>
-          <a:effectRef idx="0">
-            <a:schemeClr val="accent1"/>
-          </a:effectRef>
-          <a:fontRef idx="minor">
-            <a:schemeClr val="lt1"/>
-          </a:fontRef>
-        </p:style>
-      </p:sp>
-      <p:sp>
-        <p:nvSpPr>
-          <p:cNvPr id="19" name="Rectangle 18">
-            <a:extLst>
-              <a:ext uri="{FF2B5EF4-FFF2-40B4-BE49-F238E27FC236}">
-                <a16:creationId xmlns:a16="http://schemas.microsoft.com/office/drawing/2014/main" id="{3D71E629-0739-4A59-972B-A9E9A4500E31}"/>
-              </a:ext>
-              <a:ext uri="{C183D7F6-B498-43B3-948B-1728B52AA6E4}">
-                <adec:decorative xmlns:adec="http://schemas.microsoft.com/office/drawing/2017/decorative" val="1"/>
-              </a:ext>
-            </a:extLst>
-          </p:cNvPr>
-          <p:cNvSpPr>
-            <a:spLocks noGrp="1" noRot="1" noChangeAspect="1" noMove="1" noResize="1" noEditPoints="1" noAdjustHandles="1" noChangeArrowheads="1" noChangeShapeType="1" noTextEdit="1"/>
-          </p:cNvSpPr>
-          <p:nvPr>
-            <p:extLst>
-              <p:ext uri="{386F3935-93C4-4BCD-93E2-E3B085C9AB24}">
-                <p16:designElem xmlns:p16="http://schemas.microsoft.com/office/powerpoint/2015/main" val="1"/>
-              </p:ext>
-            </p:extLst>
-          </p:nvPr>
-        </p:nvSpPr>
-        <p:spPr>
-          <a:xfrm>
-            <a:off x="9111715" y="2590078"/>
-            <a:ext cx="3077109" cy="1660332"/>
-          </a:xfrm>
-          <a:prstGeom prst="rect">
-            <a:avLst/>
-          </a:prstGeom>
-          <a:solidFill>
-            <a:schemeClr val="accent1"/>
-          </a:solidFill>
-          <a:ln>
-            <a:noFill/>
-          </a:ln>
-        </p:spPr>
-        <p:style>
-          <a:lnRef idx="2">
-            <a:schemeClr val="accent1">
-              <a:shade val="50000"/>
-            </a:schemeClr>
-          </a:lnRef>
-          <a:fillRef idx="1">
-            <a:schemeClr val="accent1"/>
-          </a:fillRef>
-          <a:effectRef idx="0">
-            <a:schemeClr val="accent1"/>
-          </a:effectRef>
-          <a:fontRef idx="minor">
-            <a:schemeClr val="lt1"/>
-          </a:fontRef>
-        </p:style>
-      </p:sp>
-      <p:sp useBgFill="1">
-        <p:nvSpPr>
-          <p:cNvPr id="21" name="Rectangle 20">
-            <a:extLst>
-              <a:ext uri="{FF2B5EF4-FFF2-40B4-BE49-F238E27FC236}">
-                <a16:creationId xmlns:a16="http://schemas.microsoft.com/office/drawing/2014/main" id="{00573A24-AD84-4562-A993-7D04E1D18209}"/>
-              </a:ext>
-              <a:ext uri="{C183D7F6-B498-43B3-948B-1728B52AA6E4}">
-                <adec:decorative xmlns:adec="http://schemas.microsoft.com/office/drawing/2017/decorative" val="1"/>
-              </a:ext>
-            </a:extLst>
-          </p:cNvPr>
-          <p:cNvSpPr>
-            <a:spLocks noGrp="1" noRot="1" noChangeAspect="1" noMove="1" noResize="1" noEditPoints="1" noAdjustHandles="1" noChangeArrowheads="1" noChangeShapeType="1" noTextEdit="1"/>
-          </p:cNvSpPr>
-          <p:nvPr>
-            <p:extLst>
-              <p:ext uri="{386F3935-93C4-4BCD-93E2-E3B085C9AB24}">
-                <p16:designElem xmlns:p16="http://schemas.microsoft.com/office/powerpoint/2015/main" val="1"/>
-              </p:ext>
-            </p:extLst>
-          </p:nvPr>
-        </p:nvSpPr>
-        <p:spPr>
-          <a:xfrm>
-            <a:off x="0" y="0"/>
-            <a:ext cx="12188824" cy="6858000"/>
-          </a:xfrm>
-          <a:prstGeom prst="rect">
-            <a:avLst/>
-          </a:prstGeom>
-          <a:ln>
-            <a:noFill/>
-          </a:ln>
-        </p:spPr>
-        <p:style>
-          <a:lnRef idx="2">
-            <a:schemeClr val="accent1">
-              <a:shade val="50000"/>
-            </a:schemeClr>
-          </a:lnRef>
-          <a:fillRef idx="1">
-            <a:schemeClr val="accent1"/>
-          </a:fillRef>
-          <a:effectRef idx="0">
-            <a:schemeClr val="accent1"/>
-          </a:effectRef>
-          <a:fontRef idx="minor">
-            <a:schemeClr val="lt1"/>
-          </a:fontRef>
-        </p:style>
-        <p:txBody>
-          <a:bodyPr rtlCol="0" anchor="ctr"/>
-          <a:lstStyle/>
-          <a:p>
-            <a:pPr algn="ctr"/>
-            <a:endParaRPr lang="en-US"/>
-          </a:p>
-        </p:txBody>
-      </p:sp>
-      <p:pic>
-        <p:nvPicPr>
-          <p:cNvPr id="23" name="Picture 22">
-            <a:extLst>
-              <a:ext uri="{FF2B5EF4-FFF2-40B4-BE49-F238E27FC236}">
-                <a16:creationId xmlns:a16="http://schemas.microsoft.com/office/drawing/2014/main" id="{B3C087F8-F09C-4C07-B55F-6081689A2413}"/>
-              </a:ext>
-              <a:ext uri="{C183D7F6-B498-43B3-948B-1728B52AA6E4}">
-                <adec:decorative xmlns:adec="http://schemas.microsoft.com/office/drawing/2017/decorative" val="1"/>
-              </a:ext>
-            </a:extLst>
-          </p:cNvPr>
-          <p:cNvPicPr>
-            <a:picLocks noGrp="1" noRot="1" noChangeAspect="1" noMove="1" noResize="1" noEditPoints="1" noAdjustHandles="1" noChangeArrowheads="1" noChangeShapeType="1" noCrop="1"/>
-          </p:cNvPicPr>
-          <p:nvPr>
-            <p:extLst>
-              <p:ext uri="{386F3935-93C4-4BCD-93E2-E3B085C9AB24}">
-                <p16:designElem xmlns:p16="http://schemas.microsoft.com/office/powerpoint/2015/main" val="1"/>
-              </p:ext>
-            </p:extLst>
-          </p:nvPr>
-        </p:nvPicPr>
-        <p:blipFill>
-          <a:blip r:embed="rId2">
-            <a:alphaModFix amt="10000"/>
-            <a:extLst>
-              <a:ext uri="{28A0092B-C50C-407E-A947-70E740481C1C}">
-                <a14:useLocalDpi xmlns:a14="http://schemas.microsoft.com/office/drawing/2010/main" val="0"/>
-              </a:ext>
-            </a:extLst>
-          </a:blip>
-          <a:stretch>
-            <a:fillRect/>
-          </a:stretch>
-        </p:blipFill>
-        <p:spPr>
-          <a:xfrm>
-            <a:off x="0" y="0"/>
-            <a:ext cx="12192000" cy="6858000"/>
-          </a:xfrm>
-          <a:prstGeom prst="rect">
-            <a:avLst/>
-          </a:prstGeom>
-        </p:spPr>
-      </p:pic>
-      <p:sp>
-        <p:nvSpPr>
-          <p:cNvPr id="25" name="Rectangle 24">
-            <a:extLst>
-              <a:ext uri="{FF2B5EF4-FFF2-40B4-BE49-F238E27FC236}">
-                <a16:creationId xmlns:a16="http://schemas.microsoft.com/office/drawing/2014/main" id="{FC49D257-5737-4C0D-89EA-9C311AF2B8B5}"/>
-              </a:ext>
-              <a:ext uri="{C183D7F6-B498-43B3-948B-1728B52AA6E4}">
-                <adec:decorative xmlns:adec="http://schemas.microsoft.com/office/drawing/2017/decorative" val="1"/>
-              </a:ext>
-            </a:extLst>
-          </p:cNvPr>
-          <p:cNvSpPr>
-            <a:spLocks noGrp="1" noRot="1" noChangeAspect="1" noMove="1" noResize="1" noEditPoints="1" noAdjustHandles="1" noChangeArrowheads="1" noChangeShapeType="1" noTextEdit="1"/>
-          </p:cNvSpPr>
-          <p:nvPr>
-            <p:extLst>
-              <p:ext uri="{386F3935-93C4-4BCD-93E2-E3B085C9AB24}">
-                <p16:designElem xmlns:p16="http://schemas.microsoft.com/office/powerpoint/2015/main" val="1"/>
-              </p:ext>
-            </p:extLst>
-          </p:nvPr>
-        </p:nvSpPr>
-        <p:spPr>
-          <a:xfrm>
-            <a:off x="6099176" y="0"/>
-            <a:ext cx="6092824" cy="6858001"/>
-          </a:xfrm>
-          <a:prstGeom prst="rect">
-            <a:avLst/>
-          </a:prstGeom>
-          <a:ln>
-            <a:noFill/>
-          </a:ln>
-        </p:spPr>
-        <p:style>
-          <a:lnRef idx="2">
-            <a:schemeClr val="accent1">
-              <a:shade val="50000"/>
-            </a:schemeClr>
-          </a:lnRef>
-          <a:fillRef idx="1">
-            <a:schemeClr val="accent1"/>
-          </a:fillRef>
-          <a:effectRef idx="0">
-            <a:schemeClr val="accent1"/>
-          </a:effectRef>
-          <a:fontRef idx="minor">
-            <a:schemeClr val="lt1"/>
-          </a:fontRef>
-        </p:style>
-        <p:txBody>
-          <a:bodyPr rtlCol="0" anchor="ctr"/>
-          <a:lstStyle/>
-          <a:p>
-            <a:pPr algn="ctr"/>
-            <a:endParaRPr lang="en-US"/>
-          </a:p>
-        </p:txBody>
-      </p:sp>
-      <p:pic>
-        <p:nvPicPr>
-          <p:cNvPr id="27" name="Picture 26">
-            <a:extLst>
-              <a:ext uri="{FF2B5EF4-FFF2-40B4-BE49-F238E27FC236}">
-                <a16:creationId xmlns:a16="http://schemas.microsoft.com/office/drawing/2014/main" id="{E13D267A-94F5-488A-94C6-5D7156D9AF8C}"/>
-              </a:ext>
-              <a:ext uri="{C183D7F6-B498-43B3-948B-1728B52AA6E4}">
-                <adec:decorative xmlns:adec="http://schemas.microsoft.com/office/drawing/2017/decorative" val="1"/>
-              </a:ext>
-            </a:extLst>
-          </p:cNvPr>
-          <p:cNvPicPr>
-            <a:picLocks noGrp="1" noRot="1" noChangeAspect="1" noMove="1" noResize="1" noEditPoints="1" noAdjustHandles="1" noChangeArrowheads="1" noChangeShapeType="1" noCrop="1"/>
-          </p:cNvPicPr>
-          <p:nvPr>
-            <p:extLst>
-              <p:ext uri="{386F3935-93C4-4BCD-93E2-E3B085C9AB24}">
-                <p16:designElem xmlns:p16="http://schemas.microsoft.com/office/powerpoint/2015/main" val="1"/>
-              </p:ext>
-            </p:extLst>
-          </p:nvPr>
-        </p:nvPicPr>
-        <p:blipFill>
-          <a:blip r:embed="rId3">
-            <a:extLst>
-              <a:ext uri="{28A0092B-C50C-407E-A947-70E740481C1C}">
-                <a14:useLocalDpi xmlns:a14="http://schemas.microsoft.com/office/drawing/2010/main" val="0"/>
-              </a:ext>
-            </a:extLst>
-          </a:blip>
-          <a:stretch>
-            <a:fillRect/>
-          </a:stretch>
-        </p:blipFill>
-        <p:spPr>
-          <a:xfrm>
-            <a:off x="1" y="4688333"/>
-            <a:ext cx="6400800" cy="185701"/>
-          </a:xfrm>
-          <a:prstGeom prst="rect">
-            <a:avLst/>
-          </a:prstGeom>
-        </p:spPr>
-      </p:pic>
-      <p:sp>
-        <p:nvSpPr>
-          <p:cNvPr id="29" name="Rectangle 28">
-            <a:extLst>
-              <a:ext uri="{FF2B5EF4-FFF2-40B4-BE49-F238E27FC236}">
-                <a16:creationId xmlns:a16="http://schemas.microsoft.com/office/drawing/2014/main" id="{46CE3EB2-91DF-4F5D-8874-744AAAE311E1}"/>
-              </a:ext>
-              <a:ext uri="{C183D7F6-B498-43B3-948B-1728B52AA6E4}">
-                <adec:decorative xmlns:adec="http://schemas.microsoft.com/office/drawing/2017/decorative" val="1"/>
-              </a:ext>
-            </a:extLst>
-          </p:cNvPr>
-          <p:cNvSpPr>
-            <a:spLocks noGrp="1" noRot="1" noChangeAspect="1" noMove="1" noResize="1" noEditPoints="1" noAdjustHandles="1" noChangeArrowheads="1" noChangeShapeType="1" noTextEdit="1"/>
-          </p:cNvSpPr>
-          <p:nvPr>
-            <p:extLst>
-              <p:ext uri="{386F3935-93C4-4BCD-93E2-E3B085C9AB24}">
-                <p16:designElem xmlns:p16="http://schemas.microsoft.com/office/powerpoint/2015/main" val="1"/>
-              </p:ext>
-            </p:extLst>
-          </p:nvPr>
-        </p:nvSpPr>
-        <p:spPr>
-          <a:xfrm>
-            <a:off x="-1" y="2162908"/>
-            <a:ext cx="6411743" cy="2532185"/>
-          </a:xfrm>
-          <a:prstGeom prst="rect">
-            <a:avLst/>
-          </a:prstGeom>
-          <a:solidFill>
-            <a:schemeClr val="bg1">
-              <a:lumMod val="85000"/>
-              <a:lumOff val="15000"/>
-            </a:schemeClr>
-          </a:solidFill>
-          <a:ln>
-            <a:noFill/>
-          </a:ln>
-        </p:spPr>
-        <p:style>
-          <a:lnRef idx="2">
-            <a:schemeClr val="accent1">
-              <a:shade val="50000"/>
-            </a:schemeClr>
-          </a:lnRef>
-          <a:fillRef idx="1">
-            <a:schemeClr val="accent1"/>
-          </a:fillRef>
-          <a:effectRef idx="0">
-            <a:schemeClr val="accent1"/>
-          </a:effectRef>
-          <a:fontRef idx="minor">
-            <a:schemeClr val="lt1"/>
-          </a:fontRef>
-        </p:style>
-      </p:sp>
-      <p:sp>
-        <p:nvSpPr>
-          <p:cNvPr id="2" name="Tytuł 1">
-            <a:extLst>
-              <a:ext uri="{FF2B5EF4-FFF2-40B4-BE49-F238E27FC236}">
-                <a16:creationId xmlns:a16="http://schemas.microsoft.com/office/drawing/2014/main" id="{19DA3A90-709B-45A7-A9D0-9ABDD69621A6}"/>
-              </a:ext>
-            </a:extLst>
-          </p:cNvPr>
-          <p:cNvSpPr>
-            <a:spLocks noGrp="1"/>
-          </p:cNvSpPr>
-          <p:nvPr>
-            <p:ph type="title"/>
-          </p:nvPr>
-        </p:nvSpPr>
-        <p:spPr>
-          <a:xfrm>
-            <a:off x="153989" y="2353444"/>
-            <a:ext cx="6092824" cy="2133600"/>
-          </a:xfrm>
-        </p:spPr>
-        <p:txBody>
-          <a:bodyPr vert="horz" lIns="91440" tIns="45720" rIns="91440" bIns="45720" rtlCol="0" anchor="ctr">
-            <a:normAutofit/>
-          </a:bodyPr>
-          <a:lstStyle/>
-          <a:p>
-            <a:pPr algn="r"/>
-            <a:r>
-              <a:rPr lang="en-US" sz="5400" dirty="0" err="1"/>
-              <a:t>Oferta</a:t>
-            </a:r>
-            <a:r>
-              <a:rPr lang="en-US" sz="5400" dirty="0"/>
-              <a:t> </a:t>
-            </a:r>
-            <a:r>
-              <a:rPr lang="en-US" sz="5400" dirty="0" err="1"/>
-              <a:t>dla</a:t>
-            </a:r>
-            <a:r>
-              <a:rPr lang="en-US" sz="5400" dirty="0"/>
-              <a:t> </a:t>
-            </a:r>
-            <a:r>
-              <a:rPr lang="en-US" sz="5400" dirty="0" err="1"/>
-              <a:t>klienta</a:t>
-            </a:r>
-            <a:endParaRPr lang="en-US" sz="5400" dirty="0"/>
-          </a:p>
-        </p:txBody>
-      </p:sp>
-      <p:pic>
-        <p:nvPicPr>
-          <p:cNvPr id="6" name="Grafika 5">
-            <a:extLst>
-              <a:ext uri="{FF2B5EF4-FFF2-40B4-BE49-F238E27FC236}">
-                <a16:creationId xmlns:a16="http://schemas.microsoft.com/office/drawing/2014/main" id="{9D52F2D7-8BE2-47E9-A38D-0154EE4E9BF4}"/>
-              </a:ext>
-            </a:extLst>
-          </p:cNvPr>
-          <p:cNvPicPr>
-            <a:picLocks noChangeAspect="1"/>
-          </p:cNvPicPr>
-          <p:nvPr/>
-        </p:nvPicPr>
-        <p:blipFill>
-          <a:blip r:embed="rId5">
-            <a:extLst>
-              <a:ext uri="{28A0092B-C50C-407E-A947-70E740481C1C}">
-                <a14:useLocalDpi xmlns:a14="http://schemas.microsoft.com/office/drawing/2010/main" val="0"/>
-              </a:ext>
-              <a:ext uri="{96DAC541-7B7A-43D3-8B79-37D633B846F1}">
-                <asvg:svgBlip xmlns:asvg="http://schemas.microsoft.com/office/drawing/2016/SVG/main" r:embed="rId6"/>
-              </a:ext>
-            </a:extLst>
-          </a:blip>
-          <a:stretch>
-            <a:fillRect/>
-          </a:stretch>
-        </p:blipFill>
-        <p:spPr>
-          <a:xfrm>
-            <a:off x="6411742" y="641987"/>
-            <a:ext cx="5682703" cy="5539517"/>
-          </a:xfrm>
-          <a:prstGeom prst="rect">
-            <a:avLst/>
-          </a:prstGeom>
-          <a:ln>
-            <a:noFill/>
-          </a:ln>
-          <a:effectLst>
-            <a:outerShdw blurRad="76200" dist="63500" dir="5040000" algn="tl" rotWithShape="0">
-              <a:srgbClr val="000000">
-                <a:alpha val="41000"/>
-              </a:srgbClr>
-            </a:outerShdw>
-          </a:effectLst>
-        </p:spPr>
-      </p:pic>
-      <p:sp>
-        <p:nvSpPr>
-          <p:cNvPr id="3" name="Symbol zastępczy numeru slajdu 2">
-            <a:extLst>
-              <a:ext uri="{FF2B5EF4-FFF2-40B4-BE49-F238E27FC236}">
-                <a16:creationId xmlns:a16="http://schemas.microsoft.com/office/drawing/2014/main" id="{E2E58A61-4D6C-4842-B21E-D1F4E52A61A8}"/>
-              </a:ext>
-            </a:extLst>
-          </p:cNvPr>
-          <p:cNvSpPr>
-            <a:spLocks noGrp="1"/>
-          </p:cNvSpPr>
-          <p:nvPr>
-            <p:ph type="sldNum" sz="quarter" idx="12"/>
-          </p:nvPr>
-        </p:nvSpPr>
-        <p:spPr>
-          <a:xfrm>
-            <a:off x="11281776" y="6336872"/>
-            <a:ext cx="722655" cy="365760"/>
-          </a:xfrm>
-        </p:spPr>
-        <p:txBody>
-          <a:bodyPr vert="horz" lIns="91440" tIns="45720" rIns="91440" bIns="45720" rtlCol="0" anchor="ctr">
-            <a:normAutofit/>
-          </a:bodyPr>
-          <a:lstStyle/>
-          <a:p>
-            <a:pPr defTabSz="914400">
-              <a:spcAft>
-                <a:spcPts val="600"/>
-              </a:spcAft>
-            </a:pPr>
-            <a:fld id="{73EBA5C1-EA0D-4D38-B474-3131B775EA3E}" type="slidenum">
-              <a:rPr lang="en-US" sz="1400">
-                <a:solidFill>
-                  <a:srgbClr val="FFFFFF"/>
-                </a:solidFill>
-              </a:rPr>
-              <a:pPr defTabSz="914400">
-                <a:spcAft>
-                  <a:spcPts val="600"/>
-                </a:spcAft>
-              </a:pPr>
-              <a:t>29</a:t>
-            </a:fld>
-            <a:endParaRPr lang="en-US" sz="1400">
-              <a:solidFill>
-                <a:srgbClr val="FFFFFF"/>
-              </a:solidFill>
-            </a:endParaRPr>
-          </a:p>
-        </p:txBody>
-      </p:sp>
-    </p:spTree>
-    <p:extLst>
-      <p:ext uri="{BB962C8B-B14F-4D97-AF65-F5344CB8AC3E}">
-        <p14:creationId xmlns:p14="http://schemas.microsoft.com/office/powerpoint/2010/main" val="832810156"/>
-      </p:ext>
-    </p:extLst>
-  </p:cSld>
-  <p:clrMapOvr>
-    <a:masterClrMapping/>
-  </p:clrMapOvr>
-</p:sld>
-</file>
-
 <file path=ppt/slides/slide3.xml><?xml version="1.0" encoding="utf-8"?>
-<p:sld xmlns:a="http://schemas.openxmlformats.org/drawingml/2006/main" xmlns:r="http://schemas.openxmlformats.org/officeDocument/2006/relationships" xmlns:p="http://schemas.openxmlformats.org/presentationml/2006/main">
+<p:sld xmlns:a="http://schemas.openxmlformats.org/drawingml/2006/main" xmlns:r="http://schemas.openxmlformats.org/officeDocument/2006/relationships" xmlns:p="http://schemas.openxmlformats.org/presentationml/2006/main" show="0">
   <p:cSld>
     <p:spTree>
       <p:nvGrpSpPr>
@@ -23382,7 +23537,7 @@
           <p:cNvPr id="2" name="Tytuł 1">
             <a:extLst>
               <a:ext uri="{FF2B5EF4-FFF2-40B4-BE49-F238E27FC236}">
-                <a16:creationId xmlns:a16="http://schemas.microsoft.com/office/drawing/2014/main" id="{38FE2930-C9F9-42F1-BC5A-B5D8CC8FE5FB}"/>
+                <a16:creationId xmlns:a16="http://schemas.microsoft.com/office/drawing/2014/main" id="{A809F043-53F5-42EC-8ED0-1A39E5E2F48B}"/>
               </a:ext>
             </a:extLst>
           </p:cNvPr>
@@ -23398,11 +23553,7 @@
           <a:bodyPr/>
           <a:lstStyle/>
           <a:p>
-            <a:pPr algn="ctr"/>
-            <a:r>
-              <a:rPr lang="pl-PL" dirty="0"/>
-              <a:t>Forma prawna przedsiębiorstwa</a:t>
-            </a:r>
+            <a:endParaRPr lang="pl-PL"/>
           </a:p>
         </p:txBody>
       </p:sp>
@@ -23411,7 +23562,7 @@
           <p:cNvPr id="3" name="Symbol zastępczy zawartości 2">
             <a:extLst>
               <a:ext uri="{FF2B5EF4-FFF2-40B4-BE49-F238E27FC236}">
-                <a16:creationId xmlns:a16="http://schemas.microsoft.com/office/drawing/2014/main" id="{8426D2BE-ED27-420C-AF5A-CBE400D5329A}"/>
+                <a16:creationId xmlns:a16="http://schemas.microsoft.com/office/drawing/2014/main" id="{7B51070E-947F-4F5B-9274-E70C9A6693D6}"/>
               </a:ext>
             </a:extLst>
           </p:cNvPr>
@@ -23422,31 +23573,18 @@
             <p:ph idx="1"/>
           </p:nvPr>
         </p:nvSpPr>
-        <p:spPr>
-          <a:xfrm>
-            <a:off x="680321" y="2635847"/>
-            <a:ext cx="10131425" cy="2387988"/>
-          </a:xfrm>
-        </p:spPr>
+        <p:spPr/>
         <p:txBody>
-          <a:bodyPr>
-            <a:normAutofit/>
-          </a:bodyPr>
+          <a:bodyPr/>
           <a:lstStyle/>
           <a:p>
-            <a:pPr marL="0" indent="0" algn="just">
-              <a:buNone/>
-            </a:pPr>
-            <a:r>
-              <a:rPr lang="pl-PL" dirty="0"/>
-              <a:t>Spółka z ograniczoną odpowiedzialnością jest najpopularniejszą spółką handlową w Polsce. Jest odpowiednią formą działalności np. dla wspólników, którzy chcą zachować bezpośredni nadzór nad prowadzeniem spraw spółki i ograniczyć ryzyko tylko do swojego wkładu (brak odpowiedzialności majątkiem osobistym). Posiada osobowość prawną.</a:t>
-            </a:r>
-          </a:p>
-          <a:p>
-            <a:pPr marL="0" indent="0">
-              <a:buNone/>
-            </a:pPr>
-            <a:endParaRPr lang="pl-PL" sz="2800" dirty="0"/>
+            <a:r>
+              <a:rPr lang="pl-PL" sz="2400" dirty="0"/>
+              <a:t>Rodzaj przedsiębiorstwa, model biznesowy</a:t>
+            </a:r>
+          </a:p>
+          <a:p>
+            <a:endParaRPr lang="pl-PL" dirty="0"/>
           </a:p>
         </p:txBody>
       </p:sp>
@@ -23455,7 +23593,7 @@
           <p:cNvPr id="4" name="Symbol zastępczy numeru slajdu 3">
             <a:extLst>
               <a:ext uri="{FF2B5EF4-FFF2-40B4-BE49-F238E27FC236}">
-                <a16:creationId xmlns:a16="http://schemas.microsoft.com/office/drawing/2014/main" id="{AA90D194-CA73-4DBC-9151-3061B8C84339}"/>
+                <a16:creationId xmlns:a16="http://schemas.microsoft.com/office/drawing/2014/main" id="{03D314D2-F5AE-4121-97C8-A864CF908A44}"/>
               </a:ext>
             </a:extLst>
           </p:cNvPr>
@@ -23482,7 +23620,7 @@
     </p:spTree>
     <p:extLst>
       <p:ext uri="{BB962C8B-B14F-4D97-AF65-F5344CB8AC3E}">
-        <p14:creationId xmlns:p14="http://schemas.microsoft.com/office/powerpoint/2010/main" val="3480498017"/>
+        <p14:creationId xmlns:p14="http://schemas.microsoft.com/office/powerpoint/2010/main" val="1062768198"/>
       </p:ext>
     </p:extLst>
   </p:cSld>
@@ -24067,7 +24205,7 @@
           <p:cNvPr id="2" name="Tytuł 1">
             <a:extLst>
               <a:ext uri="{FF2B5EF4-FFF2-40B4-BE49-F238E27FC236}">
-                <a16:creationId xmlns:a16="http://schemas.microsoft.com/office/drawing/2014/main" id="{9A9CFD2E-1CB9-4BE0-A19F-39F50F06787F}"/>
+                <a16:creationId xmlns:a16="http://schemas.microsoft.com/office/drawing/2014/main" id="{19DA3A90-709B-45A7-A9D0-9ABDD69621A6}"/>
               </a:ext>
             </a:extLst>
           </p:cNvPr>
@@ -24080,8 +24218,8 @@
         </p:nvSpPr>
         <p:spPr>
           <a:xfrm>
-            <a:off x="680322" y="2403231"/>
-            <a:ext cx="5192940" cy="2133600"/>
+            <a:off x="153989" y="2353444"/>
+            <a:ext cx="6092824" cy="2133600"/>
           </a:xfrm>
         </p:spPr>
         <p:txBody>
@@ -24092,9 +24230,26 @@
           <a:p>
             <a:pPr algn="r"/>
             <a:r>
-              <a:rPr lang="en-US" sz="5400"/>
-              <a:t>Wypłata</a:t>
-            </a:r>
+              <a:rPr lang="en-US" sz="5400" dirty="0" err="1"/>
+              <a:t>Oferta</a:t>
+            </a:r>
+            <a:r>
+              <a:rPr lang="en-US" sz="5400" dirty="0"/>
+              <a:t> </a:t>
+            </a:r>
+            <a:r>
+              <a:rPr lang="en-US" sz="5400" dirty="0" err="1"/>
+              <a:t>dla</a:t>
+            </a:r>
+            <a:r>
+              <a:rPr lang="en-US" sz="5400" dirty="0"/>
+              <a:t> </a:t>
+            </a:r>
+            <a:r>
+              <a:rPr lang="en-US" sz="5400" dirty="0" err="1"/>
+              <a:t>klienta</a:t>
+            </a:r>
+            <a:endParaRPr lang="en-US" sz="5400" dirty="0"/>
           </a:p>
         </p:txBody>
       </p:sp>
@@ -24103,7 +24258,7 @@
           <p:cNvPr id="6" name="Grafika 5">
             <a:extLst>
               <a:ext uri="{FF2B5EF4-FFF2-40B4-BE49-F238E27FC236}">
-                <a16:creationId xmlns:a16="http://schemas.microsoft.com/office/drawing/2014/main" id="{85F13346-7A7E-42F0-9E19-DD3D04A713B3}"/>
+                <a16:creationId xmlns:a16="http://schemas.microsoft.com/office/drawing/2014/main" id="{9D52F2D7-8BE2-47E9-A38D-0154EE4E9BF4}"/>
               </a:ext>
             </a:extLst>
           </p:cNvPr>
@@ -24129,8 +24284,8 @@
         </p:blipFill>
         <p:spPr>
           <a:xfrm>
-            <a:off x="6748892" y="363396"/>
-            <a:ext cx="4585511" cy="6213269"/>
+            <a:off x="6411742" y="641987"/>
+            <a:ext cx="5682703" cy="5539517"/>
           </a:xfrm>
           <a:prstGeom prst="rect">
             <a:avLst/>
@@ -24152,7 +24307,7 @@
           <p:cNvPr id="3" name="Symbol zastępczy numeru slajdu 2">
             <a:extLst>
               <a:ext uri="{FF2B5EF4-FFF2-40B4-BE49-F238E27FC236}">
-                <a16:creationId xmlns:a16="http://schemas.microsoft.com/office/drawing/2014/main" id="{CE7AD045-BE5B-4573-88F7-306DABEE216F}"/>
+                <a16:creationId xmlns:a16="http://schemas.microsoft.com/office/drawing/2014/main" id="{E2E58A61-4D6C-4842-B21E-D1F4E52A61A8}"/>
               </a:ext>
             </a:extLst>
           </p:cNvPr>
@@ -24204,7 +24359,7 @@
     </p:spTree>
     <p:extLst>
       <p:ext uri="{BB962C8B-B14F-4D97-AF65-F5344CB8AC3E}">
-        <p14:creationId xmlns:p14="http://schemas.microsoft.com/office/powerpoint/2010/main" val="1920037621"/>
+        <p14:creationId xmlns:p14="http://schemas.microsoft.com/office/powerpoint/2010/main" val="832810156"/>
       </p:ext>
     </p:extLst>
   </p:cSld>
@@ -24268,7 +24423,7 @@
       </p:grpSpPr>
       <p:pic>
         <p:nvPicPr>
-          <p:cNvPr id="59" name="Picture 58">
+          <p:cNvPr id="11" name="Picture 10">
             <a:extLst>
               <a:ext uri="{FF2B5EF4-FFF2-40B4-BE49-F238E27FC236}">
                 <a16:creationId xmlns:a16="http://schemas.microsoft.com/office/drawing/2014/main" id="{5321D838-2C7E-4177-9DD3-DAC78324A2B2}"/>
@@ -24314,7 +24469,7 @@
       </p:pic>
       <p:pic>
         <p:nvPicPr>
-          <p:cNvPr id="61" name="Picture 60">
+          <p:cNvPr id="13" name="Picture 12">
             <a:extLst>
               <a:ext uri="{FF2B5EF4-FFF2-40B4-BE49-F238E27FC236}">
                 <a16:creationId xmlns:a16="http://schemas.microsoft.com/office/drawing/2014/main" id="{0146E45C-1450-4186-B501-74F221F897A8}"/>
@@ -24359,7 +24514,7 @@
       </p:pic>
       <p:pic>
         <p:nvPicPr>
-          <p:cNvPr id="63" name="Picture 62">
+          <p:cNvPr id="15" name="Picture 14">
             <a:extLst>
               <a:ext uri="{FF2B5EF4-FFF2-40B4-BE49-F238E27FC236}">
                 <a16:creationId xmlns:a16="http://schemas.microsoft.com/office/drawing/2014/main" id="{EEDDA48B-BC04-4915-ADA3-A1A9522EB0D1}"/>
@@ -24404,7 +24559,7 @@
       </p:pic>
       <p:sp>
         <p:nvSpPr>
-          <p:cNvPr id="65" name="Rectangle 64">
+          <p:cNvPr id="17" name="Rectangle 16">
             <a:extLst>
               <a:ext uri="{FF2B5EF4-FFF2-40B4-BE49-F238E27FC236}">
                 <a16:creationId xmlns:a16="http://schemas.microsoft.com/office/drawing/2014/main" id="{78C9D07A-5A22-4E55-B18A-47CF07E5080D}"/>
@@ -24462,7 +24617,7 @@
       </p:sp>
       <p:sp>
         <p:nvSpPr>
-          <p:cNvPr id="67" name="Rectangle 66">
+          <p:cNvPr id="19" name="Rectangle 18">
             <a:extLst>
               <a:ext uri="{FF2B5EF4-FFF2-40B4-BE49-F238E27FC236}">
                 <a16:creationId xmlns:a16="http://schemas.microsoft.com/office/drawing/2014/main" id="{3D71E629-0739-4A59-972B-A9E9A4500E31}"/>
@@ -24517,10 +24672,10 @@
       </p:sp>
       <p:sp useBgFill="1">
         <p:nvSpPr>
-          <p:cNvPr id="69" name="Rectangle 68">
+          <p:cNvPr id="21" name="Rectangle 20">
             <a:extLst>
               <a:ext uri="{FF2B5EF4-FFF2-40B4-BE49-F238E27FC236}">
-                <a16:creationId xmlns:a16="http://schemas.microsoft.com/office/drawing/2014/main" id="{2F84762E-7FCC-4EAF-B9E7-CE7214491E0D}"/>
+                <a16:creationId xmlns:a16="http://schemas.microsoft.com/office/drawing/2014/main" id="{00573A24-AD84-4562-A993-7D04E1D18209}"/>
               </a:ext>
               <a:ext uri="{C183D7F6-B498-43B3-948B-1728B52AA6E4}">
                 <adec:decorative xmlns:adec="http://schemas.microsoft.com/office/drawing/2017/decorative" val="1"/>
@@ -24577,10 +24732,10 @@
       </p:sp>
       <p:pic>
         <p:nvPicPr>
-          <p:cNvPr id="71" name="Picture 70">
+          <p:cNvPr id="23" name="Picture 22">
             <a:extLst>
               <a:ext uri="{FF2B5EF4-FFF2-40B4-BE49-F238E27FC236}">
-                <a16:creationId xmlns:a16="http://schemas.microsoft.com/office/drawing/2014/main" id="{927A1389-2A5D-4886-AD82-F213767E673F}"/>
+                <a16:creationId xmlns:a16="http://schemas.microsoft.com/office/drawing/2014/main" id="{B3C087F8-F09C-4C07-B55F-6081689A2413}"/>
               </a:ext>
               <a:ext uri="{C183D7F6-B498-43B3-948B-1728B52AA6E4}">
                 <adec:decorative xmlns:adec="http://schemas.microsoft.com/office/drawing/2017/decorative" val="1"/>
@@ -24613,7 +24768,7 @@
         </p:blipFill>
         <p:spPr>
           <a:xfrm>
-            <a:off x="0" y="-8207"/>
+            <a:off x="0" y="0"/>
             <a:ext cx="12192000" cy="6858000"/>
           </a:xfrm>
           <a:prstGeom prst="rect">
@@ -24623,10 +24778,10 @@
       </p:pic>
       <p:sp>
         <p:nvSpPr>
-          <p:cNvPr id="73" name="Rectangle 72">
+          <p:cNvPr id="25" name="Rectangle 24">
             <a:extLst>
               <a:ext uri="{FF2B5EF4-FFF2-40B4-BE49-F238E27FC236}">
-                <a16:creationId xmlns:a16="http://schemas.microsoft.com/office/drawing/2014/main" id="{A1038667-0C3F-4764-A24D-DA9D9B474851}"/>
+                <a16:creationId xmlns:a16="http://schemas.microsoft.com/office/drawing/2014/main" id="{FC49D257-5737-4C0D-89EA-9C311AF2B8B5}"/>
               </a:ext>
               <a:ext uri="{C183D7F6-B498-43B3-948B-1728B52AA6E4}">
                 <adec:decorative xmlns:adec="http://schemas.microsoft.com/office/drawing/2017/decorative" val="1"/>
@@ -24646,8 +24801,8 @@
         </p:nvSpPr>
         <p:spPr>
           <a:xfrm>
-            <a:off x="4644527" y="0"/>
-            <a:ext cx="7552944" cy="6858001"/>
+            <a:off x="6099176" y="0"/>
+            <a:ext cx="6092824" cy="6858001"/>
           </a:xfrm>
           <a:prstGeom prst="rect">
             <a:avLst/>
@@ -24683,10 +24838,10 @@
       </p:sp>
       <p:pic>
         <p:nvPicPr>
-          <p:cNvPr id="75" name="Picture 74">
+          <p:cNvPr id="27" name="Picture 26">
             <a:extLst>
               <a:ext uri="{FF2B5EF4-FFF2-40B4-BE49-F238E27FC236}">
-                <a16:creationId xmlns:a16="http://schemas.microsoft.com/office/drawing/2014/main" id="{6AC2195B-895A-4535-8ECD-9F5B669C5CA5}"/>
+                <a16:creationId xmlns:a16="http://schemas.microsoft.com/office/drawing/2014/main" id="{E13D267A-94F5-488A-94C6-5D7156D9AF8C}"/>
               </a:ext>
               <a:ext uri="{C183D7F6-B498-43B3-948B-1728B52AA6E4}">
                 <adec:decorative xmlns:adec="http://schemas.microsoft.com/office/drawing/2017/decorative" val="1"/>
@@ -24705,7 +24860,7 @@
           </p:nvPr>
         </p:nvPicPr>
         <p:blipFill>
-          <a:blip r:embed="rId5" cstate="print">
+          <a:blip r:embed="rId3">
             <a:extLst>
               <a:ext uri="{28A0092B-C50C-407E-A947-70E740481C1C}">
                 <a14:useLocalDpi xmlns:a14="http://schemas.microsoft.com/office/drawing/2010/main" val="0"/>
@@ -24718,8 +24873,8 @@
         </p:blipFill>
         <p:spPr>
           <a:xfrm>
-            <a:off x="1" y="5006045"/>
-            <a:ext cx="4965192" cy="144049"/>
+            <a:off x="1" y="4688333"/>
+            <a:ext cx="6400800" cy="185701"/>
           </a:xfrm>
           <a:prstGeom prst="rect">
             <a:avLst/>
@@ -24728,10 +24883,10 @@
       </p:pic>
       <p:sp>
         <p:nvSpPr>
-          <p:cNvPr id="77" name="Rectangle 76">
+          <p:cNvPr id="29" name="Rectangle 28">
             <a:extLst>
               <a:ext uri="{FF2B5EF4-FFF2-40B4-BE49-F238E27FC236}">
-                <a16:creationId xmlns:a16="http://schemas.microsoft.com/office/drawing/2014/main" id="{571EEFCA-9235-4BC2-85C3-A4EC6EE57AC4}"/>
+                <a16:creationId xmlns:a16="http://schemas.microsoft.com/office/drawing/2014/main" id="{46CE3EB2-91DF-4F5D-8874-744AAAE311E1}"/>
               </a:ext>
               <a:ext uri="{C183D7F6-B498-43B3-948B-1728B52AA6E4}">
                 <adec:decorative xmlns:adec="http://schemas.microsoft.com/office/drawing/2017/decorative" val="1"/>
@@ -24751,8 +24906,8 @@
         </p:nvSpPr>
         <p:spPr>
           <a:xfrm>
-            <a:off x="-1" y="1838764"/>
-            <a:ext cx="4964567" cy="3180473"/>
+            <a:off x="-1" y="2162908"/>
+            <a:ext cx="6411743" cy="2532185"/>
           </a:xfrm>
           <a:prstGeom prst="rect">
             <a:avLst/>
@@ -24789,7 +24944,7 @@
           <p:cNvPr id="2" name="Tytuł 1">
             <a:extLst>
               <a:ext uri="{FF2B5EF4-FFF2-40B4-BE49-F238E27FC236}">
-                <a16:creationId xmlns:a16="http://schemas.microsoft.com/office/drawing/2014/main" id="{E1F8C03E-5A14-439F-B27D-CDD677731858}"/>
+                <a16:creationId xmlns:a16="http://schemas.microsoft.com/office/drawing/2014/main" id="{9A9CFD2E-1CB9-4BE0-A19F-39F50F06787F}"/>
               </a:ext>
             </a:extLst>
           </p:cNvPr>
@@ -24802,8 +24957,8 @@
         </p:nvSpPr>
         <p:spPr>
           <a:xfrm>
-            <a:off x="680322" y="2063262"/>
-            <a:ext cx="3739278" cy="2661138"/>
+            <a:off x="680322" y="2403231"/>
+            <a:ext cx="5192940" cy="2133600"/>
           </a:xfrm>
         </p:spPr>
         <p:txBody>
@@ -24815,26 +24970,17 @@
             <a:pPr algn="r"/>
             <a:r>
               <a:rPr lang="en-US" sz="5400"/>
-              <a:t>Wydanie</a:t>
-            </a:r>
-            <a:r>
-              <a:rPr lang="en-US" sz="5400" dirty="0"/>
-              <a:t> </a:t>
-            </a:r>
-            <a:r>
-              <a:rPr lang="en-US" sz="5400"/>
-              <a:t>faktury</a:t>
-            </a:r>
-            <a:endParaRPr lang="en-US" sz="5400" dirty="0"/>
+              <a:t>Wypłata</a:t>
+            </a:r>
           </a:p>
         </p:txBody>
       </p:sp>
       <p:pic>
         <p:nvPicPr>
-          <p:cNvPr id="8" name="Grafika 7">
+          <p:cNvPr id="6" name="Grafika 5">
             <a:extLst>
               <a:ext uri="{FF2B5EF4-FFF2-40B4-BE49-F238E27FC236}">
-                <a16:creationId xmlns:a16="http://schemas.microsoft.com/office/drawing/2014/main" id="{B5B8E344-7EF3-4110-8517-BC070B32CE01}"/>
+                <a16:creationId xmlns:a16="http://schemas.microsoft.com/office/drawing/2014/main" id="{85F13346-7A7E-42F0-9E19-DD3D04A713B3}"/>
               </a:ext>
             </a:extLst>
           </p:cNvPr>
@@ -24844,13 +24990,13 @@
           <p:nvPr/>
         </p:nvPicPr>
         <p:blipFill>
-          <a:blip r:embed="rId6">
+          <a:blip r:embed="rId5">
             <a:extLst>
               <a:ext uri="{28A0092B-C50C-407E-A947-70E740481C1C}">
                 <a14:useLocalDpi xmlns:a14="http://schemas.microsoft.com/office/drawing/2010/main" val="0"/>
               </a:ext>
               <a:ext uri="{96DAC541-7B7A-43D3-8B79-37D633B846F1}">
-                <asvg:svgBlip xmlns:asvg="http://schemas.microsoft.com/office/drawing/2016/SVG/main" r:embed="rId7"/>
+                <asvg:svgBlip xmlns:asvg="http://schemas.microsoft.com/office/drawing/2016/SVG/main" r:embed="rId6"/>
               </a:ext>
             </a:extLst>
           </a:blip>
@@ -24860,8 +25006,8 @@
         </p:blipFill>
         <p:spPr>
           <a:xfrm>
-            <a:off x="5189493" y="243191"/>
-            <a:ext cx="6597241" cy="6233613"/>
+            <a:off x="6748892" y="363396"/>
+            <a:ext cx="4585511" cy="6213269"/>
           </a:xfrm>
           <a:prstGeom prst="rect">
             <a:avLst/>
@@ -24883,7 +25029,7 @@
           <p:cNvPr id="3" name="Symbol zastępczy numeru slajdu 2">
             <a:extLst>
               <a:ext uri="{FF2B5EF4-FFF2-40B4-BE49-F238E27FC236}">
-                <a16:creationId xmlns:a16="http://schemas.microsoft.com/office/drawing/2014/main" id="{59A3BE92-0BF7-41DD-BDA8-C8E38AD38D2E}"/>
+                <a16:creationId xmlns:a16="http://schemas.microsoft.com/office/drawing/2014/main" id="{CE7AD045-BE5B-4573-88F7-306DABEE216F}"/>
               </a:ext>
             </a:extLst>
           </p:cNvPr>
@@ -24935,7 +25081,7 @@
     </p:spTree>
     <p:extLst>
       <p:ext uri="{BB962C8B-B14F-4D97-AF65-F5344CB8AC3E}">
-        <p14:creationId xmlns:p14="http://schemas.microsoft.com/office/powerpoint/2010/main" val="3936350770"/>
+        <p14:creationId xmlns:p14="http://schemas.microsoft.com/office/powerpoint/2010/main" val="1920037621"/>
       </p:ext>
     </p:extLst>
   </p:cSld>
@@ -24999,7 +25145,7 @@
       </p:grpSpPr>
       <p:pic>
         <p:nvPicPr>
-          <p:cNvPr id="11" name="Picture 10">
+          <p:cNvPr id="59" name="Picture 58">
             <a:extLst>
               <a:ext uri="{FF2B5EF4-FFF2-40B4-BE49-F238E27FC236}">
                 <a16:creationId xmlns:a16="http://schemas.microsoft.com/office/drawing/2014/main" id="{5321D838-2C7E-4177-9DD3-DAC78324A2B2}"/>
@@ -25045,7 +25191,7 @@
       </p:pic>
       <p:pic>
         <p:nvPicPr>
-          <p:cNvPr id="13" name="Picture 12">
+          <p:cNvPr id="61" name="Picture 60">
             <a:extLst>
               <a:ext uri="{FF2B5EF4-FFF2-40B4-BE49-F238E27FC236}">
                 <a16:creationId xmlns:a16="http://schemas.microsoft.com/office/drawing/2014/main" id="{0146E45C-1450-4186-B501-74F221F897A8}"/>
@@ -25090,7 +25236,7 @@
       </p:pic>
       <p:pic>
         <p:nvPicPr>
-          <p:cNvPr id="15" name="Picture 14">
+          <p:cNvPr id="63" name="Picture 62">
             <a:extLst>
               <a:ext uri="{FF2B5EF4-FFF2-40B4-BE49-F238E27FC236}">
                 <a16:creationId xmlns:a16="http://schemas.microsoft.com/office/drawing/2014/main" id="{EEDDA48B-BC04-4915-ADA3-A1A9522EB0D1}"/>
@@ -25135,7 +25281,7 @@
       </p:pic>
       <p:sp>
         <p:nvSpPr>
-          <p:cNvPr id="17" name="Rectangle 16">
+          <p:cNvPr id="65" name="Rectangle 64">
             <a:extLst>
               <a:ext uri="{FF2B5EF4-FFF2-40B4-BE49-F238E27FC236}">
                 <a16:creationId xmlns:a16="http://schemas.microsoft.com/office/drawing/2014/main" id="{78C9D07A-5A22-4E55-B18A-47CF07E5080D}"/>
@@ -25193,7 +25339,7 @@
       </p:sp>
       <p:sp>
         <p:nvSpPr>
-          <p:cNvPr id="19" name="Rectangle 18">
+          <p:cNvPr id="67" name="Rectangle 66">
             <a:extLst>
               <a:ext uri="{FF2B5EF4-FFF2-40B4-BE49-F238E27FC236}">
                 <a16:creationId xmlns:a16="http://schemas.microsoft.com/office/drawing/2014/main" id="{3D71E629-0739-4A59-972B-A9E9A4500E31}"/>
@@ -25248,10 +25394,10 @@
       </p:sp>
       <p:sp useBgFill="1">
         <p:nvSpPr>
-          <p:cNvPr id="21" name="Rectangle 20">
+          <p:cNvPr id="69" name="Rectangle 68">
             <a:extLst>
               <a:ext uri="{FF2B5EF4-FFF2-40B4-BE49-F238E27FC236}">
-                <a16:creationId xmlns:a16="http://schemas.microsoft.com/office/drawing/2014/main" id="{00573A24-AD84-4562-A993-7D04E1D18209}"/>
+                <a16:creationId xmlns:a16="http://schemas.microsoft.com/office/drawing/2014/main" id="{2F84762E-7FCC-4EAF-B9E7-CE7214491E0D}"/>
               </a:ext>
               <a:ext uri="{C183D7F6-B498-43B3-948B-1728B52AA6E4}">
                 <adec:decorative xmlns:adec="http://schemas.microsoft.com/office/drawing/2017/decorative" val="1"/>
@@ -25308,10 +25454,10 @@
       </p:sp>
       <p:pic>
         <p:nvPicPr>
-          <p:cNvPr id="23" name="Picture 22">
+          <p:cNvPr id="71" name="Picture 70">
             <a:extLst>
               <a:ext uri="{FF2B5EF4-FFF2-40B4-BE49-F238E27FC236}">
-                <a16:creationId xmlns:a16="http://schemas.microsoft.com/office/drawing/2014/main" id="{B3C087F8-F09C-4C07-B55F-6081689A2413}"/>
+                <a16:creationId xmlns:a16="http://schemas.microsoft.com/office/drawing/2014/main" id="{927A1389-2A5D-4886-AD82-F213767E673F}"/>
               </a:ext>
               <a:ext uri="{C183D7F6-B498-43B3-948B-1728B52AA6E4}">
                 <adec:decorative xmlns:adec="http://schemas.microsoft.com/office/drawing/2017/decorative" val="1"/>
@@ -25344,7 +25490,7 @@
         </p:blipFill>
         <p:spPr>
           <a:xfrm>
-            <a:off x="0" y="0"/>
+            <a:off x="0" y="-8207"/>
             <a:ext cx="12192000" cy="6858000"/>
           </a:xfrm>
           <a:prstGeom prst="rect">
@@ -25354,10 +25500,10 @@
       </p:pic>
       <p:sp>
         <p:nvSpPr>
-          <p:cNvPr id="25" name="Rectangle 24">
+          <p:cNvPr id="73" name="Rectangle 72">
             <a:extLst>
               <a:ext uri="{FF2B5EF4-FFF2-40B4-BE49-F238E27FC236}">
-                <a16:creationId xmlns:a16="http://schemas.microsoft.com/office/drawing/2014/main" id="{FC49D257-5737-4C0D-89EA-9C311AF2B8B5}"/>
+                <a16:creationId xmlns:a16="http://schemas.microsoft.com/office/drawing/2014/main" id="{A1038667-0C3F-4764-A24D-DA9D9B474851}"/>
               </a:ext>
               <a:ext uri="{C183D7F6-B498-43B3-948B-1728B52AA6E4}">
                 <adec:decorative xmlns:adec="http://schemas.microsoft.com/office/drawing/2017/decorative" val="1"/>
@@ -25377,8 +25523,8 @@
         </p:nvSpPr>
         <p:spPr>
           <a:xfrm>
-            <a:off x="6099176" y="0"/>
-            <a:ext cx="6092824" cy="6858001"/>
+            <a:off x="4644527" y="0"/>
+            <a:ext cx="7552944" cy="6858001"/>
           </a:xfrm>
           <a:prstGeom prst="rect">
             <a:avLst/>
@@ -25414,10 +25560,10 @@
       </p:sp>
       <p:pic>
         <p:nvPicPr>
-          <p:cNvPr id="27" name="Picture 26">
+          <p:cNvPr id="75" name="Picture 74">
             <a:extLst>
               <a:ext uri="{FF2B5EF4-FFF2-40B4-BE49-F238E27FC236}">
-                <a16:creationId xmlns:a16="http://schemas.microsoft.com/office/drawing/2014/main" id="{E13D267A-94F5-488A-94C6-5D7156D9AF8C}"/>
+                <a16:creationId xmlns:a16="http://schemas.microsoft.com/office/drawing/2014/main" id="{6AC2195B-895A-4535-8ECD-9F5B669C5CA5}"/>
               </a:ext>
               <a:ext uri="{C183D7F6-B498-43B3-948B-1728B52AA6E4}">
                 <adec:decorative xmlns:adec="http://schemas.microsoft.com/office/drawing/2017/decorative" val="1"/>
@@ -25436,7 +25582,7 @@
           </p:nvPr>
         </p:nvPicPr>
         <p:blipFill>
-          <a:blip r:embed="rId3">
+          <a:blip r:embed="rId5" cstate="print">
             <a:extLst>
               <a:ext uri="{28A0092B-C50C-407E-A947-70E740481C1C}">
                 <a14:useLocalDpi xmlns:a14="http://schemas.microsoft.com/office/drawing/2010/main" val="0"/>
@@ -25449,8 +25595,8 @@
         </p:blipFill>
         <p:spPr>
           <a:xfrm>
-            <a:off x="1" y="4688333"/>
-            <a:ext cx="6400800" cy="185701"/>
+            <a:off x="1" y="5006045"/>
+            <a:ext cx="4965192" cy="144049"/>
           </a:xfrm>
           <a:prstGeom prst="rect">
             <a:avLst/>
@@ -25459,10 +25605,10 @@
       </p:pic>
       <p:sp>
         <p:nvSpPr>
-          <p:cNvPr id="29" name="Rectangle 28">
+          <p:cNvPr id="77" name="Rectangle 76">
             <a:extLst>
               <a:ext uri="{FF2B5EF4-FFF2-40B4-BE49-F238E27FC236}">
-                <a16:creationId xmlns:a16="http://schemas.microsoft.com/office/drawing/2014/main" id="{46CE3EB2-91DF-4F5D-8874-744AAAE311E1}"/>
+                <a16:creationId xmlns:a16="http://schemas.microsoft.com/office/drawing/2014/main" id="{571EEFCA-9235-4BC2-85C3-A4EC6EE57AC4}"/>
               </a:ext>
               <a:ext uri="{C183D7F6-B498-43B3-948B-1728B52AA6E4}">
                 <adec:decorative xmlns:adec="http://schemas.microsoft.com/office/drawing/2017/decorative" val="1"/>
@@ -25482,8 +25628,8 @@
         </p:nvSpPr>
         <p:spPr>
           <a:xfrm>
-            <a:off x="-1" y="2162908"/>
-            <a:ext cx="6411743" cy="2532185"/>
+            <a:off x="-1" y="1838764"/>
+            <a:ext cx="4964567" cy="3180473"/>
           </a:xfrm>
           <a:prstGeom prst="rect">
             <a:avLst/>
@@ -25520,7 +25666,7 @@
           <p:cNvPr id="2" name="Tytuł 1">
             <a:extLst>
               <a:ext uri="{FF2B5EF4-FFF2-40B4-BE49-F238E27FC236}">
-                <a16:creationId xmlns:a16="http://schemas.microsoft.com/office/drawing/2014/main" id="{FADA5054-ACC2-481A-94EC-C1483A2C0ACB}"/>
+                <a16:creationId xmlns:a16="http://schemas.microsoft.com/office/drawing/2014/main" id="{E1F8C03E-5A14-439F-B27D-CDD677731858}"/>
               </a:ext>
             </a:extLst>
           </p:cNvPr>
@@ -25533,8 +25679,8 @@
         </p:nvSpPr>
         <p:spPr>
           <a:xfrm>
-            <a:off x="680322" y="2403231"/>
-            <a:ext cx="5192940" cy="2133600"/>
+            <a:off x="680322" y="2063262"/>
+            <a:ext cx="3739278" cy="2661138"/>
           </a:xfrm>
         </p:spPr>
         <p:txBody>
@@ -25546,17 +25692,26 @@
             <a:pPr algn="r"/>
             <a:r>
               <a:rPr lang="en-US" sz="5400"/>
-              <a:t>Wpływy</a:t>
-            </a:r>
+              <a:t>Wydanie</a:t>
+            </a:r>
+            <a:r>
+              <a:rPr lang="en-US" sz="5400" dirty="0"/>
+              <a:t> </a:t>
+            </a:r>
+            <a:r>
+              <a:rPr lang="en-US" sz="5400"/>
+              <a:t>faktury</a:t>
+            </a:r>
+            <a:endParaRPr lang="en-US" sz="5400" dirty="0"/>
           </a:p>
         </p:txBody>
       </p:sp>
       <p:pic>
         <p:nvPicPr>
-          <p:cNvPr id="6" name="Grafika 5">
+          <p:cNvPr id="8" name="Grafika 7">
             <a:extLst>
               <a:ext uri="{FF2B5EF4-FFF2-40B4-BE49-F238E27FC236}">
-                <a16:creationId xmlns:a16="http://schemas.microsoft.com/office/drawing/2014/main" id="{5ED646B7-DFC7-4216-89FF-22CCBBD3AAD1}"/>
+                <a16:creationId xmlns:a16="http://schemas.microsoft.com/office/drawing/2014/main" id="{B5B8E344-7EF3-4110-8517-BC070B32CE01}"/>
               </a:ext>
             </a:extLst>
           </p:cNvPr>
@@ -25566,13 +25721,13 @@
           <p:nvPr/>
         </p:nvPicPr>
         <p:blipFill>
-          <a:blip r:embed="rId5">
+          <a:blip r:embed="rId6">
             <a:extLst>
               <a:ext uri="{28A0092B-C50C-407E-A947-70E740481C1C}">
                 <a14:useLocalDpi xmlns:a14="http://schemas.microsoft.com/office/drawing/2010/main" val="0"/>
               </a:ext>
               <a:ext uri="{96DAC541-7B7A-43D3-8B79-37D633B846F1}">
-                <asvg:svgBlip xmlns:asvg="http://schemas.microsoft.com/office/drawing/2016/SVG/main" r:embed="rId6"/>
+                <asvg:svgBlip xmlns:asvg="http://schemas.microsoft.com/office/drawing/2016/SVG/main" r:embed="rId7"/>
               </a:ext>
             </a:extLst>
           </a:blip>
@@ -25582,8 +25737,8 @@
         </p:blipFill>
         <p:spPr>
           <a:xfrm>
-            <a:off x="6397382" y="1001948"/>
-            <a:ext cx="5575055" cy="4557781"/>
+            <a:off x="5189493" y="243191"/>
+            <a:ext cx="6597241" cy="6233613"/>
           </a:xfrm>
           <a:prstGeom prst="rect">
             <a:avLst/>
@@ -25605,7 +25760,7 @@
           <p:cNvPr id="3" name="Symbol zastępczy numeru slajdu 2">
             <a:extLst>
               <a:ext uri="{FF2B5EF4-FFF2-40B4-BE49-F238E27FC236}">
-                <a16:creationId xmlns:a16="http://schemas.microsoft.com/office/drawing/2014/main" id="{EECA07A0-4F22-44BB-935D-0F857413D751}"/>
+                <a16:creationId xmlns:a16="http://schemas.microsoft.com/office/drawing/2014/main" id="{59A3BE92-0BF7-41DD-BDA8-C8E38AD38D2E}"/>
               </a:ext>
             </a:extLst>
           </p:cNvPr>
@@ -25657,7 +25812,7 @@
     </p:spTree>
     <p:extLst>
       <p:ext uri="{BB962C8B-B14F-4D97-AF65-F5344CB8AC3E}">
-        <p14:creationId xmlns:p14="http://schemas.microsoft.com/office/powerpoint/2010/main" val="2035800844"/>
+        <p14:creationId xmlns:p14="http://schemas.microsoft.com/office/powerpoint/2010/main" val="3936350770"/>
       </p:ext>
     </p:extLst>
   </p:cSld>
@@ -25721,6 +25876,728 @@
       </p:grpSpPr>
       <p:pic>
         <p:nvPicPr>
+          <p:cNvPr id="11" name="Picture 10">
+            <a:extLst>
+              <a:ext uri="{FF2B5EF4-FFF2-40B4-BE49-F238E27FC236}">
+                <a16:creationId xmlns:a16="http://schemas.microsoft.com/office/drawing/2014/main" id="{5321D838-2C7E-4177-9DD3-DAC78324A2B2}"/>
+              </a:ext>
+              <a:ext uri="{C183D7F6-B498-43B3-948B-1728B52AA6E4}">
+                <adec:decorative xmlns:adec="http://schemas.microsoft.com/office/drawing/2017/decorative" val="1"/>
+              </a:ext>
+            </a:extLst>
+          </p:cNvPr>
+          <p:cNvPicPr>
+            <a:picLocks noGrp="1" noRot="1" noChangeAspect="1" noMove="1" noResize="1" noEditPoints="1" noAdjustHandles="1" noChangeArrowheads="1" noChangeShapeType="1" noCrop="1"/>
+          </p:cNvPicPr>
+          <p:nvPr>
+            <p:extLst>
+              <p:ext uri="{386F3935-93C4-4BCD-93E2-E3B085C9AB24}">
+                <p16:designElem xmlns:p16="http://schemas.microsoft.com/office/powerpoint/2015/main" val="1"/>
+              </p:ext>
+            </p:extLst>
+          </p:nvPr>
+        </p:nvPicPr>
+        <p:blipFill>
+          <a:blip r:embed="rId2">
+            <a:alphaModFix amt="10000"/>
+            <a:extLst>
+              <a:ext uri="{28A0092B-C50C-407E-A947-70E740481C1C}">
+                <a14:useLocalDpi xmlns:a14="http://schemas.microsoft.com/office/drawing/2010/main" val="0"/>
+              </a:ext>
+            </a:extLst>
+          </a:blip>
+          <a:stretch>
+            <a:fillRect/>
+          </a:stretch>
+        </p:blipFill>
+        <p:spPr>
+          <a:xfrm>
+            <a:off x="0" y="0"/>
+            <a:ext cx="12192000" cy="6858000"/>
+          </a:xfrm>
+          <a:prstGeom prst="rect">
+            <a:avLst/>
+          </a:prstGeom>
+        </p:spPr>
+      </p:pic>
+      <p:pic>
+        <p:nvPicPr>
+          <p:cNvPr id="13" name="Picture 12">
+            <a:extLst>
+              <a:ext uri="{FF2B5EF4-FFF2-40B4-BE49-F238E27FC236}">
+                <a16:creationId xmlns:a16="http://schemas.microsoft.com/office/drawing/2014/main" id="{0146E45C-1450-4186-B501-74F221F897A8}"/>
+              </a:ext>
+              <a:ext uri="{C183D7F6-B498-43B3-948B-1728B52AA6E4}">
+                <adec:decorative xmlns:adec="http://schemas.microsoft.com/office/drawing/2017/decorative" val="1"/>
+              </a:ext>
+            </a:extLst>
+          </p:cNvPr>
+          <p:cNvPicPr>
+            <a:picLocks noGrp="1" noRot="1" noChangeAspect="1" noMove="1" noResize="1" noEditPoints="1" noAdjustHandles="1" noChangeArrowheads="1" noChangeShapeType="1" noCrop="1"/>
+          </p:cNvPicPr>
+          <p:nvPr>
+            <p:extLst>
+              <p:ext uri="{386F3935-93C4-4BCD-93E2-E3B085C9AB24}">
+                <p16:designElem xmlns:p16="http://schemas.microsoft.com/office/powerpoint/2015/main" val="1"/>
+              </p:ext>
+            </p:extLst>
+          </p:nvPr>
+        </p:nvPicPr>
+        <p:blipFill>
+          <a:blip r:embed="rId3">
+            <a:extLst>
+              <a:ext uri="{28A0092B-C50C-407E-A947-70E740481C1C}">
+                <a14:useLocalDpi xmlns:a14="http://schemas.microsoft.com/office/drawing/2010/main" val="0"/>
+              </a:ext>
+            </a:extLst>
+          </a:blip>
+          <a:stretch>
+            <a:fillRect/>
+          </a:stretch>
+        </p:blipFill>
+        <p:spPr>
+          <a:xfrm>
+            <a:off x="1" y="4242851"/>
+            <a:ext cx="8968084" cy="275942"/>
+          </a:xfrm>
+          <a:prstGeom prst="rect">
+            <a:avLst/>
+          </a:prstGeom>
+        </p:spPr>
+      </p:pic>
+      <p:pic>
+        <p:nvPicPr>
+          <p:cNvPr id="15" name="Picture 14">
+            <a:extLst>
+              <a:ext uri="{FF2B5EF4-FFF2-40B4-BE49-F238E27FC236}">
+                <a16:creationId xmlns:a16="http://schemas.microsoft.com/office/drawing/2014/main" id="{EEDDA48B-BC04-4915-ADA3-A1A9522EB0D1}"/>
+              </a:ext>
+              <a:ext uri="{C183D7F6-B498-43B3-948B-1728B52AA6E4}">
+                <adec:decorative xmlns:adec="http://schemas.microsoft.com/office/drawing/2017/decorative" val="1"/>
+              </a:ext>
+            </a:extLst>
+          </p:cNvPr>
+          <p:cNvPicPr>
+            <a:picLocks noGrp="1" noRot="1" noChangeAspect="1" noMove="1" noResize="1" noEditPoints="1" noAdjustHandles="1" noChangeArrowheads="1" noChangeShapeType="1" noCrop="1"/>
+          </p:cNvPicPr>
+          <p:nvPr>
+            <p:extLst>
+              <p:ext uri="{386F3935-93C4-4BCD-93E2-E3B085C9AB24}">
+                <p16:designElem xmlns:p16="http://schemas.microsoft.com/office/powerpoint/2015/main" val="1"/>
+              </p:ext>
+            </p:extLst>
+          </p:nvPr>
+        </p:nvPicPr>
+        <p:blipFill>
+          <a:blip r:embed="rId4">
+            <a:extLst>
+              <a:ext uri="{28A0092B-C50C-407E-A947-70E740481C1C}">
+                <a14:useLocalDpi xmlns:a14="http://schemas.microsoft.com/office/drawing/2010/main" val="0"/>
+              </a:ext>
+            </a:extLst>
+          </a:blip>
+          <a:stretch>
+            <a:fillRect/>
+          </a:stretch>
+        </p:blipFill>
+        <p:spPr>
+          <a:xfrm>
+            <a:off x="9111716" y="4243845"/>
+            <a:ext cx="3077108" cy="276940"/>
+          </a:xfrm>
+          <a:prstGeom prst="rect">
+            <a:avLst/>
+          </a:prstGeom>
+        </p:spPr>
+      </p:pic>
+      <p:sp>
+        <p:nvSpPr>
+          <p:cNvPr id="17" name="Rectangle 16">
+            <a:extLst>
+              <a:ext uri="{FF2B5EF4-FFF2-40B4-BE49-F238E27FC236}">
+                <a16:creationId xmlns:a16="http://schemas.microsoft.com/office/drawing/2014/main" id="{78C9D07A-5A22-4E55-B18A-47CF07E5080D}"/>
+              </a:ext>
+              <a:ext uri="{C183D7F6-B498-43B3-948B-1728B52AA6E4}">
+                <adec:decorative xmlns:adec="http://schemas.microsoft.com/office/drawing/2017/decorative" val="1"/>
+              </a:ext>
+            </a:extLst>
+          </p:cNvPr>
+          <p:cNvSpPr>
+            <a:spLocks noGrp="1" noRot="1" noChangeAspect="1" noMove="1" noResize="1" noEditPoints="1" noAdjustHandles="1" noChangeArrowheads="1" noChangeShapeType="1" noTextEdit="1"/>
+          </p:cNvSpPr>
+          <p:nvPr>
+            <p:extLst>
+              <p:ext uri="{386F3935-93C4-4BCD-93E2-E3B085C9AB24}">
+                <p16:designElem xmlns:p16="http://schemas.microsoft.com/office/powerpoint/2015/main" val="1"/>
+              </p:ext>
+            </p:extLst>
+          </p:nvPr>
+        </p:nvSpPr>
+        <p:spPr>
+          <a:xfrm>
+            <a:off x="0" y="2590078"/>
+            <a:ext cx="8968085" cy="1660332"/>
+          </a:xfrm>
+          <a:prstGeom prst="rect">
+            <a:avLst/>
+          </a:prstGeom>
+          <a:solidFill>
+            <a:schemeClr val="bg1">
+              <a:lumMod val="85000"/>
+              <a:lumOff val="15000"/>
+            </a:schemeClr>
+          </a:solidFill>
+          <a:ln>
+            <a:noFill/>
+          </a:ln>
+        </p:spPr>
+        <p:style>
+          <a:lnRef idx="2">
+            <a:schemeClr val="accent1">
+              <a:shade val="50000"/>
+            </a:schemeClr>
+          </a:lnRef>
+          <a:fillRef idx="1">
+            <a:schemeClr val="accent1"/>
+          </a:fillRef>
+          <a:effectRef idx="0">
+            <a:schemeClr val="accent1"/>
+          </a:effectRef>
+          <a:fontRef idx="minor">
+            <a:schemeClr val="lt1"/>
+          </a:fontRef>
+        </p:style>
+      </p:sp>
+      <p:sp>
+        <p:nvSpPr>
+          <p:cNvPr id="19" name="Rectangle 18">
+            <a:extLst>
+              <a:ext uri="{FF2B5EF4-FFF2-40B4-BE49-F238E27FC236}">
+                <a16:creationId xmlns:a16="http://schemas.microsoft.com/office/drawing/2014/main" id="{3D71E629-0739-4A59-972B-A9E9A4500E31}"/>
+              </a:ext>
+              <a:ext uri="{C183D7F6-B498-43B3-948B-1728B52AA6E4}">
+                <adec:decorative xmlns:adec="http://schemas.microsoft.com/office/drawing/2017/decorative" val="1"/>
+              </a:ext>
+            </a:extLst>
+          </p:cNvPr>
+          <p:cNvSpPr>
+            <a:spLocks noGrp="1" noRot="1" noChangeAspect="1" noMove="1" noResize="1" noEditPoints="1" noAdjustHandles="1" noChangeArrowheads="1" noChangeShapeType="1" noTextEdit="1"/>
+          </p:cNvSpPr>
+          <p:nvPr>
+            <p:extLst>
+              <p:ext uri="{386F3935-93C4-4BCD-93E2-E3B085C9AB24}">
+                <p16:designElem xmlns:p16="http://schemas.microsoft.com/office/powerpoint/2015/main" val="1"/>
+              </p:ext>
+            </p:extLst>
+          </p:nvPr>
+        </p:nvSpPr>
+        <p:spPr>
+          <a:xfrm>
+            <a:off x="9111715" y="2590078"/>
+            <a:ext cx="3077109" cy="1660332"/>
+          </a:xfrm>
+          <a:prstGeom prst="rect">
+            <a:avLst/>
+          </a:prstGeom>
+          <a:solidFill>
+            <a:schemeClr val="accent1"/>
+          </a:solidFill>
+          <a:ln>
+            <a:noFill/>
+          </a:ln>
+        </p:spPr>
+        <p:style>
+          <a:lnRef idx="2">
+            <a:schemeClr val="accent1">
+              <a:shade val="50000"/>
+            </a:schemeClr>
+          </a:lnRef>
+          <a:fillRef idx="1">
+            <a:schemeClr val="accent1"/>
+          </a:fillRef>
+          <a:effectRef idx="0">
+            <a:schemeClr val="accent1"/>
+          </a:effectRef>
+          <a:fontRef idx="minor">
+            <a:schemeClr val="lt1"/>
+          </a:fontRef>
+        </p:style>
+      </p:sp>
+      <p:sp useBgFill="1">
+        <p:nvSpPr>
+          <p:cNvPr id="21" name="Rectangle 20">
+            <a:extLst>
+              <a:ext uri="{FF2B5EF4-FFF2-40B4-BE49-F238E27FC236}">
+                <a16:creationId xmlns:a16="http://schemas.microsoft.com/office/drawing/2014/main" id="{00573A24-AD84-4562-A993-7D04E1D18209}"/>
+              </a:ext>
+              <a:ext uri="{C183D7F6-B498-43B3-948B-1728B52AA6E4}">
+                <adec:decorative xmlns:adec="http://schemas.microsoft.com/office/drawing/2017/decorative" val="1"/>
+              </a:ext>
+            </a:extLst>
+          </p:cNvPr>
+          <p:cNvSpPr>
+            <a:spLocks noGrp="1" noRot="1" noChangeAspect="1" noMove="1" noResize="1" noEditPoints="1" noAdjustHandles="1" noChangeArrowheads="1" noChangeShapeType="1" noTextEdit="1"/>
+          </p:cNvSpPr>
+          <p:nvPr>
+            <p:extLst>
+              <p:ext uri="{386F3935-93C4-4BCD-93E2-E3B085C9AB24}">
+                <p16:designElem xmlns:p16="http://schemas.microsoft.com/office/powerpoint/2015/main" val="1"/>
+              </p:ext>
+            </p:extLst>
+          </p:nvPr>
+        </p:nvSpPr>
+        <p:spPr>
+          <a:xfrm>
+            <a:off x="0" y="0"/>
+            <a:ext cx="12188824" cy="6858000"/>
+          </a:xfrm>
+          <a:prstGeom prst="rect">
+            <a:avLst/>
+          </a:prstGeom>
+          <a:ln>
+            <a:noFill/>
+          </a:ln>
+        </p:spPr>
+        <p:style>
+          <a:lnRef idx="2">
+            <a:schemeClr val="accent1">
+              <a:shade val="50000"/>
+            </a:schemeClr>
+          </a:lnRef>
+          <a:fillRef idx="1">
+            <a:schemeClr val="accent1"/>
+          </a:fillRef>
+          <a:effectRef idx="0">
+            <a:schemeClr val="accent1"/>
+          </a:effectRef>
+          <a:fontRef idx="minor">
+            <a:schemeClr val="lt1"/>
+          </a:fontRef>
+        </p:style>
+        <p:txBody>
+          <a:bodyPr rtlCol="0" anchor="ctr"/>
+          <a:lstStyle/>
+          <a:p>
+            <a:pPr algn="ctr"/>
+            <a:endParaRPr lang="en-US"/>
+          </a:p>
+        </p:txBody>
+      </p:sp>
+      <p:pic>
+        <p:nvPicPr>
+          <p:cNvPr id="23" name="Picture 22">
+            <a:extLst>
+              <a:ext uri="{FF2B5EF4-FFF2-40B4-BE49-F238E27FC236}">
+                <a16:creationId xmlns:a16="http://schemas.microsoft.com/office/drawing/2014/main" id="{B3C087F8-F09C-4C07-B55F-6081689A2413}"/>
+              </a:ext>
+              <a:ext uri="{C183D7F6-B498-43B3-948B-1728B52AA6E4}">
+                <adec:decorative xmlns:adec="http://schemas.microsoft.com/office/drawing/2017/decorative" val="1"/>
+              </a:ext>
+            </a:extLst>
+          </p:cNvPr>
+          <p:cNvPicPr>
+            <a:picLocks noGrp="1" noRot="1" noChangeAspect="1" noMove="1" noResize="1" noEditPoints="1" noAdjustHandles="1" noChangeArrowheads="1" noChangeShapeType="1" noCrop="1"/>
+          </p:cNvPicPr>
+          <p:nvPr>
+            <p:extLst>
+              <p:ext uri="{386F3935-93C4-4BCD-93E2-E3B085C9AB24}">
+                <p16:designElem xmlns:p16="http://schemas.microsoft.com/office/powerpoint/2015/main" val="1"/>
+              </p:ext>
+            </p:extLst>
+          </p:nvPr>
+        </p:nvPicPr>
+        <p:blipFill>
+          <a:blip r:embed="rId2">
+            <a:alphaModFix amt="10000"/>
+            <a:extLst>
+              <a:ext uri="{28A0092B-C50C-407E-A947-70E740481C1C}">
+                <a14:useLocalDpi xmlns:a14="http://schemas.microsoft.com/office/drawing/2010/main" val="0"/>
+              </a:ext>
+            </a:extLst>
+          </a:blip>
+          <a:stretch>
+            <a:fillRect/>
+          </a:stretch>
+        </p:blipFill>
+        <p:spPr>
+          <a:xfrm>
+            <a:off x="0" y="0"/>
+            <a:ext cx="12192000" cy="6858000"/>
+          </a:xfrm>
+          <a:prstGeom prst="rect">
+            <a:avLst/>
+          </a:prstGeom>
+        </p:spPr>
+      </p:pic>
+      <p:sp>
+        <p:nvSpPr>
+          <p:cNvPr id="25" name="Rectangle 24">
+            <a:extLst>
+              <a:ext uri="{FF2B5EF4-FFF2-40B4-BE49-F238E27FC236}">
+                <a16:creationId xmlns:a16="http://schemas.microsoft.com/office/drawing/2014/main" id="{FC49D257-5737-4C0D-89EA-9C311AF2B8B5}"/>
+              </a:ext>
+              <a:ext uri="{C183D7F6-B498-43B3-948B-1728B52AA6E4}">
+                <adec:decorative xmlns:adec="http://schemas.microsoft.com/office/drawing/2017/decorative" val="1"/>
+              </a:ext>
+            </a:extLst>
+          </p:cNvPr>
+          <p:cNvSpPr>
+            <a:spLocks noGrp="1" noRot="1" noChangeAspect="1" noMove="1" noResize="1" noEditPoints="1" noAdjustHandles="1" noChangeArrowheads="1" noChangeShapeType="1" noTextEdit="1"/>
+          </p:cNvSpPr>
+          <p:nvPr>
+            <p:extLst>
+              <p:ext uri="{386F3935-93C4-4BCD-93E2-E3B085C9AB24}">
+                <p16:designElem xmlns:p16="http://schemas.microsoft.com/office/powerpoint/2015/main" val="1"/>
+              </p:ext>
+            </p:extLst>
+          </p:nvPr>
+        </p:nvSpPr>
+        <p:spPr>
+          <a:xfrm>
+            <a:off x="6099176" y="0"/>
+            <a:ext cx="6092824" cy="6858001"/>
+          </a:xfrm>
+          <a:prstGeom prst="rect">
+            <a:avLst/>
+          </a:prstGeom>
+          <a:ln>
+            <a:noFill/>
+          </a:ln>
+        </p:spPr>
+        <p:style>
+          <a:lnRef idx="2">
+            <a:schemeClr val="accent1">
+              <a:shade val="50000"/>
+            </a:schemeClr>
+          </a:lnRef>
+          <a:fillRef idx="1">
+            <a:schemeClr val="accent1"/>
+          </a:fillRef>
+          <a:effectRef idx="0">
+            <a:schemeClr val="accent1"/>
+          </a:effectRef>
+          <a:fontRef idx="minor">
+            <a:schemeClr val="lt1"/>
+          </a:fontRef>
+        </p:style>
+        <p:txBody>
+          <a:bodyPr rtlCol="0" anchor="ctr"/>
+          <a:lstStyle/>
+          <a:p>
+            <a:pPr algn="ctr"/>
+            <a:endParaRPr lang="en-US"/>
+          </a:p>
+        </p:txBody>
+      </p:sp>
+      <p:pic>
+        <p:nvPicPr>
+          <p:cNvPr id="27" name="Picture 26">
+            <a:extLst>
+              <a:ext uri="{FF2B5EF4-FFF2-40B4-BE49-F238E27FC236}">
+                <a16:creationId xmlns:a16="http://schemas.microsoft.com/office/drawing/2014/main" id="{E13D267A-94F5-488A-94C6-5D7156D9AF8C}"/>
+              </a:ext>
+              <a:ext uri="{C183D7F6-B498-43B3-948B-1728B52AA6E4}">
+                <adec:decorative xmlns:adec="http://schemas.microsoft.com/office/drawing/2017/decorative" val="1"/>
+              </a:ext>
+            </a:extLst>
+          </p:cNvPr>
+          <p:cNvPicPr>
+            <a:picLocks noGrp="1" noRot="1" noChangeAspect="1" noMove="1" noResize="1" noEditPoints="1" noAdjustHandles="1" noChangeArrowheads="1" noChangeShapeType="1" noCrop="1"/>
+          </p:cNvPicPr>
+          <p:nvPr>
+            <p:extLst>
+              <p:ext uri="{386F3935-93C4-4BCD-93E2-E3B085C9AB24}">
+                <p16:designElem xmlns:p16="http://schemas.microsoft.com/office/powerpoint/2015/main" val="1"/>
+              </p:ext>
+            </p:extLst>
+          </p:nvPr>
+        </p:nvPicPr>
+        <p:blipFill>
+          <a:blip r:embed="rId3">
+            <a:extLst>
+              <a:ext uri="{28A0092B-C50C-407E-A947-70E740481C1C}">
+                <a14:useLocalDpi xmlns:a14="http://schemas.microsoft.com/office/drawing/2010/main" val="0"/>
+              </a:ext>
+            </a:extLst>
+          </a:blip>
+          <a:stretch>
+            <a:fillRect/>
+          </a:stretch>
+        </p:blipFill>
+        <p:spPr>
+          <a:xfrm>
+            <a:off x="1" y="4688333"/>
+            <a:ext cx="6400800" cy="185701"/>
+          </a:xfrm>
+          <a:prstGeom prst="rect">
+            <a:avLst/>
+          </a:prstGeom>
+        </p:spPr>
+      </p:pic>
+      <p:sp>
+        <p:nvSpPr>
+          <p:cNvPr id="29" name="Rectangle 28">
+            <a:extLst>
+              <a:ext uri="{FF2B5EF4-FFF2-40B4-BE49-F238E27FC236}">
+                <a16:creationId xmlns:a16="http://schemas.microsoft.com/office/drawing/2014/main" id="{46CE3EB2-91DF-4F5D-8874-744AAAE311E1}"/>
+              </a:ext>
+              <a:ext uri="{C183D7F6-B498-43B3-948B-1728B52AA6E4}">
+                <adec:decorative xmlns:adec="http://schemas.microsoft.com/office/drawing/2017/decorative" val="1"/>
+              </a:ext>
+            </a:extLst>
+          </p:cNvPr>
+          <p:cNvSpPr>
+            <a:spLocks noGrp="1" noRot="1" noChangeAspect="1" noMove="1" noResize="1" noEditPoints="1" noAdjustHandles="1" noChangeArrowheads="1" noChangeShapeType="1" noTextEdit="1"/>
+          </p:cNvSpPr>
+          <p:nvPr>
+            <p:extLst>
+              <p:ext uri="{386F3935-93C4-4BCD-93E2-E3B085C9AB24}">
+                <p16:designElem xmlns:p16="http://schemas.microsoft.com/office/powerpoint/2015/main" val="1"/>
+              </p:ext>
+            </p:extLst>
+          </p:nvPr>
+        </p:nvSpPr>
+        <p:spPr>
+          <a:xfrm>
+            <a:off x="-1" y="2162908"/>
+            <a:ext cx="6411743" cy="2532185"/>
+          </a:xfrm>
+          <a:prstGeom prst="rect">
+            <a:avLst/>
+          </a:prstGeom>
+          <a:solidFill>
+            <a:schemeClr val="bg1">
+              <a:lumMod val="85000"/>
+              <a:lumOff val="15000"/>
+            </a:schemeClr>
+          </a:solidFill>
+          <a:ln>
+            <a:noFill/>
+          </a:ln>
+        </p:spPr>
+        <p:style>
+          <a:lnRef idx="2">
+            <a:schemeClr val="accent1">
+              <a:shade val="50000"/>
+            </a:schemeClr>
+          </a:lnRef>
+          <a:fillRef idx="1">
+            <a:schemeClr val="accent1"/>
+          </a:fillRef>
+          <a:effectRef idx="0">
+            <a:schemeClr val="accent1"/>
+          </a:effectRef>
+          <a:fontRef idx="minor">
+            <a:schemeClr val="lt1"/>
+          </a:fontRef>
+        </p:style>
+      </p:sp>
+      <p:sp>
+        <p:nvSpPr>
+          <p:cNvPr id="2" name="Tytuł 1">
+            <a:extLst>
+              <a:ext uri="{FF2B5EF4-FFF2-40B4-BE49-F238E27FC236}">
+                <a16:creationId xmlns:a16="http://schemas.microsoft.com/office/drawing/2014/main" id="{FADA5054-ACC2-481A-94EC-C1483A2C0ACB}"/>
+              </a:ext>
+            </a:extLst>
+          </p:cNvPr>
+          <p:cNvSpPr>
+            <a:spLocks noGrp="1"/>
+          </p:cNvSpPr>
+          <p:nvPr>
+            <p:ph type="title"/>
+          </p:nvPr>
+        </p:nvSpPr>
+        <p:spPr>
+          <a:xfrm>
+            <a:off x="680322" y="2403231"/>
+            <a:ext cx="5192940" cy="2133600"/>
+          </a:xfrm>
+        </p:spPr>
+        <p:txBody>
+          <a:bodyPr vert="horz" lIns="91440" tIns="45720" rIns="91440" bIns="45720" rtlCol="0" anchor="ctr">
+            <a:normAutofit/>
+          </a:bodyPr>
+          <a:lstStyle/>
+          <a:p>
+            <a:pPr algn="r"/>
+            <a:r>
+              <a:rPr lang="en-US" sz="5400"/>
+              <a:t>Wpływy</a:t>
+            </a:r>
+          </a:p>
+        </p:txBody>
+      </p:sp>
+      <p:pic>
+        <p:nvPicPr>
+          <p:cNvPr id="6" name="Grafika 5">
+            <a:extLst>
+              <a:ext uri="{FF2B5EF4-FFF2-40B4-BE49-F238E27FC236}">
+                <a16:creationId xmlns:a16="http://schemas.microsoft.com/office/drawing/2014/main" id="{5ED646B7-DFC7-4216-89FF-22CCBBD3AAD1}"/>
+              </a:ext>
+            </a:extLst>
+          </p:cNvPr>
+          <p:cNvPicPr>
+            <a:picLocks noChangeAspect="1"/>
+          </p:cNvPicPr>
+          <p:nvPr/>
+        </p:nvPicPr>
+        <p:blipFill>
+          <a:blip r:embed="rId5">
+            <a:extLst>
+              <a:ext uri="{28A0092B-C50C-407E-A947-70E740481C1C}">
+                <a14:useLocalDpi xmlns:a14="http://schemas.microsoft.com/office/drawing/2010/main" val="0"/>
+              </a:ext>
+              <a:ext uri="{96DAC541-7B7A-43D3-8B79-37D633B846F1}">
+                <asvg:svgBlip xmlns:asvg="http://schemas.microsoft.com/office/drawing/2016/SVG/main" r:embed="rId6"/>
+              </a:ext>
+            </a:extLst>
+          </a:blip>
+          <a:stretch>
+            <a:fillRect/>
+          </a:stretch>
+        </p:blipFill>
+        <p:spPr>
+          <a:xfrm>
+            <a:off x="6397382" y="1001948"/>
+            <a:ext cx="5575055" cy="4557781"/>
+          </a:xfrm>
+          <a:prstGeom prst="rect">
+            <a:avLst/>
+          </a:prstGeom>
+          <a:ln>
+            <a:noFill/>
+          </a:ln>
+          <a:effectLst>
+            <a:outerShdw blurRad="76200" dist="63500" dir="5040000" algn="tl" rotWithShape="0">
+              <a:srgbClr val="000000">
+                <a:alpha val="41000"/>
+              </a:srgbClr>
+            </a:outerShdw>
+          </a:effectLst>
+        </p:spPr>
+      </p:pic>
+      <p:sp>
+        <p:nvSpPr>
+          <p:cNvPr id="3" name="Symbol zastępczy numeru slajdu 2">
+            <a:extLst>
+              <a:ext uri="{FF2B5EF4-FFF2-40B4-BE49-F238E27FC236}">
+                <a16:creationId xmlns:a16="http://schemas.microsoft.com/office/drawing/2014/main" id="{EECA07A0-4F22-44BB-935D-0F857413D751}"/>
+              </a:ext>
+            </a:extLst>
+          </p:cNvPr>
+          <p:cNvSpPr>
+            <a:spLocks noGrp="1"/>
+          </p:cNvSpPr>
+          <p:nvPr>
+            <p:ph type="sldNum" sz="quarter" idx="12"/>
+          </p:nvPr>
+        </p:nvSpPr>
+        <p:spPr>
+          <a:xfrm>
+            <a:off x="11281776" y="6336872"/>
+            <a:ext cx="722655" cy="365760"/>
+          </a:xfrm>
+        </p:spPr>
+        <p:txBody>
+          <a:bodyPr vert="horz" lIns="91440" tIns="45720" rIns="91440" bIns="45720" rtlCol="0" anchor="ctr">
+            <a:normAutofit/>
+          </a:bodyPr>
+          <a:lstStyle/>
+          <a:p>
+            <a:pPr defTabSz="914400">
+              <a:spcAft>
+                <a:spcPts val="600"/>
+              </a:spcAft>
+            </a:pPr>
+            <a:fld id="{73EBA5C1-EA0D-4D38-B474-3131B775EA3E}" type="slidenum">
+              <a:rPr lang="en-US" sz="1400">
+                <a:solidFill>
+                  <a:srgbClr val="FFFFFF"/>
+                </a:solidFill>
+              </a:rPr>
+              <a:pPr defTabSz="914400">
+                <a:spcAft>
+                  <a:spcPts val="600"/>
+                </a:spcAft>
+              </a:pPr>
+              <a:t>33</a:t>
+            </a:fld>
+            <a:endParaRPr lang="en-US" sz="1400">
+              <a:solidFill>
+                <a:srgbClr val="FFFFFF"/>
+              </a:solidFill>
+            </a:endParaRPr>
+          </a:p>
+        </p:txBody>
+      </p:sp>
+    </p:spTree>
+    <p:extLst>
+      <p:ext uri="{BB962C8B-B14F-4D97-AF65-F5344CB8AC3E}">
+        <p14:creationId xmlns:p14="http://schemas.microsoft.com/office/powerpoint/2010/main" val="2035800844"/>
+      </p:ext>
+    </p:extLst>
+  </p:cSld>
+  <p:clrMapOvr>
+    <a:masterClrMapping/>
+  </p:clrMapOvr>
+</p:sld>
+</file>
+
+<file path=ppt/slides/slide34.xml><?xml version="1.0" encoding="utf-8"?>
+<p:sld xmlns:a="http://schemas.openxmlformats.org/drawingml/2006/main" xmlns:r="http://schemas.openxmlformats.org/officeDocument/2006/relationships" xmlns:p="http://schemas.openxmlformats.org/presentationml/2006/main">
+  <p:cSld>
+    <p:bg>
+      <p:bgPr>
+        <a:gradFill rotWithShape="1">
+          <a:gsLst>
+            <a:gs pos="0">
+              <a:schemeClr val="bg2">
+                <a:tint val="96000"/>
+                <a:shade val="100000"/>
+                <a:hueMod val="270000"/>
+                <a:satMod val="200000"/>
+                <a:lumMod val="128000"/>
+              </a:schemeClr>
+            </a:gs>
+            <a:gs pos="50000">
+              <a:schemeClr val="bg2">
+                <a:shade val="100000"/>
+                <a:hueMod val="100000"/>
+                <a:satMod val="110000"/>
+                <a:lumMod val="130000"/>
+              </a:schemeClr>
+            </a:gs>
+            <a:gs pos="100000">
+              <a:schemeClr val="bg2">
+                <a:shade val="78000"/>
+                <a:hueMod val="44000"/>
+                <a:satMod val="200000"/>
+                <a:lumMod val="69000"/>
+              </a:schemeClr>
+            </a:gs>
+          </a:gsLst>
+          <a:lin ang="2520000" scaled="0"/>
+        </a:gradFill>
+        <a:effectLst/>
+      </p:bgPr>
+    </p:bg>
+    <p:spTree>
+      <p:nvGrpSpPr>
+        <p:cNvPr id="1" name=""/>
+        <p:cNvGrpSpPr/>
+        <p:nvPr/>
+      </p:nvGrpSpPr>
+      <p:grpSpPr>
+        <a:xfrm>
+          <a:off x="0" y="0"/>
+          <a:ext cx="0" cy="0"/>
+          <a:chOff x="0" y="0"/>
+          <a:chExt cx="0" cy="0"/>
+        </a:xfrm>
+      </p:grpSpPr>
+      <p:pic>
+        <p:nvPicPr>
           <p:cNvPr id="10" name="Picture 9">
             <a:extLst>
               <a:ext uri="{FF2B5EF4-FFF2-40B4-BE49-F238E27FC236}">
@@ -26366,7 +27243,7 @@
                   <a:spcPts val="600"/>
                 </a:spcAft>
               </a:pPr>
-              <a:t>33</a:t>
+              <a:t>34</a:t>
             </a:fld>
             <a:endParaRPr lang="en-US" sz="1400">
               <a:solidFill>
@@ -26389,7 +27266,7 @@
 </p:sld>
 </file>
 
-<file path=ppt/slides/slide34.xml><?xml version="1.0" encoding="utf-8"?>
+<file path=ppt/slides/slide35.xml><?xml version="1.0" encoding="utf-8"?>
 <p:sld xmlns:a="http://schemas.openxmlformats.org/drawingml/2006/main" xmlns:r="http://schemas.openxmlformats.org/officeDocument/2006/relationships" xmlns:p="http://schemas.openxmlformats.org/presentationml/2006/main">
   <p:cSld>
     <p:spTree>
@@ -26458,7 +27335,7 @@
           <a:p>
             <a:fld id="{73EBA5C1-EA0D-4D38-B474-3131B775EA3E}" type="slidenum">
               <a:rPr lang="pl-PL" smtClean="0"/>
-              <a:t>34</a:t>
+              <a:t>35</a:t>
             </a:fld>
             <a:endParaRPr lang="pl-PL"/>
           </a:p>
@@ -26507,728 +27384,6 @@
     <p:extLst>
       <p:ext uri="{BB962C8B-B14F-4D97-AF65-F5344CB8AC3E}">
         <p14:creationId xmlns:p14="http://schemas.microsoft.com/office/powerpoint/2010/main" val="166801903"/>
-      </p:ext>
-    </p:extLst>
-  </p:cSld>
-  <p:clrMapOvr>
-    <a:masterClrMapping/>
-  </p:clrMapOvr>
-</p:sld>
-</file>
-
-<file path=ppt/slides/slide35.xml><?xml version="1.0" encoding="utf-8"?>
-<p:sld xmlns:a="http://schemas.openxmlformats.org/drawingml/2006/main" xmlns:r="http://schemas.openxmlformats.org/officeDocument/2006/relationships" xmlns:p="http://schemas.openxmlformats.org/presentationml/2006/main">
-  <p:cSld>
-    <p:bg>
-      <p:bgPr>
-        <a:gradFill rotWithShape="1">
-          <a:gsLst>
-            <a:gs pos="0">
-              <a:schemeClr val="bg2">
-                <a:tint val="96000"/>
-                <a:shade val="100000"/>
-                <a:hueMod val="270000"/>
-                <a:satMod val="200000"/>
-                <a:lumMod val="128000"/>
-              </a:schemeClr>
-            </a:gs>
-            <a:gs pos="50000">
-              <a:schemeClr val="bg2">
-                <a:shade val="100000"/>
-                <a:hueMod val="100000"/>
-                <a:satMod val="110000"/>
-                <a:lumMod val="130000"/>
-              </a:schemeClr>
-            </a:gs>
-            <a:gs pos="100000">
-              <a:schemeClr val="bg2">
-                <a:shade val="78000"/>
-                <a:hueMod val="44000"/>
-                <a:satMod val="200000"/>
-                <a:lumMod val="69000"/>
-              </a:schemeClr>
-            </a:gs>
-          </a:gsLst>
-          <a:lin ang="2520000" scaled="0"/>
-        </a:gradFill>
-        <a:effectLst/>
-      </p:bgPr>
-    </p:bg>
-    <p:spTree>
-      <p:nvGrpSpPr>
-        <p:cNvPr id="1" name=""/>
-        <p:cNvGrpSpPr/>
-        <p:nvPr/>
-      </p:nvGrpSpPr>
-      <p:grpSpPr>
-        <a:xfrm>
-          <a:off x="0" y="0"/>
-          <a:ext cx="0" cy="0"/>
-          <a:chOff x="0" y="0"/>
-          <a:chExt cx="0" cy="0"/>
-        </a:xfrm>
-      </p:grpSpPr>
-      <p:pic>
-        <p:nvPicPr>
-          <p:cNvPr id="30" name="Picture 9">
-            <a:extLst>
-              <a:ext uri="{FF2B5EF4-FFF2-40B4-BE49-F238E27FC236}">
-                <a16:creationId xmlns:a16="http://schemas.microsoft.com/office/drawing/2014/main" id="{5321D838-2C7E-4177-9DD3-DAC78324A2B2}"/>
-              </a:ext>
-              <a:ext uri="{C183D7F6-B498-43B3-948B-1728B52AA6E4}">
-                <adec:decorative xmlns:adec="http://schemas.microsoft.com/office/drawing/2017/decorative" val="1"/>
-              </a:ext>
-            </a:extLst>
-          </p:cNvPr>
-          <p:cNvPicPr>
-            <a:picLocks noGrp="1" noRot="1" noChangeAspect="1" noMove="1" noResize="1" noEditPoints="1" noAdjustHandles="1" noChangeArrowheads="1" noChangeShapeType="1" noCrop="1"/>
-          </p:cNvPicPr>
-          <p:nvPr>
-            <p:extLst>
-              <p:ext uri="{386F3935-93C4-4BCD-93E2-E3B085C9AB24}">
-                <p16:designElem xmlns:p16="http://schemas.microsoft.com/office/powerpoint/2015/main" val="1"/>
-              </p:ext>
-            </p:extLst>
-          </p:nvPr>
-        </p:nvPicPr>
-        <p:blipFill>
-          <a:blip r:embed="rId2">
-            <a:alphaModFix amt="10000"/>
-            <a:extLst>
-              <a:ext uri="{28A0092B-C50C-407E-A947-70E740481C1C}">
-                <a14:useLocalDpi xmlns:a14="http://schemas.microsoft.com/office/drawing/2010/main" val="0"/>
-              </a:ext>
-            </a:extLst>
-          </a:blip>
-          <a:stretch>
-            <a:fillRect/>
-          </a:stretch>
-        </p:blipFill>
-        <p:spPr>
-          <a:xfrm>
-            <a:off x="0" y="0"/>
-            <a:ext cx="12192000" cy="6858000"/>
-          </a:xfrm>
-          <a:prstGeom prst="rect">
-            <a:avLst/>
-          </a:prstGeom>
-        </p:spPr>
-      </p:pic>
-      <p:pic>
-        <p:nvPicPr>
-          <p:cNvPr id="31" name="Picture 11">
-            <a:extLst>
-              <a:ext uri="{FF2B5EF4-FFF2-40B4-BE49-F238E27FC236}">
-                <a16:creationId xmlns:a16="http://schemas.microsoft.com/office/drawing/2014/main" id="{0146E45C-1450-4186-B501-74F221F897A8}"/>
-              </a:ext>
-              <a:ext uri="{C183D7F6-B498-43B3-948B-1728B52AA6E4}">
-                <adec:decorative xmlns:adec="http://schemas.microsoft.com/office/drawing/2017/decorative" val="1"/>
-              </a:ext>
-            </a:extLst>
-          </p:cNvPr>
-          <p:cNvPicPr>
-            <a:picLocks noGrp="1" noRot="1" noChangeAspect="1" noMove="1" noResize="1" noEditPoints="1" noAdjustHandles="1" noChangeArrowheads="1" noChangeShapeType="1" noCrop="1"/>
-          </p:cNvPicPr>
-          <p:nvPr>
-            <p:extLst>
-              <p:ext uri="{386F3935-93C4-4BCD-93E2-E3B085C9AB24}">
-                <p16:designElem xmlns:p16="http://schemas.microsoft.com/office/powerpoint/2015/main" val="1"/>
-              </p:ext>
-            </p:extLst>
-          </p:nvPr>
-        </p:nvPicPr>
-        <p:blipFill>
-          <a:blip r:embed="rId3">
-            <a:extLst>
-              <a:ext uri="{28A0092B-C50C-407E-A947-70E740481C1C}">
-                <a14:useLocalDpi xmlns:a14="http://schemas.microsoft.com/office/drawing/2010/main" val="0"/>
-              </a:ext>
-            </a:extLst>
-          </a:blip>
-          <a:stretch>
-            <a:fillRect/>
-          </a:stretch>
-        </p:blipFill>
-        <p:spPr>
-          <a:xfrm>
-            <a:off x="1" y="4242851"/>
-            <a:ext cx="8968084" cy="275942"/>
-          </a:xfrm>
-          <a:prstGeom prst="rect">
-            <a:avLst/>
-          </a:prstGeom>
-        </p:spPr>
-      </p:pic>
-      <p:pic>
-        <p:nvPicPr>
-          <p:cNvPr id="32" name="Picture 13">
-            <a:extLst>
-              <a:ext uri="{FF2B5EF4-FFF2-40B4-BE49-F238E27FC236}">
-                <a16:creationId xmlns:a16="http://schemas.microsoft.com/office/drawing/2014/main" id="{EEDDA48B-BC04-4915-ADA3-A1A9522EB0D1}"/>
-              </a:ext>
-              <a:ext uri="{C183D7F6-B498-43B3-948B-1728B52AA6E4}">
-                <adec:decorative xmlns:adec="http://schemas.microsoft.com/office/drawing/2017/decorative" val="1"/>
-              </a:ext>
-            </a:extLst>
-          </p:cNvPr>
-          <p:cNvPicPr>
-            <a:picLocks noGrp="1" noRot="1" noChangeAspect="1" noMove="1" noResize="1" noEditPoints="1" noAdjustHandles="1" noChangeArrowheads="1" noChangeShapeType="1" noCrop="1"/>
-          </p:cNvPicPr>
-          <p:nvPr>
-            <p:extLst>
-              <p:ext uri="{386F3935-93C4-4BCD-93E2-E3B085C9AB24}">
-                <p16:designElem xmlns:p16="http://schemas.microsoft.com/office/powerpoint/2015/main" val="1"/>
-              </p:ext>
-            </p:extLst>
-          </p:nvPr>
-        </p:nvPicPr>
-        <p:blipFill>
-          <a:blip r:embed="rId4">
-            <a:extLst>
-              <a:ext uri="{28A0092B-C50C-407E-A947-70E740481C1C}">
-                <a14:useLocalDpi xmlns:a14="http://schemas.microsoft.com/office/drawing/2010/main" val="0"/>
-              </a:ext>
-            </a:extLst>
-          </a:blip>
-          <a:stretch>
-            <a:fillRect/>
-          </a:stretch>
-        </p:blipFill>
-        <p:spPr>
-          <a:xfrm>
-            <a:off x="9111716" y="4243845"/>
-            <a:ext cx="3077108" cy="276940"/>
-          </a:xfrm>
-          <a:prstGeom prst="rect">
-            <a:avLst/>
-          </a:prstGeom>
-        </p:spPr>
-      </p:pic>
-      <p:sp>
-        <p:nvSpPr>
-          <p:cNvPr id="33" name="Rectangle 15">
-            <a:extLst>
-              <a:ext uri="{FF2B5EF4-FFF2-40B4-BE49-F238E27FC236}">
-                <a16:creationId xmlns:a16="http://schemas.microsoft.com/office/drawing/2014/main" id="{78C9D07A-5A22-4E55-B18A-47CF07E5080D}"/>
-              </a:ext>
-              <a:ext uri="{C183D7F6-B498-43B3-948B-1728B52AA6E4}">
-                <adec:decorative xmlns:adec="http://schemas.microsoft.com/office/drawing/2017/decorative" val="1"/>
-              </a:ext>
-            </a:extLst>
-          </p:cNvPr>
-          <p:cNvSpPr>
-            <a:spLocks noGrp="1" noRot="1" noChangeAspect="1" noMove="1" noResize="1" noEditPoints="1" noAdjustHandles="1" noChangeArrowheads="1" noChangeShapeType="1" noTextEdit="1"/>
-          </p:cNvSpPr>
-          <p:nvPr>
-            <p:extLst>
-              <p:ext uri="{386F3935-93C4-4BCD-93E2-E3B085C9AB24}">
-                <p16:designElem xmlns:p16="http://schemas.microsoft.com/office/powerpoint/2015/main" val="1"/>
-              </p:ext>
-            </p:extLst>
-          </p:nvPr>
-        </p:nvSpPr>
-        <p:spPr>
-          <a:xfrm>
-            <a:off x="0" y="2590078"/>
-            <a:ext cx="8968085" cy="1660332"/>
-          </a:xfrm>
-          <a:prstGeom prst="rect">
-            <a:avLst/>
-          </a:prstGeom>
-          <a:solidFill>
-            <a:schemeClr val="bg1">
-              <a:lumMod val="85000"/>
-              <a:lumOff val="15000"/>
-            </a:schemeClr>
-          </a:solidFill>
-          <a:ln>
-            <a:noFill/>
-          </a:ln>
-        </p:spPr>
-        <p:style>
-          <a:lnRef idx="2">
-            <a:schemeClr val="accent1">
-              <a:shade val="50000"/>
-            </a:schemeClr>
-          </a:lnRef>
-          <a:fillRef idx="1">
-            <a:schemeClr val="accent1"/>
-          </a:fillRef>
-          <a:effectRef idx="0">
-            <a:schemeClr val="accent1"/>
-          </a:effectRef>
-          <a:fontRef idx="minor">
-            <a:schemeClr val="lt1"/>
-          </a:fontRef>
-        </p:style>
-      </p:sp>
-      <p:sp>
-        <p:nvSpPr>
-          <p:cNvPr id="34" name="Rectangle 17">
-            <a:extLst>
-              <a:ext uri="{FF2B5EF4-FFF2-40B4-BE49-F238E27FC236}">
-                <a16:creationId xmlns:a16="http://schemas.microsoft.com/office/drawing/2014/main" id="{3D71E629-0739-4A59-972B-A9E9A4500E31}"/>
-              </a:ext>
-              <a:ext uri="{C183D7F6-B498-43B3-948B-1728B52AA6E4}">
-                <adec:decorative xmlns:adec="http://schemas.microsoft.com/office/drawing/2017/decorative" val="1"/>
-              </a:ext>
-            </a:extLst>
-          </p:cNvPr>
-          <p:cNvSpPr>
-            <a:spLocks noGrp="1" noRot="1" noChangeAspect="1" noMove="1" noResize="1" noEditPoints="1" noAdjustHandles="1" noChangeArrowheads="1" noChangeShapeType="1" noTextEdit="1"/>
-          </p:cNvSpPr>
-          <p:nvPr>
-            <p:extLst>
-              <p:ext uri="{386F3935-93C4-4BCD-93E2-E3B085C9AB24}">
-                <p16:designElem xmlns:p16="http://schemas.microsoft.com/office/powerpoint/2015/main" val="1"/>
-              </p:ext>
-            </p:extLst>
-          </p:nvPr>
-        </p:nvSpPr>
-        <p:spPr>
-          <a:xfrm>
-            <a:off x="9111715" y="2590078"/>
-            <a:ext cx="3077109" cy="1660332"/>
-          </a:xfrm>
-          <a:prstGeom prst="rect">
-            <a:avLst/>
-          </a:prstGeom>
-          <a:solidFill>
-            <a:schemeClr val="accent1"/>
-          </a:solidFill>
-          <a:ln>
-            <a:noFill/>
-          </a:ln>
-        </p:spPr>
-        <p:style>
-          <a:lnRef idx="2">
-            <a:schemeClr val="accent1">
-              <a:shade val="50000"/>
-            </a:schemeClr>
-          </a:lnRef>
-          <a:fillRef idx="1">
-            <a:schemeClr val="accent1"/>
-          </a:fillRef>
-          <a:effectRef idx="0">
-            <a:schemeClr val="accent1"/>
-          </a:effectRef>
-          <a:fontRef idx="minor">
-            <a:schemeClr val="lt1"/>
-          </a:fontRef>
-        </p:style>
-      </p:sp>
-      <p:sp useBgFill="1">
-        <p:nvSpPr>
-          <p:cNvPr id="35" name="Rectangle 19">
-            <a:extLst>
-              <a:ext uri="{FF2B5EF4-FFF2-40B4-BE49-F238E27FC236}">
-                <a16:creationId xmlns:a16="http://schemas.microsoft.com/office/drawing/2014/main" id="{00573A24-AD84-4562-A993-7D04E1D18209}"/>
-              </a:ext>
-              <a:ext uri="{C183D7F6-B498-43B3-948B-1728B52AA6E4}">
-                <adec:decorative xmlns:adec="http://schemas.microsoft.com/office/drawing/2017/decorative" val="1"/>
-              </a:ext>
-            </a:extLst>
-          </p:cNvPr>
-          <p:cNvSpPr>
-            <a:spLocks noGrp="1" noRot="1" noChangeAspect="1" noMove="1" noResize="1" noEditPoints="1" noAdjustHandles="1" noChangeArrowheads="1" noChangeShapeType="1" noTextEdit="1"/>
-          </p:cNvSpPr>
-          <p:nvPr>
-            <p:extLst>
-              <p:ext uri="{386F3935-93C4-4BCD-93E2-E3B085C9AB24}">
-                <p16:designElem xmlns:p16="http://schemas.microsoft.com/office/powerpoint/2015/main" val="1"/>
-              </p:ext>
-            </p:extLst>
-          </p:nvPr>
-        </p:nvSpPr>
-        <p:spPr>
-          <a:xfrm>
-            <a:off x="0" y="0"/>
-            <a:ext cx="12188824" cy="6858000"/>
-          </a:xfrm>
-          <a:prstGeom prst="rect">
-            <a:avLst/>
-          </a:prstGeom>
-          <a:ln>
-            <a:noFill/>
-          </a:ln>
-        </p:spPr>
-        <p:style>
-          <a:lnRef idx="2">
-            <a:schemeClr val="accent1">
-              <a:shade val="50000"/>
-            </a:schemeClr>
-          </a:lnRef>
-          <a:fillRef idx="1">
-            <a:schemeClr val="accent1"/>
-          </a:fillRef>
-          <a:effectRef idx="0">
-            <a:schemeClr val="accent1"/>
-          </a:effectRef>
-          <a:fontRef idx="minor">
-            <a:schemeClr val="lt1"/>
-          </a:fontRef>
-        </p:style>
-        <p:txBody>
-          <a:bodyPr rtlCol="0" anchor="ctr"/>
-          <a:lstStyle/>
-          <a:p>
-            <a:pPr algn="ctr"/>
-            <a:endParaRPr lang="en-US"/>
-          </a:p>
-        </p:txBody>
-      </p:sp>
-      <p:pic>
-        <p:nvPicPr>
-          <p:cNvPr id="36" name="Picture 21">
-            <a:extLst>
-              <a:ext uri="{FF2B5EF4-FFF2-40B4-BE49-F238E27FC236}">
-                <a16:creationId xmlns:a16="http://schemas.microsoft.com/office/drawing/2014/main" id="{B3C087F8-F09C-4C07-B55F-6081689A2413}"/>
-              </a:ext>
-              <a:ext uri="{C183D7F6-B498-43B3-948B-1728B52AA6E4}">
-                <adec:decorative xmlns:adec="http://schemas.microsoft.com/office/drawing/2017/decorative" val="1"/>
-              </a:ext>
-            </a:extLst>
-          </p:cNvPr>
-          <p:cNvPicPr>
-            <a:picLocks noGrp="1" noRot="1" noChangeAspect="1" noMove="1" noResize="1" noEditPoints="1" noAdjustHandles="1" noChangeArrowheads="1" noChangeShapeType="1" noCrop="1"/>
-          </p:cNvPicPr>
-          <p:nvPr>
-            <p:extLst>
-              <p:ext uri="{386F3935-93C4-4BCD-93E2-E3B085C9AB24}">
-                <p16:designElem xmlns:p16="http://schemas.microsoft.com/office/powerpoint/2015/main" val="1"/>
-              </p:ext>
-            </p:extLst>
-          </p:nvPr>
-        </p:nvPicPr>
-        <p:blipFill>
-          <a:blip r:embed="rId2">
-            <a:alphaModFix amt="10000"/>
-            <a:extLst>
-              <a:ext uri="{28A0092B-C50C-407E-A947-70E740481C1C}">
-                <a14:useLocalDpi xmlns:a14="http://schemas.microsoft.com/office/drawing/2010/main" val="0"/>
-              </a:ext>
-            </a:extLst>
-          </a:blip>
-          <a:stretch>
-            <a:fillRect/>
-          </a:stretch>
-        </p:blipFill>
-        <p:spPr>
-          <a:xfrm>
-            <a:off x="0" y="0"/>
-            <a:ext cx="12192000" cy="6858000"/>
-          </a:xfrm>
-          <a:prstGeom prst="rect">
-            <a:avLst/>
-          </a:prstGeom>
-        </p:spPr>
-      </p:pic>
-      <p:sp>
-        <p:nvSpPr>
-          <p:cNvPr id="37" name="Rectangle 23">
-            <a:extLst>
-              <a:ext uri="{FF2B5EF4-FFF2-40B4-BE49-F238E27FC236}">
-                <a16:creationId xmlns:a16="http://schemas.microsoft.com/office/drawing/2014/main" id="{FC49D257-5737-4C0D-89EA-9C311AF2B8B5}"/>
-              </a:ext>
-              <a:ext uri="{C183D7F6-B498-43B3-948B-1728B52AA6E4}">
-                <adec:decorative xmlns:adec="http://schemas.microsoft.com/office/drawing/2017/decorative" val="1"/>
-              </a:ext>
-            </a:extLst>
-          </p:cNvPr>
-          <p:cNvSpPr>
-            <a:spLocks noGrp="1" noRot="1" noChangeAspect="1" noMove="1" noResize="1" noEditPoints="1" noAdjustHandles="1" noChangeArrowheads="1" noChangeShapeType="1" noTextEdit="1"/>
-          </p:cNvSpPr>
-          <p:nvPr>
-            <p:extLst>
-              <p:ext uri="{386F3935-93C4-4BCD-93E2-E3B085C9AB24}">
-                <p16:designElem xmlns:p16="http://schemas.microsoft.com/office/powerpoint/2015/main" val="1"/>
-              </p:ext>
-            </p:extLst>
-          </p:nvPr>
-        </p:nvSpPr>
-        <p:spPr>
-          <a:xfrm>
-            <a:off x="6099176" y="0"/>
-            <a:ext cx="6092824" cy="6858001"/>
-          </a:xfrm>
-          <a:prstGeom prst="rect">
-            <a:avLst/>
-          </a:prstGeom>
-          <a:ln>
-            <a:noFill/>
-          </a:ln>
-        </p:spPr>
-        <p:style>
-          <a:lnRef idx="2">
-            <a:schemeClr val="accent1">
-              <a:shade val="50000"/>
-            </a:schemeClr>
-          </a:lnRef>
-          <a:fillRef idx="1">
-            <a:schemeClr val="accent1"/>
-          </a:fillRef>
-          <a:effectRef idx="0">
-            <a:schemeClr val="accent1"/>
-          </a:effectRef>
-          <a:fontRef idx="minor">
-            <a:schemeClr val="lt1"/>
-          </a:fontRef>
-        </p:style>
-        <p:txBody>
-          <a:bodyPr rtlCol="0" anchor="ctr"/>
-          <a:lstStyle/>
-          <a:p>
-            <a:pPr algn="ctr"/>
-            <a:endParaRPr lang="en-US"/>
-          </a:p>
-        </p:txBody>
-      </p:sp>
-      <p:pic>
-        <p:nvPicPr>
-          <p:cNvPr id="38" name="Picture 25">
-            <a:extLst>
-              <a:ext uri="{FF2B5EF4-FFF2-40B4-BE49-F238E27FC236}">
-                <a16:creationId xmlns:a16="http://schemas.microsoft.com/office/drawing/2014/main" id="{E13D267A-94F5-488A-94C6-5D7156D9AF8C}"/>
-              </a:ext>
-              <a:ext uri="{C183D7F6-B498-43B3-948B-1728B52AA6E4}">
-                <adec:decorative xmlns:adec="http://schemas.microsoft.com/office/drawing/2017/decorative" val="1"/>
-              </a:ext>
-            </a:extLst>
-          </p:cNvPr>
-          <p:cNvPicPr>
-            <a:picLocks noGrp="1" noRot="1" noChangeAspect="1" noMove="1" noResize="1" noEditPoints="1" noAdjustHandles="1" noChangeArrowheads="1" noChangeShapeType="1" noCrop="1"/>
-          </p:cNvPicPr>
-          <p:nvPr>
-            <p:extLst>
-              <p:ext uri="{386F3935-93C4-4BCD-93E2-E3B085C9AB24}">
-                <p16:designElem xmlns:p16="http://schemas.microsoft.com/office/powerpoint/2015/main" val="1"/>
-              </p:ext>
-            </p:extLst>
-          </p:nvPr>
-        </p:nvPicPr>
-        <p:blipFill>
-          <a:blip r:embed="rId3">
-            <a:extLst>
-              <a:ext uri="{28A0092B-C50C-407E-A947-70E740481C1C}">
-                <a14:useLocalDpi xmlns:a14="http://schemas.microsoft.com/office/drawing/2010/main" val="0"/>
-              </a:ext>
-            </a:extLst>
-          </a:blip>
-          <a:stretch>
-            <a:fillRect/>
-          </a:stretch>
-        </p:blipFill>
-        <p:spPr>
-          <a:xfrm>
-            <a:off x="1" y="4688333"/>
-            <a:ext cx="6400800" cy="185701"/>
-          </a:xfrm>
-          <a:prstGeom prst="rect">
-            <a:avLst/>
-          </a:prstGeom>
-        </p:spPr>
-      </p:pic>
-      <p:sp>
-        <p:nvSpPr>
-          <p:cNvPr id="39" name="Rectangle 27">
-            <a:extLst>
-              <a:ext uri="{FF2B5EF4-FFF2-40B4-BE49-F238E27FC236}">
-                <a16:creationId xmlns:a16="http://schemas.microsoft.com/office/drawing/2014/main" id="{46CE3EB2-91DF-4F5D-8874-744AAAE311E1}"/>
-              </a:ext>
-              <a:ext uri="{C183D7F6-B498-43B3-948B-1728B52AA6E4}">
-                <adec:decorative xmlns:adec="http://schemas.microsoft.com/office/drawing/2017/decorative" val="1"/>
-              </a:ext>
-            </a:extLst>
-          </p:cNvPr>
-          <p:cNvSpPr>
-            <a:spLocks noGrp="1" noRot="1" noChangeAspect="1" noMove="1" noResize="1" noEditPoints="1" noAdjustHandles="1" noChangeArrowheads="1" noChangeShapeType="1" noTextEdit="1"/>
-          </p:cNvSpPr>
-          <p:nvPr>
-            <p:extLst>
-              <p:ext uri="{386F3935-93C4-4BCD-93E2-E3B085C9AB24}">
-                <p16:designElem xmlns:p16="http://schemas.microsoft.com/office/powerpoint/2015/main" val="1"/>
-              </p:ext>
-            </p:extLst>
-          </p:nvPr>
-        </p:nvSpPr>
-        <p:spPr>
-          <a:xfrm>
-            <a:off x="-1" y="2162908"/>
-            <a:ext cx="6411743" cy="2532185"/>
-          </a:xfrm>
-          <a:prstGeom prst="rect">
-            <a:avLst/>
-          </a:prstGeom>
-          <a:solidFill>
-            <a:schemeClr val="bg1">
-              <a:lumMod val="85000"/>
-              <a:lumOff val="15000"/>
-            </a:schemeClr>
-          </a:solidFill>
-          <a:ln>
-            <a:noFill/>
-          </a:ln>
-        </p:spPr>
-        <p:style>
-          <a:lnRef idx="2">
-            <a:schemeClr val="accent1">
-              <a:shade val="50000"/>
-            </a:schemeClr>
-          </a:lnRef>
-          <a:fillRef idx="1">
-            <a:schemeClr val="accent1"/>
-          </a:fillRef>
-          <a:effectRef idx="0">
-            <a:schemeClr val="accent1"/>
-          </a:effectRef>
-          <a:fontRef idx="minor">
-            <a:schemeClr val="lt1"/>
-          </a:fontRef>
-        </p:style>
-      </p:sp>
-      <p:sp>
-        <p:nvSpPr>
-          <p:cNvPr id="2" name="Tytuł 1">
-            <a:extLst>
-              <a:ext uri="{FF2B5EF4-FFF2-40B4-BE49-F238E27FC236}">
-                <a16:creationId xmlns:a16="http://schemas.microsoft.com/office/drawing/2014/main" id="{EC002D38-331E-4C43-851E-7B2A0C90C1DA}"/>
-              </a:ext>
-            </a:extLst>
-          </p:cNvPr>
-          <p:cNvSpPr>
-            <a:spLocks noGrp="1"/>
-          </p:cNvSpPr>
-          <p:nvPr>
-            <p:ph type="title"/>
-          </p:nvPr>
-        </p:nvSpPr>
-        <p:spPr>
-          <a:xfrm>
-            <a:off x="680322" y="2403231"/>
-            <a:ext cx="5192940" cy="2133600"/>
-          </a:xfrm>
-        </p:spPr>
-        <p:txBody>
-          <a:bodyPr vert="horz" lIns="91440" tIns="45720" rIns="91440" bIns="45720" rtlCol="0" anchor="ctr">
-            <a:normAutofit/>
-          </a:bodyPr>
-          <a:lstStyle/>
-          <a:p>
-            <a:pPr algn="r"/>
-            <a:r>
-              <a:rPr lang="en-US" sz="5400"/>
-              <a:t>Bilans miesięczny</a:t>
-            </a:r>
-          </a:p>
-        </p:txBody>
-      </p:sp>
-      <p:pic>
-        <p:nvPicPr>
-          <p:cNvPr id="5" name="Grafika 4">
-            <a:extLst>
-              <a:ext uri="{FF2B5EF4-FFF2-40B4-BE49-F238E27FC236}">
-                <a16:creationId xmlns:a16="http://schemas.microsoft.com/office/drawing/2014/main" id="{2F61A690-F5F3-4AA6-B68E-5A767D06FED7}"/>
-              </a:ext>
-            </a:extLst>
-          </p:cNvPr>
-          <p:cNvPicPr>
-            <a:picLocks noChangeAspect="1"/>
-          </p:cNvPicPr>
-          <p:nvPr/>
-        </p:nvPicPr>
-        <p:blipFill>
-          <a:blip r:embed="rId5">
-            <a:extLst>
-              <a:ext uri="{28A0092B-C50C-407E-A947-70E740481C1C}">
-                <a14:useLocalDpi xmlns:a14="http://schemas.microsoft.com/office/drawing/2010/main" val="0"/>
-              </a:ext>
-              <a:ext uri="{96DAC541-7B7A-43D3-8B79-37D633B846F1}">
-                <asvg:svgBlip xmlns:asvg="http://schemas.microsoft.com/office/drawing/2016/SVG/main" r:embed="rId6"/>
-              </a:ext>
-            </a:extLst>
-          </a:blip>
-          <a:stretch>
-            <a:fillRect/>
-          </a:stretch>
-        </p:blipFill>
-        <p:spPr>
-          <a:xfrm>
-            <a:off x="6945550" y="107485"/>
-            <a:ext cx="4566128" cy="6397045"/>
-          </a:xfrm>
-          <a:prstGeom prst="rect">
-            <a:avLst/>
-          </a:prstGeom>
-          <a:ln>
-            <a:noFill/>
-          </a:ln>
-          <a:effectLst>
-            <a:outerShdw blurRad="76200" dist="63500" dir="5040000" algn="tl" rotWithShape="0">
-              <a:srgbClr val="000000">
-                <a:alpha val="41000"/>
-              </a:srgbClr>
-            </a:outerShdw>
-          </a:effectLst>
-        </p:spPr>
-      </p:pic>
-      <p:sp>
-        <p:nvSpPr>
-          <p:cNvPr id="3" name="Symbol zastępczy numeru slajdu 2">
-            <a:extLst>
-              <a:ext uri="{FF2B5EF4-FFF2-40B4-BE49-F238E27FC236}">
-                <a16:creationId xmlns:a16="http://schemas.microsoft.com/office/drawing/2014/main" id="{F96FB45D-B546-4536-A467-43CC7AC9705E}"/>
-              </a:ext>
-            </a:extLst>
-          </p:cNvPr>
-          <p:cNvSpPr>
-            <a:spLocks noGrp="1"/>
-          </p:cNvSpPr>
-          <p:nvPr>
-            <p:ph type="sldNum" sz="quarter" idx="12"/>
-          </p:nvPr>
-        </p:nvSpPr>
-        <p:spPr>
-          <a:xfrm>
-            <a:off x="11281776" y="6336872"/>
-            <a:ext cx="722655" cy="365760"/>
-          </a:xfrm>
-        </p:spPr>
-        <p:txBody>
-          <a:bodyPr vert="horz" lIns="91440" tIns="45720" rIns="91440" bIns="45720" rtlCol="0" anchor="ctr">
-            <a:normAutofit/>
-          </a:bodyPr>
-          <a:lstStyle/>
-          <a:p>
-            <a:pPr defTabSz="914400">
-              <a:spcAft>
-                <a:spcPts val="600"/>
-              </a:spcAft>
-            </a:pPr>
-            <a:fld id="{73EBA5C1-EA0D-4D38-B474-3131B775EA3E}" type="slidenum">
-              <a:rPr lang="en-US" sz="1400">
-                <a:solidFill>
-                  <a:srgbClr val="FFFFFF"/>
-                </a:solidFill>
-              </a:rPr>
-              <a:pPr defTabSz="914400">
-                <a:spcAft>
-                  <a:spcPts val="600"/>
-                </a:spcAft>
-              </a:pPr>
-              <a:t>35</a:t>
-            </a:fld>
-            <a:endParaRPr lang="en-US" sz="1400">
-              <a:solidFill>
-                <a:srgbClr val="FFFFFF"/>
-              </a:solidFill>
-            </a:endParaRPr>
-          </a:p>
-        </p:txBody>
-      </p:sp>
-    </p:spTree>
-    <p:extLst>
-      <p:ext uri="{BB962C8B-B14F-4D97-AF65-F5344CB8AC3E}">
-        <p14:creationId xmlns:p14="http://schemas.microsoft.com/office/powerpoint/2010/main" val="318629951"/>
       </p:ext>
     </p:extLst>
   </p:cSld>
@@ -27292,6 +27447,728 @@
       </p:grpSpPr>
       <p:pic>
         <p:nvPicPr>
+          <p:cNvPr id="30" name="Picture 9">
+            <a:extLst>
+              <a:ext uri="{FF2B5EF4-FFF2-40B4-BE49-F238E27FC236}">
+                <a16:creationId xmlns:a16="http://schemas.microsoft.com/office/drawing/2014/main" id="{5321D838-2C7E-4177-9DD3-DAC78324A2B2}"/>
+              </a:ext>
+              <a:ext uri="{C183D7F6-B498-43B3-948B-1728B52AA6E4}">
+                <adec:decorative xmlns:adec="http://schemas.microsoft.com/office/drawing/2017/decorative" val="1"/>
+              </a:ext>
+            </a:extLst>
+          </p:cNvPr>
+          <p:cNvPicPr>
+            <a:picLocks noGrp="1" noRot="1" noChangeAspect="1" noMove="1" noResize="1" noEditPoints="1" noAdjustHandles="1" noChangeArrowheads="1" noChangeShapeType="1" noCrop="1"/>
+          </p:cNvPicPr>
+          <p:nvPr>
+            <p:extLst>
+              <p:ext uri="{386F3935-93C4-4BCD-93E2-E3B085C9AB24}">
+                <p16:designElem xmlns:p16="http://schemas.microsoft.com/office/powerpoint/2015/main" val="1"/>
+              </p:ext>
+            </p:extLst>
+          </p:nvPr>
+        </p:nvPicPr>
+        <p:blipFill>
+          <a:blip r:embed="rId2">
+            <a:alphaModFix amt="10000"/>
+            <a:extLst>
+              <a:ext uri="{28A0092B-C50C-407E-A947-70E740481C1C}">
+                <a14:useLocalDpi xmlns:a14="http://schemas.microsoft.com/office/drawing/2010/main" val="0"/>
+              </a:ext>
+            </a:extLst>
+          </a:blip>
+          <a:stretch>
+            <a:fillRect/>
+          </a:stretch>
+        </p:blipFill>
+        <p:spPr>
+          <a:xfrm>
+            <a:off x="0" y="0"/>
+            <a:ext cx="12192000" cy="6858000"/>
+          </a:xfrm>
+          <a:prstGeom prst="rect">
+            <a:avLst/>
+          </a:prstGeom>
+        </p:spPr>
+      </p:pic>
+      <p:pic>
+        <p:nvPicPr>
+          <p:cNvPr id="31" name="Picture 11">
+            <a:extLst>
+              <a:ext uri="{FF2B5EF4-FFF2-40B4-BE49-F238E27FC236}">
+                <a16:creationId xmlns:a16="http://schemas.microsoft.com/office/drawing/2014/main" id="{0146E45C-1450-4186-B501-74F221F897A8}"/>
+              </a:ext>
+              <a:ext uri="{C183D7F6-B498-43B3-948B-1728B52AA6E4}">
+                <adec:decorative xmlns:adec="http://schemas.microsoft.com/office/drawing/2017/decorative" val="1"/>
+              </a:ext>
+            </a:extLst>
+          </p:cNvPr>
+          <p:cNvPicPr>
+            <a:picLocks noGrp="1" noRot="1" noChangeAspect="1" noMove="1" noResize="1" noEditPoints="1" noAdjustHandles="1" noChangeArrowheads="1" noChangeShapeType="1" noCrop="1"/>
+          </p:cNvPicPr>
+          <p:nvPr>
+            <p:extLst>
+              <p:ext uri="{386F3935-93C4-4BCD-93E2-E3B085C9AB24}">
+                <p16:designElem xmlns:p16="http://schemas.microsoft.com/office/powerpoint/2015/main" val="1"/>
+              </p:ext>
+            </p:extLst>
+          </p:nvPr>
+        </p:nvPicPr>
+        <p:blipFill>
+          <a:blip r:embed="rId3">
+            <a:extLst>
+              <a:ext uri="{28A0092B-C50C-407E-A947-70E740481C1C}">
+                <a14:useLocalDpi xmlns:a14="http://schemas.microsoft.com/office/drawing/2010/main" val="0"/>
+              </a:ext>
+            </a:extLst>
+          </a:blip>
+          <a:stretch>
+            <a:fillRect/>
+          </a:stretch>
+        </p:blipFill>
+        <p:spPr>
+          <a:xfrm>
+            <a:off x="1" y="4242851"/>
+            <a:ext cx="8968084" cy="275942"/>
+          </a:xfrm>
+          <a:prstGeom prst="rect">
+            <a:avLst/>
+          </a:prstGeom>
+        </p:spPr>
+      </p:pic>
+      <p:pic>
+        <p:nvPicPr>
+          <p:cNvPr id="32" name="Picture 13">
+            <a:extLst>
+              <a:ext uri="{FF2B5EF4-FFF2-40B4-BE49-F238E27FC236}">
+                <a16:creationId xmlns:a16="http://schemas.microsoft.com/office/drawing/2014/main" id="{EEDDA48B-BC04-4915-ADA3-A1A9522EB0D1}"/>
+              </a:ext>
+              <a:ext uri="{C183D7F6-B498-43B3-948B-1728B52AA6E4}">
+                <adec:decorative xmlns:adec="http://schemas.microsoft.com/office/drawing/2017/decorative" val="1"/>
+              </a:ext>
+            </a:extLst>
+          </p:cNvPr>
+          <p:cNvPicPr>
+            <a:picLocks noGrp="1" noRot="1" noChangeAspect="1" noMove="1" noResize="1" noEditPoints="1" noAdjustHandles="1" noChangeArrowheads="1" noChangeShapeType="1" noCrop="1"/>
+          </p:cNvPicPr>
+          <p:nvPr>
+            <p:extLst>
+              <p:ext uri="{386F3935-93C4-4BCD-93E2-E3B085C9AB24}">
+                <p16:designElem xmlns:p16="http://schemas.microsoft.com/office/powerpoint/2015/main" val="1"/>
+              </p:ext>
+            </p:extLst>
+          </p:nvPr>
+        </p:nvPicPr>
+        <p:blipFill>
+          <a:blip r:embed="rId4">
+            <a:extLst>
+              <a:ext uri="{28A0092B-C50C-407E-A947-70E740481C1C}">
+                <a14:useLocalDpi xmlns:a14="http://schemas.microsoft.com/office/drawing/2010/main" val="0"/>
+              </a:ext>
+            </a:extLst>
+          </a:blip>
+          <a:stretch>
+            <a:fillRect/>
+          </a:stretch>
+        </p:blipFill>
+        <p:spPr>
+          <a:xfrm>
+            <a:off x="9111716" y="4243845"/>
+            <a:ext cx="3077108" cy="276940"/>
+          </a:xfrm>
+          <a:prstGeom prst="rect">
+            <a:avLst/>
+          </a:prstGeom>
+        </p:spPr>
+      </p:pic>
+      <p:sp>
+        <p:nvSpPr>
+          <p:cNvPr id="33" name="Rectangle 15">
+            <a:extLst>
+              <a:ext uri="{FF2B5EF4-FFF2-40B4-BE49-F238E27FC236}">
+                <a16:creationId xmlns:a16="http://schemas.microsoft.com/office/drawing/2014/main" id="{78C9D07A-5A22-4E55-B18A-47CF07E5080D}"/>
+              </a:ext>
+              <a:ext uri="{C183D7F6-B498-43B3-948B-1728B52AA6E4}">
+                <adec:decorative xmlns:adec="http://schemas.microsoft.com/office/drawing/2017/decorative" val="1"/>
+              </a:ext>
+            </a:extLst>
+          </p:cNvPr>
+          <p:cNvSpPr>
+            <a:spLocks noGrp="1" noRot="1" noChangeAspect="1" noMove="1" noResize="1" noEditPoints="1" noAdjustHandles="1" noChangeArrowheads="1" noChangeShapeType="1" noTextEdit="1"/>
+          </p:cNvSpPr>
+          <p:nvPr>
+            <p:extLst>
+              <p:ext uri="{386F3935-93C4-4BCD-93E2-E3B085C9AB24}">
+                <p16:designElem xmlns:p16="http://schemas.microsoft.com/office/powerpoint/2015/main" val="1"/>
+              </p:ext>
+            </p:extLst>
+          </p:nvPr>
+        </p:nvSpPr>
+        <p:spPr>
+          <a:xfrm>
+            <a:off x="0" y="2590078"/>
+            <a:ext cx="8968085" cy="1660332"/>
+          </a:xfrm>
+          <a:prstGeom prst="rect">
+            <a:avLst/>
+          </a:prstGeom>
+          <a:solidFill>
+            <a:schemeClr val="bg1">
+              <a:lumMod val="85000"/>
+              <a:lumOff val="15000"/>
+            </a:schemeClr>
+          </a:solidFill>
+          <a:ln>
+            <a:noFill/>
+          </a:ln>
+        </p:spPr>
+        <p:style>
+          <a:lnRef idx="2">
+            <a:schemeClr val="accent1">
+              <a:shade val="50000"/>
+            </a:schemeClr>
+          </a:lnRef>
+          <a:fillRef idx="1">
+            <a:schemeClr val="accent1"/>
+          </a:fillRef>
+          <a:effectRef idx="0">
+            <a:schemeClr val="accent1"/>
+          </a:effectRef>
+          <a:fontRef idx="minor">
+            <a:schemeClr val="lt1"/>
+          </a:fontRef>
+        </p:style>
+      </p:sp>
+      <p:sp>
+        <p:nvSpPr>
+          <p:cNvPr id="34" name="Rectangle 17">
+            <a:extLst>
+              <a:ext uri="{FF2B5EF4-FFF2-40B4-BE49-F238E27FC236}">
+                <a16:creationId xmlns:a16="http://schemas.microsoft.com/office/drawing/2014/main" id="{3D71E629-0739-4A59-972B-A9E9A4500E31}"/>
+              </a:ext>
+              <a:ext uri="{C183D7F6-B498-43B3-948B-1728B52AA6E4}">
+                <adec:decorative xmlns:adec="http://schemas.microsoft.com/office/drawing/2017/decorative" val="1"/>
+              </a:ext>
+            </a:extLst>
+          </p:cNvPr>
+          <p:cNvSpPr>
+            <a:spLocks noGrp="1" noRot="1" noChangeAspect="1" noMove="1" noResize="1" noEditPoints="1" noAdjustHandles="1" noChangeArrowheads="1" noChangeShapeType="1" noTextEdit="1"/>
+          </p:cNvSpPr>
+          <p:nvPr>
+            <p:extLst>
+              <p:ext uri="{386F3935-93C4-4BCD-93E2-E3B085C9AB24}">
+                <p16:designElem xmlns:p16="http://schemas.microsoft.com/office/powerpoint/2015/main" val="1"/>
+              </p:ext>
+            </p:extLst>
+          </p:nvPr>
+        </p:nvSpPr>
+        <p:spPr>
+          <a:xfrm>
+            <a:off x="9111715" y="2590078"/>
+            <a:ext cx="3077109" cy="1660332"/>
+          </a:xfrm>
+          <a:prstGeom prst="rect">
+            <a:avLst/>
+          </a:prstGeom>
+          <a:solidFill>
+            <a:schemeClr val="accent1"/>
+          </a:solidFill>
+          <a:ln>
+            <a:noFill/>
+          </a:ln>
+        </p:spPr>
+        <p:style>
+          <a:lnRef idx="2">
+            <a:schemeClr val="accent1">
+              <a:shade val="50000"/>
+            </a:schemeClr>
+          </a:lnRef>
+          <a:fillRef idx="1">
+            <a:schemeClr val="accent1"/>
+          </a:fillRef>
+          <a:effectRef idx="0">
+            <a:schemeClr val="accent1"/>
+          </a:effectRef>
+          <a:fontRef idx="minor">
+            <a:schemeClr val="lt1"/>
+          </a:fontRef>
+        </p:style>
+      </p:sp>
+      <p:sp useBgFill="1">
+        <p:nvSpPr>
+          <p:cNvPr id="35" name="Rectangle 19">
+            <a:extLst>
+              <a:ext uri="{FF2B5EF4-FFF2-40B4-BE49-F238E27FC236}">
+                <a16:creationId xmlns:a16="http://schemas.microsoft.com/office/drawing/2014/main" id="{00573A24-AD84-4562-A993-7D04E1D18209}"/>
+              </a:ext>
+              <a:ext uri="{C183D7F6-B498-43B3-948B-1728B52AA6E4}">
+                <adec:decorative xmlns:adec="http://schemas.microsoft.com/office/drawing/2017/decorative" val="1"/>
+              </a:ext>
+            </a:extLst>
+          </p:cNvPr>
+          <p:cNvSpPr>
+            <a:spLocks noGrp="1" noRot="1" noChangeAspect="1" noMove="1" noResize="1" noEditPoints="1" noAdjustHandles="1" noChangeArrowheads="1" noChangeShapeType="1" noTextEdit="1"/>
+          </p:cNvSpPr>
+          <p:nvPr>
+            <p:extLst>
+              <p:ext uri="{386F3935-93C4-4BCD-93E2-E3B085C9AB24}">
+                <p16:designElem xmlns:p16="http://schemas.microsoft.com/office/powerpoint/2015/main" val="1"/>
+              </p:ext>
+            </p:extLst>
+          </p:nvPr>
+        </p:nvSpPr>
+        <p:spPr>
+          <a:xfrm>
+            <a:off x="0" y="0"/>
+            <a:ext cx="12188824" cy="6858000"/>
+          </a:xfrm>
+          <a:prstGeom prst="rect">
+            <a:avLst/>
+          </a:prstGeom>
+          <a:ln>
+            <a:noFill/>
+          </a:ln>
+        </p:spPr>
+        <p:style>
+          <a:lnRef idx="2">
+            <a:schemeClr val="accent1">
+              <a:shade val="50000"/>
+            </a:schemeClr>
+          </a:lnRef>
+          <a:fillRef idx="1">
+            <a:schemeClr val="accent1"/>
+          </a:fillRef>
+          <a:effectRef idx="0">
+            <a:schemeClr val="accent1"/>
+          </a:effectRef>
+          <a:fontRef idx="minor">
+            <a:schemeClr val="lt1"/>
+          </a:fontRef>
+        </p:style>
+        <p:txBody>
+          <a:bodyPr rtlCol="0" anchor="ctr"/>
+          <a:lstStyle/>
+          <a:p>
+            <a:pPr algn="ctr"/>
+            <a:endParaRPr lang="en-US"/>
+          </a:p>
+        </p:txBody>
+      </p:sp>
+      <p:pic>
+        <p:nvPicPr>
+          <p:cNvPr id="36" name="Picture 21">
+            <a:extLst>
+              <a:ext uri="{FF2B5EF4-FFF2-40B4-BE49-F238E27FC236}">
+                <a16:creationId xmlns:a16="http://schemas.microsoft.com/office/drawing/2014/main" id="{B3C087F8-F09C-4C07-B55F-6081689A2413}"/>
+              </a:ext>
+              <a:ext uri="{C183D7F6-B498-43B3-948B-1728B52AA6E4}">
+                <adec:decorative xmlns:adec="http://schemas.microsoft.com/office/drawing/2017/decorative" val="1"/>
+              </a:ext>
+            </a:extLst>
+          </p:cNvPr>
+          <p:cNvPicPr>
+            <a:picLocks noGrp="1" noRot="1" noChangeAspect="1" noMove="1" noResize="1" noEditPoints="1" noAdjustHandles="1" noChangeArrowheads="1" noChangeShapeType="1" noCrop="1"/>
+          </p:cNvPicPr>
+          <p:nvPr>
+            <p:extLst>
+              <p:ext uri="{386F3935-93C4-4BCD-93E2-E3B085C9AB24}">
+                <p16:designElem xmlns:p16="http://schemas.microsoft.com/office/powerpoint/2015/main" val="1"/>
+              </p:ext>
+            </p:extLst>
+          </p:nvPr>
+        </p:nvPicPr>
+        <p:blipFill>
+          <a:blip r:embed="rId2">
+            <a:alphaModFix amt="10000"/>
+            <a:extLst>
+              <a:ext uri="{28A0092B-C50C-407E-A947-70E740481C1C}">
+                <a14:useLocalDpi xmlns:a14="http://schemas.microsoft.com/office/drawing/2010/main" val="0"/>
+              </a:ext>
+            </a:extLst>
+          </a:blip>
+          <a:stretch>
+            <a:fillRect/>
+          </a:stretch>
+        </p:blipFill>
+        <p:spPr>
+          <a:xfrm>
+            <a:off x="0" y="0"/>
+            <a:ext cx="12192000" cy="6858000"/>
+          </a:xfrm>
+          <a:prstGeom prst="rect">
+            <a:avLst/>
+          </a:prstGeom>
+        </p:spPr>
+      </p:pic>
+      <p:sp>
+        <p:nvSpPr>
+          <p:cNvPr id="37" name="Rectangle 23">
+            <a:extLst>
+              <a:ext uri="{FF2B5EF4-FFF2-40B4-BE49-F238E27FC236}">
+                <a16:creationId xmlns:a16="http://schemas.microsoft.com/office/drawing/2014/main" id="{FC49D257-5737-4C0D-89EA-9C311AF2B8B5}"/>
+              </a:ext>
+              <a:ext uri="{C183D7F6-B498-43B3-948B-1728B52AA6E4}">
+                <adec:decorative xmlns:adec="http://schemas.microsoft.com/office/drawing/2017/decorative" val="1"/>
+              </a:ext>
+            </a:extLst>
+          </p:cNvPr>
+          <p:cNvSpPr>
+            <a:spLocks noGrp="1" noRot="1" noChangeAspect="1" noMove="1" noResize="1" noEditPoints="1" noAdjustHandles="1" noChangeArrowheads="1" noChangeShapeType="1" noTextEdit="1"/>
+          </p:cNvSpPr>
+          <p:nvPr>
+            <p:extLst>
+              <p:ext uri="{386F3935-93C4-4BCD-93E2-E3B085C9AB24}">
+                <p16:designElem xmlns:p16="http://schemas.microsoft.com/office/powerpoint/2015/main" val="1"/>
+              </p:ext>
+            </p:extLst>
+          </p:nvPr>
+        </p:nvSpPr>
+        <p:spPr>
+          <a:xfrm>
+            <a:off x="6099176" y="0"/>
+            <a:ext cx="6092824" cy="6858001"/>
+          </a:xfrm>
+          <a:prstGeom prst="rect">
+            <a:avLst/>
+          </a:prstGeom>
+          <a:ln>
+            <a:noFill/>
+          </a:ln>
+        </p:spPr>
+        <p:style>
+          <a:lnRef idx="2">
+            <a:schemeClr val="accent1">
+              <a:shade val="50000"/>
+            </a:schemeClr>
+          </a:lnRef>
+          <a:fillRef idx="1">
+            <a:schemeClr val="accent1"/>
+          </a:fillRef>
+          <a:effectRef idx="0">
+            <a:schemeClr val="accent1"/>
+          </a:effectRef>
+          <a:fontRef idx="minor">
+            <a:schemeClr val="lt1"/>
+          </a:fontRef>
+        </p:style>
+        <p:txBody>
+          <a:bodyPr rtlCol="0" anchor="ctr"/>
+          <a:lstStyle/>
+          <a:p>
+            <a:pPr algn="ctr"/>
+            <a:endParaRPr lang="en-US"/>
+          </a:p>
+        </p:txBody>
+      </p:sp>
+      <p:pic>
+        <p:nvPicPr>
+          <p:cNvPr id="38" name="Picture 25">
+            <a:extLst>
+              <a:ext uri="{FF2B5EF4-FFF2-40B4-BE49-F238E27FC236}">
+                <a16:creationId xmlns:a16="http://schemas.microsoft.com/office/drawing/2014/main" id="{E13D267A-94F5-488A-94C6-5D7156D9AF8C}"/>
+              </a:ext>
+              <a:ext uri="{C183D7F6-B498-43B3-948B-1728B52AA6E4}">
+                <adec:decorative xmlns:adec="http://schemas.microsoft.com/office/drawing/2017/decorative" val="1"/>
+              </a:ext>
+            </a:extLst>
+          </p:cNvPr>
+          <p:cNvPicPr>
+            <a:picLocks noGrp="1" noRot="1" noChangeAspect="1" noMove="1" noResize="1" noEditPoints="1" noAdjustHandles="1" noChangeArrowheads="1" noChangeShapeType="1" noCrop="1"/>
+          </p:cNvPicPr>
+          <p:nvPr>
+            <p:extLst>
+              <p:ext uri="{386F3935-93C4-4BCD-93E2-E3B085C9AB24}">
+                <p16:designElem xmlns:p16="http://schemas.microsoft.com/office/powerpoint/2015/main" val="1"/>
+              </p:ext>
+            </p:extLst>
+          </p:nvPr>
+        </p:nvPicPr>
+        <p:blipFill>
+          <a:blip r:embed="rId3">
+            <a:extLst>
+              <a:ext uri="{28A0092B-C50C-407E-A947-70E740481C1C}">
+                <a14:useLocalDpi xmlns:a14="http://schemas.microsoft.com/office/drawing/2010/main" val="0"/>
+              </a:ext>
+            </a:extLst>
+          </a:blip>
+          <a:stretch>
+            <a:fillRect/>
+          </a:stretch>
+        </p:blipFill>
+        <p:spPr>
+          <a:xfrm>
+            <a:off x="1" y="4688333"/>
+            <a:ext cx="6400800" cy="185701"/>
+          </a:xfrm>
+          <a:prstGeom prst="rect">
+            <a:avLst/>
+          </a:prstGeom>
+        </p:spPr>
+      </p:pic>
+      <p:sp>
+        <p:nvSpPr>
+          <p:cNvPr id="39" name="Rectangle 27">
+            <a:extLst>
+              <a:ext uri="{FF2B5EF4-FFF2-40B4-BE49-F238E27FC236}">
+                <a16:creationId xmlns:a16="http://schemas.microsoft.com/office/drawing/2014/main" id="{46CE3EB2-91DF-4F5D-8874-744AAAE311E1}"/>
+              </a:ext>
+              <a:ext uri="{C183D7F6-B498-43B3-948B-1728B52AA6E4}">
+                <adec:decorative xmlns:adec="http://schemas.microsoft.com/office/drawing/2017/decorative" val="1"/>
+              </a:ext>
+            </a:extLst>
+          </p:cNvPr>
+          <p:cNvSpPr>
+            <a:spLocks noGrp="1" noRot="1" noChangeAspect="1" noMove="1" noResize="1" noEditPoints="1" noAdjustHandles="1" noChangeArrowheads="1" noChangeShapeType="1" noTextEdit="1"/>
+          </p:cNvSpPr>
+          <p:nvPr>
+            <p:extLst>
+              <p:ext uri="{386F3935-93C4-4BCD-93E2-E3B085C9AB24}">
+                <p16:designElem xmlns:p16="http://schemas.microsoft.com/office/powerpoint/2015/main" val="1"/>
+              </p:ext>
+            </p:extLst>
+          </p:nvPr>
+        </p:nvSpPr>
+        <p:spPr>
+          <a:xfrm>
+            <a:off x="-1" y="2162908"/>
+            <a:ext cx="6411743" cy="2532185"/>
+          </a:xfrm>
+          <a:prstGeom prst="rect">
+            <a:avLst/>
+          </a:prstGeom>
+          <a:solidFill>
+            <a:schemeClr val="bg1">
+              <a:lumMod val="85000"/>
+              <a:lumOff val="15000"/>
+            </a:schemeClr>
+          </a:solidFill>
+          <a:ln>
+            <a:noFill/>
+          </a:ln>
+        </p:spPr>
+        <p:style>
+          <a:lnRef idx="2">
+            <a:schemeClr val="accent1">
+              <a:shade val="50000"/>
+            </a:schemeClr>
+          </a:lnRef>
+          <a:fillRef idx="1">
+            <a:schemeClr val="accent1"/>
+          </a:fillRef>
+          <a:effectRef idx="0">
+            <a:schemeClr val="accent1"/>
+          </a:effectRef>
+          <a:fontRef idx="minor">
+            <a:schemeClr val="lt1"/>
+          </a:fontRef>
+        </p:style>
+      </p:sp>
+      <p:sp>
+        <p:nvSpPr>
+          <p:cNvPr id="2" name="Tytuł 1">
+            <a:extLst>
+              <a:ext uri="{FF2B5EF4-FFF2-40B4-BE49-F238E27FC236}">
+                <a16:creationId xmlns:a16="http://schemas.microsoft.com/office/drawing/2014/main" id="{EC002D38-331E-4C43-851E-7B2A0C90C1DA}"/>
+              </a:ext>
+            </a:extLst>
+          </p:cNvPr>
+          <p:cNvSpPr>
+            <a:spLocks noGrp="1"/>
+          </p:cNvSpPr>
+          <p:nvPr>
+            <p:ph type="title"/>
+          </p:nvPr>
+        </p:nvSpPr>
+        <p:spPr>
+          <a:xfrm>
+            <a:off x="680322" y="2403231"/>
+            <a:ext cx="5192940" cy="2133600"/>
+          </a:xfrm>
+        </p:spPr>
+        <p:txBody>
+          <a:bodyPr vert="horz" lIns="91440" tIns="45720" rIns="91440" bIns="45720" rtlCol="0" anchor="ctr">
+            <a:normAutofit/>
+          </a:bodyPr>
+          <a:lstStyle/>
+          <a:p>
+            <a:pPr algn="r"/>
+            <a:r>
+              <a:rPr lang="en-US" sz="5400"/>
+              <a:t>Bilans miesięczny</a:t>
+            </a:r>
+          </a:p>
+        </p:txBody>
+      </p:sp>
+      <p:pic>
+        <p:nvPicPr>
+          <p:cNvPr id="5" name="Grafika 4">
+            <a:extLst>
+              <a:ext uri="{FF2B5EF4-FFF2-40B4-BE49-F238E27FC236}">
+                <a16:creationId xmlns:a16="http://schemas.microsoft.com/office/drawing/2014/main" id="{2F61A690-F5F3-4AA6-B68E-5A767D06FED7}"/>
+              </a:ext>
+            </a:extLst>
+          </p:cNvPr>
+          <p:cNvPicPr>
+            <a:picLocks noChangeAspect="1"/>
+          </p:cNvPicPr>
+          <p:nvPr/>
+        </p:nvPicPr>
+        <p:blipFill>
+          <a:blip r:embed="rId5">
+            <a:extLst>
+              <a:ext uri="{28A0092B-C50C-407E-A947-70E740481C1C}">
+                <a14:useLocalDpi xmlns:a14="http://schemas.microsoft.com/office/drawing/2010/main" val="0"/>
+              </a:ext>
+              <a:ext uri="{96DAC541-7B7A-43D3-8B79-37D633B846F1}">
+                <asvg:svgBlip xmlns:asvg="http://schemas.microsoft.com/office/drawing/2016/SVG/main" r:embed="rId6"/>
+              </a:ext>
+            </a:extLst>
+          </a:blip>
+          <a:stretch>
+            <a:fillRect/>
+          </a:stretch>
+        </p:blipFill>
+        <p:spPr>
+          <a:xfrm>
+            <a:off x="6945550" y="107485"/>
+            <a:ext cx="4566128" cy="6397045"/>
+          </a:xfrm>
+          <a:prstGeom prst="rect">
+            <a:avLst/>
+          </a:prstGeom>
+          <a:ln>
+            <a:noFill/>
+          </a:ln>
+          <a:effectLst>
+            <a:outerShdw blurRad="76200" dist="63500" dir="5040000" algn="tl" rotWithShape="0">
+              <a:srgbClr val="000000">
+                <a:alpha val="41000"/>
+              </a:srgbClr>
+            </a:outerShdw>
+          </a:effectLst>
+        </p:spPr>
+      </p:pic>
+      <p:sp>
+        <p:nvSpPr>
+          <p:cNvPr id="3" name="Symbol zastępczy numeru slajdu 2">
+            <a:extLst>
+              <a:ext uri="{FF2B5EF4-FFF2-40B4-BE49-F238E27FC236}">
+                <a16:creationId xmlns:a16="http://schemas.microsoft.com/office/drawing/2014/main" id="{F96FB45D-B546-4536-A467-43CC7AC9705E}"/>
+              </a:ext>
+            </a:extLst>
+          </p:cNvPr>
+          <p:cNvSpPr>
+            <a:spLocks noGrp="1"/>
+          </p:cNvSpPr>
+          <p:nvPr>
+            <p:ph type="sldNum" sz="quarter" idx="12"/>
+          </p:nvPr>
+        </p:nvSpPr>
+        <p:spPr>
+          <a:xfrm>
+            <a:off x="11281776" y="6336872"/>
+            <a:ext cx="722655" cy="365760"/>
+          </a:xfrm>
+        </p:spPr>
+        <p:txBody>
+          <a:bodyPr vert="horz" lIns="91440" tIns="45720" rIns="91440" bIns="45720" rtlCol="0" anchor="ctr">
+            <a:normAutofit/>
+          </a:bodyPr>
+          <a:lstStyle/>
+          <a:p>
+            <a:pPr defTabSz="914400">
+              <a:spcAft>
+                <a:spcPts val="600"/>
+              </a:spcAft>
+            </a:pPr>
+            <a:fld id="{73EBA5C1-EA0D-4D38-B474-3131B775EA3E}" type="slidenum">
+              <a:rPr lang="en-US" sz="1400">
+                <a:solidFill>
+                  <a:srgbClr val="FFFFFF"/>
+                </a:solidFill>
+              </a:rPr>
+              <a:pPr defTabSz="914400">
+                <a:spcAft>
+                  <a:spcPts val="600"/>
+                </a:spcAft>
+              </a:pPr>
+              <a:t>36</a:t>
+            </a:fld>
+            <a:endParaRPr lang="en-US" sz="1400">
+              <a:solidFill>
+                <a:srgbClr val="FFFFFF"/>
+              </a:solidFill>
+            </a:endParaRPr>
+          </a:p>
+        </p:txBody>
+      </p:sp>
+    </p:spTree>
+    <p:extLst>
+      <p:ext uri="{BB962C8B-B14F-4D97-AF65-F5344CB8AC3E}">
+        <p14:creationId xmlns:p14="http://schemas.microsoft.com/office/powerpoint/2010/main" val="318629951"/>
+      </p:ext>
+    </p:extLst>
+  </p:cSld>
+  <p:clrMapOvr>
+    <a:masterClrMapping/>
+  </p:clrMapOvr>
+</p:sld>
+</file>
+
+<file path=ppt/slides/slide37.xml><?xml version="1.0" encoding="utf-8"?>
+<p:sld xmlns:a="http://schemas.openxmlformats.org/drawingml/2006/main" xmlns:r="http://schemas.openxmlformats.org/officeDocument/2006/relationships" xmlns:p="http://schemas.openxmlformats.org/presentationml/2006/main">
+  <p:cSld>
+    <p:bg>
+      <p:bgPr>
+        <a:gradFill rotWithShape="1">
+          <a:gsLst>
+            <a:gs pos="0">
+              <a:schemeClr val="bg2">
+                <a:tint val="96000"/>
+                <a:shade val="100000"/>
+                <a:hueMod val="270000"/>
+                <a:satMod val="200000"/>
+                <a:lumMod val="128000"/>
+              </a:schemeClr>
+            </a:gs>
+            <a:gs pos="50000">
+              <a:schemeClr val="bg2">
+                <a:shade val="100000"/>
+                <a:hueMod val="100000"/>
+                <a:satMod val="110000"/>
+                <a:lumMod val="130000"/>
+              </a:schemeClr>
+            </a:gs>
+            <a:gs pos="100000">
+              <a:schemeClr val="bg2">
+                <a:shade val="78000"/>
+                <a:hueMod val="44000"/>
+                <a:satMod val="200000"/>
+                <a:lumMod val="69000"/>
+              </a:schemeClr>
+            </a:gs>
+          </a:gsLst>
+          <a:lin ang="2520000" scaled="0"/>
+        </a:gradFill>
+        <a:effectLst/>
+      </p:bgPr>
+    </p:bg>
+    <p:spTree>
+      <p:nvGrpSpPr>
+        <p:cNvPr id="1" name=""/>
+        <p:cNvGrpSpPr/>
+        <p:nvPr/>
+      </p:nvGrpSpPr>
+      <p:grpSpPr>
+        <a:xfrm>
+          <a:off x="0" y="0"/>
+          <a:ext cx="0" cy="0"/>
+          <a:chOff x="0" y="0"/>
+          <a:chExt cx="0" cy="0"/>
+        </a:xfrm>
+      </p:grpSpPr>
+      <p:pic>
+        <p:nvPicPr>
           <p:cNvPr id="83" name="Picture 82">
             <a:extLst>
               <a:ext uri="{FF2B5EF4-FFF2-40B4-BE49-F238E27FC236}">
@@ -27944,7 +28821,7 @@
                   <a:spcPts val="600"/>
                 </a:spcAft>
               </a:pPr>
-              <a:t>36</a:t>
+              <a:t>37</a:t>
             </a:fld>
             <a:endParaRPr lang="en-US" sz="1400">
               <a:solidFill>
@@ -27989,7 +28866,7 @@
           <p:cNvPr id="2" name="Tytuł 1">
             <a:extLst>
               <a:ext uri="{FF2B5EF4-FFF2-40B4-BE49-F238E27FC236}">
-                <a16:creationId xmlns:a16="http://schemas.microsoft.com/office/drawing/2014/main" id="{4692D9FC-EF41-4455-BD94-740A99592AEB}"/>
+                <a16:creationId xmlns:a16="http://schemas.microsoft.com/office/drawing/2014/main" id="{38FE2930-C9F9-42F1-BC5A-B5D8CC8FE5FB}"/>
               </a:ext>
             </a:extLst>
           </p:cNvPr>
@@ -28008,7 +28885,7 @@
             <a:pPr algn="ctr"/>
             <a:r>
               <a:rPr lang="pl-PL" dirty="0"/>
-              <a:t>Cechy spółki</a:t>
+              <a:t>Forma prawna przedsiębiorstwa</a:t>
             </a:r>
           </a:p>
         </p:txBody>
@@ -28018,7 +28895,7 @@
           <p:cNvPr id="3" name="Symbol zastępczy zawartości 2">
             <a:extLst>
               <a:ext uri="{FF2B5EF4-FFF2-40B4-BE49-F238E27FC236}">
-                <a16:creationId xmlns:a16="http://schemas.microsoft.com/office/drawing/2014/main" id="{09C723DD-7924-4948-B5FA-246D91C66691}"/>
+                <a16:creationId xmlns:a16="http://schemas.microsoft.com/office/drawing/2014/main" id="{8426D2BE-ED27-420C-AF5A-CBE400D5329A}"/>
               </a:ext>
             </a:extLst>
           </p:cNvPr>
@@ -28029,68 +28906,31 @@
             <p:ph idx="1"/>
           </p:nvPr>
         </p:nvSpPr>
-        <p:spPr/>
+        <p:spPr>
+          <a:xfrm>
+            <a:off x="680321" y="2635847"/>
+            <a:ext cx="10131425" cy="2387988"/>
+          </a:xfrm>
+        </p:spPr>
         <p:txBody>
-          <a:bodyPr/>
+          <a:bodyPr>
+            <a:normAutofit/>
+          </a:bodyPr>
           <a:lstStyle/>
           <a:p>
-            <a:pPr algn="just"/>
+            <a:pPr marL="0" indent="0" algn="just">
+              <a:buNone/>
+            </a:pPr>
             <a:r>
               <a:rPr lang="pl-PL" dirty="0"/>
-              <a:t>Kapitałowa spółka handlowa posiadająca osobowość prawną.</a:t>
-            </a:r>
-          </a:p>
-          <a:p>
-            <a:pPr algn="just"/>
-            <a:r>
-              <a:rPr lang="pl-PL" dirty="0"/>
-              <a:t>Do utworzenia potrzeba jednego lub więcej wspólników.</a:t>
-            </a:r>
-          </a:p>
-          <a:p>
-            <a:pPr algn="just"/>
-            <a:r>
-              <a:rPr lang="pl-PL" dirty="0"/>
-              <a:t>Nie może być zawiązana wyłącznie przez jednoosobową Sp. z o. o.</a:t>
-            </a:r>
-          </a:p>
-          <a:p>
-            <a:pPr algn="just"/>
-            <a:r>
-              <a:rPr lang="pl-PL" dirty="0"/>
-              <a:t>Założycielami mogą być:</a:t>
-            </a:r>
-          </a:p>
-          <a:p>
-            <a:pPr marL="514350" indent="-514350" algn="just">
-              <a:buAutoNum type="alphaLcParenR"/>
+              <a:t>Spółka z ograniczoną odpowiedzialnością jest najpopularniejszą spółką handlową w Polsce. Jest odpowiednią formą działalności np. dla wspólników, którzy chcą zachować bezpośredni nadzór nad prowadzeniem spraw spółki i ograniczyć ryzyko tylko do swojego wkładu (brak odpowiedzialności majątkiem osobistym). Posiada osobowość prawną.</a:t>
+            </a:r>
+          </a:p>
+          <a:p>
+            <a:pPr marL="0" indent="0">
+              <a:buNone/>
             </a:pPr>
-            <a:r>
-              <a:rPr lang="pl-PL" dirty="0"/>
-              <a:t>Osoby fizyczne</a:t>
-            </a:r>
-          </a:p>
-          <a:p>
-            <a:pPr marL="514350" indent="-514350" algn="just">
-              <a:buAutoNum type="alphaLcParenR"/>
-            </a:pPr>
-            <a:r>
-              <a:rPr lang="pl-PL" dirty="0"/>
-              <a:t>Osoby prawne</a:t>
-            </a:r>
-          </a:p>
-          <a:p>
-            <a:pPr algn="just"/>
-            <a:r>
-              <a:rPr lang="pl-PL" dirty="0"/>
-              <a:t>Wymagany kapitał do założenia spółki wynosi min. 5 tys. zł.</a:t>
-            </a:r>
-          </a:p>
-          <a:p>
-            <a:pPr marL="0" indent="0">
-              <a:buNone/>
-            </a:pPr>
-            <a:endParaRPr lang="pl-PL" dirty="0"/>
+            <a:endParaRPr lang="pl-PL" sz="2800" dirty="0"/>
           </a:p>
         </p:txBody>
       </p:sp>
@@ -28099,7 +28939,7 @@
           <p:cNvPr id="4" name="Symbol zastępczy numeru slajdu 3">
             <a:extLst>
               <a:ext uri="{FF2B5EF4-FFF2-40B4-BE49-F238E27FC236}">
-                <a16:creationId xmlns:a16="http://schemas.microsoft.com/office/drawing/2014/main" id="{48133D2C-4CC0-4959-BFB9-558D9C5B9493}"/>
+                <a16:creationId xmlns:a16="http://schemas.microsoft.com/office/drawing/2014/main" id="{AA90D194-CA73-4DBC-9151-3061B8C84339}"/>
               </a:ext>
             </a:extLst>
           </p:cNvPr>
@@ -28126,7 +28966,7 @@
     </p:spTree>
     <p:extLst>
       <p:ext uri="{BB962C8B-B14F-4D97-AF65-F5344CB8AC3E}">
-        <p14:creationId xmlns:p14="http://schemas.microsoft.com/office/powerpoint/2010/main" val="1669945221"/>
+        <p14:creationId xmlns:p14="http://schemas.microsoft.com/office/powerpoint/2010/main" val="3480498017"/>
       </p:ext>
     </p:extLst>
   </p:cSld>
@@ -28158,6 +28998,175 @@
           <p:cNvPr id="2" name="Tytuł 1">
             <a:extLst>
               <a:ext uri="{FF2B5EF4-FFF2-40B4-BE49-F238E27FC236}">
+                <a16:creationId xmlns:a16="http://schemas.microsoft.com/office/drawing/2014/main" id="{4692D9FC-EF41-4455-BD94-740A99592AEB}"/>
+              </a:ext>
+            </a:extLst>
+          </p:cNvPr>
+          <p:cNvSpPr>
+            <a:spLocks noGrp="1"/>
+          </p:cNvSpPr>
+          <p:nvPr>
+            <p:ph type="title"/>
+          </p:nvPr>
+        </p:nvSpPr>
+        <p:spPr/>
+        <p:txBody>
+          <a:bodyPr/>
+          <a:lstStyle/>
+          <a:p>
+            <a:pPr algn="ctr"/>
+            <a:r>
+              <a:rPr lang="pl-PL" dirty="0"/>
+              <a:t>Cechy spółki</a:t>
+            </a:r>
+          </a:p>
+        </p:txBody>
+      </p:sp>
+      <p:sp>
+        <p:nvSpPr>
+          <p:cNvPr id="3" name="Symbol zastępczy zawartości 2">
+            <a:extLst>
+              <a:ext uri="{FF2B5EF4-FFF2-40B4-BE49-F238E27FC236}">
+                <a16:creationId xmlns:a16="http://schemas.microsoft.com/office/drawing/2014/main" id="{09C723DD-7924-4948-B5FA-246D91C66691}"/>
+              </a:ext>
+            </a:extLst>
+          </p:cNvPr>
+          <p:cNvSpPr>
+            <a:spLocks noGrp="1"/>
+          </p:cNvSpPr>
+          <p:nvPr>
+            <p:ph idx="1"/>
+          </p:nvPr>
+        </p:nvSpPr>
+        <p:spPr/>
+        <p:txBody>
+          <a:bodyPr/>
+          <a:lstStyle/>
+          <a:p>
+            <a:pPr algn="just"/>
+            <a:r>
+              <a:rPr lang="pl-PL" dirty="0"/>
+              <a:t>Kapitałowa spółka handlowa posiadająca osobowość prawną.</a:t>
+            </a:r>
+          </a:p>
+          <a:p>
+            <a:pPr algn="just"/>
+            <a:r>
+              <a:rPr lang="pl-PL" dirty="0"/>
+              <a:t>Do utworzenia potrzeba jednego lub więcej wspólników.</a:t>
+            </a:r>
+          </a:p>
+          <a:p>
+            <a:pPr algn="just"/>
+            <a:r>
+              <a:rPr lang="pl-PL" dirty="0"/>
+              <a:t>Nie może być zawiązana wyłącznie przez jednoosobową Sp. z o. o.</a:t>
+            </a:r>
+          </a:p>
+          <a:p>
+            <a:pPr algn="just"/>
+            <a:r>
+              <a:rPr lang="pl-PL" dirty="0"/>
+              <a:t>Założycielami mogą być:</a:t>
+            </a:r>
+          </a:p>
+          <a:p>
+            <a:pPr marL="514350" indent="-514350" algn="just">
+              <a:buAutoNum type="alphaLcParenR"/>
+            </a:pPr>
+            <a:r>
+              <a:rPr lang="pl-PL" dirty="0"/>
+              <a:t>Osoby fizyczne</a:t>
+            </a:r>
+          </a:p>
+          <a:p>
+            <a:pPr marL="514350" indent="-514350" algn="just">
+              <a:buAutoNum type="alphaLcParenR"/>
+            </a:pPr>
+            <a:r>
+              <a:rPr lang="pl-PL" dirty="0"/>
+              <a:t>Osoby prawne</a:t>
+            </a:r>
+          </a:p>
+          <a:p>
+            <a:pPr algn="just"/>
+            <a:r>
+              <a:rPr lang="pl-PL" dirty="0"/>
+              <a:t>Wymagany kapitał do założenia spółki wynosi min. 5 tys. zł.</a:t>
+            </a:r>
+          </a:p>
+          <a:p>
+            <a:pPr marL="0" indent="0">
+              <a:buNone/>
+            </a:pPr>
+            <a:endParaRPr lang="pl-PL" dirty="0"/>
+          </a:p>
+        </p:txBody>
+      </p:sp>
+      <p:sp>
+        <p:nvSpPr>
+          <p:cNvPr id="4" name="Symbol zastępczy numeru slajdu 3">
+            <a:extLst>
+              <a:ext uri="{FF2B5EF4-FFF2-40B4-BE49-F238E27FC236}">
+                <a16:creationId xmlns:a16="http://schemas.microsoft.com/office/drawing/2014/main" id="{48133D2C-4CC0-4959-BFB9-558D9C5B9493}"/>
+              </a:ext>
+            </a:extLst>
+          </p:cNvPr>
+          <p:cNvSpPr>
+            <a:spLocks noGrp="1"/>
+          </p:cNvSpPr>
+          <p:nvPr>
+            <p:ph type="sldNum" sz="quarter" idx="12"/>
+          </p:nvPr>
+        </p:nvSpPr>
+        <p:spPr/>
+        <p:txBody>
+          <a:bodyPr/>
+          <a:lstStyle/>
+          <a:p>
+            <a:fld id="{73EBA5C1-EA0D-4D38-B474-3131B775EA3E}" type="slidenum">
+              <a:rPr lang="pl-PL" smtClean="0"/>
+              <a:t>5</a:t>
+            </a:fld>
+            <a:endParaRPr lang="pl-PL"/>
+          </a:p>
+        </p:txBody>
+      </p:sp>
+    </p:spTree>
+    <p:extLst>
+      <p:ext uri="{BB962C8B-B14F-4D97-AF65-F5344CB8AC3E}">
+        <p14:creationId xmlns:p14="http://schemas.microsoft.com/office/powerpoint/2010/main" val="1669945221"/>
+      </p:ext>
+    </p:extLst>
+  </p:cSld>
+  <p:clrMapOvr>
+    <a:masterClrMapping/>
+  </p:clrMapOvr>
+</p:sld>
+</file>
+
+<file path=ppt/slides/slide6.xml><?xml version="1.0" encoding="utf-8"?>
+<p:sld xmlns:a="http://schemas.openxmlformats.org/drawingml/2006/main" xmlns:r="http://schemas.openxmlformats.org/officeDocument/2006/relationships" xmlns:p="http://schemas.openxmlformats.org/presentationml/2006/main">
+  <p:cSld>
+    <p:spTree>
+      <p:nvGrpSpPr>
+        <p:cNvPr id="1" name=""/>
+        <p:cNvGrpSpPr/>
+        <p:nvPr/>
+      </p:nvGrpSpPr>
+      <p:grpSpPr>
+        <a:xfrm>
+          <a:off x="0" y="0"/>
+          <a:ext cx="0" cy="0"/>
+          <a:chOff x="0" y="0"/>
+          <a:chExt cx="0" cy="0"/>
+        </a:xfrm>
+      </p:grpSpPr>
+      <p:sp>
+        <p:nvSpPr>
+          <p:cNvPr id="2" name="Tytuł 1">
+            <a:extLst>
+              <a:ext uri="{FF2B5EF4-FFF2-40B4-BE49-F238E27FC236}">
                 <a16:creationId xmlns:a16="http://schemas.microsoft.com/office/drawing/2014/main" id="{A2AD81B5-68C5-4754-BD42-AFDA89A7D14A}"/>
               </a:ext>
             </a:extLst>
@@ -28242,7 +29251,7 @@
           <a:p>
             <a:fld id="{73EBA5C1-EA0D-4D38-B474-3131B775EA3E}" type="slidenum">
               <a:rPr lang="pl-PL" smtClean="0"/>
-              <a:t>5</a:t>
+              <a:t>6</a:t>
             </a:fld>
             <a:endParaRPr lang="pl-PL"/>
           </a:p>
@@ -28261,7 +29270,7 @@
 </p:sld>
 </file>
 
-<file path=ppt/slides/slide6.xml><?xml version="1.0" encoding="utf-8"?>
+<file path=ppt/slides/slide7.xml><?xml version="1.0" encoding="utf-8"?>
 <p:sld xmlns:a="http://schemas.openxmlformats.org/drawingml/2006/main" xmlns:r="http://schemas.openxmlformats.org/officeDocument/2006/relationships" xmlns:p="http://schemas.openxmlformats.org/presentationml/2006/main" show="0">
   <p:cSld>
     <p:spTree>
@@ -28395,7 +29404,7 @@
           <a:p>
             <a:fld id="{73EBA5C1-EA0D-4D38-B474-3131B775EA3E}" type="slidenum">
               <a:rPr lang="pl-PL" smtClean="0"/>
-              <a:t>6</a:t>
+              <a:t>7</a:t>
             </a:fld>
             <a:endParaRPr lang="pl-PL"/>
           </a:p>
@@ -28405,179 +29414,6 @@
     <p:extLst>
       <p:ext uri="{BB962C8B-B14F-4D97-AF65-F5344CB8AC3E}">
         <p14:creationId xmlns:p14="http://schemas.microsoft.com/office/powerpoint/2010/main" val="1577202253"/>
-      </p:ext>
-    </p:extLst>
-  </p:cSld>
-  <p:clrMapOvr>
-    <a:masterClrMapping/>
-  </p:clrMapOvr>
-</p:sld>
-</file>
-
-<file path=ppt/slides/slide7.xml><?xml version="1.0" encoding="utf-8"?>
-<p:sld xmlns:a="http://schemas.openxmlformats.org/drawingml/2006/main" xmlns:r="http://schemas.openxmlformats.org/officeDocument/2006/relationships" xmlns:p="http://schemas.openxmlformats.org/presentationml/2006/main">
-  <p:cSld>
-    <p:spTree>
-      <p:nvGrpSpPr>
-        <p:cNvPr id="1" name=""/>
-        <p:cNvGrpSpPr/>
-        <p:nvPr/>
-      </p:nvGrpSpPr>
-      <p:grpSpPr>
-        <a:xfrm>
-          <a:off x="0" y="0"/>
-          <a:ext cx="0" cy="0"/>
-          <a:chOff x="0" y="0"/>
-          <a:chExt cx="0" cy="0"/>
-        </a:xfrm>
-      </p:grpSpPr>
-      <p:sp>
-        <p:nvSpPr>
-          <p:cNvPr id="2" name="Tytuł 1">
-            <a:extLst>
-              <a:ext uri="{FF2B5EF4-FFF2-40B4-BE49-F238E27FC236}">
-                <a16:creationId xmlns:a16="http://schemas.microsoft.com/office/drawing/2014/main" id="{2514308B-F515-419E-A803-A1A27A9DBDF1}"/>
-              </a:ext>
-            </a:extLst>
-          </p:cNvPr>
-          <p:cNvSpPr>
-            <a:spLocks noGrp="1"/>
-          </p:cNvSpPr>
-          <p:nvPr>
-            <p:ph type="title"/>
-          </p:nvPr>
-        </p:nvSpPr>
-        <p:spPr/>
-        <p:txBody>
-          <a:bodyPr/>
-          <a:lstStyle/>
-          <a:p>
-            <a:r>
-              <a:rPr lang="pl-PL" dirty="0"/>
-              <a:t>Wymagania:</a:t>
-            </a:r>
-          </a:p>
-        </p:txBody>
-      </p:sp>
-      <p:sp>
-        <p:nvSpPr>
-          <p:cNvPr id="3" name="Symbol zastępczy zawartości 2">
-            <a:extLst>
-              <a:ext uri="{FF2B5EF4-FFF2-40B4-BE49-F238E27FC236}">
-                <a16:creationId xmlns:a16="http://schemas.microsoft.com/office/drawing/2014/main" id="{08E662B7-D3BC-4B7D-95C8-AF96E22323C7}"/>
-              </a:ext>
-            </a:extLst>
-          </p:cNvPr>
-          <p:cNvSpPr>
-            <a:spLocks noGrp="1"/>
-          </p:cNvSpPr>
-          <p:nvPr>
-            <p:ph idx="1"/>
-          </p:nvPr>
-        </p:nvSpPr>
-        <p:spPr>
-          <a:xfrm>
-            <a:off x="680321" y="2336873"/>
-            <a:ext cx="9613861" cy="4256432"/>
-          </a:xfrm>
-        </p:spPr>
-        <p:txBody>
-          <a:bodyPr>
-            <a:normAutofit/>
-          </a:bodyPr>
-          <a:lstStyle/>
-          <a:p>
-            <a:r>
-              <a:rPr lang="pl-PL" dirty="0"/>
-              <a:t>Przygotowanie formularza zamówienia od klienta.</a:t>
-            </a:r>
-          </a:p>
-          <a:p>
-            <a:r>
-              <a:rPr lang="pl-PL" dirty="0"/>
-              <a:t>Opracowanie procesu technologicznego produktu.</a:t>
-            </a:r>
-          </a:p>
-          <a:p>
-            <a:r>
-              <a:rPr lang="pl-PL" dirty="0"/>
-              <a:t>Przedstawienie kosztorysu wykonawczego.</a:t>
-            </a:r>
-          </a:p>
-          <a:p>
-            <a:r>
-              <a:rPr lang="pl-PL" dirty="0"/>
-              <a:t>Rejestracja stanu magazynowego.</a:t>
-            </a:r>
-          </a:p>
-          <a:p>
-            <a:r>
-              <a:rPr lang="pl-PL" dirty="0"/>
-              <a:t>Możliwość wydania produktu klientowi.</a:t>
-            </a:r>
-          </a:p>
-          <a:p>
-            <a:r>
-              <a:rPr lang="pl-PL" dirty="0"/>
-              <a:t>Przygotowanie kosztorysu powykonawczego.</a:t>
-            </a:r>
-          </a:p>
-          <a:p>
-            <a:r>
-              <a:rPr lang="pl-PL" dirty="0"/>
-              <a:t>Możliwość wystawienia faktury sprzedaży.</a:t>
-            </a:r>
-          </a:p>
-          <a:p>
-            <a:r>
-              <a:rPr lang="pl-PL" dirty="0"/>
-              <a:t>Wypłacenie pensji pracownikom.</a:t>
-            </a:r>
-          </a:p>
-          <a:p>
-            <a:r>
-              <a:rPr lang="pl-PL" dirty="0"/>
-              <a:t>Wygenerowanie raportu w postaci bilansu miesięcznego.</a:t>
-            </a:r>
-          </a:p>
-          <a:p>
-            <a:endParaRPr lang="pl-PL" dirty="0"/>
-          </a:p>
-        </p:txBody>
-      </p:sp>
-      <p:sp>
-        <p:nvSpPr>
-          <p:cNvPr id="4" name="Symbol zastępczy numeru slajdu 3">
-            <a:extLst>
-              <a:ext uri="{FF2B5EF4-FFF2-40B4-BE49-F238E27FC236}">
-                <a16:creationId xmlns:a16="http://schemas.microsoft.com/office/drawing/2014/main" id="{C29CC204-4BC1-4B25-9EE8-FCD638E96FCF}"/>
-              </a:ext>
-            </a:extLst>
-          </p:cNvPr>
-          <p:cNvSpPr>
-            <a:spLocks noGrp="1"/>
-          </p:cNvSpPr>
-          <p:nvPr>
-            <p:ph type="sldNum" sz="quarter" idx="12"/>
-          </p:nvPr>
-        </p:nvSpPr>
-        <p:spPr/>
-        <p:txBody>
-          <a:bodyPr/>
-          <a:lstStyle/>
-          <a:p>
-            <a:fld id="{73EBA5C1-EA0D-4D38-B474-3131B775EA3E}" type="slidenum">
-              <a:rPr lang="pl-PL" smtClean="0"/>
-              <a:t>7</a:t>
-            </a:fld>
-            <a:endParaRPr lang="pl-PL"/>
-          </a:p>
-        </p:txBody>
-      </p:sp>
-    </p:spTree>
-    <p:extLst>
-      <p:ext uri="{BB962C8B-B14F-4D97-AF65-F5344CB8AC3E}">
-        <p14:creationId xmlns:p14="http://schemas.microsoft.com/office/powerpoint/2010/main" val="2817403782"/>
       </p:ext>
     </p:extLst>
   </p:cSld>
@@ -28609,7 +29445,7 @@
           <p:cNvPr id="2" name="Tytuł 1">
             <a:extLst>
               <a:ext uri="{FF2B5EF4-FFF2-40B4-BE49-F238E27FC236}">
-                <a16:creationId xmlns:a16="http://schemas.microsoft.com/office/drawing/2014/main" id="{38FE2930-C9F9-42F1-BC5A-B5D8CC8FE5FB}"/>
+                <a16:creationId xmlns:a16="http://schemas.microsoft.com/office/drawing/2014/main" id="{2514308B-F515-419E-A803-A1A27A9DBDF1}"/>
               </a:ext>
             </a:extLst>
           </p:cNvPr>
@@ -28625,10 +29461,9 @@
           <a:bodyPr/>
           <a:lstStyle/>
           <a:p>
-            <a:pPr algn="ctr"/>
-            <a:r>
-              <a:rPr lang="pl-PL"/>
-              <a:t>Moduły</a:t>
+            <a:r>
+              <a:rPr lang="pl-PL" dirty="0"/>
+              <a:t>Wymagania:</a:t>
             </a:r>
           </a:p>
         </p:txBody>
@@ -28638,7 +29473,7 @@
           <p:cNvPr id="3" name="Symbol zastępczy zawartości 2">
             <a:extLst>
               <a:ext uri="{FF2B5EF4-FFF2-40B4-BE49-F238E27FC236}">
-                <a16:creationId xmlns:a16="http://schemas.microsoft.com/office/drawing/2014/main" id="{8426D2BE-ED27-420C-AF5A-CBE400D5329A}"/>
+                <a16:creationId xmlns:a16="http://schemas.microsoft.com/office/drawing/2014/main" id="{08E662B7-D3BC-4B7D-95C8-AF96E22323C7}"/>
               </a:ext>
             </a:extLst>
           </p:cNvPr>
@@ -28649,77 +29484,73 @@
             <p:ph idx="1"/>
           </p:nvPr>
         </p:nvSpPr>
-        <p:spPr/>
+        <p:spPr>
+          <a:xfrm>
+            <a:off x="680321" y="2336873"/>
+            <a:ext cx="9613861" cy="4256432"/>
+          </a:xfrm>
+        </p:spPr>
         <p:txBody>
-          <a:bodyPr/>
+          <a:bodyPr>
+            <a:normAutofit/>
+          </a:bodyPr>
           <a:lstStyle/>
           <a:p>
             <a:r>
-              <a:rPr lang="pl-PL"/>
-              <a:t>1. Moduł zarządzania:</a:t>
-            </a:r>
-          </a:p>
-          <a:p>
-            <a:pPr lvl="1"/>
-            <a:r>
-              <a:rPr lang="pl-PL"/>
-              <a:t>Kierownik podgrupy: inż. Bartosz Gębicki </a:t>
-            </a:r>
-          </a:p>
-          <a:p>
-            <a:pPr lvl="1"/>
-            <a:r>
-              <a:rPr lang="pl-PL"/>
-              <a:t>Skład podgrupy: inż. Julia Dobrowolska, inż. Konrad Grzyb </a:t>
-            </a:r>
-          </a:p>
-          <a:p>
-            <a:r>
-              <a:rPr lang="pl-PL"/>
-              <a:t>2. Moduł produkcji:</a:t>
-            </a:r>
-          </a:p>
-          <a:p>
-            <a:pPr lvl="1"/>
-            <a:r>
-              <a:rPr lang="pl-PL"/>
-              <a:t>Kierownik podgrupy: inż. Magdalena Zieńczuk</a:t>
-            </a:r>
-          </a:p>
-          <a:p>
-            <a:pPr lvl="1"/>
-            <a:r>
-              <a:rPr lang="pl-PL"/>
-              <a:t>Skład podgrupy: inż. Karol Brzeziński, inż. Anna Banaczek</a:t>
-            </a:r>
-          </a:p>
-          <a:p>
-            <a:r>
-              <a:rPr lang="pl-PL"/>
-              <a:t>3. Moduł magazynowy:</a:t>
-            </a:r>
-          </a:p>
-          <a:p>
-            <a:pPr lvl="1"/>
-            <a:r>
-              <a:rPr lang="pl-PL"/>
-              <a:t>Kierownik podgrupy: inż. Jakub Wagner</a:t>
-            </a:r>
-          </a:p>
-          <a:p>
-            <a:pPr lvl="1"/>
-            <a:r>
-              <a:rPr lang="pl-PL"/>
-              <a:t>Skład podgrupy: inż. Paweł </a:t>
-            </a:r>
-            <a:r>
-              <a:rPr lang="pl-PL" err="1"/>
-              <a:t>Styczewski</a:t>
-            </a:r>
-            <a:endParaRPr lang="pl-PL"/>
-          </a:p>
-          <a:p>
-            <a:endParaRPr lang="pl-PL"/>
+              <a:rPr lang="pl-PL" dirty="0"/>
+              <a:t>Przygotowanie formularza zamówienia od klienta.</a:t>
+            </a:r>
+          </a:p>
+          <a:p>
+            <a:r>
+              <a:rPr lang="pl-PL" dirty="0"/>
+              <a:t>Opracowanie procesu technologicznego produktu.</a:t>
+            </a:r>
+          </a:p>
+          <a:p>
+            <a:r>
+              <a:rPr lang="pl-PL" dirty="0"/>
+              <a:t>Przedstawienie kosztorysu wykonawczego.</a:t>
+            </a:r>
+          </a:p>
+          <a:p>
+            <a:r>
+              <a:rPr lang="pl-PL" dirty="0"/>
+              <a:t>Rejestracja stanu magazynowego.</a:t>
+            </a:r>
+          </a:p>
+          <a:p>
+            <a:r>
+              <a:rPr lang="pl-PL" dirty="0"/>
+              <a:t>Możliwość wydania produktu klientowi.</a:t>
+            </a:r>
+          </a:p>
+          <a:p>
+            <a:r>
+              <a:rPr lang="pl-PL" dirty="0"/>
+              <a:t>Przygotowanie kosztorysu powykonawczego.</a:t>
+            </a:r>
+          </a:p>
+          <a:p>
+            <a:r>
+              <a:rPr lang="pl-PL" dirty="0"/>
+              <a:t>Możliwość wystawienia faktury sprzedaży.</a:t>
+            </a:r>
+          </a:p>
+          <a:p>
+            <a:r>
+              <a:rPr lang="pl-PL" dirty="0"/>
+              <a:t>Wypłacenie pensji pracownikom.</a:t>
+            </a:r>
+          </a:p>
+          <a:p>
+            <a:r>
+              <a:rPr lang="pl-PL" dirty="0"/>
+              <a:t>Wygenerowanie raportu w postaci bilansu miesięcznego.</a:t>
+            </a:r>
+          </a:p>
+          <a:p>
+            <a:endParaRPr lang="pl-PL" dirty="0"/>
           </a:p>
         </p:txBody>
       </p:sp>
@@ -28728,7 +29559,7 @@
           <p:cNvPr id="4" name="Symbol zastępczy numeru slajdu 3">
             <a:extLst>
               <a:ext uri="{FF2B5EF4-FFF2-40B4-BE49-F238E27FC236}">
-                <a16:creationId xmlns:a16="http://schemas.microsoft.com/office/drawing/2014/main" id="{0F515478-A8EF-42DB-BFDE-350D93C75097}"/>
+                <a16:creationId xmlns:a16="http://schemas.microsoft.com/office/drawing/2014/main" id="{C29CC204-4BC1-4B25-9EE8-FCD638E96FCF}"/>
               </a:ext>
             </a:extLst>
           </p:cNvPr>
@@ -28755,7 +29586,7 @@
     </p:spTree>
     <p:extLst>
       <p:ext uri="{BB962C8B-B14F-4D97-AF65-F5344CB8AC3E}">
-        <p14:creationId xmlns:p14="http://schemas.microsoft.com/office/powerpoint/2010/main" val="1973433068"/>
+        <p14:creationId xmlns:p14="http://schemas.microsoft.com/office/powerpoint/2010/main" val="2817403782"/>
       </p:ext>
     </p:extLst>
   </p:cSld>
@@ -28766,7 +29597,7 @@
 </file>
 
 <file path=ppt/slides/slide9.xml><?xml version="1.0" encoding="utf-8"?>
-<p:sld xmlns:a="http://schemas.openxmlformats.org/drawingml/2006/main" xmlns:r="http://schemas.openxmlformats.org/officeDocument/2006/relationships" xmlns:p="http://schemas.openxmlformats.org/presentationml/2006/main" show="0">
+<p:sld xmlns:a="http://schemas.openxmlformats.org/drawingml/2006/main" xmlns:r="http://schemas.openxmlformats.org/officeDocument/2006/relationships" xmlns:p="http://schemas.openxmlformats.org/presentationml/2006/main">
   <p:cSld>
     <p:spTree>
       <p:nvGrpSpPr>
@@ -28806,7 +29637,7 @@
             <a:pPr algn="ctr"/>
             <a:r>
               <a:rPr lang="pl-PL"/>
-              <a:t>Struktura organizacyjna</a:t>
+              <a:t>Moduły</a:t>
             </a:r>
           </a:p>
         </p:txBody>
@@ -28834,28 +29665,66 @@
           <a:p>
             <a:r>
               <a:rPr lang="pl-PL"/>
-              <a:t>Model liniowy:</a:t>
-            </a:r>
-          </a:p>
-          <a:p>
-            <a:endParaRPr lang="pl-PL"/>
-          </a:p>
-          <a:p>
-            <a:endParaRPr lang="pl-PL"/>
-          </a:p>
-          <a:p>
-            <a:endParaRPr lang="pl-PL"/>
-          </a:p>
-          <a:p>
-            <a:endParaRPr lang="pl-PL"/>
-          </a:p>
-          <a:p>
-            <a:endParaRPr lang="pl-PL"/>
-          </a:p>
-          <a:p>
-            <a:endParaRPr lang="pl-PL"/>
-          </a:p>
-          <a:p>
+              <a:t>1. Moduł zarządzania:</a:t>
+            </a:r>
+          </a:p>
+          <a:p>
+            <a:pPr lvl="1"/>
+            <a:r>
+              <a:rPr lang="pl-PL"/>
+              <a:t>Kierownik podgrupy: inż. Bartosz Gębicki </a:t>
+            </a:r>
+          </a:p>
+          <a:p>
+            <a:pPr lvl="1"/>
+            <a:r>
+              <a:rPr lang="pl-PL"/>
+              <a:t>Skład podgrupy: inż. Julia Dobrowolska, inż. Konrad Grzyb </a:t>
+            </a:r>
+          </a:p>
+          <a:p>
+            <a:r>
+              <a:rPr lang="pl-PL"/>
+              <a:t>2. Moduł produkcji:</a:t>
+            </a:r>
+          </a:p>
+          <a:p>
+            <a:pPr lvl="1"/>
+            <a:r>
+              <a:rPr lang="pl-PL"/>
+              <a:t>Kierownik podgrupy: inż. Magdalena Zieńczuk</a:t>
+            </a:r>
+          </a:p>
+          <a:p>
+            <a:pPr lvl="1"/>
+            <a:r>
+              <a:rPr lang="pl-PL"/>
+              <a:t>Skład podgrupy: inż. Karol Brzeziński, inż. Anna Banaczek</a:t>
+            </a:r>
+          </a:p>
+          <a:p>
+            <a:r>
+              <a:rPr lang="pl-PL"/>
+              <a:t>3. Moduł magazynowy:</a:t>
+            </a:r>
+          </a:p>
+          <a:p>
+            <a:pPr lvl="1"/>
+            <a:r>
+              <a:rPr lang="pl-PL"/>
+              <a:t>Kierownik podgrupy: inż. Jakub Wagner</a:t>
+            </a:r>
+          </a:p>
+          <a:p>
+            <a:pPr lvl="1"/>
+            <a:r>
+              <a:rPr lang="pl-PL"/>
+              <a:t>Skład podgrupy: inż. Paweł </a:t>
+            </a:r>
+            <a:r>
+              <a:rPr lang="pl-PL" err="1"/>
+              <a:t>Styczewski</a:t>
+            </a:r>
             <a:endParaRPr lang="pl-PL"/>
           </a:p>
           <a:p>
@@ -28865,772 +29734,10 @@
       </p:sp>
       <p:sp>
         <p:nvSpPr>
-          <p:cNvPr id="4" name="Trójkąt równoramienny 3">
+          <p:cNvPr id="4" name="Symbol zastępczy numeru slajdu 3">
             <a:extLst>
               <a:ext uri="{FF2B5EF4-FFF2-40B4-BE49-F238E27FC236}">
-                <a16:creationId xmlns:a16="http://schemas.microsoft.com/office/drawing/2014/main" id="{ED998ED4-5B6B-4A53-9651-D307A71B1BF9}"/>
-              </a:ext>
-            </a:extLst>
-          </p:cNvPr>
-          <p:cNvSpPr/>
-          <p:nvPr/>
-        </p:nvSpPr>
-        <p:spPr>
-          <a:xfrm>
-            <a:off x="5043181" y="2516129"/>
-            <a:ext cx="973122" cy="713725"/>
-          </a:xfrm>
-          <a:prstGeom prst="triangle">
-            <a:avLst/>
-          </a:prstGeom>
-        </p:spPr>
-        <p:style>
-          <a:lnRef idx="2">
-            <a:schemeClr val="accent1">
-              <a:shade val="50000"/>
-            </a:schemeClr>
-          </a:lnRef>
-          <a:fillRef idx="1">
-            <a:schemeClr val="accent1"/>
-          </a:fillRef>
-          <a:effectRef idx="0">
-            <a:schemeClr val="accent1"/>
-          </a:effectRef>
-          <a:fontRef idx="minor">
-            <a:schemeClr val="lt1"/>
-          </a:fontRef>
-        </p:style>
-        <p:txBody>
-          <a:bodyPr rtlCol="0" anchor="ctr"/>
-          <a:lstStyle/>
-          <a:p>
-            <a:pPr algn="ctr"/>
-            <a:r>
-              <a:rPr lang="pl-PL"/>
-              <a:t>K</a:t>
-            </a:r>
-          </a:p>
-        </p:txBody>
-      </p:sp>
-      <p:sp>
-        <p:nvSpPr>
-          <p:cNvPr id="7" name="Trójkąt równoramienny 6">
-            <a:extLst>
-              <a:ext uri="{FF2B5EF4-FFF2-40B4-BE49-F238E27FC236}">
-                <a16:creationId xmlns:a16="http://schemas.microsoft.com/office/drawing/2014/main" id="{47EC9E1C-88BC-4DA6-852A-92D985FB3E0A}"/>
-              </a:ext>
-            </a:extLst>
-          </p:cNvPr>
-          <p:cNvSpPr/>
-          <p:nvPr/>
-        </p:nvSpPr>
-        <p:spPr>
-          <a:xfrm>
-            <a:off x="2873928" y="3820173"/>
-            <a:ext cx="973123" cy="713725"/>
-          </a:xfrm>
-          <a:prstGeom prst="triangle">
-            <a:avLst/>
-          </a:prstGeom>
-        </p:spPr>
-        <p:style>
-          <a:lnRef idx="2">
-            <a:schemeClr val="accent1">
-              <a:shade val="50000"/>
-            </a:schemeClr>
-          </a:lnRef>
-          <a:fillRef idx="1">
-            <a:schemeClr val="accent1"/>
-          </a:fillRef>
-          <a:effectRef idx="0">
-            <a:schemeClr val="accent1"/>
-          </a:effectRef>
-          <a:fontRef idx="minor">
-            <a:schemeClr val="lt1"/>
-          </a:fontRef>
-        </p:style>
-        <p:txBody>
-          <a:bodyPr rtlCol="0" anchor="ctr"/>
-          <a:lstStyle/>
-          <a:p>
-            <a:pPr algn="ctr"/>
-            <a:r>
-              <a:rPr lang="pl-PL"/>
-              <a:t>K</a:t>
-            </a:r>
-          </a:p>
-        </p:txBody>
-      </p:sp>
-      <p:sp>
-        <p:nvSpPr>
-          <p:cNvPr id="8" name="Trójkąt równoramienny 7">
-            <a:extLst>
-              <a:ext uri="{FF2B5EF4-FFF2-40B4-BE49-F238E27FC236}">
-                <a16:creationId xmlns:a16="http://schemas.microsoft.com/office/drawing/2014/main" id="{B75C3823-0E67-4F8F-B295-5B5C9D3B40F7}"/>
-              </a:ext>
-            </a:extLst>
-          </p:cNvPr>
-          <p:cNvSpPr/>
-          <p:nvPr/>
-        </p:nvSpPr>
-        <p:spPr>
-          <a:xfrm>
-            <a:off x="5043181" y="3899853"/>
-            <a:ext cx="973122" cy="713725"/>
-          </a:xfrm>
-          <a:prstGeom prst="triangle">
-            <a:avLst/>
-          </a:prstGeom>
-        </p:spPr>
-        <p:style>
-          <a:lnRef idx="2">
-            <a:schemeClr val="accent1">
-              <a:shade val="50000"/>
-            </a:schemeClr>
-          </a:lnRef>
-          <a:fillRef idx="1">
-            <a:schemeClr val="accent1"/>
-          </a:fillRef>
-          <a:effectRef idx="0">
-            <a:schemeClr val="accent1"/>
-          </a:effectRef>
-          <a:fontRef idx="minor">
-            <a:schemeClr val="lt1"/>
-          </a:fontRef>
-        </p:style>
-        <p:txBody>
-          <a:bodyPr rtlCol="0" anchor="ctr"/>
-          <a:lstStyle/>
-          <a:p>
-            <a:pPr algn="ctr"/>
-            <a:r>
-              <a:rPr lang="pl-PL"/>
-              <a:t>K</a:t>
-            </a:r>
-          </a:p>
-        </p:txBody>
-      </p:sp>
-      <p:sp>
-        <p:nvSpPr>
-          <p:cNvPr id="9" name="Trójkąt równoramienny 8">
-            <a:extLst>
-              <a:ext uri="{FF2B5EF4-FFF2-40B4-BE49-F238E27FC236}">
-                <a16:creationId xmlns:a16="http://schemas.microsoft.com/office/drawing/2014/main" id="{C3ECFCEF-B9AD-4959-BCCF-5139420B60A1}"/>
-              </a:ext>
-            </a:extLst>
-          </p:cNvPr>
-          <p:cNvSpPr/>
-          <p:nvPr/>
-        </p:nvSpPr>
-        <p:spPr>
-          <a:xfrm>
-            <a:off x="7972339" y="3779668"/>
-            <a:ext cx="973123" cy="713725"/>
-          </a:xfrm>
-          <a:prstGeom prst="triangle">
-            <a:avLst/>
-          </a:prstGeom>
-        </p:spPr>
-        <p:style>
-          <a:lnRef idx="2">
-            <a:schemeClr val="accent1">
-              <a:shade val="50000"/>
-            </a:schemeClr>
-          </a:lnRef>
-          <a:fillRef idx="1">
-            <a:schemeClr val="accent1"/>
-          </a:fillRef>
-          <a:effectRef idx="0">
-            <a:schemeClr val="accent1"/>
-          </a:effectRef>
-          <a:fontRef idx="minor">
-            <a:schemeClr val="lt1"/>
-          </a:fontRef>
-        </p:style>
-        <p:txBody>
-          <a:bodyPr rtlCol="0" anchor="ctr"/>
-          <a:lstStyle/>
-          <a:p>
-            <a:pPr algn="ctr"/>
-            <a:r>
-              <a:rPr lang="pl-PL"/>
-              <a:t>K</a:t>
-            </a:r>
-          </a:p>
-        </p:txBody>
-      </p:sp>
-      <p:sp>
-        <p:nvSpPr>
-          <p:cNvPr id="10" name="Prostokąt 9">
-            <a:extLst>
-              <a:ext uri="{FF2B5EF4-FFF2-40B4-BE49-F238E27FC236}">
-                <a16:creationId xmlns:a16="http://schemas.microsoft.com/office/drawing/2014/main" id="{A8C628A7-3CB4-4339-B883-DE0AD13C400A}"/>
-              </a:ext>
-            </a:extLst>
-          </p:cNvPr>
-          <p:cNvSpPr/>
-          <p:nvPr/>
-        </p:nvSpPr>
-        <p:spPr>
-          <a:xfrm>
-            <a:off x="2164359" y="5221794"/>
-            <a:ext cx="973123" cy="629174"/>
-          </a:xfrm>
-          <a:prstGeom prst="rect">
-            <a:avLst/>
-          </a:prstGeom>
-        </p:spPr>
-        <p:style>
-          <a:lnRef idx="2">
-            <a:schemeClr val="accent1">
-              <a:shade val="50000"/>
-            </a:schemeClr>
-          </a:lnRef>
-          <a:fillRef idx="1">
-            <a:schemeClr val="accent1"/>
-          </a:fillRef>
-          <a:effectRef idx="0">
-            <a:schemeClr val="accent1"/>
-          </a:effectRef>
-          <a:fontRef idx="minor">
-            <a:schemeClr val="lt1"/>
-          </a:fontRef>
-        </p:style>
-        <p:txBody>
-          <a:bodyPr rtlCol="0" anchor="ctr"/>
-          <a:lstStyle/>
-          <a:p>
-            <a:pPr algn="ctr"/>
-            <a:r>
-              <a:rPr lang="pl-PL"/>
-              <a:t>W</a:t>
-            </a:r>
-          </a:p>
-        </p:txBody>
-      </p:sp>
-      <p:sp>
-        <p:nvSpPr>
-          <p:cNvPr id="11" name="Prostokąt 10">
-            <a:extLst>
-              <a:ext uri="{FF2B5EF4-FFF2-40B4-BE49-F238E27FC236}">
-                <a16:creationId xmlns:a16="http://schemas.microsoft.com/office/drawing/2014/main" id="{2B6631D3-5BE5-482A-B90B-5986A756A62F}"/>
-              </a:ext>
-            </a:extLst>
-          </p:cNvPr>
-          <p:cNvSpPr/>
-          <p:nvPr/>
-        </p:nvSpPr>
-        <p:spPr>
-          <a:xfrm>
-            <a:off x="3642917" y="5221794"/>
-            <a:ext cx="973123" cy="629174"/>
-          </a:xfrm>
-          <a:prstGeom prst="rect">
-            <a:avLst/>
-          </a:prstGeom>
-        </p:spPr>
-        <p:style>
-          <a:lnRef idx="2">
-            <a:schemeClr val="accent1">
-              <a:shade val="50000"/>
-            </a:schemeClr>
-          </a:lnRef>
-          <a:fillRef idx="1">
-            <a:schemeClr val="accent1"/>
-          </a:fillRef>
-          <a:effectRef idx="0">
-            <a:schemeClr val="accent1"/>
-          </a:effectRef>
-          <a:fontRef idx="minor">
-            <a:schemeClr val="lt1"/>
-          </a:fontRef>
-        </p:style>
-        <p:txBody>
-          <a:bodyPr rtlCol="0" anchor="ctr"/>
-          <a:lstStyle/>
-          <a:p>
-            <a:pPr algn="ctr"/>
-            <a:r>
-              <a:rPr lang="pl-PL"/>
-              <a:t>W</a:t>
-            </a:r>
-          </a:p>
-        </p:txBody>
-      </p:sp>
-      <p:sp>
-        <p:nvSpPr>
-          <p:cNvPr id="12" name="Prostokąt 11">
-            <a:extLst>
-              <a:ext uri="{FF2B5EF4-FFF2-40B4-BE49-F238E27FC236}">
-                <a16:creationId xmlns:a16="http://schemas.microsoft.com/office/drawing/2014/main" id="{6CE13F6D-6FBE-40A0-A878-D524F98BF10F}"/>
-              </a:ext>
-            </a:extLst>
-          </p:cNvPr>
-          <p:cNvSpPr/>
-          <p:nvPr/>
-        </p:nvSpPr>
-        <p:spPr>
-          <a:xfrm>
-            <a:off x="5043181" y="5221794"/>
-            <a:ext cx="973123" cy="629174"/>
-          </a:xfrm>
-          <a:prstGeom prst="rect">
-            <a:avLst/>
-          </a:prstGeom>
-        </p:spPr>
-        <p:style>
-          <a:lnRef idx="2">
-            <a:schemeClr val="accent1">
-              <a:shade val="50000"/>
-            </a:schemeClr>
-          </a:lnRef>
-          <a:fillRef idx="1">
-            <a:schemeClr val="accent1"/>
-          </a:fillRef>
-          <a:effectRef idx="0">
-            <a:schemeClr val="accent1"/>
-          </a:effectRef>
-          <a:fontRef idx="minor">
-            <a:schemeClr val="lt1"/>
-          </a:fontRef>
-        </p:style>
-        <p:txBody>
-          <a:bodyPr rtlCol="0" anchor="ctr"/>
-          <a:lstStyle/>
-          <a:p>
-            <a:pPr algn="ctr"/>
-            <a:r>
-              <a:rPr lang="pl-PL"/>
-              <a:t>W</a:t>
-            </a:r>
-          </a:p>
-        </p:txBody>
-      </p:sp>
-      <p:sp>
-        <p:nvSpPr>
-          <p:cNvPr id="13" name="Prostokąt 12">
-            <a:extLst>
-              <a:ext uri="{FF2B5EF4-FFF2-40B4-BE49-F238E27FC236}">
-                <a16:creationId xmlns:a16="http://schemas.microsoft.com/office/drawing/2014/main" id="{F0E4D3FC-C31A-419B-941F-58E608D7774B}"/>
-              </a:ext>
-            </a:extLst>
-          </p:cNvPr>
-          <p:cNvSpPr/>
-          <p:nvPr/>
-        </p:nvSpPr>
-        <p:spPr>
-          <a:xfrm>
-            <a:off x="6429460" y="5221794"/>
-            <a:ext cx="973123" cy="629174"/>
-          </a:xfrm>
-          <a:prstGeom prst="rect">
-            <a:avLst/>
-          </a:prstGeom>
-        </p:spPr>
-        <p:style>
-          <a:lnRef idx="2">
-            <a:schemeClr val="accent1">
-              <a:shade val="50000"/>
-            </a:schemeClr>
-          </a:lnRef>
-          <a:fillRef idx="1">
-            <a:schemeClr val="accent1"/>
-          </a:fillRef>
-          <a:effectRef idx="0">
-            <a:schemeClr val="accent1"/>
-          </a:effectRef>
-          <a:fontRef idx="minor">
-            <a:schemeClr val="lt1"/>
-          </a:fontRef>
-        </p:style>
-        <p:txBody>
-          <a:bodyPr rtlCol="0" anchor="ctr"/>
-          <a:lstStyle/>
-          <a:p>
-            <a:pPr algn="ctr"/>
-            <a:r>
-              <a:rPr lang="pl-PL"/>
-              <a:t>W</a:t>
-            </a:r>
-          </a:p>
-        </p:txBody>
-      </p:sp>
-      <p:sp>
-        <p:nvSpPr>
-          <p:cNvPr id="14" name="Prostokąt 13">
-            <a:extLst>
-              <a:ext uri="{FF2B5EF4-FFF2-40B4-BE49-F238E27FC236}">
-                <a16:creationId xmlns:a16="http://schemas.microsoft.com/office/drawing/2014/main" id="{BBB77C32-C1E3-473E-BADB-05F49A83B250}"/>
-              </a:ext>
-            </a:extLst>
-          </p:cNvPr>
-          <p:cNvSpPr/>
-          <p:nvPr/>
-        </p:nvSpPr>
-        <p:spPr>
-          <a:xfrm>
-            <a:off x="7972340" y="5221794"/>
-            <a:ext cx="973123" cy="629174"/>
-          </a:xfrm>
-          <a:prstGeom prst="rect">
-            <a:avLst/>
-          </a:prstGeom>
-        </p:spPr>
-        <p:style>
-          <a:lnRef idx="2">
-            <a:schemeClr val="accent1">
-              <a:shade val="50000"/>
-            </a:schemeClr>
-          </a:lnRef>
-          <a:fillRef idx="1">
-            <a:schemeClr val="accent1"/>
-          </a:fillRef>
-          <a:effectRef idx="0">
-            <a:schemeClr val="accent1"/>
-          </a:effectRef>
-          <a:fontRef idx="minor">
-            <a:schemeClr val="lt1"/>
-          </a:fontRef>
-        </p:style>
-        <p:txBody>
-          <a:bodyPr rtlCol="0" anchor="ctr"/>
-          <a:lstStyle/>
-          <a:p>
-            <a:pPr algn="ctr"/>
-            <a:r>
-              <a:rPr lang="pl-PL"/>
-              <a:t>W</a:t>
-            </a:r>
-          </a:p>
-        </p:txBody>
-      </p:sp>
-      <p:cxnSp>
-        <p:nvCxnSpPr>
-          <p:cNvPr id="18" name="Łącznik: łamany 17">
-            <a:extLst>
-              <a:ext uri="{FF2B5EF4-FFF2-40B4-BE49-F238E27FC236}">
-                <a16:creationId xmlns:a16="http://schemas.microsoft.com/office/drawing/2014/main" id="{0C309B08-C7E8-456E-A746-CB709E87FA4B}"/>
-              </a:ext>
-            </a:extLst>
-          </p:cNvPr>
-          <p:cNvCxnSpPr>
-            <a:stCxn id="10" idx="0"/>
-            <a:endCxn id="7" idx="3"/>
-          </p:cNvCxnSpPr>
-          <p:nvPr/>
-        </p:nvCxnSpPr>
-        <p:spPr>
-          <a:xfrm rot="5400000" flipH="1" flipV="1">
-            <a:off x="2661757" y="4523062"/>
-            <a:ext cx="687896" cy="709569"/>
-          </a:xfrm>
-          <a:prstGeom prst="bentConnector3">
-            <a:avLst/>
-          </a:prstGeom>
-          <a:ln w="38100"/>
-        </p:spPr>
-        <p:style>
-          <a:lnRef idx="3">
-            <a:schemeClr val="dk1"/>
-          </a:lnRef>
-          <a:fillRef idx="0">
-            <a:schemeClr val="dk1"/>
-          </a:fillRef>
-          <a:effectRef idx="2">
-            <a:schemeClr val="dk1"/>
-          </a:effectRef>
-          <a:fontRef idx="minor">
-            <a:schemeClr val="tx1"/>
-          </a:fontRef>
-        </p:style>
-      </p:cxnSp>
-      <p:cxnSp>
-        <p:nvCxnSpPr>
-          <p:cNvPr id="20" name="Łącznik: łamany 19">
-            <a:extLst>
-              <a:ext uri="{FF2B5EF4-FFF2-40B4-BE49-F238E27FC236}">
-                <a16:creationId xmlns:a16="http://schemas.microsoft.com/office/drawing/2014/main" id="{FC7E2FDA-E99D-4509-A7D5-947421DFA550}"/>
-              </a:ext>
-            </a:extLst>
-          </p:cNvPr>
-          <p:cNvCxnSpPr>
-            <a:stCxn id="11" idx="0"/>
-            <a:endCxn id="7" idx="3"/>
-          </p:cNvCxnSpPr>
-          <p:nvPr/>
-        </p:nvCxnSpPr>
-        <p:spPr>
-          <a:xfrm rot="16200000" flipV="1">
-            <a:off x="3401037" y="4493351"/>
-            <a:ext cx="687896" cy="768989"/>
-          </a:xfrm>
-          <a:prstGeom prst="bentConnector3">
-            <a:avLst/>
-          </a:prstGeom>
-          <a:ln w="38100"/>
-        </p:spPr>
-        <p:style>
-          <a:lnRef idx="3">
-            <a:schemeClr val="dk1"/>
-          </a:lnRef>
-          <a:fillRef idx="0">
-            <a:schemeClr val="dk1"/>
-          </a:fillRef>
-          <a:effectRef idx="2">
-            <a:schemeClr val="dk1"/>
-          </a:effectRef>
-          <a:fontRef idx="minor">
-            <a:schemeClr val="tx1"/>
-          </a:fontRef>
-        </p:style>
-      </p:cxnSp>
-      <p:cxnSp>
-        <p:nvCxnSpPr>
-          <p:cNvPr id="22" name="Łącznik: łamany 21">
-            <a:extLst>
-              <a:ext uri="{FF2B5EF4-FFF2-40B4-BE49-F238E27FC236}">
-                <a16:creationId xmlns:a16="http://schemas.microsoft.com/office/drawing/2014/main" id="{FBB71F96-471C-4B4A-9EFE-3930D849934A}"/>
-              </a:ext>
-            </a:extLst>
-          </p:cNvPr>
-          <p:cNvCxnSpPr>
-            <a:stCxn id="12" idx="0"/>
-            <a:endCxn id="8" idx="3"/>
-          </p:cNvCxnSpPr>
-          <p:nvPr/>
-        </p:nvCxnSpPr>
-        <p:spPr>
-          <a:xfrm rot="16200000" flipV="1">
-            <a:off x="5225635" y="4917685"/>
-            <a:ext cx="608216" cy="1"/>
-          </a:xfrm>
-          <a:prstGeom prst="bentConnector3">
-            <a:avLst/>
-          </a:prstGeom>
-          <a:ln w="38100"/>
-        </p:spPr>
-        <p:style>
-          <a:lnRef idx="3">
-            <a:schemeClr val="dk1"/>
-          </a:lnRef>
-          <a:fillRef idx="0">
-            <a:schemeClr val="dk1"/>
-          </a:fillRef>
-          <a:effectRef idx="2">
-            <a:schemeClr val="dk1"/>
-          </a:effectRef>
-          <a:fontRef idx="minor">
-            <a:schemeClr val="tx1"/>
-          </a:fontRef>
-        </p:style>
-      </p:cxnSp>
-      <p:cxnSp>
-        <p:nvCxnSpPr>
-          <p:cNvPr id="24" name="Łącznik: łamany 23">
-            <a:extLst>
-              <a:ext uri="{FF2B5EF4-FFF2-40B4-BE49-F238E27FC236}">
-                <a16:creationId xmlns:a16="http://schemas.microsoft.com/office/drawing/2014/main" id="{5A045460-007D-4D32-BE20-48D0C3A46EB0}"/>
-              </a:ext>
-            </a:extLst>
-          </p:cNvPr>
-          <p:cNvCxnSpPr>
-            <a:stCxn id="8" idx="3"/>
-            <a:endCxn id="13" idx="0"/>
-          </p:cNvCxnSpPr>
-          <p:nvPr/>
-        </p:nvCxnSpPr>
-        <p:spPr>
-          <a:xfrm rot="16200000" flipH="1">
-            <a:off x="5918774" y="4224546"/>
-            <a:ext cx="608216" cy="1386280"/>
-          </a:xfrm>
-          <a:prstGeom prst="bentConnector3">
-            <a:avLst/>
-          </a:prstGeom>
-          <a:ln w="38100"/>
-        </p:spPr>
-        <p:style>
-          <a:lnRef idx="3">
-            <a:schemeClr val="dk1"/>
-          </a:lnRef>
-          <a:fillRef idx="0">
-            <a:schemeClr val="dk1"/>
-          </a:fillRef>
-          <a:effectRef idx="2">
-            <a:schemeClr val="dk1"/>
-          </a:effectRef>
-          <a:fontRef idx="minor">
-            <a:schemeClr val="tx1"/>
-          </a:fontRef>
-        </p:style>
-      </p:cxnSp>
-      <p:cxnSp>
-        <p:nvCxnSpPr>
-          <p:cNvPr id="26" name="Łącznik: łamany 25">
-            <a:extLst>
-              <a:ext uri="{FF2B5EF4-FFF2-40B4-BE49-F238E27FC236}">
-                <a16:creationId xmlns:a16="http://schemas.microsoft.com/office/drawing/2014/main" id="{9D5E2D6A-09CE-4B78-9CA5-05F5B4438118}"/>
-              </a:ext>
-            </a:extLst>
-          </p:cNvPr>
-          <p:cNvCxnSpPr>
-            <a:stCxn id="9" idx="3"/>
-            <a:endCxn id="14" idx="0"/>
-          </p:cNvCxnSpPr>
-          <p:nvPr/>
-        </p:nvCxnSpPr>
-        <p:spPr>
-          <a:xfrm rot="16200000" flipH="1">
-            <a:off x="8094701" y="4857592"/>
-            <a:ext cx="728401" cy="1"/>
-          </a:xfrm>
-          <a:prstGeom prst="bentConnector3">
-            <a:avLst>
-              <a:gd name="adj1" fmla="val 50000"/>
-            </a:avLst>
-          </a:prstGeom>
-          <a:ln w="38100"/>
-        </p:spPr>
-        <p:style>
-          <a:lnRef idx="3">
-            <a:schemeClr val="dk1"/>
-          </a:lnRef>
-          <a:fillRef idx="0">
-            <a:schemeClr val="dk1"/>
-          </a:fillRef>
-          <a:effectRef idx="2">
-            <a:schemeClr val="dk1"/>
-          </a:effectRef>
-          <a:fontRef idx="minor">
-            <a:schemeClr val="tx1"/>
-          </a:fontRef>
-        </p:style>
-      </p:cxnSp>
-      <p:cxnSp>
-        <p:nvCxnSpPr>
-          <p:cNvPr id="29" name="Łącznik: łamany 28">
-            <a:extLst>
-              <a:ext uri="{FF2B5EF4-FFF2-40B4-BE49-F238E27FC236}">
-                <a16:creationId xmlns:a16="http://schemas.microsoft.com/office/drawing/2014/main" id="{58C19AFC-B502-41F7-BDCB-CAA60EF310F0}"/>
-              </a:ext>
-            </a:extLst>
-          </p:cNvPr>
-          <p:cNvCxnSpPr>
-            <a:stCxn id="7" idx="0"/>
-            <a:endCxn id="4" idx="3"/>
-          </p:cNvCxnSpPr>
-          <p:nvPr/>
-        </p:nvCxnSpPr>
-        <p:spPr>
-          <a:xfrm rot="5400000" flipH="1" flipV="1">
-            <a:off x="4149957" y="2440388"/>
-            <a:ext cx="590319" cy="2169252"/>
-          </a:xfrm>
-          <a:prstGeom prst="bentConnector3">
-            <a:avLst/>
-          </a:prstGeom>
-          <a:ln w="38100"/>
-        </p:spPr>
-        <p:style>
-          <a:lnRef idx="3">
-            <a:schemeClr val="dk1"/>
-          </a:lnRef>
-          <a:fillRef idx="0">
-            <a:schemeClr val="dk1"/>
-          </a:fillRef>
-          <a:effectRef idx="2">
-            <a:schemeClr val="dk1"/>
-          </a:effectRef>
-          <a:fontRef idx="minor">
-            <a:schemeClr val="tx1"/>
-          </a:fontRef>
-        </p:style>
-      </p:cxnSp>
-      <p:cxnSp>
-        <p:nvCxnSpPr>
-          <p:cNvPr id="31" name="Łącznik prosty 30">
-            <a:extLst>
-              <a:ext uri="{FF2B5EF4-FFF2-40B4-BE49-F238E27FC236}">
-                <a16:creationId xmlns:a16="http://schemas.microsoft.com/office/drawing/2014/main" id="{649B726E-CE76-4D3F-A10E-6FBED59EE4CF}"/>
-              </a:ext>
-            </a:extLst>
-          </p:cNvPr>
-          <p:cNvCxnSpPr>
-            <a:stCxn id="4" idx="3"/>
-            <a:endCxn id="8" idx="0"/>
-          </p:cNvCxnSpPr>
-          <p:nvPr/>
-        </p:nvCxnSpPr>
-        <p:spPr>
-          <a:xfrm>
-            <a:off x="5529742" y="3229854"/>
-            <a:ext cx="0" cy="669999"/>
-          </a:xfrm>
-          <a:prstGeom prst="line">
-            <a:avLst/>
-          </a:prstGeom>
-          <a:ln w="38100"/>
-        </p:spPr>
-        <p:style>
-          <a:lnRef idx="3">
-            <a:schemeClr val="dk1"/>
-          </a:lnRef>
-          <a:fillRef idx="0">
-            <a:schemeClr val="dk1"/>
-          </a:fillRef>
-          <a:effectRef idx="2">
-            <a:schemeClr val="dk1"/>
-          </a:effectRef>
-          <a:fontRef idx="minor">
-            <a:schemeClr val="tx1"/>
-          </a:fontRef>
-        </p:style>
-      </p:cxnSp>
-      <p:cxnSp>
-        <p:nvCxnSpPr>
-          <p:cNvPr id="33" name="Łącznik: łamany 32">
-            <a:extLst>
-              <a:ext uri="{FF2B5EF4-FFF2-40B4-BE49-F238E27FC236}">
-                <a16:creationId xmlns:a16="http://schemas.microsoft.com/office/drawing/2014/main" id="{DCC4A69B-C08E-46DE-A6EA-E6E0C1C8DD53}"/>
-              </a:ext>
-            </a:extLst>
-          </p:cNvPr>
-          <p:cNvCxnSpPr>
-            <a:cxnSpLocks/>
-          </p:cNvCxnSpPr>
-          <p:nvPr/>
-        </p:nvCxnSpPr>
-        <p:spPr>
-          <a:xfrm rot="16200000" flipH="1">
-            <a:off x="6719414" y="2060435"/>
-            <a:ext cx="549814" cy="2929159"/>
-          </a:xfrm>
-          <a:prstGeom prst="bentConnector3">
-            <a:avLst/>
-          </a:prstGeom>
-          <a:ln w="38100"/>
-        </p:spPr>
-        <p:style>
-          <a:lnRef idx="3">
-            <a:schemeClr val="dk1"/>
-          </a:lnRef>
-          <a:fillRef idx="0">
-            <a:schemeClr val="dk1"/>
-          </a:fillRef>
-          <a:effectRef idx="2">
-            <a:schemeClr val="dk1"/>
-          </a:effectRef>
-          <a:fontRef idx="minor">
-            <a:schemeClr val="tx1"/>
-          </a:fontRef>
-        </p:style>
-      </p:cxnSp>
-      <p:sp>
-        <p:nvSpPr>
-          <p:cNvPr id="5" name="Symbol zastępczy numeru slajdu 4">
-            <a:extLst>
-              <a:ext uri="{FF2B5EF4-FFF2-40B4-BE49-F238E27FC236}">
-                <a16:creationId xmlns:a16="http://schemas.microsoft.com/office/drawing/2014/main" id="{AB0B9E51-E718-4C6A-B704-D7A75025D73A}"/>
+                <a16:creationId xmlns:a16="http://schemas.microsoft.com/office/drawing/2014/main" id="{0F515478-A8EF-42DB-BFDE-350D93C75097}"/>
               </a:ext>
             </a:extLst>
           </p:cNvPr>
@@ -29657,7 +29764,7 @@
     </p:spTree>
     <p:extLst>
       <p:ext uri="{BB962C8B-B14F-4D97-AF65-F5344CB8AC3E}">
-        <p14:creationId xmlns:p14="http://schemas.microsoft.com/office/powerpoint/2010/main" val="578991729"/>
+        <p14:creationId xmlns:p14="http://schemas.microsoft.com/office/powerpoint/2010/main" val="1973433068"/>
       </p:ext>
     </p:extLst>
   </p:cSld>

--- a/Prezentacja_29.04.pptx
+++ b/Prezentacja_29.04.pptx
@@ -5660,7 +5660,7 @@
           <a:p>
             <a:fld id="{77C7207A-6BEF-41EC-85B3-243D736B3C1C}" type="datetimeFigureOut">
               <a:rPr lang="pl-PL" smtClean="0"/>
-              <a:t>28.04.2021</a:t>
+              <a:t>28-04-2021</a:t>
             </a:fld>
             <a:endParaRPr lang="pl-PL"/>
           </a:p>
@@ -6201,7 +6201,7 @@
           <a:p>
             <a:fld id="{906E2E1F-15FB-4A85-A0E2-DD17BB6BDEE2}" type="datetime1">
               <a:rPr lang="pl-PL" smtClean="0"/>
-              <a:t>28.04.2021</a:t>
+              <a:t>28-04-2021</a:t>
             </a:fld>
             <a:endParaRPr lang="pl-PL"/>
           </a:p>
@@ -6615,7 +6615,7 @@
           <a:p>
             <a:fld id="{04BF9A06-73F2-4084-A96B-CDBA4804ABA9}" type="datetime1">
               <a:rPr lang="pl-PL" smtClean="0"/>
-              <a:t>28.04.2021</a:t>
+              <a:t>28-04-2021</a:t>
             </a:fld>
             <a:endParaRPr lang="pl-PL"/>
           </a:p>
@@ -6951,7 +6951,7 @@
           <a:p>
             <a:fld id="{94657371-091B-4329-9E46-EE3FD16C2124}" type="datetime1">
               <a:rPr lang="pl-PL" smtClean="0"/>
-              <a:t>28.04.2021</a:t>
+              <a:t>28-04-2021</a:t>
             </a:fld>
             <a:endParaRPr lang="pl-PL"/>
           </a:p>
@@ -7356,7 +7356,7 @@
           <a:p>
             <a:fld id="{2EEBA26D-7DBA-4D05-BE08-49D6D89E11A6}" type="datetime1">
               <a:rPr lang="pl-PL" smtClean="0"/>
-              <a:t>28.04.2021</a:t>
+              <a:t>28-04-2021</a:t>
             </a:fld>
             <a:endParaRPr lang="pl-PL"/>
           </a:p>
@@ -7924,7 +7924,7 @@
           <a:p>
             <a:fld id="{7DA14E7E-32E5-4B7E-9FBF-59259785A34C}" type="datetime1">
               <a:rPr lang="pl-PL" smtClean="0"/>
-              <a:t>28.04.2021</a:t>
+              <a:t>28-04-2021</a:t>
             </a:fld>
             <a:endParaRPr lang="pl-PL"/>
           </a:p>
@@ -8605,7 +8605,7 @@
           <a:p>
             <a:fld id="{DC6D9029-CF85-4195-89A6-D4D813FE0520}" type="datetime1">
               <a:rPr lang="pl-PL" smtClean="0"/>
-              <a:t>28.04.2021</a:t>
+              <a:t>28-04-2021</a:t>
             </a:fld>
             <a:endParaRPr lang="pl-PL"/>
           </a:p>
@@ -9518,7 +9518,7 @@
           <a:p>
             <a:fld id="{ABBD1CC0-C232-4B06-9DC1-160FE11F4035}" type="datetime1">
               <a:rPr lang="pl-PL" smtClean="0"/>
-              <a:t>28.04.2021</a:t>
+              <a:t>28-04-2021</a:t>
             </a:fld>
             <a:endParaRPr lang="pl-PL"/>
           </a:p>
@@ -9831,7 +9831,7 @@
           <a:p>
             <a:fld id="{81E484B1-DFFE-4276-B192-1B9A6DF5EC0E}" type="datetime1">
               <a:rPr lang="pl-PL" smtClean="0"/>
-              <a:t>28.04.2021</a:t>
+              <a:t>28-04-2021</a:t>
             </a:fld>
             <a:endParaRPr lang="pl-PL"/>
           </a:p>
@@ -10095,7 +10095,7 @@
           <a:p>
             <a:fld id="{33BAEE17-A6F7-44BA-9EC0-76AF5746B1EC}" type="datetime1">
               <a:rPr lang="pl-PL" smtClean="0"/>
-              <a:t>28.04.2021</a:t>
+              <a:t>28-04-2021</a:t>
             </a:fld>
             <a:endParaRPr lang="pl-PL"/>
           </a:p>
@@ -10418,7 +10418,7 @@
           <a:p>
             <a:fld id="{00EA0D49-4272-43DC-939C-32B7EDDCEC36}" type="datetime1">
               <a:rPr lang="pl-PL" smtClean="0"/>
-              <a:t>28.04.2021</a:t>
+              <a:t>28-04-2021</a:t>
             </a:fld>
             <a:endParaRPr lang="pl-PL"/>
           </a:p>
@@ -10807,7 +10807,7 @@
           <a:p>
             <a:fld id="{656722D7-39BE-489F-9F01-09A9E3FDDD2F}" type="datetime1">
               <a:rPr lang="pl-PL" smtClean="0"/>
-              <a:t>28.04.2021</a:t>
+              <a:t>28-04-2021</a:t>
             </a:fld>
             <a:endParaRPr lang="pl-PL"/>
           </a:p>
@@ -11183,7 +11183,7 @@
           <a:p>
             <a:fld id="{F5CF2885-881F-4D9E-AF34-74178AC3655B}" type="datetime1">
               <a:rPr lang="pl-PL" smtClean="0"/>
-              <a:t>28.04.2021</a:t>
+              <a:t>28-04-2021</a:t>
             </a:fld>
             <a:endParaRPr lang="pl-PL"/>
           </a:p>
@@ -11689,7 +11689,7 @@
           <a:p>
             <a:fld id="{FB3149CE-D561-44B8-8BBE-5242EF0871FB}" type="datetime1">
               <a:rPr lang="pl-PL" smtClean="0"/>
-              <a:t>28.04.2021</a:t>
+              <a:t>28-04-2021</a:t>
             </a:fld>
             <a:endParaRPr lang="pl-PL"/>
           </a:p>
@@ -11946,7 +11946,7 @@
           <a:p>
             <a:fld id="{0E1B7B2A-DE0F-42E2-A5FB-41E57F01A0B7}" type="datetime1">
               <a:rPr lang="pl-PL" smtClean="0"/>
-              <a:t>28.04.2021</a:t>
+              <a:t>28-04-2021</a:t>
             </a:fld>
             <a:endParaRPr lang="pl-PL"/>
           </a:p>
@@ -12109,7 +12109,7 @@
           <a:p>
             <a:fld id="{20E46B1F-0039-4D18-A22A-3894F85ECBDD}" type="datetime1">
               <a:rPr lang="pl-PL" smtClean="0"/>
-              <a:t>28.04.2021</a:t>
+              <a:t>28-04-2021</a:t>
             </a:fld>
             <a:endParaRPr lang="pl-PL"/>
           </a:p>
@@ -12499,7 +12499,7 @@
           <a:p>
             <a:fld id="{6D85D433-2300-4442-89E4-6FA629B02900}" type="datetime1">
               <a:rPr lang="pl-PL" smtClean="0"/>
-              <a:t>28.04.2021</a:t>
+              <a:t>28-04-2021</a:t>
             </a:fld>
             <a:endParaRPr lang="pl-PL"/>
           </a:p>
@@ -12908,7 +12908,7 @@
           <a:p>
             <a:fld id="{B17B109A-54FF-4910-950B-A924814B2F81}" type="datetime1">
               <a:rPr lang="pl-PL" smtClean="0"/>
-              <a:t>28.04.2021</a:t>
+              <a:t>28-04-2021</a:t>
             </a:fld>
             <a:endParaRPr lang="pl-PL"/>
           </a:p>
@@ -13152,7 +13152,7 @@
           <a:p>
             <a:fld id="{9ADAB105-627B-4324-A3EB-EA360819ED9B}" type="datetime1">
               <a:rPr lang="pl-PL" smtClean="0"/>
-              <a:t>28.04.2021</a:t>
+              <a:t>28-04-2021</a:t>
             </a:fld>
             <a:endParaRPr lang="pl-PL"/>
           </a:p>
@@ -17720,7 +17720,7 @@
         </p:spPr>
         <p:txBody>
           <a:bodyPr>
-            <a:normAutofit lnSpcReduction="10000"/>
+            <a:normAutofit/>
           </a:bodyPr>
           <a:lstStyle/>
           <a:p>
@@ -17737,15 +17737,6 @@
               <a:buNone/>
             </a:pPr>
             <a:endParaRPr lang="pl-PL" sz="2800" dirty="0"/>
-          </a:p>
-          <a:p>
-            <a:pPr marL="0" indent="0">
-              <a:buNone/>
-            </a:pPr>
-            <a:r>
-              <a:rPr lang="pl-PL" sz="2800" dirty="0"/>
-              <a:t>Rodzaj przedsiębiorstwa, model biznesowy</a:t>
-            </a:r>
           </a:p>
         </p:txBody>
       </p:sp>
@@ -28181,12 +28172,41 @@
           </a:p>
         </p:txBody>
       </p:sp>
+      <p:sp>
+        <p:nvSpPr>
+          <p:cNvPr id="4" name="Symbol zastępczy numeru slajdu 3">
+            <a:extLst>
+              <a:ext uri="{FF2B5EF4-FFF2-40B4-BE49-F238E27FC236}">
+                <a16:creationId xmlns:a16="http://schemas.microsoft.com/office/drawing/2014/main" id="{1140D038-9B3B-4882-A661-A915007F030D}"/>
+              </a:ext>
+            </a:extLst>
+          </p:cNvPr>
+          <p:cNvSpPr>
+            <a:spLocks noGrp="1"/>
+          </p:cNvSpPr>
+          <p:nvPr>
+            <p:ph type="sldNum" sz="quarter" idx="12"/>
+          </p:nvPr>
+        </p:nvSpPr>
+        <p:spPr/>
+        <p:txBody>
+          <a:bodyPr/>
+          <a:lstStyle/>
+          <a:p>
+            <a:fld id="{73EBA5C1-EA0D-4D38-B474-3131B775EA3E}" type="slidenum">
+              <a:rPr lang="pl-PL" smtClean="0"/>
+              <a:t>5</a:t>
+            </a:fld>
+            <a:endParaRPr lang="pl-PL"/>
+          </a:p>
+        </p:txBody>
+      </p:sp>
       <p:pic>
         <p:nvPicPr>
-          <p:cNvPr id="6" name="Symbol zastępczy zawartości 5">
+          <p:cNvPr id="16" name="Symbol zastępczy zawartości 15">
             <a:extLst>
               <a:ext uri="{FF2B5EF4-FFF2-40B4-BE49-F238E27FC236}">
-                <a16:creationId xmlns:a16="http://schemas.microsoft.com/office/drawing/2014/main" id="{23860A13-0449-4FDF-9049-80B8F3CC4C5E}"/>
+                <a16:creationId xmlns:a16="http://schemas.microsoft.com/office/drawing/2014/main" id="{11432ED4-127A-486D-8D95-2F016EAD7D01}"/>
               </a:ext>
             </a:extLst>
           </p:cNvPr>
@@ -28214,40 +28234,11 @@
         </p:blipFill>
         <p:spPr>
           <a:xfrm>
-            <a:off x="160407" y="2743200"/>
-            <a:ext cx="11753069" cy="3073138"/>
+            <a:off x="125089" y="2733965"/>
+            <a:ext cx="11762898" cy="3075708"/>
           </a:xfrm>
         </p:spPr>
       </p:pic>
-      <p:sp>
-        <p:nvSpPr>
-          <p:cNvPr id="4" name="Symbol zastępczy numeru slajdu 3">
-            <a:extLst>
-              <a:ext uri="{FF2B5EF4-FFF2-40B4-BE49-F238E27FC236}">
-                <a16:creationId xmlns:a16="http://schemas.microsoft.com/office/drawing/2014/main" id="{1140D038-9B3B-4882-A661-A915007F030D}"/>
-              </a:ext>
-            </a:extLst>
-          </p:cNvPr>
-          <p:cNvSpPr>
-            <a:spLocks noGrp="1"/>
-          </p:cNvSpPr>
-          <p:nvPr>
-            <p:ph type="sldNum" sz="quarter" idx="12"/>
-          </p:nvPr>
-        </p:nvSpPr>
-        <p:spPr/>
-        <p:txBody>
-          <a:bodyPr/>
-          <a:lstStyle/>
-          <a:p>
-            <a:fld id="{73EBA5C1-EA0D-4D38-B474-3131B775EA3E}" type="slidenum">
-              <a:rPr lang="pl-PL" smtClean="0"/>
-              <a:t>5</a:t>
-            </a:fld>
-            <a:endParaRPr lang="pl-PL"/>
-          </a:p>
-        </p:txBody>
-      </p:sp>
     </p:spTree>
     <p:extLst>
       <p:ext uri="{BB962C8B-B14F-4D97-AF65-F5344CB8AC3E}">

--- a/Prezentacja_29.04.pptx
+++ b/Prezentacja_29.04.pptx
@@ -5660,7 +5660,7 @@
           <a:p>
             <a:fld id="{77C7207A-6BEF-41EC-85B3-243D736B3C1C}" type="datetimeFigureOut">
               <a:rPr lang="pl-PL" smtClean="0"/>
-              <a:t>28-04-2021</a:t>
+              <a:t>28.04.2021</a:t>
             </a:fld>
             <a:endParaRPr lang="pl-PL"/>
           </a:p>
@@ -6201,7 +6201,7 @@
           <a:p>
             <a:fld id="{906E2E1F-15FB-4A85-A0E2-DD17BB6BDEE2}" type="datetime1">
               <a:rPr lang="pl-PL" smtClean="0"/>
-              <a:t>28-04-2021</a:t>
+              <a:t>28.04.2021</a:t>
             </a:fld>
             <a:endParaRPr lang="pl-PL"/>
           </a:p>
@@ -6615,7 +6615,7 @@
           <a:p>
             <a:fld id="{04BF9A06-73F2-4084-A96B-CDBA4804ABA9}" type="datetime1">
               <a:rPr lang="pl-PL" smtClean="0"/>
-              <a:t>28-04-2021</a:t>
+              <a:t>28.04.2021</a:t>
             </a:fld>
             <a:endParaRPr lang="pl-PL"/>
           </a:p>
@@ -6951,7 +6951,7 @@
           <a:p>
             <a:fld id="{94657371-091B-4329-9E46-EE3FD16C2124}" type="datetime1">
               <a:rPr lang="pl-PL" smtClean="0"/>
-              <a:t>28-04-2021</a:t>
+              <a:t>28.04.2021</a:t>
             </a:fld>
             <a:endParaRPr lang="pl-PL"/>
           </a:p>
@@ -7356,7 +7356,7 @@
           <a:p>
             <a:fld id="{2EEBA26D-7DBA-4D05-BE08-49D6D89E11A6}" type="datetime1">
               <a:rPr lang="pl-PL" smtClean="0"/>
-              <a:t>28-04-2021</a:t>
+              <a:t>28.04.2021</a:t>
             </a:fld>
             <a:endParaRPr lang="pl-PL"/>
           </a:p>
@@ -7924,7 +7924,7 @@
           <a:p>
             <a:fld id="{7DA14E7E-32E5-4B7E-9FBF-59259785A34C}" type="datetime1">
               <a:rPr lang="pl-PL" smtClean="0"/>
-              <a:t>28-04-2021</a:t>
+              <a:t>28.04.2021</a:t>
             </a:fld>
             <a:endParaRPr lang="pl-PL"/>
           </a:p>
@@ -8605,7 +8605,7 @@
           <a:p>
             <a:fld id="{DC6D9029-CF85-4195-89A6-D4D813FE0520}" type="datetime1">
               <a:rPr lang="pl-PL" smtClean="0"/>
-              <a:t>28-04-2021</a:t>
+              <a:t>28.04.2021</a:t>
             </a:fld>
             <a:endParaRPr lang="pl-PL"/>
           </a:p>
@@ -9518,7 +9518,7 @@
           <a:p>
             <a:fld id="{ABBD1CC0-C232-4B06-9DC1-160FE11F4035}" type="datetime1">
               <a:rPr lang="pl-PL" smtClean="0"/>
-              <a:t>28-04-2021</a:t>
+              <a:t>28.04.2021</a:t>
             </a:fld>
             <a:endParaRPr lang="pl-PL"/>
           </a:p>
@@ -9831,7 +9831,7 @@
           <a:p>
             <a:fld id="{81E484B1-DFFE-4276-B192-1B9A6DF5EC0E}" type="datetime1">
               <a:rPr lang="pl-PL" smtClean="0"/>
-              <a:t>28-04-2021</a:t>
+              <a:t>28.04.2021</a:t>
             </a:fld>
             <a:endParaRPr lang="pl-PL"/>
           </a:p>
@@ -10095,7 +10095,7 @@
           <a:p>
             <a:fld id="{33BAEE17-A6F7-44BA-9EC0-76AF5746B1EC}" type="datetime1">
               <a:rPr lang="pl-PL" smtClean="0"/>
-              <a:t>28-04-2021</a:t>
+              <a:t>28.04.2021</a:t>
             </a:fld>
             <a:endParaRPr lang="pl-PL"/>
           </a:p>
@@ -10418,7 +10418,7 @@
           <a:p>
             <a:fld id="{00EA0D49-4272-43DC-939C-32B7EDDCEC36}" type="datetime1">
               <a:rPr lang="pl-PL" smtClean="0"/>
-              <a:t>28-04-2021</a:t>
+              <a:t>28.04.2021</a:t>
             </a:fld>
             <a:endParaRPr lang="pl-PL"/>
           </a:p>
@@ -10807,7 +10807,7 @@
           <a:p>
             <a:fld id="{656722D7-39BE-489F-9F01-09A9E3FDDD2F}" type="datetime1">
               <a:rPr lang="pl-PL" smtClean="0"/>
-              <a:t>28-04-2021</a:t>
+              <a:t>28.04.2021</a:t>
             </a:fld>
             <a:endParaRPr lang="pl-PL"/>
           </a:p>
@@ -11183,7 +11183,7 @@
           <a:p>
             <a:fld id="{F5CF2885-881F-4D9E-AF34-74178AC3655B}" type="datetime1">
               <a:rPr lang="pl-PL" smtClean="0"/>
-              <a:t>28-04-2021</a:t>
+              <a:t>28.04.2021</a:t>
             </a:fld>
             <a:endParaRPr lang="pl-PL"/>
           </a:p>
@@ -11689,7 +11689,7 @@
           <a:p>
             <a:fld id="{FB3149CE-D561-44B8-8BBE-5242EF0871FB}" type="datetime1">
               <a:rPr lang="pl-PL" smtClean="0"/>
-              <a:t>28-04-2021</a:t>
+              <a:t>28.04.2021</a:t>
             </a:fld>
             <a:endParaRPr lang="pl-PL"/>
           </a:p>
@@ -11946,7 +11946,7 @@
           <a:p>
             <a:fld id="{0E1B7B2A-DE0F-42E2-A5FB-41E57F01A0B7}" type="datetime1">
               <a:rPr lang="pl-PL" smtClean="0"/>
-              <a:t>28-04-2021</a:t>
+              <a:t>28.04.2021</a:t>
             </a:fld>
             <a:endParaRPr lang="pl-PL"/>
           </a:p>
@@ -12109,7 +12109,7 @@
           <a:p>
             <a:fld id="{20E46B1F-0039-4D18-A22A-3894F85ECBDD}" type="datetime1">
               <a:rPr lang="pl-PL" smtClean="0"/>
-              <a:t>28-04-2021</a:t>
+              <a:t>28.04.2021</a:t>
             </a:fld>
             <a:endParaRPr lang="pl-PL"/>
           </a:p>
@@ -12499,7 +12499,7 @@
           <a:p>
             <a:fld id="{6D85D433-2300-4442-89E4-6FA629B02900}" type="datetime1">
               <a:rPr lang="pl-PL" smtClean="0"/>
-              <a:t>28-04-2021</a:t>
+              <a:t>28.04.2021</a:t>
             </a:fld>
             <a:endParaRPr lang="pl-PL"/>
           </a:p>
@@ -12908,7 +12908,7 @@
           <a:p>
             <a:fld id="{B17B109A-54FF-4910-950B-A924814B2F81}" type="datetime1">
               <a:rPr lang="pl-PL" smtClean="0"/>
-              <a:t>28-04-2021</a:t>
+              <a:t>28.04.2021</a:t>
             </a:fld>
             <a:endParaRPr lang="pl-PL"/>
           </a:p>
@@ -13152,7 +13152,7 @@
           <a:p>
             <a:fld id="{9ADAB105-627B-4324-A3EB-EA360819ED9B}" type="datetime1">
               <a:rPr lang="pl-PL" smtClean="0"/>
-              <a:t>28-04-2021</a:t>
+              <a:t>28.04.2021</a:t>
             </a:fld>
             <a:endParaRPr lang="pl-PL"/>
           </a:p>
@@ -14216,6 +14216,41 @@
 <file path=ppt/slides/slide13.xml><?xml version="1.0" encoding="utf-8"?>
 <p:sld xmlns:a="http://schemas.openxmlformats.org/drawingml/2006/main" xmlns:r="http://schemas.openxmlformats.org/officeDocument/2006/relationships" xmlns:p="http://schemas.openxmlformats.org/presentationml/2006/main">
   <p:cSld>
+    <p:bg>
+      <p:bgPr>
+        <a:gradFill rotWithShape="1">
+          <a:gsLst>
+            <a:gs pos="0">
+              <a:schemeClr val="bg2">
+                <a:tint val="96000"/>
+                <a:shade val="100000"/>
+                <a:hueMod val="270000"/>
+                <a:satMod val="200000"/>
+                <a:lumMod val="128000"/>
+              </a:schemeClr>
+            </a:gs>
+            <a:gs pos="50000">
+              <a:schemeClr val="bg2">
+                <a:shade val="100000"/>
+                <a:hueMod val="100000"/>
+                <a:satMod val="110000"/>
+                <a:lumMod val="130000"/>
+              </a:schemeClr>
+            </a:gs>
+            <a:gs pos="100000">
+              <a:schemeClr val="bg2">
+                <a:shade val="78000"/>
+                <a:hueMod val="44000"/>
+                <a:satMod val="200000"/>
+                <a:lumMod val="69000"/>
+              </a:schemeClr>
+            </a:gs>
+          </a:gsLst>
+          <a:lin ang="2520000" scaled="0"/>
+        </a:gradFill>
+        <a:effectLst/>
+      </p:bgPr>
+    </p:bg>
     <p:spTree>
       <p:nvGrpSpPr>
         <p:cNvPr id="1" name=""/>
@@ -14246,15 +14281,76 @@
             <p:ph type="title"/>
           </p:nvPr>
         </p:nvSpPr>
-        <p:spPr/>
+        <p:spPr>
+          <a:xfrm>
+            <a:off x="680321" y="753228"/>
+            <a:ext cx="9613861" cy="1080938"/>
+          </a:xfrm>
+        </p:spPr>
         <p:txBody>
-          <a:bodyPr/>
+          <a:bodyPr>
+            <a:normAutofit/>
+          </a:bodyPr>
           <a:lstStyle/>
           <a:p>
             <a:r>
               <a:rPr lang="pl-PL"/>
               <a:t>Serwisowanie</a:t>
             </a:r>
+          </a:p>
+        </p:txBody>
+      </p:sp>
+      <p:sp>
+        <p:nvSpPr>
+          <p:cNvPr id="4" name="Symbol zastępczy numeru slajdu 3">
+            <a:extLst>
+              <a:ext uri="{FF2B5EF4-FFF2-40B4-BE49-F238E27FC236}">
+                <a16:creationId xmlns:a16="http://schemas.microsoft.com/office/drawing/2014/main" id="{5247EC12-22CF-42D5-B413-D4BFB5A256F7}"/>
+              </a:ext>
+            </a:extLst>
+          </p:cNvPr>
+          <p:cNvSpPr>
+            <a:spLocks noGrp="1"/>
+          </p:cNvSpPr>
+          <p:nvPr>
+            <p:ph type="sldNum" sz="quarter" idx="12"/>
+          </p:nvPr>
+        </p:nvSpPr>
+        <p:spPr>
+          <a:xfrm>
+            <a:off x="10729455" y="753227"/>
+            <a:ext cx="1154151" cy="1090789"/>
+          </a:xfrm>
+        </p:spPr>
+        <p:txBody>
+          <a:bodyPr>
+            <a:normAutofit/>
+          </a:bodyPr>
+          <a:lstStyle/>
+          <a:p>
+            <a:pPr>
+              <a:spcAft>
+                <a:spcPts val="600"/>
+              </a:spcAft>
+            </a:pPr>
+            <a:fld id="{73EBA5C1-EA0D-4D38-B474-3131B775EA3E}" type="slidenum">
+              <a:rPr lang="pl-PL">
+                <a:solidFill>
+                  <a:srgbClr val="FFFFFF"/>
+                </a:solidFill>
+              </a:rPr>
+              <a:pPr>
+                <a:spcAft>
+                  <a:spcPts val="600"/>
+                </a:spcAft>
+              </a:pPr>
+              <a:t>13</a:t>
+            </a:fld>
+            <a:endParaRPr lang="pl-PL">
+              <a:solidFill>
+                <a:srgbClr val="FFFFFF"/>
+              </a:solidFill>
+            </a:endParaRPr>
           </a:p>
         </p:txBody>
       </p:sp>
@@ -14274,54 +14370,71 @@
             <p:ph idx="1"/>
           </p:nvPr>
         </p:nvSpPr>
-        <p:spPr/>
+        <p:spPr>
+          <a:xfrm>
+            <a:off x="680322" y="2336873"/>
+            <a:ext cx="3489341" cy="3599316"/>
+          </a:xfrm>
+        </p:spPr>
         <p:txBody>
-          <a:bodyPr/>
+          <a:bodyPr>
+            <a:normAutofit/>
+          </a:bodyPr>
           <a:lstStyle/>
           <a:p>
-            <a:pPr algn="just"/>
-            <a:r>
-              <a:rPr lang="pl-PL" dirty="0"/>
+            <a:r>
+              <a:rPr lang="pl-PL" sz="1800"/>
               <a:t>Eksploatacja prowadzona jest według planowanej profilaktyki. Obsługa (przegląd) profilaktyczny maszyn wykonywany jest przez zewnętrzną firmę, okresowe i bieżące przeglądy wykonywane są w naszym przedsiębiorstwie. Obsługa bieżąca – raz w tygodniu, okresowa – raz na trzy miesiące, przegląd profilaktyczny – raz na rok.</a:t>
             </a:r>
           </a:p>
           <a:p>
-            <a:pPr marL="0" indent="0" algn="just">
+            <a:pPr marL="0" indent="0">
               <a:buNone/>
             </a:pPr>
-            <a:endParaRPr lang="pl-PL" dirty="0"/>
+            <a:endParaRPr lang="pl-PL" sz="1800"/>
           </a:p>
         </p:txBody>
       </p:sp>
-      <p:sp>
-        <p:nvSpPr>
-          <p:cNvPr id="4" name="Symbol zastępczy numeru slajdu 3">
+      <p:pic>
+        <p:nvPicPr>
+          <p:cNvPr id="6" name="Obraz 5">
             <a:extLst>
               <a:ext uri="{FF2B5EF4-FFF2-40B4-BE49-F238E27FC236}">
-                <a16:creationId xmlns:a16="http://schemas.microsoft.com/office/drawing/2014/main" id="{5247EC12-22CF-42D5-B413-D4BFB5A256F7}"/>
+                <a16:creationId xmlns:a16="http://schemas.microsoft.com/office/drawing/2014/main" id="{601CBEEC-E2E2-4289-926B-CC356AAA5B28}"/>
               </a:ext>
             </a:extLst>
           </p:cNvPr>
-          <p:cNvSpPr>
-            <a:spLocks noGrp="1"/>
-          </p:cNvSpPr>
-          <p:nvPr>
-            <p:ph type="sldNum" sz="quarter" idx="12"/>
-          </p:nvPr>
-        </p:nvSpPr>
-        <p:spPr/>
-        <p:txBody>
-          <a:bodyPr/>
-          <a:lstStyle/>
-          <a:p>
-            <a:fld id="{73EBA5C1-EA0D-4D38-B474-3131B775EA3E}" type="slidenum">
-              <a:rPr lang="pl-PL" smtClean="0"/>
-              <a:t>13</a:t>
-            </a:fld>
-            <a:endParaRPr lang="pl-PL"/>
-          </a:p>
-        </p:txBody>
-      </p:sp>
+          <p:cNvPicPr>
+            <a:picLocks noChangeAspect="1"/>
+          </p:cNvPicPr>
+          <p:nvPr/>
+        </p:nvPicPr>
+        <p:blipFill>
+          <a:blip r:embed="rId2"/>
+          <a:stretch>
+            <a:fillRect/>
+          </a:stretch>
+        </p:blipFill>
+        <p:spPr>
+          <a:xfrm>
+            <a:off x="4267132" y="2153265"/>
+            <a:ext cx="7624168" cy="4498258"/>
+          </a:xfrm>
+          <a:prstGeom prst="rect">
+            <a:avLst/>
+          </a:prstGeom>
+          <a:ln>
+            <a:noFill/>
+          </a:ln>
+          <a:effectLst>
+            <a:outerShdw blurRad="76200" dist="63500" dir="5040000" algn="tl" rotWithShape="0">
+              <a:srgbClr val="000000">
+                <a:alpha val="41000"/>
+              </a:srgbClr>
+            </a:outerShdw>
+          </a:effectLst>
+        </p:spPr>
+      </p:pic>
     </p:spTree>
     <p:extLst>
       <p:ext uri="{BB962C8B-B14F-4D97-AF65-F5344CB8AC3E}">

--- a/Prezentacja_29.04.pptx
+++ b/Prezentacja_29.04.pptx
@@ -5660,7 +5660,7 @@
           <a:p>
             <a:fld id="{77C7207A-6BEF-41EC-85B3-243D736B3C1C}" type="datetimeFigureOut">
               <a:rPr lang="pl-PL" smtClean="0"/>
-              <a:t>28.04.2021</a:t>
+              <a:t>28-04-2021</a:t>
             </a:fld>
             <a:endParaRPr lang="pl-PL"/>
           </a:p>
@@ -6201,7 +6201,7 @@
           <a:p>
             <a:fld id="{906E2E1F-15FB-4A85-A0E2-DD17BB6BDEE2}" type="datetime1">
               <a:rPr lang="pl-PL" smtClean="0"/>
-              <a:t>28.04.2021</a:t>
+              <a:t>28-04-2021</a:t>
             </a:fld>
             <a:endParaRPr lang="pl-PL"/>
           </a:p>
@@ -6615,7 +6615,7 @@
           <a:p>
             <a:fld id="{04BF9A06-73F2-4084-A96B-CDBA4804ABA9}" type="datetime1">
               <a:rPr lang="pl-PL" smtClean="0"/>
-              <a:t>28.04.2021</a:t>
+              <a:t>28-04-2021</a:t>
             </a:fld>
             <a:endParaRPr lang="pl-PL"/>
           </a:p>
@@ -6951,7 +6951,7 @@
           <a:p>
             <a:fld id="{94657371-091B-4329-9E46-EE3FD16C2124}" type="datetime1">
               <a:rPr lang="pl-PL" smtClean="0"/>
-              <a:t>28.04.2021</a:t>
+              <a:t>28-04-2021</a:t>
             </a:fld>
             <a:endParaRPr lang="pl-PL"/>
           </a:p>
@@ -7356,7 +7356,7 @@
           <a:p>
             <a:fld id="{2EEBA26D-7DBA-4D05-BE08-49D6D89E11A6}" type="datetime1">
               <a:rPr lang="pl-PL" smtClean="0"/>
-              <a:t>28.04.2021</a:t>
+              <a:t>28-04-2021</a:t>
             </a:fld>
             <a:endParaRPr lang="pl-PL"/>
           </a:p>
@@ -7924,7 +7924,7 @@
           <a:p>
             <a:fld id="{7DA14E7E-32E5-4B7E-9FBF-59259785A34C}" type="datetime1">
               <a:rPr lang="pl-PL" smtClean="0"/>
-              <a:t>28.04.2021</a:t>
+              <a:t>28-04-2021</a:t>
             </a:fld>
             <a:endParaRPr lang="pl-PL"/>
           </a:p>
@@ -8605,7 +8605,7 @@
           <a:p>
             <a:fld id="{DC6D9029-CF85-4195-89A6-D4D813FE0520}" type="datetime1">
               <a:rPr lang="pl-PL" smtClean="0"/>
-              <a:t>28.04.2021</a:t>
+              <a:t>28-04-2021</a:t>
             </a:fld>
             <a:endParaRPr lang="pl-PL"/>
           </a:p>
@@ -9518,7 +9518,7 @@
           <a:p>
             <a:fld id="{ABBD1CC0-C232-4B06-9DC1-160FE11F4035}" type="datetime1">
               <a:rPr lang="pl-PL" smtClean="0"/>
-              <a:t>28.04.2021</a:t>
+              <a:t>28-04-2021</a:t>
             </a:fld>
             <a:endParaRPr lang="pl-PL"/>
           </a:p>
@@ -9831,7 +9831,7 @@
           <a:p>
             <a:fld id="{81E484B1-DFFE-4276-B192-1B9A6DF5EC0E}" type="datetime1">
               <a:rPr lang="pl-PL" smtClean="0"/>
-              <a:t>28.04.2021</a:t>
+              <a:t>28-04-2021</a:t>
             </a:fld>
             <a:endParaRPr lang="pl-PL"/>
           </a:p>
@@ -10095,7 +10095,7 @@
           <a:p>
             <a:fld id="{33BAEE17-A6F7-44BA-9EC0-76AF5746B1EC}" type="datetime1">
               <a:rPr lang="pl-PL" smtClean="0"/>
-              <a:t>28.04.2021</a:t>
+              <a:t>28-04-2021</a:t>
             </a:fld>
             <a:endParaRPr lang="pl-PL"/>
           </a:p>
@@ -10418,7 +10418,7 @@
           <a:p>
             <a:fld id="{00EA0D49-4272-43DC-939C-32B7EDDCEC36}" type="datetime1">
               <a:rPr lang="pl-PL" smtClean="0"/>
-              <a:t>28.04.2021</a:t>
+              <a:t>28-04-2021</a:t>
             </a:fld>
             <a:endParaRPr lang="pl-PL"/>
           </a:p>
@@ -10807,7 +10807,7 @@
           <a:p>
             <a:fld id="{656722D7-39BE-489F-9F01-09A9E3FDDD2F}" type="datetime1">
               <a:rPr lang="pl-PL" smtClean="0"/>
-              <a:t>28.04.2021</a:t>
+              <a:t>28-04-2021</a:t>
             </a:fld>
             <a:endParaRPr lang="pl-PL"/>
           </a:p>
@@ -11183,7 +11183,7 @@
           <a:p>
             <a:fld id="{F5CF2885-881F-4D9E-AF34-74178AC3655B}" type="datetime1">
               <a:rPr lang="pl-PL" smtClean="0"/>
-              <a:t>28.04.2021</a:t>
+              <a:t>28-04-2021</a:t>
             </a:fld>
             <a:endParaRPr lang="pl-PL"/>
           </a:p>
@@ -11689,7 +11689,7 @@
           <a:p>
             <a:fld id="{FB3149CE-D561-44B8-8BBE-5242EF0871FB}" type="datetime1">
               <a:rPr lang="pl-PL" smtClean="0"/>
-              <a:t>28.04.2021</a:t>
+              <a:t>28-04-2021</a:t>
             </a:fld>
             <a:endParaRPr lang="pl-PL"/>
           </a:p>
@@ -11946,7 +11946,7 @@
           <a:p>
             <a:fld id="{0E1B7B2A-DE0F-42E2-A5FB-41E57F01A0B7}" type="datetime1">
               <a:rPr lang="pl-PL" smtClean="0"/>
-              <a:t>28.04.2021</a:t>
+              <a:t>28-04-2021</a:t>
             </a:fld>
             <a:endParaRPr lang="pl-PL"/>
           </a:p>
@@ -12109,7 +12109,7 @@
           <a:p>
             <a:fld id="{20E46B1F-0039-4D18-A22A-3894F85ECBDD}" type="datetime1">
               <a:rPr lang="pl-PL" smtClean="0"/>
-              <a:t>28.04.2021</a:t>
+              <a:t>28-04-2021</a:t>
             </a:fld>
             <a:endParaRPr lang="pl-PL"/>
           </a:p>
@@ -12499,7 +12499,7 @@
           <a:p>
             <a:fld id="{6D85D433-2300-4442-89E4-6FA629B02900}" type="datetime1">
               <a:rPr lang="pl-PL" smtClean="0"/>
-              <a:t>28.04.2021</a:t>
+              <a:t>28-04-2021</a:t>
             </a:fld>
             <a:endParaRPr lang="pl-PL"/>
           </a:p>
@@ -12908,7 +12908,7 @@
           <a:p>
             <a:fld id="{B17B109A-54FF-4910-950B-A924814B2F81}" type="datetime1">
               <a:rPr lang="pl-PL" smtClean="0"/>
-              <a:t>28.04.2021</a:t>
+              <a:t>28-04-2021</a:t>
             </a:fld>
             <a:endParaRPr lang="pl-PL"/>
           </a:p>
@@ -13152,7 +13152,7 @@
           <a:p>
             <a:fld id="{9ADAB105-627B-4324-A3EB-EA360819ED9B}" type="datetime1">
               <a:rPr lang="pl-PL" smtClean="0"/>
-              <a:t>28.04.2021</a:t>
+              <a:t>28-04-2021</a:t>
             </a:fld>
             <a:endParaRPr lang="pl-PL"/>
           </a:p>
@@ -28316,10 +28316,10 @@
       </p:sp>
       <p:pic>
         <p:nvPicPr>
-          <p:cNvPr id="16" name="Symbol zastępczy zawartości 15">
+          <p:cNvPr id="7" name="Symbol zastępczy zawartości 6">
             <a:extLst>
               <a:ext uri="{FF2B5EF4-FFF2-40B4-BE49-F238E27FC236}">
-                <a16:creationId xmlns:a16="http://schemas.microsoft.com/office/drawing/2014/main" id="{11432ED4-127A-486D-8D95-2F016EAD7D01}"/>
+                <a16:creationId xmlns:a16="http://schemas.microsoft.com/office/drawing/2014/main" id="{7C64E805-F9FD-44CE-9C80-74BD72356FA5}"/>
               </a:ext>
             </a:extLst>
           </p:cNvPr>
@@ -28347,8 +28347,8 @@
         </p:blipFill>
         <p:spPr>
           <a:xfrm>
-            <a:off x="125089" y="2733965"/>
-            <a:ext cx="11762898" cy="3075708"/>
+            <a:off x="77061" y="2410691"/>
+            <a:ext cx="12010172" cy="3140364"/>
           </a:xfrm>
         </p:spPr>
       </p:pic>

--- a/Prezentacja_29.04.pptx
+++ b/Prezentacja_29.04.pptx
@@ -5660,7 +5660,7 @@
           <a:p>
             <a:fld id="{77C7207A-6BEF-41EC-85B3-243D736B3C1C}" type="datetimeFigureOut">
               <a:rPr lang="pl-PL" smtClean="0"/>
-              <a:t>28-04-2021</a:t>
+              <a:t>28.04.2021</a:t>
             </a:fld>
             <a:endParaRPr lang="pl-PL"/>
           </a:p>
@@ -6201,7 +6201,7 @@
           <a:p>
             <a:fld id="{906E2E1F-15FB-4A85-A0E2-DD17BB6BDEE2}" type="datetime1">
               <a:rPr lang="pl-PL" smtClean="0"/>
-              <a:t>28-04-2021</a:t>
+              <a:t>28.04.2021</a:t>
             </a:fld>
             <a:endParaRPr lang="pl-PL"/>
           </a:p>
@@ -6615,7 +6615,7 @@
           <a:p>
             <a:fld id="{04BF9A06-73F2-4084-A96B-CDBA4804ABA9}" type="datetime1">
               <a:rPr lang="pl-PL" smtClean="0"/>
-              <a:t>28-04-2021</a:t>
+              <a:t>28.04.2021</a:t>
             </a:fld>
             <a:endParaRPr lang="pl-PL"/>
           </a:p>
@@ -6951,7 +6951,7 @@
           <a:p>
             <a:fld id="{94657371-091B-4329-9E46-EE3FD16C2124}" type="datetime1">
               <a:rPr lang="pl-PL" smtClean="0"/>
-              <a:t>28-04-2021</a:t>
+              <a:t>28.04.2021</a:t>
             </a:fld>
             <a:endParaRPr lang="pl-PL"/>
           </a:p>
@@ -7356,7 +7356,7 @@
           <a:p>
             <a:fld id="{2EEBA26D-7DBA-4D05-BE08-49D6D89E11A6}" type="datetime1">
               <a:rPr lang="pl-PL" smtClean="0"/>
-              <a:t>28-04-2021</a:t>
+              <a:t>28.04.2021</a:t>
             </a:fld>
             <a:endParaRPr lang="pl-PL"/>
           </a:p>
@@ -7924,7 +7924,7 @@
           <a:p>
             <a:fld id="{7DA14E7E-32E5-4B7E-9FBF-59259785A34C}" type="datetime1">
               <a:rPr lang="pl-PL" smtClean="0"/>
-              <a:t>28-04-2021</a:t>
+              <a:t>28.04.2021</a:t>
             </a:fld>
             <a:endParaRPr lang="pl-PL"/>
           </a:p>
@@ -8605,7 +8605,7 @@
           <a:p>
             <a:fld id="{DC6D9029-CF85-4195-89A6-D4D813FE0520}" type="datetime1">
               <a:rPr lang="pl-PL" smtClean="0"/>
-              <a:t>28-04-2021</a:t>
+              <a:t>28.04.2021</a:t>
             </a:fld>
             <a:endParaRPr lang="pl-PL"/>
           </a:p>
@@ -9518,7 +9518,7 @@
           <a:p>
             <a:fld id="{ABBD1CC0-C232-4B06-9DC1-160FE11F4035}" type="datetime1">
               <a:rPr lang="pl-PL" smtClean="0"/>
-              <a:t>28-04-2021</a:t>
+              <a:t>28.04.2021</a:t>
             </a:fld>
             <a:endParaRPr lang="pl-PL"/>
           </a:p>
@@ -9831,7 +9831,7 @@
           <a:p>
             <a:fld id="{81E484B1-DFFE-4276-B192-1B9A6DF5EC0E}" type="datetime1">
               <a:rPr lang="pl-PL" smtClean="0"/>
-              <a:t>28-04-2021</a:t>
+              <a:t>28.04.2021</a:t>
             </a:fld>
             <a:endParaRPr lang="pl-PL"/>
           </a:p>
@@ -10095,7 +10095,7 @@
           <a:p>
             <a:fld id="{33BAEE17-A6F7-44BA-9EC0-76AF5746B1EC}" type="datetime1">
               <a:rPr lang="pl-PL" smtClean="0"/>
-              <a:t>28-04-2021</a:t>
+              <a:t>28.04.2021</a:t>
             </a:fld>
             <a:endParaRPr lang="pl-PL"/>
           </a:p>
@@ -10418,7 +10418,7 @@
           <a:p>
             <a:fld id="{00EA0D49-4272-43DC-939C-32B7EDDCEC36}" type="datetime1">
               <a:rPr lang="pl-PL" smtClean="0"/>
-              <a:t>28-04-2021</a:t>
+              <a:t>28.04.2021</a:t>
             </a:fld>
             <a:endParaRPr lang="pl-PL"/>
           </a:p>
@@ -10807,7 +10807,7 @@
           <a:p>
             <a:fld id="{656722D7-39BE-489F-9F01-09A9E3FDDD2F}" type="datetime1">
               <a:rPr lang="pl-PL" smtClean="0"/>
-              <a:t>28-04-2021</a:t>
+              <a:t>28.04.2021</a:t>
             </a:fld>
             <a:endParaRPr lang="pl-PL"/>
           </a:p>
@@ -11183,7 +11183,7 @@
           <a:p>
             <a:fld id="{F5CF2885-881F-4D9E-AF34-74178AC3655B}" type="datetime1">
               <a:rPr lang="pl-PL" smtClean="0"/>
-              <a:t>28-04-2021</a:t>
+              <a:t>28.04.2021</a:t>
             </a:fld>
             <a:endParaRPr lang="pl-PL"/>
           </a:p>
@@ -11689,7 +11689,7 @@
           <a:p>
             <a:fld id="{FB3149CE-D561-44B8-8BBE-5242EF0871FB}" type="datetime1">
               <a:rPr lang="pl-PL" smtClean="0"/>
-              <a:t>28-04-2021</a:t>
+              <a:t>28.04.2021</a:t>
             </a:fld>
             <a:endParaRPr lang="pl-PL"/>
           </a:p>
@@ -11946,7 +11946,7 @@
           <a:p>
             <a:fld id="{0E1B7B2A-DE0F-42E2-A5FB-41E57F01A0B7}" type="datetime1">
               <a:rPr lang="pl-PL" smtClean="0"/>
-              <a:t>28-04-2021</a:t>
+              <a:t>28.04.2021</a:t>
             </a:fld>
             <a:endParaRPr lang="pl-PL"/>
           </a:p>
@@ -12109,7 +12109,7 @@
           <a:p>
             <a:fld id="{20E46B1F-0039-4D18-A22A-3894F85ECBDD}" type="datetime1">
               <a:rPr lang="pl-PL" smtClean="0"/>
-              <a:t>28-04-2021</a:t>
+              <a:t>28.04.2021</a:t>
             </a:fld>
             <a:endParaRPr lang="pl-PL"/>
           </a:p>
@@ -12499,7 +12499,7 @@
           <a:p>
             <a:fld id="{6D85D433-2300-4442-89E4-6FA629B02900}" type="datetime1">
               <a:rPr lang="pl-PL" smtClean="0"/>
-              <a:t>28-04-2021</a:t>
+              <a:t>28.04.2021</a:t>
             </a:fld>
             <a:endParaRPr lang="pl-PL"/>
           </a:p>
@@ -12908,7 +12908,7 @@
           <a:p>
             <a:fld id="{B17B109A-54FF-4910-950B-A924814B2F81}" type="datetime1">
               <a:rPr lang="pl-PL" smtClean="0"/>
-              <a:t>28-04-2021</a:t>
+              <a:t>28.04.2021</a:t>
             </a:fld>
             <a:endParaRPr lang="pl-PL"/>
           </a:p>
@@ -13152,7 +13152,7 @@
           <a:p>
             <a:fld id="{9ADAB105-627B-4324-A3EB-EA360819ED9B}" type="datetime1">
               <a:rPr lang="pl-PL" smtClean="0"/>
-              <a:t>28-04-2021</a:t>
+              <a:t>28.04.2021</a:t>
             </a:fld>
             <a:endParaRPr lang="pl-PL"/>
           </a:p>
@@ -17764,7 +17764,7 @@
 </file>
 
 <file path=ppt/slides/slide2.xml><?xml version="1.0" encoding="utf-8"?>
-<p:sld xmlns:a="http://schemas.openxmlformats.org/drawingml/2006/main" xmlns:r="http://schemas.openxmlformats.org/officeDocument/2006/relationships" xmlns:p="http://schemas.openxmlformats.org/presentationml/2006/main">
+<p:sld xmlns:a="http://schemas.openxmlformats.org/drawingml/2006/main" xmlns:r="http://schemas.openxmlformats.org/officeDocument/2006/relationships" xmlns:p="http://schemas.openxmlformats.org/presentationml/2006/main" show="0">
   <p:cSld>
     <p:spTree>
       <p:nvGrpSpPr>
@@ -17803,8 +17803,8 @@
           <a:p>
             <a:pPr algn="ctr"/>
             <a:r>
-              <a:rPr lang="pl-PL"/>
-              <a:t>Firma</a:t>
+              <a:rPr lang="pl-PL" dirty="0"/>
+              <a:t>Przedsiębiorstwo</a:t>
             </a:r>
           </a:p>
         </p:txBody>

--- a/Prezentacja_29.04.pptx
+++ b/Prezentacja_29.04.pptx
@@ -13959,11 +13959,10 @@
           <a:bodyPr/>
           <a:lstStyle/>
           <a:p>
-            <a:fld id="{73EBA5C1-EA0D-4D38-B474-3131B775EA3E}" type="slidenum">
-              <a:rPr lang="pl-PL" smtClean="0"/>
-              <a:t>10</a:t>
-            </a:fld>
-            <a:endParaRPr lang="pl-PL"/>
+            <a:r>
+              <a:rPr lang="pl-PL" dirty="0"/>
+              <a:t>7</a:t>
+            </a:r>
           </a:p>
         </p:txBody>
       </p:sp>
@@ -14333,24 +14332,14 @@
                 <a:spcPts val="600"/>
               </a:spcAft>
             </a:pPr>
-            <a:fld id="{73EBA5C1-EA0D-4D38-B474-3131B775EA3E}" type="slidenum">
-              <a:rPr lang="pl-PL">
+            <a:r>
+              <a:rPr lang="pl-PL" dirty="0">
                 <a:solidFill>
                   <a:srgbClr val="FFFFFF"/>
                 </a:solidFill>
               </a:rPr>
-              <a:pPr>
-                <a:spcAft>
-                  <a:spcPts val="600"/>
-                </a:spcAft>
-              </a:pPr>
-              <a:t>13</a:t>
-            </a:fld>
-            <a:endParaRPr lang="pl-PL">
-              <a:solidFill>
-                <a:srgbClr val="FFFFFF"/>
-              </a:solidFill>
-            </a:endParaRPr>
+              <a:t>8</a:t>
+            </a:r>
           </a:p>
         </p:txBody>
       </p:sp>
@@ -21163,11 +21152,10 @@
           <a:bodyPr/>
           <a:lstStyle/>
           <a:p>
-            <a:fld id="{73EBA5C1-EA0D-4D38-B474-3131B775EA3E}" type="slidenum">
-              <a:rPr lang="pl-PL" smtClean="0"/>
-              <a:t>20</a:t>
-            </a:fld>
-            <a:endParaRPr lang="pl-PL"/>
+            <a:r>
+              <a:rPr lang="pl-PL" dirty="0"/>
+              <a:t>9</a:t>
+            </a:r>
           </a:p>
         </p:txBody>
       </p:sp>
@@ -21793,11 +21781,10 @@
           <a:bodyPr/>
           <a:lstStyle/>
           <a:p>
-            <a:fld id="{73EBA5C1-EA0D-4D38-B474-3131B775EA3E}" type="slidenum">
-              <a:rPr lang="pl-PL" smtClean="0"/>
-              <a:t>23</a:t>
-            </a:fld>
-            <a:endParaRPr lang="pl-PL"/>
+            <a:r>
+              <a:rPr lang="pl-PL" dirty="0"/>
+              <a:t>10</a:t>
+            </a:r>
           </a:p>
         </p:txBody>
       </p:sp>
@@ -22112,11 +22099,10 @@
           <a:bodyPr/>
           <a:lstStyle/>
           <a:p>
-            <a:fld id="{73EBA5C1-EA0D-4D38-B474-3131B775EA3E}" type="slidenum">
-              <a:rPr lang="pl-PL" smtClean="0"/>
-              <a:t>25</a:t>
-            </a:fld>
-            <a:endParaRPr lang="pl-PL"/>
+            <a:r>
+              <a:rPr lang="pl-PL" dirty="0"/>
+              <a:t>11</a:t>
+            </a:r>
           </a:p>
         </p:txBody>
       </p:sp>
@@ -22329,11 +22315,10 @@
           <a:bodyPr/>
           <a:lstStyle/>
           <a:p>
-            <a:fld id="{73EBA5C1-EA0D-4D38-B474-3131B775EA3E}" type="slidenum">
-              <a:rPr lang="pl-PL" smtClean="0"/>
-              <a:t>26</a:t>
-            </a:fld>
-            <a:endParaRPr lang="pl-PL"/>
+            <a:r>
+              <a:rPr lang="pl-PL" dirty="0"/>
+              <a:t>12</a:t>
+            </a:r>
           </a:p>
         </p:txBody>
       </p:sp>
@@ -22487,11 +22472,10 @@
           <a:bodyPr/>
           <a:lstStyle/>
           <a:p>
-            <a:fld id="{73EBA5C1-EA0D-4D38-B474-3131B775EA3E}" type="slidenum">
-              <a:rPr lang="pl-PL" smtClean="0"/>
-              <a:t>27</a:t>
-            </a:fld>
-            <a:endParaRPr lang="pl-PL"/>
+            <a:r>
+              <a:rPr lang="pl-PL" dirty="0"/>
+              <a:t>13</a:t>
+            </a:r>
           </a:p>
         </p:txBody>
       </p:sp>
@@ -22704,11 +22688,10 @@
           <a:bodyPr/>
           <a:lstStyle/>
           <a:p>
-            <a:fld id="{73EBA5C1-EA0D-4D38-B474-3131B775EA3E}" type="slidenum">
-              <a:rPr lang="pl-PL" smtClean="0"/>
-              <a:t>28</a:t>
-            </a:fld>
-            <a:endParaRPr lang="pl-PL"/>
+            <a:r>
+              <a:rPr lang="pl-PL" dirty="0"/>
+              <a:t>14</a:t>
+            </a:r>
           </a:p>
         </p:txBody>
       </p:sp>
@@ -23430,20 +23413,15 @@
                 <a:spcPts val="600"/>
               </a:spcAft>
             </a:pPr>
-            <a:fld id="{73EBA5C1-EA0D-4D38-B474-3131B775EA3E}" type="slidenum">
-              <a:rPr lang="en-US" sz="1400">
+            <a:r>
+              <a:rPr lang="pl-PL" sz="1400" dirty="0">
                 <a:solidFill>
                   <a:srgbClr val="FFFFFF"/>
                 </a:solidFill>
               </a:rPr>
-              <a:pPr defTabSz="914400">
-                <a:spcAft>
-                  <a:spcPts val="600"/>
-                </a:spcAft>
-              </a:pPr>
-              <a:t>29</a:t>
-            </a:fld>
-            <a:endParaRPr lang="en-US" sz="1400">
+              <a:t>15</a:t>
+            </a:r>
+            <a:endParaRPr lang="en-US" sz="1400" dirty="0">
               <a:solidFill>
                 <a:srgbClr val="FFFFFF"/>
               </a:solidFill>
@@ -23575,11 +23553,10 @@
           <a:bodyPr/>
           <a:lstStyle/>
           <a:p>
-            <a:fld id="{73EBA5C1-EA0D-4D38-B474-3131B775EA3E}" type="slidenum">
-              <a:rPr lang="pl-PL" smtClean="0"/>
-              <a:t>3</a:t>
-            </a:fld>
-            <a:endParaRPr lang="pl-PL"/>
+            <a:r>
+              <a:rPr lang="pl-PL" dirty="0"/>
+              <a:t>2</a:t>
+            </a:r>
           </a:p>
         </p:txBody>
       </p:sp>
@@ -24284,20 +24261,15 @@
                 <a:spcPts val="600"/>
               </a:spcAft>
             </a:pPr>
-            <a:fld id="{73EBA5C1-EA0D-4D38-B474-3131B775EA3E}" type="slidenum">
-              <a:rPr lang="en-US" sz="1400">
+            <a:r>
+              <a:rPr lang="pl-PL" sz="1400" dirty="0">
                 <a:solidFill>
                   <a:srgbClr val="FFFFFF"/>
                 </a:solidFill>
               </a:rPr>
-              <a:pPr defTabSz="914400">
-                <a:spcAft>
-                  <a:spcPts val="600"/>
-                </a:spcAft>
-              </a:pPr>
-              <a:t>30</a:t>
-            </a:fld>
-            <a:endParaRPr lang="en-US" sz="1400">
+              <a:t>16</a:t>
+            </a:r>
+            <a:endParaRPr lang="en-US" sz="1400" dirty="0">
               <a:solidFill>
                 <a:srgbClr val="FFFFFF"/>
               </a:solidFill>
@@ -25737,20 +25709,15 @@
                 <a:spcPts val="600"/>
               </a:spcAft>
             </a:pPr>
-            <a:fld id="{73EBA5C1-EA0D-4D38-B474-3131B775EA3E}" type="slidenum">
-              <a:rPr lang="en-US" sz="1400">
+            <a:r>
+              <a:rPr lang="pl-PL" sz="1400" dirty="0">
                 <a:solidFill>
                   <a:srgbClr val="FFFFFF"/>
                 </a:solidFill>
               </a:rPr>
-              <a:pPr defTabSz="914400">
-                <a:spcAft>
-                  <a:spcPts val="600"/>
-                </a:spcAft>
-              </a:pPr>
-              <a:t>32</a:t>
-            </a:fld>
-            <a:endParaRPr lang="en-US" sz="1400">
+              <a:t>17</a:t>
+            </a:r>
+            <a:endParaRPr lang="en-US" sz="1400" dirty="0">
               <a:solidFill>
                 <a:srgbClr val="FFFFFF"/>
               </a:solidFill>
@@ -26459,20 +26426,15 @@
                 <a:spcPts val="600"/>
               </a:spcAft>
             </a:pPr>
-            <a:fld id="{73EBA5C1-EA0D-4D38-B474-3131B775EA3E}" type="slidenum">
-              <a:rPr lang="en-US" sz="1400">
+            <a:r>
+              <a:rPr lang="pl-PL" sz="1400" dirty="0">
                 <a:solidFill>
                   <a:srgbClr val="FFFFFF"/>
                 </a:solidFill>
               </a:rPr>
-              <a:pPr defTabSz="914400">
-                <a:spcAft>
-                  <a:spcPts val="600"/>
-                </a:spcAft>
-              </a:pPr>
-              <a:t>33</a:t>
-            </a:fld>
-            <a:endParaRPr lang="en-US" sz="1400">
+              <a:t>18</a:t>
+            </a:r>
+            <a:endParaRPr lang="en-US" sz="1400" dirty="0">
               <a:solidFill>
                 <a:srgbClr val="FFFFFF"/>
               </a:solidFill>
@@ -26560,11 +26522,10 @@
           <a:bodyPr/>
           <a:lstStyle/>
           <a:p>
-            <a:fld id="{73EBA5C1-EA0D-4D38-B474-3131B775EA3E}" type="slidenum">
-              <a:rPr lang="pl-PL" smtClean="0"/>
-              <a:t>34</a:t>
-            </a:fld>
-            <a:endParaRPr lang="pl-PL"/>
+            <a:r>
+              <a:rPr lang="pl-PL" dirty="0"/>
+              <a:t>19</a:t>
+            </a:r>
           </a:p>
         </p:txBody>
       </p:sp>
@@ -27308,20 +27269,15 @@
                 <a:spcPts val="600"/>
               </a:spcAft>
             </a:pPr>
-            <a:fld id="{73EBA5C1-EA0D-4D38-B474-3131B775EA3E}" type="slidenum">
-              <a:rPr lang="en-US" sz="1400">
+            <a:r>
+              <a:rPr lang="pl-PL" sz="1400" dirty="0">
                 <a:solidFill>
                   <a:srgbClr val="FFFFFF"/>
                 </a:solidFill>
               </a:rPr>
-              <a:pPr defTabSz="914400">
-                <a:spcAft>
-                  <a:spcPts val="600"/>
-                </a:spcAft>
-              </a:pPr>
-              <a:t>35</a:t>
-            </a:fld>
-            <a:endParaRPr lang="en-US" sz="1400">
+              <a:t>20</a:t>
+            </a:r>
+            <a:endParaRPr lang="en-US" sz="1400" dirty="0">
               <a:solidFill>
                 <a:srgbClr val="FFFFFF"/>
               </a:solidFill>
@@ -28037,20 +27993,15 @@
                 <a:spcPts val="600"/>
               </a:spcAft>
             </a:pPr>
-            <a:fld id="{73EBA5C1-EA0D-4D38-B474-3131B775EA3E}" type="slidenum">
-              <a:rPr lang="en-US" sz="1400">
+            <a:r>
+              <a:rPr lang="pl-PL" sz="1400" dirty="0">
                 <a:solidFill>
                   <a:srgbClr val="FFFFFF"/>
                 </a:solidFill>
               </a:rPr>
-              <a:pPr defTabSz="914400">
-                <a:spcAft>
-                  <a:spcPts val="600"/>
-                </a:spcAft>
-              </a:pPr>
-              <a:t>36</a:t>
-            </a:fld>
-            <a:endParaRPr lang="en-US" sz="1400">
+              <a:t>21</a:t>
+            </a:r>
+            <a:endParaRPr lang="en-US" sz="1400" dirty="0">
               <a:solidFill>
                 <a:srgbClr val="FFFFFF"/>
               </a:solidFill>
@@ -28219,11 +28170,10 @@
           <a:bodyPr/>
           <a:lstStyle/>
           <a:p>
-            <a:fld id="{73EBA5C1-EA0D-4D38-B474-3131B775EA3E}" type="slidenum">
-              <a:rPr lang="pl-PL" smtClean="0"/>
-              <a:t>4</a:t>
-            </a:fld>
-            <a:endParaRPr lang="pl-PL"/>
+            <a:r>
+              <a:rPr lang="pl-PL" dirty="0"/>
+              <a:t>3</a:t>
+            </a:r>
           </a:p>
         </p:txBody>
       </p:sp>
@@ -28306,11 +28256,10 @@
           <a:bodyPr/>
           <a:lstStyle/>
           <a:p>
-            <a:fld id="{73EBA5C1-EA0D-4D38-B474-3131B775EA3E}" type="slidenum">
-              <a:rPr lang="pl-PL" smtClean="0"/>
-              <a:t>5</a:t>
-            </a:fld>
-            <a:endParaRPr lang="pl-PL"/>
+            <a:r>
+              <a:rPr lang="pl-PL" dirty="0"/>
+              <a:t>4</a:t>
+            </a:r>
           </a:p>
         </p:txBody>
       </p:sp>
@@ -28670,11 +28619,10 @@
           <a:bodyPr/>
           <a:lstStyle/>
           <a:p>
-            <a:fld id="{73EBA5C1-EA0D-4D38-B474-3131B775EA3E}" type="slidenum">
-              <a:rPr lang="pl-PL" smtClean="0"/>
-              <a:t>7</a:t>
-            </a:fld>
-            <a:endParaRPr lang="pl-PL"/>
+            <a:r>
+              <a:rPr lang="pl-PL" dirty="0"/>
+              <a:t>5</a:t>
+            </a:r>
           </a:p>
         </p:txBody>
       </p:sp>
@@ -28848,11 +28796,10 @@
           <a:bodyPr/>
           <a:lstStyle/>
           <a:p>
-            <a:fld id="{73EBA5C1-EA0D-4D38-B474-3131B775EA3E}" type="slidenum">
-              <a:rPr lang="pl-PL" smtClean="0"/>
-              <a:t>8</a:t>
-            </a:fld>
-            <a:endParaRPr lang="pl-PL"/>
+            <a:r>
+              <a:rPr lang="pl-PL" dirty="0"/>
+              <a:t>6</a:t>
+            </a:r>
           </a:p>
         </p:txBody>
       </p:sp>

--- a/Prezentacja_29.04.pptx
+++ b/Prezentacja_29.04.pptx
@@ -5,7 +5,7 @@
     <p:sldMasterId id="2147483726" r:id="rId1"/>
   </p:sldMasterIdLst>
   <p:notesMasterIdLst>
-    <p:notesMasterId r:id="rId38"/>
+    <p:notesMasterId r:id="rId42"/>
   </p:notesMasterIdLst>
   <p:sldIdLst>
     <p:sldId id="256" r:id="rId2"/>
@@ -33,17 +33,21 @@
     <p:sldId id="273" r:id="rId24"/>
     <p:sldId id="274" r:id="rId25"/>
     <p:sldId id="277" r:id="rId26"/>
-    <p:sldId id="278" r:id="rId27"/>
-    <p:sldId id="279" r:id="rId28"/>
-    <p:sldId id="280" r:id="rId29"/>
-    <p:sldId id="281" r:id="rId30"/>
-    <p:sldId id="282" r:id="rId31"/>
-    <p:sldId id="283" r:id="rId32"/>
-    <p:sldId id="284" r:id="rId33"/>
-    <p:sldId id="285" r:id="rId34"/>
-    <p:sldId id="286" r:id="rId35"/>
-    <p:sldId id="287" r:id="rId36"/>
-    <p:sldId id="292" r:id="rId37"/>
+    <p:sldId id="295" r:id="rId27"/>
+    <p:sldId id="296" r:id="rId28"/>
+    <p:sldId id="297" r:id="rId29"/>
+    <p:sldId id="298" r:id="rId30"/>
+    <p:sldId id="299" r:id="rId31"/>
+    <p:sldId id="278" r:id="rId32"/>
+    <p:sldId id="279" r:id="rId33"/>
+    <p:sldId id="281" r:id="rId34"/>
+    <p:sldId id="282" r:id="rId35"/>
+    <p:sldId id="283" r:id="rId36"/>
+    <p:sldId id="284" r:id="rId37"/>
+    <p:sldId id="285" r:id="rId38"/>
+    <p:sldId id="286" r:id="rId39"/>
+    <p:sldId id="287" r:id="rId40"/>
+    <p:sldId id="292" r:id="rId41"/>
   </p:sldIdLst>
   <p:sldSz cx="12192000" cy="6858000"/>
   <p:notesSz cx="6858000" cy="9144000"/>
@@ -22002,82 +22006,11 @@
           <a:p>
             <a:r>
               <a:rPr lang="pl-PL" dirty="0"/>
-              <a:t>Koszt maszyn i materiału (ofertowy)</a:t>
+              <a:t>Koszt maszyn dla kosztorysu ofertowego</a:t>
             </a:r>
           </a:p>
         </p:txBody>
       </p:sp>
-      <p:pic>
-        <p:nvPicPr>
-          <p:cNvPr id="11" name="Symbol zastępczy zawartości 10">
-            <a:extLst>
-              <a:ext uri="{FF2B5EF4-FFF2-40B4-BE49-F238E27FC236}">
-                <a16:creationId xmlns:a16="http://schemas.microsoft.com/office/drawing/2014/main" id="{59C5ECD3-8411-4A88-8AC1-DD99EBBB8956}"/>
-              </a:ext>
-            </a:extLst>
-          </p:cNvPr>
-          <p:cNvPicPr>
-            <a:picLocks noGrp="1" noChangeAspect="1"/>
-          </p:cNvPicPr>
-          <p:nvPr>
-            <p:ph idx="1"/>
-          </p:nvPr>
-        </p:nvPicPr>
-        <p:blipFill>
-          <a:blip r:embed="rId2">
-            <a:extLst>
-              <a:ext uri="{28A0092B-C50C-407E-A947-70E740481C1C}">
-                <a14:useLocalDpi xmlns:a14="http://schemas.microsoft.com/office/drawing/2010/main" val="0"/>
-              </a:ext>
-            </a:extLst>
-          </a:blip>
-          <a:stretch>
-            <a:fillRect/>
-          </a:stretch>
-        </p:blipFill>
-        <p:spPr>
-          <a:xfrm>
-            <a:off x="297164" y="2150187"/>
-            <a:ext cx="4730731" cy="4577184"/>
-          </a:xfrm>
-        </p:spPr>
-      </p:pic>
-      <p:pic>
-        <p:nvPicPr>
-          <p:cNvPr id="13" name="Obraz 12">
-            <a:extLst>
-              <a:ext uri="{FF2B5EF4-FFF2-40B4-BE49-F238E27FC236}">
-                <a16:creationId xmlns:a16="http://schemas.microsoft.com/office/drawing/2014/main" id="{471B58F1-0D07-4B88-B366-9C15C75AF018}"/>
-              </a:ext>
-            </a:extLst>
-          </p:cNvPr>
-          <p:cNvPicPr>
-            <a:picLocks noChangeAspect="1"/>
-          </p:cNvPicPr>
-          <p:nvPr/>
-        </p:nvPicPr>
-        <p:blipFill>
-          <a:blip r:embed="rId3">
-            <a:extLst>
-              <a:ext uri="{28A0092B-C50C-407E-A947-70E740481C1C}">
-                <a14:useLocalDpi xmlns:a14="http://schemas.microsoft.com/office/drawing/2010/main" val="0"/>
-              </a:ext>
-            </a:extLst>
-          </a:blip>
-          <a:stretch>
-            <a:fillRect/>
-          </a:stretch>
-        </p:blipFill>
-        <p:spPr>
-          <a:xfrm>
-            <a:off x="5880553" y="2084872"/>
-            <a:ext cx="4730731" cy="4707813"/>
-          </a:xfrm>
-          <a:prstGeom prst="rect">
-            <a:avLst/>
-          </a:prstGeom>
-        </p:spPr>
-      </p:pic>
       <p:sp>
         <p:nvSpPr>
           <p:cNvPr id="3" name="Symbol zastępczy numeru slajdu 2">
@@ -22106,6 +22039,41 @@
           </a:p>
         </p:txBody>
       </p:sp>
+      <p:pic>
+        <p:nvPicPr>
+          <p:cNvPr id="7" name="Symbol zastępczy zawartości 6">
+            <a:extLst>
+              <a:ext uri="{FF2B5EF4-FFF2-40B4-BE49-F238E27FC236}">
+                <a16:creationId xmlns:a16="http://schemas.microsoft.com/office/drawing/2014/main" id="{5DFDC8DC-5BBD-409F-B67C-B4C24A7123EE}"/>
+              </a:ext>
+            </a:extLst>
+          </p:cNvPr>
+          <p:cNvPicPr>
+            <a:picLocks noGrp="1" noChangeAspect="1"/>
+          </p:cNvPicPr>
+          <p:nvPr>
+            <p:ph idx="1"/>
+          </p:nvPr>
+        </p:nvPicPr>
+        <p:blipFill>
+          <a:blip r:embed="rId2">
+            <a:extLst>
+              <a:ext uri="{28A0092B-C50C-407E-A947-70E740481C1C}">
+                <a14:useLocalDpi xmlns:a14="http://schemas.microsoft.com/office/drawing/2010/main" val="0"/>
+              </a:ext>
+            </a:extLst>
+          </a:blip>
+          <a:stretch>
+            <a:fillRect/>
+          </a:stretch>
+        </p:blipFill>
+        <p:spPr>
+          <a:xfrm>
+            <a:off x="3180418" y="2019558"/>
+            <a:ext cx="4913706" cy="4754466"/>
+          </a:xfrm>
+        </p:spPr>
+      </p:pic>
     </p:spTree>
     <p:extLst>
       <p:ext uri="{BB962C8B-B14F-4D97-AF65-F5344CB8AC3E}">
@@ -22141,7 +22109,7 @@
           <p:cNvPr id="2" name="Tytuł 1">
             <a:extLst>
               <a:ext uri="{FF2B5EF4-FFF2-40B4-BE49-F238E27FC236}">
-                <a16:creationId xmlns:a16="http://schemas.microsoft.com/office/drawing/2014/main" id="{5FCAE84B-26D9-4F60-A2DA-5426E980D0E4}"/>
+                <a16:creationId xmlns:a16="http://schemas.microsoft.com/office/drawing/2014/main" id="{127E3FF6-6D40-4C00-A211-48AE788DE89D}"/>
               </a:ext>
             </a:extLst>
           </p:cNvPr>
@@ -22152,29 +22120,24 @@
             <p:ph type="title"/>
           </p:nvPr>
         </p:nvSpPr>
-        <p:spPr>
-          <a:xfrm>
-            <a:off x="680321" y="753228"/>
-            <a:ext cx="4087621" cy="1080938"/>
-          </a:xfrm>
-        </p:spPr>
+        <p:spPr/>
         <p:txBody>
           <a:bodyPr/>
           <a:lstStyle/>
           <a:p>
             <a:r>
               <a:rPr lang="pl-PL" dirty="0"/>
-              <a:t>Koszt pracownika</a:t>
+              <a:t>Koszt materiału dla kosztorysu ofertowego</a:t>
             </a:r>
           </a:p>
         </p:txBody>
       </p:sp>
       <p:pic>
         <p:nvPicPr>
-          <p:cNvPr id="5" name="Symbol zastępczy zawartości 4">
+          <p:cNvPr id="6" name="Symbol zastępczy zawartości 5">
             <a:extLst>
               <a:ext uri="{FF2B5EF4-FFF2-40B4-BE49-F238E27FC236}">
-                <a16:creationId xmlns:a16="http://schemas.microsoft.com/office/drawing/2014/main" id="{F2F28879-F122-4D8D-AA50-A01600A174CE}"/>
+                <a16:creationId xmlns:a16="http://schemas.microsoft.com/office/drawing/2014/main" id="{E7485E73-F1CB-4F56-B322-FF6CD639806F}"/>
               </a:ext>
             </a:extLst>
           </p:cNvPr>
@@ -22199,107 +22162,17 @@
         </p:blipFill>
         <p:spPr>
           <a:xfrm>
-            <a:off x="554831" y="2187510"/>
-            <a:ext cx="4213111" cy="4496288"/>
+            <a:off x="3484683" y="2047550"/>
+            <a:ext cx="4415834" cy="4661160"/>
           </a:xfrm>
-        </p:spPr>
-      </p:pic>
-      <p:pic>
-        <p:nvPicPr>
-          <p:cNvPr id="7" name="Obraz 6">
-            <a:extLst>
-              <a:ext uri="{FF2B5EF4-FFF2-40B4-BE49-F238E27FC236}">
-                <a16:creationId xmlns:a16="http://schemas.microsoft.com/office/drawing/2014/main" id="{88640276-1F32-49E2-8217-5D661E013302}"/>
-              </a:ext>
-            </a:extLst>
-          </p:cNvPr>
-          <p:cNvPicPr>
-            <a:picLocks noChangeAspect="1"/>
-          </p:cNvPicPr>
-          <p:nvPr/>
-        </p:nvPicPr>
-        <p:blipFill>
-          <a:blip r:embed="rId3">
-            <a:extLst>
-              <a:ext uri="{28A0092B-C50C-407E-A947-70E740481C1C}">
-                <a14:useLocalDpi xmlns:a14="http://schemas.microsoft.com/office/drawing/2010/main" val="0"/>
-              </a:ext>
-            </a:extLst>
-          </a:blip>
-          <a:stretch>
-            <a:fillRect/>
-          </a:stretch>
-        </p:blipFill>
-        <p:spPr>
-          <a:xfrm>
-            <a:off x="6307493" y="2052735"/>
-            <a:ext cx="3660117" cy="4631063"/>
-          </a:xfrm>
-          <a:prstGeom prst="rect">
-            <a:avLst/>
-          </a:prstGeom>
         </p:spPr>
       </p:pic>
       <p:sp>
         <p:nvSpPr>
-          <p:cNvPr id="8" name="Tytuł 1">
+          <p:cNvPr id="4" name="Symbol zastępczy numeru slajdu 3">
             <a:extLst>
               <a:ext uri="{FF2B5EF4-FFF2-40B4-BE49-F238E27FC236}">
-                <a16:creationId xmlns:a16="http://schemas.microsoft.com/office/drawing/2014/main" id="{D038107F-B050-40A6-AB56-7EF2B505D9F7}"/>
-              </a:ext>
-            </a:extLst>
-          </p:cNvPr>
-          <p:cNvSpPr txBox="1">
-            <a:spLocks/>
-          </p:cNvSpPr>
-          <p:nvPr/>
-        </p:nvSpPr>
-        <p:spPr>
-          <a:xfrm>
-            <a:off x="6216485" y="753228"/>
-            <a:ext cx="4087621" cy="1080938"/>
-          </a:xfrm>
-          <a:prstGeom prst="rect">
-            <a:avLst/>
-          </a:prstGeom>
-        </p:spPr>
-        <p:txBody>
-          <a:bodyPr vert="horz" lIns="91440" tIns="45720" rIns="91440" bIns="45720" rtlCol="0" anchor="ctr">
-            <a:normAutofit/>
-          </a:bodyPr>
-          <a:lstStyle>
-            <a:lvl1pPr algn="l" defTabSz="914400" rtl="0" eaLnBrk="1" latinLnBrk="0" hangingPunct="1">
-              <a:lnSpc>
-                <a:spcPct val="90000"/>
-              </a:lnSpc>
-              <a:spcBef>
-                <a:spcPct val="0"/>
-              </a:spcBef>
-              <a:buNone/>
-              <a:defRPr sz="3600" kern="1200">
-                <a:solidFill>
-                  <a:schemeClr val="tx1"/>
-                </a:solidFill>
-                <a:latin typeface="+mj-lt"/>
-                <a:ea typeface="+mj-ea"/>
-                <a:cs typeface="+mj-cs"/>
-              </a:defRPr>
-            </a:lvl1pPr>
-          </a:lstStyle>
-          <a:p>
-            <a:r>
-              <a:rPr lang="pl-PL" dirty="0"/>
-              <a:t>Kosztorys ofertowy</a:t>
-            </a:r>
-          </a:p>
-        </p:txBody>
-      </p:sp>
-      <p:sp>
-        <p:nvSpPr>
-          <p:cNvPr id="3" name="Symbol zastępczy numeru slajdu 2">
-            <a:extLst>
-              <a:ext uri="{FF2B5EF4-FFF2-40B4-BE49-F238E27FC236}">
-                <a16:creationId xmlns:a16="http://schemas.microsoft.com/office/drawing/2014/main" id="{B6A6ACAD-FF9C-4C72-AEE1-752968C4CA28}"/>
+                <a16:creationId xmlns:a16="http://schemas.microsoft.com/office/drawing/2014/main" id="{18F791FF-3DD3-4E99-8C60-579F400D9097}"/>
               </a:ext>
             </a:extLst>
           </p:cNvPr>
@@ -22325,7 +22198,7 @@
     </p:spTree>
     <p:extLst>
       <p:ext uri="{BB962C8B-B14F-4D97-AF65-F5344CB8AC3E}">
-        <p14:creationId xmlns:p14="http://schemas.microsoft.com/office/powerpoint/2010/main" val="1076711829"/>
+        <p14:creationId xmlns:p14="http://schemas.microsoft.com/office/powerpoint/2010/main" val="64101112"/>
       </p:ext>
     </p:extLst>
   </p:cSld>
@@ -22357,7 +22230,7 @@
           <p:cNvPr id="2" name="Tytuł 1">
             <a:extLst>
               <a:ext uri="{FF2B5EF4-FFF2-40B4-BE49-F238E27FC236}">
-                <a16:creationId xmlns:a16="http://schemas.microsoft.com/office/drawing/2014/main" id="{B5A9FDC3-8BB5-4F7D-B15D-D49036E8B298}"/>
+                <a16:creationId xmlns:a16="http://schemas.microsoft.com/office/drawing/2014/main" id="{9CB484D4-5BD9-45F8-B4BC-C49920BF12AA}"/>
               </a:ext>
             </a:extLst>
           </p:cNvPr>
@@ -22375,17 +22248,17 @@
           <a:p>
             <a:r>
               <a:rPr lang="pl-PL" dirty="0"/>
-              <a:t>Koszt maszyn i materiału (powykonawczy)</a:t>
+              <a:t>Koszt pracowników dla kosztorysu ofertowego</a:t>
             </a:r>
           </a:p>
         </p:txBody>
       </p:sp>
       <p:pic>
         <p:nvPicPr>
-          <p:cNvPr id="5" name="Symbol zastępczy zawartości 4">
+          <p:cNvPr id="6" name="Symbol zastępczy zawartości 5">
             <a:extLst>
               <a:ext uri="{FF2B5EF4-FFF2-40B4-BE49-F238E27FC236}">
-                <a16:creationId xmlns:a16="http://schemas.microsoft.com/office/drawing/2014/main" id="{1C05DDA2-2D60-4718-BD46-5E5C01EF7770}"/>
+                <a16:creationId xmlns:a16="http://schemas.microsoft.com/office/drawing/2014/main" id="{CB2F8C11-1224-479C-875B-BE129611B3AA}"/>
               </a:ext>
             </a:extLst>
           </p:cNvPr>
@@ -22410,53 +22283,17 @@
         </p:blipFill>
         <p:spPr>
           <a:xfrm>
-            <a:off x="680321" y="2196840"/>
-            <a:ext cx="4603481" cy="4319230"/>
+            <a:off x="3604304" y="2028890"/>
+            <a:ext cx="4364039" cy="4731311"/>
           </a:xfrm>
-        </p:spPr>
-      </p:pic>
-      <p:pic>
-        <p:nvPicPr>
-          <p:cNvPr id="7" name="Obraz 6">
-            <a:extLst>
-              <a:ext uri="{FF2B5EF4-FFF2-40B4-BE49-F238E27FC236}">
-                <a16:creationId xmlns:a16="http://schemas.microsoft.com/office/drawing/2014/main" id="{47CF0CC5-D76A-433C-B476-27DF65305C80}"/>
-              </a:ext>
-            </a:extLst>
-          </p:cNvPr>
-          <p:cNvPicPr>
-            <a:picLocks noChangeAspect="1"/>
-          </p:cNvPicPr>
-          <p:nvPr/>
-        </p:nvPicPr>
-        <p:blipFill>
-          <a:blip r:embed="rId3">
-            <a:extLst>
-              <a:ext uri="{28A0092B-C50C-407E-A947-70E740481C1C}">
-                <a14:useLocalDpi xmlns:a14="http://schemas.microsoft.com/office/drawing/2010/main" val="0"/>
-              </a:ext>
-            </a:extLst>
-          </a:blip>
-          <a:stretch>
-            <a:fillRect/>
-          </a:stretch>
-        </p:blipFill>
-        <p:spPr>
-          <a:xfrm>
-            <a:off x="6217817" y="2093817"/>
-            <a:ext cx="4243216" cy="4603290"/>
-          </a:xfrm>
-          <a:prstGeom prst="rect">
-            <a:avLst/>
-          </a:prstGeom>
         </p:spPr>
       </p:pic>
       <p:sp>
         <p:nvSpPr>
-          <p:cNvPr id="3" name="Symbol zastępczy numeru slajdu 2">
+          <p:cNvPr id="4" name="Symbol zastępczy numeru slajdu 3">
             <a:extLst>
               <a:ext uri="{FF2B5EF4-FFF2-40B4-BE49-F238E27FC236}">
-                <a16:creationId xmlns:a16="http://schemas.microsoft.com/office/drawing/2014/main" id="{7485CBDF-47FC-4483-AD93-93C47AAB5FAF}"/>
+                <a16:creationId xmlns:a16="http://schemas.microsoft.com/office/drawing/2014/main" id="{DC088FFF-A941-489C-8069-F55831C84207}"/>
               </a:ext>
             </a:extLst>
           </p:cNvPr>
@@ -22482,7 +22319,7 @@
     </p:spTree>
     <p:extLst>
       <p:ext uri="{BB962C8B-B14F-4D97-AF65-F5344CB8AC3E}">
-        <p14:creationId xmlns:p14="http://schemas.microsoft.com/office/powerpoint/2010/main" val="1422059949"/>
+        <p14:creationId xmlns:p14="http://schemas.microsoft.com/office/powerpoint/2010/main" val="3558555689"/>
       </p:ext>
     </p:extLst>
   </p:cSld>
@@ -22514,7 +22351,7 @@
           <p:cNvPr id="2" name="Tytuł 1">
             <a:extLst>
               <a:ext uri="{FF2B5EF4-FFF2-40B4-BE49-F238E27FC236}">
-                <a16:creationId xmlns:a16="http://schemas.microsoft.com/office/drawing/2014/main" id="{8DE451F8-69C1-4603-AAD5-C9DFBEFE01BE}"/>
+                <a16:creationId xmlns:a16="http://schemas.microsoft.com/office/drawing/2014/main" id="{24B77BA8-F4F9-43C6-82F5-5B13ADCFDDC5}"/>
               </a:ext>
             </a:extLst>
           </p:cNvPr>
@@ -22525,29 +22362,24 @@
             <p:ph type="title"/>
           </p:nvPr>
         </p:nvSpPr>
-        <p:spPr>
-          <a:xfrm>
-            <a:off x="680322" y="753228"/>
-            <a:ext cx="3901010" cy="1080938"/>
-          </a:xfrm>
-        </p:spPr>
+        <p:spPr/>
         <p:txBody>
           <a:bodyPr/>
           <a:lstStyle/>
           <a:p>
             <a:r>
               <a:rPr lang="pl-PL" dirty="0"/>
-              <a:t>Koszt pracownika</a:t>
+              <a:t>Kosztorys ofertowy</a:t>
             </a:r>
           </a:p>
         </p:txBody>
       </p:sp>
       <p:pic>
         <p:nvPicPr>
-          <p:cNvPr id="5" name="Symbol zastępczy zawartości 4">
+          <p:cNvPr id="6" name="Symbol zastępczy zawartości 5">
             <a:extLst>
               <a:ext uri="{FF2B5EF4-FFF2-40B4-BE49-F238E27FC236}">
-                <a16:creationId xmlns:a16="http://schemas.microsoft.com/office/drawing/2014/main" id="{E242FD98-31B2-4F60-8A60-AA685EA7CD2E}"/>
+                <a16:creationId xmlns:a16="http://schemas.microsoft.com/office/drawing/2014/main" id="{B4E3E8C9-34CC-47E3-85EC-68C77CAEC434}"/>
               </a:ext>
             </a:extLst>
           </p:cNvPr>
@@ -22572,107 +22404,17 @@
         </p:blipFill>
         <p:spPr>
           <a:xfrm>
-            <a:off x="575908" y="2117530"/>
-            <a:ext cx="4527935" cy="4514004"/>
+            <a:off x="4043672" y="2056881"/>
+            <a:ext cx="3383495" cy="4735465"/>
           </a:xfrm>
-        </p:spPr>
-      </p:pic>
-      <p:pic>
-        <p:nvPicPr>
-          <p:cNvPr id="7" name="Obraz 6">
-            <a:extLst>
-              <a:ext uri="{FF2B5EF4-FFF2-40B4-BE49-F238E27FC236}">
-                <a16:creationId xmlns:a16="http://schemas.microsoft.com/office/drawing/2014/main" id="{36B17CA8-DF80-4511-8A08-8C0C8228266E}"/>
-              </a:ext>
-            </a:extLst>
-          </p:cNvPr>
-          <p:cNvPicPr>
-            <a:picLocks noChangeAspect="1"/>
-          </p:cNvPicPr>
-          <p:nvPr/>
-        </p:nvPicPr>
-        <p:blipFill>
-          <a:blip r:embed="rId3">
-            <a:extLst>
-              <a:ext uri="{28A0092B-C50C-407E-A947-70E740481C1C}">
-                <a14:useLocalDpi xmlns:a14="http://schemas.microsoft.com/office/drawing/2010/main" val="0"/>
-              </a:ext>
-            </a:extLst>
-          </a:blip>
-          <a:stretch>
-            <a:fillRect/>
-          </a:stretch>
-        </p:blipFill>
-        <p:spPr>
-          <a:xfrm>
-            <a:off x="6127399" y="2112865"/>
-            <a:ext cx="3660117" cy="4518669"/>
-          </a:xfrm>
-          <a:prstGeom prst="rect">
-            <a:avLst/>
-          </a:prstGeom>
         </p:spPr>
       </p:pic>
       <p:sp>
         <p:nvSpPr>
-          <p:cNvPr id="8" name="Tytuł 1">
+          <p:cNvPr id="4" name="Symbol zastępczy numeru slajdu 3">
             <a:extLst>
               <a:ext uri="{FF2B5EF4-FFF2-40B4-BE49-F238E27FC236}">
-                <a16:creationId xmlns:a16="http://schemas.microsoft.com/office/drawing/2014/main" id="{F66B8D0F-E2D2-4D3C-B4D7-DA35983E9D06}"/>
-              </a:ext>
-            </a:extLst>
-          </p:cNvPr>
-          <p:cNvSpPr txBox="1">
-            <a:spLocks/>
-          </p:cNvSpPr>
-          <p:nvPr/>
-        </p:nvSpPr>
-        <p:spPr>
-          <a:xfrm>
-            <a:off x="6096000" y="753228"/>
-            <a:ext cx="3722916" cy="1080938"/>
-          </a:xfrm>
-          <a:prstGeom prst="rect">
-            <a:avLst/>
-          </a:prstGeom>
-        </p:spPr>
-        <p:txBody>
-          <a:bodyPr vert="horz" lIns="91440" tIns="45720" rIns="91440" bIns="45720" rtlCol="0" anchor="ctr">
-            <a:normAutofit/>
-          </a:bodyPr>
-          <a:lstStyle>
-            <a:lvl1pPr algn="l" defTabSz="914400" rtl="0" eaLnBrk="1" latinLnBrk="0" hangingPunct="1">
-              <a:lnSpc>
-                <a:spcPct val="90000"/>
-              </a:lnSpc>
-              <a:spcBef>
-                <a:spcPct val="0"/>
-              </a:spcBef>
-              <a:buNone/>
-              <a:defRPr sz="3600" kern="1200">
-                <a:solidFill>
-                  <a:schemeClr val="tx1"/>
-                </a:solidFill>
-                <a:latin typeface="+mj-lt"/>
-                <a:ea typeface="+mj-ea"/>
-                <a:cs typeface="+mj-cs"/>
-              </a:defRPr>
-            </a:lvl1pPr>
-          </a:lstStyle>
-          <a:p>
-            <a:r>
-              <a:rPr lang="pl-PL" dirty="0"/>
-              <a:t>Kosztorys powykonawczy</a:t>
-            </a:r>
-          </a:p>
-        </p:txBody>
-      </p:sp>
-      <p:sp>
-        <p:nvSpPr>
-          <p:cNvPr id="3" name="Symbol zastępczy numeru slajdu 2">
-            <a:extLst>
-              <a:ext uri="{FF2B5EF4-FFF2-40B4-BE49-F238E27FC236}">
-                <a16:creationId xmlns:a16="http://schemas.microsoft.com/office/drawing/2014/main" id="{B731BB93-7431-4D42-B6EB-C9A1D6E4B8A2}"/>
+                <a16:creationId xmlns:a16="http://schemas.microsoft.com/office/drawing/2014/main" id="{296DF300-D08A-4229-A9A3-E1D4C200D284}"/>
               </a:ext>
             </a:extLst>
           </p:cNvPr>
@@ -22698,7 +22440,7 @@
     </p:spTree>
     <p:extLst>
       <p:ext uri="{BB962C8B-B14F-4D97-AF65-F5344CB8AC3E}">
-        <p14:creationId xmlns:p14="http://schemas.microsoft.com/office/powerpoint/2010/main" val="1240617030"/>
+        <p14:creationId xmlns:p14="http://schemas.microsoft.com/office/powerpoint/2010/main" val="1133960"/>
       </p:ext>
     </p:extLst>
   </p:cSld>
@@ -22711,41 +22453,6 @@
 <file path=ppt/slides/slide29.xml><?xml version="1.0" encoding="utf-8"?>
 <p:sld xmlns:a="http://schemas.openxmlformats.org/drawingml/2006/main" xmlns:r="http://schemas.openxmlformats.org/officeDocument/2006/relationships" xmlns:p="http://schemas.openxmlformats.org/presentationml/2006/main">
   <p:cSld>
-    <p:bg>
-      <p:bgPr>
-        <a:gradFill rotWithShape="1">
-          <a:gsLst>
-            <a:gs pos="0">
-              <a:schemeClr val="bg2">
-                <a:tint val="96000"/>
-                <a:shade val="100000"/>
-                <a:hueMod val="270000"/>
-                <a:satMod val="200000"/>
-                <a:lumMod val="128000"/>
-              </a:schemeClr>
-            </a:gs>
-            <a:gs pos="50000">
-              <a:schemeClr val="bg2">
-                <a:shade val="100000"/>
-                <a:hueMod val="100000"/>
-                <a:satMod val="110000"/>
-                <a:lumMod val="130000"/>
-              </a:schemeClr>
-            </a:gs>
-            <a:gs pos="100000">
-              <a:schemeClr val="bg2">
-                <a:shade val="78000"/>
-                <a:hueMod val="44000"/>
-                <a:satMod val="200000"/>
-                <a:lumMod val="69000"/>
-              </a:schemeClr>
-            </a:gs>
-          </a:gsLst>
-          <a:lin ang="2520000" scaled="0"/>
-        </a:gradFill>
-        <a:effectLst/>
-      </p:bgPr>
-    </p:bg>
     <p:spTree>
       <p:nvGrpSpPr>
         <p:cNvPr id="1" name=""/>
@@ -22760,530 +22467,12 @@
           <a:chExt cx="0" cy="0"/>
         </a:xfrm>
       </p:grpSpPr>
-      <p:pic>
-        <p:nvPicPr>
-          <p:cNvPr id="11" name="Picture 10">
-            <a:extLst>
-              <a:ext uri="{FF2B5EF4-FFF2-40B4-BE49-F238E27FC236}">
-                <a16:creationId xmlns:a16="http://schemas.microsoft.com/office/drawing/2014/main" id="{5321D838-2C7E-4177-9DD3-DAC78324A2B2}"/>
-              </a:ext>
-              <a:ext uri="{C183D7F6-B498-43B3-948B-1728B52AA6E4}">
-                <adec:decorative xmlns:adec="http://schemas.microsoft.com/office/drawing/2017/decorative" val="1"/>
-              </a:ext>
-            </a:extLst>
-          </p:cNvPr>
-          <p:cNvPicPr>
-            <a:picLocks noGrp="1" noRot="1" noChangeAspect="1" noMove="1" noResize="1" noEditPoints="1" noAdjustHandles="1" noChangeArrowheads="1" noChangeShapeType="1" noCrop="1"/>
-          </p:cNvPicPr>
-          <p:nvPr>
-            <p:extLst>
-              <p:ext uri="{386F3935-93C4-4BCD-93E2-E3B085C9AB24}">
-                <p16:designElem xmlns:p16="http://schemas.microsoft.com/office/powerpoint/2015/main" val="1"/>
-              </p:ext>
-            </p:extLst>
-          </p:nvPr>
-        </p:nvPicPr>
-        <p:blipFill>
-          <a:blip r:embed="rId2">
-            <a:alphaModFix amt="10000"/>
-            <a:extLst>
-              <a:ext uri="{28A0092B-C50C-407E-A947-70E740481C1C}">
-                <a14:useLocalDpi xmlns:a14="http://schemas.microsoft.com/office/drawing/2010/main" val="0"/>
-              </a:ext>
-            </a:extLst>
-          </a:blip>
-          <a:stretch>
-            <a:fillRect/>
-          </a:stretch>
-        </p:blipFill>
-        <p:spPr>
-          <a:xfrm>
-            <a:off x="0" y="0"/>
-            <a:ext cx="12192000" cy="6858000"/>
-          </a:xfrm>
-          <a:prstGeom prst="rect">
-            <a:avLst/>
-          </a:prstGeom>
-        </p:spPr>
-      </p:pic>
-      <p:pic>
-        <p:nvPicPr>
-          <p:cNvPr id="13" name="Picture 12">
-            <a:extLst>
-              <a:ext uri="{FF2B5EF4-FFF2-40B4-BE49-F238E27FC236}">
-                <a16:creationId xmlns:a16="http://schemas.microsoft.com/office/drawing/2014/main" id="{0146E45C-1450-4186-B501-74F221F897A8}"/>
-              </a:ext>
-              <a:ext uri="{C183D7F6-B498-43B3-948B-1728B52AA6E4}">
-                <adec:decorative xmlns:adec="http://schemas.microsoft.com/office/drawing/2017/decorative" val="1"/>
-              </a:ext>
-            </a:extLst>
-          </p:cNvPr>
-          <p:cNvPicPr>
-            <a:picLocks noGrp="1" noRot="1" noChangeAspect="1" noMove="1" noResize="1" noEditPoints="1" noAdjustHandles="1" noChangeArrowheads="1" noChangeShapeType="1" noCrop="1"/>
-          </p:cNvPicPr>
-          <p:nvPr>
-            <p:extLst>
-              <p:ext uri="{386F3935-93C4-4BCD-93E2-E3B085C9AB24}">
-                <p16:designElem xmlns:p16="http://schemas.microsoft.com/office/powerpoint/2015/main" val="1"/>
-              </p:ext>
-            </p:extLst>
-          </p:nvPr>
-        </p:nvPicPr>
-        <p:blipFill>
-          <a:blip r:embed="rId3">
-            <a:extLst>
-              <a:ext uri="{28A0092B-C50C-407E-A947-70E740481C1C}">
-                <a14:useLocalDpi xmlns:a14="http://schemas.microsoft.com/office/drawing/2010/main" val="0"/>
-              </a:ext>
-            </a:extLst>
-          </a:blip>
-          <a:stretch>
-            <a:fillRect/>
-          </a:stretch>
-        </p:blipFill>
-        <p:spPr>
-          <a:xfrm>
-            <a:off x="1" y="4242851"/>
-            <a:ext cx="8968084" cy="275942"/>
-          </a:xfrm>
-          <a:prstGeom prst="rect">
-            <a:avLst/>
-          </a:prstGeom>
-        </p:spPr>
-      </p:pic>
-      <p:pic>
-        <p:nvPicPr>
-          <p:cNvPr id="15" name="Picture 14">
-            <a:extLst>
-              <a:ext uri="{FF2B5EF4-FFF2-40B4-BE49-F238E27FC236}">
-                <a16:creationId xmlns:a16="http://schemas.microsoft.com/office/drawing/2014/main" id="{EEDDA48B-BC04-4915-ADA3-A1A9522EB0D1}"/>
-              </a:ext>
-              <a:ext uri="{C183D7F6-B498-43B3-948B-1728B52AA6E4}">
-                <adec:decorative xmlns:adec="http://schemas.microsoft.com/office/drawing/2017/decorative" val="1"/>
-              </a:ext>
-            </a:extLst>
-          </p:cNvPr>
-          <p:cNvPicPr>
-            <a:picLocks noGrp="1" noRot="1" noChangeAspect="1" noMove="1" noResize="1" noEditPoints="1" noAdjustHandles="1" noChangeArrowheads="1" noChangeShapeType="1" noCrop="1"/>
-          </p:cNvPicPr>
-          <p:nvPr>
-            <p:extLst>
-              <p:ext uri="{386F3935-93C4-4BCD-93E2-E3B085C9AB24}">
-                <p16:designElem xmlns:p16="http://schemas.microsoft.com/office/powerpoint/2015/main" val="1"/>
-              </p:ext>
-            </p:extLst>
-          </p:nvPr>
-        </p:nvPicPr>
-        <p:blipFill>
-          <a:blip r:embed="rId4">
-            <a:extLst>
-              <a:ext uri="{28A0092B-C50C-407E-A947-70E740481C1C}">
-                <a14:useLocalDpi xmlns:a14="http://schemas.microsoft.com/office/drawing/2010/main" val="0"/>
-              </a:ext>
-            </a:extLst>
-          </a:blip>
-          <a:stretch>
-            <a:fillRect/>
-          </a:stretch>
-        </p:blipFill>
-        <p:spPr>
-          <a:xfrm>
-            <a:off x="9111716" y="4243845"/>
-            <a:ext cx="3077108" cy="276940"/>
-          </a:xfrm>
-          <a:prstGeom prst="rect">
-            <a:avLst/>
-          </a:prstGeom>
-        </p:spPr>
-      </p:pic>
-      <p:sp>
-        <p:nvSpPr>
-          <p:cNvPr id="17" name="Rectangle 16">
-            <a:extLst>
-              <a:ext uri="{FF2B5EF4-FFF2-40B4-BE49-F238E27FC236}">
-                <a16:creationId xmlns:a16="http://schemas.microsoft.com/office/drawing/2014/main" id="{78C9D07A-5A22-4E55-B18A-47CF07E5080D}"/>
-              </a:ext>
-              <a:ext uri="{C183D7F6-B498-43B3-948B-1728B52AA6E4}">
-                <adec:decorative xmlns:adec="http://schemas.microsoft.com/office/drawing/2017/decorative" val="1"/>
-              </a:ext>
-            </a:extLst>
-          </p:cNvPr>
-          <p:cNvSpPr>
-            <a:spLocks noGrp="1" noRot="1" noChangeAspect="1" noMove="1" noResize="1" noEditPoints="1" noAdjustHandles="1" noChangeArrowheads="1" noChangeShapeType="1" noTextEdit="1"/>
-          </p:cNvSpPr>
-          <p:nvPr>
-            <p:extLst>
-              <p:ext uri="{386F3935-93C4-4BCD-93E2-E3B085C9AB24}">
-                <p16:designElem xmlns:p16="http://schemas.microsoft.com/office/powerpoint/2015/main" val="1"/>
-              </p:ext>
-            </p:extLst>
-          </p:nvPr>
-        </p:nvSpPr>
-        <p:spPr>
-          <a:xfrm>
-            <a:off x="0" y="2590078"/>
-            <a:ext cx="8968085" cy="1660332"/>
-          </a:xfrm>
-          <a:prstGeom prst="rect">
-            <a:avLst/>
-          </a:prstGeom>
-          <a:solidFill>
-            <a:schemeClr val="bg1">
-              <a:lumMod val="85000"/>
-              <a:lumOff val="15000"/>
-            </a:schemeClr>
-          </a:solidFill>
-          <a:ln>
-            <a:noFill/>
-          </a:ln>
-        </p:spPr>
-        <p:style>
-          <a:lnRef idx="2">
-            <a:schemeClr val="accent1">
-              <a:shade val="50000"/>
-            </a:schemeClr>
-          </a:lnRef>
-          <a:fillRef idx="1">
-            <a:schemeClr val="accent1"/>
-          </a:fillRef>
-          <a:effectRef idx="0">
-            <a:schemeClr val="accent1"/>
-          </a:effectRef>
-          <a:fontRef idx="minor">
-            <a:schemeClr val="lt1"/>
-          </a:fontRef>
-        </p:style>
-      </p:sp>
-      <p:sp>
-        <p:nvSpPr>
-          <p:cNvPr id="19" name="Rectangle 18">
-            <a:extLst>
-              <a:ext uri="{FF2B5EF4-FFF2-40B4-BE49-F238E27FC236}">
-                <a16:creationId xmlns:a16="http://schemas.microsoft.com/office/drawing/2014/main" id="{3D71E629-0739-4A59-972B-A9E9A4500E31}"/>
-              </a:ext>
-              <a:ext uri="{C183D7F6-B498-43B3-948B-1728B52AA6E4}">
-                <adec:decorative xmlns:adec="http://schemas.microsoft.com/office/drawing/2017/decorative" val="1"/>
-              </a:ext>
-            </a:extLst>
-          </p:cNvPr>
-          <p:cNvSpPr>
-            <a:spLocks noGrp="1" noRot="1" noChangeAspect="1" noMove="1" noResize="1" noEditPoints="1" noAdjustHandles="1" noChangeArrowheads="1" noChangeShapeType="1" noTextEdit="1"/>
-          </p:cNvSpPr>
-          <p:nvPr>
-            <p:extLst>
-              <p:ext uri="{386F3935-93C4-4BCD-93E2-E3B085C9AB24}">
-                <p16:designElem xmlns:p16="http://schemas.microsoft.com/office/powerpoint/2015/main" val="1"/>
-              </p:ext>
-            </p:extLst>
-          </p:nvPr>
-        </p:nvSpPr>
-        <p:spPr>
-          <a:xfrm>
-            <a:off x="9111715" y="2590078"/>
-            <a:ext cx="3077109" cy="1660332"/>
-          </a:xfrm>
-          <a:prstGeom prst="rect">
-            <a:avLst/>
-          </a:prstGeom>
-          <a:solidFill>
-            <a:schemeClr val="accent1"/>
-          </a:solidFill>
-          <a:ln>
-            <a:noFill/>
-          </a:ln>
-        </p:spPr>
-        <p:style>
-          <a:lnRef idx="2">
-            <a:schemeClr val="accent1">
-              <a:shade val="50000"/>
-            </a:schemeClr>
-          </a:lnRef>
-          <a:fillRef idx="1">
-            <a:schemeClr val="accent1"/>
-          </a:fillRef>
-          <a:effectRef idx="0">
-            <a:schemeClr val="accent1"/>
-          </a:effectRef>
-          <a:fontRef idx="minor">
-            <a:schemeClr val="lt1"/>
-          </a:fontRef>
-        </p:style>
-      </p:sp>
-      <p:sp useBgFill="1">
-        <p:nvSpPr>
-          <p:cNvPr id="21" name="Rectangle 20">
-            <a:extLst>
-              <a:ext uri="{FF2B5EF4-FFF2-40B4-BE49-F238E27FC236}">
-                <a16:creationId xmlns:a16="http://schemas.microsoft.com/office/drawing/2014/main" id="{00573A24-AD84-4562-A993-7D04E1D18209}"/>
-              </a:ext>
-              <a:ext uri="{C183D7F6-B498-43B3-948B-1728B52AA6E4}">
-                <adec:decorative xmlns:adec="http://schemas.microsoft.com/office/drawing/2017/decorative" val="1"/>
-              </a:ext>
-            </a:extLst>
-          </p:cNvPr>
-          <p:cNvSpPr>
-            <a:spLocks noGrp="1" noRot="1" noChangeAspect="1" noMove="1" noResize="1" noEditPoints="1" noAdjustHandles="1" noChangeArrowheads="1" noChangeShapeType="1" noTextEdit="1"/>
-          </p:cNvSpPr>
-          <p:nvPr>
-            <p:extLst>
-              <p:ext uri="{386F3935-93C4-4BCD-93E2-E3B085C9AB24}">
-                <p16:designElem xmlns:p16="http://schemas.microsoft.com/office/powerpoint/2015/main" val="1"/>
-              </p:ext>
-            </p:extLst>
-          </p:nvPr>
-        </p:nvSpPr>
-        <p:spPr>
-          <a:xfrm>
-            <a:off x="0" y="0"/>
-            <a:ext cx="12188824" cy="6858000"/>
-          </a:xfrm>
-          <a:prstGeom prst="rect">
-            <a:avLst/>
-          </a:prstGeom>
-          <a:ln>
-            <a:noFill/>
-          </a:ln>
-        </p:spPr>
-        <p:style>
-          <a:lnRef idx="2">
-            <a:schemeClr val="accent1">
-              <a:shade val="50000"/>
-            </a:schemeClr>
-          </a:lnRef>
-          <a:fillRef idx="1">
-            <a:schemeClr val="accent1"/>
-          </a:fillRef>
-          <a:effectRef idx="0">
-            <a:schemeClr val="accent1"/>
-          </a:effectRef>
-          <a:fontRef idx="minor">
-            <a:schemeClr val="lt1"/>
-          </a:fontRef>
-        </p:style>
-        <p:txBody>
-          <a:bodyPr rtlCol="0" anchor="ctr"/>
-          <a:lstStyle/>
-          <a:p>
-            <a:pPr algn="ctr"/>
-            <a:endParaRPr lang="en-US"/>
-          </a:p>
-        </p:txBody>
-      </p:sp>
-      <p:pic>
-        <p:nvPicPr>
-          <p:cNvPr id="23" name="Picture 22">
-            <a:extLst>
-              <a:ext uri="{FF2B5EF4-FFF2-40B4-BE49-F238E27FC236}">
-                <a16:creationId xmlns:a16="http://schemas.microsoft.com/office/drawing/2014/main" id="{B3C087F8-F09C-4C07-B55F-6081689A2413}"/>
-              </a:ext>
-              <a:ext uri="{C183D7F6-B498-43B3-948B-1728B52AA6E4}">
-                <adec:decorative xmlns:adec="http://schemas.microsoft.com/office/drawing/2017/decorative" val="1"/>
-              </a:ext>
-            </a:extLst>
-          </p:cNvPr>
-          <p:cNvPicPr>
-            <a:picLocks noGrp="1" noRot="1" noChangeAspect="1" noMove="1" noResize="1" noEditPoints="1" noAdjustHandles="1" noChangeArrowheads="1" noChangeShapeType="1" noCrop="1"/>
-          </p:cNvPicPr>
-          <p:nvPr>
-            <p:extLst>
-              <p:ext uri="{386F3935-93C4-4BCD-93E2-E3B085C9AB24}">
-                <p16:designElem xmlns:p16="http://schemas.microsoft.com/office/powerpoint/2015/main" val="1"/>
-              </p:ext>
-            </p:extLst>
-          </p:nvPr>
-        </p:nvPicPr>
-        <p:blipFill>
-          <a:blip r:embed="rId2">
-            <a:alphaModFix amt="10000"/>
-            <a:extLst>
-              <a:ext uri="{28A0092B-C50C-407E-A947-70E740481C1C}">
-                <a14:useLocalDpi xmlns:a14="http://schemas.microsoft.com/office/drawing/2010/main" val="0"/>
-              </a:ext>
-            </a:extLst>
-          </a:blip>
-          <a:stretch>
-            <a:fillRect/>
-          </a:stretch>
-        </p:blipFill>
-        <p:spPr>
-          <a:xfrm>
-            <a:off x="0" y="0"/>
-            <a:ext cx="12192000" cy="6858000"/>
-          </a:xfrm>
-          <a:prstGeom prst="rect">
-            <a:avLst/>
-          </a:prstGeom>
-        </p:spPr>
-      </p:pic>
-      <p:sp>
-        <p:nvSpPr>
-          <p:cNvPr id="25" name="Rectangle 24">
-            <a:extLst>
-              <a:ext uri="{FF2B5EF4-FFF2-40B4-BE49-F238E27FC236}">
-                <a16:creationId xmlns:a16="http://schemas.microsoft.com/office/drawing/2014/main" id="{FC49D257-5737-4C0D-89EA-9C311AF2B8B5}"/>
-              </a:ext>
-              <a:ext uri="{C183D7F6-B498-43B3-948B-1728B52AA6E4}">
-                <adec:decorative xmlns:adec="http://schemas.microsoft.com/office/drawing/2017/decorative" val="1"/>
-              </a:ext>
-            </a:extLst>
-          </p:cNvPr>
-          <p:cNvSpPr>
-            <a:spLocks noGrp="1" noRot="1" noChangeAspect="1" noMove="1" noResize="1" noEditPoints="1" noAdjustHandles="1" noChangeArrowheads="1" noChangeShapeType="1" noTextEdit="1"/>
-          </p:cNvSpPr>
-          <p:nvPr>
-            <p:extLst>
-              <p:ext uri="{386F3935-93C4-4BCD-93E2-E3B085C9AB24}">
-                <p16:designElem xmlns:p16="http://schemas.microsoft.com/office/powerpoint/2015/main" val="1"/>
-              </p:ext>
-            </p:extLst>
-          </p:nvPr>
-        </p:nvSpPr>
-        <p:spPr>
-          <a:xfrm>
-            <a:off x="6099176" y="0"/>
-            <a:ext cx="6092824" cy="6858001"/>
-          </a:xfrm>
-          <a:prstGeom prst="rect">
-            <a:avLst/>
-          </a:prstGeom>
-          <a:ln>
-            <a:noFill/>
-          </a:ln>
-        </p:spPr>
-        <p:style>
-          <a:lnRef idx="2">
-            <a:schemeClr val="accent1">
-              <a:shade val="50000"/>
-            </a:schemeClr>
-          </a:lnRef>
-          <a:fillRef idx="1">
-            <a:schemeClr val="accent1"/>
-          </a:fillRef>
-          <a:effectRef idx="0">
-            <a:schemeClr val="accent1"/>
-          </a:effectRef>
-          <a:fontRef idx="minor">
-            <a:schemeClr val="lt1"/>
-          </a:fontRef>
-        </p:style>
-        <p:txBody>
-          <a:bodyPr rtlCol="0" anchor="ctr"/>
-          <a:lstStyle/>
-          <a:p>
-            <a:pPr algn="ctr"/>
-            <a:endParaRPr lang="en-US"/>
-          </a:p>
-        </p:txBody>
-      </p:sp>
-      <p:pic>
-        <p:nvPicPr>
-          <p:cNvPr id="27" name="Picture 26">
-            <a:extLst>
-              <a:ext uri="{FF2B5EF4-FFF2-40B4-BE49-F238E27FC236}">
-                <a16:creationId xmlns:a16="http://schemas.microsoft.com/office/drawing/2014/main" id="{E13D267A-94F5-488A-94C6-5D7156D9AF8C}"/>
-              </a:ext>
-              <a:ext uri="{C183D7F6-B498-43B3-948B-1728B52AA6E4}">
-                <adec:decorative xmlns:adec="http://schemas.microsoft.com/office/drawing/2017/decorative" val="1"/>
-              </a:ext>
-            </a:extLst>
-          </p:cNvPr>
-          <p:cNvPicPr>
-            <a:picLocks noGrp="1" noRot="1" noChangeAspect="1" noMove="1" noResize="1" noEditPoints="1" noAdjustHandles="1" noChangeArrowheads="1" noChangeShapeType="1" noCrop="1"/>
-          </p:cNvPicPr>
-          <p:nvPr>
-            <p:extLst>
-              <p:ext uri="{386F3935-93C4-4BCD-93E2-E3B085C9AB24}">
-                <p16:designElem xmlns:p16="http://schemas.microsoft.com/office/powerpoint/2015/main" val="1"/>
-              </p:ext>
-            </p:extLst>
-          </p:nvPr>
-        </p:nvPicPr>
-        <p:blipFill>
-          <a:blip r:embed="rId3">
-            <a:extLst>
-              <a:ext uri="{28A0092B-C50C-407E-A947-70E740481C1C}">
-                <a14:useLocalDpi xmlns:a14="http://schemas.microsoft.com/office/drawing/2010/main" val="0"/>
-              </a:ext>
-            </a:extLst>
-          </a:blip>
-          <a:stretch>
-            <a:fillRect/>
-          </a:stretch>
-        </p:blipFill>
-        <p:spPr>
-          <a:xfrm>
-            <a:off x="1" y="4688333"/>
-            <a:ext cx="6400800" cy="185701"/>
-          </a:xfrm>
-          <a:prstGeom prst="rect">
-            <a:avLst/>
-          </a:prstGeom>
-        </p:spPr>
-      </p:pic>
-      <p:sp>
-        <p:nvSpPr>
-          <p:cNvPr id="29" name="Rectangle 28">
-            <a:extLst>
-              <a:ext uri="{FF2B5EF4-FFF2-40B4-BE49-F238E27FC236}">
-                <a16:creationId xmlns:a16="http://schemas.microsoft.com/office/drawing/2014/main" id="{46CE3EB2-91DF-4F5D-8874-744AAAE311E1}"/>
-              </a:ext>
-              <a:ext uri="{C183D7F6-B498-43B3-948B-1728B52AA6E4}">
-                <adec:decorative xmlns:adec="http://schemas.microsoft.com/office/drawing/2017/decorative" val="1"/>
-              </a:ext>
-            </a:extLst>
-          </p:cNvPr>
-          <p:cNvSpPr>
-            <a:spLocks noGrp="1" noRot="1" noChangeAspect="1" noMove="1" noResize="1" noEditPoints="1" noAdjustHandles="1" noChangeArrowheads="1" noChangeShapeType="1" noTextEdit="1"/>
-          </p:cNvSpPr>
-          <p:nvPr>
-            <p:extLst>
-              <p:ext uri="{386F3935-93C4-4BCD-93E2-E3B085C9AB24}">
-                <p16:designElem xmlns:p16="http://schemas.microsoft.com/office/powerpoint/2015/main" val="1"/>
-              </p:ext>
-            </p:extLst>
-          </p:nvPr>
-        </p:nvSpPr>
-        <p:spPr>
-          <a:xfrm>
-            <a:off x="-1" y="2162908"/>
-            <a:ext cx="6411743" cy="2532185"/>
-          </a:xfrm>
-          <a:prstGeom prst="rect">
-            <a:avLst/>
-          </a:prstGeom>
-          <a:solidFill>
-            <a:schemeClr val="bg1">
-              <a:lumMod val="85000"/>
-              <a:lumOff val="15000"/>
-            </a:schemeClr>
-          </a:solidFill>
-          <a:ln>
-            <a:noFill/>
-          </a:ln>
-        </p:spPr>
-        <p:style>
-          <a:lnRef idx="2">
-            <a:schemeClr val="accent1">
-              <a:shade val="50000"/>
-            </a:schemeClr>
-          </a:lnRef>
-          <a:fillRef idx="1">
-            <a:schemeClr val="accent1"/>
-          </a:fillRef>
-          <a:effectRef idx="0">
-            <a:schemeClr val="accent1"/>
-          </a:effectRef>
-          <a:fontRef idx="minor">
-            <a:schemeClr val="lt1"/>
-          </a:fontRef>
-        </p:style>
-      </p:sp>
       <p:sp>
         <p:nvSpPr>
           <p:cNvPr id="2" name="Tytuł 1">
             <a:extLst>
               <a:ext uri="{FF2B5EF4-FFF2-40B4-BE49-F238E27FC236}">
-                <a16:creationId xmlns:a16="http://schemas.microsoft.com/office/drawing/2014/main" id="{19DA3A90-709B-45A7-A9D0-9ABDD69621A6}"/>
+                <a16:creationId xmlns:a16="http://schemas.microsoft.com/office/drawing/2014/main" id="{F9833C49-1306-4CE9-B449-FDC15F5DEA73}"/>
               </a:ext>
             </a:extLst>
           </p:cNvPr>
@@ -23296,63 +22485,42 @@
         </p:nvSpPr>
         <p:spPr>
           <a:xfrm>
-            <a:off x="153989" y="2353444"/>
-            <a:ext cx="6092824" cy="2133600"/>
+            <a:off x="447869" y="753228"/>
+            <a:ext cx="9846313" cy="1080938"/>
           </a:xfrm>
         </p:spPr>
         <p:txBody>
-          <a:bodyPr vert="horz" lIns="91440" tIns="45720" rIns="91440" bIns="45720" rtlCol="0" anchor="ctr">
-            <a:normAutofit/>
-          </a:bodyPr>
+          <a:bodyPr/>
           <a:lstStyle/>
           <a:p>
-            <a:pPr algn="r"/>
-            <a:r>
-              <a:rPr lang="en-US" sz="5400" dirty="0" err="1"/>
-              <a:t>Oferta</a:t>
-            </a:r>
-            <a:r>
-              <a:rPr lang="en-US" sz="5400" dirty="0"/>
-              <a:t> </a:t>
-            </a:r>
-            <a:r>
-              <a:rPr lang="en-US" sz="5400" dirty="0" err="1"/>
-              <a:t>dla</a:t>
-            </a:r>
-            <a:r>
-              <a:rPr lang="en-US" sz="5400" dirty="0"/>
-              <a:t> </a:t>
-            </a:r>
-            <a:r>
-              <a:rPr lang="en-US" sz="5400" dirty="0" err="1"/>
-              <a:t>klienta</a:t>
-            </a:r>
-            <a:endParaRPr lang="en-US" sz="5400" dirty="0"/>
+            <a:r>
+              <a:rPr lang="pl-PL" dirty="0"/>
+              <a:t>Koszt maszyn dla kosztorysu powykonawczego</a:t>
+            </a:r>
           </a:p>
         </p:txBody>
       </p:sp>
       <p:pic>
         <p:nvPicPr>
-          <p:cNvPr id="6" name="Grafika 5">
+          <p:cNvPr id="6" name="Symbol zastępczy zawartości 5">
             <a:extLst>
               <a:ext uri="{FF2B5EF4-FFF2-40B4-BE49-F238E27FC236}">
-                <a16:creationId xmlns:a16="http://schemas.microsoft.com/office/drawing/2014/main" id="{9D52F2D7-8BE2-47E9-A38D-0154EE4E9BF4}"/>
+                <a16:creationId xmlns:a16="http://schemas.microsoft.com/office/drawing/2014/main" id="{4DD1EC1F-6AA5-4588-9D09-21F7A6F553CD}"/>
               </a:ext>
             </a:extLst>
           </p:cNvPr>
           <p:cNvPicPr>
-            <a:picLocks noChangeAspect="1"/>
+            <a:picLocks noGrp="1" noChangeAspect="1"/>
           </p:cNvPicPr>
-          <p:nvPr/>
+          <p:nvPr>
+            <p:ph idx="1"/>
+          </p:nvPr>
         </p:nvPicPr>
         <p:blipFill>
-          <a:blip r:embed="rId5">
+          <a:blip r:embed="rId2">
             <a:extLst>
               <a:ext uri="{28A0092B-C50C-407E-A947-70E740481C1C}">
                 <a14:useLocalDpi xmlns:a14="http://schemas.microsoft.com/office/drawing/2010/main" val="0"/>
-              </a:ext>
-              <a:ext uri="{96DAC541-7B7A-43D3-8B79-37D633B846F1}">
-                <asvg:svgBlip xmlns:asvg="http://schemas.microsoft.com/office/drawing/2016/SVG/main" r:embed="rId6"/>
               </a:ext>
             </a:extLst>
           </a:blip>
@@ -23362,30 +22530,17 @@
         </p:blipFill>
         <p:spPr>
           <a:xfrm>
-            <a:off x="6411742" y="641987"/>
-            <a:ext cx="5682703" cy="5539517"/>
+            <a:off x="3433786" y="2038220"/>
+            <a:ext cx="4959203" cy="4754466"/>
           </a:xfrm>
-          <a:prstGeom prst="rect">
-            <a:avLst/>
-          </a:prstGeom>
-          <a:ln>
-            <a:noFill/>
-          </a:ln>
-          <a:effectLst>
-            <a:outerShdw blurRad="76200" dist="63500" dir="5040000" algn="tl" rotWithShape="0">
-              <a:srgbClr val="000000">
-                <a:alpha val="41000"/>
-              </a:srgbClr>
-            </a:outerShdw>
-          </a:effectLst>
         </p:spPr>
       </p:pic>
       <p:sp>
         <p:nvSpPr>
-          <p:cNvPr id="3" name="Symbol zastępczy numeru slajdu 2">
+          <p:cNvPr id="4" name="Symbol zastępczy numeru slajdu 3">
             <a:extLst>
               <a:ext uri="{FF2B5EF4-FFF2-40B4-BE49-F238E27FC236}">
-                <a16:creationId xmlns:a16="http://schemas.microsoft.com/office/drawing/2014/main" id="{E2E58A61-4D6C-4842-B21E-D1F4E52A61A8}"/>
+                <a16:creationId xmlns:a16="http://schemas.microsoft.com/office/drawing/2014/main" id="{012B2928-2486-40AC-9EC9-87A215AA28EE}"/>
               </a:ext>
             </a:extLst>
           </p:cNvPr>
@@ -23396,43 +22551,22 @@
             <p:ph type="sldNum" sz="quarter" idx="12"/>
           </p:nvPr>
         </p:nvSpPr>
-        <p:spPr>
-          <a:xfrm>
-            <a:off x="11281776" y="6336872"/>
-            <a:ext cx="722655" cy="365760"/>
-          </a:xfrm>
-        </p:spPr>
+        <p:spPr/>
         <p:txBody>
-          <a:bodyPr vert="horz" lIns="91440" tIns="45720" rIns="91440" bIns="45720" rtlCol="0" anchor="ctr">
-            <a:normAutofit/>
-          </a:bodyPr>
+          <a:bodyPr/>
           <a:lstStyle/>
           <a:p>
-            <a:pPr defTabSz="914400">
-              <a:spcAft>
-                <a:spcPts val="600"/>
-              </a:spcAft>
-            </a:pPr>
-            <a:r>
-              <a:rPr lang="pl-PL" sz="1400" dirty="0">
-                <a:solidFill>
-                  <a:srgbClr val="FFFFFF"/>
-                </a:solidFill>
-              </a:rPr>
+            <a:r>
+              <a:rPr lang="pl-PL" dirty="0"/>
               <a:t>15</a:t>
             </a:r>
-            <a:endParaRPr lang="en-US" sz="1400" dirty="0">
-              <a:solidFill>
-                <a:srgbClr val="FFFFFF"/>
-              </a:solidFill>
-            </a:endParaRPr>
           </a:p>
         </p:txBody>
       </p:sp>
     </p:spTree>
     <p:extLst>
       <p:ext uri="{BB962C8B-B14F-4D97-AF65-F5344CB8AC3E}">
-        <p14:creationId xmlns:p14="http://schemas.microsoft.com/office/powerpoint/2010/main" val="832810156"/>
+        <p14:creationId xmlns:p14="http://schemas.microsoft.com/office/powerpoint/2010/main" val="218045946"/>
       </p:ext>
     </p:extLst>
   </p:cSld>
@@ -23576,41 +22710,6 @@
 <file path=ppt/slides/slide30.xml><?xml version="1.0" encoding="utf-8"?>
 <p:sld xmlns:a="http://schemas.openxmlformats.org/drawingml/2006/main" xmlns:r="http://schemas.openxmlformats.org/officeDocument/2006/relationships" xmlns:p="http://schemas.openxmlformats.org/presentationml/2006/main">
   <p:cSld>
-    <p:bg>
-      <p:bgPr>
-        <a:gradFill rotWithShape="1">
-          <a:gsLst>
-            <a:gs pos="0">
-              <a:schemeClr val="bg2">
-                <a:tint val="96000"/>
-                <a:shade val="100000"/>
-                <a:hueMod val="270000"/>
-                <a:satMod val="200000"/>
-                <a:lumMod val="128000"/>
-              </a:schemeClr>
-            </a:gs>
-            <a:gs pos="50000">
-              <a:schemeClr val="bg2">
-                <a:shade val="100000"/>
-                <a:hueMod val="100000"/>
-                <a:satMod val="110000"/>
-                <a:lumMod val="130000"/>
-              </a:schemeClr>
-            </a:gs>
-            <a:gs pos="100000">
-              <a:schemeClr val="bg2">
-                <a:shade val="78000"/>
-                <a:hueMod val="44000"/>
-                <a:satMod val="200000"/>
-                <a:lumMod val="69000"/>
-              </a:schemeClr>
-            </a:gs>
-          </a:gsLst>
-          <a:lin ang="2520000" scaled="0"/>
-        </a:gradFill>
-        <a:effectLst/>
-      </p:bgPr>
-    </p:bg>
     <p:spTree>
       <p:nvGrpSpPr>
         <p:cNvPr id="1" name=""/>
@@ -23625,530 +22724,12 @@
           <a:chExt cx="0" cy="0"/>
         </a:xfrm>
       </p:grpSpPr>
-      <p:pic>
-        <p:nvPicPr>
-          <p:cNvPr id="11" name="Picture 10">
-            <a:extLst>
-              <a:ext uri="{FF2B5EF4-FFF2-40B4-BE49-F238E27FC236}">
-                <a16:creationId xmlns:a16="http://schemas.microsoft.com/office/drawing/2014/main" id="{5321D838-2C7E-4177-9DD3-DAC78324A2B2}"/>
-              </a:ext>
-              <a:ext uri="{C183D7F6-B498-43B3-948B-1728B52AA6E4}">
-                <adec:decorative xmlns:adec="http://schemas.microsoft.com/office/drawing/2017/decorative" val="1"/>
-              </a:ext>
-            </a:extLst>
-          </p:cNvPr>
-          <p:cNvPicPr>
-            <a:picLocks noGrp="1" noRot="1" noChangeAspect="1" noMove="1" noResize="1" noEditPoints="1" noAdjustHandles="1" noChangeArrowheads="1" noChangeShapeType="1" noCrop="1"/>
-          </p:cNvPicPr>
-          <p:nvPr>
-            <p:extLst>
-              <p:ext uri="{386F3935-93C4-4BCD-93E2-E3B085C9AB24}">
-                <p16:designElem xmlns:p16="http://schemas.microsoft.com/office/powerpoint/2015/main" val="1"/>
-              </p:ext>
-            </p:extLst>
-          </p:nvPr>
-        </p:nvPicPr>
-        <p:blipFill>
-          <a:blip r:embed="rId2">
-            <a:alphaModFix amt="10000"/>
-            <a:extLst>
-              <a:ext uri="{28A0092B-C50C-407E-A947-70E740481C1C}">
-                <a14:useLocalDpi xmlns:a14="http://schemas.microsoft.com/office/drawing/2010/main" val="0"/>
-              </a:ext>
-            </a:extLst>
-          </a:blip>
-          <a:stretch>
-            <a:fillRect/>
-          </a:stretch>
-        </p:blipFill>
-        <p:spPr>
-          <a:xfrm>
-            <a:off x="0" y="0"/>
-            <a:ext cx="12192000" cy="6858000"/>
-          </a:xfrm>
-          <a:prstGeom prst="rect">
-            <a:avLst/>
-          </a:prstGeom>
-        </p:spPr>
-      </p:pic>
-      <p:pic>
-        <p:nvPicPr>
-          <p:cNvPr id="13" name="Picture 12">
-            <a:extLst>
-              <a:ext uri="{FF2B5EF4-FFF2-40B4-BE49-F238E27FC236}">
-                <a16:creationId xmlns:a16="http://schemas.microsoft.com/office/drawing/2014/main" id="{0146E45C-1450-4186-B501-74F221F897A8}"/>
-              </a:ext>
-              <a:ext uri="{C183D7F6-B498-43B3-948B-1728B52AA6E4}">
-                <adec:decorative xmlns:adec="http://schemas.microsoft.com/office/drawing/2017/decorative" val="1"/>
-              </a:ext>
-            </a:extLst>
-          </p:cNvPr>
-          <p:cNvPicPr>
-            <a:picLocks noGrp="1" noRot="1" noChangeAspect="1" noMove="1" noResize="1" noEditPoints="1" noAdjustHandles="1" noChangeArrowheads="1" noChangeShapeType="1" noCrop="1"/>
-          </p:cNvPicPr>
-          <p:nvPr>
-            <p:extLst>
-              <p:ext uri="{386F3935-93C4-4BCD-93E2-E3B085C9AB24}">
-                <p16:designElem xmlns:p16="http://schemas.microsoft.com/office/powerpoint/2015/main" val="1"/>
-              </p:ext>
-            </p:extLst>
-          </p:nvPr>
-        </p:nvPicPr>
-        <p:blipFill>
-          <a:blip r:embed="rId3">
-            <a:extLst>
-              <a:ext uri="{28A0092B-C50C-407E-A947-70E740481C1C}">
-                <a14:useLocalDpi xmlns:a14="http://schemas.microsoft.com/office/drawing/2010/main" val="0"/>
-              </a:ext>
-            </a:extLst>
-          </a:blip>
-          <a:stretch>
-            <a:fillRect/>
-          </a:stretch>
-        </p:blipFill>
-        <p:spPr>
-          <a:xfrm>
-            <a:off x="1" y="4242851"/>
-            <a:ext cx="8968084" cy="275942"/>
-          </a:xfrm>
-          <a:prstGeom prst="rect">
-            <a:avLst/>
-          </a:prstGeom>
-        </p:spPr>
-      </p:pic>
-      <p:pic>
-        <p:nvPicPr>
-          <p:cNvPr id="15" name="Picture 14">
-            <a:extLst>
-              <a:ext uri="{FF2B5EF4-FFF2-40B4-BE49-F238E27FC236}">
-                <a16:creationId xmlns:a16="http://schemas.microsoft.com/office/drawing/2014/main" id="{EEDDA48B-BC04-4915-ADA3-A1A9522EB0D1}"/>
-              </a:ext>
-              <a:ext uri="{C183D7F6-B498-43B3-948B-1728B52AA6E4}">
-                <adec:decorative xmlns:adec="http://schemas.microsoft.com/office/drawing/2017/decorative" val="1"/>
-              </a:ext>
-            </a:extLst>
-          </p:cNvPr>
-          <p:cNvPicPr>
-            <a:picLocks noGrp="1" noRot="1" noChangeAspect="1" noMove="1" noResize="1" noEditPoints="1" noAdjustHandles="1" noChangeArrowheads="1" noChangeShapeType="1" noCrop="1"/>
-          </p:cNvPicPr>
-          <p:nvPr>
-            <p:extLst>
-              <p:ext uri="{386F3935-93C4-4BCD-93E2-E3B085C9AB24}">
-                <p16:designElem xmlns:p16="http://schemas.microsoft.com/office/powerpoint/2015/main" val="1"/>
-              </p:ext>
-            </p:extLst>
-          </p:nvPr>
-        </p:nvPicPr>
-        <p:blipFill>
-          <a:blip r:embed="rId4">
-            <a:extLst>
-              <a:ext uri="{28A0092B-C50C-407E-A947-70E740481C1C}">
-                <a14:useLocalDpi xmlns:a14="http://schemas.microsoft.com/office/drawing/2010/main" val="0"/>
-              </a:ext>
-            </a:extLst>
-          </a:blip>
-          <a:stretch>
-            <a:fillRect/>
-          </a:stretch>
-        </p:blipFill>
-        <p:spPr>
-          <a:xfrm>
-            <a:off x="9111716" y="4243845"/>
-            <a:ext cx="3077108" cy="276940"/>
-          </a:xfrm>
-          <a:prstGeom prst="rect">
-            <a:avLst/>
-          </a:prstGeom>
-        </p:spPr>
-      </p:pic>
-      <p:sp>
-        <p:nvSpPr>
-          <p:cNvPr id="17" name="Rectangle 16">
-            <a:extLst>
-              <a:ext uri="{FF2B5EF4-FFF2-40B4-BE49-F238E27FC236}">
-                <a16:creationId xmlns:a16="http://schemas.microsoft.com/office/drawing/2014/main" id="{78C9D07A-5A22-4E55-B18A-47CF07E5080D}"/>
-              </a:ext>
-              <a:ext uri="{C183D7F6-B498-43B3-948B-1728B52AA6E4}">
-                <adec:decorative xmlns:adec="http://schemas.microsoft.com/office/drawing/2017/decorative" val="1"/>
-              </a:ext>
-            </a:extLst>
-          </p:cNvPr>
-          <p:cNvSpPr>
-            <a:spLocks noGrp="1" noRot="1" noChangeAspect="1" noMove="1" noResize="1" noEditPoints="1" noAdjustHandles="1" noChangeArrowheads="1" noChangeShapeType="1" noTextEdit="1"/>
-          </p:cNvSpPr>
-          <p:nvPr>
-            <p:extLst>
-              <p:ext uri="{386F3935-93C4-4BCD-93E2-E3B085C9AB24}">
-                <p16:designElem xmlns:p16="http://schemas.microsoft.com/office/powerpoint/2015/main" val="1"/>
-              </p:ext>
-            </p:extLst>
-          </p:nvPr>
-        </p:nvSpPr>
-        <p:spPr>
-          <a:xfrm>
-            <a:off x="0" y="2590078"/>
-            <a:ext cx="8968085" cy="1660332"/>
-          </a:xfrm>
-          <a:prstGeom prst="rect">
-            <a:avLst/>
-          </a:prstGeom>
-          <a:solidFill>
-            <a:schemeClr val="bg1">
-              <a:lumMod val="85000"/>
-              <a:lumOff val="15000"/>
-            </a:schemeClr>
-          </a:solidFill>
-          <a:ln>
-            <a:noFill/>
-          </a:ln>
-        </p:spPr>
-        <p:style>
-          <a:lnRef idx="2">
-            <a:schemeClr val="accent1">
-              <a:shade val="50000"/>
-            </a:schemeClr>
-          </a:lnRef>
-          <a:fillRef idx="1">
-            <a:schemeClr val="accent1"/>
-          </a:fillRef>
-          <a:effectRef idx="0">
-            <a:schemeClr val="accent1"/>
-          </a:effectRef>
-          <a:fontRef idx="minor">
-            <a:schemeClr val="lt1"/>
-          </a:fontRef>
-        </p:style>
-      </p:sp>
-      <p:sp>
-        <p:nvSpPr>
-          <p:cNvPr id="19" name="Rectangle 18">
-            <a:extLst>
-              <a:ext uri="{FF2B5EF4-FFF2-40B4-BE49-F238E27FC236}">
-                <a16:creationId xmlns:a16="http://schemas.microsoft.com/office/drawing/2014/main" id="{3D71E629-0739-4A59-972B-A9E9A4500E31}"/>
-              </a:ext>
-              <a:ext uri="{C183D7F6-B498-43B3-948B-1728B52AA6E4}">
-                <adec:decorative xmlns:adec="http://schemas.microsoft.com/office/drawing/2017/decorative" val="1"/>
-              </a:ext>
-            </a:extLst>
-          </p:cNvPr>
-          <p:cNvSpPr>
-            <a:spLocks noGrp="1" noRot="1" noChangeAspect="1" noMove="1" noResize="1" noEditPoints="1" noAdjustHandles="1" noChangeArrowheads="1" noChangeShapeType="1" noTextEdit="1"/>
-          </p:cNvSpPr>
-          <p:nvPr>
-            <p:extLst>
-              <p:ext uri="{386F3935-93C4-4BCD-93E2-E3B085C9AB24}">
-                <p16:designElem xmlns:p16="http://schemas.microsoft.com/office/powerpoint/2015/main" val="1"/>
-              </p:ext>
-            </p:extLst>
-          </p:nvPr>
-        </p:nvSpPr>
-        <p:spPr>
-          <a:xfrm>
-            <a:off x="9111715" y="2590078"/>
-            <a:ext cx="3077109" cy="1660332"/>
-          </a:xfrm>
-          <a:prstGeom prst="rect">
-            <a:avLst/>
-          </a:prstGeom>
-          <a:solidFill>
-            <a:schemeClr val="accent1"/>
-          </a:solidFill>
-          <a:ln>
-            <a:noFill/>
-          </a:ln>
-        </p:spPr>
-        <p:style>
-          <a:lnRef idx="2">
-            <a:schemeClr val="accent1">
-              <a:shade val="50000"/>
-            </a:schemeClr>
-          </a:lnRef>
-          <a:fillRef idx="1">
-            <a:schemeClr val="accent1"/>
-          </a:fillRef>
-          <a:effectRef idx="0">
-            <a:schemeClr val="accent1"/>
-          </a:effectRef>
-          <a:fontRef idx="minor">
-            <a:schemeClr val="lt1"/>
-          </a:fontRef>
-        </p:style>
-      </p:sp>
-      <p:sp useBgFill="1">
-        <p:nvSpPr>
-          <p:cNvPr id="21" name="Rectangle 20">
-            <a:extLst>
-              <a:ext uri="{FF2B5EF4-FFF2-40B4-BE49-F238E27FC236}">
-                <a16:creationId xmlns:a16="http://schemas.microsoft.com/office/drawing/2014/main" id="{00573A24-AD84-4562-A993-7D04E1D18209}"/>
-              </a:ext>
-              <a:ext uri="{C183D7F6-B498-43B3-948B-1728B52AA6E4}">
-                <adec:decorative xmlns:adec="http://schemas.microsoft.com/office/drawing/2017/decorative" val="1"/>
-              </a:ext>
-            </a:extLst>
-          </p:cNvPr>
-          <p:cNvSpPr>
-            <a:spLocks noGrp="1" noRot="1" noChangeAspect="1" noMove="1" noResize="1" noEditPoints="1" noAdjustHandles="1" noChangeArrowheads="1" noChangeShapeType="1" noTextEdit="1"/>
-          </p:cNvSpPr>
-          <p:nvPr>
-            <p:extLst>
-              <p:ext uri="{386F3935-93C4-4BCD-93E2-E3B085C9AB24}">
-                <p16:designElem xmlns:p16="http://schemas.microsoft.com/office/powerpoint/2015/main" val="1"/>
-              </p:ext>
-            </p:extLst>
-          </p:nvPr>
-        </p:nvSpPr>
-        <p:spPr>
-          <a:xfrm>
-            <a:off x="0" y="0"/>
-            <a:ext cx="12188824" cy="6858000"/>
-          </a:xfrm>
-          <a:prstGeom prst="rect">
-            <a:avLst/>
-          </a:prstGeom>
-          <a:ln>
-            <a:noFill/>
-          </a:ln>
-        </p:spPr>
-        <p:style>
-          <a:lnRef idx="2">
-            <a:schemeClr val="accent1">
-              <a:shade val="50000"/>
-            </a:schemeClr>
-          </a:lnRef>
-          <a:fillRef idx="1">
-            <a:schemeClr val="accent1"/>
-          </a:fillRef>
-          <a:effectRef idx="0">
-            <a:schemeClr val="accent1"/>
-          </a:effectRef>
-          <a:fontRef idx="minor">
-            <a:schemeClr val="lt1"/>
-          </a:fontRef>
-        </p:style>
-        <p:txBody>
-          <a:bodyPr rtlCol="0" anchor="ctr"/>
-          <a:lstStyle/>
-          <a:p>
-            <a:pPr algn="ctr"/>
-            <a:endParaRPr lang="en-US"/>
-          </a:p>
-        </p:txBody>
-      </p:sp>
-      <p:pic>
-        <p:nvPicPr>
-          <p:cNvPr id="23" name="Picture 22">
-            <a:extLst>
-              <a:ext uri="{FF2B5EF4-FFF2-40B4-BE49-F238E27FC236}">
-                <a16:creationId xmlns:a16="http://schemas.microsoft.com/office/drawing/2014/main" id="{B3C087F8-F09C-4C07-B55F-6081689A2413}"/>
-              </a:ext>
-              <a:ext uri="{C183D7F6-B498-43B3-948B-1728B52AA6E4}">
-                <adec:decorative xmlns:adec="http://schemas.microsoft.com/office/drawing/2017/decorative" val="1"/>
-              </a:ext>
-            </a:extLst>
-          </p:cNvPr>
-          <p:cNvPicPr>
-            <a:picLocks noGrp="1" noRot="1" noChangeAspect="1" noMove="1" noResize="1" noEditPoints="1" noAdjustHandles="1" noChangeArrowheads="1" noChangeShapeType="1" noCrop="1"/>
-          </p:cNvPicPr>
-          <p:nvPr>
-            <p:extLst>
-              <p:ext uri="{386F3935-93C4-4BCD-93E2-E3B085C9AB24}">
-                <p16:designElem xmlns:p16="http://schemas.microsoft.com/office/powerpoint/2015/main" val="1"/>
-              </p:ext>
-            </p:extLst>
-          </p:nvPr>
-        </p:nvPicPr>
-        <p:blipFill>
-          <a:blip r:embed="rId2">
-            <a:alphaModFix amt="10000"/>
-            <a:extLst>
-              <a:ext uri="{28A0092B-C50C-407E-A947-70E740481C1C}">
-                <a14:useLocalDpi xmlns:a14="http://schemas.microsoft.com/office/drawing/2010/main" val="0"/>
-              </a:ext>
-            </a:extLst>
-          </a:blip>
-          <a:stretch>
-            <a:fillRect/>
-          </a:stretch>
-        </p:blipFill>
-        <p:spPr>
-          <a:xfrm>
-            <a:off x="0" y="0"/>
-            <a:ext cx="12192000" cy="6858000"/>
-          </a:xfrm>
-          <a:prstGeom prst="rect">
-            <a:avLst/>
-          </a:prstGeom>
-        </p:spPr>
-      </p:pic>
-      <p:sp>
-        <p:nvSpPr>
-          <p:cNvPr id="25" name="Rectangle 24">
-            <a:extLst>
-              <a:ext uri="{FF2B5EF4-FFF2-40B4-BE49-F238E27FC236}">
-                <a16:creationId xmlns:a16="http://schemas.microsoft.com/office/drawing/2014/main" id="{FC49D257-5737-4C0D-89EA-9C311AF2B8B5}"/>
-              </a:ext>
-              <a:ext uri="{C183D7F6-B498-43B3-948B-1728B52AA6E4}">
-                <adec:decorative xmlns:adec="http://schemas.microsoft.com/office/drawing/2017/decorative" val="1"/>
-              </a:ext>
-            </a:extLst>
-          </p:cNvPr>
-          <p:cNvSpPr>
-            <a:spLocks noGrp="1" noRot="1" noChangeAspect="1" noMove="1" noResize="1" noEditPoints="1" noAdjustHandles="1" noChangeArrowheads="1" noChangeShapeType="1" noTextEdit="1"/>
-          </p:cNvSpPr>
-          <p:nvPr>
-            <p:extLst>
-              <p:ext uri="{386F3935-93C4-4BCD-93E2-E3B085C9AB24}">
-                <p16:designElem xmlns:p16="http://schemas.microsoft.com/office/powerpoint/2015/main" val="1"/>
-              </p:ext>
-            </p:extLst>
-          </p:nvPr>
-        </p:nvSpPr>
-        <p:spPr>
-          <a:xfrm>
-            <a:off x="6099176" y="0"/>
-            <a:ext cx="6092824" cy="6858001"/>
-          </a:xfrm>
-          <a:prstGeom prst="rect">
-            <a:avLst/>
-          </a:prstGeom>
-          <a:ln>
-            <a:noFill/>
-          </a:ln>
-        </p:spPr>
-        <p:style>
-          <a:lnRef idx="2">
-            <a:schemeClr val="accent1">
-              <a:shade val="50000"/>
-            </a:schemeClr>
-          </a:lnRef>
-          <a:fillRef idx="1">
-            <a:schemeClr val="accent1"/>
-          </a:fillRef>
-          <a:effectRef idx="0">
-            <a:schemeClr val="accent1"/>
-          </a:effectRef>
-          <a:fontRef idx="minor">
-            <a:schemeClr val="lt1"/>
-          </a:fontRef>
-        </p:style>
-        <p:txBody>
-          <a:bodyPr rtlCol="0" anchor="ctr"/>
-          <a:lstStyle/>
-          <a:p>
-            <a:pPr algn="ctr"/>
-            <a:endParaRPr lang="en-US"/>
-          </a:p>
-        </p:txBody>
-      </p:sp>
-      <p:pic>
-        <p:nvPicPr>
-          <p:cNvPr id="27" name="Picture 26">
-            <a:extLst>
-              <a:ext uri="{FF2B5EF4-FFF2-40B4-BE49-F238E27FC236}">
-                <a16:creationId xmlns:a16="http://schemas.microsoft.com/office/drawing/2014/main" id="{E13D267A-94F5-488A-94C6-5D7156D9AF8C}"/>
-              </a:ext>
-              <a:ext uri="{C183D7F6-B498-43B3-948B-1728B52AA6E4}">
-                <adec:decorative xmlns:adec="http://schemas.microsoft.com/office/drawing/2017/decorative" val="1"/>
-              </a:ext>
-            </a:extLst>
-          </p:cNvPr>
-          <p:cNvPicPr>
-            <a:picLocks noGrp="1" noRot="1" noChangeAspect="1" noMove="1" noResize="1" noEditPoints="1" noAdjustHandles="1" noChangeArrowheads="1" noChangeShapeType="1" noCrop="1"/>
-          </p:cNvPicPr>
-          <p:nvPr>
-            <p:extLst>
-              <p:ext uri="{386F3935-93C4-4BCD-93E2-E3B085C9AB24}">
-                <p16:designElem xmlns:p16="http://schemas.microsoft.com/office/powerpoint/2015/main" val="1"/>
-              </p:ext>
-            </p:extLst>
-          </p:nvPr>
-        </p:nvPicPr>
-        <p:blipFill>
-          <a:blip r:embed="rId3">
-            <a:extLst>
-              <a:ext uri="{28A0092B-C50C-407E-A947-70E740481C1C}">
-                <a14:useLocalDpi xmlns:a14="http://schemas.microsoft.com/office/drawing/2010/main" val="0"/>
-              </a:ext>
-            </a:extLst>
-          </a:blip>
-          <a:stretch>
-            <a:fillRect/>
-          </a:stretch>
-        </p:blipFill>
-        <p:spPr>
-          <a:xfrm>
-            <a:off x="1" y="4688333"/>
-            <a:ext cx="6400800" cy="185701"/>
-          </a:xfrm>
-          <a:prstGeom prst="rect">
-            <a:avLst/>
-          </a:prstGeom>
-        </p:spPr>
-      </p:pic>
-      <p:sp>
-        <p:nvSpPr>
-          <p:cNvPr id="29" name="Rectangle 28">
-            <a:extLst>
-              <a:ext uri="{FF2B5EF4-FFF2-40B4-BE49-F238E27FC236}">
-                <a16:creationId xmlns:a16="http://schemas.microsoft.com/office/drawing/2014/main" id="{46CE3EB2-91DF-4F5D-8874-744AAAE311E1}"/>
-              </a:ext>
-              <a:ext uri="{C183D7F6-B498-43B3-948B-1728B52AA6E4}">
-                <adec:decorative xmlns:adec="http://schemas.microsoft.com/office/drawing/2017/decorative" val="1"/>
-              </a:ext>
-            </a:extLst>
-          </p:cNvPr>
-          <p:cNvSpPr>
-            <a:spLocks noGrp="1" noRot="1" noChangeAspect="1" noMove="1" noResize="1" noEditPoints="1" noAdjustHandles="1" noChangeArrowheads="1" noChangeShapeType="1" noTextEdit="1"/>
-          </p:cNvSpPr>
-          <p:nvPr>
-            <p:extLst>
-              <p:ext uri="{386F3935-93C4-4BCD-93E2-E3B085C9AB24}">
-                <p16:designElem xmlns:p16="http://schemas.microsoft.com/office/powerpoint/2015/main" val="1"/>
-              </p:ext>
-            </p:extLst>
-          </p:nvPr>
-        </p:nvSpPr>
-        <p:spPr>
-          <a:xfrm>
-            <a:off x="-1" y="2162908"/>
-            <a:ext cx="6411743" cy="2532185"/>
-          </a:xfrm>
-          <a:prstGeom prst="rect">
-            <a:avLst/>
-          </a:prstGeom>
-          <a:solidFill>
-            <a:schemeClr val="bg1">
-              <a:lumMod val="85000"/>
-              <a:lumOff val="15000"/>
-            </a:schemeClr>
-          </a:solidFill>
-          <a:ln>
-            <a:noFill/>
-          </a:ln>
-        </p:spPr>
-        <p:style>
-          <a:lnRef idx="2">
-            <a:schemeClr val="accent1">
-              <a:shade val="50000"/>
-            </a:schemeClr>
-          </a:lnRef>
-          <a:fillRef idx="1">
-            <a:schemeClr val="accent1"/>
-          </a:fillRef>
-          <a:effectRef idx="0">
-            <a:schemeClr val="accent1"/>
-          </a:effectRef>
-          <a:fontRef idx="minor">
-            <a:schemeClr val="lt1"/>
-          </a:fontRef>
-        </p:style>
-      </p:sp>
       <p:sp>
         <p:nvSpPr>
           <p:cNvPr id="2" name="Tytuł 1">
             <a:extLst>
               <a:ext uri="{FF2B5EF4-FFF2-40B4-BE49-F238E27FC236}">
-                <a16:creationId xmlns:a16="http://schemas.microsoft.com/office/drawing/2014/main" id="{9A9CFD2E-1CB9-4BE0-A19F-39F50F06787F}"/>
+                <a16:creationId xmlns:a16="http://schemas.microsoft.com/office/drawing/2014/main" id="{6F6F9ADA-E134-43A7-8FFC-14FB56EC87A7}"/>
               </a:ext>
             </a:extLst>
           </p:cNvPr>
@@ -24161,46 +22742,42 @@
         </p:nvSpPr>
         <p:spPr>
           <a:xfrm>
-            <a:off x="680322" y="2403231"/>
-            <a:ext cx="5192940" cy="2133600"/>
+            <a:off x="177283" y="753228"/>
+            <a:ext cx="10116900" cy="1080938"/>
           </a:xfrm>
         </p:spPr>
         <p:txBody>
-          <a:bodyPr vert="horz" lIns="91440" tIns="45720" rIns="91440" bIns="45720" rtlCol="0" anchor="ctr">
-            <a:normAutofit/>
-          </a:bodyPr>
+          <a:bodyPr/>
           <a:lstStyle/>
           <a:p>
-            <a:pPr algn="r"/>
-            <a:r>
-              <a:rPr lang="en-US" sz="5400"/>
-              <a:t>Wypłata</a:t>
+            <a:r>
+              <a:rPr lang="pl-PL" dirty="0"/>
+              <a:t>Koszt materiału dla kosztorysu powykonawczego</a:t>
             </a:r>
           </a:p>
         </p:txBody>
       </p:sp>
       <p:pic>
         <p:nvPicPr>
-          <p:cNvPr id="6" name="Grafika 5">
+          <p:cNvPr id="6" name="Symbol zastępczy zawartości 5">
             <a:extLst>
               <a:ext uri="{FF2B5EF4-FFF2-40B4-BE49-F238E27FC236}">
-                <a16:creationId xmlns:a16="http://schemas.microsoft.com/office/drawing/2014/main" id="{85F13346-7A7E-42F0-9E19-DD3D04A713B3}"/>
+                <a16:creationId xmlns:a16="http://schemas.microsoft.com/office/drawing/2014/main" id="{74F16B8A-37A4-4413-B408-0BFA9B973189}"/>
               </a:ext>
             </a:extLst>
           </p:cNvPr>
           <p:cNvPicPr>
-            <a:picLocks noChangeAspect="1"/>
+            <a:picLocks noGrp="1" noChangeAspect="1"/>
           </p:cNvPicPr>
-          <p:nvPr/>
+          <p:nvPr>
+            <p:ph idx="1"/>
+          </p:nvPr>
         </p:nvPicPr>
         <p:blipFill>
-          <a:blip r:embed="rId5">
+          <a:blip r:embed="rId2">
             <a:extLst>
               <a:ext uri="{28A0092B-C50C-407E-A947-70E740481C1C}">
                 <a14:useLocalDpi xmlns:a14="http://schemas.microsoft.com/office/drawing/2010/main" val="0"/>
-              </a:ext>
-              <a:ext uri="{96DAC541-7B7A-43D3-8B79-37D633B846F1}">
-                <asvg:svgBlip xmlns:asvg="http://schemas.microsoft.com/office/drawing/2016/SVG/main" r:embed="rId6"/>
               </a:ext>
             </a:extLst>
           </a:blip>
@@ -24210,30 +22787,17 @@
         </p:blipFill>
         <p:spPr>
           <a:xfrm>
-            <a:off x="6748892" y="363396"/>
-            <a:ext cx="4585511" cy="6213269"/>
+            <a:off x="3642697" y="2038221"/>
+            <a:ext cx="4344307" cy="4712960"/>
           </a:xfrm>
-          <a:prstGeom prst="rect">
-            <a:avLst/>
-          </a:prstGeom>
-          <a:ln>
-            <a:noFill/>
-          </a:ln>
-          <a:effectLst>
-            <a:outerShdw blurRad="76200" dist="63500" dir="5040000" algn="tl" rotWithShape="0">
-              <a:srgbClr val="000000">
-                <a:alpha val="41000"/>
-              </a:srgbClr>
-            </a:outerShdw>
-          </a:effectLst>
         </p:spPr>
       </p:pic>
       <p:sp>
         <p:nvSpPr>
-          <p:cNvPr id="3" name="Symbol zastępczy numeru slajdu 2">
+          <p:cNvPr id="4" name="Symbol zastępczy numeru slajdu 3">
             <a:extLst>
               <a:ext uri="{FF2B5EF4-FFF2-40B4-BE49-F238E27FC236}">
-                <a16:creationId xmlns:a16="http://schemas.microsoft.com/office/drawing/2014/main" id="{CE7AD045-BE5B-4573-88F7-306DABEE216F}"/>
+                <a16:creationId xmlns:a16="http://schemas.microsoft.com/office/drawing/2014/main" id="{F5635577-BC36-46E9-AB01-1EFD2D69387C}"/>
               </a:ext>
             </a:extLst>
           </p:cNvPr>
@@ -24244,43 +22808,22 @@
             <p:ph type="sldNum" sz="quarter" idx="12"/>
           </p:nvPr>
         </p:nvSpPr>
-        <p:spPr>
-          <a:xfrm>
-            <a:off x="11281776" y="6336872"/>
-            <a:ext cx="722655" cy="365760"/>
-          </a:xfrm>
-        </p:spPr>
+        <p:spPr/>
         <p:txBody>
-          <a:bodyPr vert="horz" lIns="91440" tIns="45720" rIns="91440" bIns="45720" rtlCol="0" anchor="ctr">
-            <a:normAutofit/>
-          </a:bodyPr>
+          <a:bodyPr/>
           <a:lstStyle/>
           <a:p>
-            <a:pPr defTabSz="914400">
-              <a:spcAft>
-                <a:spcPts val="600"/>
-              </a:spcAft>
-            </a:pPr>
-            <a:r>
-              <a:rPr lang="pl-PL" sz="1400" dirty="0">
-                <a:solidFill>
-                  <a:srgbClr val="FFFFFF"/>
-                </a:solidFill>
-              </a:rPr>
+            <a:r>
+              <a:rPr lang="pl-PL" dirty="0"/>
               <a:t>16</a:t>
             </a:r>
-            <a:endParaRPr lang="en-US" sz="1400" dirty="0">
-              <a:solidFill>
-                <a:srgbClr val="FFFFFF"/>
-              </a:solidFill>
-            </a:endParaRPr>
           </a:p>
         </p:txBody>
       </p:sp>
     </p:spTree>
     <p:extLst>
       <p:ext uri="{BB962C8B-B14F-4D97-AF65-F5344CB8AC3E}">
-        <p14:creationId xmlns:p14="http://schemas.microsoft.com/office/powerpoint/2010/main" val="1920037621"/>
+        <p14:creationId xmlns:p14="http://schemas.microsoft.com/office/powerpoint/2010/main" val="384783502"/>
       </p:ext>
     </p:extLst>
   </p:cSld>
@@ -24293,41 +22836,6 @@
 <file path=ppt/slides/slide31.xml><?xml version="1.0" encoding="utf-8"?>
 <p:sld xmlns:a="http://schemas.openxmlformats.org/drawingml/2006/main" xmlns:r="http://schemas.openxmlformats.org/officeDocument/2006/relationships" xmlns:p="http://schemas.openxmlformats.org/presentationml/2006/main">
   <p:cSld>
-    <p:bg>
-      <p:bgPr>
-        <a:gradFill rotWithShape="1">
-          <a:gsLst>
-            <a:gs pos="0">
-              <a:schemeClr val="bg2">
-                <a:tint val="96000"/>
-                <a:shade val="100000"/>
-                <a:hueMod val="270000"/>
-                <a:satMod val="200000"/>
-                <a:lumMod val="128000"/>
-              </a:schemeClr>
-            </a:gs>
-            <a:gs pos="50000">
-              <a:schemeClr val="bg2">
-                <a:shade val="100000"/>
-                <a:hueMod val="100000"/>
-                <a:satMod val="110000"/>
-                <a:lumMod val="130000"/>
-              </a:schemeClr>
-            </a:gs>
-            <a:gs pos="100000">
-              <a:schemeClr val="bg2">
-                <a:shade val="78000"/>
-                <a:hueMod val="44000"/>
-                <a:satMod val="200000"/>
-                <a:lumMod val="69000"/>
-              </a:schemeClr>
-            </a:gs>
-          </a:gsLst>
-          <a:lin ang="2520000" scaled="0"/>
-        </a:gradFill>
-        <a:effectLst/>
-      </p:bgPr>
-    </p:bg>
     <p:spTree>
       <p:nvGrpSpPr>
         <p:cNvPr id="1" name=""/>
@@ -24342,530 +22850,12 @@
           <a:chExt cx="0" cy="0"/>
         </a:xfrm>
       </p:grpSpPr>
-      <p:pic>
-        <p:nvPicPr>
-          <p:cNvPr id="59" name="Picture 58">
-            <a:extLst>
-              <a:ext uri="{FF2B5EF4-FFF2-40B4-BE49-F238E27FC236}">
-                <a16:creationId xmlns:a16="http://schemas.microsoft.com/office/drawing/2014/main" id="{5321D838-2C7E-4177-9DD3-DAC78324A2B2}"/>
-              </a:ext>
-              <a:ext uri="{C183D7F6-B498-43B3-948B-1728B52AA6E4}">
-                <adec:decorative xmlns:adec="http://schemas.microsoft.com/office/drawing/2017/decorative" val="1"/>
-              </a:ext>
-            </a:extLst>
-          </p:cNvPr>
-          <p:cNvPicPr>
-            <a:picLocks noGrp="1" noRot="1" noChangeAspect="1" noMove="1" noResize="1" noEditPoints="1" noAdjustHandles="1" noChangeArrowheads="1" noChangeShapeType="1" noCrop="1"/>
-          </p:cNvPicPr>
-          <p:nvPr>
-            <p:extLst>
-              <p:ext uri="{386F3935-93C4-4BCD-93E2-E3B085C9AB24}">
-                <p16:designElem xmlns:p16="http://schemas.microsoft.com/office/powerpoint/2015/main" val="1"/>
-              </p:ext>
-            </p:extLst>
-          </p:nvPr>
-        </p:nvPicPr>
-        <p:blipFill>
-          <a:blip r:embed="rId2">
-            <a:alphaModFix amt="10000"/>
-            <a:extLst>
-              <a:ext uri="{28A0092B-C50C-407E-A947-70E740481C1C}">
-                <a14:useLocalDpi xmlns:a14="http://schemas.microsoft.com/office/drawing/2010/main" val="0"/>
-              </a:ext>
-            </a:extLst>
-          </a:blip>
-          <a:stretch>
-            <a:fillRect/>
-          </a:stretch>
-        </p:blipFill>
-        <p:spPr>
-          <a:xfrm>
-            <a:off x="0" y="0"/>
-            <a:ext cx="12192000" cy="6858000"/>
-          </a:xfrm>
-          <a:prstGeom prst="rect">
-            <a:avLst/>
-          </a:prstGeom>
-        </p:spPr>
-      </p:pic>
-      <p:pic>
-        <p:nvPicPr>
-          <p:cNvPr id="61" name="Picture 60">
-            <a:extLst>
-              <a:ext uri="{FF2B5EF4-FFF2-40B4-BE49-F238E27FC236}">
-                <a16:creationId xmlns:a16="http://schemas.microsoft.com/office/drawing/2014/main" id="{0146E45C-1450-4186-B501-74F221F897A8}"/>
-              </a:ext>
-              <a:ext uri="{C183D7F6-B498-43B3-948B-1728B52AA6E4}">
-                <adec:decorative xmlns:adec="http://schemas.microsoft.com/office/drawing/2017/decorative" val="1"/>
-              </a:ext>
-            </a:extLst>
-          </p:cNvPr>
-          <p:cNvPicPr>
-            <a:picLocks noGrp="1" noRot="1" noChangeAspect="1" noMove="1" noResize="1" noEditPoints="1" noAdjustHandles="1" noChangeArrowheads="1" noChangeShapeType="1" noCrop="1"/>
-          </p:cNvPicPr>
-          <p:nvPr>
-            <p:extLst>
-              <p:ext uri="{386F3935-93C4-4BCD-93E2-E3B085C9AB24}">
-                <p16:designElem xmlns:p16="http://schemas.microsoft.com/office/powerpoint/2015/main" val="1"/>
-              </p:ext>
-            </p:extLst>
-          </p:nvPr>
-        </p:nvPicPr>
-        <p:blipFill>
-          <a:blip r:embed="rId3">
-            <a:extLst>
-              <a:ext uri="{28A0092B-C50C-407E-A947-70E740481C1C}">
-                <a14:useLocalDpi xmlns:a14="http://schemas.microsoft.com/office/drawing/2010/main" val="0"/>
-              </a:ext>
-            </a:extLst>
-          </a:blip>
-          <a:stretch>
-            <a:fillRect/>
-          </a:stretch>
-        </p:blipFill>
-        <p:spPr>
-          <a:xfrm>
-            <a:off x="1" y="4242851"/>
-            <a:ext cx="8968084" cy="275942"/>
-          </a:xfrm>
-          <a:prstGeom prst="rect">
-            <a:avLst/>
-          </a:prstGeom>
-        </p:spPr>
-      </p:pic>
-      <p:pic>
-        <p:nvPicPr>
-          <p:cNvPr id="63" name="Picture 62">
-            <a:extLst>
-              <a:ext uri="{FF2B5EF4-FFF2-40B4-BE49-F238E27FC236}">
-                <a16:creationId xmlns:a16="http://schemas.microsoft.com/office/drawing/2014/main" id="{EEDDA48B-BC04-4915-ADA3-A1A9522EB0D1}"/>
-              </a:ext>
-              <a:ext uri="{C183D7F6-B498-43B3-948B-1728B52AA6E4}">
-                <adec:decorative xmlns:adec="http://schemas.microsoft.com/office/drawing/2017/decorative" val="1"/>
-              </a:ext>
-            </a:extLst>
-          </p:cNvPr>
-          <p:cNvPicPr>
-            <a:picLocks noGrp="1" noRot="1" noChangeAspect="1" noMove="1" noResize="1" noEditPoints="1" noAdjustHandles="1" noChangeArrowheads="1" noChangeShapeType="1" noCrop="1"/>
-          </p:cNvPicPr>
-          <p:nvPr>
-            <p:extLst>
-              <p:ext uri="{386F3935-93C4-4BCD-93E2-E3B085C9AB24}">
-                <p16:designElem xmlns:p16="http://schemas.microsoft.com/office/powerpoint/2015/main" val="1"/>
-              </p:ext>
-            </p:extLst>
-          </p:nvPr>
-        </p:nvPicPr>
-        <p:blipFill>
-          <a:blip r:embed="rId4">
-            <a:extLst>
-              <a:ext uri="{28A0092B-C50C-407E-A947-70E740481C1C}">
-                <a14:useLocalDpi xmlns:a14="http://schemas.microsoft.com/office/drawing/2010/main" val="0"/>
-              </a:ext>
-            </a:extLst>
-          </a:blip>
-          <a:stretch>
-            <a:fillRect/>
-          </a:stretch>
-        </p:blipFill>
-        <p:spPr>
-          <a:xfrm>
-            <a:off x="9111716" y="4243845"/>
-            <a:ext cx="3077108" cy="276940"/>
-          </a:xfrm>
-          <a:prstGeom prst="rect">
-            <a:avLst/>
-          </a:prstGeom>
-        </p:spPr>
-      </p:pic>
-      <p:sp>
-        <p:nvSpPr>
-          <p:cNvPr id="65" name="Rectangle 64">
-            <a:extLst>
-              <a:ext uri="{FF2B5EF4-FFF2-40B4-BE49-F238E27FC236}">
-                <a16:creationId xmlns:a16="http://schemas.microsoft.com/office/drawing/2014/main" id="{78C9D07A-5A22-4E55-B18A-47CF07E5080D}"/>
-              </a:ext>
-              <a:ext uri="{C183D7F6-B498-43B3-948B-1728B52AA6E4}">
-                <adec:decorative xmlns:adec="http://schemas.microsoft.com/office/drawing/2017/decorative" val="1"/>
-              </a:ext>
-            </a:extLst>
-          </p:cNvPr>
-          <p:cNvSpPr>
-            <a:spLocks noGrp="1" noRot="1" noChangeAspect="1" noMove="1" noResize="1" noEditPoints="1" noAdjustHandles="1" noChangeArrowheads="1" noChangeShapeType="1" noTextEdit="1"/>
-          </p:cNvSpPr>
-          <p:nvPr>
-            <p:extLst>
-              <p:ext uri="{386F3935-93C4-4BCD-93E2-E3B085C9AB24}">
-                <p16:designElem xmlns:p16="http://schemas.microsoft.com/office/powerpoint/2015/main" val="1"/>
-              </p:ext>
-            </p:extLst>
-          </p:nvPr>
-        </p:nvSpPr>
-        <p:spPr>
-          <a:xfrm>
-            <a:off x="0" y="2590078"/>
-            <a:ext cx="8968085" cy="1660332"/>
-          </a:xfrm>
-          <a:prstGeom prst="rect">
-            <a:avLst/>
-          </a:prstGeom>
-          <a:solidFill>
-            <a:schemeClr val="bg1">
-              <a:lumMod val="85000"/>
-              <a:lumOff val="15000"/>
-            </a:schemeClr>
-          </a:solidFill>
-          <a:ln>
-            <a:noFill/>
-          </a:ln>
-        </p:spPr>
-        <p:style>
-          <a:lnRef idx="2">
-            <a:schemeClr val="accent1">
-              <a:shade val="50000"/>
-            </a:schemeClr>
-          </a:lnRef>
-          <a:fillRef idx="1">
-            <a:schemeClr val="accent1"/>
-          </a:fillRef>
-          <a:effectRef idx="0">
-            <a:schemeClr val="accent1"/>
-          </a:effectRef>
-          <a:fontRef idx="minor">
-            <a:schemeClr val="lt1"/>
-          </a:fontRef>
-        </p:style>
-      </p:sp>
-      <p:sp>
-        <p:nvSpPr>
-          <p:cNvPr id="67" name="Rectangle 66">
-            <a:extLst>
-              <a:ext uri="{FF2B5EF4-FFF2-40B4-BE49-F238E27FC236}">
-                <a16:creationId xmlns:a16="http://schemas.microsoft.com/office/drawing/2014/main" id="{3D71E629-0739-4A59-972B-A9E9A4500E31}"/>
-              </a:ext>
-              <a:ext uri="{C183D7F6-B498-43B3-948B-1728B52AA6E4}">
-                <adec:decorative xmlns:adec="http://schemas.microsoft.com/office/drawing/2017/decorative" val="1"/>
-              </a:ext>
-            </a:extLst>
-          </p:cNvPr>
-          <p:cNvSpPr>
-            <a:spLocks noGrp="1" noRot="1" noChangeAspect="1" noMove="1" noResize="1" noEditPoints="1" noAdjustHandles="1" noChangeArrowheads="1" noChangeShapeType="1" noTextEdit="1"/>
-          </p:cNvSpPr>
-          <p:nvPr>
-            <p:extLst>
-              <p:ext uri="{386F3935-93C4-4BCD-93E2-E3B085C9AB24}">
-                <p16:designElem xmlns:p16="http://schemas.microsoft.com/office/powerpoint/2015/main" val="1"/>
-              </p:ext>
-            </p:extLst>
-          </p:nvPr>
-        </p:nvSpPr>
-        <p:spPr>
-          <a:xfrm>
-            <a:off x="9111715" y="2590078"/>
-            <a:ext cx="3077109" cy="1660332"/>
-          </a:xfrm>
-          <a:prstGeom prst="rect">
-            <a:avLst/>
-          </a:prstGeom>
-          <a:solidFill>
-            <a:schemeClr val="accent1"/>
-          </a:solidFill>
-          <a:ln>
-            <a:noFill/>
-          </a:ln>
-        </p:spPr>
-        <p:style>
-          <a:lnRef idx="2">
-            <a:schemeClr val="accent1">
-              <a:shade val="50000"/>
-            </a:schemeClr>
-          </a:lnRef>
-          <a:fillRef idx="1">
-            <a:schemeClr val="accent1"/>
-          </a:fillRef>
-          <a:effectRef idx="0">
-            <a:schemeClr val="accent1"/>
-          </a:effectRef>
-          <a:fontRef idx="minor">
-            <a:schemeClr val="lt1"/>
-          </a:fontRef>
-        </p:style>
-      </p:sp>
-      <p:sp useBgFill="1">
-        <p:nvSpPr>
-          <p:cNvPr id="69" name="Rectangle 68">
-            <a:extLst>
-              <a:ext uri="{FF2B5EF4-FFF2-40B4-BE49-F238E27FC236}">
-                <a16:creationId xmlns:a16="http://schemas.microsoft.com/office/drawing/2014/main" id="{2F84762E-7FCC-4EAF-B9E7-CE7214491E0D}"/>
-              </a:ext>
-              <a:ext uri="{C183D7F6-B498-43B3-948B-1728B52AA6E4}">
-                <adec:decorative xmlns:adec="http://schemas.microsoft.com/office/drawing/2017/decorative" val="1"/>
-              </a:ext>
-            </a:extLst>
-          </p:cNvPr>
-          <p:cNvSpPr>
-            <a:spLocks noGrp="1" noRot="1" noChangeAspect="1" noMove="1" noResize="1" noEditPoints="1" noAdjustHandles="1" noChangeArrowheads="1" noChangeShapeType="1" noTextEdit="1"/>
-          </p:cNvSpPr>
-          <p:nvPr>
-            <p:extLst>
-              <p:ext uri="{386F3935-93C4-4BCD-93E2-E3B085C9AB24}">
-                <p16:designElem xmlns:p16="http://schemas.microsoft.com/office/powerpoint/2015/main" val="1"/>
-              </p:ext>
-            </p:extLst>
-          </p:nvPr>
-        </p:nvSpPr>
-        <p:spPr>
-          <a:xfrm>
-            <a:off x="0" y="0"/>
-            <a:ext cx="12188824" cy="6858000"/>
-          </a:xfrm>
-          <a:prstGeom prst="rect">
-            <a:avLst/>
-          </a:prstGeom>
-          <a:ln>
-            <a:noFill/>
-          </a:ln>
-        </p:spPr>
-        <p:style>
-          <a:lnRef idx="2">
-            <a:schemeClr val="accent1">
-              <a:shade val="50000"/>
-            </a:schemeClr>
-          </a:lnRef>
-          <a:fillRef idx="1">
-            <a:schemeClr val="accent1"/>
-          </a:fillRef>
-          <a:effectRef idx="0">
-            <a:schemeClr val="accent1"/>
-          </a:effectRef>
-          <a:fontRef idx="minor">
-            <a:schemeClr val="lt1"/>
-          </a:fontRef>
-        </p:style>
-        <p:txBody>
-          <a:bodyPr rtlCol="0" anchor="ctr"/>
-          <a:lstStyle/>
-          <a:p>
-            <a:pPr algn="ctr"/>
-            <a:endParaRPr lang="en-US"/>
-          </a:p>
-        </p:txBody>
-      </p:sp>
-      <p:pic>
-        <p:nvPicPr>
-          <p:cNvPr id="71" name="Picture 70">
-            <a:extLst>
-              <a:ext uri="{FF2B5EF4-FFF2-40B4-BE49-F238E27FC236}">
-                <a16:creationId xmlns:a16="http://schemas.microsoft.com/office/drawing/2014/main" id="{927A1389-2A5D-4886-AD82-F213767E673F}"/>
-              </a:ext>
-              <a:ext uri="{C183D7F6-B498-43B3-948B-1728B52AA6E4}">
-                <adec:decorative xmlns:adec="http://schemas.microsoft.com/office/drawing/2017/decorative" val="1"/>
-              </a:ext>
-            </a:extLst>
-          </p:cNvPr>
-          <p:cNvPicPr>
-            <a:picLocks noGrp="1" noRot="1" noChangeAspect="1" noMove="1" noResize="1" noEditPoints="1" noAdjustHandles="1" noChangeArrowheads="1" noChangeShapeType="1" noCrop="1"/>
-          </p:cNvPicPr>
-          <p:nvPr>
-            <p:extLst>
-              <p:ext uri="{386F3935-93C4-4BCD-93E2-E3B085C9AB24}">
-                <p16:designElem xmlns:p16="http://schemas.microsoft.com/office/powerpoint/2015/main" val="1"/>
-              </p:ext>
-            </p:extLst>
-          </p:nvPr>
-        </p:nvPicPr>
-        <p:blipFill>
-          <a:blip r:embed="rId2">
-            <a:alphaModFix amt="10000"/>
-            <a:extLst>
-              <a:ext uri="{28A0092B-C50C-407E-A947-70E740481C1C}">
-                <a14:useLocalDpi xmlns:a14="http://schemas.microsoft.com/office/drawing/2010/main" val="0"/>
-              </a:ext>
-            </a:extLst>
-          </a:blip>
-          <a:stretch>
-            <a:fillRect/>
-          </a:stretch>
-        </p:blipFill>
-        <p:spPr>
-          <a:xfrm>
-            <a:off x="0" y="-8207"/>
-            <a:ext cx="12192000" cy="6858000"/>
-          </a:xfrm>
-          <a:prstGeom prst="rect">
-            <a:avLst/>
-          </a:prstGeom>
-        </p:spPr>
-      </p:pic>
-      <p:sp>
-        <p:nvSpPr>
-          <p:cNvPr id="73" name="Rectangle 72">
-            <a:extLst>
-              <a:ext uri="{FF2B5EF4-FFF2-40B4-BE49-F238E27FC236}">
-                <a16:creationId xmlns:a16="http://schemas.microsoft.com/office/drawing/2014/main" id="{A1038667-0C3F-4764-A24D-DA9D9B474851}"/>
-              </a:ext>
-              <a:ext uri="{C183D7F6-B498-43B3-948B-1728B52AA6E4}">
-                <adec:decorative xmlns:adec="http://schemas.microsoft.com/office/drawing/2017/decorative" val="1"/>
-              </a:ext>
-            </a:extLst>
-          </p:cNvPr>
-          <p:cNvSpPr>
-            <a:spLocks noGrp="1" noRot="1" noChangeAspect="1" noMove="1" noResize="1" noEditPoints="1" noAdjustHandles="1" noChangeArrowheads="1" noChangeShapeType="1" noTextEdit="1"/>
-          </p:cNvSpPr>
-          <p:nvPr>
-            <p:extLst>
-              <p:ext uri="{386F3935-93C4-4BCD-93E2-E3B085C9AB24}">
-                <p16:designElem xmlns:p16="http://schemas.microsoft.com/office/powerpoint/2015/main" val="1"/>
-              </p:ext>
-            </p:extLst>
-          </p:nvPr>
-        </p:nvSpPr>
-        <p:spPr>
-          <a:xfrm>
-            <a:off x="4644527" y="0"/>
-            <a:ext cx="7552944" cy="6858001"/>
-          </a:xfrm>
-          <a:prstGeom prst="rect">
-            <a:avLst/>
-          </a:prstGeom>
-          <a:ln>
-            <a:noFill/>
-          </a:ln>
-        </p:spPr>
-        <p:style>
-          <a:lnRef idx="2">
-            <a:schemeClr val="accent1">
-              <a:shade val="50000"/>
-            </a:schemeClr>
-          </a:lnRef>
-          <a:fillRef idx="1">
-            <a:schemeClr val="accent1"/>
-          </a:fillRef>
-          <a:effectRef idx="0">
-            <a:schemeClr val="accent1"/>
-          </a:effectRef>
-          <a:fontRef idx="minor">
-            <a:schemeClr val="lt1"/>
-          </a:fontRef>
-        </p:style>
-        <p:txBody>
-          <a:bodyPr rtlCol="0" anchor="ctr"/>
-          <a:lstStyle/>
-          <a:p>
-            <a:pPr algn="ctr"/>
-            <a:endParaRPr lang="en-US"/>
-          </a:p>
-        </p:txBody>
-      </p:sp>
-      <p:pic>
-        <p:nvPicPr>
-          <p:cNvPr id="75" name="Picture 74">
-            <a:extLst>
-              <a:ext uri="{FF2B5EF4-FFF2-40B4-BE49-F238E27FC236}">
-                <a16:creationId xmlns:a16="http://schemas.microsoft.com/office/drawing/2014/main" id="{6AC2195B-895A-4535-8ECD-9F5B669C5CA5}"/>
-              </a:ext>
-              <a:ext uri="{C183D7F6-B498-43B3-948B-1728B52AA6E4}">
-                <adec:decorative xmlns:adec="http://schemas.microsoft.com/office/drawing/2017/decorative" val="1"/>
-              </a:ext>
-            </a:extLst>
-          </p:cNvPr>
-          <p:cNvPicPr>
-            <a:picLocks noGrp="1" noRot="1" noChangeAspect="1" noMove="1" noResize="1" noEditPoints="1" noAdjustHandles="1" noChangeArrowheads="1" noChangeShapeType="1" noCrop="1"/>
-          </p:cNvPicPr>
-          <p:nvPr>
-            <p:extLst>
-              <p:ext uri="{386F3935-93C4-4BCD-93E2-E3B085C9AB24}">
-                <p16:designElem xmlns:p16="http://schemas.microsoft.com/office/powerpoint/2015/main" val="1"/>
-              </p:ext>
-            </p:extLst>
-          </p:nvPr>
-        </p:nvPicPr>
-        <p:blipFill>
-          <a:blip r:embed="rId5" cstate="print">
-            <a:extLst>
-              <a:ext uri="{28A0092B-C50C-407E-A947-70E740481C1C}">
-                <a14:useLocalDpi xmlns:a14="http://schemas.microsoft.com/office/drawing/2010/main" val="0"/>
-              </a:ext>
-            </a:extLst>
-          </a:blip>
-          <a:stretch>
-            <a:fillRect/>
-          </a:stretch>
-        </p:blipFill>
-        <p:spPr>
-          <a:xfrm>
-            <a:off x="1" y="5006045"/>
-            <a:ext cx="4965192" cy="144049"/>
-          </a:xfrm>
-          <a:prstGeom prst="rect">
-            <a:avLst/>
-          </a:prstGeom>
-        </p:spPr>
-      </p:pic>
-      <p:sp>
-        <p:nvSpPr>
-          <p:cNvPr id="77" name="Rectangle 76">
-            <a:extLst>
-              <a:ext uri="{FF2B5EF4-FFF2-40B4-BE49-F238E27FC236}">
-                <a16:creationId xmlns:a16="http://schemas.microsoft.com/office/drawing/2014/main" id="{571EEFCA-9235-4BC2-85C3-A4EC6EE57AC4}"/>
-              </a:ext>
-              <a:ext uri="{C183D7F6-B498-43B3-948B-1728B52AA6E4}">
-                <adec:decorative xmlns:adec="http://schemas.microsoft.com/office/drawing/2017/decorative" val="1"/>
-              </a:ext>
-            </a:extLst>
-          </p:cNvPr>
-          <p:cNvSpPr>
-            <a:spLocks noGrp="1" noRot="1" noChangeAspect="1" noMove="1" noResize="1" noEditPoints="1" noAdjustHandles="1" noChangeArrowheads="1" noChangeShapeType="1" noTextEdit="1"/>
-          </p:cNvSpPr>
-          <p:nvPr>
-            <p:extLst>
-              <p:ext uri="{386F3935-93C4-4BCD-93E2-E3B085C9AB24}">
-                <p16:designElem xmlns:p16="http://schemas.microsoft.com/office/powerpoint/2015/main" val="1"/>
-              </p:ext>
-            </p:extLst>
-          </p:nvPr>
-        </p:nvSpPr>
-        <p:spPr>
-          <a:xfrm>
-            <a:off x="-1" y="1838764"/>
-            <a:ext cx="4964567" cy="3180473"/>
-          </a:xfrm>
-          <a:prstGeom prst="rect">
-            <a:avLst/>
-          </a:prstGeom>
-          <a:solidFill>
-            <a:schemeClr val="bg1">
-              <a:lumMod val="85000"/>
-              <a:lumOff val="15000"/>
-            </a:schemeClr>
-          </a:solidFill>
-          <a:ln>
-            <a:noFill/>
-          </a:ln>
-        </p:spPr>
-        <p:style>
-          <a:lnRef idx="2">
-            <a:schemeClr val="accent1">
-              <a:shade val="50000"/>
-            </a:schemeClr>
-          </a:lnRef>
-          <a:fillRef idx="1">
-            <a:schemeClr val="accent1"/>
-          </a:fillRef>
-          <a:effectRef idx="0">
-            <a:schemeClr val="accent1"/>
-          </a:effectRef>
-          <a:fontRef idx="minor">
-            <a:schemeClr val="lt1"/>
-          </a:fontRef>
-        </p:style>
-      </p:sp>
       <p:sp>
         <p:nvSpPr>
           <p:cNvPr id="2" name="Tytuł 1">
             <a:extLst>
               <a:ext uri="{FF2B5EF4-FFF2-40B4-BE49-F238E27FC236}">
-                <a16:creationId xmlns:a16="http://schemas.microsoft.com/office/drawing/2014/main" id="{E1F8C03E-5A14-439F-B27D-CDD677731858}"/>
+                <a16:creationId xmlns:a16="http://schemas.microsoft.com/office/drawing/2014/main" id="{5FCAE84B-26D9-4F60-A2DA-5426E980D0E4}"/>
               </a:ext>
             </a:extLst>
           </p:cNvPr>
@@ -24878,88 +22868,29 @@
         </p:nvSpPr>
         <p:spPr>
           <a:xfrm>
-            <a:off x="680322" y="2063262"/>
-            <a:ext cx="3739278" cy="2661138"/>
+            <a:off x="308393" y="753228"/>
+            <a:ext cx="9985789" cy="1080938"/>
           </a:xfrm>
         </p:spPr>
         <p:txBody>
-          <a:bodyPr vert="horz" lIns="91440" tIns="45720" rIns="91440" bIns="45720" rtlCol="0" anchor="ctr">
+          <a:bodyPr>
             <a:normAutofit/>
           </a:bodyPr>
           <a:lstStyle/>
           <a:p>
-            <a:pPr algn="r"/>
-            <a:r>
-              <a:rPr lang="en-US" sz="5400"/>
-              <a:t>Wydanie</a:t>
-            </a:r>
-            <a:r>
-              <a:rPr lang="en-US" sz="5400" dirty="0"/>
-              <a:t> </a:t>
-            </a:r>
-            <a:r>
-              <a:rPr lang="en-US" sz="5400"/>
-              <a:t>faktury</a:t>
-            </a:r>
-            <a:endParaRPr lang="en-US" sz="5400" dirty="0"/>
+            <a:r>
+              <a:rPr lang="pl-PL" dirty="0"/>
+              <a:t>Koszt pracowników dla kosztorysu powykonawczego</a:t>
+            </a:r>
           </a:p>
         </p:txBody>
       </p:sp>
-      <p:pic>
-        <p:nvPicPr>
-          <p:cNvPr id="8" name="Grafika 7">
-            <a:extLst>
-              <a:ext uri="{FF2B5EF4-FFF2-40B4-BE49-F238E27FC236}">
-                <a16:creationId xmlns:a16="http://schemas.microsoft.com/office/drawing/2014/main" id="{B5B8E344-7EF3-4110-8517-BC070B32CE01}"/>
-              </a:ext>
-            </a:extLst>
-          </p:cNvPr>
-          <p:cNvPicPr>
-            <a:picLocks noChangeAspect="1"/>
-          </p:cNvPicPr>
-          <p:nvPr/>
-        </p:nvPicPr>
-        <p:blipFill>
-          <a:blip r:embed="rId6">
-            <a:extLst>
-              <a:ext uri="{28A0092B-C50C-407E-A947-70E740481C1C}">
-                <a14:useLocalDpi xmlns:a14="http://schemas.microsoft.com/office/drawing/2010/main" val="0"/>
-              </a:ext>
-              <a:ext uri="{96DAC541-7B7A-43D3-8B79-37D633B846F1}">
-                <asvg:svgBlip xmlns:asvg="http://schemas.microsoft.com/office/drawing/2016/SVG/main" r:embed="rId7"/>
-              </a:ext>
-            </a:extLst>
-          </a:blip>
-          <a:stretch>
-            <a:fillRect/>
-          </a:stretch>
-        </p:blipFill>
-        <p:spPr>
-          <a:xfrm>
-            <a:off x="5189493" y="243191"/>
-            <a:ext cx="6597241" cy="6233613"/>
-          </a:xfrm>
-          <a:prstGeom prst="rect">
-            <a:avLst/>
-          </a:prstGeom>
-          <a:ln>
-            <a:noFill/>
-          </a:ln>
-          <a:effectLst>
-            <a:outerShdw blurRad="76200" dist="63500" dir="5040000" algn="tl" rotWithShape="0">
-              <a:srgbClr val="000000">
-                <a:alpha val="41000"/>
-              </a:srgbClr>
-            </a:outerShdw>
-          </a:effectLst>
-        </p:spPr>
-      </p:pic>
       <p:sp>
         <p:nvSpPr>
           <p:cNvPr id="3" name="Symbol zastępczy numeru slajdu 2">
             <a:extLst>
               <a:ext uri="{FF2B5EF4-FFF2-40B4-BE49-F238E27FC236}">
-                <a16:creationId xmlns:a16="http://schemas.microsoft.com/office/drawing/2014/main" id="{59A3BE92-0BF7-41DD-BDA8-C8E38AD38D2E}"/>
+                <a16:creationId xmlns:a16="http://schemas.microsoft.com/office/drawing/2014/main" id="{B6A6ACAD-FF9C-4C72-AEE1-752968C4CA28}"/>
               </a:ext>
             </a:extLst>
           </p:cNvPr>
@@ -24970,48 +22901,57 @@
             <p:ph type="sldNum" sz="quarter" idx="12"/>
           </p:nvPr>
         </p:nvSpPr>
+        <p:spPr/>
+        <p:txBody>
+          <a:bodyPr/>
+          <a:lstStyle/>
+          <a:p>
+            <a:r>
+              <a:rPr lang="pl-PL" dirty="0"/>
+              <a:t>17</a:t>
+            </a:r>
+          </a:p>
+        </p:txBody>
+      </p:sp>
+      <p:pic>
+        <p:nvPicPr>
+          <p:cNvPr id="10" name="Symbol zastępczy zawartości 9">
+            <a:extLst>
+              <a:ext uri="{FF2B5EF4-FFF2-40B4-BE49-F238E27FC236}">
+                <a16:creationId xmlns:a16="http://schemas.microsoft.com/office/drawing/2014/main" id="{B4639124-B723-46BA-A801-FE611F462218}"/>
+              </a:ext>
+            </a:extLst>
+          </p:cNvPr>
+          <p:cNvPicPr>
+            <a:picLocks noGrp="1" noChangeAspect="1"/>
+          </p:cNvPicPr>
+          <p:nvPr>
+            <p:ph idx="1"/>
+          </p:nvPr>
+        </p:nvPicPr>
+        <p:blipFill>
+          <a:blip r:embed="rId2">
+            <a:extLst>
+              <a:ext uri="{28A0092B-C50C-407E-A947-70E740481C1C}">
+                <a14:useLocalDpi xmlns:a14="http://schemas.microsoft.com/office/drawing/2010/main" val="0"/>
+              </a:ext>
+            </a:extLst>
+          </a:blip>
+          <a:stretch>
+            <a:fillRect/>
+          </a:stretch>
+        </p:blipFill>
         <p:spPr>
           <a:xfrm>
-            <a:off x="11281776" y="6336872"/>
-            <a:ext cx="722655" cy="365760"/>
+            <a:off x="3402883" y="2038222"/>
+            <a:ext cx="4572440" cy="4754464"/>
           </a:xfrm>
         </p:spPr>
-        <p:txBody>
-          <a:bodyPr vert="horz" lIns="91440" tIns="45720" rIns="91440" bIns="45720" rtlCol="0" anchor="ctr">
-            <a:normAutofit/>
-          </a:bodyPr>
-          <a:lstStyle/>
-          <a:p>
-            <a:pPr defTabSz="914400">
-              <a:spcAft>
-                <a:spcPts val="600"/>
-              </a:spcAft>
-            </a:pPr>
-            <a:fld id="{73EBA5C1-EA0D-4D38-B474-3131B775EA3E}" type="slidenum">
-              <a:rPr lang="en-US" sz="1400">
-                <a:solidFill>
-                  <a:srgbClr val="FFFFFF"/>
-                </a:solidFill>
-              </a:rPr>
-              <a:pPr defTabSz="914400">
-                <a:spcAft>
-                  <a:spcPts val="600"/>
-                </a:spcAft>
-              </a:pPr>
-              <a:t>31</a:t>
-            </a:fld>
-            <a:endParaRPr lang="en-US" sz="1400">
-              <a:solidFill>
-                <a:srgbClr val="FFFFFF"/>
-              </a:solidFill>
-            </a:endParaRPr>
-          </a:p>
-        </p:txBody>
-      </p:sp>
+      </p:pic>
     </p:spTree>
     <p:extLst>
       <p:ext uri="{BB962C8B-B14F-4D97-AF65-F5344CB8AC3E}">
-        <p14:creationId xmlns:p14="http://schemas.microsoft.com/office/powerpoint/2010/main" val="3936350770"/>
+        <p14:creationId xmlns:p14="http://schemas.microsoft.com/office/powerpoint/2010/main" val="1076711829"/>
       </p:ext>
     </p:extLst>
   </p:cSld>
@@ -25024,41 +22964,6 @@
 <file path=ppt/slides/slide32.xml><?xml version="1.0" encoding="utf-8"?>
 <p:sld xmlns:a="http://schemas.openxmlformats.org/drawingml/2006/main" xmlns:r="http://schemas.openxmlformats.org/officeDocument/2006/relationships" xmlns:p="http://schemas.openxmlformats.org/presentationml/2006/main">
   <p:cSld>
-    <p:bg>
-      <p:bgPr>
-        <a:gradFill rotWithShape="1">
-          <a:gsLst>
-            <a:gs pos="0">
-              <a:schemeClr val="bg2">
-                <a:tint val="96000"/>
-                <a:shade val="100000"/>
-                <a:hueMod val="270000"/>
-                <a:satMod val="200000"/>
-                <a:lumMod val="128000"/>
-              </a:schemeClr>
-            </a:gs>
-            <a:gs pos="50000">
-              <a:schemeClr val="bg2">
-                <a:shade val="100000"/>
-                <a:hueMod val="100000"/>
-                <a:satMod val="110000"/>
-                <a:lumMod val="130000"/>
-              </a:schemeClr>
-            </a:gs>
-            <a:gs pos="100000">
-              <a:schemeClr val="bg2">
-                <a:shade val="78000"/>
-                <a:hueMod val="44000"/>
-                <a:satMod val="200000"/>
-                <a:lumMod val="69000"/>
-              </a:schemeClr>
-            </a:gs>
-          </a:gsLst>
-          <a:lin ang="2520000" scaled="0"/>
-        </a:gradFill>
-        <a:effectLst/>
-      </p:bgPr>
-    </p:bg>
     <p:spTree>
       <p:nvGrpSpPr>
         <p:cNvPr id="1" name=""/>
@@ -25073,530 +22978,12 @@
           <a:chExt cx="0" cy="0"/>
         </a:xfrm>
       </p:grpSpPr>
-      <p:pic>
-        <p:nvPicPr>
-          <p:cNvPr id="11" name="Picture 10">
-            <a:extLst>
-              <a:ext uri="{FF2B5EF4-FFF2-40B4-BE49-F238E27FC236}">
-                <a16:creationId xmlns:a16="http://schemas.microsoft.com/office/drawing/2014/main" id="{5321D838-2C7E-4177-9DD3-DAC78324A2B2}"/>
-              </a:ext>
-              <a:ext uri="{C183D7F6-B498-43B3-948B-1728B52AA6E4}">
-                <adec:decorative xmlns:adec="http://schemas.microsoft.com/office/drawing/2017/decorative" val="1"/>
-              </a:ext>
-            </a:extLst>
-          </p:cNvPr>
-          <p:cNvPicPr>
-            <a:picLocks noGrp="1" noRot="1" noChangeAspect="1" noMove="1" noResize="1" noEditPoints="1" noAdjustHandles="1" noChangeArrowheads="1" noChangeShapeType="1" noCrop="1"/>
-          </p:cNvPicPr>
-          <p:nvPr>
-            <p:extLst>
-              <p:ext uri="{386F3935-93C4-4BCD-93E2-E3B085C9AB24}">
-                <p16:designElem xmlns:p16="http://schemas.microsoft.com/office/powerpoint/2015/main" val="1"/>
-              </p:ext>
-            </p:extLst>
-          </p:nvPr>
-        </p:nvPicPr>
-        <p:blipFill>
-          <a:blip r:embed="rId2">
-            <a:alphaModFix amt="10000"/>
-            <a:extLst>
-              <a:ext uri="{28A0092B-C50C-407E-A947-70E740481C1C}">
-                <a14:useLocalDpi xmlns:a14="http://schemas.microsoft.com/office/drawing/2010/main" val="0"/>
-              </a:ext>
-            </a:extLst>
-          </a:blip>
-          <a:stretch>
-            <a:fillRect/>
-          </a:stretch>
-        </p:blipFill>
-        <p:spPr>
-          <a:xfrm>
-            <a:off x="0" y="0"/>
-            <a:ext cx="12192000" cy="6858000"/>
-          </a:xfrm>
-          <a:prstGeom prst="rect">
-            <a:avLst/>
-          </a:prstGeom>
-        </p:spPr>
-      </p:pic>
-      <p:pic>
-        <p:nvPicPr>
-          <p:cNvPr id="13" name="Picture 12">
-            <a:extLst>
-              <a:ext uri="{FF2B5EF4-FFF2-40B4-BE49-F238E27FC236}">
-                <a16:creationId xmlns:a16="http://schemas.microsoft.com/office/drawing/2014/main" id="{0146E45C-1450-4186-B501-74F221F897A8}"/>
-              </a:ext>
-              <a:ext uri="{C183D7F6-B498-43B3-948B-1728B52AA6E4}">
-                <adec:decorative xmlns:adec="http://schemas.microsoft.com/office/drawing/2017/decorative" val="1"/>
-              </a:ext>
-            </a:extLst>
-          </p:cNvPr>
-          <p:cNvPicPr>
-            <a:picLocks noGrp="1" noRot="1" noChangeAspect="1" noMove="1" noResize="1" noEditPoints="1" noAdjustHandles="1" noChangeArrowheads="1" noChangeShapeType="1" noCrop="1"/>
-          </p:cNvPicPr>
-          <p:nvPr>
-            <p:extLst>
-              <p:ext uri="{386F3935-93C4-4BCD-93E2-E3B085C9AB24}">
-                <p16:designElem xmlns:p16="http://schemas.microsoft.com/office/powerpoint/2015/main" val="1"/>
-              </p:ext>
-            </p:extLst>
-          </p:nvPr>
-        </p:nvPicPr>
-        <p:blipFill>
-          <a:blip r:embed="rId3">
-            <a:extLst>
-              <a:ext uri="{28A0092B-C50C-407E-A947-70E740481C1C}">
-                <a14:useLocalDpi xmlns:a14="http://schemas.microsoft.com/office/drawing/2010/main" val="0"/>
-              </a:ext>
-            </a:extLst>
-          </a:blip>
-          <a:stretch>
-            <a:fillRect/>
-          </a:stretch>
-        </p:blipFill>
-        <p:spPr>
-          <a:xfrm>
-            <a:off x="1" y="4242851"/>
-            <a:ext cx="8968084" cy="275942"/>
-          </a:xfrm>
-          <a:prstGeom prst="rect">
-            <a:avLst/>
-          </a:prstGeom>
-        </p:spPr>
-      </p:pic>
-      <p:pic>
-        <p:nvPicPr>
-          <p:cNvPr id="15" name="Picture 14">
-            <a:extLst>
-              <a:ext uri="{FF2B5EF4-FFF2-40B4-BE49-F238E27FC236}">
-                <a16:creationId xmlns:a16="http://schemas.microsoft.com/office/drawing/2014/main" id="{EEDDA48B-BC04-4915-ADA3-A1A9522EB0D1}"/>
-              </a:ext>
-              <a:ext uri="{C183D7F6-B498-43B3-948B-1728B52AA6E4}">
-                <adec:decorative xmlns:adec="http://schemas.microsoft.com/office/drawing/2017/decorative" val="1"/>
-              </a:ext>
-            </a:extLst>
-          </p:cNvPr>
-          <p:cNvPicPr>
-            <a:picLocks noGrp="1" noRot="1" noChangeAspect="1" noMove="1" noResize="1" noEditPoints="1" noAdjustHandles="1" noChangeArrowheads="1" noChangeShapeType="1" noCrop="1"/>
-          </p:cNvPicPr>
-          <p:nvPr>
-            <p:extLst>
-              <p:ext uri="{386F3935-93C4-4BCD-93E2-E3B085C9AB24}">
-                <p16:designElem xmlns:p16="http://schemas.microsoft.com/office/powerpoint/2015/main" val="1"/>
-              </p:ext>
-            </p:extLst>
-          </p:nvPr>
-        </p:nvPicPr>
-        <p:blipFill>
-          <a:blip r:embed="rId4">
-            <a:extLst>
-              <a:ext uri="{28A0092B-C50C-407E-A947-70E740481C1C}">
-                <a14:useLocalDpi xmlns:a14="http://schemas.microsoft.com/office/drawing/2010/main" val="0"/>
-              </a:ext>
-            </a:extLst>
-          </a:blip>
-          <a:stretch>
-            <a:fillRect/>
-          </a:stretch>
-        </p:blipFill>
-        <p:spPr>
-          <a:xfrm>
-            <a:off x="9111716" y="4243845"/>
-            <a:ext cx="3077108" cy="276940"/>
-          </a:xfrm>
-          <a:prstGeom prst="rect">
-            <a:avLst/>
-          </a:prstGeom>
-        </p:spPr>
-      </p:pic>
-      <p:sp>
-        <p:nvSpPr>
-          <p:cNvPr id="17" name="Rectangle 16">
-            <a:extLst>
-              <a:ext uri="{FF2B5EF4-FFF2-40B4-BE49-F238E27FC236}">
-                <a16:creationId xmlns:a16="http://schemas.microsoft.com/office/drawing/2014/main" id="{78C9D07A-5A22-4E55-B18A-47CF07E5080D}"/>
-              </a:ext>
-              <a:ext uri="{C183D7F6-B498-43B3-948B-1728B52AA6E4}">
-                <adec:decorative xmlns:adec="http://schemas.microsoft.com/office/drawing/2017/decorative" val="1"/>
-              </a:ext>
-            </a:extLst>
-          </p:cNvPr>
-          <p:cNvSpPr>
-            <a:spLocks noGrp="1" noRot="1" noChangeAspect="1" noMove="1" noResize="1" noEditPoints="1" noAdjustHandles="1" noChangeArrowheads="1" noChangeShapeType="1" noTextEdit="1"/>
-          </p:cNvSpPr>
-          <p:nvPr>
-            <p:extLst>
-              <p:ext uri="{386F3935-93C4-4BCD-93E2-E3B085C9AB24}">
-                <p16:designElem xmlns:p16="http://schemas.microsoft.com/office/powerpoint/2015/main" val="1"/>
-              </p:ext>
-            </p:extLst>
-          </p:nvPr>
-        </p:nvSpPr>
-        <p:spPr>
-          <a:xfrm>
-            <a:off x="0" y="2590078"/>
-            <a:ext cx="8968085" cy="1660332"/>
-          </a:xfrm>
-          <a:prstGeom prst="rect">
-            <a:avLst/>
-          </a:prstGeom>
-          <a:solidFill>
-            <a:schemeClr val="bg1">
-              <a:lumMod val="85000"/>
-              <a:lumOff val="15000"/>
-            </a:schemeClr>
-          </a:solidFill>
-          <a:ln>
-            <a:noFill/>
-          </a:ln>
-        </p:spPr>
-        <p:style>
-          <a:lnRef idx="2">
-            <a:schemeClr val="accent1">
-              <a:shade val="50000"/>
-            </a:schemeClr>
-          </a:lnRef>
-          <a:fillRef idx="1">
-            <a:schemeClr val="accent1"/>
-          </a:fillRef>
-          <a:effectRef idx="0">
-            <a:schemeClr val="accent1"/>
-          </a:effectRef>
-          <a:fontRef idx="minor">
-            <a:schemeClr val="lt1"/>
-          </a:fontRef>
-        </p:style>
-      </p:sp>
-      <p:sp>
-        <p:nvSpPr>
-          <p:cNvPr id="19" name="Rectangle 18">
-            <a:extLst>
-              <a:ext uri="{FF2B5EF4-FFF2-40B4-BE49-F238E27FC236}">
-                <a16:creationId xmlns:a16="http://schemas.microsoft.com/office/drawing/2014/main" id="{3D71E629-0739-4A59-972B-A9E9A4500E31}"/>
-              </a:ext>
-              <a:ext uri="{C183D7F6-B498-43B3-948B-1728B52AA6E4}">
-                <adec:decorative xmlns:adec="http://schemas.microsoft.com/office/drawing/2017/decorative" val="1"/>
-              </a:ext>
-            </a:extLst>
-          </p:cNvPr>
-          <p:cNvSpPr>
-            <a:spLocks noGrp="1" noRot="1" noChangeAspect="1" noMove="1" noResize="1" noEditPoints="1" noAdjustHandles="1" noChangeArrowheads="1" noChangeShapeType="1" noTextEdit="1"/>
-          </p:cNvSpPr>
-          <p:nvPr>
-            <p:extLst>
-              <p:ext uri="{386F3935-93C4-4BCD-93E2-E3B085C9AB24}">
-                <p16:designElem xmlns:p16="http://schemas.microsoft.com/office/powerpoint/2015/main" val="1"/>
-              </p:ext>
-            </p:extLst>
-          </p:nvPr>
-        </p:nvSpPr>
-        <p:spPr>
-          <a:xfrm>
-            <a:off x="9111715" y="2590078"/>
-            <a:ext cx="3077109" cy="1660332"/>
-          </a:xfrm>
-          <a:prstGeom prst="rect">
-            <a:avLst/>
-          </a:prstGeom>
-          <a:solidFill>
-            <a:schemeClr val="accent1"/>
-          </a:solidFill>
-          <a:ln>
-            <a:noFill/>
-          </a:ln>
-        </p:spPr>
-        <p:style>
-          <a:lnRef idx="2">
-            <a:schemeClr val="accent1">
-              <a:shade val="50000"/>
-            </a:schemeClr>
-          </a:lnRef>
-          <a:fillRef idx="1">
-            <a:schemeClr val="accent1"/>
-          </a:fillRef>
-          <a:effectRef idx="0">
-            <a:schemeClr val="accent1"/>
-          </a:effectRef>
-          <a:fontRef idx="minor">
-            <a:schemeClr val="lt1"/>
-          </a:fontRef>
-        </p:style>
-      </p:sp>
-      <p:sp useBgFill="1">
-        <p:nvSpPr>
-          <p:cNvPr id="21" name="Rectangle 20">
-            <a:extLst>
-              <a:ext uri="{FF2B5EF4-FFF2-40B4-BE49-F238E27FC236}">
-                <a16:creationId xmlns:a16="http://schemas.microsoft.com/office/drawing/2014/main" id="{00573A24-AD84-4562-A993-7D04E1D18209}"/>
-              </a:ext>
-              <a:ext uri="{C183D7F6-B498-43B3-948B-1728B52AA6E4}">
-                <adec:decorative xmlns:adec="http://schemas.microsoft.com/office/drawing/2017/decorative" val="1"/>
-              </a:ext>
-            </a:extLst>
-          </p:cNvPr>
-          <p:cNvSpPr>
-            <a:spLocks noGrp="1" noRot="1" noChangeAspect="1" noMove="1" noResize="1" noEditPoints="1" noAdjustHandles="1" noChangeArrowheads="1" noChangeShapeType="1" noTextEdit="1"/>
-          </p:cNvSpPr>
-          <p:nvPr>
-            <p:extLst>
-              <p:ext uri="{386F3935-93C4-4BCD-93E2-E3B085C9AB24}">
-                <p16:designElem xmlns:p16="http://schemas.microsoft.com/office/powerpoint/2015/main" val="1"/>
-              </p:ext>
-            </p:extLst>
-          </p:nvPr>
-        </p:nvSpPr>
-        <p:spPr>
-          <a:xfrm>
-            <a:off x="0" y="0"/>
-            <a:ext cx="12188824" cy="6858000"/>
-          </a:xfrm>
-          <a:prstGeom prst="rect">
-            <a:avLst/>
-          </a:prstGeom>
-          <a:ln>
-            <a:noFill/>
-          </a:ln>
-        </p:spPr>
-        <p:style>
-          <a:lnRef idx="2">
-            <a:schemeClr val="accent1">
-              <a:shade val="50000"/>
-            </a:schemeClr>
-          </a:lnRef>
-          <a:fillRef idx="1">
-            <a:schemeClr val="accent1"/>
-          </a:fillRef>
-          <a:effectRef idx="0">
-            <a:schemeClr val="accent1"/>
-          </a:effectRef>
-          <a:fontRef idx="minor">
-            <a:schemeClr val="lt1"/>
-          </a:fontRef>
-        </p:style>
-        <p:txBody>
-          <a:bodyPr rtlCol="0" anchor="ctr"/>
-          <a:lstStyle/>
-          <a:p>
-            <a:pPr algn="ctr"/>
-            <a:endParaRPr lang="en-US"/>
-          </a:p>
-        </p:txBody>
-      </p:sp>
-      <p:pic>
-        <p:nvPicPr>
-          <p:cNvPr id="23" name="Picture 22">
-            <a:extLst>
-              <a:ext uri="{FF2B5EF4-FFF2-40B4-BE49-F238E27FC236}">
-                <a16:creationId xmlns:a16="http://schemas.microsoft.com/office/drawing/2014/main" id="{B3C087F8-F09C-4C07-B55F-6081689A2413}"/>
-              </a:ext>
-              <a:ext uri="{C183D7F6-B498-43B3-948B-1728B52AA6E4}">
-                <adec:decorative xmlns:adec="http://schemas.microsoft.com/office/drawing/2017/decorative" val="1"/>
-              </a:ext>
-            </a:extLst>
-          </p:cNvPr>
-          <p:cNvPicPr>
-            <a:picLocks noGrp="1" noRot="1" noChangeAspect="1" noMove="1" noResize="1" noEditPoints="1" noAdjustHandles="1" noChangeArrowheads="1" noChangeShapeType="1" noCrop="1"/>
-          </p:cNvPicPr>
-          <p:nvPr>
-            <p:extLst>
-              <p:ext uri="{386F3935-93C4-4BCD-93E2-E3B085C9AB24}">
-                <p16:designElem xmlns:p16="http://schemas.microsoft.com/office/powerpoint/2015/main" val="1"/>
-              </p:ext>
-            </p:extLst>
-          </p:nvPr>
-        </p:nvPicPr>
-        <p:blipFill>
-          <a:blip r:embed="rId2">
-            <a:alphaModFix amt="10000"/>
-            <a:extLst>
-              <a:ext uri="{28A0092B-C50C-407E-A947-70E740481C1C}">
-                <a14:useLocalDpi xmlns:a14="http://schemas.microsoft.com/office/drawing/2010/main" val="0"/>
-              </a:ext>
-            </a:extLst>
-          </a:blip>
-          <a:stretch>
-            <a:fillRect/>
-          </a:stretch>
-        </p:blipFill>
-        <p:spPr>
-          <a:xfrm>
-            <a:off x="0" y="0"/>
-            <a:ext cx="12192000" cy="6858000"/>
-          </a:xfrm>
-          <a:prstGeom prst="rect">
-            <a:avLst/>
-          </a:prstGeom>
-        </p:spPr>
-      </p:pic>
-      <p:sp>
-        <p:nvSpPr>
-          <p:cNvPr id="25" name="Rectangle 24">
-            <a:extLst>
-              <a:ext uri="{FF2B5EF4-FFF2-40B4-BE49-F238E27FC236}">
-                <a16:creationId xmlns:a16="http://schemas.microsoft.com/office/drawing/2014/main" id="{FC49D257-5737-4C0D-89EA-9C311AF2B8B5}"/>
-              </a:ext>
-              <a:ext uri="{C183D7F6-B498-43B3-948B-1728B52AA6E4}">
-                <adec:decorative xmlns:adec="http://schemas.microsoft.com/office/drawing/2017/decorative" val="1"/>
-              </a:ext>
-            </a:extLst>
-          </p:cNvPr>
-          <p:cNvSpPr>
-            <a:spLocks noGrp="1" noRot="1" noChangeAspect="1" noMove="1" noResize="1" noEditPoints="1" noAdjustHandles="1" noChangeArrowheads="1" noChangeShapeType="1" noTextEdit="1"/>
-          </p:cNvSpPr>
-          <p:nvPr>
-            <p:extLst>
-              <p:ext uri="{386F3935-93C4-4BCD-93E2-E3B085C9AB24}">
-                <p16:designElem xmlns:p16="http://schemas.microsoft.com/office/powerpoint/2015/main" val="1"/>
-              </p:ext>
-            </p:extLst>
-          </p:nvPr>
-        </p:nvSpPr>
-        <p:spPr>
-          <a:xfrm>
-            <a:off x="6099176" y="0"/>
-            <a:ext cx="6092824" cy="6858001"/>
-          </a:xfrm>
-          <a:prstGeom prst="rect">
-            <a:avLst/>
-          </a:prstGeom>
-          <a:ln>
-            <a:noFill/>
-          </a:ln>
-        </p:spPr>
-        <p:style>
-          <a:lnRef idx="2">
-            <a:schemeClr val="accent1">
-              <a:shade val="50000"/>
-            </a:schemeClr>
-          </a:lnRef>
-          <a:fillRef idx="1">
-            <a:schemeClr val="accent1"/>
-          </a:fillRef>
-          <a:effectRef idx="0">
-            <a:schemeClr val="accent1"/>
-          </a:effectRef>
-          <a:fontRef idx="minor">
-            <a:schemeClr val="lt1"/>
-          </a:fontRef>
-        </p:style>
-        <p:txBody>
-          <a:bodyPr rtlCol="0" anchor="ctr"/>
-          <a:lstStyle/>
-          <a:p>
-            <a:pPr algn="ctr"/>
-            <a:endParaRPr lang="en-US"/>
-          </a:p>
-        </p:txBody>
-      </p:sp>
-      <p:pic>
-        <p:nvPicPr>
-          <p:cNvPr id="27" name="Picture 26">
-            <a:extLst>
-              <a:ext uri="{FF2B5EF4-FFF2-40B4-BE49-F238E27FC236}">
-                <a16:creationId xmlns:a16="http://schemas.microsoft.com/office/drawing/2014/main" id="{E13D267A-94F5-488A-94C6-5D7156D9AF8C}"/>
-              </a:ext>
-              <a:ext uri="{C183D7F6-B498-43B3-948B-1728B52AA6E4}">
-                <adec:decorative xmlns:adec="http://schemas.microsoft.com/office/drawing/2017/decorative" val="1"/>
-              </a:ext>
-            </a:extLst>
-          </p:cNvPr>
-          <p:cNvPicPr>
-            <a:picLocks noGrp="1" noRot="1" noChangeAspect="1" noMove="1" noResize="1" noEditPoints="1" noAdjustHandles="1" noChangeArrowheads="1" noChangeShapeType="1" noCrop="1"/>
-          </p:cNvPicPr>
-          <p:nvPr>
-            <p:extLst>
-              <p:ext uri="{386F3935-93C4-4BCD-93E2-E3B085C9AB24}">
-                <p16:designElem xmlns:p16="http://schemas.microsoft.com/office/powerpoint/2015/main" val="1"/>
-              </p:ext>
-            </p:extLst>
-          </p:nvPr>
-        </p:nvPicPr>
-        <p:blipFill>
-          <a:blip r:embed="rId3">
-            <a:extLst>
-              <a:ext uri="{28A0092B-C50C-407E-A947-70E740481C1C}">
-                <a14:useLocalDpi xmlns:a14="http://schemas.microsoft.com/office/drawing/2010/main" val="0"/>
-              </a:ext>
-            </a:extLst>
-          </a:blip>
-          <a:stretch>
-            <a:fillRect/>
-          </a:stretch>
-        </p:blipFill>
-        <p:spPr>
-          <a:xfrm>
-            <a:off x="1" y="4688333"/>
-            <a:ext cx="6400800" cy="185701"/>
-          </a:xfrm>
-          <a:prstGeom prst="rect">
-            <a:avLst/>
-          </a:prstGeom>
-        </p:spPr>
-      </p:pic>
-      <p:sp>
-        <p:nvSpPr>
-          <p:cNvPr id="29" name="Rectangle 28">
-            <a:extLst>
-              <a:ext uri="{FF2B5EF4-FFF2-40B4-BE49-F238E27FC236}">
-                <a16:creationId xmlns:a16="http://schemas.microsoft.com/office/drawing/2014/main" id="{46CE3EB2-91DF-4F5D-8874-744AAAE311E1}"/>
-              </a:ext>
-              <a:ext uri="{C183D7F6-B498-43B3-948B-1728B52AA6E4}">
-                <adec:decorative xmlns:adec="http://schemas.microsoft.com/office/drawing/2017/decorative" val="1"/>
-              </a:ext>
-            </a:extLst>
-          </p:cNvPr>
-          <p:cNvSpPr>
-            <a:spLocks noGrp="1" noRot="1" noChangeAspect="1" noMove="1" noResize="1" noEditPoints="1" noAdjustHandles="1" noChangeArrowheads="1" noChangeShapeType="1" noTextEdit="1"/>
-          </p:cNvSpPr>
-          <p:nvPr>
-            <p:extLst>
-              <p:ext uri="{386F3935-93C4-4BCD-93E2-E3B085C9AB24}">
-                <p16:designElem xmlns:p16="http://schemas.microsoft.com/office/powerpoint/2015/main" val="1"/>
-              </p:ext>
-            </p:extLst>
-          </p:nvPr>
-        </p:nvSpPr>
-        <p:spPr>
-          <a:xfrm>
-            <a:off x="-1" y="2162908"/>
-            <a:ext cx="6411743" cy="2532185"/>
-          </a:xfrm>
-          <a:prstGeom prst="rect">
-            <a:avLst/>
-          </a:prstGeom>
-          <a:solidFill>
-            <a:schemeClr val="bg1">
-              <a:lumMod val="85000"/>
-              <a:lumOff val="15000"/>
-            </a:schemeClr>
-          </a:solidFill>
-          <a:ln>
-            <a:noFill/>
-          </a:ln>
-        </p:spPr>
-        <p:style>
-          <a:lnRef idx="2">
-            <a:schemeClr val="accent1">
-              <a:shade val="50000"/>
-            </a:schemeClr>
-          </a:lnRef>
-          <a:fillRef idx="1">
-            <a:schemeClr val="accent1"/>
-          </a:fillRef>
-          <a:effectRef idx="0">
-            <a:schemeClr val="accent1"/>
-          </a:effectRef>
-          <a:fontRef idx="minor">
-            <a:schemeClr val="lt1"/>
-          </a:fontRef>
-        </p:style>
-      </p:sp>
       <p:sp>
         <p:nvSpPr>
           <p:cNvPr id="2" name="Tytuł 1">
             <a:extLst>
               <a:ext uri="{FF2B5EF4-FFF2-40B4-BE49-F238E27FC236}">
-                <a16:creationId xmlns:a16="http://schemas.microsoft.com/office/drawing/2014/main" id="{FADA5054-ACC2-481A-94EC-C1483A2C0ACB}"/>
+                <a16:creationId xmlns:a16="http://schemas.microsoft.com/office/drawing/2014/main" id="{B5A9FDC3-8BB5-4F7D-B15D-D49036E8B298}"/>
               </a:ext>
             </a:extLst>
           </p:cNvPr>
@@ -25607,81 +22994,24 @@
             <p:ph type="title"/>
           </p:nvPr>
         </p:nvSpPr>
-        <p:spPr>
-          <a:xfrm>
-            <a:off x="680322" y="2403231"/>
-            <a:ext cx="5192940" cy="2133600"/>
-          </a:xfrm>
-        </p:spPr>
+        <p:spPr/>
         <p:txBody>
-          <a:bodyPr vert="horz" lIns="91440" tIns="45720" rIns="91440" bIns="45720" rtlCol="0" anchor="ctr">
-            <a:normAutofit/>
-          </a:bodyPr>
+          <a:bodyPr/>
           <a:lstStyle/>
           <a:p>
-            <a:pPr algn="r"/>
-            <a:r>
-              <a:rPr lang="en-US" sz="5400"/>
-              <a:t>Wpływy</a:t>
+            <a:r>
+              <a:rPr lang="pl-PL" dirty="0"/>
+              <a:t>Kosztorys powykonawczy</a:t>
             </a:r>
           </a:p>
         </p:txBody>
       </p:sp>
-      <p:pic>
-        <p:nvPicPr>
-          <p:cNvPr id="6" name="Grafika 5">
-            <a:extLst>
-              <a:ext uri="{FF2B5EF4-FFF2-40B4-BE49-F238E27FC236}">
-                <a16:creationId xmlns:a16="http://schemas.microsoft.com/office/drawing/2014/main" id="{5ED646B7-DFC7-4216-89FF-22CCBBD3AAD1}"/>
-              </a:ext>
-            </a:extLst>
-          </p:cNvPr>
-          <p:cNvPicPr>
-            <a:picLocks noChangeAspect="1"/>
-          </p:cNvPicPr>
-          <p:nvPr/>
-        </p:nvPicPr>
-        <p:blipFill>
-          <a:blip r:embed="rId5">
-            <a:extLst>
-              <a:ext uri="{28A0092B-C50C-407E-A947-70E740481C1C}">
-                <a14:useLocalDpi xmlns:a14="http://schemas.microsoft.com/office/drawing/2010/main" val="0"/>
-              </a:ext>
-              <a:ext uri="{96DAC541-7B7A-43D3-8B79-37D633B846F1}">
-                <asvg:svgBlip xmlns:asvg="http://schemas.microsoft.com/office/drawing/2016/SVG/main" r:embed="rId6"/>
-              </a:ext>
-            </a:extLst>
-          </a:blip>
-          <a:stretch>
-            <a:fillRect/>
-          </a:stretch>
-        </p:blipFill>
-        <p:spPr>
-          <a:xfrm>
-            <a:off x="6397382" y="1001948"/>
-            <a:ext cx="5575055" cy="4557781"/>
-          </a:xfrm>
-          <a:prstGeom prst="rect">
-            <a:avLst/>
-          </a:prstGeom>
-          <a:ln>
-            <a:noFill/>
-          </a:ln>
-          <a:effectLst>
-            <a:outerShdw blurRad="76200" dist="63500" dir="5040000" algn="tl" rotWithShape="0">
-              <a:srgbClr val="000000">
-                <a:alpha val="41000"/>
-              </a:srgbClr>
-            </a:outerShdw>
-          </a:effectLst>
-        </p:spPr>
-      </p:pic>
       <p:sp>
         <p:nvSpPr>
           <p:cNvPr id="3" name="Symbol zastępczy numeru slajdu 2">
             <a:extLst>
               <a:ext uri="{FF2B5EF4-FFF2-40B4-BE49-F238E27FC236}">
-                <a16:creationId xmlns:a16="http://schemas.microsoft.com/office/drawing/2014/main" id="{EECA07A0-4F22-44BB-935D-0F857413D751}"/>
+                <a16:creationId xmlns:a16="http://schemas.microsoft.com/office/drawing/2014/main" id="{7485CBDF-47FC-4483-AD93-93C47AAB5FAF}"/>
               </a:ext>
             </a:extLst>
           </p:cNvPr>
@@ -25692,43 +23022,57 @@
             <p:ph type="sldNum" sz="quarter" idx="12"/>
           </p:nvPr>
         </p:nvSpPr>
+        <p:spPr/>
+        <p:txBody>
+          <a:bodyPr/>
+          <a:lstStyle/>
+          <a:p>
+            <a:r>
+              <a:rPr lang="pl-PL" dirty="0"/>
+              <a:t>18</a:t>
+            </a:r>
+          </a:p>
+        </p:txBody>
+      </p:sp>
+      <p:pic>
+        <p:nvPicPr>
+          <p:cNvPr id="9" name="Symbol zastępczy zawartości 8">
+            <a:extLst>
+              <a:ext uri="{FF2B5EF4-FFF2-40B4-BE49-F238E27FC236}">
+                <a16:creationId xmlns:a16="http://schemas.microsoft.com/office/drawing/2014/main" id="{952CDEB0-4CCB-49B3-BC05-28EFB03F6DF1}"/>
+              </a:ext>
+            </a:extLst>
+          </p:cNvPr>
+          <p:cNvPicPr>
+            <a:picLocks noGrp="1" noChangeAspect="1"/>
+          </p:cNvPicPr>
+          <p:nvPr>
+            <p:ph idx="1"/>
+          </p:nvPr>
+        </p:nvPicPr>
+        <p:blipFill>
+          <a:blip r:embed="rId2">
+            <a:extLst>
+              <a:ext uri="{28A0092B-C50C-407E-A947-70E740481C1C}">
+                <a14:useLocalDpi xmlns:a14="http://schemas.microsoft.com/office/drawing/2010/main" val="0"/>
+              </a:ext>
+            </a:extLst>
+          </a:blip>
+          <a:stretch>
+            <a:fillRect/>
+          </a:stretch>
+        </p:blipFill>
         <p:spPr>
           <a:xfrm>
-            <a:off x="11281776" y="6336872"/>
-            <a:ext cx="722655" cy="365760"/>
+            <a:off x="4125522" y="2038222"/>
+            <a:ext cx="3271649" cy="4707812"/>
           </a:xfrm>
         </p:spPr>
-        <p:txBody>
-          <a:bodyPr vert="horz" lIns="91440" tIns="45720" rIns="91440" bIns="45720" rtlCol="0" anchor="ctr">
-            <a:normAutofit/>
-          </a:bodyPr>
-          <a:lstStyle/>
-          <a:p>
-            <a:pPr defTabSz="914400">
-              <a:spcAft>
-                <a:spcPts val="600"/>
-              </a:spcAft>
-            </a:pPr>
-            <a:r>
-              <a:rPr lang="pl-PL" sz="1400" dirty="0">
-                <a:solidFill>
-                  <a:srgbClr val="FFFFFF"/>
-                </a:solidFill>
-              </a:rPr>
-              <a:t>17</a:t>
-            </a:r>
-            <a:endParaRPr lang="en-US" sz="1400" dirty="0">
-              <a:solidFill>
-                <a:srgbClr val="FFFFFF"/>
-              </a:solidFill>
-            </a:endParaRPr>
-          </a:p>
-        </p:txBody>
-      </p:sp>
+      </p:pic>
     </p:spTree>
     <p:extLst>
       <p:ext uri="{BB962C8B-B14F-4D97-AF65-F5344CB8AC3E}">
-        <p14:creationId xmlns:p14="http://schemas.microsoft.com/office/powerpoint/2010/main" val="2035800844"/>
+        <p14:creationId xmlns:p14="http://schemas.microsoft.com/office/powerpoint/2010/main" val="1422059949"/>
       </p:ext>
     </p:extLst>
   </p:cSld>
@@ -25792,7 +23136,7 @@
       </p:grpSpPr>
       <p:pic>
         <p:nvPicPr>
-          <p:cNvPr id="10" name="Picture 9">
+          <p:cNvPr id="11" name="Picture 10">
             <a:extLst>
               <a:ext uri="{FF2B5EF4-FFF2-40B4-BE49-F238E27FC236}">
                 <a16:creationId xmlns:a16="http://schemas.microsoft.com/office/drawing/2014/main" id="{5321D838-2C7E-4177-9DD3-DAC78324A2B2}"/>
@@ -25838,7 +23182,7 @@
       </p:pic>
       <p:pic>
         <p:nvPicPr>
-          <p:cNvPr id="12" name="Picture 11">
+          <p:cNvPr id="13" name="Picture 12">
             <a:extLst>
               <a:ext uri="{FF2B5EF4-FFF2-40B4-BE49-F238E27FC236}">
                 <a16:creationId xmlns:a16="http://schemas.microsoft.com/office/drawing/2014/main" id="{0146E45C-1450-4186-B501-74F221F897A8}"/>
@@ -25883,7 +23227,7 @@
       </p:pic>
       <p:pic>
         <p:nvPicPr>
-          <p:cNvPr id="14" name="Picture 13">
+          <p:cNvPr id="15" name="Picture 14">
             <a:extLst>
               <a:ext uri="{FF2B5EF4-FFF2-40B4-BE49-F238E27FC236}">
                 <a16:creationId xmlns:a16="http://schemas.microsoft.com/office/drawing/2014/main" id="{EEDDA48B-BC04-4915-ADA3-A1A9522EB0D1}"/>
@@ -25928,7 +23272,7 @@
       </p:pic>
       <p:sp>
         <p:nvSpPr>
-          <p:cNvPr id="16" name="Rectangle 15">
+          <p:cNvPr id="17" name="Rectangle 16">
             <a:extLst>
               <a:ext uri="{FF2B5EF4-FFF2-40B4-BE49-F238E27FC236}">
                 <a16:creationId xmlns:a16="http://schemas.microsoft.com/office/drawing/2014/main" id="{78C9D07A-5A22-4E55-B18A-47CF07E5080D}"/>
@@ -25986,7 +23330,7 @@
       </p:sp>
       <p:sp>
         <p:nvSpPr>
-          <p:cNvPr id="18" name="Rectangle 17">
+          <p:cNvPr id="19" name="Rectangle 18">
             <a:extLst>
               <a:ext uri="{FF2B5EF4-FFF2-40B4-BE49-F238E27FC236}">
                 <a16:creationId xmlns:a16="http://schemas.microsoft.com/office/drawing/2014/main" id="{3D71E629-0739-4A59-972B-A9E9A4500E31}"/>
@@ -26041,7 +23385,7 @@
       </p:sp>
       <p:sp useBgFill="1">
         <p:nvSpPr>
-          <p:cNvPr id="20" name="Rectangle 19">
+          <p:cNvPr id="21" name="Rectangle 20">
             <a:extLst>
               <a:ext uri="{FF2B5EF4-FFF2-40B4-BE49-F238E27FC236}">
                 <a16:creationId xmlns:a16="http://schemas.microsoft.com/office/drawing/2014/main" id="{00573A24-AD84-4562-A993-7D04E1D18209}"/>
@@ -26101,7 +23445,7 @@
       </p:sp>
       <p:pic>
         <p:nvPicPr>
-          <p:cNvPr id="22" name="Picture 21">
+          <p:cNvPr id="23" name="Picture 22">
             <a:extLst>
               <a:ext uri="{FF2B5EF4-FFF2-40B4-BE49-F238E27FC236}">
                 <a16:creationId xmlns:a16="http://schemas.microsoft.com/office/drawing/2014/main" id="{B3C087F8-F09C-4C07-B55F-6081689A2413}"/>
@@ -26147,7 +23491,7 @@
       </p:pic>
       <p:sp>
         <p:nvSpPr>
-          <p:cNvPr id="24" name="Rectangle 23">
+          <p:cNvPr id="25" name="Rectangle 24">
             <a:extLst>
               <a:ext uri="{FF2B5EF4-FFF2-40B4-BE49-F238E27FC236}">
                 <a16:creationId xmlns:a16="http://schemas.microsoft.com/office/drawing/2014/main" id="{FC49D257-5737-4C0D-89EA-9C311AF2B8B5}"/>
@@ -26207,7 +23551,7 @@
       </p:sp>
       <p:pic>
         <p:nvPicPr>
-          <p:cNvPr id="26" name="Picture 25">
+          <p:cNvPr id="27" name="Picture 26">
             <a:extLst>
               <a:ext uri="{FF2B5EF4-FFF2-40B4-BE49-F238E27FC236}">
                 <a16:creationId xmlns:a16="http://schemas.microsoft.com/office/drawing/2014/main" id="{E13D267A-94F5-488A-94C6-5D7156D9AF8C}"/>
@@ -26252,7 +23596,7 @@
       </p:pic>
       <p:sp>
         <p:nvSpPr>
-          <p:cNvPr id="28" name="Rectangle 27">
+          <p:cNvPr id="29" name="Rectangle 28">
             <a:extLst>
               <a:ext uri="{FF2B5EF4-FFF2-40B4-BE49-F238E27FC236}">
                 <a16:creationId xmlns:a16="http://schemas.microsoft.com/office/drawing/2014/main" id="{46CE3EB2-91DF-4F5D-8874-744AAAE311E1}"/>
@@ -26313,7 +23657,741 @@
           <p:cNvPr id="2" name="Tytuł 1">
             <a:extLst>
               <a:ext uri="{FF2B5EF4-FFF2-40B4-BE49-F238E27FC236}">
-                <a16:creationId xmlns:a16="http://schemas.microsoft.com/office/drawing/2014/main" id="{7B20D057-D7F8-484A-99CE-44C5074C854D}"/>
+                <a16:creationId xmlns:a16="http://schemas.microsoft.com/office/drawing/2014/main" id="{19DA3A90-709B-45A7-A9D0-9ABDD69621A6}"/>
+              </a:ext>
+            </a:extLst>
+          </p:cNvPr>
+          <p:cNvSpPr>
+            <a:spLocks noGrp="1"/>
+          </p:cNvSpPr>
+          <p:nvPr>
+            <p:ph type="title"/>
+          </p:nvPr>
+        </p:nvSpPr>
+        <p:spPr>
+          <a:xfrm>
+            <a:off x="153989" y="2353444"/>
+            <a:ext cx="6092824" cy="2133600"/>
+          </a:xfrm>
+        </p:spPr>
+        <p:txBody>
+          <a:bodyPr vert="horz" lIns="91440" tIns="45720" rIns="91440" bIns="45720" rtlCol="0" anchor="ctr">
+            <a:normAutofit/>
+          </a:bodyPr>
+          <a:lstStyle/>
+          <a:p>
+            <a:pPr algn="r"/>
+            <a:r>
+              <a:rPr lang="en-US" sz="5400" dirty="0" err="1"/>
+              <a:t>Oferta</a:t>
+            </a:r>
+            <a:r>
+              <a:rPr lang="en-US" sz="5400" dirty="0"/>
+              <a:t> </a:t>
+            </a:r>
+            <a:r>
+              <a:rPr lang="en-US" sz="5400" dirty="0" err="1"/>
+              <a:t>dla</a:t>
+            </a:r>
+            <a:r>
+              <a:rPr lang="en-US" sz="5400" dirty="0"/>
+              <a:t> </a:t>
+            </a:r>
+            <a:r>
+              <a:rPr lang="en-US" sz="5400" dirty="0" err="1"/>
+              <a:t>klienta</a:t>
+            </a:r>
+            <a:endParaRPr lang="en-US" sz="5400" dirty="0"/>
+          </a:p>
+        </p:txBody>
+      </p:sp>
+      <p:pic>
+        <p:nvPicPr>
+          <p:cNvPr id="6" name="Grafika 5">
+            <a:extLst>
+              <a:ext uri="{FF2B5EF4-FFF2-40B4-BE49-F238E27FC236}">
+                <a16:creationId xmlns:a16="http://schemas.microsoft.com/office/drawing/2014/main" id="{9D52F2D7-8BE2-47E9-A38D-0154EE4E9BF4}"/>
+              </a:ext>
+            </a:extLst>
+          </p:cNvPr>
+          <p:cNvPicPr>
+            <a:picLocks noChangeAspect="1"/>
+          </p:cNvPicPr>
+          <p:nvPr/>
+        </p:nvPicPr>
+        <p:blipFill>
+          <a:blip r:embed="rId5">
+            <a:extLst>
+              <a:ext uri="{28A0092B-C50C-407E-A947-70E740481C1C}">
+                <a14:useLocalDpi xmlns:a14="http://schemas.microsoft.com/office/drawing/2010/main" val="0"/>
+              </a:ext>
+              <a:ext uri="{96DAC541-7B7A-43D3-8B79-37D633B846F1}">
+                <asvg:svgBlip xmlns:asvg="http://schemas.microsoft.com/office/drawing/2016/SVG/main" r:embed="rId6"/>
+              </a:ext>
+            </a:extLst>
+          </a:blip>
+          <a:stretch>
+            <a:fillRect/>
+          </a:stretch>
+        </p:blipFill>
+        <p:spPr>
+          <a:xfrm>
+            <a:off x="6411742" y="641987"/>
+            <a:ext cx="5682703" cy="5539517"/>
+          </a:xfrm>
+          <a:prstGeom prst="rect">
+            <a:avLst/>
+          </a:prstGeom>
+          <a:ln>
+            <a:noFill/>
+          </a:ln>
+          <a:effectLst>
+            <a:outerShdw blurRad="76200" dist="63500" dir="5040000" algn="tl" rotWithShape="0">
+              <a:srgbClr val="000000">
+                <a:alpha val="41000"/>
+              </a:srgbClr>
+            </a:outerShdw>
+          </a:effectLst>
+        </p:spPr>
+      </p:pic>
+      <p:sp>
+        <p:nvSpPr>
+          <p:cNvPr id="3" name="Symbol zastępczy numeru slajdu 2">
+            <a:extLst>
+              <a:ext uri="{FF2B5EF4-FFF2-40B4-BE49-F238E27FC236}">
+                <a16:creationId xmlns:a16="http://schemas.microsoft.com/office/drawing/2014/main" id="{E2E58A61-4D6C-4842-B21E-D1F4E52A61A8}"/>
+              </a:ext>
+            </a:extLst>
+          </p:cNvPr>
+          <p:cNvSpPr>
+            <a:spLocks noGrp="1"/>
+          </p:cNvSpPr>
+          <p:nvPr>
+            <p:ph type="sldNum" sz="quarter" idx="12"/>
+          </p:nvPr>
+        </p:nvSpPr>
+        <p:spPr>
+          <a:xfrm>
+            <a:off x="11281776" y="6336872"/>
+            <a:ext cx="722655" cy="365760"/>
+          </a:xfrm>
+        </p:spPr>
+        <p:txBody>
+          <a:bodyPr vert="horz" lIns="91440" tIns="45720" rIns="91440" bIns="45720" rtlCol="0" anchor="ctr">
+            <a:normAutofit/>
+          </a:bodyPr>
+          <a:lstStyle/>
+          <a:p>
+            <a:pPr defTabSz="914400">
+              <a:spcAft>
+                <a:spcPts val="600"/>
+              </a:spcAft>
+            </a:pPr>
+            <a:r>
+              <a:rPr lang="pl-PL" sz="1400" dirty="0">
+                <a:solidFill>
+                  <a:srgbClr val="FFFFFF"/>
+                </a:solidFill>
+              </a:rPr>
+              <a:t>19</a:t>
+            </a:r>
+            <a:endParaRPr lang="en-US" sz="1400" dirty="0">
+              <a:solidFill>
+                <a:srgbClr val="FFFFFF"/>
+              </a:solidFill>
+            </a:endParaRPr>
+          </a:p>
+        </p:txBody>
+      </p:sp>
+    </p:spTree>
+    <p:extLst>
+      <p:ext uri="{BB962C8B-B14F-4D97-AF65-F5344CB8AC3E}">
+        <p14:creationId xmlns:p14="http://schemas.microsoft.com/office/powerpoint/2010/main" val="832810156"/>
+      </p:ext>
+    </p:extLst>
+  </p:cSld>
+  <p:clrMapOvr>
+    <a:masterClrMapping/>
+  </p:clrMapOvr>
+</p:sld>
+</file>
+
+<file path=ppt/slides/slide34.xml><?xml version="1.0" encoding="utf-8"?>
+<p:sld xmlns:a="http://schemas.openxmlformats.org/drawingml/2006/main" xmlns:r="http://schemas.openxmlformats.org/officeDocument/2006/relationships" xmlns:p="http://schemas.openxmlformats.org/presentationml/2006/main">
+  <p:cSld>
+    <p:bg>
+      <p:bgPr>
+        <a:gradFill rotWithShape="1">
+          <a:gsLst>
+            <a:gs pos="0">
+              <a:schemeClr val="bg2">
+                <a:tint val="96000"/>
+                <a:shade val="100000"/>
+                <a:hueMod val="270000"/>
+                <a:satMod val="200000"/>
+                <a:lumMod val="128000"/>
+              </a:schemeClr>
+            </a:gs>
+            <a:gs pos="50000">
+              <a:schemeClr val="bg2">
+                <a:shade val="100000"/>
+                <a:hueMod val="100000"/>
+                <a:satMod val="110000"/>
+                <a:lumMod val="130000"/>
+              </a:schemeClr>
+            </a:gs>
+            <a:gs pos="100000">
+              <a:schemeClr val="bg2">
+                <a:shade val="78000"/>
+                <a:hueMod val="44000"/>
+                <a:satMod val="200000"/>
+                <a:lumMod val="69000"/>
+              </a:schemeClr>
+            </a:gs>
+          </a:gsLst>
+          <a:lin ang="2520000" scaled="0"/>
+        </a:gradFill>
+        <a:effectLst/>
+      </p:bgPr>
+    </p:bg>
+    <p:spTree>
+      <p:nvGrpSpPr>
+        <p:cNvPr id="1" name=""/>
+        <p:cNvGrpSpPr/>
+        <p:nvPr/>
+      </p:nvGrpSpPr>
+      <p:grpSpPr>
+        <a:xfrm>
+          <a:off x="0" y="0"/>
+          <a:ext cx="0" cy="0"/>
+          <a:chOff x="0" y="0"/>
+          <a:chExt cx="0" cy="0"/>
+        </a:xfrm>
+      </p:grpSpPr>
+      <p:pic>
+        <p:nvPicPr>
+          <p:cNvPr id="11" name="Picture 10">
+            <a:extLst>
+              <a:ext uri="{FF2B5EF4-FFF2-40B4-BE49-F238E27FC236}">
+                <a16:creationId xmlns:a16="http://schemas.microsoft.com/office/drawing/2014/main" id="{5321D838-2C7E-4177-9DD3-DAC78324A2B2}"/>
+              </a:ext>
+              <a:ext uri="{C183D7F6-B498-43B3-948B-1728B52AA6E4}">
+                <adec:decorative xmlns:adec="http://schemas.microsoft.com/office/drawing/2017/decorative" val="1"/>
+              </a:ext>
+            </a:extLst>
+          </p:cNvPr>
+          <p:cNvPicPr>
+            <a:picLocks noGrp="1" noRot="1" noChangeAspect="1" noMove="1" noResize="1" noEditPoints="1" noAdjustHandles="1" noChangeArrowheads="1" noChangeShapeType="1" noCrop="1"/>
+          </p:cNvPicPr>
+          <p:nvPr>
+            <p:extLst>
+              <p:ext uri="{386F3935-93C4-4BCD-93E2-E3B085C9AB24}">
+                <p16:designElem xmlns:p16="http://schemas.microsoft.com/office/powerpoint/2015/main" val="1"/>
+              </p:ext>
+            </p:extLst>
+          </p:nvPr>
+        </p:nvPicPr>
+        <p:blipFill>
+          <a:blip r:embed="rId2">
+            <a:alphaModFix amt="10000"/>
+            <a:extLst>
+              <a:ext uri="{28A0092B-C50C-407E-A947-70E740481C1C}">
+                <a14:useLocalDpi xmlns:a14="http://schemas.microsoft.com/office/drawing/2010/main" val="0"/>
+              </a:ext>
+            </a:extLst>
+          </a:blip>
+          <a:stretch>
+            <a:fillRect/>
+          </a:stretch>
+        </p:blipFill>
+        <p:spPr>
+          <a:xfrm>
+            <a:off x="0" y="0"/>
+            <a:ext cx="12192000" cy="6858000"/>
+          </a:xfrm>
+          <a:prstGeom prst="rect">
+            <a:avLst/>
+          </a:prstGeom>
+        </p:spPr>
+      </p:pic>
+      <p:pic>
+        <p:nvPicPr>
+          <p:cNvPr id="13" name="Picture 12">
+            <a:extLst>
+              <a:ext uri="{FF2B5EF4-FFF2-40B4-BE49-F238E27FC236}">
+                <a16:creationId xmlns:a16="http://schemas.microsoft.com/office/drawing/2014/main" id="{0146E45C-1450-4186-B501-74F221F897A8}"/>
+              </a:ext>
+              <a:ext uri="{C183D7F6-B498-43B3-948B-1728B52AA6E4}">
+                <adec:decorative xmlns:adec="http://schemas.microsoft.com/office/drawing/2017/decorative" val="1"/>
+              </a:ext>
+            </a:extLst>
+          </p:cNvPr>
+          <p:cNvPicPr>
+            <a:picLocks noGrp="1" noRot="1" noChangeAspect="1" noMove="1" noResize="1" noEditPoints="1" noAdjustHandles="1" noChangeArrowheads="1" noChangeShapeType="1" noCrop="1"/>
+          </p:cNvPicPr>
+          <p:nvPr>
+            <p:extLst>
+              <p:ext uri="{386F3935-93C4-4BCD-93E2-E3B085C9AB24}">
+                <p16:designElem xmlns:p16="http://schemas.microsoft.com/office/powerpoint/2015/main" val="1"/>
+              </p:ext>
+            </p:extLst>
+          </p:nvPr>
+        </p:nvPicPr>
+        <p:blipFill>
+          <a:blip r:embed="rId3">
+            <a:extLst>
+              <a:ext uri="{28A0092B-C50C-407E-A947-70E740481C1C}">
+                <a14:useLocalDpi xmlns:a14="http://schemas.microsoft.com/office/drawing/2010/main" val="0"/>
+              </a:ext>
+            </a:extLst>
+          </a:blip>
+          <a:stretch>
+            <a:fillRect/>
+          </a:stretch>
+        </p:blipFill>
+        <p:spPr>
+          <a:xfrm>
+            <a:off x="1" y="4242851"/>
+            <a:ext cx="8968084" cy="275942"/>
+          </a:xfrm>
+          <a:prstGeom prst="rect">
+            <a:avLst/>
+          </a:prstGeom>
+        </p:spPr>
+      </p:pic>
+      <p:pic>
+        <p:nvPicPr>
+          <p:cNvPr id="15" name="Picture 14">
+            <a:extLst>
+              <a:ext uri="{FF2B5EF4-FFF2-40B4-BE49-F238E27FC236}">
+                <a16:creationId xmlns:a16="http://schemas.microsoft.com/office/drawing/2014/main" id="{EEDDA48B-BC04-4915-ADA3-A1A9522EB0D1}"/>
+              </a:ext>
+              <a:ext uri="{C183D7F6-B498-43B3-948B-1728B52AA6E4}">
+                <adec:decorative xmlns:adec="http://schemas.microsoft.com/office/drawing/2017/decorative" val="1"/>
+              </a:ext>
+            </a:extLst>
+          </p:cNvPr>
+          <p:cNvPicPr>
+            <a:picLocks noGrp="1" noRot="1" noChangeAspect="1" noMove="1" noResize="1" noEditPoints="1" noAdjustHandles="1" noChangeArrowheads="1" noChangeShapeType="1" noCrop="1"/>
+          </p:cNvPicPr>
+          <p:nvPr>
+            <p:extLst>
+              <p:ext uri="{386F3935-93C4-4BCD-93E2-E3B085C9AB24}">
+                <p16:designElem xmlns:p16="http://schemas.microsoft.com/office/powerpoint/2015/main" val="1"/>
+              </p:ext>
+            </p:extLst>
+          </p:nvPr>
+        </p:nvPicPr>
+        <p:blipFill>
+          <a:blip r:embed="rId4">
+            <a:extLst>
+              <a:ext uri="{28A0092B-C50C-407E-A947-70E740481C1C}">
+                <a14:useLocalDpi xmlns:a14="http://schemas.microsoft.com/office/drawing/2010/main" val="0"/>
+              </a:ext>
+            </a:extLst>
+          </a:blip>
+          <a:stretch>
+            <a:fillRect/>
+          </a:stretch>
+        </p:blipFill>
+        <p:spPr>
+          <a:xfrm>
+            <a:off x="9111716" y="4243845"/>
+            <a:ext cx="3077108" cy="276940"/>
+          </a:xfrm>
+          <a:prstGeom prst="rect">
+            <a:avLst/>
+          </a:prstGeom>
+        </p:spPr>
+      </p:pic>
+      <p:sp>
+        <p:nvSpPr>
+          <p:cNvPr id="17" name="Rectangle 16">
+            <a:extLst>
+              <a:ext uri="{FF2B5EF4-FFF2-40B4-BE49-F238E27FC236}">
+                <a16:creationId xmlns:a16="http://schemas.microsoft.com/office/drawing/2014/main" id="{78C9D07A-5A22-4E55-B18A-47CF07E5080D}"/>
+              </a:ext>
+              <a:ext uri="{C183D7F6-B498-43B3-948B-1728B52AA6E4}">
+                <adec:decorative xmlns:adec="http://schemas.microsoft.com/office/drawing/2017/decorative" val="1"/>
+              </a:ext>
+            </a:extLst>
+          </p:cNvPr>
+          <p:cNvSpPr>
+            <a:spLocks noGrp="1" noRot="1" noChangeAspect="1" noMove="1" noResize="1" noEditPoints="1" noAdjustHandles="1" noChangeArrowheads="1" noChangeShapeType="1" noTextEdit="1"/>
+          </p:cNvSpPr>
+          <p:nvPr>
+            <p:extLst>
+              <p:ext uri="{386F3935-93C4-4BCD-93E2-E3B085C9AB24}">
+                <p16:designElem xmlns:p16="http://schemas.microsoft.com/office/powerpoint/2015/main" val="1"/>
+              </p:ext>
+            </p:extLst>
+          </p:nvPr>
+        </p:nvSpPr>
+        <p:spPr>
+          <a:xfrm>
+            <a:off x="0" y="2590078"/>
+            <a:ext cx="8968085" cy="1660332"/>
+          </a:xfrm>
+          <a:prstGeom prst="rect">
+            <a:avLst/>
+          </a:prstGeom>
+          <a:solidFill>
+            <a:schemeClr val="bg1">
+              <a:lumMod val="85000"/>
+              <a:lumOff val="15000"/>
+            </a:schemeClr>
+          </a:solidFill>
+          <a:ln>
+            <a:noFill/>
+          </a:ln>
+        </p:spPr>
+        <p:style>
+          <a:lnRef idx="2">
+            <a:schemeClr val="accent1">
+              <a:shade val="50000"/>
+            </a:schemeClr>
+          </a:lnRef>
+          <a:fillRef idx="1">
+            <a:schemeClr val="accent1"/>
+          </a:fillRef>
+          <a:effectRef idx="0">
+            <a:schemeClr val="accent1"/>
+          </a:effectRef>
+          <a:fontRef idx="minor">
+            <a:schemeClr val="lt1"/>
+          </a:fontRef>
+        </p:style>
+      </p:sp>
+      <p:sp>
+        <p:nvSpPr>
+          <p:cNvPr id="19" name="Rectangle 18">
+            <a:extLst>
+              <a:ext uri="{FF2B5EF4-FFF2-40B4-BE49-F238E27FC236}">
+                <a16:creationId xmlns:a16="http://schemas.microsoft.com/office/drawing/2014/main" id="{3D71E629-0739-4A59-972B-A9E9A4500E31}"/>
+              </a:ext>
+              <a:ext uri="{C183D7F6-B498-43B3-948B-1728B52AA6E4}">
+                <adec:decorative xmlns:adec="http://schemas.microsoft.com/office/drawing/2017/decorative" val="1"/>
+              </a:ext>
+            </a:extLst>
+          </p:cNvPr>
+          <p:cNvSpPr>
+            <a:spLocks noGrp="1" noRot="1" noChangeAspect="1" noMove="1" noResize="1" noEditPoints="1" noAdjustHandles="1" noChangeArrowheads="1" noChangeShapeType="1" noTextEdit="1"/>
+          </p:cNvSpPr>
+          <p:nvPr>
+            <p:extLst>
+              <p:ext uri="{386F3935-93C4-4BCD-93E2-E3B085C9AB24}">
+                <p16:designElem xmlns:p16="http://schemas.microsoft.com/office/powerpoint/2015/main" val="1"/>
+              </p:ext>
+            </p:extLst>
+          </p:nvPr>
+        </p:nvSpPr>
+        <p:spPr>
+          <a:xfrm>
+            <a:off x="9111715" y="2590078"/>
+            <a:ext cx="3077109" cy="1660332"/>
+          </a:xfrm>
+          <a:prstGeom prst="rect">
+            <a:avLst/>
+          </a:prstGeom>
+          <a:solidFill>
+            <a:schemeClr val="accent1"/>
+          </a:solidFill>
+          <a:ln>
+            <a:noFill/>
+          </a:ln>
+        </p:spPr>
+        <p:style>
+          <a:lnRef idx="2">
+            <a:schemeClr val="accent1">
+              <a:shade val="50000"/>
+            </a:schemeClr>
+          </a:lnRef>
+          <a:fillRef idx="1">
+            <a:schemeClr val="accent1"/>
+          </a:fillRef>
+          <a:effectRef idx="0">
+            <a:schemeClr val="accent1"/>
+          </a:effectRef>
+          <a:fontRef idx="minor">
+            <a:schemeClr val="lt1"/>
+          </a:fontRef>
+        </p:style>
+      </p:sp>
+      <p:sp useBgFill="1">
+        <p:nvSpPr>
+          <p:cNvPr id="21" name="Rectangle 20">
+            <a:extLst>
+              <a:ext uri="{FF2B5EF4-FFF2-40B4-BE49-F238E27FC236}">
+                <a16:creationId xmlns:a16="http://schemas.microsoft.com/office/drawing/2014/main" id="{00573A24-AD84-4562-A993-7D04E1D18209}"/>
+              </a:ext>
+              <a:ext uri="{C183D7F6-B498-43B3-948B-1728B52AA6E4}">
+                <adec:decorative xmlns:adec="http://schemas.microsoft.com/office/drawing/2017/decorative" val="1"/>
+              </a:ext>
+            </a:extLst>
+          </p:cNvPr>
+          <p:cNvSpPr>
+            <a:spLocks noGrp="1" noRot="1" noChangeAspect="1" noMove="1" noResize="1" noEditPoints="1" noAdjustHandles="1" noChangeArrowheads="1" noChangeShapeType="1" noTextEdit="1"/>
+          </p:cNvSpPr>
+          <p:nvPr>
+            <p:extLst>
+              <p:ext uri="{386F3935-93C4-4BCD-93E2-E3B085C9AB24}">
+                <p16:designElem xmlns:p16="http://schemas.microsoft.com/office/powerpoint/2015/main" val="1"/>
+              </p:ext>
+            </p:extLst>
+          </p:nvPr>
+        </p:nvSpPr>
+        <p:spPr>
+          <a:xfrm>
+            <a:off x="0" y="0"/>
+            <a:ext cx="12188824" cy="6858000"/>
+          </a:xfrm>
+          <a:prstGeom prst="rect">
+            <a:avLst/>
+          </a:prstGeom>
+          <a:ln>
+            <a:noFill/>
+          </a:ln>
+        </p:spPr>
+        <p:style>
+          <a:lnRef idx="2">
+            <a:schemeClr val="accent1">
+              <a:shade val="50000"/>
+            </a:schemeClr>
+          </a:lnRef>
+          <a:fillRef idx="1">
+            <a:schemeClr val="accent1"/>
+          </a:fillRef>
+          <a:effectRef idx="0">
+            <a:schemeClr val="accent1"/>
+          </a:effectRef>
+          <a:fontRef idx="minor">
+            <a:schemeClr val="lt1"/>
+          </a:fontRef>
+        </p:style>
+        <p:txBody>
+          <a:bodyPr rtlCol="0" anchor="ctr"/>
+          <a:lstStyle/>
+          <a:p>
+            <a:pPr algn="ctr"/>
+            <a:endParaRPr lang="en-US"/>
+          </a:p>
+        </p:txBody>
+      </p:sp>
+      <p:pic>
+        <p:nvPicPr>
+          <p:cNvPr id="23" name="Picture 22">
+            <a:extLst>
+              <a:ext uri="{FF2B5EF4-FFF2-40B4-BE49-F238E27FC236}">
+                <a16:creationId xmlns:a16="http://schemas.microsoft.com/office/drawing/2014/main" id="{B3C087F8-F09C-4C07-B55F-6081689A2413}"/>
+              </a:ext>
+              <a:ext uri="{C183D7F6-B498-43B3-948B-1728B52AA6E4}">
+                <adec:decorative xmlns:adec="http://schemas.microsoft.com/office/drawing/2017/decorative" val="1"/>
+              </a:ext>
+            </a:extLst>
+          </p:cNvPr>
+          <p:cNvPicPr>
+            <a:picLocks noGrp="1" noRot="1" noChangeAspect="1" noMove="1" noResize="1" noEditPoints="1" noAdjustHandles="1" noChangeArrowheads="1" noChangeShapeType="1" noCrop="1"/>
+          </p:cNvPicPr>
+          <p:nvPr>
+            <p:extLst>
+              <p:ext uri="{386F3935-93C4-4BCD-93E2-E3B085C9AB24}">
+                <p16:designElem xmlns:p16="http://schemas.microsoft.com/office/powerpoint/2015/main" val="1"/>
+              </p:ext>
+            </p:extLst>
+          </p:nvPr>
+        </p:nvPicPr>
+        <p:blipFill>
+          <a:blip r:embed="rId2">
+            <a:alphaModFix amt="10000"/>
+            <a:extLst>
+              <a:ext uri="{28A0092B-C50C-407E-A947-70E740481C1C}">
+                <a14:useLocalDpi xmlns:a14="http://schemas.microsoft.com/office/drawing/2010/main" val="0"/>
+              </a:ext>
+            </a:extLst>
+          </a:blip>
+          <a:stretch>
+            <a:fillRect/>
+          </a:stretch>
+        </p:blipFill>
+        <p:spPr>
+          <a:xfrm>
+            <a:off x="0" y="0"/>
+            <a:ext cx="12192000" cy="6858000"/>
+          </a:xfrm>
+          <a:prstGeom prst="rect">
+            <a:avLst/>
+          </a:prstGeom>
+        </p:spPr>
+      </p:pic>
+      <p:sp>
+        <p:nvSpPr>
+          <p:cNvPr id="25" name="Rectangle 24">
+            <a:extLst>
+              <a:ext uri="{FF2B5EF4-FFF2-40B4-BE49-F238E27FC236}">
+                <a16:creationId xmlns:a16="http://schemas.microsoft.com/office/drawing/2014/main" id="{FC49D257-5737-4C0D-89EA-9C311AF2B8B5}"/>
+              </a:ext>
+              <a:ext uri="{C183D7F6-B498-43B3-948B-1728B52AA6E4}">
+                <adec:decorative xmlns:adec="http://schemas.microsoft.com/office/drawing/2017/decorative" val="1"/>
+              </a:ext>
+            </a:extLst>
+          </p:cNvPr>
+          <p:cNvSpPr>
+            <a:spLocks noGrp="1" noRot="1" noChangeAspect="1" noMove="1" noResize="1" noEditPoints="1" noAdjustHandles="1" noChangeArrowheads="1" noChangeShapeType="1" noTextEdit="1"/>
+          </p:cNvSpPr>
+          <p:nvPr>
+            <p:extLst>
+              <p:ext uri="{386F3935-93C4-4BCD-93E2-E3B085C9AB24}">
+                <p16:designElem xmlns:p16="http://schemas.microsoft.com/office/powerpoint/2015/main" val="1"/>
+              </p:ext>
+            </p:extLst>
+          </p:nvPr>
+        </p:nvSpPr>
+        <p:spPr>
+          <a:xfrm>
+            <a:off x="6099176" y="0"/>
+            <a:ext cx="6092824" cy="6858001"/>
+          </a:xfrm>
+          <a:prstGeom prst="rect">
+            <a:avLst/>
+          </a:prstGeom>
+          <a:ln>
+            <a:noFill/>
+          </a:ln>
+        </p:spPr>
+        <p:style>
+          <a:lnRef idx="2">
+            <a:schemeClr val="accent1">
+              <a:shade val="50000"/>
+            </a:schemeClr>
+          </a:lnRef>
+          <a:fillRef idx="1">
+            <a:schemeClr val="accent1"/>
+          </a:fillRef>
+          <a:effectRef idx="0">
+            <a:schemeClr val="accent1"/>
+          </a:effectRef>
+          <a:fontRef idx="minor">
+            <a:schemeClr val="lt1"/>
+          </a:fontRef>
+        </p:style>
+        <p:txBody>
+          <a:bodyPr rtlCol="0" anchor="ctr"/>
+          <a:lstStyle/>
+          <a:p>
+            <a:pPr algn="ctr"/>
+            <a:endParaRPr lang="en-US"/>
+          </a:p>
+        </p:txBody>
+      </p:sp>
+      <p:pic>
+        <p:nvPicPr>
+          <p:cNvPr id="27" name="Picture 26">
+            <a:extLst>
+              <a:ext uri="{FF2B5EF4-FFF2-40B4-BE49-F238E27FC236}">
+                <a16:creationId xmlns:a16="http://schemas.microsoft.com/office/drawing/2014/main" id="{E13D267A-94F5-488A-94C6-5D7156D9AF8C}"/>
+              </a:ext>
+              <a:ext uri="{C183D7F6-B498-43B3-948B-1728B52AA6E4}">
+                <adec:decorative xmlns:adec="http://schemas.microsoft.com/office/drawing/2017/decorative" val="1"/>
+              </a:ext>
+            </a:extLst>
+          </p:cNvPr>
+          <p:cNvPicPr>
+            <a:picLocks noGrp="1" noRot="1" noChangeAspect="1" noMove="1" noResize="1" noEditPoints="1" noAdjustHandles="1" noChangeArrowheads="1" noChangeShapeType="1" noCrop="1"/>
+          </p:cNvPicPr>
+          <p:nvPr>
+            <p:extLst>
+              <p:ext uri="{386F3935-93C4-4BCD-93E2-E3B085C9AB24}">
+                <p16:designElem xmlns:p16="http://schemas.microsoft.com/office/powerpoint/2015/main" val="1"/>
+              </p:ext>
+            </p:extLst>
+          </p:nvPr>
+        </p:nvPicPr>
+        <p:blipFill>
+          <a:blip r:embed="rId3">
+            <a:extLst>
+              <a:ext uri="{28A0092B-C50C-407E-A947-70E740481C1C}">
+                <a14:useLocalDpi xmlns:a14="http://schemas.microsoft.com/office/drawing/2010/main" val="0"/>
+              </a:ext>
+            </a:extLst>
+          </a:blip>
+          <a:stretch>
+            <a:fillRect/>
+          </a:stretch>
+        </p:blipFill>
+        <p:spPr>
+          <a:xfrm>
+            <a:off x="1" y="4688333"/>
+            <a:ext cx="6400800" cy="185701"/>
+          </a:xfrm>
+          <a:prstGeom prst="rect">
+            <a:avLst/>
+          </a:prstGeom>
+        </p:spPr>
+      </p:pic>
+      <p:sp>
+        <p:nvSpPr>
+          <p:cNvPr id="29" name="Rectangle 28">
+            <a:extLst>
+              <a:ext uri="{FF2B5EF4-FFF2-40B4-BE49-F238E27FC236}">
+                <a16:creationId xmlns:a16="http://schemas.microsoft.com/office/drawing/2014/main" id="{46CE3EB2-91DF-4F5D-8874-744AAAE311E1}"/>
+              </a:ext>
+              <a:ext uri="{C183D7F6-B498-43B3-948B-1728B52AA6E4}">
+                <adec:decorative xmlns:adec="http://schemas.microsoft.com/office/drawing/2017/decorative" val="1"/>
+              </a:ext>
+            </a:extLst>
+          </p:cNvPr>
+          <p:cNvSpPr>
+            <a:spLocks noGrp="1" noRot="1" noChangeAspect="1" noMove="1" noResize="1" noEditPoints="1" noAdjustHandles="1" noChangeArrowheads="1" noChangeShapeType="1" noTextEdit="1"/>
+          </p:cNvSpPr>
+          <p:nvPr>
+            <p:extLst>
+              <p:ext uri="{386F3935-93C4-4BCD-93E2-E3B085C9AB24}">
+                <p16:designElem xmlns:p16="http://schemas.microsoft.com/office/powerpoint/2015/main" val="1"/>
+              </p:ext>
+            </p:extLst>
+          </p:nvPr>
+        </p:nvSpPr>
+        <p:spPr>
+          <a:xfrm>
+            <a:off x="-1" y="2162908"/>
+            <a:ext cx="6411743" cy="2532185"/>
+          </a:xfrm>
+          <a:prstGeom prst="rect">
+            <a:avLst/>
+          </a:prstGeom>
+          <a:solidFill>
+            <a:schemeClr val="bg1">
+              <a:lumMod val="85000"/>
+              <a:lumOff val="15000"/>
+            </a:schemeClr>
+          </a:solidFill>
+          <a:ln>
+            <a:noFill/>
+          </a:ln>
+        </p:spPr>
+        <p:style>
+          <a:lnRef idx="2">
+            <a:schemeClr val="accent1">
+              <a:shade val="50000"/>
+            </a:schemeClr>
+          </a:lnRef>
+          <a:fillRef idx="1">
+            <a:schemeClr val="accent1"/>
+          </a:fillRef>
+          <a:effectRef idx="0">
+            <a:schemeClr val="accent1"/>
+          </a:effectRef>
+          <a:fontRef idx="minor">
+            <a:schemeClr val="lt1"/>
+          </a:fontRef>
+        </p:style>
+      </p:sp>
+      <p:sp>
+        <p:nvSpPr>
+          <p:cNvPr id="2" name="Tytuł 1">
+            <a:extLst>
+              <a:ext uri="{FF2B5EF4-FFF2-40B4-BE49-F238E27FC236}">
+                <a16:creationId xmlns:a16="http://schemas.microsoft.com/office/drawing/2014/main" id="{9A9CFD2E-1CB9-4BE0-A19F-39F50F06787F}"/>
               </a:ext>
             </a:extLst>
           </p:cNvPr>
@@ -26339,17 +24417,17 @@
             <a:pPr algn="r"/>
             <a:r>
               <a:rPr lang="en-US" sz="5400"/>
-              <a:t>Opłaty stałe</a:t>
+              <a:t>Wypłata</a:t>
             </a:r>
           </a:p>
         </p:txBody>
       </p:sp>
       <p:pic>
         <p:nvPicPr>
-          <p:cNvPr id="5" name="Grafika 4">
+          <p:cNvPr id="6" name="Grafika 5">
             <a:extLst>
               <a:ext uri="{FF2B5EF4-FFF2-40B4-BE49-F238E27FC236}">
-                <a16:creationId xmlns:a16="http://schemas.microsoft.com/office/drawing/2014/main" id="{0F4A7A36-9EAF-43AA-9C29-C93D312E0A9C}"/>
+                <a16:creationId xmlns:a16="http://schemas.microsoft.com/office/drawing/2014/main" id="{85F13346-7A7E-42F0-9E19-DD3D04A713B3}"/>
               </a:ext>
             </a:extLst>
           </p:cNvPr>
@@ -26375,8 +24453,8 @@
         </p:blipFill>
         <p:spPr>
           <a:xfrm>
-            <a:off x="6736078" y="972766"/>
-            <a:ext cx="5230293" cy="4546665"/>
+            <a:off x="6748892" y="363396"/>
+            <a:ext cx="4585511" cy="6213269"/>
           </a:xfrm>
           <a:prstGeom prst="rect">
             <a:avLst/>
@@ -26398,7 +24476,7 @@
           <p:cNvPr id="3" name="Symbol zastępczy numeru slajdu 2">
             <a:extLst>
               <a:ext uri="{FF2B5EF4-FFF2-40B4-BE49-F238E27FC236}">
-                <a16:creationId xmlns:a16="http://schemas.microsoft.com/office/drawing/2014/main" id="{58498F4A-5208-4983-90A0-3F6DDE5D2EA1}"/>
+                <a16:creationId xmlns:a16="http://schemas.microsoft.com/office/drawing/2014/main" id="{CE7AD045-BE5B-4573-88F7-306DABEE216F}"/>
               </a:ext>
             </a:extLst>
           </p:cNvPr>
@@ -26432,7 +24510,7 @@
                   <a:srgbClr val="FFFFFF"/>
                 </a:solidFill>
               </a:rPr>
-              <a:t>18</a:t>
+              <a:t>20</a:t>
             </a:r>
             <a:endParaRPr lang="en-US" sz="1400" dirty="0">
               <a:solidFill>
@@ -26445,133 +24523,7 @@
     </p:spTree>
     <p:extLst>
       <p:ext uri="{BB962C8B-B14F-4D97-AF65-F5344CB8AC3E}">
-        <p14:creationId xmlns:p14="http://schemas.microsoft.com/office/powerpoint/2010/main" val="2070685674"/>
-      </p:ext>
-    </p:extLst>
-  </p:cSld>
-  <p:clrMapOvr>
-    <a:masterClrMapping/>
-  </p:clrMapOvr>
-</p:sld>
-</file>
-
-<file path=ppt/slides/slide34.xml><?xml version="1.0" encoding="utf-8"?>
-<p:sld xmlns:a="http://schemas.openxmlformats.org/drawingml/2006/main" xmlns:r="http://schemas.openxmlformats.org/officeDocument/2006/relationships" xmlns:p="http://schemas.openxmlformats.org/presentationml/2006/main">
-  <p:cSld>
-    <p:spTree>
-      <p:nvGrpSpPr>
-        <p:cNvPr id="1" name=""/>
-        <p:cNvGrpSpPr/>
-        <p:nvPr/>
-      </p:nvGrpSpPr>
-      <p:grpSpPr>
-        <a:xfrm>
-          <a:off x="0" y="0"/>
-          <a:ext cx="0" cy="0"/>
-          <a:chOff x="0" y="0"/>
-          <a:chExt cx="0" cy="0"/>
-        </a:xfrm>
-      </p:grpSpPr>
-      <p:sp>
-        <p:nvSpPr>
-          <p:cNvPr id="2" name="Tytuł 1">
-            <a:extLst>
-              <a:ext uri="{FF2B5EF4-FFF2-40B4-BE49-F238E27FC236}">
-                <a16:creationId xmlns:a16="http://schemas.microsoft.com/office/drawing/2014/main" id="{C91C4CD4-9C96-4AF4-ACE0-9CFD711A54A3}"/>
-              </a:ext>
-            </a:extLst>
-          </p:cNvPr>
-          <p:cNvSpPr>
-            <a:spLocks noGrp="1"/>
-          </p:cNvSpPr>
-          <p:nvPr>
-            <p:ph type="title"/>
-          </p:nvPr>
-        </p:nvSpPr>
-        <p:spPr/>
-        <p:txBody>
-          <a:bodyPr/>
-          <a:lstStyle/>
-          <a:p>
-            <a:r>
-              <a:rPr lang="pl-PL"/>
-              <a:t>Koszty zewnętrzne</a:t>
-            </a:r>
-            <a:endParaRPr lang="pl-PL" dirty="0"/>
-          </a:p>
-        </p:txBody>
-      </p:sp>
-      <p:sp>
-        <p:nvSpPr>
-          <p:cNvPr id="3" name="Symbol zastępczy numeru slajdu 2">
-            <a:extLst>
-              <a:ext uri="{FF2B5EF4-FFF2-40B4-BE49-F238E27FC236}">
-                <a16:creationId xmlns:a16="http://schemas.microsoft.com/office/drawing/2014/main" id="{2E8532CB-E7B8-4F37-95A9-BD07BA8C7965}"/>
-              </a:ext>
-            </a:extLst>
-          </p:cNvPr>
-          <p:cNvSpPr>
-            <a:spLocks noGrp="1"/>
-          </p:cNvSpPr>
-          <p:nvPr>
-            <p:ph type="sldNum" sz="quarter" idx="12"/>
-          </p:nvPr>
-        </p:nvSpPr>
-        <p:spPr/>
-        <p:txBody>
-          <a:bodyPr/>
-          <a:lstStyle/>
-          <a:p>
-            <a:r>
-              <a:rPr lang="pl-PL" dirty="0"/>
-              <a:t>19</a:t>
-            </a:r>
-          </a:p>
-        </p:txBody>
-      </p:sp>
-      <p:pic>
-        <p:nvPicPr>
-          <p:cNvPr id="5" name="Grafika 4">
-            <a:extLst>
-              <a:ext uri="{FF2B5EF4-FFF2-40B4-BE49-F238E27FC236}">
-                <a16:creationId xmlns:a16="http://schemas.microsoft.com/office/drawing/2014/main" id="{488C63E7-46CC-4855-8E59-BE82EAF620ED}"/>
-              </a:ext>
-            </a:extLst>
-          </p:cNvPr>
-          <p:cNvPicPr>
-            <a:picLocks noChangeAspect="1"/>
-          </p:cNvPicPr>
-          <p:nvPr/>
-        </p:nvPicPr>
-        <p:blipFill>
-          <a:blip r:embed="rId2">
-            <a:extLst>
-              <a:ext uri="{28A0092B-C50C-407E-A947-70E740481C1C}">
-                <a14:useLocalDpi xmlns:a14="http://schemas.microsoft.com/office/drawing/2010/main" val="0"/>
-              </a:ext>
-              <a:ext uri="{96DAC541-7B7A-43D3-8B79-37D633B846F1}">
-                <asvg:svgBlip xmlns:asvg="http://schemas.microsoft.com/office/drawing/2016/SVG/main" r:embed="rId3"/>
-              </a:ext>
-            </a:extLst>
-          </a:blip>
-          <a:stretch>
-            <a:fillRect/>
-          </a:stretch>
-        </p:blipFill>
-        <p:spPr>
-          <a:xfrm>
-            <a:off x="357896" y="2159541"/>
-            <a:ext cx="9889067" cy="4572000"/>
-          </a:xfrm>
-          <a:prstGeom prst="rect">
-            <a:avLst/>
-          </a:prstGeom>
-        </p:spPr>
-      </p:pic>
-    </p:spTree>
-    <p:extLst>
-      <p:ext uri="{BB962C8B-B14F-4D97-AF65-F5344CB8AC3E}">
-        <p14:creationId xmlns:p14="http://schemas.microsoft.com/office/powerpoint/2010/main" val="166801903"/>
+        <p14:creationId xmlns:p14="http://schemas.microsoft.com/office/powerpoint/2010/main" val="1920037621"/>
       </p:ext>
     </p:extLst>
   </p:cSld>
@@ -26635,7 +24587,7 @@
       </p:grpSpPr>
       <p:pic>
         <p:nvPicPr>
-          <p:cNvPr id="30" name="Picture 9">
+          <p:cNvPr id="59" name="Picture 58">
             <a:extLst>
               <a:ext uri="{FF2B5EF4-FFF2-40B4-BE49-F238E27FC236}">
                 <a16:creationId xmlns:a16="http://schemas.microsoft.com/office/drawing/2014/main" id="{5321D838-2C7E-4177-9DD3-DAC78324A2B2}"/>
@@ -26681,7 +24633,7 @@
       </p:pic>
       <p:pic>
         <p:nvPicPr>
-          <p:cNvPr id="31" name="Picture 11">
+          <p:cNvPr id="61" name="Picture 60">
             <a:extLst>
               <a:ext uri="{FF2B5EF4-FFF2-40B4-BE49-F238E27FC236}">
                 <a16:creationId xmlns:a16="http://schemas.microsoft.com/office/drawing/2014/main" id="{0146E45C-1450-4186-B501-74F221F897A8}"/>
@@ -26726,7 +24678,7 @@
       </p:pic>
       <p:pic>
         <p:nvPicPr>
-          <p:cNvPr id="32" name="Picture 13">
+          <p:cNvPr id="63" name="Picture 62">
             <a:extLst>
               <a:ext uri="{FF2B5EF4-FFF2-40B4-BE49-F238E27FC236}">
                 <a16:creationId xmlns:a16="http://schemas.microsoft.com/office/drawing/2014/main" id="{EEDDA48B-BC04-4915-ADA3-A1A9522EB0D1}"/>
@@ -26771,7 +24723,7 @@
       </p:pic>
       <p:sp>
         <p:nvSpPr>
-          <p:cNvPr id="33" name="Rectangle 15">
+          <p:cNvPr id="65" name="Rectangle 64">
             <a:extLst>
               <a:ext uri="{FF2B5EF4-FFF2-40B4-BE49-F238E27FC236}">
                 <a16:creationId xmlns:a16="http://schemas.microsoft.com/office/drawing/2014/main" id="{78C9D07A-5A22-4E55-B18A-47CF07E5080D}"/>
@@ -26829,7 +24781,7 @@
       </p:sp>
       <p:sp>
         <p:nvSpPr>
-          <p:cNvPr id="34" name="Rectangle 17">
+          <p:cNvPr id="67" name="Rectangle 66">
             <a:extLst>
               <a:ext uri="{FF2B5EF4-FFF2-40B4-BE49-F238E27FC236}">
                 <a16:creationId xmlns:a16="http://schemas.microsoft.com/office/drawing/2014/main" id="{3D71E629-0739-4A59-972B-A9E9A4500E31}"/>
@@ -26884,10 +24836,10 @@
       </p:sp>
       <p:sp useBgFill="1">
         <p:nvSpPr>
-          <p:cNvPr id="35" name="Rectangle 19">
+          <p:cNvPr id="69" name="Rectangle 68">
             <a:extLst>
               <a:ext uri="{FF2B5EF4-FFF2-40B4-BE49-F238E27FC236}">
-                <a16:creationId xmlns:a16="http://schemas.microsoft.com/office/drawing/2014/main" id="{00573A24-AD84-4562-A993-7D04E1D18209}"/>
+                <a16:creationId xmlns:a16="http://schemas.microsoft.com/office/drawing/2014/main" id="{2F84762E-7FCC-4EAF-B9E7-CE7214491E0D}"/>
               </a:ext>
               <a:ext uri="{C183D7F6-B498-43B3-948B-1728B52AA6E4}">
                 <adec:decorative xmlns:adec="http://schemas.microsoft.com/office/drawing/2017/decorative" val="1"/>
@@ -26944,10 +24896,10 @@
       </p:sp>
       <p:pic>
         <p:nvPicPr>
-          <p:cNvPr id="36" name="Picture 21">
+          <p:cNvPr id="71" name="Picture 70">
             <a:extLst>
               <a:ext uri="{FF2B5EF4-FFF2-40B4-BE49-F238E27FC236}">
-                <a16:creationId xmlns:a16="http://schemas.microsoft.com/office/drawing/2014/main" id="{B3C087F8-F09C-4C07-B55F-6081689A2413}"/>
+                <a16:creationId xmlns:a16="http://schemas.microsoft.com/office/drawing/2014/main" id="{927A1389-2A5D-4886-AD82-F213767E673F}"/>
               </a:ext>
               <a:ext uri="{C183D7F6-B498-43B3-948B-1728B52AA6E4}">
                 <adec:decorative xmlns:adec="http://schemas.microsoft.com/office/drawing/2017/decorative" val="1"/>
@@ -26980,7 +24932,7 @@
         </p:blipFill>
         <p:spPr>
           <a:xfrm>
-            <a:off x="0" y="0"/>
+            <a:off x="0" y="-8207"/>
             <a:ext cx="12192000" cy="6858000"/>
           </a:xfrm>
           <a:prstGeom prst="rect">
@@ -26990,10 +24942,10 @@
       </p:pic>
       <p:sp>
         <p:nvSpPr>
-          <p:cNvPr id="37" name="Rectangle 23">
+          <p:cNvPr id="73" name="Rectangle 72">
             <a:extLst>
               <a:ext uri="{FF2B5EF4-FFF2-40B4-BE49-F238E27FC236}">
-                <a16:creationId xmlns:a16="http://schemas.microsoft.com/office/drawing/2014/main" id="{FC49D257-5737-4C0D-89EA-9C311AF2B8B5}"/>
+                <a16:creationId xmlns:a16="http://schemas.microsoft.com/office/drawing/2014/main" id="{A1038667-0C3F-4764-A24D-DA9D9B474851}"/>
               </a:ext>
               <a:ext uri="{C183D7F6-B498-43B3-948B-1728B52AA6E4}">
                 <adec:decorative xmlns:adec="http://schemas.microsoft.com/office/drawing/2017/decorative" val="1"/>
@@ -27013,8 +24965,8 @@
         </p:nvSpPr>
         <p:spPr>
           <a:xfrm>
-            <a:off x="6099176" y="0"/>
-            <a:ext cx="6092824" cy="6858001"/>
+            <a:off x="4644527" y="0"/>
+            <a:ext cx="7552944" cy="6858001"/>
           </a:xfrm>
           <a:prstGeom prst="rect">
             <a:avLst/>
@@ -27050,10 +25002,10 @@
       </p:sp>
       <p:pic>
         <p:nvPicPr>
-          <p:cNvPr id="38" name="Picture 25">
+          <p:cNvPr id="75" name="Picture 74">
             <a:extLst>
               <a:ext uri="{FF2B5EF4-FFF2-40B4-BE49-F238E27FC236}">
-                <a16:creationId xmlns:a16="http://schemas.microsoft.com/office/drawing/2014/main" id="{E13D267A-94F5-488A-94C6-5D7156D9AF8C}"/>
+                <a16:creationId xmlns:a16="http://schemas.microsoft.com/office/drawing/2014/main" id="{6AC2195B-895A-4535-8ECD-9F5B669C5CA5}"/>
               </a:ext>
               <a:ext uri="{C183D7F6-B498-43B3-948B-1728B52AA6E4}">
                 <adec:decorative xmlns:adec="http://schemas.microsoft.com/office/drawing/2017/decorative" val="1"/>
@@ -27072,7 +25024,7 @@
           </p:nvPr>
         </p:nvPicPr>
         <p:blipFill>
-          <a:blip r:embed="rId3">
+          <a:blip r:embed="rId5" cstate="print">
             <a:extLst>
               <a:ext uri="{28A0092B-C50C-407E-A947-70E740481C1C}">
                 <a14:useLocalDpi xmlns:a14="http://schemas.microsoft.com/office/drawing/2010/main" val="0"/>
@@ -27085,8 +25037,8 @@
         </p:blipFill>
         <p:spPr>
           <a:xfrm>
-            <a:off x="1" y="4688333"/>
-            <a:ext cx="6400800" cy="185701"/>
+            <a:off x="1" y="5006045"/>
+            <a:ext cx="4965192" cy="144049"/>
           </a:xfrm>
           <a:prstGeom prst="rect">
             <a:avLst/>
@@ -27095,10 +25047,10 @@
       </p:pic>
       <p:sp>
         <p:nvSpPr>
-          <p:cNvPr id="39" name="Rectangle 27">
+          <p:cNvPr id="77" name="Rectangle 76">
             <a:extLst>
               <a:ext uri="{FF2B5EF4-FFF2-40B4-BE49-F238E27FC236}">
-                <a16:creationId xmlns:a16="http://schemas.microsoft.com/office/drawing/2014/main" id="{46CE3EB2-91DF-4F5D-8874-744AAAE311E1}"/>
+                <a16:creationId xmlns:a16="http://schemas.microsoft.com/office/drawing/2014/main" id="{571EEFCA-9235-4BC2-85C3-A4EC6EE57AC4}"/>
               </a:ext>
               <a:ext uri="{C183D7F6-B498-43B3-948B-1728B52AA6E4}">
                 <adec:decorative xmlns:adec="http://schemas.microsoft.com/office/drawing/2017/decorative" val="1"/>
@@ -27118,8 +25070,8 @@
         </p:nvSpPr>
         <p:spPr>
           <a:xfrm>
-            <a:off x="-1" y="2162908"/>
-            <a:ext cx="6411743" cy="2532185"/>
+            <a:off x="-1" y="1838764"/>
+            <a:ext cx="4964567" cy="3180473"/>
           </a:xfrm>
           <a:prstGeom prst="rect">
             <a:avLst/>
@@ -27156,7 +25108,7 @@
           <p:cNvPr id="2" name="Tytuł 1">
             <a:extLst>
               <a:ext uri="{FF2B5EF4-FFF2-40B4-BE49-F238E27FC236}">
-                <a16:creationId xmlns:a16="http://schemas.microsoft.com/office/drawing/2014/main" id="{EC002D38-331E-4C43-851E-7B2A0C90C1DA}"/>
+                <a16:creationId xmlns:a16="http://schemas.microsoft.com/office/drawing/2014/main" id="{E1F8C03E-5A14-439F-B27D-CDD677731858}"/>
               </a:ext>
             </a:extLst>
           </p:cNvPr>
@@ -27169,8 +25121,8 @@
         </p:nvSpPr>
         <p:spPr>
           <a:xfrm>
-            <a:off x="680322" y="2403231"/>
-            <a:ext cx="5192940" cy="2133600"/>
+            <a:off x="680322" y="2063262"/>
+            <a:ext cx="3739278" cy="2661138"/>
           </a:xfrm>
         </p:spPr>
         <p:txBody>
@@ -27182,17 +25134,26 @@
             <a:pPr algn="r"/>
             <a:r>
               <a:rPr lang="en-US" sz="5400"/>
-              <a:t>Bilans miesięczny</a:t>
-            </a:r>
+              <a:t>Wydanie</a:t>
+            </a:r>
+            <a:r>
+              <a:rPr lang="en-US" sz="5400" dirty="0"/>
+              <a:t> </a:t>
+            </a:r>
+            <a:r>
+              <a:rPr lang="en-US" sz="5400"/>
+              <a:t>faktury</a:t>
+            </a:r>
+            <a:endParaRPr lang="en-US" sz="5400" dirty="0"/>
           </a:p>
         </p:txBody>
       </p:sp>
       <p:pic>
         <p:nvPicPr>
-          <p:cNvPr id="5" name="Grafika 4">
+          <p:cNvPr id="8" name="Grafika 7">
             <a:extLst>
               <a:ext uri="{FF2B5EF4-FFF2-40B4-BE49-F238E27FC236}">
-                <a16:creationId xmlns:a16="http://schemas.microsoft.com/office/drawing/2014/main" id="{2F61A690-F5F3-4AA6-B68E-5A767D06FED7}"/>
+                <a16:creationId xmlns:a16="http://schemas.microsoft.com/office/drawing/2014/main" id="{B5B8E344-7EF3-4110-8517-BC070B32CE01}"/>
               </a:ext>
             </a:extLst>
           </p:cNvPr>
@@ -27202,13 +25163,13 @@
           <p:nvPr/>
         </p:nvPicPr>
         <p:blipFill>
-          <a:blip r:embed="rId5">
+          <a:blip r:embed="rId6">
             <a:extLst>
               <a:ext uri="{28A0092B-C50C-407E-A947-70E740481C1C}">
                 <a14:useLocalDpi xmlns:a14="http://schemas.microsoft.com/office/drawing/2010/main" val="0"/>
               </a:ext>
               <a:ext uri="{96DAC541-7B7A-43D3-8B79-37D633B846F1}">
-                <asvg:svgBlip xmlns:asvg="http://schemas.microsoft.com/office/drawing/2016/SVG/main" r:embed="rId6"/>
+                <asvg:svgBlip xmlns:asvg="http://schemas.microsoft.com/office/drawing/2016/SVG/main" r:embed="rId7"/>
               </a:ext>
             </a:extLst>
           </a:blip>
@@ -27218,8 +25179,8 @@
         </p:blipFill>
         <p:spPr>
           <a:xfrm>
-            <a:off x="6945550" y="107485"/>
-            <a:ext cx="4566128" cy="6397045"/>
+            <a:off x="5189493" y="243191"/>
+            <a:ext cx="6597241" cy="6233613"/>
           </a:xfrm>
           <a:prstGeom prst="rect">
             <a:avLst/>
@@ -27241,7 +25202,7 @@
           <p:cNvPr id="3" name="Symbol zastępczy numeru slajdu 2">
             <a:extLst>
               <a:ext uri="{FF2B5EF4-FFF2-40B4-BE49-F238E27FC236}">
-                <a16:creationId xmlns:a16="http://schemas.microsoft.com/office/drawing/2014/main" id="{F96FB45D-B546-4536-A467-43CC7AC9705E}"/>
+                <a16:creationId xmlns:a16="http://schemas.microsoft.com/office/drawing/2014/main" id="{59A3BE92-0BF7-41DD-BDA8-C8E38AD38D2E}"/>
               </a:ext>
             </a:extLst>
           </p:cNvPr>
@@ -27275,7 +25236,7 @@
                   <a:srgbClr val="FFFFFF"/>
                 </a:solidFill>
               </a:rPr>
-              <a:t>20</a:t>
+              <a:t>21</a:t>
             </a:r>
             <a:endParaRPr lang="en-US" sz="1400" dirty="0">
               <a:solidFill>
@@ -27288,7 +25249,7 @@
     </p:spTree>
     <p:extLst>
       <p:ext uri="{BB962C8B-B14F-4D97-AF65-F5344CB8AC3E}">
-        <p14:creationId xmlns:p14="http://schemas.microsoft.com/office/powerpoint/2010/main" val="318629951"/>
+        <p14:creationId xmlns:p14="http://schemas.microsoft.com/office/powerpoint/2010/main" val="3936350770"/>
       </p:ext>
     </p:extLst>
   </p:cSld>
@@ -27352,6 +25313,2451 @@
       </p:grpSpPr>
       <p:pic>
         <p:nvPicPr>
+          <p:cNvPr id="11" name="Picture 10">
+            <a:extLst>
+              <a:ext uri="{FF2B5EF4-FFF2-40B4-BE49-F238E27FC236}">
+                <a16:creationId xmlns:a16="http://schemas.microsoft.com/office/drawing/2014/main" id="{5321D838-2C7E-4177-9DD3-DAC78324A2B2}"/>
+              </a:ext>
+              <a:ext uri="{C183D7F6-B498-43B3-948B-1728B52AA6E4}">
+                <adec:decorative xmlns:adec="http://schemas.microsoft.com/office/drawing/2017/decorative" val="1"/>
+              </a:ext>
+            </a:extLst>
+          </p:cNvPr>
+          <p:cNvPicPr>
+            <a:picLocks noGrp="1" noRot="1" noChangeAspect="1" noMove="1" noResize="1" noEditPoints="1" noAdjustHandles="1" noChangeArrowheads="1" noChangeShapeType="1" noCrop="1"/>
+          </p:cNvPicPr>
+          <p:nvPr>
+            <p:extLst>
+              <p:ext uri="{386F3935-93C4-4BCD-93E2-E3B085C9AB24}">
+                <p16:designElem xmlns:p16="http://schemas.microsoft.com/office/powerpoint/2015/main" val="1"/>
+              </p:ext>
+            </p:extLst>
+          </p:nvPr>
+        </p:nvPicPr>
+        <p:blipFill>
+          <a:blip r:embed="rId2">
+            <a:alphaModFix amt="10000"/>
+            <a:extLst>
+              <a:ext uri="{28A0092B-C50C-407E-A947-70E740481C1C}">
+                <a14:useLocalDpi xmlns:a14="http://schemas.microsoft.com/office/drawing/2010/main" val="0"/>
+              </a:ext>
+            </a:extLst>
+          </a:blip>
+          <a:stretch>
+            <a:fillRect/>
+          </a:stretch>
+        </p:blipFill>
+        <p:spPr>
+          <a:xfrm>
+            <a:off x="0" y="0"/>
+            <a:ext cx="12192000" cy="6858000"/>
+          </a:xfrm>
+          <a:prstGeom prst="rect">
+            <a:avLst/>
+          </a:prstGeom>
+        </p:spPr>
+      </p:pic>
+      <p:pic>
+        <p:nvPicPr>
+          <p:cNvPr id="13" name="Picture 12">
+            <a:extLst>
+              <a:ext uri="{FF2B5EF4-FFF2-40B4-BE49-F238E27FC236}">
+                <a16:creationId xmlns:a16="http://schemas.microsoft.com/office/drawing/2014/main" id="{0146E45C-1450-4186-B501-74F221F897A8}"/>
+              </a:ext>
+              <a:ext uri="{C183D7F6-B498-43B3-948B-1728B52AA6E4}">
+                <adec:decorative xmlns:adec="http://schemas.microsoft.com/office/drawing/2017/decorative" val="1"/>
+              </a:ext>
+            </a:extLst>
+          </p:cNvPr>
+          <p:cNvPicPr>
+            <a:picLocks noGrp="1" noRot="1" noChangeAspect="1" noMove="1" noResize="1" noEditPoints="1" noAdjustHandles="1" noChangeArrowheads="1" noChangeShapeType="1" noCrop="1"/>
+          </p:cNvPicPr>
+          <p:nvPr>
+            <p:extLst>
+              <p:ext uri="{386F3935-93C4-4BCD-93E2-E3B085C9AB24}">
+                <p16:designElem xmlns:p16="http://schemas.microsoft.com/office/powerpoint/2015/main" val="1"/>
+              </p:ext>
+            </p:extLst>
+          </p:nvPr>
+        </p:nvPicPr>
+        <p:blipFill>
+          <a:blip r:embed="rId3">
+            <a:extLst>
+              <a:ext uri="{28A0092B-C50C-407E-A947-70E740481C1C}">
+                <a14:useLocalDpi xmlns:a14="http://schemas.microsoft.com/office/drawing/2010/main" val="0"/>
+              </a:ext>
+            </a:extLst>
+          </a:blip>
+          <a:stretch>
+            <a:fillRect/>
+          </a:stretch>
+        </p:blipFill>
+        <p:spPr>
+          <a:xfrm>
+            <a:off x="1" y="4242851"/>
+            <a:ext cx="8968084" cy="275942"/>
+          </a:xfrm>
+          <a:prstGeom prst="rect">
+            <a:avLst/>
+          </a:prstGeom>
+        </p:spPr>
+      </p:pic>
+      <p:pic>
+        <p:nvPicPr>
+          <p:cNvPr id="15" name="Picture 14">
+            <a:extLst>
+              <a:ext uri="{FF2B5EF4-FFF2-40B4-BE49-F238E27FC236}">
+                <a16:creationId xmlns:a16="http://schemas.microsoft.com/office/drawing/2014/main" id="{EEDDA48B-BC04-4915-ADA3-A1A9522EB0D1}"/>
+              </a:ext>
+              <a:ext uri="{C183D7F6-B498-43B3-948B-1728B52AA6E4}">
+                <adec:decorative xmlns:adec="http://schemas.microsoft.com/office/drawing/2017/decorative" val="1"/>
+              </a:ext>
+            </a:extLst>
+          </p:cNvPr>
+          <p:cNvPicPr>
+            <a:picLocks noGrp="1" noRot="1" noChangeAspect="1" noMove="1" noResize="1" noEditPoints="1" noAdjustHandles="1" noChangeArrowheads="1" noChangeShapeType="1" noCrop="1"/>
+          </p:cNvPicPr>
+          <p:nvPr>
+            <p:extLst>
+              <p:ext uri="{386F3935-93C4-4BCD-93E2-E3B085C9AB24}">
+                <p16:designElem xmlns:p16="http://schemas.microsoft.com/office/powerpoint/2015/main" val="1"/>
+              </p:ext>
+            </p:extLst>
+          </p:nvPr>
+        </p:nvPicPr>
+        <p:blipFill>
+          <a:blip r:embed="rId4">
+            <a:extLst>
+              <a:ext uri="{28A0092B-C50C-407E-A947-70E740481C1C}">
+                <a14:useLocalDpi xmlns:a14="http://schemas.microsoft.com/office/drawing/2010/main" val="0"/>
+              </a:ext>
+            </a:extLst>
+          </a:blip>
+          <a:stretch>
+            <a:fillRect/>
+          </a:stretch>
+        </p:blipFill>
+        <p:spPr>
+          <a:xfrm>
+            <a:off x="9111716" y="4243845"/>
+            <a:ext cx="3077108" cy="276940"/>
+          </a:xfrm>
+          <a:prstGeom prst="rect">
+            <a:avLst/>
+          </a:prstGeom>
+        </p:spPr>
+      </p:pic>
+      <p:sp>
+        <p:nvSpPr>
+          <p:cNvPr id="17" name="Rectangle 16">
+            <a:extLst>
+              <a:ext uri="{FF2B5EF4-FFF2-40B4-BE49-F238E27FC236}">
+                <a16:creationId xmlns:a16="http://schemas.microsoft.com/office/drawing/2014/main" id="{78C9D07A-5A22-4E55-B18A-47CF07E5080D}"/>
+              </a:ext>
+              <a:ext uri="{C183D7F6-B498-43B3-948B-1728B52AA6E4}">
+                <adec:decorative xmlns:adec="http://schemas.microsoft.com/office/drawing/2017/decorative" val="1"/>
+              </a:ext>
+            </a:extLst>
+          </p:cNvPr>
+          <p:cNvSpPr>
+            <a:spLocks noGrp="1" noRot="1" noChangeAspect="1" noMove="1" noResize="1" noEditPoints="1" noAdjustHandles="1" noChangeArrowheads="1" noChangeShapeType="1" noTextEdit="1"/>
+          </p:cNvSpPr>
+          <p:nvPr>
+            <p:extLst>
+              <p:ext uri="{386F3935-93C4-4BCD-93E2-E3B085C9AB24}">
+                <p16:designElem xmlns:p16="http://schemas.microsoft.com/office/powerpoint/2015/main" val="1"/>
+              </p:ext>
+            </p:extLst>
+          </p:nvPr>
+        </p:nvSpPr>
+        <p:spPr>
+          <a:xfrm>
+            <a:off x="0" y="2590078"/>
+            <a:ext cx="8968085" cy="1660332"/>
+          </a:xfrm>
+          <a:prstGeom prst="rect">
+            <a:avLst/>
+          </a:prstGeom>
+          <a:solidFill>
+            <a:schemeClr val="bg1">
+              <a:lumMod val="85000"/>
+              <a:lumOff val="15000"/>
+            </a:schemeClr>
+          </a:solidFill>
+          <a:ln>
+            <a:noFill/>
+          </a:ln>
+        </p:spPr>
+        <p:style>
+          <a:lnRef idx="2">
+            <a:schemeClr val="accent1">
+              <a:shade val="50000"/>
+            </a:schemeClr>
+          </a:lnRef>
+          <a:fillRef idx="1">
+            <a:schemeClr val="accent1"/>
+          </a:fillRef>
+          <a:effectRef idx="0">
+            <a:schemeClr val="accent1"/>
+          </a:effectRef>
+          <a:fontRef idx="minor">
+            <a:schemeClr val="lt1"/>
+          </a:fontRef>
+        </p:style>
+      </p:sp>
+      <p:sp>
+        <p:nvSpPr>
+          <p:cNvPr id="19" name="Rectangle 18">
+            <a:extLst>
+              <a:ext uri="{FF2B5EF4-FFF2-40B4-BE49-F238E27FC236}">
+                <a16:creationId xmlns:a16="http://schemas.microsoft.com/office/drawing/2014/main" id="{3D71E629-0739-4A59-972B-A9E9A4500E31}"/>
+              </a:ext>
+              <a:ext uri="{C183D7F6-B498-43B3-948B-1728B52AA6E4}">
+                <adec:decorative xmlns:adec="http://schemas.microsoft.com/office/drawing/2017/decorative" val="1"/>
+              </a:ext>
+            </a:extLst>
+          </p:cNvPr>
+          <p:cNvSpPr>
+            <a:spLocks noGrp="1" noRot="1" noChangeAspect="1" noMove="1" noResize="1" noEditPoints="1" noAdjustHandles="1" noChangeArrowheads="1" noChangeShapeType="1" noTextEdit="1"/>
+          </p:cNvSpPr>
+          <p:nvPr>
+            <p:extLst>
+              <p:ext uri="{386F3935-93C4-4BCD-93E2-E3B085C9AB24}">
+                <p16:designElem xmlns:p16="http://schemas.microsoft.com/office/powerpoint/2015/main" val="1"/>
+              </p:ext>
+            </p:extLst>
+          </p:nvPr>
+        </p:nvSpPr>
+        <p:spPr>
+          <a:xfrm>
+            <a:off x="9111715" y="2590078"/>
+            <a:ext cx="3077109" cy="1660332"/>
+          </a:xfrm>
+          <a:prstGeom prst="rect">
+            <a:avLst/>
+          </a:prstGeom>
+          <a:solidFill>
+            <a:schemeClr val="accent1"/>
+          </a:solidFill>
+          <a:ln>
+            <a:noFill/>
+          </a:ln>
+        </p:spPr>
+        <p:style>
+          <a:lnRef idx="2">
+            <a:schemeClr val="accent1">
+              <a:shade val="50000"/>
+            </a:schemeClr>
+          </a:lnRef>
+          <a:fillRef idx="1">
+            <a:schemeClr val="accent1"/>
+          </a:fillRef>
+          <a:effectRef idx="0">
+            <a:schemeClr val="accent1"/>
+          </a:effectRef>
+          <a:fontRef idx="minor">
+            <a:schemeClr val="lt1"/>
+          </a:fontRef>
+        </p:style>
+      </p:sp>
+      <p:sp useBgFill="1">
+        <p:nvSpPr>
+          <p:cNvPr id="21" name="Rectangle 20">
+            <a:extLst>
+              <a:ext uri="{FF2B5EF4-FFF2-40B4-BE49-F238E27FC236}">
+                <a16:creationId xmlns:a16="http://schemas.microsoft.com/office/drawing/2014/main" id="{00573A24-AD84-4562-A993-7D04E1D18209}"/>
+              </a:ext>
+              <a:ext uri="{C183D7F6-B498-43B3-948B-1728B52AA6E4}">
+                <adec:decorative xmlns:adec="http://schemas.microsoft.com/office/drawing/2017/decorative" val="1"/>
+              </a:ext>
+            </a:extLst>
+          </p:cNvPr>
+          <p:cNvSpPr>
+            <a:spLocks noGrp="1" noRot="1" noChangeAspect="1" noMove="1" noResize="1" noEditPoints="1" noAdjustHandles="1" noChangeArrowheads="1" noChangeShapeType="1" noTextEdit="1"/>
+          </p:cNvSpPr>
+          <p:nvPr>
+            <p:extLst>
+              <p:ext uri="{386F3935-93C4-4BCD-93E2-E3B085C9AB24}">
+                <p16:designElem xmlns:p16="http://schemas.microsoft.com/office/powerpoint/2015/main" val="1"/>
+              </p:ext>
+            </p:extLst>
+          </p:nvPr>
+        </p:nvSpPr>
+        <p:spPr>
+          <a:xfrm>
+            <a:off x="0" y="0"/>
+            <a:ext cx="12188824" cy="6858000"/>
+          </a:xfrm>
+          <a:prstGeom prst="rect">
+            <a:avLst/>
+          </a:prstGeom>
+          <a:ln>
+            <a:noFill/>
+          </a:ln>
+        </p:spPr>
+        <p:style>
+          <a:lnRef idx="2">
+            <a:schemeClr val="accent1">
+              <a:shade val="50000"/>
+            </a:schemeClr>
+          </a:lnRef>
+          <a:fillRef idx="1">
+            <a:schemeClr val="accent1"/>
+          </a:fillRef>
+          <a:effectRef idx="0">
+            <a:schemeClr val="accent1"/>
+          </a:effectRef>
+          <a:fontRef idx="minor">
+            <a:schemeClr val="lt1"/>
+          </a:fontRef>
+        </p:style>
+        <p:txBody>
+          <a:bodyPr rtlCol="0" anchor="ctr"/>
+          <a:lstStyle/>
+          <a:p>
+            <a:pPr algn="ctr"/>
+            <a:endParaRPr lang="en-US"/>
+          </a:p>
+        </p:txBody>
+      </p:sp>
+      <p:pic>
+        <p:nvPicPr>
+          <p:cNvPr id="23" name="Picture 22">
+            <a:extLst>
+              <a:ext uri="{FF2B5EF4-FFF2-40B4-BE49-F238E27FC236}">
+                <a16:creationId xmlns:a16="http://schemas.microsoft.com/office/drawing/2014/main" id="{B3C087F8-F09C-4C07-B55F-6081689A2413}"/>
+              </a:ext>
+              <a:ext uri="{C183D7F6-B498-43B3-948B-1728B52AA6E4}">
+                <adec:decorative xmlns:adec="http://schemas.microsoft.com/office/drawing/2017/decorative" val="1"/>
+              </a:ext>
+            </a:extLst>
+          </p:cNvPr>
+          <p:cNvPicPr>
+            <a:picLocks noGrp="1" noRot="1" noChangeAspect="1" noMove="1" noResize="1" noEditPoints="1" noAdjustHandles="1" noChangeArrowheads="1" noChangeShapeType="1" noCrop="1"/>
+          </p:cNvPicPr>
+          <p:nvPr>
+            <p:extLst>
+              <p:ext uri="{386F3935-93C4-4BCD-93E2-E3B085C9AB24}">
+                <p16:designElem xmlns:p16="http://schemas.microsoft.com/office/powerpoint/2015/main" val="1"/>
+              </p:ext>
+            </p:extLst>
+          </p:nvPr>
+        </p:nvPicPr>
+        <p:blipFill>
+          <a:blip r:embed="rId2">
+            <a:alphaModFix amt="10000"/>
+            <a:extLst>
+              <a:ext uri="{28A0092B-C50C-407E-A947-70E740481C1C}">
+                <a14:useLocalDpi xmlns:a14="http://schemas.microsoft.com/office/drawing/2010/main" val="0"/>
+              </a:ext>
+            </a:extLst>
+          </a:blip>
+          <a:stretch>
+            <a:fillRect/>
+          </a:stretch>
+        </p:blipFill>
+        <p:spPr>
+          <a:xfrm>
+            <a:off x="0" y="0"/>
+            <a:ext cx="12192000" cy="6858000"/>
+          </a:xfrm>
+          <a:prstGeom prst="rect">
+            <a:avLst/>
+          </a:prstGeom>
+        </p:spPr>
+      </p:pic>
+      <p:sp>
+        <p:nvSpPr>
+          <p:cNvPr id="25" name="Rectangle 24">
+            <a:extLst>
+              <a:ext uri="{FF2B5EF4-FFF2-40B4-BE49-F238E27FC236}">
+                <a16:creationId xmlns:a16="http://schemas.microsoft.com/office/drawing/2014/main" id="{FC49D257-5737-4C0D-89EA-9C311AF2B8B5}"/>
+              </a:ext>
+              <a:ext uri="{C183D7F6-B498-43B3-948B-1728B52AA6E4}">
+                <adec:decorative xmlns:adec="http://schemas.microsoft.com/office/drawing/2017/decorative" val="1"/>
+              </a:ext>
+            </a:extLst>
+          </p:cNvPr>
+          <p:cNvSpPr>
+            <a:spLocks noGrp="1" noRot="1" noChangeAspect="1" noMove="1" noResize="1" noEditPoints="1" noAdjustHandles="1" noChangeArrowheads="1" noChangeShapeType="1" noTextEdit="1"/>
+          </p:cNvSpPr>
+          <p:nvPr>
+            <p:extLst>
+              <p:ext uri="{386F3935-93C4-4BCD-93E2-E3B085C9AB24}">
+                <p16:designElem xmlns:p16="http://schemas.microsoft.com/office/powerpoint/2015/main" val="1"/>
+              </p:ext>
+            </p:extLst>
+          </p:nvPr>
+        </p:nvSpPr>
+        <p:spPr>
+          <a:xfrm>
+            <a:off x="6099176" y="0"/>
+            <a:ext cx="6092824" cy="6858001"/>
+          </a:xfrm>
+          <a:prstGeom prst="rect">
+            <a:avLst/>
+          </a:prstGeom>
+          <a:ln>
+            <a:noFill/>
+          </a:ln>
+        </p:spPr>
+        <p:style>
+          <a:lnRef idx="2">
+            <a:schemeClr val="accent1">
+              <a:shade val="50000"/>
+            </a:schemeClr>
+          </a:lnRef>
+          <a:fillRef idx="1">
+            <a:schemeClr val="accent1"/>
+          </a:fillRef>
+          <a:effectRef idx="0">
+            <a:schemeClr val="accent1"/>
+          </a:effectRef>
+          <a:fontRef idx="minor">
+            <a:schemeClr val="lt1"/>
+          </a:fontRef>
+        </p:style>
+        <p:txBody>
+          <a:bodyPr rtlCol="0" anchor="ctr"/>
+          <a:lstStyle/>
+          <a:p>
+            <a:pPr algn="ctr"/>
+            <a:endParaRPr lang="en-US"/>
+          </a:p>
+        </p:txBody>
+      </p:sp>
+      <p:pic>
+        <p:nvPicPr>
+          <p:cNvPr id="27" name="Picture 26">
+            <a:extLst>
+              <a:ext uri="{FF2B5EF4-FFF2-40B4-BE49-F238E27FC236}">
+                <a16:creationId xmlns:a16="http://schemas.microsoft.com/office/drawing/2014/main" id="{E13D267A-94F5-488A-94C6-5D7156D9AF8C}"/>
+              </a:ext>
+              <a:ext uri="{C183D7F6-B498-43B3-948B-1728B52AA6E4}">
+                <adec:decorative xmlns:adec="http://schemas.microsoft.com/office/drawing/2017/decorative" val="1"/>
+              </a:ext>
+            </a:extLst>
+          </p:cNvPr>
+          <p:cNvPicPr>
+            <a:picLocks noGrp="1" noRot="1" noChangeAspect="1" noMove="1" noResize="1" noEditPoints="1" noAdjustHandles="1" noChangeArrowheads="1" noChangeShapeType="1" noCrop="1"/>
+          </p:cNvPicPr>
+          <p:nvPr>
+            <p:extLst>
+              <p:ext uri="{386F3935-93C4-4BCD-93E2-E3B085C9AB24}">
+                <p16:designElem xmlns:p16="http://schemas.microsoft.com/office/powerpoint/2015/main" val="1"/>
+              </p:ext>
+            </p:extLst>
+          </p:nvPr>
+        </p:nvPicPr>
+        <p:blipFill>
+          <a:blip r:embed="rId3">
+            <a:extLst>
+              <a:ext uri="{28A0092B-C50C-407E-A947-70E740481C1C}">
+                <a14:useLocalDpi xmlns:a14="http://schemas.microsoft.com/office/drawing/2010/main" val="0"/>
+              </a:ext>
+            </a:extLst>
+          </a:blip>
+          <a:stretch>
+            <a:fillRect/>
+          </a:stretch>
+        </p:blipFill>
+        <p:spPr>
+          <a:xfrm>
+            <a:off x="1" y="4688333"/>
+            <a:ext cx="6400800" cy="185701"/>
+          </a:xfrm>
+          <a:prstGeom prst="rect">
+            <a:avLst/>
+          </a:prstGeom>
+        </p:spPr>
+      </p:pic>
+      <p:sp>
+        <p:nvSpPr>
+          <p:cNvPr id="29" name="Rectangle 28">
+            <a:extLst>
+              <a:ext uri="{FF2B5EF4-FFF2-40B4-BE49-F238E27FC236}">
+                <a16:creationId xmlns:a16="http://schemas.microsoft.com/office/drawing/2014/main" id="{46CE3EB2-91DF-4F5D-8874-744AAAE311E1}"/>
+              </a:ext>
+              <a:ext uri="{C183D7F6-B498-43B3-948B-1728B52AA6E4}">
+                <adec:decorative xmlns:adec="http://schemas.microsoft.com/office/drawing/2017/decorative" val="1"/>
+              </a:ext>
+            </a:extLst>
+          </p:cNvPr>
+          <p:cNvSpPr>
+            <a:spLocks noGrp="1" noRot="1" noChangeAspect="1" noMove="1" noResize="1" noEditPoints="1" noAdjustHandles="1" noChangeArrowheads="1" noChangeShapeType="1" noTextEdit="1"/>
+          </p:cNvSpPr>
+          <p:nvPr>
+            <p:extLst>
+              <p:ext uri="{386F3935-93C4-4BCD-93E2-E3B085C9AB24}">
+                <p16:designElem xmlns:p16="http://schemas.microsoft.com/office/powerpoint/2015/main" val="1"/>
+              </p:ext>
+            </p:extLst>
+          </p:nvPr>
+        </p:nvSpPr>
+        <p:spPr>
+          <a:xfrm>
+            <a:off x="-1" y="2162908"/>
+            <a:ext cx="6411743" cy="2532185"/>
+          </a:xfrm>
+          <a:prstGeom prst="rect">
+            <a:avLst/>
+          </a:prstGeom>
+          <a:solidFill>
+            <a:schemeClr val="bg1">
+              <a:lumMod val="85000"/>
+              <a:lumOff val="15000"/>
+            </a:schemeClr>
+          </a:solidFill>
+          <a:ln>
+            <a:noFill/>
+          </a:ln>
+        </p:spPr>
+        <p:style>
+          <a:lnRef idx="2">
+            <a:schemeClr val="accent1">
+              <a:shade val="50000"/>
+            </a:schemeClr>
+          </a:lnRef>
+          <a:fillRef idx="1">
+            <a:schemeClr val="accent1"/>
+          </a:fillRef>
+          <a:effectRef idx="0">
+            <a:schemeClr val="accent1"/>
+          </a:effectRef>
+          <a:fontRef idx="minor">
+            <a:schemeClr val="lt1"/>
+          </a:fontRef>
+        </p:style>
+      </p:sp>
+      <p:sp>
+        <p:nvSpPr>
+          <p:cNvPr id="2" name="Tytuł 1">
+            <a:extLst>
+              <a:ext uri="{FF2B5EF4-FFF2-40B4-BE49-F238E27FC236}">
+                <a16:creationId xmlns:a16="http://schemas.microsoft.com/office/drawing/2014/main" id="{FADA5054-ACC2-481A-94EC-C1483A2C0ACB}"/>
+              </a:ext>
+            </a:extLst>
+          </p:cNvPr>
+          <p:cNvSpPr>
+            <a:spLocks noGrp="1"/>
+          </p:cNvSpPr>
+          <p:nvPr>
+            <p:ph type="title"/>
+          </p:nvPr>
+        </p:nvSpPr>
+        <p:spPr>
+          <a:xfrm>
+            <a:off x="680322" y="2403231"/>
+            <a:ext cx="5192940" cy="2133600"/>
+          </a:xfrm>
+        </p:spPr>
+        <p:txBody>
+          <a:bodyPr vert="horz" lIns="91440" tIns="45720" rIns="91440" bIns="45720" rtlCol="0" anchor="ctr">
+            <a:normAutofit/>
+          </a:bodyPr>
+          <a:lstStyle/>
+          <a:p>
+            <a:pPr algn="r"/>
+            <a:r>
+              <a:rPr lang="en-US" sz="5400"/>
+              <a:t>Wpływy</a:t>
+            </a:r>
+          </a:p>
+        </p:txBody>
+      </p:sp>
+      <p:pic>
+        <p:nvPicPr>
+          <p:cNvPr id="6" name="Grafika 5">
+            <a:extLst>
+              <a:ext uri="{FF2B5EF4-FFF2-40B4-BE49-F238E27FC236}">
+                <a16:creationId xmlns:a16="http://schemas.microsoft.com/office/drawing/2014/main" id="{5ED646B7-DFC7-4216-89FF-22CCBBD3AAD1}"/>
+              </a:ext>
+            </a:extLst>
+          </p:cNvPr>
+          <p:cNvPicPr>
+            <a:picLocks noChangeAspect="1"/>
+          </p:cNvPicPr>
+          <p:nvPr/>
+        </p:nvPicPr>
+        <p:blipFill>
+          <a:blip r:embed="rId5">
+            <a:extLst>
+              <a:ext uri="{28A0092B-C50C-407E-A947-70E740481C1C}">
+                <a14:useLocalDpi xmlns:a14="http://schemas.microsoft.com/office/drawing/2010/main" val="0"/>
+              </a:ext>
+              <a:ext uri="{96DAC541-7B7A-43D3-8B79-37D633B846F1}">
+                <asvg:svgBlip xmlns:asvg="http://schemas.microsoft.com/office/drawing/2016/SVG/main" r:embed="rId6"/>
+              </a:ext>
+            </a:extLst>
+          </a:blip>
+          <a:stretch>
+            <a:fillRect/>
+          </a:stretch>
+        </p:blipFill>
+        <p:spPr>
+          <a:xfrm>
+            <a:off x="6397382" y="1001948"/>
+            <a:ext cx="5575055" cy="4557781"/>
+          </a:xfrm>
+          <a:prstGeom prst="rect">
+            <a:avLst/>
+          </a:prstGeom>
+          <a:ln>
+            <a:noFill/>
+          </a:ln>
+          <a:effectLst>
+            <a:outerShdw blurRad="76200" dist="63500" dir="5040000" algn="tl" rotWithShape="0">
+              <a:srgbClr val="000000">
+                <a:alpha val="41000"/>
+              </a:srgbClr>
+            </a:outerShdw>
+          </a:effectLst>
+        </p:spPr>
+      </p:pic>
+      <p:sp>
+        <p:nvSpPr>
+          <p:cNvPr id="3" name="Symbol zastępczy numeru slajdu 2">
+            <a:extLst>
+              <a:ext uri="{FF2B5EF4-FFF2-40B4-BE49-F238E27FC236}">
+                <a16:creationId xmlns:a16="http://schemas.microsoft.com/office/drawing/2014/main" id="{EECA07A0-4F22-44BB-935D-0F857413D751}"/>
+              </a:ext>
+            </a:extLst>
+          </p:cNvPr>
+          <p:cNvSpPr>
+            <a:spLocks noGrp="1"/>
+          </p:cNvSpPr>
+          <p:nvPr>
+            <p:ph type="sldNum" sz="quarter" idx="12"/>
+          </p:nvPr>
+        </p:nvSpPr>
+        <p:spPr>
+          <a:xfrm>
+            <a:off x="11281776" y="6336872"/>
+            <a:ext cx="722655" cy="365760"/>
+          </a:xfrm>
+        </p:spPr>
+        <p:txBody>
+          <a:bodyPr vert="horz" lIns="91440" tIns="45720" rIns="91440" bIns="45720" rtlCol="0" anchor="ctr">
+            <a:normAutofit/>
+          </a:bodyPr>
+          <a:lstStyle/>
+          <a:p>
+            <a:pPr defTabSz="914400">
+              <a:spcAft>
+                <a:spcPts val="600"/>
+              </a:spcAft>
+            </a:pPr>
+            <a:r>
+              <a:rPr lang="pl-PL" sz="1400" dirty="0">
+                <a:solidFill>
+                  <a:srgbClr val="FFFFFF"/>
+                </a:solidFill>
+              </a:rPr>
+              <a:t>22</a:t>
+            </a:r>
+            <a:endParaRPr lang="en-US" sz="1400" dirty="0">
+              <a:solidFill>
+                <a:srgbClr val="FFFFFF"/>
+              </a:solidFill>
+            </a:endParaRPr>
+          </a:p>
+        </p:txBody>
+      </p:sp>
+    </p:spTree>
+    <p:extLst>
+      <p:ext uri="{BB962C8B-B14F-4D97-AF65-F5344CB8AC3E}">
+        <p14:creationId xmlns:p14="http://schemas.microsoft.com/office/powerpoint/2010/main" val="2035800844"/>
+      </p:ext>
+    </p:extLst>
+  </p:cSld>
+  <p:clrMapOvr>
+    <a:masterClrMapping/>
+  </p:clrMapOvr>
+</p:sld>
+</file>
+
+<file path=ppt/slides/slide37.xml><?xml version="1.0" encoding="utf-8"?>
+<p:sld xmlns:a="http://schemas.openxmlformats.org/drawingml/2006/main" xmlns:r="http://schemas.openxmlformats.org/officeDocument/2006/relationships" xmlns:p="http://schemas.openxmlformats.org/presentationml/2006/main">
+  <p:cSld>
+    <p:bg>
+      <p:bgPr>
+        <a:gradFill rotWithShape="1">
+          <a:gsLst>
+            <a:gs pos="0">
+              <a:schemeClr val="bg2">
+                <a:tint val="96000"/>
+                <a:shade val="100000"/>
+                <a:hueMod val="270000"/>
+                <a:satMod val="200000"/>
+                <a:lumMod val="128000"/>
+              </a:schemeClr>
+            </a:gs>
+            <a:gs pos="50000">
+              <a:schemeClr val="bg2">
+                <a:shade val="100000"/>
+                <a:hueMod val="100000"/>
+                <a:satMod val="110000"/>
+                <a:lumMod val="130000"/>
+              </a:schemeClr>
+            </a:gs>
+            <a:gs pos="100000">
+              <a:schemeClr val="bg2">
+                <a:shade val="78000"/>
+                <a:hueMod val="44000"/>
+                <a:satMod val="200000"/>
+                <a:lumMod val="69000"/>
+              </a:schemeClr>
+            </a:gs>
+          </a:gsLst>
+          <a:lin ang="2520000" scaled="0"/>
+        </a:gradFill>
+        <a:effectLst/>
+      </p:bgPr>
+    </p:bg>
+    <p:spTree>
+      <p:nvGrpSpPr>
+        <p:cNvPr id="1" name=""/>
+        <p:cNvGrpSpPr/>
+        <p:nvPr/>
+      </p:nvGrpSpPr>
+      <p:grpSpPr>
+        <a:xfrm>
+          <a:off x="0" y="0"/>
+          <a:ext cx="0" cy="0"/>
+          <a:chOff x="0" y="0"/>
+          <a:chExt cx="0" cy="0"/>
+        </a:xfrm>
+      </p:grpSpPr>
+      <p:pic>
+        <p:nvPicPr>
+          <p:cNvPr id="10" name="Picture 9">
+            <a:extLst>
+              <a:ext uri="{FF2B5EF4-FFF2-40B4-BE49-F238E27FC236}">
+                <a16:creationId xmlns:a16="http://schemas.microsoft.com/office/drawing/2014/main" id="{5321D838-2C7E-4177-9DD3-DAC78324A2B2}"/>
+              </a:ext>
+              <a:ext uri="{C183D7F6-B498-43B3-948B-1728B52AA6E4}">
+                <adec:decorative xmlns:adec="http://schemas.microsoft.com/office/drawing/2017/decorative" val="1"/>
+              </a:ext>
+            </a:extLst>
+          </p:cNvPr>
+          <p:cNvPicPr>
+            <a:picLocks noGrp="1" noRot="1" noChangeAspect="1" noMove="1" noResize="1" noEditPoints="1" noAdjustHandles="1" noChangeArrowheads="1" noChangeShapeType="1" noCrop="1"/>
+          </p:cNvPicPr>
+          <p:nvPr>
+            <p:extLst>
+              <p:ext uri="{386F3935-93C4-4BCD-93E2-E3B085C9AB24}">
+                <p16:designElem xmlns:p16="http://schemas.microsoft.com/office/powerpoint/2015/main" val="1"/>
+              </p:ext>
+            </p:extLst>
+          </p:nvPr>
+        </p:nvPicPr>
+        <p:blipFill>
+          <a:blip r:embed="rId2">
+            <a:alphaModFix amt="10000"/>
+            <a:extLst>
+              <a:ext uri="{28A0092B-C50C-407E-A947-70E740481C1C}">
+                <a14:useLocalDpi xmlns:a14="http://schemas.microsoft.com/office/drawing/2010/main" val="0"/>
+              </a:ext>
+            </a:extLst>
+          </a:blip>
+          <a:stretch>
+            <a:fillRect/>
+          </a:stretch>
+        </p:blipFill>
+        <p:spPr>
+          <a:xfrm>
+            <a:off x="0" y="0"/>
+            <a:ext cx="12192000" cy="6858000"/>
+          </a:xfrm>
+          <a:prstGeom prst="rect">
+            <a:avLst/>
+          </a:prstGeom>
+        </p:spPr>
+      </p:pic>
+      <p:pic>
+        <p:nvPicPr>
+          <p:cNvPr id="12" name="Picture 11">
+            <a:extLst>
+              <a:ext uri="{FF2B5EF4-FFF2-40B4-BE49-F238E27FC236}">
+                <a16:creationId xmlns:a16="http://schemas.microsoft.com/office/drawing/2014/main" id="{0146E45C-1450-4186-B501-74F221F897A8}"/>
+              </a:ext>
+              <a:ext uri="{C183D7F6-B498-43B3-948B-1728B52AA6E4}">
+                <adec:decorative xmlns:adec="http://schemas.microsoft.com/office/drawing/2017/decorative" val="1"/>
+              </a:ext>
+            </a:extLst>
+          </p:cNvPr>
+          <p:cNvPicPr>
+            <a:picLocks noGrp="1" noRot="1" noChangeAspect="1" noMove="1" noResize="1" noEditPoints="1" noAdjustHandles="1" noChangeArrowheads="1" noChangeShapeType="1" noCrop="1"/>
+          </p:cNvPicPr>
+          <p:nvPr>
+            <p:extLst>
+              <p:ext uri="{386F3935-93C4-4BCD-93E2-E3B085C9AB24}">
+                <p16:designElem xmlns:p16="http://schemas.microsoft.com/office/powerpoint/2015/main" val="1"/>
+              </p:ext>
+            </p:extLst>
+          </p:nvPr>
+        </p:nvPicPr>
+        <p:blipFill>
+          <a:blip r:embed="rId3">
+            <a:extLst>
+              <a:ext uri="{28A0092B-C50C-407E-A947-70E740481C1C}">
+                <a14:useLocalDpi xmlns:a14="http://schemas.microsoft.com/office/drawing/2010/main" val="0"/>
+              </a:ext>
+            </a:extLst>
+          </a:blip>
+          <a:stretch>
+            <a:fillRect/>
+          </a:stretch>
+        </p:blipFill>
+        <p:spPr>
+          <a:xfrm>
+            <a:off x="1" y="4242851"/>
+            <a:ext cx="8968084" cy="275942"/>
+          </a:xfrm>
+          <a:prstGeom prst="rect">
+            <a:avLst/>
+          </a:prstGeom>
+        </p:spPr>
+      </p:pic>
+      <p:pic>
+        <p:nvPicPr>
+          <p:cNvPr id="14" name="Picture 13">
+            <a:extLst>
+              <a:ext uri="{FF2B5EF4-FFF2-40B4-BE49-F238E27FC236}">
+                <a16:creationId xmlns:a16="http://schemas.microsoft.com/office/drawing/2014/main" id="{EEDDA48B-BC04-4915-ADA3-A1A9522EB0D1}"/>
+              </a:ext>
+              <a:ext uri="{C183D7F6-B498-43B3-948B-1728B52AA6E4}">
+                <adec:decorative xmlns:adec="http://schemas.microsoft.com/office/drawing/2017/decorative" val="1"/>
+              </a:ext>
+            </a:extLst>
+          </p:cNvPr>
+          <p:cNvPicPr>
+            <a:picLocks noGrp="1" noRot="1" noChangeAspect="1" noMove="1" noResize="1" noEditPoints="1" noAdjustHandles="1" noChangeArrowheads="1" noChangeShapeType="1" noCrop="1"/>
+          </p:cNvPicPr>
+          <p:nvPr>
+            <p:extLst>
+              <p:ext uri="{386F3935-93C4-4BCD-93E2-E3B085C9AB24}">
+                <p16:designElem xmlns:p16="http://schemas.microsoft.com/office/powerpoint/2015/main" val="1"/>
+              </p:ext>
+            </p:extLst>
+          </p:nvPr>
+        </p:nvPicPr>
+        <p:blipFill>
+          <a:blip r:embed="rId4">
+            <a:extLst>
+              <a:ext uri="{28A0092B-C50C-407E-A947-70E740481C1C}">
+                <a14:useLocalDpi xmlns:a14="http://schemas.microsoft.com/office/drawing/2010/main" val="0"/>
+              </a:ext>
+            </a:extLst>
+          </a:blip>
+          <a:stretch>
+            <a:fillRect/>
+          </a:stretch>
+        </p:blipFill>
+        <p:spPr>
+          <a:xfrm>
+            <a:off x="9111716" y="4243845"/>
+            <a:ext cx="3077108" cy="276940"/>
+          </a:xfrm>
+          <a:prstGeom prst="rect">
+            <a:avLst/>
+          </a:prstGeom>
+        </p:spPr>
+      </p:pic>
+      <p:sp>
+        <p:nvSpPr>
+          <p:cNvPr id="16" name="Rectangle 15">
+            <a:extLst>
+              <a:ext uri="{FF2B5EF4-FFF2-40B4-BE49-F238E27FC236}">
+                <a16:creationId xmlns:a16="http://schemas.microsoft.com/office/drawing/2014/main" id="{78C9D07A-5A22-4E55-B18A-47CF07E5080D}"/>
+              </a:ext>
+              <a:ext uri="{C183D7F6-B498-43B3-948B-1728B52AA6E4}">
+                <adec:decorative xmlns:adec="http://schemas.microsoft.com/office/drawing/2017/decorative" val="1"/>
+              </a:ext>
+            </a:extLst>
+          </p:cNvPr>
+          <p:cNvSpPr>
+            <a:spLocks noGrp="1" noRot="1" noChangeAspect="1" noMove="1" noResize="1" noEditPoints="1" noAdjustHandles="1" noChangeArrowheads="1" noChangeShapeType="1" noTextEdit="1"/>
+          </p:cNvSpPr>
+          <p:nvPr>
+            <p:extLst>
+              <p:ext uri="{386F3935-93C4-4BCD-93E2-E3B085C9AB24}">
+                <p16:designElem xmlns:p16="http://schemas.microsoft.com/office/powerpoint/2015/main" val="1"/>
+              </p:ext>
+            </p:extLst>
+          </p:nvPr>
+        </p:nvSpPr>
+        <p:spPr>
+          <a:xfrm>
+            <a:off x="0" y="2590078"/>
+            <a:ext cx="8968085" cy="1660332"/>
+          </a:xfrm>
+          <a:prstGeom prst="rect">
+            <a:avLst/>
+          </a:prstGeom>
+          <a:solidFill>
+            <a:schemeClr val="bg1">
+              <a:lumMod val="85000"/>
+              <a:lumOff val="15000"/>
+            </a:schemeClr>
+          </a:solidFill>
+          <a:ln>
+            <a:noFill/>
+          </a:ln>
+        </p:spPr>
+        <p:style>
+          <a:lnRef idx="2">
+            <a:schemeClr val="accent1">
+              <a:shade val="50000"/>
+            </a:schemeClr>
+          </a:lnRef>
+          <a:fillRef idx="1">
+            <a:schemeClr val="accent1"/>
+          </a:fillRef>
+          <a:effectRef idx="0">
+            <a:schemeClr val="accent1"/>
+          </a:effectRef>
+          <a:fontRef idx="minor">
+            <a:schemeClr val="lt1"/>
+          </a:fontRef>
+        </p:style>
+      </p:sp>
+      <p:sp>
+        <p:nvSpPr>
+          <p:cNvPr id="18" name="Rectangle 17">
+            <a:extLst>
+              <a:ext uri="{FF2B5EF4-FFF2-40B4-BE49-F238E27FC236}">
+                <a16:creationId xmlns:a16="http://schemas.microsoft.com/office/drawing/2014/main" id="{3D71E629-0739-4A59-972B-A9E9A4500E31}"/>
+              </a:ext>
+              <a:ext uri="{C183D7F6-B498-43B3-948B-1728B52AA6E4}">
+                <adec:decorative xmlns:adec="http://schemas.microsoft.com/office/drawing/2017/decorative" val="1"/>
+              </a:ext>
+            </a:extLst>
+          </p:cNvPr>
+          <p:cNvSpPr>
+            <a:spLocks noGrp="1" noRot="1" noChangeAspect="1" noMove="1" noResize="1" noEditPoints="1" noAdjustHandles="1" noChangeArrowheads="1" noChangeShapeType="1" noTextEdit="1"/>
+          </p:cNvSpPr>
+          <p:nvPr>
+            <p:extLst>
+              <p:ext uri="{386F3935-93C4-4BCD-93E2-E3B085C9AB24}">
+                <p16:designElem xmlns:p16="http://schemas.microsoft.com/office/powerpoint/2015/main" val="1"/>
+              </p:ext>
+            </p:extLst>
+          </p:nvPr>
+        </p:nvSpPr>
+        <p:spPr>
+          <a:xfrm>
+            <a:off x="9111715" y="2590078"/>
+            <a:ext cx="3077109" cy="1660332"/>
+          </a:xfrm>
+          <a:prstGeom prst="rect">
+            <a:avLst/>
+          </a:prstGeom>
+          <a:solidFill>
+            <a:schemeClr val="accent1"/>
+          </a:solidFill>
+          <a:ln>
+            <a:noFill/>
+          </a:ln>
+        </p:spPr>
+        <p:style>
+          <a:lnRef idx="2">
+            <a:schemeClr val="accent1">
+              <a:shade val="50000"/>
+            </a:schemeClr>
+          </a:lnRef>
+          <a:fillRef idx="1">
+            <a:schemeClr val="accent1"/>
+          </a:fillRef>
+          <a:effectRef idx="0">
+            <a:schemeClr val="accent1"/>
+          </a:effectRef>
+          <a:fontRef idx="minor">
+            <a:schemeClr val="lt1"/>
+          </a:fontRef>
+        </p:style>
+      </p:sp>
+      <p:sp useBgFill="1">
+        <p:nvSpPr>
+          <p:cNvPr id="20" name="Rectangle 19">
+            <a:extLst>
+              <a:ext uri="{FF2B5EF4-FFF2-40B4-BE49-F238E27FC236}">
+                <a16:creationId xmlns:a16="http://schemas.microsoft.com/office/drawing/2014/main" id="{00573A24-AD84-4562-A993-7D04E1D18209}"/>
+              </a:ext>
+              <a:ext uri="{C183D7F6-B498-43B3-948B-1728B52AA6E4}">
+                <adec:decorative xmlns:adec="http://schemas.microsoft.com/office/drawing/2017/decorative" val="1"/>
+              </a:ext>
+            </a:extLst>
+          </p:cNvPr>
+          <p:cNvSpPr>
+            <a:spLocks noGrp="1" noRot="1" noChangeAspect="1" noMove="1" noResize="1" noEditPoints="1" noAdjustHandles="1" noChangeArrowheads="1" noChangeShapeType="1" noTextEdit="1"/>
+          </p:cNvSpPr>
+          <p:nvPr>
+            <p:extLst>
+              <p:ext uri="{386F3935-93C4-4BCD-93E2-E3B085C9AB24}">
+                <p16:designElem xmlns:p16="http://schemas.microsoft.com/office/powerpoint/2015/main" val="1"/>
+              </p:ext>
+            </p:extLst>
+          </p:nvPr>
+        </p:nvSpPr>
+        <p:spPr>
+          <a:xfrm>
+            <a:off x="0" y="0"/>
+            <a:ext cx="12188824" cy="6858000"/>
+          </a:xfrm>
+          <a:prstGeom prst="rect">
+            <a:avLst/>
+          </a:prstGeom>
+          <a:ln>
+            <a:noFill/>
+          </a:ln>
+        </p:spPr>
+        <p:style>
+          <a:lnRef idx="2">
+            <a:schemeClr val="accent1">
+              <a:shade val="50000"/>
+            </a:schemeClr>
+          </a:lnRef>
+          <a:fillRef idx="1">
+            <a:schemeClr val="accent1"/>
+          </a:fillRef>
+          <a:effectRef idx="0">
+            <a:schemeClr val="accent1"/>
+          </a:effectRef>
+          <a:fontRef idx="minor">
+            <a:schemeClr val="lt1"/>
+          </a:fontRef>
+        </p:style>
+        <p:txBody>
+          <a:bodyPr rtlCol="0" anchor="ctr"/>
+          <a:lstStyle/>
+          <a:p>
+            <a:pPr algn="ctr"/>
+            <a:endParaRPr lang="en-US"/>
+          </a:p>
+        </p:txBody>
+      </p:sp>
+      <p:pic>
+        <p:nvPicPr>
+          <p:cNvPr id="22" name="Picture 21">
+            <a:extLst>
+              <a:ext uri="{FF2B5EF4-FFF2-40B4-BE49-F238E27FC236}">
+                <a16:creationId xmlns:a16="http://schemas.microsoft.com/office/drawing/2014/main" id="{B3C087F8-F09C-4C07-B55F-6081689A2413}"/>
+              </a:ext>
+              <a:ext uri="{C183D7F6-B498-43B3-948B-1728B52AA6E4}">
+                <adec:decorative xmlns:adec="http://schemas.microsoft.com/office/drawing/2017/decorative" val="1"/>
+              </a:ext>
+            </a:extLst>
+          </p:cNvPr>
+          <p:cNvPicPr>
+            <a:picLocks noGrp="1" noRot="1" noChangeAspect="1" noMove="1" noResize="1" noEditPoints="1" noAdjustHandles="1" noChangeArrowheads="1" noChangeShapeType="1" noCrop="1"/>
+          </p:cNvPicPr>
+          <p:nvPr>
+            <p:extLst>
+              <p:ext uri="{386F3935-93C4-4BCD-93E2-E3B085C9AB24}">
+                <p16:designElem xmlns:p16="http://schemas.microsoft.com/office/powerpoint/2015/main" val="1"/>
+              </p:ext>
+            </p:extLst>
+          </p:nvPr>
+        </p:nvPicPr>
+        <p:blipFill>
+          <a:blip r:embed="rId2">
+            <a:alphaModFix amt="10000"/>
+            <a:extLst>
+              <a:ext uri="{28A0092B-C50C-407E-A947-70E740481C1C}">
+                <a14:useLocalDpi xmlns:a14="http://schemas.microsoft.com/office/drawing/2010/main" val="0"/>
+              </a:ext>
+            </a:extLst>
+          </a:blip>
+          <a:stretch>
+            <a:fillRect/>
+          </a:stretch>
+        </p:blipFill>
+        <p:spPr>
+          <a:xfrm>
+            <a:off x="0" y="0"/>
+            <a:ext cx="12192000" cy="6858000"/>
+          </a:xfrm>
+          <a:prstGeom prst="rect">
+            <a:avLst/>
+          </a:prstGeom>
+        </p:spPr>
+      </p:pic>
+      <p:sp>
+        <p:nvSpPr>
+          <p:cNvPr id="24" name="Rectangle 23">
+            <a:extLst>
+              <a:ext uri="{FF2B5EF4-FFF2-40B4-BE49-F238E27FC236}">
+                <a16:creationId xmlns:a16="http://schemas.microsoft.com/office/drawing/2014/main" id="{FC49D257-5737-4C0D-89EA-9C311AF2B8B5}"/>
+              </a:ext>
+              <a:ext uri="{C183D7F6-B498-43B3-948B-1728B52AA6E4}">
+                <adec:decorative xmlns:adec="http://schemas.microsoft.com/office/drawing/2017/decorative" val="1"/>
+              </a:ext>
+            </a:extLst>
+          </p:cNvPr>
+          <p:cNvSpPr>
+            <a:spLocks noGrp="1" noRot="1" noChangeAspect="1" noMove="1" noResize="1" noEditPoints="1" noAdjustHandles="1" noChangeArrowheads="1" noChangeShapeType="1" noTextEdit="1"/>
+          </p:cNvSpPr>
+          <p:nvPr>
+            <p:extLst>
+              <p:ext uri="{386F3935-93C4-4BCD-93E2-E3B085C9AB24}">
+                <p16:designElem xmlns:p16="http://schemas.microsoft.com/office/powerpoint/2015/main" val="1"/>
+              </p:ext>
+            </p:extLst>
+          </p:nvPr>
+        </p:nvSpPr>
+        <p:spPr>
+          <a:xfrm>
+            <a:off x="6099176" y="0"/>
+            <a:ext cx="6092824" cy="6858001"/>
+          </a:xfrm>
+          <a:prstGeom prst="rect">
+            <a:avLst/>
+          </a:prstGeom>
+          <a:ln>
+            <a:noFill/>
+          </a:ln>
+        </p:spPr>
+        <p:style>
+          <a:lnRef idx="2">
+            <a:schemeClr val="accent1">
+              <a:shade val="50000"/>
+            </a:schemeClr>
+          </a:lnRef>
+          <a:fillRef idx="1">
+            <a:schemeClr val="accent1"/>
+          </a:fillRef>
+          <a:effectRef idx="0">
+            <a:schemeClr val="accent1"/>
+          </a:effectRef>
+          <a:fontRef idx="minor">
+            <a:schemeClr val="lt1"/>
+          </a:fontRef>
+        </p:style>
+        <p:txBody>
+          <a:bodyPr rtlCol="0" anchor="ctr"/>
+          <a:lstStyle/>
+          <a:p>
+            <a:pPr algn="ctr"/>
+            <a:endParaRPr lang="en-US"/>
+          </a:p>
+        </p:txBody>
+      </p:sp>
+      <p:pic>
+        <p:nvPicPr>
+          <p:cNvPr id="26" name="Picture 25">
+            <a:extLst>
+              <a:ext uri="{FF2B5EF4-FFF2-40B4-BE49-F238E27FC236}">
+                <a16:creationId xmlns:a16="http://schemas.microsoft.com/office/drawing/2014/main" id="{E13D267A-94F5-488A-94C6-5D7156D9AF8C}"/>
+              </a:ext>
+              <a:ext uri="{C183D7F6-B498-43B3-948B-1728B52AA6E4}">
+                <adec:decorative xmlns:adec="http://schemas.microsoft.com/office/drawing/2017/decorative" val="1"/>
+              </a:ext>
+            </a:extLst>
+          </p:cNvPr>
+          <p:cNvPicPr>
+            <a:picLocks noGrp="1" noRot="1" noChangeAspect="1" noMove="1" noResize="1" noEditPoints="1" noAdjustHandles="1" noChangeArrowheads="1" noChangeShapeType="1" noCrop="1"/>
+          </p:cNvPicPr>
+          <p:nvPr>
+            <p:extLst>
+              <p:ext uri="{386F3935-93C4-4BCD-93E2-E3B085C9AB24}">
+                <p16:designElem xmlns:p16="http://schemas.microsoft.com/office/powerpoint/2015/main" val="1"/>
+              </p:ext>
+            </p:extLst>
+          </p:nvPr>
+        </p:nvPicPr>
+        <p:blipFill>
+          <a:blip r:embed="rId3">
+            <a:extLst>
+              <a:ext uri="{28A0092B-C50C-407E-A947-70E740481C1C}">
+                <a14:useLocalDpi xmlns:a14="http://schemas.microsoft.com/office/drawing/2010/main" val="0"/>
+              </a:ext>
+            </a:extLst>
+          </a:blip>
+          <a:stretch>
+            <a:fillRect/>
+          </a:stretch>
+        </p:blipFill>
+        <p:spPr>
+          <a:xfrm>
+            <a:off x="1" y="4688333"/>
+            <a:ext cx="6400800" cy="185701"/>
+          </a:xfrm>
+          <a:prstGeom prst="rect">
+            <a:avLst/>
+          </a:prstGeom>
+        </p:spPr>
+      </p:pic>
+      <p:sp>
+        <p:nvSpPr>
+          <p:cNvPr id="28" name="Rectangle 27">
+            <a:extLst>
+              <a:ext uri="{FF2B5EF4-FFF2-40B4-BE49-F238E27FC236}">
+                <a16:creationId xmlns:a16="http://schemas.microsoft.com/office/drawing/2014/main" id="{46CE3EB2-91DF-4F5D-8874-744AAAE311E1}"/>
+              </a:ext>
+              <a:ext uri="{C183D7F6-B498-43B3-948B-1728B52AA6E4}">
+                <adec:decorative xmlns:adec="http://schemas.microsoft.com/office/drawing/2017/decorative" val="1"/>
+              </a:ext>
+            </a:extLst>
+          </p:cNvPr>
+          <p:cNvSpPr>
+            <a:spLocks noGrp="1" noRot="1" noChangeAspect="1" noMove="1" noResize="1" noEditPoints="1" noAdjustHandles="1" noChangeArrowheads="1" noChangeShapeType="1" noTextEdit="1"/>
+          </p:cNvSpPr>
+          <p:nvPr>
+            <p:extLst>
+              <p:ext uri="{386F3935-93C4-4BCD-93E2-E3B085C9AB24}">
+                <p16:designElem xmlns:p16="http://schemas.microsoft.com/office/powerpoint/2015/main" val="1"/>
+              </p:ext>
+            </p:extLst>
+          </p:nvPr>
+        </p:nvSpPr>
+        <p:spPr>
+          <a:xfrm>
+            <a:off x="-1" y="2162908"/>
+            <a:ext cx="6411743" cy="2532185"/>
+          </a:xfrm>
+          <a:prstGeom prst="rect">
+            <a:avLst/>
+          </a:prstGeom>
+          <a:solidFill>
+            <a:schemeClr val="bg1">
+              <a:lumMod val="85000"/>
+              <a:lumOff val="15000"/>
+            </a:schemeClr>
+          </a:solidFill>
+          <a:ln>
+            <a:noFill/>
+          </a:ln>
+        </p:spPr>
+        <p:style>
+          <a:lnRef idx="2">
+            <a:schemeClr val="accent1">
+              <a:shade val="50000"/>
+            </a:schemeClr>
+          </a:lnRef>
+          <a:fillRef idx="1">
+            <a:schemeClr val="accent1"/>
+          </a:fillRef>
+          <a:effectRef idx="0">
+            <a:schemeClr val="accent1"/>
+          </a:effectRef>
+          <a:fontRef idx="minor">
+            <a:schemeClr val="lt1"/>
+          </a:fontRef>
+        </p:style>
+      </p:sp>
+      <p:sp>
+        <p:nvSpPr>
+          <p:cNvPr id="2" name="Tytuł 1">
+            <a:extLst>
+              <a:ext uri="{FF2B5EF4-FFF2-40B4-BE49-F238E27FC236}">
+                <a16:creationId xmlns:a16="http://schemas.microsoft.com/office/drawing/2014/main" id="{7B20D057-D7F8-484A-99CE-44C5074C854D}"/>
+              </a:ext>
+            </a:extLst>
+          </p:cNvPr>
+          <p:cNvSpPr>
+            <a:spLocks noGrp="1"/>
+          </p:cNvSpPr>
+          <p:nvPr>
+            <p:ph type="title"/>
+          </p:nvPr>
+        </p:nvSpPr>
+        <p:spPr>
+          <a:xfrm>
+            <a:off x="680322" y="2403231"/>
+            <a:ext cx="5192940" cy="2133600"/>
+          </a:xfrm>
+        </p:spPr>
+        <p:txBody>
+          <a:bodyPr vert="horz" lIns="91440" tIns="45720" rIns="91440" bIns="45720" rtlCol="0" anchor="ctr">
+            <a:normAutofit/>
+          </a:bodyPr>
+          <a:lstStyle/>
+          <a:p>
+            <a:pPr algn="r"/>
+            <a:r>
+              <a:rPr lang="en-US" sz="5400"/>
+              <a:t>Opłaty stałe</a:t>
+            </a:r>
+          </a:p>
+        </p:txBody>
+      </p:sp>
+      <p:pic>
+        <p:nvPicPr>
+          <p:cNvPr id="5" name="Grafika 4">
+            <a:extLst>
+              <a:ext uri="{FF2B5EF4-FFF2-40B4-BE49-F238E27FC236}">
+                <a16:creationId xmlns:a16="http://schemas.microsoft.com/office/drawing/2014/main" id="{0F4A7A36-9EAF-43AA-9C29-C93D312E0A9C}"/>
+              </a:ext>
+            </a:extLst>
+          </p:cNvPr>
+          <p:cNvPicPr>
+            <a:picLocks noChangeAspect="1"/>
+          </p:cNvPicPr>
+          <p:nvPr/>
+        </p:nvPicPr>
+        <p:blipFill>
+          <a:blip r:embed="rId5">
+            <a:extLst>
+              <a:ext uri="{28A0092B-C50C-407E-A947-70E740481C1C}">
+                <a14:useLocalDpi xmlns:a14="http://schemas.microsoft.com/office/drawing/2010/main" val="0"/>
+              </a:ext>
+              <a:ext uri="{96DAC541-7B7A-43D3-8B79-37D633B846F1}">
+                <asvg:svgBlip xmlns:asvg="http://schemas.microsoft.com/office/drawing/2016/SVG/main" r:embed="rId6"/>
+              </a:ext>
+            </a:extLst>
+          </a:blip>
+          <a:stretch>
+            <a:fillRect/>
+          </a:stretch>
+        </p:blipFill>
+        <p:spPr>
+          <a:xfrm>
+            <a:off x="6736078" y="972766"/>
+            <a:ext cx="5230293" cy="4546665"/>
+          </a:xfrm>
+          <a:prstGeom prst="rect">
+            <a:avLst/>
+          </a:prstGeom>
+          <a:ln>
+            <a:noFill/>
+          </a:ln>
+          <a:effectLst>
+            <a:outerShdw blurRad="76200" dist="63500" dir="5040000" algn="tl" rotWithShape="0">
+              <a:srgbClr val="000000">
+                <a:alpha val="41000"/>
+              </a:srgbClr>
+            </a:outerShdw>
+          </a:effectLst>
+        </p:spPr>
+      </p:pic>
+      <p:sp>
+        <p:nvSpPr>
+          <p:cNvPr id="3" name="Symbol zastępczy numeru slajdu 2">
+            <a:extLst>
+              <a:ext uri="{FF2B5EF4-FFF2-40B4-BE49-F238E27FC236}">
+                <a16:creationId xmlns:a16="http://schemas.microsoft.com/office/drawing/2014/main" id="{58498F4A-5208-4983-90A0-3F6DDE5D2EA1}"/>
+              </a:ext>
+            </a:extLst>
+          </p:cNvPr>
+          <p:cNvSpPr>
+            <a:spLocks noGrp="1"/>
+          </p:cNvSpPr>
+          <p:nvPr>
+            <p:ph type="sldNum" sz="quarter" idx="12"/>
+          </p:nvPr>
+        </p:nvSpPr>
+        <p:spPr>
+          <a:xfrm>
+            <a:off x="11281776" y="6336872"/>
+            <a:ext cx="722655" cy="365760"/>
+          </a:xfrm>
+        </p:spPr>
+        <p:txBody>
+          <a:bodyPr vert="horz" lIns="91440" tIns="45720" rIns="91440" bIns="45720" rtlCol="0" anchor="ctr">
+            <a:normAutofit/>
+          </a:bodyPr>
+          <a:lstStyle/>
+          <a:p>
+            <a:pPr defTabSz="914400">
+              <a:spcAft>
+                <a:spcPts val="600"/>
+              </a:spcAft>
+            </a:pPr>
+            <a:r>
+              <a:rPr lang="pl-PL" sz="1400" dirty="0">
+                <a:solidFill>
+                  <a:srgbClr val="FFFFFF"/>
+                </a:solidFill>
+              </a:rPr>
+              <a:t>23</a:t>
+            </a:r>
+            <a:endParaRPr lang="en-US" sz="1400" dirty="0">
+              <a:solidFill>
+                <a:srgbClr val="FFFFFF"/>
+              </a:solidFill>
+            </a:endParaRPr>
+          </a:p>
+        </p:txBody>
+      </p:sp>
+    </p:spTree>
+    <p:extLst>
+      <p:ext uri="{BB962C8B-B14F-4D97-AF65-F5344CB8AC3E}">
+        <p14:creationId xmlns:p14="http://schemas.microsoft.com/office/powerpoint/2010/main" val="2070685674"/>
+      </p:ext>
+    </p:extLst>
+  </p:cSld>
+  <p:clrMapOvr>
+    <a:masterClrMapping/>
+  </p:clrMapOvr>
+</p:sld>
+</file>
+
+<file path=ppt/slides/slide38.xml><?xml version="1.0" encoding="utf-8"?>
+<p:sld xmlns:a="http://schemas.openxmlformats.org/drawingml/2006/main" xmlns:r="http://schemas.openxmlformats.org/officeDocument/2006/relationships" xmlns:p="http://schemas.openxmlformats.org/presentationml/2006/main">
+  <p:cSld>
+    <p:spTree>
+      <p:nvGrpSpPr>
+        <p:cNvPr id="1" name=""/>
+        <p:cNvGrpSpPr/>
+        <p:nvPr/>
+      </p:nvGrpSpPr>
+      <p:grpSpPr>
+        <a:xfrm>
+          <a:off x="0" y="0"/>
+          <a:ext cx="0" cy="0"/>
+          <a:chOff x="0" y="0"/>
+          <a:chExt cx="0" cy="0"/>
+        </a:xfrm>
+      </p:grpSpPr>
+      <p:sp>
+        <p:nvSpPr>
+          <p:cNvPr id="2" name="Tytuł 1">
+            <a:extLst>
+              <a:ext uri="{FF2B5EF4-FFF2-40B4-BE49-F238E27FC236}">
+                <a16:creationId xmlns:a16="http://schemas.microsoft.com/office/drawing/2014/main" id="{C91C4CD4-9C96-4AF4-ACE0-9CFD711A54A3}"/>
+              </a:ext>
+            </a:extLst>
+          </p:cNvPr>
+          <p:cNvSpPr>
+            <a:spLocks noGrp="1"/>
+          </p:cNvSpPr>
+          <p:nvPr>
+            <p:ph type="title"/>
+          </p:nvPr>
+        </p:nvSpPr>
+        <p:spPr/>
+        <p:txBody>
+          <a:bodyPr/>
+          <a:lstStyle/>
+          <a:p>
+            <a:r>
+              <a:rPr lang="pl-PL"/>
+              <a:t>Koszty zewnętrzne</a:t>
+            </a:r>
+            <a:endParaRPr lang="pl-PL" dirty="0"/>
+          </a:p>
+        </p:txBody>
+      </p:sp>
+      <p:sp>
+        <p:nvSpPr>
+          <p:cNvPr id="3" name="Symbol zastępczy numeru slajdu 2">
+            <a:extLst>
+              <a:ext uri="{FF2B5EF4-FFF2-40B4-BE49-F238E27FC236}">
+                <a16:creationId xmlns:a16="http://schemas.microsoft.com/office/drawing/2014/main" id="{2E8532CB-E7B8-4F37-95A9-BD07BA8C7965}"/>
+              </a:ext>
+            </a:extLst>
+          </p:cNvPr>
+          <p:cNvSpPr>
+            <a:spLocks noGrp="1"/>
+          </p:cNvSpPr>
+          <p:nvPr>
+            <p:ph type="sldNum" sz="quarter" idx="12"/>
+          </p:nvPr>
+        </p:nvSpPr>
+        <p:spPr/>
+        <p:txBody>
+          <a:bodyPr/>
+          <a:lstStyle/>
+          <a:p>
+            <a:r>
+              <a:rPr lang="pl-PL" dirty="0"/>
+              <a:t>24</a:t>
+            </a:r>
+          </a:p>
+        </p:txBody>
+      </p:sp>
+      <p:pic>
+        <p:nvPicPr>
+          <p:cNvPr id="5" name="Grafika 4">
+            <a:extLst>
+              <a:ext uri="{FF2B5EF4-FFF2-40B4-BE49-F238E27FC236}">
+                <a16:creationId xmlns:a16="http://schemas.microsoft.com/office/drawing/2014/main" id="{488C63E7-46CC-4855-8E59-BE82EAF620ED}"/>
+              </a:ext>
+            </a:extLst>
+          </p:cNvPr>
+          <p:cNvPicPr>
+            <a:picLocks noChangeAspect="1"/>
+          </p:cNvPicPr>
+          <p:nvPr/>
+        </p:nvPicPr>
+        <p:blipFill>
+          <a:blip r:embed="rId2">
+            <a:extLst>
+              <a:ext uri="{28A0092B-C50C-407E-A947-70E740481C1C}">
+                <a14:useLocalDpi xmlns:a14="http://schemas.microsoft.com/office/drawing/2010/main" val="0"/>
+              </a:ext>
+              <a:ext uri="{96DAC541-7B7A-43D3-8B79-37D633B846F1}">
+                <asvg:svgBlip xmlns:asvg="http://schemas.microsoft.com/office/drawing/2016/SVG/main" r:embed="rId3"/>
+              </a:ext>
+            </a:extLst>
+          </a:blip>
+          <a:stretch>
+            <a:fillRect/>
+          </a:stretch>
+        </p:blipFill>
+        <p:spPr>
+          <a:xfrm>
+            <a:off x="357896" y="2159541"/>
+            <a:ext cx="9889067" cy="4572000"/>
+          </a:xfrm>
+          <a:prstGeom prst="rect">
+            <a:avLst/>
+          </a:prstGeom>
+        </p:spPr>
+      </p:pic>
+    </p:spTree>
+    <p:extLst>
+      <p:ext uri="{BB962C8B-B14F-4D97-AF65-F5344CB8AC3E}">
+        <p14:creationId xmlns:p14="http://schemas.microsoft.com/office/powerpoint/2010/main" val="166801903"/>
+      </p:ext>
+    </p:extLst>
+  </p:cSld>
+  <p:clrMapOvr>
+    <a:masterClrMapping/>
+  </p:clrMapOvr>
+</p:sld>
+</file>
+
+<file path=ppt/slides/slide39.xml><?xml version="1.0" encoding="utf-8"?>
+<p:sld xmlns:a="http://schemas.openxmlformats.org/drawingml/2006/main" xmlns:r="http://schemas.openxmlformats.org/officeDocument/2006/relationships" xmlns:p="http://schemas.openxmlformats.org/presentationml/2006/main">
+  <p:cSld>
+    <p:bg>
+      <p:bgPr>
+        <a:gradFill rotWithShape="1">
+          <a:gsLst>
+            <a:gs pos="0">
+              <a:schemeClr val="bg2">
+                <a:tint val="96000"/>
+                <a:shade val="100000"/>
+                <a:hueMod val="270000"/>
+                <a:satMod val="200000"/>
+                <a:lumMod val="128000"/>
+              </a:schemeClr>
+            </a:gs>
+            <a:gs pos="50000">
+              <a:schemeClr val="bg2">
+                <a:shade val="100000"/>
+                <a:hueMod val="100000"/>
+                <a:satMod val="110000"/>
+                <a:lumMod val="130000"/>
+              </a:schemeClr>
+            </a:gs>
+            <a:gs pos="100000">
+              <a:schemeClr val="bg2">
+                <a:shade val="78000"/>
+                <a:hueMod val="44000"/>
+                <a:satMod val="200000"/>
+                <a:lumMod val="69000"/>
+              </a:schemeClr>
+            </a:gs>
+          </a:gsLst>
+          <a:lin ang="2520000" scaled="0"/>
+        </a:gradFill>
+        <a:effectLst/>
+      </p:bgPr>
+    </p:bg>
+    <p:spTree>
+      <p:nvGrpSpPr>
+        <p:cNvPr id="1" name=""/>
+        <p:cNvGrpSpPr/>
+        <p:nvPr/>
+      </p:nvGrpSpPr>
+      <p:grpSpPr>
+        <a:xfrm>
+          <a:off x="0" y="0"/>
+          <a:ext cx="0" cy="0"/>
+          <a:chOff x="0" y="0"/>
+          <a:chExt cx="0" cy="0"/>
+        </a:xfrm>
+      </p:grpSpPr>
+      <p:pic>
+        <p:nvPicPr>
+          <p:cNvPr id="30" name="Picture 9">
+            <a:extLst>
+              <a:ext uri="{FF2B5EF4-FFF2-40B4-BE49-F238E27FC236}">
+                <a16:creationId xmlns:a16="http://schemas.microsoft.com/office/drawing/2014/main" id="{5321D838-2C7E-4177-9DD3-DAC78324A2B2}"/>
+              </a:ext>
+              <a:ext uri="{C183D7F6-B498-43B3-948B-1728B52AA6E4}">
+                <adec:decorative xmlns:adec="http://schemas.microsoft.com/office/drawing/2017/decorative" val="1"/>
+              </a:ext>
+            </a:extLst>
+          </p:cNvPr>
+          <p:cNvPicPr>
+            <a:picLocks noGrp="1" noRot="1" noChangeAspect="1" noMove="1" noResize="1" noEditPoints="1" noAdjustHandles="1" noChangeArrowheads="1" noChangeShapeType="1" noCrop="1"/>
+          </p:cNvPicPr>
+          <p:nvPr>
+            <p:extLst>
+              <p:ext uri="{386F3935-93C4-4BCD-93E2-E3B085C9AB24}">
+                <p16:designElem xmlns:p16="http://schemas.microsoft.com/office/powerpoint/2015/main" val="1"/>
+              </p:ext>
+            </p:extLst>
+          </p:nvPr>
+        </p:nvPicPr>
+        <p:blipFill>
+          <a:blip r:embed="rId2">
+            <a:alphaModFix amt="10000"/>
+            <a:extLst>
+              <a:ext uri="{28A0092B-C50C-407E-A947-70E740481C1C}">
+                <a14:useLocalDpi xmlns:a14="http://schemas.microsoft.com/office/drawing/2010/main" val="0"/>
+              </a:ext>
+            </a:extLst>
+          </a:blip>
+          <a:stretch>
+            <a:fillRect/>
+          </a:stretch>
+        </p:blipFill>
+        <p:spPr>
+          <a:xfrm>
+            <a:off x="0" y="0"/>
+            <a:ext cx="12192000" cy="6858000"/>
+          </a:xfrm>
+          <a:prstGeom prst="rect">
+            <a:avLst/>
+          </a:prstGeom>
+        </p:spPr>
+      </p:pic>
+      <p:pic>
+        <p:nvPicPr>
+          <p:cNvPr id="31" name="Picture 11">
+            <a:extLst>
+              <a:ext uri="{FF2B5EF4-FFF2-40B4-BE49-F238E27FC236}">
+                <a16:creationId xmlns:a16="http://schemas.microsoft.com/office/drawing/2014/main" id="{0146E45C-1450-4186-B501-74F221F897A8}"/>
+              </a:ext>
+              <a:ext uri="{C183D7F6-B498-43B3-948B-1728B52AA6E4}">
+                <adec:decorative xmlns:adec="http://schemas.microsoft.com/office/drawing/2017/decorative" val="1"/>
+              </a:ext>
+            </a:extLst>
+          </p:cNvPr>
+          <p:cNvPicPr>
+            <a:picLocks noGrp="1" noRot="1" noChangeAspect="1" noMove="1" noResize="1" noEditPoints="1" noAdjustHandles="1" noChangeArrowheads="1" noChangeShapeType="1" noCrop="1"/>
+          </p:cNvPicPr>
+          <p:nvPr>
+            <p:extLst>
+              <p:ext uri="{386F3935-93C4-4BCD-93E2-E3B085C9AB24}">
+                <p16:designElem xmlns:p16="http://schemas.microsoft.com/office/powerpoint/2015/main" val="1"/>
+              </p:ext>
+            </p:extLst>
+          </p:nvPr>
+        </p:nvPicPr>
+        <p:blipFill>
+          <a:blip r:embed="rId3">
+            <a:extLst>
+              <a:ext uri="{28A0092B-C50C-407E-A947-70E740481C1C}">
+                <a14:useLocalDpi xmlns:a14="http://schemas.microsoft.com/office/drawing/2010/main" val="0"/>
+              </a:ext>
+            </a:extLst>
+          </a:blip>
+          <a:stretch>
+            <a:fillRect/>
+          </a:stretch>
+        </p:blipFill>
+        <p:spPr>
+          <a:xfrm>
+            <a:off x="1" y="4242851"/>
+            <a:ext cx="8968084" cy="275942"/>
+          </a:xfrm>
+          <a:prstGeom prst="rect">
+            <a:avLst/>
+          </a:prstGeom>
+        </p:spPr>
+      </p:pic>
+      <p:pic>
+        <p:nvPicPr>
+          <p:cNvPr id="32" name="Picture 13">
+            <a:extLst>
+              <a:ext uri="{FF2B5EF4-FFF2-40B4-BE49-F238E27FC236}">
+                <a16:creationId xmlns:a16="http://schemas.microsoft.com/office/drawing/2014/main" id="{EEDDA48B-BC04-4915-ADA3-A1A9522EB0D1}"/>
+              </a:ext>
+              <a:ext uri="{C183D7F6-B498-43B3-948B-1728B52AA6E4}">
+                <adec:decorative xmlns:adec="http://schemas.microsoft.com/office/drawing/2017/decorative" val="1"/>
+              </a:ext>
+            </a:extLst>
+          </p:cNvPr>
+          <p:cNvPicPr>
+            <a:picLocks noGrp="1" noRot="1" noChangeAspect="1" noMove="1" noResize="1" noEditPoints="1" noAdjustHandles="1" noChangeArrowheads="1" noChangeShapeType="1" noCrop="1"/>
+          </p:cNvPicPr>
+          <p:nvPr>
+            <p:extLst>
+              <p:ext uri="{386F3935-93C4-4BCD-93E2-E3B085C9AB24}">
+                <p16:designElem xmlns:p16="http://schemas.microsoft.com/office/powerpoint/2015/main" val="1"/>
+              </p:ext>
+            </p:extLst>
+          </p:nvPr>
+        </p:nvPicPr>
+        <p:blipFill>
+          <a:blip r:embed="rId4">
+            <a:extLst>
+              <a:ext uri="{28A0092B-C50C-407E-A947-70E740481C1C}">
+                <a14:useLocalDpi xmlns:a14="http://schemas.microsoft.com/office/drawing/2010/main" val="0"/>
+              </a:ext>
+            </a:extLst>
+          </a:blip>
+          <a:stretch>
+            <a:fillRect/>
+          </a:stretch>
+        </p:blipFill>
+        <p:spPr>
+          <a:xfrm>
+            <a:off x="9111716" y="4243845"/>
+            <a:ext cx="3077108" cy="276940"/>
+          </a:xfrm>
+          <a:prstGeom prst="rect">
+            <a:avLst/>
+          </a:prstGeom>
+        </p:spPr>
+      </p:pic>
+      <p:sp>
+        <p:nvSpPr>
+          <p:cNvPr id="33" name="Rectangle 15">
+            <a:extLst>
+              <a:ext uri="{FF2B5EF4-FFF2-40B4-BE49-F238E27FC236}">
+                <a16:creationId xmlns:a16="http://schemas.microsoft.com/office/drawing/2014/main" id="{78C9D07A-5A22-4E55-B18A-47CF07E5080D}"/>
+              </a:ext>
+              <a:ext uri="{C183D7F6-B498-43B3-948B-1728B52AA6E4}">
+                <adec:decorative xmlns:adec="http://schemas.microsoft.com/office/drawing/2017/decorative" val="1"/>
+              </a:ext>
+            </a:extLst>
+          </p:cNvPr>
+          <p:cNvSpPr>
+            <a:spLocks noGrp="1" noRot="1" noChangeAspect="1" noMove="1" noResize="1" noEditPoints="1" noAdjustHandles="1" noChangeArrowheads="1" noChangeShapeType="1" noTextEdit="1"/>
+          </p:cNvSpPr>
+          <p:nvPr>
+            <p:extLst>
+              <p:ext uri="{386F3935-93C4-4BCD-93E2-E3B085C9AB24}">
+                <p16:designElem xmlns:p16="http://schemas.microsoft.com/office/powerpoint/2015/main" val="1"/>
+              </p:ext>
+            </p:extLst>
+          </p:nvPr>
+        </p:nvSpPr>
+        <p:spPr>
+          <a:xfrm>
+            <a:off x="0" y="2590078"/>
+            <a:ext cx="8968085" cy="1660332"/>
+          </a:xfrm>
+          <a:prstGeom prst="rect">
+            <a:avLst/>
+          </a:prstGeom>
+          <a:solidFill>
+            <a:schemeClr val="bg1">
+              <a:lumMod val="85000"/>
+              <a:lumOff val="15000"/>
+            </a:schemeClr>
+          </a:solidFill>
+          <a:ln>
+            <a:noFill/>
+          </a:ln>
+        </p:spPr>
+        <p:style>
+          <a:lnRef idx="2">
+            <a:schemeClr val="accent1">
+              <a:shade val="50000"/>
+            </a:schemeClr>
+          </a:lnRef>
+          <a:fillRef idx="1">
+            <a:schemeClr val="accent1"/>
+          </a:fillRef>
+          <a:effectRef idx="0">
+            <a:schemeClr val="accent1"/>
+          </a:effectRef>
+          <a:fontRef idx="minor">
+            <a:schemeClr val="lt1"/>
+          </a:fontRef>
+        </p:style>
+      </p:sp>
+      <p:sp>
+        <p:nvSpPr>
+          <p:cNvPr id="34" name="Rectangle 17">
+            <a:extLst>
+              <a:ext uri="{FF2B5EF4-FFF2-40B4-BE49-F238E27FC236}">
+                <a16:creationId xmlns:a16="http://schemas.microsoft.com/office/drawing/2014/main" id="{3D71E629-0739-4A59-972B-A9E9A4500E31}"/>
+              </a:ext>
+              <a:ext uri="{C183D7F6-B498-43B3-948B-1728B52AA6E4}">
+                <adec:decorative xmlns:adec="http://schemas.microsoft.com/office/drawing/2017/decorative" val="1"/>
+              </a:ext>
+            </a:extLst>
+          </p:cNvPr>
+          <p:cNvSpPr>
+            <a:spLocks noGrp="1" noRot="1" noChangeAspect="1" noMove="1" noResize="1" noEditPoints="1" noAdjustHandles="1" noChangeArrowheads="1" noChangeShapeType="1" noTextEdit="1"/>
+          </p:cNvSpPr>
+          <p:nvPr>
+            <p:extLst>
+              <p:ext uri="{386F3935-93C4-4BCD-93E2-E3B085C9AB24}">
+                <p16:designElem xmlns:p16="http://schemas.microsoft.com/office/powerpoint/2015/main" val="1"/>
+              </p:ext>
+            </p:extLst>
+          </p:nvPr>
+        </p:nvSpPr>
+        <p:spPr>
+          <a:xfrm>
+            <a:off x="9111715" y="2590078"/>
+            <a:ext cx="3077109" cy="1660332"/>
+          </a:xfrm>
+          <a:prstGeom prst="rect">
+            <a:avLst/>
+          </a:prstGeom>
+          <a:solidFill>
+            <a:schemeClr val="accent1"/>
+          </a:solidFill>
+          <a:ln>
+            <a:noFill/>
+          </a:ln>
+        </p:spPr>
+        <p:style>
+          <a:lnRef idx="2">
+            <a:schemeClr val="accent1">
+              <a:shade val="50000"/>
+            </a:schemeClr>
+          </a:lnRef>
+          <a:fillRef idx="1">
+            <a:schemeClr val="accent1"/>
+          </a:fillRef>
+          <a:effectRef idx="0">
+            <a:schemeClr val="accent1"/>
+          </a:effectRef>
+          <a:fontRef idx="minor">
+            <a:schemeClr val="lt1"/>
+          </a:fontRef>
+        </p:style>
+      </p:sp>
+      <p:sp useBgFill="1">
+        <p:nvSpPr>
+          <p:cNvPr id="35" name="Rectangle 19">
+            <a:extLst>
+              <a:ext uri="{FF2B5EF4-FFF2-40B4-BE49-F238E27FC236}">
+                <a16:creationId xmlns:a16="http://schemas.microsoft.com/office/drawing/2014/main" id="{00573A24-AD84-4562-A993-7D04E1D18209}"/>
+              </a:ext>
+              <a:ext uri="{C183D7F6-B498-43B3-948B-1728B52AA6E4}">
+                <adec:decorative xmlns:adec="http://schemas.microsoft.com/office/drawing/2017/decorative" val="1"/>
+              </a:ext>
+            </a:extLst>
+          </p:cNvPr>
+          <p:cNvSpPr>
+            <a:spLocks noGrp="1" noRot="1" noChangeAspect="1" noMove="1" noResize="1" noEditPoints="1" noAdjustHandles="1" noChangeArrowheads="1" noChangeShapeType="1" noTextEdit="1"/>
+          </p:cNvSpPr>
+          <p:nvPr>
+            <p:extLst>
+              <p:ext uri="{386F3935-93C4-4BCD-93E2-E3B085C9AB24}">
+                <p16:designElem xmlns:p16="http://schemas.microsoft.com/office/powerpoint/2015/main" val="1"/>
+              </p:ext>
+            </p:extLst>
+          </p:nvPr>
+        </p:nvSpPr>
+        <p:spPr>
+          <a:xfrm>
+            <a:off x="0" y="0"/>
+            <a:ext cx="12188824" cy="6858000"/>
+          </a:xfrm>
+          <a:prstGeom prst="rect">
+            <a:avLst/>
+          </a:prstGeom>
+          <a:ln>
+            <a:noFill/>
+          </a:ln>
+        </p:spPr>
+        <p:style>
+          <a:lnRef idx="2">
+            <a:schemeClr val="accent1">
+              <a:shade val="50000"/>
+            </a:schemeClr>
+          </a:lnRef>
+          <a:fillRef idx="1">
+            <a:schemeClr val="accent1"/>
+          </a:fillRef>
+          <a:effectRef idx="0">
+            <a:schemeClr val="accent1"/>
+          </a:effectRef>
+          <a:fontRef idx="minor">
+            <a:schemeClr val="lt1"/>
+          </a:fontRef>
+        </p:style>
+        <p:txBody>
+          <a:bodyPr rtlCol="0" anchor="ctr"/>
+          <a:lstStyle/>
+          <a:p>
+            <a:pPr algn="ctr"/>
+            <a:endParaRPr lang="en-US"/>
+          </a:p>
+        </p:txBody>
+      </p:sp>
+      <p:pic>
+        <p:nvPicPr>
+          <p:cNvPr id="36" name="Picture 21">
+            <a:extLst>
+              <a:ext uri="{FF2B5EF4-FFF2-40B4-BE49-F238E27FC236}">
+                <a16:creationId xmlns:a16="http://schemas.microsoft.com/office/drawing/2014/main" id="{B3C087F8-F09C-4C07-B55F-6081689A2413}"/>
+              </a:ext>
+              <a:ext uri="{C183D7F6-B498-43B3-948B-1728B52AA6E4}">
+                <adec:decorative xmlns:adec="http://schemas.microsoft.com/office/drawing/2017/decorative" val="1"/>
+              </a:ext>
+            </a:extLst>
+          </p:cNvPr>
+          <p:cNvPicPr>
+            <a:picLocks noGrp="1" noRot="1" noChangeAspect="1" noMove="1" noResize="1" noEditPoints="1" noAdjustHandles="1" noChangeArrowheads="1" noChangeShapeType="1" noCrop="1"/>
+          </p:cNvPicPr>
+          <p:nvPr>
+            <p:extLst>
+              <p:ext uri="{386F3935-93C4-4BCD-93E2-E3B085C9AB24}">
+                <p16:designElem xmlns:p16="http://schemas.microsoft.com/office/powerpoint/2015/main" val="1"/>
+              </p:ext>
+            </p:extLst>
+          </p:nvPr>
+        </p:nvPicPr>
+        <p:blipFill>
+          <a:blip r:embed="rId2">
+            <a:alphaModFix amt="10000"/>
+            <a:extLst>
+              <a:ext uri="{28A0092B-C50C-407E-A947-70E740481C1C}">
+                <a14:useLocalDpi xmlns:a14="http://schemas.microsoft.com/office/drawing/2010/main" val="0"/>
+              </a:ext>
+            </a:extLst>
+          </a:blip>
+          <a:stretch>
+            <a:fillRect/>
+          </a:stretch>
+        </p:blipFill>
+        <p:spPr>
+          <a:xfrm>
+            <a:off x="0" y="0"/>
+            <a:ext cx="12192000" cy="6858000"/>
+          </a:xfrm>
+          <a:prstGeom prst="rect">
+            <a:avLst/>
+          </a:prstGeom>
+        </p:spPr>
+      </p:pic>
+      <p:sp>
+        <p:nvSpPr>
+          <p:cNvPr id="37" name="Rectangle 23">
+            <a:extLst>
+              <a:ext uri="{FF2B5EF4-FFF2-40B4-BE49-F238E27FC236}">
+                <a16:creationId xmlns:a16="http://schemas.microsoft.com/office/drawing/2014/main" id="{FC49D257-5737-4C0D-89EA-9C311AF2B8B5}"/>
+              </a:ext>
+              <a:ext uri="{C183D7F6-B498-43B3-948B-1728B52AA6E4}">
+                <adec:decorative xmlns:adec="http://schemas.microsoft.com/office/drawing/2017/decorative" val="1"/>
+              </a:ext>
+            </a:extLst>
+          </p:cNvPr>
+          <p:cNvSpPr>
+            <a:spLocks noGrp="1" noRot="1" noChangeAspect="1" noMove="1" noResize="1" noEditPoints="1" noAdjustHandles="1" noChangeArrowheads="1" noChangeShapeType="1" noTextEdit="1"/>
+          </p:cNvSpPr>
+          <p:nvPr>
+            <p:extLst>
+              <p:ext uri="{386F3935-93C4-4BCD-93E2-E3B085C9AB24}">
+                <p16:designElem xmlns:p16="http://schemas.microsoft.com/office/powerpoint/2015/main" val="1"/>
+              </p:ext>
+            </p:extLst>
+          </p:nvPr>
+        </p:nvSpPr>
+        <p:spPr>
+          <a:xfrm>
+            <a:off x="6099176" y="0"/>
+            <a:ext cx="6092824" cy="6858001"/>
+          </a:xfrm>
+          <a:prstGeom prst="rect">
+            <a:avLst/>
+          </a:prstGeom>
+          <a:ln>
+            <a:noFill/>
+          </a:ln>
+        </p:spPr>
+        <p:style>
+          <a:lnRef idx="2">
+            <a:schemeClr val="accent1">
+              <a:shade val="50000"/>
+            </a:schemeClr>
+          </a:lnRef>
+          <a:fillRef idx="1">
+            <a:schemeClr val="accent1"/>
+          </a:fillRef>
+          <a:effectRef idx="0">
+            <a:schemeClr val="accent1"/>
+          </a:effectRef>
+          <a:fontRef idx="minor">
+            <a:schemeClr val="lt1"/>
+          </a:fontRef>
+        </p:style>
+        <p:txBody>
+          <a:bodyPr rtlCol="0" anchor="ctr"/>
+          <a:lstStyle/>
+          <a:p>
+            <a:pPr algn="ctr"/>
+            <a:endParaRPr lang="en-US"/>
+          </a:p>
+        </p:txBody>
+      </p:sp>
+      <p:pic>
+        <p:nvPicPr>
+          <p:cNvPr id="38" name="Picture 25">
+            <a:extLst>
+              <a:ext uri="{FF2B5EF4-FFF2-40B4-BE49-F238E27FC236}">
+                <a16:creationId xmlns:a16="http://schemas.microsoft.com/office/drawing/2014/main" id="{E13D267A-94F5-488A-94C6-5D7156D9AF8C}"/>
+              </a:ext>
+              <a:ext uri="{C183D7F6-B498-43B3-948B-1728B52AA6E4}">
+                <adec:decorative xmlns:adec="http://schemas.microsoft.com/office/drawing/2017/decorative" val="1"/>
+              </a:ext>
+            </a:extLst>
+          </p:cNvPr>
+          <p:cNvPicPr>
+            <a:picLocks noGrp="1" noRot="1" noChangeAspect="1" noMove="1" noResize="1" noEditPoints="1" noAdjustHandles="1" noChangeArrowheads="1" noChangeShapeType="1" noCrop="1"/>
+          </p:cNvPicPr>
+          <p:nvPr>
+            <p:extLst>
+              <p:ext uri="{386F3935-93C4-4BCD-93E2-E3B085C9AB24}">
+                <p16:designElem xmlns:p16="http://schemas.microsoft.com/office/powerpoint/2015/main" val="1"/>
+              </p:ext>
+            </p:extLst>
+          </p:nvPr>
+        </p:nvPicPr>
+        <p:blipFill>
+          <a:blip r:embed="rId3">
+            <a:extLst>
+              <a:ext uri="{28A0092B-C50C-407E-A947-70E740481C1C}">
+                <a14:useLocalDpi xmlns:a14="http://schemas.microsoft.com/office/drawing/2010/main" val="0"/>
+              </a:ext>
+            </a:extLst>
+          </a:blip>
+          <a:stretch>
+            <a:fillRect/>
+          </a:stretch>
+        </p:blipFill>
+        <p:spPr>
+          <a:xfrm>
+            <a:off x="1" y="4688333"/>
+            <a:ext cx="6400800" cy="185701"/>
+          </a:xfrm>
+          <a:prstGeom prst="rect">
+            <a:avLst/>
+          </a:prstGeom>
+        </p:spPr>
+      </p:pic>
+      <p:sp>
+        <p:nvSpPr>
+          <p:cNvPr id="39" name="Rectangle 27">
+            <a:extLst>
+              <a:ext uri="{FF2B5EF4-FFF2-40B4-BE49-F238E27FC236}">
+                <a16:creationId xmlns:a16="http://schemas.microsoft.com/office/drawing/2014/main" id="{46CE3EB2-91DF-4F5D-8874-744AAAE311E1}"/>
+              </a:ext>
+              <a:ext uri="{C183D7F6-B498-43B3-948B-1728B52AA6E4}">
+                <adec:decorative xmlns:adec="http://schemas.microsoft.com/office/drawing/2017/decorative" val="1"/>
+              </a:ext>
+            </a:extLst>
+          </p:cNvPr>
+          <p:cNvSpPr>
+            <a:spLocks noGrp="1" noRot="1" noChangeAspect="1" noMove="1" noResize="1" noEditPoints="1" noAdjustHandles="1" noChangeArrowheads="1" noChangeShapeType="1" noTextEdit="1"/>
+          </p:cNvSpPr>
+          <p:nvPr>
+            <p:extLst>
+              <p:ext uri="{386F3935-93C4-4BCD-93E2-E3B085C9AB24}">
+                <p16:designElem xmlns:p16="http://schemas.microsoft.com/office/powerpoint/2015/main" val="1"/>
+              </p:ext>
+            </p:extLst>
+          </p:nvPr>
+        </p:nvSpPr>
+        <p:spPr>
+          <a:xfrm>
+            <a:off x="-1" y="2162908"/>
+            <a:ext cx="6411743" cy="2532185"/>
+          </a:xfrm>
+          <a:prstGeom prst="rect">
+            <a:avLst/>
+          </a:prstGeom>
+          <a:solidFill>
+            <a:schemeClr val="bg1">
+              <a:lumMod val="85000"/>
+              <a:lumOff val="15000"/>
+            </a:schemeClr>
+          </a:solidFill>
+          <a:ln>
+            <a:noFill/>
+          </a:ln>
+        </p:spPr>
+        <p:style>
+          <a:lnRef idx="2">
+            <a:schemeClr val="accent1">
+              <a:shade val="50000"/>
+            </a:schemeClr>
+          </a:lnRef>
+          <a:fillRef idx="1">
+            <a:schemeClr val="accent1"/>
+          </a:fillRef>
+          <a:effectRef idx="0">
+            <a:schemeClr val="accent1"/>
+          </a:effectRef>
+          <a:fontRef idx="minor">
+            <a:schemeClr val="lt1"/>
+          </a:fontRef>
+        </p:style>
+      </p:sp>
+      <p:sp>
+        <p:nvSpPr>
+          <p:cNvPr id="2" name="Tytuł 1">
+            <a:extLst>
+              <a:ext uri="{FF2B5EF4-FFF2-40B4-BE49-F238E27FC236}">
+                <a16:creationId xmlns:a16="http://schemas.microsoft.com/office/drawing/2014/main" id="{EC002D38-331E-4C43-851E-7B2A0C90C1DA}"/>
+              </a:ext>
+            </a:extLst>
+          </p:cNvPr>
+          <p:cNvSpPr>
+            <a:spLocks noGrp="1"/>
+          </p:cNvSpPr>
+          <p:nvPr>
+            <p:ph type="title"/>
+          </p:nvPr>
+        </p:nvSpPr>
+        <p:spPr>
+          <a:xfrm>
+            <a:off x="680322" y="2403231"/>
+            <a:ext cx="5192940" cy="2133600"/>
+          </a:xfrm>
+        </p:spPr>
+        <p:txBody>
+          <a:bodyPr vert="horz" lIns="91440" tIns="45720" rIns="91440" bIns="45720" rtlCol="0" anchor="ctr">
+            <a:normAutofit/>
+          </a:bodyPr>
+          <a:lstStyle/>
+          <a:p>
+            <a:pPr algn="r"/>
+            <a:r>
+              <a:rPr lang="en-US" sz="5400"/>
+              <a:t>Bilans miesięczny</a:t>
+            </a:r>
+          </a:p>
+        </p:txBody>
+      </p:sp>
+      <p:pic>
+        <p:nvPicPr>
+          <p:cNvPr id="5" name="Grafika 4">
+            <a:extLst>
+              <a:ext uri="{FF2B5EF4-FFF2-40B4-BE49-F238E27FC236}">
+                <a16:creationId xmlns:a16="http://schemas.microsoft.com/office/drawing/2014/main" id="{2F61A690-F5F3-4AA6-B68E-5A767D06FED7}"/>
+              </a:ext>
+            </a:extLst>
+          </p:cNvPr>
+          <p:cNvPicPr>
+            <a:picLocks noChangeAspect="1"/>
+          </p:cNvPicPr>
+          <p:nvPr/>
+        </p:nvPicPr>
+        <p:blipFill>
+          <a:blip r:embed="rId5">
+            <a:extLst>
+              <a:ext uri="{28A0092B-C50C-407E-A947-70E740481C1C}">
+                <a14:useLocalDpi xmlns:a14="http://schemas.microsoft.com/office/drawing/2010/main" val="0"/>
+              </a:ext>
+              <a:ext uri="{96DAC541-7B7A-43D3-8B79-37D633B846F1}">
+                <asvg:svgBlip xmlns:asvg="http://schemas.microsoft.com/office/drawing/2016/SVG/main" r:embed="rId6"/>
+              </a:ext>
+            </a:extLst>
+          </a:blip>
+          <a:stretch>
+            <a:fillRect/>
+          </a:stretch>
+        </p:blipFill>
+        <p:spPr>
+          <a:xfrm>
+            <a:off x="6945550" y="107485"/>
+            <a:ext cx="4566128" cy="6397045"/>
+          </a:xfrm>
+          <a:prstGeom prst="rect">
+            <a:avLst/>
+          </a:prstGeom>
+          <a:ln>
+            <a:noFill/>
+          </a:ln>
+          <a:effectLst>
+            <a:outerShdw blurRad="76200" dist="63500" dir="5040000" algn="tl" rotWithShape="0">
+              <a:srgbClr val="000000">
+                <a:alpha val="41000"/>
+              </a:srgbClr>
+            </a:outerShdw>
+          </a:effectLst>
+        </p:spPr>
+      </p:pic>
+      <p:sp>
+        <p:nvSpPr>
+          <p:cNvPr id="3" name="Symbol zastępczy numeru slajdu 2">
+            <a:extLst>
+              <a:ext uri="{FF2B5EF4-FFF2-40B4-BE49-F238E27FC236}">
+                <a16:creationId xmlns:a16="http://schemas.microsoft.com/office/drawing/2014/main" id="{F96FB45D-B546-4536-A467-43CC7AC9705E}"/>
+              </a:ext>
+            </a:extLst>
+          </p:cNvPr>
+          <p:cNvSpPr>
+            <a:spLocks noGrp="1"/>
+          </p:cNvSpPr>
+          <p:nvPr>
+            <p:ph type="sldNum" sz="quarter" idx="12"/>
+          </p:nvPr>
+        </p:nvSpPr>
+        <p:spPr>
+          <a:xfrm>
+            <a:off x="11281776" y="6336872"/>
+            <a:ext cx="722655" cy="365760"/>
+          </a:xfrm>
+        </p:spPr>
+        <p:txBody>
+          <a:bodyPr vert="horz" lIns="91440" tIns="45720" rIns="91440" bIns="45720" rtlCol="0" anchor="ctr">
+            <a:normAutofit/>
+          </a:bodyPr>
+          <a:lstStyle/>
+          <a:p>
+            <a:pPr defTabSz="914400">
+              <a:spcAft>
+                <a:spcPts val="600"/>
+              </a:spcAft>
+            </a:pPr>
+            <a:r>
+              <a:rPr lang="pl-PL" sz="1400" dirty="0">
+                <a:solidFill>
+                  <a:srgbClr val="FFFFFF"/>
+                </a:solidFill>
+              </a:rPr>
+              <a:t>25</a:t>
+            </a:r>
+            <a:endParaRPr lang="en-US" sz="1400" dirty="0">
+              <a:solidFill>
+                <a:srgbClr val="FFFFFF"/>
+              </a:solidFill>
+            </a:endParaRPr>
+          </a:p>
+        </p:txBody>
+      </p:sp>
+    </p:spTree>
+    <p:extLst>
+      <p:ext uri="{BB962C8B-B14F-4D97-AF65-F5344CB8AC3E}">
+        <p14:creationId xmlns:p14="http://schemas.microsoft.com/office/powerpoint/2010/main" val="318629951"/>
+      </p:ext>
+    </p:extLst>
+  </p:cSld>
+  <p:clrMapOvr>
+    <a:masterClrMapping/>
+  </p:clrMapOvr>
+</p:sld>
+</file>
+
+<file path=ppt/slides/slide4.xml><?xml version="1.0" encoding="utf-8"?>
+<p:sld xmlns:a="http://schemas.openxmlformats.org/drawingml/2006/main" xmlns:r="http://schemas.openxmlformats.org/officeDocument/2006/relationships" xmlns:p="http://schemas.openxmlformats.org/presentationml/2006/main">
+  <p:cSld>
+    <p:spTree>
+      <p:nvGrpSpPr>
+        <p:cNvPr id="1" name=""/>
+        <p:cNvGrpSpPr/>
+        <p:nvPr/>
+      </p:nvGrpSpPr>
+      <p:grpSpPr>
+        <a:xfrm>
+          <a:off x="0" y="0"/>
+          <a:ext cx="0" cy="0"/>
+          <a:chOff x="0" y="0"/>
+          <a:chExt cx="0" cy="0"/>
+        </a:xfrm>
+      </p:grpSpPr>
+      <p:sp>
+        <p:nvSpPr>
+          <p:cNvPr id="2" name="Tytuł 1">
+            <a:extLst>
+              <a:ext uri="{FF2B5EF4-FFF2-40B4-BE49-F238E27FC236}">
+                <a16:creationId xmlns:a16="http://schemas.microsoft.com/office/drawing/2014/main" id="{4692D9FC-EF41-4455-BD94-740A99592AEB}"/>
+              </a:ext>
+            </a:extLst>
+          </p:cNvPr>
+          <p:cNvSpPr>
+            <a:spLocks noGrp="1"/>
+          </p:cNvSpPr>
+          <p:nvPr>
+            <p:ph type="title"/>
+          </p:nvPr>
+        </p:nvSpPr>
+        <p:spPr/>
+        <p:txBody>
+          <a:bodyPr/>
+          <a:lstStyle/>
+          <a:p>
+            <a:pPr algn="ctr"/>
+            <a:r>
+              <a:rPr lang="pl-PL" dirty="0"/>
+              <a:t>Cechy spółki</a:t>
+            </a:r>
+          </a:p>
+        </p:txBody>
+      </p:sp>
+      <p:sp>
+        <p:nvSpPr>
+          <p:cNvPr id="3" name="Symbol zastępczy zawartości 2">
+            <a:extLst>
+              <a:ext uri="{FF2B5EF4-FFF2-40B4-BE49-F238E27FC236}">
+                <a16:creationId xmlns:a16="http://schemas.microsoft.com/office/drawing/2014/main" id="{09C723DD-7924-4948-B5FA-246D91C66691}"/>
+              </a:ext>
+            </a:extLst>
+          </p:cNvPr>
+          <p:cNvSpPr>
+            <a:spLocks noGrp="1"/>
+          </p:cNvSpPr>
+          <p:nvPr>
+            <p:ph idx="1"/>
+          </p:nvPr>
+        </p:nvSpPr>
+        <p:spPr/>
+        <p:txBody>
+          <a:bodyPr/>
+          <a:lstStyle/>
+          <a:p>
+            <a:pPr algn="just"/>
+            <a:r>
+              <a:rPr lang="pl-PL" dirty="0"/>
+              <a:t>Kapitałowa spółka handlowa posiadająca osobowość prawną.</a:t>
+            </a:r>
+          </a:p>
+          <a:p>
+            <a:pPr algn="just"/>
+            <a:r>
+              <a:rPr lang="pl-PL" dirty="0"/>
+              <a:t>Do utworzenia potrzeba jednego lub więcej wspólników.</a:t>
+            </a:r>
+          </a:p>
+          <a:p>
+            <a:pPr algn="just"/>
+            <a:r>
+              <a:rPr lang="pl-PL" dirty="0"/>
+              <a:t>Nie może być zawiązana wyłącznie przez jednoosobową Sp. z o. o.</a:t>
+            </a:r>
+          </a:p>
+          <a:p>
+            <a:pPr algn="just"/>
+            <a:r>
+              <a:rPr lang="pl-PL" dirty="0"/>
+              <a:t>Założycielami mogą być:</a:t>
+            </a:r>
+          </a:p>
+          <a:p>
+            <a:pPr marL="514350" indent="-514350" algn="just">
+              <a:buAutoNum type="alphaLcParenR"/>
+            </a:pPr>
+            <a:r>
+              <a:rPr lang="pl-PL" dirty="0"/>
+              <a:t>Osoby fizyczne</a:t>
+            </a:r>
+          </a:p>
+          <a:p>
+            <a:pPr marL="514350" indent="-514350" algn="just">
+              <a:buAutoNum type="alphaLcParenR"/>
+            </a:pPr>
+            <a:r>
+              <a:rPr lang="pl-PL" dirty="0"/>
+              <a:t>Osoby prawne</a:t>
+            </a:r>
+          </a:p>
+          <a:p>
+            <a:pPr algn="just"/>
+            <a:r>
+              <a:rPr lang="pl-PL" dirty="0"/>
+              <a:t>Wymagany kapitał do założenia spółki wynosi min. 5 tys. zł.</a:t>
+            </a:r>
+          </a:p>
+          <a:p>
+            <a:pPr marL="0" indent="0">
+              <a:buNone/>
+            </a:pPr>
+            <a:endParaRPr lang="pl-PL" dirty="0"/>
+          </a:p>
+        </p:txBody>
+      </p:sp>
+      <p:sp>
+        <p:nvSpPr>
+          <p:cNvPr id="4" name="Symbol zastępczy numeru slajdu 3">
+            <a:extLst>
+              <a:ext uri="{FF2B5EF4-FFF2-40B4-BE49-F238E27FC236}">
+                <a16:creationId xmlns:a16="http://schemas.microsoft.com/office/drawing/2014/main" id="{48133D2C-4CC0-4959-BFB9-558D9C5B9493}"/>
+              </a:ext>
+            </a:extLst>
+          </p:cNvPr>
+          <p:cNvSpPr>
+            <a:spLocks noGrp="1"/>
+          </p:cNvSpPr>
+          <p:nvPr>
+            <p:ph type="sldNum" sz="quarter" idx="12"/>
+          </p:nvPr>
+        </p:nvSpPr>
+        <p:spPr/>
+        <p:txBody>
+          <a:bodyPr/>
+          <a:lstStyle/>
+          <a:p>
+            <a:r>
+              <a:rPr lang="pl-PL" dirty="0"/>
+              <a:t>3</a:t>
+            </a:r>
+          </a:p>
+        </p:txBody>
+      </p:sp>
+    </p:spTree>
+    <p:extLst>
+      <p:ext uri="{BB962C8B-B14F-4D97-AF65-F5344CB8AC3E}">
+        <p14:creationId xmlns:p14="http://schemas.microsoft.com/office/powerpoint/2010/main" val="1669945221"/>
+      </p:ext>
+    </p:extLst>
+  </p:cSld>
+  <p:clrMapOvr>
+    <a:masterClrMapping/>
+  </p:clrMapOvr>
+</p:sld>
+</file>
+
+<file path=ppt/slides/slide40.xml><?xml version="1.0" encoding="utf-8"?>
+<p:sld xmlns:a="http://schemas.openxmlformats.org/drawingml/2006/main" xmlns:r="http://schemas.openxmlformats.org/officeDocument/2006/relationships" xmlns:p="http://schemas.openxmlformats.org/presentationml/2006/main">
+  <p:cSld>
+    <p:bg>
+      <p:bgPr>
+        <a:gradFill rotWithShape="1">
+          <a:gsLst>
+            <a:gs pos="0">
+              <a:schemeClr val="bg2">
+                <a:tint val="96000"/>
+                <a:shade val="100000"/>
+                <a:hueMod val="270000"/>
+                <a:satMod val="200000"/>
+                <a:lumMod val="128000"/>
+              </a:schemeClr>
+            </a:gs>
+            <a:gs pos="50000">
+              <a:schemeClr val="bg2">
+                <a:shade val="100000"/>
+                <a:hueMod val="100000"/>
+                <a:satMod val="110000"/>
+                <a:lumMod val="130000"/>
+              </a:schemeClr>
+            </a:gs>
+            <a:gs pos="100000">
+              <a:schemeClr val="bg2">
+                <a:shade val="78000"/>
+                <a:hueMod val="44000"/>
+                <a:satMod val="200000"/>
+                <a:lumMod val="69000"/>
+              </a:schemeClr>
+            </a:gs>
+          </a:gsLst>
+          <a:lin ang="2520000" scaled="0"/>
+        </a:gradFill>
+        <a:effectLst/>
+      </p:bgPr>
+    </p:bg>
+    <p:spTree>
+      <p:nvGrpSpPr>
+        <p:cNvPr id="1" name=""/>
+        <p:cNvGrpSpPr/>
+        <p:nvPr/>
+      </p:nvGrpSpPr>
+      <p:grpSpPr>
+        <a:xfrm>
+          <a:off x="0" y="0"/>
+          <a:ext cx="0" cy="0"/>
+          <a:chOff x="0" y="0"/>
+          <a:chExt cx="0" cy="0"/>
+        </a:xfrm>
+      </p:grpSpPr>
+      <p:pic>
+        <p:nvPicPr>
           <p:cNvPr id="83" name="Picture 82">
             <a:extLst>
               <a:ext uri="{FF2B5EF4-FFF2-40B4-BE49-F238E27FC236}">
@@ -27999,7 +28405,7 @@
                   <a:srgbClr val="FFFFFF"/>
                 </a:solidFill>
               </a:rPr>
-              <a:t>21</a:t>
+              <a:t>26</a:t>
             </a:r>
             <a:endParaRPr lang="en-US" sz="1400" dirty="0">
               <a:solidFill>
@@ -28013,174 +28419,6 @@
     <p:extLst>
       <p:ext uri="{BB962C8B-B14F-4D97-AF65-F5344CB8AC3E}">
         <p14:creationId xmlns:p14="http://schemas.microsoft.com/office/powerpoint/2010/main" val="1642045996"/>
-      </p:ext>
-    </p:extLst>
-  </p:cSld>
-  <p:clrMapOvr>
-    <a:masterClrMapping/>
-  </p:clrMapOvr>
-</p:sld>
-</file>
-
-<file path=ppt/slides/slide4.xml><?xml version="1.0" encoding="utf-8"?>
-<p:sld xmlns:a="http://schemas.openxmlformats.org/drawingml/2006/main" xmlns:r="http://schemas.openxmlformats.org/officeDocument/2006/relationships" xmlns:p="http://schemas.openxmlformats.org/presentationml/2006/main">
-  <p:cSld>
-    <p:spTree>
-      <p:nvGrpSpPr>
-        <p:cNvPr id="1" name=""/>
-        <p:cNvGrpSpPr/>
-        <p:nvPr/>
-      </p:nvGrpSpPr>
-      <p:grpSpPr>
-        <a:xfrm>
-          <a:off x="0" y="0"/>
-          <a:ext cx="0" cy="0"/>
-          <a:chOff x="0" y="0"/>
-          <a:chExt cx="0" cy="0"/>
-        </a:xfrm>
-      </p:grpSpPr>
-      <p:sp>
-        <p:nvSpPr>
-          <p:cNvPr id="2" name="Tytuł 1">
-            <a:extLst>
-              <a:ext uri="{FF2B5EF4-FFF2-40B4-BE49-F238E27FC236}">
-                <a16:creationId xmlns:a16="http://schemas.microsoft.com/office/drawing/2014/main" id="{4692D9FC-EF41-4455-BD94-740A99592AEB}"/>
-              </a:ext>
-            </a:extLst>
-          </p:cNvPr>
-          <p:cNvSpPr>
-            <a:spLocks noGrp="1"/>
-          </p:cNvSpPr>
-          <p:nvPr>
-            <p:ph type="title"/>
-          </p:nvPr>
-        </p:nvSpPr>
-        <p:spPr/>
-        <p:txBody>
-          <a:bodyPr/>
-          <a:lstStyle/>
-          <a:p>
-            <a:pPr algn="ctr"/>
-            <a:r>
-              <a:rPr lang="pl-PL" dirty="0"/>
-              <a:t>Cechy spółki</a:t>
-            </a:r>
-          </a:p>
-        </p:txBody>
-      </p:sp>
-      <p:sp>
-        <p:nvSpPr>
-          <p:cNvPr id="3" name="Symbol zastępczy zawartości 2">
-            <a:extLst>
-              <a:ext uri="{FF2B5EF4-FFF2-40B4-BE49-F238E27FC236}">
-                <a16:creationId xmlns:a16="http://schemas.microsoft.com/office/drawing/2014/main" id="{09C723DD-7924-4948-B5FA-246D91C66691}"/>
-              </a:ext>
-            </a:extLst>
-          </p:cNvPr>
-          <p:cNvSpPr>
-            <a:spLocks noGrp="1"/>
-          </p:cNvSpPr>
-          <p:nvPr>
-            <p:ph idx="1"/>
-          </p:nvPr>
-        </p:nvSpPr>
-        <p:spPr/>
-        <p:txBody>
-          <a:bodyPr/>
-          <a:lstStyle/>
-          <a:p>
-            <a:pPr algn="just"/>
-            <a:r>
-              <a:rPr lang="pl-PL" dirty="0"/>
-              <a:t>Kapitałowa spółka handlowa posiadająca osobowość prawną.</a:t>
-            </a:r>
-          </a:p>
-          <a:p>
-            <a:pPr algn="just"/>
-            <a:r>
-              <a:rPr lang="pl-PL" dirty="0"/>
-              <a:t>Do utworzenia potrzeba jednego lub więcej wspólników.</a:t>
-            </a:r>
-          </a:p>
-          <a:p>
-            <a:pPr algn="just"/>
-            <a:r>
-              <a:rPr lang="pl-PL" dirty="0"/>
-              <a:t>Nie może być zawiązana wyłącznie przez jednoosobową Sp. z o. o.</a:t>
-            </a:r>
-          </a:p>
-          <a:p>
-            <a:pPr algn="just"/>
-            <a:r>
-              <a:rPr lang="pl-PL" dirty="0"/>
-              <a:t>Założycielami mogą być:</a:t>
-            </a:r>
-          </a:p>
-          <a:p>
-            <a:pPr marL="514350" indent="-514350" algn="just">
-              <a:buAutoNum type="alphaLcParenR"/>
-            </a:pPr>
-            <a:r>
-              <a:rPr lang="pl-PL" dirty="0"/>
-              <a:t>Osoby fizyczne</a:t>
-            </a:r>
-          </a:p>
-          <a:p>
-            <a:pPr marL="514350" indent="-514350" algn="just">
-              <a:buAutoNum type="alphaLcParenR"/>
-            </a:pPr>
-            <a:r>
-              <a:rPr lang="pl-PL" dirty="0"/>
-              <a:t>Osoby prawne</a:t>
-            </a:r>
-          </a:p>
-          <a:p>
-            <a:pPr algn="just"/>
-            <a:r>
-              <a:rPr lang="pl-PL" dirty="0"/>
-              <a:t>Wymagany kapitał do założenia spółki wynosi min. 5 tys. zł.</a:t>
-            </a:r>
-          </a:p>
-          <a:p>
-            <a:pPr marL="0" indent="0">
-              <a:buNone/>
-            </a:pPr>
-            <a:endParaRPr lang="pl-PL" dirty="0"/>
-          </a:p>
-        </p:txBody>
-      </p:sp>
-      <p:sp>
-        <p:nvSpPr>
-          <p:cNvPr id="4" name="Symbol zastępczy numeru slajdu 3">
-            <a:extLst>
-              <a:ext uri="{FF2B5EF4-FFF2-40B4-BE49-F238E27FC236}">
-                <a16:creationId xmlns:a16="http://schemas.microsoft.com/office/drawing/2014/main" id="{48133D2C-4CC0-4959-BFB9-558D9C5B9493}"/>
-              </a:ext>
-            </a:extLst>
-          </p:cNvPr>
-          <p:cNvSpPr>
-            <a:spLocks noGrp="1"/>
-          </p:cNvSpPr>
-          <p:nvPr>
-            <p:ph type="sldNum" sz="quarter" idx="12"/>
-          </p:nvPr>
-        </p:nvSpPr>
-        <p:spPr/>
-        <p:txBody>
-          <a:bodyPr/>
-          <a:lstStyle/>
-          <a:p>
-            <a:r>
-              <a:rPr lang="pl-PL" dirty="0"/>
-              <a:t>3</a:t>
-            </a:r>
-          </a:p>
-        </p:txBody>
-      </p:sp>
-    </p:spTree>
-    <p:extLst>
-      <p:ext uri="{BB962C8B-B14F-4D97-AF65-F5344CB8AC3E}">
-        <p14:creationId xmlns:p14="http://schemas.microsoft.com/office/powerpoint/2010/main" val="1669945221"/>
       </p:ext>
     </p:extLst>
   </p:cSld>

--- a/Prezentacja_29.04.pptx
+++ b/Prezentacja_29.04.pptx
@@ -5,49 +5,51 @@
     <p:sldMasterId id="2147483726" r:id="rId1"/>
   </p:sldMasterIdLst>
   <p:notesMasterIdLst>
-    <p:notesMasterId r:id="rId42"/>
+    <p:notesMasterId r:id="rId44"/>
   </p:notesMasterIdLst>
   <p:sldIdLst>
     <p:sldId id="256" r:id="rId2"/>
-    <p:sldId id="258" r:id="rId3"/>
-    <p:sldId id="288" r:id="rId4"/>
-    <p:sldId id="290" r:id="rId5"/>
-    <p:sldId id="291" r:id="rId6"/>
-    <p:sldId id="275" r:id="rId7"/>
-    <p:sldId id="276" r:id="rId8"/>
-    <p:sldId id="257" r:id="rId9"/>
-    <p:sldId id="259" r:id="rId10"/>
-    <p:sldId id="260" r:id="rId11"/>
-    <p:sldId id="294" r:id="rId12"/>
-    <p:sldId id="261" r:id="rId13"/>
-    <p:sldId id="262" r:id="rId14"/>
-    <p:sldId id="293" r:id="rId15"/>
-    <p:sldId id="263" r:id="rId16"/>
-    <p:sldId id="264" r:id="rId17"/>
-    <p:sldId id="267" r:id="rId18"/>
-    <p:sldId id="269" r:id="rId19"/>
-    <p:sldId id="270" r:id="rId20"/>
-    <p:sldId id="266" r:id="rId21"/>
-    <p:sldId id="271" r:id="rId22"/>
-    <p:sldId id="272" r:id="rId23"/>
-    <p:sldId id="273" r:id="rId24"/>
-    <p:sldId id="274" r:id="rId25"/>
-    <p:sldId id="277" r:id="rId26"/>
-    <p:sldId id="295" r:id="rId27"/>
-    <p:sldId id="296" r:id="rId28"/>
-    <p:sldId id="297" r:id="rId29"/>
-    <p:sldId id="298" r:id="rId30"/>
-    <p:sldId id="299" r:id="rId31"/>
-    <p:sldId id="278" r:id="rId32"/>
-    <p:sldId id="279" r:id="rId33"/>
-    <p:sldId id="281" r:id="rId34"/>
-    <p:sldId id="282" r:id="rId35"/>
-    <p:sldId id="283" r:id="rId36"/>
-    <p:sldId id="284" r:id="rId37"/>
-    <p:sldId id="285" r:id="rId38"/>
-    <p:sldId id="286" r:id="rId39"/>
-    <p:sldId id="287" r:id="rId40"/>
-    <p:sldId id="292" r:id="rId41"/>
+    <p:sldId id="300" r:id="rId3"/>
+    <p:sldId id="301" r:id="rId4"/>
+    <p:sldId id="258" r:id="rId5"/>
+    <p:sldId id="288" r:id="rId6"/>
+    <p:sldId id="290" r:id="rId7"/>
+    <p:sldId id="291" r:id="rId8"/>
+    <p:sldId id="275" r:id="rId9"/>
+    <p:sldId id="276" r:id="rId10"/>
+    <p:sldId id="257" r:id="rId11"/>
+    <p:sldId id="259" r:id="rId12"/>
+    <p:sldId id="260" r:id="rId13"/>
+    <p:sldId id="294" r:id="rId14"/>
+    <p:sldId id="261" r:id="rId15"/>
+    <p:sldId id="262" r:id="rId16"/>
+    <p:sldId id="293" r:id="rId17"/>
+    <p:sldId id="263" r:id="rId18"/>
+    <p:sldId id="264" r:id="rId19"/>
+    <p:sldId id="267" r:id="rId20"/>
+    <p:sldId id="269" r:id="rId21"/>
+    <p:sldId id="270" r:id="rId22"/>
+    <p:sldId id="266" r:id="rId23"/>
+    <p:sldId id="271" r:id="rId24"/>
+    <p:sldId id="272" r:id="rId25"/>
+    <p:sldId id="273" r:id="rId26"/>
+    <p:sldId id="274" r:id="rId27"/>
+    <p:sldId id="277" r:id="rId28"/>
+    <p:sldId id="295" r:id="rId29"/>
+    <p:sldId id="296" r:id="rId30"/>
+    <p:sldId id="297" r:id="rId31"/>
+    <p:sldId id="298" r:id="rId32"/>
+    <p:sldId id="299" r:id="rId33"/>
+    <p:sldId id="278" r:id="rId34"/>
+    <p:sldId id="279" r:id="rId35"/>
+    <p:sldId id="281" r:id="rId36"/>
+    <p:sldId id="282" r:id="rId37"/>
+    <p:sldId id="283" r:id="rId38"/>
+    <p:sldId id="284" r:id="rId39"/>
+    <p:sldId id="285" r:id="rId40"/>
+    <p:sldId id="286" r:id="rId41"/>
+    <p:sldId id="287" r:id="rId42"/>
+    <p:sldId id="292" r:id="rId43"/>
   </p:sldIdLst>
   <p:sldSz cx="12192000" cy="6858000"/>
   <p:notesSz cx="6858000" cy="9144000"/>
@@ -5664,7 +5666,7 @@
           <a:p>
             <a:fld id="{77C7207A-6BEF-41EC-85B3-243D736B3C1C}" type="datetimeFigureOut">
               <a:rPr lang="pl-PL" smtClean="0"/>
-              <a:t>28.04.2021</a:t>
+              <a:t>30-04-2021</a:t>
             </a:fld>
             <a:endParaRPr lang="pl-PL"/>
           </a:p>
@@ -6205,7 +6207,7 @@
           <a:p>
             <a:fld id="{906E2E1F-15FB-4A85-A0E2-DD17BB6BDEE2}" type="datetime1">
               <a:rPr lang="pl-PL" smtClean="0"/>
-              <a:t>28.04.2021</a:t>
+              <a:t>30-04-2021</a:t>
             </a:fld>
             <a:endParaRPr lang="pl-PL"/>
           </a:p>
@@ -6619,7 +6621,7 @@
           <a:p>
             <a:fld id="{04BF9A06-73F2-4084-A96B-CDBA4804ABA9}" type="datetime1">
               <a:rPr lang="pl-PL" smtClean="0"/>
-              <a:t>28.04.2021</a:t>
+              <a:t>30-04-2021</a:t>
             </a:fld>
             <a:endParaRPr lang="pl-PL"/>
           </a:p>
@@ -6955,7 +6957,7 @@
           <a:p>
             <a:fld id="{94657371-091B-4329-9E46-EE3FD16C2124}" type="datetime1">
               <a:rPr lang="pl-PL" smtClean="0"/>
-              <a:t>28.04.2021</a:t>
+              <a:t>30-04-2021</a:t>
             </a:fld>
             <a:endParaRPr lang="pl-PL"/>
           </a:p>
@@ -7360,7 +7362,7 @@
           <a:p>
             <a:fld id="{2EEBA26D-7DBA-4D05-BE08-49D6D89E11A6}" type="datetime1">
               <a:rPr lang="pl-PL" smtClean="0"/>
-              <a:t>28.04.2021</a:t>
+              <a:t>30-04-2021</a:t>
             </a:fld>
             <a:endParaRPr lang="pl-PL"/>
           </a:p>
@@ -7928,7 +7930,7 @@
           <a:p>
             <a:fld id="{7DA14E7E-32E5-4B7E-9FBF-59259785A34C}" type="datetime1">
               <a:rPr lang="pl-PL" smtClean="0"/>
-              <a:t>28.04.2021</a:t>
+              <a:t>30-04-2021</a:t>
             </a:fld>
             <a:endParaRPr lang="pl-PL"/>
           </a:p>
@@ -8609,7 +8611,7 @@
           <a:p>
             <a:fld id="{DC6D9029-CF85-4195-89A6-D4D813FE0520}" type="datetime1">
               <a:rPr lang="pl-PL" smtClean="0"/>
-              <a:t>28.04.2021</a:t>
+              <a:t>30-04-2021</a:t>
             </a:fld>
             <a:endParaRPr lang="pl-PL"/>
           </a:p>
@@ -9522,7 +9524,7 @@
           <a:p>
             <a:fld id="{ABBD1CC0-C232-4B06-9DC1-160FE11F4035}" type="datetime1">
               <a:rPr lang="pl-PL" smtClean="0"/>
-              <a:t>28.04.2021</a:t>
+              <a:t>30-04-2021</a:t>
             </a:fld>
             <a:endParaRPr lang="pl-PL"/>
           </a:p>
@@ -9835,7 +9837,7 @@
           <a:p>
             <a:fld id="{81E484B1-DFFE-4276-B192-1B9A6DF5EC0E}" type="datetime1">
               <a:rPr lang="pl-PL" smtClean="0"/>
-              <a:t>28.04.2021</a:t>
+              <a:t>30-04-2021</a:t>
             </a:fld>
             <a:endParaRPr lang="pl-PL"/>
           </a:p>
@@ -10099,7 +10101,7 @@
           <a:p>
             <a:fld id="{33BAEE17-A6F7-44BA-9EC0-76AF5746B1EC}" type="datetime1">
               <a:rPr lang="pl-PL" smtClean="0"/>
-              <a:t>28.04.2021</a:t>
+              <a:t>30-04-2021</a:t>
             </a:fld>
             <a:endParaRPr lang="pl-PL"/>
           </a:p>
@@ -10422,7 +10424,7 @@
           <a:p>
             <a:fld id="{00EA0D49-4272-43DC-939C-32B7EDDCEC36}" type="datetime1">
               <a:rPr lang="pl-PL" smtClean="0"/>
-              <a:t>28.04.2021</a:t>
+              <a:t>30-04-2021</a:t>
             </a:fld>
             <a:endParaRPr lang="pl-PL"/>
           </a:p>
@@ -10811,7 +10813,7 @@
           <a:p>
             <a:fld id="{656722D7-39BE-489F-9F01-09A9E3FDDD2F}" type="datetime1">
               <a:rPr lang="pl-PL" smtClean="0"/>
-              <a:t>28.04.2021</a:t>
+              <a:t>30-04-2021</a:t>
             </a:fld>
             <a:endParaRPr lang="pl-PL"/>
           </a:p>
@@ -11187,7 +11189,7 @@
           <a:p>
             <a:fld id="{F5CF2885-881F-4D9E-AF34-74178AC3655B}" type="datetime1">
               <a:rPr lang="pl-PL" smtClean="0"/>
-              <a:t>28.04.2021</a:t>
+              <a:t>30-04-2021</a:t>
             </a:fld>
             <a:endParaRPr lang="pl-PL"/>
           </a:p>
@@ -11693,7 +11695,7 @@
           <a:p>
             <a:fld id="{FB3149CE-D561-44B8-8BBE-5242EF0871FB}" type="datetime1">
               <a:rPr lang="pl-PL" smtClean="0"/>
-              <a:t>28.04.2021</a:t>
+              <a:t>30-04-2021</a:t>
             </a:fld>
             <a:endParaRPr lang="pl-PL"/>
           </a:p>
@@ -11950,7 +11952,7 @@
           <a:p>
             <a:fld id="{0E1B7B2A-DE0F-42E2-A5FB-41E57F01A0B7}" type="datetime1">
               <a:rPr lang="pl-PL" smtClean="0"/>
-              <a:t>28.04.2021</a:t>
+              <a:t>30-04-2021</a:t>
             </a:fld>
             <a:endParaRPr lang="pl-PL"/>
           </a:p>
@@ -12113,7 +12115,7 @@
           <a:p>
             <a:fld id="{20E46B1F-0039-4D18-A22A-3894F85ECBDD}" type="datetime1">
               <a:rPr lang="pl-PL" smtClean="0"/>
-              <a:t>28.04.2021</a:t>
+              <a:t>30-04-2021</a:t>
             </a:fld>
             <a:endParaRPr lang="pl-PL"/>
           </a:p>
@@ -12503,7 +12505,7 @@
           <a:p>
             <a:fld id="{6D85D433-2300-4442-89E4-6FA629B02900}" type="datetime1">
               <a:rPr lang="pl-PL" smtClean="0"/>
-              <a:t>28.04.2021</a:t>
+              <a:t>30-04-2021</a:t>
             </a:fld>
             <a:endParaRPr lang="pl-PL"/>
           </a:p>
@@ -12912,7 +12914,7 @@
           <a:p>
             <a:fld id="{B17B109A-54FF-4910-950B-A924814B2F81}" type="datetime1">
               <a:rPr lang="pl-PL" smtClean="0"/>
-              <a:t>28.04.2021</a:t>
+              <a:t>30-04-2021</a:t>
             </a:fld>
             <a:endParaRPr lang="pl-PL"/>
           </a:p>
@@ -13156,7 +13158,7 @@
           <a:p>
             <a:fld id="{9ADAB105-627B-4324-A3EB-EA360819ED9B}" type="datetime1">
               <a:rPr lang="pl-PL" smtClean="0"/>
-              <a:t>28.04.2021</a:t>
+              <a:t>30-04-2021</a:t>
             </a:fld>
             <a:endParaRPr lang="pl-PL"/>
           </a:p>
@@ -13897,7 +13899,7 @@
             <a:pPr algn="ctr"/>
             <a:r>
               <a:rPr lang="pl-PL"/>
-              <a:t>Zamówienia</a:t>
+              <a:t>Moduły</a:t>
             </a:r>
           </a:p>
         </p:txBody>
@@ -13918,27 +13920,77 @@
             <p:ph idx="1"/>
           </p:nvPr>
         </p:nvSpPr>
-        <p:spPr>
-          <a:xfrm>
-            <a:off x="1083076" y="2336873"/>
-            <a:ext cx="9211106" cy="3599316"/>
-          </a:xfrm>
-        </p:spPr>
+        <p:spPr/>
         <p:txBody>
           <a:bodyPr/>
           <a:lstStyle/>
           <a:p>
-            <a:pPr algn="just"/>
-            <a:r>
-              <a:rPr lang="pl-PL" dirty="0"/>
-              <a:t>W przedsiębiorstwie wykonywane są elementy druku 3D, zamówienia składane są przez klientów, następnie przeprowadzany jest proces produkcji.</a:t>
-            </a:r>
-          </a:p>
-          <a:p>
-            <a:pPr marL="0" indent="0" algn="just">
-              <a:buNone/>
-            </a:pPr>
-            <a:endParaRPr lang="pl-PL" dirty="0"/>
+            <a:r>
+              <a:rPr lang="pl-PL"/>
+              <a:t>1. Moduł zarządzania:</a:t>
+            </a:r>
+          </a:p>
+          <a:p>
+            <a:pPr lvl="1"/>
+            <a:r>
+              <a:rPr lang="pl-PL"/>
+              <a:t>Kierownik podgrupy: inż. Bartosz Gębicki </a:t>
+            </a:r>
+          </a:p>
+          <a:p>
+            <a:pPr lvl="1"/>
+            <a:r>
+              <a:rPr lang="pl-PL"/>
+              <a:t>Skład podgrupy: inż. Julia Dobrowolska, inż. Konrad Grzyb </a:t>
+            </a:r>
+          </a:p>
+          <a:p>
+            <a:r>
+              <a:rPr lang="pl-PL"/>
+              <a:t>2. Moduł produkcji:</a:t>
+            </a:r>
+          </a:p>
+          <a:p>
+            <a:pPr lvl="1"/>
+            <a:r>
+              <a:rPr lang="pl-PL"/>
+              <a:t>Kierownik podgrupy: inż. Magdalena Zieńczuk</a:t>
+            </a:r>
+          </a:p>
+          <a:p>
+            <a:pPr lvl="1"/>
+            <a:r>
+              <a:rPr lang="pl-PL"/>
+              <a:t>Skład podgrupy: inż. Karol Brzeziński, inż. Anna Banaczek</a:t>
+            </a:r>
+          </a:p>
+          <a:p>
+            <a:r>
+              <a:rPr lang="pl-PL"/>
+              <a:t>3. Moduł magazynowy:</a:t>
+            </a:r>
+          </a:p>
+          <a:p>
+            <a:pPr lvl="1"/>
+            <a:r>
+              <a:rPr lang="pl-PL"/>
+              <a:t>Kierownik podgrupy: inż. Jakub Wagner</a:t>
+            </a:r>
+          </a:p>
+          <a:p>
+            <a:pPr lvl="1"/>
+            <a:r>
+              <a:rPr lang="pl-PL"/>
+              <a:t>Skład podgrupy: inż. Paweł </a:t>
+            </a:r>
+            <a:r>
+              <a:rPr lang="pl-PL" err="1"/>
+              <a:t>Styczewski</a:t>
+            </a:r>
+            <a:endParaRPr lang="pl-PL"/>
+          </a:p>
+          <a:p>
+            <a:endParaRPr lang="pl-PL"/>
           </a:p>
         </p:txBody>
       </p:sp>
@@ -13947,7 +13999,7 @@
           <p:cNvPr id="4" name="Symbol zastępczy numeru slajdu 3">
             <a:extLst>
               <a:ext uri="{FF2B5EF4-FFF2-40B4-BE49-F238E27FC236}">
-                <a16:creationId xmlns:a16="http://schemas.microsoft.com/office/drawing/2014/main" id="{74B87E44-A774-4B1B-BD56-BB8D2E3FBB5F}"/>
+                <a16:creationId xmlns:a16="http://schemas.microsoft.com/office/drawing/2014/main" id="{0F515478-A8EF-42DB-BFDE-350D93C75097}"/>
               </a:ext>
             </a:extLst>
           </p:cNvPr>
@@ -13965,7 +14017,7 @@
           <a:p>
             <a:r>
               <a:rPr lang="pl-PL" dirty="0"/>
-              <a:t>7</a:t>
+              <a:t>6</a:t>
             </a:r>
           </a:p>
         </p:txBody>
@@ -13973,7 +14025,7 @@
     </p:spTree>
     <p:extLst>
       <p:ext uri="{BB962C8B-B14F-4D97-AF65-F5344CB8AC3E}">
-        <p14:creationId xmlns:p14="http://schemas.microsoft.com/office/powerpoint/2010/main" val="3268905368"/>
+        <p14:creationId xmlns:p14="http://schemas.microsoft.com/office/powerpoint/2010/main" val="1973433068"/>
       </p:ext>
     </p:extLst>
   </p:cSld>
@@ -14005,7 +14057,7 @@
           <p:cNvPr id="2" name="Tytuł 1">
             <a:extLst>
               <a:ext uri="{FF2B5EF4-FFF2-40B4-BE49-F238E27FC236}">
-                <a16:creationId xmlns:a16="http://schemas.microsoft.com/office/drawing/2014/main" id="{6E717ABD-4CC0-4242-B293-2BCA9F8B4788}"/>
+                <a16:creationId xmlns:a16="http://schemas.microsoft.com/office/drawing/2014/main" id="{38FE2930-C9F9-42F1-BC5A-B5D8CC8FE5FB}"/>
               </a:ext>
             </a:extLst>
           </p:cNvPr>
@@ -14021,7 +14073,11 @@
           <a:bodyPr/>
           <a:lstStyle/>
           <a:p>
-            <a:endParaRPr lang="pl-PL"/>
+            <a:pPr algn="ctr"/>
+            <a:r>
+              <a:rPr lang="pl-PL"/>
+              <a:t>Struktura organizacyjna</a:t>
+            </a:r>
           </a:p>
         </p:txBody>
       </p:sp>
@@ -14030,7 +14086,7 @@
           <p:cNvPr id="3" name="Symbol zastępczy zawartości 2">
             <a:extLst>
               <a:ext uri="{FF2B5EF4-FFF2-40B4-BE49-F238E27FC236}">
-                <a16:creationId xmlns:a16="http://schemas.microsoft.com/office/drawing/2014/main" id="{2CF231D0-BAA0-4A67-9433-AD7D6ACB54AA}"/>
+                <a16:creationId xmlns:a16="http://schemas.microsoft.com/office/drawing/2014/main" id="{8426D2BE-ED27-420C-AF5A-CBE400D5329A}"/>
               </a:ext>
             </a:extLst>
           </p:cNvPr>
@@ -14047,21 +14103,804 @@
           <a:lstStyle/>
           <a:p>
             <a:r>
-              <a:rPr lang="pl-PL" dirty="0"/>
-              <a:t>Tego jeszcze nie ma : Jak wygląda proces technologiczny</a:t>
-            </a:r>
-          </a:p>
-          <a:p>
-            <a:endParaRPr lang="pl-PL" dirty="0"/>
+              <a:rPr lang="pl-PL"/>
+              <a:t>Model liniowy:</a:t>
+            </a:r>
+          </a:p>
+          <a:p>
+            <a:endParaRPr lang="pl-PL"/>
+          </a:p>
+          <a:p>
+            <a:endParaRPr lang="pl-PL"/>
+          </a:p>
+          <a:p>
+            <a:endParaRPr lang="pl-PL"/>
+          </a:p>
+          <a:p>
+            <a:endParaRPr lang="pl-PL"/>
+          </a:p>
+          <a:p>
+            <a:endParaRPr lang="pl-PL"/>
+          </a:p>
+          <a:p>
+            <a:endParaRPr lang="pl-PL"/>
+          </a:p>
+          <a:p>
+            <a:endParaRPr lang="pl-PL"/>
+          </a:p>
+          <a:p>
+            <a:endParaRPr lang="pl-PL"/>
           </a:p>
         </p:txBody>
       </p:sp>
       <p:sp>
         <p:nvSpPr>
-          <p:cNvPr id="4" name="Symbol zastępczy numeru slajdu 3">
+          <p:cNvPr id="4" name="Trójkąt równoramienny 3">
             <a:extLst>
               <a:ext uri="{FF2B5EF4-FFF2-40B4-BE49-F238E27FC236}">
-                <a16:creationId xmlns:a16="http://schemas.microsoft.com/office/drawing/2014/main" id="{AB2F11D1-2B61-4CD2-BE55-D547065BF2E0}"/>
+                <a16:creationId xmlns:a16="http://schemas.microsoft.com/office/drawing/2014/main" id="{ED998ED4-5B6B-4A53-9651-D307A71B1BF9}"/>
+              </a:ext>
+            </a:extLst>
+          </p:cNvPr>
+          <p:cNvSpPr/>
+          <p:nvPr/>
+        </p:nvSpPr>
+        <p:spPr>
+          <a:xfrm>
+            <a:off x="5043181" y="2516129"/>
+            <a:ext cx="973122" cy="713725"/>
+          </a:xfrm>
+          <a:prstGeom prst="triangle">
+            <a:avLst/>
+          </a:prstGeom>
+        </p:spPr>
+        <p:style>
+          <a:lnRef idx="2">
+            <a:schemeClr val="accent1">
+              <a:shade val="50000"/>
+            </a:schemeClr>
+          </a:lnRef>
+          <a:fillRef idx="1">
+            <a:schemeClr val="accent1"/>
+          </a:fillRef>
+          <a:effectRef idx="0">
+            <a:schemeClr val="accent1"/>
+          </a:effectRef>
+          <a:fontRef idx="minor">
+            <a:schemeClr val="lt1"/>
+          </a:fontRef>
+        </p:style>
+        <p:txBody>
+          <a:bodyPr rtlCol="0" anchor="ctr"/>
+          <a:lstStyle/>
+          <a:p>
+            <a:pPr algn="ctr"/>
+            <a:r>
+              <a:rPr lang="pl-PL"/>
+              <a:t>K</a:t>
+            </a:r>
+          </a:p>
+        </p:txBody>
+      </p:sp>
+      <p:sp>
+        <p:nvSpPr>
+          <p:cNvPr id="7" name="Trójkąt równoramienny 6">
+            <a:extLst>
+              <a:ext uri="{FF2B5EF4-FFF2-40B4-BE49-F238E27FC236}">
+                <a16:creationId xmlns:a16="http://schemas.microsoft.com/office/drawing/2014/main" id="{47EC9E1C-88BC-4DA6-852A-92D985FB3E0A}"/>
+              </a:ext>
+            </a:extLst>
+          </p:cNvPr>
+          <p:cNvSpPr/>
+          <p:nvPr/>
+        </p:nvSpPr>
+        <p:spPr>
+          <a:xfrm>
+            <a:off x="2873928" y="3820173"/>
+            <a:ext cx="973123" cy="713725"/>
+          </a:xfrm>
+          <a:prstGeom prst="triangle">
+            <a:avLst/>
+          </a:prstGeom>
+        </p:spPr>
+        <p:style>
+          <a:lnRef idx="2">
+            <a:schemeClr val="accent1">
+              <a:shade val="50000"/>
+            </a:schemeClr>
+          </a:lnRef>
+          <a:fillRef idx="1">
+            <a:schemeClr val="accent1"/>
+          </a:fillRef>
+          <a:effectRef idx="0">
+            <a:schemeClr val="accent1"/>
+          </a:effectRef>
+          <a:fontRef idx="minor">
+            <a:schemeClr val="lt1"/>
+          </a:fontRef>
+        </p:style>
+        <p:txBody>
+          <a:bodyPr rtlCol="0" anchor="ctr"/>
+          <a:lstStyle/>
+          <a:p>
+            <a:pPr algn="ctr"/>
+            <a:r>
+              <a:rPr lang="pl-PL"/>
+              <a:t>K</a:t>
+            </a:r>
+          </a:p>
+        </p:txBody>
+      </p:sp>
+      <p:sp>
+        <p:nvSpPr>
+          <p:cNvPr id="8" name="Trójkąt równoramienny 7">
+            <a:extLst>
+              <a:ext uri="{FF2B5EF4-FFF2-40B4-BE49-F238E27FC236}">
+                <a16:creationId xmlns:a16="http://schemas.microsoft.com/office/drawing/2014/main" id="{B75C3823-0E67-4F8F-B295-5B5C9D3B40F7}"/>
+              </a:ext>
+            </a:extLst>
+          </p:cNvPr>
+          <p:cNvSpPr/>
+          <p:nvPr/>
+        </p:nvSpPr>
+        <p:spPr>
+          <a:xfrm>
+            <a:off x="5043181" y="3899853"/>
+            <a:ext cx="973122" cy="713725"/>
+          </a:xfrm>
+          <a:prstGeom prst="triangle">
+            <a:avLst/>
+          </a:prstGeom>
+        </p:spPr>
+        <p:style>
+          <a:lnRef idx="2">
+            <a:schemeClr val="accent1">
+              <a:shade val="50000"/>
+            </a:schemeClr>
+          </a:lnRef>
+          <a:fillRef idx="1">
+            <a:schemeClr val="accent1"/>
+          </a:fillRef>
+          <a:effectRef idx="0">
+            <a:schemeClr val="accent1"/>
+          </a:effectRef>
+          <a:fontRef idx="minor">
+            <a:schemeClr val="lt1"/>
+          </a:fontRef>
+        </p:style>
+        <p:txBody>
+          <a:bodyPr rtlCol="0" anchor="ctr"/>
+          <a:lstStyle/>
+          <a:p>
+            <a:pPr algn="ctr"/>
+            <a:r>
+              <a:rPr lang="pl-PL"/>
+              <a:t>K</a:t>
+            </a:r>
+          </a:p>
+        </p:txBody>
+      </p:sp>
+      <p:sp>
+        <p:nvSpPr>
+          <p:cNvPr id="9" name="Trójkąt równoramienny 8">
+            <a:extLst>
+              <a:ext uri="{FF2B5EF4-FFF2-40B4-BE49-F238E27FC236}">
+                <a16:creationId xmlns:a16="http://schemas.microsoft.com/office/drawing/2014/main" id="{C3ECFCEF-B9AD-4959-BCCF-5139420B60A1}"/>
+              </a:ext>
+            </a:extLst>
+          </p:cNvPr>
+          <p:cNvSpPr/>
+          <p:nvPr/>
+        </p:nvSpPr>
+        <p:spPr>
+          <a:xfrm>
+            <a:off x="7972339" y="3779668"/>
+            <a:ext cx="973123" cy="713725"/>
+          </a:xfrm>
+          <a:prstGeom prst="triangle">
+            <a:avLst/>
+          </a:prstGeom>
+        </p:spPr>
+        <p:style>
+          <a:lnRef idx="2">
+            <a:schemeClr val="accent1">
+              <a:shade val="50000"/>
+            </a:schemeClr>
+          </a:lnRef>
+          <a:fillRef idx="1">
+            <a:schemeClr val="accent1"/>
+          </a:fillRef>
+          <a:effectRef idx="0">
+            <a:schemeClr val="accent1"/>
+          </a:effectRef>
+          <a:fontRef idx="minor">
+            <a:schemeClr val="lt1"/>
+          </a:fontRef>
+        </p:style>
+        <p:txBody>
+          <a:bodyPr rtlCol="0" anchor="ctr"/>
+          <a:lstStyle/>
+          <a:p>
+            <a:pPr algn="ctr"/>
+            <a:r>
+              <a:rPr lang="pl-PL"/>
+              <a:t>K</a:t>
+            </a:r>
+          </a:p>
+        </p:txBody>
+      </p:sp>
+      <p:sp>
+        <p:nvSpPr>
+          <p:cNvPr id="10" name="Prostokąt 9">
+            <a:extLst>
+              <a:ext uri="{FF2B5EF4-FFF2-40B4-BE49-F238E27FC236}">
+                <a16:creationId xmlns:a16="http://schemas.microsoft.com/office/drawing/2014/main" id="{A8C628A7-3CB4-4339-B883-DE0AD13C400A}"/>
+              </a:ext>
+            </a:extLst>
+          </p:cNvPr>
+          <p:cNvSpPr/>
+          <p:nvPr/>
+        </p:nvSpPr>
+        <p:spPr>
+          <a:xfrm>
+            <a:off x="2164359" y="5221794"/>
+            <a:ext cx="973123" cy="629174"/>
+          </a:xfrm>
+          <a:prstGeom prst="rect">
+            <a:avLst/>
+          </a:prstGeom>
+        </p:spPr>
+        <p:style>
+          <a:lnRef idx="2">
+            <a:schemeClr val="accent1">
+              <a:shade val="50000"/>
+            </a:schemeClr>
+          </a:lnRef>
+          <a:fillRef idx="1">
+            <a:schemeClr val="accent1"/>
+          </a:fillRef>
+          <a:effectRef idx="0">
+            <a:schemeClr val="accent1"/>
+          </a:effectRef>
+          <a:fontRef idx="minor">
+            <a:schemeClr val="lt1"/>
+          </a:fontRef>
+        </p:style>
+        <p:txBody>
+          <a:bodyPr rtlCol="0" anchor="ctr"/>
+          <a:lstStyle/>
+          <a:p>
+            <a:pPr algn="ctr"/>
+            <a:r>
+              <a:rPr lang="pl-PL"/>
+              <a:t>W</a:t>
+            </a:r>
+          </a:p>
+        </p:txBody>
+      </p:sp>
+      <p:sp>
+        <p:nvSpPr>
+          <p:cNvPr id="11" name="Prostokąt 10">
+            <a:extLst>
+              <a:ext uri="{FF2B5EF4-FFF2-40B4-BE49-F238E27FC236}">
+                <a16:creationId xmlns:a16="http://schemas.microsoft.com/office/drawing/2014/main" id="{2B6631D3-5BE5-482A-B90B-5986A756A62F}"/>
+              </a:ext>
+            </a:extLst>
+          </p:cNvPr>
+          <p:cNvSpPr/>
+          <p:nvPr/>
+        </p:nvSpPr>
+        <p:spPr>
+          <a:xfrm>
+            <a:off x="3642917" y="5221794"/>
+            <a:ext cx="973123" cy="629174"/>
+          </a:xfrm>
+          <a:prstGeom prst="rect">
+            <a:avLst/>
+          </a:prstGeom>
+        </p:spPr>
+        <p:style>
+          <a:lnRef idx="2">
+            <a:schemeClr val="accent1">
+              <a:shade val="50000"/>
+            </a:schemeClr>
+          </a:lnRef>
+          <a:fillRef idx="1">
+            <a:schemeClr val="accent1"/>
+          </a:fillRef>
+          <a:effectRef idx="0">
+            <a:schemeClr val="accent1"/>
+          </a:effectRef>
+          <a:fontRef idx="minor">
+            <a:schemeClr val="lt1"/>
+          </a:fontRef>
+        </p:style>
+        <p:txBody>
+          <a:bodyPr rtlCol="0" anchor="ctr"/>
+          <a:lstStyle/>
+          <a:p>
+            <a:pPr algn="ctr"/>
+            <a:r>
+              <a:rPr lang="pl-PL"/>
+              <a:t>W</a:t>
+            </a:r>
+          </a:p>
+        </p:txBody>
+      </p:sp>
+      <p:sp>
+        <p:nvSpPr>
+          <p:cNvPr id="12" name="Prostokąt 11">
+            <a:extLst>
+              <a:ext uri="{FF2B5EF4-FFF2-40B4-BE49-F238E27FC236}">
+                <a16:creationId xmlns:a16="http://schemas.microsoft.com/office/drawing/2014/main" id="{6CE13F6D-6FBE-40A0-A878-D524F98BF10F}"/>
+              </a:ext>
+            </a:extLst>
+          </p:cNvPr>
+          <p:cNvSpPr/>
+          <p:nvPr/>
+        </p:nvSpPr>
+        <p:spPr>
+          <a:xfrm>
+            <a:off x="5043181" y="5221794"/>
+            <a:ext cx="973123" cy="629174"/>
+          </a:xfrm>
+          <a:prstGeom prst="rect">
+            <a:avLst/>
+          </a:prstGeom>
+        </p:spPr>
+        <p:style>
+          <a:lnRef idx="2">
+            <a:schemeClr val="accent1">
+              <a:shade val="50000"/>
+            </a:schemeClr>
+          </a:lnRef>
+          <a:fillRef idx="1">
+            <a:schemeClr val="accent1"/>
+          </a:fillRef>
+          <a:effectRef idx="0">
+            <a:schemeClr val="accent1"/>
+          </a:effectRef>
+          <a:fontRef idx="minor">
+            <a:schemeClr val="lt1"/>
+          </a:fontRef>
+        </p:style>
+        <p:txBody>
+          <a:bodyPr rtlCol="0" anchor="ctr"/>
+          <a:lstStyle/>
+          <a:p>
+            <a:pPr algn="ctr"/>
+            <a:r>
+              <a:rPr lang="pl-PL"/>
+              <a:t>W</a:t>
+            </a:r>
+          </a:p>
+        </p:txBody>
+      </p:sp>
+      <p:sp>
+        <p:nvSpPr>
+          <p:cNvPr id="13" name="Prostokąt 12">
+            <a:extLst>
+              <a:ext uri="{FF2B5EF4-FFF2-40B4-BE49-F238E27FC236}">
+                <a16:creationId xmlns:a16="http://schemas.microsoft.com/office/drawing/2014/main" id="{F0E4D3FC-C31A-419B-941F-58E608D7774B}"/>
+              </a:ext>
+            </a:extLst>
+          </p:cNvPr>
+          <p:cNvSpPr/>
+          <p:nvPr/>
+        </p:nvSpPr>
+        <p:spPr>
+          <a:xfrm>
+            <a:off x="6429460" y="5221794"/>
+            <a:ext cx="973123" cy="629174"/>
+          </a:xfrm>
+          <a:prstGeom prst="rect">
+            <a:avLst/>
+          </a:prstGeom>
+        </p:spPr>
+        <p:style>
+          <a:lnRef idx="2">
+            <a:schemeClr val="accent1">
+              <a:shade val="50000"/>
+            </a:schemeClr>
+          </a:lnRef>
+          <a:fillRef idx="1">
+            <a:schemeClr val="accent1"/>
+          </a:fillRef>
+          <a:effectRef idx="0">
+            <a:schemeClr val="accent1"/>
+          </a:effectRef>
+          <a:fontRef idx="minor">
+            <a:schemeClr val="lt1"/>
+          </a:fontRef>
+        </p:style>
+        <p:txBody>
+          <a:bodyPr rtlCol="0" anchor="ctr"/>
+          <a:lstStyle/>
+          <a:p>
+            <a:pPr algn="ctr"/>
+            <a:r>
+              <a:rPr lang="pl-PL"/>
+              <a:t>W</a:t>
+            </a:r>
+          </a:p>
+        </p:txBody>
+      </p:sp>
+      <p:sp>
+        <p:nvSpPr>
+          <p:cNvPr id="14" name="Prostokąt 13">
+            <a:extLst>
+              <a:ext uri="{FF2B5EF4-FFF2-40B4-BE49-F238E27FC236}">
+                <a16:creationId xmlns:a16="http://schemas.microsoft.com/office/drawing/2014/main" id="{BBB77C32-C1E3-473E-BADB-05F49A83B250}"/>
+              </a:ext>
+            </a:extLst>
+          </p:cNvPr>
+          <p:cNvSpPr/>
+          <p:nvPr/>
+        </p:nvSpPr>
+        <p:spPr>
+          <a:xfrm>
+            <a:off x="7972340" y="5221794"/>
+            <a:ext cx="973123" cy="629174"/>
+          </a:xfrm>
+          <a:prstGeom prst="rect">
+            <a:avLst/>
+          </a:prstGeom>
+        </p:spPr>
+        <p:style>
+          <a:lnRef idx="2">
+            <a:schemeClr val="accent1">
+              <a:shade val="50000"/>
+            </a:schemeClr>
+          </a:lnRef>
+          <a:fillRef idx="1">
+            <a:schemeClr val="accent1"/>
+          </a:fillRef>
+          <a:effectRef idx="0">
+            <a:schemeClr val="accent1"/>
+          </a:effectRef>
+          <a:fontRef idx="minor">
+            <a:schemeClr val="lt1"/>
+          </a:fontRef>
+        </p:style>
+        <p:txBody>
+          <a:bodyPr rtlCol="0" anchor="ctr"/>
+          <a:lstStyle/>
+          <a:p>
+            <a:pPr algn="ctr"/>
+            <a:r>
+              <a:rPr lang="pl-PL"/>
+              <a:t>W</a:t>
+            </a:r>
+          </a:p>
+        </p:txBody>
+      </p:sp>
+      <p:cxnSp>
+        <p:nvCxnSpPr>
+          <p:cNvPr id="18" name="Łącznik: łamany 17">
+            <a:extLst>
+              <a:ext uri="{FF2B5EF4-FFF2-40B4-BE49-F238E27FC236}">
+                <a16:creationId xmlns:a16="http://schemas.microsoft.com/office/drawing/2014/main" id="{0C309B08-C7E8-456E-A746-CB709E87FA4B}"/>
+              </a:ext>
+            </a:extLst>
+          </p:cNvPr>
+          <p:cNvCxnSpPr>
+            <a:stCxn id="10" idx="0"/>
+            <a:endCxn id="7" idx="3"/>
+          </p:cNvCxnSpPr>
+          <p:nvPr/>
+        </p:nvCxnSpPr>
+        <p:spPr>
+          <a:xfrm rot="5400000" flipH="1" flipV="1">
+            <a:off x="2661757" y="4523062"/>
+            <a:ext cx="687896" cy="709569"/>
+          </a:xfrm>
+          <a:prstGeom prst="bentConnector3">
+            <a:avLst/>
+          </a:prstGeom>
+          <a:ln w="38100"/>
+        </p:spPr>
+        <p:style>
+          <a:lnRef idx="3">
+            <a:schemeClr val="dk1"/>
+          </a:lnRef>
+          <a:fillRef idx="0">
+            <a:schemeClr val="dk1"/>
+          </a:fillRef>
+          <a:effectRef idx="2">
+            <a:schemeClr val="dk1"/>
+          </a:effectRef>
+          <a:fontRef idx="minor">
+            <a:schemeClr val="tx1"/>
+          </a:fontRef>
+        </p:style>
+      </p:cxnSp>
+      <p:cxnSp>
+        <p:nvCxnSpPr>
+          <p:cNvPr id="20" name="Łącznik: łamany 19">
+            <a:extLst>
+              <a:ext uri="{FF2B5EF4-FFF2-40B4-BE49-F238E27FC236}">
+                <a16:creationId xmlns:a16="http://schemas.microsoft.com/office/drawing/2014/main" id="{FC7E2FDA-E99D-4509-A7D5-947421DFA550}"/>
+              </a:ext>
+            </a:extLst>
+          </p:cNvPr>
+          <p:cNvCxnSpPr>
+            <a:stCxn id="11" idx="0"/>
+            <a:endCxn id="7" idx="3"/>
+          </p:cNvCxnSpPr>
+          <p:nvPr/>
+        </p:nvCxnSpPr>
+        <p:spPr>
+          <a:xfrm rot="16200000" flipV="1">
+            <a:off x="3401037" y="4493351"/>
+            <a:ext cx="687896" cy="768989"/>
+          </a:xfrm>
+          <a:prstGeom prst="bentConnector3">
+            <a:avLst/>
+          </a:prstGeom>
+          <a:ln w="38100"/>
+        </p:spPr>
+        <p:style>
+          <a:lnRef idx="3">
+            <a:schemeClr val="dk1"/>
+          </a:lnRef>
+          <a:fillRef idx="0">
+            <a:schemeClr val="dk1"/>
+          </a:fillRef>
+          <a:effectRef idx="2">
+            <a:schemeClr val="dk1"/>
+          </a:effectRef>
+          <a:fontRef idx="minor">
+            <a:schemeClr val="tx1"/>
+          </a:fontRef>
+        </p:style>
+      </p:cxnSp>
+      <p:cxnSp>
+        <p:nvCxnSpPr>
+          <p:cNvPr id="22" name="Łącznik: łamany 21">
+            <a:extLst>
+              <a:ext uri="{FF2B5EF4-FFF2-40B4-BE49-F238E27FC236}">
+                <a16:creationId xmlns:a16="http://schemas.microsoft.com/office/drawing/2014/main" id="{FBB71F96-471C-4B4A-9EFE-3930D849934A}"/>
+              </a:ext>
+            </a:extLst>
+          </p:cNvPr>
+          <p:cNvCxnSpPr>
+            <a:stCxn id="12" idx="0"/>
+            <a:endCxn id="8" idx="3"/>
+          </p:cNvCxnSpPr>
+          <p:nvPr/>
+        </p:nvCxnSpPr>
+        <p:spPr>
+          <a:xfrm rot="16200000" flipV="1">
+            <a:off x="5225635" y="4917685"/>
+            <a:ext cx="608216" cy="1"/>
+          </a:xfrm>
+          <a:prstGeom prst="bentConnector3">
+            <a:avLst/>
+          </a:prstGeom>
+          <a:ln w="38100"/>
+        </p:spPr>
+        <p:style>
+          <a:lnRef idx="3">
+            <a:schemeClr val="dk1"/>
+          </a:lnRef>
+          <a:fillRef idx="0">
+            <a:schemeClr val="dk1"/>
+          </a:fillRef>
+          <a:effectRef idx="2">
+            <a:schemeClr val="dk1"/>
+          </a:effectRef>
+          <a:fontRef idx="minor">
+            <a:schemeClr val="tx1"/>
+          </a:fontRef>
+        </p:style>
+      </p:cxnSp>
+      <p:cxnSp>
+        <p:nvCxnSpPr>
+          <p:cNvPr id="24" name="Łącznik: łamany 23">
+            <a:extLst>
+              <a:ext uri="{FF2B5EF4-FFF2-40B4-BE49-F238E27FC236}">
+                <a16:creationId xmlns:a16="http://schemas.microsoft.com/office/drawing/2014/main" id="{5A045460-007D-4D32-BE20-48D0C3A46EB0}"/>
+              </a:ext>
+            </a:extLst>
+          </p:cNvPr>
+          <p:cNvCxnSpPr>
+            <a:stCxn id="8" idx="3"/>
+            <a:endCxn id="13" idx="0"/>
+          </p:cNvCxnSpPr>
+          <p:nvPr/>
+        </p:nvCxnSpPr>
+        <p:spPr>
+          <a:xfrm rot="16200000" flipH="1">
+            <a:off x="5918774" y="4224546"/>
+            <a:ext cx="608216" cy="1386280"/>
+          </a:xfrm>
+          <a:prstGeom prst="bentConnector3">
+            <a:avLst/>
+          </a:prstGeom>
+          <a:ln w="38100"/>
+        </p:spPr>
+        <p:style>
+          <a:lnRef idx="3">
+            <a:schemeClr val="dk1"/>
+          </a:lnRef>
+          <a:fillRef idx="0">
+            <a:schemeClr val="dk1"/>
+          </a:fillRef>
+          <a:effectRef idx="2">
+            <a:schemeClr val="dk1"/>
+          </a:effectRef>
+          <a:fontRef idx="minor">
+            <a:schemeClr val="tx1"/>
+          </a:fontRef>
+        </p:style>
+      </p:cxnSp>
+      <p:cxnSp>
+        <p:nvCxnSpPr>
+          <p:cNvPr id="26" name="Łącznik: łamany 25">
+            <a:extLst>
+              <a:ext uri="{FF2B5EF4-FFF2-40B4-BE49-F238E27FC236}">
+                <a16:creationId xmlns:a16="http://schemas.microsoft.com/office/drawing/2014/main" id="{9D5E2D6A-09CE-4B78-9CA5-05F5B4438118}"/>
+              </a:ext>
+            </a:extLst>
+          </p:cNvPr>
+          <p:cNvCxnSpPr>
+            <a:stCxn id="9" idx="3"/>
+            <a:endCxn id="14" idx="0"/>
+          </p:cNvCxnSpPr>
+          <p:nvPr/>
+        </p:nvCxnSpPr>
+        <p:spPr>
+          <a:xfrm rot="16200000" flipH="1">
+            <a:off x="8094701" y="4857592"/>
+            <a:ext cx="728401" cy="1"/>
+          </a:xfrm>
+          <a:prstGeom prst="bentConnector3">
+            <a:avLst>
+              <a:gd name="adj1" fmla="val 50000"/>
+            </a:avLst>
+          </a:prstGeom>
+          <a:ln w="38100"/>
+        </p:spPr>
+        <p:style>
+          <a:lnRef idx="3">
+            <a:schemeClr val="dk1"/>
+          </a:lnRef>
+          <a:fillRef idx="0">
+            <a:schemeClr val="dk1"/>
+          </a:fillRef>
+          <a:effectRef idx="2">
+            <a:schemeClr val="dk1"/>
+          </a:effectRef>
+          <a:fontRef idx="minor">
+            <a:schemeClr val="tx1"/>
+          </a:fontRef>
+        </p:style>
+      </p:cxnSp>
+      <p:cxnSp>
+        <p:nvCxnSpPr>
+          <p:cNvPr id="29" name="Łącznik: łamany 28">
+            <a:extLst>
+              <a:ext uri="{FF2B5EF4-FFF2-40B4-BE49-F238E27FC236}">
+                <a16:creationId xmlns:a16="http://schemas.microsoft.com/office/drawing/2014/main" id="{58C19AFC-B502-41F7-BDCB-CAA60EF310F0}"/>
+              </a:ext>
+            </a:extLst>
+          </p:cNvPr>
+          <p:cNvCxnSpPr>
+            <a:stCxn id="7" idx="0"/>
+            <a:endCxn id="4" idx="3"/>
+          </p:cNvCxnSpPr>
+          <p:nvPr/>
+        </p:nvCxnSpPr>
+        <p:spPr>
+          <a:xfrm rot="5400000" flipH="1" flipV="1">
+            <a:off x="4149957" y="2440388"/>
+            <a:ext cx="590319" cy="2169252"/>
+          </a:xfrm>
+          <a:prstGeom prst="bentConnector3">
+            <a:avLst/>
+          </a:prstGeom>
+          <a:ln w="38100"/>
+        </p:spPr>
+        <p:style>
+          <a:lnRef idx="3">
+            <a:schemeClr val="dk1"/>
+          </a:lnRef>
+          <a:fillRef idx="0">
+            <a:schemeClr val="dk1"/>
+          </a:fillRef>
+          <a:effectRef idx="2">
+            <a:schemeClr val="dk1"/>
+          </a:effectRef>
+          <a:fontRef idx="minor">
+            <a:schemeClr val="tx1"/>
+          </a:fontRef>
+        </p:style>
+      </p:cxnSp>
+      <p:cxnSp>
+        <p:nvCxnSpPr>
+          <p:cNvPr id="31" name="Łącznik prosty 30">
+            <a:extLst>
+              <a:ext uri="{FF2B5EF4-FFF2-40B4-BE49-F238E27FC236}">
+                <a16:creationId xmlns:a16="http://schemas.microsoft.com/office/drawing/2014/main" id="{649B726E-CE76-4D3F-A10E-6FBED59EE4CF}"/>
+              </a:ext>
+            </a:extLst>
+          </p:cNvPr>
+          <p:cNvCxnSpPr>
+            <a:stCxn id="4" idx="3"/>
+            <a:endCxn id="8" idx="0"/>
+          </p:cNvCxnSpPr>
+          <p:nvPr/>
+        </p:nvCxnSpPr>
+        <p:spPr>
+          <a:xfrm>
+            <a:off x="5529742" y="3229854"/>
+            <a:ext cx="0" cy="669999"/>
+          </a:xfrm>
+          <a:prstGeom prst="line">
+            <a:avLst/>
+          </a:prstGeom>
+          <a:ln w="38100"/>
+        </p:spPr>
+        <p:style>
+          <a:lnRef idx="3">
+            <a:schemeClr val="dk1"/>
+          </a:lnRef>
+          <a:fillRef idx="0">
+            <a:schemeClr val="dk1"/>
+          </a:fillRef>
+          <a:effectRef idx="2">
+            <a:schemeClr val="dk1"/>
+          </a:effectRef>
+          <a:fontRef idx="minor">
+            <a:schemeClr val="tx1"/>
+          </a:fontRef>
+        </p:style>
+      </p:cxnSp>
+      <p:cxnSp>
+        <p:nvCxnSpPr>
+          <p:cNvPr id="33" name="Łącznik: łamany 32">
+            <a:extLst>
+              <a:ext uri="{FF2B5EF4-FFF2-40B4-BE49-F238E27FC236}">
+                <a16:creationId xmlns:a16="http://schemas.microsoft.com/office/drawing/2014/main" id="{DCC4A69B-C08E-46DE-A6EA-E6E0C1C8DD53}"/>
+              </a:ext>
+            </a:extLst>
+          </p:cNvPr>
+          <p:cNvCxnSpPr>
+            <a:cxnSpLocks/>
+          </p:cNvCxnSpPr>
+          <p:nvPr/>
+        </p:nvCxnSpPr>
+        <p:spPr>
+          <a:xfrm rot="16200000" flipH="1">
+            <a:off x="6719414" y="2060435"/>
+            <a:ext cx="549814" cy="2929159"/>
+          </a:xfrm>
+          <a:prstGeom prst="bentConnector3">
+            <a:avLst/>
+          </a:prstGeom>
+          <a:ln w="38100"/>
+        </p:spPr>
+        <p:style>
+          <a:lnRef idx="3">
+            <a:schemeClr val="dk1"/>
+          </a:lnRef>
+          <a:fillRef idx="0">
+            <a:schemeClr val="dk1"/>
+          </a:fillRef>
+          <a:effectRef idx="2">
+            <a:schemeClr val="dk1"/>
+          </a:effectRef>
+          <a:fontRef idx="minor">
+            <a:schemeClr val="tx1"/>
+          </a:fontRef>
+        </p:style>
+      </p:cxnSp>
+      <p:sp>
+        <p:nvSpPr>
+          <p:cNvPr id="5" name="Symbol zastępczy numeru slajdu 4">
+            <a:extLst>
+              <a:ext uri="{FF2B5EF4-FFF2-40B4-BE49-F238E27FC236}">
+                <a16:creationId xmlns:a16="http://schemas.microsoft.com/office/drawing/2014/main" id="{AB0B9E51-E718-4C6A-B704-D7A75025D73A}"/>
               </a:ext>
             </a:extLst>
           </p:cNvPr>
@@ -14080,6 +14919,248 @@
             <a:fld id="{73EBA5C1-EA0D-4D38-B474-3131B775EA3E}" type="slidenum">
               <a:rPr lang="pl-PL" smtClean="0"/>
               <a:t>11</a:t>
+            </a:fld>
+            <a:endParaRPr lang="pl-PL"/>
+          </a:p>
+        </p:txBody>
+      </p:sp>
+    </p:spTree>
+    <p:extLst>
+      <p:ext uri="{BB962C8B-B14F-4D97-AF65-F5344CB8AC3E}">
+        <p14:creationId xmlns:p14="http://schemas.microsoft.com/office/powerpoint/2010/main" val="578991729"/>
+      </p:ext>
+    </p:extLst>
+  </p:cSld>
+  <p:clrMapOvr>
+    <a:masterClrMapping/>
+  </p:clrMapOvr>
+</p:sld>
+</file>
+
+<file path=ppt/slides/slide12.xml><?xml version="1.0" encoding="utf-8"?>
+<p:sld xmlns:a="http://schemas.openxmlformats.org/drawingml/2006/main" xmlns:r="http://schemas.openxmlformats.org/officeDocument/2006/relationships" xmlns:p="http://schemas.openxmlformats.org/presentationml/2006/main">
+  <p:cSld>
+    <p:spTree>
+      <p:nvGrpSpPr>
+        <p:cNvPr id="1" name=""/>
+        <p:cNvGrpSpPr/>
+        <p:nvPr/>
+      </p:nvGrpSpPr>
+      <p:grpSpPr>
+        <a:xfrm>
+          <a:off x="0" y="0"/>
+          <a:ext cx="0" cy="0"/>
+          <a:chOff x="0" y="0"/>
+          <a:chExt cx="0" cy="0"/>
+        </a:xfrm>
+      </p:grpSpPr>
+      <p:sp>
+        <p:nvSpPr>
+          <p:cNvPr id="2" name="Tytuł 1">
+            <a:extLst>
+              <a:ext uri="{FF2B5EF4-FFF2-40B4-BE49-F238E27FC236}">
+                <a16:creationId xmlns:a16="http://schemas.microsoft.com/office/drawing/2014/main" id="{38FE2930-C9F9-42F1-BC5A-B5D8CC8FE5FB}"/>
+              </a:ext>
+            </a:extLst>
+          </p:cNvPr>
+          <p:cNvSpPr>
+            <a:spLocks noGrp="1"/>
+          </p:cNvSpPr>
+          <p:nvPr>
+            <p:ph type="title"/>
+          </p:nvPr>
+        </p:nvSpPr>
+        <p:spPr/>
+        <p:txBody>
+          <a:bodyPr/>
+          <a:lstStyle/>
+          <a:p>
+            <a:pPr algn="ctr"/>
+            <a:r>
+              <a:rPr lang="pl-PL"/>
+              <a:t>Zamówienia</a:t>
+            </a:r>
+          </a:p>
+        </p:txBody>
+      </p:sp>
+      <p:sp>
+        <p:nvSpPr>
+          <p:cNvPr id="3" name="Symbol zastępczy zawartości 2">
+            <a:extLst>
+              <a:ext uri="{FF2B5EF4-FFF2-40B4-BE49-F238E27FC236}">
+                <a16:creationId xmlns:a16="http://schemas.microsoft.com/office/drawing/2014/main" id="{8426D2BE-ED27-420C-AF5A-CBE400D5329A}"/>
+              </a:ext>
+            </a:extLst>
+          </p:cNvPr>
+          <p:cNvSpPr>
+            <a:spLocks noGrp="1"/>
+          </p:cNvSpPr>
+          <p:nvPr>
+            <p:ph idx="1"/>
+          </p:nvPr>
+        </p:nvSpPr>
+        <p:spPr>
+          <a:xfrm>
+            <a:off x="1083076" y="2336873"/>
+            <a:ext cx="9211106" cy="3599316"/>
+          </a:xfrm>
+        </p:spPr>
+        <p:txBody>
+          <a:bodyPr/>
+          <a:lstStyle/>
+          <a:p>
+            <a:pPr algn="just"/>
+            <a:r>
+              <a:rPr lang="pl-PL" dirty="0"/>
+              <a:t>W przedsiębiorstwie wykonywane są elementy druku 3D, zamówienia składane są przez klientów, następnie przeprowadzany jest proces produkcji.</a:t>
+            </a:r>
+          </a:p>
+          <a:p>
+            <a:pPr marL="0" indent="0" algn="just">
+              <a:buNone/>
+            </a:pPr>
+            <a:endParaRPr lang="pl-PL" dirty="0"/>
+          </a:p>
+        </p:txBody>
+      </p:sp>
+      <p:sp>
+        <p:nvSpPr>
+          <p:cNvPr id="4" name="Symbol zastępczy numeru slajdu 3">
+            <a:extLst>
+              <a:ext uri="{FF2B5EF4-FFF2-40B4-BE49-F238E27FC236}">
+                <a16:creationId xmlns:a16="http://schemas.microsoft.com/office/drawing/2014/main" id="{74B87E44-A774-4B1B-BD56-BB8D2E3FBB5F}"/>
+              </a:ext>
+            </a:extLst>
+          </p:cNvPr>
+          <p:cNvSpPr>
+            <a:spLocks noGrp="1"/>
+          </p:cNvSpPr>
+          <p:nvPr>
+            <p:ph type="sldNum" sz="quarter" idx="12"/>
+          </p:nvPr>
+        </p:nvSpPr>
+        <p:spPr/>
+        <p:txBody>
+          <a:bodyPr/>
+          <a:lstStyle/>
+          <a:p>
+            <a:r>
+              <a:rPr lang="pl-PL" dirty="0"/>
+              <a:t>7</a:t>
+            </a:r>
+          </a:p>
+        </p:txBody>
+      </p:sp>
+    </p:spTree>
+    <p:extLst>
+      <p:ext uri="{BB962C8B-B14F-4D97-AF65-F5344CB8AC3E}">
+        <p14:creationId xmlns:p14="http://schemas.microsoft.com/office/powerpoint/2010/main" val="3268905368"/>
+      </p:ext>
+    </p:extLst>
+  </p:cSld>
+  <p:clrMapOvr>
+    <a:masterClrMapping/>
+  </p:clrMapOvr>
+</p:sld>
+</file>
+
+<file path=ppt/slides/slide13.xml><?xml version="1.0" encoding="utf-8"?>
+<p:sld xmlns:a="http://schemas.openxmlformats.org/drawingml/2006/main" xmlns:r="http://schemas.openxmlformats.org/officeDocument/2006/relationships" xmlns:p="http://schemas.openxmlformats.org/presentationml/2006/main" show="0">
+  <p:cSld>
+    <p:spTree>
+      <p:nvGrpSpPr>
+        <p:cNvPr id="1" name=""/>
+        <p:cNvGrpSpPr/>
+        <p:nvPr/>
+      </p:nvGrpSpPr>
+      <p:grpSpPr>
+        <a:xfrm>
+          <a:off x="0" y="0"/>
+          <a:ext cx="0" cy="0"/>
+          <a:chOff x="0" y="0"/>
+          <a:chExt cx="0" cy="0"/>
+        </a:xfrm>
+      </p:grpSpPr>
+      <p:sp>
+        <p:nvSpPr>
+          <p:cNvPr id="2" name="Tytuł 1">
+            <a:extLst>
+              <a:ext uri="{FF2B5EF4-FFF2-40B4-BE49-F238E27FC236}">
+                <a16:creationId xmlns:a16="http://schemas.microsoft.com/office/drawing/2014/main" id="{6E717ABD-4CC0-4242-B293-2BCA9F8B4788}"/>
+              </a:ext>
+            </a:extLst>
+          </p:cNvPr>
+          <p:cNvSpPr>
+            <a:spLocks noGrp="1"/>
+          </p:cNvSpPr>
+          <p:nvPr>
+            <p:ph type="title"/>
+          </p:nvPr>
+        </p:nvSpPr>
+        <p:spPr/>
+        <p:txBody>
+          <a:bodyPr/>
+          <a:lstStyle/>
+          <a:p>
+            <a:endParaRPr lang="pl-PL"/>
+          </a:p>
+        </p:txBody>
+      </p:sp>
+      <p:sp>
+        <p:nvSpPr>
+          <p:cNvPr id="3" name="Symbol zastępczy zawartości 2">
+            <a:extLst>
+              <a:ext uri="{FF2B5EF4-FFF2-40B4-BE49-F238E27FC236}">
+                <a16:creationId xmlns:a16="http://schemas.microsoft.com/office/drawing/2014/main" id="{2CF231D0-BAA0-4A67-9433-AD7D6ACB54AA}"/>
+              </a:ext>
+            </a:extLst>
+          </p:cNvPr>
+          <p:cNvSpPr>
+            <a:spLocks noGrp="1"/>
+          </p:cNvSpPr>
+          <p:nvPr>
+            <p:ph idx="1"/>
+          </p:nvPr>
+        </p:nvSpPr>
+        <p:spPr/>
+        <p:txBody>
+          <a:bodyPr/>
+          <a:lstStyle/>
+          <a:p>
+            <a:r>
+              <a:rPr lang="pl-PL" dirty="0"/>
+              <a:t>Tego jeszcze nie ma : Jak wygląda proces technologiczny</a:t>
+            </a:r>
+          </a:p>
+          <a:p>
+            <a:endParaRPr lang="pl-PL" dirty="0"/>
+          </a:p>
+        </p:txBody>
+      </p:sp>
+      <p:sp>
+        <p:nvSpPr>
+          <p:cNvPr id="4" name="Symbol zastępczy numeru slajdu 3">
+            <a:extLst>
+              <a:ext uri="{FF2B5EF4-FFF2-40B4-BE49-F238E27FC236}">
+                <a16:creationId xmlns:a16="http://schemas.microsoft.com/office/drawing/2014/main" id="{AB2F11D1-2B61-4CD2-BE55-D547065BF2E0}"/>
+              </a:ext>
+            </a:extLst>
+          </p:cNvPr>
+          <p:cNvSpPr>
+            <a:spLocks noGrp="1"/>
+          </p:cNvSpPr>
+          <p:nvPr>
+            <p:ph type="sldNum" sz="quarter" idx="12"/>
+          </p:nvPr>
+        </p:nvSpPr>
+        <p:spPr/>
+        <p:txBody>
+          <a:bodyPr/>
+          <a:lstStyle/>
+          <a:p>
+            <a:fld id="{73EBA5C1-EA0D-4D38-B474-3131B775EA3E}" type="slidenum">
+              <a:rPr lang="pl-PL" smtClean="0"/>
+              <a:t>13</a:t>
             </a:fld>
             <a:endParaRPr lang="pl-PL"/>
           </a:p>
@@ -14098,7 +15179,7 @@
 </p:sld>
 </file>
 
-<file path=ppt/slides/slide12.xml><?xml version="1.0" encoding="utf-8"?>
+<file path=ppt/slides/slide14.xml><?xml version="1.0" encoding="utf-8"?>
 <p:sld xmlns:a="http://schemas.openxmlformats.org/drawingml/2006/main" xmlns:r="http://schemas.openxmlformats.org/officeDocument/2006/relationships" xmlns:p="http://schemas.openxmlformats.org/presentationml/2006/main" show="0">
   <p:cSld>
     <p:spTree>
@@ -14197,7 +15278,7 @@
           <a:p>
             <a:fld id="{73EBA5C1-EA0D-4D38-B474-3131B775EA3E}" type="slidenum">
               <a:rPr lang="pl-PL" smtClean="0"/>
-              <a:t>12</a:t>
+              <a:t>14</a:t>
             </a:fld>
             <a:endParaRPr lang="pl-PL"/>
           </a:p>
@@ -14216,7 +15297,7 @@
 </p:sld>
 </file>
 
-<file path=ppt/slides/slide13.xml><?xml version="1.0" encoding="utf-8"?>
+<file path=ppt/slides/slide15.xml><?xml version="1.0" encoding="utf-8"?>
 <p:sld xmlns:a="http://schemas.openxmlformats.org/drawingml/2006/main" xmlns:r="http://schemas.openxmlformats.org/officeDocument/2006/relationships" xmlns:p="http://schemas.openxmlformats.org/presentationml/2006/main">
   <p:cSld>
     <p:bg>
@@ -14441,7 +15522,7 @@
 </p:sld>
 </file>
 
-<file path=ppt/slides/slide14.xml><?xml version="1.0" encoding="utf-8"?>
+<file path=ppt/slides/slide16.xml><?xml version="1.0" encoding="utf-8"?>
 <p:sld xmlns:a="http://schemas.openxmlformats.org/drawingml/2006/main" xmlns:r="http://schemas.openxmlformats.org/officeDocument/2006/relationships" xmlns:p="http://schemas.openxmlformats.org/presentationml/2006/main" show="0">
   <p:cSld>
     <p:spTree>
@@ -14537,7 +15618,7 @@
           <a:p>
             <a:fld id="{73EBA5C1-EA0D-4D38-B474-3131B775EA3E}" type="slidenum">
               <a:rPr lang="pl-PL" smtClean="0"/>
-              <a:t>14</a:t>
+              <a:t>16</a:t>
             </a:fld>
             <a:endParaRPr lang="pl-PL"/>
           </a:p>
@@ -14556,7 +15637,7 @@
 </p:sld>
 </file>
 
-<file path=ppt/slides/slide15.xml><?xml version="1.0" encoding="utf-8"?>
+<file path=ppt/slides/slide17.xml><?xml version="1.0" encoding="utf-8"?>
 <p:sld xmlns:a="http://schemas.openxmlformats.org/drawingml/2006/main" xmlns:r="http://schemas.openxmlformats.org/officeDocument/2006/relationships" xmlns:p="http://schemas.openxmlformats.org/presentationml/2006/main" show="0">
   <p:cSld>
     <p:spTree>
@@ -14655,7 +15736,7 @@
           <a:p>
             <a:fld id="{73EBA5C1-EA0D-4D38-B474-3131B775EA3E}" type="slidenum">
               <a:rPr lang="pl-PL" smtClean="0"/>
-              <a:t>15</a:t>
+              <a:t>17</a:t>
             </a:fld>
             <a:endParaRPr lang="pl-PL"/>
           </a:p>
@@ -14674,7 +15755,7 @@
 </p:sld>
 </file>
 
-<file path=ppt/slides/slide16.xml><?xml version="1.0" encoding="utf-8"?>
+<file path=ppt/slides/slide18.xml><?xml version="1.0" encoding="utf-8"?>
 <p:sld xmlns:a="http://schemas.openxmlformats.org/drawingml/2006/main" xmlns:r="http://schemas.openxmlformats.org/officeDocument/2006/relationships" xmlns:p="http://schemas.openxmlformats.org/presentationml/2006/main" show="0">
   <p:cSld>
     <p:spTree>
@@ -16134,7 +17215,7 @@
           <a:p>
             <a:fld id="{73EBA5C1-EA0D-4D38-B474-3131B775EA3E}" type="slidenum">
               <a:rPr lang="pl-PL" smtClean="0"/>
-              <a:t>16</a:t>
+              <a:t>18</a:t>
             </a:fld>
             <a:endParaRPr lang="pl-PL"/>
           </a:p>
@@ -16153,7 +17234,7 @@
 </p:sld>
 </file>
 
-<file path=ppt/slides/slide17.xml><?xml version="1.0" encoding="utf-8"?>
+<file path=ppt/slides/slide19.xml><?xml version="1.0" encoding="utf-8"?>
 <p:sld xmlns:a="http://schemas.openxmlformats.org/drawingml/2006/main" xmlns:r="http://schemas.openxmlformats.org/officeDocument/2006/relationships" xmlns:p="http://schemas.openxmlformats.org/presentationml/2006/main" show="0">
   <p:cSld>
     <p:spTree>
@@ -16616,7 +17697,7 @@
           <a:p>
             <a:fld id="{73EBA5C1-EA0D-4D38-B474-3131B775EA3E}" type="slidenum">
               <a:rPr lang="pl-PL" smtClean="0"/>
-              <a:t>17</a:t>
+              <a:t>19</a:t>
             </a:fld>
             <a:endParaRPr lang="pl-PL"/>
           </a:p>
@@ -16635,7 +17716,172 @@
 </p:sld>
 </file>
 
-<file path=ppt/slides/slide18.xml><?xml version="1.0" encoding="utf-8"?>
+<file path=ppt/slides/slide2.xml><?xml version="1.0" encoding="utf-8"?>
+<p:sld xmlns:a="http://schemas.openxmlformats.org/drawingml/2006/main" xmlns:r="http://schemas.openxmlformats.org/officeDocument/2006/relationships" xmlns:p="http://schemas.openxmlformats.org/presentationml/2006/main">
+  <p:cSld>
+    <p:spTree>
+      <p:nvGrpSpPr>
+        <p:cNvPr id="1" name=""/>
+        <p:cNvGrpSpPr/>
+        <p:nvPr/>
+      </p:nvGrpSpPr>
+      <p:grpSpPr>
+        <a:xfrm>
+          <a:off x="0" y="0"/>
+          <a:ext cx="0" cy="0"/>
+          <a:chOff x="0" y="0"/>
+          <a:chExt cx="0" cy="0"/>
+        </a:xfrm>
+      </p:grpSpPr>
+      <p:sp>
+        <p:nvSpPr>
+          <p:cNvPr id="2" name="Tytuł 1">
+            <a:extLst>
+              <a:ext uri="{FF2B5EF4-FFF2-40B4-BE49-F238E27FC236}">
+                <a16:creationId xmlns:a16="http://schemas.microsoft.com/office/drawing/2014/main" id="{F7E1DFB8-F62C-452B-B24C-71E172FEE498}"/>
+              </a:ext>
+            </a:extLst>
+          </p:cNvPr>
+          <p:cNvSpPr>
+            <a:spLocks noGrp="1"/>
+          </p:cNvSpPr>
+          <p:nvPr>
+            <p:ph type="title"/>
+          </p:nvPr>
+        </p:nvSpPr>
+        <p:spPr/>
+        <p:txBody>
+          <a:bodyPr/>
+          <a:lstStyle/>
+          <a:p>
+            <a:r>
+              <a:rPr lang="pl-PL" dirty="0"/>
+              <a:t>Cel projektu</a:t>
+            </a:r>
+          </a:p>
+        </p:txBody>
+      </p:sp>
+      <p:sp>
+        <p:nvSpPr>
+          <p:cNvPr id="3" name="Symbol zastępczy zawartości 2">
+            <a:extLst>
+              <a:ext uri="{FF2B5EF4-FFF2-40B4-BE49-F238E27FC236}">
+                <a16:creationId xmlns:a16="http://schemas.microsoft.com/office/drawing/2014/main" id="{3DCE85A4-3D75-4A02-A130-7D268A4AFBA3}"/>
+              </a:ext>
+            </a:extLst>
+          </p:cNvPr>
+          <p:cNvSpPr>
+            <a:spLocks noGrp="1"/>
+          </p:cNvSpPr>
+          <p:nvPr>
+            <p:ph idx="1"/>
+          </p:nvPr>
+        </p:nvSpPr>
+        <p:spPr/>
+        <p:txBody>
+          <a:bodyPr/>
+          <a:lstStyle/>
+          <a:p>
+            <a:pPr marL="0" indent="0" algn="ctr">
+              <a:buNone/>
+            </a:pPr>
+            <a:r>
+              <a:rPr lang="pl-PL" b="1" dirty="0"/>
+              <a:t>Nabycie umiejętności z zakresu projektowania aplikacji wspomagającej zarządzanie produkcją </a:t>
+            </a:r>
+            <a:br>
+              <a:rPr lang="pl-PL" b="1" dirty="0"/>
+            </a:br>
+            <a:r>
+              <a:rPr lang="pl-PL" b="1" dirty="0"/>
+              <a:t>przy pomocy poznanych narzędzi</a:t>
+            </a:r>
+          </a:p>
+          <a:p>
+            <a:pPr marL="0" indent="0" algn="ctr">
+              <a:buNone/>
+            </a:pPr>
+            <a:endParaRPr lang="pl-PL" b="1" dirty="0"/>
+          </a:p>
+          <a:p>
+            <a:pPr marL="0" indent="0" algn="ctr">
+              <a:buNone/>
+            </a:pPr>
+            <a:endParaRPr lang="pl-PL" b="1" dirty="0"/>
+          </a:p>
+          <a:p>
+            <a:pPr marL="0" indent="0">
+              <a:buNone/>
+            </a:pPr>
+            <a:r>
+              <a:rPr lang="pl-PL" dirty="0"/>
+              <a:t>Cele pośrednie:</a:t>
+            </a:r>
+          </a:p>
+          <a:p>
+            <a:pPr marL="0" indent="0" algn="ctr">
+              <a:buNone/>
+            </a:pPr>
+            <a:r>
+              <a:rPr lang="pl-PL" dirty="0"/>
+              <a:t>Nabycie umiejętności pracy w zespole projektowym </a:t>
+            </a:r>
+            <a:br>
+              <a:rPr lang="pl-PL" dirty="0"/>
+            </a:br>
+            <a:r>
+              <a:rPr lang="pl-PL" dirty="0"/>
+              <a:t>oraz gospodarowania czasem i zasobami ludzkimi</a:t>
+            </a:r>
+          </a:p>
+          <a:p>
+            <a:endParaRPr lang="pl-PL" dirty="0"/>
+          </a:p>
+        </p:txBody>
+      </p:sp>
+      <p:sp>
+        <p:nvSpPr>
+          <p:cNvPr id="4" name="Symbol zastępczy numeru slajdu 3">
+            <a:extLst>
+              <a:ext uri="{FF2B5EF4-FFF2-40B4-BE49-F238E27FC236}">
+                <a16:creationId xmlns:a16="http://schemas.microsoft.com/office/drawing/2014/main" id="{48E4D1F3-1C56-442C-86F3-401D84258BFA}"/>
+              </a:ext>
+            </a:extLst>
+          </p:cNvPr>
+          <p:cNvSpPr>
+            <a:spLocks noGrp="1"/>
+          </p:cNvSpPr>
+          <p:nvPr>
+            <p:ph type="sldNum" sz="quarter" idx="12"/>
+          </p:nvPr>
+        </p:nvSpPr>
+        <p:spPr/>
+        <p:txBody>
+          <a:bodyPr/>
+          <a:lstStyle/>
+          <a:p>
+            <a:fld id="{73EBA5C1-EA0D-4D38-B474-3131B775EA3E}" type="slidenum">
+              <a:rPr lang="pl-PL" smtClean="0"/>
+              <a:t>2</a:t>
+            </a:fld>
+            <a:endParaRPr lang="pl-PL"/>
+          </a:p>
+        </p:txBody>
+      </p:sp>
+    </p:spTree>
+    <p:extLst>
+      <p:ext uri="{BB962C8B-B14F-4D97-AF65-F5344CB8AC3E}">
+        <p14:creationId xmlns:p14="http://schemas.microsoft.com/office/powerpoint/2010/main" val="3502996192"/>
+      </p:ext>
+    </p:extLst>
+  </p:cSld>
+  <p:clrMapOvr>
+    <a:masterClrMapping/>
+  </p:clrMapOvr>
+</p:sld>
+</file>
+
+<file path=ppt/slides/slide20.xml><?xml version="1.0" encoding="utf-8"?>
 <p:sld xmlns:a="http://schemas.openxmlformats.org/drawingml/2006/main" xmlns:r="http://schemas.openxmlformats.org/officeDocument/2006/relationships" xmlns:p="http://schemas.openxmlformats.org/presentationml/2006/main" show="0">
   <p:cSld>
     <p:spTree>
@@ -17219,7 +18465,7 @@
           <a:p>
             <a:fld id="{73EBA5C1-EA0D-4D38-B474-3131B775EA3E}" type="slidenum">
               <a:rPr lang="pl-PL" smtClean="0"/>
-              <a:t>18</a:t>
+              <a:t>20</a:t>
             </a:fld>
             <a:endParaRPr lang="pl-PL"/>
           </a:p>
@@ -17238,7 +18484,7 @@
 </p:sld>
 </file>
 
-<file path=ppt/slides/slide19.xml><?xml version="1.0" encoding="utf-8"?>
+<file path=ppt/slides/slide21.xml><?xml version="1.0" encoding="utf-8"?>
 <p:sld xmlns:a="http://schemas.openxmlformats.org/drawingml/2006/main" xmlns:r="http://schemas.openxmlformats.org/officeDocument/2006/relationships" xmlns:p="http://schemas.openxmlformats.org/presentationml/2006/main" show="0">
   <p:cSld>
     <p:spTree>
@@ -17737,7 +18983,7 @@
           <a:p>
             <a:fld id="{73EBA5C1-EA0D-4D38-B474-3131B775EA3E}" type="slidenum">
               <a:rPr lang="pl-PL" smtClean="0"/>
-              <a:t>19</a:t>
+              <a:t>21</a:t>
             </a:fld>
             <a:endParaRPr lang="pl-PL"/>
           </a:p>
@@ -17756,139 +19002,7 @@
 </p:sld>
 </file>
 
-<file path=ppt/slides/slide2.xml><?xml version="1.0" encoding="utf-8"?>
-<p:sld xmlns:a="http://schemas.openxmlformats.org/drawingml/2006/main" xmlns:r="http://schemas.openxmlformats.org/officeDocument/2006/relationships" xmlns:p="http://schemas.openxmlformats.org/presentationml/2006/main" show="0">
-  <p:cSld>
-    <p:spTree>
-      <p:nvGrpSpPr>
-        <p:cNvPr id="1" name=""/>
-        <p:cNvGrpSpPr/>
-        <p:nvPr/>
-      </p:nvGrpSpPr>
-      <p:grpSpPr>
-        <a:xfrm>
-          <a:off x="0" y="0"/>
-          <a:ext cx="0" cy="0"/>
-          <a:chOff x="0" y="0"/>
-          <a:chExt cx="0" cy="0"/>
-        </a:xfrm>
-      </p:grpSpPr>
-      <p:sp>
-        <p:nvSpPr>
-          <p:cNvPr id="2" name="Tytuł 1">
-            <a:extLst>
-              <a:ext uri="{FF2B5EF4-FFF2-40B4-BE49-F238E27FC236}">
-                <a16:creationId xmlns:a16="http://schemas.microsoft.com/office/drawing/2014/main" id="{38FE2930-C9F9-42F1-BC5A-B5D8CC8FE5FB}"/>
-              </a:ext>
-            </a:extLst>
-          </p:cNvPr>
-          <p:cNvSpPr>
-            <a:spLocks noGrp="1"/>
-          </p:cNvSpPr>
-          <p:nvPr>
-            <p:ph type="title"/>
-          </p:nvPr>
-        </p:nvSpPr>
-        <p:spPr/>
-        <p:txBody>
-          <a:bodyPr/>
-          <a:lstStyle/>
-          <a:p>
-            <a:pPr algn="ctr"/>
-            <a:r>
-              <a:rPr lang="pl-PL" dirty="0"/>
-              <a:t>Przedsiębiorstwo</a:t>
-            </a:r>
-          </a:p>
-        </p:txBody>
-      </p:sp>
-      <p:sp>
-        <p:nvSpPr>
-          <p:cNvPr id="3" name="Symbol zastępczy zawartości 2">
-            <a:extLst>
-              <a:ext uri="{FF2B5EF4-FFF2-40B4-BE49-F238E27FC236}">
-                <a16:creationId xmlns:a16="http://schemas.microsoft.com/office/drawing/2014/main" id="{8426D2BE-ED27-420C-AF5A-CBE400D5329A}"/>
-              </a:ext>
-            </a:extLst>
-          </p:cNvPr>
-          <p:cNvSpPr>
-            <a:spLocks noGrp="1"/>
-          </p:cNvSpPr>
-          <p:nvPr>
-            <p:ph idx="1"/>
-          </p:nvPr>
-        </p:nvSpPr>
-        <p:spPr>
-          <a:xfrm>
-            <a:off x="680321" y="2635847"/>
-            <a:ext cx="10131425" cy="2387988"/>
-          </a:xfrm>
-        </p:spPr>
-        <p:txBody>
-          <a:bodyPr>
-            <a:normAutofit/>
-          </a:bodyPr>
-          <a:lstStyle/>
-          <a:p>
-            <a:pPr marL="0" indent="0">
-              <a:buNone/>
-            </a:pPr>
-            <a:r>
-              <a:rPr lang="pl-PL" dirty="0"/>
-              <a:t>System wspomagający zarządzanie zaprojektowano dla firmy, której działalnością jest produkcja elementów przy wykorzystaniu technologii addytywnych. Firma pracuje od poniedziałku do piątku w trybie jednozmianowym od 8:00 do 16:00.</a:t>
-            </a:r>
-          </a:p>
-          <a:p>
-            <a:pPr marL="0" indent="0">
-              <a:buNone/>
-            </a:pPr>
-            <a:endParaRPr lang="pl-PL" sz="2800" dirty="0"/>
-          </a:p>
-        </p:txBody>
-      </p:sp>
-      <p:sp>
-        <p:nvSpPr>
-          <p:cNvPr id="4" name="Symbol zastępczy numeru slajdu 3">
-            <a:extLst>
-              <a:ext uri="{FF2B5EF4-FFF2-40B4-BE49-F238E27FC236}">
-                <a16:creationId xmlns:a16="http://schemas.microsoft.com/office/drawing/2014/main" id="{71B7EC5F-3A4F-420A-871E-FD88567599DB}"/>
-              </a:ext>
-            </a:extLst>
-          </p:cNvPr>
-          <p:cNvSpPr>
-            <a:spLocks noGrp="1"/>
-          </p:cNvSpPr>
-          <p:nvPr>
-            <p:ph type="sldNum" sz="quarter" idx="12"/>
-          </p:nvPr>
-        </p:nvSpPr>
-        <p:spPr/>
-        <p:txBody>
-          <a:bodyPr/>
-          <a:lstStyle/>
-          <a:p>
-            <a:fld id="{73EBA5C1-EA0D-4D38-B474-3131B775EA3E}" type="slidenum">
-              <a:rPr lang="pl-PL" smtClean="0"/>
-              <a:t>2</a:t>
-            </a:fld>
-            <a:endParaRPr lang="pl-PL"/>
-          </a:p>
-        </p:txBody>
-      </p:sp>
-    </p:spTree>
-    <p:extLst>
-      <p:ext uri="{BB962C8B-B14F-4D97-AF65-F5344CB8AC3E}">
-        <p14:creationId xmlns:p14="http://schemas.microsoft.com/office/powerpoint/2010/main" val="3558708667"/>
-      </p:ext>
-    </p:extLst>
-  </p:cSld>
-  <p:clrMapOvr>
-    <a:masterClrMapping/>
-  </p:clrMapOvr>
-</p:sld>
-</file>
-
-<file path=ppt/slides/slide20.xml><?xml version="1.0" encoding="utf-8"?>
+<file path=ppt/slides/slide22.xml><?xml version="1.0" encoding="utf-8"?>
 <p:sld xmlns:a="http://schemas.openxmlformats.org/drawingml/2006/main" xmlns:r="http://schemas.openxmlformats.org/officeDocument/2006/relationships" xmlns:p="http://schemas.openxmlformats.org/presentationml/2006/main">
   <p:cSld>
     <p:spTree>
@@ -21245,7 +22359,7 @@
 </p:sld>
 </file>
 
-<file path=ppt/slides/slide21.xml><?xml version="1.0" encoding="utf-8"?>
+<file path=ppt/slides/slide23.xml><?xml version="1.0" encoding="utf-8"?>
 <p:sld xmlns:a="http://schemas.openxmlformats.org/drawingml/2006/main" xmlns:r="http://schemas.openxmlformats.org/officeDocument/2006/relationships" xmlns:p="http://schemas.openxmlformats.org/presentationml/2006/main" show="0">
   <p:cSld>
     <p:spTree>
@@ -21356,7 +22470,7 @@
           <a:p>
             <a:fld id="{73EBA5C1-EA0D-4D38-B474-3131B775EA3E}" type="slidenum">
               <a:rPr lang="pl-PL" smtClean="0"/>
-              <a:t>21</a:t>
+              <a:t>23</a:t>
             </a:fld>
             <a:endParaRPr lang="pl-PL"/>
           </a:p>
@@ -21366,436 +22480,6 @@
     <p:extLst>
       <p:ext uri="{BB962C8B-B14F-4D97-AF65-F5344CB8AC3E}">
         <p14:creationId xmlns:p14="http://schemas.microsoft.com/office/powerpoint/2010/main" val="488020728"/>
-      </p:ext>
-    </p:extLst>
-  </p:cSld>
-  <p:clrMapOvr>
-    <a:masterClrMapping/>
-  </p:clrMapOvr>
-</p:sld>
-</file>
-
-<file path=ppt/slides/slide22.xml><?xml version="1.0" encoding="utf-8"?>
-<p:sld xmlns:a="http://schemas.openxmlformats.org/drawingml/2006/main" xmlns:r="http://schemas.openxmlformats.org/officeDocument/2006/relationships" xmlns:p="http://schemas.openxmlformats.org/presentationml/2006/main" show="0">
-  <p:cSld>
-    <p:spTree>
-      <p:nvGrpSpPr>
-        <p:cNvPr id="1" name=""/>
-        <p:cNvGrpSpPr/>
-        <p:nvPr/>
-      </p:nvGrpSpPr>
-      <p:grpSpPr>
-        <a:xfrm>
-          <a:off x="0" y="0"/>
-          <a:ext cx="0" cy="0"/>
-          <a:chOff x="0" y="0"/>
-          <a:chExt cx="0" cy="0"/>
-        </a:xfrm>
-      </p:grpSpPr>
-      <p:sp>
-        <p:nvSpPr>
-          <p:cNvPr id="2" name="Tytuł 1">
-            <a:extLst>
-              <a:ext uri="{FF2B5EF4-FFF2-40B4-BE49-F238E27FC236}">
-                <a16:creationId xmlns:a16="http://schemas.microsoft.com/office/drawing/2014/main" id="{A8A50747-ECC0-4864-A6A3-983E1DFE946F}"/>
-              </a:ext>
-            </a:extLst>
-          </p:cNvPr>
-          <p:cNvSpPr>
-            <a:spLocks noGrp="1"/>
-          </p:cNvSpPr>
-          <p:nvPr>
-            <p:ph type="title"/>
-          </p:nvPr>
-        </p:nvSpPr>
-        <p:spPr/>
-        <p:txBody>
-          <a:bodyPr/>
-          <a:lstStyle/>
-          <a:p>
-            <a:r>
-              <a:rPr lang="pl-PL"/>
-              <a:t>Wady</a:t>
-            </a:r>
-          </a:p>
-        </p:txBody>
-      </p:sp>
-      <p:sp>
-        <p:nvSpPr>
-          <p:cNvPr id="3" name="Symbol zastępczy zawartości 2">
-            <a:extLst>
-              <a:ext uri="{FF2B5EF4-FFF2-40B4-BE49-F238E27FC236}">
-                <a16:creationId xmlns:a16="http://schemas.microsoft.com/office/drawing/2014/main" id="{D7244F94-0A41-4D29-9051-4D090B42C892}"/>
-              </a:ext>
-            </a:extLst>
-          </p:cNvPr>
-          <p:cNvSpPr>
-            <a:spLocks noGrp="1"/>
-          </p:cNvSpPr>
-          <p:nvPr>
-            <p:ph idx="1"/>
-          </p:nvPr>
-        </p:nvSpPr>
-        <p:spPr/>
-        <p:txBody>
-          <a:bodyPr/>
-          <a:lstStyle/>
-          <a:p>
-            <a:r>
-              <a:rPr lang="pl-PL"/>
-              <a:t>Trudniejsze administrowanie (wiele komputerów i aplikacji)</a:t>
-            </a:r>
-          </a:p>
-          <a:p>
-            <a:r>
-              <a:rPr lang="pl-PL"/>
-              <a:t>Brak kontroli nad użytkownikiem i koszty eksploatacji komputerów</a:t>
-            </a:r>
-          </a:p>
-          <a:p>
-            <a:r>
-              <a:rPr lang="pl-PL"/>
-              <a:t>Możliwe problemy z przepustowością</a:t>
-            </a:r>
-          </a:p>
-          <a:p>
-            <a:r>
-              <a:rPr lang="pl-PL"/>
-              <a:t>Całkowity brak dostępu do danych w przypadku awarii serwera</a:t>
-            </a:r>
-          </a:p>
-          <a:p>
-            <a:endParaRPr lang="pl-PL"/>
-          </a:p>
-        </p:txBody>
-      </p:sp>
-      <p:sp>
-        <p:nvSpPr>
-          <p:cNvPr id="4" name="Symbol zastępczy numeru slajdu 3">
-            <a:extLst>
-              <a:ext uri="{FF2B5EF4-FFF2-40B4-BE49-F238E27FC236}">
-                <a16:creationId xmlns:a16="http://schemas.microsoft.com/office/drawing/2014/main" id="{14236B15-6776-43FA-AF69-C6412FF03696}"/>
-              </a:ext>
-            </a:extLst>
-          </p:cNvPr>
-          <p:cNvSpPr>
-            <a:spLocks noGrp="1"/>
-          </p:cNvSpPr>
-          <p:nvPr>
-            <p:ph type="sldNum" sz="quarter" idx="12"/>
-          </p:nvPr>
-        </p:nvSpPr>
-        <p:spPr/>
-        <p:txBody>
-          <a:bodyPr/>
-          <a:lstStyle/>
-          <a:p>
-            <a:fld id="{73EBA5C1-EA0D-4D38-B474-3131B775EA3E}" type="slidenum">
-              <a:rPr lang="pl-PL" smtClean="0"/>
-              <a:t>22</a:t>
-            </a:fld>
-            <a:endParaRPr lang="pl-PL"/>
-          </a:p>
-        </p:txBody>
-      </p:sp>
-    </p:spTree>
-    <p:extLst>
-      <p:ext uri="{BB962C8B-B14F-4D97-AF65-F5344CB8AC3E}">
-        <p14:creationId xmlns:p14="http://schemas.microsoft.com/office/powerpoint/2010/main" val="1406496400"/>
-      </p:ext>
-    </p:extLst>
-  </p:cSld>
-  <p:clrMapOvr>
-    <a:masterClrMapping/>
-  </p:clrMapOvr>
-</p:sld>
-</file>
-
-<file path=ppt/slides/slide23.xml><?xml version="1.0" encoding="utf-8"?>
-<p:sld xmlns:a="http://schemas.openxmlformats.org/drawingml/2006/main" xmlns:r="http://schemas.openxmlformats.org/officeDocument/2006/relationships" xmlns:p="http://schemas.openxmlformats.org/presentationml/2006/main">
-  <p:cSld>
-    <p:spTree>
-      <p:nvGrpSpPr>
-        <p:cNvPr id="1" name=""/>
-        <p:cNvGrpSpPr/>
-        <p:nvPr/>
-      </p:nvGrpSpPr>
-      <p:grpSpPr>
-        <a:xfrm>
-          <a:off x="0" y="0"/>
-          <a:ext cx="0" cy="0"/>
-          <a:chOff x="0" y="0"/>
-          <a:chExt cx="0" cy="0"/>
-        </a:xfrm>
-      </p:grpSpPr>
-      <p:sp>
-        <p:nvSpPr>
-          <p:cNvPr id="2" name="Tytuł 1">
-            <a:extLst>
-              <a:ext uri="{FF2B5EF4-FFF2-40B4-BE49-F238E27FC236}">
-                <a16:creationId xmlns:a16="http://schemas.microsoft.com/office/drawing/2014/main" id="{2229BAC8-655C-415E-83C5-273645C3A131}"/>
-              </a:ext>
-            </a:extLst>
-          </p:cNvPr>
-          <p:cNvSpPr>
-            <a:spLocks noGrp="1"/>
-          </p:cNvSpPr>
-          <p:nvPr>
-            <p:ph type="title"/>
-          </p:nvPr>
-        </p:nvSpPr>
-        <p:spPr/>
-        <p:txBody>
-          <a:bodyPr/>
-          <a:lstStyle/>
-          <a:p>
-            <a:r>
-              <a:rPr lang="pl-PL" dirty="0"/>
-              <a:t>Software bazy danych</a:t>
-            </a:r>
-          </a:p>
-        </p:txBody>
-      </p:sp>
-      <p:sp>
-        <p:nvSpPr>
-          <p:cNvPr id="3" name="Symbol zastępczy zawartości 2">
-            <a:extLst>
-              <a:ext uri="{FF2B5EF4-FFF2-40B4-BE49-F238E27FC236}">
-                <a16:creationId xmlns:a16="http://schemas.microsoft.com/office/drawing/2014/main" id="{79C28488-7110-47E4-A5B4-7C7149D50B01}"/>
-              </a:ext>
-            </a:extLst>
-          </p:cNvPr>
-          <p:cNvSpPr>
-            <a:spLocks noGrp="1"/>
-          </p:cNvSpPr>
-          <p:nvPr>
-            <p:ph idx="1"/>
-          </p:nvPr>
-        </p:nvSpPr>
-        <p:spPr>
-          <a:xfrm>
-            <a:off x="680321" y="2346705"/>
-            <a:ext cx="10675937" cy="3599316"/>
-          </a:xfrm>
-        </p:spPr>
-        <p:txBody>
-          <a:bodyPr/>
-          <a:lstStyle/>
-          <a:p>
-            <a:pPr marL="0" indent="0">
-              <a:buNone/>
-            </a:pPr>
-            <a:r>
-              <a:rPr lang="pl-PL" b="0" i="1" dirty="0" err="1">
-                <a:effectLst/>
-                <a:latin typeface="+mj-lt"/>
-              </a:rPr>
-              <a:t>Structured</a:t>
-            </a:r>
-            <a:r>
-              <a:rPr lang="pl-PL" b="0" i="1" dirty="0">
-                <a:effectLst/>
-                <a:latin typeface="+mj-lt"/>
-              </a:rPr>
-              <a:t> Query Language</a:t>
-            </a:r>
-            <a:r>
-              <a:rPr lang="pl-PL" b="0" i="0" dirty="0">
-                <a:effectLst/>
-                <a:latin typeface="+mj-lt"/>
-              </a:rPr>
-              <a:t> (</a:t>
-            </a:r>
-            <a:r>
-              <a:rPr lang="pl-PL" b="0" i="0" dirty="0">
-                <a:effectLst/>
-                <a:latin typeface="Arial" panose="020B0604020202020204" pitchFamily="34" charset="0"/>
-              </a:rPr>
-              <a:t>strukturalny </a:t>
-            </a:r>
-            <a:r>
-              <a:rPr lang="pl-PL" b="0" i="0" u="none" strike="noStrike" dirty="0">
-                <a:effectLst/>
-                <a:latin typeface="Arial" panose="020B0604020202020204" pitchFamily="34" charset="0"/>
-              </a:rPr>
-              <a:t>język zapytań</a:t>
-            </a:r>
-            <a:r>
-              <a:rPr lang="pl-PL" b="0" i="0" dirty="0">
-                <a:effectLst/>
-                <a:latin typeface="+mj-lt"/>
-              </a:rPr>
-              <a:t>)</a:t>
-            </a:r>
-            <a:r>
-              <a:rPr lang="pl-PL" dirty="0">
-                <a:latin typeface="+mj-lt"/>
-              </a:rPr>
-              <a:t> : Microsoft SQL Server 2019</a:t>
-            </a:r>
-          </a:p>
-          <a:p>
-            <a:pPr marL="0" indent="0">
-              <a:buNone/>
-            </a:pPr>
-            <a:r>
-              <a:rPr lang="pl-PL" b="0" i="0" dirty="0" err="1">
-                <a:effectLst/>
-                <a:latin typeface="+mj-lt"/>
-              </a:rPr>
-              <a:t>Integrated</a:t>
-            </a:r>
-            <a:r>
-              <a:rPr lang="pl-PL" b="0" i="0" dirty="0">
-                <a:effectLst/>
-                <a:latin typeface="+mj-lt"/>
-              </a:rPr>
-              <a:t> Development Environment(</a:t>
-            </a:r>
-            <a:r>
-              <a:rPr lang="pl-PL" b="0" i="0" u="none" strike="noStrike" dirty="0">
-                <a:effectLst/>
-                <a:latin typeface="Arial" panose="020B0604020202020204" pitchFamily="34" charset="0"/>
-              </a:rPr>
-              <a:t>zintegrowane środowisko programistyczne</a:t>
-            </a:r>
-            <a:r>
-              <a:rPr lang="pl-PL" dirty="0">
-                <a:latin typeface="+mj-lt"/>
-              </a:rPr>
-              <a:t>) : Visual Studio 2019 </a:t>
-            </a:r>
-            <a:r>
-              <a:rPr lang="pl-PL" dirty="0" err="1">
-                <a:latin typeface="+mj-lt"/>
-              </a:rPr>
-              <a:t>Community</a:t>
-            </a:r>
-            <a:endParaRPr lang="pl-PL" dirty="0">
-              <a:latin typeface="+mj-lt"/>
-            </a:endParaRPr>
-          </a:p>
-          <a:p>
-            <a:pPr marL="0" indent="0">
-              <a:buNone/>
-            </a:pPr>
-            <a:endParaRPr lang="pl-PL" dirty="0"/>
-          </a:p>
-          <a:p>
-            <a:pPr marL="0" indent="0">
-              <a:buNone/>
-            </a:pPr>
-            <a:endParaRPr lang="pl-PL" dirty="0"/>
-          </a:p>
-          <a:p>
-            <a:endParaRPr lang="pl-PL" dirty="0"/>
-          </a:p>
-        </p:txBody>
-      </p:sp>
-      <p:pic>
-        <p:nvPicPr>
-          <p:cNvPr id="5" name="Obraz 4">
-            <a:extLst>
-              <a:ext uri="{FF2B5EF4-FFF2-40B4-BE49-F238E27FC236}">
-                <a16:creationId xmlns:a16="http://schemas.microsoft.com/office/drawing/2014/main" id="{09AAA038-A8AA-49C4-99FF-FE068BCC18B0}"/>
-              </a:ext>
-            </a:extLst>
-          </p:cNvPr>
-          <p:cNvPicPr>
-            <a:picLocks noChangeAspect="1"/>
-          </p:cNvPicPr>
-          <p:nvPr/>
-        </p:nvPicPr>
-        <p:blipFill>
-          <a:blip r:embed="rId2">
-            <a:extLst>
-              <a:ext uri="{28A0092B-C50C-407E-A947-70E740481C1C}">
-                <a14:useLocalDpi xmlns:a14="http://schemas.microsoft.com/office/drawing/2010/main" val="0"/>
-              </a:ext>
-            </a:extLst>
-          </a:blip>
-          <a:stretch>
-            <a:fillRect/>
-          </a:stretch>
-        </p:blipFill>
-        <p:spPr>
-          <a:xfrm>
-            <a:off x="1956813" y="4038494"/>
-            <a:ext cx="2684014" cy="2684014"/>
-          </a:xfrm>
-          <a:prstGeom prst="rect">
-            <a:avLst/>
-          </a:prstGeom>
-        </p:spPr>
-      </p:pic>
-      <p:pic>
-        <p:nvPicPr>
-          <p:cNvPr id="7" name="Obraz 6">
-            <a:extLst>
-              <a:ext uri="{FF2B5EF4-FFF2-40B4-BE49-F238E27FC236}">
-                <a16:creationId xmlns:a16="http://schemas.microsoft.com/office/drawing/2014/main" id="{51415B09-5FB9-41AE-BEEE-90547C065D98}"/>
-              </a:ext>
-            </a:extLst>
-          </p:cNvPr>
-          <p:cNvPicPr>
-            <a:picLocks noChangeAspect="1"/>
-          </p:cNvPicPr>
-          <p:nvPr/>
-        </p:nvPicPr>
-        <p:blipFill>
-          <a:blip r:embed="rId3">
-            <a:extLst>
-              <a:ext uri="{28A0092B-C50C-407E-A947-70E740481C1C}">
-                <a14:useLocalDpi xmlns:a14="http://schemas.microsoft.com/office/drawing/2010/main" val="0"/>
-              </a:ext>
-            </a:extLst>
-          </a:blip>
-          <a:stretch>
-            <a:fillRect/>
-          </a:stretch>
-        </p:blipFill>
-        <p:spPr>
-          <a:xfrm>
-            <a:off x="7551175" y="4166418"/>
-            <a:ext cx="2154663" cy="2154663"/>
-          </a:xfrm>
-          <a:prstGeom prst="rect">
-            <a:avLst/>
-          </a:prstGeom>
-        </p:spPr>
-      </p:pic>
-      <p:sp>
-        <p:nvSpPr>
-          <p:cNvPr id="4" name="Symbol zastępczy numeru slajdu 3">
-            <a:extLst>
-              <a:ext uri="{FF2B5EF4-FFF2-40B4-BE49-F238E27FC236}">
-                <a16:creationId xmlns:a16="http://schemas.microsoft.com/office/drawing/2014/main" id="{1563E65D-130E-498C-A631-7AA7E34875E8}"/>
-              </a:ext>
-            </a:extLst>
-          </p:cNvPr>
-          <p:cNvSpPr>
-            <a:spLocks noGrp="1"/>
-          </p:cNvSpPr>
-          <p:nvPr>
-            <p:ph type="sldNum" sz="quarter" idx="12"/>
-          </p:nvPr>
-        </p:nvSpPr>
-        <p:spPr/>
-        <p:txBody>
-          <a:bodyPr/>
-          <a:lstStyle/>
-          <a:p>
-            <a:r>
-              <a:rPr lang="pl-PL" dirty="0"/>
-              <a:t>10</a:t>
-            </a:r>
-          </a:p>
-        </p:txBody>
-      </p:sp>
-    </p:spTree>
-    <p:extLst>
-      <p:ext uri="{BB962C8B-B14F-4D97-AF65-F5344CB8AC3E}">
-        <p14:creationId xmlns:p14="http://schemas.microsoft.com/office/powerpoint/2010/main" val="3572618859"/>
       </p:ext>
     </p:extLst>
   </p:cSld>
@@ -21827,7 +22511,7 @@
           <p:cNvPr id="2" name="Tytuł 1">
             <a:extLst>
               <a:ext uri="{FF2B5EF4-FFF2-40B4-BE49-F238E27FC236}">
-                <a16:creationId xmlns:a16="http://schemas.microsoft.com/office/drawing/2014/main" id="{DE1D0087-03AB-473B-B101-1E80FC868B53}"/>
+                <a16:creationId xmlns:a16="http://schemas.microsoft.com/office/drawing/2014/main" id="{A8A50747-ECC0-4864-A6A3-983E1DFE946F}"/>
               </a:ext>
             </a:extLst>
           </p:cNvPr>
@@ -21844,14 +22528,9 @@
           <a:lstStyle/>
           <a:p>
             <a:r>
-              <a:rPr lang="pl-PL" dirty="0"/>
-              <a:t>Hardware bazy danych </a:t>
-            </a:r>
-            <a:r>
               <a:rPr lang="pl-PL"/>
-              <a:t>dla serwera</a:t>
-            </a:r>
-            <a:endParaRPr lang="pl-PL" dirty="0"/>
+              <a:t>Wady</a:t>
+            </a:r>
           </a:p>
         </p:txBody>
       </p:sp>
@@ -21860,7 +22539,7 @@
           <p:cNvPr id="3" name="Symbol zastępczy zawartości 2">
             <a:extLst>
               <a:ext uri="{FF2B5EF4-FFF2-40B4-BE49-F238E27FC236}">
-                <a16:creationId xmlns:a16="http://schemas.microsoft.com/office/drawing/2014/main" id="{16C7B250-78D0-4720-ADB7-A8CC262A1ABC}"/>
+                <a16:creationId xmlns:a16="http://schemas.microsoft.com/office/drawing/2014/main" id="{D7244F94-0A41-4D29-9051-4D090B42C892}"/>
               </a:ext>
             </a:extLst>
           </p:cNvPr>
@@ -21877,50 +22556,30 @@
           <a:lstStyle/>
           <a:p>
             <a:r>
-              <a:rPr lang="pl-PL" dirty="0"/>
-              <a:t>Procesor fizyczny : 2 rdzenie</a:t>
-            </a:r>
-          </a:p>
-          <a:p>
-            <a:r>
-              <a:rPr lang="pl-PL" dirty="0"/>
-              <a:t>Pamięć RAM : 12 GB</a:t>
-            </a:r>
-          </a:p>
-          <a:p>
-            <a:r>
-              <a:rPr lang="pl-PL" dirty="0"/>
-              <a:t>Dysk : 1TB SSD</a:t>
-            </a:r>
-          </a:p>
-          <a:p>
-            <a:r>
-              <a:rPr lang="pl-PL" dirty="0"/>
-              <a:t>RAID 10</a:t>
-            </a:r>
-          </a:p>
-          <a:p>
-            <a:r>
-              <a:rPr lang="pl-PL" dirty="0"/>
-              <a:t>NIC 100 </a:t>
-            </a:r>
-            <a:r>
-              <a:rPr lang="pl-PL" dirty="0" err="1"/>
-              <a:t>Mb</a:t>
-            </a:r>
-            <a:r>
-              <a:rPr lang="pl-PL" dirty="0"/>
-              <a:t>/s</a:t>
-            </a:r>
-          </a:p>
-          <a:p>
-            <a:endParaRPr lang="pl-PL" dirty="0"/>
-          </a:p>
-          <a:p>
-            <a:r>
-              <a:rPr lang="pl-PL" dirty="0"/>
-              <a:t>Niepotrzebne</a:t>
-            </a:r>
+              <a:rPr lang="pl-PL"/>
+              <a:t>Trudniejsze administrowanie (wiele komputerów i aplikacji)</a:t>
+            </a:r>
+          </a:p>
+          <a:p>
+            <a:r>
+              <a:rPr lang="pl-PL"/>
+              <a:t>Brak kontroli nad użytkownikiem i koszty eksploatacji komputerów</a:t>
+            </a:r>
+          </a:p>
+          <a:p>
+            <a:r>
+              <a:rPr lang="pl-PL"/>
+              <a:t>Możliwe problemy z przepustowością</a:t>
+            </a:r>
+          </a:p>
+          <a:p>
+            <a:r>
+              <a:rPr lang="pl-PL"/>
+              <a:t>Całkowity brak dostępu do danych w przypadku awarii serwera</a:t>
+            </a:r>
+          </a:p>
+          <a:p>
+            <a:endParaRPr lang="pl-PL"/>
           </a:p>
         </p:txBody>
       </p:sp>
@@ -21929,7 +22588,7 @@
           <p:cNvPr id="4" name="Symbol zastępczy numeru slajdu 3">
             <a:extLst>
               <a:ext uri="{FF2B5EF4-FFF2-40B4-BE49-F238E27FC236}">
-                <a16:creationId xmlns:a16="http://schemas.microsoft.com/office/drawing/2014/main" id="{F907E672-5836-4D0C-A536-DAFC918F59C6}"/>
+                <a16:creationId xmlns:a16="http://schemas.microsoft.com/office/drawing/2014/main" id="{14236B15-6776-43FA-AF69-C6412FF03696}"/>
               </a:ext>
             </a:extLst>
           </p:cNvPr>
@@ -21956,7 +22615,7 @@
     </p:spTree>
     <p:extLst>
       <p:ext uri="{BB962C8B-B14F-4D97-AF65-F5344CB8AC3E}">
-        <p14:creationId xmlns:p14="http://schemas.microsoft.com/office/powerpoint/2010/main" val="2098505598"/>
+        <p14:creationId xmlns:p14="http://schemas.microsoft.com/office/powerpoint/2010/main" val="1406496400"/>
       </p:ext>
     </p:extLst>
   </p:cSld>
@@ -21988,7 +22647,7 @@
           <p:cNvPr id="2" name="Tytuł 1">
             <a:extLst>
               <a:ext uri="{FF2B5EF4-FFF2-40B4-BE49-F238E27FC236}">
-                <a16:creationId xmlns:a16="http://schemas.microsoft.com/office/drawing/2014/main" id="{F08C4F8C-0CCE-4438-BC0A-1EA68054DF91}"/>
+                <a16:creationId xmlns:a16="http://schemas.microsoft.com/office/drawing/2014/main" id="{2229BAC8-655C-415E-83C5-273645C3A131}"/>
               </a:ext>
             </a:extLst>
           </p:cNvPr>
@@ -22006,17 +22665,225 @@
           <a:p>
             <a:r>
               <a:rPr lang="pl-PL" dirty="0"/>
-              <a:t>Koszt maszyn dla kosztorysu ofertowego</a:t>
+              <a:t>Software bazy danych</a:t>
             </a:r>
           </a:p>
         </p:txBody>
       </p:sp>
       <p:sp>
         <p:nvSpPr>
-          <p:cNvPr id="3" name="Symbol zastępczy numeru slajdu 2">
+          <p:cNvPr id="3" name="Symbol zastępczy zawartości 2">
             <a:extLst>
               <a:ext uri="{FF2B5EF4-FFF2-40B4-BE49-F238E27FC236}">
-                <a16:creationId xmlns:a16="http://schemas.microsoft.com/office/drawing/2014/main" id="{8C2C7C42-C3C8-4B0F-9B70-6967BEC940F4}"/>
+                <a16:creationId xmlns:a16="http://schemas.microsoft.com/office/drawing/2014/main" id="{79C28488-7110-47E4-A5B4-7C7149D50B01}"/>
+              </a:ext>
+            </a:extLst>
+          </p:cNvPr>
+          <p:cNvSpPr>
+            <a:spLocks noGrp="1"/>
+          </p:cNvSpPr>
+          <p:nvPr>
+            <p:ph idx="1"/>
+          </p:nvPr>
+        </p:nvSpPr>
+        <p:spPr>
+          <a:xfrm>
+            <a:off x="680321" y="2346705"/>
+            <a:ext cx="10675937" cy="3599316"/>
+          </a:xfrm>
+        </p:spPr>
+        <p:txBody>
+          <a:bodyPr/>
+          <a:lstStyle/>
+          <a:p>
+            <a:pPr marL="0" indent="0">
+              <a:buNone/>
+            </a:pPr>
+            <a:r>
+              <a:rPr lang="pl-PL" b="0" i="1" dirty="0" err="1">
+                <a:effectLst/>
+                <a:latin typeface="+mj-lt"/>
+              </a:rPr>
+              <a:t>Structured</a:t>
+            </a:r>
+            <a:r>
+              <a:rPr lang="pl-PL" b="0" i="1" dirty="0">
+                <a:effectLst/>
+                <a:latin typeface="+mj-lt"/>
+              </a:rPr>
+              <a:t> Query Language</a:t>
+            </a:r>
+            <a:r>
+              <a:rPr lang="pl-PL" b="0" i="0" dirty="0">
+                <a:effectLst/>
+                <a:latin typeface="+mj-lt"/>
+              </a:rPr>
+              <a:t> (</a:t>
+            </a:r>
+            <a:r>
+              <a:rPr lang="pl-PL" b="0" i="0" dirty="0">
+                <a:effectLst/>
+                <a:latin typeface="Arial" panose="020B0604020202020204" pitchFamily="34" charset="0"/>
+              </a:rPr>
+              <a:t>strukturalny </a:t>
+            </a:r>
+            <a:r>
+              <a:rPr lang="pl-PL" b="0" i="0" u="none" strike="noStrike" dirty="0">
+                <a:effectLst/>
+                <a:latin typeface="Arial" panose="020B0604020202020204" pitchFamily="34" charset="0"/>
+              </a:rPr>
+              <a:t>język zapytań</a:t>
+            </a:r>
+            <a:r>
+              <a:rPr lang="pl-PL" b="0" i="0" dirty="0">
+                <a:effectLst/>
+                <a:latin typeface="+mj-lt"/>
+              </a:rPr>
+              <a:t>)</a:t>
+            </a:r>
+            <a:r>
+              <a:rPr lang="pl-PL" dirty="0">
+                <a:latin typeface="+mj-lt"/>
+              </a:rPr>
+              <a:t> : Microsoft SQL Server 2019</a:t>
+            </a:r>
+          </a:p>
+          <a:p>
+            <a:pPr marL="0" indent="0">
+              <a:buNone/>
+            </a:pPr>
+            <a:r>
+              <a:rPr lang="pl-PL" b="0" i="0" dirty="0" err="1">
+                <a:effectLst/>
+                <a:latin typeface="+mj-lt"/>
+              </a:rPr>
+              <a:t>Integrated</a:t>
+            </a:r>
+            <a:r>
+              <a:rPr lang="pl-PL" b="0" i="0" dirty="0">
+                <a:effectLst/>
+                <a:latin typeface="+mj-lt"/>
+              </a:rPr>
+              <a:t> Development Environment(</a:t>
+            </a:r>
+            <a:r>
+              <a:rPr lang="pl-PL" b="0" i="0" u="none" strike="noStrike" dirty="0">
+                <a:effectLst/>
+                <a:latin typeface="Arial" panose="020B0604020202020204" pitchFamily="34" charset="0"/>
+              </a:rPr>
+              <a:t>zintegrowane środowisko programistyczne</a:t>
+            </a:r>
+            <a:r>
+              <a:rPr lang="pl-PL" dirty="0">
+                <a:latin typeface="+mj-lt"/>
+              </a:rPr>
+              <a:t>) : Visual Studio 2019 </a:t>
+            </a:r>
+            <a:r>
+              <a:rPr lang="pl-PL" dirty="0" err="1">
+                <a:latin typeface="+mj-lt"/>
+              </a:rPr>
+              <a:t>Community</a:t>
+            </a:r>
+            <a:endParaRPr lang="pl-PL" dirty="0">
+              <a:latin typeface="+mj-lt"/>
+            </a:endParaRPr>
+          </a:p>
+          <a:p>
+            <a:pPr marL="0" indent="0">
+              <a:buNone/>
+            </a:pPr>
+            <a:endParaRPr lang="pl-PL" dirty="0"/>
+          </a:p>
+          <a:p>
+            <a:pPr marL="0" indent="0">
+              <a:buNone/>
+            </a:pPr>
+            <a:endParaRPr lang="pl-PL" dirty="0"/>
+          </a:p>
+          <a:p>
+            <a:endParaRPr lang="pl-PL" dirty="0"/>
+          </a:p>
+        </p:txBody>
+      </p:sp>
+      <p:pic>
+        <p:nvPicPr>
+          <p:cNvPr id="5" name="Obraz 4">
+            <a:extLst>
+              <a:ext uri="{FF2B5EF4-FFF2-40B4-BE49-F238E27FC236}">
+                <a16:creationId xmlns:a16="http://schemas.microsoft.com/office/drawing/2014/main" id="{09AAA038-A8AA-49C4-99FF-FE068BCC18B0}"/>
+              </a:ext>
+            </a:extLst>
+          </p:cNvPr>
+          <p:cNvPicPr>
+            <a:picLocks noChangeAspect="1"/>
+          </p:cNvPicPr>
+          <p:nvPr/>
+        </p:nvPicPr>
+        <p:blipFill>
+          <a:blip r:embed="rId2">
+            <a:extLst>
+              <a:ext uri="{28A0092B-C50C-407E-A947-70E740481C1C}">
+                <a14:useLocalDpi xmlns:a14="http://schemas.microsoft.com/office/drawing/2010/main" val="0"/>
+              </a:ext>
+            </a:extLst>
+          </a:blip>
+          <a:stretch>
+            <a:fillRect/>
+          </a:stretch>
+        </p:blipFill>
+        <p:spPr>
+          <a:xfrm>
+            <a:off x="1956813" y="4038494"/>
+            <a:ext cx="2684014" cy="2684014"/>
+          </a:xfrm>
+          <a:prstGeom prst="rect">
+            <a:avLst/>
+          </a:prstGeom>
+        </p:spPr>
+      </p:pic>
+      <p:pic>
+        <p:nvPicPr>
+          <p:cNvPr id="7" name="Obraz 6">
+            <a:extLst>
+              <a:ext uri="{FF2B5EF4-FFF2-40B4-BE49-F238E27FC236}">
+                <a16:creationId xmlns:a16="http://schemas.microsoft.com/office/drawing/2014/main" id="{51415B09-5FB9-41AE-BEEE-90547C065D98}"/>
+              </a:ext>
+            </a:extLst>
+          </p:cNvPr>
+          <p:cNvPicPr>
+            <a:picLocks noChangeAspect="1"/>
+          </p:cNvPicPr>
+          <p:nvPr/>
+        </p:nvPicPr>
+        <p:blipFill>
+          <a:blip r:embed="rId3">
+            <a:extLst>
+              <a:ext uri="{28A0092B-C50C-407E-A947-70E740481C1C}">
+                <a14:useLocalDpi xmlns:a14="http://schemas.microsoft.com/office/drawing/2010/main" val="0"/>
+              </a:ext>
+            </a:extLst>
+          </a:blip>
+          <a:stretch>
+            <a:fillRect/>
+          </a:stretch>
+        </p:blipFill>
+        <p:spPr>
+          <a:xfrm>
+            <a:off x="7551175" y="4166418"/>
+            <a:ext cx="2154663" cy="2154663"/>
+          </a:xfrm>
+          <a:prstGeom prst="rect">
+            <a:avLst/>
+          </a:prstGeom>
+        </p:spPr>
+      </p:pic>
+      <p:sp>
+        <p:nvSpPr>
+          <p:cNvPr id="4" name="Symbol zastępczy numeru slajdu 3">
+            <a:extLst>
+              <a:ext uri="{FF2B5EF4-FFF2-40B4-BE49-F238E27FC236}">
+                <a16:creationId xmlns:a16="http://schemas.microsoft.com/office/drawing/2014/main" id="{1563E65D-130E-498C-A631-7AA7E34875E8}"/>
               </a:ext>
             </a:extLst>
           </p:cNvPr>
@@ -22034,50 +22901,15 @@
           <a:p>
             <a:r>
               <a:rPr lang="pl-PL" dirty="0"/>
-              <a:t>11</a:t>
+              <a:t>10</a:t>
             </a:r>
           </a:p>
         </p:txBody>
       </p:sp>
-      <p:pic>
-        <p:nvPicPr>
-          <p:cNvPr id="7" name="Symbol zastępczy zawartości 6">
-            <a:extLst>
-              <a:ext uri="{FF2B5EF4-FFF2-40B4-BE49-F238E27FC236}">
-                <a16:creationId xmlns:a16="http://schemas.microsoft.com/office/drawing/2014/main" id="{5DFDC8DC-5BBD-409F-B67C-B4C24A7123EE}"/>
-              </a:ext>
-            </a:extLst>
-          </p:cNvPr>
-          <p:cNvPicPr>
-            <a:picLocks noGrp="1" noChangeAspect="1"/>
-          </p:cNvPicPr>
-          <p:nvPr>
-            <p:ph idx="1"/>
-          </p:nvPr>
-        </p:nvPicPr>
-        <p:blipFill>
-          <a:blip r:embed="rId2">
-            <a:extLst>
-              <a:ext uri="{28A0092B-C50C-407E-A947-70E740481C1C}">
-                <a14:useLocalDpi xmlns:a14="http://schemas.microsoft.com/office/drawing/2010/main" val="0"/>
-              </a:ext>
-            </a:extLst>
-          </a:blip>
-          <a:stretch>
-            <a:fillRect/>
-          </a:stretch>
-        </p:blipFill>
-        <p:spPr>
-          <a:xfrm>
-            <a:off x="3180418" y="2019558"/>
-            <a:ext cx="4913706" cy="4754466"/>
-          </a:xfrm>
-        </p:spPr>
-      </p:pic>
     </p:spTree>
     <p:extLst>
       <p:ext uri="{BB962C8B-B14F-4D97-AF65-F5344CB8AC3E}">
-        <p14:creationId xmlns:p14="http://schemas.microsoft.com/office/powerpoint/2010/main" val="86218617"/>
+        <p14:creationId xmlns:p14="http://schemas.microsoft.com/office/powerpoint/2010/main" val="3572618859"/>
       </p:ext>
     </p:extLst>
   </p:cSld>
@@ -22088,7 +22920,7 @@
 </file>
 
 <file path=ppt/slides/slide26.xml><?xml version="1.0" encoding="utf-8"?>
-<p:sld xmlns:a="http://schemas.openxmlformats.org/drawingml/2006/main" xmlns:r="http://schemas.openxmlformats.org/officeDocument/2006/relationships" xmlns:p="http://schemas.openxmlformats.org/presentationml/2006/main">
+<p:sld xmlns:a="http://schemas.openxmlformats.org/drawingml/2006/main" xmlns:r="http://schemas.openxmlformats.org/officeDocument/2006/relationships" xmlns:p="http://schemas.openxmlformats.org/presentationml/2006/main" show="0">
   <p:cSld>
     <p:spTree>
       <p:nvGrpSpPr>
@@ -22109,7 +22941,7 @@
           <p:cNvPr id="2" name="Tytuł 1">
             <a:extLst>
               <a:ext uri="{FF2B5EF4-FFF2-40B4-BE49-F238E27FC236}">
-                <a16:creationId xmlns:a16="http://schemas.microsoft.com/office/drawing/2014/main" id="{127E3FF6-6D40-4C00-A211-48AE788DE89D}"/>
+                <a16:creationId xmlns:a16="http://schemas.microsoft.com/office/drawing/2014/main" id="{DE1D0087-03AB-473B-B101-1E80FC868B53}"/>
               </a:ext>
             </a:extLst>
           </p:cNvPr>
@@ -22127,52 +22959,91 @@
           <a:p>
             <a:r>
               <a:rPr lang="pl-PL" dirty="0"/>
-              <a:t>Koszt materiału dla kosztorysu ofertowego</a:t>
-            </a:r>
+              <a:t>Hardware bazy danych </a:t>
+            </a:r>
+            <a:r>
+              <a:rPr lang="pl-PL"/>
+              <a:t>dla serwera</a:t>
+            </a:r>
+            <a:endParaRPr lang="pl-PL" dirty="0"/>
           </a:p>
         </p:txBody>
       </p:sp>
-      <p:pic>
-        <p:nvPicPr>
-          <p:cNvPr id="6" name="Symbol zastępczy zawartości 5">
+      <p:sp>
+        <p:nvSpPr>
+          <p:cNvPr id="3" name="Symbol zastępczy zawartości 2">
             <a:extLst>
               <a:ext uri="{FF2B5EF4-FFF2-40B4-BE49-F238E27FC236}">
-                <a16:creationId xmlns:a16="http://schemas.microsoft.com/office/drawing/2014/main" id="{E7485E73-F1CB-4F56-B322-FF6CD639806F}"/>
+                <a16:creationId xmlns:a16="http://schemas.microsoft.com/office/drawing/2014/main" id="{16C7B250-78D0-4720-ADB7-A8CC262A1ABC}"/>
               </a:ext>
             </a:extLst>
           </p:cNvPr>
-          <p:cNvPicPr>
-            <a:picLocks noGrp="1" noChangeAspect="1"/>
-          </p:cNvPicPr>
+          <p:cNvSpPr>
+            <a:spLocks noGrp="1"/>
+          </p:cNvSpPr>
           <p:nvPr>
             <p:ph idx="1"/>
           </p:nvPr>
-        </p:nvPicPr>
-        <p:blipFill>
-          <a:blip r:embed="rId2">
-            <a:extLst>
-              <a:ext uri="{28A0092B-C50C-407E-A947-70E740481C1C}">
-                <a14:useLocalDpi xmlns:a14="http://schemas.microsoft.com/office/drawing/2010/main" val="0"/>
-              </a:ext>
-            </a:extLst>
-          </a:blip>
-          <a:stretch>
-            <a:fillRect/>
-          </a:stretch>
-        </p:blipFill>
-        <p:spPr>
-          <a:xfrm>
-            <a:off x="3484683" y="2047550"/>
-            <a:ext cx="4415834" cy="4661160"/>
-          </a:xfrm>
-        </p:spPr>
-      </p:pic>
+        </p:nvSpPr>
+        <p:spPr/>
+        <p:txBody>
+          <a:bodyPr/>
+          <a:lstStyle/>
+          <a:p>
+            <a:r>
+              <a:rPr lang="pl-PL" dirty="0"/>
+              <a:t>Procesor fizyczny : 2 rdzenie</a:t>
+            </a:r>
+          </a:p>
+          <a:p>
+            <a:r>
+              <a:rPr lang="pl-PL" dirty="0"/>
+              <a:t>Pamięć RAM : 12 GB</a:t>
+            </a:r>
+          </a:p>
+          <a:p>
+            <a:r>
+              <a:rPr lang="pl-PL" dirty="0"/>
+              <a:t>Dysk : 1TB SSD</a:t>
+            </a:r>
+          </a:p>
+          <a:p>
+            <a:r>
+              <a:rPr lang="pl-PL" dirty="0"/>
+              <a:t>RAID 10</a:t>
+            </a:r>
+          </a:p>
+          <a:p>
+            <a:r>
+              <a:rPr lang="pl-PL" dirty="0"/>
+              <a:t>NIC 100 </a:t>
+            </a:r>
+            <a:r>
+              <a:rPr lang="pl-PL" dirty="0" err="1"/>
+              <a:t>Mb</a:t>
+            </a:r>
+            <a:r>
+              <a:rPr lang="pl-PL" dirty="0"/>
+              <a:t>/s</a:t>
+            </a:r>
+          </a:p>
+          <a:p>
+            <a:endParaRPr lang="pl-PL" dirty="0"/>
+          </a:p>
+          <a:p>
+            <a:r>
+              <a:rPr lang="pl-PL" dirty="0"/>
+              <a:t>Niepotrzebne</a:t>
+            </a:r>
+          </a:p>
+        </p:txBody>
+      </p:sp>
       <p:sp>
         <p:nvSpPr>
           <p:cNvPr id="4" name="Symbol zastępczy numeru slajdu 3">
             <a:extLst>
               <a:ext uri="{FF2B5EF4-FFF2-40B4-BE49-F238E27FC236}">
-                <a16:creationId xmlns:a16="http://schemas.microsoft.com/office/drawing/2014/main" id="{18F791FF-3DD3-4E99-8C60-579F400D9097}"/>
+                <a16:creationId xmlns:a16="http://schemas.microsoft.com/office/drawing/2014/main" id="{F907E672-5836-4D0C-A536-DAFC918F59C6}"/>
               </a:ext>
             </a:extLst>
           </p:cNvPr>
@@ -22188,17 +23059,18 @@
           <a:bodyPr/>
           <a:lstStyle/>
           <a:p>
-            <a:r>
-              <a:rPr lang="pl-PL" dirty="0"/>
-              <a:t>12</a:t>
-            </a:r>
+            <a:fld id="{73EBA5C1-EA0D-4D38-B474-3131B775EA3E}" type="slidenum">
+              <a:rPr lang="pl-PL" smtClean="0"/>
+              <a:t>26</a:t>
+            </a:fld>
+            <a:endParaRPr lang="pl-PL"/>
           </a:p>
         </p:txBody>
       </p:sp>
     </p:spTree>
     <p:extLst>
       <p:ext uri="{BB962C8B-B14F-4D97-AF65-F5344CB8AC3E}">
-        <p14:creationId xmlns:p14="http://schemas.microsoft.com/office/powerpoint/2010/main" val="64101112"/>
+        <p14:creationId xmlns:p14="http://schemas.microsoft.com/office/powerpoint/2010/main" val="2098505598"/>
       </p:ext>
     </p:extLst>
   </p:cSld>
@@ -22230,7 +23102,7 @@
           <p:cNvPr id="2" name="Tytuł 1">
             <a:extLst>
               <a:ext uri="{FF2B5EF4-FFF2-40B4-BE49-F238E27FC236}">
-                <a16:creationId xmlns:a16="http://schemas.microsoft.com/office/drawing/2014/main" id="{9CB484D4-5BD9-45F8-B4BC-C49920BF12AA}"/>
+                <a16:creationId xmlns:a16="http://schemas.microsoft.com/office/drawing/2014/main" id="{F08C4F8C-0CCE-4438-BC0A-1EA68054DF91}"/>
               </a:ext>
             </a:extLst>
           </p:cNvPr>
@@ -22248,52 +23120,17 @@
           <a:p>
             <a:r>
               <a:rPr lang="pl-PL" dirty="0"/>
-              <a:t>Koszt pracowników dla kosztorysu ofertowego</a:t>
+              <a:t>Koszt maszyn dla kosztorysu ofertowego</a:t>
             </a:r>
           </a:p>
         </p:txBody>
       </p:sp>
-      <p:pic>
-        <p:nvPicPr>
-          <p:cNvPr id="6" name="Symbol zastępczy zawartości 5">
-            <a:extLst>
-              <a:ext uri="{FF2B5EF4-FFF2-40B4-BE49-F238E27FC236}">
-                <a16:creationId xmlns:a16="http://schemas.microsoft.com/office/drawing/2014/main" id="{CB2F8C11-1224-479C-875B-BE129611B3AA}"/>
-              </a:ext>
-            </a:extLst>
-          </p:cNvPr>
-          <p:cNvPicPr>
-            <a:picLocks noGrp="1" noChangeAspect="1"/>
-          </p:cNvPicPr>
-          <p:nvPr>
-            <p:ph idx="1"/>
-          </p:nvPr>
-        </p:nvPicPr>
-        <p:blipFill>
-          <a:blip r:embed="rId2">
-            <a:extLst>
-              <a:ext uri="{28A0092B-C50C-407E-A947-70E740481C1C}">
-                <a14:useLocalDpi xmlns:a14="http://schemas.microsoft.com/office/drawing/2010/main" val="0"/>
-              </a:ext>
-            </a:extLst>
-          </a:blip>
-          <a:stretch>
-            <a:fillRect/>
-          </a:stretch>
-        </p:blipFill>
-        <p:spPr>
-          <a:xfrm>
-            <a:off x="3604304" y="2028890"/>
-            <a:ext cx="4364039" cy="4731311"/>
-          </a:xfrm>
-        </p:spPr>
-      </p:pic>
       <p:sp>
         <p:nvSpPr>
-          <p:cNvPr id="4" name="Symbol zastępczy numeru slajdu 3">
+          <p:cNvPr id="3" name="Symbol zastępczy numeru slajdu 2">
             <a:extLst>
               <a:ext uri="{FF2B5EF4-FFF2-40B4-BE49-F238E27FC236}">
-                <a16:creationId xmlns:a16="http://schemas.microsoft.com/office/drawing/2014/main" id="{DC088FFF-A941-489C-8069-F55831C84207}"/>
+                <a16:creationId xmlns:a16="http://schemas.microsoft.com/office/drawing/2014/main" id="{8C2C7C42-C3C8-4B0F-9B70-6967BEC940F4}"/>
               </a:ext>
             </a:extLst>
           </p:cNvPr>
@@ -22311,15 +23148,50 @@
           <a:p>
             <a:r>
               <a:rPr lang="pl-PL" dirty="0"/>
-              <a:t>13</a:t>
+              <a:t>11</a:t>
             </a:r>
           </a:p>
         </p:txBody>
       </p:sp>
+      <p:pic>
+        <p:nvPicPr>
+          <p:cNvPr id="7" name="Symbol zastępczy zawartości 6">
+            <a:extLst>
+              <a:ext uri="{FF2B5EF4-FFF2-40B4-BE49-F238E27FC236}">
+                <a16:creationId xmlns:a16="http://schemas.microsoft.com/office/drawing/2014/main" id="{5DFDC8DC-5BBD-409F-B67C-B4C24A7123EE}"/>
+              </a:ext>
+            </a:extLst>
+          </p:cNvPr>
+          <p:cNvPicPr>
+            <a:picLocks noGrp="1" noChangeAspect="1"/>
+          </p:cNvPicPr>
+          <p:nvPr>
+            <p:ph idx="1"/>
+          </p:nvPr>
+        </p:nvPicPr>
+        <p:blipFill>
+          <a:blip r:embed="rId2">
+            <a:extLst>
+              <a:ext uri="{28A0092B-C50C-407E-A947-70E740481C1C}">
+                <a14:useLocalDpi xmlns:a14="http://schemas.microsoft.com/office/drawing/2010/main" val="0"/>
+              </a:ext>
+            </a:extLst>
+          </a:blip>
+          <a:stretch>
+            <a:fillRect/>
+          </a:stretch>
+        </p:blipFill>
+        <p:spPr>
+          <a:xfrm>
+            <a:off x="3180418" y="2019558"/>
+            <a:ext cx="4913706" cy="4754466"/>
+          </a:xfrm>
+        </p:spPr>
+      </p:pic>
     </p:spTree>
     <p:extLst>
       <p:ext uri="{BB962C8B-B14F-4D97-AF65-F5344CB8AC3E}">
-        <p14:creationId xmlns:p14="http://schemas.microsoft.com/office/powerpoint/2010/main" val="3558555689"/>
+        <p14:creationId xmlns:p14="http://schemas.microsoft.com/office/powerpoint/2010/main" val="86218617"/>
       </p:ext>
     </p:extLst>
   </p:cSld>
@@ -22351,7 +23223,7 @@
           <p:cNvPr id="2" name="Tytuł 1">
             <a:extLst>
               <a:ext uri="{FF2B5EF4-FFF2-40B4-BE49-F238E27FC236}">
-                <a16:creationId xmlns:a16="http://schemas.microsoft.com/office/drawing/2014/main" id="{24B77BA8-F4F9-43C6-82F5-5B13ADCFDDC5}"/>
+                <a16:creationId xmlns:a16="http://schemas.microsoft.com/office/drawing/2014/main" id="{127E3FF6-6D40-4C00-A211-48AE788DE89D}"/>
               </a:ext>
             </a:extLst>
           </p:cNvPr>
@@ -22369,7 +23241,7 @@
           <a:p>
             <a:r>
               <a:rPr lang="pl-PL" dirty="0"/>
-              <a:t>Kosztorys ofertowy</a:t>
+              <a:t>Koszt materiału dla kosztorysu ofertowego</a:t>
             </a:r>
           </a:p>
         </p:txBody>
@@ -22379,7 +23251,7 @@
           <p:cNvPr id="6" name="Symbol zastępczy zawartości 5">
             <a:extLst>
               <a:ext uri="{FF2B5EF4-FFF2-40B4-BE49-F238E27FC236}">
-                <a16:creationId xmlns:a16="http://schemas.microsoft.com/office/drawing/2014/main" id="{B4E3E8C9-34CC-47E3-85EC-68C77CAEC434}"/>
+                <a16:creationId xmlns:a16="http://schemas.microsoft.com/office/drawing/2014/main" id="{E7485E73-F1CB-4F56-B322-FF6CD639806F}"/>
               </a:ext>
             </a:extLst>
           </p:cNvPr>
@@ -22404,8 +23276,8 @@
         </p:blipFill>
         <p:spPr>
           <a:xfrm>
-            <a:off x="4043672" y="2056881"/>
-            <a:ext cx="3383495" cy="4735465"/>
+            <a:off x="3484683" y="2047550"/>
+            <a:ext cx="4415834" cy="4661160"/>
           </a:xfrm>
         </p:spPr>
       </p:pic>
@@ -22414,7 +23286,7 @@
           <p:cNvPr id="4" name="Symbol zastępczy numeru slajdu 3">
             <a:extLst>
               <a:ext uri="{FF2B5EF4-FFF2-40B4-BE49-F238E27FC236}">
-                <a16:creationId xmlns:a16="http://schemas.microsoft.com/office/drawing/2014/main" id="{296DF300-D08A-4229-A9A3-E1D4C200D284}"/>
+                <a16:creationId xmlns:a16="http://schemas.microsoft.com/office/drawing/2014/main" id="{18F791FF-3DD3-4E99-8C60-579F400D9097}"/>
               </a:ext>
             </a:extLst>
           </p:cNvPr>
@@ -22432,7 +23304,7 @@
           <a:p>
             <a:r>
               <a:rPr lang="pl-PL" dirty="0"/>
-              <a:t>14</a:t>
+              <a:t>12</a:t>
             </a:r>
           </a:p>
         </p:txBody>
@@ -22440,7 +23312,7 @@
     </p:spTree>
     <p:extLst>
       <p:ext uri="{BB962C8B-B14F-4D97-AF65-F5344CB8AC3E}">
-        <p14:creationId xmlns:p14="http://schemas.microsoft.com/office/powerpoint/2010/main" val="1133960"/>
+        <p14:creationId xmlns:p14="http://schemas.microsoft.com/office/powerpoint/2010/main" val="64101112"/>
       </p:ext>
     </p:extLst>
   </p:cSld>
@@ -22472,7 +23344,7 @@
           <p:cNvPr id="2" name="Tytuł 1">
             <a:extLst>
               <a:ext uri="{FF2B5EF4-FFF2-40B4-BE49-F238E27FC236}">
-                <a16:creationId xmlns:a16="http://schemas.microsoft.com/office/drawing/2014/main" id="{F9833C49-1306-4CE9-B449-FDC15F5DEA73}"/>
+                <a16:creationId xmlns:a16="http://schemas.microsoft.com/office/drawing/2014/main" id="{9CB484D4-5BD9-45F8-B4BC-C49920BF12AA}"/>
               </a:ext>
             </a:extLst>
           </p:cNvPr>
@@ -22483,19 +23355,14 @@
             <p:ph type="title"/>
           </p:nvPr>
         </p:nvSpPr>
-        <p:spPr>
-          <a:xfrm>
-            <a:off x="447869" y="753228"/>
-            <a:ext cx="9846313" cy="1080938"/>
-          </a:xfrm>
-        </p:spPr>
+        <p:spPr/>
         <p:txBody>
           <a:bodyPr/>
           <a:lstStyle/>
           <a:p>
             <a:r>
               <a:rPr lang="pl-PL" dirty="0"/>
-              <a:t>Koszt maszyn dla kosztorysu powykonawczego</a:t>
+              <a:t>Koszt pracowników dla kosztorysu ofertowego</a:t>
             </a:r>
           </a:p>
         </p:txBody>
@@ -22505,7 +23372,7 @@
           <p:cNvPr id="6" name="Symbol zastępczy zawartości 5">
             <a:extLst>
               <a:ext uri="{FF2B5EF4-FFF2-40B4-BE49-F238E27FC236}">
-                <a16:creationId xmlns:a16="http://schemas.microsoft.com/office/drawing/2014/main" id="{4DD1EC1F-6AA5-4588-9D09-21F7A6F553CD}"/>
+                <a16:creationId xmlns:a16="http://schemas.microsoft.com/office/drawing/2014/main" id="{CB2F8C11-1224-479C-875B-BE129611B3AA}"/>
               </a:ext>
             </a:extLst>
           </p:cNvPr>
@@ -22530,8 +23397,8 @@
         </p:blipFill>
         <p:spPr>
           <a:xfrm>
-            <a:off x="3433786" y="2038220"/>
-            <a:ext cx="4959203" cy="4754466"/>
+            <a:off x="3604304" y="2028890"/>
+            <a:ext cx="4364039" cy="4731311"/>
           </a:xfrm>
         </p:spPr>
       </p:pic>
@@ -22540,7 +23407,7 @@
           <p:cNvPr id="4" name="Symbol zastępczy numeru slajdu 3">
             <a:extLst>
               <a:ext uri="{FF2B5EF4-FFF2-40B4-BE49-F238E27FC236}">
-                <a16:creationId xmlns:a16="http://schemas.microsoft.com/office/drawing/2014/main" id="{012B2928-2486-40AC-9EC9-87A215AA28EE}"/>
+                <a16:creationId xmlns:a16="http://schemas.microsoft.com/office/drawing/2014/main" id="{DC088FFF-A941-489C-8069-F55831C84207}"/>
               </a:ext>
             </a:extLst>
           </p:cNvPr>
@@ -22558,7 +23425,7 @@
           <a:p>
             <a:r>
               <a:rPr lang="pl-PL" dirty="0"/>
-              <a:t>15</a:t>
+              <a:t>13</a:t>
             </a:r>
           </a:p>
         </p:txBody>
@@ -22566,7 +23433,7 @@
     </p:spTree>
     <p:extLst>
       <p:ext uri="{BB962C8B-B14F-4D97-AF65-F5344CB8AC3E}">
-        <p14:creationId xmlns:p14="http://schemas.microsoft.com/office/powerpoint/2010/main" val="218045946"/>
+        <p14:creationId xmlns:p14="http://schemas.microsoft.com/office/powerpoint/2010/main" val="3558555689"/>
       </p:ext>
     </p:extLst>
   </p:cSld>
@@ -22598,7 +23465,7 @@
           <p:cNvPr id="2" name="Tytuł 1">
             <a:extLst>
               <a:ext uri="{FF2B5EF4-FFF2-40B4-BE49-F238E27FC236}">
-                <a16:creationId xmlns:a16="http://schemas.microsoft.com/office/drawing/2014/main" id="{38FE2930-C9F9-42F1-BC5A-B5D8CC8FE5FB}"/>
+                <a16:creationId xmlns:a16="http://schemas.microsoft.com/office/drawing/2014/main" id="{77AA2736-979F-407F-9F09-B4E020295F11}"/>
               </a:ext>
             </a:extLst>
           </p:cNvPr>
@@ -22614,10 +23481,9 @@
           <a:bodyPr/>
           <a:lstStyle/>
           <a:p>
-            <a:pPr algn="ctr"/>
             <a:r>
               <a:rPr lang="pl-PL" dirty="0"/>
-              <a:t>Forma prawna przedsiębiorstwa</a:t>
+              <a:t>Etapy pracy w projekcie</a:t>
             </a:r>
           </a:p>
         </p:txBody>
@@ -22627,7 +23493,7 @@
           <p:cNvPr id="3" name="Symbol zastępczy zawartości 2">
             <a:extLst>
               <a:ext uri="{FF2B5EF4-FFF2-40B4-BE49-F238E27FC236}">
-                <a16:creationId xmlns:a16="http://schemas.microsoft.com/office/drawing/2014/main" id="{8426D2BE-ED27-420C-AF5A-CBE400D5329A}"/>
+                <a16:creationId xmlns:a16="http://schemas.microsoft.com/office/drawing/2014/main" id="{E2C341AB-9191-4B8F-96BD-7C0938BE028A}"/>
               </a:ext>
             </a:extLst>
           </p:cNvPr>
@@ -22638,31 +23504,84 @@
             <p:ph idx="1"/>
           </p:nvPr>
         </p:nvSpPr>
-        <p:spPr>
-          <a:xfrm>
-            <a:off x="680321" y="2635847"/>
-            <a:ext cx="10131425" cy="2387988"/>
-          </a:xfrm>
-        </p:spPr>
+        <p:spPr/>
         <p:txBody>
-          <a:bodyPr>
-            <a:normAutofit/>
-          </a:bodyPr>
+          <a:bodyPr/>
           <a:lstStyle/>
           <a:p>
-            <a:pPr marL="0" indent="0" algn="just">
-              <a:buNone/>
+            <a:pPr marL="457200" indent="-457200">
+              <a:buAutoNum type="arabicPeriod"/>
             </a:pPr>
             <a:r>
               <a:rPr lang="pl-PL" dirty="0"/>
-              <a:t>Spółka z ograniczoną odpowiedzialnością jest najpopularniejszą spółką handlową w Polsce. Jest odpowiednią formą działalności np. dla wspólników, którzy chcą zachować bezpośredni nadzór nad prowadzeniem spraw spółki i ograniczyć ryzyko tylko do swojego wkładu (brak odpowiedzialności majątkiem osobistym). Posiada osobowość prawną.</a:t>
-            </a:r>
-          </a:p>
-          <a:p>
-            <a:pPr marL="0" indent="0">
-              <a:buNone/>
+              <a:t>Wybór firmy,</a:t>
+            </a:r>
+          </a:p>
+          <a:p>
+            <a:pPr marL="457200" indent="-457200">
+              <a:buAutoNum type="arabicPeriod"/>
             </a:pPr>
-            <a:endParaRPr lang="pl-PL" sz="2800" dirty="0"/>
+            <a:r>
+              <a:rPr lang="pl-PL" dirty="0"/>
+              <a:t>Podział na działy oraz określenie głównych wymagań, </a:t>
+            </a:r>
+          </a:p>
+          <a:p>
+            <a:pPr marL="457200" indent="-457200">
+              <a:buAutoNum type="arabicPeriod"/>
+            </a:pPr>
+            <a:r>
+              <a:rPr lang="pl-PL" dirty="0"/>
+              <a:t>Przydzielenie osób do działów,</a:t>
+            </a:r>
+          </a:p>
+          <a:p>
+            <a:pPr marL="457200" indent="-457200">
+              <a:buAutoNum type="arabicPeriod"/>
+            </a:pPr>
+            <a:r>
+              <a:rPr lang="pl-PL" dirty="0"/>
+              <a:t>Zaprojektowanie tabel i modelu relacyjnego,</a:t>
+            </a:r>
+          </a:p>
+          <a:p>
+            <a:pPr marL="457200" indent="-457200">
+              <a:buAutoNum type="arabicPeriod"/>
+            </a:pPr>
+            <a:r>
+              <a:rPr lang="pl-PL" dirty="0"/>
+              <a:t>Napisanie programu bazy danych,</a:t>
+            </a:r>
+          </a:p>
+          <a:p>
+            <a:pPr marL="457200" indent="-457200">
+              <a:buAutoNum type="arabicPeriod"/>
+            </a:pPr>
+            <a:r>
+              <a:rPr lang="pl-PL" dirty="0"/>
+              <a:t>Utworzenie bazy danych w środowisku SQL Server 2019,</a:t>
+            </a:r>
+          </a:p>
+          <a:p>
+            <a:pPr marL="457200" indent="-457200">
+              <a:buAutoNum type="arabicPeriod"/>
+            </a:pPr>
+            <a:r>
+              <a:rPr lang="pl-PL" dirty="0"/>
+              <a:t>Napisanie aplikacji interfejsu użytkownika.</a:t>
+            </a:r>
+          </a:p>
+          <a:p>
+            <a:pPr marL="457200" indent="-457200">
+              <a:buAutoNum type="arabicPeriod"/>
+            </a:pPr>
+            <a:endParaRPr lang="pl-PL" dirty="0"/>
+          </a:p>
+          <a:p>
+            <a:pPr marL="457200" indent="-457200">
+              <a:buAutoNum type="arabicPeriod"/>
+            </a:pPr>
+            <a:endParaRPr lang="pl-PL" dirty="0"/>
           </a:p>
         </p:txBody>
       </p:sp>
@@ -22671,7 +23590,7 @@
           <p:cNvPr id="4" name="Symbol zastępczy numeru slajdu 3">
             <a:extLst>
               <a:ext uri="{FF2B5EF4-FFF2-40B4-BE49-F238E27FC236}">
-                <a16:creationId xmlns:a16="http://schemas.microsoft.com/office/drawing/2014/main" id="{AA90D194-CA73-4DBC-9151-3061B8C84339}"/>
+                <a16:creationId xmlns:a16="http://schemas.microsoft.com/office/drawing/2014/main" id="{1B4D82DC-5F65-482D-A8D2-21F0C32E3726}"/>
               </a:ext>
             </a:extLst>
           </p:cNvPr>
@@ -22687,17 +23606,18 @@
           <a:bodyPr/>
           <a:lstStyle/>
           <a:p>
-            <a:r>
-              <a:rPr lang="pl-PL" dirty="0"/>
-              <a:t>2</a:t>
-            </a:r>
+            <a:fld id="{73EBA5C1-EA0D-4D38-B474-3131B775EA3E}" type="slidenum">
+              <a:rPr lang="pl-PL" smtClean="0"/>
+              <a:t>3</a:t>
+            </a:fld>
+            <a:endParaRPr lang="pl-PL"/>
           </a:p>
         </p:txBody>
       </p:sp>
     </p:spTree>
     <p:extLst>
       <p:ext uri="{BB962C8B-B14F-4D97-AF65-F5344CB8AC3E}">
-        <p14:creationId xmlns:p14="http://schemas.microsoft.com/office/powerpoint/2010/main" val="3480498017"/>
+        <p14:creationId xmlns:p14="http://schemas.microsoft.com/office/powerpoint/2010/main" val="2633151632"/>
       </p:ext>
     </p:extLst>
   </p:cSld>
@@ -22729,7 +23649,7 @@
           <p:cNvPr id="2" name="Tytuł 1">
             <a:extLst>
               <a:ext uri="{FF2B5EF4-FFF2-40B4-BE49-F238E27FC236}">
-                <a16:creationId xmlns:a16="http://schemas.microsoft.com/office/drawing/2014/main" id="{6F6F9ADA-E134-43A7-8FFC-14FB56EC87A7}"/>
+                <a16:creationId xmlns:a16="http://schemas.microsoft.com/office/drawing/2014/main" id="{24B77BA8-F4F9-43C6-82F5-5B13ADCFDDC5}"/>
               </a:ext>
             </a:extLst>
           </p:cNvPr>
@@ -22740,19 +23660,14 @@
             <p:ph type="title"/>
           </p:nvPr>
         </p:nvSpPr>
-        <p:spPr>
-          <a:xfrm>
-            <a:off x="177283" y="753228"/>
-            <a:ext cx="10116900" cy="1080938"/>
-          </a:xfrm>
-        </p:spPr>
+        <p:spPr/>
         <p:txBody>
           <a:bodyPr/>
           <a:lstStyle/>
           <a:p>
             <a:r>
               <a:rPr lang="pl-PL" dirty="0"/>
-              <a:t>Koszt materiału dla kosztorysu powykonawczego</a:t>
+              <a:t>Kosztorys ofertowy</a:t>
             </a:r>
           </a:p>
         </p:txBody>
@@ -22762,7 +23677,7 @@
           <p:cNvPr id="6" name="Symbol zastępczy zawartości 5">
             <a:extLst>
               <a:ext uri="{FF2B5EF4-FFF2-40B4-BE49-F238E27FC236}">
-                <a16:creationId xmlns:a16="http://schemas.microsoft.com/office/drawing/2014/main" id="{74F16B8A-37A4-4413-B408-0BFA9B973189}"/>
+                <a16:creationId xmlns:a16="http://schemas.microsoft.com/office/drawing/2014/main" id="{B4E3E8C9-34CC-47E3-85EC-68C77CAEC434}"/>
               </a:ext>
             </a:extLst>
           </p:cNvPr>
@@ -22787,8 +23702,8 @@
         </p:blipFill>
         <p:spPr>
           <a:xfrm>
-            <a:off x="3642697" y="2038221"/>
-            <a:ext cx="4344307" cy="4712960"/>
+            <a:off x="4043672" y="2056881"/>
+            <a:ext cx="3383495" cy="4735465"/>
           </a:xfrm>
         </p:spPr>
       </p:pic>
@@ -22797,7 +23712,7 @@
           <p:cNvPr id="4" name="Symbol zastępczy numeru slajdu 3">
             <a:extLst>
               <a:ext uri="{FF2B5EF4-FFF2-40B4-BE49-F238E27FC236}">
-                <a16:creationId xmlns:a16="http://schemas.microsoft.com/office/drawing/2014/main" id="{F5635577-BC36-46E9-AB01-1EFD2D69387C}"/>
+                <a16:creationId xmlns:a16="http://schemas.microsoft.com/office/drawing/2014/main" id="{296DF300-D08A-4229-A9A3-E1D4C200D284}"/>
               </a:ext>
             </a:extLst>
           </p:cNvPr>
@@ -22815,7 +23730,7 @@
           <a:p>
             <a:r>
               <a:rPr lang="pl-PL" dirty="0"/>
-              <a:t>16</a:t>
+              <a:t>14</a:t>
             </a:r>
           </a:p>
         </p:txBody>
@@ -22823,7 +23738,7 @@
     </p:spTree>
     <p:extLst>
       <p:ext uri="{BB962C8B-B14F-4D97-AF65-F5344CB8AC3E}">
-        <p14:creationId xmlns:p14="http://schemas.microsoft.com/office/powerpoint/2010/main" val="384783502"/>
+        <p14:creationId xmlns:p14="http://schemas.microsoft.com/office/powerpoint/2010/main" val="1133960"/>
       </p:ext>
     </p:extLst>
   </p:cSld>
@@ -22855,7 +23770,7 @@
           <p:cNvPr id="2" name="Tytuł 1">
             <a:extLst>
               <a:ext uri="{FF2B5EF4-FFF2-40B4-BE49-F238E27FC236}">
-                <a16:creationId xmlns:a16="http://schemas.microsoft.com/office/drawing/2014/main" id="{5FCAE84B-26D9-4F60-A2DA-5426E980D0E4}"/>
+                <a16:creationId xmlns:a16="http://schemas.microsoft.com/office/drawing/2014/main" id="{F9833C49-1306-4CE9-B449-FDC15F5DEA73}"/>
               </a:ext>
             </a:extLst>
           </p:cNvPr>
@@ -22868,29 +23783,62 @@
         </p:nvSpPr>
         <p:spPr>
           <a:xfrm>
-            <a:off x="308393" y="753228"/>
-            <a:ext cx="9985789" cy="1080938"/>
+            <a:off x="447869" y="753228"/>
+            <a:ext cx="9846313" cy="1080938"/>
           </a:xfrm>
         </p:spPr>
         <p:txBody>
-          <a:bodyPr>
-            <a:normAutofit/>
-          </a:bodyPr>
+          <a:bodyPr/>
           <a:lstStyle/>
           <a:p>
             <a:r>
               <a:rPr lang="pl-PL" dirty="0"/>
-              <a:t>Koszt pracowników dla kosztorysu powykonawczego</a:t>
+              <a:t>Koszt maszyn dla kosztorysu powykonawczego</a:t>
             </a:r>
           </a:p>
         </p:txBody>
       </p:sp>
+      <p:pic>
+        <p:nvPicPr>
+          <p:cNvPr id="6" name="Symbol zastępczy zawartości 5">
+            <a:extLst>
+              <a:ext uri="{FF2B5EF4-FFF2-40B4-BE49-F238E27FC236}">
+                <a16:creationId xmlns:a16="http://schemas.microsoft.com/office/drawing/2014/main" id="{4DD1EC1F-6AA5-4588-9D09-21F7A6F553CD}"/>
+              </a:ext>
+            </a:extLst>
+          </p:cNvPr>
+          <p:cNvPicPr>
+            <a:picLocks noGrp="1" noChangeAspect="1"/>
+          </p:cNvPicPr>
+          <p:nvPr>
+            <p:ph idx="1"/>
+          </p:nvPr>
+        </p:nvPicPr>
+        <p:blipFill>
+          <a:blip r:embed="rId2">
+            <a:extLst>
+              <a:ext uri="{28A0092B-C50C-407E-A947-70E740481C1C}">
+                <a14:useLocalDpi xmlns:a14="http://schemas.microsoft.com/office/drawing/2010/main" val="0"/>
+              </a:ext>
+            </a:extLst>
+          </a:blip>
+          <a:stretch>
+            <a:fillRect/>
+          </a:stretch>
+        </p:blipFill>
+        <p:spPr>
+          <a:xfrm>
+            <a:off x="3433786" y="2038220"/>
+            <a:ext cx="4959203" cy="4754466"/>
+          </a:xfrm>
+        </p:spPr>
+      </p:pic>
       <p:sp>
         <p:nvSpPr>
-          <p:cNvPr id="3" name="Symbol zastępczy numeru slajdu 2">
+          <p:cNvPr id="4" name="Symbol zastępczy numeru slajdu 3">
             <a:extLst>
               <a:ext uri="{FF2B5EF4-FFF2-40B4-BE49-F238E27FC236}">
-                <a16:creationId xmlns:a16="http://schemas.microsoft.com/office/drawing/2014/main" id="{B6A6ACAD-FF9C-4C72-AEE1-752968C4CA28}"/>
+                <a16:creationId xmlns:a16="http://schemas.microsoft.com/office/drawing/2014/main" id="{012B2928-2486-40AC-9EC9-87A215AA28EE}"/>
               </a:ext>
             </a:extLst>
           </p:cNvPr>
@@ -22908,50 +23856,15 @@
           <a:p>
             <a:r>
               <a:rPr lang="pl-PL" dirty="0"/>
-              <a:t>17</a:t>
+              <a:t>15</a:t>
             </a:r>
           </a:p>
         </p:txBody>
       </p:sp>
-      <p:pic>
-        <p:nvPicPr>
-          <p:cNvPr id="10" name="Symbol zastępczy zawartości 9">
-            <a:extLst>
-              <a:ext uri="{FF2B5EF4-FFF2-40B4-BE49-F238E27FC236}">
-                <a16:creationId xmlns:a16="http://schemas.microsoft.com/office/drawing/2014/main" id="{B4639124-B723-46BA-A801-FE611F462218}"/>
-              </a:ext>
-            </a:extLst>
-          </p:cNvPr>
-          <p:cNvPicPr>
-            <a:picLocks noGrp="1" noChangeAspect="1"/>
-          </p:cNvPicPr>
-          <p:nvPr>
-            <p:ph idx="1"/>
-          </p:nvPr>
-        </p:nvPicPr>
-        <p:blipFill>
-          <a:blip r:embed="rId2">
-            <a:extLst>
-              <a:ext uri="{28A0092B-C50C-407E-A947-70E740481C1C}">
-                <a14:useLocalDpi xmlns:a14="http://schemas.microsoft.com/office/drawing/2010/main" val="0"/>
-              </a:ext>
-            </a:extLst>
-          </a:blip>
-          <a:stretch>
-            <a:fillRect/>
-          </a:stretch>
-        </p:blipFill>
-        <p:spPr>
-          <a:xfrm>
-            <a:off x="3402883" y="2038222"/>
-            <a:ext cx="4572440" cy="4754464"/>
-          </a:xfrm>
-        </p:spPr>
-      </p:pic>
     </p:spTree>
     <p:extLst>
       <p:ext uri="{BB962C8B-B14F-4D97-AF65-F5344CB8AC3E}">
-        <p14:creationId xmlns:p14="http://schemas.microsoft.com/office/powerpoint/2010/main" val="1076711829"/>
+        <p14:creationId xmlns:p14="http://schemas.microsoft.com/office/powerpoint/2010/main" val="218045946"/>
       </p:ext>
     </p:extLst>
   </p:cSld>
@@ -22983,6 +23896,260 @@
           <p:cNvPr id="2" name="Tytuł 1">
             <a:extLst>
               <a:ext uri="{FF2B5EF4-FFF2-40B4-BE49-F238E27FC236}">
+                <a16:creationId xmlns:a16="http://schemas.microsoft.com/office/drawing/2014/main" id="{6F6F9ADA-E134-43A7-8FFC-14FB56EC87A7}"/>
+              </a:ext>
+            </a:extLst>
+          </p:cNvPr>
+          <p:cNvSpPr>
+            <a:spLocks noGrp="1"/>
+          </p:cNvSpPr>
+          <p:nvPr>
+            <p:ph type="title"/>
+          </p:nvPr>
+        </p:nvSpPr>
+        <p:spPr>
+          <a:xfrm>
+            <a:off x="177283" y="753228"/>
+            <a:ext cx="10116900" cy="1080938"/>
+          </a:xfrm>
+        </p:spPr>
+        <p:txBody>
+          <a:bodyPr/>
+          <a:lstStyle/>
+          <a:p>
+            <a:r>
+              <a:rPr lang="pl-PL" dirty="0"/>
+              <a:t>Koszt materiału dla kosztorysu powykonawczego</a:t>
+            </a:r>
+          </a:p>
+        </p:txBody>
+      </p:sp>
+      <p:pic>
+        <p:nvPicPr>
+          <p:cNvPr id="6" name="Symbol zastępczy zawartości 5">
+            <a:extLst>
+              <a:ext uri="{FF2B5EF4-FFF2-40B4-BE49-F238E27FC236}">
+                <a16:creationId xmlns:a16="http://schemas.microsoft.com/office/drawing/2014/main" id="{74F16B8A-37A4-4413-B408-0BFA9B973189}"/>
+              </a:ext>
+            </a:extLst>
+          </p:cNvPr>
+          <p:cNvPicPr>
+            <a:picLocks noGrp="1" noChangeAspect="1"/>
+          </p:cNvPicPr>
+          <p:nvPr>
+            <p:ph idx="1"/>
+          </p:nvPr>
+        </p:nvPicPr>
+        <p:blipFill>
+          <a:blip r:embed="rId2">
+            <a:extLst>
+              <a:ext uri="{28A0092B-C50C-407E-A947-70E740481C1C}">
+                <a14:useLocalDpi xmlns:a14="http://schemas.microsoft.com/office/drawing/2010/main" val="0"/>
+              </a:ext>
+            </a:extLst>
+          </a:blip>
+          <a:stretch>
+            <a:fillRect/>
+          </a:stretch>
+        </p:blipFill>
+        <p:spPr>
+          <a:xfrm>
+            <a:off x="3642697" y="2038221"/>
+            <a:ext cx="4344307" cy="4712960"/>
+          </a:xfrm>
+        </p:spPr>
+      </p:pic>
+      <p:sp>
+        <p:nvSpPr>
+          <p:cNvPr id="4" name="Symbol zastępczy numeru slajdu 3">
+            <a:extLst>
+              <a:ext uri="{FF2B5EF4-FFF2-40B4-BE49-F238E27FC236}">
+                <a16:creationId xmlns:a16="http://schemas.microsoft.com/office/drawing/2014/main" id="{F5635577-BC36-46E9-AB01-1EFD2D69387C}"/>
+              </a:ext>
+            </a:extLst>
+          </p:cNvPr>
+          <p:cNvSpPr>
+            <a:spLocks noGrp="1"/>
+          </p:cNvSpPr>
+          <p:nvPr>
+            <p:ph type="sldNum" sz="quarter" idx="12"/>
+          </p:nvPr>
+        </p:nvSpPr>
+        <p:spPr/>
+        <p:txBody>
+          <a:bodyPr/>
+          <a:lstStyle/>
+          <a:p>
+            <a:r>
+              <a:rPr lang="pl-PL" dirty="0"/>
+              <a:t>16</a:t>
+            </a:r>
+          </a:p>
+        </p:txBody>
+      </p:sp>
+    </p:spTree>
+    <p:extLst>
+      <p:ext uri="{BB962C8B-B14F-4D97-AF65-F5344CB8AC3E}">
+        <p14:creationId xmlns:p14="http://schemas.microsoft.com/office/powerpoint/2010/main" val="384783502"/>
+      </p:ext>
+    </p:extLst>
+  </p:cSld>
+  <p:clrMapOvr>
+    <a:masterClrMapping/>
+  </p:clrMapOvr>
+</p:sld>
+</file>
+
+<file path=ppt/slides/slide33.xml><?xml version="1.0" encoding="utf-8"?>
+<p:sld xmlns:a="http://schemas.openxmlformats.org/drawingml/2006/main" xmlns:r="http://schemas.openxmlformats.org/officeDocument/2006/relationships" xmlns:p="http://schemas.openxmlformats.org/presentationml/2006/main">
+  <p:cSld>
+    <p:spTree>
+      <p:nvGrpSpPr>
+        <p:cNvPr id="1" name=""/>
+        <p:cNvGrpSpPr/>
+        <p:nvPr/>
+      </p:nvGrpSpPr>
+      <p:grpSpPr>
+        <a:xfrm>
+          <a:off x="0" y="0"/>
+          <a:ext cx="0" cy="0"/>
+          <a:chOff x="0" y="0"/>
+          <a:chExt cx="0" cy="0"/>
+        </a:xfrm>
+      </p:grpSpPr>
+      <p:sp>
+        <p:nvSpPr>
+          <p:cNvPr id="2" name="Tytuł 1">
+            <a:extLst>
+              <a:ext uri="{FF2B5EF4-FFF2-40B4-BE49-F238E27FC236}">
+                <a16:creationId xmlns:a16="http://schemas.microsoft.com/office/drawing/2014/main" id="{5FCAE84B-26D9-4F60-A2DA-5426E980D0E4}"/>
+              </a:ext>
+            </a:extLst>
+          </p:cNvPr>
+          <p:cNvSpPr>
+            <a:spLocks noGrp="1"/>
+          </p:cNvSpPr>
+          <p:nvPr>
+            <p:ph type="title"/>
+          </p:nvPr>
+        </p:nvSpPr>
+        <p:spPr>
+          <a:xfrm>
+            <a:off x="308393" y="753228"/>
+            <a:ext cx="9985789" cy="1080938"/>
+          </a:xfrm>
+        </p:spPr>
+        <p:txBody>
+          <a:bodyPr>
+            <a:normAutofit/>
+          </a:bodyPr>
+          <a:lstStyle/>
+          <a:p>
+            <a:r>
+              <a:rPr lang="pl-PL" dirty="0"/>
+              <a:t>Koszt pracowników dla kosztorysu powykonawczego</a:t>
+            </a:r>
+          </a:p>
+        </p:txBody>
+      </p:sp>
+      <p:sp>
+        <p:nvSpPr>
+          <p:cNvPr id="3" name="Symbol zastępczy numeru slajdu 2">
+            <a:extLst>
+              <a:ext uri="{FF2B5EF4-FFF2-40B4-BE49-F238E27FC236}">
+                <a16:creationId xmlns:a16="http://schemas.microsoft.com/office/drawing/2014/main" id="{B6A6ACAD-FF9C-4C72-AEE1-752968C4CA28}"/>
+              </a:ext>
+            </a:extLst>
+          </p:cNvPr>
+          <p:cNvSpPr>
+            <a:spLocks noGrp="1"/>
+          </p:cNvSpPr>
+          <p:nvPr>
+            <p:ph type="sldNum" sz="quarter" idx="12"/>
+          </p:nvPr>
+        </p:nvSpPr>
+        <p:spPr/>
+        <p:txBody>
+          <a:bodyPr/>
+          <a:lstStyle/>
+          <a:p>
+            <a:r>
+              <a:rPr lang="pl-PL" dirty="0"/>
+              <a:t>17</a:t>
+            </a:r>
+          </a:p>
+        </p:txBody>
+      </p:sp>
+      <p:pic>
+        <p:nvPicPr>
+          <p:cNvPr id="10" name="Symbol zastępczy zawartości 9">
+            <a:extLst>
+              <a:ext uri="{FF2B5EF4-FFF2-40B4-BE49-F238E27FC236}">
+                <a16:creationId xmlns:a16="http://schemas.microsoft.com/office/drawing/2014/main" id="{B4639124-B723-46BA-A801-FE611F462218}"/>
+              </a:ext>
+            </a:extLst>
+          </p:cNvPr>
+          <p:cNvPicPr>
+            <a:picLocks noGrp="1" noChangeAspect="1"/>
+          </p:cNvPicPr>
+          <p:nvPr>
+            <p:ph idx="1"/>
+          </p:nvPr>
+        </p:nvPicPr>
+        <p:blipFill>
+          <a:blip r:embed="rId2">
+            <a:extLst>
+              <a:ext uri="{28A0092B-C50C-407E-A947-70E740481C1C}">
+                <a14:useLocalDpi xmlns:a14="http://schemas.microsoft.com/office/drawing/2010/main" val="0"/>
+              </a:ext>
+            </a:extLst>
+          </a:blip>
+          <a:stretch>
+            <a:fillRect/>
+          </a:stretch>
+        </p:blipFill>
+        <p:spPr>
+          <a:xfrm>
+            <a:off x="3402883" y="2038222"/>
+            <a:ext cx="4572440" cy="4754464"/>
+          </a:xfrm>
+        </p:spPr>
+      </p:pic>
+    </p:spTree>
+    <p:extLst>
+      <p:ext uri="{BB962C8B-B14F-4D97-AF65-F5344CB8AC3E}">
+        <p14:creationId xmlns:p14="http://schemas.microsoft.com/office/powerpoint/2010/main" val="1076711829"/>
+      </p:ext>
+    </p:extLst>
+  </p:cSld>
+  <p:clrMapOvr>
+    <a:masterClrMapping/>
+  </p:clrMapOvr>
+</p:sld>
+</file>
+
+<file path=ppt/slides/slide34.xml><?xml version="1.0" encoding="utf-8"?>
+<p:sld xmlns:a="http://schemas.openxmlformats.org/drawingml/2006/main" xmlns:r="http://schemas.openxmlformats.org/officeDocument/2006/relationships" xmlns:p="http://schemas.openxmlformats.org/presentationml/2006/main">
+  <p:cSld>
+    <p:spTree>
+      <p:nvGrpSpPr>
+        <p:cNvPr id="1" name=""/>
+        <p:cNvGrpSpPr/>
+        <p:nvPr/>
+      </p:nvGrpSpPr>
+      <p:grpSpPr>
+        <a:xfrm>
+          <a:off x="0" y="0"/>
+          <a:ext cx="0" cy="0"/>
+          <a:chOff x="0" y="0"/>
+          <a:chExt cx="0" cy="0"/>
+        </a:xfrm>
+      </p:grpSpPr>
+      <p:sp>
+        <p:nvSpPr>
+          <p:cNvPr id="2" name="Tytuł 1">
+            <a:extLst>
+              <a:ext uri="{FF2B5EF4-FFF2-40B4-BE49-F238E27FC236}">
                 <a16:creationId xmlns:a16="http://schemas.microsoft.com/office/drawing/2014/main" id="{B5A9FDC3-8BB5-4F7D-B15D-D49036E8B298}"/>
               </a:ext>
             </a:extLst>
@@ -23073,1457 +24240,6 @@
     <p:extLst>
       <p:ext uri="{BB962C8B-B14F-4D97-AF65-F5344CB8AC3E}">
         <p14:creationId xmlns:p14="http://schemas.microsoft.com/office/powerpoint/2010/main" val="1422059949"/>
-      </p:ext>
-    </p:extLst>
-  </p:cSld>
-  <p:clrMapOvr>
-    <a:masterClrMapping/>
-  </p:clrMapOvr>
-</p:sld>
-</file>
-
-<file path=ppt/slides/slide33.xml><?xml version="1.0" encoding="utf-8"?>
-<p:sld xmlns:a="http://schemas.openxmlformats.org/drawingml/2006/main" xmlns:r="http://schemas.openxmlformats.org/officeDocument/2006/relationships" xmlns:p="http://schemas.openxmlformats.org/presentationml/2006/main">
-  <p:cSld>
-    <p:bg>
-      <p:bgPr>
-        <a:gradFill rotWithShape="1">
-          <a:gsLst>
-            <a:gs pos="0">
-              <a:schemeClr val="bg2">
-                <a:tint val="96000"/>
-                <a:shade val="100000"/>
-                <a:hueMod val="270000"/>
-                <a:satMod val="200000"/>
-                <a:lumMod val="128000"/>
-              </a:schemeClr>
-            </a:gs>
-            <a:gs pos="50000">
-              <a:schemeClr val="bg2">
-                <a:shade val="100000"/>
-                <a:hueMod val="100000"/>
-                <a:satMod val="110000"/>
-                <a:lumMod val="130000"/>
-              </a:schemeClr>
-            </a:gs>
-            <a:gs pos="100000">
-              <a:schemeClr val="bg2">
-                <a:shade val="78000"/>
-                <a:hueMod val="44000"/>
-                <a:satMod val="200000"/>
-                <a:lumMod val="69000"/>
-              </a:schemeClr>
-            </a:gs>
-          </a:gsLst>
-          <a:lin ang="2520000" scaled="0"/>
-        </a:gradFill>
-        <a:effectLst/>
-      </p:bgPr>
-    </p:bg>
-    <p:spTree>
-      <p:nvGrpSpPr>
-        <p:cNvPr id="1" name=""/>
-        <p:cNvGrpSpPr/>
-        <p:nvPr/>
-      </p:nvGrpSpPr>
-      <p:grpSpPr>
-        <a:xfrm>
-          <a:off x="0" y="0"/>
-          <a:ext cx="0" cy="0"/>
-          <a:chOff x="0" y="0"/>
-          <a:chExt cx="0" cy="0"/>
-        </a:xfrm>
-      </p:grpSpPr>
-      <p:pic>
-        <p:nvPicPr>
-          <p:cNvPr id="11" name="Picture 10">
-            <a:extLst>
-              <a:ext uri="{FF2B5EF4-FFF2-40B4-BE49-F238E27FC236}">
-                <a16:creationId xmlns:a16="http://schemas.microsoft.com/office/drawing/2014/main" id="{5321D838-2C7E-4177-9DD3-DAC78324A2B2}"/>
-              </a:ext>
-              <a:ext uri="{C183D7F6-B498-43B3-948B-1728B52AA6E4}">
-                <adec:decorative xmlns:adec="http://schemas.microsoft.com/office/drawing/2017/decorative" val="1"/>
-              </a:ext>
-            </a:extLst>
-          </p:cNvPr>
-          <p:cNvPicPr>
-            <a:picLocks noGrp="1" noRot="1" noChangeAspect="1" noMove="1" noResize="1" noEditPoints="1" noAdjustHandles="1" noChangeArrowheads="1" noChangeShapeType="1" noCrop="1"/>
-          </p:cNvPicPr>
-          <p:nvPr>
-            <p:extLst>
-              <p:ext uri="{386F3935-93C4-4BCD-93E2-E3B085C9AB24}">
-                <p16:designElem xmlns:p16="http://schemas.microsoft.com/office/powerpoint/2015/main" val="1"/>
-              </p:ext>
-            </p:extLst>
-          </p:nvPr>
-        </p:nvPicPr>
-        <p:blipFill>
-          <a:blip r:embed="rId2">
-            <a:alphaModFix amt="10000"/>
-            <a:extLst>
-              <a:ext uri="{28A0092B-C50C-407E-A947-70E740481C1C}">
-                <a14:useLocalDpi xmlns:a14="http://schemas.microsoft.com/office/drawing/2010/main" val="0"/>
-              </a:ext>
-            </a:extLst>
-          </a:blip>
-          <a:stretch>
-            <a:fillRect/>
-          </a:stretch>
-        </p:blipFill>
-        <p:spPr>
-          <a:xfrm>
-            <a:off x="0" y="0"/>
-            <a:ext cx="12192000" cy="6858000"/>
-          </a:xfrm>
-          <a:prstGeom prst="rect">
-            <a:avLst/>
-          </a:prstGeom>
-        </p:spPr>
-      </p:pic>
-      <p:pic>
-        <p:nvPicPr>
-          <p:cNvPr id="13" name="Picture 12">
-            <a:extLst>
-              <a:ext uri="{FF2B5EF4-FFF2-40B4-BE49-F238E27FC236}">
-                <a16:creationId xmlns:a16="http://schemas.microsoft.com/office/drawing/2014/main" id="{0146E45C-1450-4186-B501-74F221F897A8}"/>
-              </a:ext>
-              <a:ext uri="{C183D7F6-B498-43B3-948B-1728B52AA6E4}">
-                <adec:decorative xmlns:adec="http://schemas.microsoft.com/office/drawing/2017/decorative" val="1"/>
-              </a:ext>
-            </a:extLst>
-          </p:cNvPr>
-          <p:cNvPicPr>
-            <a:picLocks noGrp="1" noRot="1" noChangeAspect="1" noMove="1" noResize="1" noEditPoints="1" noAdjustHandles="1" noChangeArrowheads="1" noChangeShapeType="1" noCrop="1"/>
-          </p:cNvPicPr>
-          <p:nvPr>
-            <p:extLst>
-              <p:ext uri="{386F3935-93C4-4BCD-93E2-E3B085C9AB24}">
-                <p16:designElem xmlns:p16="http://schemas.microsoft.com/office/powerpoint/2015/main" val="1"/>
-              </p:ext>
-            </p:extLst>
-          </p:nvPr>
-        </p:nvPicPr>
-        <p:blipFill>
-          <a:blip r:embed="rId3">
-            <a:extLst>
-              <a:ext uri="{28A0092B-C50C-407E-A947-70E740481C1C}">
-                <a14:useLocalDpi xmlns:a14="http://schemas.microsoft.com/office/drawing/2010/main" val="0"/>
-              </a:ext>
-            </a:extLst>
-          </a:blip>
-          <a:stretch>
-            <a:fillRect/>
-          </a:stretch>
-        </p:blipFill>
-        <p:spPr>
-          <a:xfrm>
-            <a:off x="1" y="4242851"/>
-            <a:ext cx="8968084" cy="275942"/>
-          </a:xfrm>
-          <a:prstGeom prst="rect">
-            <a:avLst/>
-          </a:prstGeom>
-        </p:spPr>
-      </p:pic>
-      <p:pic>
-        <p:nvPicPr>
-          <p:cNvPr id="15" name="Picture 14">
-            <a:extLst>
-              <a:ext uri="{FF2B5EF4-FFF2-40B4-BE49-F238E27FC236}">
-                <a16:creationId xmlns:a16="http://schemas.microsoft.com/office/drawing/2014/main" id="{EEDDA48B-BC04-4915-ADA3-A1A9522EB0D1}"/>
-              </a:ext>
-              <a:ext uri="{C183D7F6-B498-43B3-948B-1728B52AA6E4}">
-                <adec:decorative xmlns:adec="http://schemas.microsoft.com/office/drawing/2017/decorative" val="1"/>
-              </a:ext>
-            </a:extLst>
-          </p:cNvPr>
-          <p:cNvPicPr>
-            <a:picLocks noGrp="1" noRot="1" noChangeAspect="1" noMove="1" noResize="1" noEditPoints="1" noAdjustHandles="1" noChangeArrowheads="1" noChangeShapeType="1" noCrop="1"/>
-          </p:cNvPicPr>
-          <p:nvPr>
-            <p:extLst>
-              <p:ext uri="{386F3935-93C4-4BCD-93E2-E3B085C9AB24}">
-                <p16:designElem xmlns:p16="http://schemas.microsoft.com/office/powerpoint/2015/main" val="1"/>
-              </p:ext>
-            </p:extLst>
-          </p:nvPr>
-        </p:nvPicPr>
-        <p:blipFill>
-          <a:blip r:embed="rId4">
-            <a:extLst>
-              <a:ext uri="{28A0092B-C50C-407E-A947-70E740481C1C}">
-                <a14:useLocalDpi xmlns:a14="http://schemas.microsoft.com/office/drawing/2010/main" val="0"/>
-              </a:ext>
-            </a:extLst>
-          </a:blip>
-          <a:stretch>
-            <a:fillRect/>
-          </a:stretch>
-        </p:blipFill>
-        <p:spPr>
-          <a:xfrm>
-            <a:off x="9111716" y="4243845"/>
-            <a:ext cx="3077108" cy="276940"/>
-          </a:xfrm>
-          <a:prstGeom prst="rect">
-            <a:avLst/>
-          </a:prstGeom>
-        </p:spPr>
-      </p:pic>
-      <p:sp>
-        <p:nvSpPr>
-          <p:cNvPr id="17" name="Rectangle 16">
-            <a:extLst>
-              <a:ext uri="{FF2B5EF4-FFF2-40B4-BE49-F238E27FC236}">
-                <a16:creationId xmlns:a16="http://schemas.microsoft.com/office/drawing/2014/main" id="{78C9D07A-5A22-4E55-B18A-47CF07E5080D}"/>
-              </a:ext>
-              <a:ext uri="{C183D7F6-B498-43B3-948B-1728B52AA6E4}">
-                <adec:decorative xmlns:adec="http://schemas.microsoft.com/office/drawing/2017/decorative" val="1"/>
-              </a:ext>
-            </a:extLst>
-          </p:cNvPr>
-          <p:cNvSpPr>
-            <a:spLocks noGrp="1" noRot="1" noChangeAspect="1" noMove="1" noResize="1" noEditPoints="1" noAdjustHandles="1" noChangeArrowheads="1" noChangeShapeType="1" noTextEdit="1"/>
-          </p:cNvSpPr>
-          <p:nvPr>
-            <p:extLst>
-              <p:ext uri="{386F3935-93C4-4BCD-93E2-E3B085C9AB24}">
-                <p16:designElem xmlns:p16="http://schemas.microsoft.com/office/powerpoint/2015/main" val="1"/>
-              </p:ext>
-            </p:extLst>
-          </p:nvPr>
-        </p:nvSpPr>
-        <p:spPr>
-          <a:xfrm>
-            <a:off x="0" y="2590078"/>
-            <a:ext cx="8968085" cy="1660332"/>
-          </a:xfrm>
-          <a:prstGeom prst="rect">
-            <a:avLst/>
-          </a:prstGeom>
-          <a:solidFill>
-            <a:schemeClr val="bg1">
-              <a:lumMod val="85000"/>
-              <a:lumOff val="15000"/>
-            </a:schemeClr>
-          </a:solidFill>
-          <a:ln>
-            <a:noFill/>
-          </a:ln>
-        </p:spPr>
-        <p:style>
-          <a:lnRef idx="2">
-            <a:schemeClr val="accent1">
-              <a:shade val="50000"/>
-            </a:schemeClr>
-          </a:lnRef>
-          <a:fillRef idx="1">
-            <a:schemeClr val="accent1"/>
-          </a:fillRef>
-          <a:effectRef idx="0">
-            <a:schemeClr val="accent1"/>
-          </a:effectRef>
-          <a:fontRef idx="minor">
-            <a:schemeClr val="lt1"/>
-          </a:fontRef>
-        </p:style>
-      </p:sp>
-      <p:sp>
-        <p:nvSpPr>
-          <p:cNvPr id="19" name="Rectangle 18">
-            <a:extLst>
-              <a:ext uri="{FF2B5EF4-FFF2-40B4-BE49-F238E27FC236}">
-                <a16:creationId xmlns:a16="http://schemas.microsoft.com/office/drawing/2014/main" id="{3D71E629-0739-4A59-972B-A9E9A4500E31}"/>
-              </a:ext>
-              <a:ext uri="{C183D7F6-B498-43B3-948B-1728B52AA6E4}">
-                <adec:decorative xmlns:adec="http://schemas.microsoft.com/office/drawing/2017/decorative" val="1"/>
-              </a:ext>
-            </a:extLst>
-          </p:cNvPr>
-          <p:cNvSpPr>
-            <a:spLocks noGrp="1" noRot="1" noChangeAspect="1" noMove="1" noResize="1" noEditPoints="1" noAdjustHandles="1" noChangeArrowheads="1" noChangeShapeType="1" noTextEdit="1"/>
-          </p:cNvSpPr>
-          <p:nvPr>
-            <p:extLst>
-              <p:ext uri="{386F3935-93C4-4BCD-93E2-E3B085C9AB24}">
-                <p16:designElem xmlns:p16="http://schemas.microsoft.com/office/powerpoint/2015/main" val="1"/>
-              </p:ext>
-            </p:extLst>
-          </p:nvPr>
-        </p:nvSpPr>
-        <p:spPr>
-          <a:xfrm>
-            <a:off x="9111715" y="2590078"/>
-            <a:ext cx="3077109" cy="1660332"/>
-          </a:xfrm>
-          <a:prstGeom prst="rect">
-            <a:avLst/>
-          </a:prstGeom>
-          <a:solidFill>
-            <a:schemeClr val="accent1"/>
-          </a:solidFill>
-          <a:ln>
-            <a:noFill/>
-          </a:ln>
-        </p:spPr>
-        <p:style>
-          <a:lnRef idx="2">
-            <a:schemeClr val="accent1">
-              <a:shade val="50000"/>
-            </a:schemeClr>
-          </a:lnRef>
-          <a:fillRef idx="1">
-            <a:schemeClr val="accent1"/>
-          </a:fillRef>
-          <a:effectRef idx="0">
-            <a:schemeClr val="accent1"/>
-          </a:effectRef>
-          <a:fontRef idx="minor">
-            <a:schemeClr val="lt1"/>
-          </a:fontRef>
-        </p:style>
-      </p:sp>
-      <p:sp useBgFill="1">
-        <p:nvSpPr>
-          <p:cNvPr id="21" name="Rectangle 20">
-            <a:extLst>
-              <a:ext uri="{FF2B5EF4-FFF2-40B4-BE49-F238E27FC236}">
-                <a16:creationId xmlns:a16="http://schemas.microsoft.com/office/drawing/2014/main" id="{00573A24-AD84-4562-A993-7D04E1D18209}"/>
-              </a:ext>
-              <a:ext uri="{C183D7F6-B498-43B3-948B-1728B52AA6E4}">
-                <adec:decorative xmlns:adec="http://schemas.microsoft.com/office/drawing/2017/decorative" val="1"/>
-              </a:ext>
-            </a:extLst>
-          </p:cNvPr>
-          <p:cNvSpPr>
-            <a:spLocks noGrp="1" noRot="1" noChangeAspect="1" noMove="1" noResize="1" noEditPoints="1" noAdjustHandles="1" noChangeArrowheads="1" noChangeShapeType="1" noTextEdit="1"/>
-          </p:cNvSpPr>
-          <p:nvPr>
-            <p:extLst>
-              <p:ext uri="{386F3935-93C4-4BCD-93E2-E3B085C9AB24}">
-                <p16:designElem xmlns:p16="http://schemas.microsoft.com/office/powerpoint/2015/main" val="1"/>
-              </p:ext>
-            </p:extLst>
-          </p:nvPr>
-        </p:nvSpPr>
-        <p:spPr>
-          <a:xfrm>
-            <a:off x="0" y="0"/>
-            <a:ext cx="12188824" cy="6858000"/>
-          </a:xfrm>
-          <a:prstGeom prst="rect">
-            <a:avLst/>
-          </a:prstGeom>
-          <a:ln>
-            <a:noFill/>
-          </a:ln>
-        </p:spPr>
-        <p:style>
-          <a:lnRef idx="2">
-            <a:schemeClr val="accent1">
-              <a:shade val="50000"/>
-            </a:schemeClr>
-          </a:lnRef>
-          <a:fillRef idx="1">
-            <a:schemeClr val="accent1"/>
-          </a:fillRef>
-          <a:effectRef idx="0">
-            <a:schemeClr val="accent1"/>
-          </a:effectRef>
-          <a:fontRef idx="minor">
-            <a:schemeClr val="lt1"/>
-          </a:fontRef>
-        </p:style>
-        <p:txBody>
-          <a:bodyPr rtlCol="0" anchor="ctr"/>
-          <a:lstStyle/>
-          <a:p>
-            <a:pPr algn="ctr"/>
-            <a:endParaRPr lang="en-US"/>
-          </a:p>
-        </p:txBody>
-      </p:sp>
-      <p:pic>
-        <p:nvPicPr>
-          <p:cNvPr id="23" name="Picture 22">
-            <a:extLst>
-              <a:ext uri="{FF2B5EF4-FFF2-40B4-BE49-F238E27FC236}">
-                <a16:creationId xmlns:a16="http://schemas.microsoft.com/office/drawing/2014/main" id="{B3C087F8-F09C-4C07-B55F-6081689A2413}"/>
-              </a:ext>
-              <a:ext uri="{C183D7F6-B498-43B3-948B-1728B52AA6E4}">
-                <adec:decorative xmlns:adec="http://schemas.microsoft.com/office/drawing/2017/decorative" val="1"/>
-              </a:ext>
-            </a:extLst>
-          </p:cNvPr>
-          <p:cNvPicPr>
-            <a:picLocks noGrp="1" noRot="1" noChangeAspect="1" noMove="1" noResize="1" noEditPoints="1" noAdjustHandles="1" noChangeArrowheads="1" noChangeShapeType="1" noCrop="1"/>
-          </p:cNvPicPr>
-          <p:nvPr>
-            <p:extLst>
-              <p:ext uri="{386F3935-93C4-4BCD-93E2-E3B085C9AB24}">
-                <p16:designElem xmlns:p16="http://schemas.microsoft.com/office/powerpoint/2015/main" val="1"/>
-              </p:ext>
-            </p:extLst>
-          </p:nvPr>
-        </p:nvPicPr>
-        <p:blipFill>
-          <a:blip r:embed="rId2">
-            <a:alphaModFix amt="10000"/>
-            <a:extLst>
-              <a:ext uri="{28A0092B-C50C-407E-A947-70E740481C1C}">
-                <a14:useLocalDpi xmlns:a14="http://schemas.microsoft.com/office/drawing/2010/main" val="0"/>
-              </a:ext>
-            </a:extLst>
-          </a:blip>
-          <a:stretch>
-            <a:fillRect/>
-          </a:stretch>
-        </p:blipFill>
-        <p:spPr>
-          <a:xfrm>
-            <a:off x="0" y="0"/>
-            <a:ext cx="12192000" cy="6858000"/>
-          </a:xfrm>
-          <a:prstGeom prst="rect">
-            <a:avLst/>
-          </a:prstGeom>
-        </p:spPr>
-      </p:pic>
-      <p:sp>
-        <p:nvSpPr>
-          <p:cNvPr id="25" name="Rectangle 24">
-            <a:extLst>
-              <a:ext uri="{FF2B5EF4-FFF2-40B4-BE49-F238E27FC236}">
-                <a16:creationId xmlns:a16="http://schemas.microsoft.com/office/drawing/2014/main" id="{FC49D257-5737-4C0D-89EA-9C311AF2B8B5}"/>
-              </a:ext>
-              <a:ext uri="{C183D7F6-B498-43B3-948B-1728B52AA6E4}">
-                <adec:decorative xmlns:adec="http://schemas.microsoft.com/office/drawing/2017/decorative" val="1"/>
-              </a:ext>
-            </a:extLst>
-          </p:cNvPr>
-          <p:cNvSpPr>
-            <a:spLocks noGrp="1" noRot="1" noChangeAspect="1" noMove="1" noResize="1" noEditPoints="1" noAdjustHandles="1" noChangeArrowheads="1" noChangeShapeType="1" noTextEdit="1"/>
-          </p:cNvSpPr>
-          <p:nvPr>
-            <p:extLst>
-              <p:ext uri="{386F3935-93C4-4BCD-93E2-E3B085C9AB24}">
-                <p16:designElem xmlns:p16="http://schemas.microsoft.com/office/powerpoint/2015/main" val="1"/>
-              </p:ext>
-            </p:extLst>
-          </p:nvPr>
-        </p:nvSpPr>
-        <p:spPr>
-          <a:xfrm>
-            <a:off x="6099176" y="0"/>
-            <a:ext cx="6092824" cy="6858001"/>
-          </a:xfrm>
-          <a:prstGeom prst="rect">
-            <a:avLst/>
-          </a:prstGeom>
-          <a:ln>
-            <a:noFill/>
-          </a:ln>
-        </p:spPr>
-        <p:style>
-          <a:lnRef idx="2">
-            <a:schemeClr val="accent1">
-              <a:shade val="50000"/>
-            </a:schemeClr>
-          </a:lnRef>
-          <a:fillRef idx="1">
-            <a:schemeClr val="accent1"/>
-          </a:fillRef>
-          <a:effectRef idx="0">
-            <a:schemeClr val="accent1"/>
-          </a:effectRef>
-          <a:fontRef idx="minor">
-            <a:schemeClr val="lt1"/>
-          </a:fontRef>
-        </p:style>
-        <p:txBody>
-          <a:bodyPr rtlCol="0" anchor="ctr"/>
-          <a:lstStyle/>
-          <a:p>
-            <a:pPr algn="ctr"/>
-            <a:endParaRPr lang="en-US"/>
-          </a:p>
-        </p:txBody>
-      </p:sp>
-      <p:pic>
-        <p:nvPicPr>
-          <p:cNvPr id="27" name="Picture 26">
-            <a:extLst>
-              <a:ext uri="{FF2B5EF4-FFF2-40B4-BE49-F238E27FC236}">
-                <a16:creationId xmlns:a16="http://schemas.microsoft.com/office/drawing/2014/main" id="{E13D267A-94F5-488A-94C6-5D7156D9AF8C}"/>
-              </a:ext>
-              <a:ext uri="{C183D7F6-B498-43B3-948B-1728B52AA6E4}">
-                <adec:decorative xmlns:adec="http://schemas.microsoft.com/office/drawing/2017/decorative" val="1"/>
-              </a:ext>
-            </a:extLst>
-          </p:cNvPr>
-          <p:cNvPicPr>
-            <a:picLocks noGrp="1" noRot="1" noChangeAspect="1" noMove="1" noResize="1" noEditPoints="1" noAdjustHandles="1" noChangeArrowheads="1" noChangeShapeType="1" noCrop="1"/>
-          </p:cNvPicPr>
-          <p:nvPr>
-            <p:extLst>
-              <p:ext uri="{386F3935-93C4-4BCD-93E2-E3B085C9AB24}">
-                <p16:designElem xmlns:p16="http://schemas.microsoft.com/office/powerpoint/2015/main" val="1"/>
-              </p:ext>
-            </p:extLst>
-          </p:nvPr>
-        </p:nvPicPr>
-        <p:blipFill>
-          <a:blip r:embed="rId3">
-            <a:extLst>
-              <a:ext uri="{28A0092B-C50C-407E-A947-70E740481C1C}">
-                <a14:useLocalDpi xmlns:a14="http://schemas.microsoft.com/office/drawing/2010/main" val="0"/>
-              </a:ext>
-            </a:extLst>
-          </a:blip>
-          <a:stretch>
-            <a:fillRect/>
-          </a:stretch>
-        </p:blipFill>
-        <p:spPr>
-          <a:xfrm>
-            <a:off x="1" y="4688333"/>
-            <a:ext cx="6400800" cy="185701"/>
-          </a:xfrm>
-          <a:prstGeom prst="rect">
-            <a:avLst/>
-          </a:prstGeom>
-        </p:spPr>
-      </p:pic>
-      <p:sp>
-        <p:nvSpPr>
-          <p:cNvPr id="29" name="Rectangle 28">
-            <a:extLst>
-              <a:ext uri="{FF2B5EF4-FFF2-40B4-BE49-F238E27FC236}">
-                <a16:creationId xmlns:a16="http://schemas.microsoft.com/office/drawing/2014/main" id="{46CE3EB2-91DF-4F5D-8874-744AAAE311E1}"/>
-              </a:ext>
-              <a:ext uri="{C183D7F6-B498-43B3-948B-1728B52AA6E4}">
-                <adec:decorative xmlns:adec="http://schemas.microsoft.com/office/drawing/2017/decorative" val="1"/>
-              </a:ext>
-            </a:extLst>
-          </p:cNvPr>
-          <p:cNvSpPr>
-            <a:spLocks noGrp="1" noRot="1" noChangeAspect="1" noMove="1" noResize="1" noEditPoints="1" noAdjustHandles="1" noChangeArrowheads="1" noChangeShapeType="1" noTextEdit="1"/>
-          </p:cNvSpPr>
-          <p:nvPr>
-            <p:extLst>
-              <p:ext uri="{386F3935-93C4-4BCD-93E2-E3B085C9AB24}">
-                <p16:designElem xmlns:p16="http://schemas.microsoft.com/office/powerpoint/2015/main" val="1"/>
-              </p:ext>
-            </p:extLst>
-          </p:nvPr>
-        </p:nvSpPr>
-        <p:spPr>
-          <a:xfrm>
-            <a:off x="-1" y="2162908"/>
-            <a:ext cx="6411743" cy="2532185"/>
-          </a:xfrm>
-          <a:prstGeom prst="rect">
-            <a:avLst/>
-          </a:prstGeom>
-          <a:solidFill>
-            <a:schemeClr val="bg1">
-              <a:lumMod val="85000"/>
-              <a:lumOff val="15000"/>
-            </a:schemeClr>
-          </a:solidFill>
-          <a:ln>
-            <a:noFill/>
-          </a:ln>
-        </p:spPr>
-        <p:style>
-          <a:lnRef idx="2">
-            <a:schemeClr val="accent1">
-              <a:shade val="50000"/>
-            </a:schemeClr>
-          </a:lnRef>
-          <a:fillRef idx="1">
-            <a:schemeClr val="accent1"/>
-          </a:fillRef>
-          <a:effectRef idx="0">
-            <a:schemeClr val="accent1"/>
-          </a:effectRef>
-          <a:fontRef idx="minor">
-            <a:schemeClr val="lt1"/>
-          </a:fontRef>
-        </p:style>
-      </p:sp>
-      <p:sp>
-        <p:nvSpPr>
-          <p:cNvPr id="2" name="Tytuł 1">
-            <a:extLst>
-              <a:ext uri="{FF2B5EF4-FFF2-40B4-BE49-F238E27FC236}">
-                <a16:creationId xmlns:a16="http://schemas.microsoft.com/office/drawing/2014/main" id="{19DA3A90-709B-45A7-A9D0-9ABDD69621A6}"/>
-              </a:ext>
-            </a:extLst>
-          </p:cNvPr>
-          <p:cNvSpPr>
-            <a:spLocks noGrp="1"/>
-          </p:cNvSpPr>
-          <p:nvPr>
-            <p:ph type="title"/>
-          </p:nvPr>
-        </p:nvSpPr>
-        <p:spPr>
-          <a:xfrm>
-            <a:off x="153989" y="2353444"/>
-            <a:ext cx="6092824" cy="2133600"/>
-          </a:xfrm>
-        </p:spPr>
-        <p:txBody>
-          <a:bodyPr vert="horz" lIns="91440" tIns="45720" rIns="91440" bIns="45720" rtlCol="0" anchor="ctr">
-            <a:normAutofit/>
-          </a:bodyPr>
-          <a:lstStyle/>
-          <a:p>
-            <a:pPr algn="r"/>
-            <a:r>
-              <a:rPr lang="en-US" sz="5400" dirty="0" err="1"/>
-              <a:t>Oferta</a:t>
-            </a:r>
-            <a:r>
-              <a:rPr lang="en-US" sz="5400" dirty="0"/>
-              <a:t> </a:t>
-            </a:r>
-            <a:r>
-              <a:rPr lang="en-US" sz="5400" dirty="0" err="1"/>
-              <a:t>dla</a:t>
-            </a:r>
-            <a:r>
-              <a:rPr lang="en-US" sz="5400" dirty="0"/>
-              <a:t> </a:t>
-            </a:r>
-            <a:r>
-              <a:rPr lang="en-US" sz="5400" dirty="0" err="1"/>
-              <a:t>klienta</a:t>
-            </a:r>
-            <a:endParaRPr lang="en-US" sz="5400" dirty="0"/>
-          </a:p>
-        </p:txBody>
-      </p:sp>
-      <p:pic>
-        <p:nvPicPr>
-          <p:cNvPr id="6" name="Grafika 5">
-            <a:extLst>
-              <a:ext uri="{FF2B5EF4-FFF2-40B4-BE49-F238E27FC236}">
-                <a16:creationId xmlns:a16="http://schemas.microsoft.com/office/drawing/2014/main" id="{9D52F2D7-8BE2-47E9-A38D-0154EE4E9BF4}"/>
-              </a:ext>
-            </a:extLst>
-          </p:cNvPr>
-          <p:cNvPicPr>
-            <a:picLocks noChangeAspect="1"/>
-          </p:cNvPicPr>
-          <p:nvPr/>
-        </p:nvPicPr>
-        <p:blipFill>
-          <a:blip r:embed="rId5">
-            <a:extLst>
-              <a:ext uri="{28A0092B-C50C-407E-A947-70E740481C1C}">
-                <a14:useLocalDpi xmlns:a14="http://schemas.microsoft.com/office/drawing/2010/main" val="0"/>
-              </a:ext>
-              <a:ext uri="{96DAC541-7B7A-43D3-8B79-37D633B846F1}">
-                <asvg:svgBlip xmlns:asvg="http://schemas.microsoft.com/office/drawing/2016/SVG/main" r:embed="rId6"/>
-              </a:ext>
-            </a:extLst>
-          </a:blip>
-          <a:stretch>
-            <a:fillRect/>
-          </a:stretch>
-        </p:blipFill>
-        <p:spPr>
-          <a:xfrm>
-            <a:off x="6411742" y="641987"/>
-            <a:ext cx="5682703" cy="5539517"/>
-          </a:xfrm>
-          <a:prstGeom prst="rect">
-            <a:avLst/>
-          </a:prstGeom>
-          <a:ln>
-            <a:noFill/>
-          </a:ln>
-          <a:effectLst>
-            <a:outerShdw blurRad="76200" dist="63500" dir="5040000" algn="tl" rotWithShape="0">
-              <a:srgbClr val="000000">
-                <a:alpha val="41000"/>
-              </a:srgbClr>
-            </a:outerShdw>
-          </a:effectLst>
-        </p:spPr>
-      </p:pic>
-      <p:sp>
-        <p:nvSpPr>
-          <p:cNvPr id="3" name="Symbol zastępczy numeru slajdu 2">
-            <a:extLst>
-              <a:ext uri="{FF2B5EF4-FFF2-40B4-BE49-F238E27FC236}">
-                <a16:creationId xmlns:a16="http://schemas.microsoft.com/office/drawing/2014/main" id="{E2E58A61-4D6C-4842-B21E-D1F4E52A61A8}"/>
-              </a:ext>
-            </a:extLst>
-          </p:cNvPr>
-          <p:cNvSpPr>
-            <a:spLocks noGrp="1"/>
-          </p:cNvSpPr>
-          <p:nvPr>
-            <p:ph type="sldNum" sz="quarter" idx="12"/>
-          </p:nvPr>
-        </p:nvSpPr>
-        <p:spPr>
-          <a:xfrm>
-            <a:off x="11281776" y="6336872"/>
-            <a:ext cx="722655" cy="365760"/>
-          </a:xfrm>
-        </p:spPr>
-        <p:txBody>
-          <a:bodyPr vert="horz" lIns="91440" tIns="45720" rIns="91440" bIns="45720" rtlCol="0" anchor="ctr">
-            <a:normAutofit/>
-          </a:bodyPr>
-          <a:lstStyle/>
-          <a:p>
-            <a:pPr defTabSz="914400">
-              <a:spcAft>
-                <a:spcPts val="600"/>
-              </a:spcAft>
-            </a:pPr>
-            <a:r>
-              <a:rPr lang="pl-PL" sz="1400" dirty="0">
-                <a:solidFill>
-                  <a:srgbClr val="FFFFFF"/>
-                </a:solidFill>
-              </a:rPr>
-              <a:t>19</a:t>
-            </a:r>
-            <a:endParaRPr lang="en-US" sz="1400" dirty="0">
-              <a:solidFill>
-                <a:srgbClr val="FFFFFF"/>
-              </a:solidFill>
-            </a:endParaRPr>
-          </a:p>
-        </p:txBody>
-      </p:sp>
-    </p:spTree>
-    <p:extLst>
-      <p:ext uri="{BB962C8B-B14F-4D97-AF65-F5344CB8AC3E}">
-        <p14:creationId xmlns:p14="http://schemas.microsoft.com/office/powerpoint/2010/main" val="832810156"/>
-      </p:ext>
-    </p:extLst>
-  </p:cSld>
-  <p:clrMapOvr>
-    <a:masterClrMapping/>
-  </p:clrMapOvr>
-</p:sld>
-</file>
-
-<file path=ppt/slides/slide34.xml><?xml version="1.0" encoding="utf-8"?>
-<p:sld xmlns:a="http://schemas.openxmlformats.org/drawingml/2006/main" xmlns:r="http://schemas.openxmlformats.org/officeDocument/2006/relationships" xmlns:p="http://schemas.openxmlformats.org/presentationml/2006/main">
-  <p:cSld>
-    <p:bg>
-      <p:bgPr>
-        <a:gradFill rotWithShape="1">
-          <a:gsLst>
-            <a:gs pos="0">
-              <a:schemeClr val="bg2">
-                <a:tint val="96000"/>
-                <a:shade val="100000"/>
-                <a:hueMod val="270000"/>
-                <a:satMod val="200000"/>
-                <a:lumMod val="128000"/>
-              </a:schemeClr>
-            </a:gs>
-            <a:gs pos="50000">
-              <a:schemeClr val="bg2">
-                <a:shade val="100000"/>
-                <a:hueMod val="100000"/>
-                <a:satMod val="110000"/>
-                <a:lumMod val="130000"/>
-              </a:schemeClr>
-            </a:gs>
-            <a:gs pos="100000">
-              <a:schemeClr val="bg2">
-                <a:shade val="78000"/>
-                <a:hueMod val="44000"/>
-                <a:satMod val="200000"/>
-                <a:lumMod val="69000"/>
-              </a:schemeClr>
-            </a:gs>
-          </a:gsLst>
-          <a:lin ang="2520000" scaled="0"/>
-        </a:gradFill>
-        <a:effectLst/>
-      </p:bgPr>
-    </p:bg>
-    <p:spTree>
-      <p:nvGrpSpPr>
-        <p:cNvPr id="1" name=""/>
-        <p:cNvGrpSpPr/>
-        <p:nvPr/>
-      </p:nvGrpSpPr>
-      <p:grpSpPr>
-        <a:xfrm>
-          <a:off x="0" y="0"/>
-          <a:ext cx="0" cy="0"/>
-          <a:chOff x="0" y="0"/>
-          <a:chExt cx="0" cy="0"/>
-        </a:xfrm>
-      </p:grpSpPr>
-      <p:pic>
-        <p:nvPicPr>
-          <p:cNvPr id="11" name="Picture 10">
-            <a:extLst>
-              <a:ext uri="{FF2B5EF4-FFF2-40B4-BE49-F238E27FC236}">
-                <a16:creationId xmlns:a16="http://schemas.microsoft.com/office/drawing/2014/main" id="{5321D838-2C7E-4177-9DD3-DAC78324A2B2}"/>
-              </a:ext>
-              <a:ext uri="{C183D7F6-B498-43B3-948B-1728B52AA6E4}">
-                <adec:decorative xmlns:adec="http://schemas.microsoft.com/office/drawing/2017/decorative" val="1"/>
-              </a:ext>
-            </a:extLst>
-          </p:cNvPr>
-          <p:cNvPicPr>
-            <a:picLocks noGrp="1" noRot="1" noChangeAspect="1" noMove="1" noResize="1" noEditPoints="1" noAdjustHandles="1" noChangeArrowheads="1" noChangeShapeType="1" noCrop="1"/>
-          </p:cNvPicPr>
-          <p:nvPr>
-            <p:extLst>
-              <p:ext uri="{386F3935-93C4-4BCD-93E2-E3B085C9AB24}">
-                <p16:designElem xmlns:p16="http://schemas.microsoft.com/office/powerpoint/2015/main" val="1"/>
-              </p:ext>
-            </p:extLst>
-          </p:nvPr>
-        </p:nvPicPr>
-        <p:blipFill>
-          <a:blip r:embed="rId2">
-            <a:alphaModFix amt="10000"/>
-            <a:extLst>
-              <a:ext uri="{28A0092B-C50C-407E-A947-70E740481C1C}">
-                <a14:useLocalDpi xmlns:a14="http://schemas.microsoft.com/office/drawing/2010/main" val="0"/>
-              </a:ext>
-            </a:extLst>
-          </a:blip>
-          <a:stretch>
-            <a:fillRect/>
-          </a:stretch>
-        </p:blipFill>
-        <p:spPr>
-          <a:xfrm>
-            <a:off x="0" y="0"/>
-            <a:ext cx="12192000" cy="6858000"/>
-          </a:xfrm>
-          <a:prstGeom prst="rect">
-            <a:avLst/>
-          </a:prstGeom>
-        </p:spPr>
-      </p:pic>
-      <p:pic>
-        <p:nvPicPr>
-          <p:cNvPr id="13" name="Picture 12">
-            <a:extLst>
-              <a:ext uri="{FF2B5EF4-FFF2-40B4-BE49-F238E27FC236}">
-                <a16:creationId xmlns:a16="http://schemas.microsoft.com/office/drawing/2014/main" id="{0146E45C-1450-4186-B501-74F221F897A8}"/>
-              </a:ext>
-              <a:ext uri="{C183D7F6-B498-43B3-948B-1728B52AA6E4}">
-                <adec:decorative xmlns:adec="http://schemas.microsoft.com/office/drawing/2017/decorative" val="1"/>
-              </a:ext>
-            </a:extLst>
-          </p:cNvPr>
-          <p:cNvPicPr>
-            <a:picLocks noGrp="1" noRot="1" noChangeAspect="1" noMove="1" noResize="1" noEditPoints="1" noAdjustHandles="1" noChangeArrowheads="1" noChangeShapeType="1" noCrop="1"/>
-          </p:cNvPicPr>
-          <p:nvPr>
-            <p:extLst>
-              <p:ext uri="{386F3935-93C4-4BCD-93E2-E3B085C9AB24}">
-                <p16:designElem xmlns:p16="http://schemas.microsoft.com/office/powerpoint/2015/main" val="1"/>
-              </p:ext>
-            </p:extLst>
-          </p:nvPr>
-        </p:nvPicPr>
-        <p:blipFill>
-          <a:blip r:embed="rId3">
-            <a:extLst>
-              <a:ext uri="{28A0092B-C50C-407E-A947-70E740481C1C}">
-                <a14:useLocalDpi xmlns:a14="http://schemas.microsoft.com/office/drawing/2010/main" val="0"/>
-              </a:ext>
-            </a:extLst>
-          </a:blip>
-          <a:stretch>
-            <a:fillRect/>
-          </a:stretch>
-        </p:blipFill>
-        <p:spPr>
-          <a:xfrm>
-            <a:off x="1" y="4242851"/>
-            <a:ext cx="8968084" cy="275942"/>
-          </a:xfrm>
-          <a:prstGeom prst="rect">
-            <a:avLst/>
-          </a:prstGeom>
-        </p:spPr>
-      </p:pic>
-      <p:pic>
-        <p:nvPicPr>
-          <p:cNvPr id="15" name="Picture 14">
-            <a:extLst>
-              <a:ext uri="{FF2B5EF4-FFF2-40B4-BE49-F238E27FC236}">
-                <a16:creationId xmlns:a16="http://schemas.microsoft.com/office/drawing/2014/main" id="{EEDDA48B-BC04-4915-ADA3-A1A9522EB0D1}"/>
-              </a:ext>
-              <a:ext uri="{C183D7F6-B498-43B3-948B-1728B52AA6E4}">
-                <adec:decorative xmlns:adec="http://schemas.microsoft.com/office/drawing/2017/decorative" val="1"/>
-              </a:ext>
-            </a:extLst>
-          </p:cNvPr>
-          <p:cNvPicPr>
-            <a:picLocks noGrp="1" noRot="1" noChangeAspect="1" noMove="1" noResize="1" noEditPoints="1" noAdjustHandles="1" noChangeArrowheads="1" noChangeShapeType="1" noCrop="1"/>
-          </p:cNvPicPr>
-          <p:nvPr>
-            <p:extLst>
-              <p:ext uri="{386F3935-93C4-4BCD-93E2-E3B085C9AB24}">
-                <p16:designElem xmlns:p16="http://schemas.microsoft.com/office/powerpoint/2015/main" val="1"/>
-              </p:ext>
-            </p:extLst>
-          </p:nvPr>
-        </p:nvPicPr>
-        <p:blipFill>
-          <a:blip r:embed="rId4">
-            <a:extLst>
-              <a:ext uri="{28A0092B-C50C-407E-A947-70E740481C1C}">
-                <a14:useLocalDpi xmlns:a14="http://schemas.microsoft.com/office/drawing/2010/main" val="0"/>
-              </a:ext>
-            </a:extLst>
-          </a:blip>
-          <a:stretch>
-            <a:fillRect/>
-          </a:stretch>
-        </p:blipFill>
-        <p:spPr>
-          <a:xfrm>
-            <a:off x="9111716" y="4243845"/>
-            <a:ext cx="3077108" cy="276940"/>
-          </a:xfrm>
-          <a:prstGeom prst="rect">
-            <a:avLst/>
-          </a:prstGeom>
-        </p:spPr>
-      </p:pic>
-      <p:sp>
-        <p:nvSpPr>
-          <p:cNvPr id="17" name="Rectangle 16">
-            <a:extLst>
-              <a:ext uri="{FF2B5EF4-FFF2-40B4-BE49-F238E27FC236}">
-                <a16:creationId xmlns:a16="http://schemas.microsoft.com/office/drawing/2014/main" id="{78C9D07A-5A22-4E55-B18A-47CF07E5080D}"/>
-              </a:ext>
-              <a:ext uri="{C183D7F6-B498-43B3-948B-1728B52AA6E4}">
-                <adec:decorative xmlns:adec="http://schemas.microsoft.com/office/drawing/2017/decorative" val="1"/>
-              </a:ext>
-            </a:extLst>
-          </p:cNvPr>
-          <p:cNvSpPr>
-            <a:spLocks noGrp="1" noRot="1" noChangeAspect="1" noMove="1" noResize="1" noEditPoints="1" noAdjustHandles="1" noChangeArrowheads="1" noChangeShapeType="1" noTextEdit="1"/>
-          </p:cNvSpPr>
-          <p:nvPr>
-            <p:extLst>
-              <p:ext uri="{386F3935-93C4-4BCD-93E2-E3B085C9AB24}">
-                <p16:designElem xmlns:p16="http://schemas.microsoft.com/office/powerpoint/2015/main" val="1"/>
-              </p:ext>
-            </p:extLst>
-          </p:nvPr>
-        </p:nvSpPr>
-        <p:spPr>
-          <a:xfrm>
-            <a:off x="0" y="2590078"/>
-            <a:ext cx="8968085" cy="1660332"/>
-          </a:xfrm>
-          <a:prstGeom prst="rect">
-            <a:avLst/>
-          </a:prstGeom>
-          <a:solidFill>
-            <a:schemeClr val="bg1">
-              <a:lumMod val="85000"/>
-              <a:lumOff val="15000"/>
-            </a:schemeClr>
-          </a:solidFill>
-          <a:ln>
-            <a:noFill/>
-          </a:ln>
-        </p:spPr>
-        <p:style>
-          <a:lnRef idx="2">
-            <a:schemeClr val="accent1">
-              <a:shade val="50000"/>
-            </a:schemeClr>
-          </a:lnRef>
-          <a:fillRef idx="1">
-            <a:schemeClr val="accent1"/>
-          </a:fillRef>
-          <a:effectRef idx="0">
-            <a:schemeClr val="accent1"/>
-          </a:effectRef>
-          <a:fontRef idx="minor">
-            <a:schemeClr val="lt1"/>
-          </a:fontRef>
-        </p:style>
-      </p:sp>
-      <p:sp>
-        <p:nvSpPr>
-          <p:cNvPr id="19" name="Rectangle 18">
-            <a:extLst>
-              <a:ext uri="{FF2B5EF4-FFF2-40B4-BE49-F238E27FC236}">
-                <a16:creationId xmlns:a16="http://schemas.microsoft.com/office/drawing/2014/main" id="{3D71E629-0739-4A59-972B-A9E9A4500E31}"/>
-              </a:ext>
-              <a:ext uri="{C183D7F6-B498-43B3-948B-1728B52AA6E4}">
-                <adec:decorative xmlns:adec="http://schemas.microsoft.com/office/drawing/2017/decorative" val="1"/>
-              </a:ext>
-            </a:extLst>
-          </p:cNvPr>
-          <p:cNvSpPr>
-            <a:spLocks noGrp="1" noRot="1" noChangeAspect="1" noMove="1" noResize="1" noEditPoints="1" noAdjustHandles="1" noChangeArrowheads="1" noChangeShapeType="1" noTextEdit="1"/>
-          </p:cNvSpPr>
-          <p:nvPr>
-            <p:extLst>
-              <p:ext uri="{386F3935-93C4-4BCD-93E2-E3B085C9AB24}">
-                <p16:designElem xmlns:p16="http://schemas.microsoft.com/office/powerpoint/2015/main" val="1"/>
-              </p:ext>
-            </p:extLst>
-          </p:nvPr>
-        </p:nvSpPr>
-        <p:spPr>
-          <a:xfrm>
-            <a:off x="9111715" y="2590078"/>
-            <a:ext cx="3077109" cy="1660332"/>
-          </a:xfrm>
-          <a:prstGeom prst="rect">
-            <a:avLst/>
-          </a:prstGeom>
-          <a:solidFill>
-            <a:schemeClr val="accent1"/>
-          </a:solidFill>
-          <a:ln>
-            <a:noFill/>
-          </a:ln>
-        </p:spPr>
-        <p:style>
-          <a:lnRef idx="2">
-            <a:schemeClr val="accent1">
-              <a:shade val="50000"/>
-            </a:schemeClr>
-          </a:lnRef>
-          <a:fillRef idx="1">
-            <a:schemeClr val="accent1"/>
-          </a:fillRef>
-          <a:effectRef idx="0">
-            <a:schemeClr val="accent1"/>
-          </a:effectRef>
-          <a:fontRef idx="minor">
-            <a:schemeClr val="lt1"/>
-          </a:fontRef>
-        </p:style>
-      </p:sp>
-      <p:sp useBgFill="1">
-        <p:nvSpPr>
-          <p:cNvPr id="21" name="Rectangle 20">
-            <a:extLst>
-              <a:ext uri="{FF2B5EF4-FFF2-40B4-BE49-F238E27FC236}">
-                <a16:creationId xmlns:a16="http://schemas.microsoft.com/office/drawing/2014/main" id="{00573A24-AD84-4562-A993-7D04E1D18209}"/>
-              </a:ext>
-              <a:ext uri="{C183D7F6-B498-43B3-948B-1728B52AA6E4}">
-                <adec:decorative xmlns:adec="http://schemas.microsoft.com/office/drawing/2017/decorative" val="1"/>
-              </a:ext>
-            </a:extLst>
-          </p:cNvPr>
-          <p:cNvSpPr>
-            <a:spLocks noGrp="1" noRot="1" noChangeAspect="1" noMove="1" noResize="1" noEditPoints="1" noAdjustHandles="1" noChangeArrowheads="1" noChangeShapeType="1" noTextEdit="1"/>
-          </p:cNvSpPr>
-          <p:nvPr>
-            <p:extLst>
-              <p:ext uri="{386F3935-93C4-4BCD-93E2-E3B085C9AB24}">
-                <p16:designElem xmlns:p16="http://schemas.microsoft.com/office/powerpoint/2015/main" val="1"/>
-              </p:ext>
-            </p:extLst>
-          </p:nvPr>
-        </p:nvSpPr>
-        <p:spPr>
-          <a:xfrm>
-            <a:off x="0" y="0"/>
-            <a:ext cx="12188824" cy="6858000"/>
-          </a:xfrm>
-          <a:prstGeom prst="rect">
-            <a:avLst/>
-          </a:prstGeom>
-          <a:ln>
-            <a:noFill/>
-          </a:ln>
-        </p:spPr>
-        <p:style>
-          <a:lnRef idx="2">
-            <a:schemeClr val="accent1">
-              <a:shade val="50000"/>
-            </a:schemeClr>
-          </a:lnRef>
-          <a:fillRef idx="1">
-            <a:schemeClr val="accent1"/>
-          </a:fillRef>
-          <a:effectRef idx="0">
-            <a:schemeClr val="accent1"/>
-          </a:effectRef>
-          <a:fontRef idx="minor">
-            <a:schemeClr val="lt1"/>
-          </a:fontRef>
-        </p:style>
-        <p:txBody>
-          <a:bodyPr rtlCol="0" anchor="ctr"/>
-          <a:lstStyle/>
-          <a:p>
-            <a:pPr algn="ctr"/>
-            <a:endParaRPr lang="en-US"/>
-          </a:p>
-        </p:txBody>
-      </p:sp>
-      <p:pic>
-        <p:nvPicPr>
-          <p:cNvPr id="23" name="Picture 22">
-            <a:extLst>
-              <a:ext uri="{FF2B5EF4-FFF2-40B4-BE49-F238E27FC236}">
-                <a16:creationId xmlns:a16="http://schemas.microsoft.com/office/drawing/2014/main" id="{B3C087F8-F09C-4C07-B55F-6081689A2413}"/>
-              </a:ext>
-              <a:ext uri="{C183D7F6-B498-43B3-948B-1728B52AA6E4}">
-                <adec:decorative xmlns:adec="http://schemas.microsoft.com/office/drawing/2017/decorative" val="1"/>
-              </a:ext>
-            </a:extLst>
-          </p:cNvPr>
-          <p:cNvPicPr>
-            <a:picLocks noGrp="1" noRot="1" noChangeAspect="1" noMove="1" noResize="1" noEditPoints="1" noAdjustHandles="1" noChangeArrowheads="1" noChangeShapeType="1" noCrop="1"/>
-          </p:cNvPicPr>
-          <p:nvPr>
-            <p:extLst>
-              <p:ext uri="{386F3935-93C4-4BCD-93E2-E3B085C9AB24}">
-                <p16:designElem xmlns:p16="http://schemas.microsoft.com/office/powerpoint/2015/main" val="1"/>
-              </p:ext>
-            </p:extLst>
-          </p:nvPr>
-        </p:nvPicPr>
-        <p:blipFill>
-          <a:blip r:embed="rId2">
-            <a:alphaModFix amt="10000"/>
-            <a:extLst>
-              <a:ext uri="{28A0092B-C50C-407E-A947-70E740481C1C}">
-                <a14:useLocalDpi xmlns:a14="http://schemas.microsoft.com/office/drawing/2010/main" val="0"/>
-              </a:ext>
-            </a:extLst>
-          </a:blip>
-          <a:stretch>
-            <a:fillRect/>
-          </a:stretch>
-        </p:blipFill>
-        <p:spPr>
-          <a:xfrm>
-            <a:off x="0" y="0"/>
-            <a:ext cx="12192000" cy="6858000"/>
-          </a:xfrm>
-          <a:prstGeom prst="rect">
-            <a:avLst/>
-          </a:prstGeom>
-        </p:spPr>
-      </p:pic>
-      <p:sp>
-        <p:nvSpPr>
-          <p:cNvPr id="25" name="Rectangle 24">
-            <a:extLst>
-              <a:ext uri="{FF2B5EF4-FFF2-40B4-BE49-F238E27FC236}">
-                <a16:creationId xmlns:a16="http://schemas.microsoft.com/office/drawing/2014/main" id="{FC49D257-5737-4C0D-89EA-9C311AF2B8B5}"/>
-              </a:ext>
-              <a:ext uri="{C183D7F6-B498-43B3-948B-1728B52AA6E4}">
-                <adec:decorative xmlns:adec="http://schemas.microsoft.com/office/drawing/2017/decorative" val="1"/>
-              </a:ext>
-            </a:extLst>
-          </p:cNvPr>
-          <p:cNvSpPr>
-            <a:spLocks noGrp="1" noRot="1" noChangeAspect="1" noMove="1" noResize="1" noEditPoints="1" noAdjustHandles="1" noChangeArrowheads="1" noChangeShapeType="1" noTextEdit="1"/>
-          </p:cNvSpPr>
-          <p:nvPr>
-            <p:extLst>
-              <p:ext uri="{386F3935-93C4-4BCD-93E2-E3B085C9AB24}">
-                <p16:designElem xmlns:p16="http://schemas.microsoft.com/office/powerpoint/2015/main" val="1"/>
-              </p:ext>
-            </p:extLst>
-          </p:nvPr>
-        </p:nvSpPr>
-        <p:spPr>
-          <a:xfrm>
-            <a:off x="6099176" y="0"/>
-            <a:ext cx="6092824" cy="6858001"/>
-          </a:xfrm>
-          <a:prstGeom prst="rect">
-            <a:avLst/>
-          </a:prstGeom>
-          <a:ln>
-            <a:noFill/>
-          </a:ln>
-        </p:spPr>
-        <p:style>
-          <a:lnRef idx="2">
-            <a:schemeClr val="accent1">
-              <a:shade val="50000"/>
-            </a:schemeClr>
-          </a:lnRef>
-          <a:fillRef idx="1">
-            <a:schemeClr val="accent1"/>
-          </a:fillRef>
-          <a:effectRef idx="0">
-            <a:schemeClr val="accent1"/>
-          </a:effectRef>
-          <a:fontRef idx="minor">
-            <a:schemeClr val="lt1"/>
-          </a:fontRef>
-        </p:style>
-        <p:txBody>
-          <a:bodyPr rtlCol="0" anchor="ctr"/>
-          <a:lstStyle/>
-          <a:p>
-            <a:pPr algn="ctr"/>
-            <a:endParaRPr lang="en-US"/>
-          </a:p>
-        </p:txBody>
-      </p:sp>
-      <p:pic>
-        <p:nvPicPr>
-          <p:cNvPr id="27" name="Picture 26">
-            <a:extLst>
-              <a:ext uri="{FF2B5EF4-FFF2-40B4-BE49-F238E27FC236}">
-                <a16:creationId xmlns:a16="http://schemas.microsoft.com/office/drawing/2014/main" id="{E13D267A-94F5-488A-94C6-5D7156D9AF8C}"/>
-              </a:ext>
-              <a:ext uri="{C183D7F6-B498-43B3-948B-1728B52AA6E4}">
-                <adec:decorative xmlns:adec="http://schemas.microsoft.com/office/drawing/2017/decorative" val="1"/>
-              </a:ext>
-            </a:extLst>
-          </p:cNvPr>
-          <p:cNvPicPr>
-            <a:picLocks noGrp="1" noRot="1" noChangeAspect="1" noMove="1" noResize="1" noEditPoints="1" noAdjustHandles="1" noChangeArrowheads="1" noChangeShapeType="1" noCrop="1"/>
-          </p:cNvPicPr>
-          <p:nvPr>
-            <p:extLst>
-              <p:ext uri="{386F3935-93C4-4BCD-93E2-E3B085C9AB24}">
-                <p16:designElem xmlns:p16="http://schemas.microsoft.com/office/powerpoint/2015/main" val="1"/>
-              </p:ext>
-            </p:extLst>
-          </p:nvPr>
-        </p:nvPicPr>
-        <p:blipFill>
-          <a:blip r:embed="rId3">
-            <a:extLst>
-              <a:ext uri="{28A0092B-C50C-407E-A947-70E740481C1C}">
-                <a14:useLocalDpi xmlns:a14="http://schemas.microsoft.com/office/drawing/2010/main" val="0"/>
-              </a:ext>
-            </a:extLst>
-          </a:blip>
-          <a:stretch>
-            <a:fillRect/>
-          </a:stretch>
-        </p:blipFill>
-        <p:spPr>
-          <a:xfrm>
-            <a:off x="1" y="4688333"/>
-            <a:ext cx="6400800" cy="185701"/>
-          </a:xfrm>
-          <a:prstGeom prst="rect">
-            <a:avLst/>
-          </a:prstGeom>
-        </p:spPr>
-      </p:pic>
-      <p:sp>
-        <p:nvSpPr>
-          <p:cNvPr id="29" name="Rectangle 28">
-            <a:extLst>
-              <a:ext uri="{FF2B5EF4-FFF2-40B4-BE49-F238E27FC236}">
-                <a16:creationId xmlns:a16="http://schemas.microsoft.com/office/drawing/2014/main" id="{46CE3EB2-91DF-4F5D-8874-744AAAE311E1}"/>
-              </a:ext>
-              <a:ext uri="{C183D7F6-B498-43B3-948B-1728B52AA6E4}">
-                <adec:decorative xmlns:adec="http://schemas.microsoft.com/office/drawing/2017/decorative" val="1"/>
-              </a:ext>
-            </a:extLst>
-          </p:cNvPr>
-          <p:cNvSpPr>
-            <a:spLocks noGrp="1" noRot="1" noChangeAspect="1" noMove="1" noResize="1" noEditPoints="1" noAdjustHandles="1" noChangeArrowheads="1" noChangeShapeType="1" noTextEdit="1"/>
-          </p:cNvSpPr>
-          <p:nvPr>
-            <p:extLst>
-              <p:ext uri="{386F3935-93C4-4BCD-93E2-E3B085C9AB24}">
-                <p16:designElem xmlns:p16="http://schemas.microsoft.com/office/powerpoint/2015/main" val="1"/>
-              </p:ext>
-            </p:extLst>
-          </p:nvPr>
-        </p:nvSpPr>
-        <p:spPr>
-          <a:xfrm>
-            <a:off x="-1" y="2162908"/>
-            <a:ext cx="6411743" cy="2532185"/>
-          </a:xfrm>
-          <a:prstGeom prst="rect">
-            <a:avLst/>
-          </a:prstGeom>
-          <a:solidFill>
-            <a:schemeClr val="bg1">
-              <a:lumMod val="85000"/>
-              <a:lumOff val="15000"/>
-            </a:schemeClr>
-          </a:solidFill>
-          <a:ln>
-            <a:noFill/>
-          </a:ln>
-        </p:spPr>
-        <p:style>
-          <a:lnRef idx="2">
-            <a:schemeClr val="accent1">
-              <a:shade val="50000"/>
-            </a:schemeClr>
-          </a:lnRef>
-          <a:fillRef idx="1">
-            <a:schemeClr val="accent1"/>
-          </a:fillRef>
-          <a:effectRef idx="0">
-            <a:schemeClr val="accent1"/>
-          </a:effectRef>
-          <a:fontRef idx="minor">
-            <a:schemeClr val="lt1"/>
-          </a:fontRef>
-        </p:style>
-      </p:sp>
-      <p:sp>
-        <p:nvSpPr>
-          <p:cNvPr id="2" name="Tytuł 1">
-            <a:extLst>
-              <a:ext uri="{FF2B5EF4-FFF2-40B4-BE49-F238E27FC236}">
-                <a16:creationId xmlns:a16="http://schemas.microsoft.com/office/drawing/2014/main" id="{9A9CFD2E-1CB9-4BE0-A19F-39F50F06787F}"/>
-              </a:ext>
-            </a:extLst>
-          </p:cNvPr>
-          <p:cNvSpPr>
-            <a:spLocks noGrp="1"/>
-          </p:cNvSpPr>
-          <p:nvPr>
-            <p:ph type="title"/>
-          </p:nvPr>
-        </p:nvSpPr>
-        <p:spPr>
-          <a:xfrm>
-            <a:off x="680322" y="2403231"/>
-            <a:ext cx="5192940" cy="2133600"/>
-          </a:xfrm>
-        </p:spPr>
-        <p:txBody>
-          <a:bodyPr vert="horz" lIns="91440" tIns="45720" rIns="91440" bIns="45720" rtlCol="0" anchor="ctr">
-            <a:normAutofit/>
-          </a:bodyPr>
-          <a:lstStyle/>
-          <a:p>
-            <a:pPr algn="r"/>
-            <a:r>
-              <a:rPr lang="en-US" sz="5400"/>
-              <a:t>Wypłata</a:t>
-            </a:r>
-          </a:p>
-        </p:txBody>
-      </p:sp>
-      <p:pic>
-        <p:nvPicPr>
-          <p:cNvPr id="6" name="Grafika 5">
-            <a:extLst>
-              <a:ext uri="{FF2B5EF4-FFF2-40B4-BE49-F238E27FC236}">
-                <a16:creationId xmlns:a16="http://schemas.microsoft.com/office/drawing/2014/main" id="{85F13346-7A7E-42F0-9E19-DD3D04A713B3}"/>
-              </a:ext>
-            </a:extLst>
-          </p:cNvPr>
-          <p:cNvPicPr>
-            <a:picLocks noChangeAspect="1"/>
-          </p:cNvPicPr>
-          <p:nvPr/>
-        </p:nvPicPr>
-        <p:blipFill>
-          <a:blip r:embed="rId5">
-            <a:extLst>
-              <a:ext uri="{28A0092B-C50C-407E-A947-70E740481C1C}">
-                <a14:useLocalDpi xmlns:a14="http://schemas.microsoft.com/office/drawing/2010/main" val="0"/>
-              </a:ext>
-              <a:ext uri="{96DAC541-7B7A-43D3-8B79-37D633B846F1}">
-                <asvg:svgBlip xmlns:asvg="http://schemas.microsoft.com/office/drawing/2016/SVG/main" r:embed="rId6"/>
-              </a:ext>
-            </a:extLst>
-          </a:blip>
-          <a:stretch>
-            <a:fillRect/>
-          </a:stretch>
-        </p:blipFill>
-        <p:spPr>
-          <a:xfrm>
-            <a:off x="6748892" y="363396"/>
-            <a:ext cx="4585511" cy="6213269"/>
-          </a:xfrm>
-          <a:prstGeom prst="rect">
-            <a:avLst/>
-          </a:prstGeom>
-          <a:ln>
-            <a:noFill/>
-          </a:ln>
-          <a:effectLst>
-            <a:outerShdw blurRad="76200" dist="63500" dir="5040000" algn="tl" rotWithShape="0">
-              <a:srgbClr val="000000">
-                <a:alpha val="41000"/>
-              </a:srgbClr>
-            </a:outerShdw>
-          </a:effectLst>
-        </p:spPr>
-      </p:pic>
-      <p:sp>
-        <p:nvSpPr>
-          <p:cNvPr id="3" name="Symbol zastępczy numeru slajdu 2">
-            <a:extLst>
-              <a:ext uri="{FF2B5EF4-FFF2-40B4-BE49-F238E27FC236}">
-                <a16:creationId xmlns:a16="http://schemas.microsoft.com/office/drawing/2014/main" id="{CE7AD045-BE5B-4573-88F7-306DABEE216F}"/>
-              </a:ext>
-            </a:extLst>
-          </p:cNvPr>
-          <p:cNvSpPr>
-            <a:spLocks noGrp="1"/>
-          </p:cNvSpPr>
-          <p:nvPr>
-            <p:ph type="sldNum" sz="quarter" idx="12"/>
-          </p:nvPr>
-        </p:nvSpPr>
-        <p:spPr>
-          <a:xfrm>
-            <a:off x="11281776" y="6336872"/>
-            <a:ext cx="722655" cy="365760"/>
-          </a:xfrm>
-        </p:spPr>
-        <p:txBody>
-          <a:bodyPr vert="horz" lIns="91440" tIns="45720" rIns="91440" bIns="45720" rtlCol="0" anchor="ctr">
-            <a:normAutofit/>
-          </a:bodyPr>
-          <a:lstStyle/>
-          <a:p>
-            <a:pPr defTabSz="914400">
-              <a:spcAft>
-                <a:spcPts val="600"/>
-              </a:spcAft>
-            </a:pPr>
-            <a:r>
-              <a:rPr lang="pl-PL" sz="1400" dirty="0">
-                <a:solidFill>
-                  <a:srgbClr val="FFFFFF"/>
-                </a:solidFill>
-              </a:rPr>
-              <a:t>20</a:t>
-            </a:r>
-            <a:endParaRPr lang="en-US" sz="1400" dirty="0">
-              <a:solidFill>
-                <a:srgbClr val="FFFFFF"/>
-              </a:solidFill>
-            </a:endParaRPr>
-          </a:p>
-        </p:txBody>
-      </p:sp>
-    </p:spTree>
-    <p:extLst>
-      <p:ext uri="{BB962C8B-B14F-4D97-AF65-F5344CB8AC3E}">
-        <p14:creationId xmlns:p14="http://schemas.microsoft.com/office/powerpoint/2010/main" val="1920037621"/>
       </p:ext>
     </p:extLst>
   </p:cSld>
@@ -24587,7 +24303,7 @@
       </p:grpSpPr>
       <p:pic>
         <p:nvPicPr>
-          <p:cNvPr id="59" name="Picture 58">
+          <p:cNvPr id="11" name="Picture 10">
             <a:extLst>
               <a:ext uri="{FF2B5EF4-FFF2-40B4-BE49-F238E27FC236}">
                 <a16:creationId xmlns:a16="http://schemas.microsoft.com/office/drawing/2014/main" id="{5321D838-2C7E-4177-9DD3-DAC78324A2B2}"/>
@@ -24633,7 +24349,7 @@
       </p:pic>
       <p:pic>
         <p:nvPicPr>
-          <p:cNvPr id="61" name="Picture 60">
+          <p:cNvPr id="13" name="Picture 12">
             <a:extLst>
               <a:ext uri="{FF2B5EF4-FFF2-40B4-BE49-F238E27FC236}">
                 <a16:creationId xmlns:a16="http://schemas.microsoft.com/office/drawing/2014/main" id="{0146E45C-1450-4186-B501-74F221F897A8}"/>
@@ -24678,7 +24394,7 @@
       </p:pic>
       <p:pic>
         <p:nvPicPr>
-          <p:cNvPr id="63" name="Picture 62">
+          <p:cNvPr id="15" name="Picture 14">
             <a:extLst>
               <a:ext uri="{FF2B5EF4-FFF2-40B4-BE49-F238E27FC236}">
                 <a16:creationId xmlns:a16="http://schemas.microsoft.com/office/drawing/2014/main" id="{EEDDA48B-BC04-4915-ADA3-A1A9522EB0D1}"/>
@@ -24723,7 +24439,7 @@
       </p:pic>
       <p:sp>
         <p:nvSpPr>
-          <p:cNvPr id="65" name="Rectangle 64">
+          <p:cNvPr id="17" name="Rectangle 16">
             <a:extLst>
               <a:ext uri="{FF2B5EF4-FFF2-40B4-BE49-F238E27FC236}">
                 <a16:creationId xmlns:a16="http://schemas.microsoft.com/office/drawing/2014/main" id="{78C9D07A-5A22-4E55-B18A-47CF07E5080D}"/>
@@ -24781,7 +24497,7 @@
       </p:sp>
       <p:sp>
         <p:nvSpPr>
-          <p:cNvPr id="67" name="Rectangle 66">
+          <p:cNvPr id="19" name="Rectangle 18">
             <a:extLst>
               <a:ext uri="{FF2B5EF4-FFF2-40B4-BE49-F238E27FC236}">
                 <a16:creationId xmlns:a16="http://schemas.microsoft.com/office/drawing/2014/main" id="{3D71E629-0739-4A59-972B-A9E9A4500E31}"/>
@@ -24836,10 +24552,10 @@
       </p:sp>
       <p:sp useBgFill="1">
         <p:nvSpPr>
-          <p:cNvPr id="69" name="Rectangle 68">
+          <p:cNvPr id="21" name="Rectangle 20">
             <a:extLst>
               <a:ext uri="{FF2B5EF4-FFF2-40B4-BE49-F238E27FC236}">
-                <a16:creationId xmlns:a16="http://schemas.microsoft.com/office/drawing/2014/main" id="{2F84762E-7FCC-4EAF-B9E7-CE7214491E0D}"/>
+                <a16:creationId xmlns:a16="http://schemas.microsoft.com/office/drawing/2014/main" id="{00573A24-AD84-4562-A993-7D04E1D18209}"/>
               </a:ext>
               <a:ext uri="{C183D7F6-B498-43B3-948B-1728B52AA6E4}">
                 <adec:decorative xmlns:adec="http://schemas.microsoft.com/office/drawing/2017/decorative" val="1"/>
@@ -24896,10 +24612,10 @@
       </p:sp>
       <p:pic>
         <p:nvPicPr>
-          <p:cNvPr id="71" name="Picture 70">
+          <p:cNvPr id="23" name="Picture 22">
             <a:extLst>
               <a:ext uri="{FF2B5EF4-FFF2-40B4-BE49-F238E27FC236}">
-                <a16:creationId xmlns:a16="http://schemas.microsoft.com/office/drawing/2014/main" id="{927A1389-2A5D-4886-AD82-F213767E673F}"/>
+                <a16:creationId xmlns:a16="http://schemas.microsoft.com/office/drawing/2014/main" id="{B3C087F8-F09C-4C07-B55F-6081689A2413}"/>
               </a:ext>
               <a:ext uri="{C183D7F6-B498-43B3-948B-1728B52AA6E4}">
                 <adec:decorative xmlns:adec="http://schemas.microsoft.com/office/drawing/2017/decorative" val="1"/>
@@ -24932,7 +24648,7 @@
         </p:blipFill>
         <p:spPr>
           <a:xfrm>
-            <a:off x="0" y="-8207"/>
+            <a:off x="0" y="0"/>
             <a:ext cx="12192000" cy="6858000"/>
           </a:xfrm>
           <a:prstGeom prst="rect">
@@ -24942,10 +24658,10 @@
       </p:pic>
       <p:sp>
         <p:nvSpPr>
-          <p:cNvPr id="73" name="Rectangle 72">
+          <p:cNvPr id="25" name="Rectangle 24">
             <a:extLst>
               <a:ext uri="{FF2B5EF4-FFF2-40B4-BE49-F238E27FC236}">
-                <a16:creationId xmlns:a16="http://schemas.microsoft.com/office/drawing/2014/main" id="{A1038667-0C3F-4764-A24D-DA9D9B474851}"/>
+                <a16:creationId xmlns:a16="http://schemas.microsoft.com/office/drawing/2014/main" id="{FC49D257-5737-4C0D-89EA-9C311AF2B8B5}"/>
               </a:ext>
               <a:ext uri="{C183D7F6-B498-43B3-948B-1728B52AA6E4}">
                 <adec:decorative xmlns:adec="http://schemas.microsoft.com/office/drawing/2017/decorative" val="1"/>
@@ -24965,8 +24681,8 @@
         </p:nvSpPr>
         <p:spPr>
           <a:xfrm>
-            <a:off x="4644527" y="0"/>
-            <a:ext cx="7552944" cy="6858001"/>
+            <a:off x="6099176" y="0"/>
+            <a:ext cx="6092824" cy="6858001"/>
           </a:xfrm>
           <a:prstGeom prst="rect">
             <a:avLst/>
@@ -25002,10 +24718,10 @@
       </p:sp>
       <p:pic>
         <p:nvPicPr>
-          <p:cNvPr id="75" name="Picture 74">
+          <p:cNvPr id="27" name="Picture 26">
             <a:extLst>
               <a:ext uri="{FF2B5EF4-FFF2-40B4-BE49-F238E27FC236}">
-                <a16:creationId xmlns:a16="http://schemas.microsoft.com/office/drawing/2014/main" id="{6AC2195B-895A-4535-8ECD-9F5B669C5CA5}"/>
+                <a16:creationId xmlns:a16="http://schemas.microsoft.com/office/drawing/2014/main" id="{E13D267A-94F5-488A-94C6-5D7156D9AF8C}"/>
               </a:ext>
               <a:ext uri="{C183D7F6-B498-43B3-948B-1728B52AA6E4}">
                 <adec:decorative xmlns:adec="http://schemas.microsoft.com/office/drawing/2017/decorative" val="1"/>
@@ -25024,7 +24740,7 @@
           </p:nvPr>
         </p:nvPicPr>
         <p:blipFill>
-          <a:blip r:embed="rId5" cstate="print">
+          <a:blip r:embed="rId3">
             <a:extLst>
               <a:ext uri="{28A0092B-C50C-407E-A947-70E740481C1C}">
                 <a14:useLocalDpi xmlns:a14="http://schemas.microsoft.com/office/drawing/2010/main" val="0"/>
@@ -25037,8 +24753,8 @@
         </p:blipFill>
         <p:spPr>
           <a:xfrm>
-            <a:off x="1" y="5006045"/>
-            <a:ext cx="4965192" cy="144049"/>
+            <a:off x="1" y="4688333"/>
+            <a:ext cx="6400800" cy="185701"/>
           </a:xfrm>
           <a:prstGeom prst="rect">
             <a:avLst/>
@@ -25047,10 +24763,10 @@
       </p:pic>
       <p:sp>
         <p:nvSpPr>
-          <p:cNvPr id="77" name="Rectangle 76">
+          <p:cNvPr id="29" name="Rectangle 28">
             <a:extLst>
               <a:ext uri="{FF2B5EF4-FFF2-40B4-BE49-F238E27FC236}">
-                <a16:creationId xmlns:a16="http://schemas.microsoft.com/office/drawing/2014/main" id="{571EEFCA-9235-4BC2-85C3-A4EC6EE57AC4}"/>
+                <a16:creationId xmlns:a16="http://schemas.microsoft.com/office/drawing/2014/main" id="{46CE3EB2-91DF-4F5D-8874-744AAAE311E1}"/>
               </a:ext>
               <a:ext uri="{C183D7F6-B498-43B3-948B-1728B52AA6E4}">
                 <adec:decorative xmlns:adec="http://schemas.microsoft.com/office/drawing/2017/decorative" val="1"/>
@@ -25070,8 +24786,8 @@
         </p:nvSpPr>
         <p:spPr>
           <a:xfrm>
-            <a:off x="-1" y="1838764"/>
-            <a:ext cx="4964567" cy="3180473"/>
+            <a:off x="-1" y="2162908"/>
+            <a:ext cx="6411743" cy="2532185"/>
           </a:xfrm>
           <a:prstGeom prst="rect">
             <a:avLst/>
@@ -25108,7 +24824,7 @@
           <p:cNvPr id="2" name="Tytuł 1">
             <a:extLst>
               <a:ext uri="{FF2B5EF4-FFF2-40B4-BE49-F238E27FC236}">
-                <a16:creationId xmlns:a16="http://schemas.microsoft.com/office/drawing/2014/main" id="{E1F8C03E-5A14-439F-B27D-CDD677731858}"/>
+                <a16:creationId xmlns:a16="http://schemas.microsoft.com/office/drawing/2014/main" id="{19DA3A90-709B-45A7-A9D0-9ABDD69621A6}"/>
               </a:ext>
             </a:extLst>
           </p:cNvPr>
@@ -25121,8 +24837,8 @@
         </p:nvSpPr>
         <p:spPr>
           <a:xfrm>
-            <a:off x="680322" y="2063262"/>
-            <a:ext cx="3739278" cy="2661138"/>
+            <a:off x="153989" y="2353444"/>
+            <a:ext cx="6092824" cy="2133600"/>
           </a:xfrm>
         </p:spPr>
         <p:txBody>
@@ -25133,16 +24849,24 @@
           <a:p>
             <a:pPr algn="r"/>
             <a:r>
-              <a:rPr lang="en-US" sz="5400"/>
-              <a:t>Wydanie</a:t>
+              <a:rPr lang="en-US" sz="5400" dirty="0" err="1"/>
+              <a:t>Oferta</a:t>
             </a:r>
             <a:r>
               <a:rPr lang="en-US" sz="5400" dirty="0"/>
               <a:t> </a:t>
             </a:r>
             <a:r>
-              <a:rPr lang="en-US" sz="5400"/>
-              <a:t>faktury</a:t>
+              <a:rPr lang="en-US" sz="5400" dirty="0" err="1"/>
+              <a:t>dla</a:t>
+            </a:r>
+            <a:r>
+              <a:rPr lang="en-US" sz="5400" dirty="0"/>
+              <a:t> </a:t>
+            </a:r>
+            <a:r>
+              <a:rPr lang="en-US" sz="5400" dirty="0" err="1"/>
+              <a:t>klienta</a:t>
             </a:r>
             <a:endParaRPr lang="en-US" sz="5400" dirty="0"/>
           </a:p>
@@ -25150,10 +24874,10 @@
       </p:sp>
       <p:pic>
         <p:nvPicPr>
-          <p:cNvPr id="8" name="Grafika 7">
+          <p:cNvPr id="6" name="Grafika 5">
             <a:extLst>
               <a:ext uri="{FF2B5EF4-FFF2-40B4-BE49-F238E27FC236}">
-                <a16:creationId xmlns:a16="http://schemas.microsoft.com/office/drawing/2014/main" id="{B5B8E344-7EF3-4110-8517-BC070B32CE01}"/>
+                <a16:creationId xmlns:a16="http://schemas.microsoft.com/office/drawing/2014/main" id="{9D52F2D7-8BE2-47E9-A38D-0154EE4E9BF4}"/>
               </a:ext>
             </a:extLst>
           </p:cNvPr>
@@ -25163,13 +24887,13 @@
           <p:nvPr/>
         </p:nvPicPr>
         <p:blipFill>
-          <a:blip r:embed="rId6">
+          <a:blip r:embed="rId5">
             <a:extLst>
               <a:ext uri="{28A0092B-C50C-407E-A947-70E740481C1C}">
                 <a14:useLocalDpi xmlns:a14="http://schemas.microsoft.com/office/drawing/2010/main" val="0"/>
               </a:ext>
               <a:ext uri="{96DAC541-7B7A-43D3-8B79-37D633B846F1}">
-                <asvg:svgBlip xmlns:asvg="http://schemas.microsoft.com/office/drawing/2016/SVG/main" r:embed="rId7"/>
+                <asvg:svgBlip xmlns:asvg="http://schemas.microsoft.com/office/drawing/2016/SVG/main" r:embed="rId6"/>
               </a:ext>
             </a:extLst>
           </a:blip>
@@ -25179,8 +24903,8 @@
         </p:blipFill>
         <p:spPr>
           <a:xfrm>
-            <a:off x="5189493" y="243191"/>
-            <a:ext cx="6597241" cy="6233613"/>
+            <a:off x="6411742" y="641987"/>
+            <a:ext cx="5682703" cy="5539517"/>
           </a:xfrm>
           <a:prstGeom prst="rect">
             <a:avLst/>
@@ -25202,7 +24926,7 @@
           <p:cNvPr id="3" name="Symbol zastępczy numeru slajdu 2">
             <a:extLst>
               <a:ext uri="{FF2B5EF4-FFF2-40B4-BE49-F238E27FC236}">
-                <a16:creationId xmlns:a16="http://schemas.microsoft.com/office/drawing/2014/main" id="{59A3BE92-0BF7-41DD-BDA8-C8E38AD38D2E}"/>
+                <a16:creationId xmlns:a16="http://schemas.microsoft.com/office/drawing/2014/main" id="{E2E58A61-4D6C-4842-B21E-D1F4E52A61A8}"/>
               </a:ext>
             </a:extLst>
           </p:cNvPr>
@@ -25236,7 +24960,7 @@
                   <a:srgbClr val="FFFFFF"/>
                 </a:solidFill>
               </a:rPr>
-              <a:t>21</a:t>
+              <a:t>19</a:t>
             </a:r>
             <a:endParaRPr lang="en-US" sz="1400" dirty="0">
               <a:solidFill>
@@ -25249,7 +24973,7 @@
     </p:spTree>
     <p:extLst>
       <p:ext uri="{BB962C8B-B14F-4D97-AF65-F5344CB8AC3E}">
-        <p14:creationId xmlns:p14="http://schemas.microsoft.com/office/powerpoint/2010/main" val="3936350770"/>
+        <p14:creationId xmlns:p14="http://schemas.microsoft.com/office/powerpoint/2010/main" val="832810156"/>
       </p:ext>
     </p:extLst>
   </p:cSld>
@@ -25834,7 +25558,7 @@
           <p:cNvPr id="2" name="Tytuł 1">
             <a:extLst>
               <a:ext uri="{FF2B5EF4-FFF2-40B4-BE49-F238E27FC236}">
-                <a16:creationId xmlns:a16="http://schemas.microsoft.com/office/drawing/2014/main" id="{FADA5054-ACC2-481A-94EC-C1483A2C0ACB}"/>
+                <a16:creationId xmlns:a16="http://schemas.microsoft.com/office/drawing/2014/main" id="{9A9CFD2E-1CB9-4BE0-A19F-39F50F06787F}"/>
               </a:ext>
             </a:extLst>
           </p:cNvPr>
@@ -25860,7 +25584,7 @@
             <a:pPr algn="r"/>
             <a:r>
               <a:rPr lang="en-US" sz="5400"/>
-              <a:t>Wpływy</a:t>
+              <a:t>Wypłata</a:t>
             </a:r>
           </a:p>
         </p:txBody>
@@ -25870,7 +25594,7 @@
           <p:cNvPr id="6" name="Grafika 5">
             <a:extLst>
               <a:ext uri="{FF2B5EF4-FFF2-40B4-BE49-F238E27FC236}">
-                <a16:creationId xmlns:a16="http://schemas.microsoft.com/office/drawing/2014/main" id="{5ED646B7-DFC7-4216-89FF-22CCBBD3AAD1}"/>
+                <a16:creationId xmlns:a16="http://schemas.microsoft.com/office/drawing/2014/main" id="{85F13346-7A7E-42F0-9E19-DD3D04A713B3}"/>
               </a:ext>
             </a:extLst>
           </p:cNvPr>
@@ -25896,8 +25620,8 @@
         </p:blipFill>
         <p:spPr>
           <a:xfrm>
-            <a:off x="6397382" y="1001948"/>
-            <a:ext cx="5575055" cy="4557781"/>
+            <a:off x="6748892" y="363396"/>
+            <a:ext cx="4585511" cy="6213269"/>
           </a:xfrm>
           <a:prstGeom prst="rect">
             <a:avLst/>
@@ -25919,7 +25643,7 @@
           <p:cNvPr id="3" name="Symbol zastępczy numeru slajdu 2">
             <a:extLst>
               <a:ext uri="{FF2B5EF4-FFF2-40B4-BE49-F238E27FC236}">
-                <a16:creationId xmlns:a16="http://schemas.microsoft.com/office/drawing/2014/main" id="{EECA07A0-4F22-44BB-935D-0F857413D751}"/>
+                <a16:creationId xmlns:a16="http://schemas.microsoft.com/office/drawing/2014/main" id="{CE7AD045-BE5B-4573-88F7-306DABEE216F}"/>
               </a:ext>
             </a:extLst>
           </p:cNvPr>
@@ -25953,7 +25677,7 @@
                   <a:srgbClr val="FFFFFF"/>
                 </a:solidFill>
               </a:rPr>
-              <a:t>22</a:t>
+              <a:t>20</a:t>
             </a:r>
             <a:endParaRPr lang="en-US" sz="1400" dirty="0">
               <a:solidFill>
@@ -25966,7 +25690,7 @@
     </p:spTree>
     <p:extLst>
       <p:ext uri="{BB962C8B-B14F-4D97-AF65-F5344CB8AC3E}">
-        <p14:creationId xmlns:p14="http://schemas.microsoft.com/office/powerpoint/2010/main" val="2035800844"/>
+        <p14:creationId xmlns:p14="http://schemas.microsoft.com/office/powerpoint/2010/main" val="1920037621"/>
       </p:ext>
     </p:extLst>
   </p:cSld>
@@ -26030,7 +25754,7 @@
       </p:grpSpPr>
       <p:pic>
         <p:nvPicPr>
-          <p:cNvPr id="10" name="Picture 9">
+          <p:cNvPr id="59" name="Picture 58">
             <a:extLst>
               <a:ext uri="{FF2B5EF4-FFF2-40B4-BE49-F238E27FC236}">
                 <a16:creationId xmlns:a16="http://schemas.microsoft.com/office/drawing/2014/main" id="{5321D838-2C7E-4177-9DD3-DAC78324A2B2}"/>
@@ -26076,7 +25800,7 @@
       </p:pic>
       <p:pic>
         <p:nvPicPr>
-          <p:cNvPr id="12" name="Picture 11">
+          <p:cNvPr id="61" name="Picture 60">
             <a:extLst>
               <a:ext uri="{FF2B5EF4-FFF2-40B4-BE49-F238E27FC236}">
                 <a16:creationId xmlns:a16="http://schemas.microsoft.com/office/drawing/2014/main" id="{0146E45C-1450-4186-B501-74F221F897A8}"/>
@@ -26121,7 +25845,7 @@
       </p:pic>
       <p:pic>
         <p:nvPicPr>
-          <p:cNvPr id="14" name="Picture 13">
+          <p:cNvPr id="63" name="Picture 62">
             <a:extLst>
               <a:ext uri="{FF2B5EF4-FFF2-40B4-BE49-F238E27FC236}">
                 <a16:creationId xmlns:a16="http://schemas.microsoft.com/office/drawing/2014/main" id="{EEDDA48B-BC04-4915-ADA3-A1A9522EB0D1}"/>
@@ -26166,7 +25890,7 @@
       </p:pic>
       <p:sp>
         <p:nvSpPr>
-          <p:cNvPr id="16" name="Rectangle 15">
+          <p:cNvPr id="65" name="Rectangle 64">
             <a:extLst>
               <a:ext uri="{FF2B5EF4-FFF2-40B4-BE49-F238E27FC236}">
                 <a16:creationId xmlns:a16="http://schemas.microsoft.com/office/drawing/2014/main" id="{78C9D07A-5A22-4E55-B18A-47CF07E5080D}"/>
@@ -26224,7 +25948,7 @@
       </p:sp>
       <p:sp>
         <p:nvSpPr>
-          <p:cNvPr id="18" name="Rectangle 17">
+          <p:cNvPr id="67" name="Rectangle 66">
             <a:extLst>
               <a:ext uri="{FF2B5EF4-FFF2-40B4-BE49-F238E27FC236}">
                 <a16:creationId xmlns:a16="http://schemas.microsoft.com/office/drawing/2014/main" id="{3D71E629-0739-4A59-972B-A9E9A4500E31}"/>
@@ -26279,10 +26003,10 @@
       </p:sp>
       <p:sp useBgFill="1">
         <p:nvSpPr>
-          <p:cNvPr id="20" name="Rectangle 19">
+          <p:cNvPr id="69" name="Rectangle 68">
             <a:extLst>
               <a:ext uri="{FF2B5EF4-FFF2-40B4-BE49-F238E27FC236}">
-                <a16:creationId xmlns:a16="http://schemas.microsoft.com/office/drawing/2014/main" id="{00573A24-AD84-4562-A993-7D04E1D18209}"/>
+                <a16:creationId xmlns:a16="http://schemas.microsoft.com/office/drawing/2014/main" id="{2F84762E-7FCC-4EAF-B9E7-CE7214491E0D}"/>
               </a:ext>
               <a:ext uri="{C183D7F6-B498-43B3-948B-1728B52AA6E4}">
                 <adec:decorative xmlns:adec="http://schemas.microsoft.com/office/drawing/2017/decorative" val="1"/>
@@ -26339,7 +26063,733 @@
       </p:sp>
       <p:pic>
         <p:nvPicPr>
-          <p:cNvPr id="22" name="Picture 21">
+          <p:cNvPr id="71" name="Picture 70">
+            <a:extLst>
+              <a:ext uri="{FF2B5EF4-FFF2-40B4-BE49-F238E27FC236}">
+                <a16:creationId xmlns:a16="http://schemas.microsoft.com/office/drawing/2014/main" id="{927A1389-2A5D-4886-AD82-F213767E673F}"/>
+              </a:ext>
+              <a:ext uri="{C183D7F6-B498-43B3-948B-1728B52AA6E4}">
+                <adec:decorative xmlns:adec="http://schemas.microsoft.com/office/drawing/2017/decorative" val="1"/>
+              </a:ext>
+            </a:extLst>
+          </p:cNvPr>
+          <p:cNvPicPr>
+            <a:picLocks noGrp="1" noRot="1" noChangeAspect="1" noMove="1" noResize="1" noEditPoints="1" noAdjustHandles="1" noChangeArrowheads="1" noChangeShapeType="1" noCrop="1"/>
+          </p:cNvPicPr>
+          <p:nvPr>
+            <p:extLst>
+              <p:ext uri="{386F3935-93C4-4BCD-93E2-E3B085C9AB24}">
+                <p16:designElem xmlns:p16="http://schemas.microsoft.com/office/powerpoint/2015/main" val="1"/>
+              </p:ext>
+            </p:extLst>
+          </p:nvPr>
+        </p:nvPicPr>
+        <p:blipFill>
+          <a:blip r:embed="rId2">
+            <a:alphaModFix amt="10000"/>
+            <a:extLst>
+              <a:ext uri="{28A0092B-C50C-407E-A947-70E740481C1C}">
+                <a14:useLocalDpi xmlns:a14="http://schemas.microsoft.com/office/drawing/2010/main" val="0"/>
+              </a:ext>
+            </a:extLst>
+          </a:blip>
+          <a:stretch>
+            <a:fillRect/>
+          </a:stretch>
+        </p:blipFill>
+        <p:spPr>
+          <a:xfrm>
+            <a:off x="0" y="-8207"/>
+            <a:ext cx="12192000" cy="6858000"/>
+          </a:xfrm>
+          <a:prstGeom prst="rect">
+            <a:avLst/>
+          </a:prstGeom>
+        </p:spPr>
+      </p:pic>
+      <p:sp>
+        <p:nvSpPr>
+          <p:cNvPr id="73" name="Rectangle 72">
+            <a:extLst>
+              <a:ext uri="{FF2B5EF4-FFF2-40B4-BE49-F238E27FC236}">
+                <a16:creationId xmlns:a16="http://schemas.microsoft.com/office/drawing/2014/main" id="{A1038667-0C3F-4764-A24D-DA9D9B474851}"/>
+              </a:ext>
+              <a:ext uri="{C183D7F6-B498-43B3-948B-1728B52AA6E4}">
+                <adec:decorative xmlns:adec="http://schemas.microsoft.com/office/drawing/2017/decorative" val="1"/>
+              </a:ext>
+            </a:extLst>
+          </p:cNvPr>
+          <p:cNvSpPr>
+            <a:spLocks noGrp="1" noRot="1" noChangeAspect="1" noMove="1" noResize="1" noEditPoints="1" noAdjustHandles="1" noChangeArrowheads="1" noChangeShapeType="1" noTextEdit="1"/>
+          </p:cNvSpPr>
+          <p:nvPr>
+            <p:extLst>
+              <p:ext uri="{386F3935-93C4-4BCD-93E2-E3B085C9AB24}">
+                <p16:designElem xmlns:p16="http://schemas.microsoft.com/office/powerpoint/2015/main" val="1"/>
+              </p:ext>
+            </p:extLst>
+          </p:nvPr>
+        </p:nvSpPr>
+        <p:spPr>
+          <a:xfrm>
+            <a:off x="4644527" y="0"/>
+            <a:ext cx="7552944" cy="6858001"/>
+          </a:xfrm>
+          <a:prstGeom prst="rect">
+            <a:avLst/>
+          </a:prstGeom>
+          <a:ln>
+            <a:noFill/>
+          </a:ln>
+        </p:spPr>
+        <p:style>
+          <a:lnRef idx="2">
+            <a:schemeClr val="accent1">
+              <a:shade val="50000"/>
+            </a:schemeClr>
+          </a:lnRef>
+          <a:fillRef idx="1">
+            <a:schemeClr val="accent1"/>
+          </a:fillRef>
+          <a:effectRef idx="0">
+            <a:schemeClr val="accent1"/>
+          </a:effectRef>
+          <a:fontRef idx="minor">
+            <a:schemeClr val="lt1"/>
+          </a:fontRef>
+        </p:style>
+        <p:txBody>
+          <a:bodyPr rtlCol="0" anchor="ctr"/>
+          <a:lstStyle/>
+          <a:p>
+            <a:pPr algn="ctr"/>
+            <a:endParaRPr lang="en-US"/>
+          </a:p>
+        </p:txBody>
+      </p:sp>
+      <p:pic>
+        <p:nvPicPr>
+          <p:cNvPr id="75" name="Picture 74">
+            <a:extLst>
+              <a:ext uri="{FF2B5EF4-FFF2-40B4-BE49-F238E27FC236}">
+                <a16:creationId xmlns:a16="http://schemas.microsoft.com/office/drawing/2014/main" id="{6AC2195B-895A-4535-8ECD-9F5B669C5CA5}"/>
+              </a:ext>
+              <a:ext uri="{C183D7F6-B498-43B3-948B-1728B52AA6E4}">
+                <adec:decorative xmlns:adec="http://schemas.microsoft.com/office/drawing/2017/decorative" val="1"/>
+              </a:ext>
+            </a:extLst>
+          </p:cNvPr>
+          <p:cNvPicPr>
+            <a:picLocks noGrp="1" noRot="1" noChangeAspect="1" noMove="1" noResize="1" noEditPoints="1" noAdjustHandles="1" noChangeArrowheads="1" noChangeShapeType="1" noCrop="1"/>
+          </p:cNvPicPr>
+          <p:nvPr>
+            <p:extLst>
+              <p:ext uri="{386F3935-93C4-4BCD-93E2-E3B085C9AB24}">
+                <p16:designElem xmlns:p16="http://schemas.microsoft.com/office/powerpoint/2015/main" val="1"/>
+              </p:ext>
+            </p:extLst>
+          </p:nvPr>
+        </p:nvPicPr>
+        <p:blipFill>
+          <a:blip r:embed="rId5" cstate="print">
+            <a:extLst>
+              <a:ext uri="{28A0092B-C50C-407E-A947-70E740481C1C}">
+                <a14:useLocalDpi xmlns:a14="http://schemas.microsoft.com/office/drawing/2010/main" val="0"/>
+              </a:ext>
+            </a:extLst>
+          </a:blip>
+          <a:stretch>
+            <a:fillRect/>
+          </a:stretch>
+        </p:blipFill>
+        <p:spPr>
+          <a:xfrm>
+            <a:off x="1" y="5006045"/>
+            <a:ext cx="4965192" cy="144049"/>
+          </a:xfrm>
+          <a:prstGeom prst="rect">
+            <a:avLst/>
+          </a:prstGeom>
+        </p:spPr>
+      </p:pic>
+      <p:sp>
+        <p:nvSpPr>
+          <p:cNvPr id="77" name="Rectangle 76">
+            <a:extLst>
+              <a:ext uri="{FF2B5EF4-FFF2-40B4-BE49-F238E27FC236}">
+                <a16:creationId xmlns:a16="http://schemas.microsoft.com/office/drawing/2014/main" id="{571EEFCA-9235-4BC2-85C3-A4EC6EE57AC4}"/>
+              </a:ext>
+              <a:ext uri="{C183D7F6-B498-43B3-948B-1728B52AA6E4}">
+                <adec:decorative xmlns:adec="http://schemas.microsoft.com/office/drawing/2017/decorative" val="1"/>
+              </a:ext>
+            </a:extLst>
+          </p:cNvPr>
+          <p:cNvSpPr>
+            <a:spLocks noGrp="1" noRot="1" noChangeAspect="1" noMove="1" noResize="1" noEditPoints="1" noAdjustHandles="1" noChangeArrowheads="1" noChangeShapeType="1" noTextEdit="1"/>
+          </p:cNvSpPr>
+          <p:nvPr>
+            <p:extLst>
+              <p:ext uri="{386F3935-93C4-4BCD-93E2-E3B085C9AB24}">
+                <p16:designElem xmlns:p16="http://schemas.microsoft.com/office/powerpoint/2015/main" val="1"/>
+              </p:ext>
+            </p:extLst>
+          </p:nvPr>
+        </p:nvSpPr>
+        <p:spPr>
+          <a:xfrm>
+            <a:off x="-1" y="1838764"/>
+            <a:ext cx="4964567" cy="3180473"/>
+          </a:xfrm>
+          <a:prstGeom prst="rect">
+            <a:avLst/>
+          </a:prstGeom>
+          <a:solidFill>
+            <a:schemeClr val="bg1">
+              <a:lumMod val="85000"/>
+              <a:lumOff val="15000"/>
+            </a:schemeClr>
+          </a:solidFill>
+          <a:ln>
+            <a:noFill/>
+          </a:ln>
+        </p:spPr>
+        <p:style>
+          <a:lnRef idx="2">
+            <a:schemeClr val="accent1">
+              <a:shade val="50000"/>
+            </a:schemeClr>
+          </a:lnRef>
+          <a:fillRef idx="1">
+            <a:schemeClr val="accent1"/>
+          </a:fillRef>
+          <a:effectRef idx="0">
+            <a:schemeClr val="accent1"/>
+          </a:effectRef>
+          <a:fontRef idx="minor">
+            <a:schemeClr val="lt1"/>
+          </a:fontRef>
+        </p:style>
+      </p:sp>
+      <p:sp>
+        <p:nvSpPr>
+          <p:cNvPr id="2" name="Tytuł 1">
+            <a:extLst>
+              <a:ext uri="{FF2B5EF4-FFF2-40B4-BE49-F238E27FC236}">
+                <a16:creationId xmlns:a16="http://schemas.microsoft.com/office/drawing/2014/main" id="{E1F8C03E-5A14-439F-B27D-CDD677731858}"/>
+              </a:ext>
+            </a:extLst>
+          </p:cNvPr>
+          <p:cNvSpPr>
+            <a:spLocks noGrp="1"/>
+          </p:cNvSpPr>
+          <p:nvPr>
+            <p:ph type="title"/>
+          </p:nvPr>
+        </p:nvSpPr>
+        <p:spPr>
+          <a:xfrm>
+            <a:off x="680322" y="2063262"/>
+            <a:ext cx="3739278" cy="2661138"/>
+          </a:xfrm>
+        </p:spPr>
+        <p:txBody>
+          <a:bodyPr vert="horz" lIns="91440" tIns="45720" rIns="91440" bIns="45720" rtlCol="0" anchor="ctr">
+            <a:normAutofit/>
+          </a:bodyPr>
+          <a:lstStyle/>
+          <a:p>
+            <a:pPr algn="r"/>
+            <a:r>
+              <a:rPr lang="en-US" sz="5400"/>
+              <a:t>Wydanie</a:t>
+            </a:r>
+            <a:r>
+              <a:rPr lang="en-US" sz="5400" dirty="0"/>
+              <a:t> </a:t>
+            </a:r>
+            <a:r>
+              <a:rPr lang="en-US" sz="5400"/>
+              <a:t>faktury</a:t>
+            </a:r>
+            <a:endParaRPr lang="en-US" sz="5400" dirty="0"/>
+          </a:p>
+        </p:txBody>
+      </p:sp>
+      <p:pic>
+        <p:nvPicPr>
+          <p:cNvPr id="8" name="Grafika 7">
+            <a:extLst>
+              <a:ext uri="{FF2B5EF4-FFF2-40B4-BE49-F238E27FC236}">
+                <a16:creationId xmlns:a16="http://schemas.microsoft.com/office/drawing/2014/main" id="{B5B8E344-7EF3-4110-8517-BC070B32CE01}"/>
+              </a:ext>
+            </a:extLst>
+          </p:cNvPr>
+          <p:cNvPicPr>
+            <a:picLocks noChangeAspect="1"/>
+          </p:cNvPicPr>
+          <p:nvPr/>
+        </p:nvPicPr>
+        <p:blipFill>
+          <a:blip r:embed="rId6">
+            <a:extLst>
+              <a:ext uri="{28A0092B-C50C-407E-A947-70E740481C1C}">
+                <a14:useLocalDpi xmlns:a14="http://schemas.microsoft.com/office/drawing/2010/main" val="0"/>
+              </a:ext>
+              <a:ext uri="{96DAC541-7B7A-43D3-8B79-37D633B846F1}">
+                <asvg:svgBlip xmlns:asvg="http://schemas.microsoft.com/office/drawing/2016/SVG/main" r:embed="rId7"/>
+              </a:ext>
+            </a:extLst>
+          </a:blip>
+          <a:stretch>
+            <a:fillRect/>
+          </a:stretch>
+        </p:blipFill>
+        <p:spPr>
+          <a:xfrm>
+            <a:off x="5189493" y="243191"/>
+            <a:ext cx="6597241" cy="6233613"/>
+          </a:xfrm>
+          <a:prstGeom prst="rect">
+            <a:avLst/>
+          </a:prstGeom>
+          <a:ln>
+            <a:noFill/>
+          </a:ln>
+          <a:effectLst>
+            <a:outerShdw blurRad="76200" dist="63500" dir="5040000" algn="tl" rotWithShape="0">
+              <a:srgbClr val="000000">
+                <a:alpha val="41000"/>
+              </a:srgbClr>
+            </a:outerShdw>
+          </a:effectLst>
+        </p:spPr>
+      </p:pic>
+      <p:sp>
+        <p:nvSpPr>
+          <p:cNvPr id="3" name="Symbol zastępczy numeru slajdu 2">
+            <a:extLst>
+              <a:ext uri="{FF2B5EF4-FFF2-40B4-BE49-F238E27FC236}">
+                <a16:creationId xmlns:a16="http://schemas.microsoft.com/office/drawing/2014/main" id="{59A3BE92-0BF7-41DD-BDA8-C8E38AD38D2E}"/>
+              </a:ext>
+            </a:extLst>
+          </p:cNvPr>
+          <p:cNvSpPr>
+            <a:spLocks noGrp="1"/>
+          </p:cNvSpPr>
+          <p:nvPr>
+            <p:ph type="sldNum" sz="quarter" idx="12"/>
+          </p:nvPr>
+        </p:nvSpPr>
+        <p:spPr>
+          <a:xfrm>
+            <a:off x="11281776" y="6336872"/>
+            <a:ext cx="722655" cy="365760"/>
+          </a:xfrm>
+        </p:spPr>
+        <p:txBody>
+          <a:bodyPr vert="horz" lIns="91440" tIns="45720" rIns="91440" bIns="45720" rtlCol="0" anchor="ctr">
+            <a:normAutofit/>
+          </a:bodyPr>
+          <a:lstStyle/>
+          <a:p>
+            <a:pPr defTabSz="914400">
+              <a:spcAft>
+                <a:spcPts val="600"/>
+              </a:spcAft>
+            </a:pPr>
+            <a:r>
+              <a:rPr lang="pl-PL" sz="1400" dirty="0">
+                <a:solidFill>
+                  <a:srgbClr val="FFFFFF"/>
+                </a:solidFill>
+              </a:rPr>
+              <a:t>21</a:t>
+            </a:r>
+            <a:endParaRPr lang="en-US" sz="1400" dirty="0">
+              <a:solidFill>
+                <a:srgbClr val="FFFFFF"/>
+              </a:solidFill>
+            </a:endParaRPr>
+          </a:p>
+        </p:txBody>
+      </p:sp>
+    </p:spTree>
+    <p:extLst>
+      <p:ext uri="{BB962C8B-B14F-4D97-AF65-F5344CB8AC3E}">
+        <p14:creationId xmlns:p14="http://schemas.microsoft.com/office/powerpoint/2010/main" val="3936350770"/>
+      </p:ext>
+    </p:extLst>
+  </p:cSld>
+  <p:clrMapOvr>
+    <a:masterClrMapping/>
+  </p:clrMapOvr>
+</p:sld>
+</file>
+
+<file path=ppt/slides/slide38.xml><?xml version="1.0" encoding="utf-8"?>
+<p:sld xmlns:a="http://schemas.openxmlformats.org/drawingml/2006/main" xmlns:r="http://schemas.openxmlformats.org/officeDocument/2006/relationships" xmlns:p="http://schemas.openxmlformats.org/presentationml/2006/main">
+  <p:cSld>
+    <p:bg>
+      <p:bgPr>
+        <a:gradFill rotWithShape="1">
+          <a:gsLst>
+            <a:gs pos="0">
+              <a:schemeClr val="bg2">
+                <a:tint val="96000"/>
+                <a:shade val="100000"/>
+                <a:hueMod val="270000"/>
+                <a:satMod val="200000"/>
+                <a:lumMod val="128000"/>
+              </a:schemeClr>
+            </a:gs>
+            <a:gs pos="50000">
+              <a:schemeClr val="bg2">
+                <a:shade val="100000"/>
+                <a:hueMod val="100000"/>
+                <a:satMod val="110000"/>
+                <a:lumMod val="130000"/>
+              </a:schemeClr>
+            </a:gs>
+            <a:gs pos="100000">
+              <a:schemeClr val="bg2">
+                <a:shade val="78000"/>
+                <a:hueMod val="44000"/>
+                <a:satMod val="200000"/>
+                <a:lumMod val="69000"/>
+              </a:schemeClr>
+            </a:gs>
+          </a:gsLst>
+          <a:lin ang="2520000" scaled="0"/>
+        </a:gradFill>
+        <a:effectLst/>
+      </p:bgPr>
+    </p:bg>
+    <p:spTree>
+      <p:nvGrpSpPr>
+        <p:cNvPr id="1" name=""/>
+        <p:cNvGrpSpPr/>
+        <p:nvPr/>
+      </p:nvGrpSpPr>
+      <p:grpSpPr>
+        <a:xfrm>
+          <a:off x="0" y="0"/>
+          <a:ext cx="0" cy="0"/>
+          <a:chOff x="0" y="0"/>
+          <a:chExt cx="0" cy="0"/>
+        </a:xfrm>
+      </p:grpSpPr>
+      <p:pic>
+        <p:nvPicPr>
+          <p:cNvPr id="11" name="Picture 10">
+            <a:extLst>
+              <a:ext uri="{FF2B5EF4-FFF2-40B4-BE49-F238E27FC236}">
+                <a16:creationId xmlns:a16="http://schemas.microsoft.com/office/drawing/2014/main" id="{5321D838-2C7E-4177-9DD3-DAC78324A2B2}"/>
+              </a:ext>
+              <a:ext uri="{C183D7F6-B498-43B3-948B-1728B52AA6E4}">
+                <adec:decorative xmlns:adec="http://schemas.microsoft.com/office/drawing/2017/decorative" val="1"/>
+              </a:ext>
+            </a:extLst>
+          </p:cNvPr>
+          <p:cNvPicPr>
+            <a:picLocks noGrp="1" noRot="1" noChangeAspect="1" noMove="1" noResize="1" noEditPoints="1" noAdjustHandles="1" noChangeArrowheads="1" noChangeShapeType="1" noCrop="1"/>
+          </p:cNvPicPr>
+          <p:nvPr>
+            <p:extLst>
+              <p:ext uri="{386F3935-93C4-4BCD-93E2-E3B085C9AB24}">
+                <p16:designElem xmlns:p16="http://schemas.microsoft.com/office/powerpoint/2015/main" val="1"/>
+              </p:ext>
+            </p:extLst>
+          </p:nvPr>
+        </p:nvPicPr>
+        <p:blipFill>
+          <a:blip r:embed="rId2">
+            <a:alphaModFix amt="10000"/>
+            <a:extLst>
+              <a:ext uri="{28A0092B-C50C-407E-A947-70E740481C1C}">
+                <a14:useLocalDpi xmlns:a14="http://schemas.microsoft.com/office/drawing/2010/main" val="0"/>
+              </a:ext>
+            </a:extLst>
+          </a:blip>
+          <a:stretch>
+            <a:fillRect/>
+          </a:stretch>
+        </p:blipFill>
+        <p:spPr>
+          <a:xfrm>
+            <a:off x="0" y="0"/>
+            <a:ext cx="12192000" cy="6858000"/>
+          </a:xfrm>
+          <a:prstGeom prst="rect">
+            <a:avLst/>
+          </a:prstGeom>
+        </p:spPr>
+      </p:pic>
+      <p:pic>
+        <p:nvPicPr>
+          <p:cNvPr id="13" name="Picture 12">
+            <a:extLst>
+              <a:ext uri="{FF2B5EF4-FFF2-40B4-BE49-F238E27FC236}">
+                <a16:creationId xmlns:a16="http://schemas.microsoft.com/office/drawing/2014/main" id="{0146E45C-1450-4186-B501-74F221F897A8}"/>
+              </a:ext>
+              <a:ext uri="{C183D7F6-B498-43B3-948B-1728B52AA6E4}">
+                <adec:decorative xmlns:adec="http://schemas.microsoft.com/office/drawing/2017/decorative" val="1"/>
+              </a:ext>
+            </a:extLst>
+          </p:cNvPr>
+          <p:cNvPicPr>
+            <a:picLocks noGrp="1" noRot="1" noChangeAspect="1" noMove="1" noResize="1" noEditPoints="1" noAdjustHandles="1" noChangeArrowheads="1" noChangeShapeType="1" noCrop="1"/>
+          </p:cNvPicPr>
+          <p:nvPr>
+            <p:extLst>
+              <p:ext uri="{386F3935-93C4-4BCD-93E2-E3B085C9AB24}">
+                <p16:designElem xmlns:p16="http://schemas.microsoft.com/office/powerpoint/2015/main" val="1"/>
+              </p:ext>
+            </p:extLst>
+          </p:nvPr>
+        </p:nvPicPr>
+        <p:blipFill>
+          <a:blip r:embed="rId3">
+            <a:extLst>
+              <a:ext uri="{28A0092B-C50C-407E-A947-70E740481C1C}">
+                <a14:useLocalDpi xmlns:a14="http://schemas.microsoft.com/office/drawing/2010/main" val="0"/>
+              </a:ext>
+            </a:extLst>
+          </a:blip>
+          <a:stretch>
+            <a:fillRect/>
+          </a:stretch>
+        </p:blipFill>
+        <p:spPr>
+          <a:xfrm>
+            <a:off x="1" y="4242851"/>
+            <a:ext cx="8968084" cy="275942"/>
+          </a:xfrm>
+          <a:prstGeom prst="rect">
+            <a:avLst/>
+          </a:prstGeom>
+        </p:spPr>
+      </p:pic>
+      <p:pic>
+        <p:nvPicPr>
+          <p:cNvPr id="15" name="Picture 14">
+            <a:extLst>
+              <a:ext uri="{FF2B5EF4-FFF2-40B4-BE49-F238E27FC236}">
+                <a16:creationId xmlns:a16="http://schemas.microsoft.com/office/drawing/2014/main" id="{EEDDA48B-BC04-4915-ADA3-A1A9522EB0D1}"/>
+              </a:ext>
+              <a:ext uri="{C183D7F6-B498-43B3-948B-1728B52AA6E4}">
+                <adec:decorative xmlns:adec="http://schemas.microsoft.com/office/drawing/2017/decorative" val="1"/>
+              </a:ext>
+            </a:extLst>
+          </p:cNvPr>
+          <p:cNvPicPr>
+            <a:picLocks noGrp="1" noRot="1" noChangeAspect="1" noMove="1" noResize="1" noEditPoints="1" noAdjustHandles="1" noChangeArrowheads="1" noChangeShapeType="1" noCrop="1"/>
+          </p:cNvPicPr>
+          <p:nvPr>
+            <p:extLst>
+              <p:ext uri="{386F3935-93C4-4BCD-93E2-E3B085C9AB24}">
+                <p16:designElem xmlns:p16="http://schemas.microsoft.com/office/powerpoint/2015/main" val="1"/>
+              </p:ext>
+            </p:extLst>
+          </p:nvPr>
+        </p:nvPicPr>
+        <p:blipFill>
+          <a:blip r:embed="rId4">
+            <a:extLst>
+              <a:ext uri="{28A0092B-C50C-407E-A947-70E740481C1C}">
+                <a14:useLocalDpi xmlns:a14="http://schemas.microsoft.com/office/drawing/2010/main" val="0"/>
+              </a:ext>
+            </a:extLst>
+          </a:blip>
+          <a:stretch>
+            <a:fillRect/>
+          </a:stretch>
+        </p:blipFill>
+        <p:spPr>
+          <a:xfrm>
+            <a:off x="9111716" y="4243845"/>
+            <a:ext cx="3077108" cy="276940"/>
+          </a:xfrm>
+          <a:prstGeom prst="rect">
+            <a:avLst/>
+          </a:prstGeom>
+        </p:spPr>
+      </p:pic>
+      <p:sp>
+        <p:nvSpPr>
+          <p:cNvPr id="17" name="Rectangle 16">
+            <a:extLst>
+              <a:ext uri="{FF2B5EF4-FFF2-40B4-BE49-F238E27FC236}">
+                <a16:creationId xmlns:a16="http://schemas.microsoft.com/office/drawing/2014/main" id="{78C9D07A-5A22-4E55-B18A-47CF07E5080D}"/>
+              </a:ext>
+              <a:ext uri="{C183D7F6-B498-43B3-948B-1728B52AA6E4}">
+                <adec:decorative xmlns:adec="http://schemas.microsoft.com/office/drawing/2017/decorative" val="1"/>
+              </a:ext>
+            </a:extLst>
+          </p:cNvPr>
+          <p:cNvSpPr>
+            <a:spLocks noGrp="1" noRot="1" noChangeAspect="1" noMove="1" noResize="1" noEditPoints="1" noAdjustHandles="1" noChangeArrowheads="1" noChangeShapeType="1" noTextEdit="1"/>
+          </p:cNvSpPr>
+          <p:nvPr>
+            <p:extLst>
+              <p:ext uri="{386F3935-93C4-4BCD-93E2-E3B085C9AB24}">
+                <p16:designElem xmlns:p16="http://schemas.microsoft.com/office/powerpoint/2015/main" val="1"/>
+              </p:ext>
+            </p:extLst>
+          </p:nvPr>
+        </p:nvSpPr>
+        <p:spPr>
+          <a:xfrm>
+            <a:off x="0" y="2590078"/>
+            <a:ext cx="8968085" cy="1660332"/>
+          </a:xfrm>
+          <a:prstGeom prst="rect">
+            <a:avLst/>
+          </a:prstGeom>
+          <a:solidFill>
+            <a:schemeClr val="bg1">
+              <a:lumMod val="85000"/>
+              <a:lumOff val="15000"/>
+            </a:schemeClr>
+          </a:solidFill>
+          <a:ln>
+            <a:noFill/>
+          </a:ln>
+        </p:spPr>
+        <p:style>
+          <a:lnRef idx="2">
+            <a:schemeClr val="accent1">
+              <a:shade val="50000"/>
+            </a:schemeClr>
+          </a:lnRef>
+          <a:fillRef idx="1">
+            <a:schemeClr val="accent1"/>
+          </a:fillRef>
+          <a:effectRef idx="0">
+            <a:schemeClr val="accent1"/>
+          </a:effectRef>
+          <a:fontRef idx="minor">
+            <a:schemeClr val="lt1"/>
+          </a:fontRef>
+        </p:style>
+      </p:sp>
+      <p:sp>
+        <p:nvSpPr>
+          <p:cNvPr id="19" name="Rectangle 18">
+            <a:extLst>
+              <a:ext uri="{FF2B5EF4-FFF2-40B4-BE49-F238E27FC236}">
+                <a16:creationId xmlns:a16="http://schemas.microsoft.com/office/drawing/2014/main" id="{3D71E629-0739-4A59-972B-A9E9A4500E31}"/>
+              </a:ext>
+              <a:ext uri="{C183D7F6-B498-43B3-948B-1728B52AA6E4}">
+                <adec:decorative xmlns:adec="http://schemas.microsoft.com/office/drawing/2017/decorative" val="1"/>
+              </a:ext>
+            </a:extLst>
+          </p:cNvPr>
+          <p:cNvSpPr>
+            <a:spLocks noGrp="1" noRot="1" noChangeAspect="1" noMove="1" noResize="1" noEditPoints="1" noAdjustHandles="1" noChangeArrowheads="1" noChangeShapeType="1" noTextEdit="1"/>
+          </p:cNvSpPr>
+          <p:nvPr>
+            <p:extLst>
+              <p:ext uri="{386F3935-93C4-4BCD-93E2-E3B085C9AB24}">
+                <p16:designElem xmlns:p16="http://schemas.microsoft.com/office/powerpoint/2015/main" val="1"/>
+              </p:ext>
+            </p:extLst>
+          </p:nvPr>
+        </p:nvSpPr>
+        <p:spPr>
+          <a:xfrm>
+            <a:off x="9111715" y="2590078"/>
+            <a:ext cx="3077109" cy="1660332"/>
+          </a:xfrm>
+          <a:prstGeom prst="rect">
+            <a:avLst/>
+          </a:prstGeom>
+          <a:solidFill>
+            <a:schemeClr val="accent1"/>
+          </a:solidFill>
+          <a:ln>
+            <a:noFill/>
+          </a:ln>
+        </p:spPr>
+        <p:style>
+          <a:lnRef idx="2">
+            <a:schemeClr val="accent1">
+              <a:shade val="50000"/>
+            </a:schemeClr>
+          </a:lnRef>
+          <a:fillRef idx="1">
+            <a:schemeClr val="accent1"/>
+          </a:fillRef>
+          <a:effectRef idx="0">
+            <a:schemeClr val="accent1"/>
+          </a:effectRef>
+          <a:fontRef idx="minor">
+            <a:schemeClr val="lt1"/>
+          </a:fontRef>
+        </p:style>
+      </p:sp>
+      <p:sp useBgFill="1">
+        <p:nvSpPr>
+          <p:cNvPr id="21" name="Rectangle 20">
+            <a:extLst>
+              <a:ext uri="{FF2B5EF4-FFF2-40B4-BE49-F238E27FC236}">
+                <a16:creationId xmlns:a16="http://schemas.microsoft.com/office/drawing/2014/main" id="{00573A24-AD84-4562-A993-7D04E1D18209}"/>
+              </a:ext>
+              <a:ext uri="{C183D7F6-B498-43B3-948B-1728B52AA6E4}">
+                <adec:decorative xmlns:adec="http://schemas.microsoft.com/office/drawing/2017/decorative" val="1"/>
+              </a:ext>
+            </a:extLst>
+          </p:cNvPr>
+          <p:cNvSpPr>
+            <a:spLocks noGrp="1" noRot="1" noChangeAspect="1" noMove="1" noResize="1" noEditPoints="1" noAdjustHandles="1" noChangeArrowheads="1" noChangeShapeType="1" noTextEdit="1"/>
+          </p:cNvSpPr>
+          <p:nvPr>
+            <p:extLst>
+              <p:ext uri="{386F3935-93C4-4BCD-93E2-E3B085C9AB24}">
+                <p16:designElem xmlns:p16="http://schemas.microsoft.com/office/powerpoint/2015/main" val="1"/>
+              </p:ext>
+            </p:extLst>
+          </p:nvPr>
+        </p:nvSpPr>
+        <p:spPr>
+          <a:xfrm>
+            <a:off x="0" y="0"/>
+            <a:ext cx="12188824" cy="6858000"/>
+          </a:xfrm>
+          <a:prstGeom prst="rect">
+            <a:avLst/>
+          </a:prstGeom>
+          <a:ln>
+            <a:noFill/>
+          </a:ln>
+        </p:spPr>
+        <p:style>
+          <a:lnRef idx="2">
+            <a:schemeClr val="accent1">
+              <a:shade val="50000"/>
+            </a:schemeClr>
+          </a:lnRef>
+          <a:fillRef idx="1">
+            <a:schemeClr val="accent1"/>
+          </a:fillRef>
+          <a:effectRef idx="0">
+            <a:schemeClr val="accent1"/>
+          </a:effectRef>
+          <a:fontRef idx="minor">
+            <a:schemeClr val="lt1"/>
+          </a:fontRef>
+        </p:style>
+        <p:txBody>
+          <a:bodyPr rtlCol="0" anchor="ctr"/>
+          <a:lstStyle/>
+          <a:p>
+            <a:pPr algn="ctr"/>
+            <a:endParaRPr lang="en-US"/>
+          </a:p>
+        </p:txBody>
+      </p:sp>
+      <p:pic>
+        <p:nvPicPr>
+          <p:cNvPr id="23" name="Picture 22">
             <a:extLst>
               <a:ext uri="{FF2B5EF4-FFF2-40B4-BE49-F238E27FC236}">
                 <a16:creationId xmlns:a16="http://schemas.microsoft.com/office/drawing/2014/main" id="{B3C087F8-F09C-4C07-B55F-6081689A2413}"/>
@@ -26385,7 +26835,7 @@
       </p:pic>
       <p:sp>
         <p:nvSpPr>
-          <p:cNvPr id="24" name="Rectangle 23">
+          <p:cNvPr id="25" name="Rectangle 24">
             <a:extLst>
               <a:ext uri="{FF2B5EF4-FFF2-40B4-BE49-F238E27FC236}">
                 <a16:creationId xmlns:a16="http://schemas.microsoft.com/office/drawing/2014/main" id="{FC49D257-5737-4C0D-89EA-9C311AF2B8B5}"/>
@@ -26445,7 +26895,7 @@
       </p:sp>
       <p:pic>
         <p:nvPicPr>
-          <p:cNvPr id="26" name="Picture 25">
+          <p:cNvPr id="27" name="Picture 26">
             <a:extLst>
               <a:ext uri="{FF2B5EF4-FFF2-40B4-BE49-F238E27FC236}">
                 <a16:creationId xmlns:a16="http://schemas.microsoft.com/office/drawing/2014/main" id="{E13D267A-94F5-488A-94C6-5D7156D9AF8C}"/>
@@ -26490,7 +26940,7 @@
       </p:pic>
       <p:sp>
         <p:nvSpPr>
-          <p:cNvPr id="28" name="Rectangle 27">
+          <p:cNvPr id="29" name="Rectangle 28">
             <a:extLst>
               <a:ext uri="{FF2B5EF4-FFF2-40B4-BE49-F238E27FC236}">
                 <a16:creationId xmlns:a16="http://schemas.microsoft.com/office/drawing/2014/main" id="{46CE3EB2-91DF-4F5D-8874-744AAAE311E1}"/>
@@ -26551,7 +27001,7 @@
           <p:cNvPr id="2" name="Tytuł 1">
             <a:extLst>
               <a:ext uri="{FF2B5EF4-FFF2-40B4-BE49-F238E27FC236}">
-                <a16:creationId xmlns:a16="http://schemas.microsoft.com/office/drawing/2014/main" id="{7B20D057-D7F8-484A-99CE-44C5074C854D}"/>
+                <a16:creationId xmlns:a16="http://schemas.microsoft.com/office/drawing/2014/main" id="{FADA5054-ACC2-481A-94EC-C1483A2C0ACB}"/>
               </a:ext>
             </a:extLst>
           </p:cNvPr>
@@ -26577,17 +27027,17 @@
             <a:pPr algn="r"/>
             <a:r>
               <a:rPr lang="en-US" sz="5400"/>
-              <a:t>Opłaty stałe</a:t>
+              <a:t>Wpływy</a:t>
             </a:r>
           </a:p>
         </p:txBody>
       </p:sp>
       <p:pic>
         <p:nvPicPr>
-          <p:cNvPr id="5" name="Grafika 4">
+          <p:cNvPr id="6" name="Grafika 5">
             <a:extLst>
               <a:ext uri="{FF2B5EF4-FFF2-40B4-BE49-F238E27FC236}">
-                <a16:creationId xmlns:a16="http://schemas.microsoft.com/office/drawing/2014/main" id="{0F4A7A36-9EAF-43AA-9C29-C93D312E0A9C}"/>
+                <a16:creationId xmlns:a16="http://schemas.microsoft.com/office/drawing/2014/main" id="{5ED646B7-DFC7-4216-89FF-22CCBBD3AAD1}"/>
               </a:ext>
             </a:extLst>
           </p:cNvPr>
@@ -26613,8 +27063,8 @@
         </p:blipFill>
         <p:spPr>
           <a:xfrm>
-            <a:off x="6736078" y="972766"/>
-            <a:ext cx="5230293" cy="4546665"/>
+            <a:off x="6397382" y="1001948"/>
+            <a:ext cx="5575055" cy="4557781"/>
           </a:xfrm>
           <a:prstGeom prst="rect">
             <a:avLst/>
@@ -26636,7 +27086,7 @@
           <p:cNvPr id="3" name="Symbol zastępczy numeru slajdu 2">
             <a:extLst>
               <a:ext uri="{FF2B5EF4-FFF2-40B4-BE49-F238E27FC236}">
-                <a16:creationId xmlns:a16="http://schemas.microsoft.com/office/drawing/2014/main" id="{58498F4A-5208-4983-90A0-3F6DDE5D2EA1}"/>
+                <a16:creationId xmlns:a16="http://schemas.microsoft.com/office/drawing/2014/main" id="{EECA07A0-4F22-44BB-935D-0F857413D751}"/>
               </a:ext>
             </a:extLst>
           </p:cNvPr>
@@ -26670,7 +27120,7 @@
                   <a:srgbClr val="FFFFFF"/>
                 </a:solidFill>
               </a:rPr>
-              <a:t>23</a:t>
+              <a:t>22</a:t>
             </a:r>
             <a:endParaRPr lang="en-US" sz="1400" dirty="0">
               <a:solidFill>
@@ -26683,133 +27133,7 @@
     </p:spTree>
     <p:extLst>
       <p:ext uri="{BB962C8B-B14F-4D97-AF65-F5344CB8AC3E}">
-        <p14:creationId xmlns:p14="http://schemas.microsoft.com/office/powerpoint/2010/main" val="2070685674"/>
-      </p:ext>
-    </p:extLst>
-  </p:cSld>
-  <p:clrMapOvr>
-    <a:masterClrMapping/>
-  </p:clrMapOvr>
-</p:sld>
-</file>
-
-<file path=ppt/slides/slide38.xml><?xml version="1.0" encoding="utf-8"?>
-<p:sld xmlns:a="http://schemas.openxmlformats.org/drawingml/2006/main" xmlns:r="http://schemas.openxmlformats.org/officeDocument/2006/relationships" xmlns:p="http://schemas.openxmlformats.org/presentationml/2006/main">
-  <p:cSld>
-    <p:spTree>
-      <p:nvGrpSpPr>
-        <p:cNvPr id="1" name=""/>
-        <p:cNvGrpSpPr/>
-        <p:nvPr/>
-      </p:nvGrpSpPr>
-      <p:grpSpPr>
-        <a:xfrm>
-          <a:off x="0" y="0"/>
-          <a:ext cx="0" cy="0"/>
-          <a:chOff x="0" y="0"/>
-          <a:chExt cx="0" cy="0"/>
-        </a:xfrm>
-      </p:grpSpPr>
-      <p:sp>
-        <p:nvSpPr>
-          <p:cNvPr id="2" name="Tytuł 1">
-            <a:extLst>
-              <a:ext uri="{FF2B5EF4-FFF2-40B4-BE49-F238E27FC236}">
-                <a16:creationId xmlns:a16="http://schemas.microsoft.com/office/drawing/2014/main" id="{C91C4CD4-9C96-4AF4-ACE0-9CFD711A54A3}"/>
-              </a:ext>
-            </a:extLst>
-          </p:cNvPr>
-          <p:cNvSpPr>
-            <a:spLocks noGrp="1"/>
-          </p:cNvSpPr>
-          <p:nvPr>
-            <p:ph type="title"/>
-          </p:nvPr>
-        </p:nvSpPr>
-        <p:spPr/>
-        <p:txBody>
-          <a:bodyPr/>
-          <a:lstStyle/>
-          <a:p>
-            <a:r>
-              <a:rPr lang="pl-PL"/>
-              <a:t>Koszty zewnętrzne</a:t>
-            </a:r>
-            <a:endParaRPr lang="pl-PL" dirty="0"/>
-          </a:p>
-        </p:txBody>
-      </p:sp>
-      <p:sp>
-        <p:nvSpPr>
-          <p:cNvPr id="3" name="Symbol zastępczy numeru slajdu 2">
-            <a:extLst>
-              <a:ext uri="{FF2B5EF4-FFF2-40B4-BE49-F238E27FC236}">
-                <a16:creationId xmlns:a16="http://schemas.microsoft.com/office/drawing/2014/main" id="{2E8532CB-E7B8-4F37-95A9-BD07BA8C7965}"/>
-              </a:ext>
-            </a:extLst>
-          </p:cNvPr>
-          <p:cNvSpPr>
-            <a:spLocks noGrp="1"/>
-          </p:cNvSpPr>
-          <p:nvPr>
-            <p:ph type="sldNum" sz="quarter" idx="12"/>
-          </p:nvPr>
-        </p:nvSpPr>
-        <p:spPr/>
-        <p:txBody>
-          <a:bodyPr/>
-          <a:lstStyle/>
-          <a:p>
-            <a:r>
-              <a:rPr lang="pl-PL" dirty="0"/>
-              <a:t>24</a:t>
-            </a:r>
-          </a:p>
-        </p:txBody>
-      </p:sp>
-      <p:pic>
-        <p:nvPicPr>
-          <p:cNvPr id="5" name="Grafika 4">
-            <a:extLst>
-              <a:ext uri="{FF2B5EF4-FFF2-40B4-BE49-F238E27FC236}">
-                <a16:creationId xmlns:a16="http://schemas.microsoft.com/office/drawing/2014/main" id="{488C63E7-46CC-4855-8E59-BE82EAF620ED}"/>
-              </a:ext>
-            </a:extLst>
-          </p:cNvPr>
-          <p:cNvPicPr>
-            <a:picLocks noChangeAspect="1"/>
-          </p:cNvPicPr>
-          <p:nvPr/>
-        </p:nvPicPr>
-        <p:blipFill>
-          <a:blip r:embed="rId2">
-            <a:extLst>
-              <a:ext uri="{28A0092B-C50C-407E-A947-70E740481C1C}">
-                <a14:useLocalDpi xmlns:a14="http://schemas.microsoft.com/office/drawing/2010/main" val="0"/>
-              </a:ext>
-              <a:ext uri="{96DAC541-7B7A-43D3-8B79-37D633B846F1}">
-                <asvg:svgBlip xmlns:asvg="http://schemas.microsoft.com/office/drawing/2016/SVG/main" r:embed="rId3"/>
-              </a:ext>
-            </a:extLst>
-          </a:blip>
-          <a:stretch>
-            <a:fillRect/>
-          </a:stretch>
-        </p:blipFill>
-        <p:spPr>
-          <a:xfrm>
-            <a:off x="357896" y="2159541"/>
-            <a:ext cx="9889067" cy="4572000"/>
-          </a:xfrm>
-          <a:prstGeom prst="rect">
-            <a:avLst/>
-          </a:prstGeom>
-        </p:spPr>
-      </p:pic>
-    </p:spTree>
-    <p:extLst>
-      <p:ext uri="{BB962C8B-B14F-4D97-AF65-F5344CB8AC3E}">
-        <p14:creationId xmlns:p14="http://schemas.microsoft.com/office/powerpoint/2010/main" val="166801903"/>
+        <p14:creationId xmlns:p14="http://schemas.microsoft.com/office/powerpoint/2010/main" val="2035800844"/>
       </p:ext>
     </p:extLst>
   </p:cSld>
@@ -26873,6 +27197,981 @@
       </p:grpSpPr>
       <p:pic>
         <p:nvPicPr>
+          <p:cNvPr id="10" name="Picture 9">
+            <a:extLst>
+              <a:ext uri="{FF2B5EF4-FFF2-40B4-BE49-F238E27FC236}">
+                <a16:creationId xmlns:a16="http://schemas.microsoft.com/office/drawing/2014/main" id="{5321D838-2C7E-4177-9DD3-DAC78324A2B2}"/>
+              </a:ext>
+              <a:ext uri="{C183D7F6-B498-43B3-948B-1728B52AA6E4}">
+                <adec:decorative xmlns:adec="http://schemas.microsoft.com/office/drawing/2017/decorative" val="1"/>
+              </a:ext>
+            </a:extLst>
+          </p:cNvPr>
+          <p:cNvPicPr>
+            <a:picLocks noGrp="1" noRot="1" noChangeAspect="1" noMove="1" noResize="1" noEditPoints="1" noAdjustHandles="1" noChangeArrowheads="1" noChangeShapeType="1" noCrop="1"/>
+          </p:cNvPicPr>
+          <p:nvPr>
+            <p:extLst>
+              <p:ext uri="{386F3935-93C4-4BCD-93E2-E3B085C9AB24}">
+                <p16:designElem xmlns:p16="http://schemas.microsoft.com/office/powerpoint/2015/main" val="1"/>
+              </p:ext>
+            </p:extLst>
+          </p:nvPr>
+        </p:nvPicPr>
+        <p:blipFill>
+          <a:blip r:embed="rId2">
+            <a:alphaModFix amt="10000"/>
+            <a:extLst>
+              <a:ext uri="{28A0092B-C50C-407E-A947-70E740481C1C}">
+                <a14:useLocalDpi xmlns:a14="http://schemas.microsoft.com/office/drawing/2010/main" val="0"/>
+              </a:ext>
+            </a:extLst>
+          </a:blip>
+          <a:stretch>
+            <a:fillRect/>
+          </a:stretch>
+        </p:blipFill>
+        <p:spPr>
+          <a:xfrm>
+            <a:off x="0" y="0"/>
+            <a:ext cx="12192000" cy="6858000"/>
+          </a:xfrm>
+          <a:prstGeom prst="rect">
+            <a:avLst/>
+          </a:prstGeom>
+        </p:spPr>
+      </p:pic>
+      <p:pic>
+        <p:nvPicPr>
+          <p:cNvPr id="12" name="Picture 11">
+            <a:extLst>
+              <a:ext uri="{FF2B5EF4-FFF2-40B4-BE49-F238E27FC236}">
+                <a16:creationId xmlns:a16="http://schemas.microsoft.com/office/drawing/2014/main" id="{0146E45C-1450-4186-B501-74F221F897A8}"/>
+              </a:ext>
+              <a:ext uri="{C183D7F6-B498-43B3-948B-1728B52AA6E4}">
+                <adec:decorative xmlns:adec="http://schemas.microsoft.com/office/drawing/2017/decorative" val="1"/>
+              </a:ext>
+            </a:extLst>
+          </p:cNvPr>
+          <p:cNvPicPr>
+            <a:picLocks noGrp="1" noRot="1" noChangeAspect="1" noMove="1" noResize="1" noEditPoints="1" noAdjustHandles="1" noChangeArrowheads="1" noChangeShapeType="1" noCrop="1"/>
+          </p:cNvPicPr>
+          <p:nvPr>
+            <p:extLst>
+              <p:ext uri="{386F3935-93C4-4BCD-93E2-E3B085C9AB24}">
+                <p16:designElem xmlns:p16="http://schemas.microsoft.com/office/powerpoint/2015/main" val="1"/>
+              </p:ext>
+            </p:extLst>
+          </p:nvPr>
+        </p:nvPicPr>
+        <p:blipFill>
+          <a:blip r:embed="rId3">
+            <a:extLst>
+              <a:ext uri="{28A0092B-C50C-407E-A947-70E740481C1C}">
+                <a14:useLocalDpi xmlns:a14="http://schemas.microsoft.com/office/drawing/2010/main" val="0"/>
+              </a:ext>
+            </a:extLst>
+          </a:blip>
+          <a:stretch>
+            <a:fillRect/>
+          </a:stretch>
+        </p:blipFill>
+        <p:spPr>
+          <a:xfrm>
+            <a:off x="1" y="4242851"/>
+            <a:ext cx="8968084" cy="275942"/>
+          </a:xfrm>
+          <a:prstGeom prst="rect">
+            <a:avLst/>
+          </a:prstGeom>
+        </p:spPr>
+      </p:pic>
+      <p:pic>
+        <p:nvPicPr>
+          <p:cNvPr id="14" name="Picture 13">
+            <a:extLst>
+              <a:ext uri="{FF2B5EF4-FFF2-40B4-BE49-F238E27FC236}">
+                <a16:creationId xmlns:a16="http://schemas.microsoft.com/office/drawing/2014/main" id="{EEDDA48B-BC04-4915-ADA3-A1A9522EB0D1}"/>
+              </a:ext>
+              <a:ext uri="{C183D7F6-B498-43B3-948B-1728B52AA6E4}">
+                <adec:decorative xmlns:adec="http://schemas.microsoft.com/office/drawing/2017/decorative" val="1"/>
+              </a:ext>
+            </a:extLst>
+          </p:cNvPr>
+          <p:cNvPicPr>
+            <a:picLocks noGrp="1" noRot="1" noChangeAspect="1" noMove="1" noResize="1" noEditPoints="1" noAdjustHandles="1" noChangeArrowheads="1" noChangeShapeType="1" noCrop="1"/>
+          </p:cNvPicPr>
+          <p:nvPr>
+            <p:extLst>
+              <p:ext uri="{386F3935-93C4-4BCD-93E2-E3B085C9AB24}">
+                <p16:designElem xmlns:p16="http://schemas.microsoft.com/office/powerpoint/2015/main" val="1"/>
+              </p:ext>
+            </p:extLst>
+          </p:nvPr>
+        </p:nvPicPr>
+        <p:blipFill>
+          <a:blip r:embed="rId4">
+            <a:extLst>
+              <a:ext uri="{28A0092B-C50C-407E-A947-70E740481C1C}">
+                <a14:useLocalDpi xmlns:a14="http://schemas.microsoft.com/office/drawing/2010/main" val="0"/>
+              </a:ext>
+            </a:extLst>
+          </a:blip>
+          <a:stretch>
+            <a:fillRect/>
+          </a:stretch>
+        </p:blipFill>
+        <p:spPr>
+          <a:xfrm>
+            <a:off x="9111716" y="4243845"/>
+            <a:ext cx="3077108" cy="276940"/>
+          </a:xfrm>
+          <a:prstGeom prst="rect">
+            <a:avLst/>
+          </a:prstGeom>
+        </p:spPr>
+      </p:pic>
+      <p:sp>
+        <p:nvSpPr>
+          <p:cNvPr id="16" name="Rectangle 15">
+            <a:extLst>
+              <a:ext uri="{FF2B5EF4-FFF2-40B4-BE49-F238E27FC236}">
+                <a16:creationId xmlns:a16="http://schemas.microsoft.com/office/drawing/2014/main" id="{78C9D07A-5A22-4E55-B18A-47CF07E5080D}"/>
+              </a:ext>
+              <a:ext uri="{C183D7F6-B498-43B3-948B-1728B52AA6E4}">
+                <adec:decorative xmlns:adec="http://schemas.microsoft.com/office/drawing/2017/decorative" val="1"/>
+              </a:ext>
+            </a:extLst>
+          </p:cNvPr>
+          <p:cNvSpPr>
+            <a:spLocks noGrp="1" noRot="1" noChangeAspect="1" noMove="1" noResize="1" noEditPoints="1" noAdjustHandles="1" noChangeArrowheads="1" noChangeShapeType="1" noTextEdit="1"/>
+          </p:cNvSpPr>
+          <p:nvPr>
+            <p:extLst>
+              <p:ext uri="{386F3935-93C4-4BCD-93E2-E3B085C9AB24}">
+                <p16:designElem xmlns:p16="http://schemas.microsoft.com/office/powerpoint/2015/main" val="1"/>
+              </p:ext>
+            </p:extLst>
+          </p:nvPr>
+        </p:nvSpPr>
+        <p:spPr>
+          <a:xfrm>
+            <a:off x="0" y="2590078"/>
+            <a:ext cx="8968085" cy="1660332"/>
+          </a:xfrm>
+          <a:prstGeom prst="rect">
+            <a:avLst/>
+          </a:prstGeom>
+          <a:solidFill>
+            <a:schemeClr val="bg1">
+              <a:lumMod val="85000"/>
+              <a:lumOff val="15000"/>
+            </a:schemeClr>
+          </a:solidFill>
+          <a:ln>
+            <a:noFill/>
+          </a:ln>
+        </p:spPr>
+        <p:style>
+          <a:lnRef idx="2">
+            <a:schemeClr val="accent1">
+              <a:shade val="50000"/>
+            </a:schemeClr>
+          </a:lnRef>
+          <a:fillRef idx="1">
+            <a:schemeClr val="accent1"/>
+          </a:fillRef>
+          <a:effectRef idx="0">
+            <a:schemeClr val="accent1"/>
+          </a:effectRef>
+          <a:fontRef idx="minor">
+            <a:schemeClr val="lt1"/>
+          </a:fontRef>
+        </p:style>
+      </p:sp>
+      <p:sp>
+        <p:nvSpPr>
+          <p:cNvPr id="18" name="Rectangle 17">
+            <a:extLst>
+              <a:ext uri="{FF2B5EF4-FFF2-40B4-BE49-F238E27FC236}">
+                <a16:creationId xmlns:a16="http://schemas.microsoft.com/office/drawing/2014/main" id="{3D71E629-0739-4A59-972B-A9E9A4500E31}"/>
+              </a:ext>
+              <a:ext uri="{C183D7F6-B498-43B3-948B-1728B52AA6E4}">
+                <adec:decorative xmlns:adec="http://schemas.microsoft.com/office/drawing/2017/decorative" val="1"/>
+              </a:ext>
+            </a:extLst>
+          </p:cNvPr>
+          <p:cNvSpPr>
+            <a:spLocks noGrp="1" noRot="1" noChangeAspect="1" noMove="1" noResize="1" noEditPoints="1" noAdjustHandles="1" noChangeArrowheads="1" noChangeShapeType="1" noTextEdit="1"/>
+          </p:cNvSpPr>
+          <p:nvPr>
+            <p:extLst>
+              <p:ext uri="{386F3935-93C4-4BCD-93E2-E3B085C9AB24}">
+                <p16:designElem xmlns:p16="http://schemas.microsoft.com/office/powerpoint/2015/main" val="1"/>
+              </p:ext>
+            </p:extLst>
+          </p:nvPr>
+        </p:nvSpPr>
+        <p:spPr>
+          <a:xfrm>
+            <a:off x="9111715" y="2590078"/>
+            <a:ext cx="3077109" cy="1660332"/>
+          </a:xfrm>
+          <a:prstGeom prst="rect">
+            <a:avLst/>
+          </a:prstGeom>
+          <a:solidFill>
+            <a:schemeClr val="accent1"/>
+          </a:solidFill>
+          <a:ln>
+            <a:noFill/>
+          </a:ln>
+        </p:spPr>
+        <p:style>
+          <a:lnRef idx="2">
+            <a:schemeClr val="accent1">
+              <a:shade val="50000"/>
+            </a:schemeClr>
+          </a:lnRef>
+          <a:fillRef idx="1">
+            <a:schemeClr val="accent1"/>
+          </a:fillRef>
+          <a:effectRef idx="0">
+            <a:schemeClr val="accent1"/>
+          </a:effectRef>
+          <a:fontRef idx="minor">
+            <a:schemeClr val="lt1"/>
+          </a:fontRef>
+        </p:style>
+      </p:sp>
+      <p:sp useBgFill="1">
+        <p:nvSpPr>
+          <p:cNvPr id="20" name="Rectangle 19">
+            <a:extLst>
+              <a:ext uri="{FF2B5EF4-FFF2-40B4-BE49-F238E27FC236}">
+                <a16:creationId xmlns:a16="http://schemas.microsoft.com/office/drawing/2014/main" id="{00573A24-AD84-4562-A993-7D04E1D18209}"/>
+              </a:ext>
+              <a:ext uri="{C183D7F6-B498-43B3-948B-1728B52AA6E4}">
+                <adec:decorative xmlns:adec="http://schemas.microsoft.com/office/drawing/2017/decorative" val="1"/>
+              </a:ext>
+            </a:extLst>
+          </p:cNvPr>
+          <p:cNvSpPr>
+            <a:spLocks noGrp="1" noRot="1" noChangeAspect="1" noMove="1" noResize="1" noEditPoints="1" noAdjustHandles="1" noChangeArrowheads="1" noChangeShapeType="1" noTextEdit="1"/>
+          </p:cNvSpPr>
+          <p:nvPr>
+            <p:extLst>
+              <p:ext uri="{386F3935-93C4-4BCD-93E2-E3B085C9AB24}">
+                <p16:designElem xmlns:p16="http://schemas.microsoft.com/office/powerpoint/2015/main" val="1"/>
+              </p:ext>
+            </p:extLst>
+          </p:nvPr>
+        </p:nvSpPr>
+        <p:spPr>
+          <a:xfrm>
+            <a:off x="0" y="0"/>
+            <a:ext cx="12188824" cy="6858000"/>
+          </a:xfrm>
+          <a:prstGeom prst="rect">
+            <a:avLst/>
+          </a:prstGeom>
+          <a:ln>
+            <a:noFill/>
+          </a:ln>
+        </p:spPr>
+        <p:style>
+          <a:lnRef idx="2">
+            <a:schemeClr val="accent1">
+              <a:shade val="50000"/>
+            </a:schemeClr>
+          </a:lnRef>
+          <a:fillRef idx="1">
+            <a:schemeClr val="accent1"/>
+          </a:fillRef>
+          <a:effectRef idx="0">
+            <a:schemeClr val="accent1"/>
+          </a:effectRef>
+          <a:fontRef idx="minor">
+            <a:schemeClr val="lt1"/>
+          </a:fontRef>
+        </p:style>
+        <p:txBody>
+          <a:bodyPr rtlCol="0" anchor="ctr"/>
+          <a:lstStyle/>
+          <a:p>
+            <a:pPr algn="ctr"/>
+            <a:endParaRPr lang="en-US"/>
+          </a:p>
+        </p:txBody>
+      </p:sp>
+      <p:pic>
+        <p:nvPicPr>
+          <p:cNvPr id="22" name="Picture 21">
+            <a:extLst>
+              <a:ext uri="{FF2B5EF4-FFF2-40B4-BE49-F238E27FC236}">
+                <a16:creationId xmlns:a16="http://schemas.microsoft.com/office/drawing/2014/main" id="{B3C087F8-F09C-4C07-B55F-6081689A2413}"/>
+              </a:ext>
+              <a:ext uri="{C183D7F6-B498-43B3-948B-1728B52AA6E4}">
+                <adec:decorative xmlns:adec="http://schemas.microsoft.com/office/drawing/2017/decorative" val="1"/>
+              </a:ext>
+            </a:extLst>
+          </p:cNvPr>
+          <p:cNvPicPr>
+            <a:picLocks noGrp="1" noRot="1" noChangeAspect="1" noMove="1" noResize="1" noEditPoints="1" noAdjustHandles="1" noChangeArrowheads="1" noChangeShapeType="1" noCrop="1"/>
+          </p:cNvPicPr>
+          <p:nvPr>
+            <p:extLst>
+              <p:ext uri="{386F3935-93C4-4BCD-93E2-E3B085C9AB24}">
+                <p16:designElem xmlns:p16="http://schemas.microsoft.com/office/powerpoint/2015/main" val="1"/>
+              </p:ext>
+            </p:extLst>
+          </p:nvPr>
+        </p:nvPicPr>
+        <p:blipFill>
+          <a:blip r:embed="rId2">
+            <a:alphaModFix amt="10000"/>
+            <a:extLst>
+              <a:ext uri="{28A0092B-C50C-407E-A947-70E740481C1C}">
+                <a14:useLocalDpi xmlns:a14="http://schemas.microsoft.com/office/drawing/2010/main" val="0"/>
+              </a:ext>
+            </a:extLst>
+          </a:blip>
+          <a:stretch>
+            <a:fillRect/>
+          </a:stretch>
+        </p:blipFill>
+        <p:spPr>
+          <a:xfrm>
+            <a:off x="0" y="0"/>
+            <a:ext cx="12192000" cy="6858000"/>
+          </a:xfrm>
+          <a:prstGeom prst="rect">
+            <a:avLst/>
+          </a:prstGeom>
+        </p:spPr>
+      </p:pic>
+      <p:sp>
+        <p:nvSpPr>
+          <p:cNvPr id="24" name="Rectangle 23">
+            <a:extLst>
+              <a:ext uri="{FF2B5EF4-FFF2-40B4-BE49-F238E27FC236}">
+                <a16:creationId xmlns:a16="http://schemas.microsoft.com/office/drawing/2014/main" id="{FC49D257-5737-4C0D-89EA-9C311AF2B8B5}"/>
+              </a:ext>
+              <a:ext uri="{C183D7F6-B498-43B3-948B-1728B52AA6E4}">
+                <adec:decorative xmlns:adec="http://schemas.microsoft.com/office/drawing/2017/decorative" val="1"/>
+              </a:ext>
+            </a:extLst>
+          </p:cNvPr>
+          <p:cNvSpPr>
+            <a:spLocks noGrp="1" noRot="1" noChangeAspect="1" noMove="1" noResize="1" noEditPoints="1" noAdjustHandles="1" noChangeArrowheads="1" noChangeShapeType="1" noTextEdit="1"/>
+          </p:cNvSpPr>
+          <p:nvPr>
+            <p:extLst>
+              <p:ext uri="{386F3935-93C4-4BCD-93E2-E3B085C9AB24}">
+                <p16:designElem xmlns:p16="http://schemas.microsoft.com/office/powerpoint/2015/main" val="1"/>
+              </p:ext>
+            </p:extLst>
+          </p:nvPr>
+        </p:nvSpPr>
+        <p:spPr>
+          <a:xfrm>
+            <a:off x="6099176" y="0"/>
+            <a:ext cx="6092824" cy="6858001"/>
+          </a:xfrm>
+          <a:prstGeom prst="rect">
+            <a:avLst/>
+          </a:prstGeom>
+          <a:ln>
+            <a:noFill/>
+          </a:ln>
+        </p:spPr>
+        <p:style>
+          <a:lnRef idx="2">
+            <a:schemeClr val="accent1">
+              <a:shade val="50000"/>
+            </a:schemeClr>
+          </a:lnRef>
+          <a:fillRef idx="1">
+            <a:schemeClr val="accent1"/>
+          </a:fillRef>
+          <a:effectRef idx="0">
+            <a:schemeClr val="accent1"/>
+          </a:effectRef>
+          <a:fontRef idx="minor">
+            <a:schemeClr val="lt1"/>
+          </a:fontRef>
+        </p:style>
+        <p:txBody>
+          <a:bodyPr rtlCol="0" anchor="ctr"/>
+          <a:lstStyle/>
+          <a:p>
+            <a:pPr algn="ctr"/>
+            <a:endParaRPr lang="en-US"/>
+          </a:p>
+        </p:txBody>
+      </p:sp>
+      <p:pic>
+        <p:nvPicPr>
+          <p:cNvPr id="26" name="Picture 25">
+            <a:extLst>
+              <a:ext uri="{FF2B5EF4-FFF2-40B4-BE49-F238E27FC236}">
+                <a16:creationId xmlns:a16="http://schemas.microsoft.com/office/drawing/2014/main" id="{E13D267A-94F5-488A-94C6-5D7156D9AF8C}"/>
+              </a:ext>
+              <a:ext uri="{C183D7F6-B498-43B3-948B-1728B52AA6E4}">
+                <adec:decorative xmlns:adec="http://schemas.microsoft.com/office/drawing/2017/decorative" val="1"/>
+              </a:ext>
+            </a:extLst>
+          </p:cNvPr>
+          <p:cNvPicPr>
+            <a:picLocks noGrp="1" noRot="1" noChangeAspect="1" noMove="1" noResize="1" noEditPoints="1" noAdjustHandles="1" noChangeArrowheads="1" noChangeShapeType="1" noCrop="1"/>
+          </p:cNvPicPr>
+          <p:nvPr>
+            <p:extLst>
+              <p:ext uri="{386F3935-93C4-4BCD-93E2-E3B085C9AB24}">
+                <p16:designElem xmlns:p16="http://schemas.microsoft.com/office/powerpoint/2015/main" val="1"/>
+              </p:ext>
+            </p:extLst>
+          </p:nvPr>
+        </p:nvPicPr>
+        <p:blipFill>
+          <a:blip r:embed="rId3">
+            <a:extLst>
+              <a:ext uri="{28A0092B-C50C-407E-A947-70E740481C1C}">
+                <a14:useLocalDpi xmlns:a14="http://schemas.microsoft.com/office/drawing/2010/main" val="0"/>
+              </a:ext>
+            </a:extLst>
+          </a:blip>
+          <a:stretch>
+            <a:fillRect/>
+          </a:stretch>
+        </p:blipFill>
+        <p:spPr>
+          <a:xfrm>
+            <a:off x="1" y="4688333"/>
+            <a:ext cx="6400800" cy="185701"/>
+          </a:xfrm>
+          <a:prstGeom prst="rect">
+            <a:avLst/>
+          </a:prstGeom>
+        </p:spPr>
+      </p:pic>
+      <p:sp>
+        <p:nvSpPr>
+          <p:cNvPr id="28" name="Rectangle 27">
+            <a:extLst>
+              <a:ext uri="{FF2B5EF4-FFF2-40B4-BE49-F238E27FC236}">
+                <a16:creationId xmlns:a16="http://schemas.microsoft.com/office/drawing/2014/main" id="{46CE3EB2-91DF-4F5D-8874-744AAAE311E1}"/>
+              </a:ext>
+              <a:ext uri="{C183D7F6-B498-43B3-948B-1728B52AA6E4}">
+                <adec:decorative xmlns:adec="http://schemas.microsoft.com/office/drawing/2017/decorative" val="1"/>
+              </a:ext>
+            </a:extLst>
+          </p:cNvPr>
+          <p:cNvSpPr>
+            <a:spLocks noGrp="1" noRot="1" noChangeAspect="1" noMove="1" noResize="1" noEditPoints="1" noAdjustHandles="1" noChangeArrowheads="1" noChangeShapeType="1" noTextEdit="1"/>
+          </p:cNvSpPr>
+          <p:nvPr>
+            <p:extLst>
+              <p:ext uri="{386F3935-93C4-4BCD-93E2-E3B085C9AB24}">
+                <p16:designElem xmlns:p16="http://schemas.microsoft.com/office/powerpoint/2015/main" val="1"/>
+              </p:ext>
+            </p:extLst>
+          </p:nvPr>
+        </p:nvSpPr>
+        <p:spPr>
+          <a:xfrm>
+            <a:off x="-1" y="2162908"/>
+            <a:ext cx="6411743" cy="2532185"/>
+          </a:xfrm>
+          <a:prstGeom prst="rect">
+            <a:avLst/>
+          </a:prstGeom>
+          <a:solidFill>
+            <a:schemeClr val="bg1">
+              <a:lumMod val="85000"/>
+              <a:lumOff val="15000"/>
+            </a:schemeClr>
+          </a:solidFill>
+          <a:ln>
+            <a:noFill/>
+          </a:ln>
+        </p:spPr>
+        <p:style>
+          <a:lnRef idx="2">
+            <a:schemeClr val="accent1">
+              <a:shade val="50000"/>
+            </a:schemeClr>
+          </a:lnRef>
+          <a:fillRef idx="1">
+            <a:schemeClr val="accent1"/>
+          </a:fillRef>
+          <a:effectRef idx="0">
+            <a:schemeClr val="accent1"/>
+          </a:effectRef>
+          <a:fontRef idx="minor">
+            <a:schemeClr val="lt1"/>
+          </a:fontRef>
+        </p:style>
+      </p:sp>
+      <p:sp>
+        <p:nvSpPr>
+          <p:cNvPr id="2" name="Tytuł 1">
+            <a:extLst>
+              <a:ext uri="{FF2B5EF4-FFF2-40B4-BE49-F238E27FC236}">
+                <a16:creationId xmlns:a16="http://schemas.microsoft.com/office/drawing/2014/main" id="{7B20D057-D7F8-484A-99CE-44C5074C854D}"/>
+              </a:ext>
+            </a:extLst>
+          </p:cNvPr>
+          <p:cNvSpPr>
+            <a:spLocks noGrp="1"/>
+          </p:cNvSpPr>
+          <p:nvPr>
+            <p:ph type="title"/>
+          </p:nvPr>
+        </p:nvSpPr>
+        <p:spPr>
+          <a:xfrm>
+            <a:off x="680322" y="2403231"/>
+            <a:ext cx="5192940" cy="2133600"/>
+          </a:xfrm>
+        </p:spPr>
+        <p:txBody>
+          <a:bodyPr vert="horz" lIns="91440" tIns="45720" rIns="91440" bIns="45720" rtlCol="0" anchor="ctr">
+            <a:normAutofit/>
+          </a:bodyPr>
+          <a:lstStyle/>
+          <a:p>
+            <a:pPr algn="r"/>
+            <a:r>
+              <a:rPr lang="en-US" sz="5400"/>
+              <a:t>Opłaty stałe</a:t>
+            </a:r>
+          </a:p>
+        </p:txBody>
+      </p:sp>
+      <p:pic>
+        <p:nvPicPr>
+          <p:cNvPr id="5" name="Grafika 4">
+            <a:extLst>
+              <a:ext uri="{FF2B5EF4-FFF2-40B4-BE49-F238E27FC236}">
+                <a16:creationId xmlns:a16="http://schemas.microsoft.com/office/drawing/2014/main" id="{0F4A7A36-9EAF-43AA-9C29-C93D312E0A9C}"/>
+              </a:ext>
+            </a:extLst>
+          </p:cNvPr>
+          <p:cNvPicPr>
+            <a:picLocks noChangeAspect="1"/>
+          </p:cNvPicPr>
+          <p:nvPr/>
+        </p:nvPicPr>
+        <p:blipFill>
+          <a:blip r:embed="rId5">
+            <a:extLst>
+              <a:ext uri="{28A0092B-C50C-407E-A947-70E740481C1C}">
+                <a14:useLocalDpi xmlns:a14="http://schemas.microsoft.com/office/drawing/2010/main" val="0"/>
+              </a:ext>
+              <a:ext uri="{96DAC541-7B7A-43D3-8B79-37D633B846F1}">
+                <asvg:svgBlip xmlns:asvg="http://schemas.microsoft.com/office/drawing/2016/SVG/main" r:embed="rId6"/>
+              </a:ext>
+            </a:extLst>
+          </a:blip>
+          <a:stretch>
+            <a:fillRect/>
+          </a:stretch>
+        </p:blipFill>
+        <p:spPr>
+          <a:xfrm>
+            <a:off x="6736078" y="972766"/>
+            <a:ext cx="5230293" cy="4546665"/>
+          </a:xfrm>
+          <a:prstGeom prst="rect">
+            <a:avLst/>
+          </a:prstGeom>
+          <a:ln>
+            <a:noFill/>
+          </a:ln>
+          <a:effectLst>
+            <a:outerShdw blurRad="76200" dist="63500" dir="5040000" algn="tl" rotWithShape="0">
+              <a:srgbClr val="000000">
+                <a:alpha val="41000"/>
+              </a:srgbClr>
+            </a:outerShdw>
+          </a:effectLst>
+        </p:spPr>
+      </p:pic>
+      <p:sp>
+        <p:nvSpPr>
+          <p:cNvPr id="3" name="Symbol zastępczy numeru slajdu 2">
+            <a:extLst>
+              <a:ext uri="{FF2B5EF4-FFF2-40B4-BE49-F238E27FC236}">
+                <a16:creationId xmlns:a16="http://schemas.microsoft.com/office/drawing/2014/main" id="{58498F4A-5208-4983-90A0-3F6DDE5D2EA1}"/>
+              </a:ext>
+            </a:extLst>
+          </p:cNvPr>
+          <p:cNvSpPr>
+            <a:spLocks noGrp="1"/>
+          </p:cNvSpPr>
+          <p:nvPr>
+            <p:ph type="sldNum" sz="quarter" idx="12"/>
+          </p:nvPr>
+        </p:nvSpPr>
+        <p:spPr>
+          <a:xfrm>
+            <a:off x="11281776" y="6336872"/>
+            <a:ext cx="722655" cy="365760"/>
+          </a:xfrm>
+        </p:spPr>
+        <p:txBody>
+          <a:bodyPr vert="horz" lIns="91440" tIns="45720" rIns="91440" bIns="45720" rtlCol="0" anchor="ctr">
+            <a:normAutofit/>
+          </a:bodyPr>
+          <a:lstStyle/>
+          <a:p>
+            <a:pPr defTabSz="914400">
+              <a:spcAft>
+                <a:spcPts val="600"/>
+              </a:spcAft>
+            </a:pPr>
+            <a:r>
+              <a:rPr lang="pl-PL" sz="1400" dirty="0">
+                <a:solidFill>
+                  <a:srgbClr val="FFFFFF"/>
+                </a:solidFill>
+              </a:rPr>
+              <a:t>23</a:t>
+            </a:r>
+            <a:endParaRPr lang="en-US" sz="1400" dirty="0">
+              <a:solidFill>
+                <a:srgbClr val="FFFFFF"/>
+              </a:solidFill>
+            </a:endParaRPr>
+          </a:p>
+        </p:txBody>
+      </p:sp>
+    </p:spTree>
+    <p:extLst>
+      <p:ext uri="{BB962C8B-B14F-4D97-AF65-F5344CB8AC3E}">
+        <p14:creationId xmlns:p14="http://schemas.microsoft.com/office/powerpoint/2010/main" val="2070685674"/>
+      </p:ext>
+    </p:extLst>
+  </p:cSld>
+  <p:clrMapOvr>
+    <a:masterClrMapping/>
+  </p:clrMapOvr>
+</p:sld>
+</file>
+
+<file path=ppt/slides/slide4.xml><?xml version="1.0" encoding="utf-8"?>
+<p:sld xmlns:a="http://schemas.openxmlformats.org/drawingml/2006/main" xmlns:r="http://schemas.openxmlformats.org/officeDocument/2006/relationships" xmlns:p="http://schemas.openxmlformats.org/presentationml/2006/main" show="0">
+  <p:cSld>
+    <p:spTree>
+      <p:nvGrpSpPr>
+        <p:cNvPr id="1" name=""/>
+        <p:cNvGrpSpPr/>
+        <p:nvPr/>
+      </p:nvGrpSpPr>
+      <p:grpSpPr>
+        <a:xfrm>
+          <a:off x="0" y="0"/>
+          <a:ext cx="0" cy="0"/>
+          <a:chOff x="0" y="0"/>
+          <a:chExt cx="0" cy="0"/>
+        </a:xfrm>
+      </p:grpSpPr>
+      <p:sp>
+        <p:nvSpPr>
+          <p:cNvPr id="2" name="Tytuł 1">
+            <a:extLst>
+              <a:ext uri="{FF2B5EF4-FFF2-40B4-BE49-F238E27FC236}">
+                <a16:creationId xmlns:a16="http://schemas.microsoft.com/office/drawing/2014/main" id="{38FE2930-C9F9-42F1-BC5A-B5D8CC8FE5FB}"/>
+              </a:ext>
+            </a:extLst>
+          </p:cNvPr>
+          <p:cNvSpPr>
+            <a:spLocks noGrp="1"/>
+          </p:cNvSpPr>
+          <p:nvPr>
+            <p:ph type="title"/>
+          </p:nvPr>
+        </p:nvSpPr>
+        <p:spPr/>
+        <p:txBody>
+          <a:bodyPr/>
+          <a:lstStyle/>
+          <a:p>
+            <a:pPr algn="ctr"/>
+            <a:r>
+              <a:rPr lang="pl-PL" dirty="0"/>
+              <a:t>Przedsiębiorstwo</a:t>
+            </a:r>
+          </a:p>
+        </p:txBody>
+      </p:sp>
+      <p:sp>
+        <p:nvSpPr>
+          <p:cNvPr id="3" name="Symbol zastępczy zawartości 2">
+            <a:extLst>
+              <a:ext uri="{FF2B5EF4-FFF2-40B4-BE49-F238E27FC236}">
+                <a16:creationId xmlns:a16="http://schemas.microsoft.com/office/drawing/2014/main" id="{8426D2BE-ED27-420C-AF5A-CBE400D5329A}"/>
+              </a:ext>
+            </a:extLst>
+          </p:cNvPr>
+          <p:cNvSpPr>
+            <a:spLocks noGrp="1"/>
+          </p:cNvSpPr>
+          <p:nvPr>
+            <p:ph idx="1"/>
+          </p:nvPr>
+        </p:nvSpPr>
+        <p:spPr>
+          <a:xfrm>
+            <a:off x="680321" y="2635847"/>
+            <a:ext cx="10131425" cy="2387988"/>
+          </a:xfrm>
+        </p:spPr>
+        <p:txBody>
+          <a:bodyPr>
+            <a:normAutofit/>
+          </a:bodyPr>
+          <a:lstStyle/>
+          <a:p>
+            <a:pPr marL="0" indent="0">
+              <a:buNone/>
+            </a:pPr>
+            <a:r>
+              <a:rPr lang="pl-PL" dirty="0"/>
+              <a:t>System wspomagający zarządzanie zaprojektowano dla firmy, której działalnością jest produkcja elementów przy wykorzystaniu technologii addytywnych. Firma pracuje od poniedziałku do piątku w trybie jednozmianowym od 8:00 do 16:00.</a:t>
+            </a:r>
+          </a:p>
+          <a:p>
+            <a:pPr marL="0" indent="0">
+              <a:buNone/>
+            </a:pPr>
+            <a:endParaRPr lang="pl-PL" sz="2800" dirty="0"/>
+          </a:p>
+        </p:txBody>
+      </p:sp>
+      <p:sp>
+        <p:nvSpPr>
+          <p:cNvPr id="4" name="Symbol zastępczy numeru slajdu 3">
+            <a:extLst>
+              <a:ext uri="{FF2B5EF4-FFF2-40B4-BE49-F238E27FC236}">
+                <a16:creationId xmlns:a16="http://schemas.microsoft.com/office/drawing/2014/main" id="{71B7EC5F-3A4F-420A-871E-FD88567599DB}"/>
+              </a:ext>
+            </a:extLst>
+          </p:cNvPr>
+          <p:cNvSpPr>
+            <a:spLocks noGrp="1"/>
+          </p:cNvSpPr>
+          <p:nvPr>
+            <p:ph type="sldNum" sz="quarter" idx="12"/>
+          </p:nvPr>
+        </p:nvSpPr>
+        <p:spPr/>
+        <p:txBody>
+          <a:bodyPr/>
+          <a:lstStyle/>
+          <a:p>
+            <a:fld id="{73EBA5C1-EA0D-4D38-B474-3131B775EA3E}" type="slidenum">
+              <a:rPr lang="pl-PL" smtClean="0"/>
+              <a:t>4</a:t>
+            </a:fld>
+            <a:endParaRPr lang="pl-PL"/>
+          </a:p>
+        </p:txBody>
+      </p:sp>
+    </p:spTree>
+    <p:extLst>
+      <p:ext uri="{BB962C8B-B14F-4D97-AF65-F5344CB8AC3E}">
+        <p14:creationId xmlns:p14="http://schemas.microsoft.com/office/powerpoint/2010/main" val="3558708667"/>
+      </p:ext>
+    </p:extLst>
+  </p:cSld>
+  <p:clrMapOvr>
+    <a:masterClrMapping/>
+  </p:clrMapOvr>
+</p:sld>
+</file>
+
+<file path=ppt/slides/slide40.xml><?xml version="1.0" encoding="utf-8"?>
+<p:sld xmlns:a="http://schemas.openxmlformats.org/drawingml/2006/main" xmlns:r="http://schemas.openxmlformats.org/officeDocument/2006/relationships" xmlns:p="http://schemas.openxmlformats.org/presentationml/2006/main">
+  <p:cSld>
+    <p:spTree>
+      <p:nvGrpSpPr>
+        <p:cNvPr id="1" name=""/>
+        <p:cNvGrpSpPr/>
+        <p:nvPr/>
+      </p:nvGrpSpPr>
+      <p:grpSpPr>
+        <a:xfrm>
+          <a:off x="0" y="0"/>
+          <a:ext cx="0" cy="0"/>
+          <a:chOff x="0" y="0"/>
+          <a:chExt cx="0" cy="0"/>
+        </a:xfrm>
+      </p:grpSpPr>
+      <p:sp>
+        <p:nvSpPr>
+          <p:cNvPr id="2" name="Tytuł 1">
+            <a:extLst>
+              <a:ext uri="{FF2B5EF4-FFF2-40B4-BE49-F238E27FC236}">
+                <a16:creationId xmlns:a16="http://schemas.microsoft.com/office/drawing/2014/main" id="{C91C4CD4-9C96-4AF4-ACE0-9CFD711A54A3}"/>
+              </a:ext>
+            </a:extLst>
+          </p:cNvPr>
+          <p:cNvSpPr>
+            <a:spLocks noGrp="1"/>
+          </p:cNvSpPr>
+          <p:nvPr>
+            <p:ph type="title"/>
+          </p:nvPr>
+        </p:nvSpPr>
+        <p:spPr/>
+        <p:txBody>
+          <a:bodyPr/>
+          <a:lstStyle/>
+          <a:p>
+            <a:r>
+              <a:rPr lang="pl-PL"/>
+              <a:t>Koszty zewnętrzne</a:t>
+            </a:r>
+            <a:endParaRPr lang="pl-PL" dirty="0"/>
+          </a:p>
+        </p:txBody>
+      </p:sp>
+      <p:sp>
+        <p:nvSpPr>
+          <p:cNvPr id="3" name="Symbol zastępczy numeru slajdu 2">
+            <a:extLst>
+              <a:ext uri="{FF2B5EF4-FFF2-40B4-BE49-F238E27FC236}">
+                <a16:creationId xmlns:a16="http://schemas.microsoft.com/office/drawing/2014/main" id="{2E8532CB-E7B8-4F37-95A9-BD07BA8C7965}"/>
+              </a:ext>
+            </a:extLst>
+          </p:cNvPr>
+          <p:cNvSpPr>
+            <a:spLocks noGrp="1"/>
+          </p:cNvSpPr>
+          <p:nvPr>
+            <p:ph type="sldNum" sz="quarter" idx="12"/>
+          </p:nvPr>
+        </p:nvSpPr>
+        <p:spPr/>
+        <p:txBody>
+          <a:bodyPr/>
+          <a:lstStyle/>
+          <a:p>
+            <a:r>
+              <a:rPr lang="pl-PL" dirty="0"/>
+              <a:t>24</a:t>
+            </a:r>
+          </a:p>
+        </p:txBody>
+      </p:sp>
+      <p:pic>
+        <p:nvPicPr>
+          <p:cNvPr id="5" name="Grafika 4">
+            <a:extLst>
+              <a:ext uri="{FF2B5EF4-FFF2-40B4-BE49-F238E27FC236}">
+                <a16:creationId xmlns:a16="http://schemas.microsoft.com/office/drawing/2014/main" id="{488C63E7-46CC-4855-8E59-BE82EAF620ED}"/>
+              </a:ext>
+            </a:extLst>
+          </p:cNvPr>
+          <p:cNvPicPr>
+            <a:picLocks noChangeAspect="1"/>
+          </p:cNvPicPr>
+          <p:nvPr/>
+        </p:nvPicPr>
+        <p:blipFill>
+          <a:blip r:embed="rId2">
+            <a:extLst>
+              <a:ext uri="{28A0092B-C50C-407E-A947-70E740481C1C}">
+                <a14:useLocalDpi xmlns:a14="http://schemas.microsoft.com/office/drawing/2010/main" val="0"/>
+              </a:ext>
+              <a:ext uri="{96DAC541-7B7A-43D3-8B79-37D633B846F1}">
+                <asvg:svgBlip xmlns:asvg="http://schemas.microsoft.com/office/drawing/2016/SVG/main" r:embed="rId3"/>
+              </a:ext>
+            </a:extLst>
+          </a:blip>
+          <a:stretch>
+            <a:fillRect/>
+          </a:stretch>
+        </p:blipFill>
+        <p:spPr>
+          <a:xfrm>
+            <a:off x="357896" y="2159541"/>
+            <a:ext cx="9889067" cy="4572000"/>
+          </a:xfrm>
+          <a:prstGeom prst="rect">
+            <a:avLst/>
+          </a:prstGeom>
+        </p:spPr>
+      </p:pic>
+    </p:spTree>
+    <p:extLst>
+      <p:ext uri="{BB962C8B-B14F-4D97-AF65-F5344CB8AC3E}">
+        <p14:creationId xmlns:p14="http://schemas.microsoft.com/office/powerpoint/2010/main" val="166801903"/>
+      </p:ext>
+    </p:extLst>
+  </p:cSld>
+  <p:clrMapOvr>
+    <a:masterClrMapping/>
+  </p:clrMapOvr>
+</p:sld>
+</file>
+
+<file path=ppt/slides/slide41.xml><?xml version="1.0" encoding="utf-8"?>
+<p:sld xmlns:a="http://schemas.openxmlformats.org/drawingml/2006/main" xmlns:r="http://schemas.openxmlformats.org/officeDocument/2006/relationships" xmlns:p="http://schemas.openxmlformats.org/presentationml/2006/main">
+  <p:cSld>
+    <p:bg>
+      <p:bgPr>
+        <a:gradFill rotWithShape="1">
+          <a:gsLst>
+            <a:gs pos="0">
+              <a:schemeClr val="bg2">
+                <a:tint val="96000"/>
+                <a:shade val="100000"/>
+                <a:hueMod val="270000"/>
+                <a:satMod val="200000"/>
+                <a:lumMod val="128000"/>
+              </a:schemeClr>
+            </a:gs>
+            <a:gs pos="50000">
+              <a:schemeClr val="bg2">
+                <a:shade val="100000"/>
+                <a:hueMod val="100000"/>
+                <a:satMod val="110000"/>
+                <a:lumMod val="130000"/>
+              </a:schemeClr>
+            </a:gs>
+            <a:gs pos="100000">
+              <a:schemeClr val="bg2">
+                <a:shade val="78000"/>
+                <a:hueMod val="44000"/>
+                <a:satMod val="200000"/>
+                <a:lumMod val="69000"/>
+              </a:schemeClr>
+            </a:gs>
+          </a:gsLst>
+          <a:lin ang="2520000" scaled="0"/>
+        </a:gradFill>
+        <a:effectLst/>
+      </p:bgPr>
+    </p:bg>
+    <p:spTree>
+      <p:nvGrpSpPr>
+        <p:cNvPr id="1" name=""/>
+        <p:cNvGrpSpPr/>
+        <p:nvPr/>
+      </p:nvGrpSpPr>
+      <p:grpSpPr>
+        <a:xfrm>
+          <a:off x="0" y="0"/>
+          <a:ext cx="0" cy="0"/>
+          <a:chOff x="0" y="0"/>
+          <a:chExt cx="0" cy="0"/>
+        </a:xfrm>
+      </p:grpSpPr>
+      <p:pic>
+        <p:nvPicPr>
           <p:cNvPr id="30" name="Picture 9">
             <a:extLst>
               <a:ext uri="{FF2B5EF4-FFF2-40B4-BE49-F238E27FC236}">
@@ -27536,175 +28835,7 @@
 </p:sld>
 </file>
 
-<file path=ppt/slides/slide4.xml><?xml version="1.0" encoding="utf-8"?>
-<p:sld xmlns:a="http://schemas.openxmlformats.org/drawingml/2006/main" xmlns:r="http://schemas.openxmlformats.org/officeDocument/2006/relationships" xmlns:p="http://schemas.openxmlformats.org/presentationml/2006/main">
-  <p:cSld>
-    <p:spTree>
-      <p:nvGrpSpPr>
-        <p:cNvPr id="1" name=""/>
-        <p:cNvGrpSpPr/>
-        <p:nvPr/>
-      </p:nvGrpSpPr>
-      <p:grpSpPr>
-        <a:xfrm>
-          <a:off x="0" y="0"/>
-          <a:ext cx="0" cy="0"/>
-          <a:chOff x="0" y="0"/>
-          <a:chExt cx="0" cy="0"/>
-        </a:xfrm>
-      </p:grpSpPr>
-      <p:sp>
-        <p:nvSpPr>
-          <p:cNvPr id="2" name="Tytuł 1">
-            <a:extLst>
-              <a:ext uri="{FF2B5EF4-FFF2-40B4-BE49-F238E27FC236}">
-                <a16:creationId xmlns:a16="http://schemas.microsoft.com/office/drawing/2014/main" id="{4692D9FC-EF41-4455-BD94-740A99592AEB}"/>
-              </a:ext>
-            </a:extLst>
-          </p:cNvPr>
-          <p:cNvSpPr>
-            <a:spLocks noGrp="1"/>
-          </p:cNvSpPr>
-          <p:nvPr>
-            <p:ph type="title"/>
-          </p:nvPr>
-        </p:nvSpPr>
-        <p:spPr/>
-        <p:txBody>
-          <a:bodyPr/>
-          <a:lstStyle/>
-          <a:p>
-            <a:pPr algn="ctr"/>
-            <a:r>
-              <a:rPr lang="pl-PL" dirty="0"/>
-              <a:t>Cechy spółki</a:t>
-            </a:r>
-          </a:p>
-        </p:txBody>
-      </p:sp>
-      <p:sp>
-        <p:nvSpPr>
-          <p:cNvPr id="3" name="Symbol zastępczy zawartości 2">
-            <a:extLst>
-              <a:ext uri="{FF2B5EF4-FFF2-40B4-BE49-F238E27FC236}">
-                <a16:creationId xmlns:a16="http://schemas.microsoft.com/office/drawing/2014/main" id="{09C723DD-7924-4948-B5FA-246D91C66691}"/>
-              </a:ext>
-            </a:extLst>
-          </p:cNvPr>
-          <p:cNvSpPr>
-            <a:spLocks noGrp="1"/>
-          </p:cNvSpPr>
-          <p:nvPr>
-            <p:ph idx="1"/>
-          </p:nvPr>
-        </p:nvSpPr>
-        <p:spPr/>
-        <p:txBody>
-          <a:bodyPr/>
-          <a:lstStyle/>
-          <a:p>
-            <a:pPr algn="just"/>
-            <a:r>
-              <a:rPr lang="pl-PL" dirty="0"/>
-              <a:t>Kapitałowa spółka handlowa posiadająca osobowość prawną.</a:t>
-            </a:r>
-          </a:p>
-          <a:p>
-            <a:pPr algn="just"/>
-            <a:r>
-              <a:rPr lang="pl-PL" dirty="0"/>
-              <a:t>Do utworzenia potrzeba jednego lub więcej wspólników.</a:t>
-            </a:r>
-          </a:p>
-          <a:p>
-            <a:pPr algn="just"/>
-            <a:r>
-              <a:rPr lang="pl-PL" dirty="0"/>
-              <a:t>Nie może być zawiązana wyłącznie przez jednoosobową Sp. z o. o.</a:t>
-            </a:r>
-          </a:p>
-          <a:p>
-            <a:pPr algn="just"/>
-            <a:r>
-              <a:rPr lang="pl-PL" dirty="0"/>
-              <a:t>Założycielami mogą być:</a:t>
-            </a:r>
-          </a:p>
-          <a:p>
-            <a:pPr marL="514350" indent="-514350" algn="just">
-              <a:buAutoNum type="alphaLcParenR"/>
-            </a:pPr>
-            <a:r>
-              <a:rPr lang="pl-PL" dirty="0"/>
-              <a:t>Osoby fizyczne</a:t>
-            </a:r>
-          </a:p>
-          <a:p>
-            <a:pPr marL="514350" indent="-514350" algn="just">
-              <a:buAutoNum type="alphaLcParenR"/>
-            </a:pPr>
-            <a:r>
-              <a:rPr lang="pl-PL" dirty="0"/>
-              <a:t>Osoby prawne</a:t>
-            </a:r>
-          </a:p>
-          <a:p>
-            <a:pPr algn="just"/>
-            <a:r>
-              <a:rPr lang="pl-PL" dirty="0"/>
-              <a:t>Wymagany kapitał do założenia spółki wynosi min. 5 tys. zł.</a:t>
-            </a:r>
-          </a:p>
-          <a:p>
-            <a:pPr marL="0" indent="0">
-              <a:buNone/>
-            </a:pPr>
-            <a:endParaRPr lang="pl-PL" dirty="0"/>
-          </a:p>
-        </p:txBody>
-      </p:sp>
-      <p:sp>
-        <p:nvSpPr>
-          <p:cNvPr id="4" name="Symbol zastępczy numeru slajdu 3">
-            <a:extLst>
-              <a:ext uri="{FF2B5EF4-FFF2-40B4-BE49-F238E27FC236}">
-                <a16:creationId xmlns:a16="http://schemas.microsoft.com/office/drawing/2014/main" id="{48133D2C-4CC0-4959-BFB9-558D9C5B9493}"/>
-              </a:ext>
-            </a:extLst>
-          </p:cNvPr>
-          <p:cNvSpPr>
-            <a:spLocks noGrp="1"/>
-          </p:cNvSpPr>
-          <p:nvPr>
-            <p:ph type="sldNum" sz="quarter" idx="12"/>
-          </p:nvPr>
-        </p:nvSpPr>
-        <p:spPr/>
-        <p:txBody>
-          <a:bodyPr/>
-          <a:lstStyle/>
-          <a:p>
-            <a:r>
-              <a:rPr lang="pl-PL" dirty="0"/>
-              <a:t>3</a:t>
-            </a:r>
-          </a:p>
-        </p:txBody>
-      </p:sp>
-    </p:spTree>
-    <p:extLst>
-      <p:ext uri="{BB962C8B-B14F-4D97-AF65-F5344CB8AC3E}">
-        <p14:creationId xmlns:p14="http://schemas.microsoft.com/office/powerpoint/2010/main" val="1669945221"/>
-      </p:ext>
-    </p:extLst>
-  </p:cSld>
-  <p:clrMapOvr>
-    <a:masterClrMapping/>
-  </p:clrMapOvr>
-</p:sld>
-</file>
-
-<file path=ppt/slides/slide40.xml><?xml version="1.0" encoding="utf-8"?>
+<file path=ppt/slides/slide42.xml><?xml version="1.0" encoding="utf-8"?>
 <p:sld xmlns:a="http://schemas.openxmlformats.org/drawingml/2006/main" xmlns:r="http://schemas.openxmlformats.org/officeDocument/2006/relationships" xmlns:p="http://schemas.openxmlformats.org/presentationml/2006/main">
   <p:cSld>
     <p:bg>
@@ -28431,6 +29562,41 @@
 <file path=ppt/slides/slide5.xml><?xml version="1.0" encoding="utf-8"?>
 <p:sld xmlns:a="http://schemas.openxmlformats.org/drawingml/2006/main" xmlns:r="http://schemas.openxmlformats.org/officeDocument/2006/relationships" xmlns:p="http://schemas.openxmlformats.org/presentationml/2006/main">
   <p:cSld>
+    <p:bg>
+      <p:bgPr>
+        <a:gradFill rotWithShape="1">
+          <a:gsLst>
+            <a:gs pos="0">
+              <a:schemeClr val="bg2">
+                <a:tint val="96000"/>
+                <a:shade val="100000"/>
+                <a:hueMod val="270000"/>
+                <a:satMod val="200000"/>
+                <a:lumMod val="128000"/>
+              </a:schemeClr>
+            </a:gs>
+            <a:gs pos="50000">
+              <a:schemeClr val="bg2">
+                <a:shade val="100000"/>
+                <a:hueMod val="100000"/>
+                <a:satMod val="110000"/>
+                <a:lumMod val="130000"/>
+              </a:schemeClr>
+            </a:gs>
+            <a:gs pos="100000">
+              <a:schemeClr val="bg2">
+                <a:shade val="78000"/>
+                <a:hueMod val="44000"/>
+                <a:satMod val="200000"/>
+                <a:lumMod val="69000"/>
+              </a:schemeClr>
+            </a:gs>
+          </a:gsLst>
+          <a:lin ang="2520000" scaled="0"/>
+        </a:gradFill>
+        <a:effectLst/>
+      </p:bgPr>
+    </p:bg>
     <p:spTree>
       <p:nvGrpSpPr>
         <p:cNvPr id="1" name=""/>
@@ -28445,12 +29611,236 @@
           <a:chExt cx="0" cy="0"/>
         </a:xfrm>
       </p:grpSpPr>
+      <p:sp useBgFill="1">
+        <p:nvSpPr>
+          <p:cNvPr id="11" name="Rectangle 10">
+            <a:extLst>
+              <a:ext uri="{FF2B5EF4-FFF2-40B4-BE49-F238E27FC236}">
+                <a16:creationId xmlns:a16="http://schemas.microsoft.com/office/drawing/2014/main" id="{F4979F40-3A44-4CCB-9EB7-F8318BCE576B}"/>
+              </a:ext>
+              <a:ext uri="{C183D7F6-B498-43B3-948B-1728B52AA6E4}">
+                <adec:decorative xmlns:adec="http://schemas.microsoft.com/office/drawing/2017/decorative" val="1"/>
+              </a:ext>
+            </a:extLst>
+          </p:cNvPr>
+          <p:cNvSpPr>
+            <a:spLocks noGrp="1" noRot="1" noChangeAspect="1" noMove="1" noResize="1" noEditPoints="1" noAdjustHandles="1" noChangeArrowheads="1" noChangeShapeType="1" noTextEdit="1"/>
+          </p:cNvSpPr>
+          <p:nvPr>
+            <p:extLst>
+              <p:ext uri="{386F3935-93C4-4BCD-93E2-E3B085C9AB24}">
+                <p16:designElem xmlns:p16="http://schemas.microsoft.com/office/powerpoint/2015/main" val="1"/>
+              </p:ext>
+            </p:extLst>
+          </p:nvPr>
+        </p:nvSpPr>
+        <p:spPr>
+          <a:xfrm>
+            <a:off x="0" y="-1"/>
+            <a:ext cx="12188824" cy="6858001"/>
+          </a:xfrm>
+          <a:prstGeom prst="rect">
+            <a:avLst/>
+          </a:prstGeom>
+          <a:ln>
+            <a:noFill/>
+          </a:ln>
+        </p:spPr>
+        <p:style>
+          <a:lnRef idx="2">
+            <a:schemeClr val="accent1">
+              <a:shade val="50000"/>
+            </a:schemeClr>
+          </a:lnRef>
+          <a:fillRef idx="1">
+            <a:schemeClr val="accent1"/>
+          </a:fillRef>
+          <a:effectRef idx="0">
+            <a:schemeClr val="accent1"/>
+          </a:effectRef>
+          <a:fontRef idx="minor">
+            <a:schemeClr val="lt1"/>
+          </a:fontRef>
+        </p:style>
+        <p:txBody>
+          <a:bodyPr rtlCol="0" anchor="ctr"/>
+          <a:lstStyle/>
+          <a:p>
+            <a:pPr algn="ctr"/>
+            <a:endParaRPr lang="en-US"/>
+          </a:p>
+        </p:txBody>
+      </p:sp>
+      <p:pic>
+        <p:nvPicPr>
+          <p:cNvPr id="13" name="Picture 12">
+            <a:extLst>
+              <a:ext uri="{FF2B5EF4-FFF2-40B4-BE49-F238E27FC236}">
+                <a16:creationId xmlns:a16="http://schemas.microsoft.com/office/drawing/2014/main" id="{15291D39-6B03-4BB5-BFC6-CBF11E90BFD6}"/>
+              </a:ext>
+              <a:ext uri="{C183D7F6-B498-43B3-948B-1728B52AA6E4}">
+                <adec:decorative xmlns:adec="http://schemas.microsoft.com/office/drawing/2017/decorative" val="1"/>
+              </a:ext>
+            </a:extLst>
+          </p:cNvPr>
+          <p:cNvPicPr>
+            <a:picLocks noGrp="1" noRot="1" noChangeAspect="1" noMove="1" noResize="1" noEditPoints="1" noAdjustHandles="1" noChangeArrowheads="1" noChangeShapeType="1" noCrop="1"/>
+          </p:cNvPicPr>
+          <p:nvPr>
+            <p:extLst>
+              <p:ext uri="{386F3935-93C4-4BCD-93E2-E3B085C9AB24}">
+                <p16:designElem xmlns:p16="http://schemas.microsoft.com/office/powerpoint/2015/main" val="1"/>
+              </p:ext>
+            </p:extLst>
+          </p:nvPr>
+        </p:nvPicPr>
+        <p:blipFill>
+          <a:blip r:embed="rId2">
+            <a:alphaModFix amt="10000"/>
+            <a:extLst>
+              <a:ext uri="{28A0092B-C50C-407E-A947-70E740481C1C}">
+                <a14:useLocalDpi xmlns:a14="http://schemas.microsoft.com/office/drawing/2010/main" val="0"/>
+              </a:ext>
+            </a:extLst>
+          </a:blip>
+          <a:stretch>
+            <a:fillRect/>
+          </a:stretch>
+        </p:blipFill>
+        <p:spPr>
+          <a:xfrm>
+            <a:off x="-3176" y="0"/>
+            <a:ext cx="12192000" cy="6858000"/>
+          </a:xfrm>
+          <a:prstGeom prst="rect">
+            <a:avLst/>
+          </a:prstGeom>
+        </p:spPr>
+      </p:pic>
+      <p:sp>
+        <p:nvSpPr>
+          <p:cNvPr id="15" name="Rectangle 14">
+            <a:extLst>
+              <a:ext uri="{FF2B5EF4-FFF2-40B4-BE49-F238E27FC236}">
+                <a16:creationId xmlns:a16="http://schemas.microsoft.com/office/drawing/2014/main" id="{AFD071FA-0514-4371-9568-86216A1F4658}"/>
+              </a:ext>
+              <a:ext uri="{C183D7F6-B498-43B3-948B-1728B52AA6E4}">
+                <adec:decorative xmlns:adec="http://schemas.microsoft.com/office/drawing/2017/decorative" val="1"/>
+              </a:ext>
+            </a:extLst>
+          </p:cNvPr>
+          <p:cNvSpPr>
+            <a:spLocks noGrp="1" noRot="1" noChangeAspect="1" noMove="1" noResize="1" noEditPoints="1" noAdjustHandles="1" noChangeArrowheads="1" noChangeShapeType="1" noTextEdit="1"/>
+          </p:cNvSpPr>
+          <p:nvPr>
+            <p:extLst>
+              <p:ext uri="{386F3935-93C4-4BCD-93E2-E3B085C9AB24}">
+                <p16:designElem xmlns:p16="http://schemas.microsoft.com/office/powerpoint/2015/main" val="1"/>
+              </p:ext>
+            </p:extLst>
+          </p:nvPr>
+        </p:nvSpPr>
+        <p:spPr>
+          <a:xfrm>
+            <a:off x="4639056" y="0"/>
+            <a:ext cx="7552944" cy="6858001"/>
+          </a:xfrm>
+          <a:prstGeom prst="rect">
+            <a:avLst/>
+          </a:prstGeom>
+          <a:ln>
+            <a:noFill/>
+          </a:ln>
+        </p:spPr>
+        <p:style>
+          <a:lnRef idx="2">
+            <a:schemeClr val="accent1">
+              <a:shade val="50000"/>
+            </a:schemeClr>
+          </a:lnRef>
+          <a:fillRef idx="1">
+            <a:schemeClr val="accent1"/>
+          </a:fillRef>
+          <a:effectRef idx="0">
+            <a:schemeClr val="accent1"/>
+          </a:effectRef>
+          <a:fontRef idx="minor">
+            <a:schemeClr val="lt1"/>
+          </a:fontRef>
+        </p:style>
+        <p:txBody>
+          <a:bodyPr rtlCol="0" anchor="ctr"/>
+          <a:lstStyle/>
+          <a:p>
+            <a:pPr algn="ctr"/>
+            <a:endParaRPr lang="en-US"/>
+          </a:p>
+        </p:txBody>
+      </p:sp>
+      <p:sp>
+        <p:nvSpPr>
+          <p:cNvPr id="17" name="Rectangle 16">
+            <a:extLst>
+              <a:ext uri="{FF2B5EF4-FFF2-40B4-BE49-F238E27FC236}">
+                <a16:creationId xmlns:a16="http://schemas.microsoft.com/office/drawing/2014/main" id="{5211DDA4-E7B5-4325-A844-B7F59B084BA7}"/>
+              </a:ext>
+              <a:ext uri="{C183D7F6-B498-43B3-948B-1728B52AA6E4}">
+                <adec:decorative xmlns:adec="http://schemas.microsoft.com/office/drawing/2017/decorative" val="1"/>
+              </a:ext>
+            </a:extLst>
+          </p:cNvPr>
+          <p:cNvSpPr>
+            <a:spLocks noGrp="1" noRot="1" noChangeAspect="1" noMove="1" noResize="1" noEditPoints="1" noAdjustHandles="1" noChangeArrowheads="1" noChangeShapeType="1" noTextEdit="1"/>
+          </p:cNvSpPr>
+          <p:nvPr>
+            <p:extLst>
+              <p:ext uri="{386F3935-93C4-4BCD-93E2-E3B085C9AB24}">
+                <p16:designElem xmlns:p16="http://schemas.microsoft.com/office/powerpoint/2015/main" val="1"/>
+              </p:ext>
+            </p:extLst>
+          </p:nvPr>
+        </p:nvSpPr>
+        <p:spPr bwMode="grayWhite">
+          <a:xfrm>
+            <a:off x="2" y="609600"/>
+            <a:ext cx="4959094" cy="1368198"/>
+          </a:xfrm>
+          <a:prstGeom prst="rect">
+            <a:avLst/>
+          </a:prstGeom>
+          <a:solidFill>
+            <a:schemeClr val="bg1">
+              <a:lumMod val="85000"/>
+              <a:lumOff val="15000"/>
+            </a:schemeClr>
+          </a:solidFill>
+          <a:ln>
+            <a:noFill/>
+          </a:ln>
+        </p:spPr>
+        <p:style>
+          <a:lnRef idx="2">
+            <a:schemeClr val="accent1">
+              <a:shade val="50000"/>
+            </a:schemeClr>
+          </a:lnRef>
+          <a:fillRef idx="1">
+            <a:schemeClr val="accent1"/>
+          </a:fillRef>
+          <a:effectRef idx="0">
+            <a:schemeClr val="accent1"/>
+          </a:effectRef>
+          <a:fontRef idx="minor">
+            <a:schemeClr val="lt1"/>
+          </a:fontRef>
+        </p:style>
+      </p:sp>
       <p:sp>
         <p:nvSpPr>
           <p:cNvPr id="2" name="Tytuł 1">
             <a:extLst>
               <a:ext uri="{FF2B5EF4-FFF2-40B4-BE49-F238E27FC236}">
-                <a16:creationId xmlns:a16="http://schemas.microsoft.com/office/drawing/2014/main" id="{A2AD81B5-68C5-4754-BD42-AFDA89A7D14A}"/>
+                <a16:creationId xmlns:a16="http://schemas.microsoft.com/office/drawing/2014/main" id="{38FE2930-C9F9-42F1-BC5A-B5D8CC8FE5FB}"/>
               </a:ext>
             </a:extLst>
           </p:cNvPr>
@@ -28461,24 +29851,215 @@
             <p:ph type="title"/>
           </p:nvPr>
         </p:nvSpPr>
-        <p:spPr/>
+        <p:spPr>
+          <a:xfrm>
+            <a:off x="680321" y="753228"/>
+            <a:ext cx="4136123" cy="1080938"/>
+          </a:xfrm>
+        </p:spPr>
         <p:txBody>
-          <a:bodyPr/>
+          <a:bodyPr>
+            <a:normAutofit/>
+          </a:bodyPr>
           <a:lstStyle/>
           <a:p>
             <a:r>
-              <a:rPr lang="pl-PL" dirty="0"/>
-              <a:t>Proces biznesowy</a:t>
+              <a:rPr lang="pl-PL" sz="2800" dirty="0"/>
+              <a:t>Forma prawna przedsiębiorstwa</a:t>
             </a:r>
           </a:p>
         </p:txBody>
       </p:sp>
+      <p:pic>
+        <p:nvPicPr>
+          <p:cNvPr id="25" name="Picture 18">
+            <a:extLst>
+              <a:ext uri="{FF2B5EF4-FFF2-40B4-BE49-F238E27FC236}">
+                <a16:creationId xmlns:a16="http://schemas.microsoft.com/office/drawing/2014/main" id="{0D58E222-6309-4F79-AC20-9D3C69CD9B16}"/>
+              </a:ext>
+              <a:ext uri="{C183D7F6-B498-43B3-948B-1728B52AA6E4}">
+                <adec:decorative xmlns:adec="http://schemas.microsoft.com/office/drawing/2017/decorative" val="1"/>
+              </a:ext>
+            </a:extLst>
+          </p:cNvPr>
+          <p:cNvPicPr>
+            <a:picLocks noGrp="1" noRot="1" noChangeAspect="1" noMove="1" noResize="1" noEditPoints="1" noAdjustHandles="1" noChangeArrowheads="1" noChangeShapeType="1" noCrop="1"/>
+          </p:cNvPicPr>
+          <p:nvPr>
+            <p:extLst>
+              <p:ext uri="{386F3935-93C4-4BCD-93E2-E3B085C9AB24}">
+                <p16:designElem xmlns:p16="http://schemas.microsoft.com/office/powerpoint/2015/main" val="1"/>
+              </p:ext>
+            </p:extLst>
+          </p:nvPr>
+        </p:nvPicPr>
+        <p:blipFill>
+          <a:blip r:embed="rId3">
+            <a:extLst>
+              <a:ext uri="{28A0092B-C50C-407E-A947-70E740481C1C}">
+                <a14:useLocalDpi xmlns:a14="http://schemas.microsoft.com/office/drawing/2010/main" val="0"/>
+              </a:ext>
+            </a:extLst>
+          </a:blip>
+          <a:stretch>
+            <a:fillRect/>
+          </a:stretch>
+        </p:blipFill>
+        <p:spPr>
+          <a:xfrm>
+            <a:off x="2" y="1970241"/>
+            <a:ext cx="4956048" cy="199787"/>
+          </a:xfrm>
+          <a:prstGeom prst="rect">
+            <a:avLst/>
+          </a:prstGeom>
+        </p:spPr>
+      </p:pic>
+      <p:sp>
+        <p:nvSpPr>
+          <p:cNvPr id="3" name="Symbol zastępczy zawartości 2">
+            <a:extLst>
+              <a:ext uri="{FF2B5EF4-FFF2-40B4-BE49-F238E27FC236}">
+                <a16:creationId xmlns:a16="http://schemas.microsoft.com/office/drawing/2014/main" id="{8426D2BE-ED27-420C-AF5A-CBE400D5329A}"/>
+              </a:ext>
+            </a:extLst>
+          </p:cNvPr>
+          <p:cNvSpPr>
+            <a:spLocks noGrp="1"/>
+          </p:cNvSpPr>
+          <p:nvPr>
+            <p:ph idx="1"/>
+          </p:nvPr>
+        </p:nvSpPr>
+        <p:spPr>
+          <a:xfrm>
+            <a:off x="0" y="2170028"/>
+            <a:ext cx="4550229" cy="4328743"/>
+          </a:xfrm>
+        </p:spPr>
+        <p:txBody>
+          <a:bodyPr>
+            <a:normAutofit/>
+          </a:bodyPr>
+          <a:lstStyle/>
+          <a:p>
+            <a:pPr marL="0" indent="0">
+              <a:buNone/>
+            </a:pPr>
+            <a:r>
+              <a:rPr lang="pl-PL" sz="2200" b="1" dirty="0"/>
+              <a:t>Spółka z ograniczoną odpowiedzialnością (Sp. z o .o.) </a:t>
+            </a:r>
+          </a:p>
+          <a:p>
+            <a:pPr marL="0" indent="0">
+              <a:buNone/>
+            </a:pPr>
+            <a:endParaRPr lang="pl-PL" sz="2000" b="1" dirty="0"/>
+          </a:p>
+          <a:p>
+            <a:r>
+              <a:rPr lang="pl-PL" sz="1800" dirty="0"/>
+              <a:t>Jest najpopularniejszą spółką handlową </a:t>
+            </a:r>
+            <a:br>
+              <a:rPr lang="pl-PL" sz="1800" dirty="0"/>
+            </a:br>
+            <a:r>
+              <a:rPr lang="pl-PL" sz="1800" dirty="0"/>
+              <a:t>w Polsce. </a:t>
+            </a:r>
+          </a:p>
+          <a:p>
+            <a:r>
+              <a:rPr lang="pl-PL" sz="1800" dirty="0"/>
+              <a:t>Jest odpowiednią formą działalności np. dla wspólników, którzy chcą zachować bezpośredni nadzór nad prowadzeniem spraw spółki i ograniczyć ryzyko tylko do swojego </a:t>
+            </a:r>
+            <a:r>
+              <a:rPr lang="pl-PL" sz="1800"/>
+              <a:t>wkładu </a:t>
+            </a:r>
+            <a:br>
+              <a:rPr lang="pl-PL" sz="1800"/>
+            </a:br>
+            <a:r>
+              <a:rPr lang="pl-PL" sz="1800"/>
+              <a:t>(</a:t>
+            </a:r>
+            <a:r>
+              <a:rPr lang="pl-PL" sz="1800" dirty="0"/>
+              <a:t>brak odpowiedzialności majątkiem osobistym). </a:t>
+            </a:r>
+          </a:p>
+          <a:p>
+            <a:r>
+              <a:rPr lang="pl-PL" sz="1800" dirty="0"/>
+              <a:t>Posiada osobowość prawną.</a:t>
+            </a:r>
+          </a:p>
+          <a:p>
+            <a:pPr marL="0" indent="0">
+              <a:buNone/>
+            </a:pPr>
+            <a:endParaRPr lang="pl-PL" sz="1400" dirty="0"/>
+          </a:p>
+        </p:txBody>
+      </p:sp>
+      <p:pic>
+        <p:nvPicPr>
+          <p:cNvPr id="6" name="Grafika 5">
+            <a:extLst>
+              <a:ext uri="{FF2B5EF4-FFF2-40B4-BE49-F238E27FC236}">
+                <a16:creationId xmlns:a16="http://schemas.microsoft.com/office/drawing/2014/main" id="{F99FE350-4D15-4900-8DA5-E43B60BBD836}"/>
+              </a:ext>
+            </a:extLst>
+          </p:cNvPr>
+          <p:cNvPicPr>
+            <a:picLocks noChangeAspect="1"/>
+          </p:cNvPicPr>
+          <p:nvPr/>
+        </p:nvPicPr>
+        <p:blipFill>
+          <a:blip r:embed="rId4">
+            <a:extLst>
+              <a:ext uri="{28A0092B-C50C-407E-A947-70E740481C1C}">
+                <a14:useLocalDpi xmlns:a14="http://schemas.microsoft.com/office/drawing/2010/main" val="0"/>
+              </a:ext>
+              <a:ext uri="{96DAC541-7B7A-43D3-8B79-37D633B846F1}">
+                <asvg:svgBlip xmlns:asvg="http://schemas.microsoft.com/office/drawing/2016/SVG/main" r:embed="rId5"/>
+              </a:ext>
+            </a:extLst>
+          </a:blip>
+          <a:stretch>
+            <a:fillRect/>
+          </a:stretch>
+        </p:blipFill>
+        <p:spPr>
+          <a:xfrm>
+            <a:off x="4639056" y="1662152"/>
+            <a:ext cx="7552944" cy="3218051"/>
+          </a:xfrm>
+          <a:prstGeom prst="rect">
+            <a:avLst/>
+          </a:prstGeom>
+          <a:ln>
+            <a:noFill/>
+          </a:ln>
+          <a:effectLst>
+            <a:outerShdw blurRad="76200" dist="63500" dir="5040000" algn="tl" rotWithShape="0">
+              <a:srgbClr val="000000">
+                <a:alpha val="41000"/>
+              </a:srgbClr>
+            </a:outerShdw>
+          </a:effectLst>
+        </p:spPr>
+      </p:pic>
       <p:sp>
         <p:nvSpPr>
           <p:cNvPr id="4" name="Symbol zastępczy numeru slajdu 3">
             <a:extLst>
               <a:ext uri="{FF2B5EF4-FFF2-40B4-BE49-F238E27FC236}">
-                <a16:creationId xmlns:a16="http://schemas.microsoft.com/office/drawing/2014/main" id="{1140D038-9B3B-4882-A661-A915007F030D}"/>
+                <a16:creationId xmlns:a16="http://schemas.microsoft.com/office/drawing/2014/main" id="{AA90D194-CA73-4DBC-9151-3061B8C84339}"/>
               </a:ext>
             </a:extLst>
           </p:cNvPr>
@@ -28489,60 +30070,40 @@
             <p:ph type="sldNum" sz="quarter" idx="12"/>
           </p:nvPr>
         </p:nvSpPr>
-        <p:spPr/>
+        <p:spPr>
+          <a:xfrm>
+            <a:off x="10900372" y="6310314"/>
+            <a:ext cx="914400" cy="365122"/>
+          </a:xfrm>
+        </p:spPr>
         <p:txBody>
-          <a:bodyPr/>
+          <a:bodyPr>
+            <a:normAutofit/>
+          </a:bodyPr>
           <a:lstStyle/>
           <a:p>
-            <a:r>
-              <a:rPr lang="pl-PL" dirty="0"/>
-              <a:t>4</a:t>
+            <a:pPr>
+              <a:spcAft>
+                <a:spcPts val="600"/>
+              </a:spcAft>
+            </a:pPr>
+            <a:r>
+              <a:rPr lang="pl-PL" sz="1050">
+                <a:solidFill>
+                  <a:prstClr val="white">
+                    <a:tint val="75000"/>
+                  </a:prstClr>
+                </a:solidFill>
+              </a:rPr>
+              <a:t>2</a:t>
             </a:r>
           </a:p>
         </p:txBody>
       </p:sp>
-      <p:pic>
-        <p:nvPicPr>
-          <p:cNvPr id="7" name="Symbol zastępczy zawartości 6">
-            <a:extLst>
-              <a:ext uri="{FF2B5EF4-FFF2-40B4-BE49-F238E27FC236}">
-                <a16:creationId xmlns:a16="http://schemas.microsoft.com/office/drawing/2014/main" id="{7C64E805-F9FD-44CE-9C80-74BD72356FA5}"/>
-              </a:ext>
-            </a:extLst>
-          </p:cNvPr>
-          <p:cNvPicPr>
-            <a:picLocks noGrp="1" noChangeAspect="1"/>
-          </p:cNvPicPr>
-          <p:nvPr>
-            <p:ph idx="1"/>
-          </p:nvPr>
-        </p:nvPicPr>
-        <p:blipFill>
-          <a:blip r:embed="rId2">
-            <a:extLst>
-              <a:ext uri="{28A0092B-C50C-407E-A947-70E740481C1C}">
-                <a14:useLocalDpi xmlns:a14="http://schemas.microsoft.com/office/drawing/2010/main" val="0"/>
-              </a:ext>
-              <a:ext uri="{96DAC541-7B7A-43D3-8B79-37D633B846F1}">
-                <asvg:svgBlip xmlns:asvg="http://schemas.microsoft.com/office/drawing/2016/SVG/main" r:embed="rId3"/>
-              </a:ext>
-            </a:extLst>
-          </a:blip>
-          <a:stretch>
-            <a:fillRect/>
-          </a:stretch>
-        </p:blipFill>
-        <p:spPr>
-          <a:xfrm>
-            <a:off x="77061" y="2410691"/>
-            <a:ext cx="12010172" cy="3140364"/>
-          </a:xfrm>
-        </p:spPr>
-      </p:pic>
     </p:spTree>
     <p:extLst>
       <p:ext uri="{BB962C8B-B14F-4D97-AF65-F5344CB8AC3E}">
-        <p14:creationId xmlns:p14="http://schemas.microsoft.com/office/powerpoint/2010/main" val="204798477"/>
+        <p14:creationId xmlns:p14="http://schemas.microsoft.com/office/powerpoint/2010/main" val="3480498017"/>
       </p:ext>
     </p:extLst>
   </p:cSld>
@@ -28553,7 +30114,7 @@
 </file>
 
 <file path=ppt/slides/slide6.xml><?xml version="1.0" encoding="utf-8"?>
-<p:sld xmlns:a="http://schemas.openxmlformats.org/drawingml/2006/main" xmlns:r="http://schemas.openxmlformats.org/officeDocument/2006/relationships" xmlns:p="http://schemas.openxmlformats.org/presentationml/2006/main" show="0">
+<p:sld xmlns:a="http://schemas.openxmlformats.org/drawingml/2006/main" xmlns:r="http://schemas.openxmlformats.org/officeDocument/2006/relationships" xmlns:p="http://schemas.openxmlformats.org/presentationml/2006/main">
   <p:cSld>
     <p:spTree>
       <p:nvGrpSpPr>
@@ -28574,7 +30135,7 @@
           <p:cNvPr id="2" name="Tytuł 1">
             <a:extLst>
               <a:ext uri="{FF2B5EF4-FFF2-40B4-BE49-F238E27FC236}">
-                <a16:creationId xmlns:a16="http://schemas.microsoft.com/office/drawing/2014/main" id="{D5B77372-D8E3-48EE-A895-C7FED7C0C32C}"/>
+                <a16:creationId xmlns:a16="http://schemas.microsoft.com/office/drawing/2014/main" id="{4692D9FC-EF41-4455-BD94-740A99592AEB}"/>
               </a:ext>
             </a:extLst>
           </p:cNvPr>
@@ -28590,9 +30151,10 @@
           <a:bodyPr/>
           <a:lstStyle/>
           <a:p>
+            <a:pPr algn="ctr"/>
             <a:r>
               <a:rPr lang="pl-PL" dirty="0"/>
-              <a:t>Cele przedsiębiorstwa :</a:t>
+              <a:t>Cechy spółki</a:t>
             </a:r>
           </a:p>
         </p:txBody>
@@ -28602,7 +30164,7 @@
           <p:cNvPr id="3" name="Symbol zastępczy zawartości 2">
             <a:extLst>
               <a:ext uri="{FF2B5EF4-FFF2-40B4-BE49-F238E27FC236}">
-                <a16:creationId xmlns:a16="http://schemas.microsoft.com/office/drawing/2014/main" id="{25D05DB1-613F-4888-892D-647FB35E7E3A}"/>
+                <a16:creationId xmlns:a16="http://schemas.microsoft.com/office/drawing/2014/main" id="{09C723DD-7924-4948-B5FA-246D91C66691}"/>
               </a:ext>
             </a:extLst>
           </p:cNvPr>
@@ -28613,52 +30175,67 @@
             <p:ph idx="1"/>
           </p:nvPr>
         </p:nvSpPr>
-        <p:spPr>
-          <a:xfrm>
-            <a:off x="1074821" y="2248782"/>
-            <a:ext cx="9613861" cy="3599316"/>
-          </a:xfrm>
-        </p:spPr>
+        <p:spPr/>
         <p:txBody>
           <a:bodyPr/>
           <a:lstStyle/>
           <a:p>
+            <a:pPr algn="just"/>
             <a:r>
               <a:rPr lang="pl-PL" dirty="0"/>
-              <a:t>Maksymalizacja zysków przedsiębiorstwa.</a:t>
-            </a:r>
-          </a:p>
-          <a:p>
+              <a:t>Kapitałowa spółka handlowa posiadająca osobowość prawną.</a:t>
+            </a:r>
+          </a:p>
+          <a:p>
+            <a:pPr algn="just"/>
             <a:r>
               <a:rPr lang="pl-PL" dirty="0"/>
-              <a:t>Maksymalizacja sprzedaży.</a:t>
-            </a:r>
-          </a:p>
-          <a:p>
+              <a:t>Do utworzenia potrzeba jednego lub więcej wspólników.</a:t>
+            </a:r>
+          </a:p>
+          <a:p>
+            <a:pPr algn="just"/>
             <a:r>
               <a:rPr lang="pl-PL" dirty="0"/>
-              <a:t>Zwiększenie stanu materialnego pracowników.</a:t>
-            </a:r>
-          </a:p>
-          <a:p>
+              <a:t>Nie może być zawiązana wyłącznie przez jednoosobową Sp. z o. o.</a:t>
+            </a:r>
+          </a:p>
+          <a:p>
+            <a:pPr algn="just"/>
             <a:r>
               <a:rPr lang="pl-PL" dirty="0"/>
-              <a:t>Dostarczenie produktu zgodnego z wymaganiami.</a:t>
-            </a:r>
-          </a:p>
-          <a:p>
+              <a:t>Założycielami mogą być:</a:t>
+            </a:r>
+          </a:p>
+          <a:p>
+            <a:pPr marL="514350" indent="-514350" algn="just">
+              <a:buAutoNum type="alphaLcParenR"/>
+            </a:pPr>
             <a:r>
               <a:rPr lang="pl-PL" dirty="0"/>
-              <a:t>Zwiększenie konkurencyjności na rynku.</a:t>
-            </a:r>
-          </a:p>
-          <a:p>
+              <a:t>Osoby fizyczne</a:t>
+            </a:r>
+          </a:p>
+          <a:p>
+            <a:pPr marL="514350" indent="-514350" algn="just">
+              <a:buAutoNum type="alphaLcParenR"/>
+            </a:pPr>
             <a:r>
               <a:rPr lang="pl-PL" dirty="0"/>
-              <a:t>Przygotowanie funkcjonalnego systemu wspomagania zarządzania.</a:t>
-            </a:r>
-          </a:p>
-          <a:p>
+              <a:t>Osoby prawne</a:t>
+            </a:r>
+          </a:p>
+          <a:p>
+            <a:pPr algn="just"/>
+            <a:r>
+              <a:rPr lang="pl-PL" dirty="0"/>
+              <a:t>Wymagany kapitał do założenia spółki wynosi min. 5 tys. zł.</a:t>
+            </a:r>
+          </a:p>
+          <a:p>
+            <a:pPr marL="0" indent="0">
+              <a:buNone/>
+            </a:pPr>
             <a:endParaRPr lang="pl-PL" dirty="0"/>
           </a:p>
         </p:txBody>
@@ -28668,7 +30245,7 @@
           <p:cNvPr id="4" name="Symbol zastępczy numeru slajdu 3">
             <a:extLst>
               <a:ext uri="{FF2B5EF4-FFF2-40B4-BE49-F238E27FC236}">
-                <a16:creationId xmlns:a16="http://schemas.microsoft.com/office/drawing/2014/main" id="{244BB4B3-6997-49CF-A7F5-104C35974D08}"/>
+                <a16:creationId xmlns:a16="http://schemas.microsoft.com/office/drawing/2014/main" id="{48133D2C-4CC0-4959-BFB9-558D9C5B9493}"/>
               </a:ext>
             </a:extLst>
           </p:cNvPr>
@@ -28684,18 +30261,17 @@
           <a:bodyPr/>
           <a:lstStyle/>
           <a:p>
-            <a:fld id="{73EBA5C1-EA0D-4D38-B474-3131B775EA3E}" type="slidenum">
-              <a:rPr lang="pl-PL" smtClean="0"/>
-              <a:t>6</a:t>
-            </a:fld>
-            <a:endParaRPr lang="pl-PL"/>
+            <a:r>
+              <a:rPr lang="pl-PL" dirty="0"/>
+              <a:t>3</a:t>
+            </a:r>
           </a:p>
         </p:txBody>
       </p:sp>
     </p:spTree>
     <p:extLst>
       <p:ext uri="{BB962C8B-B14F-4D97-AF65-F5344CB8AC3E}">
-        <p14:creationId xmlns:p14="http://schemas.microsoft.com/office/powerpoint/2010/main" val="1577202253"/>
+        <p14:creationId xmlns:p14="http://schemas.microsoft.com/office/powerpoint/2010/main" val="1669945221"/>
       </p:ext>
     </p:extLst>
   </p:cSld>
@@ -28727,6 +30303,283 @@
           <p:cNvPr id="2" name="Tytuł 1">
             <a:extLst>
               <a:ext uri="{FF2B5EF4-FFF2-40B4-BE49-F238E27FC236}">
+                <a16:creationId xmlns:a16="http://schemas.microsoft.com/office/drawing/2014/main" id="{A2AD81B5-68C5-4754-BD42-AFDA89A7D14A}"/>
+              </a:ext>
+            </a:extLst>
+          </p:cNvPr>
+          <p:cNvSpPr>
+            <a:spLocks noGrp="1"/>
+          </p:cNvSpPr>
+          <p:nvPr>
+            <p:ph type="title"/>
+          </p:nvPr>
+        </p:nvSpPr>
+        <p:spPr/>
+        <p:txBody>
+          <a:bodyPr/>
+          <a:lstStyle/>
+          <a:p>
+            <a:r>
+              <a:rPr lang="pl-PL" dirty="0"/>
+              <a:t>Proces biznesowy</a:t>
+            </a:r>
+          </a:p>
+        </p:txBody>
+      </p:sp>
+      <p:sp>
+        <p:nvSpPr>
+          <p:cNvPr id="4" name="Symbol zastępczy numeru slajdu 3">
+            <a:extLst>
+              <a:ext uri="{FF2B5EF4-FFF2-40B4-BE49-F238E27FC236}">
+                <a16:creationId xmlns:a16="http://schemas.microsoft.com/office/drawing/2014/main" id="{1140D038-9B3B-4882-A661-A915007F030D}"/>
+              </a:ext>
+            </a:extLst>
+          </p:cNvPr>
+          <p:cNvSpPr>
+            <a:spLocks noGrp="1"/>
+          </p:cNvSpPr>
+          <p:nvPr>
+            <p:ph type="sldNum" sz="quarter" idx="12"/>
+          </p:nvPr>
+        </p:nvSpPr>
+        <p:spPr/>
+        <p:txBody>
+          <a:bodyPr/>
+          <a:lstStyle/>
+          <a:p>
+            <a:r>
+              <a:rPr lang="pl-PL" dirty="0"/>
+              <a:t>4</a:t>
+            </a:r>
+          </a:p>
+        </p:txBody>
+      </p:sp>
+      <p:pic>
+        <p:nvPicPr>
+          <p:cNvPr id="7" name="Symbol zastępczy zawartości 6">
+            <a:extLst>
+              <a:ext uri="{FF2B5EF4-FFF2-40B4-BE49-F238E27FC236}">
+                <a16:creationId xmlns:a16="http://schemas.microsoft.com/office/drawing/2014/main" id="{7C64E805-F9FD-44CE-9C80-74BD72356FA5}"/>
+              </a:ext>
+            </a:extLst>
+          </p:cNvPr>
+          <p:cNvPicPr>
+            <a:picLocks noGrp="1" noChangeAspect="1"/>
+          </p:cNvPicPr>
+          <p:nvPr>
+            <p:ph idx="1"/>
+          </p:nvPr>
+        </p:nvPicPr>
+        <p:blipFill>
+          <a:blip r:embed="rId2">
+            <a:extLst>
+              <a:ext uri="{28A0092B-C50C-407E-A947-70E740481C1C}">
+                <a14:useLocalDpi xmlns:a14="http://schemas.microsoft.com/office/drawing/2010/main" val="0"/>
+              </a:ext>
+              <a:ext uri="{96DAC541-7B7A-43D3-8B79-37D633B846F1}">
+                <asvg:svgBlip xmlns:asvg="http://schemas.microsoft.com/office/drawing/2016/SVG/main" r:embed="rId3"/>
+              </a:ext>
+            </a:extLst>
+          </a:blip>
+          <a:stretch>
+            <a:fillRect/>
+          </a:stretch>
+        </p:blipFill>
+        <p:spPr>
+          <a:xfrm>
+            <a:off x="77061" y="2410691"/>
+            <a:ext cx="12010172" cy="3140364"/>
+          </a:xfrm>
+        </p:spPr>
+      </p:pic>
+    </p:spTree>
+    <p:extLst>
+      <p:ext uri="{BB962C8B-B14F-4D97-AF65-F5344CB8AC3E}">
+        <p14:creationId xmlns:p14="http://schemas.microsoft.com/office/powerpoint/2010/main" val="204798477"/>
+      </p:ext>
+    </p:extLst>
+  </p:cSld>
+  <p:clrMapOvr>
+    <a:masterClrMapping/>
+  </p:clrMapOvr>
+</p:sld>
+</file>
+
+<file path=ppt/slides/slide8.xml><?xml version="1.0" encoding="utf-8"?>
+<p:sld xmlns:a="http://schemas.openxmlformats.org/drawingml/2006/main" xmlns:r="http://schemas.openxmlformats.org/officeDocument/2006/relationships" xmlns:p="http://schemas.openxmlformats.org/presentationml/2006/main" show="0">
+  <p:cSld>
+    <p:spTree>
+      <p:nvGrpSpPr>
+        <p:cNvPr id="1" name=""/>
+        <p:cNvGrpSpPr/>
+        <p:nvPr/>
+      </p:nvGrpSpPr>
+      <p:grpSpPr>
+        <a:xfrm>
+          <a:off x="0" y="0"/>
+          <a:ext cx="0" cy="0"/>
+          <a:chOff x="0" y="0"/>
+          <a:chExt cx="0" cy="0"/>
+        </a:xfrm>
+      </p:grpSpPr>
+      <p:sp>
+        <p:nvSpPr>
+          <p:cNvPr id="2" name="Tytuł 1">
+            <a:extLst>
+              <a:ext uri="{FF2B5EF4-FFF2-40B4-BE49-F238E27FC236}">
+                <a16:creationId xmlns:a16="http://schemas.microsoft.com/office/drawing/2014/main" id="{D5B77372-D8E3-48EE-A895-C7FED7C0C32C}"/>
+              </a:ext>
+            </a:extLst>
+          </p:cNvPr>
+          <p:cNvSpPr>
+            <a:spLocks noGrp="1"/>
+          </p:cNvSpPr>
+          <p:nvPr>
+            <p:ph type="title"/>
+          </p:nvPr>
+        </p:nvSpPr>
+        <p:spPr/>
+        <p:txBody>
+          <a:bodyPr/>
+          <a:lstStyle/>
+          <a:p>
+            <a:r>
+              <a:rPr lang="pl-PL" dirty="0"/>
+              <a:t>Cele przedsiębiorstwa :</a:t>
+            </a:r>
+          </a:p>
+        </p:txBody>
+      </p:sp>
+      <p:sp>
+        <p:nvSpPr>
+          <p:cNvPr id="3" name="Symbol zastępczy zawartości 2">
+            <a:extLst>
+              <a:ext uri="{FF2B5EF4-FFF2-40B4-BE49-F238E27FC236}">
+                <a16:creationId xmlns:a16="http://schemas.microsoft.com/office/drawing/2014/main" id="{25D05DB1-613F-4888-892D-647FB35E7E3A}"/>
+              </a:ext>
+            </a:extLst>
+          </p:cNvPr>
+          <p:cNvSpPr>
+            <a:spLocks noGrp="1"/>
+          </p:cNvSpPr>
+          <p:nvPr>
+            <p:ph idx="1"/>
+          </p:nvPr>
+        </p:nvSpPr>
+        <p:spPr>
+          <a:xfrm>
+            <a:off x="1074821" y="2248782"/>
+            <a:ext cx="9613861" cy="3599316"/>
+          </a:xfrm>
+        </p:spPr>
+        <p:txBody>
+          <a:bodyPr/>
+          <a:lstStyle/>
+          <a:p>
+            <a:r>
+              <a:rPr lang="pl-PL" dirty="0"/>
+              <a:t>Maksymalizacja zysków przedsiębiorstwa.</a:t>
+            </a:r>
+          </a:p>
+          <a:p>
+            <a:r>
+              <a:rPr lang="pl-PL" dirty="0"/>
+              <a:t>Maksymalizacja sprzedaży.</a:t>
+            </a:r>
+          </a:p>
+          <a:p>
+            <a:r>
+              <a:rPr lang="pl-PL" dirty="0"/>
+              <a:t>Zwiększenie stanu materialnego pracowników.</a:t>
+            </a:r>
+          </a:p>
+          <a:p>
+            <a:r>
+              <a:rPr lang="pl-PL" dirty="0"/>
+              <a:t>Dostarczenie produktu zgodnego z wymaganiami.</a:t>
+            </a:r>
+          </a:p>
+          <a:p>
+            <a:r>
+              <a:rPr lang="pl-PL" dirty="0"/>
+              <a:t>Zwiększenie konkurencyjności na rynku.</a:t>
+            </a:r>
+          </a:p>
+          <a:p>
+            <a:r>
+              <a:rPr lang="pl-PL" dirty="0"/>
+              <a:t>Przygotowanie funkcjonalnego systemu wspomagania zarządzania.</a:t>
+            </a:r>
+          </a:p>
+          <a:p>
+            <a:endParaRPr lang="pl-PL" dirty="0"/>
+          </a:p>
+        </p:txBody>
+      </p:sp>
+      <p:sp>
+        <p:nvSpPr>
+          <p:cNvPr id="4" name="Symbol zastępczy numeru slajdu 3">
+            <a:extLst>
+              <a:ext uri="{FF2B5EF4-FFF2-40B4-BE49-F238E27FC236}">
+                <a16:creationId xmlns:a16="http://schemas.microsoft.com/office/drawing/2014/main" id="{244BB4B3-6997-49CF-A7F5-104C35974D08}"/>
+              </a:ext>
+            </a:extLst>
+          </p:cNvPr>
+          <p:cNvSpPr>
+            <a:spLocks noGrp="1"/>
+          </p:cNvSpPr>
+          <p:nvPr>
+            <p:ph type="sldNum" sz="quarter" idx="12"/>
+          </p:nvPr>
+        </p:nvSpPr>
+        <p:spPr/>
+        <p:txBody>
+          <a:bodyPr/>
+          <a:lstStyle/>
+          <a:p>
+            <a:fld id="{73EBA5C1-EA0D-4D38-B474-3131B775EA3E}" type="slidenum">
+              <a:rPr lang="pl-PL" smtClean="0"/>
+              <a:t>8</a:t>
+            </a:fld>
+            <a:endParaRPr lang="pl-PL"/>
+          </a:p>
+        </p:txBody>
+      </p:sp>
+    </p:spTree>
+    <p:extLst>
+      <p:ext uri="{BB962C8B-B14F-4D97-AF65-F5344CB8AC3E}">
+        <p14:creationId xmlns:p14="http://schemas.microsoft.com/office/powerpoint/2010/main" val="1577202253"/>
+      </p:ext>
+    </p:extLst>
+  </p:cSld>
+  <p:clrMapOvr>
+    <a:masterClrMapping/>
+  </p:clrMapOvr>
+</p:sld>
+</file>
+
+<file path=ppt/slides/slide9.xml><?xml version="1.0" encoding="utf-8"?>
+<p:sld xmlns:a="http://schemas.openxmlformats.org/drawingml/2006/main" xmlns:r="http://schemas.openxmlformats.org/officeDocument/2006/relationships" xmlns:p="http://schemas.openxmlformats.org/presentationml/2006/main">
+  <p:cSld>
+    <p:spTree>
+      <p:nvGrpSpPr>
+        <p:cNvPr id="1" name=""/>
+        <p:cNvGrpSpPr/>
+        <p:nvPr/>
+      </p:nvGrpSpPr>
+      <p:grpSpPr>
+        <a:xfrm>
+          <a:off x="0" y="0"/>
+          <a:ext cx="0" cy="0"/>
+          <a:chOff x="0" y="0"/>
+          <a:chExt cx="0" cy="0"/>
+        </a:xfrm>
+      </p:grpSpPr>
+      <p:sp>
+        <p:nvSpPr>
+          <p:cNvPr id="2" name="Tytuł 1">
+            <a:extLst>
+              <a:ext uri="{FF2B5EF4-FFF2-40B4-BE49-F238E27FC236}">
                 <a16:creationId xmlns:a16="http://schemas.microsoft.com/office/drawing/2014/main" id="{2514308B-F515-419E-A803-A1A27A9DBDF1}"/>
               </a:ext>
             </a:extLst>
@@ -28868,1085 +30721,6 @@
     <p:extLst>
       <p:ext uri="{BB962C8B-B14F-4D97-AF65-F5344CB8AC3E}">
         <p14:creationId xmlns:p14="http://schemas.microsoft.com/office/powerpoint/2010/main" val="2817403782"/>
-      </p:ext>
-    </p:extLst>
-  </p:cSld>
-  <p:clrMapOvr>
-    <a:masterClrMapping/>
-  </p:clrMapOvr>
-</p:sld>
-</file>
-
-<file path=ppt/slides/slide8.xml><?xml version="1.0" encoding="utf-8"?>
-<p:sld xmlns:a="http://schemas.openxmlformats.org/drawingml/2006/main" xmlns:r="http://schemas.openxmlformats.org/officeDocument/2006/relationships" xmlns:p="http://schemas.openxmlformats.org/presentationml/2006/main">
-  <p:cSld>
-    <p:spTree>
-      <p:nvGrpSpPr>
-        <p:cNvPr id="1" name=""/>
-        <p:cNvGrpSpPr/>
-        <p:nvPr/>
-      </p:nvGrpSpPr>
-      <p:grpSpPr>
-        <a:xfrm>
-          <a:off x="0" y="0"/>
-          <a:ext cx="0" cy="0"/>
-          <a:chOff x="0" y="0"/>
-          <a:chExt cx="0" cy="0"/>
-        </a:xfrm>
-      </p:grpSpPr>
-      <p:sp>
-        <p:nvSpPr>
-          <p:cNvPr id="2" name="Tytuł 1">
-            <a:extLst>
-              <a:ext uri="{FF2B5EF4-FFF2-40B4-BE49-F238E27FC236}">
-                <a16:creationId xmlns:a16="http://schemas.microsoft.com/office/drawing/2014/main" id="{38FE2930-C9F9-42F1-BC5A-B5D8CC8FE5FB}"/>
-              </a:ext>
-            </a:extLst>
-          </p:cNvPr>
-          <p:cNvSpPr>
-            <a:spLocks noGrp="1"/>
-          </p:cNvSpPr>
-          <p:nvPr>
-            <p:ph type="title"/>
-          </p:nvPr>
-        </p:nvSpPr>
-        <p:spPr/>
-        <p:txBody>
-          <a:bodyPr/>
-          <a:lstStyle/>
-          <a:p>
-            <a:pPr algn="ctr"/>
-            <a:r>
-              <a:rPr lang="pl-PL"/>
-              <a:t>Moduły</a:t>
-            </a:r>
-          </a:p>
-        </p:txBody>
-      </p:sp>
-      <p:sp>
-        <p:nvSpPr>
-          <p:cNvPr id="3" name="Symbol zastępczy zawartości 2">
-            <a:extLst>
-              <a:ext uri="{FF2B5EF4-FFF2-40B4-BE49-F238E27FC236}">
-                <a16:creationId xmlns:a16="http://schemas.microsoft.com/office/drawing/2014/main" id="{8426D2BE-ED27-420C-AF5A-CBE400D5329A}"/>
-              </a:ext>
-            </a:extLst>
-          </p:cNvPr>
-          <p:cNvSpPr>
-            <a:spLocks noGrp="1"/>
-          </p:cNvSpPr>
-          <p:nvPr>
-            <p:ph idx="1"/>
-          </p:nvPr>
-        </p:nvSpPr>
-        <p:spPr/>
-        <p:txBody>
-          <a:bodyPr/>
-          <a:lstStyle/>
-          <a:p>
-            <a:r>
-              <a:rPr lang="pl-PL"/>
-              <a:t>1. Moduł zarządzania:</a:t>
-            </a:r>
-          </a:p>
-          <a:p>
-            <a:pPr lvl="1"/>
-            <a:r>
-              <a:rPr lang="pl-PL"/>
-              <a:t>Kierownik podgrupy: inż. Bartosz Gębicki </a:t>
-            </a:r>
-          </a:p>
-          <a:p>
-            <a:pPr lvl="1"/>
-            <a:r>
-              <a:rPr lang="pl-PL"/>
-              <a:t>Skład podgrupy: inż. Julia Dobrowolska, inż. Konrad Grzyb </a:t>
-            </a:r>
-          </a:p>
-          <a:p>
-            <a:r>
-              <a:rPr lang="pl-PL"/>
-              <a:t>2. Moduł produkcji:</a:t>
-            </a:r>
-          </a:p>
-          <a:p>
-            <a:pPr lvl="1"/>
-            <a:r>
-              <a:rPr lang="pl-PL"/>
-              <a:t>Kierownik podgrupy: inż. Magdalena Zieńczuk</a:t>
-            </a:r>
-          </a:p>
-          <a:p>
-            <a:pPr lvl="1"/>
-            <a:r>
-              <a:rPr lang="pl-PL"/>
-              <a:t>Skład podgrupy: inż. Karol Brzeziński, inż. Anna Banaczek</a:t>
-            </a:r>
-          </a:p>
-          <a:p>
-            <a:r>
-              <a:rPr lang="pl-PL"/>
-              <a:t>3. Moduł magazynowy:</a:t>
-            </a:r>
-          </a:p>
-          <a:p>
-            <a:pPr lvl="1"/>
-            <a:r>
-              <a:rPr lang="pl-PL"/>
-              <a:t>Kierownik podgrupy: inż. Jakub Wagner</a:t>
-            </a:r>
-          </a:p>
-          <a:p>
-            <a:pPr lvl="1"/>
-            <a:r>
-              <a:rPr lang="pl-PL"/>
-              <a:t>Skład podgrupy: inż. Paweł </a:t>
-            </a:r>
-            <a:r>
-              <a:rPr lang="pl-PL" err="1"/>
-              <a:t>Styczewski</a:t>
-            </a:r>
-            <a:endParaRPr lang="pl-PL"/>
-          </a:p>
-          <a:p>
-            <a:endParaRPr lang="pl-PL"/>
-          </a:p>
-        </p:txBody>
-      </p:sp>
-      <p:sp>
-        <p:nvSpPr>
-          <p:cNvPr id="4" name="Symbol zastępczy numeru slajdu 3">
-            <a:extLst>
-              <a:ext uri="{FF2B5EF4-FFF2-40B4-BE49-F238E27FC236}">
-                <a16:creationId xmlns:a16="http://schemas.microsoft.com/office/drawing/2014/main" id="{0F515478-A8EF-42DB-BFDE-350D93C75097}"/>
-              </a:ext>
-            </a:extLst>
-          </p:cNvPr>
-          <p:cNvSpPr>
-            <a:spLocks noGrp="1"/>
-          </p:cNvSpPr>
-          <p:nvPr>
-            <p:ph type="sldNum" sz="quarter" idx="12"/>
-          </p:nvPr>
-        </p:nvSpPr>
-        <p:spPr/>
-        <p:txBody>
-          <a:bodyPr/>
-          <a:lstStyle/>
-          <a:p>
-            <a:r>
-              <a:rPr lang="pl-PL" dirty="0"/>
-              <a:t>6</a:t>
-            </a:r>
-          </a:p>
-        </p:txBody>
-      </p:sp>
-    </p:spTree>
-    <p:extLst>
-      <p:ext uri="{BB962C8B-B14F-4D97-AF65-F5344CB8AC3E}">
-        <p14:creationId xmlns:p14="http://schemas.microsoft.com/office/powerpoint/2010/main" val="1973433068"/>
-      </p:ext>
-    </p:extLst>
-  </p:cSld>
-  <p:clrMapOvr>
-    <a:masterClrMapping/>
-  </p:clrMapOvr>
-</p:sld>
-</file>
-
-<file path=ppt/slides/slide9.xml><?xml version="1.0" encoding="utf-8"?>
-<p:sld xmlns:a="http://schemas.openxmlformats.org/drawingml/2006/main" xmlns:r="http://schemas.openxmlformats.org/officeDocument/2006/relationships" xmlns:p="http://schemas.openxmlformats.org/presentationml/2006/main" show="0">
-  <p:cSld>
-    <p:spTree>
-      <p:nvGrpSpPr>
-        <p:cNvPr id="1" name=""/>
-        <p:cNvGrpSpPr/>
-        <p:nvPr/>
-      </p:nvGrpSpPr>
-      <p:grpSpPr>
-        <a:xfrm>
-          <a:off x="0" y="0"/>
-          <a:ext cx="0" cy="0"/>
-          <a:chOff x="0" y="0"/>
-          <a:chExt cx="0" cy="0"/>
-        </a:xfrm>
-      </p:grpSpPr>
-      <p:sp>
-        <p:nvSpPr>
-          <p:cNvPr id="2" name="Tytuł 1">
-            <a:extLst>
-              <a:ext uri="{FF2B5EF4-FFF2-40B4-BE49-F238E27FC236}">
-                <a16:creationId xmlns:a16="http://schemas.microsoft.com/office/drawing/2014/main" id="{38FE2930-C9F9-42F1-BC5A-B5D8CC8FE5FB}"/>
-              </a:ext>
-            </a:extLst>
-          </p:cNvPr>
-          <p:cNvSpPr>
-            <a:spLocks noGrp="1"/>
-          </p:cNvSpPr>
-          <p:nvPr>
-            <p:ph type="title"/>
-          </p:nvPr>
-        </p:nvSpPr>
-        <p:spPr/>
-        <p:txBody>
-          <a:bodyPr/>
-          <a:lstStyle/>
-          <a:p>
-            <a:pPr algn="ctr"/>
-            <a:r>
-              <a:rPr lang="pl-PL"/>
-              <a:t>Struktura organizacyjna</a:t>
-            </a:r>
-          </a:p>
-        </p:txBody>
-      </p:sp>
-      <p:sp>
-        <p:nvSpPr>
-          <p:cNvPr id="3" name="Symbol zastępczy zawartości 2">
-            <a:extLst>
-              <a:ext uri="{FF2B5EF4-FFF2-40B4-BE49-F238E27FC236}">
-                <a16:creationId xmlns:a16="http://schemas.microsoft.com/office/drawing/2014/main" id="{8426D2BE-ED27-420C-AF5A-CBE400D5329A}"/>
-              </a:ext>
-            </a:extLst>
-          </p:cNvPr>
-          <p:cNvSpPr>
-            <a:spLocks noGrp="1"/>
-          </p:cNvSpPr>
-          <p:nvPr>
-            <p:ph idx="1"/>
-          </p:nvPr>
-        </p:nvSpPr>
-        <p:spPr/>
-        <p:txBody>
-          <a:bodyPr/>
-          <a:lstStyle/>
-          <a:p>
-            <a:r>
-              <a:rPr lang="pl-PL"/>
-              <a:t>Model liniowy:</a:t>
-            </a:r>
-          </a:p>
-          <a:p>
-            <a:endParaRPr lang="pl-PL"/>
-          </a:p>
-          <a:p>
-            <a:endParaRPr lang="pl-PL"/>
-          </a:p>
-          <a:p>
-            <a:endParaRPr lang="pl-PL"/>
-          </a:p>
-          <a:p>
-            <a:endParaRPr lang="pl-PL"/>
-          </a:p>
-          <a:p>
-            <a:endParaRPr lang="pl-PL"/>
-          </a:p>
-          <a:p>
-            <a:endParaRPr lang="pl-PL"/>
-          </a:p>
-          <a:p>
-            <a:endParaRPr lang="pl-PL"/>
-          </a:p>
-          <a:p>
-            <a:endParaRPr lang="pl-PL"/>
-          </a:p>
-        </p:txBody>
-      </p:sp>
-      <p:sp>
-        <p:nvSpPr>
-          <p:cNvPr id="4" name="Trójkąt równoramienny 3">
-            <a:extLst>
-              <a:ext uri="{FF2B5EF4-FFF2-40B4-BE49-F238E27FC236}">
-                <a16:creationId xmlns:a16="http://schemas.microsoft.com/office/drawing/2014/main" id="{ED998ED4-5B6B-4A53-9651-D307A71B1BF9}"/>
-              </a:ext>
-            </a:extLst>
-          </p:cNvPr>
-          <p:cNvSpPr/>
-          <p:nvPr/>
-        </p:nvSpPr>
-        <p:spPr>
-          <a:xfrm>
-            <a:off x="5043181" y="2516129"/>
-            <a:ext cx="973122" cy="713725"/>
-          </a:xfrm>
-          <a:prstGeom prst="triangle">
-            <a:avLst/>
-          </a:prstGeom>
-        </p:spPr>
-        <p:style>
-          <a:lnRef idx="2">
-            <a:schemeClr val="accent1">
-              <a:shade val="50000"/>
-            </a:schemeClr>
-          </a:lnRef>
-          <a:fillRef idx="1">
-            <a:schemeClr val="accent1"/>
-          </a:fillRef>
-          <a:effectRef idx="0">
-            <a:schemeClr val="accent1"/>
-          </a:effectRef>
-          <a:fontRef idx="minor">
-            <a:schemeClr val="lt1"/>
-          </a:fontRef>
-        </p:style>
-        <p:txBody>
-          <a:bodyPr rtlCol="0" anchor="ctr"/>
-          <a:lstStyle/>
-          <a:p>
-            <a:pPr algn="ctr"/>
-            <a:r>
-              <a:rPr lang="pl-PL"/>
-              <a:t>K</a:t>
-            </a:r>
-          </a:p>
-        </p:txBody>
-      </p:sp>
-      <p:sp>
-        <p:nvSpPr>
-          <p:cNvPr id="7" name="Trójkąt równoramienny 6">
-            <a:extLst>
-              <a:ext uri="{FF2B5EF4-FFF2-40B4-BE49-F238E27FC236}">
-                <a16:creationId xmlns:a16="http://schemas.microsoft.com/office/drawing/2014/main" id="{47EC9E1C-88BC-4DA6-852A-92D985FB3E0A}"/>
-              </a:ext>
-            </a:extLst>
-          </p:cNvPr>
-          <p:cNvSpPr/>
-          <p:nvPr/>
-        </p:nvSpPr>
-        <p:spPr>
-          <a:xfrm>
-            <a:off x="2873928" y="3820173"/>
-            <a:ext cx="973123" cy="713725"/>
-          </a:xfrm>
-          <a:prstGeom prst="triangle">
-            <a:avLst/>
-          </a:prstGeom>
-        </p:spPr>
-        <p:style>
-          <a:lnRef idx="2">
-            <a:schemeClr val="accent1">
-              <a:shade val="50000"/>
-            </a:schemeClr>
-          </a:lnRef>
-          <a:fillRef idx="1">
-            <a:schemeClr val="accent1"/>
-          </a:fillRef>
-          <a:effectRef idx="0">
-            <a:schemeClr val="accent1"/>
-          </a:effectRef>
-          <a:fontRef idx="minor">
-            <a:schemeClr val="lt1"/>
-          </a:fontRef>
-        </p:style>
-        <p:txBody>
-          <a:bodyPr rtlCol="0" anchor="ctr"/>
-          <a:lstStyle/>
-          <a:p>
-            <a:pPr algn="ctr"/>
-            <a:r>
-              <a:rPr lang="pl-PL"/>
-              <a:t>K</a:t>
-            </a:r>
-          </a:p>
-        </p:txBody>
-      </p:sp>
-      <p:sp>
-        <p:nvSpPr>
-          <p:cNvPr id="8" name="Trójkąt równoramienny 7">
-            <a:extLst>
-              <a:ext uri="{FF2B5EF4-FFF2-40B4-BE49-F238E27FC236}">
-                <a16:creationId xmlns:a16="http://schemas.microsoft.com/office/drawing/2014/main" id="{B75C3823-0E67-4F8F-B295-5B5C9D3B40F7}"/>
-              </a:ext>
-            </a:extLst>
-          </p:cNvPr>
-          <p:cNvSpPr/>
-          <p:nvPr/>
-        </p:nvSpPr>
-        <p:spPr>
-          <a:xfrm>
-            <a:off x="5043181" y="3899853"/>
-            <a:ext cx="973122" cy="713725"/>
-          </a:xfrm>
-          <a:prstGeom prst="triangle">
-            <a:avLst/>
-          </a:prstGeom>
-        </p:spPr>
-        <p:style>
-          <a:lnRef idx="2">
-            <a:schemeClr val="accent1">
-              <a:shade val="50000"/>
-            </a:schemeClr>
-          </a:lnRef>
-          <a:fillRef idx="1">
-            <a:schemeClr val="accent1"/>
-          </a:fillRef>
-          <a:effectRef idx="0">
-            <a:schemeClr val="accent1"/>
-          </a:effectRef>
-          <a:fontRef idx="minor">
-            <a:schemeClr val="lt1"/>
-          </a:fontRef>
-        </p:style>
-        <p:txBody>
-          <a:bodyPr rtlCol="0" anchor="ctr"/>
-          <a:lstStyle/>
-          <a:p>
-            <a:pPr algn="ctr"/>
-            <a:r>
-              <a:rPr lang="pl-PL"/>
-              <a:t>K</a:t>
-            </a:r>
-          </a:p>
-        </p:txBody>
-      </p:sp>
-      <p:sp>
-        <p:nvSpPr>
-          <p:cNvPr id="9" name="Trójkąt równoramienny 8">
-            <a:extLst>
-              <a:ext uri="{FF2B5EF4-FFF2-40B4-BE49-F238E27FC236}">
-                <a16:creationId xmlns:a16="http://schemas.microsoft.com/office/drawing/2014/main" id="{C3ECFCEF-B9AD-4959-BCCF-5139420B60A1}"/>
-              </a:ext>
-            </a:extLst>
-          </p:cNvPr>
-          <p:cNvSpPr/>
-          <p:nvPr/>
-        </p:nvSpPr>
-        <p:spPr>
-          <a:xfrm>
-            <a:off x="7972339" y="3779668"/>
-            <a:ext cx="973123" cy="713725"/>
-          </a:xfrm>
-          <a:prstGeom prst="triangle">
-            <a:avLst/>
-          </a:prstGeom>
-        </p:spPr>
-        <p:style>
-          <a:lnRef idx="2">
-            <a:schemeClr val="accent1">
-              <a:shade val="50000"/>
-            </a:schemeClr>
-          </a:lnRef>
-          <a:fillRef idx="1">
-            <a:schemeClr val="accent1"/>
-          </a:fillRef>
-          <a:effectRef idx="0">
-            <a:schemeClr val="accent1"/>
-          </a:effectRef>
-          <a:fontRef idx="minor">
-            <a:schemeClr val="lt1"/>
-          </a:fontRef>
-        </p:style>
-        <p:txBody>
-          <a:bodyPr rtlCol="0" anchor="ctr"/>
-          <a:lstStyle/>
-          <a:p>
-            <a:pPr algn="ctr"/>
-            <a:r>
-              <a:rPr lang="pl-PL"/>
-              <a:t>K</a:t>
-            </a:r>
-          </a:p>
-        </p:txBody>
-      </p:sp>
-      <p:sp>
-        <p:nvSpPr>
-          <p:cNvPr id="10" name="Prostokąt 9">
-            <a:extLst>
-              <a:ext uri="{FF2B5EF4-FFF2-40B4-BE49-F238E27FC236}">
-                <a16:creationId xmlns:a16="http://schemas.microsoft.com/office/drawing/2014/main" id="{A8C628A7-3CB4-4339-B883-DE0AD13C400A}"/>
-              </a:ext>
-            </a:extLst>
-          </p:cNvPr>
-          <p:cNvSpPr/>
-          <p:nvPr/>
-        </p:nvSpPr>
-        <p:spPr>
-          <a:xfrm>
-            <a:off x="2164359" y="5221794"/>
-            <a:ext cx="973123" cy="629174"/>
-          </a:xfrm>
-          <a:prstGeom prst="rect">
-            <a:avLst/>
-          </a:prstGeom>
-        </p:spPr>
-        <p:style>
-          <a:lnRef idx="2">
-            <a:schemeClr val="accent1">
-              <a:shade val="50000"/>
-            </a:schemeClr>
-          </a:lnRef>
-          <a:fillRef idx="1">
-            <a:schemeClr val="accent1"/>
-          </a:fillRef>
-          <a:effectRef idx="0">
-            <a:schemeClr val="accent1"/>
-          </a:effectRef>
-          <a:fontRef idx="minor">
-            <a:schemeClr val="lt1"/>
-          </a:fontRef>
-        </p:style>
-        <p:txBody>
-          <a:bodyPr rtlCol="0" anchor="ctr"/>
-          <a:lstStyle/>
-          <a:p>
-            <a:pPr algn="ctr"/>
-            <a:r>
-              <a:rPr lang="pl-PL"/>
-              <a:t>W</a:t>
-            </a:r>
-          </a:p>
-        </p:txBody>
-      </p:sp>
-      <p:sp>
-        <p:nvSpPr>
-          <p:cNvPr id="11" name="Prostokąt 10">
-            <a:extLst>
-              <a:ext uri="{FF2B5EF4-FFF2-40B4-BE49-F238E27FC236}">
-                <a16:creationId xmlns:a16="http://schemas.microsoft.com/office/drawing/2014/main" id="{2B6631D3-5BE5-482A-B90B-5986A756A62F}"/>
-              </a:ext>
-            </a:extLst>
-          </p:cNvPr>
-          <p:cNvSpPr/>
-          <p:nvPr/>
-        </p:nvSpPr>
-        <p:spPr>
-          <a:xfrm>
-            <a:off x="3642917" y="5221794"/>
-            <a:ext cx="973123" cy="629174"/>
-          </a:xfrm>
-          <a:prstGeom prst="rect">
-            <a:avLst/>
-          </a:prstGeom>
-        </p:spPr>
-        <p:style>
-          <a:lnRef idx="2">
-            <a:schemeClr val="accent1">
-              <a:shade val="50000"/>
-            </a:schemeClr>
-          </a:lnRef>
-          <a:fillRef idx="1">
-            <a:schemeClr val="accent1"/>
-          </a:fillRef>
-          <a:effectRef idx="0">
-            <a:schemeClr val="accent1"/>
-          </a:effectRef>
-          <a:fontRef idx="minor">
-            <a:schemeClr val="lt1"/>
-          </a:fontRef>
-        </p:style>
-        <p:txBody>
-          <a:bodyPr rtlCol="0" anchor="ctr"/>
-          <a:lstStyle/>
-          <a:p>
-            <a:pPr algn="ctr"/>
-            <a:r>
-              <a:rPr lang="pl-PL"/>
-              <a:t>W</a:t>
-            </a:r>
-          </a:p>
-        </p:txBody>
-      </p:sp>
-      <p:sp>
-        <p:nvSpPr>
-          <p:cNvPr id="12" name="Prostokąt 11">
-            <a:extLst>
-              <a:ext uri="{FF2B5EF4-FFF2-40B4-BE49-F238E27FC236}">
-                <a16:creationId xmlns:a16="http://schemas.microsoft.com/office/drawing/2014/main" id="{6CE13F6D-6FBE-40A0-A878-D524F98BF10F}"/>
-              </a:ext>
-            </a:extLst>
-          </p:cNvPr>
-          <p:cNvSpPr/>
-          <p:nvPr/>
-        </p:nvSpPr>
-        <p:spPr>
-          <a:xfrm>
-            <a:off x="5043181" y="5221794"/>
-            <a:ext cx="973123" cy="629174"/>
-          </a:xfrm>
-          <a:prstGeom prst="rect">
-            <a:avLst/>
-          </a:prstGeom>
-        </p:spPr>
-        <p:style>
-          <a:lnRef idx="2">
-            <a:schemeClr val="accent1">
-              <a:shade val="50000"/>
-            </a:schemeClr>
-          </a:lnRef>
-          <a:fillRef idx="1">
-            <a:schemeClr val="accent1"/>
-          </a:fillRef>
-          <a:effectRef idx="0">
-            <a:schemeClr val="accent1"/>
-          </a:effectRef>
-          <a:fontRef idx="minor">
-            <a:schemeClr val="lt1"/>
-          </a:fontRef>
-        </p:style>
-        <p:txBody>
-          <a:bodyPr rtlCol="0" anchor="ctr"/>
-          <a:lstStyle/>
-          <a:p>
-            <a:pPr algn="ctr"/>
-            <a:r>
-              <a:rPr lang="pl-PL"/>
-              <a:t>W</a:t>
-            </a:r>
-          </a:p>
-        </p:txBody>
-      </p:sp>
-      <p:sp>
-        <p:nvSpPr>
-          <p:cNvPr id="13" name="Prostokąt 12">
-            <a:extLst>
-              <a:ext uri="{FF2B5EF4-FFF2-40B4-BE49-F238E27FC236}">
-                <a16:creationId xmlns:a16="http://schemas.microsoft.com/office/drawing/2014/main" id="{F0E4D3FC-C31A-419B-941F-58E608D7774B}"/>
-              </a:ext>
-            </a:extLst>
-          </p:cNvPr>
-          <p:cNvSpPr/>
-          <p:nvPr/>
-        </p:nvSpPr>
-        <p:spPr>
-          <a:xfrm>
-            <a:off x="6429460" y="5221794"/>
-            <a:ext cx="973123" cy="629174"/>
-          </a:xfrm>
-          <a:prstGeom prst="rect">
-            <a:avLst/>
-          </a:prstGeom>
-        </p:spPr>
-        <p:style>
-          <a:lnRef idx="2">
-            <a:schemeClr val="accent1">
-              <a:shade val="50000"/>
-            </a:schemeClr>
-          </a:lnRef>
-          <a:fillRef idx="1">
-            <a:schemeClr val="accent1"/>
-          </a:fillRef>
-          <a:effectRef idx="0">
-            <a:schemeClr val="accent1"/>
-          </a:effectRef>
-          <a:fontRef idx="minor">
-            <a:schemeClr val="lt1"/>
-          </a:fontRef>
-        </p:style>
-        <p:txBody>
-          <a:bodyPr rtlCol="0" anchor="ctr"/>
-          <a:lstStyle/>
-          <a:p>
-            <a:pPr algn="ctr"/>
-            <a:r>
-              <a:rPr lang="pl-PL"/>
-              <a:t>W</a:t>
-            </a:r>
-          </a:p>
-        </p:txBody>
-      </p:sp>
-      <p:sp>
-        <p:nvSpPr>
-          <p:cNvPr id="14" name="Prostokąt 13">
-            <a:extLst>
-              <a:ext uri="{FF2B5EF4-FFF2-40B4-BE49-F238E27FC236}">
-                <a16:creationId xmlns:a16="http://schemas.microsoft.com/office/drawing/2014/main" id="{BBB77C32-C1E3-473E-BADB-05F49A83B250}"/>
-              </a:ext>
-            </a:extLst>
-          </p:cNvPr>
-          <p:cNvSpPr/>
-          <p:nvPr/>
-        </p:nvSpPr>
-        <p:spPr>
-          <a:xfrm>
-            <a:off x="7972340" y="5221794"/>
-            <a:ext cx="973123" cy="629174"/>
-          </a:xfrm>
-          <a:prstGeom prst="rect">
-            <a:avLst/>
-          </a:prstGeom>
-        </p:spPr>
-        <p:style>
-          <a:lnRef idx="2">
-            <a:schemeClr val="accent1">
-              <a:shade val="50000"/>
-            </a:schemeClr>
-          </a:lnRef>
-          <a:fillRef idx="1">
-            <a:schemeClr val="accent1"/>
-          </a:fillRef>
-          <a:effectRef idx="0">
-            <a:schemeClr val="accent1"/>
-          </a:effectRef>
-          <a:fontRef idx="minor">
-            <a:schemeClr val="lt1"/>
-          </a:fontRef>
-        </p:style>
-        <p:txBody>
-          <a:bodyPr rtlCol="0" anchor="ctr"/>
-          <a:lstStyle/>
-          <a:p>
-            <a:pPr algn="ctr"/>
-            <a:r>
-              <a:rPr lang="pl-PL"/>
-              <a:t>W</a:t>
-            </a:r>
-          </a:p>
-        </p:txBody>
-      </p:sp>
-      <p:cxnSp>
-        <p:nvCxnSpPr>
-          <p:cNvPr id="18" name="Łącznik: łamany 17">
-            <a:extLst>
-              <a:ext uri="{FF2B5EF4-FFF2-40B4-BE49-F238E27FC236}">
-                <a16:creationId xmlns:a16="http://schemas.microsoft.com/office/drawing/2014/main" id="{0C309B08-C7E8-456E-A746-CB709E87FA4B}"/>
-              </a:ext>
-            </a:extLst>
-          </p:cNvPr>
-          <p:cNvCxnSpPr>
-            <a:stCxn id="10" idx="0"/>
-            <a:endCxn id="7" idx="3"/>
-          </p:cNvCxnSpPr>
-          <p:nvPr/>
-        </p:nvCxnSpPr>
-        <p:spPr>
-          <a:xfrm rot="5400000" flipH="1" flipV="1">
-            <a:off x="2661757" y="4523062"/>
-            <a:ext cx="687896" cy="709569"/>
-          </a:xfrm>
-          <a:prstGeom prst="bentConnector3">
-            <a:avLst/>
-          </a:prstGeom>
-          <a:ln w="38100"/>
-        </p:spPr>
-        <p:style>
-          <a:lnRef idx="3">
-            <a:schemeClr val="dk1"/>
-          </a:lnRef>
-          <a:fillRef idx="0">
-            <a:schemeClr val="dk1"/>
-          </a:fillRef>
-          <a:effectRef idx="2">
-            <a:schemeClr val="dk1"/>
-          </a:effectRef>
-          <a:fontRef idx="minor">
-            <a:schemeClr val="tx1"/>
-          </a:fontRef>
-        </p:style>
-      </p:cxnSp>
-      <p:cxnSp>
-        <p:nvCxnSpPr>
-          <p:cNvPr id="20" name="Łącznik: łamany 19">
-            <a:extLst>
-              <a:ext uri="{FF2B5EF4-FFF2-40B4-BE49-F238E27FC236}">
-                <a16:creationId xmlns:a16="http://schemas.microsoft.com/office/drawing/2014/main" id="{FC7E2FDA-E99D-4509-A7D5-947421DFA550}"/>
-              </a:ext>
-            </a:extLst>
-          </p:cNvPr>
-          <p:cNvCxnSpPr>
-            <a:stCxn id="11" idx="0"/>
-            <a:endCxn id="7" idx="3"/>
-          </p:cNvCxnSpPr>
-          <p:nvPr/>
-        </p:nvCxnSpPr>
-        <p:spPr>
-          <a:xfrm rot="16200000" flipV="1">
-            <a:off x="3401037" y="4493351"/>
-            <a:ext cx="687896" cy="768989"/>
-          </a:xfrm>
-          <a:prstGeom prst="bentConnector3">
-            <a:avLst/>
-          </a:prstGeom>
-          <a:ln w="38100"/>
-        </p:spPr>
-        <p:style>
-          <a:lnRef idx="3">
-            <a:schemeClr val="dk1"/>
-          </a:lnRef>
-          <a:fillRef idx="0">
-            <a:schemeClr val="dk1"/>
-          </a:fillRef>
-          <a:effectRef idx="2">
-            <a:schemeClr val="dk1"/>
-          </a:effectRef>
-          <a:fontRef idx="minor">
-            <a:schemeClr val="tx1"/>
-          </a:fontRef>
-        </p:style>
-      </p:cxnSp>
-      <p:cxnSp>
-        <p:nvCxnSpPr>
-          <p:cNvPr id="22" name="Łącznik: łamany 21">
-            <a:extLst>
-              <a:ext uri="{FF2B5EF4-FFF2-40B4-BE49-F238E27FC236}">
-                <a16:creationId xmlns:a16="http://schemas.microsoft.com/office/drawing/2014/main" id="{FBB71F96-471C-4B4A-9EFE-3930D849934A}"/>
-              </a:ext>
-            </a:extLst>
-          </p:cNvPr>
-          <p:cNvCxnSpPr>
-            <a:stCxn id="12" idx="0"/>
-            <a:endCxn id="8" idx="3"/>
-          </p:cNvCxnSpPr>
-          <p:nvPr/>
-        </p:nvCxnSpPr>
-        <p:spPr>
-          <a:xfrm rot="16200000" flipV="1">
-            <a:off x="5225635" y="4917685"/>
-            <a:ext cx="608216" cy="1"/>
-          </a:xfrm>
-          <a:prstGeom prst="bentConnector3">
-            <a:avLst/>
-          </a:prstGeom>
-          <a:ln w="38100"/>
-        </p:spPr>
-        <p:style>
-          <a:lnRef idx="3">
-            <a:schemeClr val="dk1"/>
-          </a:lnRef>
-          <a:fillRef idx="0">
-            <a:schemeClr val="dk1"/>
-          </a:fillRef>
-          <a:effectRef idx="2">
-            <a:schemeClr val="dk1"/>
-          </a:effectRef>
-          <a:fontRef idx="minor">
-            <a:schemeClr val="tx1"/>
-          </a:fontRef>
-        </p:style>
-      </p:cxnSp>
-      <p:cxnSp>
-        <p:nvCxnSpPr>
-          <p:cNvPr id="24" name="Łącznik: łamany 23">
-            <a:extLst>
-              <a:ext uri="{FF2B5EF4-FFF2-40B4-BE49-F238E27FC236}">
-                <a16:creationId xmlns:a16="http://schemas.microsoft.com/office/drawing/2014/main" id="{5A045460-007D-4D32-BE20-48D0C3A46EB0}"/>
-              </a:ext>
-            </a:extLst>
-          </p:cNvPr>
-          <p:cNvCxnSpPr>
-            <a:stCxn id="8" idx="3"/>
-            <a:endCxn id="13" idx="0"/>
-          </p:cNvCxnSpPr>
-          <p:nvPr/>
-        </p:nvCxnSpPr>
-        <p:spPr>
-          <a:xfrm rot="16200000" flipH="1">
-            <a:off x="5918774" y="4224546"/>
-            <a:ext cx="608216" cy="1386280"/>
-          </a:xfrm>
-          <a:prstGeom prst="bentConnector3">
-            <a:avLst/>
-          </a:prstGeom>
-          <a:ln w="38100"/>
-        </p:spPr>
-        <p:style>
-          <a:lnRef idx="3">
-            <a:schemeClr val="dk1"/>
-          </a:lnRef>
-          <a:fillRef idx="0">
-            <a:schemeClr val="dk1"/>
-          </a:fillRef>
-          <a:effectRef idx="2">
-            <a:schemeClr val="dk1"/>
-          </a:effectRef>
-          <a:fontRef idx="minor">
-            <a:schemeClr val="tx1"/>
-          </a:fontRef>
-        </p:style>
-      </p:cxnSp>
-      <p:cxnSp>
-        <p:nvCxnSpPr>
-          <p:cNvPr id="26" name="Łącznik: łamany 25">
-            <a:extLst>
-              <a:ext uri="{FF2B5EF4-FFF2-40B4-BE49-F238E27FC236}">
-                <a16:creationId xmlns:a16="http://schemas.microsoft.com/office/drawing/2014/main" id="{9D5E2D6A-09CE-4B78-9CA5-05F5B4438118}"/>
-              </a:ext>
-            </a:extLst>
-          </p:cNvPr>
-          <p:cNvCxnSpPr>
-            <a:stCxn id="9" idx="3"/>
-            <a:endCxn id="14" idx="0"/>
-          </p:cNvCxnSpPr>
-          <p:nvPr/>
-        </p:nvCxnSpPr>
-        <p:spPr>
-          <a:xfrm rot="16200000" flipH="1">
-            <a:off x="8094701" y="4857592"/>
-            <a:ext cx="728401" cy="1"/>
-          </a:xfrm>
-          <a:prstGeom prst="bentConnector3">
-            <a:avLst>
-              <a:gd name="adj1" fmla="val 50000"/>
-            </a:avLst>
-          </a:prstGeom>
-          <a:ln w="38100"/>
-        </p:spPr>
-        <p:style>
-          <a:lnRef idx="3">
-            <a:schemeClr val="dk1"/>
-          </a:lnRef>
-          <a:fillRef idx="0">
-            <a:schemeClr val="dk1"/>
-          </a:fillRef>
-          <a:effectRef idx="2">
-            <a:schemeClr val="dk1"/>
-          </a:effectRef>
-          <a:fontRef idx="minor">
-            <a:schemeClr val="tx1"/>
-          </a:fontRef>
-        </p:style>
-      </p:cxnSp>
-      <p:cxnSp>
-        <p:nvCxnSpPr>
-          <p:cNvPr id="29" name="Łącznik: łamany 28">
-            <a:extLst>
-              <a:ext uri="{FF2B5EF4-FFF2-40B4-BE49-F238E27FC236}">
-                <a16:creationId xmlns:a16="http://schemas.microsoft.com/office/drawing/2014/main" id="{58C19AFC-B502-41F7-BDCB-CAA60EF310F0}"/>
-              </a:ext>
-            </a:extLst>
-          </p:cNvPr>
-          <p:cNvCxnSpPr>
-            <a:stCxn id="7" idx="0"/>
-            <a:endCxn id="4" idx="3"/>
-          </p:cNvCxnSpPr>
-          <p:nvPr/>
-        </p:nvCxnSpPr>
-        <p:spPr>
-          <a:xfrm rot="5400000" flipH="1" flipV="1">
-            <a:off x="4149957" y="2440388"/>
-            <a:ext cx="590319" cy="2169252"/>
-          </a:xfrm>
-          <a:prstGeom prst="bentConnector3">
-            <a:avLst/>
-          </a:prstGeom>
-          <a:ln w="38100"/>
-        </p:spPr>
-        <p:style>
-          <a:lnRef idx="3">
-            <a:schemeClr val="dk1"/>
-          </a:lnRef>
-          <a:fillRef idx="0">
-            <a:schemeClr val="dk1"/>
-          </a:fillRef>
-          <a:effectRef idx="2">
-            <a:schemeClr val="dk1"/>
-          </a:effectRef>
-          <a:fontRef idx="minor">
-            <a:schemeClr val="tx1"/>
-          </a:fontRef>
-        </p:style>
-      </p:cxnSp>
-      <p:cxnSp>
-        <p:nvCxnSpPr>
-          <p:cNvPr id="31" name="Łącznik prosty 30">
-            <a:extLst>
-              <a:ext uri="{FF2B5EF4-FFF2-40B4-BE49-F238E27FC236}">
-                <a16:creationId xmlns:a16="http://schemas.microsoft.com/office/drawing/2014/main" id="{649B726E-CE76-4D3F-A10E-6FBED59EE4CF}"/>
-              </a:ext>
-            </a:extLst>
-          </p:cNvPr>
-          <p:cNvCxnSpPr>
-            <a:stCxn id="4" idx="3"/>
-            <a:endCxn id="8" idx="0"/>
-          </p:cNvCxnSpPr>
-          <p:nvPr/>
-        </p:nvCxnSpPr>
-        <p:spPr>
-          <a:xfrm>
-            <a:off x="5529742" y="3229854"/>
-            <a:ext cx="0" cy="669999"/>
-          </a:xfrm>
-          <a:prstGeom prst="line">
-            <a:avLst/>
-          </a:prstGeom>
-          <a:ln w="38100"/>
-        </p:spPr>
-        <p:style>
-          <a:lnRef idx="3">
-            <a:schemeClr val="dk1"/>
-          </a:lnRef>
-          <a:fillRef idx="0">
-            <a:schemeClr val="dk1"/>
-          </a:fillRef>
-          <a:effectRef idx="2">
-            <a:schemeClr val="dk1"/>
-          </a:effectRef>
-          <a:fontRef idx="minor">
-            <a:schemeClr val="tx1"/>
-          </a:fontRef>
-        </p:style>
-      </p:cxnSp>
-      <p:cxnSp>
-        <p:nvCxnSpPr>
-          <p:cNvPr id="33" name="Łącznik: łamany 32">
-            <a:extLst>
-              <a:ext uri="{FF2B5EF4-FFF2-40B4-BE49-F238E27FC236}">
-                <a16:creationId xmlns:a16="http://schemas.microsoft.com/office/drawing/2014/main" id="{DCC4A69B-C08E-46DE-A6EA-E6E0C1C8DD53}"/>
-              </a:ext>
-            </a:extLst>
-          </p:cNvPr>
-          <p:cNvCxnSpPr>
-            <a:cxnSpLocks/>
-          </p:cNvCxnSpPr>
-          <p:nvPr/>
-        </p:nvCxnSpPr>
-        <p:spPr>
-          <a:xfrm rot="16200000" flipH="1">
-            <a:off x="6719414" y="2060435"/>
-            <a:ext cx="549814" cy="2929159"/>
-          </a:xfrm>
-          <a:prstGeom prst="bentConnector3">
-            <a:avLst/>
-          </a:prstGeom>
-          <a:ln w="38100"/>
-        </p:spPr>
-        <p:style>
-          <a:lnRef idx="3">
-            <a:schemeClr val="dk1"/>
-          </a:lnRef>
-          <a:fillRef idx="0">
-            <a:schemeClr val="dk1"/>
-          </a:fillRef>
-          <a:effectRef idx="2">
-            <a:schemeClr val="dk1"/>
-          </a:effectRef>
-          <a:fontRef idx="minor">
-            <a:schemeClr val="tx1"/>
-          </a:fontRef>
-        </p:style>
-      </p:cxnSp>
-      <p:sp>
-        <p:nvSpPr>
-          <p:cNvPr id="5" name="Symbol zastępczy numeru slajdu 4">
-            <a:extLst>
-              <a:ext uri="{FF2B5EF4-FFF2-40B4-BE49-F238E27FC236}">
-                <a16:creationId xmlns:a16="http://schemas.microsoft.com/office/drawing/2014/main" id="{AB0B9E51-E718-4C6A-B704-D7A75025D73A}"/>
-              </a:ext>
-            </a:extLst>
-          </p:cNvPr>
-          <p:cNvSpPr>
-            <a:spLocks noGrp="1"/>
-          </p:cNvSpPr>
-          <p:nvPr>
-            <p:ph type="sldNum" sz="quarter" idx="12"/>
-          </p:nvPr>
-        </p:nvSpPr>
-        <p:spPr/>
-        <p:txBody>
-          <a:bodyPr/>
-          <a:lstStyle/>
-          <a:p>
-            <a:fld id="{73EBA5C1-EA0D-4D38-B474-3131B775EA3E}" type="slidenum">
-              <a:rPr lang="pl-PL" smtClean="0"/>
-              <a:t>9</a:t>
-            </a:fld>
-            <a:endParaRPr lang="pl-PL"/>
-          </a:p>
-        </p:txBody>
-      </p:sp>
-    </p:spTree>
-    <p:extLst>
-      <p:ext uri="{BB962C8B-B14F-4D97-AF65-F5344CB8AC3E}">
-        <p14:creationId xmlns:p14="http://schemas.microsoft.com/office/powerpoint/2010/main" val="578991729"/>
       </p:ext>
     </p:extLst>
   </p:cSld>

--- a/Prezentacja_29.04.pptx
+++ b/Prezentacja_29.04.pptx
@@ -5,7 +5,7 @@
     <p:sldMasterId id="2147483726" r:id="rId1"/>
   </p:sldMasterIdLst>
   <p:notesMasterIdLst>
-    <p:notesMasterId r:id="rId44"/>
+    <p:notesMasterId r:id="rId45"/>
   </p:notesMasterIdLst>
   <p:sldIdLst>
     <p:sldId id="256" r:id="rId2"/>
@@ -42,14 +42,15 @@
     <p:sldId id="299" r:id="rId33"/>
     <p:sldId id="278" r:id="rId34"/>
     <p:sldId id="279" r:id="rId35"/>
-    <p:sldId id="281" r:id="rId36"/>
-    <p:sldId id="282" r:id="rId37"/>
-    <p:sldId id="283" r:id="rId38"/>
-    <p:sldId id="284" r:id="rId39"/>
-    <p:sldId id="285" r:id="rId40"/>
-    <p:sldId id="286" r:id="rId41"/>
-    <p:sldId id="287" r:id="rId42"/>
-    <p:sldId id="292" r:id="rId43"/>
+    <p:sldId id="310" r:id="rId36"/>
+    <p:sldId id="308" r:id="rId37"/>
+    <p:sldId id="304" r:id="rId38"/>
+    <p:sldId id="309" r:id="rId39"/>
+    <p:sldId id="311" r:id="rId40"/>
+    <p:sldId id="312" r:id="rId41"/>
+    <p:sldId id="307" r:id="rId42"/>
+    <p:sldId id="287" r:id="rId43"/>
+    <p:sldId id="292" r:id="rId44"/>
   </p:sldIdLst>
   <p:sldSz cx="12192000" cy="6858000"/>
   <p:notesSz cx="6858000" cy="9144000"/>
@@ -5666,7 +5667,7 @@
           <a:p>
             <a:fld id="{77C7207A-6BEF-41EC-85B3-243D736B3C1C}" type="datetimeFigureOut">
               <a:rPr lang="pl-PL" smtClean="0"/>
-              <a:t>30-04-2021</a:t>
+              <a:t>03-05-2021</a:t>
             </a:fld>
             <a:endParaRPr lang="pl-PL"/>
           </a:p>
@@ -6207,7 +6208,7 @@
           <a:p>
             <a:fld id="{906E2E1F-15FB-4A85-A0E2-DD17BB6BDEE2}" type="datetime1">
               <a:rPr lang="pl-PL" smtClean="0"/>
-              <a:t>30-04-2021</a:t>
+              <a:t>03-05-2021</a:t>
             </a:fld>
             <a:endParaRPr lang="pl-PL"/>
           </a:p>
@@ -6621,7 +6622,7 @@
           <a:p>
             <a:fld id="{04BF9A06-73F2-4084-A96B-CDBA4804ABA9}" type="datetime1">
               <a:rPr lang="pl-PL" smtClean="0"/>
-              <a:t>30-04-2021</a:t>
+              <a:t>03-05-2021</a:t>
             </a:fld>
             <a:endParaRPr lang="pl-PL"/>
           </a:p>
@@ -6957,7 +6958,7 @@
           <a:p>
             <a:fld id="{94657371-091B-4329-9E46-EE3FD16C2124}" type="datetime1">
               <a:rPr lang="pl-PL" smtClean="0"/>
-              <a:t>30-04-2021</a:t>
+              <a:t>03-05-2021</a:t>
             </a:fld>
             <a:endParaRPr lang="pl-PL"/>
           </a:p>
@@ -7362,7 +7363,7 @@
           <a:p>
             <a:fld id="{2EEBA26D-7DBA-4D05-BE08-49D6D89E11A6}" type="datetime1">
               <a:rPr lang="pl-PL" smtClean="0"/>
-              <a:t>30-04-2021</a:t>
+              <a:t>03-05-2021</a:t>
             </a:fld>
             <a:endParaRPr lang="pl-PL"/>
           </a:p>
@@ -7930,7 +7931,7 @@
           <a:p>
             <a:fld id="{7DA14E7E-32E5-4B7E-9FBF-59259785A34C}" type="datetime1">
               <a:rPr lang="pl-PL" smtClean="0"/>
-              <a:t>30-04-2021</a:t>
+              <a:t>03-05-2021</a:t>
             </a:fld>
             <a:endParaRPr lang="pl-PL"/>
           </a:p>
@@ -8611,7 +8612,7 @@
           <a:p>
             <a:fld id="{DC6D9029-CF85-4195-89A6-D4D813FE0520}" type="datetime1">
               <a:rPr lang="pl-PL" smtClean="0"/>
-              <a:t>30-04-2021</a:t>
+              <a:t>03-05-2021</a:t>
             </a:fld>
             <a:endParaRPr lang="pl-PL"/>
           </a:p>
@@ -9524,7 +9525,7 @@
           <a:p>
             <a:fld id="{ABBD1CC0-C232-4B06-9DC1-160FE11F4035}" type="datetime1">
               <a:rPr lang="pl-PL" smtClean="0"/>
-              <a:t>30-04-2021</a:t>
+              <a:t>03-05-2021</a:t>
             </a:fld>
             <a:endParaRPr lang="pl-PL"/>
           </a:p>
@@ -9837,7 +9838,7 @@
           <a:p>
             <a:fld id="{81E484B1-DFFE-4276-B192-1B9A6DF5EC0E}" type="datetime1">
               <a:rPr lang="pl-PL" smtClean="0"/>
-              <a:t>30-04-2021</a:t>
+              <a:t>03-05-2021</a:t>
             </a:fld>
             <a:endParaRPr lang="pl-PL"/>
           </a:p>
@@ -10101,7 +10102,7 @@
           <a:p>
             <a:fld id="{33BAEE17-A6F7-44BA-9EC0-76AF5746B1EC}" type="datetime1">
               <a:rPr lang="pl-PL" smtClean="0"/>
-              <a:t>30-04-2021</a:t>
+              <a:t>03-05-2021</a:t>
             </a:fld>
             <a:endParaRPr lang="pl-PL"/>
           </a:p>
@@ -10424,7 +10425,7 @@
           <a:p>
             <a:fld id="{00EA0D49-4272-43DC-939C-32B7EDDCEC36}" type="datetime1">
               <a:rPr lang="pl-PL" smtClean="0"/>
-              <a:t>30-04-2021</a:t>
+              <a:t>03-05-2021</a:t>
             </a:fld>
             <a:endParaRPr lang="pl-PL"/>
           </a:p>
@@ -10813,7 +10814,7 @@
           <a:p>
             <a:fld id="{656722D7-39BE-489F-9F01-09A9E3FDDD2F}" type="datetime1">
               <a:rPr lang="pl-PL" smtClean="0"/>
-              <a:t>30-04-2021</a:t>
+              <a:t>03-05-2021</a:t>
             </a:fld>
             <a:endParaRPr lang="pl-PL"/>
           </a:p>
@@ -11189,7 +11190,7 @@
           <a:p>
             <a:fld id="{F5CF2885-881F-4D9E-AF34-74178AC3655B}" type="datetime1">
               <a:rPr lang="pl-PL" smtClean="0"/>
-              <a:t>30-04-2021</a:t>
+              <a:t>03-05-2021</a:t>
             </a:fld>
             <a:endParaRPr lang="pl-PL"/>
           </a:p>
@@ -11695,7 +11696,7 @@
           <a:p>
             <a:fld id="{FB3149CE-D561-44B8-8BBE-5242EF0871FB}" type="datetime1">
               <a:rPr lang="pl-PL" smtClean="0"/>
-              <a:t>30-04-2021</a:t>
+              <a:t>03-05-2021</a:t>
             </a:fld>
             <a:endParaRPr lang="pl-PL"/>
           </a:p>
@@ -11952,7 +11953,7 @@
           <a:p>
             <a:fld id="{0E1B7B2A-DE0F-42E2-A5FB-41E57F01A0B7}" type="datetime1">
               <a:rPr lang="pl-PL" smtClean="0"/>
-              <a:t>30-04-2021</a:t>
+              <a:t>03-05-2021</a:t>
             </a:fld>
             <a:endParaRPr lang="pl-PL"/>
           </a:p>
@@ -12115,7 +12116,7 @@
           <a:p>
             <a:fld id="{20E46B1F-0039-4D18-A22A-3894F85ECBDD}" type="datetime1">
               <a:rPr lang="pl-PL" smtClean="0"/>
-              <a:t>30-04-2021</a:t>
+              <a:t>03-05-2021</a:t>
             </a:fld>
             <a:endParaRPr lang="pl-PL"/>
           </a:p>
@@ -12505,7 +12506,7 @@
           <a:p>
             <a:fld id="{6D85D433-2300-4442-89E4-6FA629B02900}" type="datetime1">
               <a:rPr lang="pl-PL" smtClean="0"/>
-              <a:t>30-04-2021</a:t>
+              <a:t>03-05-2021</a:t>
             </a:fld>
             <a:endParaRPr lang="pl-PL"/>
           </a:p>
@@ -12914,7 +12915,7 @@
           <a:p>
             <a:fld id="{B17B109A-54FF-4910-950B-A924814B2F81}" type="datetime1">
               <a:rPr lang="pl-PL" smtClean="0"/>
-              <a:t>30-04-2021</a:t>
+              <a:t>03-05-2021</a:t>
             </a:fld>
             <a:endParaRPr lang="pl-PL"/>
           </a:p>
@@ -13158,7 +13159,7 @@
           <a:p>
             <a:fld id="{9ADAB105-627B-4324-A3EB-EA360819ED9B}" type="datetime1">
               <a:rPr lang="pl-PL" smtClean="0"/>
-              <a:t>30-04-2021</a:t>
+              <a:t>03-05-2021</a:t>
             </a:fld>
             <a:endParaRPr lang="pl-PL"/>
           </a:p>
@@ -24301,148 +24302,12 @@
           <a:chExt cx="0" cy="0"/>
         </a:xfrm>
       </p:grpSpPr>
-      <p:pic>
-        <p:nvPicPr>
-          <p:cNvPr id="11" name="Picture 10">
+      <p:sp useBgFill="1">
+        <p:nvSpPr>
+          <p:cNvPr id="19" name="Rectangle 18">
             <a:extLst>
               <a:ext uri="{FF2B5EF4-FFF2-40B4-BE49-F238E27FC236}">
-                <a16:creationId xmlns:a16="http://schemas.microsoft.com/office/drawing/2014/main" id="{5321D838-2C7E-4177-9DD3-DAC78324A2B2}"/>
-              </a:ext>
-              <a:ext uri="{C183D7F6-B498-43B3-948B-1728B52AA6E4}">
-                <adec:decorative xmlns:adec="http://schemas.microsoft.com/office/drawing/2017/decorative" val="1"/>
-              </a:ext>
-            </a:extLst>
-          </p:cNvPr>
-          <p:cNvPicPr>
-            <a:picLocks noGrp="1" noRot="1" noChangeAspect="1" noMove="1" noResize="1" noEditPoints="1" noAdjustHandles="1" noChangeArrowheads="1" noChangeShapeType="1" noCrop="1"/>
-          </p:cNvPicPr>
-          <p:nvPr>
-            <p:extLst>
-              <p:ext uri="{386F3935-93C4-4BCD-93E2-E3B085C9AB24}">
-                <p16:designElem xmlns:p16="http://schemas.microsoft.com/office/powerpoint/2015/main" val="1"/>
-              </p:ext>
-            </p:extLst>
-          </p:nvPr>
-        </p:nvPicPr>
-        <p:blipFill>
-          <a:blip r:embed="rId2">
-            <a:alphaModFix amt="10000"/>
-            <a:extLst>
-              <a:ext uri="{28A0092B-C50C-407E-A947-70E740481C1C}">
-                <a14:useLocalDpi xmlns:a14="http://schemas.microsoft.com/office/drawing/2010/main" val="0"/>
-              </a:ext>
-            </a:extLst>
-          </a:blip>
-          <a:stretch>
-            <a:fillRect/>
-          </a:stretch>
-        </p:blipFill>
-        <p:spPr>
-          <a:xfrm>
-            <a:off x="0" y="0"/>
-            <a:ext cx="12192000" cy="6858000"/>
-          </a:xfrm>
-          <a:prstGeom prst="rect">
-            <a:avLst/>
-          </a:prstGeom>
-        </p:spPr>
-      </p:pic>
-      <p:pic>
-        <p:nvPicPr>
-          <p:cNvPr id="13" name="Picture 12">
-            <a:extLst>
-              <a:ext uri="{FF2B5EF4-FFF2-40B4-BE49-F238E27FC236}">
-                <a16:creationId xmlns:a16="http://schemas.microsoft.com/office/drawing/2014/main" id="{0146E45C-1450-4186-B501-74F221F897A8}"/>
-              </a:ext>
-              <a:ext uri="{C183D7F6-B498-43B3-948B-1728B52AA6E4}">
-                <adec:decorative xmlns:adec="http://schemas.microsoft.com/office/drawing/2017/decorative" val="1"/>
-              </a:ext>
-            </a:extLst>
-          </p:cNvPr>
-          <p:cNvPicPr>
-            <a:picLocks noGrp="1" noRot="1" noChangeAspect="1" noMove="1" noResize="1" noEditPoints="1" noAdjustHandles="1" noChangeArrowheads="1" noChangeShapeType="1" noCrop="1"/>
-          </p:cNvPicPr>
-          <p:nvPr>
-            <p:extLst>
-              <p:ext uri="{386F3935-93C4-4BCD-93E2-E3B085C9AB24}">
-                <p16:designElem xmlns:p16="http://schemas.microsoft.com/office/powerpoint/2015/main" val="1"/>
-              </p:ext>
-            </p:extLst>
-          </p:nvPr>
-        </p:nvPicPr>
-        <p:blipFill>
-          <a:blip r:embed="rId3">
-            <a:extLst>
-              <a:ext uri="{28A0092B-C50C-407E-A947-70E740481C1C}">
-                <a14:useLocalDpi xmlns:a14="http://schemas.microsoft.com/office/drawing/2010/main" val="0"/>
-              </a:ext>
-            </a:extLst>
-          </a:blip>
-          <a:stretch>
-            <a:fillRect/>
-          </a:stretch>
-        </p:blipFill>
-        <p:spPr>
-          <a:xfrm>
-            <a:off x="1" y="4242851"/>
-            <a:ext cx="8968084" cy="275942"/>
-          </a:xfrm>
-          <a:prstGeom prst="rect">
-            <a:avLst/>
-          </a:prstGeom>
-        </p:spPr>
-      </p:pic>
-      <p:pic>
-        <p:nvPicPr>
-          <p:cNvPr id="15" name="Picture 14">
-            <a:extLst>
-              <a:ext uri="{FF2B5EF4-FFF2-40B4-BE49-F238E27FC236}">
-                <a16:creationId xmlns:a16="http://schemas.microsoft.com/office/drawing/2014/main" id="{EEDDA48B-BC04-4915-ADA3-A1A9522EB0D1}"/>
-              </a:ext>
-              <a:ext uri="{C183D7F6-B498-43B3-948B-1728B52AA6E4}">
-                <adec:decorative xmlns:adec="http://schemas.microsoft.com/office/drawing/2017/decorative" val="1"/>
-              </a:ext>
-            </a:extLst>
-          </p:cNvPr>
-          <p:cNvPicPr>
-            <a:picLocks noGrp="1" noRot="1" noChangeAspect="1" noMove="1" noResize="1" noEditPoints="1" noAdjustHandles="1" noChangeArrowheads="1" noChangeShapeType="1" noCrop="1"/>
-          </p:cNvPicPr>
-          <p:nvPr>
-            <p:extLst>
-              <p:ext uri="{386F3935-93C4-4BCD-93E2-E3B085C9AB24}">
-                <p16:designElem xmlns:p16="http://schemas.microsoft.com/office/powerpoint/2015/main" val="1"/>
-              </p:ext>
-            </p:extLst>
-          </p:nvPr>
-        </p:nvPicPr>
-        <p:blipFill>
-          <a:blip r:embed="rId4">
-            <a:extLst>
-              <a:ext uri="{28A0092B-C50C-407E-A947-70E740481C1C}">
-                <a14:useLocalDpi xmlns:a14="http://schemas.microsoft.com/office/drawing/2010/main" val="0"/>
-              </a:ext>
-            </a:extLst>
-          </a:blip>
-          <a:stretch>
-            <a:fillRect/>
-          </a:stretch>
-        </p:blipFill>
-        <p:spPr>
-          <a:xfrm>
-            <a:off x="9111716" y="4243845"/>
-            <a:ext cx="3077108" cy="276940"/>
-          </a:xfrm>
-          <a:prstGeom prst="rect">
-            <a:avLst/>
-          </a:prstGeom>
-        </p:spPr>
-      </p:pic>
-      <p:sp>
-        <p:nvSpPr>
-          <p:cNvPr id="17" name="Rectangle 16">
-            <a:extLst>
-              <a:ext uri="{FF2B5EF4-FFF2-40B4-BE49-F238E27FC236}">
-                <a16:creationId xmlns:a16="http://schemas.microsoft.com/office/drawing/2014/main" id="{78C9D07A-5A22-4E55-B18A-47CF07E5080D}"/>
+                <a16:creationId xmlns:a16="http://schemas.microsoft.com/office/drawing/2014/main" id="{C610D2AE-07EF-436A-9755-AA8DF4B933A4}"/>
               </a:ext>
               <a:ext uri="{C183D7F6-B498-43B3-948B-1728B52AA6E4}">
                 <adec:decorative xmlns:adec="http://schemas.microsoft.com/office/drawing/2017/decorative" val="1"/>
@@ -24462,121 +24327,8 @@
         </p:nvSpPr>
         <p:spPr>
           <a:xfrm>
-            <a:off x="0" y="2590078"/>
-            <a:ext cx="8968085" cy="1660332"/>
-          </a:xfrm>
-          <a:prstGeom prst="rect">
-            <a:avLst/>
-          </a:prstGeom>
-          <a:solidFill>
-            <a:schemeClr val="bg1">
-              <a:lumMod val="85000"/>
-              <a:lumOff val="15000"/>
-            </a:schemeClr>
-          </a:solidFill>
-          <a:ln>
-            <a:noFill/>
-          </a:ln>
-        </p:spPr>
-        <p:style>
-          <a:lnRef idx="2">
-            <a:schemeClr val="accent1">
-              <a:shade val="50000"/>
-            </a:schemeClr>
-          </a:lnRef>
-          <a:fillRef idx="1">
-            <a:schemeClr val="accent1"/>
-          </a:fillRef>
-          <a:effectRef idx="0">
-            <a:schemeClr val="accent1"/>
-          </a:effectRef>
-          <a:fontRef idx="minor">
-            <a:schemeClr val="lt1"/>
-          </a:fontRef>
-        </p:style>
-      </p:sp>
-      <p:sp>
-        <p:nvSpPr>
-          <p:cNvPr id="19" name="Rectangle 18">
-            <a:extLst>
-              <a:ext uri="{FF2B5EF4-FFF2-40B4-BE49-F238E27FC236}">
-                <a16:creationId xmlns:a16="http://schemas.microsoft.com/office/drawing/2014/main" id="{3D71E629-0739-4A59-972B-A9E9A4500E31}"/>
-              </a:ext>
-              <a:ext uri="{C183D7F6-B498-43B3-948B-1728B52AA6E4}">
-                <adec:decorative xmlns:adec="http://schemas.microsoft.com/office/drawing/2017/decorative" val="1"/>
-              </a:ext>
-            </a:extLst>
-          </p:cNvPr>
-          <p:cNvSpPr>
-            <a:spLocks noGrp="1" noRot="1" noChangeAspect="1" noMove="1" noResize="1" noEditPoints="1" noAdjustHandles="1" noChangeArrowheads="1" noChangeShapeType="1" noTextEdit="1"/>
-          </p:cNvSpPr>
-          <p:nvPr>
-            <p:extLst>
-              <p:ext uri="{386F3935-93C4-4BCD-93E2-E3B085C9AB24}">
-                <p16:designElem xmlns:p16="http://schemas.microsoft.com/office/powerpoint/2015/main" val="1"/>
-              </p:ext>
-            </p:extLst>
-          </p:nvPr>
-        </p:nvSpPr>
-        <p:spPr>
-          <a:xfrm>
-            <a:off x="9111715" y="2590078"/>
-            <a:ext cx="3077109" cy="1660332"/>
-          </a:xfrm>
-          <a:prstGeom prst="rect">
-            <a:avLst/>
-          </a:prstGeom>
-          <a:solidFill>
-            <a:schemeClr val="accent1"/>
-          </a:solidFill>
-          <a:ln>
-            <a:noFill/>
-          </a:ln>
-        </p:spPr>
-        <p:style>
-          <a:lnRef idx="2">
-            <a:schemeClr val="accent1">
-              <a:shade val="50000"/>
-            </a:schemeClr>
-          </a:lnRef>
-          <a:fillRef idx="1">
-            <a:schemeClr val="accent1"/>
-          </a:fillRef>
-          <a:effectRef idx="0">
-            <a:schemeClr val="accent1"/>
-          </a:effectRef>
-          <a:fontRef idx="minor">
-            <a:schemeClr val="lt1"/>
-          </a:fontRef>
-        </p:style>
-      </p:sp>
-      <p:sp useBgFill="1">
-        <p:nvSpPr>
-          <p:cNvPr id="21" name="Rectangle 20">
-            <a:extLst>
-              <a:ext uri="{FF2B5EF4-FFF2-40B4-BE49-F238E27FC236}">
-                <a16:creationId xmlns:a16="http://schemas.microsoft.com/office/drawing/2014/main" id="{00573A24-AD84-4562-A993-7D04E1D18209}"/>
-              </a:ext>
-              <a:ext uri="{C183D7F6-B498-43B3-948B-1728B52AA6E4}">
-                <adec:decorative xmlns:adec="http://schemas.microsoft.com/office/drawing/2017/decorative" val="1"/>
-              </a:ext>
-            </a:extLst>
-          </p:cNvPr>
-          <p:cNvSpPr>
-            <a:spLocks noGrp="1" noRot="1" noChangeAspect="1" noMove="1" noResize="1" noEditPoints="1" noAdjustHandles="1" noChangeArrowheads="1" noChangeShapeType="1" noTextEdit="1"/>
-          </p:cNvSpPr>
-          <p:nvPr>
-            <p:extLst>
-              <p:ext uri="{386F3935-93C4-4BCD-93E2-E3B085C9AB24}">
-                <p16:designElem xmlns:p16="http://schemas.microsoft.com/office/powerpoint/2015/main" val="1"/>
-              </p:ext>
-            </p:extLst>
-          </p:nvPr>
-        </p:nvSpPr>
-        <p:spPr>
-          <a:xfrm>
-            <a:off x="0" y="0"/>
-            <a:ext cx="12188824" cy="6858000"/>
+            <a:off x="0" y="-1"/>
+            <a:ext cx="12188824" cy="6858001"/>
           </a:xfrm>
           <a:prstGeom prst="rect">
             <a:avLst/>
@@ -24612,10 +24364,10 @@
       </p:sp>
       <p:pic>
         <p:nvPicPr>
-          <p:cNvPr id="23" name="Picture 22">
+          <p:cNvPr id="21" name="Picture 20">
             <a:extLst>
               <a:ext uri="{FF2B5EF4-FFF2-40B4-BE49-F238E27FC236}">
-                <a16:creationId xmlns:a16="http://schemas.microsoft.com/office/drawing/2014/main" id="{B3C087F8-F09C-4C07-B55F-6081689A2413}"/>
+                <a16:creationId xmlns:a16="http://schemas.microsoft.com/office/drawing/2014/main" id="{6CACDD17-9043-46DF-882D-420365B79C18}"/>
               </a:ext>
               <a:ext uri="{C183D7F6-B498-43B3-948B-1728B52AA6E4}">
                 <adec:decorative xmlns:adec="http://schemas.microsoft.com/office/drawing/2017/decorative" val="1"/>
@@ -24658,10 +24410,10 @@
       </p:pic>
       <p:sp>
         <p:nvSpPr>
-          <p:cNvPr id="25" name="Rectangle 24">
+          <p:cNvPr id="23" name="Rectangle 22">
             <a:extLst>
               <a:ext uri="{FF2B5EF4-FFF2-40B4-BE49-F238E27FC236}">
-                <a16:creationId xmlns:a16="http://schemas.microsoft.com/office/drawing/2014/main" id="{FC49D257-5737-4C0D-89EA-9C311AF2B8B5}"/>
+                <a16:creationId xmlns:a16="http://schemas.microsoft.com/office/drawing/2014/main" id="{CF2D8AD5-434A-4C0E-9F5B-C1AFD645F364}"/>
               </a:ext>
               <a:ext uri="{C183D7F6-B498-43B3-948B-1728B52AA6E4}">
                 <adec:decorative xmlns:adec="http://schemas.microsoft.com/office/drawing/2017/decorative" val="1"/>
@@ -24679,115 +24431,10 @@
             </p:extLst>
           </p:nvPr>
         </p:nvSpPr>
-        <p:spPr>
+        <p:spPr bwMode="grayWhite">
           <a:xfrm>
-            <a:off x="6099176" y="0"/>
-            <a:ext cx="6092824" cy="6858001"/>
-          </a:xfrm>
-          <a:prstGeom prst="rect">
-            <a:avLst/>
-          </a:prstGeom>
-          <a:ln>
-            <a:noFill/>
-          </a:ln>
-        </p:spPr>
-        <p:style>
-          <a:lnRef idx="2">
-            <a:schemeClr val="accent1">
-              <a:shade val="50000"/>
-            </a:schemeClr>
-          </a:lnRef>
-          <a:fillRef idx="1">
-            <a:schemeClr val="accent1"/>
-          </a:fillRef>
-          <a:effectRef idx="0">
-            <a:schemeClr val="accent1"/>
-          </a:effectRef>
-          <a:fontRef idx="minor">
-            <a:schemeClr val="lt1"/>
-          </a:fontRef>
-        </p:style>
-        <p:txBody>
-          <a:bodyPr rtlCol="0" anchor="ctr"/>
-          <a:lstStyle/>
-          <a:p>
-            <a:pPr algn="ctr"/>
-            <a:endParaRPr lang="en-US"/>
-          </a:p>
-        </p:txBody>
-      </p:sp>
-      <p:pic>
-        <p:nvPicPr>
-          <p:cNvPr id="27" name="Picture 26">
-            <a:extLst>
-              <a:ext uri="{FF2B5EF4-FFF2-40B4-BE49-F238E27FC236}">
-                <a16:creationId xmlns:a16="http://schemas.microsoft.com/office/drawing/2014/main" id="{E13D267A-94F5-488A-94C6-5D7156D9AF8C}"/>
-              </a:ext>
-              <a:ext uri="{C183D7F6-B498-43B3-948B-1728B52AA6E4}">
-                <adec:decorative xmlns:adec="http://schemas.microsoft.com/office/drawing/2017/decorative" val="1"/>
-              </a:ext>
-            </a:extLst>
-          </p:cNvPr>
-          <p:cNvPicPr>
-            <a:picLocks noGrp="1" noRot="1" noChangeAspect="1" noMove="1" noResize="1" noEditPoints="1" noAdjustHandles="1" noChangeArrowheads="1" noChangeShapeType="1" noCrop="1"/>
-          </p:cNvPicPr>
-          <p:nvPr>
-            <p:extLst>
-              <p:ext uri="{386F3935-93C4-4BCD-93E2-E3B085C9AB24}">
-                <p16:designElem xmlns:p16="http://schemas.microsoft.com/office/powerpoint/2015/main" val="1"/>
-              </p:ext>
-            </p:extLst>
-          </p:nvPr>
-        </p:nvPicPr>
-        <p:blipFill>
-          <a:blip r:embed="rId3">
-            <a:extLst>
-              <a:ext uri="{28A0092B-C50C-407E-A947-70E740481C1C}">
-                <a14:useLocalDpi xmlns:a14="http://schemas.microsoft.com/office/drawing/2010/main" val="0"/>
-              </a:ext>
-            </a:extLst>
-          </a:blip>
-          <a:stretch>
-            <a:fillRect/>
-          </a:stretch>
-        </p:blipFill>
-        <p:spPr>
-          <a:xfrm>
-            <a:off x="1" y="4688333"/>
-            <a:ext cx="6400800" cy="185701"/>
-          </a:xfrm>
-          <a:prstGeom prst="rect">
-            <a:avLst/>
-          </a:prstGeom>
-        </p:spPr>
-      </p:pic>
-      <p:sp>
-        <p:nvSpPr>
-          <p:cNvPr id="29" name="Rectangle 28">
-            <a:extLst>
-              <a:ext uri="{FF2B5EF4-FFF2-40B4-BE49-F238E27FC236}">
-                <a16:creationId xmlns:a16="http://schemas.microsoft.com/office/drawing/2014/main" id="{46CE3EB2-91DF-4F5D-8874-744AAAE311E1}"/>
-              </a:ext>
-              <a:ext uri="{C183D7F6-B498-43B3-948B-1728B52AA6E4}">
-                <adec:decorative xmlns:adec="http://schemas.microsoft.com/office/drawing/2017/decorative" val="1"/>
-              </a:ext>
-            </a:extLst>
-          </p:cNvPr>
-          <p:cNvSpPr>
-            <a:spLocks noGrp="1" noRot="1" noChangeAspect="1" noMove="1" noResize="1" noEditPoints="1" noAdjustHandles="1" noChangeArrowheads="1" noChangeShapeType="1" noTextEdit="1"/>
-          </p:cNvSpPr>
-          <p:nvPr>
-            <p:extLst>
-              <p:ext uri="{386F3935-93C4-4BCD-93E2-E3B085C9AB24}">
-                <p16:designElem xmlns:p16="http://schemas.microsoft.com/office/powerpoint/2015/main" val="1"/>
-              </p:ext>
-            </p:extLst>
-          </p:nvPr>
-        </p:nvSpPr>
-        <p:spPr>
-          <a:xfrm>
-            <a:off x="-1" y="2162908"/>
-            <a:ext cx="6411743" cy="2532185"/>
+            <a:off x="2" y="609600"/>
+            <a:ext cx="4959094" cy="1368198"/>
           </a:xfrm>
           <a:prstGeom prst="rect">
             <a:avLst/>
@@ -24824,7 +24471,7 @@
           <p:cNvPr id="2" name="Tytuł 1">
             <a:extLst>
               <a:ext uri="{FF2B5EF4-FFF2-40B4-BE49-F238E27FC236}">
-                <a16:creationId xmlns:a16="http://schemas.microsoft.com/office/drawing/2014/main" id="{19DA3A90-709B-45A7-A9D0-9ABDD69621A6}"/>
+                <a16:creationId xmlns:a16="http://schemas.microsoft.com/office/drawing/2014/main" id="{B5A9FDC3-8BB5-4F7D-B15D-D49036E8B298}"/>
               </a:ext>
             </a:extLst>
           </p:cNvPr>
@@ -24837,47 +24484,74 @@
         </p:nvSpPr>
         <p:spPr>
           <a:xfrm>
-            <a:off x="153989" y="2353444"/>
-            <a:ext cx="6092824" cy="2133600"/>
+            <a:off x="680321" y="753228"/>
+            <a:ext cx="4136123" cy="1080938"/>
           </a:xfrm>
         </p:spPr>
         <p:txBody>
-          <a:bodyPr vert="horz" lIns="91440" tIns="45720" rIns="91440" bIns="45720" rtlCol="0" anchor="ctr">
+          <a:bodyPr>
             <a:normAutofit/>
           </a:bodyPr>
           <a:lstStyle/>
           <a:p>
-            <a:pPr algn="r"/>
-            <a:r>
-              <a:rPr lang="en-US" sz="5400" dirty="0" err="1"/>
-              <a:t>Oferta</a:t>
-            </a:r>
-            <a:r>
-              <a:rPr lang="en-US" sz="5400" dirty="0"/>
-              <a:t> </a:t>
-            </a:r>
-            <a:r>
-              <a:rPr lang="en-US" sz="5400" dirty="0" err="1"/>
-              <a:t>dla</a:t>
-            </a:r>
-            <a:r>
-              <a:rPr lang="en-US" sz="5400" dirty="0"/>
-              <a:t> </a:t>
-            </a:r>
-            <a:r>
-              <a:rPr lang="en-US" sz="5400" dirty="0" err="1"/>
-              <a:t>klienta</a:t>
-            </a:r>
-            <a:endParaRPr lang="en-US" sz="5400" dirty="0"/>
+            <a:r>
+              <a:rPr lang="pl-PL" sz="2400"/>
+              <a:t>Oferta dla klienta</a:t>
+            </a:r>
           </a:p>
         </p:txBody>
       </p:sp>
       <p:pic>
         <p:nvPicPr>
-          <p:cNvPr id="6" name="Grafika 5">
+          <p:cNvPr id="25" name="Picture 24">
             <a:extLst>
               <a:ext uri="{FF2B5EF4-FFF2-40B4-BE49-F238E27FC236}">
-                <a16:creationId xmlns:a16="http://schemas.microsoft.com/office/drawing/2014/main" id="{9D52F2D7-8BE2-47E9-A38D-0154EE4E9BF4}"/>
+                <a16:creationId xmlns:a16="http://schemas.microsoft.com/office/drawing/2014/main" id="{E92B246D-47CC-40F8-8DE7-B65D409E945E}"/>
+              </a:ext>
+              <a:ext uri="{C183D7F6-B498-43B3-948B-1728B52AA6E4}">
+                <adec:decorative xmlns:adec="http://schemas.microsoft.com/office/drawing/2017/decorative" val="1"/>
+              </a:ext>
+            </a:extLst>
+          </p:cNvPr>
+          <p:cNvPicPr>
+            <a:picLocks noGrp="1" noRot="1" noChangeAspect="1" noMove="1" noResize="1" noEditPoints="1" noAdjustHandles="1" noChangeArrowheads="1" noChangeShapeType="1" noCrop="1"/>
+          </p:cNvPicPr>
+          <p:nvPr>
+            <p:extLst>
+              <p:ext uri="{386F3935-93C4-4BCD-93E2-E3B085C9AB24}">
+                <p16:designElem xmlns:p16="http://schemas.microsoft.com/office/powerpoint/2015/main" val="1"/>
+              </p:ext>
+            </p:extLst>
+          </p:nvPr>
+        </p:nvPicPr>
+        <p:blipFill>
+          <a:blip r:embed="rId3">
+            <a:extLst>
+              <a:ext uri="{28A0092B-C50C-407E-A947-70E740481C1C}">
+                <a14:useLocalDpi xmlns:a14="http://schemas.microsoft.com/office/drawing/2010/main" val="0"/>
+              </a:ext>
+            </a:extLst>
+          </a:blip>
+          <a:stretch>
+            <a:fillRect/>
+          </a:stretch>
+        </p:blipFill>
+        <p:spPr>
+          <a:xfrm>
+            <a:off x="2" y="1970241"/>
+            <a:ext cx="4956048" cy="199787"/>
+          </a:xfrm>
+          <a:prstGeom prst="rect">
+            <a:avLst/>
+          </a:prstGeom>
+        </p:spPr>
+      </p:pic>
+      <p:pic>
+        <p:nvPicPr>
+          <p:cNvPr id="14" name="Grafika 13">
+            <a:extLst>
+              <a:ext uri="{FF2B5EF4-FFF2-40B4-BE49-F238E27FC236}">
+                <a16:creationId xmlns:a16="http://schemas.microsoft.com/office/drawing/2014/main" id="{A295416F-D5C1-4714-981C-3D7A6BC5F9F1}"/>
               </a:ext>
             </a:extLst>
           </p:cNvPr>
@@ -24887,13 +24561,13 @@
           <p:nvPr/>
         </p:nvPicPr>
         <p:blipFill>
-          <a:blip r:embed="rId5">
+          <a:blip r:embed="rId4">
             <a:extLst>
               <a:ext uri="{28A0092B-C50C-407E-A947-70E740481C1C}">
                 <a14:useLocalDpi xmlns:a14="http://schemas.microsoft.com/office/drawing/2010/main" val="0"/>
               </a:ext>
               <a:ext uri="{96DAC541-7B7A-43D3-8B79-37D633B846F1}">
-                <asvg:svgBlip xmlns:asvg="http://schemas.microsoft.com/office/drawing/2016/SVG/main" r:embed="rId6"/>
+                <asvg:svgBlip xmlns:asvg="http://schemas.microsoft.com/office/drawing/2016/SVG/main" r:embed="rId5"/>
               </a:ext>
             </a:extLst>
           </a:blip>
@@ -24903,8 +24577,8 @@
         </p:blipFill>
         <p:spPr>
           <a:xfrm>
-            <a:off x="6411742" y="641987"/>
-            <a:ext cx="5682703" cy="5539517"/>
+            <a:off x="5496763" y="214321"/>
+            <a:ext cx="6638560" cy="6461115"/>
           </a:xfrm>
           <a:prstGeom prst="rect">
             <a:avLst/>
@@ -24926,7 +24600,7 @@
           <p:cNvPr id="3" name="Symbol zastępczy numeru slajdu 2">
             <a:extLst>
               <a:ext uri="{FF2B5EF4-FFF2-40B4-BE49-F238E27FC236}">
-                <a16:creationId xmlns:a16="http://schemas.microsoft.com/office/drawing/2014/main" id="{E2E58A61-4D6C-4842-B21E-D1F4E52A61A8}"/>
+                <a16:creationId xmlns:a16="http://schemas.microsoft.com/office/drawing/2014/main" id="{7485CBDF-47FC-4483-AD93-93C47AAB5FAF}"/>
               </a:ext>
             </a:extLst>
           </p:cNvPr>
@@ -24939,41 +24613,65 @@
         </p:nvSpPr>
         <p:spPr>
           <a:xfrm>
-            <a:off x="11281776" y="6336872"/>
-            <a:ext cx="722655" cy="365760"/>
+            <a:off x="10900372" y="6310314"/>
+            <a:ext cx="914400" cy="365122"/>
           </a:xfrm>
         </p:spPr>
         <p:txBody>
-          <a:bodyPr vert="horz" lIns="91440" tIns="45720" rIns="91440" bIns="45720" rtlCol="0" anchor="ctr">
-            <a:normAutofit/>
+          <a:bodyPr>
+            <a:noAutofit/>
           </a:bodyPr>
           <a:lstStyle/>
           <a:p>
-            <a:pPr defTabSz="914400">
+            <a:pPr>
               <a:spcAft>
                 <a:spcPts val="600"/>
               </a:spcAft>
             </a:pPr>
             <a:r>
-              <a:rPr lang="pl-PL" sz="1400" dirty="0">
+              <a:rPr lang="pl-PL" sz="1800" dirty="0">
                 <a:solidFill>
-                  <a:srgbClr val="FFFFFF"/>
+                  <a:schemeClr val="tx1"/>
                 </a:solidFill>
               </a:rPr>
               <a:t>19</a:t>
             </a:r>
-            <a:endParaRPr lang="en-US" sz="1400" dirty="0">
-              <a:solidFill>
-                <a:srgbClr val="FFFFFF"/>
-              </a:solidFill>
-            </a:endParaRPr>
           </a:p>
         </p:txBody>
       </p:sp>
+      <p:pic>
+        <p:nvPicPr>
+          <p:cNvPr id="9" name="Symbol zastępczy zawartości 8">
+            <a:extLst>
+              <a:ext uri="{FF2B5EF4-FFF2-40B4-BE49-F238E27FC236}">
+                <a16:creationId xmlns:a16="http://schemas.microsoft.com/office/drawing/2014/main" id="{28A6958B-13ED-4E5E-818E-F477D793D3BE}"/>
+              </a:ext>
+            </a:extLst>
+          </p:cNvPr>
+          <p:cNvPicPr>
+            <a:picLocks noGrp="1" noChangeAspect="1"/>
+          </p:cNvPicPr>
+          <p:nvPr>
+            <p:ph idx="1"/>
+          </p:nvPr>
+        </p:nvPicPr>
+        <p:blipFill>
+          <a:blip r:embed="rId6"/>
+          <a:stretch>
+            <a:fillRect/>
+          </a:stretch>
+        </p:blipFill>
+        <p:spPr>
+          <a:xfrm>
+            <a:off x="80687" y="2954946"/>
+            <a:ext cx="5362575" cy="2733675"/>
+          </a:xfrm>
+        </p:spPr>
+      </p:pic>
     </p:spTree>
     <p:extLst>
       <p:ext uri="{BB962C8B-B14F-4D97-AF65-F5344CB8AC3E}">
-        <p14:creationId xmlns:p14="http://schemas.microsoft.com/office/powerpoint/2010/main" val="832810156"/>
+        <p14:creationId xmlns:p14="http://schemas.microsoft.com/office/powerpoint/2010/main" val="3100677815"/>
       </p:ext>
     </p:extLst>
   </p:cSld>
@@ -25035,148 +24733,12 @@
           <a:chExt cx="0" cy="0"/>
         </a:xfrm>
       </p:grpSpPr>
-      <p:pic>
-        <p:nvPicPr>
-          <p:cNvPr id="11" name="Picture 10">
+      <p:sp useBgFill="1">
+        <p:nvSpPr>
+          <p:cNvPr id="13" name="Rectangle 15">
             <a:extLst>
               <a:ext uri="{FF2B5EF4-FFF2-40B4-BE49-F238E27FC236}">
-                <a16:creationId xmlns:a16="http://schemas.microsoft.com/office/drawing/2014/main" id="{5321D838-2C7E-4177-9DD3-DAC78324A2B2}"/>
-              </a:ext>
-              <a:ext uri="{C183D7F6-B498-43B3-948B-1728B52AA6E4}">
-                <adec:decorative xmlns:adec="http://schemas.microsoft.com/office/drawing/2017/decorative" val="1"/>
-              </a:ext>
-            </a:extLst>
-          </p:cNvPr>
-          <p:cNvPicPr>
-            <a:picLocks noGrp="1" noRot="1" noChangeAspect="1" noMove="1" noResize="1" noEditPoints="1" noAdjustHandles="1" noChangeArrowheads="1" noChangeShapeType="1" noCrop="1"/>
-          </p:cNvPicPr>
-          <p:nvPr>
-            <p:extLst>
-              <p:ext uri="{386F3935-93C4-4BCD-93E2-E3B085C9AB24}">
-                <p16:designElem xmlns:p16="http://schemas.microsoft.com/office/powerpoint/2015/main" val="1"/>
-              </p:ext>
-            </p:extLst>
-          </p:nvPr>
-        </p:nvPicPr>
-        <p:blipFill>
-          <a:blip r:embed="rId2">
-            <a:alphaModFix amt="10000"/>
-            <a:extLst>
-              <a:ext uri="{28A0092B-C50C-407E-A947-70E740481C1C}">
-                <a14:useLocalDpi xmlns:a14="http://schemas.microsoft.com/office/drawing/2010/main" val="0"/>
-              </a:ext>
-            </a:extLst>
-          </a:blip>
-          <a:stretch>
-            <a:fillRect/>
-          </a:stretch>
-        </p:blipFill>
-        <p:spPr>
-          <a:xfrm>
-            <a:off x="0" y="0"/>
-            <a:ext cx="12192000" cy="6858000"/>
-          </a:xfrm>
-          <a:prstGeom prst="rect">
-            <a:avLst/>
-          </a:prstGeom>
-        </p:spPr>
-      </p:pic>
-      <p:pic>
-        <p:nvPicPr>
-          <p:cNvPr id="13" name="Picture 12">
-            <a:extLst>
-              <a:ext uri="{FF2B5EF4-FFF2-40B4-BE49-F238E27FC236}">
-                <a16:creationId xmlns:a16="http://schemas.microsoft.com/office/drawing/2014/main" id="{0146E45C-1450-4186-B501-74F221F897A8}"/>
-              </a:ext>
-              <a:ext uri="{C183D7F6-B498-43B3-948B-1728B52AA6E4}">
-                <adec:decorative xmlns:adec="http://schemas.microsoft.com/office/drawing/2017/decorative" val="1"/>
-              </a:ext>
-            </a:extLst>
-          </p:cNvPr>
-          <p:cNvPicPr>
-            <a:picLocks noGrp="1" noRot="1" noChangeAspect="1" noMove="1" noResize="1" noEditPoints="1" noAdjustHandles="1" noChangeArrowheads="1" noChangeShapeType="1" noCrop="1"/>
-          </p:cNvPicPr>
-          <p:nvPr>
-            <p:extLst>
-              <p:ext uri="{386F3935-93C4-4BCD-93E2-E3B085C9AB24}">
-                <p16:designElem xmlns:p16="http://schemas.microsoft.com/office/powerpoint/2015/main" val="1"/>
-              </p:ext>
-            </p:extLst>
-          </p:nvPr>
-        </p:nvPicPr>
-        <p:blipFill>
-          <a:blip r:embed="rId3">
-            <a:extLst>
-              <a:ext uri="{28A0092B-C50C-407E-A947-70E740481C1C}">
-                <a14:useLocalDpi xmlns:a14="http://schemas.microsoft.com/office/drawing/2010/main" val="0"/>
-              </a:ext>
-            </a:extLst>
-          </a:blip>
-          <a:stretch>
-            <a:fillRect/>
-          </a:stretch>
-        </p:blipFill>
-        <p:spPr>
-          <a:xfrm>
-            <a:off x="1" y="4242851"/>
-            <a:ext cx="8968084" cy="275942"/>
-          </a:xfrm>
-          <a:prstGeom prst="rect">
-            <a:avLst/>
-          </a:prstGeom>
-        </p:spPr>
-      </p:pic>
-      <p:pic>
-        <p:nvPicPr>
-          <p:cNvPr id="15" name="Picture 14">
-            <a:extLst>
-              <a:ext uri="{FF2B5EF4-FFF2-40B4-BE49-F238E27FC236}">
-                <a16:creationId xmlns:a16="http://schemas.microsoft.com/office/drawing/2014/main" id="{EEDDA48B-BC04-4915-ADA3-A1A9522EB0D1}"/>
-              </a:ext>
-              <a:ext uri="{C183D7F6-B498-43B3-948B-1728B52AA6E4}">
-                <adec:decorative xmlns:adec="http://schemas.microsoft.com/office/drawing/2017/decorative" val="1"/>
-              </a:ext>
-            </a:extLst>
-          </p:cNvPr>
-          <p:cNvPicPr>
-            <a:picLocks noGrp="1" noRot="1" noChangeAspect="1" noMove="1" noResize="1" noEditPoints="1" noAdjustHandles="1" noChangeArrowheads="1" noChangeShapeType="1" noCrop="1"/>
-          </p:cNvPicPr>
-          <p:nvPr>
-            <p:extLst>
-              <p:ext uri="{386F3935-93C4-4BCD-93E2-E3B085C9AB24}">
-                <p16:designElem xmlns:p16="http://schemas.microsoft.com/office/powerpoint/2015/main" val="1"/>
-              </p:ext>
-            </p:extLst>
-          </p:nvPr>
-        </p:nvPicPr>
-        <p:blipFill>
-          <a:blip r:embed="rId4">
-            <a:extLst>
-              <a:ext uri="{28A0092B-C50C-407E-A947-70E740481C1C}">
-                <a14:useLocalDpi xmlns:a14="http://schemas.microsoft.com/office/drawing/2010/main" val="0"/>
-              </a:ext>
-            </a:extLst>
-          </a:blip>
-          <a:stretch>
-            <a:fillRect/>
-          </a:stretch>
-        </p:blipFill>
-        <p:spPr>
-          <a:xfrm>
-            <a:off x="9111716" y="4243845"/>
-            <a:ext cx="3077108" cy="276940"/>
-          </a:xfrm>
-          <a:prstGeom prst="rect">
-            <a:avLst/>
-          </a:prstGeom>
-        </p:spPr>
-      </p:pic>
-      <p:sp>
-        <p:nvSpPr>
-          <p:cNvPr id="17" name="Rectangle 16">
-            <a:extLst>
-              <a:ext uri="{FF2B5EF4-FFF2-40B4-BE49-F238E27FC236}">
-                <a16:creationId xmlns:a16="http://schemas.microsoft.com/office/drawing/2014/main" id="{78C9D07A-5A22-4E55-B18A-47CF07E5080D}"/>
+                <a16:creationId xmlns:a16="http://schemas.microsoft.com/office/drawing/2014/main" id="{C610D2AE-07EF-436A-9755-AA8DF4B933A4}"/>
               </a:ext>
               <a:ext uri="{C183D7F6-B498-43B3-948B-1728B52AA6E4}">
                 <adec:decorative xmlns:adec="http://schemas.microsoft.com/office/drawing/2017/decorative" val="1"/>
@@ -25196,121 +24758,8 @@
         </p:nvSpPr>
         <p:spPr>
           <a:xfrm>
-            <a:off x="0" y="2590078"/>
-            <a:ext cx="8968085" cy="1660332"/>
-          </a:xfrm>
-          <a:prstGeom prst="rect">
-            <a:avLst/>
-          </a:prstGeom>
-          <a:solidFill>
-            <a:schemeClr val="bg1">
-              <a:lumMod val="85000"/>
-              <a:lumOff val="15000"/>
-            </a:schemeClr>
-          </a:solidFill>
-          <a:ln>
-            <a:noFill/>
-          </a:ln>
-        </p:spPr>
-        <p:style>
-          <a:lnRef idx="2">
-            <a:schemeClr val="accent1">
-              <a:shade val="50000"/>
-            </a:schemeClr>
-          </a:lnRef>
-          <a:fillRef idx="1">
-            <a:schemeClr val="accent1"/>
-          </a:fillRef>
-          <a:effectRef idx="0">
-            <a:schemeClr val="accent1"/>
-          </a:effectRef>
-          <a:fontRef idx="minor">
-            <a:schemeClr val="lt1"/>
-          </a:fontRef>
-        </p:style>
-      </p:sp>
-      <p:sp>
-        <p:nvSpPr>
-          <p:cNvPr id="19" name="Rectangle 18">
-            <a:extLst>
-              <a:ext uri="{FF2B5EF4-FFF2-40B4-BE49-F238E27FC236}">
-                <a16:creationId xmlns:a16="http://schemas.microsoft.com/office/drawing/2014/main" id="{3D71E629-0739-4A59-972B-A9E9A4500E31}"/>
-              </a:ext>
-              <a:ext uri="{C183D7F6-B498-43B3-948B-1728B52AA6E4}">
-                <adec:decorative xmlns:adec="http://schemas.microsoft.com/office/drawing/2017/decorative" val="1"/>
-              </a:ext>
-            </a:extLst>
-          </p:cNvPr>
-          <p:cNvSpPr>
-            <a:spLocks noGrp="1" noRot="1" noChangeAspect="1" noMove="1" noResize="1" noEditPoints="1" noAdjustHandles="1" noChangeArrowheads="1" noChangeShapeType="1" noTextEdit="1"/>
-          </p:cNvSpPr>
-          <p:nvPr>
-            <p:extLst>
-              <p:ext uri="{386F3935-93C4-4BCD-93E2-E3B085C9AB24}">
-                <p16:designElem xmlns:p16="http://schemas.microsoft.com/office/powerpoint/2015/main" val="1"/>
-              </p:ext>
-            </p:extLst>
-          </p:nvPr>
-        </p:nvSpPr>
-        <p:spPr>
-          <a:xfrm>
-            <a:off x="9111715" y="2590078"/>
-            <a:ext cx="3077109" cy="1660332"/>
-          </a:xfrm>
-          <a:prstGeom prst="rect">
-            <a:avLst/>
-          </a:prstGeom>
-          <a:solidFill>
-            <a:schemeClr val="accent1"/>
-          </a:solidFill>
-          <a:ln>
-            <a:noFill/>
-          </a:ln>
-        </p:spPr>
-        <p:style>
-          <a:lnRef idx="2">
-            <a:schemeClr val="accent1">
-              <a:shade val="50000"/>
-            </a:schemeClr>
-          </a:lnRef>
-          <a:fillRef idx="1">
-            <a:schemeClr val="accent1"/>
-          </a:fillRef>
-          <a:effectRef idx="0">
-            <a:schemeClr val="accent1"/>
-          </a:effectRef>
-          <a:fontRef idx="minor">
-            <a:schemeClr val="lt1"/>
-          </a:fontRef>
-        </p:style>
-      </p:sp>
-      <p:sp useBgFill="1">
-        <p:nvSpPr>
-          <p:cNvPr id="21" name="Rectangle 20">
-            <a:extLst>
-              <a:ext uri="{FF2B5EF4-FFF2-40B4-BE49-F238E27FC236}">
-                <a16:creationId xmlns:a16="http://schemas.microsoft.com/office/drawing/2014/main" id="{00573A24-AD84-4562-A993-7D04E1D18209}"/>
-              </a:ext>
-              <a:ext uri="{C183D7F6-B498-43B3-948B-1728B52AA6E4}">
-                <adec:decorative xmlns:adec="http://schemas.microsoft.com/office/drawing/2017/decorative" val="1"/>
-              </a:ext>
-            </a:extLst>
-          </p:cNvPr>
-          <p:cNvSpPr>
-            <a:spLocks noGrp="1" noRot="1" noChangeAspect="1" noMove="1" noResize="1" noEditPoints="1" noAdjustHandles="1" noChangeArrowheads="1" noChangeShapeType="1" noTextEdit="1"/>
-          </p:cNvSpPr>
-          <p:nvPr>
-            <p:extLst>
-              <p:ext uri="{386F3935-93C4-4BCD-93E2-E3B085C9AB24}">
-                <p16:designElem xmlns:p16="http://schemas.microsoft.com/office/powerpoint/2015/main" val="1"/>
-              </p:ext>
-            </p:extLst>
-          </p:nvPr>
-        </p:nvSpPr>
-        <p:spPr>
-          <a:xfrm>
-            <a:off x="0" y="0"/>
-            <a:ext cx="12188824" cy="6858000"/>
+            <a:off x="0" y="-1"/>
+            <a:ext cx="12188824" cy="6858001"/>
           </a:xfrm>
           <a:prstGeom prst="rect">
             <a:avLst/>
@@ -25346,10 +24795,10 @@
       </p:sp>
       <p:pic>
         <p:nvPicPr>
-          <p:cNvPr id="23" name="Picture 22">
+          <p:cNvPr id="18" name="Picture 17">
             <a:extLst>
               <a:ext uri="{FF2B5EF4-FFF2-40B4-BE49-F238E27FC236}">
-                <a16:creationId xmlns:a16="http://schemas.microsoft.com/office/drawing/2014/main" id="{B3C087F8-F09C-4C07-B55F-6081689A2413}"/>
+                <a16:creationId xmlns:a16="http://schemas.microsoft.com/office/drawing/2014/main" id="{6CACDD17-9043-46DF-882D-420365B79C18}"/>
               </a:ext>
               <a:ext uri="{C183D7F6-B498-43B3-948B-1728B52AA6E4}">
                 <adec:decorative xmlns:adec="http://schemas.microsoft.com/office/drawing/2017/decorative" val="1"/>
@@ -25392,10 +24841,10 @@
       </p:pic>
       <p:sp>
         <p:nvSpPr>
-          <p:cNvPr id="25" name="Rectangle 24">
+          <p:cNvPr id="20" name="Rectangle 19">
             <a:extLst>
               <a:ext uri="{FF2B5EF4-FFF2-40B4-BE49-F238E27FC236}">
-                <a16:creationId xmlns:a16="http://schemas.microsoft.com/office/drawing/2014/main" id="{FC49D257-5737-4C0D-89EA-9C311AF2B8B5}"/>
+                <a16:creationId xmlns:a16="http://schemas.microsoft.com/office/drawing/2014/main" id="{CF2D8AD5-434A-4C0E-9F5B-C1AFD645F364}"/>
               </a:ext>
               <a:ext uri="{C183D7F6-B498-43B3-948B-1728B52AA6E4}">
                 <adec:decorative xmlns:adec="http://schemas.microsoft.com/office/drawing/2017/decorative" val="1"/>
@@ -25413,115 +24862,10 @@
             </p:extLst>
           </p:nvPr>
         </p:nvSpPr>
-        <p:spPr>
+        <p:spPr bwMode="grayWhite">
           <a:xfrm>
-            <a:off x="6099176" y="0"/>
-            <a:ext cx="6092824" cy="6858001"/>
-          </a:xfrm>
-          <a:prstGeom prst="rect">
-            <a:avLst/>
-          </a:prstGeom>
-          <a:ln>
-            <a:noFill/>
-          </a:ln>
-        </p:spPr>
-        <p:style>
-          <a:lnRef idx="2">
-            <a:schemeClr val="accent1">
-              <a:shade val="50000"/>
-            </a:schemeClr>
-          </a:lnRef>
-          <a:fillRef idx="1">
-            <a:schemeClr val="accent1"/>
-          </a:fillRef>
-          <a:effectRef idx="0">
-            <a:schemeClr val="accent1"/>
-          </a:effectRef>
-          <a:fontRef idx="minor">
-            <a:schemeClr val="lt1"/>
-          </a:fontRef>
-        </p:style>
-        <p:txBody>
-          <a:bodyPr rtlCol="0" anchor="ctr"/>
-          <a:lstStyle/>
-          <a:p>
-            <a:pPr algn="ctr"/>
-            <a:endParaRPr lang="en-US"/>
-          </a:p>
-        </p:txBody>
-      </p:sp>
-      <p:pic>
-        <p:nvPicPr>
-          <p:cNvPr id="27" name="Picture 26">
-            <a:extLst>
-              <a:ext uri="{FF2B5EF4-FFF2-40B4-BE49-F238E27FC236}">
-                <a16:creationId xmlns:a16="http://schemas.microsoft.com/office/drawing/2014/main" id="{E13D267A-94F5-488A-94C6-5D7156D9AF8C}"/>
-              </a:ext>
-              <a:ext uri="{C183D7F6-B498-43B3-948B-1728B52AA6E4}">
-                <adec:decorative xmlns:adec="http://schemas.microsoft.com/office/drawing/2017/decorative" val="1"/>
-              </a:ext>
-            </a:extLst>
-          </p:cNvPr>
-          <p:cNvPicPr>
-            <a:picLocks noGrp="1" noRot="1" noChangeAspect="1" noMove="1" noResize="1" noEditPoints="1" noAdjustHandles="1" noChangeArrowheads="1" noChangeShapeType="1" noCrop="1"/>
-          </p:cNvPicPr>
-          <p:nvPr>
-            <p:extLst>
-              <p:ext uri="{386F3935-93C4-4BCD-93E2-E3B085C9AB24}">
-                <p16:designElem xmlns:p16="http://schemas.microsoft.com/office/powerpoint/2015/main" val="1"/>
-              </p:ext>
-            </p:extLst>
-          </p:nvPr>
-        </p:nvPicPr>
-        <p:blipFill>
-          <a:blip r:embed="rId3">
-            <a:extLst>
-              <a:ext uri="{28A0092B-C50C-407E-A947-70E740481C1C}">
-                <a14:useLocalDpi xmlns:a14="http://schemas.microsoft.com/office/drawing/2010/main" val="0"/>
-              </a:ext>
-            </a:extLst>
-          </a:blip>
-          <a:stretch>
-            <a:fillRect/>
-          </a:stretch>
-        </p:blipFill>
-        <p:spPr>
-          <a:xfrm>
-            <a:off x="1" y="4688333"/>
-            <a:ext cx="6400800" cy="185701"/>
-          </a:xfrm>
-          <a:prstGeom prst="rect">
-            <a:avLst/>
-          </a:prstGeom>
-        </p:spPr>
-      </p:pic>
-      <p:sp>
-        <p:nvSpPr>
-          <p:cNvPr id="29" name="Rectangle 28">
-            <a:extLst>
-              <a:ext uri="{FF2B5EF4-FFF2-40B4-BE49-F238E27FC236}">
-                <a16:creationId xmlns:a16="http://schemas.microsoft.com/office/drawing/2014/main" id="{46CE3EB2-91DF-4F5D-8874-744AAAE311E1}"/>
-              </a:ext>
-              <a:ext uri="{C183D7F6-B498-43B3-948B-1728B52AA6E4}">
-                <adec:decorative xmlns:adec="http://schemas.microsoft.com/office/drawing/2017/decorative" val="1"/>
-              </a:ext>
-            </a:extLst>
-          </p:cNvPr>
-          <p:cNvSpPr>
-            <a:spLocks noGrp="1" noRot="1" noChangeAspect="1" noMove="1" noResize="1" noEditPoints="1" noAdjustHandles="1" noChangeArrowheads="1" noChangeShapeType="1" noTextEdit="1"/>
-          </p:cNvSpPr>
-          <p:nvPr>
-            <p:extLst>
-              <p:ext uri="{386F3935-93C4-4BCD-93E2-E3B085C9AB24}">
-                <p16:designElem xmlns:p16="http://schemas.microsoft.com/office/powerpoint/2015/main" val="1"/>
-              </p:ext>
-            </p:extLst>
-          </p:nvPr>
-        </p:nvSpPr>
-        <p:spPr>
-          <a:xfrm>
-            <a:off x="-1" y="2162908"/>
-            <a:ext cx="6411743" cy="2532185"/>
+            <a:off x="2" y="609600"/>
+            <a:ext cx="4959094" cy="1368198"/>
           </a:xfrm>
           <a:prstGeom prst="rect">
             <a:avLst/>
@@ -25558,7 +24902,7 @@
           <p:cNvPr id="2" name="Tytuł 1">
             <a:extLst>
               <a:ext uri="{FF2B5EF4-FFF2-40B4-BE49-F238E27FC236}">
-                <a16:creationId xmlns:a16="http://schemas.microsoft.com/office/drawing/2014/main" id="{9A9CFD2E-1CB9-4BE0-A19F-39F50F06787F}"/>
+                <a16:creationId xmlns:a16="http://schemas.microsoft.com/office/drawing/2014/main" id="{B5A9FDC3-8BB5-4F7D-B15D-D49036E8B298}"/>
               </a:ext>
             </a:extLst>
           </p:cNvPr>
@@ -25571,19 +24915,18 @@
         </p:nvSpPr>
         <p:spPr>
           <a:xfrm>
-            <a:off x="680322" y="2403231"/>
-            <a:ext cx="5192940" cy="2133600"/>
+            <a:off x="680321" y="753228"/>
+            <a:ext cx="4136123" cy="1080938"/>
           </a:xfrm>
         </p:spPr>
         <p:txBody>
-          <a:bodyPr vert="horz" lIns="91440" tIns="45720" rIns="91440" bIns="45720" rtlCol="0" anchor="ctr">
+          <a:bodyPr>
             <a:normAutofit/>
           </a:bodyPr>
           <a:lstStyle/>
           <a:p>
-            <a:pPr algn="r"/>
-            <a:r>
-              <a:rPr lang="en-US" sz="5400"/>
+            <a:r>
+              <a:rPr lang="pl-PL" dirty="0"/>
               <a:t>Wypłata</a:t>
             </a:r>
           </a:p>
@@ -25591,10 +24934,128 @@
       </p:sp>
       <p:pic>
         <p:nvPicPr>
-          <p:cNvPr id="6" name="Grafika 5">
+          <p:cNvPr id="22" name="Picture 21">
             <a:extLst>
               <a:ext uri="{FF2B5EF4-FFF2-40B4-BE49-F238E27FC236}">
-                <a16:creationId xmlns:a16="http://schemas.microsoft.com/office/drawing/2014/main" id="{85F13346-7A7E-42F0-9E19-DD3D04A713B3}"/>
+                <a16:creationId xmlns:a16="http://schemas.microsoft.com/office/drawing/2014/main" id="{E92B246D-47CC-40F8-8DE7-B65D409E945E}"/>
+              </a:ext>
+              <a:ext uri="{C183D7F6-B498-43B3-948B-1728B52AA6E4}">
+                <adec:decorative xmlns:adec="http://schemas.microsoft.com/office/drawing/2017/decorative" val="1"/>
+              </a:ext>
+            </a:extLst>
+          </p:cNvPr>
+          <p:cNvPicPr>
+            <a:picLocks noGrp="1" noRot="1" noChangeAspect="1" noMove="1" noResize="1" noEditPoints="1" noAdjustHandles="1" noChangeArrowheads="1" noChangeShapeType="1" noCrop="1"/>
+          </p:cNvPicPr>
+          <p:nvPr>
+            <p:extLst>
+              <p:ext uri="{386F3935-93C4-4BCD-93E2-E3B085C9AB24}">
+                <p16:designElem xmlns:p16="http://schemas.microsoft.com/office/powerpoint/2015/main" val="1"/>
+              </p:ext>
+            </p:extLst>
+          </p:nvPr>
+        </p:nvPicPr>
+        <p:blipFill>
+          <a:blip r:embed="rId3">
+            <a:extLst>
+              <a:ext uri="{28A0092B-C50C-407E-A947-70E740481C1C}">
+                <a14:useLocalDpi xmlns:a14="http://schemas.microsoft.com/office/drawing/2010/main" val="0"/>
+              </a:ext>
+            </a:extLst>
+          </a:blip>
+          <a:stretch>
+            <a:fillRect/>
+          </a:stretch>
+        </p:blipFill>
+        <p:spPr>
+          <a:xfrm>
+            <a:off x="2" y="1970241"/>
+            <a:ext cx="4956048" cy="199787"/>
+          </a:xfrm>
+          <a:prstGeom prst="rect">
+            <a:avLst/>
+          </a:prstGeom>
+        </p:spPr>
+      </p:pic>
+      <p:sp>
+        <p:nvSpPr>
+          <p:cNvPr id="3" name="Symbol zastępczy numeru slajdu 2">
+            <a:extLst>
+              <a:ext uri="{FF2B5EF4-FFF2-40B4-BE49-F238E27FC236}">
+                <a16:creationId xmlns:a16="http://schemas.microsoft.com/office/drawing/2014/main" id="{7485CBDF-47FC-4483-AD93-93C47AAB5FAF}"/>
+              </a:ext>
+            </a:extLst>
+          </p:cNvPr>
+          <p:cNvSpPr>
+            <a:spLocks noGrp="1"/>
+          </p:cNvSpPr>
+          <p:nvPr>
+            <p:ph type="sldNum" sz="quarter" idx="12"/>
+          </p:nvPr>
+        </p:nvSpPr>
+        <p:spPr>
+          <a:xfrm>
+            <a:off x="10900372" y="6310314"/>
+            <a:ext cx="914400" cy="365122"/>
+          </a:xfrm>
+        </p:spPr>
+        <p:txBody>
+          <a:bodyPr>
+            <a:noAutofit/>
+          </a:bodyPr>
+          <a:lstStyle/>
+          <a:p>
+            <a:pPr>
+              <a:spcAft>
+                <a:spcPts val="600"/>
+              </a:spcAft>
+            </a:pPr>
+            <a:r>
+              <a:rPr lang="pl-PL" sz="1800" dirty="0">
+                <a:solidFill>
+                  <a:schemeClr val="tx1"/>
+                </a:solidFill>
+              </a:rPr>
+              <a:t>20</a:t>
+            </a:r>
+          </a:p>
+        </p:txBody>
+      </p:sp>
+      <p:pic>
+        <p:nvPicPr>
+          <p:cNvPr id="9" name="Symbol zastępczy zawartości 8">
+            <a:extLst>
+              <a:ext uri="{FF2B5EF4-FFF2-40B4-BE49-F238E27FC236}">
+                <a16:creationId xmlns:a16="http://schemas.microsoft.com/office/drawing/2014/main" id="{E81A251A-3DA2-4749-B7E0-B69ACCD0120E}"/>
+              </a:ext>
+            </a:extLst>
+          </p:cNvPr>
+          <p:cNvPicPr>
+            <a:picLocks noGrp="1" noChangeAspect="1"/>
+          </p:cNvPicPr>
+          <p:nvPr>
+            <p:ph idx="1"/>
+          </p:nvPr>
+        </p:nvPicPr>
+        <p:blipFill>
+          <a:blip r:embed="rId4"/>
+          <a:stretch>
+            <a:fillRect/>
+          </a:stretch>
+        </p:blipFill>
+        <p:spPr>
+          <a:xfrm>
+            <a:off x="302679" y="3294855"/>
+            <a:ext cx="6673156" cy="2295484"/>
+          </a:xfrm>
+        </p:spPr>
+      </p:pic>
+      <p:pic>
+        <p:nvPicPr>
+          <p:cNvPr id="12" name="Grafika 11">
+            <a:extLst>
+              <a:ext uri="{FF2B5EF4-FFF2-40B4-BE49-F238E27FC236}">
+                <a16:creationId xmlns:a16="http://schemas.microsoft.com/office/drawing/2014/main" id="{836D2573-4AC3-4B5F-891F-50AEB3B701E9}"/>
               </a:ext>
             </a:extLst>
           </p:cNvPr>
@@ -25620,77 +25081,18 @@
         </p:blipFill>
         <p:spPr>
           <a:xfrm>
-            <a:off x="6748892" y="363396"/>
-            <a:ext cx="4585511" cy="6213269"/>
+            <a:off x="6474644" y="0"/>
+            <a:ext cx="5652920" cy="6858000"/>
           </a:xfrm>
           <a:prstGeom prst="rect">
             <a:avLst/>
           </a:prstGeom>
-          <a:ln>
-            <a:noFill/>
-          </a:ln>
-          <a:effectLst>
-            <a:outerShdw blurRad="76200" dist="63500" dir="5040000" algn="tl" rotWithShape="0">
-              <a:srgbClr val="000000">
-                <a:alpha val="41000"/>
-              </a:srgbClr>
-            </a:outerShdw>
-          </a:effectLst>
         </p:spPr>
       </p:pic>
-      <p:sp>
-        <p:nvSpPr>
-          <p:cNvPr id="3" name="Symbol zastępczy numeru slajdu 2">
-            <a:extLst>
-              <a:ext uri="{FF2B5EF4-FFF2-40B4-BE49-F238E27FC236}">
-                <a16:creationId xmlns:a16="http://schemas.microsoft.com/office/drawing/2014/main" id="{CE7AD045-BE5B-4573-88F7-306DABEE216F}"/>
-              </a:ext>
-            </a:extLst>
-          </p:cNvPr>
-          <p:cNvSpPr>
-            <a:spLocks noGrp="1"/>
-          </p:cNvSpPr>
-          <p:nvPr>
-            <p:ph type="sldNum" sz="quarter" idx="12"/>
-          </p:nvPr>
-        </p:nvSpPr>
-        <p:spPr>
-          <a:xfrm>
-            <a:off x="11281776" y="6336872"/>
-            <a:ext cx="722655" cy="365760"/>
-          </a:xfrm>
-        </p:spPr>
-        <p:txBody>
-          <a:bodyPr vert="horz" lIns="91440" tIns="45720" rIns="91440" bIns="45720" rtlCol="0" anchor="ctr">
-            <a:normAutofit/>
-          </a:bodyPr>
-          <a:lstStyle/>
-          <a:p>
-            <a:pPr defTabSz="914400">
-              <a:spcAft>
-                <a:spcPts val="600"/>
-              </a:spcAft>
-            </a:pPr>
-            <a:r>
-              <a:rPr lang="pl-PL" sz="1400" dirty="0">
-                <a:solidFill>
-                  <a:srgbClr val="FFFFFF"/>
-                </a:solidFill>
-              </a:rPr>
-              <a:t>20</a:t>
-            </a:r>
-            <a:endParaRPr lang="en-US" sz="1400" dirty="0">
-              <a:solidFill>
-                <a:srgbClr val="FFFFFF"/>
-              </a:solidFill>
-            </a:endParaRPr>
-          </a:p>
-        </p:txBody>
-      </p:sp>
     </p:spTree>
     <p:extLst>
       <p:ext uri="{BB962C8B-B14F-4D97-AF65-F5344CB8AC3E}">
-        <p14:creationId xmlns:p14="http://schemas.microsoft.com/office/powerpoint/2010/main" val="1920037621"/>
+        <p14:creationId xmlns:p14="http://schemas.microsoft.com/office/powerpoint/2010/main" val="4029955900"/>
       </p:ext>
     </p:extLst>
   </p:cSld>
@@ -25752,148 +25154,12 @@
           <a:chExt cx="0" cy="0"/>
         </a:xfrm>
       </p:grpSpPr>
-      <p:pic>
-        <p:nvPicPr>
-          <p:cNvPr id="59" name="Picture 58">
+      <p:sp useBgFill="1">
+        <p:nvSpPr>
+          <p:cNvPr id="19" name="Rectangle 18">
             <a:extLst>
               <a:ext uri="{FF2B5EF4-FFF2-40B4-BE49-F238E27FC236}">
-                <a16:creationId xmlns:a16="http://schemas.microsoft.com/office/drawing/2014/main" id="{5321D838-2C7E-4177-9DD3-DAC78324A2B2}"/>
-              </a:ext>
-              <a:ext uri="{C183D7F6-B498-43B3-948B-1728B52AA6E4}">
-                <adec:decorative xmlns:adec="http://schemas.microsoft.com/office/drawing/2017/decorative" val="1"/>
-              </a:ext>
-            </a:extLst>
-          </p:cNvPr>
-          <p:cNvPicPr>
-            <a:picLocks noGrp="1" noRot="1" noChangeAspect="1" noMove="1" noResize="1" noEditPoints="1" noAdjustHandles="1" noChangeArrowheads="1" noChangeShapeType="1" noCrop="1"/>
-          </p:cNvPicPr>
-          <p:nvPr>
-            <p:extLst>
-              <p:ext uri="{386F3935-93C4-4BCD-93E2-E3B085C9AB24}">
-                <p16:designElem xmlns:p16="http://schemas.microsoft.com/office/powerpoint/2015/main" val="1"/>
-              </p:ext>
-            </p:extLst>
-          </p:nvPr>
-        </p:nvPicPr>
-        <p:blipFill>
-          <a:blip r:embed="rId2">
-            <a:alphaModFix amt="10000"/>
-            <a:extLst>
-              <a:ext uri="{28A0092B-C50C-407E-A947-70E740481C1C}">
-                <a14:useLocalDpi xmlns:a14="http://schemas.microsoft.com/office/drawing/2010/main" val="0"/>
-              </a:ext>
-            </a:extLst>
-          </a:blip>
-          <a:stretch>
-            <a:fillRect/>
-          </a:stretch>
-        </p:blipFill>
-        <p:spPr>
-          <a:xfrm>
-            <a:off x="0" y="0"/>
-            <a:ext cx="12192000" cy="6858000"/>
-          </a:xfrm>
-          <a:prstGeom prst="rect">
-            <a:avLst/>
-          </a:prstGeom>
-        </p:spPr>
-      </p:pic>
-      <p:pic>
-        <p:nvPicPr>
-          <p:cNvPr id="61" name="Picture 60">
-            <a:extLst>
-              <a:ext uri="{FF2B5EF4-FFF2-40B4-BE49-F238E27FC236}">
-                <a16:creationId xmlns:a16="http://schemas.microsoft.com/office/drawing/2014/main" id="{0146E45C-1450-4186-B501-74F221F897A8}"/>
-              </a:ext>
-              <a:ext uri="{C183D7F6-B498-43B3-948B-1728B52AA6E4}">
-                <adec:decorative xmlns:adec="http://schemas.microsoft.com/office/drawing/2017/decorative" val="1"/>
-              </a:ext>
-            </a:extLst>
-          </p:cNvPr>
-          <p:cNvPicPr>
-            <a:picLocks noGrp="1" noRot="1" noChangeAspect="1" noMove="1" noResize="1" noEditPoints="1" noAdjustHandles="1" noChangeArrowheads="1" noChangeShapeType="1" noCrop="1"/>
-          </p:cNvPicPr>
-          <p:nvPr>
-            <p:extLst>
-              <p:ext uri="{386F3935-93C4-4BCD-93E2-E3B085C9AB24}">
-                <p16:designElem xmlns:p16="http://schemas.microsoft.com/office/powerpoint/2015/main" val="1"/>
-              </p:ext>
-            </p:extLst>
-          </p:nvPr>
-        </p:nvPicPr>
-        <p:blipFill>
-          <a:blip r:embed="rId3">
-            <a:extLst>
-              <a:ext uri="{28A0092B-C50C-407E-A947-70E740481C1C}">
-                <a14:useLocalDpi xmlns:a14="http://schemas.microsoft.com/office/drawing/2010/main" val="0"/>
-              </a:ext>
-            </a:extLst>
-          </a:blip>
-          <a:stretch>
-            <a:fillRect/>
-          </a:stretch>
-        </p:blipFill>
-        <p:spPr>
-          <a:xfrm>
-            <a:off x="1" y="4242851"/>
-            <a:ext cx="8968084" cy="275942"/>
-          </a:xfrm>
-          <a:prstGeom prst="rect">
-            <a:avLst/>
-          </a:prstGeom>
-        </p:spPr>
-      </p:pic>
-      <p:pic>
-        <p:nvPicPr>
-          <p:cNvPr id="63" name="Picture 62">
-            <a:extLst>
-              <a:ext uri="{FF2B5EF4-FFF2-40B4-BE49-F238E27FC236}">
-                <a16:creationId xmlns:a16="http://schemas.microsoft.com/office/drawing/2014/main" id="{EEDDA48B-BC04-4915-ADA3-A1A9522EB0D1}"/>
-              </a:ext>
-              <a:ext uri="{C183D7F6-B498-43B3-948B-1728B52AA6E4}">
-                <adec:decorative xmlns:adec="http://schemas.microsoft.com/office/drawing/2017/decorative" val="1"/>
-              </a:ext>
-            </a:extLst>
-          </p:cNvPr>
-          <p:cNvPicPr>
-            <a:picLocks noGrp="1" noRot="1" noChangeAspect="1" noMove="1" noResize="1" noEditPoints="1" noAdjustHandles="1" noChangeArrowheads="1" noChangeShapeType="1" noCrop="1"/>
-          </p:cNvPicPr>
-          <p:nvPr>
-            <p:extLst>
-              <p:ext uri="{386F3935-93C4-4BCD-93E2-E3B085C9AB24}">
-                <p16:designElem xmlns:p16="http://schemas.microsoft.com/office/powerpoint/2015/main" val="1"/>
-              </p:ext>
-            </p:extLst>
-          </p:nvPr>
-        </p:nvPicPr>
-        <p:blipFill>
-          <a:blip r:embed="rId4">
-            <a:extLst>
-              <a:ext uri="{28A0092B-C50C-407E-A947-70E740481C1C}">
-                <a14:useLocalDpi xmlns:a14="http://schemas.microsoft.com/office/drawing/2010/main" val="0"/>
-              </a:ext>
-            </a:extLst>
-          </a:blip>
-          <a:stretch>
-            <a:fillRect/>
-          </a:stretch>
-        </p:blipFill>
-        <p:spPr>
-          <a:xfrm>
-            <a:off x="9111716" y="4243845"/>
-            <a:ext cx="3077108" cy="276940"/>
-          </a:xfrm>
-          <a:prstGeom prst="rect">
-            <a:avLst/>
-          </a:prstGeom>
-        </p:spPr>
-      </p:pic>
-      <p:sp>
-        <p:nvSpPr>
-          <p:cNvPr id="65" name="Rectangle 64">
-            <a:extLst>
-              <a:ext uri="{FF2B5EF4-FFF2-40B4-BE49-F238E27FC236}">
-                <a16:creationId xmlns:a16="http://schemas.microsoft.com/office/drawing/2014/main" id="{78C9D07A-5A22-4E55-B18A-47CF07E5080D}"/>
+                <a16:creationId xmlns:a16="http://schemas.microsoft.com/office/drawing/2014/main" id="{C610D2AE-07EF-436A-9755-AA8DF4B933A4}"/>
               </a:ext>
               <a:ext uri="{C183D7F6-B498-43B3-948B-1728B52AA6E4}">
                 <adec:decorative xmlns:adec="http://schemas.microsoft.com/office/drawing/2017/decorative" val="1"/>
@@ -25913,121 +25179,8 @@
         </p:nvSpPr>
         <p:spPr>
           <a:xfrm>
-            <a:off x="0" y="2590078"/>
-            <a:ext cx="8968085" cy="1660332"/>
-          </a:xfrm>
-          <a:prstGeom prst="rect">
-            <a:avLst/>
-          </a:prstGeom>
-          <a:solidFill>
-            <a:schemeClr val="bg1">
-              <a:lumMod val="85000"/>
-              <a:lumOff val="15000"/>
-            </a:schemeClr>
-          </a:solidFill>
-          <a:ln>
-            <a:noFill/>
-          </a:ln>
-        </p:spPr>
-        <p:style>
-          <a:lnRef idx="2">
-            <a:schemeClr val="accent1">
-              <a:shade val="50000"/>
-            </a:schemeClr>
-          </a:lnRef>
-          <a:fillRef idx="1">
-            <a:schemeClr val="accent1"/>
-          </a:fillRef>
-          <a:effectRef idx="0">
-            <a:schemeClr val="accent1"/>
-          </a:effectRef>
-          <a:fontRef idx="minor">
-            <a:schemeClr val="lt1"/>
-          </a:fontRef>
-        </p:style>
-      </p:sp>
-      <p:sp>
-        <p:nvSpPr>
-          <p:cNvPr id="67" name="Rectangle 66">
-            <a:extLst>
-              <a:ext uri="{FF2B5EF4-FFF2-40B4-BE49-F238E27FC236}">
-                <a16:creationId xmlns:a16="http://schemas.microsoft.com/office/drawing/2014/main" id="{3D71E629-0739-4A59-972B-A9E9A4500E31}"/>
-              </a:ext>
-              <a:ext uri="{C183D7F6-B498-43B3-948B-1728B52AA6E4}">
-                <adec:decorative xmlns:adec="http://schemas.microsoft.com/office/drawing/2017/decorative" val="1"/>
-              </a:ext>
-            </a:extLst>
-          </p:cNvPr>
-          <p:cNvSpPr>
-            <a:spLocks noGrp="1" noRot="1" noChangeAspect="1" noMove="1" noResize="1" noEditPoints="1" noAdjustHandles="1" noChangeArrowheads="1" noChangeShapeType="1" noTextEdit="1"/>
-          </p:cNvSpPr>
-          <p:nvPr>
-            <p:extLst>
-              <p:ext uri="{386F3935-93C4-4BCD-93E2-E3B085C9AB24}">
-                <p16:designElem xmlns:p16="http://schemas.microsoft.com/office/powerpoint/2015/main" val="1"/>
-              </p:ext>
-            </p:extLst>
-          </p:nvPr>
-        </p:nvSpPr>
-        <p:spPr>
-          <a:xfrm>
-            <a:off x="9111715" y="2590078"/>
-            <a:ext cx="3077109" cy="1660332"/>
-          </a:xfrm>
-          <a:prstGeom prst="rect">
-            <a:avLst/>
-          </a:prstGeom>
-          <a:solidFill>
-            <a:schemeClr val="accent1"/>
-          </a:solidFill>
-          <a:ln>
-            <a:noFill/>
-          </a:ln>
-        </p:spPr>
-        <p:style>
-          <a:lnRef idx="2">
-            <a:schemeClr val="accent1">
-              <a:shade val="50000"/>
-            </a:schemeClr>
-          </a:lnRef>
-          <a:fillRef idx="1">
-            <a:schemeClr val="accent1"/>
-          </a:fillRef>
-          <a:effectRef idx="0">
-            <a:schemeClr val="accent1"/>
-          </a:effectRef>
-          <a:fontRef idx="minor">
-            <a:schemeClr val="lt1"/>
-          </a:fontRef>
-        </p:style>
-      </p:sp>
-      <p:sp useBgFill="1">
-        <p:nvSpPr>
-          <p:cNvPr id="69" name="Rectangle 68">
-            <a:extLst>
-              <a:ext uri="{FF2B5EF4-FFF2-40B4-BE49-F238E27FC236}">
-                <a16:creationId xmlns:a16="http://schemas.microsoft.com/office/drawing/2014/main" id="{2F84762E-7FCC-4EAF-B9E7-CE7214491E0D}"/>
-              </a:ext>
-              <a:ext uri="{C183D7F6-B498-43B3-948B-1728B52AA6E4}">
-                <adec:decorative xmlns:adec="http://schemas.microsoft.com/office/drawing/2017/decorative" val="1"/>
-              </a:ext>
-            </a:extLst>
-          </p:cNvPr>
-          <p:cNvSpPr>
-            <a:spLocks noGrp="1" noRot="1" noChangeAspect="1" noMove="1" noResize="1" noEditPoints="1" noAdjustHandles="1" noChangeArrowheads="1" noChangeShapeType="1" noTextEdit="1"/>
-          </p:cNvSpPr>
-          <p:nvPr>
-            <p:extLst>
-              <p:ext uri="{386F3935-93C4-4BCD-93E2-E3B085C9AB24}">
-                <p16:designElem xmlns:p16="http://schemas.microsoft.com/office/powerpoint/2015/main" val="1"/>
-              </p:ext>
-            </p:extLst>
-          </p:nvPr>
-        </p:nvSpPr>
-        <p:spPr>
-          <a:xfrm>
-            <a:off x="0" y="0"/>
-            <a:ext cx="12188824" cy="6858000"/>
+            <a:off x="0" y="-1"/>
+            <a:ext cx="12188824" cy="6858001"/>
           </a:xfrm>
           <a:prstGeom prst="rect">
             <a:avLst/>
@@ -26063,10 +25216,10 @@
       </p:sp>
       <p:pic>
         <p:nvPicPr>
-          <p:cNvPr id="71" name="Picture 70">
+          <p:cNvPr id="21" name="Picture 20">
             <a:extLst>
               <a:ext uri="{FF2B5EF4-FFF2-40B4-BE49-F238E27FC236}">
-                <a16:creationId xmlns:a16="http://schemas.microsoft.com/office/drawing/2014/main" id="{927A1389-2A5D-4886-AD82-F213767E673F}"/>
+                <a16:creationId xmlns:a16="http://schemas.microsoft.com/office/drawing/2014/main" id="{6CACDD17-9043-46DF-882D-420365B79C18}"/>
               </a:ext>
               <a:ext uri="{C183D7F6-B498-43B3-948B-1728B52AA6E4}">
                 <adec:decorative xmlns:adec="http://schemas.microsoft.com/office/drawing/2017/decorative" val="1"/>
@@ -26099,7 +25252,7 @@
         </p:blipFill>
         <p:spPr>
           <a:xfrm>
-            <a:off x="0" y="-8207"/>
+            <a:off x="0" y="0"/>
             <a:ext cx="12192000" cy="6858000"/>
           </a:xfrm>
           <a:prstGeom prst="rect">
@@ -26109,10 +25262,10 @@
       </p:pic>
       <p:sp>
         <p:nvSpPr>
-          <p:cNvPr id="73" name="Rectangle 72">
+          <p:cNvPr id="23" name="Rectangle 22">
             <a:extLst>
               <a:ext uri="{FF2B5EF4-FFF2-40B4-BE49-F238E27FC236}">
-                <a16:creationId xmlns:a16="http://schemas.microsoft.com/office/drawing/2014/main" id="{A1038667-0C3F-4764-A24D-DA9D9B474851}"/>
+                <a16:creationId xmlns:a16="http://schemas.microsoft.com/office/drawing/2014/main" id="{CF2D8AD5-434A-4C0E-9F5B-C1AFD645F364}"/>
               </a:ext>
               <a:ext uri="{C183D7F6-B498-43B3-948B-1728B52AA6E4}">
                 <adec:decorative xmlns:adec="http://schemas.microsoft.com/office/drawing/2017/decorative" val="1"/>
@@ -26130,115 +25283,10 @@
             </p:extLst>
           </p:nvPr>
         </p:nvSpPr>
-        <p:spPr>
+        <p:spPr bwMode="grayWhite">
           <a:xfrm>
-            <a:off x="4644527" y="0"/>
-            <a:ext cx="7552944" cy="6858001"/>
-          </a:xfrm>
-          <a:prstGeom prst="rect">
-            <a:avLst/>
-          </a:prstGeom>
-          <a:ln>
-            <a:noFill/>
-          </a:ln>
-        </p:spPr>
-        <p:style>
-          <a:lnRef idx="2">
-            <a:schemeClr val="accent1">
-              <a:shade val="50000"/>
-            </a:schemeClr>
-          </a:lnRef>
-          <a:fillRef idx="1">
-            <a:schemeClr val="accent1"/>
-          </a:fillRef>
-          <a:effectRef idx="0">
-            <a:schemeClr val="accent1"/>
-          </a:effectRef>
-          <a:fontRef idx="minor">
-            <a:schemeClr val="lt1"/>
-          </a:fontRef>
-        </p:style>
-        <p:txBody>
-          <a:bodyPr rtlCol="0" anchor="ctr"/>
-          <a:lstStyle/>
-          <a:p>
-            <a:pPr algn="ctr"/>
-            <a:endParaRPr lang="en-US"/>
-          </a:p>
-        </p:txBody>
-      </p:sp>
-      <p:pic>
-        <p:nvPicPr>
-          <p:cNvPr id="75" name="Picture 74">
-            <a:extLst>
-              <a:ext uri="{FF2B5EF4-FFF2-40B4-BE49-F238E27FC236}">
-                <a16:creationId xmlns:a16="http://schemas.microsoft.com/office/drawing/2014/main" id="{6AC2195B-895A-4535-8ECD-9F5B669C5CA5}"/>
-              </a:ext>
-              <a:ext uri="{C183D7F6-B498-43B3-948B-1728B52AA6E4}">
-                <adec:decorative xmlns:adec="http://schemas.microsoft.com/office/drawing/2017/decorative" val="1"/>
-              </a:ext>
-            </a:extLst>
-          </p:cNvPr>
-          <p:cNvPicPr>
-            <a:picLocks noGrp="1" noRot="1" noChangeAspect="1" noMove="1" noResize="1" noEditPoints="1" noAdjustHandles="1" noChangeArrowheads="1" noChangeShapeType="1" noCrop="1"/>
-          </p:cNvPicPr>
-          <p:nvPr>
-            <p:extLst>
-              <p:ext uri="{386F3935-93C4-4BCD-93E2-E3B085C9AB24}">
-                <p16:designElem xmlns:p16="http://schemas.microsoft.com/office/powerpoint/2015/main" val="1"/>
-              </p:ext>
-            </p:extLst>
-          </p:nvPr>
-        </p:nvPicPr>
-        <p:blipFill>
-          <a:blip r:embed="rId5" cstate="print">
-            <a:extLst>
-              <a:ext uri="{28A0092B-C50C-407E-A947-70E740481C1C}">
-                <a14:useLocalDpi xmlns:a14="http://schemas.microsoft.com/office/drawing/2010/main" val="0"/>
-              </a:ext>
-            </a:extLst>
-          </a:blip>
-          <a:stretch>
-            <a:fillRect/>
-          </a:stretch>
-        </p:blipFill>
-        <p:spPr>
-          <a:xfrm>
-            <a:off x="1" y="5006045"/>
-            <a:ext cx="4965192" cy="144049"/>
-          </a:xfrm>
-          <a:prstGeom prst="rect">
-            <a:avLst/>
-          </a:prstGeom>
-        </p:spPr>
-      </p:pic>
-      <p:sp>
-        <p:nvSpPr>
-          <p:cNvPr id="77" name="Rectangle 76">
-            <a:extLst>
-              <a:ext uri="{FF2B5EF4-FFF2-40B4-BE49-F238E27FC236}">
-                <a16:creationId xmlns:a16="http://schemas.microsoft.com/office/drawing/2014/main" id="{571EEFCA-9235-4BC2-85C3-A4EC6EE57AC4}"/>
-              </a:ext>
-              <a:ext uri="{C183D7F6-B498-43B3-948B-1728B52AA6E4}">
-                <adec:decorative xmlns:adec="http://schemas.microsoft.com/office/drawing/2017/decorative" val="1"/>
-              </a:ext>
-            </a:extLst>
-          </p:cNvPr>
-          <p:cNvSpPr>
-            <a:spLocks noGrp="1" noRot="1" noChangeAspect="1" noMove="1" noResize="1" noEditPoints="1" noAdjustHandles="1" noChangeArrowheads="1" noChangeShapeType="1" noTextEdit="1"/>
-          </p:cNvSpPr>
-          <p:nvPr>
-            <p:extLst>
-              <p:ext uri="{386F3935-93C4-4BCD-93E2-E3B085C9AB24}">
-                <p16:designElem xmlns:p16="http://schemas.microsoft.com/office/powerpoint/2015/main" val="1"/>
-              </p:ext>
-            </p:extLst>
-          </p:nvPr>
-        </p:nvSpPr>
-        <p:spPr>
-          <a:xfrm>
-            <a:off x="-1" y="1838764"/>
-            <a:ext cx="4964567" cy="3180473"/>
+            <a:off x="2" y="609600"/>
+            <a:ext cx="4959094" cy="1368198"/>
           </a:xfrm>
           <a:prstGeom prst="rect">
             <a:avLst/>
@@ -26275,7 +25323,7 @@
           <p:cNvPr id="2" name="Tytuł 1">
             <a:extLst>
               <a:ext uri="{FF2B5EF4-FFF2-40B4-BE49-F238E27FC236}">
-                <a16:creationId xmlns:a16="http://schemas.microsoft.com/office/drawing/2014/main" id="{E1F8C03E-5A14-439F-B27D-CDD677731858}"/>
+                <a16:creationId xmlns:a16="http://schemas.microsoft.com/office/drawing/2014/main" id="{B5A9FDC3-8BB5-4F7D-B15D-D49036E8B298}"/>
               </a:ext>
             </a:extLst>
           </p:cNvPr>
@@ -26288,248 +25336,29 @@
         </p:nvSpPr>
         <p:spPr>
           <a:xfrm>
-            <a:off x="680322" y="2063262"/>
-            <a:ext cx="3739278" cy="2661138"/>
+            <a:off x="680321" y="753228"/>
+            <a:ext cx="4136123" cy="1080938"/>
           </a:xfrm>
         </p:spPr>
         <p:txBody>
-          <a:bodyPr vert="horz" lIns="91440" tIns="45720" rIns="91440" bIns="45720" rtlCol="0" anchor="ctr">
+          <a:bodyPr>
             <a:normAutofit/>
           </a:bodyPr>
           <a:lstStyle/>
           <a:p>
-            <a:pPr algn="r"/>
-            <a:r>
-              <a:rPr lang="en-US" sz="5400"/>
-              <a:t>Wydanie</a:t>
-            </a:r>
-            <a:r>
-              <a:rPr lang="en-US" sz="5400" dirty="0"/>
-              <a:t> </a:t>
-            </a:r>
-            <a:r>
-              <a:rPr lang="en-US" sz="5400"/>
-              <a:t>faktury</a:t>
-            </a:r>
-            <a:endParaRPr lang="en-US" sz="5400" dirty="0"/>
+            <a:r>
+              <a:rPr lang="pl-PL" dirty="0"/>
+              <a:t>Wydanie faktury</a:t>
+            </a:r>
           </a:p>
         </p:txBody>
       </p:sp>
       <p:pic>
         <p:nvPicPr>
-          <p:cNvPr id="8" name="Grafika 7">
+          <p:cNvPr id="25" name="Picture 24">
             <a:extLst>
               <a:ext uri="{FF2B5EF4-FFF2-40B4-BE49-F238E27FC236}">
-                <a16:creationId xmlns:a16="http://schemas.microsoft.com/office/drawing/2014/main" id="{B5B8E344-7EF3-4110-8517-BC070B32CE01}"/>
-              </a:ext>
-            </a:extLst>
-          </p:cNvPr>
-          <p:cNvPicPr>
-            <a:picLocks noChangeAspect="1"/>
-          </p:cNvPicPr>
-          <p:nvPr/>
-        </p:nvPicPr>
-        <p:blipFill>
-          <a:blip r:embed="rId6">
-            <a:extLst>
-              <a:ext uri="{28A0092B-C50C-407E-A947-70E740481C1C}">
-                <a14:useLocalDpi xmlns:a14="http://schemas.microsoft.com/office/drawing/2010/main" val="0"/>
-              </a:ext>
-              <a:ext uri="{96DAC541-7B7A-43D3-8B79-37D633B846F1}">
-                <asvg:svgBlip xmlns:asvg="http://schemas.microsoft.com/office/drawing/2016/SVG/main" r:embed="rId7"/>
-              </a:ext>
-            </a:extLst>
-          </a:blip>
-          <a:stretch>
-            <a:fillRect/>
-          </a:stretch>
-        </p:blipFill>
-        <p:spPr>
-          <a:xfrm>
-            <a:off x="5189493" y="243191"/>
-            <a:ext cx="6597241" cy="6233613"/>
-          </a:xfrm>
-          <a:prstGeom prst="rect">
-            <a:avLst/>
-          </a:prstGeom>
-          <a:ln>
-            <a:noFill/>
-          </a:ln>
-          <a:effectLst>
-            <a:outerShdw blurRad="76200" dist="63500" dir="5040000" algn="tl" rotWithShape="0">
-              <a:srgbClr val="000000">
-                <a:alpha val="41000"/>
-              </a:srgbClr>
-            </a:outerShdw>
-          </a:effectLst>
-        </p:spPr>
-      </p:pic>
-      <p:sp>
-        <p:nvSpPr>
-          <p:cNvPr id="3" name="Symbol zastępczy numeru slajdu 2">
-            <a:extLst>
-              <a:ext uri="{FF2B5EF4-FFF2-40B4-BE49-F238E27FC236}">
-                <a16:creationId xmlns:a16="http://schemas.microsoft.com/office/drawing/2014/main" id="{59A3BE92-0BF7-41DD-BDA8-C8E38AD38D2E}"/>
-              </a:ext>
-            </a:extLst>
-          </p:cNvPr>
-          <p:cNvSpPr>
-            <a:spLocks noGrp="1"/>
-          </p:cNvSpPr>
-          <p:nvPr>
-            <p:ph type="sldNum" sz="quarter" idx="12"/>
-          </p:nvPr>
-        </p:nvSpPr>
-        <p:spPr>
-          <a:xfrm>
-            <a:off x="11281776" y="6336872"/>
-            <a:ext cx="722655" cy="365760"/>
-          </a:xfrm>
-        </p:spPr>
-        <p:txBody>
-          <a:bodyPr vert="horz" lIns="91440" tIns="45720" rIns="91440" bIns="45720" rtlCol="0" anchor="ctr">
-            <a:normAutofit/>
-          </a:bodyPr>
-          <a:lstStyle/>
-          <a:p>
-            <a:pPr defTabSz="914400">
-              <a:spcAft>
-                <a:spcPts val="600"/>
-              </a:spcAft>
-            </a:pPr>
-            <a:r>
-              <a:rPr lang="pl-PL" sz="1400" dirty="0">
-                <a:solidFill>
-                  <a:srgbClr val="FFFFFF"/>
-                </a:solidFill>
-              </a:rPr>
-              <a:t>21</a:t>
-            </a:r>
-            <a:endParaRPr lang="en-US" sz="1400" dirty="0">
-              <a:solidFill>
-                <a:srgbClr val="FFFFFF"/>
-              </a:solidFill>
-            </a:endParaRPr>
-          </a:p>
-        </p:txBody>
-      </p:sp>
-    </p:spTree>
-    <p:extLst>
-      <p:ext uri="{BB962C8B-B14F-4D97-AF65-F5344CB8AC3E}">
-        <p14:creationId xmlns:p14="http://schemas.microsoft.com/office/powerpoint/2010/main" val="3936350770"/>
-      </p:ext>
-    </p:extLst>
-  </p:cSld>
-  <p:clrMapOvr>
-    <a:masterClrMapping/>
-  </p:clrMapOvr>
-</p:sld>
-</file>
-
-<file path=ppt/slides/slide38.xml><?xml version="1.0" encoding="utf-8"?>
-<p:sld xmlns:a="http://schemas.openxmlformats.org/drawingml/2006/main" xmlns:r="http://schemas.openxmlformats.org/officeDocument/2006/relationships" xmlns:p="http://schemas.openxmlformats.org/presentationml/2006/main">
-  <p:cSld>
-    <p:bg>
-      <p:bgPr>
-        <a:gradFill rotWithShape="1">
-          <a:gsLst>
-            <a:gs pos="0">
-              <a:schemeClr val="bg2">
-                <a:tint val="96000"/>
-                <a:shade val="100000"/>
-                <a:hueMod val="270000"/>
-                <a:satMod val="200000"/>
-                <a:lumMod val="128000"/>
-              </a:schemeClr>
-            </a:gs>
-            <a:gs pos="50000">
-              <a:schemeClr val="bg2">
-                <a:shade val="100000"/>
-                <a:hueMod val="100000"/>
-                <a:satMod val="110000"/>
-                <a:lumMod val="130000"/>
-              </a:schemeClr>
-            </a:gs>
-            <a:gs pos="100000">
-              <a:schemeClr val="bg2">
-                <a:shade val="78000"/>
-                <a:hueMod val="44000"/>
-                <a:satMod val="200000"/>
-                <a:lumMod val="69000"/>
-              </a:schemeClr>
-            </a:gs>
-          </a:gsLst>
-          <a:lin ang="2520000" scaled="0"/>
-        </a:gradFill>
-        <a:effectLst/>
-      </p:bgPr>
-    </p:bg>
-    <p:spTree>
-      <p:nvGrpSpPr>
-        <p:cNvPr id="1" name=""/>
-        <p:cNvGrpSpPr/>
-        <p:nvPr/>
-      </p:nvGrpSpPr>
-      <p:grpSpPr>
-        <a:xfrm>
-          <a:off x="0" y="0"/>
-          <a:ext cx="0" cy="0"/>
-          <a:chOff x="0" y="0"/>
-          <a:chExt cx="0" cy="0"/>
-        </a:xfrm>
-      </p:grpSpPr>
-      <p:pic>
-        <p:nvPicPr>
-          <p:cNvPr id="11" name="Picture 10">
-            <a:extLst>
-              <a:ext uri="{FF2B5EF4-FFF2-40B4-BE49-F238E27FC236}">
-                <a16:creationId xmlns:a16="http://schemas.microsoft.com/office/drawing/2014/main" id="{5321D838-2C7E-4177-9DD3-DAC78324A2B2}"/>
-              </a:ext>
-              <a:ext uri="{C183D7F6-B498-43B3-948B-1728B52AA6E4}">
-                <adec:decorative xmlns:adec="http://schemas.microsoft.com/office/drawing/2017/decorative" val="1"/>
-              </a:ext>
-            </a:extLst>
-          </p:cNvPr>
-          <p:cNvPicPr>
-            <a:picLocks noGrp="1" noRot="1" noChangeAspect="1" noMove="1" noResize="1" noEditPoints="1" noAdjustHandles="1" noChangeArrowheads="1" noChangeShapeType="1" noCrop="1"/>
-          </p:cNvPicPr>
-          <p:nvPr>
-            <p:extLst>
-              <p:ext uri="{386F3935-93C4-4BCD-93E2-E3B085C9AB24}">
-                <p16:designElem xmlns:p16="http://schemas.microsoft.com/office/powerpoint/2015/main" val="1"/>
-              </p:ext>
-            </p:extLst>
-          </p:nvPr>
-        </p:nvPicPr>
-        <p:blipFill>
-          <a:blip r:embed="rId2">
-            <a:alphaModFix amt="10000"/>
-            <a:extLst>
-              <a:ext uri="{28A0092B-C50C-407E-A947-70E740481C1C}">
-                <a14:useLocalDpi xmlns:a14="http://schemas.microsoft.com/office/drawing/2010/main" val="0"/>
-              </a:ext>
-            </a:extLst>
-          </a:blip>
-          <a:stretch>
-            <a:fillRect/>
-          </a:stretch>
-        </p:blipFill>
-        <p:spPr>
-          <a:xfrm>
-            <a:off x="0" y="0"/>
-            <a:ext cx="12192000" cy="6858000"/>
-          </a:xfrm>
-          <a:prstGeom prst="rect">
-            <a:avLst/>
-          </a:prstGeom>
-        </p:spPr>
-      </p:pic>
-      <p:pic>
-        <p:nvPicPr>
-          <p:cNvPr id="13" name="Picture 12">
-            <a:extLst>
-              <a:ext uri="{FF2B5EF4-FFF2-40B4-BE49-F238E27FC236}">
-                <a16:creationId xmlns:a16="http://schemas.microsoft.com/office/drawing/2014/main" id="{0146E45C-1450-4186-B501-74F221F897A8}"/>
+                <a16:creationId xmlns:a16="http://schemas.microsoft.com/office/drawing/2014/main" id="{E92B246D-47CC-40F8-8DE7-B65D409E945E}"/>
               </a:ext>
               <a:ext uri="{C183D7F6-B498-43B3-948B-1728B52AA6E4}">
                 <adec:decorative xmlns:adec="http://schemas.microsoft.com/office/drawing/2017/decorative" val="1"/>
@@ -26561,8 +25390,8 @@
         </p:blipFill>
         <p:spPr>
           <a:xfrm>
-            <a:off x="1" y="4242851"/>
-            <a:ext cx="8968084" cy="275942"/>
+            <a:off x="2" y="1970241"/>
+            <a:ext cx="4956048" cy="199787"/>
           </a:xfrm>
           <a:prstGeom prst="rect">
             <a:avLst/>
@@ -26571,25 +25400,18 @@
       </p:pic>
       <p:pic>
         <p:nvPicPr>
-          <p:cNvPr id="15" name="Picture 14">
+          <p:cNvPr id="16" name="Symbol zastępczy zawartości 15">
             <a:extLst>
               <a:ext uri="{FF2B5EF4-FFF2-40B4-BE49-F238E27FC236}">
-                <a16:creationId xmlns:a16="http://schemas.microsoft.com/office/drawing/2014/main" id="{EEDDA48B-BC04-4915-ADA3-A1A9522EB0D1}"/>
-              </a:ext>
-              <a:ext uri="{C183D7F6-B498-43B3-948B-1728B52AA6E4}">
-                <adec:decorative xmlns:adec="http://schemas.microsoft.com/office/drawing/2017/decorative" val="1"/>
+                <a16:creationId xmlns:a16="http://schemas.microsoft.com/office/drawing/2014/main" id="{E5428294-0D1E-4A12-9DE3-4ACA5D77DC80}"/>
               </a:ext>
             </a:extLst>
           </p:cNvPr>
           <p:cNvPicPr>
-            <a:picLocks noGrp="1" noRot="1" noChangeAspect="1" noMove="1" noResize="1" noEditPoints="1" noAdjustHandles="1" noChangeArrowheads="1" noChangeShapeType="1" noCrop="1"/>
+            <a:picLocks noGrp="1" noChangeAspect="1"/>
           </p:cNvPicPr>
           <p:nvPr>
-            <p:extLst>
-              <p:ext uri="{386F3935-93C4-4BCD-93E2-E3B085C9AB24}">
-                <p16:designElem xmlns:p16="http://schemas.microsoft.com/office/powerpoint/2015/main" val="1"/>
-              </p:ext>
-            </p:extLst>
+            <p:ph idx="1"/>
           </p:nvPr>
         </p:nvPicPr>
         <p:blipFill>
@@ -26597,6 +25419,9 @@
             <a:extLst>
               <a:ext uri="{28A0092B-C50C-407E-A947-70E740481C1C}">
                 <a14:useLocalDpi xmlns:a14="http://schemas.microsoft.com/office/drawing/2010/main" val="0"/>
+              </a:ext>
+              <a:ext uri="{96DAC541-7B7A-43D3-8B79-37D633B846F1}">
+                <asvg:svgBlip xmlns:asvg="http://schemas.microsoft.com/office/drawing/2016/SVG/main" r:embed="rId5"/>
               </a:ext>
             </a:extLst>
           </a:blip>
@@ -26606,479 +25431,9 @@
         </p:blipFill>
         <p:spPr>
           <a:xfrm>
-            <a:off x="9111716" y="4243845"/>
-            <a:ext cx="3077108" cy="276940"/>
+            <a:off x="2382445" y="-2"/>
+            <a:ext cx="8143875" cy="6858000"/>
           </a:xfrm>
-          <a:prstGeom prst="rect">
-            <a:avLst/>
-          </a:prstGeom>
-        </p:spPr>
-      </p:pic>
-      <p:sp>
-        <p:nvSpPr>
-          <p:cNvPr id="17" name="Rectangle 16">
-            <a:extLst>
-              <a:ext uri="{FF2B5EF4-FFF2-40B4-BE49-F238E27FC236}">
-                <a16:creationId xmlns:a16="http://schemas.microsoft.com/office/drawing/2014/main" id="{78C9D07A-5A22-4E55-B18A-47CF07E5080D}"/>
-              </a:ext>
-              <a:ext uri="{C183D7F6-B498-43B3-948B-1728B52AA6E4}">
-                <adec:decorative xmlns:adec="http://schemas.microsoft.com/office/drawing/2017/decorative" val="1"/>
-              </a:ext>
-            </a:extLst>
-          </p:cNvPr>
-          <p:cNvSpPr>
-            <a:spLocks noGrp="1" noRot="1" noChangeAspect="1" noMove="1" noResize="1" noEditPoints="1" noAdjustHandles="1" noChangeArrowheads="1" noChangeShapeType="1" noTextEdit="1"/>
-          </p:cNvSpPr>
-          <p:nvPr>
-            <p:extLst>
-              <p:ext uri="{386F3935-93C4-4BCD-93E2-E3B085C9AB24}">
-                <p16:designElem xmlns:p16="http://schemas.microsoft.com/office/powerpoint/2015/main" val="1"/>
-              </p:ext>
-            </p:extLst>
-          </p:nvPr>
-        </p:nvSpPr>
-        <p:spPr>
-          <a:xfrm>
-            <a:off x="0" y="2590078"/>
-            <a:ext cx="8968085" cy="1660332"/>
-          </a:xfrm>
-          <a:prstGeom prst="rect">
-            <a:avLst/>
-          </a:prstGeom>
-          <a:solidFill>
-            <a:schemeClr val="bg1">
-              <a:lumMod val="85000"/>
-              <a:lumOff val="15000"/>
-            </a:schemeClr>
-          </a:solidFill>
-          <a:ln>
-            <a:noFill/>
-          </a:ln>
-        </p:spPr>
-        <p:style>
-          <a:lnRef idx="2">
-            <a:schemeClr val="accent1">
-              <a:shade val="50000"/>
-            </a:schemeClr>
-          </a:lnRef>
-          <a:fillRef idx="1">
-            <a:schemeClr val="accent1"/>
-          </a:fillRef>
-          <a:effectRef idx="0">
-            <a:schemeClr val="accent1"/>
-          </a:effectRef>
-          <a:fontRef idx="minor">
-            <a:schemeClr val="lt1"/>
-          </a:fontRef>
-        </p:style>
-      </p:sp>
-      <p:sp>
-        <p:nvSpPr>
-          <p:cNvPr id="19" name="Rectangle 18">
-            <a:extLst>
-              <a:ext uri="{FF2B5EF4-FFF2-40B4-BE49-F238E27FC236}">
-                <a16:creationId xmlns:a16="http://schemas.microsoft.com/office/drawing/2014/main" id="{3D71E629-0739-4A59-972B-A9E9A4500E31}"/>
-              </a:ext>
-              <a:ext uri="{C183D7F6-B498-43B3-948B-1728B52AA6E4}">
-                <adec:decorative xmlns:adec="http://schemas.microsoft.com/office/drawing/2017/decorative" val="1"/>
-              </a:ext>
-            </a:extLst>
-          </p:cNvPr>
-          <p:cNvSpPr>
-            <a:spLocks noGrp="1" noRot="1" noChangeAspect="1" noMove="1" noResize="1" noEditPoints="1" noAdjustHandles="1" noChangeArrowheads="1" noChangeShapeType="1" noTextEdit="1"/>
-          </p:cNvSpPr>
-          <p:nvPr>
-            <p:extLst>
-              <p:ext uri="{386F3935-93C4-4BCD-93E2-E3B085C9AB24}">
-                <p16:designElem xmlns:p16="http://schemas.microsoft.com/office/powerpoint/2015/main" val="1"/>
-              </p:ext>
-            </p:extLst>
-          </p:nvPr>
-        </p:nvSpPr>
-        <p:spPr>
-          <a:xfrm>
-            <a:off x="9111715" y="2590078"/>
-            <a:ext cx="3077109" cy="1660332"/>
-          </a:xfrm>
-          <a:prstGeom prst="rect">
-            <a:avLst/>
-          </a:prstGeom>
-          <a:solidFill>
-            <a:schemeClr val="accent1"/>
-          </a:solidFill>
-          <a:ln>
-            <a:noFill/>
-          </a:ln>
-        </p:spPr>
-        <p:style>
-          <a:lnRef idx="2">
-            <a:schemeClr val="accent1">
-              <a:shade val="50000"/>
-            </a:schemeClr>
-          </a:lnRef>
-          <a:fillRef idx="1">
-            <a:schemeClr val="accent1"/>
-          </a:fillRef>
-          <a:effectRef idx="0">
-            <a:schemeClr val="accent1"/>
-          </a:effectRef>
-          <a:fontRef idx="minor">
-            <a:schemeClr val="lt1"/>
-          </a:fontRef>
-        </p:style>
-      </p:sp>
-      <p:sp useBgFill="1">
-        <p:nvSpPr>
-          <p:cNvPr id="21" name="Rectangle 20">
-            <a:extLst>
-              <a:ext uri="{FF2B5EF4-FFF2-40B4-BE49-F238E27FC236}">
-                <a16:creationId xmlns:a16="http://schemas.microsoft.com/office/drawing/2014/main" id="{00573A24-AD84-4562-A993-7D04E1D18209}"/>
-              </a:ext>
-              <a:ext uri="{C183D7F6-B498-43B3-948B-1728B52AA6E4}">
-                <adec:decorative xmlns:adec="http://schemas.microsoft.com/office/drawing/2017/decorative" val="1"/>
-              </a:ext>
-            </a:extLst>
-          </p:cNvPr>
-          <p:cNvSpPr>
-            <a:spLocks noGrp="1" noRot="1" noChangeAspect="1" noMove="1" noResize="1" noEditPoints="1" noAdjustHandles="1" noChangeArrowheads="1" noChangeShapeType="1" noTextEdit="1"/>
-          </p:cNvSpPr>
-          <p:nvPr>
-            <p:extLst>
-              <p:ext uri="{386F3935-93C4-4BCD-93E2-E3B085C9AB24}">
-                <p16:designElem xmlns:p16="http://schemas.microsoft.com/office/powerpoint/2015/main" val="1"/>
-              </p:ext>
-            </p:extLst>
-          </p:nvPr>
-        </p:nvSpPr>
-        <p:spPr>
-          <a:xfrm>
-            <a:off x="0" y="0"/>
-            <a:ext cx="12188824" cy="6858000"/>
-          </a:xfrm>
-          <a:prstGeom prst="rect">
-            <a:avLst/>
-          </a:prstGeom>
-          <a:ln>
-            <a:noFill/>
-          </a:ln>
-        </p:spPr>
-        <p:style>
-          <a:lnRef idx="2">
-            <a:schemeClr val="accent1">
-              <a:shade val="50000"/>
-            </a:schemeClr>
-          </a:lnRef>
-          <a:fillRef idx="1">
-            <a:schemeClr val="accent1"/>
-          </a:fillRef>
-          <a:effectRef idx="0">
-            <a:schemeClr val="accent1"/>
-          </a:effectRef>
-          <a:fontRef idx="minor">
-            <a:schemeClr val="lt1"/>
-          </a:fontRef>
-        </p:style>
-        <p:txBody>
-          <a:bodyPr rtlCol="0" anchor="ctr"/>
-          <a:lstStyle/>
-          <a:p>
-            <a:pPr algn="ctr"/>
-            <a:endParaRPr lang="en-US"/>
-          </a:p>
-        </p:txBody>
-      </p:sp>
-      <p:pic>
-        <p:nvPicPr>
-          <p:cNvPr id="23" name="Picture 22">
-            <a:extLst>
-              <a:ext uri="{FF2B5EF4-FFF2-40B4-BE49-F238E27FC236}">
-                <a16:creationId xmlns:a16="http://schemas.microsoft.com/office/drawing/2014/main" id="{B3C087F8-F09C-4C07-B55F-6081689A2413}"/>
-              </a:ext>
-              <a:ext uri="{C183D7F6-B498-43B3-948B-1728B52AA6E4}">
-                <adec:decorative xmlns:adec="http://schemas.microsoft.com/office/drawing/2017/decorative" val="1"/>
-              </a:ext>
-            </a:extLst>
-          </p:cNvPr>
-          <p:cNvPicPr>
-            <a:picLocks noGrp="1" noRot="1" noChangeAspect="1" noMove="1" noResize="1" noEditPoints="1" noAdjustHandles="1" noChangeArrowheads="1" noChangeShapeType="1" noCrop="1"/>
-          </p:cNvPicPr>
-          <p:nvPr>
-            <p:extLst>
-              <p:ext uri="{386F3935-93C4-4BCD-93E2-E3B085C9AB24}">
-                <p16:designElem xmlns:p16="http://schemas.microsoft.com/office/powerpoint/2015/main" val="1"/>
-              </p:ext>
-            </p:extLst>
-          </p:nvPr>
-        </p:nvPicPr>
-        <p:blipFill>
-          <a:blip r:embed="rId2">
-            <a:alphaModFix amt="10000"/>
-            <a:extLst>
-              <a:ext uri="{28A0092B-C50C-407E-A947-70E740481C1C}">
-                <a14:useLocalDpi xmlns:a14="http://schemas.microsoft.com/office/drawing/2010/main" val="0"/>
-              </a:ext>
-            </a:extLst>
-          </a:blip>
-          <a:stretch>
-            <a:fillRect/>
-          </a:stretch>
-        </p:blipFill>
-        <p:spPr>
-          <a:xfrm>
-            <a:off x="0" y="0"/>
-            <a:ext cx="12192000" cy="6858000"/>
-          </a:xfrm>
-          <a:prstGeom prst="rect">
-            <a:avLst/>
-          </a:prstGeom>
-        </p:spPr>
-      </p:pic>
-      <p:sp>
-        <p:nvSpPr>
-          <p:cNvPr id="25" name="Rectangle 24">
-            <a:extLst>
-              <a:ext uri="{FF2B5EF4-FFF2-40B4-BE49-F238E27FC236}">
-                <a16:creationId xmlns:a16="http://schemas.microsoft.com/office/drawing/2014/main" id="{FC49D257-5737-4C0D-89EA-9C311AF2B8B5}"/>
-              </a:ext>
-              <a:ext uri="{C183D7F6-B498-43B3-948B-1728B52AA6E4}">
-                <adec:decorative xmlns:adec="http://schemas.microsoft.com/office/drawing/2017/decorative" val="1"/>
-              </a:ext>
-            </a:extLst>
-          </p:cNvPr>
-          <p:cNvSpPr>
-            <a:spLocks noGrp="1" noRot="1" noChangeAspect="1" noMove="1" noResize="1" noEditPoints="1" noAdjustHandles="1" noChangeArrowheads="1" noChangeShapeType="1" noTextEdit="1"/>
-          </p:cNvSpPr>
-          <p:nvPr>
-            <p:extLst>
-              <p:ext uri="{386F3935-93C4-4BCD-93E2-E3B085C9AB24}">
-                <p16:designElem xmlns:p16="http://schemas.microsoft.com/office/powerpoint/2015/main" val="1"/>
-              </p:ext>
-            </p:extLst>
-          </p:nvPr>
-        </p:nvSpPr>
-        <p:spPr>
-          <a:xfrm>
-            <a:off x="6099176" y="0"/>
-            <a:ext cx="6092824" cy="6858001"/>
-          </a:xfrm>
-          <a:prstGeom prst="rect">
-            <a:avLst/>
-          </a:prstGeom>
-          <a:ln>
-            <a:noFill/>
-          </a:ln>
-        </p:spPr>
-        <p:style>
-          <a:lnRef idx="2">
-            <a:schemeClr val="accent1">
-              <a:shade val="50000"/>
-            </a:schemeClr>
-          </a:lnRef>
-          <a:fillRef idx="1">
-            <a:schemeClr val="accent1"/>
-          </a:fillRef>
-          <a:effectRef idx="0">
-            <a:schemeClr val="accent1"/>
-          </a:effectRef>
-          <a:fontRef idx="minor">
-            <a:schemeClr val="lt1"/>
-          </a:fontRef>
-        </p:style>
-        <p:txBody>
-          <a:bodyPr rtlCol="0" anchor="ctr"/>
-          <a:lstStyle/>
-          <a:p>
-            <a:pPr algn="ctr"/>
-            <a:endParaRPr lang="en-US"/>
-          </a:p>
-        </p:txBody>
-      </p:sp>
-      <p:pic>
-        <p:nvPicPr>
-          <p:cNvPr id="27" name="Picture 26">
-            <a:extLst>
-              <a:ext uri="{FF2B5EF4-FFF2-40B4-BE49-F238E27FC236}">
-                <a16:creationId xmlns:a16="http://schemas.microsoft.com/office/drawing/2014/main" id="{E13D267A-94F5-488A-94C6-5D7156D9AF8C}"/>
-              </a:ext>
-              <a:ext uri="{C183D7F6-B498-43B3-948B-1728B52AA6E4}">
-                <adec:decorative xmlns:adec="http://schemas.microsoft.com/office/drawing/2017/decorative" val="1"/>
-              </a:ext>
-            </a:extLst>
-          </p:cNvPr>
-          <p:cNvPicPr>
-            <a:picLocks noGrp="1" noRot="1" noChangeAspect="1" noMove="1" noResize="1" noEditPoints="1" noAdjustHandles="1" noChangeArrowheads="1" noChangeShapeType="1" noCrop="1"/>
-          </p:cNvPicPr>
-          <p:nvPr>
-            <p:extLst>
-              <p:ext uri="{386F3935-93C4-4BCD-93E2-E3B085C9AB24}">
-                <p16:designElem xmlns:p16="http://schemas.microsoft.com/office/powerpoint/2015/main" val="1"/>
-              </p:ext>
-            </p:extLst>
-          </p:nvPr>
-        </p:nvPicPr>
-        <p:blipFill>
-          <a:blip r:embed="rId3">
-            <a:extLst>
-              <a:ext uri="{28A0092B-C50C-407E-A947-70E740481C1C}">
-                <a14:useLocalDpi xmlns:a14="http://schemas.microsoft.com/office/drawing/2010/main" val="0"/>
-              </a:ext>
-            </a:extLst>
-          </a:blip>
-          <a:stretch>
-            <a:fillRect/>
-          </a:stretch>
-        </p:blipFill>
-        <p:spPr>
-          <a:xfrm>
-            <a:off x="1" y="4688333"/>
-            <a:ext cx="6400800" cy="185701"/>
-          </a:xfrm>
-          <a:prstGeom prst="rect">
-            <a:avLst/>
-          </a:prstGeom>
-        </p:spPr>
-      </p:pic>
-      <p:sp>
-        <p:nvSpPr>
-          <p:cNvPr id="29" name="Rectangle 28">
-            <a:extLst>
-              <a:ext uri="{FF2B5EF4-FFF2-40B4-BE49-F238E27FC236}">
-                <a16:creationId xmlns:a16="http://schemas.microsoft.com/office/drawing/2014/main" id="{46CE3EB2-91DF-4F5D-8874-744AAAE311E1}"/>
-              </a:ext>
-              <a:ext uri="{C183D7F6-B498-43B3-948B-1728B52AA6E4}">
-                <adec:decorative xmlns:adec="http://schemas.microsoft.com/office/drawing/2017/decorative" val="1"/>
-              </a:ext>
-            </a:extLst>
-          </p:cNvPr>
-          <p:cNvSpPr>
-            <a:spLocks noGrp="1" noRot="1" noChangeAspect="1" noMove="1" noResize="1" noEditPoints="1" noAdjustHandles="1" noChangeArrowheads="1" noChangeShapeType="1" noTextEdit="1"/>
-          </p:cNvSpPr>
-          <p:nvPr>
-            <p:extLst>
-              <p:ext uri="{386F3935-93C4-4BCD-93E2-E3B085C9AB24}">
-                <p16:designElem xmlns:p16="http://schemas.microsoft.com/office/powerpoint/2015/main" val="1"/>
-              </p:ext>
-            </p:extLst>
-          </p:nvPr>
-        </p:nvSpPr>
-        <p:spPr>
-          <a:xfrm>
-            <a:off x="-1" y="2162908"/>
-            <a:ext cx="6411743" cy="2532185"/>
-          </a:xfrm>
-          <a:prstGeom prst="rect">
-            <a:avLst/>
-          </a:prstGeom>
-          <a:solidFill>
-            <a:schemeClr val="bg1">
-              <a:lumMod val="85000"/>
-              <a:lumOff val="15000"/>
-            </a:schemeClr>
-          </a:solidFill>
-          <a:ln>
-            <a:noFill/>
-          </a:ln>
-        </p:spPr>
-        <p:style>
-          <a:lnRef idx="2">
-            <a:schemeClr val="accent1">
-              <a:shade val="50000"/>
-            </a:schemeClr>
-          </a:lnRef>
-          <a:fillRef idx="1">
-            <a:schemeClr val="accent1"/>
-          </a:fillRef>
-          <a:effectRef idx="0">
-            <a:schemeClr val="accent1"/>
-          </a:effectRef>
-          <a:fontRef idx="minor">
-            <a:schemeClr val="lt1"/>
-          </a:fontRef>
-        </p:style>
-      </p:sp>
-      <p:sp>
-        <p:nvSpPr>
-          <p:cNvPr id="2" name="Tytuł 1">
-            <a:extLst>
-              <a:ext uri="{FF2B5EF4-FFF2-40B4-BE49-F238E27FC236}">
-                <a16:creationId xmlns:a16="http://schemas.microsoft.com/office/drawing/2014/main" id="{FADA5054-ACC2-481A-94EC-C1483A2C0ACB}"/>
-              </a:ext>
-            </a:extLst>
-          </p:cNvPr>
-          <p:cNvSpPr>
-            <a:spLocks noGrp="1"/>
-          </p:cNvSpPr>
-          <p:nvPr>
-            <p:ph type="title"/>
-          </p:nvPr>
-        </p:nvSpPr>
-        <p:spPr>
-          <a:xfrm>
-            <a:off x="680322" y="2403231"/>
-            <a:ext cx="5192940" cy="2133600"/>
-          </a:xfrm>
-        </p:spPr>
-        <p:txBody>
-          <a:bodyPr vert="horz" lIns="91440" tIns="45720" rIns="91440" bIns="45720" rtlCol="0" anchor="ctr">
-            <a:normAutofit/>
-          </a:bodyPr>
-          <a:lstStyle/>
-          <a:p>
-            <a:pPr algn="r"/>
-            <a:r>
-              <a:rPr lang="en-US" sz="5400"/>
-              <a:t>Wpływy</a:t>
-            </a:r>
-          </a:p>
-        </p:txBody>
-      </p:sp>
-      <p:pic>
-        <p:nvPicPr>
-          <p:cNvPr id="6" name="Grafika 5">
-            <a:extLst>
-              <a:ext uri="{FF2B5EF4-FFF2-40B4-BE49-F238E27FC236}">
-                <a16:creationId xmlns:a16="http://schemas.microsoft.com/office/drawing/2014/main" id="{5ED646B7-DFC7-4216-89FF-22CCBBD3AAD1}"/>
-              </a:ext>
-            </a:extLst>
-          </p:cNvPr>
-          <p:cNvPicPr>
-            <a:picLocks noChangeAspect="1"/>
-          </p:cNvPicPr>
-          <p:nvPr/>
-        </p:nvPicPr>
-        <p:blipFill>
-          <a:blip r:embed="rId5">
-            <a:extLst>
-              <a:ext uri="{28A0092B-C50C-407E-A947-70E740481C1C}">
-                <a14:useLocalDpi xmlns:a14="http://schemas.microsoft.com/office/drawing/2010/main" val="0"/>
-              </a:ext>
-              <a:ext uri="{96DAC541-7B7A-43D3-8B79-37D633B846F1}">
-                <asvg:svgBlip xmlns:asvg="http://schemas.microsoft.com/office/drawing/2016/SVG/main" r:embed="rId6"/>
-              </a:ext>
-            </a:extLst>
-          </a:blip>
-          <a:stretch>
-            <a:fillRect/>
-          </a:stretch>
-        </p:blipFill>
-        <p:spPr>
-          <a:xfrm>
-            <a:off x="6397382" y="1001948"/>
-            <a:ext cx="5575055" cy="4557781"/>
-          </a:xfrm>
-          <a:prstGeom prst="rect">
-            <a:avLst/>
-          </a:prstGeom>
-          <a:ln>
-            <a:noFill/>
-          </a:ln>
-          <a:effectLst>
-            <a:outerShdw blurRad="76200" dist="63500" dir="5040000" algn="tl" rotWithShape="0">
-              <a:srgbClr val="000000">
-                <a:alpha val="41000"/>
-              </a:srgbClr>
-            </a:outerShdw>
-          </a:effectLst>
         </p:spPr>
       </p:pic>
       <p:sp>
@@ -27086,7 +25441,7 @@
           <p:cNvPr id="3" name="Symbol zastępczy numeru slajdu 2">
             <a:extLst>
               <a:ext uri="{FF2B5EF4-FFF2-40B4-BE49-F238E27FC236}">
-                <a16:creationId xmlns:a16="http://schemas.microsoft.com/office/drawing/2014/main" id="{EECA07A0-4F22-44BB-935D-0F857413D751}"/>
+                <a16:creationId xmlns:a16="http://schemas.microsoft.com/office/drawing/2014/main" id="{7485CBDF-47FC-4483-AD93-93C47AAB5FAF}"/>
               </a:ext>
             </a:extLst>
           </p:cNvPr>
@@ -27099,41 +25454,151 @@
         </p:nvSpPr>
         <p:spPr>
           <a:xfrm>
-            <a:off x="11281776" y="6336872"/>
-            <a:ext cx="722655" cy="365760"/>
+            <a:off x="10900372" y="6310314"/>
+            <a:ext cx="914400" cy="365122"/>
           </a:xfrm>
         </p:spPr>
         <p:txBody>
-          <a:bodyPr vert="horz" lIns="91440" tIns="45720" rIns="91440" bIns="45720" rtlCol="0" anchor="ctr">
-            <a:normAutofit/>
+          <a:bodyPr>
+            <a:noAutofit/>
           </a:bodyPr>
           <a:lstStyle/>
           <a:p>
-            <a:pPr defTabSz="914400">
+            <a:pPr>
               <a:spcAft>
                 <a:spcPts val="600"/>
               </a:spcAft>
             </a:pPr>
             <a:r>
-              <a:rPr lang="pl-PL" sz="1400" dirty="0">
+              <a:rPr lang="pl-PL" sz="1800" dirty="0">
                 <a:solidFill>
-                  <a:srgbClr val="FFFFFF"/>
+                  <a:schemeClr val="tx1"/>
                 </a:solidFill>
               </a:rPr>
-              <a:t>22</a:t>
-            </a:r>
-            <a:endParaRPr lang="en-US" sz="1400" dirty="0">
-              <a:solidFill>
-                <a:srgbClr val="FFFFFF"/>
-              </a:solidFill>
-            </a:endParaRPr>
+              <a:t>21</a:t>
+            </a:r>
           </a:p>
         </p:txBody>
       </p:sp>
     </p:spTree>
     <p:extLst>
       <p:ext uri="{BB962C8B-B14F-4D97-AF65-F5344CB8AC3E}">
-        <p14:creationId xmlns:p14="http://schemas.microsoft.com/office/powerpoint/2010/main" val="2035800844"/>
+        <p14:creationId xmlns:p14="http://schemas.microsoft.com/office/powerpoint/2010/main" val="1858598360"/>
+      </p:ext>
+    </p:extLst>
+  </p:cSld>
+  <p:clrMapOvr>
+    <a:masterClrMapping/>
+  </p:clrMapOvr>
+</p:sld>
+</file>
+
+<file path=ppt/slides/slide38.xml><?xml version="1.0" encoding="utf-8"?>
+<p:sld xmlns:a="http://schemas.openxmlformats.org/drawingml/2006/main" xmlns:r="http://schemas.openxmlformats.org/officeDocument/2006/relationships" xmlns:p="http://schemas.openxmlformats.org/presentationml/2006/main">
+  <p:cSld>
+    <p:spTree>
+      <p:nvGrpSpPr>
+        <p:cNvPr id="1" name=""/>
+        <p:cNvGrpSpPr/>
+        <p:nvPr/>
+      </p:nvGrpSpPr>
+      <p:grpSpPr>
+        <a:xfrm>
+          <a:off x="0" y="0"/>
+          <a:ext cx="0" cy="0"/>
+          <a:chOff x="0" y="0"/>
+          <a:chExt cx="0" cy="0"/>
+        </a:xfrm>
+      </p:grpSpPr>
+      <p:sp>
+        <p:nvSpPr>
+          <p:cNvPr id="2" name="Tytuł 1">
+            <a:extLst>
+              <a:ext uri="{FF2B5EF4-FFF2-40B4-BE49-F238E27FC236}">
+                <a16:creationId xmlns:a16="http://schemas.microsoft.com/office/drawing/2014/main" id="{1FE64CD0-D33B-4032-AFF9-904095EBDE5D}"/>
+              </a:ext>
+            </a:extLst>
+          </p:cNvPr>
+          <p:cNvSpPr>
+            <a:spLocks noGrp="1"/>
+          </p:cNvSpPr>
+          <p:nvPr>
+            <p:ph type="title"/>
+          </p:nvPr>
+        </p:nvSpPr>
+        <p:spPr/>
+        <p:txBody>
+          <a:bodyPr/>
+          <a:lstStyle/>
+          <a:p>
+            <a:r>
+              <a:rPr lang="pl-PL" dirty="0"/>
+              <a:t>Wydanie faktury</a:t>
+            </a:r>
+          </a:p>
+        </p:txBody>
+      </p:sp>
+      <p:sp>
+        <p:nvSpPr>
+          <p:cNvPr id="4" name="Symbol zastępczy numeru slajdu 3">
+            <a:extLst>
+              <a:ext uri="{FF2B5EF4-FFF2-40B4-BE49-F238E27FC236}">
+                <a16:creationId xmlns:a16="http://schemas.microsoft.com/office/drawing/2014/main" id="{1CB61FD2-354A-478B-86DA-A7C12180E682}"/>
+              </a:ext>
+            </a:extLst>
+          </p:cNvPr>
+          <p:cNvSpPr>
+            <a:spLocks noGrp="1"/>
+          </p:cNvSpPr>
+          <p:nvPr>
+            <p:ph type="sldNum" sz="quarter" idx="12"/>
+          </p:nvPr>
+        </p:nvSpPr>
+        <p:spPr/>
+        <p:txBody>
+          <a:bodyPr/>
+          <a:lstStyle/>
+          <a:p>
+            <a:r>
+              <a:rPr lang="pl-PL" dirty="0"/>
+              <a:t>22</a:t>
+            </a:r>
+          </a:p>
+        </p:txBody>
+      </p:sp>
+      <p:pic>
+        <p:nvPicPr>
+          <p:cNvPr id="14" name="Symbol zastępczy zawartości 13">
+            <a:extLst>
+              <a:ext uri="{FF2B5EF4-FFF2-40B4-BE49-F238E27FC236}">
+                <a16:creationId xmlns:a16="http://schemas.microsoft.com/office/drawing/2014/main" id="{B3BEF0DD-E032-4655-A096-2AC375AC4E7B}"/>
+              </a:ext>
+            </a:extLst>
+          </p:cNvPr>
+          <p:cNvPicPr>
+            <a:picLocks noGrp="1" noChangeAspect="1"/>
+          </p:cNvPicPr>
+          <p:nvPr>
+            <p:ph idx="1"/>
+          </p:nvPr>
+        </p:nvPicPr>
+        <p:blipFill>
+          <a:blip r:embed="rId2"/>
+          <a:stretch>
+            <a:fillRect/>
+          </a:stretch>
+        </p:blipFill>
+        <p:spPr>
+          <a:xfrm>
+            <a:off x="85433" y="2828041"/>
+            <a:ext cx="11972514" cy="2469823"/>
+          </a:xfrm>
+        </p:spPr>
+      </p:pic>
+    </p:spTree>
+    <p:extLst>
+      <p:ext uri="{BB962C8B-B14F-4D97-AF65-F5344CB8AC3E}">
+        <p14:creationId xmlns:p14="http://schemas.microsoft.com/office/powerpoint/2010/main" val="3019575976"/>
       </p:ext>
     </p:extLst>
   </p:cSld>
@@ -27195,148 +25660,12 @@
           <a:chExt cx="0" cy="0"/>
         </a:xfrm>
       </p:grpSpPr>
-      <p:pic>
-        <p:nvPicPr>
-          <p:cNvPr id="10" name="Picture 9">
+      <p:sp useBgFill="1">
+        <p:nvSpPr>
+          <p:cNvPr id="15" name="Rectangle 14">
             <a:extLst>
               <a:ext uri="{FF2B5EF4-FFF2-40B4-BE49-F238E27FC236}">
-                <a16:creationId xmlns:a16="http://schemas.microsoft.com/office/drawing/2014/main" id="{5321D838-2C7E-4177-9DD3-DAC78324A2B2}"/>
-              </a:ext>
-              <a:ext uri="{C183D7F6-B498-43B3-948B-1728B52AA6E4}">
-                <adec:decorative xmlns:adec="http://schemas.microsoft.com/office/drawing/2017/decorative" val="1"/>
-              </a:ext>
-            </a:extLst>
-          </p:cNvPr>
-          <p:cNvPicPr>
-            <a:picLocks noGrp="1" noRot="1" noChangeAspect="1" noMove="1" noResize="1" noEditPoints="1" noAdjustHandles="1" noChangeArrowheads="1" noChangeShapeType="1" noCrop="1"/>
-          </p:cNvPicPr>
-          <p:nvPr>
-            <p:extLst>
-              <p:ext uri="{386F3935-93C4-4BCD-93E2-E3B085C9AB24}">
-                <p16:designElem xmlns:p16="http://schemas.microsoft.com/office/powerpoint/2015/main" val="1"/>
-              </p:ext>
-            </p:extLst>
-          </p:nvPr>
-        </p:nvPicPr>
-        <p:blipFill>
-          <a:blip r:embed="rId2">
-            <a:alphaModFix amt="10000"/>
-            <a:extLst>
-              <a:ext uri="{28A0092B-C50C-407E-A947-70E740481C1C}">
-                <a14:useLocalDpi xmlns:a14="http://schemas.microsoft.com/office/drawing/2010/main" val="0"/>
-              </a:ext>
-            </a:extLst>
-          </a:blip>
-          <a:stretch>
-            <a:fillRect/>
-          </a:stretch>
-        </p:blipFill>
-        <p:spPr>
-          <a:xfrm>
-            <a:off x="0" y="0"/>
-            <a:ext cx="12192000" cy="6858000"/>
-          </a:xfrm>
-          <a:prstGeom prst="rect">
-            <a:avLst/>
-          </a:prstGeom>
-        </p:spPr>
-      </p:pic>
-      <p:pic>
-        <p:nvPicPr>
-          <p:cNvPr id="12" name="Picture 11">
-            <a:extLst>
-              <a:ext uri="{FF2B5EF4-FFF2-40B4-BE49-F238E27FC236}">
-                <a16:creationId xmlns:a16="http://schemas.microsoft.com/office/drawing/2014/main" id="{0146E45C-1450-4186-B501-74F221F897A8}"/>
-              </a:ext>
-              <a:ext uri="{C183D7F6-B498-43B3-948B-1728B52AA6E4}">
-                <adec:decorative xmlns:adec="http://schemas.microsoft.com/office/drawing/2017/decorative" val="1"/>
-              </a:ext>
-            </a:extLst>
-          </p:cNvPr>
-          <p:cNvPicPr>
-            <a:picLocks noGrp="1" noRot="1" noChangeAspect="1" noMove="1" noResize="1" noEditPoints="1" noAdjustHandles="1" noChangeArrowheads="1" noChangeShapeType="1" noCrop="1"/>
-          </p:cNvPicPr>
-          <p:nvPr>
-            <p:extLst>
-              <p:ext uri="{386F3935-93C4-4BCD-93E2-E3B085C9AB24}">
-                <p16:designElem xmlns:p16="http://schemas.microsoft.com/office/powerpoint/2015/main" val="1"/>
-              </p:ext>
-            </p:extLst>
-          </p:nvPr>
-        </p:nvPicPr>
-        <p:blipFill>
-          <a:blip r:embed="rId3">
-            <a:extLst>
-              <a:ext uri="{28A0092B-C50C-407E-A947-70E740481C1C}">
-                <a14:useLocalDpi xmlns:a14="http://schemas.microsoft.com/office/drawing/2010/main" val="0"/>
-              </a:ext>
-            </a:extLst>
-          </a:blip>
-          <a:stretch>
-            <a:fillRect/>
-          </a:stretch>
-        </p:blipFill>
-        <p:spPr>
-          <a:xfrm>
-            <a:off x="1" y="4242851"/>
-            <a:ext cx="8968084" cy="275942"/>
-          </a:xfrm>
-          <a:prstGeom prst="rect">
-            <a:avLst/>
-          </a:prstGeom>
-        </p:spPr>
-      </p:pic>
-      <p:pic>
-        <p:nvPicPr>
-          <p:cNvPr id="14" name="Picture 13">
-            <a:extLst>
-              <a:ext uri="{FF2B5EF4-FFF2-40B4-BE49-F238E27FC236}">
-                <a16:creationId xmlns:a16="http://schemas.microsoft.com/office/drawing/2014/main" id="{EEDDA48B-BC04-4915-ADA3-A1A9522EB0D1}"/>
-              </a:ext>
-              <a:ext uri="{C183D7F6-B498-43B3-948B-1728B52AA6E4}">
-                <adec:decorative xmlns:adec="http://schemas.microsoft.com/office/drawing/2017/decorative" val="1"/>
-              </a:ext>
-            </a:extLst>
-          </p:cNvPr>
-          <p:cNvPicPr>
-            <a:picLocks noGrp="1" noRot="1" noChangeAspect="1" noMove="1" noResize="1" noEditPoints="1" noAdjustHandles="1" noChangeArrowheads="1" noChangeShapeType="1" noCrop="1"/>
-          </p:cNvPicPr>
-          <p:nvPr>
-            <p:extLst>
-              <p:ext uri="{386F3935-93C4-4BCD-93E2-E3B085C9AB24}">
-                <p16:designElem xmlns:p16="http://schemas.microsoft.com/office/powerpoint/2015/main" val="1"/>
-              </p:ext>
-            </p:extLst>
-          </p:nvPr>
-        </p:nvPicPr>
-        <p:blipFill>
-          <a:blip r:embed="rId4">
-            <a:extLst>
-              <a:ext uri="{28A0092B-C50C-407E-A947-70E740481C1C}">
-                <a14:useLocalDpi xmlns:a14="http://schemas.microsoft.com/office/drawing/2010/main" val="0"/>
-              </a:ext>
-            </a:extLst>
-          </a:blip>
-          <a:stretch>
-            <a:fillRect/>
-          </a:stretch>
-        </p:blipFill>
-        <p:spPr>
-          <a:xfrm>
-            <a:off x="9111716" y="4243845"/>
-            <a:ext cx="3077108" cy="276940"/>
-          </a:xfrm>
-          <a:prstGeom prst="rect">
-            <a:avLst/>
-          </a:prstGeom>
-        </p:spPr>
-      </p:pic>
-      <p:sp>
-        <p:nvSpPr>
-          <p:cNvPr id="16" name="Rectangle 15">
-            <a:extLst>
-              <a:ext uri="{FF2B5EF4-FFF2-40B4-BE49-F238E27FC236}">
-                <a16:creationId xmlns:a16="http://schemas.microsoft.com/office/drawing/2014/main" id="{78C9D07A-5A22-4E55-B18A-47CF07E5080D}"/>
+                <a16:creationId xmlns:a16="http://schemas.microsoft.com/office/drawing/2014/main" id="{C610D2AE-07EF-436A-9755-AA8DF4B933A4}"/>
               </a:ext>
               <a:ext uri="{C183D7F6-B498-43B3-948B-1728B52AA6E4}">
                 <adec:decorative xmlns:adec="http://schemas.microsoft.com/office/drawing/2017/decorative" val="1"/>
@@ -27356,121 +25685,8 @@
         </p:nvSpPr>
         <p:spPr>
           <a:xfrm>
-            <a:off x="0" y="2590078"/>
-            <a:ext cx="8968085" cy="1660332"/>
-          </a:xfrm>
-          <a:prstGeom prst="rect">
-            <a:avLst/>
-          </a:prstGeom>
-          <a:solidFill>
-            <a:schemeClr val="bg1">
-              <a:lumMod val="85000"/>
-              <a:lumOff val="15000"/>
-            </a:schemeClr>
-          </a:solidFill>
-          <a:ln>
-            <a:noFill/>
-          </a:ln>
-        </p:spPr>
-        <p:style>
-          <a:lnRef idx="2">
-            <a:schemeClr val="accent1">
-              <a:shade val="50000"/>
-            </a:schemeClr>
-          </a:lnRef>
-          <a:fillRef idx="1">
-            <a:schemeClr val="accent1"/>
-          </a:fillRef>
-          <a:effectRef idx="0">
-            <a:schemeClr val="accent1"/>
-          </a:effectRef>
-          <a:fontRef idx="minor">
-            <a:schemeClr val="lt1"/>
-          </a:fontRef>
-        </p:style>
-      </p:sp>
-      <p:sp>
-        <p:nvSpPr>
-          <p:cNvPr id="18" name="Rectangle 17">
-            <a:extLst>
-              <a:ext uri="{FF2B5EF4-FFF2-40B4-BE49-F238E27FC236}">
-                <a16:creationId xmlns:a16="http://schemas.microsoft.com/office/drawing/2014/main" id="{3D71E629-0739-4A59-972B-A9E9A4500E31}"/>
-              </a:ext>
-              <a:ext uri="{C183D7F6-B498-43B3-948B-1728B52AA6E4}">
-                <adec:decorative xmlns:adec="http://schemas.microsoft.com/office/drawing/2017/decorative" val="1"/>
-              </a:ext>
-            </a:extLst>
-          </p:cNvPr>
-          <p:cNvSpPr>
-            <a:spLocks noGrp="1" noRot="1" noChangeAspect="1" noMove="1" noResize="1" noEditPoints="1" noAdjustHandles="1" noChangeArrowheads="1" noChangeShapeType="1" noTextEdit="1"/>
-          </p:cNvSpPr>
-          <p:nvPr>
-            <p:extLst>
-              <p:ext uri="{386F3935-93C4-4BCD-93E2-E3B085C9AB24}">
-                <p16:designElem xmlns:p16="http://schemas.microsoft.com/office/powerpoint/2015/main" val="1"/>
-              </p:ext>
-            </p:extLst>
-          </p:nvPr>
-        </p:nvSpPr>
-        <p:spPr>
-          <a:xfrm>
-            <a:off x="9111715" y="2590078"/>
-            <a:ext cx="3077109" cy="1660332"/>
-          </a:xfrm>
-          <a:prstGeom prst="rect">
-            <a:avLst/>
-          </a:prstGeom>
-          <a:solidFill>
-            <a:schemeClr val="accent1"/>
-          </a:solidFill>
-          <a:ln>
-            <a:noFill/>
-          </a:ln>
-        </p:spPr>
-        <p:style>
-          <a:lnRef idx="2">
-            <a:schemeClr val="accent1">
-              <a:shade val="50000"/>
-            </a:schemeClr>
-          </a:lnRef>
-          <a:fillRef idx="1">
-            <a:schemeClr val="accent1"/>
-          </a:fillRef>
-          <a:effectRef idx="0">
-            <a:schemeClr val="accent1"/>
-          </a:effectRef>
-          <a:fontRef idx="minor">
-            <a:schemeClr val="lt1"/>
-          </a:fontRef>
-        </p:style>
-      </p:sp>
-      <p:sp useBgFill="1">
-        <p:nvSpPr>
-          <p:cNvPr id="20" name="Rectangle 19">
-            <a:extLst>
-              <a:ext uri="{FF2B5EF4-FFF2-40B4-BE49-F238E27FC236}">
-                <a16:creationId xmlns:a16="http://schemas.microsoft.com/office/drawing/2014/main" id="{00573A24-AD84-4562-A993-7D04E1D18209}"/>
-              </a:ext>
-              <a:ext uri="{C183D7F6-B498-43B3-948B-1728B52AA6E4}">
-                <adec:decorative xmlns:adec="http://schemas.microsoft.com/office/drawing/2017/decorative" val="1"/>
-              </a:ext>
-            </a:extLst>
-          </p:cNvPr>
-          <p:cNvSpPr>
-            <a:spLocks noGrp="1" noRot="1" noChangeAspect="1" noMove="1" noResize="1" noEditPoints="1" noAdjustHandles="1" noChangeArrowheads="1" noChangeShapeType="1" noTextEdit="1"/>
-          </p:cNvSpPr>
-          <p:nvPr>
-            <p:extLst>
-              <p:ext uri="{386F3935-93C4-4BCD-93E2-E3B085C9AB24}">
-                <p16:designElem xmlns:p16="http://schemas.microsoft.com/office/powerpoint/2015/main" val="1"/>
-              </p:ext>
-            </p:extLst>
-          </p:nvPr>
-        </p:nvSpPr>
-        <p:spPr>
-          <a:xfrm>
-            <a:off x="0" y="0"/>
-            <a:ext cx="12188824" cy="6858000"/>
+            <a:off x="0" y="-1"/>
+            <a:ext cx="12188824" cy="6858001"/>
           </a:xfrm>
           <a:prstGeom prst="rect">
             <a:avLst/>
@@ -27506,10 +25722,10 @@
       </p:sp>
       <p:pic>
         <p:nvPicPr>
-          <p:cNvPr id="22" name="Picture 21">
+          <p:cNvPr id="17" name="Picture 16">
             <a:extLst>
               <a:ext uri="{FF2B5EF4-FFF2-40B4-BE49-F238E27FC236}">
-                <a16:creationId xmlns:a16="http://schemas.microsoft.com/office/drawing/2014/main" id="{B3C087F8-F09C-4C07-B55F-6081689A2413}"/>
+                <a16:creationId xmlns:a16="http://schemas.microsoft.com/office/drawing/2014/main" id="{6CACDD17-9043-46DF-882D-420365B79C18}"/>
               </a:ext>
               <a:ext uri="{C183D7F6-B498-43B3-948B-1728B52AA6E4}">
                 <adec:decorative xmlns:adec="http://schemas.microsoft.com/office/drawing/2017/decorative" val="1"/>
@@ -27552,10 +25768,10 @@
       </p:pic>
       <p:sp>
         <p:nvSpPr>
-          <p:cNvPr id="24" name="Rectangle 23">
+          <p:cNvPr id="19" name="Rectangle 18">
             <a:extLst>
               <a:ext uri="{FF2B5EF4-FFF2-40B4-BE49-F238E27FC236}">
-                <a16:creationId xmlns:a16="http://schemas.microsoft.com/office/drawing/2014/main" id="{FC49D257-5737-4C0D-89EA-9C311AF2B8B5}"/>
+                <a16:creationId xmlns:a16="http://schemas.microsoft.com/office/drawing/2014/main" id="{CF2D8AD5-434A-4C0E-9F5B-C1AFD645F364}"/>
               </a:ext>
               <a:ext uri="{C183D7F6-B498-43B3-948B-1728B52AA6E4}">
                 <adec:decorative xmlns:adec="http://schemas.microsoft.com/office/drawing/2017/decorative" val="1"/>
@@ -27573,115 +25789,10 @@
             </p:extLst>
           </p:nvPr>
         </p:nvSpPr>
-        <p:spPr>
+        <p:spPr bwMode="grayWhite">
           <a:xfrm>
-            <a:off x="6099176" y="0"/>
-            <a:ext cx="6092824" cy="6858001"/>
-          </a:xfrm>
-          <a:prstGeom prst="rect">
-            <a:avLst/>
-          </a:prstGeom>
-          <a:ln>
-            <a:noFill/>
-          </a:ln>
-        </p:spPr>
-        <p:style>
-          <a:lnRef idx="2">
-            <a:schemeClr val="accent1">
-              <a:shade val="50000"/>
-            </a:schemeClr>
-          </a:lnRef>
-          <a:fillRef idx="1">
-            <a:schemeClr val="accent1"/>
-          </a:fillRef>
-          <a:effectRef idx="0">
-            <a:schemeClr val="accent1"/>
-          </a:effectRef>
-          <a:fontRef idx="minor">
-            <a:schemeClr val="lt1"/>
-          </a:fontRef>
-        </p:style>
-        <p:txBody>
-          <a:bodyPr rtlCol="0" anchor="ctr"/>
-          <a:lstStyle/>
-          <a:p>
-            <a:pPr algn="ctr"/>
-            <a:endParaRPr lang="en-US"/>
-          </a:p>
-        </p:txBody>
-      </p:sp>
-      <p:pic>
-        <p:nvPicPr>
-          <p:cNvPr id="26" name="Picture 25">
-            <a:extLst>
-              <a:ext uri="{FF2B5EF4-FFF2-40B4-BE49-F238E27FC236}">
-                <a16:creationId xmlns:a16="http://schemas.microsoft.com/office/drawing/2014/main" id="{E13D267A-94F5-488A-94C6-5D7156D9AF8C}"/>
-              </a:ext>
-              <a:ext uri="{C183D7F6-B498-43B3-948B-1728B52AA6E4}">
-                <adec:decorative xmlns:adec="http://schemas.microsoft.com/office/drawing/2017/decorative" val="1"/>
-              </a:ext>
-            </a:extLst>
-          </p:cNvPr>
-          <p:cNvPicPr>
-            <a:picLocks noGrp="1" noRot="1" noChangeAspect="1" noMove="1" noResize="1" noEditPoints="1" noAdjustHandles="1" noChangeArrowheads="1" noChangeShapeType="1" noCrop="1"/>
-          </p:cNvPicPr>
-          <p:nvPr>
-            <p:extLst>
-              <p:ext uri="{386F3935-93C4-4BCD-93E2-E3B085C9AB24}">
-                <p16:designElem xmlns:p16="http://schemas.microsoft.com/office/powerpoint/2015/main" val="1"/>
-              </p:ext>
-            </p:extLst>
-          </p:nvPr>
-        </p:nvPicPr>
-        <p:blipFill>
-          <a:blip r:embed="rId3">
-            <a:extLst>
-              <a:ext uri="{28A0092B-C50C-407E-A947-70E740481C1C}">
-                <a14:useLocalDpi xmlns:a14="http://schemas.microsoft.com/office/drawing/2010/main" val="0"/>
-              </a:ext>
-            </a:extLst>
-          </a:blip>
-          <a:stretch>
-            <a:fillRect/>
-          </a:stretch>
-        </p:blipFill>
-        <p:spPr>
-          <a:xfrm>
-            <a:off x="1" y="4688333"/>
-            <a:ext cx="6400800" cy="185701"/>
-          </a:xfrm>
-          <a:prstGeom prst="rect">
-            <a:avLst/>
-          </a:prstGeom>
-        </p:spPr>
-      </p:pic>
-      <p:sp>
-        <p:nvSpPr>
-          <p:cNvPr id="28" name="Rectangle 27">
-            <a:extLst>
-              <a:ext uri="{FF2B5EF4-FFF2-40B4-BE49-F238E27FC236}">
-                <a16:creationId xmlns:a16="http://schemas.microsoft.com/office/drawing/2014/main" id="{46CE3EB2-91DF-4F5D-8874-744AAAE311E1}"/>
-              </a:ext>
-              <a:ext uri="{C183D7F6-B498-43B3-948B-1728B52AA6E4}">
-                <adec:decorative xmlns:adec="http://schemas.microsoft.com/office/drawing/2017/decorative" val="1"/>
-              </a:ext>
-            </a:extLst>
-          </p:cNvPr>
-          <p:cNvSpPr>
-            <a:spLocks noGrp="1" noRot="1" noChangeAspect="1" noMove="1" noResize="1" noEditPoints="1" noAdjustHandles="1" noChangeArrowheads="1" noChangeShapeType="1" noTextEdit="1"/>
-          </p:cNvSpPr>
-          <p:nvPr>
-            <p:extLst>
-              <p:ext uri="{386F3935-93C4-4BCD-93E2-E3B085C9AB24}">
-                <p16:designElem xmlns:p16="http://schemas.microsoft.com/office/powerpoint/2015/main" val="1"/>
-              </p:ext>
-            </p:extLst>
-          </p:nvPr>
-        </p:nvSpPr>
-        <p:spPr>
-          <a:xfrm>
-            <a:off x="-1" y="2162908"/>
-            <a:ext cx="6411743" cy="2532185"/>
+            <a:off x="2" y="609600"/>
+            <a:ext cx="4959094" cy="1368198"/>
           </a:xfrm>
           <a:prstGeom prst="rect">
             <a:avLst/>
@@ -27718,7 +25829,7 @@
           <p:cNvPr id="2" name="Tytuł 1">
             <a:extLst>
               <a:ext uri="{FF2B5EF4-FFF2-40B4-BE49-F238E27FC236}">
-                <a16:creationId xmlns:a16="http://schemas.microsoft.com/office/drawing/2014/main" id="{7B20D057-D7F8-484A-99CE-44C5074C854D}"/>
+                <a16:creationId xmlns:a16="http://schemas.microsoft.com/office/drawing/2014/main" id="{B5A9FDC3-8BB5-4F7D-B15D-D49036E8B298}"/>
               </a:ext>
             </a:extLst>
           </p:cNvPr>
@@ -27731,30 +25842,103 @@
         </p:nvSpPr>
         <p:spPr>
           <a:xfrm>
-            <a:off x="680322" y="2403231"/>
-            <a:ext cx="5192940" cy="2133600"/>
+            <a:off x="680321" y="753228"/>
+            <a:ext cx="4136123" cy="1080938"/>
           </a:xfrm>
         </p:spPr>
         <p:txBody>
-          <a:bodyPr vert="horz" lIns="91440" tIns="45720" rIns="91440" bIns="45720" rtlCol="0" anchor="ctr">
+          <a:bodyPr>
             <a:normAutofit/>
           </a:bodyPr>
           <a:lstStyle/>
           <a:p>
-            <a:pPr algn="r"/>
-            <a:r>
-              <a:rPr lang="en-US" sz="5400"/>
-              <a:t>Opłaty stałe</a:t>
+            <a:r>
+              <a:rPr lang="pl-PL" dirty="0"/>
+              <a:t>Wpływ</a:t>
             </a:r>
           </a:p>
         </p:txBody>
       </p:sp>
       <p:pic>
         <p:nvPicPr>
-          <p:cNvPr id="5" name="Grafika 4">
+          <p:cNvPr id="21" name="Picture 20">
             <a:extLst>
               <a:ext uri="{FF2B5EF4-FFF2-40B4-BE49-F238E27FC236}">
-                <a16:creationId xmlns:a16="http://schemas.microsoft.com/office/drawing/2014/main" id="{0F4A7A36-9EAF-43AA-9C29-C93D312E0A9C}"/>
+                <a16:creationId xmlns:a16="http://schemas.microsoft.com/office/drawing/2014/main" id="{E92B246D-47CC-40F8-8DE7-B65D409E945E}"/>
+              </a:ext>
+              <a:ext uri="{C183D7F6-B498-43B3-948B-1728B52AA6E4}">
+                <adec:decorative xmlns:adec="http://schemas.microsoft.com/office/drawing/2017/decorative" val="1"/>
+              </a:ext>
+            </a:extLst>
+          </p:cNvPr>
+          <p:cNvPicPr>
+            <a:picLocks noGrp="1" noRot="1" noChangeAspect="1" noMove="1" noResize="1" noEditPoints="1" noAdjustHandles="1" noChangeArrowheads="1" noChangeShapeType="1" noCrop="1"/>
+          </p:cNvPicPr>
+          <p:nvPr>
+            <p:extLst>
+              <p:ext uri="{386F3935-93C4-4BCD-93E2-E3B085C9AB24}">
+                <p16:designElem xmlns:p16="http://schemas.microsoft.com/office/powerpoint/2015/main" val="1"/>
+              </p:ext>
+            </p:extLst>
+          </p:nvPr>
+        </p:nvPicPr>
+        <p:blipFill>
+          <a:blip r:embed="rId3">
+            <a:extLst>
+              <a:ext uri="{28A0092B-C50C-407E-A947-70E740481C1C}">
+                <a14:useLocalDpi xmlns:a14="http://schemas.microsoft.com/office/drawing/2010/main" val="0"/>
+              </a:ext>
+            </a:extLst>
+          </a:blip>
+          <a:stretch>
+            <a:fillRect/>
+          </a:stretch>
+        </p:blipFill>
+        <p:spPr>
+          <a:xfrm>
+            <a:off x="2" y="1970241"/>
+            <a:ext cx="4956048" cy="199787"/>
+          </a:xfrm>
+          <a:prstGeom prst="rect">
+            <a:avLst/>
+          </a:prstGeom>
+        </p:spPr>
+      </p:pic>
+      <p:pic>
+        <p:nvPicPr>
+          <p:cNvPr id="5" name="Symbol zastępczy zawartości 4">
+            <a:extLst>
+              <a:ext uri="{FF2B5EF4-FFF2-40B4-BE49-F238E27FC236}">
+                <a16:creationId xmlns:a16="http://schemas.microsoft.com/office/drawing/2014/main" id="{85EF7CF3-6442-490A-97C2-700F2EA07664}"/>
+              </a:ext>
+            </a:extLst>
+          </p:cNvPr>
+          <p:cNvPicPr>
+            <a:picLocks noGrp="1" noChangeAspect="1"/>
+          </p:cNvPicPr>
+          <p:nvPr>
+            <p:ph idx="1"/>
+          </p:nvPr>
+        </p:nvPicPr>
+        <p:blipFill>
+          <a:blip r:embed="rId4"/>
+          <a:stretch>
+            <a:fillRect/>
+          </a:stretch>
+        </p:blipFill>
+        <p:spPr>
+          <a:xfrm>
+            <a:off x="492501" y="3120062"/>
+            <a:ext cx="6266517" cy="2959755"/>
+          </a:xfrm>
+        </p:spPr>
+      </p:pic>
+      <p:pic>
+        <p:nvPicPr>
+          <p:cNvPr id="10" name="Symbol zastępczy zawartości 6">
+            <a:extLst>
+              <a:ext uri="{FF2B5EF4-FFF2-40B4-BE49-F238E27FC236}">
+                <a16:creationId xmlns:a16="http://schemas.microsoft.com/office/drawing/2014/main" id="{033B15B0-78AF-4090-B869-E1B4F30ECB3F}"/>
               </a:ext>
             </a:extLst>
           </p:cNvPr>
@@ -27780,8 +25964,8 @@
         </p:blipFill>
         <p:spPr>
           <a:xfrm>
-            <a:off x="6736078" y="972766"/>
-            <a:ext cx="5230293" cy="4546665"/>
+            <a:off x="5066257" y="680937"/>
+            <a:ext cx="7003171" cy="5255252"/>
           </a:xfrm>
           <a:prstGeom prst="rect">
             <a:avLst/>
@@ -27803,7 +25987,7 @@
           <p:cNvPr id="3" name="Symbol zastępczy numeru slajdu 2">
             <a:extLst>
               <a:ext uri="{FF2B5EF4-FFF2-40B4-BE49-F238E27FC236}">
-                <a16:creationId xmlns:a16="http://schemas.microsoft.com/office/drawing/2014/main" id="{58498F4A-5208-4983-90A0-3F6DDE5D2EA1}"/>
+                <a16:creationId xmlns:a16="http://schemas.microsoft.com/office/drawing/2014/main" id="{7485CBDF-47FC-4483-AD93-93C47AAB5FAF}"/>
               </a:ext>
             </a:extLst>
           </p:cNvPr>
@@ -27816,41 +26000,36 @@
         </p:nvSpPr>
         <p:spPr>
           <a:xfrm>
-            <a:off x="11281776" y="6336872"/>
-            <a:ext cx="722655" cy="365760"/>
+            <a:off x="10900372" y="6310314"/>
+            <a:ext cx="914400" cy="314222"/>
           </a:xfrm>
         </p:spPr>
         <p:txBody>
-          <a:bodyPr vert="horz" lIns="91440" tIns="45720" rIns="91440" bIns="45720" rtlCol="0" anchor="ctr">
-            <a:normAutofit/>
+          <a:bodyPr>
+            <a:noAutofit/>
           </a:bodyPr>
           <a:lstStyle/>
           <a:p>
-            <a:pPr defTabSz="914400">
+            <a:pPr>
               <a:spcAft>
                 <a:spcPts val="600"/>
               </a:spcAft>
             </a:pPr>
             <a:r>
-              <a:rPr lang="pl-PL" sz="1400" dirty="0">
+              <a:rPr lang="pl-PL" sz="1800" dirty="0">
                 <a:solidFill>
-                  <a:srgbClr val="FFFFFF"/>
+                  <a:schemeClr val="tx1"/>
                 </a:solidFill>
               </a:rPr>
               <a:t>23</a:t>
             </a:r>
-            <a:endParaRPr lang="en-US" sz="1400" dirty="0">
-              <a:solidFill>
-                <a:srgbClr val="FFFFFF"/>
-              </a:solidFill>
-            </a:endParaRPr>
           </a:p>
         </p:txBody>
       </p:sp>
     </p:spTree>
     <p:extLst>
       <p:ext uri="{BB962C8B-B14F-4D97-AF65-F5344CB8AC3E}">
-        <p14:creationId xmlns:p14="http://schemas.microsoft.com/office/powerpoint/2010/main" val="2070685674"/>
+        <p14:creationId xmlns:p14="http://schemas.microsoft.com/office/powerpoint/2010/main" val="2693041749"/>
       </p:ext>
     </p:extLst>
   </p:cSld>
@@ -27995,6 +26174,41 @@
 <file path=ppt/slides/slide40.xml><?xml version="1.0" encoding="utf-8"?>
 <p:sld xmlns:a="http://schemas.openxmlformats.org/drawingml/2006/main" xmlns:r="http://schemas.openxmlformats.org/officeDocument/2006/relationships" xmlns:p="http://schemas.openxmlformats.org/presentationml/2006/main">
   <p:cSld>
+    <p:bg>
+      <p:bgPr>
+        <a:gradFill rotWithShape="1">
+          <a:gsLst>
+            <a:gs pos="0">
+              <a:schemeClr val="bg2">
+                <a:tint val="96000"/>
+                <a:shade val="100000"/>
+                <a:hueMod val="270000"/>
+                <a:satMod val="200000"/>
+                <a:lumMod val="128000"/>
+              </a:schemeClr>
+            </a:gs>
+            <a:gs pos="50000">
+              <a:schemeClr val="bg2">
+                <a:shade val="100000"/>
+                <a:hueMod val="100000"/>
+                <a:satMod val="110000"/>
+                <a:lumMod val="130000"/>
+              </a:schemeClr>
+            </a:gs>
+            <a:gs pos="100000">
+              <a:schemeClr val="bg2">
+                <a:shade val="78000"/>
+                <a:hueMod val="44000"/>
+                <a:satMod val="200000"/>
+                <a:lumMod val="69000"/>
+              </a:schemeClr>
+            </a:gs>
+          </a:gsLst>
+          <a:lin ang="2520000" scaled="0"/>
+        </a:gradFill>
+        <a:effectLst/>
+      </p:bgPr>
+    </p:bg>
     <p:spTree>
       <p:nvGrpSpPr>
         <p:cNvPr id="1" name=""/>
@@ -28009,12 +26223,176 @@
           <a:chExt cx="0" cy="0"/>
         </a:xfrm>
       </p:grpSpPr>
+      <p:sp useBgFill="1">
+        <p:nvSpPr>
+          <p:cNvPr id="16" name="Rectangle 15">
+            <a:extLst>
+              <a:ext uri="{FF2B5EF4-FFF2-40B4-BE49-F238E27FC236}">
+                <a16:creationId xmlns:a16="http://schemas.microsoft.com/office/drawing/2014/main" id="{C610D2AE-07EF-436A-9755-AA8DF4B933A4}"/>
+              </a:ext>
+              <a:ext uri="{C183D7F6-B498-43B3-948B-1728B52AA6E4}">
+                <adec:decorative xmlns:adec="http://schemas.microsoft.com/office/drawing/2017/decorative" val="1"/>
+              </a:ext>
+            </a:extLst>
+          </p:cNvPr>
+          <p:cNvSpPr>
+            <a:spLocks noGrp="1" noRot="1" noChangeAspect="1" noMove="1" noResize="1" noEditPoints="1" noAdjustHandles="1" noChangeArrowheads="1" noChangeShapeType="1" noTextEdit="1"/>
+          </p:cNvSpPr>
+          <p:nvPr>
+            <p:extLst>
+              <p:ext uri="{386F3935-93C4-4BCD-93E2-E3B085C9AB24}">
+                <p16:designElem xmlns:p16="http://schemas.microsoft.com/office/powerpoint/2015/main" val="1"/>
+              </p:ext>
+            </p:extLst>
+          </p:nvPr>
+        </p:nvSpPr>
+        <p:spPr>
+          <a:xfrm>
+            <a:off x="0" y="-1"/>
+            <a:ext cx="12188824" cy="6858001"/>
+          </a:xfrm>
+          <a:prstGeom prst="rect">
+            <a:avLst/>
+          </a:prstGeom>
+          <a:ln>
+            <a:noFill/>
+          </a:ln>
+        </p:spPr>
+        <p:style>
+          <a:lnRef idx="2">
+            <a:schemeClr val="accent1">
+              <a:shade val="50000"/>
+            </a:schemeClr>
+          </a:lnRef>
+          <a:fillRef idx="1">
+            <a:schemeClr val="accent1"/>
+          </a:fillRef>
+          <a:effectRef idx="0">
+            <a:schemeClr val="accent1"/>
+          </a:effectRef>
+          <a:fontRef idx="minor">
+            <a:schemeClr val="lt1"/>
+          </a:fontRef>
+        </p:style>
+        <p:txBody>
+          <a:bodyPr rtlCol="0" anchor="ctr"/>
+          <a:lstStyle/>
+          <a:p>
+            <a:pPr algn="ctr"/>
+            <a:endParaRPr lang="en-US"/>
+          </a:p>
+        </p:txBody>
+      </p:sp>
+      <p:pic>
+        <p:nvPicPr>
+          <p:cNvPr id="18" name="Picture 17">
+            <a:extLst>
+              <a:ext uri="{FF2B5EF4-FFF2-40B4-BE49-F238E27FC236}">
+                <a16:creationId xmlns:a16="http://schemas.microsoft.com/office/drawing/2014/main" id="{6CACDD17-9043-46DF-882D-420365B79C18}"/>
+              </a:ext>
+              <a:ext uri="{C183D7F6-B498-43B3-948B-1728B52AA6E4}">
+                <adec:decorative xmlns:adec="http://schemas.microsoft.com/office/drawing/2017/decorative" val="1"/>
+              </a:ext>
+            </a:extLst>
+          </p:cNvPr>
+          <p:cNvPicPr>
+            <a:picLocks noGrp="1" noRot="1" noChangeAspect="1" noMove="1" noResize="1" noEditPoints="1" noAdjustHandles="1" noChangeArrowheads="1" noChangeShapeType="1" noCrop="1"/>
+          </p:cNvPicPr>
+          <p:nvPr>
+            <p:extLst>
+              <p:ext uri="{386F3935-93C4-4BCD-93E2-E3B085C9AB24}">
+                <p16:designElem xmlns:p16="http://schemas.microsoft.com/office/powerpoint/2015/main" val="1"/>
+              </p:ext>
+            </p:extLst>
+          </p:nvPr>
+        </p:nvPicPr>
+        <p:blipFill>
+          <a:blip r:embed="rId2">
+            <a:alphaModFix amt="10000"/>
+            <a:extLst>
+              <a:ext uri="{28A0092B-C50C-407E-A947-70E740481C1C}">
+                <a14:useLocalDpi xmlns:a14="http://schemas.microsoft.com/office/drawing/2010/main" val="0"/>
+              </a:ext>
+            </a:extLst>
+          </a:blip>
+          <a:stretch>
+            <a:fillRect/>
+          </a:stretch>
+        </p:blipFill>
+        <p:spPr>
+          <a:xfrm>
+            <a:off x="0" y="0"/>
+            <a:ext cx="12192000" cy="6858000"/>
+          </a:xfrm>
+          <a:prstGeom prst="rect">
+            <a:avLst/>
+          </a:prstGeom>
+        </p:spPr>
+      </p:pic>
+      <p:sp>
+        <p:nvSpPr>
+          <p:cNvPr id="20" name="Rectangle 19">
+            <a:extLst>
+              <a:ext uri="{FF2B5EF4-FFF2-40B4-BE49-F238E27FC236}">
+                <a16:creationId xmlns:a16="http://schemas.microsoft.com/office/drawing/2014/main" id="{CF2D8AD5-434A-4C0E-9F5B-C1AFD645F364}"/>
+              </a:ext>
+              <a:ext uri="{C183D7F6-B498-43B3-948B-1728B52AA6E4}">
+                <adec:decorative xmlns:adec="http://schemas.microsoft.com/office/drawing/2017/decorative" val="1"/>
+              </a:ext>
+            </a:extLst>
+          </p:cNvPr>
+          <p:cNvSpPr>
+            <a:spLocks noGrp="1" noRot="1" noChangeAspect="1" noMove="1" noResize="1" noEditPoints="1" noAdjustHandles="1" noChangeArrowheads="1" noChangeShapeType="1" noTextEdit="1"/>
+          </p:cNvSpPr>
+          <p:nvPr>
+            <p:extLst>
+              <p:ext uri="{386F3935-93C4-4BCD-93E2-E3B085C9AB24}">
+                <p16:designElem xmlns:p16="http://schemas.microsoft.com/office/powerpoint/2015/main" val="1"/>
+              </p:ext>
+            </p:extLst>
+          </p:nvPr>
+        </p:nvSpPr>
+        <p:spPr bwMode="grayWhite">
+          <a:xfrm>
+            <a:off x="2" y="609600"/>
+            <a:ext cx="4959094" cy="1368198"/>
+          </a:xfrm>
+          <a:prstGeom prst="rect">
+            <a:avLst/>
+          </a:prstGeom>
+          <a:solidFill>
+            <a:schemeClr val="bg1">
+              <a:lumMod val="85000"/>
+              <a:lumOff val="15000"/>
+            </a:schemeClr>
+          </a:solidFill>
+          <a:ln>
+            <a:noFill/>
+          </a:ln>
+        </p:spPr>
+        <p:style>
+          <a:lnRef idx="2">
+            <a:schemeClr val="accent1">
+              <a:shade val="50000"/>
+            </a:schemeClr>
+          </a:lnRef>
+          <a:fillRef idx="1">
+            <a:schemeClr val="accent1"/>
+          </a:fillRef>
+          <a:effectRef idx="0">
+            <a:schemeClr val="accent1"/>
+          </a:effectRef>
+          <a:fontRef idx="minor">
+            <a:schemeClr val="lt1"/>
+          </a:fontRef>
+        </p:style>
+      </p:sp>
       <p:sp>
         <p:nvSpPr>
           <p:cNvPr id="2" name="Tytuł 1">
             <a:extLst>
               <a:ext uri="{FF2B5EF4-FFF2-40B4-BE49-F238E27FC236}">
-                <a16:creationId xmlns:a16="http://schemas.microsoft.com/office/drawing/2014/main" id="{C91C4CD4-9C96-4AF4-ACE0-9CFD711A54A3}"/>
+                <a16:creationId xmlns:a16="http://schemas.microsoft.com/office/drawing/2014/main" id="{B5A9FDC3-8BB5-4F7D-B15D-D49036E8B298}"/>
               </a:ext>
             </a:extLst>
           </p:cNvPr>
@@ -28025,25 +26403,125 @@
             <p:ph type="title"/>
           </p:nvPr>
         </p:nvSpPr>
-        <p:spPr/>
+        <p:spPr>
+          <a:xfrm>
+            <a:off x="680321" y="753228"/>
+            <a:ext cx="4136123" cy="1080938"/>
+          </a:xfrm>
+        </p:spPr>
         <p:txBody>
-          <a:bodyPr/>
+          <a:bodyPr>
+            <a:normAutofit/>
+          </a:bodyPr>
           <a:lstStyle/>
           <a:p>
             <a:r>
-              <a:rPr lang="pl-PL"/>
-              <a:t>Koszty zewnętrzne</a:t>
-            </a:r>
-            <a:endParaRPr lang="pl-PL" dirty="0"/>
+              <a:rPr lang="pl-PL" dirty="0"/>
+              <a:t>Opłaty stałe</a:t>
+            </a:r>
           </a:p>
         </p:txBody>
       </p:sp>
+      <p:pic>
+        <p:nvPicPr>
+          <p:cNvPr id="22" name="Picture 21">
+            <a:extLst>
+              <a:ext uri="{FF2B5EF4-FFF2-40B4-BE49-F238E27FC236}">
+                <a16:creationId xmlns:a16="http://schemas.microsoft.com/office/drawing/2014/main" id="{E92B246D-47CC-40F8-8DE7-B65D409E945E}"/>
+              </a:ext>
+              <a:ext uri="{C183D7F6-B498-43B3-948B-1728B52AA6E4}">
+                <adec:decorative xmlns:adec="http://schemas.microsoft.com/office/drawing/2017/decorative" val="1"/>
+              </a:ext>
+            </a:extLst>
+          </p:cNvPr>
+          <p:cNvPicPr>
+            <a:picLocks noGrp="1" noRot="1" noChangeAspect="1" noMove="1" noResize="1" noEditPoints="1" noAdjustHandles="1" noChangeArrowheads="1" noChangeShapeType="1" noCrop="1"/>
+          </p:cNvPicPr>
+          <p:nvPr>
+            <p:extLst>
+              <p:ext uri="{386F3935-93C4-4BCD-93E2-E3B085C9AB24}">
+                <p16:designElem xmlns:p16="http://schemas.microsoft.com/office/powerpoint/2015/main" val="1"/>
+              </p:ext>
+            </p:extLst>
+          </p:nvPr>
+        </p:nvPicPr>
+        <p:blipFill>
+          <a:blip r:embed="rId3">
+            <a:extLst>
+              <a:ext uri="{28A0092B-C50C-407E-A947-70E740481C1C}">
+                <a14:useLocalDpi xmlns:a14="http://schemas.microsoft.com/office/drawing/2010/main" val="0"/>
+              </a:ext>
+            </a:extLst>
+          </a:blip>
+          <a:stretch>
+            <a:fillRect/>
+          </a:stretch>
+        </p:blipFill>
+        <p:spPr>
+          <a:xfrm>
+            <a:off x="2" y="1970241"/>
+            <a:ext cx="4956048" cy="199787"/>
+          </a:xfrm>
+          <a:prstGeom prst="rect">
+            <a:avLst/>
+          </a:prstGeom>
+        </p:spPr>
+      </p:pic>
+      <p:pic>
+        <p:nvPicPr>
+          <p:cNvPr id="11" name="Symbol zastępczy zawartości 7">
+            <a:extLst>
+              <a:ext uri="{FF2B5EF4-FFF2-40B4-BE49-F238E27FC236}">
+                <a16:creationId xmlns:a16="http://schemas.microsoft.com/office/drawing/2014/main" id="{4E04849A-BB31-4EAE-B7E3-6C714B289E20}"/>
+              </a:ext>
+            </a:extLst>
+          </p:cNvPr>
+          <p:cNvPicPr>
+            <a:picLocks noChangeAspect="1"/>
+          </p:cNvPicPr>
+          <p:nvPr/>
+        </p:nvPicPr>
+        <p:blipFill>
+          <a:blip r:embed="rId4">
+            <a:extLst>
+              <a:ext uri="{28A0092B-C50C-407E-A947-70E740481C1C}">
+                <a14:useLocalDpi xmlns:a14="http://schemas.microsoft.com/office/drawing/2010/main" val="0"/>
+              </a:ext>
+              <a:ext uri="{96DAC541-7B7A-43D3-8B79-37D633B846F1}">
+                <asvg:svgBlip xmlns:asvg="http://schemas.microsoft.com/office/drawing/2016/SVG/main" r:embed="rId5"/>
+              </a:ext>
+            </a:extLst>
+          </a:blip>
+          <a:stretch>
+            <a:fillRect/>
+          </a:stretch>
+        </p:blipFill>
+        <p:spPr>
+          <a:xfrm>
+            <a:off x="5276090" y="466928"/>
+            <a:ext cx="6872030" cy="5443063"/>
+          </a:xfrm>
+          <a:prstGeom prst="rect">
+            <a:avLst/>
+          </a:prstGeom>
+          <a:ln>
+            <a:noFill/>
+          </a:ln>
+          <a:effectLst>
+            <a:outerShdw blurRad="76200" dist="63500" dir="5040000" algn="tl" rotWithShape="0">
+              <a:srgbClr val="000000">
+                <a:alpha val="41000"/>
+              </a:srgbClr>
+            </a:outerShdw>
+          </a:effectLst>
+        </p:spPr>
+      </p:pic>
       <p:sp>
         <p:nvSpPr>
           <p:cNvPr id="3" name="Symbol zastępczy numeru slajdu 2">
             <a:extLst>
               <a:ext uri="{FF2B5EF4-FFF2-40B4-BE49-F238E27FC236}">
-                <a16:creationId xmlns:a16="http://schemas.microsoft.com/office/drawing/2014/main" id="{2E8532CB-E7B8-4F37-95A9-BD07BA8C7965}"/>
+                <a16:creationId xmlns:a16="http://schemas.microsoft.com/office/drawing/2014/main" id="{7485CBDF-47FC-4483-AD93-93C47AAB5FAF}"/>
               </a:ext>
             </a:extLst>
           </p:cNvPr>
@@ -28054,13 +26532,29 @@
             <p:ph type="sldNum" sz="quarter" idx="12"/>
           </p:nvPr>
         </p:nvSpPr>
-        <p:spPr/>
+        <p:spPr>
+          <a:xfrm>
+            <a:off x="10900372" y="6310314"/>
+            <a:ext cx="914400" cy="365122"/>
+          </a:xfrm>
+        </p:spPr>
         <p:txBody>
-          <a:bodyPr/>
+          <a:bodyPr>
+            <a:noAutofit/>
+          </a:bodyPr>
           <a:lstStyle/>
           <a:p>
-            <a:r>
-              <a:rPr lang="pl-PL" dirty="0"/>
+            <a:pPr>
+              <a:spcAft>
+                <a:spcPts val="600"/>
+              </a:spcAft>
+            </a:pPr>
+            <a:r>
+              <a:rPr lang="pl-PL" sz="1800" dirty="0">
+                <a:solidFill>
+                  <a:schemeClr val="tx1"/>
+                </a:solidFill>
+              </a:rPr>
               <a:t>24</a:t>
             </a:r>
           </a:p>
@@ -28068,47 +26562,37 @@
       </p:sp>
       <p:pic>
         <p:nvPicPr>
-          <p:cNvPr id="5" name="Grafika 4">
+          <p:cNvPr id="12" name="Symbol zastępczy zawartości 11">
             <a:extLst>
               <a:ext uri="{FF2B5EF4-FFF2-40B4-BE49-F238E27FC236}">
-                <a16:creationId xmlns:a16="http://schemas.microsoft.com/office/drawing/2014/main" id="{488C63E7-46CC-4855-8E59-BE82EAF620ED}"/>
+                <a16:creationId xmlns:a16="http://schemas.microsoft.com/office/drawing/2014/main" id="{E1E04DF2-F0F6-4CF0-B9E6-7CEA14523EFC}"/>
               </a:ext>
             </a:extLst>
           </p:cNvPr>
           <p:cNvPicPr>
-            <a:picLocks noChangeAspect="1"/>
+            <a:picLocks noGrp="1" noChangeAspect="1"/>
           </p:cNvPicPr>
-          <p:nvPr/>
+          <p:nvPr>
+            <p:ph idx="1"/>
+          </p:nvPr>
         </p:nvPicPr>
         <p:blipFill>
-          <a:blip r:embed="rId2">
-            <a:extLst>
-              <a:ext uri="{28A0092B-C50C-407E-A947-70E740481C1C}">
-                <a14:useLocalDpi xmlns:a14="http://schemas.microsoft.com/office/drawing/2010/main" val="0"/>
-              </a:ext>
-              <a:ext uri="{96DAC541-7B7A-43D3-8B79-37D633B846F1}">
-                <asvg:svgBlip xmlns:asvg="http://schemas.microsoft.com/office/drawing/2016/SVG/main" r:embed="rId3"/>
-              </a:ext>
-            </a:extLst>
-          </a:blip>
+          <a:blip r:embed="rId6"/>
           <a:stretch>
             <a:fillRect/>
           </a:stretch>
         </p:blipFill>
         <p:spPr>
           <a:xfrm>
-            <a:off x="357896" y="2159541"/>
-            <a:ext cx="9889067" cy="4572000"/>
+            <a:off x="392308" y="3075858"/>
+            <a:ext cx="4880606" cy="1267201"/>
           </a:xfrm>
-          <a:prstGeom prst="rect">
-            <a:avLst/>
-          </a:prstGeom>
         </p:spPr>
       </p:pic>
     </p:spTree>
     <p:extLst>
       <p:ext uri="{BB962C8B-B14F-4D97-AF65-F5344CB8AC3E}">
-        <p14:creationId xmlns:p14="http://schemas.microsoft.com/office/powerpoint/2010/main" val="166801903"/>
+        <p14:creationId xmlns:p14="http://schemas.microsoft.com/office/powerpoint/2010/main" val="367930751"/>
       </p:ext>
     </p:extLst>
   </p:cSld>
@@ -28170,148 +26654,12 @@
           <a:chExt cx="0" cy="0"/>
         </a:xfrm>
       </p:grpSpPr>
-      <p:pic>
-        <p:nvPicPr>
-          <p:cNvPr id="30" name="Picture 9">
+      <p:sp useBgFill="1">
+        <p:nvSpPr>
+          <p:cNvPr id="17" name="Rectangle 16">
             <a:extLst>
               <a:ext uri="{FF2B5EF4-FFF2-40B4-BE49-F238E27FC236}">
-                <a16:creationId xmlns:a16="http://schemas.microsoft.com/office/drawing/2014/main" id="{5321D838-2C7E-4177-9DD3-DAC78324A2B2}"/>
-              </a:ext>
-              <a:ext uri="{C183D7F6-B498-43B3-948B-1728B52AA6E4}">
-                <adec:decorative xmlns:adec="http://schemas.microsoft.com/office/drawing/2017/decorative" val="1"/>
-              </a:ext>
-            </a:extLst>
-          </p:cNvPr>
-          <p:cNvPicPr>
-            <a:picLocks noGrp="1" noRot="1" noChangeAspect="1" noMove="1" noResize="1" noEditPoints="1" noAdjustHandles="1" noChangeArrowheads="1" noChangeShapeType="1" noCrop="1"/>
-          </p:cNvPicPr>
-          <p:nvPr>
-            <p:extLst>
-              <p:ext uri="{386F3935-93C4-4BCD-93E2-E3B085C9AB24}">
-                <p16:designElem xmlns:p16="http://schemas.microsoft.com/office/powerpoint/2015/main" val="1"/>
-              </p:ext>
-            </p:extLst>
-          </p:nvPr>
-        </p:nvPicPr>
-        <p:blipFill>
-          <a:blip r:embed="rId2">
-            <a:alphaModFix amt="10000"/>
-            <a:extLst>
-              <a:ext uri="{28A0092B-C50C-407E-A947-70E740481C1C}">
-                <a14:useLocalDpi xmlns:a14="http://schemas.microsoft.com/office/drawing/2010/main" val="0"/>
-              </a:ext>
-            </a:extLst>
-          </a:blip>
-          <a:stretch>
-            <a:fillRect/>
-          </a:stretch>
-        </p:blipFill>
-        <p:spPr>
-          <a:xfrm>
-            <a:off x="0" y="0"/>
-            <a:ext cx="12192000" cy="6858000"/>
-          </a:xfrm>
-          <a:prstGeom prst="rect">
-            <a:avLst/>
-          </a:prstGeom>
-        </p:spPr>
-      </p:pic>
-      <p:pic>
-        <p:nvPicPr>
-          <p:cNvPr id="31" name="Picture 11">
-            <a:extLst>
-              <a:ext uri="{FF2B5EF4-FFF2-40B4-BE49-F238E27FC236}">
-                <a16:creationId xmlns:a16="http://schemas.microsoft.com/office/drawing/2014/main" id="{0146E45C-1450-4186-B501-74F221F897A8}"/>
-              </a:ext>
-              <a:ext uri="{C183D7F6-B498-43B3-948B-1728B52AA6E4}">
-                <adec:decorative xmlns:adec="http://schemas.microsoft.com/office/drawing/2017/decorative" val="1"/>
-              </a:ext>
-            </a:extLst>
-          </p:cNvPr>
-          <p:cNvPicPr>
-            <a:picLocks noGrp="1" noRot="1" noChangeAspect="1" noMove="1" noResize="1" noEditPoints="1" noAdjustHandles="1" noChangeArrowheads="1" noChangeShapeType="1" noCrop="1"/>
-          </p:cNvPicPr>
-          <p:nvPr>
-            <p:extLst>
-              <p:ext uri="{386F3935-93C4-4BCD-93E2-E3B085C9AB24}">
-                <p16:designElem xmlns:p16="http://schemas.microsoft.com/office/powerpoint/2015/main" val="1"/>
-              </p:ext>
-            </p:extLst>
-          </p:nvPr>
-        </p:nvPicPr>
-        <p:blipFill>
-          <a:blip r:embed="rId3">
-            <a:extLst>
-              <a:ext uri="{28A0092B-C50C-407E-A947-70E740481C1C}">
-                <a14:useLocalDpi xmlns:a14="http://schemas.microsoft.com/office/drawing/2010/main" val="0"/>
-              </a:ext>
-            </a:extLst>
-          </a:blip>
-          <a:stretch>
-            <a:fillRect/>
-          </a:stretch>
-        </p:blipFill>
-        <p:spPr>
-          <a:xfrm>
-            <a:off x="1" y="4242851"/>
-            <a:ext cx="8968084" cy="275942"/>
-          </a:xfrm>
-          <a:prstGeom prst="rect">
-            <a:avLst/>
-          </a:prstGeom>
-        </p:spPr>
-      </p:pic>
-      <p:pic>
-        <p:nvPicPr>
-          <p:cNvPr id="32" name="Picture 13">
-            <a:extLst>
-              <a:ext uri="{FF2B5EF4-FFF2-40B4-BE49-F238E27FC236}">
-                <a16:creationId xmlns:a16="http://schemas.microsoft.com/office/drawing/2014/main" id="{EEDDA48B-BC04-4915-ADA3-A1A9522EB0D1}"/>
-              </a:ext>
-              <a:ext uri="{C183D7F6-B498-43B3-948B-1728B52AA6E4}">
-                <adec:decorative xmlns:adec="http://schemas.microsoft.com/office/drawing/2017/decorative" val="1"/>
-              </a:ext>
-            </a:extLst>
-          </p:cNvPr>
-          <p:cNvPicPr>
-            <a:picLocks noGrp="1" noRot="1" noChangeAspect="1" noMove="1" noResize="1" noEditPoints="1" noAdjustHandles="1" noChangeArrowheads="1" noChangeShapeType="1" noCrop="1"/>
-          </p:cNvPicPr>
-          <p:nvPr>
-            <p:extLst>
-              <p:ext uri="{386F3935-93C4-4BCD-93E2-E3B085C9AB24}">
-                <p16:designElem xmlns:p16="http://schemas.microsoft.com/office/powerpoint/2015/main" val="1"/>
-              </p:ext>
-            </p:extLst>
-          </p:nvPr>
-        </p:nvPicPr>
-        <p:blipFill>
-          <a:blip r:embed="rId4">
-            <a:extLst>
-              <a:ext uri="{28A0092B-C50C-407E-A947-70E740481C1C}">
-                <a14:useLocalDpi xmlns:a14="http://schemas.microsoft.com/office/drawing/2010/main" val="0"/>
-              </a:ext>
-            </a:extLst>
-          </a:blip>
-          <a:stretch>
-            <a:fillRect/>
-          </a:stretch>
-        </p:blipFill>
-        <p:spPr>
-          <a:xfrm>
-            <a:off x="9111716" y="4243845"/>
-            <a:ext cx="3077108" cy="276940"/>
-          </a:xfrm>
-          <a:prstGeom prst="rect">
-            <a:avLst/>
-          </a:prstGeom>
-        </p:spPr>
-      </p:pic>
-      <p:sp>
-        <p:nvSpPr>
-          <p:cNvPr id="33" name="Rectangle 15">
-            <a:extLst>
-              <a:ext uri="{FF2B5EF4-FFF2-40B4-BE49-F238E27FC236}">
-                <a16:creationId xmlns:a16="http://schemas.microsoft.com/office/drawing/2014/main" id="{78C9D07A-5A22-4E55-B18A-47CF07E5080D}"/>
+                <a16:creationId xmlns:a16="http://schemas.microsoft.com/office/drawing/2014/main" id="{C610D2AE-07EF-436A-9755-AA8DF4B933A4}"/>
               </a:ext>
               <a:ext uri="{C183D7F6-B498-43B3-948B-1728B52AA6E4}">
                 <adec:decorative xmlns:adec="http://schemas.microsoft.com/office/drawing/2017/decorative" val="1"/>
@@ -28331,121 +26679,8 @@
         </p:nvSpPr>
         <p:spPr>
           <a:xfrm>
-            <a:off x="0" y="2590078"/>
-            <a:ext cx="8968085" cy="1660332"/>
-          </a:xfrm>
-          <a:prstGeom prst="rect">
-            <a:avLst/>
-          </a:prstGeom>
-          <a:solidFill>
-            <a:schemeClr val="bg1">
-              <a:lumMod val="85000"/>
-              <a:lumOff val="15000"/>
-            </a:schemeClr>
-          </a:solidFill>
-          <a:ln>
-            <a:noFill/>
-          </a:ln>
-        </p:spPr>
-        <p:style>
-          <a:lnRef idx="2">
-            <a:schemeClr val="accent1">
-              <a:shade val="50000"/>
-            </a:schemeClr>
-          </a:lnRef>
-          <a:fillRef idx="1">
-            <a:schemeClr val="accent1"/>
-          </a:fillRef>
-          <a:effectRef idx="0">
-            <a:schemeClr val="accent1"/>
-          </a:effectRef>
-          <a:fontRef idx="minor">
-            <a:schemeClr val="lt1"/>
-          </a:fontRef>
-        </p:style>
-      </p:sp>
-      <p:sp>
-        <p:nvSpPr>
-          <p:cNvPr id="34" name="Rectangle 17">
-            <a:extLst>
-              <a:ext uri="{FF2B5EF4-FFF2-40B4-BE49-F238E27FC236}">
-                <a16:creationId xmlns:a16="http://schemas.microsoft.com/office/drawing/2014/main" id="{3D71E629-0739-4A59-972B-A9E9A4500E31}"/>
-              </a:ext>
-              <a:ext uri="{C183D7F6-B498-43B3-948B-1728B52AA6E4}">
-                <adec:decorative xmlns:adec="http://schemas.microsoft.com/office/drawing/2017/decorative" val="1"/>
-              </a:ext>
-            </a:extLst>
-          </p:cNvPr>
-          <p:cNvSpPr>
-            <a:spLocks noGrp="1" noRot="1" noChangeAspect="1" noMove="1" noResize="1" noEditPoints="1" noAdjustHandles="1" noChangeArrowheads="1" noChangeShapeType="1" noTextEdit="1"/>
-          </p:cNvSpPr>
-          <p:nvPr>
-            <p:extLst>
-              <p:ext uri="{386F3935-93C4-4BCD-93E2-E3B085C9AB24}">
-                <p16:designElem xmlns:p16="http://schemas.microsoft.com/office/powerpoint/2015/main" val="1"/>
-              </p:ext>
-            </p:extLst>
-          </p:nvPr>
-        </p:nvSpPr>
-        <p:spPr>
-          <a:xfrm>
-            <a:off x="9111715" y="2590078"/>
-            <a:ext cx="3077109" cy="1660332"/>
-          </a:xfrm>
-          <a:prstGeom prst="rect">
-            <a:avLst/>
-          </a:prstGeom>
-          <a:solidFill>
-            <a:schemeClr val="accent1"/>
-          </a:solidFill>
-          <a:ln>
-            <a:noFill/>
-          </a:ln>
-        </p:spPr>
-        <p:style>
-          <a:lnRef idx="2">
-            <a:schemeClr val="accent1">
-              <a:shade val="50000"/>
-            </a:schemeClr>
-          </a:lnRef>
-          <a:fillRef idx="1">
-            <a:schemeClr val="accent1"/>
-          </a:fillRef>
-          <a:effectRef idx="0">
-            <a:schemeClr val="accent1"/>
-          </a:effectRef>
-          <a:fontRef idx="minor">
-            <a:schemeClr val="lt1"/>
-          </a:fontRef>
-        </p:style>
-      </p:sp>
-      <p:sp useBgFill="1">
-        <p:nvSpPr>
-          <p:cNvPr id="35" name="Rectangle 19">
-            <a:extLst>
-              <a:ext uri="{FF2B5EF4-FFF2-40B4-BE49-F238E27FC236}">
-                <a16:creationId xmlns:a16="http://schemas.microsoft.com/office/drawing/2014/main" id="{00573A24-AD84-4562-A993-7D04E1D18209}"/>
-              </a:ext>
-              <a:ext uri="{C183D7F6-B498-43B3-948B-1728B52AA6E4}">
-                <adec:decorative xmlns:adec="http://schemas.microsoft.com/office/drawing/2017/decorative" val="1"/>
-              </a:ext>
-            </a:extLst>
-          </p:cNvPr>
-          <p:cNvSpPr>
-            <a:spLocks noGrp="1" noRot="1" noChangeAspect="1" noMove="1" noResize="1" noEditPoints="1" noAdjustHandles="1" noChangeArrowheads="1" noChangeShapeType="1" noTextEdit="1"/>
-          </p:cNvSpPr>
-          <p:nvPr>
-            <p:extLst>
-              <p:ext uri="{386F3935-93C4-4BCD-93E2-E3B085C9AB24}">
-                <p16:designElem xmlns:p16="http://schemas.microsoft.com/office/powerpoint/2015/main" val="1"/>
-              </p:ext>
-            </p:extLst>
-          </p:nvPr>
-        </p:nvSpPr>
-        <p:spPr>
-          <a:xfrm>
-            <a:off x="0" y="0"/>
-            <a:ext cx="12188824" cy="6858000"/>
+            <a:off x="0" y="-1"/>
+            <a:ext cx="12188824" cy="6858001"/>
           </a:xfrm>
           <a:prstGeom prst="rect">
             <a:avLst/>
@@ -28481,10 +26716,10 @@
       </p:sp>
       <p:pic>
         <p:nvPicPr>
-          <p:cNvPr id="36" name="Picture 21">
+          <p:cNvPr id="19" name="Picture 18">
             <a:extLst>
               <a:ext uri="{FF2B5EF4-FFF2-40B4-BE49-F238E27FC236}">
-                <a16:creationId xmlns:a16="http://schemas.microsoft.com/office/drawing/2014/main" id="{B3C087F8-F09C-4C07-B55F-6081689A2413}"/>
+                <a16:creationId xmlns:a16="http://schemas.microsoft.com/office/drawing/2014/main" id="{6CACDD17-9043-46DF-882D-420365B79C18}"/>
               </a:ext>
               <a:ext uri="{C183D7F6-B498-43B3-948B-1728B52AA6E4}">
                 <adec:decorative xmlns:adec="http://schemas.microsoft.com/office/drawing/2017/decorative" val="1"/>
@@ -28527,10 +26762,10 @@
       </p:pic>
       <p:sp>
         <p:nvSpPr>
-          <p:cNvPr id="37" name="Rectangle 23">
+          <p:cNvPr id="21" name="Rectangle 20">
             <a:extLst>
               <a:ext uri="{FF2B5EF4-FFF2-40B4-BE49-F238E27FC236}">
-                <a16:creationId xmlns:a16="http://schemas.microsoft.com/office/drawing/2014/main" id="{FC49D257-5737-4C0D-89EA-9C311AF2B8B5}"/>
+                <a16:creationId xmlns:a16="http://schemas.microsoft.com/office/drawing/2014/main" id="{CF2D8AD5-434A-4C0E-9F5B-C1AFD645F364}"/>
               </a:ext>
               <a:ext uri="{C183D7F6-B498-43B3-948B-1728B52AA6E4}">
                 <adec:decorative xmlns:adec="http://schemas.microsoft.com/office/drawing/2017/decorative" val="1"/>
@@ -28548,115 +26783,10 @@
             </p:extLst>
           </p:nvPr>
         </p:nvSpPr>
-        <p:spPr>
+        <p:spPr bwMode="grayWhite">
           <a:xfrm>
-            <a:off x="6099176" y="0"/>
-            <a:ext cx="6092824" cy="6858001"/>
-          </a:xfrm>
-          <a:prstGeom prst="rect">
-            <a:avLst/>
-          </a:prstGeom>
-          <a:ln>
-            <a:noFill/>
-          </a:ln>
-        </p:spPr>
-        <p:style>
-          <a:lnRef idx="2">
-            <a:schemeClr val="accent1">
-              <a:shade val="50000"/>
-            </a:schemeClr>
-          </a:lnRef>
-          <a:fillRef idx="1">
-            <a:schemeClr val="accent1"/>
-          </a:fillRef>
-          <a:effectRef idx="0">
-            <a:schemeClr val="accent1"/>
-          </a:effectRef>
-          <a:fontRef idx="minor">
-            <a:schemeClr val="lt1"/>
-          </a:fontRef>
-        </p:style>
-        <p:txBody>
-          <a:bodyPr rtlCol="0" anchor="ctr"/>
-          <a:lstStyle/>
-          <a:p>
-            <a:pPr algn="ctr"/>
-            <a:endParaRPr lang="en-US"/>
-          </a:p>
-        </p:txBody>
-      </p:sp>
-      <p:pic>
-        <p:nvPicPr>
-          <p:cNvPr id="38" name="Picture 25">
-            <a:extLst>
-              <a:ext uri="{FF2B5EF4-FFF2-40B4-BE49-F238E27FC236}">
-                <a16:creationId xmlns:a16="http://schemas.microsoft.com/office/drawing/2014/main" id="{E13D267A-94F5-488A-94C6-5D7156D9AF8C}"/>
-              </a:ext>
-              <a:ext uri="{C183D7F6-B498-43B3-948B-1728B52AA6E4}">
-                <adec:decorative xmlns:adec="http://schemas.microsoft.com/office/drawing/2017/decorative" val="1"/>
-              </a:ext>
-            </a:extLst>
-          </p:cNvPr>
-          <p:cNvPicPr>
-            <a:picLocks noGrp="1" noRot="1" noChangeAspect="1" noMove="1" noResize="1" noEditPoints="1" noAdjustHandles="1" noChangeArrowheads="1" noChangeShapeType="1" noCrop="1"/>
-          </p:cNvPicPr>
-          <p:nvPr>
-            <p:extLst>
-              <p:ext uri="{386F3935-93C4-4BCD-93E2-E3B085C9AB24}">
-                <p16:designElem xmlns:p16="http://schemas.microsoft.com/office/powerpoint/2015/main" val="1"/>
-              </p:ext>
-            </p:extLst>
-          </p:nvPr>
-        </p:nvPicPr>
-        <p:blipFill>
-          <a:blip r:embed="rId3">
-            <a:extLst>
-              <a:ext uri="{28A0092B-C50C-407E-A947-70E740481C1C}">
-                <a14:useLocalDpi xmlns:a14="http://schemas.microsoft.com/office/drawing/2010/main" val="0"/>
-              </a:ext>
-            </a:extLst>
-          </a:blip>
-          <a:stretch>
-            <a:fillRect/>
-          </a:stretch>
-        </p:blipFill>
-        <p:spPr>
-          <a:xfrm>
-            <a:off x="1" y="4688333"/>
-            <a:ext cx="6400800" cy="185701"/>
-          </a:xfrm>
-          <a:prstGeom prst="rect">
-            <a:avLst/>
-          </a:prstGeom>
-        </p:spPr>
-      </p:pic>
-      <p:sp>
-        <p:nvSpPr>
-          <p:cNvPr id="39" name="Rectangle 27">
-            <a:extLst>
-              <a:ext uri="{FF2B5EF4-FFF2-40B4-BE49-F238E27FC236}">
-                <a16:creationId xmlns:a16="http://schemas.microsoft.com/office/drawing/2014/main" id="{46CE3EB2-91DF-4F5D-8874-744AAAE311E1}"/>
-              </a:ext>
-              <a:ext uri="{C183D7F6-B498-43B3-948B-1728B52AA6E4}">
-                <adec:decorative xmlns:adec="http://schemas.microsoft.com/office/drawing/2017/decorative" val="1"/>
-              </a:ext>
-            </a:extLst>
-          </p:cNvPr>
-          <p:cNvSpPr>
-            <a:spLocks noGrp="1" noRot="1" noChangeAspect="1" noMove="1" noResize="1" noEditPoints="1" noAdjustHandles="1" noChangeArrowheads="1" noChangeShapeType="1" noTextEdit="1"/>
-          </p:cNvSpPr>
-          <p:nvPr>
-            <p:extLst>
-              <p:ext uri="{386F3935-93C4-4BCD-93E2-E3B085C9AB24}">
-                <p16:designElem xmlns:p16="http://schemas.microsoft.com/office/powerpoint/2015/main" val="1"/>
-              </p:ext>
-            </p:extLst>
-          </p:nvPr>
-        </p:nvSpPr>
-        <p:spPr>
-          <a:xfrm>
-            <a:off x="-1" y="2162908"/>
-            <a:ext cx="6411743" cy="2532185"/>
+            <a:off x="2" y="609600"/>
+            <a:ext cx="4959094" cy="1368198"/>
           </a:xfrm>
           <a:prstGeom prst="rect">
             <a:avLst/>
@@ -28693,7 +26823,7 @@
           <p:cNvPr id="2" name="Tytuł 1">
             <a:extLst>
               <a:ext uri="{FF2B5EF4-FFF2-40B4-BE49-F238E27FC236}">
-                <a16:creationId xmlns:a16="http://schemas.microsoft.com/office/drawing/2014/main" id="{EC002D38-331E-4C43-851E-7B2A0C90C1DA}"/>
+                <a16:creationId xmlns:a16="http://schemas.microsoft.com/office/drawing/2014/main" id="{B5A9FDC3-8BB5-4F7D-B15D-D49036E8B298}"/>
               </a:ext>
             </a:extLst>
           </p:cNvPr>
@@ -28706,30 +26836,147 @@
         </p:nvSpPr>
         <p:spPr>
           <a:xfrm>
-            <a:off x="680322" y="2403231"/>
-            <a:ext cx="5192940" cy="2133600"/>
+            <a:off x="680321" y="753228"/>
+            <a:ext cx="4136123" cy="1080938"/>
           </a:xfrm>
         </p:spPr>
         <p:txBody>
-          <a:bodyPr vert="horz" lIns="91440" tIns="45720" rIns="91440" bIns="45720" rtlCol="0" anchor="ctr">
+          <a:bodyPr>
             <a:normAutofit/>
           </a:bodyPr>
           <a:lstStyle/>
           <a:p>
-            <a:pPr algn="r"/>
-            <a:r>
-              <a:rPr lang="en-US" sz="5400"/>
-              <a:t>Bilans miesięczny</a:t>
+            <a:r>
+              <a:rPr lang="pl-PL" dirty="0"/>
+              <a:t>Koszty zewnętrzne</a:t>
             </a:r>
           </a:p>
         </p:txBody>
       </p:sp>
       <p:pic>
         <p:nvPicPr>
-          <p:cNvPr id="5" name="Grafika 4">
+          <p:cNvPr id="23" name="Picture 22">
             <a:extLst>
               <a:ext uri="{FF2B5EF4-FFF2-40B4-BE49-F238E27FC236}">
-                <a16:creationId xmlns:a16="http://schemas.microsoft.com/office/drawing/2014/main" id="{2F61A690-F5F3-4AA6-B68E-5A767D06FED7}"/>
+                <a16:creationId xmlns:a16="http://schemas.microsoft.com/office/drawing/2014/main" id="{E92B246D-47CC-40F8-8DE7-B65D409E945E}"/>
+              </a:ext>
+              <a:ext uri="{C183D7F6-B498-43B3-948B-1728B52AA6E4}">
+                <adec:decorative xmlns:adec="http://schemas.microsoft.com/office/drawing/2017/decorative" val="1"/>
+              </a:ext>
+            </a:extLst>
+          </p:cNvPr>
+          <p:cNvPicPr>
+            <a:picLocks noGrp="1" noRot="1" noChangeAspect="1" noMove="1" noResize="1" noEditPoints="1" noAdjustHandles="1" noChangeArrowheads="1" noChangeShapeType="1" noCrop="1"/>
+          </p:cNvPicPr>
+          <p:nvPr>
+            <p:extLst>
+              <p:ext uri="{386F3935-93C4-4BCD-93E2-E3B085C9AB24}">
+                <p16:designElem xmlns:p16="http://schemas.microsoft.com/office/powerpoint/2015/main" val="1"/>
+              </p:ext>
+            </p:extLst>
+          </p:nvPr>
+        </p:nvPicPr>
+        <p:blipFill>
+          <a:blip r:embed="rId3">
+            <a:extLst>
+              <a:ext uri="{28A0092B-C50C-407E-A947-70E740481C1C}">
+                <a14:useLocalDpi xmlns:a14="http://schemas.microsoft.com/office/drawing/2010/main" val="0"/>
+              </a:ext>
+            </a:extLst>
+          </a:blip>
+          <a:stretch>
+            <a:fillRect/>
+          </a:stretch>
+        </p:blipFill>
+        <p:spPr>
+          <a:xfrm>
+            <a:off x="2" y="1970241"/>
+            <a:ext cx="4956048" cy="199787"/>
+          </a:xfrm>
+          <a:prstGeom prst="rect">
+            <a:avLst/>
+          </a:prstGeom>
+        </p:spPr>
+      </p:pic>
+      <p:sp>
+        <p:nvSpPr>
+          <p:cNvPr id="3" name="Symbol zastępczy numeru slajdu 2">
+            <a:extLst>
+              <a:ext uri="{FF2B5EF4-FFF2-40B4-BE49-F238E27FC236}">
+                <a16:creationId xmlns:a16="http://schemas.microsoft.com/office/drawing/2014/main" id="{7485CBDF-47FC-4483-AD93-93C47AAB5FAF}"/>
+              </a:ext>
+            </a:extLst>
+          </p:cNvPr>
+          <p:cNvSpPr>
+            <a:spLocks noGrp="1"/>
+          </p:cNvSpPr>
+          <p:nvPr>
+            <p:ph type="sldNum" sz="quarter" idx="12"/>
+          </p:nvPr>
+        </p:nvSpPr>
+        <p:spPr>
+          <a:xfrm>
+            <a:off x="10900372" y="6310314"/>
+            <a:ext cx="914400" cy="365122"/>
+          </a:xfrm>
+        </p:spPr>
+        <p:txBody>
+          <a:bodyPr>
+            <a:noAutofit/>
+          </a:bodyPr>
+          <a:lstStyle/>
+          <a:p>
+            <a:pPr>
+              <a:spcAft>
+                <a:spcPts val="600"/>
+              </a:spcAft>
+            </a:pPr>
+            <a:r>
+              <a:rPr lang="pl-PL" sz="1800" dirty="0">
+                <a:solidFill>
+                  <a:schemeClr val="tx1"/>
+                </a:solidFill>
+              </a:rPr>
+              <a:t>25</a:t>
+            </a:r>
+          </a:p>
+        </p:txBody>
+      </p:sp>
+      <p:pic>
+        <p:nvPicPr>
+          <p:cNvPr id="9" name="Symbol zastępczy zawartości 8">
+            <a:extLst>
+              <a:ext uri="{FF2B5EF4-FFF2-40B4-BE49-F238E27FC236}">
+                <a16:creationId xmlns:a16="http://schemas.microsoft.com/office/drawing/2014/main" id="{3A1C427B-BA30-48FD-9852-E878C0D1B32C}"/>
+              </a:ext>
+            </a:extLst>
+          </p:cNvPr>
+          <p:cNvPicPr>
+            <a:picLocks noGrp="1" noChangeAspect="1"/>
+          </p:cNvPicPr>
+          <p:nvPr>
+            <p:ph idx="1"/>
+          </p:nvPr>
+        </p:nvPicPr>
+        <p:blipFill>
+          <a:blip r:embed="rId4"/>
+          <a:stretch>
+            <a:fillRect/>
+          </a:stretch>
+        </p:blipFill>
+        <p:spPr>
+          <a:xfrm>
+            <a:off x="7008991" y="2070134"/>
+            <a:ext cx="4348581" cy="1873235"/>
+          </a:xfrm>
+        </p:spPr>
+      </p:pic>
+      <p:pic>
+        <p:nvPicPr>
+          <p:cNvPr id="13" name="Grafika 12">
+            <a:extLst>
+              <a:ext uri="{FF2B5EF4-FFF2-40B4-BE49-F238E27FC236}">
+                <a16:creationId xmlns:a16="http://schemas.microsoft.com/office/drawing/2014/main" id="{7AF0066C-C8E9-4273-8654-1451E1C327BE}"/>
               </a:ext>
             </a:extLst>
           </p:cNvPr>
@@ -28755,77 +27002,18 @@
         </p:blipFill>
         <p:spPr>
           <a:xfrm>
-            <a:off x="6945550" y="107485"/>
-            <a:ext cx="4566128" cy="6397045"/>
+            <a:off x="185947" y="2306103"/>
+            <a:ext cx="10528478" cy="4497089"/>
           </a:xfrm>
           <a:prstGeom prst="rect">
             <a:avLst/>
           </a:prstGeom>
-          <a:ln>
-            <a:noFill/>
-          </a:ln>
-          <a:effectLst>
-            <a:outerShdw blurRad="76200" dist="63500" dir="5040000" algn="tl" rotWithShape="0">
-              <a:srgbClr val="000000">
-                <a:alpha val="41000"/>
-              </a:srgbClr>
-            </a:outerShdw>
-          </a:effectLst>
         </p:spPr>
       </p:pic>
-      <p:sp>
-        <p:nvSpPr>
-          <p:cNvPr id="3" name="Symbol zastępczy numeru slajdu 2">
-            <a:extLst>
-              <a:ext uri="{FF2B5EF4-FFF2-40B4-BE49-F238E27FC236}">
-                <a16:creationId xmlns:a16="http://schemas.microsoft.com/office/drawing/2014/main" id="{F96FB45D-B546-4536-A467-43CC7AC9705E}"/>
-              </a:ext>
-            </a:extLst>
-          </p:cNvPr>
-          <p:cNvSpPr>
-            <a:spLocks noGrp="1"/>
-          </p:cNvSpPr>
-          <p:nvPr>
-            <p:ph type="sldNum" sz="quarter" idx="12"/>
-          </p:nvPr>
-        </p:nvSpPr>
-        <p:spPr>
-          <a:xfrm>
-            <a:off x="11281776" y="6336872"/>
-            <a:ext cx="722655" cy="365760"/>
-          </a:xfrm>
-        </p:spPr>
-        <p:txBody>
-          <a:bodyPr vert="horz" lIns="91440" tIns="45720" rIns="91440" bIns="45720" rtlCol="0" anchor="ctr">
-            <a:normAutofit/>
-          </a:bodyPr>
-          <a:lstStyle/>
-          <a:p>
-            <a:pPr defTabSz="914400">
-              <a:spcAft>
-                <a:spcPts val="600"/>
-              </a:spcAft>
-            </a:pPr>
-            <a:r>
-              <a:rPr lang="pl-PL" sz="1400" dirty="0">
-                <a:solidFill>
-                  <a:srgbClr val="FFFFFF"/>
-                </a:solidFill>
-              </a:rPr>
-              <a:t>25</a:t>
-            </a:r>
-            <a:endParaRPr lang="en-US" sz="1400" dirty="0">
-              <a:solidFill>
-                <a:srgbClr val="FFFFFF"/>
-              </a:solidFill>
-            </a:endParaRPr>
-          </a:p>
-        </p:txBody>
-      </p:sp>
     </p:spTree>
     <p:extLst>
       <p:ext uri="{BB962C8B-B14F-4D97-AF65-F5344CB8AC3E}">
-        <p14:creationId xmlns:p14="http://schemas.microsoft.com/office/powerpoint/2010/main" val="318629951"/>
+        <p14:creationId xmlns:p14="http://schemas.microsoft.com/office/powerpoint/2010/main" val="2378121394"/>
       </p:ext>
     </p:extLst>
   </p:cSld>
@@ -28889,6 +27077,723 @@
       </p:grpSpPr>
       <p:pic>
         <p:nvPicPr>
+          <p:cNvPr id="30" name="Picture 9">
+            <a:extLst>
+              <a:ext uri="{FF2B5EF4-FFF2-40B4-BE49-F238E27FC236}">
+                <a16:creationId xmlns:a16="http://schemas.microsoft.com/office/drawing/2014/main" id="{5321D838-2C7E-4177-9DD3-DAC78324A2B2}"/>
+              </a:ext>
+              <a:ext uri="{C183D7F6-B498-43B3-948B-1728B52AA6E4}">
+                <adec:decorative xmlns:adec="http://schemas.microsoft.com/office/drawing/2017/decorative" val="1"/>
+              </a:ext>
+            </a:extLst>
+          </p:cNvPr>
+          <p:cNvPicPr>
+            <a:picLocks noGrp="1" noRot="1" noChangeAspect="1" noMove="1" noResize="1" noEditPoints="1" noAdjustHandles="1" noChangeArrowheads="1" noChangeShapeType="1" noCrop="1"/>
+          </p:cNvPicPr>
+          <p:nvPr>
+            <p:extLst>
+              <p:ext uri="{386F3935-93C4-4BCD-93E2-E3B085C9AB24}">
+                <p16:designElem xmlns:p16="http://schemas.microsoft.com/office/powerpoint/2015/main" val="1"/>
+              </p:ext>
+            </p:extLst>
+          </p:nvPr>
+        </p:nvPicPr>
+        <p:blipFill>
+          <a:blip r:embed="rId2">
+            <a:alphaModFix amt="10000"/>
+            <a:extLst>
+              <a:ext uri="{28A0092B-C50C-407E-A947-70E740481C1C}">
+                <a14:useLocalDpi xmlns:a14="http://schemas.microsoft.com/office/drawing/2010/main" val="0"/>
+              </a:ext>
+            </a:extLst>
+          </a:blip>
+          <a:stretch>
+            <a:fillRect/>
+          </a:stretch>
+        </p:blipFill>
+        <p:spPr>
+          <a:xfrm>
+            <a:off x="0" y="0"/>
+            <a:ext cx="12192000" cy="6858000"/>
+          </a:xfrm>
+          <a:prstGeom prst="rect">
+            <a:avLst/>
+          </a:prstGeom>
+        </p:spPr>
+      </p:pic>
+      <p:pic>
+        <p:nvPicPr>
+          <p:cNvPr id="31" name="Picture 11">
+            <a:extLst>
+              <a:ext uri="{FF2B5EF4-FFF2-40B4-BE49-F238E27FC236}">
+                <a16:creationId xmlns:a16="http://schemas.microsoft.com/office/drawing/2014/main" id="{0146E45C-1450-4186-B501-74F221F897A8}"/>
+              </a:ext>
+              <a:ext uri="{C183D7F6-B498-43B3-948B-1728B52AA6E4}">
+                <adec:decorative xmlns:adec="http://schemas.microsoft.com/office/drawing/2017/decorative" val="1"/>
+              </a:ext>
+            </a:extLst>
+          </p:cNvPr>
+          <p:cNvPicPr>
+            <a:picLocks noGrp="1" noRot="1" noChangeAspect="1" noMove="1" noResize="1" noEditPoints="1" noAdjustHandles="1" noChangeArrowheads="1" noChangeShapeType="1" noCrop="1"/>
+          </p:cNvPicPr>
+          <p:nvPr>
+            <p:extLst>
+              <p:ext uri="{386F3935-93C4-4BCD-93E2-E3B085C9AB24}">
+                <p16:designElem xmlns:p16="http://schemas.microsoft.com/office/powerpoint/2015/main" val="1"/>
+              </p:ext>
+            </p:extLst>
+          </p:nvPr>
+        </p:nvPicPr>
+        <p:blipFill>
+          <a:blip r:embed="rId3">
+            <a:extLst>
+              <a:ext uri="{28A0092B-C50C-407E-A947-70E740481C1C}">
+                <a14:useLocalDpi xmlns:a14="http://schemas.microsoft.com/office/drawing/2010/main" val="0"/>
+              </a:ext>
+            </a:extLst>
+          </a:blip>
+          <a:stretch>
+            <a:fillRect/>
+          </a:stretch>
+        </p:blipFill>
+        <p:spPr>
+          <a:xfrm>
+            <a:off x="1" y="4242851"/>
+            <a:ext cx="8968084" cy="275942"/>
+          </a:xfrm>
+          <a:prstGeom prst="rect">
+            <a:avLst/>
+          </a:prstGeom>
+        </p:spPr>
+      </p:pic>
+      <p:pic>
+        <p:nvPicPr>
+          <p:cNvPr id="32" name="Picture 13">
+            <a:extLst>
+              <a:ext uri="{FF2B5EF4-FFF2-40B4-BE49-F238E27FC236}">
+                <a16:creationId xmlns:a16="http://schemas.microsoft.com/office/drawing/2014/main" id="{EEDDA48B-BC04-4915-ADA3-A1A9522EB0D1}"/>
+              </a:ext>
+              <a:ext uri="{C183D7F6-B498-43B3-948B-1728B52AA6E4}">
+                <adec:decorative xmlns:adec="http://schemas.microsoft.com/office/drawing/2017/decorative" val="1"/>
+              </a:ext>
+            </a:extLst>
+          </p:cNvPr>
+          <p:cNvPicPr>
+            <a:picLocks noGrp="1" noRot="1" noChangeAspect="1" noMove="1" noResize="1" noEditPoints="1" noAdjustHandles="1" noChangeArrowheads="1" noChangeShapeType="1" noCrop="1"/>
+          </p:cNvPicPr>
+          <p:nvPr>
+            <p:extLst>
+              <p:ext uri="{386F3935-93C4-4BCD-93E2-E3B085C9AB24}">
+                <p16:designElem xmlns:p16="http://schemas.microsoft.com/office/powerpoint/2015/main" val="1"/>
+              </p:ext>
+            </p:extLst>
+          </p:nvPr>
+        </p:nvPicPr>
+        <p:blipFill>
+          <a:blip r:embed="rId4">
+            <a:extLst>
+              <a:ext uri="{28A0092B-C50C-407E-A947-70E740481C1C}">
+                <a14:useLocalDpi xmlns:a14="http://schemas.microsoft.com/office/drawing/2010/main" val="0"/>
+              </a:ext>
+            </a:extLst>
+          </a:blip>
+          <a:stretch>
+            <a:fillRect/>
+          </a:stretch>
+        </p:blipFill>
+        <p:spPr>
+          <a:xfrm>
+            <a:off x="9111716" y="4243845"/>
+            <a:ext cx="3077108" cy="276940"/>
+          </a:xfrm>
+          <a:prstGeom prst="rect">
+            <a:avLst/>
+          </a:prstGeom>
+        </p:spPr>
+      </p:pic>
+      <p:sp>
+        <p:nvSpPr>
+          <p:cNvPr id="33" name="Rectangle 15">
+            <a:extLst>
+              <a:ext uri="{FF2B5EF4-FFF2-40B4-BE49-F238E27FC236}">
+                <a16:creationId xmlns:a16="http://schemas.microsoft.com/office/drawing/2014/main" id="{78C9D07A-5A22-4E55-B18A-47CF07E5080D}"/>
+              </a:ext>
+              <a:ext uri="{C183D7F6-B498-43B3-948B-1728B52AA6E4}">
+                <adec:decorative xmlns:adec="http://schemas.microsoft.com/office/drawing/2017/decorative" val="1"/>
+              </a:ext>
+            </a:extLst>
+          </p:cNvPr>
+          <p:cNvSpPr>
+            <a:spLocks noGrp="1" noRot="1" noChangeAspect="1" noMove="1" noResize="1" noEditPoints="1" noAdjustHandles="1" noChangeArrowheads="1" noChangeShapeType="1" noTextEdit="1"/>
+          </p:cNvSpPr>
+          <p:nvPr>
+            <p:extLst>
+              <p:ext uri="{386F3935-93C4-4BCD-93E2-E3B085C9AB24}">
+                <p16:designElem xmlns:p16="http://schemas.microsoft.com/office/powerpoint/2015/main" val="1"/>
+              </p:ext>
+            </p:extLst>
+          </p:nvPr>
+        </p:nvSpPr>
+        <p:spPr>
+          <a:xfrm>
+            <a:off x="0" y="2590078"/>
+            <a:ext cx="8968085" cy="1660332"/>
+          </a:xfrm>
+          <a:prstGeom prst="rect">
+            <a:avLst/>
+          </a:prstGeom>
+          <a:solidFill>
+            <a:schemeClr val="bg1">
+              <a:lumMod val="85000"/>
+              <a:lumOff val="15000"/>
+            </a:schemeClr>
+          </a:solidFill>
+          <a:ln>
+            <a:noFill/>
+          </a:ln>
+        </p:spPr>
+        <p:style>
+          <a:lnRef idx="2">
+            <a:schemeClr val="accent1">
+              <a:shade val="50000"/>
+            </a:schemeClr>
+          </a:lnRef>
+          <a:fillRef idx="1">
+            <a:schemeClr val="accent1"/>
+          </a:fillRef>
+          <a:effectRef idx="0">
+            <a:schemeClr val="accent1"/>
+          </a:effectRef>
+          <a:fontRef idx="minor">
+            <a:schemeClr val="lt1"/>
+          </a:fontRef>
+        </p:style>
+      </p:sp>
+      <p:sp>
+        <p:nvSpPr>
+          <p:cNvPr id="34" name="Rectangle 17">
+            <a:extLst>
+              <a:ext uri="{FF2B5EF4-FFF2-40B4-BE49-F238E27FC236}">
+                <a16:creationId xmlns:a16="http://schemas.microsoft.com/office/drawing/2014/main" id="{3D71E629-0739-4A59-972B-A9E9A4500E31}"/>
+              </a:ext>
+              <a:ext uri="{C183D7F6-B498-43B3-948B-1728B52AA6E4}">
+                <adec:decorative xmlns:adec="http://schemas.microsoft.com/office/drawing/2017/decorative" val="1"/>
+              </a:ext>
+            </a:extLst>
+          </p:cNvPr>
+          <p:cNvSpPr>
+            <a:spLocks noGrp="1" noRot="1" noChangeAspect="1" noMove="1" noResize="1" noEditPoints="1" noAdjustHandles="1" noChangeArrowheads="1" noChangeShapeType="1" noTextEdit="1"/>
+          </p:cNvSpPr>
+          <p:nvPr>
+            <p:extLst>
+              <p:ext uri="{386F3935-93C4-4BCD-93E2-E3B085C9AB24}">
+                <p16:designElem xmlns:p16="http://schemas.microsoft.com/office/powerpoint/2015/main" val="1"/>
+              </p:ext>
+            </p:extLst>
+          </p:nvPr>
+        </p:nvSpPr>
+        <p:spPr>
+          <a:xfrm>
+            <a:off x="9111715" y="2590078"/>
+            <a:ext cx="3077109" cy="1660332"/>
+          </a:xfrm>
+          <a:prstGeom prst="rect">
+            <a:avLst/>
+          </a:prstGeom>
+          <a:solidFill>
+            <a:schemeClr val="accent1"/>
+          </a:solidFill>
+          <a:ln>
+            <a:noFill/>
+          </a:ln>
+        </p:spPr>
+        <p:style>
+          <a:lnRef idx="2">
+            <a:schemeClr val="accent1">
+              <a:shade val="50000"/>
+            </a:schemeClr>
+          </a:lnRef>
+          <a:fillRef idx="1">
+            <a:schemeClr val="accent1"/>
+          </a:fillRef>
+          <a:effectRef idx="0">
+            <a:schemeClr val="accent1"/>
+          </a:effectRef>
+          <a:fontRef idx="minor">
+            <a:schemeClr val="lt1"/>
+          </a:fontRef>
+        </p:style>
+      </p:sp>
+      <p:sp useBgFill="1">
+        <p:nvSpPr>
+          <p:cNvPr id="35" name="Rectangle 19">
+            <a:extLst>
+              <a:ext uri="{FF2B5EF4-FFF2-40B4-BE49-F238E27FC236}">
+                <a16:creationId xmlns:a16="http://schemas.microsoft.com/office/drawing/2014/main" id="{00573A24-AD84-4562-A993-7D04E1D18209}"/>
+              </a:ext>
+              <a:ext uri="{C183D7F6-B498-43B3-948B-1728B52AA6E4}">
+                <adec:decorative xmlns:adec="http://schemas.microsoft.com/office/drawing/2017/decorative" val="1"/>
+              </a:ext>
+            </a:extLst>
+          </p:cNvPr>
+          <p:cNvSpPr>
+            <a:spLocks noGrp="1" noRot="1" noChangeAspect="1" noMove="1" noResize="1" noEditPoints="1" noAdjustHandles="1" noChangeArrowheads="1" noChangeShapeType="1" noTextEdit="1"/>
+          </p:cNvSpPr>
+          <p:nvPr>
+            <p:extLst>
+              <p:ext uri="{386F3935-93C4-4BCD-93E2-E3B085C9AB24}">
+                <p16:designElem xmlns:p16="http://schemas.microsoft.com/office/powerpoint/2015/main" val="1"/>
+              </p:ext>
+            </p:extLst>
+          </p:nvPr>
+        </p:nvSpPr>
+        <p:spPr>
+          <a:xfrm>
+            <a:off x="0" y="0"/>
+            <a:ext cx="12188824" cy="6858000"/>
+          </a:xfrm>
+          <a:prstGeom prst="rect">
+            <a:avLst/>
+          </a:prstGeom>
+          <a:ln>
+            <a:noFill/>
+          </a:ln>
+        </p:spPr>
+        <p:style>
+          <a:lnRef idx="2">
+            <a:schemeClr val="accent1">
+              <a:shade val="50000"/>
+            </a:schemeClr>
+          </a:lnRef>
+          <a:fillRef idx="1">
+            <a:schemeClr val="accent1"/>
+          </a:fillRef>
+          <a:effectRef idx="0">
+            <a:schemeClr val="accent1"/>
+          </a:effectRef>
+          <a:fontRef idx="minor">
+            <a:schemeClr val="lt1"/>
+          </a:fontRef>
+        </p:style>
+        <p:txBody>
+          <a:bodyPr rtlCol="0" anchor="ctr"/>
+          <a:lstStyle/>
+          <a:p>
+            <a:pPr algn="ctr"/>
+            <a:endParaRPr lang="en-US"/>
+          </a:p>
+        </p:txBody>
+      </p:sp>
+      <p:pic>
+        <p:nvPicPr>
+          <p:cNvPr id="36" name="Picture 21">
+            <a:extLst>
+              <a:ext uri="{FF2B5EF4-FFF2-40B4-BE49-F238E27FC236}">
+                <a16:creationId xmlns:a16="http://schemas.microsoft.com/office/drawing/2014/main" id="{B3C087F8-F09C-4C07-B55F-6081689A2413}"/>
+              </a:ext>
+              <a:ext uri="{C183D7F6-B498-43B3-948B-1728B52AA6E4}">
+                <adec:decorative xmlns:adec="http://schemas.microsoft.com/office/drawing/2017/decorative" val="1"/>
+              </a:ext>
+            </a:extLst>
+          </p:cNvPr>
+          <p:cNvPicPr>
+            <a:picLocks noGrp="1" noRot="1" noChangeAspect="1" noMove="1" noResize="1" noEditPoints="1" noAdjustHandles="1" noChangeArrowheads="1" noChangeShapeType="1" noCrop="1"/>
+          </p:cNvPicPr>
+          <p:nvPr>
+            <p:extLst>
+              <p:ext uri="{386F3935-93C4-4BCD-93E2-E3B085C9AB24}">
+                <p16:designElem xmlns:p16="http://schemas.microsoft.com/office/powerpoint/2015/main" val="1"/>
+              </p:ext>
+            </p:extLst>
+          </p:nvPr>
+        </p:nvPicPr>
+        <p:blipFill>
+          <a:blip r:embed="rId2">
+            <a:alphaModFix amt="10000"/>
+            <a:extLst>
+              <a:ext uri="{28A0092B-C50C-407E-A947-70E740481C1C}">
+                <a14:useLocalDpi xmlns:a14="http://schemas.microsoft.com/office/drawing/2010/main" val="0"/>
+              </a:ext>
+            </a:extLst>
+          </a:blip>
+          <a:stretch>
+            <a:fillRect/>
+          </a:stretch>
+        </p:blipFill>
+        <p:spPr>
+          <a:xfrm>
+            <a:off x="0" y="0"/>
+            <a:ext cx="12192000" cy="6858000"/>
+          </a:xfrm>
+          <a:prstGeom prst="rect">
+            <a:avLst/>
+          </a:prstGeom>
+        </p:spPr>
+      </p:pic>
+      <p:sp>
+        <p:nvSpPr>
+          <p:cNvPr id="37" name="Rectangle 23">
+            <a:extLst>
+              <a:ext uri="{FF2B5EF4-FFF2-40B4-BE49-F238E27FC236}">
+                <a16:creationId xmlns:a16="http://schemas.microsoft.com/office/drawing/2014/main" id="{FC49D257-5737-4C0D-89EA-9C311AF2B8B5}"/>
+              </a:ext>
+              <a:ext uri="{C183D7F6-B498-43B3-948B-1728B52AA6E4}">
+                <adec:decorative xmlns:adec="http://schemas.microsoft.com/office/drawing/2017/decorative" val="1"/>
+              </a:ext>
+            </a:extLst>
+          </p:cNvPr>
+          <p:cNvSpPr>
+            <a:spLocks noGrp="1" noRot="1" noChangeAspect="1" noMove="1" noResize="1" noEditPoints="1" noAdjustHandles="1" noChangeArrowheads="1" noChangeShapeType="1" noTextEdit="1"/>
+          </p:cNvSpPr>
+          <p:nvPr>
+            <p:extLst>
+              <p:ext uri="{386F3935-93C4-4BCD-93E2-E3B085C9AB24}">
+                <p16:designElem xmlns:p16="http://schemas.microsoft.com/office/powerpoint/2015/main" val="1"/>
+              </p:ext>
+            </p:extLst>
+          </p:nvPr>
+        </p:nvSpPr>
+        <p:spPr>
+          <a:xfrm>
+            <a:off x="6099176" y="0"/>
+            <a:ext cx="6092824" cy="6858001"/>
+          </a:xfrm>
+          <a:prstGeom prst="rect">
+            <a:avLst/>
+          </a:prstGeom>
+          <a:ln>
+            <a:noFill/>
+          </a:ln>
+        </p:spPr>
+        <p:style>
+          <a:lnRef idx="2">
+            <a:schemeClr val="accent1">
+              <a:shade val="50000"/>
+            </a:schemeClr>
+          </a:lnRef>
+          <a:fillRef idx="1">
+            <a:schemeClr val="accent1"/>
+          </a:fillRef>
+          <a:effectRef idx="0">
+            <a:schemeClr val="accent1"/>
+          </a:effectRef>
+          <a:fontRef idx="minor">
+            <a:schemeClr val="lt1"/>
+          </a:fontRef>
+        </p:style>
+        <p:txBody>
+          <a:bodyPr rtlCol="0" anchor="ctr"/>
+          <a:lstStyle/>
+          <a:p>
+            <a:pPr algn="ctr"/>
+            <a:endParaRPr lang="en-US"/>
+          </a:p>
+        </p:txBody>
+      </p:sp>
+      <p:pic>
+        <p:nvPicPr>
+          <p:cNvPr id="38" name="Picture 25">
+            <a:extLst>
+              <a:ext uri="{FF2B5EF4-FFF2-40B4-BE49-F238E27FC236}">
+                <a16:creationId xmlns:a16="http://schemas.microsoft.com/office/drawing/2014/main" id="{E13D267A-94F5-488A-94C6-5D7156D9AF8C}"/>
+              </a:ext>
+              <a:ext uri="{C183D7F6-B498-43B3-948B-1728B52AA6E4}">
+                <adec:decorative xmlns:adec="http://schemas.microsoft.com/office/drawing/2017/decorative" val="1"/>
+              </a:ext>
+            </a:extLst>
+          </p:cNvPr>
+          <p:cNvPicPr>
+            <a:picLocks noGrp="1" noRot="1" noChangeAspect="1" noMove="1" noResize="1" noEditPoints="1" noAdjustHandles="1" noChangeArrowheads="1" noChangeShapeType="1" noCrop="1"/>
+          </p:cNvPicPr>
+          <p:nvPr>
+            <p:extLst>
+              <p:ext uri="{386F3935-93C4-4BCD-93E2-E3B085C9AB24}">
+                <p16:designElem xmlns:p16="http://schemas.microsoft.com/office/powerpoint/2015/main" val="1"/>
+              </p:ext>
+            </p:extLst>
+          </p:nvPr>
+        </p:nvPicPr>
+        <p:blipFill>
+          <a:blip r:embed="rId3">
+            <a:extLst>
+              <a:ext uri="{28A0092B-C50C-407E-A947-70E740481C1C}">
+                <a14:useLocalDpi xmlns:a14="http://schemas.microsoft.com/office/drawing/2010/main" val="0"/>
+              </a:ext>
+            </a:extLst>
+          </a:blip>
+          <a:stretch>
+            <a:fillRect/>
+          </a:stretch>
+        </p:blipFill>
+        <p:spPr>
+          <a:xfrm>
+            <a:off x="1" y="4688333"/>
+            <a:ext cx="6400800" cy="185701"/>
+          </a:xfrm>
+          <a:prstGeom prst="rect">
+            <a:avLst/>
+          </a:prstGeom>
+        </p:spPr>
+      </p:pic>
+      <p:sp>
+        <p:nvSpPr>
+          <p:cNvPr id="39" name="Rectangle 27">
+            <a:extLst>
+              <a:ext uri="{FF2B5EF4-FFF2-40B4-BE49-F238E27FC236}">
+                <a16:creationId xmlns:a16="http://schemas.microsoft.com/office/drawing/2014/main" id="{46CE3EB2-91DF-4F5D-8874-744AAAE311E1}"/>
+              </a:ext>
+              <a:ext uri="{C183D7F6-B498-43B3-948B-1728B52AA6E4}">
+                <adec:decorative xmlns:adec="http://schemas.microsoft.com/office/drawing/2017/decorative" val="1"/>
+              </a:ext>
+            </a:extLst>
+          </p:cNvPr>
+          <p:cNvSpPr>
+            <a:spLocks noGrp="1" noRot="1" noChangeAspect="1" noMove="1" noResize="1" noEditPoints="1" noAdjustHandles="1" noChangeArrowheads="1" noChangeShapeType="1" noTextEdit="1"/>
+          </p:cNvSpPr>
+          <p:nvPr>
+            <p:extLst>
+              <p:ext uri="{386F3935-93C4-4BCD-93E2-E3B085C9AB24}">
+                <p16:designElem xmlns:p16="http://schemas.microsoft.com/office/powerpoint/2015/main" val="1"/>
+              </p:ext>
+            </p:extLst>
+          </p:nvPr>
+        </p:nvSpPr>
+        <p:spPr>
+          <a:xfrm>
+            <a:off x="-1" y="2162908"/>
+            <a:ext cx="6411743" cy="2532185"/>
+          </a:xfrm>
+          <a:prstGeom prst="rect">
+            <a:avLst/>
+          </a:prstGeom>
+          <a:solidFill>
+            <a:schemeClr val="bg1">
+              <a:lumMod val="85000"/>
+              <a:lumOff val="15000"/>
+            </a:schemeClr>
+          </a:solidFill>
+          <a:ln>
+            <a:noFill/>
+          </a:ln>
+        </p:spPr>
+        <p:style>
+          <a:lnRef idx="2">
+            <a:schemeClr val="accent1">
+              <a:shade val="50000"/>
+            </a:schemeClr>
+          </a:lnRef>
+          <a:fillRef idx="1">
+            <a:schemeClr val="accent1"/>
+          </a:fillRef>
+          <a:effectRef idx="0">
+            <a:schemeClr val="accent1"/>
+          </a:effectRef>
+          <a:fontRef idx="minor">
+            <a:schemeClr val="lt1"/>
+          </a:fontRef>
+        </p:style>
+      </p:sp>
+      <p:sp>
+        <p:nvSpPr>
+          <p:cNvPr id="2" name="Tytuł 1">
+            <a:extLst>
+              <a:ext uri="{FF2B5EF4-FFF2-40B4-BE49-F238E27FC236}">
+                <a16:creationId xmlns:a16="http://schemas.microsoft.com/office/drawing/2014/main" id="{EC002D38-331E-4C43-851E-7B2A0C90C1DA}"/>
+              </a:ext>
+            </a:extLst>
+          </p:cNvPr>
+          <p:cNvSpPr>
+            <a:spLocks noGrp="1"/>
+          </p:cNvSpPr>
+          <p:nvPr>
+            <p:ph type="title"/>
+          </p:nvPr>
+        </p:nvSpPr>
+        <p:spPr>
+          <a:xfrm>
+            <a:off x="680322" y="2403231"/>
+            <a:ext cx="5192940" cy="2133600"/>
+          </a:xfrm>
+        </p:spPr>
+        <p:txBody>
+          <a:bodyPr vert="horz" lIns="91440" tIns="45720" rIns="91440" bIns="45720" rtlCol="0" anchor="ctr">
+            <a:normAutofit/>
+          </a:bodyPr>
+          <a:lstStyle/>
+          <a:p>
+            <a:pPr algn="r"/>
+            <a:r>
+              <a:rPr lang="en-US" sz="5400"/>
+              <a:t>Bilans miesięczny</a:t>
+            </a:r>
+          </a:p>
+        </p:txBody>
+      </p:sp>
+      <p:pic>
+        <p:nvPicPr>
+          <p:cNvPr id="5" name="Grafika 4">
+            <a:extLst>
+              <a:ext uri="{FF2B5EF4-FFF2-40B4-BE49-F238E27FC236}">
+                <a16:creationId xmlns:a16="http://schemas.microsoft.com/office/drawing/2014/main" id="{2F61A690-F5F3-4AA6-B68E-5A767D06FED7}"/>
+              </a:ext>
+            </a:extLst>
+          </p:cNvPr>
+          <p:cNvPicPr>
+            <a:picLocks noChangeAspect="1"/>
+          </p:cNvPicPr>
+          <p:nvPr/>
+        </p:nvPicPr>
+        <p:blipFill>
+          <a:blip r:embed="rId5">
+            <a:extLst>
+              <a:ext uri="{28A0092B-C50C-407E-A947-70E740481C1C}">
+                <a14:useLocalDpi xmlns:a14="http://schemas.microsoft.com/office/drawing/2010/main" val="0"/>
+              </a:ext>
+              <a:ext uri="{96DAC541-7B7A-43D3-8B79-37D633B846F1}">
+                <asvg:svgBlip xmlns:asvg="http://schemas.microsoft.com/office/drawing/2016/SVG/main" r:embed="rId6"/>
+              </a:ext>
+            </a:extLst>
+          </a:blip>
+          <a:stretch>
+            <a:fillRect/>
+          </a:stretch>
+        </p:blipFill>
+        <p:spPr>
+          <a:xfrm>
+            <a:off x="6637657" y="155368"/>
+            <a:ext cx="5224440" cy="6648444"/>
+          </a:xfrm>
+          <a:prstGeom prst="rect">
+            <a:avLst/>
+          </a:prstGeom>
+          <a:ln>
+            <a:noFill/>
+          </a:ln>
+          <a:effectLst>
+            <a:outerShdw blurRad="76200" dist="63500" dir="5040000" algn="tl" rotWithShape="0">
+              <a:srgbClr val="000000">
+                <a:alpha val="41000"/>
+              </a:srgbClr>
+            </a:outerShdw>
+          </a:effectLst>
+        </p:spPr>
+      </p:pic>
+      <p:sp>
+        <p:nvSpPr>
+          <p:cNvPr id="3" name="Symbol zastępczy numeru slajdu 2">
+            <a:extLst>
+              <a:ext uri="{FF2B5EF4-FFF2-40B4-BE49-F238E27FC236}">
+                <a16:creationId xmlns:a16="http://schemas.microsoft.com/office/drawing/2014/main" id="{F96FB45D-B546-4536-A467-43CC7AC9705E}"/>
+              </a:ext>
+            </a:extLst>
+          </p:cNvPr>
+          <p:cNvSpPr>
+            <a:spLocks noGrp="1"/>
+          </p:cNvSpPr>
+          <p:nvPr>
+            <p:ph type="sldNum" sz="quarter" idx="12"/>
+          </p:nvPr>
+        </p:nvSpPr>
+        <p:spPr>
+          <a:xfrm>
+            <a:off x="11281776" y="6336872"/>
+            <a:ext cx="722655" cy="365760"/>
+          </a:xfrm>
+        </p:spPr>
+        <p:txBody>
+          <a:bodyPr vert="horz" lIns="91440" tIns="45720" rIns="91440" bIns="45720" rtlCol="0" anchor="ctr">
+            <a:normAutofit/>
+          </a:bodyPr>
+          <a:lstStyle/>
+          <a:p>
+            <a:pPr defTabSz="914400">
+              <a:spcAft>
+                <a:spcPts val="600"/>
+              </a:spcAft>
+            </a:pPr>
+            <a:r>
+              <a:rPr lang="pl-PL" sz="1800" dirty="0">
+                <a:solidFill>
+                  <a:srgbClr val="FFFFFF"/>
+                </a:solidFill>
+              </a:rPr>
+              <a:t>26</a:t>
+            </a:r>
+            <a:endParaRPr lang="en-US" sz="1800" dirty="0">
+              <a:solidFill>
+                <a:srgbClr val="FFFFFF"/>
+              </a:solidFill>
+            </a:endParaRPr>
+          </a:p>
+        </p:txBody>
+      </p:sp>
+    </p:spTree>
+    <p:extLst>
+      <p:ext uri="{BB962C8B-B14F-4D97-AF65-F5344CB8AC3E}">
+        <p14:creationId xmlns:p14="http://schemas.microsoft.com/office/powerpoint/2010/main" val="318629951"/>
+      </p:ext>
+    </p:extLst>
+  </p:cSld>
+  <p:clrMapOvr>
+    <a:masterClrMapping/>
+  </p:clrMapOvr>
+</p:sld>
+</file>
+
+<file path=ppt/slides/slide43.xml><?xml version="1.0" encoding="utf-8"?>
+<p:sld xmlns:a="http://schemas.openxmlformats.org/drawingml/2006/main" xmlns:r="http://schemas.openxmlformats.org/officeDocument/2006/relationships" xmlns:p="http://schemas.openxmlformats.org/presentationml/2006/main">
+  <p:cSld>
+    <p:bg>
+      <p:bgPr>
+        <a:gradFill rotWithShape="1">
+          <a:gsLst>
+            <a:gs pos="0">
+              <a:schemeClr val="bg2">
+                <a:tint val="96000"/>
+                <a:shade val="100000"/>
+                <a:hueMod val="270000"/>
+                <a:satMod val="200000"/>
+                <a:lumMod val="128000"/>
+              </a:schemeClr>
+            </a:gs>
+            <a:gs pos="50000">
+              <a:schemeClr val="bg2">
+                <a:shade val="100000"/>
+                <a:hueMod val="100000"/>
+                <a:satMod val="110000"/>
+                <a:lumMod val="130000"/>
+              </a:schemeClr>
+            </a:gs>
+            <a:gs pos="100000">
+              <a:schemeClr val="bg2">
+                <a:shade val="78000"/>
+                <a:hueMod val="44000"/>
+                <a:satMod val="200000"/>
+                <a:lumMod val="69000"/>
+              </a:schemeClr>
+            </a:gs>
+          </a:gsLst>
+          <a:lin ang="2520000" scaled="0"/>
+        </a:gradFill>
+        <a:effectLst/>
+      </p:bgPr>
+    </p:bg>
+    <p:spTree>
+      <p:nvGrpSpPr>
+        <p:cNvPr id="1" name=""/>
+        <p:cNvGrpSpPr/>
+        <p:nvPr/>
+      </p:nvGrpSpPr>
+      <p:grpSpPr>
+        <a:xfrm>
+          <a:off x="0" y="0"/>
+          <a:ext cx="0" cy="0"/>
+          <a:chOff x="0" y="0"/>
+          <a:chExt cx="0" cy="0"/>
+        </a:xfrm>
+      </p:grpSpPr>
+      <p:pic>
+        <p:nvPicPr>
           <p:cNvPr id="83" name="Picture 82">
             <a:extLst>
               <a:ext uri="{FF2B5EF4-FFF2-40B4-BE49-F238E27FC236}">
@@ -29536,7 +28441,7 @@
                   <a:srgbClr val="FFFFFF"/>
                 </a:solidFill>
               </a:rPr>
-              <a:t>26</a:t>
+              <a:t>27</a:t>
             </a:r>
             <a:endParaRPr lang="en-US" sz="1400" dirty="0">
               <a:solidFill>

--- a/Prezentacja_29.04.pptx
+++ b/Prezentacja_29.04.pptx
@@ -25023,35 +25023,6 @@
       </p:sp>
       <p:pic>
         <p:nvPicPr>
-          <p:cNvPr id="9" name="Symbol zastępczy zawartości 8">
-            <a:extLst>
-              <a:ext uri="{FF2B5EF4-FFF2-40B4-BE49-F238E27FC236}">
-                <a16:creationId xmlns:a16="http://schemas.microsoft.com/office/drawing/2014/main" id="{E81A251A-3DA2-4749-B7E0-B69ACCD0120E}"/>
-              </a:ext>
-            </a:extLst>
-          </p:cNvPr>
-          <p:cNvPicPr>
-            <a:picLocks noGrp="1" noChangeAspect="1"/>
-          </p:cNvPicPr>
-          <p:nvPr>
-            <p:ph idx="1"/>
-          </p:nvPr>
-        </p:nvPicPr>
-        <p:blipFill>
-          <a:blip r:embed="rId4"/>
-          <a:stretch>
-            <a:fillRect/>
-          </a:stretch>
-        </p:blipFill>
-        <p:spPr>
-          <a:xfrm>
-            <a:off x="302679" y="3294855"/>
-            <a:ext cx="6673156" cy="2295484"/>
-          </a:xfrm>
-        </p:spPr>
-      </p:pic>
-      <p:pic>
-        <p:nvPicPr>
           <p:cNvPr id="12" name="Grafika 11">
             <a:extLst>
               <a:ext uri="{FF2B5EF4-FFF2-40B4-BE49-F238E27FC236}">
@@ -25065,13 +25036,13 @@
           <p:nvPr/>
         </p:nvPicPr>
         <p:blipFill>
-          <a:blip r:embed="rId5">
+          <a:blip r:embed="rId4">
             <a:extLst>
               <a:ext uri="{28A0092B-C50C-407E-A947-70E740481C1C}">
                 <a14:useLocalDpi xmlns:a14="http://schemas.microsoft.com/office/drawing/2010/main" val="0"/>
               </a:ext>
               <a:ext uri="{96DAC541-7B7A-43D3-8B79-37D633B846F1}">
-                <asvg:svgBlip xmlns:asvg="http://schemas.microsoft.com/office/drawing/2016/SVG/main" r:embed="rId6"/>
+                <asvg:svgBlip xmlns:asvg="http://schemas.microsoft.com/office/drawing/2016/SVG/main" r:embed="rId5"/>
               </a:ext>
             </a:extLst>
           </a:blip>
@@ -25087,6 +25058,35 @@
           <a:prstGeom prst="rect">
             <a:avLst/>
           </a:prstGeom>
+        </p:spPr>
+      </p:pic>
+      <p:pic>
+        <p:nvPicPr>
+          <p:cNvPr id="7" name="Symbol zastępczy zawartości 6">
+            <a:extLst>
+              <a:ext uri="{FF2B5EF4-FFF2-40B4-BE49-F238E27FC236}">
+                <a16:creationId xmlns:a16="http://schemas.microsoft.com/office/drawing/2014/main" id="{51924F75-927D-434C-9268-D6BF24BC1D79}"/>
+              </a:ext>
+            </a:extLst>
+          </p:cNvPr>
+          <p:cNvPicPr>
+            <a:picLocks noGrp="1" noChangeAspect="1"/>
+          </p:cNvPicPr>
+          <p:nvPr>
+            <p:ph idx="1"/>
+          </p:nvPr>
+        </p:nvPicPr>
+        <p:blipFill>
+          <a:blip r:embed="rId6"/>
+          <a:stretch>
+            <a:fillRect/>
+          </a:stretch>
+        </p:blipFill>
+        <p:spPr>
+          <a:xfrm>
+            <a:off x="213543" y="2923267"/>
+            <a:ext cx="6796192" cy="2327463"/>
+          </a:xfrm>
         </p:spPr>
       </p:pic>
     </p:spTree>
